--- a/media/photo/SmartCar2.pptx
+++ b/media/photo/SmartCar2.pptx
@@ -239,7 +239,7 @@
             <a:spLocks noGrp="1" noChangeArrowheads="1"/>
             <a:extLst>
               <a:ext uri="smNativeData">
-                <pr:smNativeData xmlns:pr="smNativeData" xmlns="smNativeData" val="SMDATA_16_gfoFYRMAAAAlAAAAZAAAAA0AAAAAkAAAAEgAAACQAAAASAAAAAAAAAACAAAAAAAAAAEAAABQAAAAAAAAAAAA4D8AAAAAAADgPwAAAAAAAOA/AAAAAAAA4D8AAAAAAADgPwAAAAAAAOA/AAAAAAAA4D8AAAAAAADgPwAAAAAAAOA/AAAAAAAA4D8CAAAAjAAAAAAAAAAAAAAARHLEDP///wgAAAAAAAAAAAAAAAAAAAAAAAAAAAAAAAAAAAAAZAAAAAEAAABAAAAAAAAAAAAAAAAAAAAAAAAAAAAAAAAAAAAAAAAAAAAAAAAAAAAAAAAAAAAAAAAAAAAAAAAAAAAAAAAAAAAAAAAAAAAAAAAAAAAAAAAAAAAAAAAAAAAAFAAAADwAAAAAAAAAAAAAAAAAAAkUAAAAAQAAABQAAAAUAAAAFAAAAAEAAAAAAAAAZAAAAGQAAAAAAAAAZAAAAGQAAAAVAAAAYAAAAAAAAAAAAAAADwAAACADAAAAAAAAAAAAAAEAAACgMgAAVgcAAKr4//8BAAAAf39/AAEAAABkAAAAAAAAABQAAABAHwAAAAAAACYAAAAAAAAAwOD//wAAAAAmAAAAZAAAABYAAABMAAAAAAAAAAAAAAAEAAAAAAAAAAEAAADn5uYKAAAAACgAAAAoAAAAZAAAAGQAAAAAAAAAzMzMAAAAAABQAAAAUAAAAGQAAABkAAAAAAAAABcAAAAUAAAAAAAAAAAAAAD/fwAA/38AAAAAAAAJAAAABAAAAAAAAAAeAAAAaAAAAAAAAAAAAAAAAAAAAAAAAAAAAAAAECcAABAnAAAAAAAAAAAAAAAAAAAAAAAAAAAAAAAAAAAAAAAAAAAAABQAAAAAAAAAwMD/AAAAAABkAAAAMgAAAAAAAABkAAAAAAAAAH9/fwAKAAAAIgAAABgAAAAAAAAAAAAAAAAAAAAAAAAAAAAAAAAAAAAkAAAAJAAAAAAAAAAHAAAAAAAAAAAAAAAAAAAAAAAAAAAAAAAAAAAAf39/ACUAAABYAAAAAAAAAAAAAAAAAAAAAAAAAAAAAAAAAAAAAAAAAAAAAAAAAAAAAAAAAAAAAAA/AAAAAAAAAKCGAQAAAAAAAAAAAAAAAAAMAAAAAQAAAAAAAAAAAAAAAAAAAB8AAABUAAAAAAAABQAAAAEAAAAAAAAAAAAAAAAAAAAAAAAAAAAAAAAAAAAAAAAAAAAAAAJ/f38AAAAAA8zMzADAwP8Af39/AAAAAAAAAAAAAAAAAAAAAAAAAAAAIQAAABgAAAAUAAAAYAkAAOgGAACgQQAAmBUAABAAAAAmAAAACAAAAIGAAAAAAAAAMAAAABQAAAAAAAAAAAD//wAAAQAAAP//AAABAA=="/>
+                <pr:smNativeData xmlns:pr="smNativeData" xmlns="smNativeData" val="SMDATA_16_FAWHYRMAAAAlAAAAZAAAAA0AAAAAkAAAAEgAAACQAAAASAAAAAAAAAACAAAAAAAAAAEAAABQAAAAAAAAAAAA4D8AAAAAAADgPwAAAAAAAOA/AAAAAAAA4D8AAAAAAADgPwAAAAAAAOA/AAAAAAAA4D8AAAAAAADgPwAAAAAAAOA/AAAAAAAA4D8CAAAAjAAAAAAAAAAAAAAARHLEDP///wgAAAAAAAAAAAAAAAAAAAAAAAAAAAAAAAAAAAAAZAAAAAEAAABAAAAAAAAAAAAAAAAAAAAAAAAAAAAAAAAAAAAAAAAAAAAAAAAAAAAAAAAAAAAAAAAAAAAAAAAAAAAAAAAAAAAAAAAAAAAAAAAAAAAAAAAAAAAAAAAAAAAAFAAAADwAAAAAAAAAAAAAAAAAAAkUAAAAAQAAABQAAAAUAAAAFAAAAAEAAAAAAAAAZAAAAGQAAAAAAAAAZAAAAGQAAAAVAAAAYAAAAAAAAAAAAAAADwAAACADAAAAAAAAAAAAAAEAAACgMgAAVgcAAKr4//8BAAAAf39/AAEAAABkAAAAAAAAABQAAABAHwAAAAAAACYAAAAAAAAAwOD//wAAAAAmAAAAZAAAABYAAABMAAAAAAAAAAAAAAAEAAAAAAAAAAEAAADn5uYKAAAAACgAAAAoAAAAZAAAAGQAAAAAAAAAzMzMAAAAAABQAAAAUAAAAGQAAABkAAAAAAAAABcAAAAUAAAAAAAAAAAAAAD/fwAA/38AAAAAAAAJAAAABAAAAAAAAAAeAAAAaAAAAAAAAAAAAAAAAAAAAAAAAAAAAAAAECcAABAnAAAAAAAAAAAAAAAAAAAAAAAAAAAAAAAAAAAAAAAAAAAAABQAAAAAAAAAwMD/AAAAAABkAAAAMgAAAAAAAABkAAAAAAAAAH9/fwAKAAAAIgAAABgAAAAAAAAAAAAAAAAAAAAAAAAAAAAAAAAAAAAkAAAAJAAAAAAAAAAHAAAAAAAAAAAAAAAAAAAAAAAAAAAAAAAAAAAAf39/ACUAAABYAAAAAAAAAAAAAAAAAAAAAAAAAAAAAAAAAAAAAAAAAAAAAAAAAAAAAAAAAAAAAAA/AAAAAAAAAKCGAQAAAAAAAAAAAAAAAAAMAAAAAQAAAAAAAAAAAAAAAAAAAB8AAABUAAAAAAAABQAAAAEAAAAAAAAAAAAAAAAAAAAAAAAAAAAAAAAAAAAAAAAAAAAAAAJ/f38AAAAAA8zMzADAwP8Af39/AAAAAAAAAAAAAAAAAAAAAAAAAAAAIQAAABgAAAAUAAAAYAkAAOgGAACgQQAAmBUAABAAAAAmAAAACAAAAIGAAAAAAAAAMAAAABQAAAAAAAAAAAD//wAAAQAAAP//AAABAA=="/>
               </a:ext>
             </a:extLst>
           </p:cNvSpPr>
@@ -306,7 +306,7 @@
             <a:spLocks noGrp="1" noChangeArrowheads="1"/>
             <a:extLst>
               <a:ext uri="smNativeData">
-                <pr:smNativeData xmlns:pr="smNativeData" xmlns="smNativeData" val="SMDATA_16_gfoFYRMAAAAlAAAAZAAAAA0AAAAAkAAAAEgAAACQAAAASAAAAAAAAAAAAAAAAAAAAAEAAABQAAAAAAAAAAAA4D8AAAAAAADgPwAAAAAAAOA/AAAAAAAA4D8AAAAAAADgPwAAAAAAAOA/AAAAAAAA4D8AAAAAAADgPwAAAAAAAOA/AAAAAAAA4D8CAAAAjAAAAAAAAAAAAAAARHLEDP///wgAAAAAAAAAAAAAAAAAAAAAAAAAAAAAAAAAAAAAZAAAAAEAAABAAAAAAAAAAAAAAAAAAAAAAAAAAAAAAAAAAAAAAAAAAAAAAAAAAAAAAAAAAAAAAAAAAAAAAAAAAAAAAAAAAAAAAAAAAAAAAAAAAAAAAAAAAAAAAAAAAAAAFAAAADwAAAAAAAAAAAAAAAAAAAkUAAAAAQAAABQAAAAUAAAAFAAAAAEAAAAAAAAAZAAAAGQAAAAAAAAAZAAAAGQAAAAVAAAAYAAAAAAAAAAAAAAADwAAACADAAAAAAAAAAAAAAEAAACgMgAAVgcAAKr4//8BAAAAf39/AAEAAABkAAAAAAAAABQAAABAHwAAAAAAACYAAAAAAAAAwOD//wAAAAAmAAAAZAAAABYAAABMAAAAAAAAAAAAAAAEAAAAAAAAAAEAAADn5uYKAAAAACgAAAAoAAAAZAAAAGQAAAAAAAAAzMzMAAAAAABQAAAAUAAAAGQAAABkAAAAAAAAABcAAAAUAAAAAAAAAAAAAAD/fwAA/38AAAAAAAAJAAAABAAAAAAAAAAeAAAAaAAAAAAAAAAAAAAAAAAAAAAAAAAAAAAAECcAABAnAAAAAAAAAAAAAAAAAAAAAAAAAAAAAAAAAAAAAAAAAAAAABQAAAAAAAAAwMD/AAAAAABkAAAAMgAAAAAAAABkAAAAAAAAAH9/fwAKAAAAIgAAABgAAAAAAAAAAAAAAAAAAAAAAAAAAAAAAAAAAAAkAAAAJAAAAAAAAAAHAAAAAAAAAAAAAAAAAAAAAAAAAAAAAAAAAAAAf39/ACUAAABYAAAAAAAAAAAAAAAAAAAAAAAAAAAAAAAAAAAAAAAAAAAAAAAAAAAAAAAAAAAAAAA/AAAAAAAAAKCGAQAAAAAAAAAAAAAAAAAMAAAAAQAAAAAAAAAAAAAAAAAAAB8AAABUAAAAAAAABQAAAAEAAAAAAAAAAAAAAAAAAAAAAAAAAAAAAAAAAAAAAAAAAAAAAAJ/f38AAAAAA8zMzADAwP8Af39/AAAAAAAAAAAAAAAAAAAAAAAAAAAAIQAAABgAAAAUAAAAYAkAACkWAACgQQAAWCAAABAAAAAmAAAACAAAAAGAAAAAAAAAMAAAABQAAAAAAAAAAAD//wAAAQAAAP//AAABAA=="/>
+                <pr:smNativeData xmlns:pr="smNativeData" xmlns="smNativeData" val="SMDATA_16_FAWHYRMAAAAlAAAAZAAAAA0AAAAAkAAAAEgAAACQAAAASAAAAAAAAAAAAAAAAAAAAAEAAABQAAAAAAAAAAAA4D8AAAAAAADgPwAAAAAAAOA/AAAAAAAA4D8AAAAAAADgPwAAAAAAAOA/AAAAAAAA4D8AAAAAAADgPwAAAAAAAOA/AAAAAAAA4D8CAAAAjAAAAAAAAAAAAAAARHLEDP///wgAAAAAAAAAAAAAAAAAAAAAAAAAAAAAAAAAAAAAZAAAAAEAAABAAAAAAAAAAAAAAAAAAAAAAAAAAAAAAAAAAAAAAAAAAAAAAAAAAAAAAAAAAAAAAAAAAAAAAAAAAAAAAAAAAAAAAAAAAAAAAAAAAAAAAAAAAAAAAAAAAAAAFAAAADwAAAAAAAAAAAAAAAAAAAkUAAAAAQAAABQAAAAUAAAAFAAAAAEAAAAAAAAAZAAAAGQAAAAAAAAAZAAAAGQAAAAVAAAAYAAAAAAAAAAAAAAADwAAACADAAAAAAAAAAAAAAEAAACgMgAAVgcAAKr4//8BAAAAf39/AAEAAABkAAAAAAAAABQAAABAHwAAAAAAACYAAAAAAAAAwOD//wAAAAAmAAAAZAAAABYAAABMAAAAAAAAAAAAAAAEAAAAAAAAAAEAAADn5uYKAAAAACgAAAAoAAAAZAAAAGQAAAAAAAAAzMzMAAAAAABQAAAAUAAAAGQAAABkAAAAAAAAABcAAAAUAAAAAAAAAAAAAAD/fwAA/38AAAAAAAAJAAAABAAAAAAAAAAeAAAAaAAAAAAAAAAAAAAAAAAAAAAAAAAAAAAAECcAABAnAAAAAAAAAAAAAAAAAAAAAAAAAAAAAAAAAAAAAAAAAAAAABQAAAAAAAAAwMD/AAAAAABkAAAAMgAAAAAAAABkAAAAAAAAAH9/fwAKAAAAIgAAABgAAAAAAAAAAAAAAAAAAAAAAAAAAAAAAAAAAAAkAAAAJAAAAAAAAAAHAAAAAAAAAAAAAAAAAAAAAAAAAAAAAAAAAAAAf39/ACUAAABYAAAAAAAAAAAAAAAAAAAAAAAAAAAAAAAAAAAAAAAAAAAAAAAAAAAAAAAAAAAAAAA/AAAAAAAAAKCGAQAAAAAAAAAAAAAAAAAMAAAAAQAAAAAAAAAAAAAAAAAAAB8AAABUAAAAAAAABQAAAAEAAAAAAAAAAAAAAAAAAAAAAAAAAAAAAAAAAAAAAAAAAAAAAAJ/f38AAAAAA8zMzADAwP8Af39/AAAAAAAAAAAAAAAAAAAAAAAAAAAAIQAAABgAAAAUAAAAYAkAACkWAACgQQAAWCAAABAAAAAmAAAACAAAAAGAAAAAAAAAMAAAABQAAAAAAAAAAAD//wAAAQAAAP//AAABAA=="/>
               </a:ext>
             </a:extLst>
           </p:cNvSpPr>
@@ -378,7 +378,7 @@
             <a:spLocks noGrp="1" noChangeArrowheads="1"/>
             <a:extLst>
               <a:ext uri="smNativeData">
-                <pr:smNativeData xmlns:pr="smNativeData" xmlns="smNativeData" val="SMDATA_16_gfoFYRMAAAAlAAAAZAAAAA0AAAAAkAAAAEgAAACQAAAASAAAAAAAAAABAAAAAAAAAAEAAABQAAAAAAAAAAAA4D8AAAAAAADgPwAAAAAAAOA/AAAAAAAA4D8AAAAAAADgPwAAAAAAAOA/AAAAAAAA4D8AAAAAAADgPwAAAAAAAOA/AAAAAAAA4D8CAAAAjAAAAAAAAAAAAAAARHLEDP///wgAAAAAAAAAAAAAAAAAAAAAAAAAAAAAAAAAAAAAZAAAAAEAAABAAAAAAAAAAAAAAAAAAAAAAAAAAAAAAAAAAAAAAAAAAAAAAAAAAAAAAAAAAAAAAAAAAAAAAAAAAAAAAAAAAAAAAAAAAAAAAAAAAAAAAAAAAAAAAAAAAAAAFAAAADwAAAAAAAAAAAAAAAAAAAkUAAAAAQAAABQAAAAUAAAAFAAAAAEAAAAAAAAAZAAAAGQAAAAAAAAAZAAAAGQAAAAVAAAAYAAAAAAAAAAAAAAADwAAACADAAAAAAAAAAAAAAEAAACgMgAAVgcAAKr4//8BAAAAf39/AAEAAABkAAAAAAAAABQAAABAHwAAAAAAACYAAAAAAAAAwOD//wAAAAAmAAAAZAAAABYAAABMAAAAAAAAAAAAAAAEAAAAAAAAAAEAAADn5uYKAAAAACgAAAAoAAAAZAAAAGQAAAAAAAAAzMzMAAAAAABQAAAAUAAAAGQAAABkAAAAAAAAABcAAAAUAAAAAAAAAAAAAAD/fwAA/38AAAAAAAAJAAAABAAAAAAAAAAeAAAAaAAAAAAAAAAAAAAAAAAAAAAAAAAAAAAAECcAABAnAAAAAAAAAAAAAAAAAAAAAAAAAAAAAAAAAAAAAAAAAAAAABQAAAAAAAAAwMD/AAAAAABkAAAAMgAAAAAAAABkAAAAAAAAAH9/fwAKAAAAIgAAABgAAAAAAAAAAAAAAAAAAAAAAAAAAAAAAAAAAAAkAAAAJAAAAAAAAAAHAAAAAAAAAAAAAAAAAAAAAAAAAAAAAAAAAAAAf39/ACUAAABYAAAAAAAAAAAAAAAAAAAAAAAAAAAAAAAAAAAAAAAAAAAAAAAAAAAAAAAAAAAAAAA/AAAAAAAAAKCGAQAAAAAAAAAAAAAAAAAMAAAAAQAAAAAAAAAAAAAAAAAAAB8AAABUAAAAAAAABQAAAAEAAAAAAAAAAAAAAAAAAAAAAAAAAAAAAAAAAAAAAAAAAAAAAAJ/f38AAAAAA8zMzADAwP8Af39/AAAAAAAAAAAAAAAAAAAAAAAAAAAAIQAAABgAAAAUAAAAKAUAABonAAAIFgAAWSkAABAAAAAmAAAACAAAAAAAAAAAAAAAMAAAABQAAAAAAAAAAAD//wAAAQAAAP//AAABAA=="/>
+                <pr:smNativeData xmlns:pr="smNativeData" xmlns="smNativeData" val="SMDATA_16_FAWHYRMAAAAlAAAAZAAAAA0AAAAAkAAAAEgAAACQAAAASAAAAAAAAAABAAAAAAAAAAEAAABQAAAAAAAAAAAA4D8AAAAAAADgPwAAAAAAAOA/AAAAAAAA4D8AAAAAAADgPwAAAAAAAOA/AAAAAAAA4D8AAAAAAADgPwAAAAAAAOA/AAAAAAAA4D8CAAAAjAAAAAAAAAAAAAAARHLEDP///wgAAAAAAAAAAAAAAAAAAAAAAAAAAAAAAAAAAAAAZAAAAAEAAABAAAAAAAAAAAAAAAAAAAAAAAAAAAAAAAAAAAAAAAAAAAAAAAAAAAAAAAAAAAAAAAAAAAAAAAAAAAAAAAAAAAAAAAAAAAAAAAAAAAAAAAAAAAAAAAAAAAAAFAAAADwAAAAAAAAAAAAAAAAAAAkUAAAAAQAAABQAAAAUAAAAFAAAAAEAAAAAAAAAZAAAAGQAAAAAAAAAZAAAAGQAAAAVAAAAYAAAAAAAAAAAAAAADwAAACADAAAAAAAAAAAAAAEAAACgMgAAVgcAAKr4//8BAAAAf39/AAEAAABkAAAAAAAAABQAAABAHwAAAAAAACYAAAAAAAAAwOD//wAAAAAmAAAAZAAAABYAAABMAAAAAAAAAAAAAAAEAAAAAAAAAAEAAADn5uYKAAAAACgAAAAoAAAAZAAAAGQAAAAAAAAAzMzMAAAAAABQAAAAUAAAAGQAAABkAAAAAAAAABcAAAAUAAAAAAAAAAAAAAD/fwAA/38AAAAAAAAJAAAABAAAAAAAAAAeAAAAaAAAAAAAAAAAAAAAAAAAAAAAAAAAAAAAECcAABAnAAAAAAAAAAAAAAAAAAAAAAAAAAAAAAAAAAAAAAAAAAAAABQAAAAAAAAAwMD/AAAAAABkAAAAMgAAAAAAAABkAAAAAAAAAH9/fwAKAAAAIgAAABgAAAAAAAAAAAAAAAAAAAAAAAAAAAAAAAAAAAAkAAAAJAAAAAAAAAAHAAAAAAAAAAAAAAAAAAAAAAAAAAAAAAAAAAAAf39/ACUAAABYAAAAAAAAAAAAAAAAAAAAAAAAAAAAAAAAAAAAAAAAAAAAAAAAAAAAAAAAAAAAAAA/AAAAAAAAAKCGAQAAAAAAAAAAAAAAAAAMAAAAAQAAAAAAAAAAAAAAAAAAAB8AAABUAAAAAAAABQAAAAEAAAAAAAAAAAAAAAAAAAAAAAAAAAAAAAAAAAAAAAAAAAAAAAJ/f38AAAAAA8zMzADAwP8Af39/AAAAAAAAAAAAAAAAAAAAAAAAAAAAIQAAABgAAAAUAAAAKAUAABonAAAIFgAAWSkAABAAAAAmAAAACAAAAAAAAAAAAAAAMAAAABQAAAAAAAAAAAD//wAAAQAAAP//AAABAA=="/>
               </a:ext>
             </a:extLst>
           </p:cNvSpPr>
@@ -394,7 +394,7 @@
             <a:pPr>
               <a:defRPr lang="en-us"/>
             </a:pPr>
-            <a:fld id="{3AB20D0F-41D7-E7FB-990A-B7AE43446FE2}" type="datetime1">
+            <a:fld id="{35CA4A48-06D8-9FBC-9672-F0E9043C60A5}" type="datetime1">
               <a:rPr lang="en-au" cap="none"/>
               <a:t>12/05/2021</a:t>
             </a:fld>
@@ -409,7 +409,7 @@
             <a:spLocks noGrp="1" noChangeArrowheads="1"/>
             <a:extLst>
               <a:ext uri="smNativeData">
-                <pr:smNativeData xmlns:pr="smNativeData" xmlns="smNativeData" val="SMDATA_16_gfoFYRMAAAAlAAAAZAAAAA0AAAAAkAAAAEgAAACQAAAASAAAAAAAAAABAAAAAAAAAAEAAABQAAAAAAAAAAAA4D8AAAAAAADgPwAAAAAAAOA/AAAAAAAA4D8AAAAAAADgPwAAAAAAAOA/AAAAAAAA4D8AAAAAAADgPwAAAAAAAOA/AAAAAAAA4D8CAAAAjAAAAAAAAAAAAAAARHLEDP///wgAAAAAAAAAAAAAAAAAAAAAAAAAAAAAAAAAAAAAZAAAAAEAAABAAAAAAAAAAAAAAAAAAAAAAAAAAAAAAAAAAAAAAAAAAAAAAAAAAAAAAAAAAAAAAAAAAAAAAAAAAAAAAAAAAAAAAAAAAAAAAAAAAAAAAAAAAAAAAAAAAAAAFAAAADwAAAAAAAAAAAAAAAAAAAkUAAAAAQAAABQAAAAUAAAAFAAAAAEAAAAAAAAAZAAAAGQAAAAAAAAAZAAAAGQAAAAVAAAAYAAAAAAAAAAAAAAADwAAACADAAAAAAAAAAAAAAEAAACgMgAAVgcAAKr4//8BAAAAf39/AAEAAABkAAAAAAAAABQAAABAHwAAAAAAACYAAAAAAAAAwOD//wAAAAAmAAAAZAAAABYAAABMAAAAAAAAAAAAAAAEAAAAAAAAAAEAAADn5uYKAAAAACgAAAAoAAAAZAAAAGQAAAAAAAAAzMzMAAAAAABQAAAAUAAAAGQAAABkAAAAAAAAABcAAAAUAAAAAAAAAAAAAAD/fwAA/38AAAAAAAAJAAAABAAAAAAAAAAeAAAAaAAAAAAAAAAAAAAAAAAAAAAAAAAAAAAAECcAABAnAAAAAAAAAAAAAAAAAAAAAAAAAAAAAAAAAAAAAAAAAAAAABQAAAAAAAAAwMD/AAAAAABkAAAAMgAAAAAAAABkAAAAAAAAAH9/fwAKAAAAIgAAABgAAAAAAAAAAAAAAAAAAAAAAAAAAAAAAAAAAAAkAAAAJAAAAAAAAAAHAAAAAAAAAAAAAAAAAAAAAAAAAAAAAAAAAAAAf39/ACUAAABYAAAAAAAAAAAAAAAAAAAAAAAAAAAAAAAAAAAAAAAAAAAAAAAAAAAAAAAAAAAAAAA/AAAAAAAAAKCGAQAAAAAAAAAAAAAAAAAMAAAAAQAAAAAAAAAAAAAAAAAAAB8AAABUAAAAAAAABQAAAAEAAAAAAAAAAAAAAAAAAAAAAAAAAAAAAAAAAAAAAAAAAAAAAAJ/f38AAAAAA8zMzADAwP8Af39/AAAAAAAAAAAAAAAAAAAAAAAAAAAAIQAAABgAAAAUAAAA2BgAABonAAAoMgAAWSkAABAAAAAmAAAACAAAAAAAAAAAAAAAMAAAABQAAAAAAAAAAAD//wAAAQAAAP//AAABAA=="/>
+                <pr:smNativeData xmlns:pr="smNativeData" xmlns="smNativeData" val="SMDATA_16_FAWHYRMAAAAlAAAAZAAAAA0AAAAAkAAAAEgAAACQAAAASAAAAAAAAAABAAAAAAAAAAEAAABQAAAAAAAAAAAA4D8AAAAAAADgPwAAAAAAAOA/AAAAAAAA4D8AAAAAAADgPwAAAAAAAOA/AAAAAAAA4D8AAAAAAADgPwAAAAAAAOA/AAAAAAAA4D8CAAAAjAAAAAAAAAAAAAAARHLEDP///wgAAAAAAAAAAAAAAAAAAAAAAAAAAAAAAAAAAAAAZAAAAAEAAABAAAAAAAAAAAAAAAAAAAAAAAAAAAAAAAAAAAAAAAAAAAAAAAAAAAAAAAAAAAAAAAAAAAAAAAAAAAAAAAAAAAAAAAAAAAAAAAAAAAAAAAAAAAAAAAAAAAAAFAAAADwAAAAAAAAAAAAAAAAAAAkUAAAAAQAAABQAAAAUAAAAFAAAAAEAAAAAAAAAZAAAAGQAAAAAAAAAZAAAAGQAAAAVAAAAYAAAAAAAAAAAAAAADwAAACADAAAAAAAAAAAAAAEAAACgMgAAVgcAAKr4//8BAAAAf39/AAEAAABkAAAAAAAAABQAAABAHwAAAAAAACYAAAAAAAAAwOD//wAAAAAmAAAAZAAAABYAAABMAAAAAAAAAAAAAAAEAAAAAAAAAAEAAADn5uYKAAAAACgAAAAoAAAAZAAAAGQAAAAAAAAAzMzMAAAAAABQAAAAUAAAAGQAAABkAAAAAAAAABcAAAAUAAAAAAAAAAAAAAD/fwAA/38AAAAAAAAJAAAABAAAAAAAAAAeAAAAaAAAAAAAAAAAAAAAAAAAAAAAAAAAAAAAECcAABAnAAAAAAAAAAAAAAAAAAAAAAAAAAAAAAAAAAAAAAAAAAAAABQAAAAAAAAAwMD/AAAAAABkAAAAMgAAAAAAAABkAAAAAAAAAH9/fwAKAAAAIgAAABgAAAAAAAAAAAAAAAAAAAAAAAAAAAAAAAAAAAAkAAAAJAAAAAAAAAAHAAAAAAAAAAAAAAAAAAAAAAAAAAAAAAAAAAAAf39/ACUAAABYAAAAAAAAAAAAAAAAAAAAAAAAAAAAAAAAAAAAAAAAAAAAAAAAAAAAAAAAAAAAAAA/AAAAAAAAAKCGAQAAAAAAAAAAAAAAAAAMAAAAAQAAAAAAAAAAAAAAAAAAAB8AAABUAAAAAAAABQAAAAEAAAAAAAAAAAAAAAAAAAAAAAAAAAAAAAAAAAAAAAAAAAAAAAJ/f38AAAAAA8zMzADAwP8Af39/AAAAAAAAAAAAAAAAAAAAAAAAAAAAIQAAABgAAAAUAAAA2BgAABonAAAoMgAAWSkAABAAAAAmAAAACAAAAAAAAAAAAAAAMAAAABQAAAAAAAAAAAD//wAAAQAAAP//AAABAA=="/>
               </a:ext>
             </a:extLst>
           </p:cNvSpPr>
@@ -436,7 +436,7 @@
             <a:spLocks noGrp="1" noChangeArrowheads="1"/>
             <a:extLst>
               <a:ext uri="smNativeData">
-                <pr:smNativeData xmlns:pr="smNativeData" xmlns="smNativeData" val="SMDATA_16_gfoFYRMAAAAlAAAAZAAAAA0AAAAAkAAAAEgAAACQAAAASAAAAAAAAAABAAAAAAAAAAEAAABQAAAAAAAAAAAA4D8AAAAAAADgPwAAAAAAAOA/AAAAAAAA4D8AAAAAAADgPwAAAAAAAOA/AAAAAAAA4D8AAAAAAADgPwAAAAAAAOA/AAAAAAAA4D8CAAAAjAAAAAAAAAAAAAAARHLEDP///wgAAAAAAAAAAAAAAAAAAAAAAAAAAAAAAAAAAAAAZAAAAAEAAABAAAAAAAAAAAAAAAAAAAAAAAAAAAAAAAAAAAAAAAAAAAAAAAAAAAAAAAAAAAAAAAAAAAAAAAAAAAAAAAAAAAAAAAAAAAAAAAAAAAAAAAAAAAAAAAAAAAAAFAAAADwAAAAAAAAAAAAAAAAAAAkUAAAAAQAAABQAAAAUAAAAFAAAAAEAAAAAAAAAZAAAAGQAAAAAAAAAZAAAAGQAAAAVAAAAYAAAAAAAAAAAAAAADwAAACADAAAAAAAAAAAAAAEAAACgMgAAVgcAAKr4//8BAAAAf39/AAEAAABkAAAAAAAAABQAAABAHwAAAAAAACYAAAAAAAAAwOD//wAAAAAmAAAAZAAAABYAAABMAAAAAAAAAAAAAAAEAAAAAAAAAAEAAADn5uYKAAAAACgAAAAoAAAAZAAAAGQAAAAAAAAAzMzMAAAAAABQAAAAUAAAAGQAAABkAAAAAAAAABcAAAAUAAAAAAAAAAAAAAD/fwAA/38AAAAAAAAJAAAABAAAAAAAAAAeAAAAaAAAAAAAAAAAAAAAAAAAAAAAAAAAAAAAECcAABAnAAAAAAAAAAAAAAAAAAAAAAAAAAAAAAAAAAAAAAAAAAAAABQAAAAAAAAAwMD/AAAAAABkAAAAMgAAAAAAAABkAAAAAAAAAH9/fwAKAAAAIgAAABgAAAAAAAAAAAAAAAAAAAAAAAAAAAAAAAAAAAAkAAAAJAAAAAAAAAAHAAAAAAAAAAAAAAAAAAAAAAAAAAAAAAAAAAAAf39/ACUAAABYAAAAAAAAAAAAAAAAAAAAAAAAAAAAAAAAAAAAAAAAAAAAAAAAAAAAAAAAAAAAAAA/AAAAAAAAAKCGAQAAAAAAAAAAAAAAAAAMAAAAAQAAAAAAAAAAAAAAAAAAAB8AAABUAAAAAAAABQAAAAEAAAAAAAAAAAAAAAAAAAAAAAAAAAAAAAAAAAAAAAAAAAAAAAJ/f38AAAAAA8zMzADAwP8Af39/AAAAAAAAAAAAAAAAAAAAAAAAAAAAIQAAABgAAAAUAAAA+DQAABonAADYRQAAWSkAABAAAAAmAAAACAAAAAAAAAAAAAAAMAAAABQAAAAAAAAAAAD//wAAAQAAAP//AAABAA=="/>
+                <pr:smNativeData xmlns:pr="smNativeData" xmlns="smNativeData" val="SMDATA_16_FAWHYRMAAAAlAAAAZAAAAA0AAAAAkAAAAEgAAACQAAAASAAAAAAAAAABAAAAAAAAAAEAAABQAAAAAAAAAAAA4D8AAAAAAADgPwAAAAAAAOA/AAAAAAAA4D8AAAAAAADgPwAAAAAAAOA/AAAAAAAA4D8AAAAAAADgPwAAAAAAAOA/AAAAAAAA4D8CAAAAjAAAAAAAAAAAAAAARHLEDP///wgAAAAAAAAAAAAAAAAAAAAAAAAAAAAAAAAAAAAAZAAAAAEAAABAAAAAAAAAAAAAAAAAAAAAAAAAAAAAAAAAAAAAAAAAAAAAAAAAAAAAAAAAAAAAAAAAAAAAAAAAAAAAAAAAAAAAAAAAAAAAAAAAAAAAAAAAAAAAAAAAAAAAFAAAADwAAAAAAAAAAAAAAAAAAAkUAAAAAQAAABQAAAAUAAAAFAAAAAEAAAAAAAAAZAAAAGQAAAAAAAAAZAAAAGQAAAAVAAAAYAAAAAAAAAAAAAAADwAAACADAAAAAAAAAAAAAAEAAACgMgAAVgcAAKr4//8BAAAAf39/AAEAAABkAAAAAAAAABQAAABAHwAAAAAAACYAAAAAAAAAwOD//wAAAAAmAAAAZAAAABYAAABMAAAAAAAAAAAAAAAEAAAAAAAAAAEAAADn5uYKAAAAACgAAAAoAAAAZAAAAGQAAAAAAAAAzMzMAAAAAABQAAAAUAAAAGQAAABkAAAAAAAAABcAAAAUAAAAAAAAAAAAAAD/fwAA/38AAAAAAAAJAAAABAAAAAAAAAAeAAAAaAAAAAAAAAAAAAAAAAAAAAAAAAAAAAAAECcAABAnAAAAAAAAAAAAAAAAAAAAAAAAAAAAAAAAAAAAAAAAAAAAABQAAAAAAAAAwMD/AAAAAABkAAAAMgAAAAAAAABkAAAAAAAAAH9/fwAKAAAAIgAAABgAAAAAAAAAAAAAAAAAAAAAAAAAAAAAAAAAAAAkAAAAJAAAAAAAAAAHAAAAAAAAAAAAAAAAAAAAAAAAAAAAAAAAAAAAf39/ACUAAABYAAAAAAAAAAAAAAAAAAAAAAAAAAAAAAAAAAAAAAAAAAAAAAAAAAAAAAAAAAAAAAA/AAAAAAAAAKCGAQAAAAAAAAAAAAAAAAAMAAAAAQAAAAAAAAAAAAAAAAAAAB8AAABUAAAAAAAABQAAAAEAAAAAAAAAAAAAAAAAAAAAAAAAAAAAAAAAAAAAAAAAAAAAAAJ/f38AAAAAA8zMzADAwP8Af39/AAAAAAAAAAAAAAAAAAAAAAAAAAAAIQAAABgAAAAUAAAA+DQAABonAADYRQAAWSkAABAAAAAmAAAACAAAAAAAAAAAAAAAMAAAABQAAAAAAAAAAAD//wAAAQAAAP//AAABAA=="/>
               </a:ext>
             </a:extLst>
           </p:cNvSpPr>
@@ -452,7 +452,7 @@
             <a:pPr>
               <a:defRPr lang="en-us"/>
             </a:pPr>
-            <a:fld id="{3AB2639F-D1D7-E795-990A-27C02D446F72}" type="slidenum">
+            <a:fld id="{35CA31B8-F6D8-9FC7-9672-00927F3C6055}" type="slidenum">
               <a:rPr lang="en-au" cap="none"/>
               <a:t>‹#›</a:t>
             </a:fld>
@@ -493,7 +493,7 @@
             <a:spLocks noGrp="1" noChangeArrowheads="1"/>
             <a:extLst>
               <a:ext uri="smNativeData">
-                <pr:smNativeData xmlns:pr="smNativeData" xmlns="smNativeData" val="SMDATA_16_gfoFYRMAAAAlAAAAZAAAAA0AAAAAkAAAAEgAAACQAAAASAAAAAAAAAABAAAAAAAAAAEAAABQAAAAAAAAAAAA4D8AAAAAAADgPwAAAAAAAOA/AAAAAAAA4D8AAAAAAADgPwAAAAAAAOA/AAAAAAAA4D8AAAAAAADgPwAAAAAAAOA/AAAAAAAA4D8CAAAAjAAAAAAAAAAAAAAARHLEDP///wgAAAAAAAAAAAAAAAAAAAAAAAAAAAAAAAAAAAAAZAAAAAEAAABAAAAAAAAAAAAAAAAAAAAAAAAAAAAAAAAAAAAAAAAAAAAAAAAAAAAAAAAAAAAAAAAAAAAAAAAAAAAAAAAAAAAAAAAAAAAAAAAAAAAAAAAAAAAAAAAAAAAAFAAAADwAAAAAAAAAAAAAAAAAAAkUAAAAAQAAABQAAAAUAAAAFAAAAAEAAAAAAAAAZAAAAGQAAAAAAAAAZAAAAGQAAAAVAAAAYAAAAAAAAAAAAAAADwAAACADAAAAAAAAAAAAAAEAAACgMgAAVgcAAKr4//8BAAAAf39/AAEAAABkAAAAAAAAABQAAABAHwAAAAAAACYAAAAAAAAAwOD//wAAAAAmAAAAZAAAABYAAABMAAAAAAAAAAAAAAAEAAAAAAAAAAEAAADn5uYKAAAAACgAAAAoAAAAZAAAAGQAAAAAAAAAzMzMAAAAAABQAAAAUAAAAGQAAABkAAAAAAAAABcAAAAUAAAAAAAAAAAAAAD/fwAA/38AAAAAAAAJAAAABAAAAAAAAAAeAAAAaAAAAAAAAAAAAAAAAAAAAAAAAAAAAAAAECcAABAnAAAAAAAAAAAAAAAAAAAAAAAAAAAAAAAAAAAAAAAAAAAAABQAAAAAAAAAwMD/AAAAAABkAAAAMgAAAAAAAABkAAAAAAAAAH9/fwAKAAAAIgAAABgAAAAAAAAAAAAAAAAAAAAAAAAAAAAAAAAAAAAkAAAAJAAAAAAAAAAHAAAAAAAAAAAAAAAAAAAAAAAAAAAAAAAAAAAAf39/ACUAAABYAAAAAAAAAAAAAAAAAAAAAAAAAAAAAAAAAAAAAAAAAAAAAAAAAAAAAAAAAAAAAAA/AAAAAAAAAKCGAQAAAAAAAAAAAAAAAAAMAAAAAQAAAAAAAAAAAAAAAAAAAB8AAABUAAAAAAAABQAAAAEAAAAAAAAAAAAAAAAAAAAAAAAAAAAAAAAAAAAAAAAAAAAAAAJ/f38AAAAAA8zMzADAwP8Af39/AAAAAAAAAAAAAAAAAAAAAAAAAAAAIQAAABgAAAAUAAAAKAUAAD8CAADYRQAAZwoAABAAAAAmAAAACAAAAAAAAAAAAAAAMAAAABQAAAAAAAAAAAD//wAAAQAAAP//AAABAA=="/>
+                <pr:smNativeData xmlns:pr="smNativeData" xmlns="smNativeData" val="SMDATA_16_FAWHYRMAAAAlAAAAZAAAAA0AAAAAkAAAAEgAAACQAAAASAAAAAAAAAABAAAAAAAAAAEAAABQAAAAAAAAAAAA4D8AAAAAAADgPwAAAAAAAOA/AAAAAAAA4D8AAAAAAADgPwAAAAAAAOA/AAAAAAAA4D8AAAAAAADgPwAAAAAAAOA/AAAAAAAA4D8CAAAAjAAAAAAAAAAAAAAARHLEDP///wgAAAAAAAAAAAAAAAAAAAAAAAAAAAAAAAAAAAAAZAAAAAEAAABAAAAAAAAAAAAAAAAAAAAAAAAAAAAAAAAAAAAAAAAAAAAAAAAAAAAAAAAAAAAAAAAAAAAAAAAAAAAAAAAAAAAAAAAAAAAAAAAAAAAAAAAAAAAAAAAAAAAAFAAAADwAAAAAAAAAAAAAAAAAAAkUAAAAAQAAABQAAAAUAAAAFAAAAAEAAAAAAAAAZAAAAGQAAAAAAAAAZAAAAGQAAAAVAAAAYAAAAAAAAAAAAAAADwAAACADAAAAAAAAAAAAAAEAAACgMgAAVgcAAKr4//8BAAAAf39/AAEAAABkAAAAAAAAABQAAABAHwAAAAAAACYAAAAAAAAAwOD//wAAAAAmAAAAZAAAABYAAABMAAAAAAAAAAAAAAAEAAAAAAAAAAEAAADn5uYKAAAAACgAAAAoAAAAZAAAAGQAAAAAAAAAzMzMAAAAAABQAAAAUAAAAGQAAABkAAAAAAAAABcAAAAUAAAAAAAAAAAAAAD/fwAA/38AAAAAAAAJAAAABAAAAAAAAAAeAAAAaAAAAAAAAAAAAAAAAAAAAAAAAAAAAAAAECcAABAnAAAAAAAAAAAAAAAAAAAAAAAAAAAAAAAAAAAAAAAAAAAAABQAAAAAAAAAwMD/AAAAAABkAAAAMgAAAAAAAABkAAAAAAAAAH9/fwAKAAAAIgAAABgAAAAAAAAAAAAAAAAAAAAAAAAAAAAAAAAAAAAkAAAAJAAAAAAAAAAHAAAAAAAAAAAAAAAAAAAAAAAAAAAAAAAAAAAAf39/ACUAAABYAAAAAAAAAAAAAAAAAAAAAAAAAAAAAAAAAAAAAAAAAAAAAAAAAAAAAAAAAAAAAAA/AAAAAAAAAKCGAQAAAAAAAAAAAAAAAAAMAAAAAQAAAAAAAAAAAAAAAAAAAB8AAABUAAAAAAAABQAAAAEAAAAAAAAAAAAAAAAAAAAAAAAAAAAAAAAAAAAAAAAAAAAAAAJ/f38AAAAAA8zMzADAwP8Af39/AAAAAAAAAAAAAAAAAAAAAAAAAAAAIQAAABgAAAAUAAAAKAUAAD8CAADYRQAAZwoAABAAAAAmAAAACAAAAAAAAAAAAAAAMAAAABQAAAAAAAAAAAD//wAAAQAAAP//AAABAA=="/>
               </a:ext>
             </a:extLst>
           </p:cNvSpPr>
@@ -523,7 +523,7 @@
             <a:spLocks noGrp="1" noChangeArrowheads="1"/>
             <a:extLst>
               <a:ext uri="smNativeData">
-                <pr:smNativeData xmlns:pr="smNativeData" xmlns="smNativeData" val="SMDATA_16_gfoFYRMAAAAlAAAAZAAAAA0AAAAAkAAAAEgAAACQAAAASAAAAAAAAAAAAAAAAQAAAAEAAABQAAAAAAAAAAAA4D8AAAAAAADgPwAAAAAAAOA/AAAAAAAA4D8AAAAAAADgPwAAAAAAAOA/AAAAAAAA4D8AAAAAAADgPwAAAAAAAOA/AAAAAAAA4D8CAAAAjAAAAAAAAAAAAAAARHLEDP///wgAAAAAAAAAAAAAAAAAAAAAAAAAAAAAAAAAAAAAZAAAAAEAAABAAAAAAAAAAAAAAAAAAAAAAAAAAAAAAAAAAAAAAAAAAAAAAAAAAAAAAAAAAAAAAAAAAAAAAAAAAAAAAAAAAAAAAAAAAAAAAAAAAAAAAAAAAAAAAAAAAAAAFAAAADwAAAAAAAAAAAAAAAAAAAkUAAAAAQAAABQAAAAUAAAAFAAAAAEAAAAAAAAAZAAAAGQAAAAAAAAAZAAAAGQAAAAVAAAAYAAAAAAAAAAAAAAADwAAACADAAAAAAAAAAAAAAEAAACgMgAAVgcAAKr4//8BAAAAf39/AAEAAABkAAAAAAAAABQAAABAHwAAAAAAACYAAAAAAAAAwOD//wAAAAAmAAAAZAAAABYAAABMAAAAAAAAAAAAAAAEAAAAAAAAAAEAAADn5uYKAAAAACgAAAAoAAAAZAAAAGQAAAAAAAAAzMzMAAAAAABQAAAAUAAAAGQAAABkAAAAAAAAABcAAAAUAAAAAAAAAAAAAAD/fwAA/38AAAAAAAAJAAAABAAAAAAAAAAeAAAAaAAAAAAAAAAAAAAAAAAAAAAAAAAAAAAAECcAABAnAAAAAAAAAAAAAAAAAAAAAAAAAAAAAAAAAAAAAAAAAAAAABQAAAAAAAAAwMD/AAAAAABkAAAAMgAAAAAAAABkAAAAAAAAAH9/fwAKAAAAIgAAABgAAAAAAAAAAAAAAAAAAAAAAAAAAAAAAAAAAAAkAAAAJAAAAAAAAAAHAAAAAAAAAAAAAAAAAAAAAAAAAAAAAAAAAAAAf39/ACUAAABYAAAAAAAAAAAAAAAAAAAAAAAAAAAAAAAAAAAAAAAAAAAAAAAAAAAAAAAAAAAAAAA/AAAAAAAAAKCGAQAAAAAAAAAAAAAAAAAMAAAAAQAAAAAAAAAAAAAAAAAAAB8AAABUAAAAAAAABQAAAAEAAAAAAAAAAAAAAAAAAAAAAAAAAAAAAAAAAAAAAAAAAAAAAAJ/f38AAAAAA8zMzADAwP8Af39/AAAAAAAAAAAAAAAAAAAAAAAAAAAAIQAAABgAAAAUAAAAKAUAADsLAADYRQAAACYAABAAAAAmAAAACAAAAAIAAAAAAAAAMAAAABQAAAAAAAAAAAD//wAAAQAAAP//AAABAA=="/>
+                <pr:smNativeData xmlns:pr="smNativeData" xmlns="smNativeData" val="SMDATA_16_FAWHYRMAAAAlAAAAZAAAAA0AAAAAkAAAAEgAAACQAAAASAAAAAAAAAAAAAAAAQAAAAEAAABQAAAAAAAAAAAA4D8AAAAAAADgPwAAAAAAAOA/AAAAAAAA4D8AAAAAAADgPwAAAAAAAOA/AAAAAAAA4D8AAAAAAADgPwAAAAAAAOA/AAAAAAAA4D8CAAAAjAAAAAAAAAAAAAAARHLEDP///wgAAAAAAAAAAAAAAAAAAAAAAAAAAAAAAAAAAAAAZAAAAAEAAABAAAAAAAAAAAAAAAAAAAAAAAAAAAAAAAAAAAAAAAAAAAAAAAAAAAAAAAAAAAAAAAAAAAAAAAAAAAAAAAAAAAAAAAAAAAAAAAAAAAAAAAAAAAAAAAAAAAAAFAAAADwAAAAAAAAAAAAAAAAAAAkUAAAAAQAAABQAAAAUAAAAFAAAAAEAAAAAAAAAZAAAAGQAAAAAAAAAZAAAAGQAAAAVAAAAYAAAAAAAAAAAAAAADwAAACADAAAAAAAAAAAAAAEAAACgMgAAVgcAAKr4//8BAAAAf39/AAEAAABkAAAAAAAAABQAAABAHwAAAAAAACYAAAAAAAAAwOD//wAAAAAmAAAAZAAAABYAAABMAAAAAAAAAAAAAAAEAAAAAAAAAAEAAADn5uYKAAAAACgAAAAoAAAAZAAAAGQAAAAAAAAAzMzMAAAAAABQAAAAUAAAAGQAAABkAAAAAAAAABcAAAAUAAAAAAAAAAAAAAD/fwAA/38AAAAAAAAJAAAABAAAAAAAAAAeAAAAaAAAAAAAAAAAAAAAAAAAAAAAAAAAAAAAECcAABAnAAAAAAAAAAAAAAAAAAAAAAAAAAAAAAAAAAAAAAAAAAAAABQAAAAAAAAAwMD/AAAAAABkAAAAMgAAAAAAAABkAAAAAAAAAH9/fwAKAAAAIgAAABgAAAAAAAAAAAAAAAAAAAAAAAAAAAAAAAAAAAAkAAAAJAAAAAAAAAAHAAAAAAAAAAAAAAAAAAAAAAAAAAAAAAAAAAAAf39/ACUAAABYAAAAAAAAAAAAAAAAAAAAAAAAAAAAAAAAAAAAAAAAAAAAAAAAAAAAAAAAAAAAAAA/AAAAAAAAAKCGAQAAAAAAAAAAAAAAAAAMAAAAAQAAAAAAAAAAAAAAAAAAAB8AAABUAAAAAAAABQAAAAEAAAAAAAAAAAAAAAAAAAAAAAAAAAAAAAAAAAAAAAAAAAAAAAJ/f38AAAAAA8zMzADAwP8Af39/AAAAAAAAAAAAAAAAAAAAAAAAAAAAIQAAABgAAAAUAAAAKAUAADsLAADYRQAAACYAABAAAAAmAAAACAAAAAIAAAAAAAAAMAAAABQAAAAAAAAAAAD//wAAAQAAAP//AAABAA=="/>
               </a:ext>
             </a:extLst>
           </p:cNvSpPr>
@@ -589,7 +589,7 @@
             <a:spLocks noGrp="1" noChangeArrowheads="1"/>
             <a:extLst>
               <a:ext uri="smNativeData">
-                <pr:smNativeData xmlns:pr="smNativeData" xmlns="smNativeData" val="SMDATA_16_gfoFYRMAAAAlAAAAZAAAAA0AAAAAkAAAAEgAAACQAAAASAAAAAAAAAABAAAAAAAAAAEAAABQAAAAAAAAAAAA4D8AAAAAAADgPwAAAAAAAOA/AAAAAAAA4D8AAAAAAADgPwAAAAAAAOA/AAAAAAAA4D8AAAAAAADgPwAAAAAAAOA/AAAAAAAA4D8CAAAAjAAAAAAAAAAAAAAARHLEDP///wgAAAAAAAAAAAAAAAAAAAAAAAAAAAAAAAAAAAAAZAAAAAEAAABAAAAAAAAAAAAAAAAAAAAAAAAAAAAAAAAAAAAAAAAAAAAAAAAAAAAAAAAAAAAAAAAAAAAAAAAAAAAAAAAAAAAAAAAAAAAAAAAAAAAAAAAAAAAAAAAAAAAAFAAAADwAAAAAAAAAAAAAAAAAAAkUAAAAAQAAABQAAAAUAAAAFAAAAAEAAAAAAAAAZAAAAGQAAAAAAAAAZAAAAGQAAAAVAAAAYAAAAAAAAAAAAAAADwAAACADAAAAAAAAAAAAAAEAAACgMgAAVgcAAKr4//8BAAAAf39/AAEAAABkAAAAAAAAABQAAABAHwAAAAAAACYAAAAAAAAAwOD//wAAAAAmAAAAZAAAABYAAABMAAAAAAAAAAAAAAAEAAAAAAAAAAEAAADn5uYKAAAAACgAAAAoAAAAZAAAAGQAAAAAAAAAzMzMAAAAAABQAAAAUAAAAGQAAABkAAAAAAAAABcAAAAUAAAAAAAAAAAAAAD/fwAA/38AAAAAAAAJAAAABAAAAAAAAAAeAAAAaAAAAAAAAAAAAAAAAAAAAAAAAAAAAAAAECcAABAnAAAAAAAAAAAAAAAAAAAAAAAAAAAAAAAAAAAAAAAAAAAAABQAAAAAAAAAwMD/AAAAAABkAAAAMgAAAAAAAABkAAAAAAAAAH9/fwAKAAAAIgAAABgAAAAAAAAAAAAAAAAAAAAAAAAAAAAAAAAAAAAkAAAAJAAAAAAAAAAHAAAAAAAAAAAAAAAAAAAAAAAAAAAAAAAAAAAAf39/ACUAAABYAAAAAAAAAAAAAAAAAAAAAAAAAAAAAAAAAAAAAAAAAAAAAAAAAAAAAAAAAAAAAAA/AAAAAAAAAKCGAQAAAAAAAAAAAAAAAAAMAAAAAQAAAAAAAAAAAAAAAAAAAB8AAABUAAAAAAAABQAAAAEAAAAAAAAAAAAAAAAAAAAAAAAAAAAAAAAAAAAAAAAAAAAAAAJ/f38AAAAAA8zMzADAwP8Af39/AAAAAAAAAAAAAAAAAAAAAAAAAAAAIQAAABgAAAAUAAAAKAUAABonAAAIFgAAWSkAABAAAAAmAAAACAAAAAAAAAAAAAAAMAAAABQAAAAAAAAAAAD//wAAAQAAAP//AAABAA=="/>
+                <pr:smNativeData xmlns:pr="smNativeData" xmlns="smNativeData" val="SMDATA_16_FAWHYRMAAAAlAAAAZAAAAA0AAAAAkAAAAEgAAACQAAAASAAAAAAAAAABAAAAAAAAAAEAAABQAAAAAAAAAAAA4D8AAAAAAADgPwAAAAAAAOA/AAAAAAAA4D8AAAAAAADgPwAAAAAAAOA/AAAAAAAA4D8AAAAAAADgPwAAAAAAAOA/AAAAAAAA4D8CAAAAjAAAAAAAAAAAAAAARHLEDP///wgAAAAAAAAAAAAAAAAAAAAAAAAAAAAAAAAAAAAAZAAAAAEAAABAAAAAAAAAAAAAAAAAAAAAAAAAAAAAAAAAAAAAAAAAAAAAAAAAAAAAAAAAAAAAAAAAAAAAAAAAAAAAAAAAAAAAAAAAAAAAAAAAAAAAAAAAAAAAAAAAAAAAFAAAADwAAAAAAAAAAAAAAAAAAAkUAAAAAQAAABQAAAAUAAAAFAAAAAEAAAAAAAAAZAAAAGQAAAAAAAAAZAAAAGQAAAAVAAAAYAAAAAAAAAAAAAAADwAAACADAAAAAAAAAAAAAAEAAACgMgAAVgcAAKr4//8BAAAAf39/AAEAAABkAAAAAAAAABQAAABAHwAAAAAAACYAAAAAAAAAwOD//wAAAAAmAAAAZAAAABYAAABMAAAAAAAAAAAAAAAEAAAAAAAAAAEAAADn5uYKAAAAACgAAAAoAAAAZAAAAGQAAAAAAAAAzMzMAAAAAABQAAAAUAAAAGQAAABkAAAAAAAAABcAAAAUAAAAAAAAAAAAAAD/fwAA/38AAAAAAAAJAAAABAAAAAAAAAAeAAAAaAAAAAAAAAAAAAAAAAAAAAAAAAAAAAAAECcAABAnAAAAAAAAAAAAAAAAAAAAAAAAAAAAAAAAAAAAAAAAAAAAABQAAAAAAAAAwMD/AAAAAABkAAAAMgAAAAAAAABkAAAAAAAAAH9/fwAKAAAAIgAAABgAAAAAAAAAAAAAAAAAAAAAAAAAAAAAAAAAAAAkAAAAJAAAAAAAAAAHAAAAAAAAAAAAAAAAAAAAAAAAAAAAAAAAAAAAf39/ACUAAABYAAAAAAAAAAAAAAAAAAAAAAAAAAAAAAAAAAAAAAAAAAAAAAAAAAAAAAAAAAAAAAA/AAAAAAAAAKCGAQAAAAAAAAAAAAAAAAAMAAAAAQAAAAAAAAAAAAAAAAAAAB8AAABUAAAAAAAABQAAAAEAAAAAAAAAAAAAAAAAAAAAAAAAAAAAAAAAAAAAAAAAAAAAAAJ/f38AAAAAA8zMzADAwP8Af39/AAAAAAAAAAAAAAAAAAAAAAAAAAAAIQAAABgAAAAUAAAAKAUAABonAAAIFgAAWSkAABAAAAAmAAAACAAAAAAAAAAAAAAAMAAAABQAAAAAAAAAAAD//wAAAQAAAP//AAABAA=="/>
               </a:ext>
             </a:extLst>
           </p:cNvSpPr>
@@ -605,7 +605,7 @@
             <a:pPr>
               <a:defRPr lang="en-us"/>
             </a:pPr>
-            <a:fld id="{3AB26D16-58D7-E79B-990A-AECE23446FFB}" type="datetime1">
+            <a:fld id="{35CA64F0-BED8-9F92-9672-48C72A3C601D}" type="datetime1">
               <a:rPr lang="en-au" cap="none"/>
               <a:t>12/05/2021</a:t>
             </a:fld>
@@ -620,7 +620,7 @@
             <a:spLocks noGrp="1" noChangeArrowheads="1"/>
             <a:extLst>
               <a:ext uri="smNativeData">
-                <pr:smNativeData xmlns:pr="smNativeData" xmlns="smNativeData" val="SMDATA_16_gfoFYRMAAAAlAAAAZAAAAA0AAAAAkAAAAEgAAACQAAAASAAAAAAAAAABAAAAAAAAAAEAAABQAAAAAAAAAAAA4D8AAAAAAADgPwAAAAAAAOA/AAAAAAAA4D8AAAAAAADgPwAAAAAAAOA/AAAAAAAA4D8AAAAAAADgPwAAAAAAAOA/AAAAAAAA4D8CAAAAjAAAAAAAAAAAAAAARHLEDP///wgAAAAAAAAAAAAAAAAAAAAAAAAAAAAAAAAAAAAAZAAAAAEAAABAAAAAAAAAAAAAAAAAAAAAAAAAAAAAAAAAAAAAAAAAAAAAAAAAAAAAAAAAAAAAAAAAAAAAAAAAAAAAAAAAAAAAAAAAAAAAAAAAAAAAAAAAAAAAAAAAAAAAFAAAADwAAAAAAAAAAAAAAAAAAAkUAAAAAQAAABQAAAAUAAAAFAAAAAEAAAAAAAAAZAAAAGQAAAAAAAAAZAAAAGQAAAAVAAAAYAAAAAAAAAAAAAAADwAAACADAAAAAAAAAAAAAAEAAACgMgAAVgcAAKr4//8BAAAAf39/AAEAAABkAAAAAAAAABQAAABAHwAAAAAAACYAAAAAAAAAwOD//wAAAAAmAAAAZAAAABYAAABMAAAAAAAAAAAAAAAEAAAAAAAAAAEAAADn5uYKAAAAACgAAAAoAAAAZAAAAGQAAAAAAAAAzMzMAAAAAABQAAAAUAAAAGQAAABkAAAAAAAAABcAAAAUAAAAAAAAAAAAAAD/fwAA/38AAAAAAAAJAAAABAAAAAAAAAAeAAAAaAAAAAAAAAAAAAAAAAAAAAAAAAAAAAAAECcAABAnAAAAAAAAAAAAAAAAAAAAAAAAAAAAAAAAAAAAAAAAAAAAABQAAAAAAAAAwMD/AAAAAABkAAAAMgAAAAAAAABkAAAAAAAAAH9/fwAKAAAAIgAAABgAAAAAAAAAAAAAAAAAAAAAAAAAAAAAAAAAAAAkAAAAJAAAAAAAAAAHAAAAAAAAAAAAAAAAAAAAAAAAAAAAAAAAAAAAf39/ACUAAABYAAAAAAAAAAAAAAAAAAAAAAAAAAAAAAAAAAAAAAAAAAAAAAAAAAAAAAAAAAAAAAA/AAAAAAAAAKCGAQAAAAAAAAAAAAAAAAAMAAAAAQAAAAAAAAAAAAAAAAAAAB8AAABUAAAAAAAABQAAAAEAAAAAAAAAAAAAAAAAAAAAAAAAAAAAAAAAAAAAAAAAAAAAAAJ/f38AAAAAA8zMzADAwP8Af39/AAAAAAAAAAAAAAAAAAAAAAAAAAAAIQAAABgAAAAUAAAA2BgAABonAAAoMgAAWSkAABAAAAAmAAAACAAAAAAAAAAAAAAAMAAAABQAAAAAAAAAAAD//wAAAQAAAP//AAABAA=="/>
+                <pr:smNativeData xmlns:pr="smNativeData" xmlns="smNativeData" val="SMDATA_16_FAWHYRMAAAAlAAAAZAAAAA0AAAAAkAAAAEgAAACQAAAASAAAAAAAAAABAAAAAAAAAAEAAABQAAAAAAAAAAAA4D8AAAAAAADgPwAAAAAAAOA/AAAAAAAA4D8AAAAAAADgPwAAAAAAAOA/AAAAAAAA4D8AAAAAAADgPwAAAAAAAOA/AAAAAAAA4D8CAAAAjAAAAAAAAAAAAAAARHLEDP///wgAAAAAAAAAAAAAAAAAAAAAAAAAAAAAAAAAAAAAZAAAAAEAAABAAAAAAAAAAAAAAAAAAAAAAAAAAAAAAAAAAAAAAAAAAAAAAAAAAAAAAAAAAAAAAAAAAAAAAAAAAAAAAAAAAAAAAAAAAAAAAAAAAAAAAAAAAAAAAAAAAAAAFAAAADwAAAAAAAAAAAAAAAAAAAkUAAAAAQAAABQAAAAUAAAAFAAAAAEAAAAAAAAAZAAAAGQAAAAAAAAAZAAAAGQAAAAVAAAAYAAAAAAAAAAAAAAADwAAACADAAAAAAAAAAAAAAEAAACgMgAAVgcAAKr4//8BAAAAf39/AAEAAABkAAAAAAAAABQAAABAHwAAAAAAACYAAAAAAAAAwOD//wAAAAAmAAAAZAAAABYAAABMAAAAAAAAAAAAAAAEAAAAAAAAAAEAAADn5uYKAAAAACgAAAAoAAAAZAAAAGQAAAAAAAAAzMzMAAAAAABQAAAAUAAAAGQAAABkAAAAAAAAABcAAAAUAAAAAAAAAAAAAAD/fwAA/38AAAAAAAAJAAAABAAAAAAAAAAeAAAAaAAAAAAAAAAAAAAAAAAAAAAAAAAAAAAAECcAABAnAAAAAAAAAAAAAAAAAAAAAAAAAAAAAAAAAAAAAAAAAAAAABQAAAAAAAAAwMD/AAAAAABkAAAAMgAAAAAAAABkAAAAAAAAAH9/fwAKAAAAIgAAABgAAAAAAAAAAAAAAAAAAAAAAAAAAAAAAAAAAAAkAAAAJAAAAAAAAAAHAAAAAAAAAAAAAAAAAAAAAAAAAAAAAAAAAAAAf39/ACUAAABYAAAAAAAAAAAAAAAAAAAAAAAAAAAAAAAAAAAAAAAAAAAAAAAAAAAAAAAAAAAAAAA/AAAAAAAAAKCGAQAAAAAAAAAAAAAAAAAMAAAAAQAAAAAAAAAAAAAAAAAAAB8AAABUAAAAAAAABQAAAAEAAAAAAAAAAAAAAAAAAAAAAAAAAAAAAAAAAAAAAAAAAAAAAAJ/f38AAAAAA8zMzADAwP8Af39/AAAAAAAAAAAAAAAAAAAAAAAAAAAAIQAAABgAAAAUAAAA2BgAABonAAAoMgAAWSkAABAAAAAmAAAACAAAAAAAAAAAAAAAMAAAABQAAAAAAAAAAAD//wAAAQAAAP//AAABAA=="/>
               </a:ext>
             </a:extLst>
           </p:cNvSpPr>
@@ -647,7 +647,7 @@
             <a:spLocks noGrp="1" noChangeArrowheads="1"/>
             <a:extLst>
               <a:ext uri="smNativeData">
-                <pr:smNativeData xmlns:pr="smNativeData" xmlns="smNativeData" val="SMDATA_16_gfoFYRMAAAAlAAAAZAAAAA0AAAAAkAAAAEgAAACQAAAASAAAAAAAAAABAAAAAAAAAAEAAABQAAAAAAAAAAAA4D8AAAAAAADgPwAAAAAAAOA/AAAAAAAA4D8AAAAAAADgPwAAAAAAAOA/AAAAAAAA4D8AAAAAAADgPwAAAAAAAOA/AAAAAAAA4D8CAAAAjAAAAAAAAAAAAAAARHLEDP///wgAAAAAAAAAAAAAAAAAAAAAAAAAAAAAAAAAAAAAZAAAAAEAAABAAAAAAAAAAAAAAAAAAAAAAAAAAAAAAAAAAAAAAAAAAAAAAAAAAAAAAAAAAAAAAAAAAAAAAAAAAAAAAAAAAAAAAAAAAAAAAAAAAAAAAAAAAAAAAAAAAAAAFAAAADwAAAAAAAAAAAAAAAAAAAkUAAAAAQAAABQAAAAUAAAAFAAAAAEAAAAAAAAAZAAAAGQAAAAAAAAAZAAAAGQAAAAVAAAAYAAAAAAAAAAAAAAADwAAACADAAAAAAAAAAAAAAEAAACgMgAAVgcAAKr4//8BAAAAf39/AAEAAABkAAAAAAAAABQAAABAHwAAAAAAACYAAAAAAAAAwOD//wAAAAAmAAAAZAAAABYAAABMAAAAAAAAAAAAAAAEAAAAAAAAAAEAAADn5uYKAAAAACgAAAAoAAAAZAAAAGQAAAAAAAAAzMzMAAAAAABQAAAAUAAAAGQAAABkAAAAAAAAABcAAAAUAAAAAAAAAAAAAAD/fwAA/38AAAAAAAAJAAAABAAAAAAAAAAeAAAAaAAAAAAAAAAAAAAAAAAAAAAAAAAAAAAAECcAABAnAAAAAAAAAAAAAAAAAAAAAAAAAAAAAAAAAAAAAAAAAAAAABQAAAAAAAAAwMD/AAAAAABkAAAAMgAAAAAAAABkAAAAAAAAAH9/fwAKAAAAIgAAABgAAAAAAAAAAAAAAAAAAAAAAAAAAAAAAAAAAAAkAAAAJAAAAAAAAAAHAAAAAAAAAAAAAAAAAAAAAAAAAAAAAAAAAAAAf39/ACUAAABYAAAAAAAAAAAAAAAAAAAAAAAAAAAAAAAAAAAAAAAAAAAAAAAAAAAAAAAAAAAAAAA/AAAAAAAAAKCGAQAAAAAAAAAAAAAAAAAMAAAAAQAAAAAAAAAAAAAAAAAAAB8AAABUAAAAAAAABQAAAAEAAAAAAAAAAAAAAAAAAAAAAAAAAAAAAAAAAAAAAAAAAAAAAAJ/f38AAAAAA8zMzADAwP8Af39/AAAAAAAAAAAAAAAAAAAAAAAAAAAAIQAAABgAAAAUAAAA+DQAABonAADYRQAAWSkAABAAAAAmAAAACAAAAAAAAAAAAAAAMAAAABQAAAAAAAAAAAD//wAAAQAAAP//AAABAA=="/>
+                <pr:smNativeData xmlns:pr="smNativeData" xmlns="smNativeData" val="SMDATA_16_FAWHYRMAAAAlAAAAZAAAAA0AAAAAkAAAAEgAAACQAAAASAAAAAAAAAABAAAAAAAAAAEAAABQAAAAAAAAAAAA4D8AAAAAAADgPwAAAAAAAOA/AAAAAAAA4D8AAAAAAADgPwAAAAAAAOA/AAAAAAAA4D8AAAAAAADgPwAAAAAAAOA/AAAAAAAA4D8CAAAAjAAAAAAAAAAAAAAARHLEDP///wgAAAAAAAAAAAAAAAAAAAAAAAAAAAAAAAAAAAAAZAAAAAEAAABAAAAAAAAAAAAAAAAAAAAAAAAAAAAAAAAAAAAAAAAAAAAAAAAAAAAAAAAAAAAAAAAAAAAAAAAAAAAAAAAAAAAAAAAAAAAAAAAAAAAAAAAAAAAAAAAAAAAAFAAAADwAAAAAAAAAAAAAAAAAAAkUAAAAAQAAABQAAAAUAAAAFAAAAAEAAAAAAAAAZAAAAGQAAAAAAAAAZAAAAGQAAAAVAAAAYAAAAAAAAAAAAAAADwAAACADAAAAAAAAAAAAAAEAAACgMgAAVgcAAKr4//8BAAAAf39/AAEAAABkAAAAAAAAABQAAABAHwAAAAAAACYAAAAAAAAAwOD//wAAAAAmAAAAZAAAABYAAABMAAAAAAAAAAAAAAAEAAAAAAAAAAEAAADn5uYKAAAAACgAAAAoAAAAZAAAAGQAAAAAAAAAzMzMAAAAAABQAAAAUAAAAGQAAABkAAAAAAAAABcAAAAUAAAAAAAAAAAAAAD/fwAA/38AAAAAAAAJAAAABAAAAAAAAAAeAAAAaAAAAAAAAAAAAAAAAAAAAAAAAAAAAAAAECcAABAnAAAAAAAAAAAAAAAAAAAAAAAAAAAAAAAAAAAAAAAAAAAAABQAAAAAAAAAwMD/AAAAAABkAAAAMgAAAAAAAABkAAAAAAAAAH9/fwAKAAAAIgAAABgAAAAAAAAAAAAAAAAAAAAAAAAAAAAAAAAAAAAkAAAAJAAAAAAAAAAHAAAAAAAAAAAAAAAAAAAAAAAAAAAAAAAAAAAAf39/ACUAAABYAAAAAAAAAAAAAAAAAAAAAAAAAAAAAAAAAAAAAAAAAAAAAAAAAAAAAAAAAAAAAAA/AAAAAAAAAKCGAQAAAAAAAAAAAAAAAAAMAAAAAQAAAAAAAAAAAAAAAAAAAB8AAABUAAAAAAAABQAAAAEAAAAAAAAAAAAAAAAAAAAAAAAAAAAAAAAAAAAAAAAAAAAAAAJ/f38AAAAAA8zMzADAwP8Af39/AAAAAAAAAAAAAAAAAAAAAAAAAAAAIQAAABgAAAAUAAAA+DQAABonAADYRQAAWSkAABAAAAAmAAAACAAAAAAAAAAAAAAAMAAAABQAAAAAAAAAAAD//wAAAQAAAP//AAABAA=="/>
               </a:ext>
             </a:extLst>
           </p:cNvSpPr>
@@ -663,7 +663,7 @@
             <a:pPr>
               <a:defRPr lang="en-us"/>
             </a:pPr>
-            <a:fld id="{3AB22AB0-FED7-E7DC-990A-088964446F5D}" type="slidenum">
+            <a:fld id="{35CA639A-D4D8-9F95-9672-22C02D3C6077}" type="slidenum">
               <a:rPr lang="en-au" cap="none"/>
               <a:t>‹#›</a:t>
             </a:fld>
@@ -704,7 +704,7 @@
             <a:spLocks noGrp="1" noChangeArrowheads="1"/>
             <a:extLst>
               <a:ext uri="smNativeData">
-                <pr:smNativeData xmlns:pr="smNativeData" xmlns="smNativeData" val="SMDATA_16_gfoFYRMAAAAlAAAAZAAAAA0AAAAAkAAAAEgAAACQAAAASAAAAAAAAAABAAAAAQAAAAEAAABQAAAAAAAAAAAA4D8AAAAAAADgPwAAAAAAAOA/AAAAAAAA4D8AAAAAAADgPwAAAAAAAOA/AAAAAAAA4D8AAAAAAADgPwAAAAAAAOA/AAAAAAAA4D8CAAAAjAAAAAAAAAAAAAAARHLEDP///wgAAAAAAAAAAAAAAAAAAAAAAAAAAAAAAAAAAAAAZAAAAAEAAABAAAAAAAAAAAAAAAAAAAAAAAAAAAAAAAAAAAAAAAAAAAAAAAAAAAAAAAAAAAAAAAAAAAAAAAAAAAAAAAAAAAAAAAAAAAAAAAAAAAAAAAAAAAAAAAAAAAAAFAAAADwAAAAAAAAAAAAAAAAAAAkUAAAAAQAAABQAAAAUAAAAFAAAAAEAAAAAAAAAZAAAAGQAAAAAAAAAZAAAAGQAAAAVAAAAYAAAAAAAAAAAAAAADwAAACADAAAAAAAAAAAAAAEAAACgMgAAVgcAAKr4//8BAAAAf39/AAEAAABkAAAAAAAAABQAAABAHwAAAAAAACYAAAAAAAAAwOD//wAAAAAmAAAAZAAAABYAAABMAAAAAAAAAAAAAAAEAAAAAAAAAAEAAADn5uYKAAAAACgAAAAoAAAAZAAAAGQAAAAAAAAAzMzMAAAAAABQAAAAUAAAAGQAAABkAAAAAAAAABcAAAAUAAAAAAAAAAAAAAD/fwAA/38AAAAAAAAJAAAABAAAAAAAAAAeAAAAaAAAAAAAAAAAAAAAAAAAAAAAAAAAAAAAECcAABAnAAAAAAAAAAAAAAAAAAAAAAAAAAAAAAAAAAAAAAAAAAAAABQAAAAAAAAAwMD/AAAAAABkAAAAMgAAAAAAAABkAAAAAAAAAH9/fwAKAAAAIgAAABgAAAAAAAAAAAAAAAAAAAAAAAAAAAAAAAAAAAAkAAAAJAAAAAAAAAAHAAAAAAAAAAAAAAAAAAAAAAAAAAAAAAAAAAAAf39/ACUAAABYAAAAAAAAAAAAAAAAAAAAAAAAAAAAAAAAAAAAAAAAAAAAAAAAAAAAAAAAAAAAAAA/AAAAAAAAAKCGAQAAAAAAAAAAAAAAAAAMAAAAAQAAAAAAAAAAAAAAAAAAAB8AAABUAAAAAAAABQAAAAEAAAAAAAAAAAAAAAAAAAAAAAAAAAAAAAAAAAAAAAAAAAAAAAJ/f38AAAAAA8zMzADAwP8Af39/AAAAAAAAAAAAAAAAAAAAAAAAAAAAIQAAABgAAAAUAAAArDUAAD8CAADYRQAAACYAABAAAAAmAAAACAAAAAMAAAAAAAAAMAAAABQAAAAAAAAAAAD//wAAAQAAAP//AAABAA=="/>
+                <pr:smNativeData xmlns:pr="smNativeData" xmlns="smNativeData" val="SMDATA_16_FAWHYRMAAAAlAAAAZAAAAA0AAAAAkAAAAEgAAACQAAAASAAAAAAAAAABAAAAAQAAAAEAAABQAAAAAAAAAAAA4D8AAAAAAADgPwAAAAAAAOA/AAAAAAAA4D8AAAAAAADgPwAAAAAAAOA/AAAAAAAA4D8AAAAAAADgPwAAAAAAAOA/AAAAAAAA4D8CAAAAjAAAAAAAAAAAAAAARHLEDP///wgAAAAAAAAAAAAAAAAAAAAAAAAAAAAAAAAAAAAAZAAAAAEAAABAAAAAAAAAAAAAAAAAAAAAAAAAAAAAAAAAAAAAAAAAAAAAAAAAAAAAAAAAAAAAAAAAAAAAAAAAAAAAAAAAAAAAAAAAAAAAAAAAAAAAAAAAAAAAAAAAAAAAFAAAADwAAAAAAAAAAAAAAAAAAAkUAAAAAQAAABQAAAAUAAAAFAAAAAEAAAAAAAAAZAAAAGQAAAAAAAAAZAAAAGQAAAAVAAAAYAAAAAAAAAAAAAAADwAAACADAAAAAAAAAAAAAAEAAACgMgAAVgcAAKr4//8BAAAAf39/AAEAAABkAAAAAAAAABQAAABAHwAAAAAAACYAAAAAAAAAwOD//wAAAAAmAAAAZAAAABYAAABMAAAAAAAAAAAAAAAEAAAAAAAAAAEAAADn5uYKAAAAACgAAAAoAAAAZAAAAGQAAAAAAAAAzMzMAAAAAABQAAAAUAAAAGQAAABkAAAAAAAAABcAAAAUAAAAAAAAAAAAAAD/fwAA/38AAAAAAAAJAAAABAAAAAAAAAAeAAAAaAAAAAAAAAAAAAAAAAAAAAAAAAAAAAAAECcAABAnAAAAAAAAAAAAAAAAAAAAAAAAAAAAAAAAAAAAAAAAAAAAABQAAAAAAAAAwMD/AAAAAABkAAAAMgAAAAAAAABkAAAAAAAAAH9/fwAKAAAAIgAAABgAAAAAAAAAAAAAAAAAAAAAAAAAAAAAAAAAAAAkAAAAJAAAAAAAAAAHAAAAAAAAAAAAAAAAAAAAAAAAAAAAAAAAAAAAf39/ACUAAABYAAAAAAAAAAAAAAAAAAAAAAAAAAAAAAAAAAAAAAAAAAAAAAAAAAAAAAAAAAAAAAA/AAAAAAAAAKCGAQAAAAAAAAAAAAAAAAAMAAAAAQAAAAAAAAAAAAAAAAAAAB8AAABUAAAAAAAABQAAAAEAAAAAAAAAAAAAAAAAAAAAAAAAAAAAAAAAAAAAAAAAAAAAAAJ/f38AAAAAA8zMzADAwP8Af39/AAAAAAAAAAAAAAAAAAAAAAAAAAAAIQAAABgAAAAUAAAArDUAAD8CAADYRQAAACYAABAAAAAmAAAACAAAAAMAAAAAAAAAMAAAABQAAAAAAAAAAAD//wAAAQAAAP//AAABAA=="/>
               </a:ext>
             </a:extLst>
           </p:cNvSpPr>
@@ -743,7 +743,7 @@
             <a:spLocks noGrp="1" noChangeArrowheads="1"/>
             <a:extLst>
               <a:ext uri="smNativeData">
-                <pr:smNativeData xmlns:pr="smNativeData" xmlns="smNativeData" val="SMDATA_16_gfoFYRMAAAAlAAAAZAAAAA0AAAAAkAAAAEgAAACQAAAASAAAAAAAAAAAAAAAAQAAAAEAAABQAAAAAAAAAAAA4D8AAAAAAADgPwAAAAAAAOA/AAAAAAAA4D8AAAAAAADgPwAAAAAAAOA/AAAAAAAA4D8AAAAAAADgPwAAAAAAAOA/AAAAAAAA4D8CAAAAjAAAAAAAAAAAAAAARHLEDP///wgAAAAAAAAAAAAAAAAAAAAAAAAAAAAAAAAAAAAAZAAAAAEAAABAAAAAAAAAAAAAAAAAAAAAAAAAAAAAAAAAAAAAAAAAAAAAAAAAAAAAAAAAAAAAAAAAAAAAAAAAAAAAAAAAAAAAAAAAAAAAAAAAAAAAAAAAAAAAAAAAAAAAFAAAADwAAAAAAAAAAAAAAAAAAAkUAAAAAQAAABQAAAAUAAAAFAAAAAEAAAAAAAAAZAAAAGQAAAAAAAAAZAAAAGQAAAAVAAAAYAAAAAAAAAAAAAAADwAAACADAAAAAAAAAAAAAAEAAACgMgAAVgcAAKr4//8BAAAAf39/AAEAAABkAAAAAAAAABQAAABAHwAAAAAAACYAAAAAAAAAwOD//wAAAAAmAAAAZAAAABYAAABMAAAAAAAAAAAAAAAEAAAAAAAAAAEAAADn5uYKAAAAACgAAAAoAAAAZAAAAGQAAAAAAAAAzMzMAAAAAABQAAAAUAAAAGQAAABkAAAAAAAAABcAAAAUAAAAAAAAAAAAAAD/fwAA/38AAAAAAAAJAAAABAAAAAAAAAAeAAAAaAAAAAAAAAAAAAAAAAAAAAAAAAAAAAAAECcAABAnAAAAAAAAAAAAAAAAAAAAAAAAAAAAAAAAAAAAAAAAAAAAABQAAAAAAAAAwMD/AAAAAABkAAAAMgAAAAAAAABkAAAAAAAAAH9/fwAKAAAAIgAAABgAAAAAAAAAAAAAAAAAAAAAAAAAAAAAAAAAAAAkAAAAJAAAAAAAAAAHAAAAAAAAAAAAAAAAAAAAAAAAAAAAAAAAAAAAf39/ACUAAABYAAAAAAAAAAAAAAAAAAAAAAAAAAAAAAAAAAAAAAAAAAAAAAAAAAAAAAAAAAAAAAA/AAAAAAAAAKCGAQAAAAAAAAAAAAAAAAAMAAAAAQAAAAAAAAAAAAAAAAAAAB8AAABUAAAAAAAABQAAAAEAAAAAAAAAAAAAAAAAAAAAAAAAAAAAAAAAAAAAAAAAAAAAAAJ/f38AAAAAA8zMzADAwP8Af39/AAAAAAAAAAAAAAAAAAAAAAAAAAAAIQAAABgAAAAUAAAAKAUAAD8CAAC8NAAAACYAABAAAAAmAAAACAAAAAMAAAAAAAAAMAAAABQAAAAAAAAAAAD//wAAAQAAAP//AAABAA=="/>
+                <pr:smNativeData xmlns:pr="smNativeData" xmlns="smNativeData" val="SMDATA_16_FAWHYRMAAAAlAAAAZAAAAA0AAAAAkAAAAEgAAACQAAAASAAAAAAAAAAAAAAAAQAAAAEAAABQAAAAAAAAAAAA4D8AAAAAAADgPwAAAAAAAOA/AAAAAAAA4D8AAAAAAADgPwAAAAAAAOA/AAAAAAAA4D8AAAAAAADgPwAAAAAAAOA/AAAAAAAA4D8CAAAAjAAAAAAAAAAAAAAARHLEDP///wgAAAAAAAAAAAAAAAAAAAAAAAAAAAAAAAAAAAAAZAAAAAEAAABAAAAAAAAAAAAAAAAAAAAAAAAAAAAAAAAAAAAAAAAAAAAAAAAAAAAAAAAAAAAAAAAAAAAAAAAAAAAAAAAAAAAAAAAAAAAAAAAAAAAAAAAAAAAAAAAAAAAAFAAAADwAAAAAAAAAAAAAAAAAAAkUAAAAAQAAABQAAAAUAAAAFAAAAAEAAAAAAAAAZAAAAGQAAAAAAAAAZAAAAGQAAAAVAAAAYAAAAAAAAAAAAAAADwAAACADAAAAAAAAAAAAAAEAAACgMgAAVgcAAKr4//8BAAAAf39/AAEAAABkAAAAAAAAABQAAABAHwAAAAAAACYAAAAAAAAAwOD//wAAAAAmAAAAZAAAABYAAABMAAAAAAAAAAAAAAAEAAAAAAAAAAEAAADn5uYKAAAAACgAAAAoAAAAZAAAAGQAAAAAAAAAzMzMAAAAAABQAAAAUAAAAGQAAABkAAAAAAAAABcAAAAUAAAAAAAAAAAAAAD/fwAA/38AAAAAAAAJAAAABAAAAAAAAAAeAAAAaAAAAAAAAAAAAAAAAAAAAAAAAAAAAAAAECcAABAnAAAAAAAAAAAAAAAAAAAAAAAAAAAAAAAAAAAAAAAAAAAAABQAAAAAAAAAwMD/AAAAAABkAAAAMgAAAAAAAABkAAAAAAAAAH9/fwAKAAAAIgAAABgAAAAAAAAAAAAAAAAAAAAAAAAAAAAAAAAAAAAkAAAAJAAAAAAAAAAHAAAAAAAAAAAAAAAAAAAAAAAAAAAAAAAAAAAAf39/ACUAAABYAAAAAAAAAAAAAAAAAAAAAAAAAAAAAAAAAAAAAAAAAAAAAAAAAAAAAAAAAAAAAAA/AAAAAAAAAKCGAQAAAAAAAAAAAAAAAAAMAAAAAQAAAAAAAAAAAAAAAAAAAB8AAABUAAAAAAAABQAAAAEAAAAAAAAAAAAAAAAAAAAAAAAAAAAAAAAAAAAAAAAAAAAAAAJ/f38AAAAAA8zMzADAwP8Af39/AAAAAAAAAAAAAAAAAAAAAAAAAAAAIQAAABgAAAAUAAAAKAUAAD8CAAC8NAAAACYAABAAAAAmAAAACAAAAAMAAAAAAAAAMAAAABQAAAAAAAAAAAD//wAAAQAAAP//AAABAA=="/>
               </a:ext>
             </a:extLst>
           </p:cNvSpPr>
@@ -814,7 +814,7 @@
             <a:spLocks noGrp="1" noChangeArrowheads="1"/>
             <a:extLst>
               <a:ext uri="smNativeData">
-                <pr:smNativeData xmlns:pr="smNativeData" xmlns="smNativeData" val="SMDATA_16_gfoFYRMAAAAlAAAAZAAAAA0AAAAAkAAAAEgAAACQAAAASAAAAAAAAAABAAAAAAAAAAEAAABQAAAAAAAAAAAA4D8AAAAAAADgPwAAAAAAAOA/AAAAAAAA4D8AAAAAAADgPwAAAAAAAOA/AAAAAAAA4D8AAAAAAADgPwAAAAAAAOA/AAAAAAAA4D8CAAAAjAAAAAAAAAAAAAAARHLEDP///wgAAAAAAAAAAAAAAAAAAAAAAAAAAAAAAAAAAAAAZAAAAAEAAABAAAAAAAAAAAAAAAAAAAAAAAAAAAAAAAAAAAAAAAAAAAAAAAAAAAAAAAAAAAAAAAAAAAAAAAAAAAAAAAAAAAAAAAAAAAAAAAAAAAAAAAAAAAAAAAAAAAAAFAAAADwAAAAAAAAAAAAAAAAAAAkUAAAAAQAAABQAAAAUAAAAFAAAAAEAAAAAAAAAZAAAAGQAAAAAAAAAZAAAAGQAAAAVAAAAYAAAAAAAAAAAAAAADwAAACADAAAAAAAAAAAAAAEAAACgMgAAVgcAAKr4//8BAAAAf39/AAEAAABkAAAAAAAAABQAAABAHwAAAAAAACYAAAAAAAAAwOD//wAAAAAmAAAAZAAAABYAAABMAAAAAAAAAAAAAAAEAAAAAAAAAAEAAADn5uYKAAAAACgAAAAoAAAAZAAAAGQAAAAAAAAAzMzMAAAAAABQAAAAUAAAAGQAAABkAAAAAAAAABcAAAAUAAAAAAAAAAAAAAD/fwAA/38AAAAAAAAJAAAABAAAAAAAAAAeAAAAaAAAAAAAAAAAAAAAAAAAAAAAAAAAAAAAECcAABAnAAAAAAAAAAAAAAAAAAAAAAAAAAAAAAAAAAAAAAAAAAAAABQAAAAAAAAAwMD/AAAAAABkAAAAMgAAAAAAAABkAAAAAAAAAH9/fwAKAAAAIgAAABgAAAAAAAAAAAAAAAAAAAAAAAAAAAAAAAAAAAAkAAAAJAAAAAAAAAAHAAAAAAAAAAAAAAAAAAAAAAAAAAAAAAAAAAAAf39/ACUAAABYAAAAAAAAAAAAAAAAAAAAAAAAAAAAAAAAAAAAAAAAAAAAAAAAAAAAAAAAAAAAAAA/AAAAAAAAAKCGAQAAAAAAAAAAAAAAAAAMAAAAAQAAAAAAAAAAAAAAAAAAAB8AAABUAAAAAAAABQAAAAEAAAAAAAAAAAAAAAAAAAAAAAAAAAAAAAAAAAAAAAAAAAAAAAJ/f38AAAAAA8zMzADAwP8Af39/AAAAAAAAAAAAAAAAAAAAAAAAAAAAIQAAABgAAAAUAAAAKAUAABonAAAIFgAAWSkAABAAAAAmAAAACAAAAAAAAAAAAAAAMAAAABQAAAAAAAAAAAD//wAAAQAAAP//AAABAA=="/>
+                <pr:smNativeData xmlns:pr="smNativeData" xmlns="smNativeData" val="SMDATA_16_FAWHYRMAAAAlAAAAZAAAAA0AAAAAkAAAAEgAAACQAAAASAAAAAAAAAABAAAAAAAAAAEAAABQAAAAAAAAAAAA4D8AAAAAAADgPwAAAAAAAOA/AAAAAAAA4D8AAAAAAADgPwAAAAAAAOA/AAAAAAAA4D8AAAAAAADgPwAAAAAAAOA/AAAAAAAA4D8CAAAAjAAAAAAAAAAAAAAARHLEDP///wgAAAAAAAAAAAAAAAAAAAAAAAAAAAAAAAAAAAAAZAAAAAEAAABAAAAAAAAAAAAAAAAAAAAAAAAAAAAAAAAAAAAAAAAAAAAAAAAAAAAAAAAAAAAAAAAAAAAAAAAAAAAAAAAAAAAAAAAAAAAAAAAAAAAAAAAAAAAAAAAAAAAAFAAAADwAAAAAAAAAAAAAAAAAAAkUAAAAAQAAABQAAAAUAAAAFAAAAAEAAAAAAAAAZAAAAGQAAAAAAAAAZAAAAGQAAAAVAAAAYAAAAAAAAAAAAAAADwAAACADAAAAAAAAAAAAAAEAAACgMgAAVgcAAKr4//8BAAAAf39/AAEAAABkAAAAAAAAABQAAABAHwAAAAAAACYAAAAAAAAAwOD//wAAAAAmAAAAZAAAABYAAABMAAAAAAAAAAAAAAAEAAAAAAAAAAEAAADn5uYKAAAAACgAAAAoAAAAZAAAAGQAAAAAAAAAzMzMAAAAAABQAAAAUAAAAGQAAABkAAAAAAAAABcAAAAUAAAAAAAAAAAAAAD/fwAA/38AAAAAAAAJAAAABAAAAAAAAAAeAAAAaAAAAAAAAAAAAAAAAAAAAAAAAAAAAAAAECcAABAnAAAAAAAAAAAAAAAAAAAAAAAAAAAAAAAAAAAAAAAAAAAAABQAAAAAAAAAwMD/AAAAAABkAAAAMgAAAAAAAABkAAAAAAAAAH9/fwAKAAAAIgAAABgAAAAAAAAAAAAAAAAAAAAAAAAAAAAAAAAAAAAkAAAAJAAAAAAAAAAHAAAAAAAAAAAAAAAAAAAAAAAAAAAAAAAAAAAAf39/ACUAAABYAAAAAAAAAAAAAAAAAAAAAAAAAAAAAAAAAAAAAAAAAAAAAAAAAAAAAAAAAAAAAAA/AAAAAAAAAKCGAQAAAAAAAAAAAAAAAAAMAAAAAQAAAAAAAAAAAAAAAAAAAB8AAABUAAAAAAAABQAAAAEAAAAAAAAAAAAAAAAAAAAAAAAAAAAAAAAAAAAAAAAAAAAAAAJ/f38AAAAAA8zMzADAwP8Af39/AAAAAAAAAAAAAAAAAAAAAAAAAAAAIQAAABgAAAAUAAAAKAUAABonAAAIFgAAWSkAABAAAAAmAAAACAAAAAAAAAAAAAAAMAAAABQAAAAAAAAAAAD//wAAAQAAAP//AAABAA=="/>
               </a:ext>
             </a:extLst>
           </p:cNvSpPr>
@@ -830,7 +830,7 @@
             <a:pPr>
               <a:defRPr lang="en-us"/>
             </a:pPr>
-            <a:fld id="{3AB25D7E-30D7-E7AB-990A-C6FE13446F93}" type="datetime1">
+            <a:fld id="{35CA217E-30D8-9FD7-9672-C6826F3C6093}" type="datetime1">
               <a:rPr lang="en-au" cap="none"/>
               <a:t>12/05/2021</a:t>
             </a:fld>
@@ -845,7 +845,7 @@
             <a:spLocks noGrp="1" noChangeArrowheads="1"/>
             <a:extLst>
               <a:ext uri="smNativeData">
-                <pr:smNativeData xmlns:pr="smNativeData" xmlns="smNativeData" val="SMDATA_16_gfoFYRMAAAAlAAAAZAAAAA0AAAAAkAAAAEgAAACQAAAASAAAAAAAAAABAAAAAAAAAAEAAABQAAAAAAAAAAAA4D8AAAAAAADgPwAAAAAAAOA/AAAAAAAA4D8AAAAAAADgPwAAAAAAAOA/AAAAAAAA4D8AAAAAAADgPwAAAAAAAOA/AAAAAAAA4D8CAAAAjAAAAAAAAAAAAAAARHLEDP///wgAAAAAAAAAAAAAAAAAAAAAAAAAAAAAAAAAAAAAZAAAAAEAAABAAAAAAAAAAAAAAAAAAAAAAAAAAAAAAAAAAAAAAAAAAAAAAAAAAAAAAAAAAAAAAAAAAAAAAAAAAAAAAAAAAAAAAAAAAAAAAAAAAAAAAAAAAAAAAAAAAAAAFAAAADwAAAAAAAAAAAAAAAAAAAkUAAAAAQAAABQAAAAUAAAAFAAAAAEAAAAAAAAAZAAAAGQAAAAAAAAAZAAAAGQAAAAVAAAAYAAAAAAAAAAAAAAADwAAACADAAAAAAAAAAAAAAEAAACgMgAAVgcAAKr4//8BAAAAf39/AAEAAABkAAAAAAAAABQAAABAHwAAAAAAACYAAAAAAAAAwOD//wAAAAAmAAAAZAAAABYAAABMAAAAAAAAAAAAAAAEAAAAAAAAAAEAAADn5uYKAAAAACgAAAAoAAAAZAAAAGQAAAAAAAAAzMzMAAAAAABQAAAAUAAAAGQAAABkAAAAAAAAABcAAAAUAAAAAAAAAAAAAAD/fwAA/38AAAAAAAAJAAAABAAAAAAAAAAeAAAAaAAAAAAAAAAAAAAAAAAAAAAAAAAAAAAAECcAABAnAAAAAAAAAAAAAAAAAAAAAAAAAAAAAAAAAAAAAAAAAAAAABQAAAAAAAAAwMD/AAAAAABkAAAAMgAAAAAAAABkAAAAAAAAAH9/fwAKAAAAIgAAABgAAAAAAAAAAAAAAAAAAAAAAAAAAAAAAAAAAAAkAAAAJAAAAAAAAAAHAAAAAAAAAAAAAAAAAAAAAAAAAAAAAAAAAAAAf39/ACUAAABYAAAAAAAAAAAAAAAAAAAAAAAAAAAAAAAAAAAAAAAAAAAAAAAAAAAAAAAAAAAAAAA/AAAAAAAAAKCGAQAAAAAAAAAAAAAAAAAMAAAAAQAAAAAAAAAAAAAAAAAAAB8AAABUAAAAAAAABQAAAAEAAAAAAAAAAAAAAAAAAAAAAAAAAAAAAAAAAAAAAAAAAAAAAAJ/f38AAAAAA8zMzADAwP8Af39/AAAAAAAAAAAAAAAAAAAAAAAAAAAAIQAAABgAAAAUAAAA2BgAABonAAAoMgAAWSkAABAAAAAmAAAACAAAAAAAAAAAAAAAMAAAABQAAAAAAAAAAAD//wAAAQAAAP//AAABAA=="/>
+                <pr:smNativeData xmlns:pr="smNativeData" xmlns="smNativeData" val="SMDATA_16_FAWHYRMAAAAlAAAAZAAAAA0AAAAAkAAAAEgAAACQAAAASAAAAAAAAAABAAAAAAAAAAEAAABQAAAAAAAAAAAA4D8AAAAAAADgPwAAAAAAAOA/AAAAAAAA4D8AAAAAAADgPwAAAAAAAOA/AAAAAAAA4D8AAAAAAADgPwAAAAAAAOA/AAAAAAAA4D8CAAAAjAAAAAAAAAAAAAAARHLEDP///wgAAAAAAAAAAAAAAAAAAAAAAAAAAAAAAAAAAAAAZAAAAAEAAABAAAAAAAAAAAAAAAAAAAAAAAAAAAAAAAAAAAAAAAAAAAAAAAAAAAAAAAAAAAAAAAAAAAAAAAAAAAAAAAAAAAAAAAAAAAAAAAAAAAAAAAAAAAAAAAAAAAAAFAAAADwAAAAAAAAAAAAAAAAAAAkUAAAAAQAAABQAAAAUAAAAFAAAAAEAAAAAAAAAZAAAAGQAAAAAAAAAZAAAAGQAAAAVAAAAYAAAAAAAAAAAAAAADwAAACADAAAAAAAAAAAAAAEAAACgMgAAVgcAAKr4//8BAAAAf39/AAEAAABkAAAAAAAAABQAAABAHwAAAAAAACYAAAAAAAAAwOD//wAAAAAmAAAAZAAAABYAAABMAAAAAAAAAAAAAAAEAAAAAAAAAAEAAADn5uYKAAAAACgAAAAoAAAAZAAAAGQAAAAAAAAAzMzMAAAAAABQAAAAUAAAAGQAAABkAAAAAAAAABcAAAAUAAAAAAAAAAAAAAD/fwAA/38AAAAAAAAJAAAABAAAAAAAAAAeAAAAaAAAAAAAAAAAAAAAAAAAAAAAAAAAAAAAECcAABAnAAAAAAAAAAAAAAAAAAAAAAAAAAAAAAAAAAAAAAAAAAAAABQAAAAAAAAAwMD/AAAAAABkAAAAMgAAAAAAAABkAAAAAAAAAH9/fwAKAAAAIgAAABgAAAAAAAAAAAAAAAAAAAAAAAAAAAAAAAAAAAAkAAAAJAAAAAAAAAAHAAAAAAAAAAAAAAAAAAAAAAAAAAAAAAAAAAAAf39/ACUAAABYAAAAAAAAAAAAAAAAAAAAAAAAAAAAAAAAAAAAAAAAAAAAAAAAAAAAAAAAAAAAAAA/AAAAAAAAAKCGAQAAAAAAAAAAAAAAAAAMAAAAAQAAAAAAAAAAAAAAAAAAAB8AAABUAAAAAAAABQAAAAEAAAAAAAAAAAAAAAAAAAAAAAAAAAAAAAAAAAAAAAAAAAAAAAJ/f38AAAAAA8zMzADAwP8Af39/AAAAAAAAAAAAAAAAAAAAAAAAAAAAIQAAABgAAAAUAAAA2BgAABonAAAoMgAAWSkAABAAAAAmAAAACAAAAAAAAAAAAAAAMAAAABQAAAAAAAAAAAD//wAAAQAAAP//AAABAA=="/>
               </a:ext>
             </a:extLst>
           </p:cNvSpPr>
@@ -872,7 +872,7 @@
             <a:spLocks noGrp="1" noChangeArrowheads="1"/>
             <a:extLst>
               <a:ext uri="smNativeData">
-                <pr:smNativeData xmlns:pr="smNativeData" xmlns="smNativeData" val="SMDATA_16_gfoFYRMAAAAlAAAAZAAAAA0AAAAAkAAAAEgAAACQAAAASAAAAAAAAAABAAAAAAAAAAEAAABQAAAAAAAAAAAA4D8AAAAAAADgPwAAAAAAAOA/AAAAAAAA4D8AAAAAAADgPwAAAAAAAOA/AAAAAAAA4D8AAAAAAADgPwAAAAAAAOA/AAAAAAAA4D8CAAAAjAAAAAAAAAAAAAAARHLEDP///wgAAAAAAAAAAAAAAAAAAAAAAAAAAAAAAAAAAAAAZAAAAAEAAABAAAAAAAAAAAAAAAAAAAAAAAAAAAAAAAAAAAAAAAAAAAAAAAAAAAAAAAAAAAAAAAAAAAAAAAAAAAAAAAAAAAAAAAAAAAAAAAAAAAAAAAAAAAAAAAAAAAAAFAAAADwAAAAAAAAAAAAAAAAAAAkUAAAAAQAAABQAAAAUAAAAFAAAAAEAAAAAAAAAZAAAAGQAAAAAAAAAZAAAAGQAAAAVAAAAYAAAAAAAAAAAAAAADwAAACADAAAAAAAAAAAAAAEAAACgMgAAVgcAAKr4//8BAAAAf39/AAEAAABkAAAAAAAAABQAAABAHwAAAAAAACYAAAAAAAAAwOD//wAAAAAmAAAAZAAAABYAAABMAAAAAAAAAAAAAAAEAAAAAAAAAAEAAADn5uYKAAAAACgAAAAoAAAAZAAAAGQAAAAAAAAAzMzMAAAAAABQAAAAUAAAAGQAAABkAAAAAAAAABcAAAAUAAAAAAAAAAAAAAD/fwAA/38AAAAAAAAJAAAABAAAAAAAAAAeAAAAaAAAAAAAAAAAAAAAAAAAAAAAAAAAAAAAECcAABAnAAAAAAAAAAAAAAAAAAAAAAAAAAAAAAAAAAAAAAAAAAAAABQAAAAAAAAAwMD/AAAAAABkAAAAMgAAAAAAAABkAAAAAAAAAH9/fwAKAAAAIgAAABgAAAAAAAAAAAAAAAAAAAAAAAAAAAAAAAAAAAAkAAAAJAAAAAAAAAAHAAAAAAAAAAAAAAAAAAAAAAAAAAAAAAAAAAAAf39/ACUAAABYAAAAAAAAAAAAAAAAAAAAAAAAAAAAAAAAAAAAAAAAAAAAAAAAAAAAAAAAAAAAAAA/AAAAAAAAAKCGAQAAAAAAAAAAAAAAAAAMAAAAAQAAAAAAAAAAAAAAAAAAAB8AAABUAAAAAAAABQAAAAEAAAAAAAAAAAAAAAAAAAAAAAAAAAAAAAAAAAAAAAAAAAAAAAJ/f38AAAAAA8zMzADAwP8Af39/AAAAAAAAAAAAAAAAAAAAAAAAAAAAIQAAABgAAAAUAAAA+DQAABonAADYRQAAWSkAABAAAAAmAAAACAAAAAAAAAAAAAAAMAAAABQAAAAAAAAAAAD//wAAAQAAAP//AAABAA=="/>
+                <pr:smNativeData xmlns:pr="smNativeData" xmlns="smNativeData" val="SMDATA_16_FAWHYRMAAAAlAAAAZAAAAA0AAAAAkAAAAEgAAACQAAAASAAAAAAAAAABAAAAAAAAAAEAAABQAAAAAAAAAAAA4D8AAAAAAADgPwAAAAAAAOA/AAAAAAAA4D8AAAAAAADgPwAAAAAAAOA/AAAAAAAA4D8AAAAAAADgPwAAAAAAAOA/AAAAAAAA4D8CAAAAjAAAAAAAAAAAAAAARHLEDP///wgAAAAAAAAAAAAAAAAAAAAAAAAAAAAAAAAAAAAAZAAAAAEAAABAAAAAAAAAAAAAAAAAAAAAAAAAAAAAAAAAAAAAAAAAAAAAAAAAAAAAAAAAAAAAAAAAAAAAAAAAAAAAAAAAAAAAAAAAAAAAAAAAAAAAAAAAAAAAAAAAAAAAFAAAADwAAAAAAAAAAAAAAAAAAAkUAAAAAQAAABQAAAAUAAAAFAAAAAEAAAAAAAAAZAAAAGQAAAAAAAAAZAAAAGQAAAAVAAAAYAAAAAAAAAAAAAAADwAAACADAAAAAAAAAAAAAAEAAACgMgAAVgcAAKr4//8BAAAAf39/AAEAAABkAAAAAAAAABQAAABAHwAAAAAAACYAAAAAAAAAwOD//wAAAAAmAAAAZAAAABYAAABMAAAAAAAAAAAAAAAEAAAAAAAAAAEAAADn5uYKAAAAACgAAAAoAAAAZAAAAGQAAAAAAAAAzMzMAAAAAABQAAAAUAAAAGQAAABkAAAAAAAAABcAAAAUAAAAAAAAAAAAAAD/fwAA/38AAAAAAAAJAAAABAAAAAAAAAAeAAAAaAAAAAAAAAAAAAAAAAAAAAAAAAAAAAAAECcAABAnAAAAAAAAAAAAAAAAAAAAAAAAAAAAAAAAAAAAAAAAAAAAABQAAAAAAAAAwMD/AAAAAABkAAAAMgAAAAAAAABkAAAAAAAAAH9/fwAKAAAAIgAAABgAAAAAAAAAAAAAAAAAAAAAAAAAAAAAAAAAAAAkAAAAJAAAAAAAAAAHAAAAAAAAAAAAAAAAAAAAAAAAAAAAAAAAAAAAf39/ACUAAABYAAAAAAAAAAAAAAAAAAAAAAAAAAAAAAAAAAAAAAAAAAAAAAAAAAAAAAAAAAAAAAA/AAAAAAAAAKCGAQAAAAAAAAAAAAAAAAAMAAAAAQAAAAAAAAAAAAAAAAAAAB8AAABUAAAAAAAABQAAAAEAAAAAAAAAAAAAAAAAAAAAAAAAAAAAAAAAAAAAAAAAAAAAAAJ/f38AAAAAA8zMzADAwP8Af39/AAAAAAAAAAAAAAAAAAAAAAAAAAAAIQAAABgAAAAUAAAA+DQAABonAADYRQAAWSkAABAAAAAmAAAACAAAAAAAAAAAAAAAMAAAABQAAAAAAAAAAAD//wAAAQAAAP//AAABAA=="/>
               </a:ext>
             </a:extLst>
           </p:cNvSpPr>
@@ -888,7 +888,7 @@
             <a:pPr>
               <a:defRPr lang="en-us"/>
             </a:pPr>
-            <a:fld id="{3AB26A7E-30D7-E79C-990A-C6C924446F93}" type="slidenum">
+            <a:fld id="{35CA74C1-8FD8-9F82-9672-79D73A3C602C}" type="slidenum">
               <a:rPr lang="en-au" cap="none"/>
               <a:t>‹#›</a:t>
             </a:fld>
@@ -929,7 +929,7 @@
             <a:spLocks noGrp="1" noChangeArrowheads="1"/>
             <a:extLst>
               <a:ext uri="smNativeData">
-                <pr:smNativeData xmlns:pr="smNativeData" xmlns="smNativeData" val="SMDATA_16_gfoFYRMAAAAlAAAAZAAAAA0AAAAAkAAAAEgAAACQAAAASAAAAAAAAAABAAAAAAAAAAEAAABQAAAAAAAAAAAA4D8AAAAAAADgPwAAAAAAAOA/AAAAAAAA4D8AAAAAAADgPwAAAAAAAOA/AAAAAAAA4D8AAAAAAADgPwAAAAAAAOA/AAAAAAAA4D8CAAAAjAAAAAAAAAAAAAAARHLEDP///wgAAAAAAAAAAAAAAAAAAAAAAAAAAAAAAAAAAAAAZAAAAAEAAABAAAAAAAAAAAAAAAAAAAAAAAAAAAAAAAAAAAAAAAAAAAAAAAAAAAAAAAAAAAAAAAAAAAAAAAAAAAAAAAAAAAAAAAAAAAAAAAAAAAAAAAAAAAAAAAAAAAAAFAAAADwAAAAAAAAAAAAAAAAAAAkUAAAAAQAAABQAAAAUAAAAFAAAAAEAAAAAAAAAZAAAAGQAAAAAAAAAZAAAAGQAAAAVAAAAYAAAAAAAAAAAAAAADwAAACADAAAAAAAAAAAAAAEAAACgMgAAVgcAAKr4//8BAAAAf39/AAEAAABkAAAAAAAAABQAAABAHwAAAAAAACYAAAAAAAAAwOD//wAAAAAmAAAAZAAAABYAAABMAAAAAAAAAAAAAAAEAAAAAAAAAAEAAADn5uYKAAAAACgAAAAoAAAAZAAAAGQAAAAAAAAAzMzMAAAAAABQAAAAUAAAAGQAAABkAAAAAAAAABcAAAAUAAAAAAAAAAAAAAD/fwAA/38AAAAAAAAJAAAABAAAAAAAAAAeAAAAaAAAAAAAAAAAAAAAAAAAAAAAAAAAAAAAECcAABAnAAAAAAAAAAAAAAAAAAAAAAAAAAAAAAAAAAAAAAAAAAAAABQAAAAAAAAAwMD/AAAAAABkAAAAMgAAAAAAAABkAAAAAAAAAH9/fwAKAAAAIgAAABgAAAAAAAAAAAAAAAAAAAAAAAAAAAAAAAAAAAAkAAAAJAAAAAAAAAAHAAAAAAAAAAAAAAAAAAAAAAAAAAAAAAAAAAAAf39/ACUAAABYAAAAAAAAAAAAAAAAAAAAAAAAAAAAAAAAAAAAAAAAAAAAAAAAAAAAAAAAAAAAAAA/AAAAAAAAAKCGAQAAAAAAAAAAAAAAAAAMAAAAAQAAAAAAAAAAAAAAAAAAAB8AAABUAAAAAAAABQAAAAEAAAAAAAAAAAAAAAAAAAAAAAAAAAAAAAAAAAAAAAAAAAAAAAJ/f38AAAAAA8zMzADAwP8Af39/AAAAAAAAAAAAAAAAAAAAAAAAAAAAIQAAABgAAAAUAAAAKAUAAD8CAADYRQAAZwoAABAAAAAmAAAACAAAAAAAAAAAAAAAMAAAABQAAAAAAAAAAAD//wAAAQAAAP//AAABAA=="/>
+                <pr:smNativeData xmlns:pr="smNativeData" xmlns="smNativeData" val="SMDATA_16_FAWHYRMAAAAlAAAAZAAAAA0AAAAAkAAAAEgAAACQAAAASAAAAAAAAAABAAAAAAAAAAEAAABQAAAAAAAAAAAA4D8AAAAAAADgPwAAAAAAAOA/AAAAAAAA4D8AAAAAAADgPwAAAAAAAOA/AAAAAAAA4D8AAAAAAADgPwAAAAAAAOA/AAAAAAAA4D8CAAAAjAAAAAAAAAAAAAAARHLEDP///wgAAAAAAAAAAAAAAAAAAAAAAAAAAAAAAAAAAAAAZAAAAAEAAABAAAAAAAAAAAAAAAAAAAAAAAAAAAAAAAAAAAAAAAAAAAAAAAAAAAAAAAAAAAAAAAAAAAAAAAAAAAAAAAAAAAAAAAAAAAAAAAAAAAAAAAAAAAAAAAAAAAAAFAAAADwAAAAAAAAAAAAAAAAAAAkUAAAAAQAAABQAAAAUAAAAFAAAAAEAAAAAAAAAZAAAAGQAAAAAAAAAZAAAAGQAAAAVAAAAYAAAAAAAAAAAAAAADwAAACADAAAAAAAAAAAAAAEAAACgMgAAVgcAAKr4//8BAAAAf39/AAEAAABkAAAAAAAAABQAAABAHwAAAAAAACYAAAAAAAAAwOD//wAAAAAmAAAAZAAAABYAAABMAAAAAAAAAAAAAAAEAAAAAAAAAAEAAADn5uYKAAAAACgAAAAoAAAAZAAAAGQAAAAAAAAAzMzMAAAAAABQAAAAUAAAAGQAAABkAAAAAAAAABcAAAAUAAAAAAAAAAAAAAD/fwAA/38AAAAAAAAJAAAABAAAAAAAAAAeAAAAaAAAAAAAAAAAAAAAAAAAAAAAAAAAAAAAECcAABAnAAAAAAAAAAAAAAAAAAAAAAAAAAAAAAAAAAAAAAAAAAAAABQAAAAAAAAAwMD/AAAAAABkAAAAMgAAAAAAAABkAAAAAAAAAH9/fwAKAAAAIgAAABgAAAAAAAAAAAAAAAAAAAAAAAAAAAAAAAAAAAAkAAAAJAAAAAAAAAAHAAAAAAAAAAAAAAAAAAAAAAAAAAAAAAAAAAAAf39/ACUAAABYAAAAAAAAAAAAAAAAAAAAAAAAAAAAAAAAAAAAAAAAAAAAAAAAAAAAAAAAAAAAAAA/AAAAAAAAAKCGAQAAAAAAAAAAAAAAAAAMAAAAAQAAAAAAAAAAAAAAAAAAAB8AAABUAAAAAAAABQAAAAEAAAAAAAAAAAAAAAAAAAAAAAAAAAAAAAAAAAAAAAAAAAAAAAJ/f38AAAAAA8zMzADAwP8Af39/AAAAAAAAAAAAAAAAAAAAAAAAAAAAIQAAABgAAAAUAAAAKAUAAD8CAADYRQAAZwoAABAAAAAmAAAACAAAAAAAAAAAAAAAMAAAABQAAAAAAAAAAAD//wAAAQAAAP//AAABAA=="/>
               </a:ext>
             </a:extLst>
           </p:cNvSpPr>
@@ -959,7 +959,7 @@
             <a:spLocks noGrp="1" noChangeArrowheads="1"/>
             <a:extLst>
               <a:ext uri="smNativeData">
-                <pr:smNativeData xmlns:pr="smNativeData" xmlns="smNativeData" val="SMDATA_16_gfoFYRMAAAAlAAAAZAAAAA0AAAAAkAAAAEgAAACQAAAASAAAAAAAAAAAAAAAAAAAAAEAAABQAAAAAAAAAAAA4D8AAAAAAADgPwAAAAAAAOA/AAAAAAAA4D8AAAAAAADgPwAAAAAAAOA/AAAAAAAA4D8AAAAAAADgPwAAAAAAAOA/AAAAAAAA4D8CAAAAjAAAAAAAAAAAAAAARHLEDP///wgAAAAAAAAAAAAAAAAAAAAAAAAAAAAAAAAAAAAAZAAAAAEAAABAAAAAAAAAAAAAAAAAAAAAAAAAAAAAAAAAAAAAAAAAAAAAAAAAAAAAAAAAAAAAAAAAAAAAAAAAAAAAAAAAAAAAAAAAAAAAAAAAAAAAAAAAAAAAAAAAAAAAFAAAADwAAAAAAAAAAAAAAAAAAAkUAAAAAQAAABQAAAAUAAAAFAAAAAEAAAAAAAAAZAAAAGQAAAAAAAAAZAAAAGQAAAAVAAAAYAAAAAAAAAAAAAAADwAAACADAAAAAAAAAAAAAAEAAACgMgAAVgcAAKr4//8BAAAAf39/AAEAAABkAAAAAAAAABQAAABAHwAAAAAAACYAAAAAAAAAwOD//wAAAAAmAAAAZAAAABYAAABMAAAAAAAAAAAAAAAEAAAAAAAAAAEAAADn5uYKAAAAACgAAAAoAAAAZAAAAGQAAAAAAAAAzMzMAAAAAABQAAAAUAAAAGQAAABkAAAAAAAAABcAAAAUAAAAAAAAAAAAAAD/fwAA/38AAAAAAAAJAAAABAAAAAAAAAAeAAAAaAAAAAAAAAAAAAAAAAAAAAAAAAAAAAAAECcAABAnAAAAAAAAAAAAAAAAAAAAAAAAAAAAAAAAAAAAAAAAAAAAABQAAAAAAAAAwMD/AAAAAABkAAAAMgAAAAAAAABkAAAAAAAAAH9/fwAKAAAAIgAAABgAAAAAAAAAAAAAAAAAAAAAAAAAAAAAAAAAAAAkAAAAJAAAAAAAAAAHAAAAAAAAAAAAAAAAAAAAAAAAAAAAAAAAAAAAf39/ACUAAABYAAAAAAAAAAAAAAAAAAAAAAAAAAAAAAAAAAAAAAAAAAAAAAAAAAAAAAAAAAAAAAA/AAAAAAAAAKCGAQAAAAAAAAAAAAAAAAAMAAAAAQAAAAAAAAAAAAAAAAAAAB8AAABUAAAAAAAABQAAAAEAAAAAAAAAAAAAAAAAAAAAAAAAAAAAAAAAAAAAAAAAAAAAAAJ/f38AAAAAA8zMzADAwP8Af39/AAAAAAAAAAAAAAAAAAAAAAAAAAAAIQAAABgAAAAUAAAAKAUAADsLAADYRQAAACYAABAAAAAmAAAACAAAAAAAAAAAAAAAMAAAABQAAAAAAAAAAAD//wAAAQAAAP//AAABAA=="/>
+                <pr:smNativeData xmlns:pr="smNativeData" xmlns="smNativeData" val="SMDATA_16_FAWHYRMAAAAlAAAAZAAAAA0AAAAAkAAAAEgAAACQAAAASAAAAAAAAAAAAAAAAAAAAAEAAABQAAAAAAAAAAAA4D8AAAAAAADgPwAAAAAAAOA/AAAAAAAA4D8AAAAAAADgPwAAAAAAAOA/AAAAAAAA4D8AAAAAAADgPwAAAAAAAOA/AAAAAAAA4D8CAAAAjAAAAAAAAAAAAAAARHLEDP///wgAAAAAAAAAAAAAAAAAAAAAAAAAAAAAAAAAAAAAZAAAAAEAAABAAAAAAAAAAAAAAAAAAAAAAAAAAAAAAAAAAAAAAAAAAAAAAAAAAAAAAAAAAAAAAAAAAAAAAAAAAAAAAAAAAAAAAAAAAAAAAAAAAAAAAAAAAAAAAAAAAAAAFAAAADwAAAAAAAAAAAAAAAAAAAkUAAAAAQAAABQAAAAUAAAAFAAAAAEAAAAAAAAAZAAAAGQAAAAAAAAAZAAAAGQAAAAVAAAAYAAAAAAAAAAAAAAADwAAACADAAAAAAAAAAAAAAEAAACgMgAAVgcAAKr4//8BAAAAf39/AAEAAABkAAAAAAAAABQAAABAHwAAAAAAACYAAAAAAAAAwOD//wAAAAAmAAAAZAAAABYAAABMAAAAAAAAAAAAAAAEAAAAAAAAAAEAAADn5uYKAAAAACgAAAAoAAAAZAAAAGQAAAAAAAAAzMzMAAAAAABQAAAAUAAAAGQAAABkAAAAAAAAABcAAAAUAAAAAAAAAAAAAAD/fwAA/38AAAAAAAAJAAAABAAAAAAAAAAeAAAAaAAAAAAAAAAAAAAAAAAAAAAAAAAAAAAAECcAABAnAAAAAAAAAAAAAAAAAAAAAAAAAAAAAAAAAAAAAAAAAAAAABQAAAAAAAAAwMD/AAAAAABkAAAAMgAAAAAAAABkAAAAAAAAAH9/fwAKAAAAIgAAABgAAAAAAAAAAAAAAAAAAAAAAAAAAAAAAAAAAAAkAAAAJAAAAAAAAAAHAAAAAAAAAAAAAAAAAAAAAAAAAAAAAAAAAAAAf39/ACUAAABYAAAAAAAAAAAAAAAAAAAAAAAAAAAAAAAAAAAAAAAAAAAAAAAAAAAAAAAAAAAAAAA/AAAAAAAAAKCGAQAAAAAAAAAAAAAAAAAMAAAAAQAAAAAAAAAAAAAAAAAAAB8AAABUAAAAAAAABQAAAAEAAAAAAAAAAAAAAAAAAAAAAAAAAAAAAAAAAAAAAAAAAAAAAAJ/f38AAAAAA8zMzADAwP8Af39/AAAAAAAAAAAAAAAAAAAAAAAAAAAAIQAAABgAAAAUAAAAKAUAADsLAADYRQAAACYAABAAAAAmAAAACAAAAAAAAAAAAAAAMAAAABQAAAAAAAAAAAD//wAAAQAAAP//AAABAA=="/>
               </a:ext>
             </a:extLst>
           </p:cNvSpPr>
@@ -1021,7 +1021,7 @@
             <a:spLocks noGrp="1" noChangeArrowheads="1"/>
             <a:extLst>
               <a:ext uri="smNativeData">
-                <pr:smNativeData xmlns:pr="smNativeData" xmlns="smNativeData" val="SMDATA_16_gfoFYRMAAAAlAAAAZAAAAA0AAAAAkAAAAEgAAACQAAAASAAAAAAAAAABAAAAAAAAAAEAAABQAAAAAAAAAAAA4D8AAAAAAADgPwAAAAAAAOA/AAAAAAAA4D8AAAAAAADgPwAAAAAAAOA/AAAAAAAA4D8AAAAAAADgPwAAAAAAAOA/AAAAAAAA4D8CAAAAjAAAAAAAAAAAAAAARHLEDP///wgAAAAAAAAAAAAAAAAAAAAAAAAAAAAAAAAAAAAAZAAAAAEAAABAAAAAAAAAAAAAAAAAAAAAAAAAAAAAAAAAAAAAAAAAAAAAAAAAAAAAAAAAAAAAAAAAAAAAAAAAAAAAAAAAAAAAAAAAAAAAAAAAAAAAAAAAAAAAAAAAAAAAFAAAADwAAAAAAAAAAAAAAAAAAAkUAAAAAQAAABQAAAAUAAAAFAAAAAEAAAAAAAAAZAAAAGQAAAAAAAAAZAAAAGQAAAAVAAAAYAAAAAAAAAAAAAAADwAAACADAAAAAAAAAAAAAAEAAACgMgAAVgcAAKr4//8BAAAAf39/AAEAAABkAAAAAAAAABQAAABAHwAAAAAAACYAAAAAAAAAwOD//wAAAAAmAAAAZAAAABYAAABMAAAAAAAAAAAAAAAEAAAAAAAAAAEAAADn5uYKAAAAACgAAAAoAAAAZAAAAGQAAAAAAAAAzMzMAAAAAABQAAAAUAAAAGQAAABkAAAAAAAAABcAAAAUAAAAAAAAAAAAAAD/fwAA/38AAAAAAAAJAAAABAAAAAAAAAAeAAAAaAAAAAAAAAAAAAAAAAAAAAAAAAAAAAAAECcAABAnAAAAAAAAAAAAAAAAAAAAAAAAAAAAAAAAAAAAAAAAAAAAABQAAAAAAAAAwMD/AAAAAABkAAAAMgAAAAAAAABkAAAAAAAAAH9/fwAKAAAAIgAAABgAAAAAAAAAAAAAAAAAAAAAAAAAAAAAAAAAAAAkAAAAJAAAAAAAAAAHAAAAAAAAAAAAAAAAAAAAAAAAAAAAAAAAAAAAf39/ACUAAABYAAAAAAAAAAAAAAAAAAAAAAAAAAAAAAAAAAAAAAAAAAAAAAAAAAAAAAAAAAAAAAA/AAAAAAAAAKCGAQAAAAAAAAAAAAAAAAAMAAAAAQAAAAAAAAAAAAAAAAAAAB8AAABUAAAAAAAABQAAAAEAAAAAAAAAAAAAAAAAAAAAAAAAAAAAAAAAAAAAAAAAAAAAAAJ/f38AAAAAA8zMzADAwP8Af39/AAAAAAAAAAAAAAAAAAAAAAAAAAAAIQAAABgAAAAUAAAAKAUAABonAAAIFgAAWSkAABAAAAAmAAAACAAAAAAAAAAAAAAAMAAAABQAAAAAAAAAAAD//wAAAQAAAP//AAABAA=="/>
+                <pr:smNativeData xmlns:pr="smNativeData" xmlns="smNativeData" val="SMDATA_16_FAWHYRMAAAAlAAAAZAAAAA0AAAAAkAAAAEgAAACQAAAASAAAAAAAAAABAAAAAAAAAAEAAABQAAAAAAAAAAAA4D8AAAAAAADgPwAAAAAAAOA/AAAAAAAA4D8AAAAAAADgPwAAAAAAAOA/AAAAAAAA4D8AAAAAAADgPwAAAAAAAOA/AAAAAAAA4D8CAAAAjAAAAAAAAAAAAAAARHLEDP///wgAAAAAAAAAAAAAAAAAAAAAAAAAAAAAAAAAAAAAZAAAAAEAAABAAAAAAAAAAAAAAAAAAAAAAAAAAAAAAAAAAAAAAAAAAAAAAAAAAAAAAAAAAAAAAAAAAAAAAAAAAAAAAAAAAAAAAAAAAAAAAAAAAAAAAAAAAAAAAAAAAAAAFAAAADwAAAAAAAAAAAAAAAAAAAkUAAAAAQAAABQAAAAUAAAAFAAAAAEAAAAAAAAAZAAAAGQAAAAAAAAAZAAAAGQAAAAVAAAAYAAAAAAAAAAAAAAADwAAACADAAAAAAAAAAAAAAEAAACgMgAAVgcAAKr4//8BAAAAf39/AAEAAABkAAAAAAAAABQAAABAHwAAAAAAACYAAAAAAAAAwOD//wAAAAAmAAAAZAAAABYAAABMAAAAAAAAAAAAAAAEAAAAAAAAAAEAAADn5uYKAAAAACgAAAAoAAAAZAAAAGQAAAAAAAAAzMzMAAAAAABQAAAAUAAAAGQAAABkAAAAAAAAABcAAAAUAAAAAAAAAAAAAAD/fwAA/38AAAAAAAAJAAAABAAAAAAAAAAeAAAAaAAAAAAAAAAAAAAAAAAAAAAAAAAAAAAAECcAABAnAAAAAAAAAAAAAAAAAAAAAAAAAAAAAAAAAAAAAAAAAAAAABQAAAAAAAAAwMD/AAAAAABkAAAAMgAAAAAAAABkAAAAAAAAAH9/fwAKAAAAIgAAABgAAAAAAAAAAAAAAAAAAAAAAAAAAAAAAAAAAAAkAAAAJAAAAAAAAAAHAAAAAAAAAAAAAAAAAAAAAAAAAAAAAAAAAAAAf39/ACUAAABYAAAAAAAAAAAAAAAAAAAAAAAAAAAAAAAAAAAAAAAAAAAAAAAAAAAAAAAAAAAAAAA/AAAAAAAAAKCGAQAAAAAAAAAAAAAAAAAMAAAAAQAAAAAAAAAAAAAAAAAAAB8AAABUAAAAAAAABQAAAAEAAAAAAAAAAAAAAAAAAAAAAAAAAAAAAAAAAAAAAAAAAAAAAAJ/f38AAAAAA8zMzADAwP8Af39/AAAAAAAAAAAAAAAAAAAAAAAAAAAAIQAAABgAAAAUAAAAKAUAABonAAAIFgAAWSkAABAAAAAmAAAACAAAAAAAAAAAAAAAMAAAABQAAAAAAAAAAAD//wAAAQAAAP//AAABAA=="/>
               </a:ext>
             </a:extLst>
           </p:cNvSpPr>
@@ -1037,7 +1037,7 @@
             <a:pPr>
               <a:defRPr lang="en-us"/>
             </a:pPr>
-            <a:fld id="{3AB24970-3ED7-E7BF-990A-C8EA07446F9D}" type="datetime1">
+            <a:fld id="{35CA6523-6DD8-9F93-9672-9BC62B3C60CE}" type="datetime1">
               <a:rPr lang="en-au" cap="none"/>
               <a:t>12/05/2021</a:t>
             </a:fld>
@@ -1052,7 +1052,7 @@
             <a:spLocks noGrp="1" noChangeArrowheads="1"/>
             <a:extLst>
               <a:ext uri="smNativeData">
-                <pr:smNativeData xmlns:pr="smNativeData" xmlns="smNativeData" val="SMDATA_16_gfoFYRMAAAAlAAAAZAAAAA0AAAAAkAAAAEgAAACQAAAASAAAAAAAAAABAAAAAAAAAAEAAABQAAAAAAAAAAAA4D8AAAAAAADgPwAAAAAAAOA/AAAAAAAA4D8AAAAAAADgPwAAAAAAAOA/AAAAAAAA4D8AAAAAAADgPwAAAAAAAOA/AAAAAAAA4D8CAAAAjAAAAAAAAAAAAAAARHLEDP///wgAAAAAAAAAAAAAAAAAAAAAAAAAAAAAAAAAAAAAZAAAAAEAAABAAAAAAAAAAAAAAAAAAAAAAAAAAAAAAAAAAAAAAAAAAAAAAAAAAAAAAAAAAAAAAAAAAAAAAAAAAAAAAAAAAAAAAAAAAAAAAAAAAAAAAAAAAAAAAAAAAAAAFAAAADwAAAAAAAAAAAAAAAAAAAkUAAAAAQAAABQAAAAUAAAAFAAAAAEAAAAAAAAAZAAAAGQAAAAAAAAAZAAAAGQAAAAVAAAAYAAAAAAAAAAAAAAADwAAACADAAAAAAAAAAAAAAEAAACgMgAAVgcAAKr4//8BAAAAf39/AAEAAABkAAAAAAAAABQAAABAHwAAAAAAACYAAAAAAAAAwOD//wAAAAAmAAAAZAAAABYAAABMAAAAAAAAAAAAAAAEAAAAAAAAAAEAAADn5uYKAAAAACgAAAAoAAAAZAAAAGQAAAAAAAAAzMzMAAAAAABQAAAAUAAAAGQAAABkAAAAAAAAABcAAAAUAAAAAAAAAAAAAAD/fwAA/38AAAAAAAAJAAAABAAAAAAAAAAeAAAAaAAAAAAAAAAAAAAAAAAAAAAAAAAAAAAAECcAABAnAAAAAAAAAAAAAAAAAAAAAAAAAAAAAAAAAAAAAAAAAAAAABQAAAAAAAAAwMD/AAAAAABkAAAAMgAAAAAAAABkAAAAAAAAAH9/fwAKAAAAIgAAABgAAAAAAAAAAAAAAAAAAAAAAAAAAAAAAAAAAAAkAAAAJAAAAAAAAAAHAAAAAAAAAAAAAAAAAAAAAAAAAAAAAAAAAAAAf39/ACUAAABYAAAAAAAAAAAAAAAAAAAAAAAAAAAAAAAAAAAAAAAAAAAAAAAAAAAAAAAAAAAAAAA/AAAAAAAAAKCGAQAAAAAAAAAAAAAAAAAMAAAAAQAAAAAAAAAAAAAAAAAAAB8AAABUAAAAAAAABQAAAAEAAAAAAAAAAAAAAAAAAAAAAAAAAAAAAAAAAAAAAAAAAAAAAAJ/f38AAAAAA8zMzADAwP8Af39/AAAAAAAAAAAAAAAAAAAAAAAAAAAAIQAAABgAAAAUAAAA2BgAABonAAAoMgAAWSkAABAAAAAmAAAACAAAAAAAAAAAAAAAMAAAABQAAAAAAAAAAAD//wAAAQAAAP//AAABAA=="/>
+                <pr:smNativeData xmlns:pr="smNativeData" xmlns="smNativeData" val="SMDATA_16_FAWHYRMAAAAlAAAAZAAAAA0AAAAAkAAAAEgAAACQAAAASAAAAAAAAAABAAAAAAAAAAEAAABQAAAAAAAAAAAA4D8AAAAAAADgPwAAAAAAAOA/AAAAAAAA4D8AAAAAAADgPwAAAAAAAOA/AAAAAAAA4D8AAAAAAADgPwAAAAAAAOA/AAAAAAAA4D8CAAAAjAAAAAAAAAAAAAAARHLEDP///wgAAAAAAAAAAAAAAAAAAAAAAAAAAAAAAAAAAAAAZAAAAAEAAABAAAAAAAAAAAAAAAAAAAAAAAAAAAAAAAAAAAAAAAAAAAAAAAAAAAAAAAAAAAAAAAAAAAAAAAAAAAAAAAAAAAAAAAAAAAAAAAAAAAAAAAAAAAAAAAAAAAAAFAAAADwAAAAAAAAAAAAAAAAAAAkUAAAAAQAAABQAAAAUAAAAFAAAAAEAAAAAAAAAZAAAAGQAAAAAAAAAZAAAAGQAAAAVAAAAYAAAAAAAAAAAAAAADwAAACADAAAAAAAAAAAAAAEAAACgMgAAVgcAAKr4//8BAAAAf39/AAEAAABkAAAAAAAAABQAAABAHwAAAAAAACYAAAAAAAAAwOD//wAAAAAmAAAAZAAAABYAAABMAAAAAAAAAAAAAAAEAAAAAAAAAAEAAADn5uYKAAAAACgAAAAoAAAAZAAAAGQAAAAAAAAAzMzMAAAAAABQAAAAUAAAAGQAAABkAAAAAAAAABcAAAAUAAAAAAAAAAAAAAD/fwAA/38AAAAAAAAJAAAABAAAAAAAAAAeAAAAaAAAAAAAAAAAAAAAAAAAAAAAAAAAAAAAECcAABAnAAAAAAAAAAAAAAAAAAAAAAAAAAAAAAAAAAAAAAAAAAAAABQAAAAAAAAAwMD/AAAAAABkAAAAMgAAAAAAAABkAAAAAAAAAH9/fwAKAAAAIgAAABgAAAAAAAAAAAAAAAAAAAAAAAAAAAAAAAAAAAAkAAAAJAAAAAAAAAAHAAAAAAAAAAAAAAAAAAAAAAAAAAAAAAAAAAAAf39/ACUAAABYAAAAAAAAAAAAAAAAAAAAAAAAAAAAAAAAAAAAAAAAAAAAAAAAAAAAAAAAAAAAAAA/AAAAAAAAAKCGAQAAAAAAAAAAAAAAAAAMAAAAAQAAAAAAAAAAAAAAAAAAAB8AAABUAAAAAAAABQAAAAEAAAAAAAAAAAAAAAAAAAAAAAAAAAAAAAAAAAAAAAAAAAAAAAJ/f38AAAAAA8zMzADAwP8Af39/AAAAAAAAAAAAAAAAAAAAAAAAAAAAIQAAABgAAAAUAAAA2BgAABonAAAoMgAAWSkAABAAAAAmAAAACAAAAAAAAAAAAAAAMAAAABQAAAAAAAAAAAD//wAAAQAAAP//AAABAA=="/>
               </a:ext>
             </a:extLst>
           </p:cNvSpPr>
@@ -1079,7 +1079,7 @@
             <a:spLocks noGrp="1" noChangeArrowheads="1"/>
             <a:extLst>
               <a:ext uri="smNativeData">
-                <pr:smNativeData xmlns:pr="smNativeData" xmlns="smNativeData" val="SMDATA_16_gfoFYRMAAAAlAAAAZAAAAA0AAAAAkAAAAEgAAACQAAAASAAAAAAAAAABAAAAAAAAAAEAAABQAAAAAAAAAAAA4D8AAAAAAADgPwAAAAAAAOA/AAAAAAAA4D8AAAAAAADgPwAAAAAAAOA/AAAAAAAA4D8AAAAAAADgPwAAAAAAAOA/AAAAAAAA4D8CAAAAjAAAAAAAAAAAAAAARHLEDP///wgAAAAAAAAAAAAAAAAAAAAAAAAAAAAAAAAAAAAAZAAAAAEAAABAAAAAAAAAAAAAAAAAAAAAAAAAAAAAAAAAAAAAAAAAAAAAAAAAAAAAAAAAAAAAAAAAAAAAAAAAAAAAAAAAAAAAAAAAAAAAAAAAAAAAAAAAAAAAAAAAAAAAFAAAADwAAAAAAAAAAAAAAAAAAAkUAAAAAQAAABQAAAAUAAAAFAAAAAEAAAAAAAAAZAAAAGQAAAAAAAAAZAAAAGQAAAAVAAAAYAAAAAAAAAAAAAAADwAAACADAAAAAAAAAAAAAAEAAACgMgAAVgcAAKr4//8BAAAAf39/AAEAAABkAAAAAAAAABQAAABAHwAAAAAAACYAAAAAAAAAwOD//wAAAAAmAAAAZAAAABYAAABMAAAAAAAAAAAAAAAEAAAAAAAAAAEAAADn5uYKAAAAACgAAAAoAAAAZAAAAGQAAAAAAAAAzMzMAAAAAABQAAAAUAAAAGQAAABkAAAAAAAAABcAAAAUAAAAAAAAAAAAAAD/fwAA/38AAAAAAAAJAAAABAAAAAAAAAAeAAAAaAAAAAAAAAAAAAAAAAAAAAAAAAAAAAAAECcAABAnAAAAAAAAAAAAAAAAAAAAAAAAAAAAAAAAAAAAAAAAAAAAABQAAAAAAAAAwMD/AAAAAABkAAAAMgAAAAAAAABkAAAAAAAAAH9/fwAKAAAAIgAAABgAAAAAAAAAAAAAAAAAAAAAAAAAAAAAAAAAAAAkAAAAJAAAAAAAAAAHAAAAAAAAAAAAAAAAAAAAAAAAAAAAAAAAAAAAf39/ACUAAABYAAAAAAAAAAAAAAAAAAAAAAAAAAAAAAAAAAAAAAAAAAAAAAAAAAAAAAAAAAAAAAA/AAAAAAAAAKCGAQAAAAAAAAAAAAAAAAAMAAAAAQAAAAAAAAAAAAAAAAAAAB8AAABUAAAAAAAABQAAAAEAAAAAAAAAAAAAAAAAAAAAAAAAAAAAAAAAAAAAAAAAAAAAAAJ/f38AAAAAA8zMzADAwP8Af39/AAAAAAAAAAAAAAAAAAAAAAAAAAAAIQAAABgAAAAUAAAA+DQAABonAADYRQAAWSkAABAAAAAmAAAACAAAAAAAAAAAAAAAMAAAABQAAAAAAAAAAAD//wAAAQAAAP//AAABAA=="/>
+                <pr:smNativeData xmlns:pr="smNativeData" xmlns="smNativeData" val="SMDATA_16_FAWHYRMAAAAlAAAAZAAAAA0AAAAAkAAAAEgAAACQAAAASAAAAAAAAAABAAAAAAAAAAEAAABQAAAAAAAAAAAA4D8AAAAAAADgPwAAAAAAAOA/AAAAAAAA4D8AAAAAAADgPwAAAAAAAOA/AAAAAAAA4D8AAAAAAADgPwAAAAAAAOA/AAAAAAAA4D8CAAAAjAAAAAAAAAAAAAAARHLEDP///wgAAAAAAAAAAAAAAAAAAAAAAAAAAAAAAAAAAAAAZAAAAAEAAABAAAAAAAAAAAAAAAAAAAAAAAAAAAAAAAAAAAAAAAAAAAAAAAAAAAAAAAAAAAAAAAAAAAAAAAAAAAAAAAAAAAAAAAAAAAAAAAAAAAAAAAAAAAAAAAAAAAAAFAAAADwAAAAAAAAAAAAAAAAAAAkUAAAAAQAAABQAAAAUAAAAFAAAAAEAAAAAAAAAZAAAAGQAAAAAAAAAZAAAAGQAAAAVAAAAYAAAAAAAAAAAAAAADwAAACADAAAAAAAAAAAAAAEAAACgMgAAVgcAAKr4//8BAAAAf39/AAEAAABkAAAAAAAAABQAAABAHwAAAAAAACYAAAAAAAAAwOD//wAAAAAmAAAAZAAAABYAAABMAAAAAAAAAAAAAAAEAAAAAAAAAAEAAADn5uYKAAAAACgAAAAoAAAAZAAAAGQAAAAAAAAAzMzMAAAAAABQAAAAUAAAAGQAAABkAAAAAAAAABcAAAAUAAAAAAAAAAAAAAD/fwAA/38AAAAAAAAJAAAABAAAAAAAAAAeAAAAaAAAAAAAAAAAAAAAAAAAAAAAAAAAAAAAECcAABAnAAAAAAAAAAAAAAAAAAAAAAAAAAAAAAAAAAAAAAAAAAAAABQAAAAAAAAAwMD/AAAAAABkAAAAMgAAAAAAAABkAAAAAAAAAH9/fwAKAAAAIgAAABgAAAAAAAAAAAAAAAAAAAAAAAAAAAAAAAAAAAAkAAAAJAAAAAAAAAAHAAAAAAAAAAAAAAAAAAAAAAAAAAAAAAAAAAAAf39/ACUAAABYAAAAAAAAAAAAAAAAAAAAAAAAAAAAAAAAAAAAAAAAAAAAAAAAAAAAAAAAAAAAAAA/AAAAAAAAAKCGAQAAAAAAAAAAAAAAAAAMAAAAAQAAAAAAAAAAAAAAAAAAAB8AAABUAAAAAAAABQAAAAEAAAAAAAAAAAAAAAAAAAAAAAAAAAAAAAAAAAAAAAAAAAAAAAJ/f38AAAAAA8zMzADAwP8Af39/AAAAAAAAAAAAAAAAAAAAAAAAAAAAIQAAABgAAAAUAAAA+DQAABonAADYRQAAWSkAABAAAAAmAAAACAAAAAAAAAAAAAAAMAAAABQAAAAAAAAAAAD//wAAAQAAAP//AAABAA=="/>
               </a:ext>
             </a:extLst>
           </p:cNvSpPr>
@@ -1095,7 +1095,7 @@
             <a:pPr>
               <a:defRPr lang="en-us"/>
             </a:pPr>
-            <a:fld id="{3AB27AF9-B7D7-E78C-990A-41D934446F14}" type="slidenum">
+            <a:fld id="{35CA36BD-F3D8-9FC0-9672-0595783C6050}" type="slidenum">
               <a:rPr lang="en-au" cap="none"/>
               <a:t>‹#›</a:t>
             </a:fld>
@@ -1136,7 +1136,7 @@
             <a:spLocks noGrp="1" noChangeArrowheads="1"/>
             <a:extLst>
               <a:ext uri="smNativeData">
-                <pr:smNativeData xmlns:pr="smNativeData" xmlns="smNativeData" val="SMDATA_16_gfoFYRMAAAAlAAAAZAAAAA0AAAAAkAAAAEgAAACQAAAASAAAAAAAAAACAAAAAAAAAAEAAABQAAAAAAAAAAAA4D8AAAAAAADgPwAAAAAAAOA/AAAAAAAA4D8AAAAAAADgPwAAAAAAAOA/AAAAAAAA4D8AAAAAAADgPwAAAAAAAOA/AAAAAAAA4D8CAAAAjAAAAAAAAAAAAAAARHLEDP///wgAAAAAAAAAAAAAAAAAAAAAAAAAAAAAAAAAAAAAZAAAAAEAAABAAAAAAAAAAAAAAAAAAAAAAAAAAAAAAAAAAAAAAAAAAAAAAAAAAAAAAAAAAAAAAAAAAAAAAAAAAAAAAAAAAAAAAAAAAAAAAAAAAAAAAAAAAAAAAAAAAAAAFAAAADwAAAAAAAAAAAAAAAAAAAkUAAAAAQAAABQAAAAUAAAAFAAAAAEAAAAAAAAAZAAAAGQAAAAAAAAAZAAAAGQAAAAVAAAAYAAAAAAAAAAAAAAADwAAACADAAAAAAAAAAAAAAEAAACgMgAAVgcAAKr4//8BAAAAf39/AAEAAABkAAAAAAAAABQAAABAHwAAAAAAACYAAAAAAAAAwOD//wAAAAAmAAAAZAAAABYAAABMAAAAAAAAAAAAAAAEAAAAAAAAAAEAAADn5uYKAAAAACgAAAAoAAAAZAAAAGQAAAAAAAAAzMzMAAAAAABQAAAAUAAAAGQAAABkAAAAAAAAABcAAAAUAAAAAAAAAAAAAAD/fwAA/38AAAAAAAAJAAAABAAAAAAAAAAeAAAAaAAAAAAAAAAAAAAAAAAAAAAAAAAAAAAAECcAABAnAAAAAAAAAAAAAAAAAAAAAAAAAAAAAAAAAAAAAAAAAAAAABQAAAAAAAAAwMD/AAAAAABkAAAAMgAAAAAAAABkAAAAAAAAAH9/fwAKAAAAIgAAABgAAAAAAAAAAAAAAAAAAAAAAAAAAAAAAAAAAAAkAAAAJAAAAAAAAAAHAAAAAAAAAAAAAAAAAAAAAAAAAAAAAAAAAAAAf39/ACUAAABYAAAAAAAAAAAAAAAAAAAAAAAAAAAAAAAAAAAAAAAAAAAAAAAAAAAAAAAAAAAAAAA/AAAAAAAAAKCGAQAAAAAAAAAAAAAAAAAMAAAAAQAAAAAAAAAAAAAAAAAAAB8AAABUAAAAAAAABQAAAAEAAAAAAAAAAAAAAAAAAAAAAAAAAAAAAAAAAAAAAAAAAAAAAAJ/f38AAAAAA8zMzADAwP8Af39/AAAAAAAAAAAAAAAAAAAAAAAAAAAAIQAAABgAAAAUAAAAHgUAAIUKAADORQAAERwAABAAAAAmAAAACAAAAIGAAAAAAAAAMAAAABQAAAAAAAAAAAD//wAAAQAAAP//AAABAA=="/>
+                <pr:smNativeData xmlns:pr="smNativeData" xmlns="smNativeData" val="SMDATA_16_FAWHYRMAAAAlAAAAZAAAAA0AAAAAkAAAAEgAAACQAAAASAAAAAAAAAACAAAAAAAAAAEAAABQAAAAAAAAAAAA4D8AAAAAAADgPwAAAAAAAOA/AAAAAAAA4D8AAAAAAADgPwAAAAAAAOA/AAAAAAAA4D8AAAAAAADgPwAAAAAAAOA/AAAAAAAA4D8CAAAAjAAAAAAAAAAAAAAARHLEDP///wgAAAAAAAAAAAAAAAAAAAAAAAAAAAAAAAAAAAAAZAAAAAEAAABAAAAAAAAAAAAAAAAAAAAAAAAAAAAAAAAAAAAAAAAAAAAAAAAAAAAAAAAAAAAAAAAAAAAAAAAAAAAAAAAAAAAAAAAAAAAAAAAAAAAAAAAAAAAAAAAAAAAAFAAAADwAAAAAAAAAAAAAAAAAAAkUAAAAAQAAABQAAAAUAAAAFAAAAAEAAAAAAAAAZAAAAGQAAAAAAAAAZAAAAGQAAAAVAAAAYAAAAAAAAAAAAAAADwAAACADAAAAAAAAAAAAAAEAAACgMgAAVgcAAKr4//8BAAAAf39/AAEAAABkAAAAAAAAABQAAABAHwAAAAAAACYAAAAAAAAAwOD//wAAAAAmAAAAZAAAABYAAABMAAAAAAAAAAAAAAAEAAAAAAAAAAEAAADn5uYKAAAAACgAAAAoAAAAZAAAAGQAAAAAAAAAzMzMAAAAAABQAAAAUAAAAGQAAABkAAAAAAAAABcAAAAUAAAAAAAAAAAAAAD/fwAA/38AAAAAAAAJAAAABAAAAAAAAAAeAAAAaAAAAAAAAAAAAAAAAAAAAAAAAAAAAAAAECcAABAnAAAAAAAAAAAAAAAAAAAAAAAAAAAAAAAAAAAAAAAAAAAAABQAAAAAAAAAwMD/AAAAAABkAAAAMgAAAAAAAABkAAAAAAAAAH9/fwAKAAAAIgAAABgAAAAAAAAAAAAAAAAAAAAAAAAAAAAAAAAAAAAkAAAAJAAAAAAAAAAHAAAAAAAAAAAAAAAAAAAAAAAAAAAAAAAAAAAAf39/ACUAAABYAAAAAAAAAAAAAAAAAAAAAAAAAAAAAAAAAAAAAAAAAAAAAAAAAAAAAAAAAAAAAAA/AAAAAAAAAKCGAQAAAAAAAAAAAAAAAAAMAAAAAQAAAAAAAAAAAAAAAAAAAB8AAABUAAAAAAAABQAAAAEAAAAAAAAAAAAAAAAAAAAAAAAAAAAAAAAAAAAAAAAAAAAAAAJ/f38AAAAAA8zMzADAwP8Af39/AAAAAAAAAAAAAAAAAAAAAAAAAAAAIQAAABgAAAAUAAAAHgUAAIUKAADORQAAERwAABAAAAAmAAAACAAAAIGAAAAAAAAAMAAAABQAAAAAAAAAAAD//wAAAQAAAP//AAABAA=="/>
               </a:ext>
             </a:extLst>
           </p:cNvSpPr>
@@ -1203,7 +1203,7 @@
             <a:spLocks noGrp="1" noChangeArrowheads="1"/>
             <a:extLst>
               <a:ext uri="smNativeData">
-                <pr:smNativeData xmlns:pr="smNativeData" xmlns="smNativeData" val="SMDATA_16_gfoFYRMAAAAlAAAAZAAAAA0AAAAAkAAAAEgAAACQAAAASAAAAAAAAAAAAAAAAAAAAAEAAABQAAAAAAAAAAAA4D8AAAAAAADgPwAAAAAAAOA/AAAAAAAA4D8AAAAAAADgPwAAAAAAAOA/AAAAAAAA4D8AAAAAAADgPwAAAAAAAOA/AAAAAAAA4D8CAAAAjAAAAAAAAAAAAAAARHLEDP///wgAAAAAAAAAAAAAAAAAAAAAAAAAAAAAAAAAAAAAZAAAAAEAAABAAAAAAAAAAAAAAAAAAAAAAAAAAAAAAAAAAAAAAAAAAAAAAAAAAAAAAAAAAAAAAAAAAAAAAAAAAAAAAAAAAAAAAAAAAAAAAAAAAAAAAAAAAAAAAAAAAAAAFAAAADwAAAAAAAAAAAAAAAAAAAkUAAAAAQAAABQAAAAUAAAAFAAAAAEAAAAAAAAAZAAAAGQAAAAAAAAAZAAAAGQAAAAVAAAAYAAAAAAAAAAAAAAADwAAACADAAAAAAAAAAAAAAEAAACgMgAAVgcAAKr4//8BAAAAf39/AAEAAABkAAAAAAAAABQAAABAHwAAAAAAACYAAAAAAAAAwOD//wAAAAAmAAAAZAAAABYAAABMAAAAAAAAAAAAAAAEAAAAAAAAAAEAAADn5uYKAAAAACgAAAAoAAAAZAAAAGQAAAAAAAAAzMzMAAAAAABQAAAAUAAAAGQAAABkAAAAAAAAABcAAAAUAAAAAAAAAAAAAAD/fwAA/38AAAAAAAAJAAAABAAAAAAAAAAeAAAAaAAAAAAAAAAAAAAAAAAAAAAAAAAAAAAAECcAABAnAAAAAAAAAAAAAAAAAAAAAAAAAAAAAAAAAAAAAAAAAAAAABQAAAAAAAAAwMD/AAAAAABkAAAAMgAAAAAAAABkAAAAAAAAAH9/fwAKAAAAIgAAABgAAAAAAAAAAAAAAAAAAAAAAAAAAAAAAAAAAAAkAAAAJAAAAAAAAAAHAAAAAAAAAAAAAAAAAAAAAAAAAAAAAAAAAAAAf39/ACUAAABYAAAAAAAAAAAAAAAAAAAAAAAAAAAAAAAAAAAAAAAAAAAAAAAAAAAAAAAAAAAAAAA/AAAAAAAAAKCGAQAAAAAAAAAAAAAAAAAMAAAAAQAAAAAAAAAAAAAAAAAAAB8AAABUAAAAAAAABQAAAAEAAAAAAAAAAAAAAAAAAAAAAAAAAAAAAAAAAAAAAAAAAAAAAAJ/f38AAAAAA8zMzADAwP8Af39/AAAAAAAAAAAAAAAAAAAAAAAAAAAAIQAAABgAAAAUAAAAHgUAADwcAADORQAAdiUAABAAAAAmAAAACAAAAAGAAAAAAAAAMAAAABQAAAAAAAAAAAD//wAAAQAAAP//AAABAA=="/>
+                <pr:smNativeData xmlns:pr="smNativeData" xmlns="smNativeData" val="SMDATA_16_FAWHYRMAAAAlAAAAZAAAAA0AAAAAkAAAAEgAAACQAAAASAAAAAAAAAAAAAAAAAAAAAEAAABQAAAAAAAAAAAA4D8AAAAAAADgPwAAAAAAAOA/AAAAAAAA4D8AAAAAAADgPwAAAAAAAOA/AAAAAAAA4D8AAAAAAADgPwAAAAAAAOA/AAAAAAAA4D8CAAAAjAAAAAAAAAAAAAAARHLEDP///wgAAAAAAAAAAAAAAAAAAAAAAAAAAAAAAAAAAAAAZAAAAAEAAABAAAAAAAAAAAAAAAAAAAAAAAAAAAAAAAAAAAAAAAAAAAAAAAAAAAAAAAAAAAAAAAAAAAAAAAAAAAAAAAAAAAAAAAAAAAAAAAAAAAAAAAAAAAAAAAAAAAAAFAAAADwAAAAAAAAAAAAAAAAAAAkUAAAAAQAAABQAAAAUAAAAFAAAAAEAAAAAAAAAZAAAAGQAAAAAAAAAZAAAAGQAAAAVAAAAYAAAAAAAAAAAAAAADwAAACADAAAAAAAAAAAAAAEAAACgMgAAVgcAAKr4//8BAAAAf39/AAEAAABkAAAAAAAAABQAAABAHwAAAAAAACYAAAAAAAAAwOD//wAAAAAmAAAAZAAAABYAAABMAAAAAAAAAAAAAAAEAAAAAAAAAAEAAADn5uYKAAAAACgAAAAoAAAAZAAAAGQAAAAAAAAAzMzMAAAAAABQAAAAUAAAAGQAAABkAAAAAAAAABcAAAAUAAAAAAAAAAAAAAD/fwAA/38AAAAAAAAJAAAABAAAAAAAAAAeAAAAaAAAAAAAAAAAAAAAAAAAAAAAAAAAAAAAECcAABAnAAAAAAAAAAAAAAAAAAAAAAAAAAAAAAAAAAAAAAAAAAAAABQAAAAAAAAAwMD/AAAAAABkAAAAMgAAAAAAAABkAAAAAAAAAH9/fwAKAAAAIgAAABgAAAAAAAAAAAAAAAAAAAAAAAAAAAAAAAAAAAAkAAAAJAAAAAAAAAAHAAAAAAAAAAAAAAAAAAAAAAAAAAAAAAAAAAAAf39/ACUAAABYAAAAAAAAAAAAAAAAAAAAAAAAAAAAAAAAAAAAAAAAAAAAAAAAAAAAAAAAAAAAAAA/AAAAAAAAAKCGAQAAAAAAAAAAAAAAAAAMAAAAAQAAAAAAAAAAAAAAAAAAAB8AAABUAAAAAAAABQAAAAEAAAAAAAAAAAAAAAAAAAAAAAAAAAAAAAAAAAAAAAAAAAAAAAJ/f38AAAAAA8zMzADAwP8Af39/AAAAAAAAAAAAAAAAAAAAAAAAAAAAIQAAABgAAAAUAAAAHgUAADwcAADORQAAdiUAABAAAAAmAAAACAAAAAGAAAAAAAAAMAAAABQAAAAAAAAAAAD//wAAAQAAAP//AAABAA=="/>
               </a:ext>
             </a:extLst>
           </p:cNvSpPr>
@@ -1310,7 +1310,7 @@
             <a:spLocks noGrp="1" noChangeArrowheads="1"/>
             <a:extLst>
               <a:ext uri="smNativeData">
-                <pr:smNativeData xmlns:pr="smNativeData" xmlns="smNativeData" val="SMDATA_16_gfoFYRMAAAAlAAAAZAAAAA0AAAAAkAAAAEgAAACQAAAASAAAAAAAAAABAAAAAAAAAAEAAABQAAAAAAAAAAAA4D8AAAAAAADgPwAAAAAAAOA/AAAAAAAA4D8AAAAAAADgPwAAAAAAAOA/AAAAAAAA4D8AAAAAAADgPwAAAAAAAOA/AAAAAAAA4D8CAAAAjAAAAAAAAAAAAAAARHLEDP///wgAAAAAAAAAAAAAAAAAAAAAAAAAAAAAAAAAAAAAZAAAAAEAAABAAAAAAAAAAAAAAAAAAAAAAAAAAAAAAAAAAAAAAAAAAAAAAAAAAAAAAAAAAAAAAAAAAAAAAAAAAAAAAAAAAAAAAAAAAAAAAAAAAAAAAAAAAAAAAAAAAAAAFAAAADwAAAAAAAAAAAAAAAAAAAkUAAAAAQAAABQAAAAUAAAAFAAAAAEAAAAAAAAAZAAAAGQAAAAAAAAAZAAAAGQAAAAVAAAAYAAAAAAAAAAAAAAADwAAACADAAAAAAAAAAAAAAEAAACgMgAAVgcAAKr4//8BAAAAf39/AAEAAABkAAAAAAAAABQAAABAHwAAAAAAACYAAAAAAAAAwOD//wAAAAAmAAAAZAAAABYAAABMAAAAAAAAAAAAAAAEAAAAAAAAAAEAAADn5uYKAAAAACgAAAAoAAAAZAAAAGQAAAAAAAAAzMzMAAAAAABQAAAAUAAAAGQAAABkAAAAAAAAABcAAAAUAAAAAAAAAAAAAAD/fwAA/38AAAAAAAAJAAAABAAAAAAAAAAeAAAAaAAAAAAAAAAAAAAAAAAAAAAAAAAAAAAAECcAABAnAAAAAAAAAAAAAAAAAAAAAAAAAAAAAAAAAAAAAAAAAAAAABQAAAAAAAAAwMD/AAAAAABkAAAAMgAAAAAAAABkAAAAAAAAAH9/fwAKAAAAIgAAABgAAAAAAAAAAAAAAAAAAAAAAAAAAAAAAAAAAAAkAAAAJAAAAAAAAAAHAAAAAAAAAAAAAAAAAAAAAAAAAAAAAAAAAAAAf39/ACUAAABYAAAAAAAAAAAAAAAAAAAAAAAAAAAAAAAAAAAAAAAAAAAAAAAAAAAAAAAAAAAAAAA/AAAAAAAAAKCGAQAAAAAAAAAAAAAAAAAMAAAAAQAAAAAAAAAAAAAAAAAAAB8AAABUAAAAAAAABQAAAAEAAAAAAAAAAAAAAAAAAAAAAAAAAAAAAAAAAAAAAAAAAAAAAAJ/f38AAAAAA8zMzADAwP8Af39/AAAAAAAAAAAAAAAAAAAAAAAAAAAAIQAAABgAAAAUAAAAKAUAABonAAAIFgAAWSkAABAAAAAmAAAACAAAAAAAAAAAAAAAMAAAABQAAAAAAAAAAAD//wAAAQAAAP//AAABAA=="/>
+                <pr:smNativeData xmlns:pr="smNativeData" xmlns="smNativeData" val="SMDATA_16_FAWHYRMAAAAlAAAAZAAAAA0AAAAAkAAAAEgAAACQAAAASAAAAAAAAAABAAAAAAAAAAEAAABQAAAAAAAAAAAA4D8AAAAAAADgPwAAAAAAAOA/AAAAAAAA4D8AAAAAAADgPwAAAAAAAOA/AAAAAAAA4D8AAAAAAADgPwAAAAAAAOA/AAAAAAAA4D8CAAAAjAAAAAAAAAAAAAAARHLEDP///wgAAAAAAAAAAAAAAAAAAAAAAAAAAAAAAAAAAAAAZAAAAAEAAABAAAAAAAAAAAAAAAAAAAAAAAAAAAAAAAAAAAAAAAAAAAAAAAAAAAAAAAAAAAAAAAAAAAAAAAAAAAAAAAAAAAAAAAAAAAAAAAAAAAAAAAAAAAAAAAAAAAAAFAAAADwAAAAAAAAAAAAAAAAAAAkUAAAAAQAAABQAAAAUAAAAFAAAAAEAAAAAAAAAZAAAAGQAAAAAAAAAZAAAAGQAAAAVAAAAYAAAAAAAAAAAAAAADwAAACADAAAAAAAAAAAAAAEAAACgMgAAVgcAAKr4//8BAAAAf39/AAEAAABkAAAAAAAAABQAAABAHwAAAAAAACYAAAAAAAAAwOD//wAAAAAmAAAAZAAAABYAAABMAAAAAAAAAAAAAAAEAAAAAAAAAAEAAADn5uYKAAAAACgAAAAoAAAAZAAAAGQAAAAAAAAAzMzMAAAAAABQAAAAUAAAAGQAAABkAAAAAAAAABcAAAAUAAAAAAAAAAAAAAD/fwAA/38AAAAAAAAJAAAABAAAAAAAAAAeAAAAaAAAAAAAAAAAAAAAAAAAAAAAAAAAAAAAECcAABAnAAAAAAAAAAAAAAAAAAAAAAAAAAAAAAAAAAAAAAAAAAAAABQAAAAAAAAAwMD/AAAAAABkAAAAMgAAAAAAAABkAAAAAAAAAH9/fwAKAAAAIgAAABgAAAAAAAAAAAAAAAAAAAAAAAAAAAAAAAAAAAAkAAAAJAAAAAAAAAAHAAAAAAAAAAAAAAAAAAAAAAAAAAAAAAAAAAAAf39/ACUAAABYAAAAAAAAAAAAAAAAAAAAAAAAAAAAAAAAAAAAAAAAAAAAAAAAAAAAAAAAAAAAAAA/AAAAAAAAAKCGAQAAAAAAAAAAAAAAAAAMAAAAAQAAAAAAAAAAAAAAAAAAAB8AAABUAAAAAAAABQAAAAEAAAAAAAAAAAAAAAAAAAAAAAAAAAAAAAAAAAAAAAAAAAAAAAJ/f38AAAAAA8zMzADAwP8Af39/AAAAAAAAAAAAAAAAAAAAAAAAAAAAIQAAABgAAAAUAAAAKAUAABonAAAIFgAAWSkAABAAAAAmAAAACAAAAAAAAAAAAAAAMAAAABQAAAAAAAAAAAD//wAAAQAAAP//AAABAA=="/>
               </a:ext>
             </a:extLst>
           </p:cNvSpPr>
@@ -1326,7 +1326,7 @@
             <a:pPr>
               <a:defRPr lang="en-us"/>
             </a:pPr>
-            <a:fld id="{3AB26B75-3BD7-E79D-990A-CDC825446F98}" type="datetime1">
+            <a:fld id="{35CA4822-6CD8-9FBE-9672-9AEB063C60CF}" type="datetime1">
               <a:rPr lang="en-au" cap="none"/>
               <a:t>12/05/2021</a:t>
             </a:fld>
@@ -1341,7 +1341,7 @@
             <a:spLocks noGrp="1" noChangeArrowheads="1"/>
             <a:extLst>
               <a:ext uri="smNativeData">
-                <pr:smNativeData xmlns:pr="smNativeData" xmlns="smNativeData" val="SMDATA_16_gfoFYRMAAAAlAAAAZAAAAA0AAAAAkAAAAEgAAACQAAAASAAAAAAAAAABAAAAAAAAAAEAAABQAAAAAAAAAAAA4D8AAAAAAADgPwAAAAAAAOA/AAAAAAAA4D8AAAAAAADgPwAAAAAAAOA/AAAAAAAA4D8AAAAAAADgPwAAAAAAAOA/AAAAAAAA4D8CAAAAjAAAAAAAAAAAAAAARHLEDP///wgAAAAAAAAAAAAAAAAAAAAAAAAAAAAAAAAAAAAAZAAAAAEAAABAAAAAAAAAAAAAAAAAAAAAAAAAAAAAAAAAAAAAAAAAAAAAAAAAAAAAAAAAAAAAAAAAAAAAAAAAAAAAAAAAAAAAAAAAAAAAAAAAAAAAAAAAAAAAAAAAAAAAFAAAADwAAAAAAAAAAAAAAAAAAAkUAAAAAQAAABQAAAAUAAAAFAAAAAEAAAAAAAAAZAAAAGQAAAAAAAAAZAAAAGQAAAAVAAAAYAAAAAAAAAAAAAAADwAAACADAAAAAAAAAAAAAAEAAACgMgAAVgcAAKr4//8BAAAAf39/AAEAAABkAAAAAAAAABQAAABAHwAAAAAAACYAAAAAAAAAwOD//wAAAAAmAAAAZAAAABYAAABMAAAAAAAAAAAAAAAEAAAAAAAAAAEAAADn5uYKAAAAACgAAAAoAAAAZAAAAGQAAAAAAAAAzMzMAAAAAABQAAAAUAAAAGQAAABkAAAAAAAAABcAAAAUAAAAAAAAAAAAAAD/fwAA/38AAAAAAAAJAAAABAAAAAAAAAAeAAAAaAAAAAAAAAAAAAAAAAAAAAAAAAAAAAAAECcAABAnAAAAAAAAAAAAAAAAAAAAAAAAAAAAAAAAAAAAAAAAAAAAABQAAAAAAAAAwMD/AAAAAABkAAAAMgAAAAAAAABkAAAAAAAAAH9/fwAKAAAAIgAAABgAAAAAAAAAAAAAAAAAAAAAAAAAAAAAAAAAAAAkAAAAJAAAAAAAAAAHAAAAAAAAAAAAAAAAAAAAAAAAAAAAAAAAAAAAf39/ACUAAABYAAAAAAAAAAAAAAAAAAAAAAAAAAAAAAAAAAAAAAAAAAAAAAAAAAAAAAAAAAAAAAA/AAAAAAAAAKCGAQAAAAAAAAAAAAAAAAAMAAAAAQAAAAAAAAAAAAAAAAAAAB8AAABUAAAAAAAABQAAAAEAAAAAAAAAAAAAAAAAAAAAAAAAAAAAAAAAAAAAAAAAAAAAAAJ/f38AAAAAA8zMzADAwP8Af39/AAAAAAAAAAAAAAAAAAAAAAAAAAAAIQAAABgAAAAUAAAA2BgAABonAAAoMgAAWSkAABAAAAAmAAAACAAAAAAAAAAAAAAAMAAAABQAAAAAAAAAAAD//wAAAQAAAP//AAABAA=="/>
+                <pr:smNativeData xmlns:pr="smNativeData" xmlns="smNativeData" val="SMDATA_16_FAWHYRMAAAAlAAAAZAAAAA0AAAAAkAAAAEgAAACQAAAASAAAAAAAAAABAAAAAAAAAAEAAABQAAAAAAAAAAAA4D8AAAAAAADgPwAAAAAAAOA/AAAAAAAA4D8AAAAAAADgPwAAAAAAAOA/AAAAAAAA4D8AAAAAAADgPwAAAAAAAOA/AAAAAAAA4D8CAAAAjAAAAAAAAAAAAAAARHLEDP///wgAAAAAAAAAAAAAAAAAAAAAAAAAAAAAAAAAAAAAZAAAAAEAAABAAAAAAAAAAAAAAAAAAAAAAAAAAAAAAAAAAAAAAAAAAAAAAAAAAAAAAAAAAAAAAAAAAAAAAAAAAAAAAAAAAAAAAAAAAAAAAAAAAAAAAAAAAAAAAAAAAAAAFAAAADwAAAAAAAAAAAAAAAAAAAkUAAAAAQAAABQAAAAUAAAAFAAAAAEAAAAAAAAAZAAAAGQAAAAAAAAAZAAAAGQAAAAVAAAAYAAAAAAAAAAAAAAADwAAACADAAAAAAAAAAAAAAEAAACgMgAAVgcAAKr4//8BAAAAf39/AAEAAABkAAAAAAAAABQAAABAHwAAAAAAACYAAAAAAAAAwOD//wAAAAAmAAAAZAAAABYAAABMAAAAAAAAAAAAAAAEAAAAAAAAAAEAAADn5uYKAAAAACgAAAAoAAAAZAAAAGQAAAAAAAAAzMzMAAAAAABQAAAAUAAAAGQAAABkAAAAAAAAABcAAAAUAAAAAAAAAAAAAAD/fwAA/38AAAAAAAAJAAAABAAAAAAAAAAeAAAAaAAAAAAAAAAAAAAAAAAAAAAAAAAAAAAAECcAABAnAAAAAAAAAAAAAAAAAAAAAAAAAAAAAAAAAAAAAAAAAAAAABQAAAAAAAAAwMD/AAAAAABkAAAAMgAAAAAAAABkAAAAAAAAAH9/fwAKAAAAIgAAABgAAAAAAAAAAAAAAAAAAAAAAAAAAAAAAAAAAAAkAAAAJAAAAAAAAAAHAAAAAAAAAAAAAAAAAAAAAAAAAAAAAAAAAAAAf39/ACUAAABYAAAAAAAAAAAAAAAAAAAAAAAAAAAAAAAAAAAAAAAAAAAAAAAAAAAAAAAAAAAAAAA/AAAAAAAAAKCGAQAAAAAAAAAAAAAAAAAMAAAAAQAAAAAAAAAAAAAAAAAAAB8AAABUAAAAAAAABQAAAAEAAAAAAAAAAAAAAAAAAAAAAAAAAAAAAAAAAAAAAAAAAAAAAAJ/f38AAAAAA8zMzADAwP8Af39/AAAAAAAAAAAAAAAAAAAAAAAAAAAAIQAAABgAAAAUAAAA2BgAABonAAAoMgAAWSkAABAAAAAmAAAACAAAAAAAAAAAAAAAMAAAABQAAAAAAAAAAAD//wAAAQAAAP//AAABAA=="/>
               </a:ext>
             </a:extLst>
           </p:cNvSpPr>
@@ -1368,7 +1368,7 @@
             <a:spLocks noGrp="1" noChangeArrowheads="1"/>
             <a:extLst>
               <a:ext uri="smNativeData">
-                <pr:smNativeData xmlns:pr="smNativeData" xmlns="smNativeData" val="SMDATA_16_gfoFYRMAAAAlAAAAZAAAAA0AAAAAkAAAAEgAAACQAAAASAAAAAAAAAABAAAAAAAAAAEAAABQAAAAAAAAAAAA4D8AAAAAAADgPwAAAAAAAOA/AAAAAAAA4D8AAAAAAADgPwAAAAAAAOA/AAAAAAAA4D8AAAAAAADgPwAAAAAAAOA/AAAAAAAA4D8CAAAAjAAAAAAAAAAAAAAARHLEDP///wgAAAAAAAAAAAAAAAAAAAAAAAAAAAAAAAAAAAAAZAAAAAEAAABAAAAAAAAAAAAAAAAAAAAAAAAAAAAAAAAAAAAAAAAAAAAAAAAAAAAAAAAAAAAAAAAAAAAAAAAAAAAAAAAAAAAAAAAAAAAAAAAAAAAAAAAAAAAAAAAAAAAAFAAAADwAAAAAAAAAAAAAAAAAAAkUAAAAAQAAABQAAAAUAAAAFAAAAAEAAAAAAAAAZAAAAGQAAAAAAAAAZAAAAGQAAAAVAAAAYAAAAAAAAAAAAAAADwAAACADAAAAAAAAAAAAAAEAAACgMgAAVgcAAKr4//8BAAAAf39/AAEAAABkAAAAAAAAABQAAABAHwAAAAAAACYAAAAAAAAAwOD//wAAAAAmAAAAZAAAABYAAABMAAAAAAAAAAAAAAAEAAAAAAAAAAEAAADn5uYKAAAAACgAAAAoAAAAZAAAAGQAAAAAAAAAzMzMAAAAAABQAAAAUAAAAGQAAABkAAAAAAAAABcAAAAUAAAAAAAAAAAAAAD/fwAA/38AAAAAAAAJAAAABAAAAAAAAAAeAAAAaAAAAAAAAAAAAAAAAAAAAAAAAAAAAAAAECcAABAnAAAAAAAAAAAAAAAAAAAAAAAAAAAAAAAAAAAAAAAAAAAAABQAAAAAAAAAwMD/AAAAAABkAAAAMgAAAAAAAABkAAAAAAAAAH9/fwAKAAAAIgAAABgAAAAAAAAAAAAAAAAAAAAAAAAAAAAAAAAAAAAkAAAAJAAAAAAAAAAHAAAAAAAAAAAAAAAAAAAAAAAAAAAAAAAAAAAAf39/ACUAAABYAAAAAAAAAAAAAAAAAAAAAAAAAAAAAAAAAAAAAAAAAAAAAAAAAAAAAAAAAAAAAAA/AAAAAAAAAKCGAQAAAAAAAAAAAAAAAAAMAAAAAQAAAAAAAAAAAAAAAAAAAB8AAABUAAAAAAAABQAAAAEAAAAAAAAAAAAAAAAAAAAAAAAAAAAAAAAAAAAAAAAAAAAAAAJ/f38AAAAAA8zMzADAwP8Af39/AAAAAAAAAAAAAAAAAAAAAAAAAAAAIQAAABgAAAAUAAAA+DQAABonAADYRQAAWSkAABAAAAAmAAAACAAAAAAAAAAAAAAAMAAAABQAAAAAAAAAAAD//wAAAQAAAP//AAABAA=="/>
+                <pr:smNativeData xmlns:pr="smNativeData" xmlns="smNativeData" val="SMDATA_16_FAWHYRMAAAAlAAAAZAAAAA0AAAAAkAAAAEgAAACQAAAASAAAAAAAAAABAAAAAAAAAAEAAABQAAAAAAAAAAAA4D8AAAAAAADgPwAAAAAAAOA/AAAAAAAA4D8AAAAAAADgPwAAAAAAAOA/AAAAAAAA4D8AAAAAAADgPwAAAAAAAOA/AAAAAAAA4D8CAAAAjAAAAAAAAAAAAAAARHLEDP///wgAAAAAAAAAAAAAAAAAAAAAAAAAAAAAAAAAAAAAZAAAAAEAAABAAAAAAAAAAAAAAAAAAAAAAAAAAAAAAAAAAAAAAAAAAAAAAAAAAAAAAAAAAAAAAAAAAAAAAAAAAAAAAAAAAAAAAAAAAAAAAAAAAAAAAAAAAAAAAAAAAAAAFAAAADwAAAAAAAAAAAAAAAAAAAkUAAAAAQAAABQAAAAUAAAAFAAAAAEAAAAAAAAAZAAAAGQAAAAAAAAAZAAAAGQAAAAVAAAAYAAAAAAAAAAAAAAADwAAACADAAAAAAAAAAAAAAEAAACgMgAAVgcAAKr4//8BAAAAf39/AAEAAABkAAAAAAAAABQAAABAHwAAAAAAACYAAAAAAAAAwOD//wAAAAAmAAAAZAAAABYAAABMAAAAAAAAAAAAAAAEAAAAAAAAAAEAAADn5uYKAAAAACgAAAAoAAAAZAAAAGQAAAAAAAAAzMzMAAAAAABQAAAAUAAAAGQAAABkAAAAAAAAABcAAAAUAAAAAAAAAAAAAAD/fwAA/38AAAAAAAAJAAAABAAAAAAAAAAeAAAAaAAAAAAAAAAAAAAAAAAAAAAAAAAAAAAAECcAABAnAAAAAAAAAAAAAAAAAAAAAAAAAAAAAAAAAAAAAAAAAAAAABQAAAAAAAAAwMD/AAAAAABkAAAAMgAAAAAAAABkAAAAAAAAAH9/fwAKAAAAIgAAABgAAAAAAAAAAAAAAAAAAAAAAAAAAAAAAAAAAAAkAAAAJAAAAAAAAAAHAAAAAAAAAAAAAAAAAAAAAAAAAAAAAAAAAAAAf39/ACUAAABYAAAAAAAAAAAAAAAAAAAAAAAAAAAAAAAAAAAAAAAAAAAAAAAAAAAAAAAAAAAAAAA/AAAAAAAAAKCGAQAAAAAAAAAAAAAAAAAMAAAAAQAAAAAAAAAAAAAAAAAAAB8AAABUAAAAAAAABQAAAAEAAAAAAAAAAAAAAAAAAAAAAAAAAAAAAAAAAAAAAAAAAAAAAAJ/f38AAAAAA8zMzADAwP8Af39/AAAAAAAAAAAAAAAAAAAAAAAAAAAAIQAAABgAAAAUAAAA+DQAABonAADYRQAAWSkAABAAAAAmAAAACAAAAAAAAAAAAAAAMAAAABQAAAAAAAAAAAD//wAAAQAAAP//AAABAA=="/>
               </a:ext>
             </a:extLst>
           </p:cNvSpPr>
@@ -1384,7 +1384,7 @@
             <a:pPr>
               <a:defRPr lang="en-us"/>
             </a:pPr>
-            <a:fld id="{3AB25D0E-40D7-E7AB-990A-B6FE13446FE3}" type="slidenum">
+            <a:fld id="{35CA26E4-AAD8-9FD0-9672-5C85683C6009}" type="slidenum">
               <a:rPr lang="en-au" cap="none"/>
               <a:t>‹#›</a:t>
             </a:fld>
@@ -1425,7 +1425,7 @@
             <a:spLocks noGrp="1" noChangeArrowheads="1"/>
             <a:extLst>
               <a:ext uri="smNativeData">
-                <pr:smNativeData xmlns:pr="smNativeData" xmlns="smNativeData" val="SMDATA_16_gfoFYRMAAAAlAAAAZAAAAA0AAAAAkAAAAEgAAACQAAAASAAAAAAAAAABAAAAAAAAAAEAAABQAAAAAAAAAAAA4D8AAAAAAADgPwAAAAAAAOA/AAAAAAAA4D8AAAAAAADgPwAAAAAAAOA/AAAAAAAA4D8AAAAAAADgPwAAAAAAAOA/AAAAAAAA4D8CAAAAjAAAAAAAAAAAAAAARHLEDP///wgAAAAAAAAAAAAAAAAAAAAAAAAAAAAAAAAAAAAAZAAAAAEAAABAAAAAAAAAAAAAAAAAAAAAAAAAAAAAAAAAAAAAAAAAAAAAAAAAAAAAAAAAAAAAAAAAAAAAAAAAAAAAAAAAAAAAAAAAAAAAAAAAAAAAAAAAAAAAAAAAAAAAFAAAADwAAAAAAAAAAAAAAAAAAAkUAAAAAQAAABQAAAAUAAAAFAAAAAEAAAAAAAAAZAAAAGQAAAAAAAAAZAAAAGQAAAAVAAAAYAAAAAAAAAAAAAAADwAAACADAAAAAAAAAAAAAAEAAACgMgAAVgcAAKr4//8BAAAAf39/AAEAAABkAAAAAAAAABQAAABAHwAAAAAAACYAAAAAAAAAwOD//wAAAAAmAAAAZAAAABYAAABMAAAAAAAAAAAAAAAEAAAAAAAAAAEAAADn5uYKAAAAACgAAAAoAAAAZAAAAGQAAAAAAAAAzMzMAAAAAABQAAAAUAAAAGQAAABkAAAAAAAAABcAAAAUAAAAAAAAAAAAAAD/fwAA/38AAAAAAAAJAAAABAAAAAAAAAAeAAAAaAAAAAAAAAAAAAAAAAAAAAAAAAAAAAAAECcAABAnAAAAAAAAAAAAAAAAAAAAAAAAAAAAAAAAAAAAAAAAAAAAABQAAAAAAAAAwMD/AAAAAABkAAAAMgAAAAAAAABkAAAAAAAAAH9/fwAKAAAAIgAAABgAAAAAAAAAAAAAAAAAAAAAAAAAAAAAAAAAAAAkAAAAJAAAAAAAAAAHAAAAAAAAAAAAAAAAAAAAAAAAAAAAAAAAAAAAf39/ACUAAABYAAAAAAAAAAAAAAAAAAAAAAAAAAAAAAAAAAAAAAAAAAAAAAAAAAAAAAAAAAAAAAA/AAAAAAAAAKCGAQAAAAAAAAAAAAAAAAAMAAAAAQAAAAAAAAAAAAAAAAAAAB8AAABUAAAAAAAABQAAAAEAAAAAAAAAAAAAAAAAAAAAAAAAAAAAAAAAAAAAAAAAAAAAAAJ/f38AAAAAA8zMzADAwP8Af39/AAAAAAAAAAAAAAAAAAAAAAAAAAAAIQAAABgAAAAUAAAAKAUAAD8CAADYRQAAZwoAABAAAAAmAAAACAAAAAAAAAAAAAAAMAAAABQAAAAAAAAAAAD//wAAAQAAAP//AAABAA=="/>
+                <pr:smNativeData xmlns:pr="smNativeData" xmlns="smNativeData" val="SMDATA_16_FAWHYRMAAAAlAAAAZAAAAA0AAAAAkAAAAEgAAACQAAAASAAAAAAAAAABAAAAAAAAAAEAAABQAAAAAAAAAAAA4D8AAAAAAADgPwAAAAAAAOA/AAAAAAAA4D8AAAAAAADgPwAAAAAAAOA/AAAAAAAA4D8AAAAAAADgPwAAAAAAAOA/AAAAAAAA4D8CAAAAjAAAAAAAAAAAAAAARHLEDP///wgAAAAAAAAAAAAAAAAAAAAAAAAAAAAAAAAAAAAAZAAAAAEAAABAAAAAAAAAAAAAAAAAAAAAAAAAAAAAAAAAAAAAAAAAAAAAAAAAAAAAAAAAAAAAAAAAAAAAAAAAAAAAAAAAAAAAAAAAAAAAAAAAAAAAAAAAAAAAAAAAAAAAFAAAADwAAAAAAAAAAAAAAAAAAAkUAAAAAQAAABQAAAAUAAAAFAAAAAEAAAAAAAAAZAAAAGQAAAAAAAAAZAAAAGQAAAAVAAAAYAAAAAAAAAAAAAAADwAAACADAAAAAAAAAAAAAAEAAACgMgAAVgcAAKr4//8BAAAAf39/AAEAAABkAAAAAAAAABQAAABAHwAAAAAAACYAAAAAAAAAwOD//wAAAAAmAAAAZAAAABYAAABMAAAAAAAAAAAAAAAEAAAAAAAAAAEAAADn5uYKAAAAACgAAAAoAAAAZAAAAGQAAAAAAAAAzMzMAAAAAABQAAAAUAAAAGQAAABkAAAAAAAAABcAAAAUAAAAAAAAAAAAAAD/fwAA/38AAAAAAAAJAAAABAAAAAAAAAAeAAAAaAAAAAAAAAAAAAAAAAAAAAAAAAAAAAAAECcAABAnAAAAAAAAAAAAAAAAAAAAAAAAAAAAAAAAAAAAAAAAAAAAABQAAAAAAAAAwMD/AAAAAABkAAAAMgAAAAAAAABkAAAAAAAAAH9/fwAKAAAAIgAAABgAAAAAAAAAAAAAAAAAAAAAAAAAAAAAAAAAAAAkAAAAJAAAAAAAAAAHAAAAAAAAAAAAAAAAAAAAAAAAAAAAAAAAAAAAf39/ACUAAABYAAAAAAAAAAAAAAAAAAAAAAAAAAAAAAAAAAAAAAAAAAAAAAAAAAAAAAAAAAAAAAA/AAAAAAAAAKCGAQAAAAAAAAAAAAAAAAAMAAAAAQAAAAAAAAAAAAAAAAAAAB8AAABUAAAAAAAABQAAAAEAAAAAAAAAAAAAAAAAAAAAAAAAAAAAAAAAAAAAAAAAAAAAAAJ/f38AAAAAA8zMzADAwP8Af39/AAAAAAAAAAAAAAAAAAAAAAAAAAAAIQAAABgAAAAUAAAAKAUAAD8CAADYRQAAZwoAABAAAAAmAAAACAAAAAAAAAAAAAAAMAAAABQAAAAAAAAAAAD//wAAAQAAAP//AAABAA=="/>
               </a:ext>
             </a:extLst>
           </p:cNvSpPr>
@@ -1455,7 +1455,7 @@
             <a:spLocks noGrp="1" noChangeArrowheads="1"/>
             <a:extLst>
               <a:ext uri="smNativeData">
-                <pr:smNativeData xmlns:pr="smNativeData" xmlns="smNativeData" val="SMDATA_16_gfoFYRMAAAAlAAAAZAAAAA0AAAAAkAAAAEgAAACQAAAASAAAAAAAAAAAAAAAAAAAAAEAAABQAAAAAAAAAAAA4D8AAAAAAADgPwAAAAAAAOA/AAAAAAAA4D8AAAAAAADgPwAAAAAAAOA/AAAAAAAA4D8AAAAAAADgPwAAAAAAAOA/AAAAAAAA4D8CAAAAjAAAAAAAAAAAAAAARHLEDP///wgAAAAAAAAAAAAAAAAAAAAAAAAAAAAAAAAAAAAAZAAAAAEAAABAAAAAAAAAAAAAAAAAAAAAAAAAAAAAAAAAAAAAAAAAAAAAAAAAAAAAAAAAAAAAAAAAAAAAAAAAAAAAAAAAAAAAAAAAAAAAAAAAAAAAAAAAAAAAAAAAAAAAFAAAADwAAAAAAAAAAAAAAAAAAAkUAAAAAQAAABQAAAAUAAAAFAAAAAEAAAAAAAAAZAAAAGQAAAAAAAAAZAAAAGQAAAAVAAAAYAAAAAAAAAAAAAAADwAAACADAAAAAAAAAAAAAAEAAACgMgAAVgcAAKr4//8BAAAAf39/AAEAAABkAAAAAAAAABQAAABAHwAAAAAAACYAAAAAAAAAwOD//wAAAAAmAAAAZAAAABYAAABMAAAAAAAAAAAAAAAEAAAAAAAAAAEAAADn5uYKAAAAACgAAAAoAAAAZAAAAGQAAAAAAAAAzMzMAAAAAABQAAAAUAAAAGQAAABkAAAAAAAAABcAAAAUAAAAAAAAAAAAAAD/fwAA/38AAAAAAAAJAAAABAAAAAAAAAAeAAAAaAAAAAAAAAAAAAAAAAAAAAAAAAAAAAAAECcAABAnAAAAAAAAAAAAAAAAAAAAAAAAAAAAAAAAAAAAAAAAAAAAABQAAAAAAAAAwMD/AAAAAABkAAAAMgAAAAAAAABkAAAAAAAAAH9/fwAKAAAAIgAAABgAAAAAAAAAAAAAAAAAAAAAAAAAAAAAAAAAAAAkAAAAJAAAAAAAAAAHAAAAAAAAAAAAAAAAAAAAAAAAAAAAAAAAAAAAf39/ACUAAABYAAAAAAAAAAAAAAAAAAAAAAAAAAAAAAAAAAAAAAAAAAAAAAAAAAAAAAAAAAAAAAA/AAAAAAAAAKCGAQAAAAAAAAAAAAAAAAAMAAAAAQAAAAAAAAAAAAAAAAAAAB8AAABUAAAAAAAABQAAAAEAAAAAAAAAAAAAAAAAAAAAAAAAAAAAAAAAAAAAAAAAAAAAAAJ/f38AAAAAA8zMzADAwP8Af39/AAAAAAAAAAAAAAAAAAAAAAAAAAAAIQAAABgAAAAUAAAAKAUAADsLAAAIJQAAACYAABAAAAAmAAAACAAAAAEAAAAAAAAAMAAAABQAAAAAAAAAAAD//wAAAQAAAP//AAABAA=="/>
+                <pr:smNativeData xmlns:pr="smNativeData" xmlns="smNativeData" val="SMDATA_16_FAWHYRMAAAAlAAAAZAAAAA0AAAAAkAAAAEgAAACQAAAASAAAAAAAAAAAAAAAAAAAAAEAAABQAAAAAAAAAAAA4D8AAAAAAADgPwAAAAAAAOA/AAAAAAAA4D8AAAAAAADgPwAAAAAAAOA/AAAAAAAA4D8AAAAAAADgPwAAAAAAAOA/AAAAAAAA4D8CAAAAjAAAAAAAAAAAAAAARHLEDP///wgAAAAAAAAAAAAAAAAAAAAAAAAAAAAAAAAAAAAAZAAAAAEAAABAAAAAAAAAAAAAAAAAAAAAAAAAAAAAAAAAAAAAAAAAAAAAAAAAAAAAAAAAAAAAAAAAAAAAAAAAAAAAAAAAAAAAAAAAAAAAAAAAAAAAAAAAAAAAAAAAAAAAFAAAADwAAAAAAAAAAAAAAAAAAAkUAAAAAQAAABQAAAAUAAAAFAAAAAEAAAAAAAAAZAAAAGQAAAAAAAAAZAAAAGQAAAAVAAAAYAAAAAAAAAAAAAAADwAAACADAAAAAAAAAAAAAAEAAACgMgAAVgcAAKr4//8BAAAAf39/AAEAAABkAAAAAAAAABQAAABAHwAAAAAAACYAAAAAAAAAwOD//wAAAAAmAAAAZAAAABYAAABMAAAAAAAAAAAAAAAEAAAAAAAAAAEAAADn5uYKAAAAACgAAAAoAAAAZAAAAGQAAAAAAAAAzMzMAAAAAABQAAAAUAAAAGQAAABkAAAAAAAAABcAAAAUAAAAAAAAAAAAAAD/fwAA/38AAAAAAAAJAAAABAAAAAAAAAAeAAAAaAAAAAAAAAAAAAAAAAAAAAAAAAAAAAAAECcAABAnAAAAAAAAAAAAAAAAAAAAAAAAAAAAAAAAAAAAAAAAAAAAABQAAAAAAAAAwMD/AAAAAABkAAAAMgAAAAAAAABkAAAAAAAAAH9/fwAKAAAAIgAAABgAAAAAAAAAAAAAAAAAAAAAAAAAAAAAAAAAAAAkAAAAJAAAAAAAAAAHAAAAAAAAAAAAAAAAAAAAAAAAAAAAAAAAAAAAf39/ACUAAABYAAAAAAAAAAAAAAAAAAAAAAAAAAAAAAAAAAAAAAAAAAAAAAAAAAAAAAAAAAAAAAA/AAAAAAAAAKCGAQAAAAAAAAAAAAAAAAAMAAAAAQAAAAAAAAAAAAAAAAAAAB8AAABUAAAAAAAABQAAAAEAAAAAAAAAAAAAAAAAAAAAAAAAAAAAAAAAAAAAAAAAAAAAAAJ/f38AAAAAA8zMzADAwP8Af39/AAAAAAAAAAAAAAAAAAAAAAAAAAAAIQAAABgAAAAUAAAAKAUAADsLAAAIJQAAACYAABAAAAAmAAAACAAAAAEAAAAAAAAAMAAAABQAAAAAAAAAAAD//wAAAQAAAP//AAABAA=="/>
               </a:ext>
             </a:extLst>
           </p:cNvSpPr>
@@ -1522,7 +1522,7 @@
             <a:spLocks noGrp="1" noChangeArrowheads="1"/>
             <a:extLst>
               <a:ext uri="smNativeData">
-                <pr:smNativeData xmlns:pr="smNativeData" xmlns="smNativeData" val="SMDATA_16_gfoFYRMAAAAlAAAAZAAAAA0AAAAAkAAAAEgAAACQAAAASAAAAAAAAAAAAAAAAAAAAAEAAABQAAAAAAAAAAAA4D8AAAAAAADgPwAAAAAAAOA/AAAAAAAA4D8AAAAAAADgPwAAAAAAAOA/AAAAAAAA4D8AAAAAAADgPwAAAAAAAOA/AAAAAAAA4D8CAAAAjAAAAAAAAAAAAAAARHLEDP///wgAAAAAAAAAAAAAAAAAAAAAAAAAAAAAAAAAAAAAZAAAAAEAAABAAAAAAAAAAAAAAAAAAAAAAAAAAAAAAAAAAAAAAAAAAAAAAAAAAAAAAAAAAAAAAAAAAAAAAAAAAAAAAAAAAAAAAAAAAAAAAAAAAAAAAAAAAAAAAAAAAAAAFAAAADwAAAAAAAAAAAAAAAAAAAkUAAAAAQAAABQAAAAUAAAAFAAAAAEAAAAAAAAAZAAAAGQAAAAAAAAAZAAAAGQAAAAVAAAAYAAAAAAAAAAAAAAADwAAACADAAAAAAAAAAAAAAEAAACgMgAAVgcAAKr4//8BAAAAf39/AAEAAABkAAAAAAAAABQAAABAHwAAAAAAACYAAAAAAAAAwOD//wAAAAAmAAAAZAAAABYAAABMAAAAAAAAAAAAAAAEAAAAAAAAAAEAAADn5uYKAAAAACgAAAAoAAAAZAAAAGQAAAAAAAAAzMzMAAAAAABQAAAAUAAAAGQAAABkAAAAAAAAABcAAAAUAAAAAAAAAAAAAAD/fwAA/38AAAAAAAAJAAAABAAAAAAAAAAeAAAAaAAAAAAAAAAAAAAAAAAAAAAAAAAAAAAAECcAABAnAAAAAAAAAAAAAAAAAAAAAAAAAAAAAAAAAAAAAAAAAAAAABQAAAAAAAAAwMD/AAAAAABkAAAAMgAAAAAAAABkAAAAAAAAAH9/fwAKAAAAIgAAABgAAAAAAAAAAAAAAAAAAAAAAAAAAAAAAAAAAAAkAAAAJAAAAAAAAAAHAAAAAAAAAAAAAAAAAAAAAAAAAAAAAAAAAAAAf39/ACUAAABYAAAAAAAAAAAAAAAAAAAAAAAAAAAAAAAAAAAAAAAAAAAAAAAAAAAAAAAAAAAAAAA/AAAAAAAAAKCGAQAAAAAAAAAAAAAAAAAMAAAAAQAAAAAAAAAAAAAAAAAAAB8AAABUAAAAAAAABQAAAAEAAAAAAAAAAAAAAAAAAAAAAAAAAAAAAAAAAAAAAAAAAAAAAAJ/f38AAAAAA8zMzADAwP8Af39/AAAAAAAAAAAAAAAAAAAAAAAAAAAAIQAAABgAAAAUAAAA+CUAADsLAADYRQAAACYAABAAAAAmAAAACAAAAAEAAAAAAAAAMAAAABQAAAAAAAAAAAD//wAAAQAAAP//AAABAA=="/>
+                <pr:smNativeData xmlns:pr="smNativeData" xmlns="smNativeData" val="SMDATA_16_FAWHYRMAAAAlAAAAZAAAAA0AAAAAkAAAAEgAAACQAAAASAAAAAAAAAAAAAAAAAAAAAEAAABQAAAAAAAAAAAA4D8AAAAAAADgPwAAAAAAAOA/AAAAAAAA4D8AAAAAAADgPwAAAAAAAOA/AAAAAAAA4D8AAAAAAADgPwAAAAAAAOA/AAAAAAAA4D8CAAAAjAAAAAAAAAAAAAAARHLEDP///wgAAAAAAAAAAAAAAAAAAAAAAAAAAAAAAAAAAAAAZAAAAAEAAABAAAAAAAAAAAAAAAAAAAAAAAAAAAAAAAAAAAAAAAAAAAAAAAAAAAAAAAAAAAAAAAAAAAAAAAAAAAAAAAAAAAAAAAAAAAAAAAAAAAAAAAAAAAAAAAAAAAAAFAAAADwAAAAAAAAAAAAAAAAAAAkUAAAAAQAAABQAAAAUAAAAFAAAAAEAAAAAAAAAZAAAAGQAAAAAAAAAZAAAAGQAAAAVAAAAYAAAAAAAAAAAAAAADwAAACADAAAAAAAAAAAAAAEAAACgMgAAVgcAAKr4//8BAAAAf39/AAEAAABkAAAAAAAAABQAAABAHwAAAAAAACYAAAAAAAAAwOD//wAAAAAmAAAAZAAAABYAAABMAAAAAAAAAAAAAAAEAAAAAAAAAAEAAADn5uYKAAAAACgAAAAoAAAAZAAAAGQAAAAAAAAAzMzMAAAAAABQAAAAUAAAAGQAAABkAAAAAAAAABcAAAAUAAAAAAAAAAAAAAD/fwAA/38AAAAAAAAJAAAABAAAAAAAAAAeAAAAaAAAAAAAAAAAAAAAAAAAAAAAAAAAAAAAECcAABAnAAAAAAAAAAAAAAAAAAAAAAAAAAAAAAAAAAAAAAAAAAAAABQAAAAAAAAAwMD/AAAAAABkAAAAMgAAAAAAAABkAAAAAAAAAH9/fwAKAAAAIgAAABgAAAAAAAAAAAAAAAAAAAAAAAAAAAAAAAAAAAAkAAAAJAAAAAAAAAAHAAAAAAAAAAAAAAAAAAAAAAAAAAAAAAAAAAAAf39/ACUAAABYAAAAAAAAAAAAAAAAAAAAAAAAAAAAAAAAAAAAAAAAAAAAAAAAAAAAAAAAAAAAAAA/AAAAAAAAAKCGAQAAAAAAAAAAAAAAAAAMAAAAAQAAAAAAAAAAAAAAAAAAAB8AAABUAAAAAAAABQAAAAEAAAAAAAAAAAAAAAAAAAAAAAAAAAAAAAAAAAAAAAAAAAAAAAJ/f38AAAAAA8zMzADAwP8Af39/AAAAAAAAAAAAAAAAAAAAAAAAAAAAIQAAABgAAAAUAAAA+CUAADsLAADYRQAAACYAABAAAAAmAAAACAAAAAEAAAAAAAAAMAAAABQAAAAAAAAAAAD//wAAAQAAAP//AAABAA=="/>
               </a:ext>
             </a:extLst>
           </p:cNvSpPr>
@@ -1589,7 +1589,7 @@
             <a:spLocks noGrp="1" noChangeArrowheads="1"/>
             <a:extLst>
               <a:ext uri="smNativeData">
-                <pr:smNativeData xmlns:pr="smNativeData" xmlns="smNativeData" val="SMDATA_16_gfoFYRMAAAAlAAAAZAAAAA0AAAAAkAAAAEgAAACQAAAASAAAAAAAAAABAAAAAAAAAAEAAABQAAAAAAAAAAAA4D8AAAAAAADgPwAAAAAAAOA/AAAAAAAA4D8AAAAAAADgPwAAAAAAAOA/AAAAAAAA4D8AAAAAAADgPwAAAAAAAOA/AAAAAAAA4D8CAAAAjAAAAAAAAAAAAAAARHLEDP///wgAAAAAAAAAAAAAAAAAAAAAAAAAAAAAAAAAAAAAZAAAAAEAAABAAAAAAAAAAAAAAAAAAAAAAAAAAAAAAAAAAAAAAAAAAAAAAAAAAAAAAAAAAAAAAAAAAAAAAAAAAAAAAAAAAAAAAAAAAAAAAAAAAAAAAAAAAAAAAAAAAAAAFAAAADwAAAAAAAAAAAAAAAAAAAkUAAAAAQAAABQAAAAUAAAAFAAAAAEAAAAAAAAAZAAAAGQAAAAAAAAAZAAAAGQAAAAVAAAAYAAAAAAAAAAAAAAADwAAACADAAAAAAAAAAAAAAEAAACgMgAAVgcAAKr4//8BAAAAf39/AAEAAABkAAAAAAAAABQAAABAHwAAAAAAACYAAAAAAAAAwOD//wAAAAAmAAAAZAAAABYAAABMAAAAAAAAAAAAAAAEAAAAAAAAAAEAAADn5uYKAAAAACgAAAAoAAAAZAAAAGQAAAAAAAAAzMzMAAAAAABQAAAAUAAAAGQAAABkAAAAAAAAABcAAAAUAAAAAAAAAAAAAAD/fwAA/38AAAAAAAAJAAAABAAAAAAAAAAeAAAAaAAAAAAAAAAAAAAAAAAAAAAAAAAAAAAAECcAABAnAAAAAAAAAAAAAAAAAAAAAAAAAAAAAAAAAAAAAAAAAAAAABQAAAAAAAAAwMD/AAAAAABkAAAAMgAAAAAAAABkAAAAAAAAAH9/fwAKAAAAIgAAABgAAAAAAAAAAAAAAAAAAAAAAAAAAAAAAAAAAAAkAAAAJAAAAAAAAAAHAAAAAAAAAAAAAAAAAAAAAAAAAAAAAAAAAAAAf39/ACUAAABYAAAAAAAAAAAAAAAAAAAAAAAAAAAAAAAAAAAAAAAAAAAAAAAAAAAAAAAAAAAAAAA/AAAAAAAAAKCGAQAAAAAAAAAAAAAAAAAMAAAAAQAAAAAAAAAAAAAAAAAAAB8AAABUAAAAAAAABQAAAAEAAAAAAAAAAAAAAAAAAAAAAAAAAAAAAAAAAAAAAAAAAAAAAAJ/f38AAAAAA8zMzADAwP8Af39/AAAAAAAAAAAAAAAAAAAAAAAAAAAAIQAAABgAAAAUAAAAKAUAABonAAAIFgAAWSkAABAAAAAmAAAACAAAAAAAAAAAAAAAMAAAABQAAAAAAAAAAAD//wAAAQAAAP//AAABAA=="/>
+                <pr:smNativeData xmlns:pr="smNativeData" xmlns="smNativeData" val="SMDATA_16_FAWHYRMAAAAlAAAAZAAAAA0AAAAAkAAAAEgAAACQAAAASAAAAAAAAAABAAAAAAAAAAEAAABQAAAAAAAAAAAA4D8AAAAAAADgPwAAAAAAAOA/AAAAAAAA4D8AAAAAAADgPwAAAAAAAOA/AAAAAAAA4D8AAAAAAADgPwAAAAAAAOA/AAAAAAAA4D8CAAAAjAAAAAAAAAAAAAAARHLEDP///wgAAAAAAAAAAAAAAAAAAAAAAAAAAAAAAAAAAAAAZAAAAAEAAABAAAAAAAAAAAAAAAAAAAAAAAAAAAAAAAAAAAAAAAAAAAAAAAAAAAAAAAAAAAAAAAAAAAAAAAAAAAAAAAAAAAAAAAAAAAAAAAAAAAAAAAAAAAAAAAAAAAAAFAAAADwAAAAAAAAAAAAAAAAAAAkUAAAAAQAAABQAAAAUAAAAFAAAAAEAAAAAAAAAZAAAAGQAAAAAAAAAZAAAAGQAAAAVAAAAYAAAAAAAAAAAAAAADwAAACADAAAAAAAAAAAAAAEAAACgMgAAVgcAAKr4//8BAAAAf39/AAEAAABkAAAAAAAAABQAAABAHwAAAAAAACYAAAAAAAAAwOD//wAAAAAmAAAAZAAAABYAAABMAAAAAAAAAAAAAAAEAAAAAAAAAAEAAADn5uYKAAAAACgAAAAoAAAAZAAAAGQAAAAAAAAAzMzMAAAAAABQAAAAUAAAAGQAAABkAAAAAAAAABcAAAAUAAAAAAAAAAAAAAD/fwAA/38AAAAAAAAJAAAABAAAAAAAAAAeAAAAaAAAAAAAAAAAAAAAAAAAAAAAAAAAAAAAECcAABAnAAAAAAAAAAAAAAAAAAAAAAAAAAAAAAAAAAAAAAAAAAAAABQAAAAAAAAAwMD/AAAAAABkAAAAMgAAAAAAAABkAAAAAAAAAH9/fwAKAAAAIgAAABgAAAAAAAAAAAAAAAAAAAAAAAAAAAAAAAAAAAAkAAAAJAAAAAAAAAAHAAAAAAAAAAAAAAAAAAAAAAAAAAAAAAAAAAAAf39/ACUAAABYAAAAAAAAAAAAAAAAAAAAAAAAAAAAAAAAAAAAAAAAAAAAAAAAAAAAAAAAAAAAAAA/AAAAAAAAAKCGAQAAAAAAAAAAAAAAAAAMAAAAAQAAAAAAAAAAAAAAAAAAAB8AAABUAAAAAAAABQAAAAEAAAAAAAAAAAAAAAAAAAAAAAAAAAAAAAAAAAAAAAAAAAAAAAJ/f38AAAAAA8zMzADAwP8Af39/AAAAAAAAAAAAAAAAAAAAAAAAAAAAIQAAABgAAAAUAAAAKAUAABonAAAIFgAAWSkAABAAAAAmAAAACAAAAAAAAAAAAAAAMAAAABQAAAAAAAAAAAD//wAAAQAAAP//AAABAA=="/>
               </a:ext>
             </a:extLst>
           </p:cNvSpPr>
@@ -1605,7 +1605,7 @@
             <a:pPr>
               <a:defRPr lang="en-us"/>
             </a:pPr>
-            <a:fld id="{3AB208A0-EED7-E7FE-990A-18AB46446F4D}" type="datetime1">
+            <a:fld id="{35CA17E3-ADD8-9FE1-9672-5BB4593C600E}" type="datetime1">
               <a:rPr lang="en-au" cap="none"/>
               <a:t>12/05/2021</a:t>
             </a:fld>
@@ -1620,7 +1620,7 @@
             <a:spLocks noGrp="1" noChangeArrowheads="1"/>
             <a:extLst>
               <a:ext uri="smNativeData">
-                <pr:smNativeData xmlns:pr="smNativeData" xmlns="smNativeData" val="SMDATA_16_gfoFYRMAAAAlAAAAZAAAAA0AAAAAkAAAAEgAAACQAAAASAAAAAAAAAABAAAAAAAAAAEAAABQAAAAAAAAAAAA4D8AAAAAAADgPwAAAAAAAOA/AAAAAAAA4D8AAAAAAADgPwAAAAAAAOA/AAAAAAAA4D8AAAAAAADgPwAAAAAAAOA/AAAAAAAA4D8CAAAAjAAAAAAAAAAAAAAARHLEDP///wgAAAAAAAAAAAAAAAAAAAAAAAAAAAAAAAAAAAAAZAAAAAEAAABAAAAAAAAAAAAAAAAAAAAAAAAAAAAAAAAAAAAAAAAAAAAAAAAAAAAAAAAAAAAAAAAAAAAAAAAAAAAAAAAAAAAAAAAAAAAAAAAAAAAAAAAAAAAAAAAAAAAAFAAAADwAAAAAAAAAAAAAAAAAAAkUAAAAAQAAABQAAAAUAAAAFAAAAAEAAAAAAAAAZAAAAGQAAAAAAAAAZAAAAGQAAAAVAAAAYAAAAAAAAAAAAAAADwAAACADAAAAAAAAAAAAAAEAAACgMgAAVgcAAKr4//8BAAAAf39/AAEAAABkAAAAAAAAABQAAABAHwAAAAAAACYAAAAAAAAAwOD//wAAAAAmAAAAZAAAABYAAABMAAAAAAAAAAAAAAAEAAAAAAAAAAEAAADn5uYKAAAAACgAAAAoAAAAZAAAAGQAAAAAAAAAzMzMAAAAAABQAAAAUAAAAGQAAABkAAAAAAAAABcAAAAUAAAAAAAAAAAAAAD/fwAA/38AAAAAAAAJAAAABAAAAAAAAAAeAAAAaAAAAAAAAAAAAAAAAAAAAAAAAAAAAAAAECcAABAnAAAAAAAAAAAAAAAAAAAAAAAAAAAAAAAAAAAAAAAAAAAAABQAAAAAAAAAwMD/AAAAAABkAAAAMgAAAAAAAABkAAAAAAAAAH9/fwAKAAAAIgAAABgAAAAAAAAAAAAAAAAAAAAAAAAAAAAAAAAAAAAkAAAAJAAAAAAAAAAHAAAAAAAAAAAAAAAAAAAAAAAAAAAAAAAAAAAAf39/ACUAAABYAAAAAAAAAAAAAAAAAAAAAAAAAAAAAAAAAAAAAAAAAAAAAAAAAAAAAAAAAAAAAAA/AAAAAAAAAKCGAQAAAAAAAAAAAAAAAAAMAAAAAQAAAAAAAAAAAAAAAAAAAB8AAABUAAAAAAAABQAAAAEAAAAAAAAAAAAAAAAAAAAAAAAAAAAAAAAAAAAAAAAAAAAAAAJ/f38AAAAAA8zMzADAwP8Af39/AAAAAAAAAAAAAAAAAAAAAAAAAAAAIQAAABgAAAAUAAAA2BgAABonAAAoMgAAWSkAABAAAAAmAAAACAAAAAAAAAAAAAAAMAAAABQAAAAAAAAAAAD//wAAAQAAAP//AAABAA=="/>
+                <pr:smNativeData xmlns:pr="smNativeData" xmlns="smNativeData" val="SMDATA_16_FAWHYRMAAAAlAAAAZAAAAA0AAAAAkAAAAEgAAACQAAAASAAAAAAAAAABAAAAAAAAAAEAAABQAAAAAAAAAAAA4D8AAAAAAADgPwAAAAAAAOA/AAAAAAAA4D8AAAAAAADgPwAAAAAAAOA/AAAAAAAA4D8AAAAAAADgPwAAAAAAAOA/AAAAAAAA4D8CAAAAjAAAAAAAAAAAAAAARHLEDP///wgAAAAAAAAAAAAAAAAAAAAAAAAAAAAAAAAAAAAAZAAAAAEAAABAAAAAAAAAAAAAAAAAAAAAAAAAAAAAAAAAAAAAAAAAAAAAAAAAAAAAAAAAAAAAAAAAAAAAAAAAAAAAAAAAAAAAAAAAAAAAAAAAAAAAAAAAAAAAAAAAAAAAFAAAADwAAAAAAAAAAAAAAAAAAAkUAAAAAQAAABQAAAAUAAAAFAAAAAEAAAAAAAAAZAAAAGQAAAAAAAAAZAAAAGQAAAAVAAAAYAAAAAAAAAAAAAAADwAAACADAAAAAAAAAAAAAAEAAACgMgAAVgcAAKr4//8BAAAAf39/AAEAAABkAAAAAAAAABQAAABAHwAAAAAAACYAAAAAAAAAwOD//wAAAAAmAAAAZAAAABYAAABMAAAAAAAAAAAAAAAEAAAAAAAAAAEAAADn5uYKAAAAACgAAAAoAAAAZAAAAGQAAAAAAAAAzMzMAAAAAABQAAAAUAAAAGQAAABkAAAAAAAAABcAAAAUAAAAAAAAAAAAAAD/fwAA/38AAAAAAAAJAAAABAAAAAAAAAAeAAAAaAAAAAAAAAAAAAAAAAAAAAAAAAAAAAAAECcAABAnAAAAAAAAAAAAAAAAAAAAAAAAAAAAAAAAAAAAAAAAAAAAABQAAAAAAAAAwMD/AAAAAABkAAAAMgAAAAAAAABkAAAAAAAAAH9/fwAKAAAAIgAAABgAAAAAAAAAAAAAAAAAAAAAAAAAAAAAAAAAAAAkAAAAJAAAAAAAAAAHAAAAAAAAAAAAAAAAAAAAAAAAAAAAAAAAAAAAf39/ACUAAABYAAAAAAAAAAAAAAAAAAAAAAAAAAAAAAAAAAAAAAAAAAAAAAAAAAAAAAAAAAAAAAA/AAAAAAAAAKCGAQAAAAAAAAAAAAAAAAAMAAAAAQAAAAAAAAAAAAAAAAAAAB8AAABUAAAAAAAABQAAAAEAAAAAAAAAAAAAAAAAAAAAAAAAAAAAAAAAAAAAAAAAAAAAAAJ/f38AAAAAA8zMzADAwP8Af39/AAAAAAAAAAAAAAAAAAAAAAAAAAAAIQAAABgAAAAUAAAA2BgAABonAAAoMgAAWSkAABAAAAAmAAAACAAAAAAAAAAAAAAAMAAAABQAAAAAAAAAAAD//wAAAQAAAP//AAABAA=="/>
               </a:ext>
             </a:extLst>
           </p:cNvSpPr>
@@ -1647,7 +1647,7 @@
             <a:spLocks noGrp="1" noChangeArrowheads="1"/>
             <a:extLst>
               <a:ext uri="smNativeData">
-                <pr:smNativeData xmlns:pr="smNativeData" xmlns="smNativeData" val="SMDATA_16_gfoFYRMAAAAlAAAAZAAAAA0AAAAAkAAAAEgAAACQAAAASAAAAAAAAAABAAAAAAAAAAEAAABQAAAAAAAAAAAA4D8AAAAAAADgPwAAAAAAAOA/AAAAAAAA4D8AAAAAAADgPwAAAAAAAOA/AAAAAAAA4D8AAAAAAADgPwAAAAAAAOA/AAAAAAAA4D8CAAAAjAAAAAAAAAAAAAAARHLEDP///wgAAAAAAAAAAAAAAAAAAAAAAAAAAAAAAAAAAAAAZAAAAAEAAABAAAAAAAAAAAAAAAAAAAAAAAAAAAAAAAAAAAAAAAAAAAAAAAAAAAAAAAAAAAAAAAAAAAAAAAAAAAAAAAAAAAAAAAAAAAAAAAAAAAAAAAAAAAAAAAAAAAAAFAAAADwAAAAAAAAAAAAAAAAAAAkUAAAAAQAAABQAAAAUAAAAFAAAAAEAAAAAAAAAZAAAAGQAAAAAAAAAZAAAAGQAAAAVAAAAYAAAAAAAAAAAAAAADwAAACADAAAAAAAAAAAAAAEAAACgMgAAVgcAAKr4//8BAAAAf39/AAEAAABkAAAAAAAAABQAAABAHwAAAAAAACYAAAAAAAAAwOD//wAAAAAmAAAAZAAAABYAAABMAAAAAAAAAAAAAAAEAAAAAAAAAAEAAADn5uYKAAAAACgAAAAoAAAAZAAAAGQAAAAAAAAAzMzMAAAAAABQAAAAUAAAAGQAAABkAAAAAAAAABcAAAAUAAAAAAAAAAAAAAD/fwAA/38AAAAAAAAJAAAABAAAAAAAAAAeAAAAaAAAAAAAAAAAAAAAAAAAAAAAAAAAAAAAECcAABAnAAAAAAAAAAAAAAAAAAAAAAAAAAAAAAAAAAAAAAAAAAAAABQAAAAAAAAAwMD/AAAAAABkAAAAMgAAAAAAAABkAAAAAAAAAH9/fwAKAAAAIgAAABgAAAAAAAAAAAAAAAAAAAAAAAAAAAAAAAAAAAAkAAAAJAAAAAAAAAAHAAAAAAAAAAAAAAAAAAAAAAAAAAAAAAAAAAAAf39/ACUAAABYAAAAAAAAAAAAAAAAAAAAAAAAAAAAAAAAAAAAAAAAAAAAAAAAAAAAAAAAAAAAAAA/AAAAAAAAAKCGAQAAAAAAAAAAAAAAAAAMAAAAAQAAAAAAAAAAAAAAAAAAAB8AAABUAAAAAAAABQAAAAEAAAAAAAAAAAAAAAAAAAAAAAAAAAAAAAAAAAAAAAAAAAAAAAJ/f38AAAAAA8zMzADAwP8Af39/AAAAAAAAAAAAAAAAAAAAAAAAAAAAIQAAABgAAAAUAAAA+DQAABonAADYRQAAWSkAABAAAAAmAAAACAAAAAAAAAAAAAAAMAAAABQAAAAAAAAAAAD//wAAAQAAAP//AAABAA=="/>
+                <pr:smNativeData xmlns:pr="smNativeData" xmlns="smNativeData" val="SMDATA_16_FAWHYRMAAAAlAAAAZAAAAA0AAAAAkAAAAEgAAACQAAAASAAAAAAAAAABAAAAAAAAAAEAAABQAAAAAAAAAAAA4D8AAAAAAADgPwAAAAAAAOA/AAAAAAAA4D8AAAAAAADgPwAAAAAAAOA/AAAAAAAA4D8AAAAAAADgPwAAAAAAAOA/AAAAAAAA4D8CAAAAjAAAAAAAAAAAAAAARHLEDP///wgAAAAAAAAAAAAAAAAAAAAAAAAAAAAAAAAAAAAAZAAAAAEAAABAAAAAAAAAAAAAAAAAAAAAAAAAAAAAAAAAAAAAAAAAAAAAAAAAAAAAAAAAAAAAAAAAAAAAAAAAAAAAAAAAAAAAAAAAAAAAAAAAAAAAAAAAAAAAAAAAAAAAFAAAADwAAAAAAAAAAAAAAAAAAAkUAAAAAQAAABQAAAAUAAAAFAAAAAEAAAAAAAAAZAAAAGQAAAAAAAAAZAAAAGQAAAAVAAAAYAAAAAAAAAAAAAAADwAAACADAAAAAAAAAAAAAAEAAACgMgAAVgcAAKr4//8BAAAAf39/AAEAAABkAAAAAAAAABQAAABAHwAAAAAAACYAAAAAAAAAwOD//wAAAAAmAAAAZAAAABYAAABMAAAAAAAAAAAAAAAEAAAAAAAAAAEAAADn5uYKAAAAACgAAAAoAAAAZAAAAGQAAAAAAAAAzMzMAAAAAABQAAAAUAAAAGQAAABkAAAAAAAAABcAAAAUAAAAAAAAAAAAAAD/fwAA/38AAAAAAAAJAAAABAAAAAAAAAAeAAAAaAAAAAAAAAAAAAAAAAAAAAAAAAAAAAAAECcAABAnAAAAAAAAAAAAAAAAAAAAAAAAAAAAAAAAAAAAAAAAAAAAABQAAAAAAAAAwMD/AAAAAABkAAAAMgAAAAAAAABkAAAAAAAAAH9/fwAKAAAAIgAAABgAAAAAAAAAAAAAAAAAAAAAAAAAAAAAAAAAAAAkAAAAJAAAAAAAAAAHAAAAAAAAAAAAAAAAAAAAAAAAAAAAAAAAAAAAf39/ACUAAABYAAAAAAAAAAAAAAAAAAAAAAAAAAAAAAAAAAAAAAAAAAAAAAAAAAAAAAAAAAAAAAA/AAAAAAAAAKCGAQAAAAAAAAAAAAAAAAAMAAAAAQAAAAAAAAAAAAAAAAAAAB8AAABUAAAAAAAABQAAAAEAAAAAAAAAAAAAAAAAAAAAAAAAAAAAAAAAAAAAAAAAAAAAAAJ/f38AAAAAA8zMzADAwP8Af39/AAAAAAAAAAAAAAAAAAAAAAAAAAAAIQAAABgAAAAUAAAA+DQAABonAADYRQAAWSkAABAAAAAmAAAACAAAAAAAAAAAAAAAMAAAABQAAAAAAAAAAAD//wAAAQAAAP//AAABAA=="/>
               </a:ext>
             </a:extLst>
           </p:cNvSpPr>
@@ -1663,7 +1663,7 @@
             <a:pPr>
               <a:defRPr lang="en-us"/>
             </a:pPr>
-            <a:fld id="{3AB21057-19D7-E7E6-990A-EFB35E446FBA}" type="slidenum">
+            <a:fld id="{35CA2AAF-E1D8-9FDC-9672-1789643C6042}" type="slidenum">
               <a:rPr lang="en-au" cap="none"/>
               <a:t>‹#›</a:t>
             </a:fld>
@@ -1704,7 +1704,7 @@
             <a:spLocks noGrp="1" noChangeArrowheads="1"/>
             <a:extLst>
               <a:ext uri="smNativeData">
-                <pr:smNativeData xmlns:pr="smNativeData" xmlns="smNativeData" val="SMDATA_16_gfoFYRMAAAAlAAAAZAAAAA0AAAAAkAAAAEgAAACQAAAASAAAAAAAAAABAAAAAAAAAAEAAABQAAAAAAAAAAAA4D8AAAAAAADgPwAAAAAAAOA/AAAAAAAA4D8AAAAAAADgPwAAAAAAAOA/AAAAAAAA4D8AAAAAAADgPwAAAAAAAOA/AAAAAAAA4D8CAAAAjAAAAAAAAAAAAAAARHLEDP///wgAAAAAAAAAAAAAAAAAAAAAAAAAAAAAAAAAAAAAZAAAAAEAAABAAAAAAAAAAAAAAAAAAAAAAAAAAAAAAAAAAAAAAAAAAAAAAAAAAAAAAAAAAAAAAAAAAAAAAAAAAAAAAAAAAAAAAAAAAAAAAAAAAAAAAAAAAAAAAAAAAAAAFAAAADwAAAAAAAAAAAAAAAAAAAkUAAAAAQAAABQAAAAUAAAAFAAAAAEAAAAAAAAAZAAAAGQAAAAAAAAAZAAAAGQAAAAVAAAAYAAAAAAAAAAAAAAADwAAACADAAAAAAAAAAAAAAEAAACgMgAAVgcAAKr4//8BAAAAf39/AAEAAABkAAAAAAAAABQAAABAHwAAAAAAACYAAAAAAAAAwOD//wAAAAAmAAAAZAAAABYAAABMAAAAAAAAAAAAAAAEAAAAAAAAAAEAAADn5uYKAAAAACgAAAAoAAAAZAAAAGQAAAAAAAAAzMzMAAAAAABQAAAAUAAAAGQAAABkAAAAAAAAABcAAAAUAAAAAAAAAAAAAAD/fwAA/38AAAAAAAAJAAAABAAAAAAAAAAeAAAAaAAAAAAAAAAAAAAAAAAAAAAAAAAAAAAAECcAABAnAAAAAAAAAAAAAAAAAAAAAAAAAAAAAAAAAAAAAAAAAAAAABQAAAAAAAAAwMD/AAAAAABkAAAAMgAAAAAAAABkAAAAAAAAAH9/fwAKAAAAIgAAABgAAAAAAAAAAAAAAAAAAAAAAAAAAAAAAAAAAAAkAAAAJAAAAAAAAAAHAAAAAAAAAAAAAAAAAAAAAAAAAAAAAAAAAAAAf39/ACUAAABYAAAAAAAAAAAAAAAAAAAAAAAAAAAAAAAAAAAAAAAAAAAAAAAAAAAAAAAAAAAAAAA/AAAAAAAAAKCGAQAAAAAAAAAAAAAAAAAMAAAAAQAAAAAAAAAAAAAAAAAAAB8AAABUAAAAAAAABQAAAAEAAAAAAAAAAAAAAAAAAAAAAAAAAAAAAAAAAAAAAAAAAAAAAAJ/f38AAAAAA8zMzADAwP8Af39/AAAAAAAAAAAAAAAAAAAAAAAAAAAAIQAAABgAAAAUAAAAKwUAAD8CAADbRQAAZwoAABAAAAAmAAAACAAAAAEAAAAAAAAAMAAAABQAAAAAAAAAAAD//wAAAQAAAP//AAABAA=="/>
+                <pr:smNativeData xmlns:pr="smNativeData" xmlns="smNativeData" val="SMDATA_16_FAWHYRMAAAAlAAAAZAAAAA0AAAAAkAAAAEgAAACQAAAASAAAAAAAAAABAAAAAAAAAAEAAABQAAAAAAAAAAAA4D8AAAAAAADgPwAAAAAAAOA/AAAAAAAA4D8AAAAAAADgPwAAAAAAAOA/AAAAAAAA4D8AAAAAAADgPwAAAAAAAOA/AAAAAAAA4D8CAAAAjAAAAAAAAAAAAAAARHLEDP///wgAAAAAAAAAAAAAAAAAAAAAAAAAAAAAAAAAAAAAZAAAAAEAAABAAAAAAAAAAAAAAAAAAAAAAAAAAAAAAAAAAAAAAAAAAAAAAAAAAAAAAAAAAAAAAAAAAAAAAAAAAAAAAAAAAAAAAAAAAAAAAAAAAAAAAAAAAAAAAAAAAAAAFAAAADwAAAAAAAAAAAAAAAAAAAkUAAAAAQAAABQAAAAUAAAAFAAAAAEAAAAAAAAAZAAAAGQAAAAAAAAAZAAAAGQAAAAVAAAAYAAAAAAAAAAAAAAADwAAACADAAAAAAAAAAAAAAEAAACgMgAAVgcAAKr4//8BAAAAf39/AAEAAABkAAAAAAAAABQAAABAHwAAAAAAACYAAAAAAAAAwOD//wAAAAAmAAAAZAAAABYAAABMAAAAAAAAAAAAAAAEAAAAAAAAAAEAAADn5uYKAAAAACgAAAAoAAAAZAAAAGQAAAAAAAAAzMzMAAAAAABQAAAAUAAAAGQAAABkAAAAAAAAABcAAAAUAAAAAAAAAAAAAAD/fwAA/38AAAAAAAAJAAAABAAAAAAAAAAeAAAAaAAAAAAAAAAAAAAAAAAAAAAAAAAAAAAAECcAABAnAAAAAAAAAAAAAAAAAAAAAAAAAAAAAAAAAAAAAAAAAAAAABQAAAAAAAAAwMD/AAAAAABkAAAAMgAAAAAAAABkAAAAAAAAAH9/fwAKAAAAIgAAABgAAAAAAAAAAAAAAAAAAAAAAAAAAAAAAAAAAAAkAAAAJAAAAAAAAAAHAAAAAAAAAAAAAAAAAAAAAAAAAAAAAAAAAAAAf39/ACUAAABYAAAAAAAAAAAAAAAAAAAAAAAAAAAAAAAAAAAAAAAAAAAAAAAAAAAAAAAAAAAAAAA/AAAAAAAAAKCGAQAAAAAAAAAAAAAAAAAMAAAAAQAAAAAAAAAAAAAAAAAAAB8AAABUAAAAAAAABQAAAAEAAAAAAAAAAAAAAAAAAAAAAAAAAAAAAAAAAAAAAAAAAAAAAAJ/f38AAAAAA8zMzADAwP8Af39/AAAAAAAAAAAAAAAAAAAAAAAAAAAAIQAAABgAAAAUAAAAKwUAAD8CAADbRQAAZwoAABAAAAAmAAAACAAAAAEAAAAAAAAAMAAAABQAAAAAAAAAAAD//wAAAQAAAP//AAABAA=="/>
               </a:ext>
             </a:extLst>
           </p:cNvSpPr>
@@ -1739,7 +1739,7 @@
             <a:spLocks noGrp="1" noChangeArrowheads="1"/>
             <a:extLst>
               <a:ext uri="smNativeData">
-                <pr:smNativeData xmlns:pr="smNativeData" xmlns="smNativeData" val="SMDATA_16_gfoFYRMAAAAlAAAAZAAAAA0AAAAAkAAAAEgAAACQAAAASAAAAAAAAAACAAAAAAAAAAEAAABQAAAAAAAAAAAA4D8AAAAAAADgPwAAAAAAAOA/AAAAAAAA4D8AAAAAAADgPwAAAAAAAOA/AAAAAAAA4D8AAAAAAADgPwAAAAAAAOA/AAAAAAAA4D8CAAAAjAAAAAAAAAAAAAAARHLEDP///wgAAAAAAAAAAAAAAAAAAAAAAAAAAAAAAAAAAAAAZAAAAAEAAABAAAAAAAAAAAAAAAAAAAAAAAAAAAAAAAAAAAAAAAAAAAAAAAAAAAAAAAAAAAAAAAAAAAAAAAAAAAAAAAAAAAAAAAAAAAAAAAAAAAAAAAAAAAAAAAAAAAAAFAAAADwAAAAAAAAAAAAAAAAAAAkUAAAAAQAAABQAAAAUAAAAFAAAAAEAAAAAAAAAZAAAAGQAAAAAAAAAZAAAAGQAAAAVAAAAYAAAAAAAAAAAAAAADwAAACADAAAAAAAAAAAAAAEAAACgMgAAVgcAAKr4//8BAAAAf39/AAEAAABkAAAAAAAAABQAAABAHwAAAAAAACYAAAAAAAAAwOD//wAAAAAmAAAAZAAAABYAAABMAAAAAAAAAAAAAAAEAAAAAAAAAAEAAADn5uYKAAAAACgAAAAoAAAAZAAAAGQAAAAAAAAAzMzMAAAAAABQAAAAUAAAAGQAAABkAAAAAAAAABcAAAAUAAAAAAAAAAAAAAD/fwAA/38AAAAAAAAJAAAABAAAAAAAAAAeAAAAaAAAAAAAAAAAAAAAAAAAAAAAAAAAAAAAECcAABAnAAAAAAAAAAAAAAAAAAAAAAAAAAAAAAAAAAAAAAAAAAAAABQAAAAAAAAAwMD/AAAAAABkAAAAMgAAAAAAAABkAAAAAAAAAH9/fwAKAAAAIgAAABgAAAAAAAAAAAAAAAAAAAAAAAAAAAAAAAAAAAAkAAAAJAAAAAAAAAAHAAAAAAAAAAAAAAAAAAAAAAAAAAAAAAAAAAAAf39/ACUAAABYAAAAAAAAAAAAAAAAAAAAAAAAAAAAAAAAAAAAAAAAAAAAAAAAAAAAAAAAAAAAAAA/AAAAAAAAAKCGAQAAAAAAAAAAAAAAAAAMAAAAAQAAAAAAAAAAAAAAAAAAAB8AAABUAAAAAAAABQAAAAEAAAAAAAAAAAAAAAAAAAAAAAAAAAAAAAAAAAAAAAAAAAAAAAJ/f38AAAAAA8zMzADAwP8Af39/AAAAAAAAAAAAAAAAAAAAAAAAAAAAIQAAABgAAAAUAAAAKwUAAFgKAADlJAAAaQ8AABAAAAAmAAAACAAAAIGAAAAAAAAAMAAAABQAAAAAAAAAAAD//wAAAQAAAP//AAABAA=="/>
+                <pr:smNativeData xmlns:pr="smNativeData" xmlns="smNativeData" val="SMDATA_16_FAWHYRMAAAAlAAAAZAAAAA0AAAAAkAAAAEgAAACQAAAASAAAAAAAAAACAAAAAAAAAAEAAABQAAAAAAAAAAAA4D8AAAAAAADgPwAAAAAAAOA/AAAAAAAA4D8AAAAAAADgPwAAAAAAAOA/AAAAAAAA4D8AAAAAAADgPwAAAAAAAOA/AAAAAAAA4D8CAAAAjAAAAAAAAAAAAAAARHLEDP///wgAAAAAAAAAAAAAAAAAAAAAAAAAAAAAAAAAAAAAZAAAAAEAAABAAAAAAAAAAAAAAAAAAAAAAAAAAAAAAAAAAAAAAAAAAAAAAAAAAAAAAAAAAAAAAAAAAAAAAAAAAAAAAAAAAAAAAAAAAAAAAAAAAAAAAAAAAAAAAAAAAAAAFAAAADwAAAAAAAAAAAAAAAAAAAkUAAAAAQAAABQAAAAUAAAAFAAAAAEAAAAAAAAAZAAAAGQAAAAAAAAAZAAAAGQAAAAVAAAAYAAAAAAAAAAAAAAADwAAACADAAAAAAAAAAAAAAEAAACgMgAAVgcAAKr4//8BAAAAf39/AAEAAABkAAAAAAAAABQAAABAHwAAAAAAACYAAAAAAAAAwOD//wAAAAAmAAAAZAAAABYAAABMAAAAAAAAAAAAAAAEAAAAAAAAAAEAAADn5uYKAAAAACgAAAAoAAAAZAAAAGQAAAAAAAAAzMzMAAAAAABQAAAAUAAAAGQAAABkAAAAAAAAABcAAAAUAAAAAAAAAAAAAAD/fwAA/38AAAAAAAAJAAAABAAAAAAAAAAeAAAAaAAAAAAAAAAAAAAAAAAAAAAAAAAAAAAAECcAABAnAAAAAAAAAAAAAAAAAAAAAAAAAAAAAAAAAAAAAAAAAAAAABQAAAAAAAAAwMD/AAAAAABkAAAAMgAAAAAAAABkAAAAAAAAAH9/fwAKAAAAIgAAABgAAAAAAAAAAAAAAAAAAAAAAAAAAAAAAAAAAAAkAAAAJAAAAAAAAAAHAAAAAAAAAAAAAAAAAAAAAAAAAAAAAAAAAAAAf39/ACUAAABYAAAAAAAAAAAAAAAAAAAAAAAAAAAAAAAAAAAAAAAAAAAAAAAAAAAAAAAAAAAAAAA/AAAAAAAAAKCGAQAAAAAAAAAAAAAAAAAMAAAAAQAAAAAAAAAAAAAAAAAAAB8AAABUAAAAAAAABQAAAAEAAAAAAAAAAAAAAAAAAAAAAAAAAAAAAAAAAAAAAAAAAAAAAAJ/f38AAAAAA8zMzADAwP8Af39/AAAAAAAAAAAAAAAAAAAAAAAAAAAAIQAAABgAAAAUAAAAKwUAAFgKAADlJAAAaQ8AABAAAAAmAAAACAAAAIGAAAAAAAAAMAAAABQAAAAAAAAAAAD//wAAAQAAAP//AAABAA=="/>
               </a:ext>
             </a:extLst>
           </p:cNvSpPr>
@@ -1814,7 +1814,7 @@
             <a:spLocks noGrp="1" noChangeArrowheads="1"/>
             <a:extLst>
               <a:ext uri="smNativeData">
-                <pr:smNativeData xmlns:pr="smNativeData" xmlns="smNativeData" val="SMDATA_16_gfoFYRMAAAAlAAAAZAAAAA0AAAAAkAAAAEgAAACQAAAASAAAAAAAAAAAAAAAAAAAAAEAAABQAAAAAAAAAAAA4D8AAAAAAADgPwAAAAAAAOA/AAAAAAAA4D8AAAAAAADgPwAAAAAAAOA/AAAAAAAA4D8AAAAAAADgPwAAAAAAAOA/AAAAAAAA4D8CAAAAjAAAAAAAAAAAAAAARHLEDP///wgAAAAAAAAAAAAAAAAAAAAAAAAAAAAAAAAAAAAAZAAAAAEAAABAAAAAAAAAAAAAAAAAAAAAAAAAAAAAAAAAAAAAAAAAAAAAAAAAAAAAAAAAAAAAAAAAAAAAAAAAAAAAAAAAAAAAAAAAAAAAAAAAAAAAAAAAAAAAAAAAAAAAFAAAADwAAAAAAAAAAAAAAAAAAAkUAAAAAQAAABQAAAAUAAAAFAAAAAEAAAAAAAAAZAAAAGQAAAAAAAAAZAAAAGQAAAAVAAAAYAAAAAAAAAAAAAAADwAAACADAAAAAAAAAAAAAAEAAACgMgAAVgcAAKr4//8BAAAAf39/AAEAAABkAAAAAAAAABQAAABAHwAAAAAAACYAAAAAAAAAwOD//wAAAAAmAAAAZAAAABYAAABMAAAAAAAAAAAAAAAEAAAAAAAAAAEAAADn5uYKAAAAACgAAAAoAAAAZAAAAGQAAAAAAAAAzMzMAAAAAABQAAAAUAAAAGQAAABkAAAAAAAAABcAAAAUAAAAAAAAAAAAAAD/fwAA/38AAAAAAAAJAAAABAAAAAAAAAAeAAAAaAAAAAAAAAAAAAAAAAAAAAAAAAAAAAAAECcAABAnAAAAAAAAAAAAAAAAAAAAAAAAAAAAAAAAAAAAAAAAAAAAABQAAAAAAAAAwMD/AAAAAABkAAAAMgAAAAAAAABkAAAAAAAAAH9/fwAKAAAAIgAAABgAAAAAAAAAAAAAAAAAAAAAAAAAAAAAAAAAAAAkAAAAJAAAAAAAAAAHAAAAAAAAAAAAAAAAAAAAAAAAAAAAAAAAAAAAf39/ACUAAABYAAAAAAAAAAAAAAAAAAAAAAAAAAAAAAAAAAAAAAAAAAAAAAAAAAAAAAAAAAAAAAA/AAAAAAAAAKCGAQAAAAAAAAAAAAAAAAAMAAAAAQAAAAAAAAAAAAAAAAAAAB8AAABUAAAAAAAABQAAAAEAAAAAAAAAAAAAAAAAAAAAAAAAAAAAAAAAAAAAAAAAAAAAAAJ/f38AAAAAA8zMzADAwP8Af39/AAAAAAAAAAAAAAAAAAAAAAAAAAAAIQAAABgAAAAUAAAAKwUAAGkPAADlJAAAFCYAABAAAAAmAAAACAAAAAEAAAAAAAAAMAAAABQAAAAAAAAAAAD//wAAAQAAAP//AAABAA=="/>
+                <pr:smNativeData xmlns:pr="smNativeData" xmlns="smNativeData" val="SMDATA_16_FAWHYRMAAAAlAAAAZAAAAA0AAAAAkAAAAEgAAACQAAAASAAAAAAAAAAAAAAAAAAAAAEAAABQAAAAAAAAAAAA4D8AAAAAAADgPwAAAAAAAOA/AAAAAAAA4D8AAAAAAADgPwAAAAAAAOA/AAAAAAAA4D8AAAAAAADgPwAAAAAAAOA/AAAAAAAA4D8CAAAAjAAAAAAAAAAAAAAARHLEDP///wgAAAAAAAAAAAAAAAAAAAAAAAAAAAAAAAAAAAAAZAAAAAEAAABAAAAAAAAAAAAAAAAAAAAAAAAAAAAAAAAAAAAAAAAAAAAAAAAAAAAAAAAAAAAAAAAAAAAAAAAAAAAAAAAAAAAAAAAAAAAAAAAAAAAAAAAAAAAAAAAAAAAAFAAAADwAAAAAAAAAAAAAAAAAAAkUAAAAAQAAABQAAAAUAAAAFAAAAAEAAAAAAAAAZAAAAGQAAAAAAAAAZAAAAGQAAAAVAAAAYAAAAAAAAAAAAAAADwAAACADAAAAAAAAAAAAAAEAAACgMgAAVgcAAKr4//8BAAAAf39/AAEAAABkAAAAAAAAABQAAABAHwAAAAAAACYAAAAAAAAAwOD//wAAAAAmAAAAZAAAABYAAABMAAAAAAAAAAAAAAAEAAAAAAAAAAEAAADn5uYKAAAAACgAAAAoAAAAZAAAAGQAAAAAAAAAzMzMAAAAAABQAAAAUAAAAGQAAABkAAAAAAAAABcAAAAUAAAAAAAAAAAAAAD/fwAA/38AAAAAAAAJAAAABAAAAAAAAAAeAAAAaAAAAAAAAAAAAAAAAAAAAAAAAAAAAAAAECcAABAnAAAAAAAAAAAAAAAAAAAAAAAAAAAAAAAAAAAAAAAAAAAAABQAAAAAAAAAwMD/AAAAAABkAAAAMgAAAAAAAABkAAAAAAAAAH9/fwAKAAAAIgAAABgAAAAAAAAAAAAAAAAAAAAAAAAAAAAAAAAAAAAkAAAAJAAAAAAAAAAHAAAAAAAAAAAAAAAAAAAAAAAAAAAAAAAAAAAAf39/ACUAAABYAAAAAAAAAAAAAAAAAAAAAAAAAAAAAAAAAAAAAAAAAAAAAAAAAAAAAAAAAAAAAAA/AAAAAAAAAKCGAQAAAAAAAAAAAAAAAAAMAAAAAQAAAAAAAAAAAAAAAAAAAB8AAABUAAAAAAAABQAAAAEAAAAAAAAAAAAAAAAAAAAAAAAAAAAAAAAAAAAAAAAAAAAAAAJ/f38AAAAAA8zMzADAwP8Af39/AAAAAAAAAAAAAAAAAAAAAAAAAAAAIQAAABgAAAAUAAAAKwUAAGkPAADlJAAAFCYAABAAAAAmAAAACAAAAAEAAAAAAAAAMAAAABQAAAAAAAAAAAD//wAAAQAAAP//AAABAA=="/>
               </a:ext>
             </a:extLst>
           </p:cNvSpPr>
@@ -1881,7 +1881,7 @@
             <a:spLocks noGrp="1" noChangeArrowheads="1"/>
             <a:extLst>
               <a:ext uri="smNativeData">
-                <pr:smNativeData xmlns:pr="smNativeData" xmlns="smNativeData" val="SMDATA_16_gfoFYRMAAAAlAAAAZAAAAA0AAAAAkAAAAEgAAACQAAAASAAAAAAAAAACAAAAAAAAAAEAAABQAAAAAAAAAAAA4D8AAAAAAADgPwAAAAAAAOA/AAAAAAAA4D8AAAAAAADgPwAAAAAAAOA/AAAAAAAA4D8AAAAAAADgPwAAAAAAAOA/AAAAAAAA4D8CAAAAjAAAAAAAAAAAAAAARHLEDP///wgAAAAAAAAAAAAAAAAAAAAAAAAAAAAAAAAAAAAAZAAAAAEAAABAAAAAAAAAAAAAAAAAAAAAAAAAAAAAAAAAAAAAAAAAAAAAAAAAAAAAAAAAAAAAAAAAAAAAAAAAAAAAAAAAAAAAAAAAAAAAAAAAAAAAAAAAAAAAAAAAAAAAFAAAADwAAAAAAAAAAAAAAAAAAAkUAAAAAQAAABQAAAAUAAAAFAAAAAEAAAAAAAAAZAAAAGQAAAAAAAAAZAAAAGQAAAAVAAAAYAAAAAAAAAAAAAAADwAAACADAAAAAAAAAAAAAAEAAACgMgAAVgcAAKr4//8BAAAAf39/AAEAAABkAAAAAAAAABQAAABAHwAAAAAAACYAAAAAAAAAwOD//wAAAAAmAAAAZAAAABYAAABMAAAAAAAAAAAAAAAEAAAAAAAAAAEAAADn5uYKAAAAACgAAAAoAAAAZAAAAGQAAAAAAAAAzMzMAAAAAABQAAAAUAAAAGQAAABkAAAAAAAAABcAAAAUAAAAAAAAAAAAAAD/fwAA/38AAAAAAAAJAAAABAAAAAAAAAAeAAAAaAAAAAAAAAAAAAAAAAAAAAAAAAAAAAAAECcAABAnAAAAAAAAAAAAAAAAAAAAAAAAAAAAAAAAAAAAAAAAAAAAABQAAAAAAAAAwMD/AAAAAABkAAAAMgAAAAAAAABkAAAAAAAAAH9/fwAKAAAAIgAAABgAAAAAAAAAAAAAAAAAAAAAAAAAAAAAAAAAAAAkAAAAJAAAAAAAAAAHAAAAAAAAAAAAAAAAAAAAAAAAAAAAAAAAAAAAf39/ACUAAABYAAAAAAAAAAAAAAAAAAAAAAAAAAAAAAAAAAAAAAAAAAAAAAAAAAAAAAAAAAAAAAA/AAAAAAAAAKCGAQAAAAAAAAAAAAAAAAAMAAAAAQAAAAAAAAAAAAAAAAAAAB8AAABUAAAAAAAABQAAAAEAAAAAAAAAAAAAAAAAAAAAAAAAAAAAAAAAAAAAAAAAAAAAAAJ/f38AAAAAA8zMzADAwP8Af39/AAAAAAAAAAAAAAAAAAAAAAAAAAAAIQAAABgAAAAUAAAA+CUAAFgKAADbRQAAaQ8AABAAAAAmAAAACAAAAIGAAAAAAAAAMAAAABQAAAAAAAAAAAD//wAAAQAAAP//AAABAA=="/>
+                <pr:smNativeData xmlns:pr="smNativeData" xmlns="smNativeData" val="SMDATA_16_FAWHYRMAAAAlAAAAZAAAAA0AAAAAkAAAAEgAAACQAAAASAAAAAAAAAACAAAAAAAAAAEAAABQAAAAAAAAAAAA4D8AAAAAAADgPwAAAAAAAOA/AAAAAAAA4D8AAAAAAADgPwAAAAAAAOA/AAAAAAAA4D8AAAAAAADgPwAAAAAAAOA/AAAAAAAA4D8CAAAAjAAAAAAAAAAAAAAARHLEDP///wgAAAAAAAAAAAAAAAAAAAAAAAAAAAAAAAAAAAAAZAAAAAEAAABAAAAAAAAAAAAAAAAAAAAAAAAAAAAAAAAAAAAAAAAAAAAAAAAAAAAAAAAAAAAAAAAAAAAAAAAAAAAAAAAAAAAAAAAAAAAAAAAAAAAAAAAAAAAAAAAAAAAAFAAAADwAAAAAAAAAAAAAAAAAAAkUAAAAAQAAABQAAAAUAAAAFAAAAAEAAAAAAAAAZAAAAGQAAAAAAAAAZAAAAGQAAAAVAAAAYAAAAAAAAAAAAAAADwAAACADAAAAAAAAAAAAAAEAAACgMgAAVgcAAKr4//8BAAAAf39/AAEAAABkAAAAAAAAABQAAABAHwAAAAAAACYAAAAAAAAAwOD//wAAAAAmAAAAZAAAABYAAABMAAAAAAAAAAAAAAAEAAAAAAAAAAEAAADn5uYKAAAAACgAAAAoAAAAZAAAAGQAAAAAAAAAzMzMAAAAAABQAAAAUAAAAGQAAABkAAAAAAAAABcAAAAUAAAAAAAAAAAAAAD/fwAA/38AAAAAAAAJAAAABAAAAAAAAAAeAAAAaAAAAAAAAAAAAAAAAAAAAAAAAAAAAAAAECcAABAnAAAAAAAAAAAAAAAAAAAAAAAAAAAAAAAAAAAAAAAAAAAAABQAAAAAAAAAwMD/AAAAAABkAAAAMgAAAAAAAABkAAAAAAAAAH9/fwAKAAAAIgAAABgAAAAAAAAAAAAAAAAAAAAAAAAAAAAAAAAAAAAkAAAAJAAAAAAAAAAHAAAAAAAAAAAAAAAAAAAAAAAAAAAAAAAAAAAAf39/ACUAAABYAAAAAAAAAAAAAAAAAAAAAAAAAAAAAAAAAAAAAAAAAAAAAAAAAAAAAAAAAAAAAAA/AAAAAAAAAKCGAQAAAAAAAAAAAAAAAAAMAAAAAQAAAAAAAAAAAAAAAAAAAB8AAABUAAAAAAAABQAAAAEAAAAAAAAAAAAAAAAAAAAAAAAAAAAAAAAAAAAAAAAAAAAAAAJ/f38AAAAAA8zMzADAwP8Af39/AAAAAAAAAAAAAAAAAAAAAAAAAAAAIQAAABgAAAAUAAAA+CUAAFgKAADbRQAAaQ8AABAAAAAmAAAACAAAAIGAAAAAAAAAMAAAABQAAAAAAAAAAAD//wAAAQAAAP//AAABAA=="/>
               </a:ext>
             </a:extLst>
           </p:cNvSpPr>
@@ -1956,7 +1956,7 @@
             <a:spLocks noGrp="1" noChangeArrowheads="1"/>
             <a:extLst>
               <a:ext uri="smNativeData">
-                <pr:smNativeData xmlns:pr="smNativeData" xmlns="smNativeData" val="SMDATA_16_gfoFYRMAAAAlAAAAZAAAAA0AAAAAkAAAAEgAAACQAAAASAAAAAAAAAAAAAAAAAAAAAEAAABQAAAAAAAAAAAA4D8AAAAAAADgPwAAAAAAAOA/AAAAAAAA4D8AAAAAAADgPwAAAAAAAOA/AAAAAAAA4D8AAAAAAADgPwAAAAAAAOA/AAAAAAAA4D8CAAAAjAAAAAAAAAAAAAAARHLEDP///wgAAAAAAAAAAAAAAAAAAAAAAAAAAAAAAAAAAAAAZAAAAAEAAABAAAAAAAAAAAAAAAAAAAAAAAAAAAAAAAAAAAAAAAAAAAAAAAAAAAAAAAAAAAAAAAAAAAAAAAAAAAAAAAAAAAAAAAAAAAAAAAAAAAAAAAAAAAAAAAAAAAAAFAAAADwAAAAAAAAAAAAAAAAAAAkUAAAAAQAAABQAAAAUAAAAFAAAAAEAAAAAAAAAZAAAAGQAAAAAAAAAZAAAAGQAAAAVAAAAYAAAAAAAAAAAAAAADwAAACADAAAAAAAAAAAAAAEAAACgMgAAVgcAAKr4//8BAAAAf39/AAEAAABkAAAAAAAAABQAAABAHwAAAAAAACYAAAAAAAAAwOD//wAAAAAmAAAAZAAAABYAAABMAAAAAAAAAAAAAAAEAAAAAAAAAAEAAADn5uYKAAAAACgAAAAoAAAAZAAAAGQAAAAAAAAAzMzMAAAAAABQAAAAUAAAAGQAAABkAAAAAAAAABcAAAAUAAAAAAAAAAAAAAD/fwAA/38AAAAAAAAJAAAABAAAAAAAAAAeAAAAaAAAAAAAAAAAAAAAAAAAAAAAAAAAAAAAECcAABAnAAAAAAAAAAAAAAAAAAAAAAAAAAAAAAAAAAAAAAAAAAAAABQAAAAAAAAAwMD/AAAAAABkAAAAMgAAAAAAAABkAAAAAAAAAH9/fwAKAAAAIgAAABgAAAAAAAAAAAAAAAAAAAAAAAAAAAAAAAAAAAAkAAAAJAAAAAAAAAAHAAAAAAAAAAAAAAAAAAAAAAAAAAAAAAAAAAAAf39/ACUAAABYAAAAAAAAAAAAAAAAAAAAAAAAAAAAAAAAAAAAAAAAAAAAAAAAAAAAAAAAAAAAAAA/AAAAAAAAAKCGAQAAAAAAAAAAAAAAAAAMAAAAAQAAAAAAAAAAAAAAAAAAAB8AAABUAAAAAAAABQAAAAEAAAAAAAAAAAAAAAAAAAAAAAAAAAAAAAAAAAAAAAAAAAAAAAJ/f38AAAAAA8zMzADAwP8Af39/AAAAAAAAAAAAAAAAAAAAAAAAAAAAIQAAABgAAAAUAAAA+CUAAGkPAADbRQAAFCYAABAAAAAmAAAACAAAAAEAAAAAAAAAMAAAABQAAAAAAAAAAAD//wAAAQAAAP//AAABAA=="/>
+                <pr:smNativeData xmlns:pr="smNativeData" xmlns="smNativeData" val="SMDATA_16_FAWHYRMAAAAlAAAAZAAAAA0AAAAAkAAAAEgAAACQAAAASAAAAAAAAAAAAAAAAAAAAAEAAABQAAAAAAAAAAAA4D8AAAAAAADgPwAAAAAAAOA/AAAAAAAA4D8AAAAAAADgPwAAAAAAAOA/AAAAAAAA4D8AAAAAAADgPwAAAAAAAOA/AAAAAAAA4D8CAAAAjAAAAAAAAAAAAAAARHLEDP///wgAAAAAAAAAAAAAAAAAAAAAAAAAAAAAAAAAAAAAZAAAAAEAAABAAAAAAAAAAAAAAAAAAAAAAAAAAAAAAAAAAAAAAAAAAAAAAAAAAAAAAAAAAAAAAAAAAAAAAAAAAAAAAAAAAAAAAAAAAAAAAAAAAAAAAAAAAAAAAAAAAAAAFAAAADwAAAAAAAAAAAAAAAAAAAkUAAAAAQAAABQAAAAUAAAAFAAAAAEAAAAAAAAAZAAAAGQAAAAAAAAAZAAAAGQAAAAVAAAAYAAAAAAAAAAAAAAADwAAACADAAAAAAAAAAAAAAEAAACgMgAAVgcAAKr4//8BAAAAf39/AAEAAABkAAAAAAAAABQAAABAHwAAAAAAACYAAAAAAAAAwOD//wAAAAAmAAAAZAAAABYAAABMAAAAAAAAAAAAAAAEAAAAAAAAAAEAAADn5uYKAAAAACgAAAAoAAAAZAAAAGQAAAAAAAAAzMzMAAAAAABQAAAAUAAAAGQAAABkAAAAAAAAABcAAAAUAAAAAAAAAAAAAAD/fwAA/38AAAAAAAAJAAAABAAAAAAAAAAeAAAAaAAAAAAAAAAAAAAAAAAAAAAAAAAAAAAAECcAABAnAAAAAAAAAAAAAAAAAAAAAAAAAAAAAAAAAAAAAAAAAAAAABQAAAAAAAAAwMD/AAAAAABkAAAAMgAAAAAAAABkAAAAAAAAAH9/fwAKAAAAIgAAABgAAAAAAAAAAAAAAAAAAAAAAAAAAAAAAAAAAAAkAAAAJAAAAAAAAAAHAAAAAAAAAAAAAAAAAAAAAAAAAAAAAAAAAAAAf39/ACUAAABYAAAAAAAAAAAAAAAAAAAAAAAAAAAAAAAAAAAAAAAAAAAAAAAAAAAAAAAAAAAAAAA/AAAAAAAAAKCGAQAAAAAAAAAAAAAAAAAMAAAAAQAAAAAAAAAAAAAAAAAAAB8AAABUAAAAAAAABQAAAAEAAAAAAAAAAAAAAAAAAAAAAAAAAAAAAAAAAAAAAAAAAAAAAAJ/f38AAAAAA8zMzADAwP8Af39/AAAAAAAAAAAAAAAAAAAAAAAAAAAAIQAAABgAAAAUAAAA+CUAAGkPAADbRQAAFCYAABAAAAAmAAAACAAAAAEAAAAAAAAAMAAAABQAAAAAAAAAAAD//wAAAQAAAP//AAABAA=="/>
               </a:ext>
             </a:extLst>
           </p:cNvSpPr>
@@ -2023,7 +2023,7 @@
             <a:spLocks noGrp="1" noChangeArrowheads="1"/>
             <a:extLst>
               <a:ext uri="smNativeData">
-                <pr:smNativeData xmlns:pr="smNativeData" xmlns="smNativeData" val="SMDATA_16_gfoFYRMAAAAlAAAAZAAAAA0AAAAAkAAAAEgAAACQAAAASAAAAAAAAAABAAAAAAAAAAEAAABQAAAAAAAAAAAA4D8AAAAAAADgPwAAAAAAAOA/AAAAAAAA4D8AAAAAAADgPwAAAAAAAOA/AAAAAAAA4D8AAAAAAADgPwAAAAAAAOA/AAAAAAAA4D8CAAAAjAAAAAAAAAAAAAAARHLEDP///wgAAAAAAAAAAAAAAAAAAAAAAAAAAAAAAAAAAAAAZAAAAAEAAABAAAAAAAAAAAAAAAAAAAAAAAAAAAAAAAAAAAAAAAAAAAAAAAAAAAAAAAAAAAAAAAAAAAAAAAAAAAAAAAAAAAAAAAAAAAAAAAAAAAAAAAAAAAAAAAAAAAAAFAAAADwAAAAAAAAAAAAAAAAAAAkUAAAAAQAAABQAAAAUAAAAFAAAAAEAAAAAAAAAZAAAAGQAAAAAAAAAZAAAAGQAAAAVAAAAYAAAAAAAAAAAAAAADwAAACADAAAAAAAAAAAAAAEAAACgMgAAVgcAAKr4//8BAAAAf39/AAEAAABkAAAAAAAAABQAAABAHwAAAAAAACYAAAAAAAAAwOD//wAAAAAmAAAAZAAAABYAAABMAAAAAAAAAAAAAAAEAAAAAAAAAAEAAADn5uYKAAAAACgAAAAoAAAAZAAAAGQAAAAAAAAAzMzMAAAAAABQAAAAUAAAAGQAAABkAAAAAAAAABcAAAAUAAAAAAAAAAAAAAD/fwAA/38AAAAAAAAJAAAABAAAAAAAAAAeAAAAaAAAAAAAAAAAAAAAAAAAAAAAAAAAAAAAECcAABAnAAAAAAAAAAAAAAAAAAAAAAAAAAAAAAAAAAAAAAAAAAAAABQAAAAAAAAAwMD/AAAAAABkAAAAMgAAAAAAAABkAAAAAAAAAH9/fwAKAAAAIgAAABgAAAAAAAAAAAAAAAAAAAAAAAAAAAAAAAAAAAAkAAAAJAAAAAAAAAAHAAAAAAAAAAAAAAAAAAAAAAAAAAAAAAAAAAAAf39/ACUAAABYAAAAAAAAAAAAAAAAAAAAAAAAAAAAAAAAAAAAAAAAAAAAAAAAAAAAAAAAAAAAAAA/AAAAAAAAAKCGAQAAAAAAAAAAAAAAAAAMAAAAAQAAAAAAAAAAAAAAAAAAAB8AAABUAAAAAAAABQAAAAEAAAAAAAAAAAAAAAAAAAAAAAAAAAAAAAAAAAAAAAAAAAAAAAJ/f38AAAAAA8zMzADAwP8Af39/AAAAAAAAAAAAAAAAAAAAAAAAAAAAIQAAABgAAAAUAAAAKAUAABonAAAIFgAAWSkAABAAAAAmAAAACAAAAAAAAAAAAAAAMAAAABQAAAAAAAAAAAD//wAAAQAAAP//AAABAA=="/>
+                <pr:smNativeData xmlns:pr="smNativeData" xmlns="smNativeData" val="SMDATA_16_FAWHYRMAAAAlAAAAZAAAAA0AAAAAkAAAAEgAAACQAAAASAAAAAAAAAABAAAAAAAAAAEAAABQAAAAAAAAAAAA4D8AAAAAAADgPwAAAAAAAOA/AAAAAAAA4D8AAAAAAADgPwAAAAAAAOA/AAAAAAAA4D8AAAAAAADgPwAAAAAAAOA/AAAAAAAA4D8CAAAAjAAAAAAAAAAAAAAARHLEDP///wgAAAAAAAAAAAAAAAAAAAAAAAAAAAAAAAAAAAAAZAAAAAEAAABAAAAAAAAAAAAAAAAAAAAAAAAAAAAAAAAAAAAAAAAAAAAAAAAAAAAAAAAAAAAAAAAAAAAAAAAAAAAAAAAAAAAAAAAAAAAAAAAAAAAAAAAAAAAAAAAAAAAAFAAAADwAAAAAAAAAAAAAAAAAAAkUAAAAAQAAABQAAAAUAAAAFAAAAAEAAAAAAAAAZAAAAGQAAAAAAAAAZAAAAGQAAAAVAAAAYAAAAAAAAAAAAAAADwAAACADAAAAAAAAAAAAAAEAAACgMgAAVgcAAKr4//8BAAAAf39/AAEAAABkAAAAAAAAABQAAABAHwAAAAAAACYAAAAAAAAAwOD//wAAAAAmAAAAZAAAABYAAABMAAAAAAAAAAAAAAAEAAAAAAAAAAEAAADn5uYKAAAAACgAAAAoAAAAZAAAAGQAAAAAAAAAzMzMAAAAAABQAAAAUAAAAGQAAABkAAAAAAAAABcAAAAUAAAAAAAAAAAAAAD/fwAA/38AAAAAAAAJAAAABAAAAAAAAAAeAAAAaAAAAAAAAAAAAAAAAAAAAAAAAAAAAAAAECcAABAnAAAAAAAAAAAAAAAAAAAAAAAAAAAAAAAAAAAAAAAAAAAAABQAAAAAAAAAwMD/AAAAAABkAAAAMgAAAAAAAABkAAAAAAAAAH9/fwAKAAAAIgAAABgAAAAAAAAAAAAAAAAAAAAAAAAAAAAAAAAAAAAkAAAAJAAAAAAAAAAHAAAAAAAAAAAAAAAAAAAAAAAAAAAAAAAAAAAAf39/ACUAAABYAAAAAAAAAAAAAAAAAAAAAAAAAAAAAAAAAAAAAAAAAAAAAAAAAAAAAAAAAAAAAAA/AAAAAAAAAKCGAQAAAAAAAAAAAAAAAAAMAAAAAQAAAAAAAAAAAAAAAAAAAB8AAABUAAAAAAAABQAAAAEAAAAAAAAAAAAAAAAAAAAAAAAAAAAAAAAAAAAAAAAAAAAAAAJ/f38AAAAAA8zMzADAwP8Af39/AAAAAAAAAAAAAAAAAAAAAAAAAAAAIQAAABgAAAAUAAAAKAUAABonAAAIFgAAWSkAABAAAAAmAAAACAAAAAAAAAAAAAAAMAAAABQAAAAAAAAAAAD//wAAAQAAAP//AAABAA=="/>
               </a:ext>
             </a:extLst>
           </p:cNvSpPr>
@@ -2039,7 +2039,7 @@
             <a:pPr>
               <a:defRPr lang="en-us"/>
             </a:pPr>
-            <a:fld id="{3AB247A8-E6D7-E7B1-990A-10E409446F45}" type="datetime1">
+            <a:fld id="{35CA7910-5ED8-9F8F-9672-A8DA373C60FD}" type="datetime1">
               <a:rPr lang="en-au" cap="none"/>
               <a:t>12/05/2021</a:t>
             </a:fld>
@@ -2054,7 +2054,7 @@
             <a:spLocks noGrp="1" noChangeArrowheads="1"/>
             <a:extLst>
               <a:ext uri="smNativeData">
-                <pr:smNativeData xmlns:pr="smNativeData" xmlns="smNativeData" val="SMDATA_16_gfoFYRMAAAAlAAAAZAAAAA0AAAAAkAAAAEgAAACQAAAASAAAAAAAAAABAAAAAAAAAAEAAABQAAAAAAAAAAAA4D8AAAAAAADgPwAAAAAAAOA/AAAAAAAA4D8AAAAAAADgPwAAAAAAAOA/AAAAAAAA4D8AAAAAAADgPwAAAAAAAOA/AAAAAAAA4D8CAAAAjAAAAAAAAAAAAAAARHLEDP///wgAAAAAAAAAAAAAAAAAAAAAAAAAAAAAAAAAAAAAZAAAAAEAAABAAAAAAAAAAAAAAAAAAAAAAAAAAAAAAAAAAAAAAAAAAAAAAAAAAAAAAAAAAAAAAAAAAAAAAAAAAAAAAAAAAAAAAAAAAAAAAAAAAAAAAAAAAAAAAAAAAAAAFAAAADwAAAAAAAAAAAAAAAAAAAkUAAAAAQAAABQAAAAUAAAAFAAAAAEAAAAAAAAAZAAAAGQAAAAAAAAAZAAAAGQAAAAVAAAAYAAAAAAAAAAAAAAADwAAACADAAAAAAAAAAAAAAEAAACgMgAAVgcAAKr4//8BAAAAf39/AAEAAABkAAAAAAAAABQAAABAHwAAAAAAACYAAAAAAAAAwOD//wAAAAAmAAAAZAAAABYAAABMAAAAAAAAAAAAAAAEAAAAAAAAAAEAAADn5uYKAAAAACgAAAAoAAAAZAAAAGQAAAAAAAAAzMzMAAAAAABQAAAAUAAAAGQAAABkAAAAAAAAABcAAAAUAAAAAAAAAAAAAAD/fwAA/38AAAAAAAAJAAAABAAAAAAAAAAeAAAAaAAAAAAAAAAAAAAAAAAAAAAAAAAAAAAAECcAABAnAAAAAAAAAAAAAAAAAAAAAAAAAAAAAAAAAAAAAAAAAAAAABQAAAAAAAAAwMD/AAAAAABkAAAAMgAAAAAAAABkAAAAAAAAAH9/fwAKAAAAIgAAABgAAAAAAAAAAAAAAAAAAAAAAAAAAAAAAAAAAAAkAAAAJAAAAAAAAAAHAAAAAAAAAAAAAAAAAAAAAAAAAAAAAAAAAAAAf39/ACUAAABYAAAAAAAAAAAAAAAAAAAAAAAAAAAAAAAAAAAAAAAAAAAAAAAAAAAAAAAAAAAAAAA/AAAAAAAAAKCGAQAAAAAAAAAAAAAAAAAMAAAAAQAAAAAAAAAAAAAAAAAAAB8AAABUAAAAAAAABQAAAAEAAAAAAAAAAAAAAAAAAAAAAAAAAAAAAAAAAAAAAAAAAAAAAAJ/f38AAAAAA8zMzADAwP8Af39/AAAAAAAAAAAAAAAAAAAAAAAAAAAAIQAAABgAAAAUAAAA2BgAABonAAAoMgAAWSkAABAAAAAmAAAACAAAAAAAAAAAAAAAMAAAABQAAAAAAAAAAAD//wAAAQAAAP//AAABAA=="/>
+                <pr:smNativeData xmlns:pr="smNativeData" xmlns="smNativeData" val="SMDATA_16_FAWHYRMAAAAlAAAAZAAAAA0AAAAAkAAAAEgAAACQAAAASAAAAAAAAAABAAAAAAAAAAEAAABQAAAAAAAAAAAA4D8AAAAAAADgPwAAAAAAAOA/AAAAAAAA4D8AAAAAAADgPwAAAAAAAOA/AAAAAAAA4D8AAAAAAADgPwAAAAAAAOA/AAAAAAAA4D8CAAAAjAAAAAAAAAAAAAAARHLEDP///wgAAAAAAAAAAAAAAAAAAAAAAAAAAAAAAAAAAAAAZAAAAAEAAABAAAAAAAAAAAAAAAAAAAAAAAAAAAAAAAAAAAAAAAAAAAAAAAAAAAAAAAAAAAAAAAAAAAAAAAAAAAAAAAAAAAAAAAAAAAAAAAAAAAAAAAAAAAAAAAAAAAAAFAAAADwAAAAAAAAAAAAAAAAAAAkUAAAAAQAAABQAAAAUAAAAFAAAAAEAAAAAAAAAZAAAAGQAAAAAAAAAZAAAAGQAAAAVAAAAYAAAAAAAAAAAAAAADwAAACADAAAAAAAAAAAAAAEAAACgMgAAVgcAAKr4//8BAAAAf39/AAEAAABkAAAAAAAAABQAAABAHwAAAAAAACYAAAAAAAAAwOD//wAAAAAmAAAAZAAAABYAAABMAAAAAAAAAAAAAAAEAAAAAAAAAAEAAADn5uYKAAAAACgAAAAoAAAAZAAAAGQAAAAAAAAAzMzMAAAAAABQAAAAUAAAAGQAAABkAAAAAAAAABcAAAAUAAAAAAAAAAAAAAD/fwAA/38AAAAAAAAJAAAABAAAAAAAAAAeAAAAaAAAAAAAAAAAAAAAAAAAAAAAAAAAAAAAECcAABAnAAAAAAAAAAAAAAAAAAAAAAAAAAAAAAAAAAAAAAAAAAAAABQAAAAAAAAAwMD/AAAAAABkAAAAMgAAAAAAAABkAAAAAAAAAH9/fwAKAAAAIgAAABgAAAAAAAAAAAAAAAAAAAAAAAAAAAAAAAAAAAAkAAAAJAAAAAAAAAAHAAAAAAAAAAAAAAAAAAAAAAAAAAAAAAAAAAAAf39/ACUAAABYAAAAAAAAAAAAAAAAAAAAAAAAAAAAAAAAAAAAAAAAAAAAAAAAAAAAAAAAAAAAAAA/AAAAAAAAAKCGAQAAAAAAAAAAAAAAAAAMAAAAAQAAAAAAAAAAAAAAAAAAAB8AAABUAAAAAAAABQAAAAEAAAAAAAAAAAAAAAAAAAAAAAAAAAAAAAAAAAAAAAAAAAAAAAJ/f38AAAAAA8zMzADAwP8Af39/AAAAAAAAAAAAAAAAAAAAAAAAAAAAIQAAABgAAAAUAAAA2BgAABonAAAoMgAAWSkAABAAAAAmAAAACAAAAAAAAAAAAAAAMAAAABQAAAAAAAAAAAD//wAAAQAAAP//AAABAA=="/>
               </a:ext>
             </a:extLst>
           </p:cNvSpPr>
@@ -2081,7 +2081,7 @@
             <a:spLocks noGrp="1" noChangeArrowheads="1"/>
             <a:extLst>
               <a:ext uri="smNativeData">
-                <pr:smNativeData xmlns:pr="smNativeData" xmlns="smNativeData" val="SMDATA_16_gfoFYRMAAAAlAAAAZAAAAA0AAAAAkAAAAEgAAACQAAAASAAAAAAAAAABAAAAAAAAAAEAAABQAAAAAAAAAAAA4D8AAAAAAADgPwAAAAAAAOA/AAAAAAAA4D8AAAAAAADgPwAAAAAAAOA/AAAAAAAA4D8AAAAAAADgPwAAAAAAAOA/AAAAAAAA4D8CAAAAjAAAAAAAAAAAAAAARHLEDP///wgAAAAAAAAAAAAAAAAAAAAAAAAAAAAAAAAAAAAAZAAAAAEAAABAAAAAAAAAAAAAAAAAAAAAAAAAAAAAAAAAAAAAAAAAAAAAAAAAAAAAAAAAAAAAAAAAAAAAAAAAAAAAAAAAAAAAAAAAAAAAAAAAAAAAAAAAAAAAAAAAAAAAFAAAADwAAAAAAAAAAAAAAAAAAAkUAAAAAQAAABQAAAAUAAAAFAAAAAEAAAAAAAAAZAAAAGQAAAAAAAAAZAAAAGQAAAAVAAAAYAAAAAAAAAAAAAAADwAAACADAAAAAAAAAAAAAAEAAACgMgAAVgcAAKr4//8BAAAAf39/AAEAAABkAAAAAAAAABQAAABAHwAAAAAAACYAAAAAAAAAwOD//wAAAAAmAAAAZAAAABYAAABMAAAAAAAAAAAAAAAEAAAAAAAAAAEAAADn5uYKAAAAACgAAAAoAAAAZAAAAGQAAAAAAAAAzMzMAAAAAABQAAAAUAAAAGQAAABkAAAAAAAAABcAAAAUAAAAAAAAAAAAAAD/fwAA/38AAAAAAAAJAAAABAAAAAAAAAAeAAAAaAAAAAAAAAAAAAAAAAAAAAAAAAAAAAAAECcAABAnAAAAAAAAAAAAAAAAAAAAAAAAAAAAAAAAAAAAAAAAAAAAABQAAAAAAAAAwMD/AAAAAABkAAAAMgAAAAAAAABkAAAAAAAAAH9/fwAKAAAAIgAAABgAAAAAAAAAAAAAAAAAAAAAAAAAAAAAAAAAAAAkAAAAJAAAAAAAAAAHAAAAAAAAAAAAAAAAAAAAAAAAAAAAAAAAAAAAf39/ACUAAABYAAAAAAAAAAAAAAAAAAAAAAAAAAAAAAAAAAAAAAAAAAAAAAAAAAAAAAAAAAAAAAA/AAAAAAAAAKCGAQAAAAAAAAAAAAAAAAAMAAAAAQAAAAAAAAAAAAAAAAAAAB8AAABUAAAAAAAABQAAAAEAAAAAAAAAAAAAAAAAAAAAAAAAAAAAAAAAAAAAAAAAAAAAAAJ/f38AAAAAA8zMzADAwP8Af39/AAAAAAAAAAAAAAAAAAAAAAAAAAAAIQAAABgAAAAUAAAA+DQAABonAADYRQAAWSkAABAAAAAmAAAACAAAAAAAAAAAAAAAMAAAABQAAAAAAAAAAAD//wAAAQAAAP//AAABAA=="/>
+                <pr:smNativeData xmlns:pr="smNativeData" xmlns="smNativeData" val="SMDATA_16_FAWHYRMAAAAlAAAAZAAAAA0AAAAAkAAAAEgAAACQAAAASAAAAAAAAAABAAAAAAAAAAEAAABQAAAAAAAAAAAA4D8AAAAAAADgPwAAAAAAAOA/AAAAAAAA4D8AAAAAAADgPwAAAAAAAOA/AAAAAAAA4D8AAAAAAADgPwAAAAAAAOA/AAAAAAAA4D8CAAAAjAAAAAAAAAAAAAAARHLEDP///wgAAAAAAAAAAAAAAAAAAAAAAAAAAAAAAAAAAAAAZAAAAAEAAABAAAAAAAAAAAAAAAAAAAAAAAAAAAAAAAAAAAAAAAAAAAAAAAAAAAAAAAAAAAAAAAAAAAAAAAAAAAAAAAAAAAAAAAAAAAAAAAAAAAAAAAAAAAAAAAAAAAAAFAAAADwAAAAAAAAAAAAAAAAAAAkUAAAAAQAAABQAAAAUAAAAFAAAAAEAAAAAAAAAZAAAAGQAAAAAAAAAZAAAAGQAAAAVAAAAYAAAAAAAAAAAAAAADwAAACADAAAAAAAAAAAAAAEAAACgMgAAVgcAAKr4//8BAAAAf39/AAEAAABkAAAAAAAAABQAAABAHwAAAAAAACYAAAAAAAAAwOD//wAAAAAmAAAAZAAAABYAAABMAAAAAAAAAAAAAAAEAAAAAAAAAAEAAADn5uYKAAAAACgAAAAoAAAAZAAAAGQAAAAAAAAAzMzMAAAAAABQAAAAUAAAAGQAAABkAAAAAAAAABcAAAAUAAAAAAAAAAAAAAD/fwAA/38AAAAAAAAJAAAABAAAAAAAAAAeAAAAaAAAAAAAAAAAAAAAAAAAAAAAAAAAAAAAECcAABAnAAAAAAAAAAAAAAAAAAAAAAAAAAAAAAAAAAAAAAAAAAAAABQAAAAAAAAAwMD/AAAAAABkAAAAMgAAAAAAAABkAAAAAAAAAH9/fwAKAAAAIgAAABgAAAAAAAAAAAAAAAAAAAAAAAAAAAAAAAAAAAAkAAAAJAAAAAAAAAAHAAAAAAAAAAAAAAAAAAAAAAAAAAAAAAAAAAAAf39/ACUAAABYAAAAAAAAAAAAAAAAAAAAAAAAAAAAAAAAAAAAAAAAAAAAAAAAAAAAAAAAAAAAAAA/AAAAAAAAAKCGAQAAAAAAAAAAAAAAAAAMAAAAAQAAAAAAAAAAAAAAAAAAAB8AAABUAAAAAAAABQAAAAEAAAAAAAAAAAAAAAAAAAAAAAAAAAAAAAAAAAAAAAAAAAAAAAJ/f38AAAAAA8zMzADAwP8Af39/AAAAAAAAAAAAAAAAAAAAAAAAAAAAIQAAABgAAAAUAAAA+DQAABonAADYRQAAWSkAABAAAAAmAAAACAAAAAAAAAAAAAAAMAAAABQAAAAAAAAAAAD//wAAAQAAAP//AAABAA=="/>
               </a:ext>
             </a:extLst>
           </p:cNvSpPr>
@@ -2097,7 +2097,7 @@
             <a:pPr>
               <a:defRPr lang="en-us"/>
             </a:pPr>
-            <a:fld id="{3AB276D2-9CD7-E780-990A-6AD538446F3F}" type="slidenum">
+            <a:fld id="{35CA4A66-28D8-9FBC-9672-DEE9043C608B}" type="slidenum">
               <a:rPr lang="en-au" cap="none"/>
               <a:t>‹#›</a:t>
             </a:fld>
@@ -2138,7 +2138,7 @@
             <a:spLocks noGrp="1" noChangeArrowheads="1"/>
             <a:extLst>
               <a:ext uri="smNativeData">
-                <pr:smNativeData xmlns:pr="smNativeData" xmlns="smNativeData" val="SMDATA_16_gfoFYRMAAAAlAAAAZAAAAA0AAAAAkAAAAEgAAACQAAAASAAAAAAAAAABAAAAAAAAAAEAAABQAAAAAAAAAAAA4D8AAAAAAADgPwAAAAAAAOA/AAAAAAAA4D8AAAAAAADgPwAAAAAAAOA/AAAAAAAA4D8AAAAAAADgPwAAAAAAAOA/AAAAAAAA4D8CAAAAjAAAAAAAAAAAAAAARHLEDP///wgAAAAAAAAAAAAAAAAAAAAAAAAAAAAAAAAAAAAAZAAAAAEAAABAAAAAAAAAAAAAAAAAAAAAAAAAAAAAAAAAAAAAAAAAAAAAAAAAAAAAAAAAAAAAAAAAAAAAAAAAAAAAAAAAAAAAAAAAAAAAAAAAAAAAAAAAAAAAAAAAAAAAFAAAADwAAAAAAAAAAAAAAAAAAAkUAAAAAQAAABQAAAAUAAAAFAAAAAEAAAAAAAAAZAAAAGQAAAAAAAAAZAAAAGQAAAAVAAAAYAAAAAAAAAAAAAAADwAAACADAAAAAAAAAAAAAAEAAACgMgAAVgcAAKr4//8BAAAAf39/AAEAAABkAAAAAAAAABQAAABAHwAAAAAAACYAAAAAAAAAwOD//wAAAAAmAAAAZAAAABYAAABMAAAAAAAAAAAAAAAEAAAAAAAAAAEAAADn5uYKAAAAACgAAAAoAAAAZAAAAGQAAAAAAAAAzMzMAAAAAABQAAAAUAAAAGQAAABkAAAAAAAAABcAAAAUAAAAAAAAAAAAAAD/fwAA/38AAAAAAAAJAAAABAAAAAAAAAAeAAAAaAAAAAAAAAAAAAAAAAAAAAAAAAAAAAAAECcAABAnAAAAAAAAAAAAAAAAAAAAAAAAAAAAAAAAAAAAAAAAAAAAABQAAAAAAAAAwMD/AAAAAABkAAAAMgAAAAAAAABkAAAAAAAAAH9/fwAKAAAAIgAAABgAAAAAAAAAAAAAAAAAAAAAAAAAAAAAAAAAAAAkAAAAJAAAAAAAAAAHAAAAAAAAAAAAAAAAAAAAAAAAAAAAAAAAAAAAf39/ACUAAABYAAAAAAAAAAAAAAAAAAAAAAAAAAAAAAAAAAAAAAAAAAAAAAAAAAAAAAAAAAAAAAA/AAAAAAAAAKCGAQAAAAAAAAAAAAAAAAAMAAAAAQAAAAAAAAAAAAAAAAAAAB8AAABUAAAAAAAABQAAAAEAAAAAAAAAAAAAAAAAAAAAAAAAAAAAAAAAAAAAAAAAAAAAAAJ/f38AAAAAA8zMzADAwP8Af39/AAAAAAAAAAAAAAAAAAAAAAAAAAAAIQAAABgAAAAUAAAAKAUAAD8CAADYRQAAZwoAABAAAAAmAAAACAAAAAAAAAAAAAAAMAAAABQAAAAAAAAAAAD//wAAAQAAAP//AAABAA=="/>
+                <pr:smNativeData xmlns:pr="smNativeData" xmlns="smNativeData" val="SMDATA_16_FAWHYRMAAAAlAAAAZAAAAA0AAAAAkAAAAEgAAACQAAAASAAAAAAAAAABAAAAAAAAAAEAAABQAAAAAAAAAAAA4D8AAAAAAADgPwAAAAAAAOA/AAAAAAAA4D8AAAAAAADgPwAAAAAAAOA/AAAAAAAA4D8AAAAAAADgPwAAAAAAAOA/AAAAAAAA4D8CAAAAjAAAAAAAAAAAAAAARHLEDP///wgAAAAAAAAAAAAAAAAAAAAAAAAAAAAAAAAAAAAAZAAAAAEAAABAAAAAAAAAAAAAAAAAAAAAAAAAAAAAAAAAAAAAAAAAAAAAAAAAAAAAAAAAAAAAAAAAAAAAAAAAAAAAAAAAAAAAAAAAAAAAAAAAAAAAAAAAAAAAAAAAAAAAFAAAADwAAAAAAAAAAAAAAAAAAAkUAAAAAQAAABQAAAAUAAAAFAAAAAEAAAAAAAAAZAAAAGQAAAAAAAAAZAAAAGQAAAAVAAAAYAAAAAAAAAAAAAAADwAAACADAAAAAAAAAAAAAAEAAACgMgAAVgcAAKr4//8BAAAAf39/AAEAAABkAAAAAAAAABQAAABAHwAAAAAAACYAAAAAAAAAwOD//wAAAAAmAAAAZAAAABYAAABMAAAAAAAAAAAAAAAEAAAAAAAAAAEAAADn5uYKAAAAACgAAAAoAAAAZAAAAGQAAAAAAAAAzMzMAAAAAABQAAAAUAAAAGQAAABkAAAAAAAAABcAAAAUAAAAAAAAAAAAAAD/fwAA/38AAAAAAAAJAAAABAAAAAAAAAAeAAAAaAAAAAAAAAAAAAAAAAAAAAAAAAAAAAAAECcAABAnAAAAAAAAAAAAAAAAAAAAAAAAAAAAAAAAAAAAAAAAAAAAABQAAAAAAAAAwMD/AAAAAABkAAAAMgAAAAAAAABkAAAAAAAAAH9/fwAKAAAAIgAAABgAAAAAAAAAAAAAAAAAAAAAAAAAAAAAAAAAAAAkAAAAJAAAAAAAAAAHAAAAAAAAAAAAAAAAAAAAAAAAAAAAAAAAAAAAf39/ACUAAABYAAAAAAAAAAAAAAAAAAAAAAAAAAAAAAAAAAAAAAAAAAAAAAAAAAAAAAAAAAAAAAA/AAAAAAAAAKCGAQAAAAAAAAAAAAAAAAAMAAAAAQAAAAAAAAAAAAAAAAAAAB8AAABUAAAAAAAABQAAAAEAAAAAAAAAAAAAAAAAAAAAAAAAAAAAAAAAAAAAAAAAAAAAAAJ/f38AAAAAA8zMzADAwP8Af39/AAAAAAAAAAAAAAAAAAAAAAAAAAAAIQAAABgAAAAUAAAAKAUAAD8CAADYRQAAZwoAABAAAAAmAAAACAAAAAAAAAAAAAAAMAAAABQAAAAAAAAAAAD//wAAAQAAAP//AAABAA=="/>
               </a:ext>
             </a:extLst>
           </p:cNvSpPr>
@@ -2168,7 +2168,7 @@
             <a:spLocks noGrp="1" noChangeArrowheads="1"/>
             <a:extLst>
               <a:ext uri="smNativeData">
-                <pr:smNativeData xmlns:pr="smNativeData" xmlns="smNativeData" val="SMDATA_16_gfoFYRMAAAAlAAAAZAAAAA0AAAAAkAAAAEgAAACQAAAASAAAAAAAAAABAAAAAAAAAAEAAABQAAAAAAAAAAAA4D8AAAAAAADgPwAAAAAAAOA/AAAAAAAA4D8AAAAAAADgPwAAAAAAAOA/AAAAAAAA4D8AAAAAAADgPwAAAAAAAOA/AAAAAAAA4D8CAAAAjAAAAAAAAAAAAAAARHLEDP///wgAAAAAAAAAAAAAAAAAAAAAAAAAAAAAAAAAAAAAZAAAAAEAAABAAAAAAAAAAAAAAAAAAAAAAAAAAAAAAAAAAAAAAAAAAAAAAAAAAAAAAAAAAAAAAAAAAAAAAAAAAAAAAAAAAAAAAAAAAAAAAAAAAAAAAAAAAAAAAAAAAAAAFAAAADwAAAAAAAAAAAAAAAAAAAkUAAAAAQAAABQAAAAUAAAAFAAAAAEAAAAAAAAAZAAAAGQAAAAAAAAAZAAAAGQAAAAVAAAAYAAAAAAAAAAAAAAADwAAACADAAAAAAAAAAAAAAEAAACgMgAAVgcAAKr4//8BAAAAf39/AAEAAABkAAAAAAAAABQAAABAHwAAAAAAACYAAAAAAAAAwOD//wAAAAAmAAAAZAAAABYAAABMAAAAAAAAAAAAAAAEAAAAAAAAAAEAAADn5uYKAAAAACgAAAAoAAAAZAAAAGQAAAAAAAAAzMzMAAAAAABQAAAAUAAAAGQAAABkAAAAAAAAABcAAAAUAAAAAAAAAAAAAAD/fwAA/38AAAAAAAAJAAAABAAAAAAAAAAeAAAAaAAAAAAAAAAAAAAAAAAAAAAAAAAAAAAAECcAABAnAAAAAAAAAAAAAAAAAAAAAAAAAAAAAAAAAAAAAAAAAAAAABQAAAAAAAAAwMD/AAAAAABkAAAAMgAAAAAAAABkAAAAAAAAAH9/fwAKAAAAIgAAABgAAAAAAAAAAAAAAAAAAAAAAAAAAAAAAAAAAAAkAAAAJAAAAAAAAAAHAAAAAAAAAAAAAAAAAAAAAAAAAAAAAAAAAAAAf39/ACUAAABYAAAAAAAAAAAAAAAAAAAAAAAAAAAAAAAAAAAAAAAAAAAAAAAAAAAAAAAAAAAAAAA/AAAAAAAAAKCGAQAAAAAAAAAAAAAAAAAMAAAAAQAAAAAAAAAAAAAAAAAAAB8AAABUAAAAAAAABQAAAAEAAAAAAAAAAAAAAAAAAAAAAAAAAAAAAAAAAAAAAAAAAAAAAAJ/f38AAAAAA8zMzADAwP8Af39/AAAAAAAAAAAAAAAAAAAAAAAAAAAAIQAAABgAAAAUAAAAKAUAABonAAAIFgAAWSkAABAAAAAmAAAACAAAAAAAAAAAAAAAMAAAABQAAAAAAAAAAAD//wAAAQAAAP//AAABAA=="/>
+                <pr:smNativeData xmlns:pr="smNativeData" xmlns="smNativeData" val="SMDATA_16_FAWHYRMAAAAlAAAAZAAAAA0AAAAAkAAAAEgAAACQAAAASAAAAAAAAAABAAAAAAAAAAEAAABQAAAAAAAAAAAA4D8AAAAAAADgPwAAAAAAAOA/AAAAAAAA4D8AAAAAAADgPwAAAAAAAOA/AAAAAAAA4D8AAAAAAADgPwAAAAAAAOA/AAAAAAAA4D8CAAAAjAAAAAAAAAAAAAAARHLEDP///wgAAAAAAAAAAAAAAAAAAAAAAAAAAAAAAAAAAAAAZAAAAAEAAABAAAAAAAAAAAAAAAAAAAAAAAAAAAAAAAAAAAAAAAAAAAAAAAAAAAAAAAAAAAAAAAAAAAAAAAAAAAAAAAAAAAAAAAAAAAAAAAAAAAAAAAAAAAAAAAAAAAAAFAAAADwAAAAAAAAAAAAAAAAAAAkUAAAAAQAAABQAAAAUAAAAFAAAAAEAAAAAAAAAZAAAAGQAAAAAAAAAZAAAAGQAAAAVAAAAYAAAAAAAAAAAAAAADwAAACADAAAAAAAAAAAAAAEAAACgMgAAVgcAAKr4//8BAAAAf39/AAEAAABkAAAAAAAAABQAAABAHwAAAAAAACYAAAAAAAAAwOD//wAAAAAmAAAAZAAAABYAAABMAAAAAAAAAAAAAAAEAAAAAAAAAAEAAADn5uYKAAAAACgAAAAoAAAAZAAAAGQAAAAAAAAAzMzMAAAAAABQAAAAUAAAAGQAAABkAAAAAAAAABcAAAAUAAAAAAAAAAAAAAD/fwAA/38AAAAAAAAJAAAABAAAAAAAAAAeAAAAaAAAAAAAAAAAAAAAAAAAAAAAAAAAAAAAECcAABAnAAAAAAAAAAAAAAAAAAAAAAAAAAAAAAAAAAAAAAAAAAAAABQAAAAAAAAAwMD/AAAAAABkAAAAMgAAAAAAAABkAAAAAAAAAH9/fwAKAAAAIgAAABgAAAAAAAAAAAAAAAAAAAAAAAAAAAAAAAAAAAAkAAAAJAAAAAAAAAAHAAAAAAAAAAAAAAAAAAAAAAAAAAAAAAAAAAAAf39/ACUAAABYAAAAAAAAAAAAAAAAAAAAAAAAAAAAAAAAAAAAAAAAAAAAAAAAAAAAAAAAAAAAAAA/AAAAAAAAAKCGAQAAAAAAAAAAAAAAAAAMAAAAAQAAAAAAAAAAAAAAAAAAAB8AAABUAAAAAAAABQAAAAEAAAAAAAAAAAAAAAAAAAAAAAAAAAAAAAAAAAAAAAAAAAAAAAJ/f38AAAAAA8zMzADAwP8Af39/AAAAAAAAAAAAAAAAAAAAAAAAAAAAIQAAABgAAAAUAAAAKAUAABonAAAIFgAAWSkAABAAAAAmAAAACAAAAAAAAAAAAAAAMAAAABQAAAAAAAAAAAD//wAAAQAAAP//AAABAA=="/>
               </a:ext>
             </a:extLst>
           </p:cNvSpPr>
@@ -2184,7 +2184,7 @@
             <a:pPr>
               <a:defRPr lang="en-us"/>
             </a:pPr>
-            <a:fld id="{3AB227B0-FED7-E7D1-990A-088469446F5D}" type="datetime1">
+            <a:fld id="{35CA64F7-B9D8-9F92-9672-4FC72A3C601A}" type="datetime1">
               <a:rPr lang="en-au" cap="none"/>
               <a:t>12/05/2021</a:t>
             </a:fld>
@@ -2199,7 +2199,7 @@
             <a:spLocks noGrp="1" noChangeArrowheads="1"/>
             <a:extLst>
               <a:ext uri="smNativeData">
-                <pr:smNativeData xmlns:pr="smNativeData" xmlns="smNativeData" val="SMDATA_16_gfoFYRMAAAAlAAAAZAAAAA0AAAAAkAAAAEgAAACQAAAASAAAAAAAAAABAAAAAAAAAAEAAABQAAAAAAAAAAAA4D8AAAAAAADgPwAAAAAAAOA/AAAAAAAA4D8AAAAAAADgPwAAAAAAAOA/AAAAAAAA4D8AAAAAAADgPwAAAAAAAOA/AAAAAAAA4D8CAAAAjAAAAAAAAAAAAAAARHLEDP///wgAAAAAAAAAAAAAAAAAAAAAAAAAAAAAAAAAAAAAZAAAAAEAAABAAAAAAAAAAAAAAAAAAAAAAAAAAAAAAAAAAAAAAAAAAAAAAAAAAAAAAAAAAAAAAAAAAAAAAAAAAAAAAAAAAAAAAAAAAAAAAAAAAAAAAAAAAAAAAAAAAAAAFAAAADwAAAAAAAAAAAAAAAAAAAkUAAAAAQAAABQAAAAUAAAAFAAAAAEAAAAAAAAAZAAAAGQAAAAAAAAAZAAAAGQAAAAVAAAAYAAAAAAAAAAAAAAADwAAACADAAAAAAAAAAAAAAEAAACgMgAAVgcAAKr4//8BAAAAf39/AAEAAABkAAAAAAAAABQAAABAHwAAAAAAACYAAAAAAAAAwOD//wAAAAAmAAAAZAAAABYAAABMAAAAAAAAAAAAAAAEAAAAAAAAAAEAAADn5uYKAAAAACgAAAAoAAAAZAAAAGQAAAAAAAAAzMzMAAAAAABQAAAAUAAAAGQAAABkAAAAAAAAABcAAAAUAAAAAAAAAAAAAAD/fwAA/38AAAAAAAAJAAAABAAAAAAAAAAeAAAAaAAAAAAAAAAAAAAAAAAAAAAAAAAAAAAAECcAABAnAAAAAAAAAAAAAAAAAAAAAAAAAAAAAAAAAAAAAAAAAAAAABQAAAAAAAAAwMD/AAAAAABkAAAAMgAAAAAAAABkAAAAAAAAAH9/fwAKAAAAIgAAABgAAAAAAAAAAAAAAAAAAAAAAAAAAAAAAAAAAAAkAAAAJAAAAAAAAAAHAAAAAAAAAAAAAAAAAAAAAAAAAAAAAAAAAAAAf39/ACUAAABYAAAAAAAAAAAAAAAAAAAAAAAAAAAAAAAAAAAAAAAAAAAAAAAAAAAAAAAAAAAAAAA/AAAAAAAAAKCGAQAAAAAAAAAAAAAAAAAMAAAAAQAAAAAAAAAAAAAAAAAAAB8AAABUAAAAAAAABQAAAAEAAAAAAAAAAAAAAAAAAAAAAAAAAAAAAAAAAAAAAAAAAAAAAAJ/f38AAAAAA8zMzADAwP8Af39/AAAAAAAAAAAAAAAAAAAAAAAAAAAAIQAAABgAAAAUAAAA2BgAABonAAAoMgAAWSkAABAAAAAmAAAACAAAAAAAAAAAAAAAMAAAABQAAAAAAAAAAAD//wAAAQAAAP//AAABAA=="/>
+                <pr:smNativeData xmlns:pr="smNativeData" xmlns="smNativeData" val="SMDATA_16_FAWHYRMAAAAlAAAAZAAAAA0AAAAAkAAAAEgAAACQAAAASAAAAAAAAAABAAAAAAAAAAEAAABQAAAAAAAAAAAA4D8AAAAAAADgPwAAAAAAAOA/AAAAAAAA4D8AAAAAAADgPwAAAAAAAOA/AAAAAAAA4D8AAAAAAADgPwAAAAAAAOA/AAAAAAAA4D8CAAAAjAAAAAAAAAAAAAAARHLEDP///wgAAAAAAAAAAAAAAAAAAAAAAAAAAAAAAAAAAAAAZAAAAAEAAABAAAAAAAAAAAAAAAAAAAAAAAAAAAAAAAAAAAAAAAAAAAAAAAAAAAAAAAAAAAAAAAAAAAAAAAAAAAAAAAAAAAAAAAAAAAAAAAAAAAAAAAAAAAAAAAAAAAAAFAAAADwAAAAAAAAAAAAAAAAAAAkUAAAAAQAAABQAAAAUAAAAFAAAAAEAAAAAAAAAZAAAAGQAAAAAAAAAZAAAAGQAAAAVAAAAYAAAAAAAAAAAAAAADwAAACADAAAAAAAAAAAAAAEAAACgMgAAVgcAAKr4//8BAAAAf39/AAEAAABkAAAAAAAAABQAAABAHwAAAAAAACYAAAAAAAAAwOD//wAAAAAmAAAAZAAAABYAAABMAAAAAAAAAAAAAAAEAAAAAAAAAAEAAADn5uYKAAAAACgAAAAoAAAAZAAAAGQAAAAAAAAAzMzMAAAAAABQAAAAUAAAAGQAAABkAAAAAAAAABcAAAAUAAAAAAAAAAAAAAD/fwAA/38AAAAAAAAJAAAABAAAAAAAAAAeAAAAaAAAAAAAAAAAAAAAAAAAAAAAAAAAAAAAECcAABAnAAAAAAAAAAAAAAAAAAAAAAAAAAAAAAAAAAAAAAAAAAAAABQAAAAAAAAAwMD/AAAAAABkAAAAMgAAAAAAAABkAAAAAAAAAH9/fwAKAAAAIgAAABgAAAAAAAAAAAAAAAAAAAAAAAAAAAAAAAAAAAAkAAAAJAAAAAAAAAAHAAAAAAAAAAAAAAAAAAAAAAAAAAAAAAAAAAAAf39/ACUAAABYAAAAAAAAAAAAAAAAAAAAAAAAAAAAAAAAAAAAAAAAAAAAAAAAAAAAAAAAAAAAAAA/AAAAAAAAAKCGAQAAAAAAAAAAAAAAAAAMAAAAAQAAAAAAAAAAAAAAAAAAAB8AAABUAAAAAAAABQAAAAEAAAAAAAAAAAAAAAAAAAAAAAAAAAAAAAAAAAAAAAAAAAAAAAJ/f38AAAAAA8zMzADAwP8Af39/AAAAAAAAAAAAAAAAAAAAAAAAAAAAIQAAABgAAAAUAAAA2BgAABonAAAoMgAAWSkAABAAAAAmAAAACAAAAAAAAAAAAAAAMAAAABQAAAAAAAAAAAD//wAAAQAAAP//AAABAA=="/>
               </a:ext>
             </a:extLst>
           </p:cNvSpPr>
@@ -2226,7 +2226,7 @@
             <a:spLocks noGrp="1" noChangeArrowheads="1"/>
             <a:extLst>
               <a:ext uri="smNativeData">
-                <pr:smNativeData xmlns:pr="smNativeData" xmlns="smNativeData" val="SMDATA_16_gfoFYRMAAAAlAAAAZAAAAA0AAAAAkAAAAEgAAACQAAAASAAAAAAAAAABAAAAAAAAAAEAAABQAAAAAAAAAAAA4D8AAAAAAADgPwAAAAAAAOA/AAAAAAAA4D8AAAAAAADgPwAAAAAAAOA/AAAAAAAA4D8AAAAAAADgPwAAAAAAAOA/AAAAAAAA4D8CAAAAjAAAAAAAAAAAAAAARHLEDP///wgAAAAAAAAAAAAAAAAAAAAAAAAAAAAAAAAAAAAAZAAAAAEAAABAAAAAAAAAAAAAAAAAAAAAAAAAAAAAAAAAAAAAAAAAAAAAAAAAAAAAAAAAAAAAAAAAAAAAAAAAAAAAAAAAAAAAAAAAAAAAAAAAAAAAAAAAAAAAAAAAAAAAFAAAADwAAAAAAAAAAAAAAAAAAAkUAAAAAQAAABQAAAAUAAAAFAAAAAEAAAAAAAAAZAAAAGQAAAAAAAAAZAAAAGQAAAAVAAAAYAAAAAAAAAAAAAAADwAAACADAAAAAAAAAAAAAAEAAACgMgAAVgcAAKr4//8BAAAAf39/AAEAAABkAAAAAAAAABQAAABAHwAAAAAAACYAAAAAAAAAwOD//wAAAAAmAAAAZAAAABYAAABMAAAAAAAAAAAAAAAEAAAAAAAAAAEAAADn5uYKAAAAACgAAAAoAAAAZAAAAGQAAAAAAAAAzMzMAAAAAABQAAAAUAAAAGQAAABkAAAAAAAAABcAAAAUAAAAAAAAAAAAAAD/fwAA/38AAAAAAAAJAAAABAAAAAAAAAAeAAAAaAAAAAAAAAAAAAAAAAAAAAAAAAAAAAAAECcAABAnAAAAAAAAAAAAAAAAAAAAAAAAAAAAAAAAAAAAAAAAAAAAABQAAAAAAAAAwMD/AAAAAABkAAAAMgAAAAAAAABkAAAAAAAAAH9/fwAKAAAAIgAAABgAAAAAAAAAAAAAAAAAAAAAAAAAAAAAAAAAAAAkAAAAJAAAAAAAAAAHAAAAAAAAAAAAAAAAAAAAAAAAAAAAAAAAAAAAf39/ACUAAABYAAAAAAAAAAAAAAAAAAAAAAAAAAAAAAAAAAAAAAAAAAAAAAAAAAAAAAAAAAAAAAA/AAAAAAAAAKCGAQAAAAAAAAAAAAAAAAAMAAAAAQAAAAAAAAAAAAAAAAAAAB8AAABUAAAAAAAABQAAAAEAAAAAAAAAAAAAAAAAAAAAAAAAAAAAAAAAAAAAAAAAAAAAAAJ/f38AAAAAA8zMzADAwP8Af39/AAAAAAAAAAAAAAAAAAAAAAAAAAAAIQAAABgAAAAUAAAA+DQAABonAADYRQAAWSkAABAAAAAmAAAACAAAAAAAAAAAAAAAMAAAABQAAAAAAAAAAAD//wAAAQAAAP//AAABAA=="/>
+                <pr:smNativeData xmlns:pr="smNativeData" xmlns="smNativeData" val="SMDATA_16_FAWHYRMAAAAlAAAAZAAAAA0AAAAAkAAAAEgAAACQAAAASAAAAAAAAAABAAAAAAAAAAEAAABQAAAAAAAAAAAA4D8AAAAAAADgPwAAAAAAAOA/AAAAAAAA4D8AAAAAAADgPwAAAAAAAOA/AAAAAAAA4D8AAAAAAADgPwAAAAAAAOA/AAAAAAAA4D8CAAAAjAAAAAAAAAAAAAAARHLEDP///wgAAAAAAAAAAAAAAAAAAAAAAAAAAAAAAAAAAAAAZAAAAAEAAABAAAAAAAAAAAAAAAAAAAAAAAAAAAAAAAAAAAAAAAAAAAAAAAAAAAAAAAAAAAAAAAAAAAAAAAAAAAAAAAAAAAAAAAAAAAAAAAAAAAAAAAAAAAAAAAAAAAAAFAAAADwAAAAAAAAAAAAAAAAAAAkUAAAAAQAAABQAAAAUAAAAFAAAAAEAAAAAAAAAZAAAAGQAAAAAAAAAZAAAAGQAAAAVAAAAYAAAAAAAAAAAAAAADwAAACADAAAAAAAAAAAAAAEAAACgMgAAVgcAAKr4//8BAAAAf39/AAEAAABkAAAAAAAAABQAAABAHwAAAAAAACYAAAAAAAAAwOD//wAAAAAmAAAAZAAAABYAAABMAAAAAAAAAAAAAAAEAAAAAAAAAAEAAADn5uYKAAAAACgAAAAoAAAAZAAAAGQAAAAAAAAAzMzMAAAAAABQAAAAUAAAAGQAAABkAAAAAAAAABcAAAAUAAAAAAAAAAAAAAD/fwAA/38AAAAAAAAJAAAABAAAAAAAAAAeAAAAaAAAAAAAAAAAAAAAAAAAAAAAAAAAAAAAECcAABAnAAAAAAAAAAAAAAAAAAAAAAAAAAAAAAAAAAAAAAAAAAAAABQAAAAAAAAAwMD/AAAAAABkAAAAMgAAAAAAAABkAAAAAAAAAH9/fwAKAAAAIgAAABgAAAAAAAAAAAAAAAAAAAAAAAAAAAAAAAAAAAAkAAAAJAAAAAAAAAAHAAAAAAAAAAAAAAAAAAAAAAAAAAAAAAAAAAAAf39/ACUAAABYAAAAAAAAAAAAAAAAAAAAAAAAAAAAAAAAAAAAAAAAAAAAAAAAAAAAAAAAAAAAAAA/AAAAAAAAAKCGAQAAAAAAAAAAAAAAAAAMAAAAAQAAAAAAAAAAAAAAAAAAAB8AAABUAAAAAAAABQAAAAEAAAAAAAAAAAAAAAAAAAAAAAAAAAAAAAAAAAAAAAAAAAAAAAJ/f38AAAAAA8zMzADAwP8Af39/AAAAAAAAAAAAAAAAAAAAAAAAAAAAIQAAABgAAAAUAAAA+DQAABonAADYRQAAWSkAABAAAAAmAAAACAAAAAAAAAAAAAAAMAAAABQAAAAAAAAAAAD//wAAAQAAAP//AAABAA=="/>
               </a:ext>
             </a:extLst>
           </p:cNvSpPr>
@@ -2242,7 +2242,7 @@
             <a:pPr>
               <a:defRPr lang="en-us"/>
             </a:pPr>
-            <a:fld id="{3AB23C45-0BD7-E7CA-990A-FD9F72446FA8}" type="slidenum">
+            <a:fld id="{35CA4AEB-A5D8-9FBC-9672-53E9043C6006}" type="slidenum">
               <a:rPr lang="en-au" cap="none"/>
               <a:t>‹#›</a:t>
             </a:fld>
@@ -2283,7 +2283,7 @@
             <a:spLocks noGrp="1" noChangeArrowheads="1"/>
             <a:extLst>
               <a:ext uri="smNativeData">
-                <pr:smNativeData xmlns:pr="smNativeData" xmlns="smNativeData" val="SMDATA_16_gfoFYRMAAAAlAAAAZAAAAA0AAAAAkAAAAEgAAACQAAAASAAAAAAAAAABAAAAAAAAAAEAAABQAAAAAAAAAAAA4D8AAAAAAADgPwAAAAAAAOA/AAAAAAAA4D8AAAAAAADgPwAAAAAAAOA/AAAAAAAA4D8AAAAAAADgPwAAAAAAAOA/AAAAAAAA4D8CAAAAjAAAAAAAAAAAAAAARHLEDP///wgAAAAAAAAAAAAAAAAAAAAAAAAAAAAAAAAAAAAAZAAAAAEAAABAAAAAAAAAAAAAAAAAAAAAAAAAAAAAAAAAAAAAAAAAAAAAAAAAAAAAAAAAAAAAAAAAAAAAAAAAAAAAAAAAAAAAAAAAAAAAAAAAAAAAAAAAAAAAAAAAAAAAFAAAADwAAAAAAAAAAAAAAAAAAAkUAAAAAQAAABQAAAAUAAAAFAAAAAEAAAAAAAAAZAAAAGQAAAAAAAAAZAAAAGQAAAAVAAAAYAAAAAAAAAAAAAAADwAAACADAAAAAAAAAAAAAAEAAACgMgAAVgcAAKr4//8BAAAAf39/AAEAAABkAAAAAAAAABQAAABAHwAAAAAAACYAAAAAAAAAwOD//wAAAAAmAAAAZAAAABYAAABMAAAAAAAAAAAAAAAEAAAAAAAAAAEAAADn5uYKAAAAACgAAAAoAAAAZAAAAGQAAAAAAAAAzMzMAAAAAABQAAAAUAAAAGQAAABkAAAAAAAAABcAAAAUAAAAAAAAAAAAAAD/fwAA/38AAAAAAAAJAAAABAAAAAAAAAAeAAAAaAAAAAAAAAAAAAAAAAAAAAAAAAAAAAAAECcAABAnAAAAAAAAAAAAAAAAAAAAAAAAAAAAAAAAAAAAAAAAAAAAABQAAAAAAAAAwMD/AAAAAABkAAAAMgAAAAAAAABkAAAAAAAAAH9/fwAKAAAAIgAAABgAAAAAAAAAAAAAAAAAAAAAAAAAAAAAAAAAAAAkAAAAJAAAAAAAAAAHAAAAAAAAAAAAAAAAAAAAAAAAAAAAAAAAAAAAf39/ACUAAABYAAAAAAAAAAAAAAAAAAAAAAAAAAAAAAAAAAAAAAAAAAAAAAAAAAAAAAAAAAAAAAA/AAAAAAAAAKCGAQAAAAAAAAAAAAAAAAAMAAAAAQAAAAAAAAAAAAAAAAAAAB8AAABUAAAAAAAABQAAAAEAAAAAAAAAAAAAAAAAAAAAAAAAAAAAAAAAAAAAAAAAAAAAAAJ/f38AAAAAA8zMzADAwP8Af39/AAAAAAAAAAAAAAAAAAAAAAAAAAAAIQAAABgAAAAUAAAAKAUAABonAAAIFgAAWSkAABAAAAAmAAAACAAAAAAAAAAAAAAAMAAAABQAAAAAAAAAAAD//wAAAQAAAP//AAABAA=="/>
+                <pr:smNativeData xmlns:pr="smNativeData" xmlns="smNativeData" val="SMDATA_16_FAWHYRMAAAAlAAAAZAAAAA0AAAAAkAAAAEgAAACQAAAASAAAAAAAAAABAAAAAAAAAAEAAABQAAAAAAAAAAAA4D8AAAAAAADgPwAAAAAAAOA/AAAAAAAA4D8AAAAAAADgPwAAAAAAAOA/AAAAAAAA4D8AAAAAAADgPwAAAAAAAOA/AAAAAAAA4D8CAAAAjAAAAAAAAAAAAAAARHLEDP///wgAAAAAAAAAAAAAAAAAAAAAAAAAAAAAAAAAAAAAZAAAAAEAAABAAAAAAAAAAAAAAAAAAAAAAAAAAAAAAAAAAAAAAAAAAAAAAAAAAAAAAAAAAAAAAAAAAAAAAAAAAAAAAAAAAAAAAAAAAAAAAAAAAAAAAAAAAAAAAAAAAAAAFAAAADwAAAAAAAAAAAAAAAAAAAkUAAAAAQAAABQAAAAUAAAAFAAAAAEAAAAAAAAAZAAAAGQAAAAAAAAAZAAAAGQAAAAVAAAAYAAAAAAAAAAAAAAADwAAACADAAAAAAAAAAAAAAEAAACgMgAAVgcAAKr4//8BAAAAf39/AAEAAABkAAAAAAAAABQAAABAHwAAAAAAACYAAAAAAAAAwOD//wAAAAAmAAAAZAAAABYAAABMAAAAAAAAAAAAAAAEAAAAAAAAAAEAAADn5uYKAAAAACgAAAAoAAAAZAAAAGQAAAAAAAAAzMzMAAAAAABQAAAAUAAAAGQAAABkAAAAAAAAABcAAAAUAAAAAAAAAAAAAAD/fwAA/38AAAAAAAAJAAAABAAAAAAAAAAeAAAAaAAAAAAAAAAAAAAAAAAAAAAAAAAAAAAAECcAABAnAAAAAAAAAAAAAAAAAAAAAAAAAAAAAAAAAAAAAAAAAAAAABQAAAAAAAAAwMD/AAAAAABkAAAAMgAAAAAAAABkAAAAAAAAAH9/fwAKAAAAIgAAABgAAAAAAAAAAAAAAAAAAAAAAAAAAAAAAAAAAAAkAAAAJAAAAAAAAAAHAAAAAAAAAAAAAAAAAAAAAAAAAAAAAAAAAAAAf39/ACUAAABYAAAAAAAAAAAAAAAAAAAAAAAAAAAAAAAAAAAAAAAAAAAAAAAAAAAAAAAAAAAAAAA/AAAAAAAAAKCGAQAAAAAAAAAAAAAAAAAMAAAAAQAAAAAAAAAAAAAAAAAAAB8AAABUAAAAAAAABQAAAAEAAAAAAAAAAAAAAAAAAAAAAAAAAAAAAAAAAAAAAAAAAAAAAAJ/f38AAAAAA8zMzADAwP8Af39/AAAAAAAAAAAAAAAAAAAAAAAAAAAAIQAAABgAAAAUAAAAKAUAABonAAAIFgAAWSkAABAAAAAmAAAACAAAAAAAAAAAAAAAMAAAABQAAAAAAAAAAAD//wAAAQAAAP//AAABAA=="/>
               </a:ext>
             </a:extLst>
           </p:cNvSpPr>
@@ -2299,7 +2299,7 @@
             <a:pPr>
               <a:defRPr lang="en-us"/>
             </a:pPr>
-            <a:fld id="{3AB277AA-E4D7-E781-990A-12D439446F47}" type="datetime1">
+            <a:fld id="{35CA5879-37D8-9FAE-9672-C1FB163C6094}" type="datetime1">
               <a:rPr lang="en-au" cap="none"/>
               <a:t/>
             </a:fld>
@@ -2314,7 +2314,7 @@
             <a:spLocks noGrp="1" noChangeArrowheads="1"/>
             <a:extLst>
               <a:ext uri="smNativeData">
-                <pr:smNativeData xmlns:pr="smNativeData" xmlns="smNativeData" val="SMDATA_16_gfoFYRMAAAAlAAAAZAAAAA0AAAAAkAAAAEgAAACQAAAASAAAAAAAAAABAAAAAAAAAAEAAABQAAAAAAAAAAAA4D8AAAAAAADgPwAAAAAAAOA/AAAAAAAA4D8AAAAAAADgPwAAAAAAAOA/AAAAAAAA4D8AAAAAAADgPwAAAAAAAOA/AAAAAAAA4D8CAAAAjAAAAAAAAAAAAAAARHLEDP///wgAAAAAAAAAAAAAAAAAAAAAAAAAAAAAAAAAAAAAZAAAAAEAAABAAAAAAAAAAAAAAAAAAAAAAAAAAAAAAAAAAAAAAAAAAAAAAAAAAAAAAAAAAAAAAAAAAAAAAAAAAAAAAAAAAAAAAAAAAAAAAAAAAAAAAAAAAAAAAAAAAAAAFAAAADwAAAAAAAAAAAAAAAAAAAkUAAAAAQAAABQAAAAUAAAAFAAAAAEAAAAAAAAAZAAAAGQAAAAAAAAAZAAAAGQAAAAVAAAAYAAAAAAAAAAAAAAADwAAACADAAAAAAAAAAAAAAEAAACgMgAAVgcAAKr4//8BAAAAf39/AAEAAABkAAAAAAAAABQAAABAHwAAAAAAACYAAAAAAAAAwOD//wAAAAAmAAAAZAAAABYAAABMAAAAAAAAAAAAAAAEAAAAAAAAAAEAAADn5uYKAAAAACgAAAAoAAAAZAAAAGQAAAAAAAAAzMzMAAAAAABQAAAAUAAAAGQAAABkAAAAAAAAABcAAAAUAAAAAAAAAAAAAAD/fwAA/38AAAAAAAAJAAAABAAAAAAAAAAeAAAAaAAAAAAAAAAAAAAAAAAAAAAAAAAAAAAAECcAABAnAAAAAAAAAAAAAAAAAAAAAAAAAAAAAAAAAAAAAAAAAAAAABQAAAAAAAAAwMD/AAAAAABkAAAAMgAAAAAAAABkAAAAAAAAAH9/fwAKAAAAIgAAABgAAAAAAAAAAAAAAAAAAAAAAAAAAAAAAAAAAAAkAAAAJAAAAAAAAAAHAAAAAAAAAAAAAAAAAAAAAAAAAAAAAAAAAAAAf39/ACUAAABYAAAAAAAAAAAAAAAAAAAAAAAAAAAAAAAAAAAAAAAAAAAAAAAAAAAAAAAAAAAAAAA/AAAAAAAAAKCGAQAAAAAAAAAAAAAAAAAMAAAAAQAAAAAAAAAAAAAAAAAAAB8AAABUAAAAAAAABQAAAAEAAAAAAAAAAAAAAAAAAAAAAAAAAAAAAAAAAAAAAAAAAAAAAAJ/f38AAAAAA8zMzADAwP8Af39/AAAAAAAAAAAAAAAAAAAAAAAAAAAAIQAAABgAAAAUAAAA2BgAABonAAAoMgAAWSkAABAAAAAmAAAACAAAAAAAAAAAAAAAMAAAABQAAAAAAAAAAAD//wAAAQAAAP//AAABAA=="/>
+                <pr:smNativeData xmlns:pr="smNativeData" xmlns="smNativeData" val="SMDATA_16_FAWHYRMAAAAlAAAAZAAAAA0AAAAAkAAAAEgAAACQAAAASAAAAAAAAAABAAAAAAAAAAEAAABQAAAAAAAAAAAA4D8AAAAAAADgPwAAAAAAAOA/AAAAAAAA4D8AAAAAAADgPwAAAAAAAOA/AAAAAAAA4D8AAAAAAADgPwAAAAAAAOA/AAAAAAAA4D8CAAAAjAAAAAAAAAAAAAAARHLEDP///wgAAAAAAAAAAAAAAAAAAAAAAAAAAAAAAAAAAAAAZAAAAAEAAABAAAAAAAAAAAAAAAAAAAAAAAAAAAAAAAAAAAAAAAAAAAAAAAAAAAAAAAAAAAAAAAAAAAAAAAAAAAAAAAAAAAAAAAAAAAAAAAAAAAAAAAAAAAAAAAAAAAAAFAAAADwAAAAAAAAAAAAAAAAAAAkUAAAAAQAAABQAAAAUAAAAFAAAAAEAAAAAAAAAZAAAAGQAAAAAAAAAZAAAAGQAAAAVAAAAYAAAAAAAAAAAAAAADwAAACADAAAAAAAAAAAAAAEAAACgMgAAVgcAAKr4//8BAAAAf39/AAEAAABkAAAAAAAAABQAAABAHwAAAAAAACYAAAAAAAAAwOD//wAAAAAmAAAAZAAAABYAAABMAAAAAAAAAAAAAAAEAAAAAAAAAAEAAADn5uYKAAAAACgAAAAoAAAAZAAAAGQAAAAAAAAAzMzMAAAAAABQAAAAUAAAAGQAAABkAAAAAAAAABcAAAAUAAAAAAAAAAAAAAD/fwAA/38AAAAAAAAJAAAABAAAAAAAAAAeAAAAaAAAAAAAAAAAAAAAAAAAAAAAAAAAAAAAECcAABAnAAAAAAAAAAAAAAAAAAAAAAAAAAAAAAAAAAAAAAAAAAAAABQAAAAAAAAAwMD/AAAAAABkAAAAMgAAAAAAAABkAAAAAAAAAH9/fwAKAAAAIgAAABgAAAAAAAAAAAAAAAAAAAAAAAAAAAAAAAAAAAAkAAAAJAAAAAAAAAAHAAAAAAAAAAAAAAAAAAAAAAAAAAAAAAAAAAAAf39/ACUAAABYAAAAAAAAAAAAAAAAAAAAAAAAAAAAAAAAAAAAAAAAAAAAAAAAAAAAAAAAAAAAAAA/AAAAAAAAAKCGAQAAAAAAAAAAAAAAAAAMAAAAAQAAAAAAAAAAAAAAAAAAAB8AAABUAAAAAAAABQAAAAEAAAAAAAAAAAAAAAAAAAAAAAAAAAAAAAAAAAAAAAAAAAAAAAJ/f38AAAAAA8zMzADAwP8Af39/AAAAAAAAAAAAAAAAAAAAAAAAAAAAIQAAABgAAAAUAAAA2BgAABonAAAoMgAAWSkAABAAAAAmAAAACAAAAAAAAAAAAAAAMAAAABQAAAAAAAAAAAD//wAAAQAAAP//AAABAA=="/>
               </a:ext>
             </a:extLst>
           </p:cNvSpPr>
@@ -2341,7 +2341,7 @@
             <a:spLocks noGrp="1" noChangeArrowheads="1"/>
             <a:extLst>
               <a:ext uri="smNativeData">
-                <pr:smNativeData xmlns:pr="smNativeData" xmlns="smNativeData" val="SMDATA_16_gfoFYRMAAAAlAAAAZAAAAA0AAAAAkAAAAEgAAACQAAAASAAAAAAAAAABAAAAAAAAAAEAAABQAAAAAAAAAAAA4D8AAAAAAADgPwAAAAAAAOA/AAAAAAAA4D8AAAAAAADgPwAAAAAAAOA/AAAAAAAA4D8AAAAAAADgPwAAAAAAAOA/AAAAAAAA4D8CAAAAjAAAAAAAAAAAAAAARHLEDP///wgAAAAAAAAAAAAAAAAAAAAAAAAAAAAAAAAAAAAAZAAAAAEAAABAAAAAAAAAAAAAAAAAAAAAAAAAAAAAAAAAAAAAAAAAAAAAAAAAAAAAAAAAAAAAAAAAAAAAAAAAAAAAAAAAAAAAAAAAAAAAAAAAAAAAAAAAAAAAAAAAAAAAFAAAADwAAAAAAAAAAAAAAAAAAAkUAAAAAQAAABQAAAAUAAAAFAAAAAEAAAAAAAAAZAAAAGQAAAAAAAAAZAAAAGQAAAAVAAAAYAAAAAAAAAAAAAAADwAAACADAAAAAAAAAAAAAAEAAACgMgAAVgcAAKr4//8BAAAAf39/AAEAAABkAAAAAAAAABQAAABAHwAAAAAAACYAAAAAAAAAwOD//wAAAAAmAAAAZAAAABYAAABMAAAAAAAAAAAAAAAEAAAAAAAAAAEAAADn5uYKAAAAACgAAAAoAAAAZAAAAGQAAAAAAAAAzMzMAAAAAABQAAAAUAAAAGQAAABkAAAAAAAAABcAAAAUAAAAAAAAAAAAAAD/fwAA/38AAAAAAAAJAAAABAAAAAAAAAAeAAAAaAAAAAAAAAAAAAAAAAAAAAAAAAAAAAAAECcAABAnAAAAAAAAAAAAAAAAAAAAAAAAAAAAAAAAAAAAAAAAAAAAABQAAAAAAAAAwMD/AAAAAABkAAAAMgAAAAAAAABkAAAAAAAAAH9/fwAKAAAAIgAAABgAAAAAAAAAAAAAAAAAAAAAAAAAAAAAAAAAAAAkAAAAJAAAAAAAAAAHAAAAAAAAAAAAAAAAAAAAAAAAAAAAAAAAAAAAf39/ACUAAABYAAAAAAAAAAAAAAAAAAAAAAAAAAAAAAAAAAAAAAAAAAAAAAAAAAAAAAAAAAAAAAA/AAAAAAAAAKCGAQAAAAAAAAAAAAAAAAAMAAAAAQAAAAAAAAAAAAAAAAAAAB8AAABUAAAAAAAABQAAAAEAAAAAAAAAAAAAAAAAAAAAAAAAAAAAAAAAAAAAAAAAAAAAAAJ/f38AAAAAA8zMzADAwP8Af39/AAAAAAAAAAAAAAAAAAAAAAAAAAAAIQAAABgAAAAUAAAA+DQAABonAADYRQAAWSkAABAAAAAmAAAACAAAAAAAAAAAAAAAMAAAABQAAAAAAAAAAAD//wAAAQAAAP//AAABAA=="/>
+                <pr:smNativeData xmlns:pr="smNativeData" xmlns="smNativeData" val="SMDATA_16_FAWHYRMAAAAlAAAAZAAAAA0AAAAAkAAAAEgAAACQAAAASAAAAAAAAAABAAAAAAAAAAEAAABQAAAAAAAAAAAA4D8AAAAAAADgPwAAAAAAAOA/AAAAAAAA4D8AAAAAAADgPwAAAAAAAOA/AAAAAAAA4D8AAAAAAADgPwAAAAAAAOA/AAAAAAAA4D8CAAAAjAAAAAAAAAAAAAAARHLEDP///wgAAAAAAAAAAAAAAAAAAAAAAAAAAAAAAAAAAAAAZAAAAAEAAABAAAAAAAAAAAAAAAAAAAAAAAAAAAAAAAAAAAAAAAAAAAAAAAAAAAAAAAAAAAAAAAAAAAAAAAAAAAAAAAAAAAAAAAAAAAAAAAAAAAAAAAAAAAAAAAAAAAAAFAAAADwAAAAAAAAAAAAAAAAAAAkUAAAAAQAAABQAAAAUAAAAFAAAAAEAAAAAAAAAZAAAAGQAAAAAAAAAZAAAAGQAAAAVAAAAYAAAAAAAAAAAAAAADwAAACADAAAAAAAAAAAAAAEAAACgMgAAVgcAAKr4//8BAAAAf39/AAEAAABkAAAAAAAAABQAAABAHwAAAAAAACYAAAAAAAAAwOD//wAAAAAmAAAAZAAAABYAAABMAAAAAAAAAAAAAAAEAAAAAAAAAAEAAADn5uYKAAAAACgAAAAoAAAAZAAAAGQAAAAAAAAAzMzMAAAAAABQAAAAUAAAAGQAAABkAAAAAAAAABcAAAAUAAAAAAAAAAAAAAD/fwAA/38AAAAAAAAJAAAABAAAAAAAAAAeAAAAaAAAAAAAAAAAAAAAAAAAAAAAAAAAAAAAECcAABAnAAAAAAAAAAAAAAAAAAAAAAAAAAAAAAAAAAAAAAAAAAAAABQAAAAAAAAAwMD/AAAAAABkAAAAMgAAAAAAAABkAAAAAAAAAH9/fwAKAAAAIgAAABgAAAAAAAAAAAAAAAAAAAAAAAAAAAAAAAAAAAAkAAAAJAAAAAAAAAAHAAAAAAAAAAAAAAAAAAAAAAAAAAAAAAAAAAAAf39/ACUAAABYAAAAAAAAAAAAAAAAAAAAAAAAAAAAAAAAAAAAAAAAAAAAAAAAAAAAAAAAAAAAAAA/AAAAAAAAAKCGAQAAAAAAAAAAAAAAAAAMAAAAAQAAAAAAAAAAAAAAAAAAAB8AAABUAAAAAAAABQAAAAEAAAAAAAAAAAAAAAAAAAAAAAAAAAAAAAAAAAAAAAAAAAAAAAJ/f38AAAAAA8zMzADAwP8Af39/AAAAAAAAAAAAAAAAAAAAAAAAAAAAIQAAABgAAAAUAAAA+DQAABonAADYRQAAWSkAABAAAAAmAAAACAAAAAAAAAAAAAAAMAAAABQAAAAAAAAAAAD//wAAAQAAAP//AAABAA=="/>
               </a:ext>
             </a:extLst>
           </p:cNvSpPr>
@@ -2357,7 +2357,7 @@
             <a:pPr>
               <a:defRPr lang="en-us"/>
             </a:pPr>
-            <a:fld id="{3AB23E7A-34D7-E7C8-990A-C29D70446F97}" type="slidenum">
+            <a:fld id="{35CA145E-10D8-9FE2-9672-E6B75A3C60B3}" type="slidenum">
               <a:rPr lang="en-au" cap="none"/>
               <a:t/>
             </a:fld>
@@ -2398,7 +2398,7 @@
             <a:spLocks noGrp="1" noChangeArrowheads="1"/>
             <a:extLst>
               <a:ext uri="smNativeData">
-                <pr:smNativeData xmlns:pr="smNativeData" xmlns="smNativeData" val="SMDATA_16_gfoFYRMAAAAlAAAAZAAAAA0AAAAAkAAAAEgAAACQAAAASAAAAAAAAAACAAAAAAAAAAEAAABQAAAAAAAAAAAA4D8AAAAAAADgPwAAAAAAAOA/AAAAAAAA4D8AAAAAAADgPwAAAAAAAOA/AAAAAAAA4D8AAAAAAADgPwAAAAAAAOA/AAAAAAAA4D8CAAAAjAAAAAAAAAAAAAAARHLEDP///wgAAAAAAAAAAAAAAAAAAAAAAAAAAAAAAAAAAAAAZAAAAAEAAABAAAAAAAAAAAAAAAAAAAAAAAAAAAAAAAAAAAAAAAAAAAAAAAAAAAAAAAAAAAAAAAAAAAAAAAAAAAAAAAAAAAAAAAAAAAAAAAAAAAAAAAAAAAAAAAAAAAAAFAAAADwAAAAAAAAAAAAAAAAAAAkUAAAAAQAAABQAAAAUAAAAFAAAAAEAAAAAAAAAZAAAAGQAAAAAAAAAZAAAAGQAAAAVAAAAYAAAAAAAAAAAAAAADwAAACADAAAAAAAAAAAAAAEAAACgMgAAVgcAAKr4//8BAAAAf39/AAEAAABkAAAAAAAAABQAAABAHwAAAAAAACYAAAAAAAAAwOD//wAAAAAmAAAAZAAAABYAAABMAAAAAAAAAAAAAAAEAAAAAAAAAAEAAADn5uYKAAAAACgAAAAoAAAAZAAAAGQAAAAAAAAAzMzMAAAAAABQAAAAUAAAAGQAAABkAAAAAAAAABcAAAAUAAAAAAAAAAAAAAD/fwAA/38AAAAAAAAJAAAABAAAAAAAAAAeAAAAaAAAAAAAAAAAAAAAAAAAAAAAAAAAAAAAECcAABAnAAAAAAAAAAAAAAAAAAAAAAAAAAAAAAAAAAAAAAAAAAAAABQAAAAAAAAAwMD/AAAAAABkAAAAMgAAAAAAAABkAAAAAAAAAH9/fwAKAAAAIgAAABgAAAAAAAAAAAAAAAAAAAAAAAAAAAAAAAAAAAAkAAAAJAAAAAAAAAAHAAAAAAAAAAAAAAAAAAAAAAAAAAAAAAAAAAAAf39/ACUAAABYAAAAAAAAAAAAAAAAAAAAAAAAAAAAAAAAAAAAAAAAAAAAAAAAAAAAAAAAAAAAAAA/AAAAAAAAAKCGAQAAAAAAAAAAAAAAAAAMAAAAAQAAAAAAAAAAAAAAAAAAAB8AAABUAAAAAAAABQAAAAEAAAAAAAAAAAAAAAAAAAAAAAAAAAAAAAAAAAAAAAAAAAAAAAJ/f38AAAAAA8zMzADAwP8Af39/AAAAAAAAAAAAAAAAAAAAAAAAAAAAIQAAABgAAAAUAAAAKwUAANACAABbHQAAqAwAABAAAAAmAAAACAAAAIGAAAAAAAAAMAAAABQAAAAAAAAAAAD//wAAAQAAAP//AAABAA=="/>
+                <pr:smNativeData xmlns:pr="smNativeData" xmlns="smNativeData" val="SMDATA_16_FAWHYRMAAAAlAAAAZAAAAA0AAAAAkAAAAEgAAACQAAAASAAAAAAAAAACAAAAAAAAAAEAAABQAAAAAAAAAAAA4D8AAAAAAADgPwAAAAAAAOA/AAAAAAAA4D8AAAAAAADgPwAAAAAAAOA/AAAAAAAA4D8AAAAAAADgPwAAAAAAAOA/AAAAAAAA4D8CAAAAjAAAAAAAAAAAAAAARHLEDP///wgAAAAAAAAAAAAAAAAAAAAAAAAAAAAAAAAAAAAAZAAAAAEAAABAAAAAAAAAAAAAAAAAAAAAAAAAAAAAAAAAAAAAAAAAAAAAAAAAAAAAAAAAAAAAAAAAAAAAAAAAAAAAAAAAAAAAAAAAAAAAAAAAAAAAAAAAAAAAAAAAAAAAFAAAADwAAAAAAAAAAAAAAAAAAAkUAAAAAQAAABQAAAAUAAAAFAAAAAEAAAAAAAAAZAAAAGQAAAAAAAAAZAAAAGQAAAAVAAAAYAAAAAAAAAAAAAAADwAAACADAAAAAAAAAAAAAAEAAACgMgAAVgcAAKr4//8BAAAAf39/AAEAAABkAAAAAAAAABQAAABAHwAAAAAAACYAAAAAAAAAwOD//wAAAAAmAAAAZAAAABYAAABMAAAAAAAAAAAAAAAEAAAAAAAAAAEAAADn5uYKAAAAACgAAAAoAAAAZAAAAGQAAAAAAAAAzMzMAAAAAABQAAAAUAAAAGQAAABkAAAAAAAAABcAAAAUAAAAAAAAAAAAAAD/fwAA/38AAAAAAAAJAAAABAAAAAAAAAAeAAAAaAAAAAAAAAAAAAAAAAAAAAAAAAAAAAAAECcAABAnAAAAAAAAAAAAAAAAAAAAAAAAAAAAAAAAAAAAAAAAAAAAABQAAAAAAAAAwMD/AAAAAABkAAAAMgAAAAAAAABkAAAAAAAAAH9/fwAKAAAAIgAAABgAAAAAAAAAAAAAAAAAAAAAAAAAAAAAAAAAAAAkAAAAJAAAAAAAAAAHAAAAAAAAAAAAAAAAAAAAAAAAAAAAAAAAAAAAf39/ACUAAABYAAAAAAAAAAAAAAAAAAAAAAAAAAAAAAAAAAAAAAAAAAAAAAAAAAAAAAAAAAAAAAA/AAAAAAAAAKCGAQAAAAAAAAAAAAAAAAAMAAAAAQAAAAAAAAAAAAAAAAAAAB8AAABUAAAAAAAABQAAAAEAAAAAAAAAAAAAAAAAAAAAAAAAAAAAAAAAAAAAAAAAAAAAAAJ/f38AAAAAA8zMzADAwP8Af39/AAAAAAAAAAAAAAAAAAAAAAAAAAAAIQAAABgAAAAUAAAAKwUAANACAABbHQAAqAwAABAAAAAmAAAACAAAAIGAAAAAAAAAMAAAABQAAAAAAAAAAAD//wAAAQAAAP//AAABAA=="/>
               </a:ext>
             </a:extLst>
           </p:cNvSpPr>
@@ -2465,7 +2465,7 @@
             <a:spLocks noGrp="1" noChangeArrowheads="1"/>
             <a:extLst>
               <a:ext uri="smNativeData">
-                <pr:smNativeData xmlns:pr="smNativeData" xmlns="smNativeData" val="SMDATA_16_gfoFYRMAAAAlAAAAZAAAAA0AAAAAkAAAAEgAAACQAAAASAAAAAAAAAAAAAAAAAAAAAEAAABQAAAAAAAAAAAA4D8AAAAAAADgPwAAAAAAAOA/AAAAAAAA4D8AAAAAAADgPwAAAAAAAOA/AAAAAAAA4D8AAAAAAADgPwAAAAAAAOA/AAAAAAAA4D8CAAAAjAAAAAAAAAAAAAAARHLEDP///wgAAAAAAAAAAAAAAAAAAAAAAAAAAAAAAAAAAAAAZAAAAAEAAABAAAAAAAAAAAAAAAAAAAAAAAAAAAAAAAAAAAAAAAAAAAAAAAAAAAAAAAAAAAAAAAAAAAAAAAAAAAAAAAAAAAAAAAAAAAAAAAAAAAAAAAAAAAAAAAAAAAAAFAAAADwAAAAAAAAAAAAAAAAAAAkUAAAAAQAAABQAAAAUAAAAFAAAAAEAAAAAAAAAZAAAAGQAAAAAAAAAZAAAAGQAAAAVAAAAYAAAAAAAAAAAAAAADwAAACADAAAAAAAAAAAAAAEAAACgMgAAVgcAAKr4//8BAAAAf39/AAEAAABkAAAAAAAAABQAAABAHwAAAAAAACYAAAAAAAAAwOD//wAAAAAmAAAAZAAAABYAAABMAAAAAAAAAAAAAAAEAAAAAAAAAAEAAADn5uYKAAAAACgAAAAoAAAAZAAAAGQAAAAAAAAAzMzMAAAAAABQAAAAUAAAAGQAAABkAAAAAAAAABcAAAAUAAAAAAAAAAAAAAD/fwAA/38AAAAAAAAJAAAABAAAAAAAAAAeAAAAaAAAAAAAAAAAAAAAAAAAAAAAAAAAAAAAECcAABAnAAAAAAAAAAAAAAAAAAAAAAAAAAAAAAAAAAAAAAAAAAAAABQAAAAAAAAAwMD/AAAAAABkAAAAMgAAAAAAAABkAAAAAAAAAH9/fwAKAAAAIgAAABgAAAAAAAAAAAAAAAAAAAAAAAAAAAAAAAAAAAAkAAAAJAAAAAAAAAAHAAAAAAAAAAAAAAAAAAAAAAAAAAAAAAAAAAAAf39/ACUAAABYAAAAAAAAAAAAAAAAAAAAAAAAAAAAAAAAAAAAAAAAAAAAAAAAAAAAAAAAAAAAAAA/AAAAAAAAAKCGAQAAAAAAAAAAAAAAAAAMAAAAAQAAAAAAAAAAAAAAAAAAAB8AAABUAAAAAAAABQAAAAEAAAAAAAAAAAAAAAAAAAAAAAAAAAAAAAAAAAAAAAAAAAAAAAJ/f38AAAAAA8zMzADAwP8Af39/AAAAAAAAAAAAAAAAAAAAAAAAAAAAIQAAABgAAAAUAAAA4x8AABMGAADbRQAADiQAABAAAAAmAAAACAAAAAGAAAAAAAAAMAAAABQAAAAAAAAAAAD//wAAAQAAAP//AAABAA=="/>
+                <pr:smNativeData xmlns:pr="smNativeData" xmlns="smNativeData" val="SMDATA_16_FAWHYRMAAAAlAAAAZAAAAA0AAAAAkAAAAEgAAACQAAAASAAAAAAAAAAAAAAAAAAAAAEAAABQAAAAAAAAAAAA4D8AAAAAAADgPwAAAAAAAOA/AAAAAAAA4D8AAAAAAADgPwAAAAAAAOA/AAAAAAAA4D8AAAAAAADgPwAAAAAAAOA/AAAAAAAA4D8CAAAAjAAAAAAAAAAAAAAARHLEDP///wgAAAAAAAAAAAAAAAAAAAAAAAAAAAAAAAAAAAAAZAAAAAEAAABAAAAAAAAAAAAAAAAAAAAAAAAAAAAAAAAAAAAAAAAAAAAAAAAAAAAAAAAAAAAAAAAAAAAAAAAAAAAAAAAAAAAAAAAAAAAAAAAAAAAAAAAAAAAAAAAAAAAAFAAAADwAAAAAAAAAAAAAAAAAAAkUAAAAAQAAABQAAAAUAAAAFAAAAAEAAAAAAAAAZAAAAGQAAAAAAAAAZAAAAGQAAAAVAAAAYAAAAAAAAAAAAAAADwAAACADAAAAAAAAAAAAAAEAAACgMgAAVgcAAKr4//8BAAAAf39/AAEAAABkAAAAAAAAABQAAABAHwAAAAAAACYAAAAAAAAAwOD//wAAAAAmAAAAZAAAABYAAABMAAAAAAAAAAAAAAAEAAAAAAAAAAEAAADn5uYKAAAAACgAAAAoAAAAZAAAAGQAAAAAAAAAzMzMAAAAAABQAAAAUAAAAGQAAABkAAAAAAAAABcAAAAUAAAAAAAAAAAAAAD/fwAA/38AAAAAAAAJAAAABAAAAAAAAAAeAAAAaAAAAAAAAAAAAAAAAAAAAAAAAAAAAAAAECcAABAnAAAAAAAAAAAAAAAAAAAAAAAAAAAAAAAAAAAAAAAAAAAAABQAAAAAAAAAwMD/AAAAAABkAAAAMgAAAAAAAABkAAAAAAAAAH9/fwAKAAAAIgAAABgAAAAAAAAAAAAAAAAAAAAAAAAAAAAAAAAAAAAkAAAAJAAAAAAAAAAHAAAAAAAAAAAAAAAAAAAAAAAAAAAAAAAAAAAAf39/ACUAAABYAAAAAAAAAAAAAAAAAAAAAAAAAAAAAAAAAAAAAAAAAAAAAAAAAAAAAAAAAAAAAAA/AAAAAAAAAKCGAQAAAAAAAAAAAAAAAAAMAAAAAQAAAAAAAAAAAAAAAAAAAB8AAABUAAAAAAAABQAAAAEAAAAAAAAAAAAAAAAAAAAAAAAAAAAAAAAAAAAAAAAAAAAAAAJ/f38AAAAAA8zMzADAwP8Af39/AAAAAAAAAAAAAAAAAAAAAAAAAAAAIQAAABgAAAAUAAAA4x8AABMGAADbRQAADiQAABAAAAAmAAAACAAAAAGAAAAAAAAAMAAAABQAAAAAAAAAAAD//wAAAQAAAP//AAABAA=="/>
               </a:ext>
             </a:extLst>
           </p:cNvSpPr>
@@ -2560,7 +2560,7 @@
             <a:spLocks noGrp="1" noChangeArrowheads="1"/>
             <a:extLst>
               <a:ext uri="smNativeData">
-                <pr:smNativeData xmlns:pr="smNativeData" xmlns="smNativeData" val="SMDATA_16_gfoFYRMAAAAlAAAAZAAAAA0AAAAAkAAAAEgAAACQAAAASAAAAAAAAAAAAAAAAAAAAAEAAABQAAAAAAAAAAAA4D8AAAAAAADgPwAAAAAAAOA/AAAAAAAA4D8AAAAAAADgPwAAAAAAAOA/AAAAAAAA4D8AAAAAAADgPwAAAAAAAOA/AAAAAAAA4D8CAAAAjAAAAAAAAAAAAAAARHLEDP///wgAAAAAAAAAAAAAAAAAAAAAAAAAAAAAAAAAAAAAZAAAAAEAAABAAAAAAAAAAAAAAAAAAAAAAAAAAAAAAAAAAAAAAAAAAAAAAAAAAAAAAAAAAAAAAAAAAAAAAAAAAAAAAAAAAAAAAAAAAAAAAAAAAAAAAAAAAAAAAAAAAAAAFAAAADwAAAAAAAAAAAAAAAAAAAkUAAAAAQAAABQAAAAUAAAAFAAAAAEAAAAAAAAAZAAAAGQAAAAAAAAAZAAAAGQAAAAVAAAAYAAAAAAAAAAAAAAADwAAACADAAAAAAAAAAAAAAEAAACgMgAAVgcAAKr4//8BAAAAf39/AAEAAABkAAAAAAAAABQAAABAHwAAAAAAACYAAAAAAAAAwOD//wAAAAAmAAAAZAAAABYAAABMAAAAAAAAAAAAAAAEAAAAAAAAAAEAAADn5uYKAAAAACgAAAAoAAAAZAAAAGQAAAAAAAAAzMzMAAAAAABQAAAAUAAAAGQAAABkAAAAAAAAABcAAAAUAAAAAAAAAAAAAAD/fwAA/38AAAAAAAAJAAAABAAAAAAAAAAeAAAAaAAAAAAAAAAAAAAAAAAAAAAAAAAAAAAAECcAABAnAAAAAAAAAAAAAAAAAAAAAAAAAAAAAAAAAAAAAAAAAAAAABQAAAAAAAAAwMD/AAAAAABkAAAAMgAAAAAAAABkAAAAAAAAAH9/fwAKAAAAIgAAABgAAAAAAAAAAAAAAAAAAAAAAAAAAAAAAAAAAAAkAAAAJAAAAAAAAAAHAAAAAAAAAAAAAAAAAAAAAAAAAAAAAAAAAAAAf39/ACUAAABYAAAAAAAAAAAAAAAAAAAAAAAAAAAAAAAAAAAAAAAAAAAAAAAAAAAAAAAAAAAAAAA/AAAAAAAAAKCGAQAAAAAAAAAAAAAAAAAMAAAAAQAAAAAAAAAAAAAAAAAAAB8AAABUAAAAAAAABQAAAAEAAAAAAAAAAAAAAAAAAAAAAAAAAAAAAAAAAAAAAAAAAAAAAAJ/f38AAAAAA8zMzADAwP8Af39/AAAAAAAAAAAAAAAAAAAAAAAAAAAAIQAAABgAAAAUAAAAKwUAAKgMAABbHQAAGyQAABAAAAAmAAAACAAAAAGAAAAAAAAAMAAAABQAAAAAAAAAAAD//wAAAQAAAP//AAABAA=="/>
+                <pr:smNativeData xmlns:pr="smNativeData" xmlns="smNativeData" val="SMDATA_16_FAWHYRMAAAAlAAAAZAAAAA0AAAAAkAAAAEgAAACQAAAASAAAAAAAAAAAAAAAAAAAAAEAAABQAAAAAAAAAAAA4D8AAAAAAADgPwAAAAAAAOA/AAAAAAAA4D8AAAAAAADgPwAAAAAAAOA/AAAAAAAA4D8AAAAAAADgPwAAAAAAAOA/AAAAAAAA4D8CAAAAjAAAAAAAAAAAAAAARHLEDP///wgAAAAAAAAAAAAAAAAAAAAAAAAAAAAAAAAAAAAAZAAAAAEAAABAAAAAAAAAAAAAAAAAAAAAAAAAAAAAAAAAAAAAAAAAAAAAAAAAAAAAAAAAAAAAAAAAAAAAAAAAAAAAAAAAAAAAAAAAAAAAAAAAAAAAAAAAAAAAAAAAAAAAFAAAADwAAAAAAAAAAAAAAAAAAAkUAAAAAQAAABQAAAAUAAAAFAAAAAEAAAAAAAAAZAAAAGQAAAAAAAAAZAAAAGQAAAAVAAAAYAAAAAAAAAAAAAAADwAAACADAAAAAAAAAAAAAAEAAACgMgAAVgcAAKr4//8BAAAAf39/AAEAAABkAAAAAAAAABQAAABAHwAAAAAAACYAAAAAAAAAwOD//wAAAAAmAAAAZAAAABYAAABMAAAAAAAAAAAAAAAEAAAAAAAAAAEAAADn5uYKAAAAACgAAAAoAAAAZAAAAGQAAAAAAAAAzMzMAAAAAABQAAAAUAAAAGQAAABkAAAAAAAAABcAAAAUAAAAAAAAAAAAAAD/fwAA/38AAAAAAAAJAAAABAAAAAAAAAAeAAAAaAAAAAAAAAAAAAAAAAAAAAAAAAAAAAAAECcAABAnAAAAAAAAAAAAAAAAAAAAAAAAAAAAAAAAAAAAAAAAAAAAABQAAAAAAAAAwMD/AAAAAABkAAAAMgAAAAAAAABkAAAAAAAAAH9/fwAKAAAAIgAAABgAAAAAAAAAAAAAAAAAAAAAAAAAAAAAAAAAAAAkAAAAJAAAAAAAAAAHAAAAAAAAAAAAAAAAAAAAAAAAAAAAAAAAAAAAf39/ACUAAABYAAAAAAAAAAAAAAAAAAAAAAAAAAAAAAAAAAAAAAAAAAAAAAAAAAAAAAAAAAAAAAA/AAAAAAAAAKCGAQAAAAAAAAAAAAAAAAAMAAAAAQAAAAAAAAAAAAAAAAAAAB8AAABUAAAAAAAABQAAAAEAAAAAAAAAAAAAAAAAAAAAAAAAAAAAAAAAAAAAAAAAAAAAAAJ/f38AAAAAA8zMzADAwP8Af39/AAAAAAAAAAAAAAAAAAAAAAAAAAAAIQAAABgAAAAUAAAAKwUAAKgMAABbHQAAGyQAABAAAAAmAAAACAAAAAGAAAAAAAAAMAAAABQAAAAAAAAAAAD//wAAAQAAAP//AAABAA=="/>
               </a:ext>
             </a:extLst>
           </p:cNvSpPr>
@@ -2631,7 +2631,7 @@
             <a:spLocks noGrp="1" noChangeArrowheads="1"/>
             <a:extLst>
               <a:ext uri="smNativeData">
-                <pr:smNativeData xmlns:pr="smNativeData" xmlns="smNativeData" val="SMDATA_16_gfoFYRMAAAAlAAAAZAAAAA0AAAAAkAAAAEgAAACQAAAASAAAAAAAAAABAAAAAAAAAAEAAABQAAAAAAAAAAAA4D8AAAAAAADgPwAAAAAAAOA/AAAAAAAA4D8AAAAAAADgPwAAAAAAAOA/AAAAAAAA4D8AAAAAAADgPwAAAAAAAOA/AAAAAAAA4D8CAAAAjAAAAAAAAAAAAAAARHLEDP///wgAAAAAAAAAAAAAAAAAAAAAAAAAAAAAAAAAAAAAZAAAAAEAAABAAAAAAAAAAAAAAAAAAAAAAAAAAAAAAAAAAAAAAAAAAAAAAAAAAAAAAAAAAAAAAAAAAAAAAAAAAAAAAAAAAAAAAAAAAAAAAAAAAAAAAAAAAAAAAAAAAAAAFAAAADwAAAAAAAAAAAAAAAAAAAkUAAAAAQAAABQAAAAUAAAAFAAAAAEAAAAAAAAAZAAAAGQAAAAAAAAAZAAAAGQAAAAVAAAAYAAAAAAAAAAAAAAADwAAACADAAAAAAAAAAAAAAEAAACgMgAAVgcAAKr4//8BAAAAf39/AAEAAABkAAAAAAAAABQAAABAHwAAAAAAACYAAAAAAAAAwOD//wAAAAAmAAAAZAAAABYAAABMAAAAAAAAAAAAAAAEAAAAAAAAAAEAAADn5uYKAAAAACgAAAAoAAAAZAAAAGQAAAAAAAAAzMzMAAAAAABQAAAAUAAAAGQAAABkAAAAAAAAABcAAAAUAAAAAAAAAAAAAAD/fwAA/38AAAAAAAAJAAAABAAAAAAAAAAeAAAAaAAAAAAAAAAAAAAAAAAAAAAAAAAAAAAAECcAABAnAAAAAAAAAAAAAAAAAAAAAAAAAAAAAAAAAAAAAAAAAAAAABQAAAAAAAAAwMD/AAAAAABkAAAAMgAAAAAAAABkAAAAAAAAAH9/fwAKAAAAIgAAABgAAAAAAAAAAAAAAAAAAAAAAAAAAAAAAAAAAAAkAAAAJAAAAAAAAAAHAAAAAAAAAAAAAAAAAAAAAAAAAAAAAAAAAAAAf39/ACUAAABYAAAAAAAAAAAAAAAAAAAAAAAAAAAAAAAAAAAAAAAAAAAAAAAAAAAAAAAAAAAAAAA/AAAAAAAAAKCGAQAAAAAAAAAAAAAAAAAMAAAAAQAAAAAAAAAAAAAAAAAAAB8AAABUAAAAAAAABQAAAAEAAAAAAAAAAAAAAAAAAAAAAAAAAAAAAAAAAAAAAAAAAAAAAAJ/f38AAAAAA8zMzADAwP8Af39/AAAAAAAAAAAAAAAAAAAAAAAAAAAAIQAAABgAAAAUAAAAKAUAABonAAAIFgAAWSkAABAAAAAmAAAACAAAAAAAAAAAAAAAMAAAABQAAAAAAAAAAAD//wAAAQAAAP//AAABAA=="/>
+                <pr:smNativeData xmlns:pr="smNativeData" xmlns="smNativeData" val="SMDATA_16_FAWHYRMAAAAlAAAAZAAAAA0AAAAAkAAAAEgAAACQAAAASAAAAAAAAAABAAAAAAAAAAEAAABQAAAAAAAAAAAA4D8AAAAAAADgPwAAAAAAAOA/AAAAAAAA4D8AAAAAAADgPwAAAAAAAOA/AAAAAAAA4D8AAAAAAADgPwAAAAAAAOA/AAAAAAAA4D8CAAAAjAAAAAAAAAAAAAAARHLEDP///wgAAAAAAAAAAAAAAAAAAAAAAAAAAAAAAAAAAAAAZAAAAAEAAABAAAAAAAAAAAAAAAAAAAAAAAAAAAAAAAAAAAAAAAAAAAAAAAAAAAAAAAAAAAAAAAAAAAAAAAAAAAAAAAAAAAAAAAAAAAAAAAAAAAAAAAAAAAAAAAAAAAAAFAAAADwAAAAAAAAAAAAAAAAAAAkUAAAAAQAAABQAAAAUAAAAFAAAAAEAAAAAAAAAZAAAAGQAAAAAAAAAZAAAAGQAAAAVAAAAYAAAAAAAAAAAAAAADwAAACADAAAAAAAAAAAAAAEAAACgMgAAVgcAAKr4//8BAAAAf39/AAEAAABkAAAAAAAAABQAAABAHwAAAAAAACYAAAAAAAAAwOD//wAAAAAmAAAAZAAAABYAAABMAAAAAAAAAAAAAAAEAAAAAAAAAAEAAADn5uYKAAAAACgAAAAoAAAAZAAAAGQAAAAAAAAAzMzMAAAAAABQAAAAUAAAAGQAAABkAAAAAAAAABcAAAAUAAAAAAAAAAAAAAD/fwAA/38AAAAAAAAJAAAABAAAAAAAAAAeAAAAaAAAAAAAAAAAAAAAAAAAAAAAAAAAAAAAECcAABAnAAAAAAAAAAAAAAAAAAAAAAAAAAAAAAAAAAAAAAAAAAAAABQAAAAAAAAAwMD/AAAAAABkAAAAMgAAAAAAAABkAAAAAAAAAH9/fwAKAAAAIgAAABgAAAAAAAAAAAAAAAAAAAAAAAAAAAAAAAAAAAAkAAAAJAAAAAAAAAAHAAAAAAAAAAAAAAAAAAAAAAAAAAAAAAAAAAAAf39/ACUAAABYAAAAAAAAAAAAAAAAAAAAAAAAAAAAAAAAAAAAAAAAAAAAAAAAAAAAAAAAAAAAAAA/AAAAAAAAAKCGAQAAAAAAAAAAAAAAAAAMAAAAAQAAAAAAAAAAAAAAAAAAAB8AAABUAAAAAAAABQAAAAEAAAAAAAAAAAAAAAAAAAAAAAAAAAAAAAAAAAAAAAAAAAAAAAJ/f38AAAAAA8zMzADAwP8Af39/AAAAAAAAAAAAAAAAAAAAAAAAAAAAIQAAABgAAAAUAAAAKAUAABonAAAIFgAAWSkAABAAAAAmAAAACAAAAAAAAAAAAAAAMAAAABQAAAAAAAAAAAD//wAAAQAAAP//AAABAA=="/>
               </a:ext>
             </a:extLst>
           </p:cNvSpPr>
@@ -2647,7 +2647,7 @@
             <a:pPr>
               <a:defRPr lang="en-us"/>
             </a:pPr>
-            <a:fld id="{3AB2093D-73D7-E7FF-990A-85AA47446FD0}" type="datetime1">
+            <a:fld id="{35CA1048-06D8-9FE6-9672-F0B35E3C60A5}" type="datetime1">
               <a:rPr lang="en-au" cap="none"/>
               <a:t>12/05/2021</a:t>
             </a:fld>
@@ -2662,7 +2662,7 @@
             <a:spLocks noGrp="1" noChangeArrowheads="1"/>
             <a:extLst>
               <a:ext uri="smNativeData">
-                <pr:smNativeData xmlns:pr="smNativeData" xmlns="smNativeData" val="SMDATA_16_gfoFYRMAAAAlAAAAZAAAAA0AAAAAkAAAAEgAAACQAAAASAAAAAAAAAABAAAAAAAAAAEAAABQAAAAAAAAAAAA4D8AAAAAAADgPwAAAAAAAOA/AAAAAAAA4D8AAAAAAADgPwAAAAAAAOA/AAAAAAAA4D8AAAAAAADgPwAAAAAAAOA/AAAAAAAA4D8CAAAAjAAAAAAAAAAAAAAARHLEDP///wgAAAAAAAAAAAAAAAAAAAAAAAAAAAAAAAAAAAAAZAAAAAEAAABAAAAAAAAAAAAAAAAAAAAAAAAAAAAAAAAAAAAAAAAAAAAAAAAAAAAAAAAAAAAAAAAAAAAAAAAAAAAAAAAAAAAAAAAAAAAAAAAAAAAAAAAAAAAAAAAAAAAAFAAAADwAAAAAAAAAAAAAAAAAAAkUAAAAAQAAABQAAAAUAAAAFAAAAAEAAAAAAAAAZAAAAGQAAAAAAAAAZAAAAGQAAAAVAAAAYAAAAAAAAAAAAAAADwAAACADAAAAAAAAAAAAAAEAAACgMgAAVgcAAKr4//8BAAAAf39/AAEAAABkAAAAAAAAABQAAABAHwAAAAAAACYAAAAAAAAAwOD//wAAAAAmAAAAZAAAABYAAABMAAAAAAAAAAAAAAAEAAAAAAAAAAEAAADn5uYKAAAAACgAAAAoAAAAZAAAAGQAAAAAAAAAzMzMAAAAAABQAAAAUAAAAGQAAABkAAAAAAAAABcAAAAUAAAAAAAAAAAAAAD/fwAA/38AAAAAAAAJAAAABAAAAAAAAAAeAAAAaAAAAAAAAAAAAAAAAAAAAAAAAAAAAAAAECcAABAnAAAAAAAAAAAAAAAAAAAAAAAAAAAAAAAAAAAAAAAAAAAAABQAAAAAAAAAwMD/AAAAAABkAAAAMgAAAAAAAABkAAAAAAAAAH9/fwAKAAAAIgAAABgAAAAAAAAAAAAAAAAAAAAAAAAAAAAAAAAAAAAkAAAAJAAAAAAAAAAHAAAAAAAAAAAAAAAAAAAAAAAAAAAAAAAAAAAAf39/ACUAAABYAAAAAAAAAAAAAAAAAAAAAAAAAAAAAAAAAAAAAAAAAAAAAAAAAAAAAAAAAAAAAAA/AAAAAAAAAKCGAQAAAAAAAAAAAAAAAAAMAAAAAQAAAAAAAAAAAAAAAAAAAB8AAABUAAAAAAAABQAAAAEAAAAAAAAAAAAAAAAAAAAAAAAAAAAAAAAAAAAAAAAAAAAAAAJ/f38AAAAAA8zMzADAwP8Af39/AAAAAAAAAAAAAAAAAAAAAAAAAAAAIQAAABgAAAAUAAAA2BgAABonAAAoMgAAWSkAABAAAAAmAAAACAAAAAAAAAAAAAAAMAAAABQAAAAAAAAAAAD//wAAAQAAAP//AAABAA=="/>
+                <pr:smNativeData xmlns:pr="smNativeData" xmlns="smNativeData" val="SMDATA_16_FAWHYRMAAAAlAAAAZAAAAA0AAAAAkAAAAEgAAACQAAAASAAAAAAAAAABAAAAAAAAAAEAAABQAAAAAAAAAAAA4D8AAAAAAADgPwAAAAAAAOA/AAAAAAAA4D8AAAAAAADgPwAAAAAAAOA/AAAAAAAA4D8AAAAAAADgPwAAAAAAAOA/AAAAAAAA4D8CAAAAjAAAAAAAAAAAAAAARHLEDP///wgAAAAAAAAAAAAAAAAAAAAAAAAAAAAAAAAAAAAAZAAAAAEAAABAAAAAAAAAAAAAAAAAAAAAAAAAAAAAAAAAAAAAAAAAAAAAAAAAAAAAAAAAAAAAAAAAAAAAAAAAAAAAAAAAAAAAAAAAAAAAAAAAAAAAAAAAAAAAAAAAAAAAFAAAADwAAAAAAAAAAAAAAAAAAAkUAAAAAQAAABQAAAAUAAAAFAAAAAEAAAAAAAAAZAAAAGQAAAAAAAAAZAAAAGQAAAAVAAAAYAAAAAAAAAAAAAAADwAAACADAAAAAAAAAAAAAAEAAACgMgAAVgcAAKr4//8BAAAAf39/AAEAAABkAAAAAAAAABQAAABAHwAAAAAAACYAAAAAAAAAwOD//wAAAAAmAAAAZAAAABYAAABMAAAAAAAAAAAAAAAEAAAAAAAAAAEAAADn5uYKAAAAACgAAAAoAAAAZAAAAGQAAAAAAAAAzMzMAAAAAABQAAAAUAAAAGQAAABkAAAAAAAAABcAAAAUAAAAAAAAAAAAAAD/fwAA/38AAAAAAAAJAAAABAAAAAAAAAAeAAAAaAAAAAAAAAAAAAAAAAAAAAAAAAAAAAAAECcAABAnAAAAAAAAAAAAAAAAAAAAAAAAAAAAAAAAAAAAAAAAAAAAABQAAAAAAAAAwMD/AAAAAABkAAAAMgAAAAAAAABkAAAAAAAAAH9/fwAKAAAAIgAAABgAAAAAAAAAAAAAAAAAAAAAAAAAAAAAAAAAAAAkAAAAJAAAAAAAAAAHAAAAAAAAAAAAAAAAAAAAAAAAAAAAAAAAAAAAf39/ACUAAABYAAAAAAAAAAAAAAAAAAAAAAAAAAAAAAAAAAAAAAAAAAAAAAAAAAAAAAAAAAAAAAA/AAAAAAAAAKCGAQAAAAAAAAAAAAAAAAAMAAAAAQAAAAAAAAAAAAAAAAAAAB8AAABUAAAAAAAABQAAAAEAAAAAAAAAAAAAAAAAAAAAAAAAAAAAAAAAAAAAAAAAAAAAAAJ/f38AAAAAA8zMzADAwP8Af39/AAAAAAAAAAAAAAAAAAAAAAAAAAAAIQAAABgAAAAUAAAA2BgAABonAAAoMgAAWSkAABAAAAAmAAAACAAAAAAAAAAAAAAAMAAAABQAAAAAAAAAAAD//wAAAQAAAP//AAABAA=="/>
               </a:ext>
             </a:extLst>
           </p:cNvSpPr>
@@ -2689,7 +2689,7 @@
             <a:spLocks noGrp="1" noChangeArrowheads="1"/>
             <a:extLst>
               <a:ext uri="smNativeData">
-                <pr:smNativeData xmlns:pr="smNativeData" xmlns="smNativeData" val="SMDATA_16_gfoFYRMAAAAlAAAAZAAAAA0AAAAAkAAAAEgAAACQAAAASAAAAAAAAAABAAAAAAAAAAEAAABQAAAAAAAAAAAA4D8AAAAAAADgPwAAAAAAAOA/AAAAAAAA4D8AAAAAAADgPwAAAAAAAOA/AAAAAAAA4D8AAAAAAADgPwAAAAAAAOA/AAAAAAAA4D8CAAAAjAAAAAAAAAAAAAAARHLEDP///wgAAAAAAAAAAAAAAAAAAAAAAAAAAAAAAAAAAAAAZAAAAAEAAABAAAAAAAAAAAAAAAAAAAAAAAAAAAAAAAAAAAAAAAAAAAAAAAAAAAAAAAAAAAAAAAAAAAAAAAAAAAAAAAAAAAAAAAAAAAAAAAAAAAAAAAAAAAAAAAAAAAAAFAAAADwAAAAAAAAAAAAAAAAAAAkUAAAAAQAAABQAAAAUAAAAFAAAAAEAAAAAAAAAZAAAAGQAAAAAAAAAZAAAAGQAAAAVAAAAYAAAAAAAAAAAAAAADwAAACADAAAAAAAAAAAAAAEAAACgMgAAVgcAAKr4//8BAAAAf39/AAEAAABkAAAAAAAAABQAAABAHwAAAAAAACYAAAAAAAAAwOD//wAAAAAmAAAAZAAAABYAAABMAAAAAAAAAAAAAAAEAAAAAAAAAAEAAADn5uYKAAAAACgAAAAoAAAAZAAAAGQAAAAAAAAAzMzMAAAAAABQAAAAUAAAAGQAAABkAAAAAAAAABcAAAAUAAAAAAAAAAAAAAD/fwAA/38AAAAAAAAJAAAABAAAAAAAAAAeAAAAaAAAAAAAAAAAAAAAAAAAAAAAAAAAAAAAECcAABAnAAAAAAAAAAAAAAAAAAAAAAAAAAAAAAAAAAAAAAAAAAAAABQAAAAAAAAAwMD/AAAAAABkAAAAMgAAAAAAAABkAAAAAAAAAH9/fwAKAAAAIgAAABgAAAAAAAAAAAAAAAAAAAAAAAAAAAAAAAAAAAAkAAAAJAAAAAAAAAAHAAAAAAAAAAAAAAAAAAAAAAAAAAAAAAAAAAAAf39/ACUAAABYAAAAAAAAAAAAAAAAAAAAAAAAAAAAAAAAAAAAAAAAAAAAAAAAAAAAAAAAAAAAAAA/AAAAAAAAAKCGAQAAAAAAAAAAAAAAAAAMAAAAAQAAAAAAAAAAAAAAAAAAAB8AAABUAAAAAAAABQAAAAEAAAAAAAAAAAAAAAAAAAAAAAAAAAAAAAAAAAAAAAAAAAAAAAJ/f38AAAAAA8zMzADAwP8Af39/AAAAAAAAAAAAAAAAAAAAAAAAAAAAIQAAABgAAAAUAAAA+DQAABonAADYRQAAWSkAABAAAAAmAAAACAAAAAAAAAAAAAAAMAAAABQAAAAAAAAAAAD//wAAAQAAAP//AAABAA=="/>
+                <pr:smNativeData xmlns:pr="smNativeData" xmlns="smNativeData" val="SMDATA_16_FAWHYRMAAAAlAAAAZAAAAA0AAAAAkAAAAEgAAACQAAAASAAAAAAAAAABAAAAAAAAAAEAAABQAAAAAAAAAAAA4D8AAAAAAADgPwAAAAAAAOA/AAAAAAAA4D8AAAAAAADgPwAAAAAAAOA/AAAAAAAA4D8AAAAAAADgPwAAAAAAAOA/AAAAAAAA4D8CAAAAjAAAAAAAAAAAAAAARHLEDP///wgAAAAAAAAAAAAAAAAAAAAAAAAAAAAAAAAAAAAAZAAAAAEAAABAAAAAAAAAAAAAAAAAAAAAAAAAAAAAAAAAAAAAAAAAAAAAAAAAAAAAAAAAAAAAAAAAAAAAAAAAAAAAAAAAAAAAAAAAAAAAAAAAAAAAAAAAAAAAAAAAAAAAFAAAADwAAAAAAAAAAAAAAAAAAAkUAAAAAQAAABQAAAAUAAAAFAAAAAEAAAAAAAAAZAAAAGQAAAAAAAAAZAAAAGQAAAAVAAAAYAAAAAAAAAAAAAAADwAAACADAAAAAAAAAAAAAAEAAACgMgAAVgcAAKr4//8BAAAAf39/AAEAAABkAAAAAAAAABQAAABAHwAAAAAAACYAAAAAAAAAwOD//wAAAAAmAAAAZAAAABYAAABMAAAAAAAAAAAAAAAEAAAAAAAAAAEAAADn5uYKAAAAACgAAAAoAAAAZAAAAGQAAAAAAAAAzMzMAAAAAABQAAAAUAAAAGQAAABkAAAAAAAAABcAAAAUAAAAAAAAAAAAAAD/fwAA/38AAAAAAAAJAAAABAAAAAAAAAAeAAAAaAAAAAAAAAAAAAAAAAAAAAAAAAAAAAAAECcAABAnAAAAAAAAAAAAAAAAAAAAAAAAAAAAAAAAAAAAAAAAAAAAABQAAAAAAAAAwMD/AAAAAABkAAAAMgAAAAAAAABkAAAAAAAAAH9/fwAKAAAAIgAAABgAAAAAAAAAAAAAAAAAAAAAAAAAAAAAAAAAAAAkAAAAJAAAAAAAAAAHAAAAAAAAAAAAAAAAAAAAAAAAAAAAAAAAAAAAf39/ACUAAABYAAAAAAAAAAAAAAAAAAAAAAAAAAAAAAAAAAAAAAAAAAAAAAAAAAAAAAAAAAAAAAA/AAAAAAAAAKCGAQAAAAAAAAAAAAAAAAAMAAAAAQAAAAAAAAAAAAAAAAAAAB8AAABUAAAAAAAABQAAAAEAAAAAAAAAAAAAAAAAAAAAAAAAAAAAAAAAAAAAAAAAAAAAAAJ/f38AAAAAA8zMzADAwP8Af39/AAAAAAAAAAAAAAAAAAAAAAAAAAAAIQAAABgAAAAUAAAA+DQAABonAADYRQAAWSkAABAAAAAmAAAACAAAAAAAAAAAAAAAMAAAABQAAAAAAAAAAAD//wAAAQAAAP//AAABAA=="/>
               </a:ext>
             </a:extLst>
           </p:cNvSpPr>
@@ -2705,7 +2705,7 @@
             <a:pPr>
               <a:defRPr lang="en-us"/>
             </a:pPr>
-            <a:fld id="{3AB27494-DAD7-E782-990A-2CD73A446F79}" type="slidenum">
+            <a:fld id="{35CA7EBC-F2D8-9F88-9672-04DD303C6051}" type="slidenum">
               <a:rPr lang="en-au" cap="none"/>
               <a:t>‹#›</a:t>
             </a:fld>
@@ -2746,7 +2746,7 @@
             <a:spLocks noGrp="1" noChangeArrowheads="1"/>
             <a:extLst>
               <a:ext uri="smNativeData">
-                <pr:smNativeData xmlns:pr="smNativeData" xmlns="smNativeData" val="SMDATA_16_gfoFYRMAAAAlAAAAZAAAAA0AAAAAkAAAAEgAAACQAAAASAAAAAAAAAACAAAAAAAAAAEAAABQAAAAAAAAAAAA4D8AAAAAAADgPwAAAAAAAOA/AAAAAAAA4D8AAAAAAADgPwAAAAAAAOA/AAAAAAAA4D8AAAAAAADgPwAAAAAAAOA/AAAAAAAA4D8CAAAAjAAAAAAAAAAAAAAARHLEDP///wgAAAAAAAAAAAAAAAAAAAAAAAAAAAAAAAAAAAAAZAAAAAEAAABAAAAAAAAAAAAAAAAAAAAAAAAAAAAAAAAAAAAAAAAAAAAAAAAAAAAAAAAAAAAAAAAAAAAAAAAAAAAAAAAAAAAAAAAAAAAAAAAAAAAAAAAAAAAAAAAAAAAAFAAAADwAAAAAAAAAAAAAAAAAAAkUAAAAAQAAABQAAAAUAAAAFAAAAAEAAAAAAAAAZAAAAGQAAAAAAAAAZAAAAGQAAAAVAAAAYAAAAAAAAAAAAAAADwAAACADAAAAAAAAAAAAAAEAAACgMgAAVgcAAKr4//8BAAAAf39/AAEAAABkAAAAAAAAABQAAABAHwAAAAAAACYAAAAAAAAAwOD//wAAAAAmAAAAZAAAABYAAABMAAAAAAAAAAAAAAAEAAAAAAAAAAEAAADn5uYKAAAAACgAAAAoAAAAZAAAAGQAAAAAAAAAzMzMAAAAAABQAAAAUAAAAGQAAABkAAAAAAAAABcAAAAUAAAAAAAAAAAAAAD/fwAA/38AAAAAAAAJAAAABAAAAAAAAAAeAAAAaAAAAAAAAAAAAAAAAAAAAAAAAAAAAAAAECcAABAnAAAAAAAAAAAAAAAAAAAAAAAAAAAAAAAAAAAAAAAAAAAAABQAAAAAAAAAwMD/AAAAAABkAAAAMgAAAAAAAABkAAAAAAAAAH9/fwAKAAAAIgAAABgAAAAAAAAAAAAAAAAAAAAAAAAAAAAAAAAAAAAkAAAAJAAAAAAAAAAHAAAAAAAAAAAAAAAAAAAAAAAAAAAAAAAAAAAAf39/ACUAAABYAAAAAAAAAAAAAAAAAAAAAAAAAAAAAAAAAAAAAAAAAAAAAAAAAAAAAAAAAAAAAAA/AAAAAAAAAKCGAQAAAAAAAAAAAAAAAAAMAAAAAQAAAAAAAAAAAAAAAAAAAB8AAABUAAAAAAAABQAAAAEAAAAAAAAAAAAAAAAAAAAAAAAAAAAAAAAAAAAAAAAAAAAAAAJ/f38AAAAAA8zMzADAwP8Af39/AAAAAAAAAAAAAAAAAAAAAAAAAAAAIQAAABgAAAAUAAAAKwUAANACAABbHQAAqAwAABAAAAAmAAAACAAAAIGAAAAAAAAAMAAAABQAAAAAAAAAAAD//wAAAQAAAP//AAABAA=="/>
+                <pr:smNativeData xmlns:pr="smNativeData" xmlns="smNativeData" val="SMDATA_16_FAWHYRMAAAAlAAAAZAAAAA0AAAAAkAAAAEgAAACQAAAASAAAAAAAAAACAAAAAAAAAAEAAABQAAAAAAAAAAAA4D8AAAAAAADgPwAAAAAAAOA/AAAAAAAA4D8AAAAAAADgPwAAAAAAAOA/AAAAAAAA4D8AAAAAAADgPwAAAAAAAOA/AAAAAAAA4D8CAAAAjAAAAAAAAAAAAAAARHLEDP///wgAAAAAAAAAAAAAAAAAAAAAAAAAAAAAAAAAAAAAZAAAAAEAAABAAAAAAAAAAAAAAAAAAAAAAAAAAAAAAAAAAAAAAAAAAAAAAAAAAAAAAAAAAAAAAAAAAAAAAAAAAAAAAAAAAAAAAAAAAAAAAAAAAAAAAAAAAAAAAAAAAAAAFAAAADwAAAAAAAAAAAAAAAAAAAkUAAAAAQAAABQAAAAUAAAAFAAAAAEAAAAAAAAAZAAAAGQAAAAAAAAAZAAAAGQAAAAVAAAAYAAAAAAAAAAAAAAADwAAACADAAAAAAAAAAAAAAEAAACgMgAAVgcAAKr4//8BAAAAf39/AAEAAABkAAAAAAAAABQAAABAHwAAAAAAACYAAAAAAAAAwOD//wAAAAAmAAAAZAAAABYAAABMAAAAAAAAAAAAAAAEAAAAAAAAAAEAAADn5uYKAAAAACgAAAAoAAAAZAAAAGQAAAAAAAAAzMzMAAAAAABQAAAAUAAAAGQAAABkAAAAAAAAABcAAAAUAAAAAAAAAAAAAAD/fwAA/38AAAAAAAAJAAAABAAAAAAAAAAeAAAAaAAAAAAAAAAAAAAAAAAAAAAAAAAAAAAAECcAABAnAAAAAAAAAAAAAAAAAAAAAAAAAAAAAAAAAAAAAAAAAAAAABQAAAAAAAAAwMD/AAAAAABkAAAAMgAAAAAAAABkAAAAAAAAAH9/fwAKAAAAIgAAABgAAAAAAAAAAAAAAAAAAAAAAAAAAAAAAAAAAAAkAAAAJAAAAAAAAAAHAAAAAAAAAAAAAAAAAAAAAAAAAAAAAAAAAAAAf39/ACUAAABYAAAAAAAAAAAAAAAAAAAAAAAAAAAAAAAAAAAAAAAAAAAAAAAAAAAAAAAAAAAAAAA/AAAAAAAAAKCGAQAAAAAAAAAAAAAAAAAMAAAAAQAAAAAAAAAAAAAAAAAAAB8AAABUAAAAAAAABQAAAAEAAAAAAAAAAAAAAAAAAAAAAAAAAAAAAAAAAAAAAAAAAAAAAAJ/f38AAAAAA8zMzADAwP8Af39/AAAAAAAAAAAAAAAAAAAAAAAAAAAAIQAAABgAAAAUAAAAKwUAANACAABbHQAAqAwAABAAAAAmAAAACAAAAIGAAAAAAAAAMAAAABQAAAAAAAAAAAD//wAAAQAAAP//AAABAA=="/>
               </a:ext>
             </a:extLst>
           </p:cNvSpPr>
@@ -2813,7 +2813,7 @@
             <a:spLocks noGrp="1" noChangeArrowheads="1"/>
             <a:extLst>
               <a:ext uri="smNativeData">
-                <pr:smNativeData xmlns:pr="smNativeData" xmlns="smNativeData" val="SMDATA_16_gfoFYRMAAAAlAAAAZAAAAA0AAAAAkAAAAEgAAACQAAAASAAAAAAAAAAAAAAAAAAAAAEAAABQAAAAAAAAAAAA4D8AAAAAAADgPwAAAAAAAOA/AAAAAAAA4D8AAAAAAADgPwAAAAAAAOA/AAAAAAAA4D8AAAAAAADgPwAAAAAAAOA/AAAAAAAA4D8CAAAAjAAAAAAAAAAAAAAARHLEDP///wgAAAAAAAAAAAAAAAAAAAAAAAAAAAAAAAAAAAAAZAAAAAEAAABAAAAAAAAAAAAAAAAAAAAAAAAAAAAAAAAAAAAAAAAAAAAAAAAAAAAAAAAAAAAAAAAAAAAAAAAAAAAAAAAAAAAAAAAAAAAAAAAAAAAAAAAAAAAAAAAAAAAAFAAAADwAAAAAAAAAAAAAAAAAAAkUAAAAAQAAABQAAAAUAAAAFAAAAAEAAAAAAAAAZAAAAGQAAAAAAAAAZAAAAGQAAAAVAAAAYAAAAAAAAAAAAAAADwAAACADAAAAAAAAAAAAAAEAAACgMgAAVgcAAKr4//8BAAAAf39/AAEAAABkAAAAAAAAABQAAABAHwAAAAAAACYAAAAAAAAAwOD//wAAAAAmAAAAZAAAABYAAABMAAAAAAAAAAAAAAAEAAAAAAAAAAEAAADn5uYKAAAAACgAAAAoAAAAZAAAAGQAAAAAAAAAzMzMAAAAAABQAAAAUAAAAGQAAABkAAAAAAAAABcAAAAUAAAAAAAAAAAAAAD/fwAA/38AAAAAAAAJAAAABAAAAAAAAAAeAAAAaAAAAAAAAAAAAAAAAAAAAAAAAAAAAAAAECcAABAnAAAAAAAAAAAAAAAAAAAAAAAAAAAAAAAAAAAAAAAAAAAAABQAAAAAAAAAwMD/AAAAAABkAAAAMgAAAAAAAABkAAAAAAAAAH9/fwAKAAAAIgAAABgAAAAAAAAAAAAAAAAAAAAAAAAAAAAAAAAAAAAkAAAAJAAAAAAAAAAHAAAAAAAAAAAAAAAAAAAAAAAAAAAAAAAAAAAAf39/ACUAAABYAAAAAAAAAAAAAAAAAAAAAAAAAAAAAAAAAAAAAAAAAAAAAAAAAAAAAAAAAAAAAAA/AAAAAAAAAKCGAQAAAAAAAAAAAAAAAAAMAAAAAQAAAAAAAAAAAAAAAAAAAB8AAABUAAAAAAAABQAAAAEAAAAAAAAAAAAAAAAAAAAAAAAAAAAAAAAAAAAAAAAAAAAAAAJ/f38AAAAAA8zMzADAwP8Af39/AAAAAAAAAAAAAAAAAAAAAAAAAAAAIQAAABgAAAAUAAAA4x8AABMGAADbRQAADiQAABAAAAAmAAAACAAAAAGAAAAAAAAAMAAAABQAAAAAAAAAAAD//wAAAQAAAP//AAABAA=="/>
+                <pr:smNativeData xmlns:pr="smNativeData" xmlns="smNativeData" val="SMDATA_16_FAWHYRMAAAAlAAAAZAAAAA0AAAAAkAAAAEgAAACQAAAASAAAAAAAAAAAAAAAAAAAAAEAAABQAAAAAAAAAAAA4D8AAAAAAADgPwAAAAAAAOA/AAAAAAAA4D8AAAAAAADgPwAAAAAAAOA/AAAAAAAA4D8AAAAAAADgPwAAAAAAAOA/AAAAAAAA4D8CAAAAjAAAAAAAAAAAAAAARHLEDP///wgAAAAAAAAAAAAAAAAAAAAAAAAAAAAAAAAAAAAAZAAAAAEAAABAAAAAAAAAAAAAAAAAAAAAAAAAAAAAAAAAAAAAAAAAAAAAAAAAAAAAAAAAAAAAAAAAAAAAAAAAAAAAAAAAAAAAAAAAAAAAAAAAAAAAAAAAAAAAAAAAAAAAFAAAADwAAAAAAAAAAAAAAAAAAAkUAAAAAQAAABQAAAAUAAAAFAAAAAEAAAAAAAAAZAAAAGQAAAAAAAAAZAAAAGQAAAAVAAAAYAAAAAAAAAAAAAAADwAAACADAAAAAAAAAAAAAAEAAACgMgAAVgcAAKr4//8BAAAAf39/AAEAAABkAAAAAAAAABQAAABAHwAAAAAAACYAAAAAAAAAwOD//wAAAAAmAAAAZAAAABYAAABMAAAAAAAAAAAAAAAEAAAAAAAAAAEAAADn5uYKAAAAACgAAAAoAAAAZAAAAGQAAAAAAAAAzMzMAAAAAABQAAAAUAAAAGQAAABkAAAAAAAAABcAAAAUAAAAAAAAAAAAAAD/fwAA/38AAAAAAAAJAAAABAAAAAAAAAAeAAAAaAAAAAAAAAAAAAAAAAAAAAAAAAAAAAAAECcAABAnAAAAAAAAAAAAAAAAAAAAAAAAAAAAAAAAAAAAAAAAAAAAABQAAAAAAAAAwMD/AAAAAABkAAAAMgAAAAAAAABkAAAAAAAAAH9/fwAKAAAAIgAAABgAAAAAAAAAAAAAAAAAAAAAAAAAAAAAAAAAAAAkAAAAJAAAAAAAAAAHAAAAAAAAAAAAAAAAAAAAAAAAAAAAAAAAAAAAf39/ACUAAABYAAAAAAAAAAAAAAAAAAAAAAAAAAAAAAAAAAAAAAAAAAAAAAAAAAAAAAAAAAAAAAA/AAAAAAAAAKCGAQAAAAAAAAAAAAAAAAAMAAAAAQAAAAAAAAAAAAAAAAAAAB8AAABUAAAAAAAABQAAAAEAAAAAAAAAAAAAAAAAAAAAAAAAAAAAAAAAAAAAAAAAAAAAAAJ/f38AAAAAA8zMzADAwP8Af39/AAAAAAAAAAAAAAAAAAAAAAAAAAAAIQAAABgAAAAUAAAA4x8AABMGAADbRQAADiQAABAAAAAmAAAACAAAAAGAAAAAAAAAMAAAABQAAAAAAAAAAAD//wAAAQAAAP//AAABAA=="/>
               </a:ext>
             </a:extLst>
           </p:cNvSpPr>
@@ -2882,7 +2882,7 @@
             <a:spLocks noGrp="1" noChangeArrowheads="1"/>
             <a:extLst>
               <a:ext uri="smNativeData">
-                <pr:smNativeData xmlns:pr="smNativeData" xmlns="smNativeData" val="SMDATA_16_gfoFYRMAAAAlAAAAZAAAAA0AAAAAkAAAAEgAAACQAAAASAAAAAAAAAAAAAAAAAAAAAEAAABQAAAAAAAAAAAA4D8AAAAAAADgPwAAAAAAAOA/AAAAAAAA4D8AAAAAAADgPwAAAAAAAOA/AAAAAAAA4D8AAAAAAADgPwAAAAAAAOA/AAAAAAAA4D8CAAAAjAAAAAAAAAAAAAAARHLEDP///wgAAAAAAAAAAAAAAAAAAAAAAAAAAAAAAAAAAAAAZAAAAAEAAABAAAAAAAAAAAAAAAAAAAAAAAAAAAAAAAAAAAAAAAAAAAAAAAAAAAAAAAAAAAAAAAAAAAAAAAAAAAAAAAAAAAAAAAAAAAAAAAAAAAAAAAAAAAAAAAAAAAAAFAAAADwAAAAAAAAAAAAAAAAAAAkUAAAAAQAAABQAAAAUAAAAFAAAAAEAAAAAAAAAZAAAAGQAAAAAAAAAZAAAAGQAAAAVAAAAYAAAAAAAAAAAAAAADwAAACADAAAAAAAAAAAAAAEAAACgMgAAVgcAAKr4//8BAAAAf39/AAEAAABkAAAAAAAAABQAAABAHwAAAAAAACYAAAAAAAAAwOD//wAAAAAmAAAAZAAAABYAAABMAAAAAAAAAAAAAAAEAAAAAAAAAAEAAADn5uYKAAAAACgAAAAoAAAAZAAAAGQAAAAAAAAAzMzMAAAAAABQAAAAUAAAAGQAAABkAAAAAAAAABcAAAAUAAAAAAAAAAAAAAD/fwAA/38AAAAAAAAJAAAABAAAAAAAAAAeAAAAaAAAAAAAAAAAAAAAAAAAAAAAAAAAAAAAECcAABAnAAAAAAAAAAAAAAAAAAAAAAAAAAAAAAAAAAAAAAAAAAAAABQAAAAAAAAAwMD/AAAAAABkAAAAMgAAAAAAAABkAAAAAAAAAH9/fwAKAAAAIgAAABgAAAAAAAAAAAAAAAAAAAAAAAAAAAAAAAAAAAAkAAAAJAAAAAAAAAAHAAAAAAAAAAAAAAAAAAAAAAAAAAAAAAAAAAAAf39/ACUAAABYAAAAAAAAAAAAAAAAAAAAAAAAAAAAAAAAAAAAAAAAAAAAAAAAAAAAAAAAAAAAAAA/AAAAAAAAAKCGAQAAAAAAAAAAAAAAAAAMAAAAAQAAAAAAAAAAAAAAAAAAAB8AAABUAAAAAAAABQAAAAEAAAAAAAAAAAAAAAAAAAAAAAAAAAAAAAAAAAAAAAAAAAAAAAJ/f38AAAAAA8zMzADAwP8Af39/AAAAAAAAAAAAAAAAAAAAAAAAAAAAIQAAABgAAAAUAAAAKwUAAKgMAABbHQAAGyQAABAAAAAmAAAACAAAAAGAAAAAAAAAMAAAABQAAAAAAAAAAAD//wAAAQAAAP//AAABAA=="/>
+                <pr:smNativeData xmlns:pr="smNativeData" xmlns="smNativeData" val="SMDATA_16_FAWHYRMAAAAlAAAAZAAAAA0AAAAAkAAAAEgAAACQAAAASAAAAAAAAAAAAAAAAAAAAAEAAABQAAAAAAAAAAAA4D8AAAAAAADgPwAAAAAAAOA/AAAAAAAA4D8AAAAAAADgPwAAAAAAAOA/AAAAAAAA4D8AAAAAAADgPwAAAAAAAOA/AAAAAAAA4D8CAAAAjAAAAAAAAAAAAAAARHLEDP///wgAAAAAAAAAAAAAAAAAAAAAAAAAAAAAAAAAAAAAZAAAAAEAAABAAAAAAAAAAAAAAAAAAAAAAAAAAAAAAAAAAAAAAAAAAAAAAAAAAAAAAAAAAAAAAAAAAAAAAAAAAAAAAAAAAAAAAAAAAAAAAAAAAAAAAAAAAAAAAAAAAAAAFAAAADwAAAAAAAAAAAAAAAAAAAkUAAAAAQAAABQAAAAUAAAAFAAAAAEAAAAAAAAAZAAAAGQAAAAAAAAAZAAAAGQAAAAVAAAAYAAAAAAAAAAAAAAADwAAACADAAAAAAAAAAAAAAEAAACgMgAAVgcAAKr4//8BAAAAf39/AAEAAABkAAAAAAAAABQAAABAHwAAAAAAACYAAAAAAAAAwOD//wAAAAAmAAAAZAAAABYAAABMAAAAAAAAAAAAAAAEAAAAAAAAAAEAAADn5uYKAAAAACgAAAAoAAAAZAAAAGQAAAAAAAAAzMzMAAAAAABQAAAAUAAAAGQAAABkAAAAAAAAABcAAAAUAAAAAAAAAAAAAAD/fwAA/38AAAAAAAAJAAAABAAAAAAAAAAeAAAAaAAAAAAAAAAAAAAAAAAAAAAAAAAAAAAAECcAABAnAAAAAAAAAAAAAAAAAAAAAAAAAAAAAAAAAAAAAAAAAAAAABQAAAAAAAAAwMD/AAAAAABkAAAAMgAAAAAAAABkAAAAAAAAAH9/fwAKAAAAIgAAABgAAAAAAAAAAAAAAAAAAAAAAAAAAAAAAAAAAAAkAAAAJAAAAAAAAAAHAAAAAAAAAAAAAAAAAAAAAAAAAAAAAAAAAAAAf39/ACUAAABYAAAAAAAAAAAAAAAAAAAAAAAAAAAAAAAAAAAAAAAAAAAAAAAAAAAAAAAAAAAAAAA/AAAAAAAAAKCGAQAAAAAAAAAAAAAAAAAMAAAAAQAAAAAAAAAAAAAAAAAAAB8AAABUAAAAAAAABQAAAAEAAAAAAAAAAAAAAAAAAAAAAAAAAAAAAAAAAAAAAAAAAAAAAAJ/f38AAAAAA8zMzADAwP8Af39/AAAAAAAAAAAAAAAAAAAAAAAAAAAAIQAAABgAAAAUAAAAKwUAAKgMAABbHQAAGyQAABAAAAAmAAAACAAAAAGAAAAAAAAAMAAAABQAAAAAAAAAAAD//wAAAQAAAP//AAABAA=="/>
               </a:ext>
             </a:extLst>
           </p:cNvSpPr>
@@ -2953,7 +2953,7 @@
             <a:spLocks noGrp="1" noChangeArrowheads="1"/>
             <a:extLst>
               <a:ext uri="smNativeData">
-                <pr:smNativeData xmlns:pr="smNativeData" xmlns="smNativeData" val="SMDATA_16_gfoFYRMAAAAlAAAAZAAAAA0AAAAAkAAAAEgAAACQAAAASAAAAAAAAAABAAAAAAAAAAEAAABQAAAAAAAAAAAA4D8AAAAAAADgPwAAAAAAAOA/AAAAAAAA4D8AAAAAAADgPwAAAAAAAOA/AAAAAAAA4D8AAAAAAADgPwAAAAAAAOA/AAAAAAAA4D8CAAAAjAAAAAAAAAAAAAAARHLEDP///wgAAAAAAAAAAAAAAAAAAAAAAAAAAAAAAAAAAAAAZAAAAAEAAABAAAAAAAAAAAAAAAAAAAAAAAAAAAAAAAAAAAAAAAAAAAAAAAAAAAAAAAAAAAAAAAAAAAAAAAAAAAAAAAAAAAAAAAAAAAAAAAAAAAAAAAAAAAAAAAAAAAAAFAAAADwAAAAAAAAAAAAAAAAAAAkUAAAAAQAAABQAAAAUAAAAFAAAAAEAAAAAAAAAZAAAAGQAAAAAAAAAZAAAAGQAAAAVAAAAYAAAAAAAAAAAAAAADwAAACADAAAAAAAAAAAAAAEAAACgMgAAVgcAAKr4//8BAAAAf39/AAEAAABkAAAAAAAAABQAAABAHwAAAAAAACYAAAAAAAAAwOD//wAAAAAmAAAAZAAAABYAAABMAAAAAAAAAAAAAAAEAAAAAAAAAAEAAADn5uYKAAAAACgAAAAoAAAAZAAAAGQAAAAAAAAAzMzMAAAAAABQAAAAUAAAAGQAAABkAAAAAAAAABcAAAAUAAAAAAAAAAAAAAD/fwAA/38AAAAAAAAJAAAABAAAAAAAAAAeAAAAaAAAAAAAAAAAAAAAAAAAAAAAAAAAAAAAECcAABAnAAAAAAAAAAAAAAAAAAAAAAAAAAAAAAAAAAAAAAAAAAAAABQAAAAAAAAAwMD/AAAAAABkAAAAMgAAAAAAAABkAAAAAAAAAH9/fwAKAAAAIgAAABgAAAAAAAAAAAAAAAAAAAAAAAAAAAAAAAAAAAAkAAAAJAAAAAAAAAAHAAAAAAAAAAAAAAAAAAAAAAAAAAAAAAAAAAAAf39/ACUAAABYAAAAAAAAAAAAAAAAAAAAAAAAAAAAAAAAAAAAAAAAAAAAAAAAAAAAAAAAAAAAAAA/AAAAAAAAAKCGAQAAAAAAAAAAAAAAAAAMAAAAAQAAAAAAAAAAAAAAAAAAAB8AAABUAAAAAAAABQAAAAEAAAAAAAAAAAAAAAAAAAAAAAAAAAAAAAAAAAAAAAAAAAAAAAJ/f38AAAAAA8zMzADAwP8Af39/AAAAAAAAAAAAAAAAAAAAAAAAAAAAIQAAABgAAAAUAAAAKAUAABonAAAIFgAAWSkAABAAAAAmAAAACAAAAAAAAAAAAAAAMAAAABQAAAAAAAAAAAD//wAAAQAAAP//AAABAA=="/>
+                <pr:smNativeData xmlns:pr="smNativeData" xmlns="smNativeData" val="SMDATA_16_FAWHYRMAAAAlAAAAZAAAAA0AAAAAkAAAAEgAAACQAAAASAAAAAAAAAABAAAAAAAAAAEAAABQAAAAAAAAAAAA4D8AAAAAAADgPwAAAAAAAOA/AAAAAAAA4D8AAAAAAADgPwAAAAAAAOA/AAAAAAAA4D8AAAAAAADgPwAAAAAAAOA/AAAAAAAA4D8CAAAAjAAAAAAAAAAAAAAARHLEDP///wgAAAAAAAAAAAAAAAAAAAAAAAAAAAAAAAAAAAAAZAAAAAEAAABAAAAAAAAAAAAAAAAAAAAAAAAAAAAAAAAAAAAAAAAAAAAAAAAAAAAAAAAAAAAAAAAAAAAAAAAAAAAAAAAAAAAAAAAAAAAAAAAAAAAAAAAAAAAAAAAAAAAAFAAAADwAAAAAAAAAAAAAAAAAAAkUAAAAAQAAABQAAAAUAAAAFAAAAAEAAAAAAAAAZAAAAGQAAAAAAAAAZAAAAGQAAAAVAAAAYAAAAAAAAAAAAAAADwAAACADAAAAAAAAAAAAAAEAAACgMgAAVgcAAKr4//8BAAAAf39/AAEAAABkAAAAAAAAABQAAABAHwAAAAAAACYAAAAAAAAAwOD//wAAAAAmAAAAZAAAABYAAABMAAAAAAAAAAAAAAAEAAAAAAAAAAEAAADn5uYKAAAAACgAAAAoAAAAZAAAAGQAAAAAAAAAzMzMAAAAAABQAAAAUAAAAGQAAABkAAAAAAAAABcAAAAUAAAAAAAAAAAAAAD/fwAA/38AAAAAAAAJAAAABAAAAAAAAAAeAAAAaAAAAAAAAAAAAAAAAAAAAAAAAAAAAAAAECcAABAnAAAAAAAAAAAAAAAAAAAAAAAAAAAAAAAAAAAAAAAAAAAAABQAAAAAAAAAwMD/AAAAAABkAAAAMgAAAAAAAABkAAAAAAAAAH9/fwAKAAAAIgAAABgAAAAAAAAAAAAAAAAAAAAAAAAAAAAAAAAAAAAkAAAAJAAAAAAAAAAHAAAAAAAAAAAAAAAAAAAAAAAAAAAAAAAAAAAAf39/ACUAAABYAAAAAAAAAAAAAAAAAAAAAAAAAAAAAAAAAAAAAAAAAAAAAAAAAAAAAAAAAAAAAAA/AAAAAAAAAKCGAQAAAAAAAAAAAAAAAAAMAAAAAQAAAAAAAAAAAAAAAAAAAB8AAABUAAAAAAAABQAAAAEAAAAAAAAAAAAAAAAAAAAAAAAAAAAAAAAAAAAAAAAAAAAAAAJ/f38AAAAAA8zMzADAwP8Af39/AAAAAAAAAAAAAAAAAAAAAAAAAAAAIQAAABgAAAAUAAAAKAUAABonAAAIFgAAWSkAABAAAAAmAAAACAAAAAAAAAAAAAAAMAAAABQAAAAAAAAAAAD//wAAAQAAAP//AAABAA=="/>
               </a:ext>
             </a:extLst>
           </p:cNvSpPr>
@@ -2969,7 +2969,7 @@
             <a:pPr>
               <a:defRPr lang="en-us"/>
             </a:pPr>
-            <a:fld id="{3AB23FA2-ECD7-E7C9-990A-1A9C71446F4F}" type="datetime1">
+            <a:fld id="{35CA50D7-99D8-9FA6-9672-6FF31E3C603A}" type="datetime1">
               <a:rPr lang="en-au" cap="none"/>
               <a:t>12/05/2021</a:t>
             </a:fld>
@@ -2984,7 +2984,7 @@
             <a:spLocks noGrp="1" noChangeArrowheads="1"/>
             <a:extLst>
               <a:ext uri="smNativeData">
-                <pr:smNativeData xmlns:pr="smNativeData" xmlns="smNativeData" val="SMDATA_16_gfoFYRMAAAAlAAAAZAAAAA0AAAAAkAAAAEgAAACQAAAASAAAAAAAAAABAAAAAAAAAAEAAABQAAAAAAAAAAAA4D8AAAAAAADgPwAAAAAAAOA/AAAAAAAA4D8AAAAAAADgPwAAAAAAAOA/AAAAAAAA4D8AAAAAAADgPwAAAAAAAOA/AAAAAAAA4D8CAAAAjAAAAAAAAAAAAAAARHLEDP///wgAAAAAAAAAAAAAAAAAAAAAAAAAAAAAAAAAAAAAZAAAAAEAAABAAAAAAAAAAAAAAAAAAAAAAAAAAAAAAAAAAAAAAAAAAAAAAAAAAAAAAAAAAAAAAAAAAAAAAAAAAAAAAAAAAAAAAAAAAAAAAAAAAAAAAAAAAAAAAAAAAAAAFAAAADwAAAAAAAAAAAAAAAAAAAkUAAAAAQAAABQAAAAUAAAAFAAAAAEAAAAAAAAAZAAAAGQAAAAAAAAAZAAAAGQAAAAVAAAAYAAAAAAAAAAAAAAADwAAACADAAAAAAAAAAAAAAEAAACgMgAAVgcAAKr4//8BAAAAf39/AAEAAABkAAAAAAAAABQAAABAHwAAAAAAACYAAAAAAAAAwOD//wAAAAAmAAAAZAAAABYAAABMAAAAAAAAAAAAAAAEAAAAAAAAAAEAAADn5uYKAAAAACgAAAAoAAAAZAAAAGQAAAAAAAAAzMzMAAAAAABQAAAAUAAAAGQAAABkAAAAAAAAABcAAAAUAAAAAAAAAAAAAAD/fwAA/38AAAAAAAAJAAAABAAAAAAAAAAeAAAAaAAAAAAAAAAAAAAAAAAAAAAAAAAAAAAAECcAABAnAAAAAAAAAAAAAAAAAAAAAAAAAAAAAAAAAAAAAAAAAAAAABQAAAAAAAAAwMD/AAAAAABkAAAAMgAAAAAAAABkAAAAAAAAAH9/fwAKAAAAIgAAABgAAAAAAAAAAAAAAAAAAAAAAAAAAAAAAAAAAAAkAAAAJAAAAAAAAAAHAAAAAAAAAAAAAAAAAAAAAAAAAAAAAAAAAAAAf39/ACUAAABYAAAAAAAAAAAAAAAAAAAAAAAAAAAAAAAAAAAAAAAAAAAAAAAAAAAAAAAAAAAAAAA/AAAAAAAAAKCGAQAAAAAAAAAAAAAAAAAMAAAAAQAAAAAAAAAAAAAAAAAAAB8AAABUAAAAAAAABQAAAAEAAAAAAAAAAAAAAAAAAAAAAAAAAAAAAAAAAAAAAAAAAAAAAAJ/f38AAAAAA8zMzADAwP8Af39/AAAAAAAAAAAAAAAAAAAAAAAAAAAAIQAAABgAAAAUAAAA2BgAABonAAAoMgAAWSkAABAAAAAmAAAACAAAAAAAAAAAAAAAMAAAABQAAAAAAAAAAAD//wAAAQAAAP//AAABAA=="/>
+                <pr:smNativeData xmlns:pr="smNativeData" xmlns="smNativeData" val="SMDATA_16_FAWHYRMAAAAlAAAAZAAAAA0AAAAAkAAAAEgAAACQAAAASAAAAAAAAAABAAAAAAAAAAEAAABQAAAAAAAAAAAA4D8AAAAAAADgPwAAAAAAAOA/AAAAAAAA4D8AAAAAAADgPwAAAAAAAOA/AAAAAAAA4D8AAAAAAADgPwAAAAAAAOA/AAAAAAAA4D8CAAAAjAAAAAAAAAAAAAAARHLEDP///wgAAAAAAAAAAAAAAAAAAAAAAAAAAAAAAAAAAAAAZAAAAAEAAABAAAAAAAAAAAAAAAAAAAAAAAAAAAAAAAAAAAAAAAAAAAAAAAAAAAAAAAAAAAAAAAAAAAAAAAAAAAAAAAAAAAAAAAAAAAAAAAAAAAAAAAAAAAAAAAAAAAAAFAAAADwAAAAAAAAAAAAAAAAAAAkUAAAAAQAAABQAAAAUAAAAFAAAAAEAAAAAAAAAZAAAAGQAAAAAAAAAZAAAAGQAAAAVAAAAYAAAAAAAAAAAAAAADwAAACADAAAAAAAAAAAAAAEAAACgMgAAVgcAAKr4//8BAAAAf39/AAEAAABkAAAAAAAAABQAAABAHwAAAAAAACYAAAAAAAAAwOD//wAAAAAmAAAAZAAAABYAAABMAAAAAAAAAAAAAAAEAAAAAAAAAAEAAADn5uYKAAAAACgAAAAoAAAAZAAAAGQAAAAAAAAAzMzMAAAAAABQAAAAUAAAAGQAAABkAAAAAAAAABcAAAAUAAAAAAAAAAAAAAD/fwAA/38AAAAAAAAJAAAABAAAAAAAAAAeAAAAaAAAAAAAAAAAAAAAAAAAAAAAAAAAAAAAECcAABAnAAAAAAAAAAAAAAAAAAAAAAAAAAAAAAAAAAAAAAAAAAAAABQAAAAAAAAAwMD/AAAAAABkAAAAMgAAAAAAAABkAAAAAAAAAH9/fwAKAAAAIgAAABgAAAAAAAAAAAAAAAAAAAAAAAAAAAAAAAAAAAAkAAAAJAAAAAAAAAAHAAAAAAAAAAAAAAAAAAAAAAAAAAAAAAAAAAAAf39/ACUAAABYAAAAAAAAAAAAAAAAAAAAAAAAAAAAAAAAAAAAAAAAAAAAAAAAAAAAAAAAAAAAAAA/AAAAAAAAAKCGAQAAAAAAAAAAAAAAAAAMAAAAAQAAAAAAAAAAAAAAAAAAAB8AAABUAAAAAAAABQAAAAEAAAAAAAAAAAAAAAAAAAAAAAAAAAAAAAAAAAAAAAAAAAAAAAJ/f38AAAAAA8zMzADAwP8Af39/AAAAAAAAAAAAAAAAAAAAAAAAAAAAIQAAABgAAAAUAAAA2BgAABonAAAoMgAAWSkAABAAAAAmAAAACAAAAAAAAAAAAAAAMAAAABQAAAAAAAAAAAD//wAAAQAAAP//AAABAA=="/>
               </a:ext>
             </a:extLst>
           </p:cNvSpPr>
@@ -3011,7 +3011,7 @@
             <a:spLocks noGrp="1" noChangeArrowheads="1"/>
             <a:extLst>
               <a:ext uri="smNativeData">
-                <pr:smNativeData xmlns:pr="smNativeData" xmlns="smNativeData" val="SMDATA_16_gfoFYRMAAAAlAAAAZAAAAA0AAAAAkAAAAEgAAACQAAAASAAAAAAAAAABAAAAAAAAAAEAAABQAAAAAAAAAAAA4D8AAAAAAADgPwAAAAAAAOA/AAAAAAAA4D8AAAAAAADgPwAAAAAAAOA/AAAAAAAA4D8AAAAAAADgPwAAAAAAAOA/AAAAAAAA4D8CAAAAjAAAAAAAAAAAAAAARHLEDP///wgAAAAAAAAAAAAAAAAAAAAAAAAAAAAAAAAAAAAAZAAAAAEAAABAAAAAAAAAAAAAAAAAAAAAAAAAAAAAAAAAAAAAAAAAAAAAAAAAAAAAAAAAAAAAAAAAAAAAAAAAAAAAAAAAAAAAAAAAAAAAAAAAAAAAAAAAAAAAAAAAAAAAFAAAADwAAAAAAAAAAAAAAAAAAAkUAAAAAQAAABQAAAAUAAAAFAAAAAEAAAAAAAAAZAAAAGQAAAAAAAAAZAAAAGQAAAAVAAAAYAAAAAAAAAAAAAAADwAAACADAAAAAAAAAAAAAAEAAACgMgAAVgcAAKr4//8BAAAAf39/AAEAAABkAAAAAAAAABQAAABAHwAAAAAAACYAAAAAAAAAwOD//wAAAAAmAAAAZAAAABYAAABMAAAAAAAAAAAAAAAEAAAAAAAAAAEAAADn5uYKAAAAACgAAAAoAAAAZAAAAGQAAAAAAAAAzMzMAAAAAABQAAAAUAAAAGQAAABkAAAAAAAAABcAAAAUAAAAAAAAAAAAAAD/fwAA/38AAAAAAAAJAAAABAAAAAAAAAAeAAAAaAAAAAAAAAAAAAAAAAAAAAAAAAAAAAAAECcAABAnAAAAAAAAAAAAAAAAAAAAAAAAAAAAAAAAAAAAAAAAAAAAABQAAAAAAAAAwMD/AAAAAABkAAAAMgAAAAAAAABkAAAAAAAAAH9/fwAKAAAAIgAAABgAAAAAAAAAAAAAAAAAAAAAAAAAAAAAAAAAAAAkAAAAJAAAAAAAAAAHAAAAAAAAAAAAAAAAAAAAAAAAAAAAAAAAAAAAf39/ACUAAABYAAAAAAAAAAAAAAAAAAAAAAAAAAAAAAAAAAAAAAAAAAAAAAAAAAAAAAAAAAAAAAA/AAAAAAAAAKCGAQAAAAAAAAAAAAAAAAAMAAAAAQAAAAAAAAAAAAAAAAAAAB8AAABUAAAAAAAABQAAAAEAAAAAAAAAAAAAAAAAAAAAAAAAAAAAAAAAAAAAAAAAAAAAAAJ/f38AAAAAA8zMzADAwP8Af39/AAAAAAAAAAAAAAAAAAAAAAAAAAAAIQAAABgAAAAUAAAA+DQAABonAADYRQAAWSkAABAAAAAmAAAACAAAAAAAAAAAAAAAMAAAABQAAAAAAAAAAAD//wAAAQAAAP//AAABAA=="/>
+                <pr:smNativeData xmlns:pr="smNativeData" xmlns="smNativeData" val="SMDATA_16_FAWHYRMAAAAlAAAAZAAAAA0AAAAAkAAAAEgAAACQAAAASAAAAAAAAAABAAAAAAAAAAEAAABQAAAAAAAAAAAA4D8AAAAAAADgPwAAAAAAAOA/AAAAAAAA4D8AAAAAAADgPwAAAAAAAOA/AAAAAAAA4D8AAAAAAADgPwAAAAAAAOA/AAAAAAAA4D8CAAAAjAAAAAAAAAAAAAAARHLEDP///wgAAAAAAAAAAAAAAAAAAAAAAAAAAAAAAAAAAAAAZAAAAAEAAABAAAAAAAAAAAAAAAAAAAAAAAAAAAAAAAAAAAAAAAAAAAAAAAAAAAAAAAAAAAAAAAAAAAAAAAAAAAAAAAAAAAAAAAAAAAAAAAAAAAAAAAAAAAAAAAAAAAAAFAAAADwAAAAAAAAAAAAAAAAAAAkUAAAAAQAAABQAAAAUAAAAFAAAAAEAAAAAAAAAZAAAAGQAAAAAAAAAZAAAAGQAAAAVAAAAYAAAAAAAAAAAAAAADwAAACADAAAAAAAAAAAAAAEAAACgMgAAVgcAAKr4//8BAAAAf39/AAEAAABkAAAAAAAAABQAAABAHwAAAAAAACYAAAAAAAAAwOD//wAAAAAmAAAAZAAAABYAAABMAAAAAAAAAAAAAAAEAAAAAAAAAAEAAADn5uYKAAAAACgAAAAoAAAAZAAAAGQAAAAAAAAAzMzMAAAAAABQAAAAUAAAAGQAAABkAAAAAAAAABcAAAAUAAAAAAAAAAAAAAD/fwAA/38AAAAAAAAJAAAABAAAAAAAAAAeAAAAaAAAAAAAAAAAAAAAAAAAAAAAAAAAAAAAECcAABAnAAAAAAAAAAAAAAAAAAAAAAAAAAAAAAAAAAAAAAAAAAAAABQAAAAAAAAAwMD/AAAAAABkAAAAMgAAAAAAAABkAAAAAAAAAH9/fwAKAAAAIgAAABgAAAAAAAAAAAAAAAAAAAAAAAAAAAAAAAAAAAAkAAAAJAAAAAAAAAAHAAAAAAAAAAAAAAAAAAAAAAAAAAAAAAAAAAAAf39/ACUAAABYAAAAAAAAAAAAAAAAAAAAAAAAAAAAAAAAAAAAAAAAAAAAAAAAAAAAAAAAAAAAAAA/AAAAAAAAAKCGAQAAAAAAAAAAAAAAAAAMAAAAAQAAAAAAAAAAAAAAAAAAAB8AAABUAAAAAAAABQAAAAEAAAAAAAAAAAAAAAAAAAAAAAAAAAAAAAAAAAAAAAAAAAAAAAJ/f38AAAAAA8zMzADAwP8Af39/AAAAAAAAAAAAAAAAAAAAAAAAAAAAIQAAABgAAAAUAAAA+DQAABonAADYRQAAWSkAABAAAAAmAAAACAAAAAAAAAAAAAAAMAAAABQAAAAAAAAAAAD//wAAAQAAAP//AAABAA=="/>
               </a:ext>
             </a:extLst>
           </p:cNvSpPr>
@@ -3027,7 +3027,7 @@
             <a:pPr>
               <a:defRPr lang="en-us"/>
             </a:pPr>
-            <a:fld id="{3AB23DA2-ECD7-E7CB-990A-1A9E73446F4F}" type="slidenum">
+            <a:fld id="{35CA3100-4ED8-9FC7-9672-B8927F3C60ED}" type="slidenum">
               <a:rPr lang="en-au" cap="none"/>
               <a:t>‹#›</a:t>
             </a:fld>
@@ -3076,7 +3076,7 @@
             <a:spLocks noGrp="1" noChangeArrowheads="1"/>
             <a:extLst>
               <a:ext uri="smNativeData">
-                <pr:smNativeData xmlns:pr="smNativeData" xmlns="smNativeData" val="SMDATA_16_gfoFYRMAAAAlAAAAZAAAAA0AAAAAkAAAAEgAAACQAAAASAAAAAAAAAABAAAAAAAAAAEAAABQAAAAAAAAAAAA4D8AAAAAAADgPwAAAAAAAOA/AAAAAAAA4D8AAAAAAADgPwAAAAAAAOA/AAAAAAAA4D8AAAAAAADgPwAAAAAAAOA/AAAAAAAA4D8CAAAAjAAAAAAAAAAAAAAA////AP///wgAAAAAAAAAAAAAAAAAAAAAAAAAAAAAAAAAAAAAeAAAAAEAAABAAAAAAAAAAAAAAABaAAAAAAAAAAAAAAAAAAAAAAAAAAAAAAAAAAAAAAAAAAAAAAAAAAAAAAAAAAAAAAAAAAAAAAAAAAAAAAAAAAAAAAAAAAAAAAAAAAAAFAAAADwAAAAAAAAAAAAAAAAAAAAPAAAAAQAAACMAAAAjAAAAIwAAAB4AAAAAAAAAZAAAAGQAAAAAAAAAZAAAAGQAAAAVAAAAYAAAAAAAAAAAAAAADwAAACADAAAAAAAAAAAAAAEAAACgMgAAVgcAAKr4//8BAAAAf39/AAEAAABkAAAAAAAAABQAAABAHwAAAAAAACYAAAAAAAAAwOD//wAAAAAmAAAAZAAAABYAAABMAAAAAAAAAAAAAAAEAAAAAAAAAAEAAADn5uYKAAAAACgAAAAoAAAAZAAAAGQAAAAAAAAAzMzMAAAAAABQAAAAUAAAAGQAAABkAAAAAAAAABcAAAAUAAAAAAAAAAAAAAD/fwAA/38AAAAAAAAJAAAABAAAAAAAAAAeAAAAaAAAAAAAAAAAAAAAAAAAAAAAAAAAAAAAECcAABAnAAAAAAAAAAAAAAAAAAAAAAAAAAAAAAAAAAAAAAAAAAAAABQAAAAAAAAAwMD/AAAAAABkAAAAMgAAAAAAAABkAAAAAAAAAH9/fwAKAAAAIgAAABgAAAAAAAAAAAAAAAAAAAAAAAAAAAAAAAAAAAAkAAAAJAAAAAAAAAAHAAAAAAAAAAAAAAAAAAAAAAAAAAAAAAAAAAAAf39/ACUAAABYAAAAAAAAAAAAAAAAAAAAAAAAAAAAAAAAAAAAAAAAAAAAAAAAAAAAAAAAAAAAAAA/AAAAAAAAAKCGAQAAAAAAAAAAAAAAAAAMAAAAAQAAAAAAAAAAAAAAAAAAAB8AAABUAAAA////AAAAAAEAAAAAAAAAAAAAAAAAAAAAAAAAAAAAAAAAAAAAAAAAAAAAAAB/f38AAAAAA8zMzADAwP8Af39/AAAAAAAAAAAAAAAAAAAAAAAAAAAAIQAAABgAAAAUAAAAKAUAAD8CAADYRQAAZwoAABAAAAAmAAAACAAAAL8vAAAAAAAAMAAAABQAAAAAAAAAAAD//wAAAQAAAP//AAABAA=="/>
+                <pr:smNativeData xmlns:pr="smNativeData" xmlns="smNativeData" val="SMDATA_16_FAWHYRMAAAAlAAAAZAAAAA0AAAAAkAAAAEgAAACQAAAASAAAAAAAAAABAAAAAAAAAAEAAABQAAAAAAAAAAAA4D8AAAAAAADgPwAAAAAAAOA/AAAAAAAA4D8AAAAAAADgPwAAAAAAAOA/AAAAAAAA4D8AAAAAAADgPwAAAAAAAOA/AAAAAAAA4D8CAAAAjAAAAAAAAAAAAAAA////AP///wgAAAAAAAAAAAAAAAAAAAAAAAAAAAAAAAAAAAAAeAAAAAEAAABAAAAAAAAAAAAAAABaAAAAAAAAAAAAAAAAAAAAAAAAAAAAAAAAAAAAAAAAAAAAAAAAAAAAAAAAAAAAAAAAAAAAAAAAAAAAAAAAAAAAAAAAAAAAAAAAAAAAFAAAADwAAAAAAAAAAAAAAAAAAAAPAAAAAQAAACMAAAAjAAAAIwAAAB4AAAAAAAAAZAAAAGQAAAAAAAAAZAAAAGQAAAAVAAAAYAAAAAAAAAAAAAAADwAAACADAAAAAAAAAAAAAAEAAACgMgAAVgcAAKr4//8BAAAAf39/AAEAAABkAAAAAAAAABQAAABAHwAAAAAAACYAAAAAAAAAwOD//wAAAAAmAAAAZAAAABYAAABMAAAAAAAAAAAAAAAEAAAAAAAAAAEAAADn5uYKAAAAACgAAAAoAAAAZAAAAGQAAAAAAAAAzMzMAAAAAABQAAAAUAAAAGQAAABkAAAAAAAAABcAAAAUAAAAAAAAAAAAAAD/fwAA/38AAAAAAAAJAAAABAAAAAAAAAAeAAAAaAAAAAAAAAAAAAAAAAAAAAAAAAAAAAAAECcAABAnAAAAAAAAAAAAAAAAAAAAAAAAAAAAAAAAAAAAAAAAAAAAABQAAAAAAAAAwMD/AAAAAABkAAAAMgAAAAAAAABkAAAAAAAAAH9/fwAKAAAAIgAAABgAAAAAAAAAAAAAAAAAAAAAAAAAAAAAAAAAAAAkAAAAJAAAAAAAAAAHAAAAAAAAAAAAAAAAAAAAAAAAAAAAAAAAAAAAf39/ACUAAABYAAAAAAAAAAAAAAAAAAAAAAAAAAAAAAAAAAAAAAAAAAAAAAAAAAAAAAAAAAAAAAA/AAAAAAAAAKCGAQAAAAAAAAAAAAAAAAAMAAAAAQAAAAAAAAAAAAAAAAAAAB8AAABUAAAA////AAAAAAEAAAAAAAAAAAAAAAAAAAAAAAAAAAAAAAAAAAAAAAAAAAAAAAB/f38AAAAAA8zMzADAwP8Af39/AAAAAAAAAAAAAAAAAAAAAAAAAAAAIQAAABgAAAAUAAAAKAUAAD8CAADYRQAAZwoAABAAAAAmAAAACAAAAL8vAAAAAAAAMAAAABQAAAAAAAAAAAD//wAAAQAAAP//AAABAA=="/>
               </a:ext>
             </a:extLst>
           </p:cNvSpPr>
@@ -3118,7 +3118,7 @@
             <a:spLocks noGrp="1" noChangeArrowheads="1"/>
             <a:extLst>
               <a:ext uri="smNativeData">
-                <pr:smNativeData xmlns:pr="smNativeData" xmlns="smNativeData" val="SMDATA_16_gfoFYRMAAAAlAAAAZAAAAA0AAAAAkAAAAEgAAACQAAAASAAAAAAAAAAAAAAAAAAAAAEAAABQAAAAAAAAAAAA4D8AAAAAAADgPwAAAAAAAOA/AAAAAAAA4D8AAAAAAADgPwAAAAAAAOA/AAAAAAAA4D8AAAAAAADgPwAAAAAAAOA/AAAAAAAA4D8CAAAAjAAAAAAAAAAAAAAA////AP///wgAAAAAAAAAAAAAAAAAAAAAAAAAAAAAAAAAAAAAeAAAAAEAAABAAAAAAAAAAAAAAABaAAAAAAAAAAAAAAAAAAAAAAAAAAAAAAAAAAAAAAAAAAAAAAAAAAAAAAAAAAAAAAAAAAAAAAAAAAAAAAAAAAAAAAAAAAAAAAAAAAAAFAAAADwAAAAAAAAAAAAAAAAAAAAPAAAAAQAAACMAAAAjAAAAIwAAAB4AAAAAAAAAZAAAAGQAAAAAAAAAZAAAAGQAAAAVAAAAYAAAAAAAAAAAAAAADwAAACADAAAAAAAAAAAAAAEAAACgMgAAVgcAAKr4//8BAAAAf39/AAEAAABkAAAAAAAAABQAAABAHwAAAAAAACYAAAAAAAAAwOD//wAAAAAmAAAAZAAAABYAAABMAAAAAAAAAAAAAAAEAAAAAAAAAAEAAADn5uYKAAAAACgAAAAoAAAAZAAAAGQAAAAAAAAAzMzMAAAAAABQAAAAUAAAAGQAAABkAAAAAAAAABcAAAAUAAAAAAAAAAAAAAD/fwAA/38AAAAAAAAJAAAABAAAAAAAAAAeAAAAaAAAAAAAAAAAAAAAAAAAAAAAAAAAAAAAECcAABAnAAAAAAAAAAAAAAAAAAAAAAAAAAAAAAAAAAAAAAAAAAAAABQAAAAAAAAAwMD/AAAAAABkAAAAMgAAAAAAAABkAAAAAAAAAH9/fwAKAAAAIgAAABgAAAAAAAAAAAAAAAAAAAAAAAAAAAAAAAAAAAAkAAAAJAAAAAAAAAAHAAAAAAAAAAAAAAAAAAAAAAAAAAAAAAAAAAAAf39/ACUAAABYAAAAAAAAAAAAAAAAAAAAAAAAAAAAAAAAAAAAAAAAAAAAAAAAAAAAAAAAAAAAAAA/AAAAAAAAAKCGAQAAAAAAAAAAAAAAAAAMAAAAAQAAAAAAAAAAAAAAAAAAAB8AAABUAAAA////AAAAAAEAAAAAAAAAAAAAAAAAAAAAAAAAAAAAAAAAAAAAAAAAAAAAAAB/f38AAAAAA8zMzADAwP8Af39/AAAAAAAAAAAAAAAAAAAAAAAAAAAAIQAAABgAAAAUAAAAKAUAADsLAADYRQAAACYAABAAAAAmAAAACAAAAD8vAAAAAAAAMAAAABQAAAAAAAAAAAD//wAAAQAAAP//AAABAA=="/>
+                <pr:smNativeData xmlns:pr="smNativeData" xmlns="smNativeData" val="SMDATA_16_FAWHYRMAAAAlAAAAZAAAAA0AAAAAkAAAAEgAAACQAAAASAAAAAAAAAAAAAAAAAAAAAEAAABQAAAAAAAAAAAA4D8AAAAAAADgPwAAAAAAAOA/AAAAAAAA4D8AAAAAAADgPwAAAAAAAOA/AAAAAAAA4D8AAAAAAADgPwAAAAAAAOA/AAAAAAAA4D8CAAAAjAAAAAAAAAAAAAAA////AP///wgAAAAAAAAAAAAAAAAAAAAAAAAAAAAAAAAAAAAAeAAAAAEAAABAAAAAAAAAAAAAAABaAAAAAAAAAAAAAAAAAAAAAAAAAAAAAAAAAAAAAAAAAAAAAAAAAAAAAAAAAAAAAAAAAAAAAAAAAAAAAAAAAAAAAAAAAAAAAAAAAAAAFAAAADwAAAAAAAAAAAAAAAAAAAAPAAAAAQAAACMAAAAjAAAAIwAAAB4AAAAAAAAAZAAAAGQAAAAAAAAAZAAAAGQAAAAVAAAAYAAAAAAAAAAAAAAADwAAACADAAAAAAAAAAAAAAEAAACgMgAAVgcAAKr4//8BAAAAf39/AAEAAABkAAAAAAAAABQAAABAHwAAAAAAACYAAAAAAAAAwOD//wAAAAAmAAAAZAAAABYAAABMAAAAAAAAAAAAAAAEAAAAAAAAAAEAAADn5uYKAAAAACgAAAAoAAAAZAAAAGQAAAAAAAAAzMzMAAAAAABQAAAAUAAAAGQAAABkAAAAAAAAABcAAAAUAAAAAAAAAAAAAAD/fwAA/38AAAAAAAAJAAAABAAAAAAAAAAeAAAAaAAAAAAAAAAAAAAAAAAAAAAAAAAAAAAAECcAABAnAAAAAAAAAAAAAAAAAAAAAAAAAAAAAAAAAAAAAAAAAAAAABQAAAAAAAAAwMD/AAAAAABkAAAAMgAAAAAAAABkAAAAAAAAAH9/fwAKAAAAIgAAABgAAAAAAAAAAAAAAAAAAAAAAAAAAAAAAAAAAAAkAAAAJAAAAAAAAAAHAAAAAAAAAAAAAAAAAAAAAAAAAAAAAAAAAAAAf39/ACUAAABYAAAAAAAAAAAAAAAAAAAAAAAAAAAAAAAAAAAAAAAAAAAAAAAAAAAAAAAAAAAAAAA/AAAAAAAAAKCGAQAAAAAAAAAAAAAAAAAMAAAAAQAAAAAAAAAAAAAAAAAAAB8AAABUAAAA////AAAAAAEAAAAAAAAAAAAAAAAAAAAAAAAAAAAAAAAAAAAAAAAAAAAAAAB/f38AAAAAA8zMzADAwP8Af39/AAAAAAAAAAAAAAAAAAAAAAAAAAAAIQAAABgAAAAUAAAAKAUAADsLAADYRQAAACYAABAAAAAmAAAACAAAAD8vAAAAAAAAMAAAABQAAAAAAAAAAAD//wAAAQAAAP//AAABAA=="/>
               </a:ext>
             </a:extLst>
           </p:cNvSpPr>
@@ -3192,7 +3192,7 @@
             <a:spLocks noGrp="1" noChangeArrowheads="1"/>
             <a:extLst>
               <a:ext uri="smNativeData">
-                <pr:smNativeData xmlns:pr="smNativeData" xmlns="smNativeData" val="SMDATA_16_gfoFYRMAAAAlAAAAZAAAAA0AAAAAkAAAAEgAAACQAAAASAAAAAAAAAABAAAAAAAAAAEAAABQAAAAAAAAAAAA4D8AAAAAAADgPwAAAAAAAOA/AAAAAAAA4D8AAAAAAADgPwAAAAAAAOA/AAAAAAAA4D8AAAAAAADgPwAAAAAAAOA/AAAAAAAA4D8CAAAAjAAAAAAAAAAAAAAA////AP///wgAAAAAAAAAAAAAAAAAAAAAAAAAAAAAAAAAAAAAeAAAAAEAAABAAAAAAAAAAAAAAABaAAAAAAAAAAAAAAAAAAAAAAAAAAAAAAAAAAAAAAAAAAAAAAAAAAAAAAAAAAAAAAAAAAAAAAAAAAAAAAAAAAAAAAAAAAAAAAAAAAAAFAAAADwAAAAAAAAAAAAAAAAAAAAPAAAAAQAAACMAAAAjAAAAIwAAAB4AAAAAAAAAZAAAAGQAAAAAAAAAZAAAAGQAAAAVAAAAYAAAAAAAAAAAAAAADwAAACADAAAAAAAAAAAAAAEAAACgMgAAVgcAAKr4//8BAAAAf39/AAEAAABkAAAAAAAAABQAAABAHwAAAAAAACYAAAAAAAAAwOD//wAAAAAmAAAAZAAAABYAAABMAAAAAAAAAAAAAAAEAAAAAAAAAAEAAADn5uYKAAAAACgAAAAoAAAAZAAAAGQAAAAAAAAAzMzMAAAAAABQAAAAUAAAAGQAAABkAAAAAAAAABcAAAAUAAAAAAAAAAAAAAD/fwAA/38AAAAAAAAJAAAABAAAAAAAAAAeAAAAaAAAAAAAAAAAAAAAAAAAAAAAAAAAAAAAECcAABAnAAAAAAAAAAAAAAAAAAAAAAAAAAAAAAAAAAAAAAAAAAAAABQAAAAAAAAAwMD/AAAAAABkAAAAMgAAAAAAAABkAAAAAAAAAH9/fwAKAAAAIgAAABgAAAAAAAAAAAAAAAAAAAAAAAAAAAAAAAAAAAAkAAAAJAAAAAAAAAAHAAAAAAAAAAAAAAAAAAAAAAAAAAAAAAAAAAAAf39/ACUAAABYAAAAAAAAAAAAAAAAAAAAAAAAAAAAAAAAAAAAAAAAAAAAAAAAAAAAAAAAAAAAAAA/AAAAAAAAAKCGAQAAAAAAAAAAAAAAAAAMAAAAAQAAAAAAAAAAAAAAAAAAAB8AAABUAAAA////AAAAAAEAAAAAAAAAAAAAAAAAAAAAAAAAAAAAAAAAAAAAAAAAAAAAAAB/f38AAAAAA8zMzADAwP8Af39/AAAAAAAAAAAAAAAAAAAAAAAAAAAAIQAAABgAAAAUAAAAKAUAABonAAAIFgAAWSkAABAAAAAmAAAACAAAAL+PAAAAAAAAMAAAABQAAAAAAAAAAAD//wAAAQAAAP//AAABAA=="/>
+                <pr:smNativeData xmlns:pr="smNativeData" xmlns="smNativeData" val="SMDATA_16_FAWHYRMAAAAlAAAAZAAAAA0AAAAAkAAAAEgAAACQAAAASAAAAAAAAAABAAAAAAAAAAEAAABQAAAAAAAAAAAA4D8AAAAAAADgPwAAAAAAAOA/AAAAAAAA4D8AAAAAAADgPwAAAAAAAOA/AAAAAAAA4D8AAAAAAADgPwAAAAAAAOA/AAAAAAAA4D8CAAAAjAAAAAAAAAAAAAAA////AP///wgAAAAAAAAAAAAAAAAAAAAAAAAAAAAAAAAAAAAAeAAAAAEAAABAAAAAAAAAAAAAAABaAAAAAAAAAAAAAAAAAAAAAAAAAAAAAAAAAAAAAAAAAAAAAAAAAAAAAAAAAAAAAAAAAAAAAAAAAAAAAAAAAAAAAAAAAAAAAAAAAAAAFAAAADwAAAAAAAAAAAAAAAAAAAAPAAAAAQAAACMAAAAjAAAAIwAAAB4AAAAAAAAAZAAAAGQAAAAAAAAAZAAAAGQAAAAVAAAAYAAAAAAAAAAAAAAADwAAACADAAAAAAAAAAAAAAEAAACgMgAAVgcAAKr4//8BAAAAf39/AAEAAABkAAAAAAAAABQAAABAHwAAAAAAACYAAAAAAAAAwOD//wAAAAAmAAAAZAAAABYAAABMAAAAAAAAAAAAAAAEAAAAAAAAAAEAAADn5uYKAAAAACgAAAAoAAAAZAAAAGQAAAAAAAAAzMzMAAAAAABQAAAAUAAAAGQAAABkAAAAAAAAABcAAAAUAAAAAAAAAAAAAAD/fwAA/38AAAAAAAAJAAAABAAAAAAAAAAeAAAAaAAAAAAAAAAAAAAAAAAAAAAAAAAAAAAAECcAABAnAAAAAAAAAAAAAAAAAAAAAAAAAAAAAAAAAAAAAAAAAAAAABQAAAAAAAAAwMD/AAAAAABkAAAAMgAAAAAAAABkAAAAAAAAAH9/fwAKAAAAIgAAABgAAAAAAAAAAAAAAAAAAAAAAAAAAAAAAAAAAAAkAAAAJAAAAAAAAAAHAAAAAAAAAAAAAAAAAAAAAAAAAAAAAAAAAAAAf39/ACUAAABYAAAAAAAAAAAAAAAAAAAAAAAAAAAAAAAAAAAAAAAAAAAAAAAAAAAAAAAAAAAAAAA/AAAAAAAAAKCGAQAAAAAAAAAAAAAAAAAMAAAAAQAAAAAAAAAAAAAAAAAAAB8AAABUAAAA////AAAAAAEAAAAAAAAAAAAAAAAAAAAAAAAAAAAAAAAAAAAAAAAAAAAAAAB/f38AAAAAA8zMzADAwP8Af39/AAAAAAAAAAAAAAAAAAAAAAAAAAAAIQAAABgAAAAUAAAAKAUAABonAAAIFgAAWSkAABAAAAAmAAAACAAAAL+PAAAAAAAAMAAAABQAAAAAAAAAAAD//wAAAQAAAP//AAABAA=="/>
               </a:ext>
             </a:extLst>
           </p:cNvSpPr>
@@ -3252,7 +3252,7 @@
             <a:pPr>
               <a:defRPr lang="en-us"/>
             </a:pPr>
-            <a:fld id="{3AB22D58-16D7-E7DB-990A-E08E63446FB5}" type="datetime1">
+            <a:fld id="{35CA5EC6-88D8-9FA8-9672-7EFD103C602B}" type="datetime1">
               <a:rPr lang="en-au" cap="none"/>
               <a:t/>
             </a:fld>
@@ -3267,7 +3267,7 @@
             <a:spLocks noGrp="1" noChangeArrowheads="1"/>
             <a:extLst>
               <a:ext uri="smNativeData">
-                <pr:smNativeData xmlns:pr="smNativeData" xmlns="smNativeData" val="SMDATA_16_gfoFYRMAAAAlAAAAZAAAAA0AAAAAkAAAAEgAAACQAAAASAAAAAAAAAABAAAAAAAAAAEAAABQAAAAAAAAAAAA4D8AAAAAAADgPwAAAAAAAOA/AAAAAAAA4D8AAAAAAADgPwAAAAAAAOA/AAAAAAAA4D8AAAAAAADgPwAAAAAAAOA/AAAAAAAA4D8CAAAAjAAAAAAAAAAAAAAA////AP///wgAAAAAAAAAAAAAAAAAAAAAAAAAAAAAAAAAAAAAeAAAAAEAAABAAAAAAAAAAAAAAABaAAAAAAAAAAAAAAAAAAAAAAAAAAAAAAAAAAAAAAAAAAAAAAAAAAAAAAAAAAAAAAAAAAAAAAAAAAAAAAAAAAAAAAAAAAAAAAAAAAAAFAAAADwAAAAAAAAAAAAAAAAAAAAPAAAAAQAAACMAAAAjAAAAIwAAAB4AAAAAAAAAZAAAAGQAAAAAAAAAZAAAAGQAAAAVAAAAYAAAAAAAAAAAAAAADwAAACADAAAAAAAAAAAAAAEAAACgMgAAVgcAAKr4//8BAAAAf39/AAEAAABkAAAAAAAAABQAAABAHwAAAAAAACYAAAAAAAAAwOD//wAAAAAmAAAAZAAAABYAAABMAAAAAAAAAAAAAAAEAAAAAAAAAAEAAADn5uYKAAAAACgAAAAoAAAAZAAAAGQAAAAAAAAAzMzMAAAAAABQAAAAUAAAAGQAAABkAAAAAAAAABcAAAAUAAAAAAAAAAAAAAD/fwAA/38AAAAAAAAJAAAABAAAAAAAAAAeAAAAaAAAAAAAAAAAAAAAAAAAAAAAAAAAAAAAECcAABAnAAAAAAAAAAAAAAAAAAAAAAAAAAAAAAAAAAAAAAAAAAAAABQAAAAAAAAAwMD/AAAAAABkAAAAMgAAAAAAAABkAAAAAAAAAH9/fwAKAAAAIgAAABgAAAAAAAAAAAAAAAAAAAAAAAAAAAAAAAAAAAAkAAAAJAAAAAAAAAAHAAAAAAAAAAAAAAAAAAAAAAAAAAAAAAAAAAAAf39/ACUAAABYAAAAAAAAAAAAAAAAAAAAAAAAAAAAAAAAAAAAAAAAAAAAAAAAAAAAAAAAAAAAAAA/AAAAAAAAAKCGAQAAAAAAAAAAAAAAAAAMAAAAAQAAAAAAAAAAAAAAAAAAAB8AAABUAAAA////AAAAAAEAAAAAAAAAAAAAAAAAAAAAAAAAAAAAAAAAAAAAAAAAAAAAAAB/f38AAAAAA8zMzADAwP8Af39/AAAAAAAAAAAAAAAAAAAAAAAAAAAAIQAAABgAAAAUAAAA2BgAABonAAAoMgAAWSkAABAAAAAmAAAACAAAAL+PAAAAAAAAMAAAABQAAAAAAAAAAAD//wAAAQAAAP//AAABAA=="/>
+                <pr:smNativeData xmlns:pr="smNativeData" xmlns="smNativeData" val="SMDATA_16_FAWHYRMAAAAlAAAAZAAAAA0AAAAAkAAAAEgAAACQAAAASAAAAAAAAAABAAAAAAAAAAEAAABQAAAAAAAAAAAA4D8AAAAAAADgPwAAAAAAAOA/AAAAAAAA4D8AAAAAAADgPwAAAAAAAOA/AAAAAAAA4D8AAAAAAADgPwAAAAAAAOA/AAAAAAAA4D8CAAAAjAAAAAAAAAAAAAAA////AP///wgAAAAAAAAAAAAAAAAAAAAAAAAAAAAAAAAAAAAAeAAAAAEAAABAAAAAAAAAAAAAAABaAAAAAAAAAAAAAAAAAAAAAAAAAAAAAAAAAAAAAAAAAAAAAAAAAAAAAAAAAAAAAAAAAAAAAAAAAAAAAAAAAAAAAAAAAAAAAAAAAAAAFAAAADwAAAAAAAAAAAAAAAAAAAAPAAAAAQAAACMAAAAjAAAAIwAAAB4AAAAAAAAAZAAAAGQAAAAAAAAAZAAAAGQAAAAVAAAAYAAAAAAAAAAAAAAADwAAACADAAAAAAAAAAAAAAEAAACgMgAAVgcAAKr4//8BAAAAf39/AAEAAABkAAAAAAAAABQAAABAHwAAAAAAACYAAAAAAAAAwOD//wAAAAAmAAAAZAAAABYAAABMAAAAAAAAAAAAAAAEAAAAAAAAAAEAAADn5uYKAAAAACgAAAAoAAAAZAAAAGQAAAAAAAAAzMzMAAAAAABQAAAAUAAAAGQAAABkAAAAAAAAABcAAAAUAAAAAAAAAAAAAAD/fwAA/38AAAAAAAAJAAAABAAAAAAAAAAeAAAAaAAAAAAAAAAAAAAAAAAAAAAAAAAAAAAAECcAABAnAAAAAAAAAAAAAAAAAAAAAAAAAAAAAAAAAAAAAAAAAAAAABQAAAAAAAAAwMD/AAAAAABkAAAAMgAAAAAAAABkAAAAAAAAAH9/fwAKAAAAIgAAABgAAAAAAAAAAAAAAAAAAAAAAAAAAAAAAAAAAAAkAAAAJAAAAAAAAAAHAAAAAAAAAAAAAAAAAAAAAAAAAAAAAAAAAAAAf39/ACUAAABYAAAAAAAAAAAAAAAAAAAAAAAAAAAAAAAAAAAAAAAAAAAAAAAAAAAAAAAAAAAAAAA/AAAAAAAAAKCGAQAAAAAAAAAAAAAAAAAMAAAAAQAAAAAAAAAAAAAAAAAAAB8AAABUAAAA////AAAAAAEAAAAAAAAAAAAAAAAAAAAAAAAAAAAAAAAAAAAAAAAAAAAAAAB/f38AAAAAA8zMzADAwP8Af39/AAAAAAAAAAAAAAAAAAAAAAAAAAAAIQAAABgAAAAUAAAA2BgAABonAAAoMgAAWSkAABAAAAAmAAAACAAAAL+PAAAAAAAAMAAAABQAAAAAAAAAAAD//wAAAQAAAP//AAABAA=="/>
               </a:ext>
             </a:extLst>
           </p:cNvSpPr>
@@ -3338,7 +3338,7 @@
             <a:spLocks noGrp="1" noChangeArrowheads="1"/>
             <a:extLst>
               <a:ext uri="smNativeData">
-                <pr:smNativeData xmlns:pr="smNativeData" xmlns="smNativeData" val="SMDATA_16_gfoFYRMAAAAlAAAAZAAAAA0AAAAAkAAAAEgAAACQAAAASAAAAAAAAAABAAAAAAAAAAEAAABQAAAAAAAAAAAA4D8AAAAAAADgPwAAAAAAAOA/AAAAAAAA4D8AAAAAAADgPwAAAAAAAOA/AAAAAAAA4D8AAAAAAADgPwAAAAAAAOA/AAAAAAAA4D8CAAAAjAAAAAAAAAAAAAAA////AP///wgAAAAAAAAAAAAAAAAAAAAAAAAAAAAAAAAAAAAAeAAAAAEAAABAAAAAAAAAAAAAAABaAAAAAAAAAAAAAAAAAAAAAAAAAAAAAAAAAAAAAAAAAAAAAAAAAAAAAAAAAAAAAAAAAAAAAAAAAAAAAAAAAAAAAAAAAAAAAAAAAAAAFAAAADwAAAAAAAAAAAAAAAAAAAAPAAAAAQAAACMAAAAjAAAAIwAAAB4AAAAAAAAAZAAAAGQAAAAAAAAAZAAAAGQAAAAVAAAAYAAAAAAAAAAAAAAADwAAACADAAAAAAAAAAAAAAEAAACgMgAAVgcAAKr4//8BAAAAf39/AAEAAABkAAAAAAAAABQAAABAHwAAAAAAACYAAAAAAAAAwOD//wAAAAAmAAAAZAAAABYAAABMAAAAAAAAAAAAAAAEAAAAAAAAAAEAAADn5uYKAAAAACgAAAAoAAAAZAAAAGQAAAAAAAAAzMzMAAAAAABQAAAAUAAAAGQAAABkAAAAAAAAABcAAAAUAAAAAAAAAAAAAAD/fwAA/38AAAAAAAAJAAAABAAAAAAAAAAeAAAAaAAAAAAAAAAAAAAAAAAAAAAAAAAAAAAAECcAABAnAAAAAAAAAAAAAAAAAAAAAAAAAAAAAAAAAAAAAAAAAAAAABQAAAAAAAAAwMD/AAAAAABkAAAAMgAAAAAAAABkAAAAAAAAAH9/fwAKAAAAIgAAABgAAAAAAAAAAAAAAAAAAAAAAAAAAAAAAAAAAAAkAAAAJAAAAAAAAAAHAAAAAAAAAAAAAAAAAAAAAAAAAAAAAAAAAAAAf39/ACUAAABYAAAAAAAAAAAAAAAAAAAAAAAAAAAAAAAAAAAAAAAAAAAAAAAAAAAAAAAAAAAAAAA/AAAAAAAAAKCGAQAAAAAAAAAAAAAAAAAMAAAAAQAAAAAAAAAAAAAAAAAAAB8AAABUAAAA////AAAAAAEAAAAAAAAAAAAAAAAAAAAAAAAAAAAAAAAAAAAAAAAAAAAAAAB/f38AAAAAA8zMzADAwP8Af39/AAAAAAAAAAAAAAAAAAAAAAAAAAAAIQAAABgAAAAUAAAA+DQAABonAADYRQAAWSkAABAAAAAmAAAACAAAAL+PAAAAAAAAMAAAABQAAAAAAAAAAAD//wAAAQAAAP//AAABAA=="/>
+                <pr:smNativeData xmlns:pr="smNativeData" xmlns="smNativeData" val="SMDATA_16_FAWHYRMAAAAlAAAAZAAAAA0AAAAAkAAAAEgAAACQAAAASAAAAAAAAAABAAAAAAAAAAEAAABQAAAAAAAAAAAA4D8AAAAAAADgPwAAAAAAAOA/AAAAAAAA4D8AAAAAAADgPwAAAAAAAOA/AAAAAAAA4D8AAAAAAADgPwAAAAAAAOA/AAAAAAAA4D8CAAAAjAAAAAAAAAAAAAAA////AP///wgAAAAAAAAAAAAAAAAAAAAAAAAAAAAAAAAAAAAAeAAAAAEAAABAAAAAAAAAAAAAAABaAAAAAAAAAAAAAAAAAAAAAAAAAAAAAAAAAAAAAAAAAAAAAAAAAAAAAAAAAAAAAAAAAAAAAAAAAAAAAAAAAAAAAAAAAAAAAAAAAAAAFAAAADwAAAAAAAAAAAAAAAAAAAAPAAAAAQAAACMAAAAjAAAAIwAAAB4AAAAAAAAAZAAAAGQAAAAAAAAAZAAAAGQAAAAVAAAAYAAAAAAAAAAAAAAADwAAACADAAAAAAAAAAAAAAEAAACgMgAAVgcAAKr4//8BAAAAf39/AAEAAABkAAAAAAAAABQAAABAHwAAAAAAACYAAAAAAAAAwOD//wAAAAAmAAAAZAAAABYAAABMAAAAAAAAAAAAAAAEAAAAAAAAAAEAAADn5uYKAAAAACgAAAAoAAAAZAAAAGQAAAAAAAAAzMzMAAAAAABQAAAAUAAAAGQAAABkAAAAAAAAABcAAAAUAAAAAAAAAAAAAAD/fwAA/38AAAAAAAAJAAAABAAAAAAAAAAeAAAAaAAAAAAAAAAAAAAAAAAAAAAAAAAAAAAAECcAABAnAAAAAAAAAAAAAAAAAAAAAAAAAAAAAAAAAAAAAAAAAAAAABQAAAAAAAAAwMD/AAAAAABkAAAAMgAAAAAAAABkAAAAAAAAAH9/fwAKAAAAIgAAABgAAAAAAAAAAAAAAAAAAAAAAAAAAAAAAAAAAAAkAAAAJAAAAAAAAAAHAAAAAAAAAAAAAAAAAAAAAAAAAAAAAAAAAAAAf39/ACUAAABYAAAAAAAAAAAAAAAAAAAAAAAAAAAAAAAAAAAAAAAAAAAAAAAAAAAAAAAAAAAAAAA/AAAAAAAAAKCGAQAAAAAAAAAAAAAAAAAMAAAAAQAAAAAAAAAAAAAAAAAAAB8AAABUAAAA////AAAAAAEAAAAAAAAAAAAAAAAAAAAAAAAAAAAAAAAAAAAAAAAAAAAAAAB/f38AAAAAA8zMzADAwP8Af39/AAAAAAAAAAAAAAAAAAAAAAAAAAAAIQAAABgAAAAUAAAA+DQAABonAADYRQAAWSkAABAAAAAmAAAACAAAAL+PAAAAAAAAMAAAABQAAAAAAAAAAAD//wAAAQAAAP//AAABAA=="/>
               </a:ext>
             </a:extLst>
           </p:cNvSpPr>
@@ -3398,7 +3398,7 @@
             <a:pPr>
               <a:defRPr lang="en-us"/>
             </a:pPr>
-            <a:fld id="{3AB255DD-93D7-E7A3-990A-65F61B446F30}" type="slidenum">
+            <a:fld id="{35CA2D79-37D8-9FDB-9672-C18E633C6094}" type="slidenum">
               <a:rPr lang="en-au" cap="none"/>
               <a:t/>
             </a:fld>
@@ -4078,7 +4078,7 @@
           <p:cNvSpPr>
             <a:extLst>
               <a:ext uri="smNativeData">
-                <pr:smNativeData xmlns:pr="smNativeData" xmlns="smNativeData" val="SMDATA_16_gfoFYRMAAAAlAAAAZAAAAA0AAAAAkAAAAEgAAACQAAAASAAAAAAAAAABAAAAAAAAAAEAAABQAAAAAAAAAAAA4D8AAAAAAADgPwAAAAAAAOA/AAAAAAAA4D8AAAAAAADgPwAAAAAAAOA/AAAAAAAA4D8AAAAAAADgPwAAAAAAAOA/AAAAAAAA4D8CAAAAjAAAAAEAAAAAAAAARHLEDP///wgAAAAAAAAAAAAAAAAAAAAAAAAAAAAAAAAAAAAAZAAAAAEAAABAAAAAAAAAAAAAAAAAAAAAAAAAAAAAAAAAAAAAAAAAAAAAAAAAAAAAAAAAAAAAAAAAAAAAAAAAAAAAAAAAAAAAAAAAAAAAAAAAAAAAAAAAAAAAAAAAAAAAFAAAADwAAAAAAAAAAAAAADJVkQAUAAAAAQAAABQAAAAUAAAAFAAAAAEAAAAAAAAAZAAAAGQAAAAAAAAAZAAAAGQAAAAVAAAAYAAAAAAAAAAAAAAADwAAACADAAAAAAAAAAAAAAEAAACgMgAAVgcAAKr4//8BAAAAf39/AAEAAABkAAAAAAAAABQAAABAHwAAAAAAACYAAAAAAAAAwOD//wAAAAAmAAAAZAAAABYAAABMAAAAAAAAAAAAAAAEAAAAAAAAAAEAAADn5uYKAAAAACgAAAAoAAAAZAAAAGQAAAAAAAAAzMzMAAAAAABQAAAAUAAAAGQAAABkAAAAAAAAABcAAAAUAAAAAAAAAAAAAAD/fwAA/38AAAAAAAAJAAAABAAAAAAAAAAeAAAAaAAAAAAAAAAAAAAAAAAAAAAAAAAAAAAAECcAABAnAAAAAAAAAAAAAAAAAAAAAAAAAAAAAAAAAAAAAAAAAAAAABQAAAAAAAAAwMD/AAAAAABkAAAAMgAAAAAAAABkAAAAAAAAAH9/fwAKAAAAIgAAABgAAAAAAAAAAAAAAAAAAAAAAAAAAAAAAAAAAAAkAAAAJAAAAAAAAAAHAAAAAAAAAAAAAAAAAAAAAAAAAAAAAAAAAAAAf39/ACUAAABYAAAAAAAAAAAAAAAAAAAAAAAAAAAAAAAAAAAAAAAAAAAAAAAAAAAAAAAAAAAAAAA/AAAAAAAAAKCGAQAAAAAAAAAAAAAAAAAMAAAAAQAAAAAAAAAAAAAAAAAAAB8AAABUAAAARHLEBf///wEAAAAAAAAAAAAAAAAAAAAAAAAAAAAAAAAAAAAAAAAAADJVkQB/f38A5+bmA8zMzADAwP8Af39/AAAAAAAAAAAAAAAAAAAAAAAAAAAAIQAAABgAAAAUAAAAzAIAAAMKAADfCgAARw4AABAAAAAmAAAACAAAAP//////////MAAAABQAAAAAAAAAAAD//wAAAQAAAP//AAABAA=="/>
+                <pr:smNativeData xmlns:pr="smNativeData" xmlns="smNativeData" val="SMDATA_16_FAWHYRMAAAAlAAAAZAAAAA0AAAAAkAAAAEgAAACQAAAASAAAAAAAAAABAAAAAAAAAAEAAABQAAAAAAAAAAAA4D8AAAAAAADgPwAAAAAAAOA/AAAAAAAA4D8AAAAAAADgPwAAAAAAAOA/AAAAAAAA4D8AAAAAAADgPwAAAAAAAOA/AAAAAAAA4D8CAAAAjAAAAAEAAAAAAAAARHLEDP///wgAAAAAAAAAAAAAAAAAAAAAAAAAAAAAAAAAAAAAZAAAAAEAAABAAAAAAAAAAAAAAAAAAAAAAAAAAAAAAAAAAAAAAAAAAAAAAAAAAAAAAAAAAAAAAAAAAAAAAAAAAAAAAAAAAAAAAAAAAAAAAAAAAAAAAAAAAAAAAAAAAAAAFAAAADwAAAAAAAAAAAAAADJVkQAUAAAAAQAAABQAAAAUAAAAFAAAAAEAAAAAAAAAZAAAAGQAAAAAAAAAZAAAAGQAAAAVAAAAYAAAAAAAAAAAAAAADwAAACADAAAAAAAAAAAAAAEAAACgMgAAVgcAAKr4//8BAAAAf39/AAEAAABkAAAAAAAAABQAAABAHwAAAAAAACYAAAAAAAAAwOD//wAAAAAmAAAAZAAAABYAAABMAAAAAAAAAAAAAAAEAAAAAAAAAAEAAADn5uYKAAAAACgAAAAoAAAAZAAAAGQAAAAAAAAAzMzMAAAAAABQAAAAUAAAAGQAAABkAAAAAAAAABcAAAAUAAAAAAAAAAAAAAD/fwAA/38AAAAAAAAJAAAABAAAAAAAAAAeAAAAaAAAAAAAAAAAAAAAAAAAAAAAAAAAAAAAECcAABAnAAAAAAAAAAAAAAAAAAAAAAAAAAAAAAAAAAAAAAAAAAAAABQAAAAAAAAAwMD/AAAAAABkAAAAMgAAAAAAAABkAAAAAAAAAH9/fwAKAAAAIgAAABgAAAAAAAAAAAAAAAAAAAAAAAAAAAAAAAAAAAAkAAAAJAAAAAAAAAAHAAAAAAAAAAAAAAAAAAAAAAAAAAAAAAAAAAAAf39/ACUAAABYAAAAAAAAAAAAAAAAAAAAAAAAAAAAAAAAAAAAAAAAAAAAAAAAAAAAAAAAAAAAAAA/AAAAAAAAAKCGAQAAAAAAAAAAAAAAAAAMAAAAAQAAAAAAAAAAAAAAAAAAAB8AAABUAAAARHLEBf///wEAAAAAAAAAAAAAAAAAAAAAAAAAAAAAAAAAAAAAAAAAADJVkQB/f38A5+bmA8zMzADAwP8Af39/AAAAAAAAAAAAAAAAAAAAAAAAAAAAIQAAABgAAAAUAAAAzAIAAAMKAADfCgAARw4AABAAAAAmAAAACAAAAP//////////MAAAABQAAAAAAAAAAAD//wAAAQAAAP//AAABAA=="/>
               </a:ext>
             </a:extLst>
           </p:cNvSpPr>
@@ -4125,7 +4125,7 @@
           <p:cNvSpPr>
             <a:extLst>
               <a:ext uri="smNativeData">
-                <pr:smNativeData xmlns:pr="smNativeData" xmlns="smNativeData" val="SMDATA_16_gfoFYRMAAAAlAAAAZAAAAA0AAAAAkAAAAEgAAACQAAAASAAAAAAAAAABAAAAAAAAAAEAAABQAAAAAAAAAAAA4D8AAAAAAADgPwAAAAAAAOA/AAAAAAAA4D8AAAAAAADgPwAAAAAAAOA/AAAAAAAA4D8AAAAAAADgPwAAAAAAAOA/AAAAAAAA4D8CAAAAjAAAAAEAAAAAAAAARHLEDP///wgAAAAAAAAAAAAAAAAAAAAAAAAAAAAAAAAAAAAAZAAAAAEAAABAAAAAAAAAAAAAAAAAAAAAAAAAAAAAAAAAAAAAAAAAAAAAAAAAAAAAAAAAAAAAAAAAAAAAAAAAAAAAAAAAAAAAAAAAAAAAAAAAAAAAAAAAAAAAAAAAAAAAFAAAADwAAAAAAAAAAAAAADJVkQAUAAAAAQAAABQAAAAUAAAAFAAAAAEAAAAAAAAAZAAAAGQAAAAAAAAAZAAAAGQAAAAVAAAAYAAAAAAAAAAAAAAADwAAACADAAAAAAAAAAAAAAEAAACgMgAAVgcAAKr4//8BAAAAf39/AAEAAABkAAAAAAAAABQAAABAHwAAAAAAACYAAAAAAAAAwOD//wAAAAAmAAAAZAAAABYAAABMAAAAAAAAAAAAAAAEAAAAAAAAAAEAAADn5uYKAAAAACgAAAAoAAAAZAAAAGQAAAAAAAAAzMzMAAAAAABQAAAAUAAAAGQAAABkAAAAAAAAABcAAAAUAAAAAAAAAAAAAAD/fwAA/38AAAAAAAAJAAAABAAAAAAAAAAeAAAAaAAAAAAAAAAAAAAAAAAAAAAAAAAAAAAAECcAABAnAAAAAAAAAAAAAAAAAAAAAAAAAAAAAAAAAAAAAAAAAAAAABQAAAAAAAAAwMD/AAAAAABkAAAAMgAAAAAAAABkAAAAAAAAAH9/fwAKAAAAIgAAABgAAAAAAAAAAAAAAAAAAAAAAAAAAAAAAAAAAAAkAAAAJAAAAAAAAAAHAAAAAAAAAAAAAAAAAAAAAAAAAAAAAAAAAAAAf39/ACUAAABYAAAAAAAAAAAAAAAAAAAAAAAAAAAAAAAAAAAAAAAAAAAAAAAAAAAAAAAAAAAAAAA/AAAAAAAAAKCGAQAAAAAAAAAAAAAAAAAMAAAAAQAAAAAAAAAAAAAAAAAAAB8AAABUAAAARHLEBf///wEAAAAAAAAAAAAAAAAAAAAAAAAAAAAAAAAAAAAAAAAAADJVkQB/f38A5+bmA8zMzADAwP8Af39/AAAAAAAAAAAAAAAAAAAAAAAAAAAAIQAAABgAAAAUAAAA9AwAAAkKAAAHFQAATQ4AABAAAAAmAAAACAAAAP//////////MAAAABQAAAAAAAAAAAD//wAAAQAAAP//AAABAA=="/>
+                <pr:smNativeData xmlns:pr="smNativeData" xmlns="smNativeData" val="SMDATA_16_FAWHYRMAAAAlAAAAZAAAAA0AAAAAkAAAAEgAAACQAAAASAAAAAAAAAABAAAAAAAAAAEAAABQAAAAAAAAAAAA4D8AAAAAAADgPwAAAAAAAOA/AAAAAAAA4D8AAAAAAADgPwAAAAAAAOA/AAAAAAAA4D8AAAAAAADgPwAAAAAAAOA/AAAAAAAA4D8CAAAAjAAAAAEAAAAAAAAARHLEDP///wgAAAAAAAAAAAAAAAAAAAAAAAAAAAAAAAAAAAAAZAAAAAEAAABAAAAAAAAAAAAAAAAAAAAAAAAAAAAAAAAAAAAAAAAAAAAAAAAAAAAAAAAAAAAAAAAAAAAAAAAAAAAAAAAAAAAAAAAAAAAAAAAAAAAAAAAAAAAAAAAAAAAAFAAAADwAAAAAAAAAAAAAADJVkQAUAAAAAQAAABQAAAAUAAAAFAAAAAEAAAAAAAAAZAAAAGQAAAAAAAAAZAAAAGQAAAAVAAAAYAAAAAAAAAAAAAAADwAAACADAAAAAAAAAAAAAAEAAACgMgAAVgcAAKr4//8BAAAAf39/AAEAAABkAAAAAAAAABQAAABAHwAAAAAAACYAAAAAAAAAwOD//wAAAAAmAAAAZAAAABYAAABMAAAAAAAAAAAAAAAEAAAAAAAAAAEAAADn5uYKAAAAACgAAAAoAAAAZAAAAGQAAAAAAAAAzMzMAAAAAABQAAAAUAAAAGQAAABkAAAAAAAAABcAAAAUAAAAAAAAAAAAAAD/fwAA/38AAAAAAAAJAAAABAAAAAAAAAAeAAAAaAAAAAAAAAAAAAAAAAAAAAAAAAAAAAAAECcAABAnAAAAAAAAAAAAAAAAAAAAAAAAAAAAAAAAAAAAAAAAAAAAABQAAAAAAAAAwMD/AAAAAABkAAAAMgAAAAAAAABkAAAAAAAAAH9/fwAKAAAAIgAAABgAAAAAAAAAAAAAAAAAAAAAAAAAAAAAAAAAAAAkAAAAJAAAAAAAAAAHAAAAAAAAAAAAAAAAAAAAAAAAAAAAAAAAAAAAf39/ACUAAABYAAAAAAAAAAAAAAAAAAAAAAAAAAAAAAAAAAAAAAAAAAAAAAAAAAAAAAAAAAAAAAA/AAAAAAAAAKCGAQAAAAAAAAAAAAAAAAAMAAAAAQAAAAAAAAAAAAAAAAAAAB8AAABUAAAARHLEBf///wEAAAAAAAAAAAAAAAAAAAAAAAAAAAAAAAAAAAAAAAAAADJVkQB/f38A5+bmA8zMzADAwP8Af39/AAAAAAAAAAAAAAAAAAAAAAAAAAAAIQAAABgAAAAUAAAA9AwAAAkKAAAHFQAATQ4AABAAAAAmAAAACAAAAP//////////MAAAABQAAAAAAAAAAAD//wAAAQAAAP//AAABAA=="/>
               </a:ext>
             </a:extLst>
           </p:cNvSpPr>
@@ -4172,7 +4172,7 @@
           <p:cNvSpPr>
             <a:extLst>
               <a:ext uri="smNativeData">
-                <pr:smNativeData xmlns:pr="smNativeData" xmlns="smNativeData" val="SMDATA_16_gfoFYRMAAAAlAAAAZAAAAA0AAAAAkAAAAEgAAACQAAAASAAAAAAAAAABAAAAAAAAAAEAAABQAAAAAAAAAAAA4D8AAAAAAADgPwAAAAAAAOA/AAAAAAAA4D8AAAAAAADgPwAAAAAAAOA/AAAAAAAA4D8AAAAAAADgPwAAAAAAAOA/AAAAAAAA4D8CAAAAjAAAAAEAAAAAAAAA7X0xDf///wgAAAAAAAAAAAAAAAAAAAAAAAAAAAAAAAAAAAAAZAAAAAEAAABAAAAAAAAAAAAAAAAAAAAAAAAAAAAAAAAAAAAAAAAAAAAAAAAAAAAAAAAAAAAAAAAAAAAAAAAAAAAAAAAAAAAAAAAAAAAAAAAAAAAAAAAAAAAAAAAAAAAAFAAAADwAAAAAAAAAAAAAALBdJAAUAAAAAQAAABQAAAAUAAAAFAAAAAEAAAAAAAAAZAAAAGQAAAAAAAAAZAAAAGQAAAAVAAAAYAAAAAAAAAAAAAAADwAAACADAAAAAAAAAAAAAAEAAACgMgAAVgcAAKr4//8BAAAAf39/AAEAAABkAAAAAAAAABQAAABAHwAAAAAAACYAAAAAAAAAwOD//wAAAAAmAAAAZAAAABYAAABMAAAAAAAAAAAAAAAEAAAAAAAAAAEAAADn5uYKAAAAACgAAAAoAAAAZAAAAGQAAAAAAAAAzMzMAAAAAABQAAAAUAAAAGQAAABkAAAAAAAAABcAAAAUAAAAAAAAAAAAAAD/fwAA/38AAAAAAAAJAAAABAAAAAAAAAAeAAAAaAAAAAAAAAAAAAAAAAAAAAAAAAAAAAAAECcAABAnAAAAAAAAAAAAAAAAAAAAAAAAAAAAAAAAAAAAAAAAAAAAABQAAAAAAAAAwMD/AAAAAABkAAAAMgAAAAAAAABkAAAAAAAAAH9/fwAKAAAAIgAAABgAAAAAAAAAAAAAAAAAAAAAAAAAAAAAAAAAAAAkAAAAJAAAAAAAAAAHAAAAAAAAAAAAAAAAAAAAAAAAAAAAAAAAAAAAf39/ACUAAABYAAAAAAAAAAAAAAAAAAAAAAAAAAAAAAAAAAAAAAAAAAAAAAAAAAAAAAAAAAAAAAA/AAAAAAAAAKCGAQAAAAAAAAAAAAAAAAAMAAAAAQAAAAAAAAAAAAAAAAAAAB8AAABUAAAA7X0xBv///wEAAAAAAAAAAAAAAAAAAAAAAAAAAAAAAAAAAAAAAAAAALBdJAB/f38A5+bmA8zMzADAwP8Af39/AAAAAAAAAAAAAAAAAAAAAAAAAAAAIQAAABgAAAAUAAAAkxcAAH8IAACmHwAA0QsAAAAAAAAmAAAACAAAAP//////////MAAAABQAAAAAAAAAAAD//wAAAQAAAP//AAABAA=="/>
+                <pr:smNativeData xmlns:pr="smNativeData" xmlns="smNativeData" val="SMDATA_16_FAWHYRMAAAAlAAAAZAAAAA0AAAAAkAAAAEgAAACQAAAASAAAAAAAAAABAAAAAAAAAAEAAABQAAAAAAAAAAAA4D8AAAAAAADgPwAAAAAAAOA/AAAAAAAA4D8AAAAAAADgPwAAAAAAAOA/AAAAAAAA4D8AAAAAAADgPwAAAAAAAOA/AAAAAAAA4D8CAAAAjAAAAAEAAAAAAAAA7X0xDf///wgAAAAAAAAAAAAAAAAAAAAAAAAAAAAAAAAAAAAAZAAAAAEAAABAAAAAAAAAAAAAAAAAAAAAAAAAAAAAAAAAAAAAAAAAAAAAAAAAAAAAAAAAAAAAAAAAAAAAAAAAAAAAAAAAAAAAAAAAAAAAAAAAAAAAAAAAAAAAAAAAAAAAFAAAADwAAAAAAAAAAAAAALBdJAAUAAAAAQAAABQAAAAUAAAAFAAAAAEAAAAAAAAAZAAAAGQAAAAAAAAAZAAAAGQAAAAVAAAAYAAAAAAAAAAAAAAADwAAACADAAAAAAAAAAAAAAEAAACgMgAAVgcAAKr4//8BAAAAf39/AAEAAABkAAAAAAAAABQAAABAHwAAAAAAACYAAAAAAAAAwOD//wAAAAAmAAAAZAAAABYAAABMAAAAAAAAAAAAAAAEAAAAAAAAAAEAAADn5uYKAAAAACgAAAAoAAAAZAAAAGQAAAAAAAAAzMzMAAAAAABQAAAAUAAAAGQAAABkAAAAAAAAABcAAAAUAAAAAAAAAAAAAAD/fwAA/38AAAAAAAAJAAAABAAAAAAAAAAeAAAAaAAAAAAAAAAAAAAAAAAAAAAAAAAAAAAAECcAABAnAAAAAAAAAAAAAAAAAAAAAAAAAAAAAAAAAAAAAAAAAAAAABQAAAAAAAAAwMD/AAAAAABkAAAAMgAAAAAAAABkAAAAAAAAAH9/fwAKAAAAIgAAABgAAAAAAAAAAAAAAAAAAAAAAAAAAAAAAAAAAAAkAAAAJAAAAAAAAAAHAAAAAAAAAAAAAAAAAAAAAAAAAAAAAAAAAAAAf39/ACUAAABYAAAAAAAAAAAAAAAAAAAAAAAAAAAAAAAAAAAAAAAAAAAAAAAAAAAAAAAAAAAAAAA/AAAAAAAAAKCGAQAAAAAAAAAAAAAAAAAMAAAAAQAAAAAAAAAAAAAAAAAAAB8AAABUAAAA7X0xBv///wEAAAAAAAAAAAAAAAAAAAAAAAAAAAAAAAAAAAAAAAAAALBdJAB/f38A5+bmA8zMzADAwP8Af39/AAAAAAAAAAAAAAAAAAAAAAAAAAAAIQAAABgAAAAUAAAAkxcAAH8IAACmHwAA0QsAABAAAAAmAAAACAAAAP//////////MAAAABQAAAAAAAAAAAD//wAAAQAAAP//AAABAA=="/>
               </a:ext>
             </a:extLst>
           </p:cNvSpPr>
@@ -4227,7 +4227,7 @@
           <p:cNvSpPr>
             <a:extLst>
               <a:ext uri="smNativeData">
-                <pr:smNativeData xmlns:pr="smNativeData" xmlns="smNativeData" val="SMDATA_16_gfoFYRMAAAAlAAAAZAAAAA0AAAAAkAAAAEgAAACQAAAASAAAAAAAAAABAAAAAAAAAAEAAABQAAAAAAAAAAAA4D8AAAAAAADgPwAAAAAAAOA/AAAAAAAA4D8AAAAAAADgPwAAAAAAAOA/AAAAAAAA4D8AAAAAAADgPwAAAAAAAOA/AAAAAAAA4D8CAAAAjAAAAAEAAAAAAAAA7X0xDf///wgAAAAAAAAAAAAAAAAAAAAAAAAAAAAAAAAAAAAAZAAAAAEAAABAAAAAAAAAAAAAAAAAAAAAAAAAAAAAAAAAAAAAAAAAAAAAAAAAAAAAAAAAAAAAAAAAAAAAAAAAAAAAAAAAAAAAAAAAAAAAAAAAAAAAAAAAAAAAAAAAAAAAFAAAADwAAAAAAAAAAAAAALBdJAAUAAAAAQAAABQAAAAUAAAAFAAAAAEAAAAAAAAAZAAAAGQAAAAAAAAAZAAAAGQAAAAVAAAAYAAAAAAAAAAAAAAADwAAACADAAAAAAAAAAAAAAEAAACgMgAAVgcAAKr4//8BAAAAf39/AAEAAABkAAAAAAAAABQAAABAHwAAAAAAACYAAAAAAAAAwOD//wAAAAAmAAAAZAAAABYAAABMAAAAAAAAAAAAAAAEAAAAAAAAAAEAAADn5uYKAAAAACgAAAAoAAAAZAAAAGQAAAAAAAAAzMzMAAAAAABQAAAAUAAAAGQAAABkAAAAAAAAABcAAAAUAAAAAAAAAAAAAAD/fwAA/38AAAAAAAAJAAAABAAAAAAAAAAeAAAAaAAAAAAAAAAAAAAAAAAAAAAAAAAAAAAAECcAABAnAAAAAAAAAAAAAAAAAAAAAAAAAAAAAAAAAAAAAAAAAAAAABQAAAAAAAAAwMD/AAAAAABkAAAAMgAAAAAAAABkAAAAAAAAAH9/fwAKAAAAIgAAABgAAAAAAAAAAAAAAAAAAAAAAAAAAAAAAAAAAAAkAAAAJAAAAAAAAAAHAAAAAAAAAAAAAAAAAAAAAAAAAAAAAAAAAAAAf39/ACUAAABYAAAAAAAAAAAAAAAAAAAAAAAAAAAAAAAAAAAAAAAAAAAAAAAAAAAAAAAAAAAAAAA/AAAAAAAAAKCGAQAAAAAAAAAAAAAAAAAMAAAAAQAAAAAAAAAAAAAAAAAAAB8AAABUAAAA7X0xBv///wEAAAAAAAAAAAAAAAAAAAAAAAAAAAAAAAAAAAAAAAAAALBdJAB/f38A5+bmA8zMzADAwP8Af39/AAAAAAAAAAAAAAAAAAAAAAAAAAAAIQAAABgAAAAUAAAAkxcAALQMAACmHwAABhAAAAAAAAAmAAAACAAAAP//////////MAAAABQAAAAAAAAAAAD//wAAAQAAAP//AAABAA=="/>
+                <pr:smNativeData xmlns:pr="smNativeData" xmlns="smNativeData" val="SMDATA_16_FAWHYRMAAAAlAAAAZAAAAA0AAAAAkAAAAEgAAACQAAAASAAAAAAAAAABAAAAAAAAAAEAAABQAAAAAAAAAAAA4D8AAAAAAADgPwAAAAAAAOA/AAAAAAAA4D8AAAAAAADgPwAAAAAAAOA/AAAAAAAA4D8AAAAAAADgPwAAAAAAAOA/AAAAAAAA4D8CAAAAjAAAAAEAAAAAAAAA7X0xDf///wgAAAAAAAAAAAAAAAAAAAAAAAAAAAAAAAAAAAAAZAAAAAEAAABAAAAAAAAAAAAAAAAAAAAAAAAAAAAAAAAAAAAAAAAAAAAAAAAAAAAAAAAAAAAAAAAAAAAAAAAAAAAAAAAAAAAAAAAAAAAAAAAAAAAAAAAAAAAAAAAAAAAAFAAAADwAAAAAAAAAAAAAALBdJAAUAAAAAQAAABQAAAAUAAAAFAAAAAEAAAAAAAAAZAAAAGQAAAAAAAAAZAAAAGQAAAAVAAAAYAAAAAAAAAAAAAAADwAAACADAAAAAAAAAAAAAAEAAACgMgAAVgcAAKr4//8BAAAAf39/AAEAAABkAAAAAAAAABQAAABAHwAAAAAAACYAAAAAAAAAwOD//wAAAAAmAAAAZAAAABYAAABMAAAAAAAAAAAAAAAEAAAAAAAAAAEAAADn5uYKAAAAACgAAAAoAAAAZAAAAGQAAAAAAAAAzMzMAAAAAABQAAAAUAAAAGQAAABkAAAAAAAAABcAAAAUAAAAAAAAAAAAAAD/fwAA/38AAAAAAAAJAAAABAAAAAAAAAAeAAAAaAAAAAAAAAAAAAAAAAAAAAAAAAAAAAAAECcAABAnAAAAAAAAAAAAAAAAAAAAAAAAAAAAAAAAAAAAAAAAAAAAABQAAAAAAAAAwMD/AAAAAABkAAAAMgAAAAAAAABkAAAAAAAAAH9/fwAKAAAAIgAAABgAAAAAAAAAAAAAAAAAAAAAAAAAAAAAAAAAAAAkAAAAJAAAAAAAAAAHAAAAAAAAAAAAAAAAAAAAAAAAAAAAAAAAAAAAf39/ACUAAABYAAAAAAAAAAAAAAAAAAAAAAAAAAAAAAAAAAAAAAAAAAAAAAAAAAAAAAAAAAAAAAA/AAAAAAAAAKCGAQAAAAAAAAAAAAAAAAAMAAAAAQAAAAAAAAAAAAAAAAAAAB8AAABUAAAA7X0xBv///wEAAAAAAAAAAAAAAAAAAAAAAAAAAAAAAAAAAAAAAAAAALBdJAB/f38A5+bmA8zMzADAwP8Af39/AAAAAAAAAAAAAAAAAAAAAAAAAAAAIQAAABgAAAAUAAAAkxcAALQMAACmHwAABhAAABAAAAAmAAAACAAAAP//////////MAAAABQAAAAAAAAAAAD//wAAAQAAAP//AAABAA=="/>
               </a:ext>
             </a:extLst>
           </p:cNvSpPr>
@@ -4284,7 +4284,7 @@
             <a:endCxn id="5" idx="1"/>
             <a:extLst>
               <a:ext uri="smNativeData">
-                <pr:smNativeData xmlns:pr="smNativeData" xmlns="smNativeData" val="SMDATA_16_gfoFYRMAAAAlAAAADgAAAA0AAAAAkAAAAEgAAACQAAAASAAAAAAAAAAAAAAAAAAAAAEAAABQAAAAAAAAAAAAAAAAAAAAAAAAAAAAAAAAAPA/AAAAAAAA4D8AAAAAAADgPwAAAAAAAOA/AAAAAAAA4D8AAAAAAADgPwAAAAAAAOA/AAAAAAAA4D8CAAAAjAAAAAAAAAAAAAAA////AP///wgAAAAAAAAAAAAAAAAAAAAAAAAAAAAAAAAAAAAAeAAAAAEAAABAAAAAAAAAAAAAAABaAAAAAAAAAAAAAAAAAAAAAAAAAAAAAAAAAAAAAAAAAAAAAAAAAAAAAAAAAAAAAAAAAAAAAAAAAAAAAAAAAAAAAAAAAAAAAAAAAAAAFAAAADwAAAABAAAAAAAAAAAAAAAUAAAAAQAAABQAAAAUAAAAFAAAAAEAAAAAAAAAZAAAAGQAAAACAAAAZAAAAGQAAAAVAAAAYAAAAAAAAAAAAAAADwAAACADAAAAAAAAAAAAAAEAAACgMgAAVgcAAKr4//8BAAAAf39/AAEAAABkAAAAAAAAABQAAABAHwAAAAAAACYAAAAAAAAAwOD//wAAAAAmAAAAZAAAABYAAABMAAAAAAAAAAAAAAAEAAAAAAAAAAEAAADn5uYKAAAAACgAAAAoAAAAZAAAAGQAAAAAAAAAzMzMAAAAAABQAAAAUAAAAGQAAABkAAAAAAAAABcAAAAUAAAAAAAAAAAAAAD/fwAA/38AAAAAAAAJAAAABAAAAAAAAAAeAAAAaAAAAAAAAAAAAAAAAAAAAAAAAAAAAAAAECcAABAnAAAAAAAAAAAAAAAAAAAAAAAAAAAAAAAAAAAAAAAAAAAAABQAAAAAAAAAwMD/AAAAAABkAAAAMgAAAAAAAABkAAAAAAAAAH9/fwAKAAAAIgAAABgAAAAAAAAAAAAAAAAAAAAAAAAAAAAAAAAAAAAkAAAAJAAAAAAAAAAHAAAAAAAAAAAAAAAAAAAAAAAAAAAAAAAAAAAAf39/ACUAAABYAAAAAAAAAAAAAAAAAAAAAAAAAAAAAAAAAAAAAAAAAAAAAAAAAAAAAAAAAAAAAAA/AAAAAAAAAKCGAQAAAAAAAAAAAAAAAAAMAAAAAQAAAAAAAAAAAAAAAAAAAB8AAABUAAAA////AP///wEAAAAAAAAAAAAAAAAAAAAAAAAAAAAAAAAAAAAAAAAAAAAAAAB/f38A5+bmA8zMzADAwP8Af39/AAAAAAAAAAAAAAAAAAAAAAAAAAAAIQAAABgAAAAUAAAABxUAACsMAACTFwAAXQ4AABAAAAAmAAAACAAAAP//////////MAAAABQAAAAAAAAAAAD//wAAAQAAAP//AAABAA=="/>
+                <pr:smNativeData xmlns:pr="smNativeData" xmlns="smNativeData" val="SMDATA_16_FAWHYRMAAAAlAAAADgAAAA0AAAAAkAAAAEgAAACQAAAASAAAAAAAAAAAAAAAAAAAAAEAAABQAAAAAAAAAAAAAAAAAAAAAAAAAAAAAAAAAPA/AAAAAAAA4D8AAAAAAADgPwAAAAAAAOA/AAAAAAAA4D8AAAAAAADgPwAAAAAAAOA/AAAAAAAA4D8CAAAAjAAAAAAAAAAAAAAA////AP///wgAAAAAAAAAAAAAAAAAAAAAAAAAAAAAAAAAAAAAeAAAAAEAAABAAAAAAAAAAAAAAABaAAAAAAAAAAAAAAAAAAAAAAAAAAAAAAAAAAAAAAAAAAAAAAAAAAAAAAAAAAAAAAAAAAAAAAAAAAAAAAAAAAAAAAAAAAAAAAAAAAAAFAAAADwAAAABAAAAAAAAAAAAAAAUAAAAAQAAABQAAAAUAAAAFAAAAAEAAAAAAAAAZAAAAGQAAAACAAAAZAAAAGQAAAAVAAAAYAAAAAAAAAAAAAAADwAAACADAAAAAAAAAAAAAAEAAACgMgAAVgcAAKr4//8BAAAAf39/AAEAAABkAAAAAAAAABQAAABAHwAAAAAAACYAAAAAAAAAwOD//wAAAAAmAAAAZAAAABYAAABMAAAAAAAAAAAAAAAEAAAAAAAAAAEAAADn5uYKAAAAACgAAAAoAAAAZAAAAGQAAAAAAAAAzMzMAAAAAABQAAAAUAAAAGQAAABkAAAAAAAAABcAAAAUAAAAAAAAAAAAAAD/fwAA/38AAAAAAAAJAAAABAAAAAAAAAAeAAAAaAAAAAAAAAAAAAAAAAAAAAAAAAAAAAAAECcAABAnAAAAAAAAAAAAAAAAAAAAAAAAAAAAAAAAAAAAAAAAAAAAABQAAAAAAAAAwMD/AAAAAABkAAAAMgAAAAAAAABkAAAAAAAAAH9/fwAKAAAAIgAAABgAAAAAAAAAAAAAAAAAAAAAAAAAAAAAAAAAAAAkAAAAJAAAAAAAAAAHAAAAAAAAAAAAAAAAAAAAAAAAAAAAAAAAAAAAf39/ACUAAABYAAAAAAAAAAAAAAAAAAAAAAAAAAAAAAAAAAAAAAAAAAAAAAAAAAAAAAAAAAAAAAA/AAAAAAAAAKCGAQAAAAAAAAAAAAAAAAAMAAAAAQAAAAAAAAAAAAAAAAAAAB8AAABUAAAA////AP///wEAAAAAAAAAAAAAAAAAAAAAAAAAAAAAAAAAAAAAAAAAAAAAAAB/f38A5+bmA8zMzADAwP8Af39/AAAAAAAAAAAAAAAAAAAAAAAAAAAAIQAAABgAAAAUAAAABxUAACsMAACTFwAAXQ4AABAAAAAmAAAACAAAAP//////////MAAAABQAAAAAAAAAAAD//wAAAQAAAP//AAABAA=="/>
               </a:ext>
             </a:extLst>
           </p:cNvCxnSpPr>
@@ -4320,7 +4320,7 @@
             <a:endCxn id="4" idx="1"/>
             <a:extLst>
               <a:ext uri="smNativeData">
-                <pr:smNativeData xmlns:pr="smNativeData" xmlns="smNativeData" val="SMDATA_16_gfoFYRMAAAAlAAAADgAAAA0AAAAAkAAAAEgAAACQAAAASAAAAAAAAAAAAAAAAgAAAAEAAABQAAAAAAAAAAAAAIAAAAAAAAAAAAAAAAAAAPA/AAAAAAAA4D8AAAAAAADgPwAAAAAAAOA/AAAAAAAA4D8AAAAAAADgPwAAAAAAAOA/AAAAAAAA4D8CAAAAjAAAAAAAAAAAAAAA////AP///wgAAAAAAAAAAAAAAAAAAAAAAAAAAAAAAAAAAAAAeAAAAAEAAABAAAAAAAAAAAAAAABaAAAAAAAAAAAAAAAAAAAAAAAAAAAAAAAAAAAAAAAAAAAAAAAAAAAAAAAAAAAAAAAAAAAAAAAAAAAAAAAAAAAAAAAAAAAAAAAAAAAAFAAAADwAAAABAAAAAAAAAAAAAAAUAAAAAQAAABQAAAAUAAAAFAAAAAEAAAAAAAAAZAAAAGQAAAACAAAAZAAAAGQAAAAVAAAAYAAAAAAAAAAAAAAADwAAACADAAAAAAAAAAAAAAEAAACgMgAAVgcAAKr4//8BAAAAf39/AAEAAABkAAAAAAAAABQAAABAHwAAAAAAACYAAAAAAAAAwOD//wAAAAAmAAAAZAAAABYAAABMAAAAAAAAAAAAAAAEAAAAAAAAAAEAAADn5uYKAAAAACgAAAAoAAAAZAAAAGQAAAAAAAAAzMzMAAAAAABQAAAAUAAAAGQAAABkAAAAAAAAABcAAAAUAAAAAAAAAAAAAAD/fwAA/38AAAAAAAAJAAAABAAAAAAAAAAeAAAAaAAAAAAAAAAAAAAAAAAAAAAAAAAAAAAAECcAABAnAAAAAAAAAAAAAAAAAAAAAAAAAAAAAAAAAAAAAAAAAAAAABQAAAAAAAAAwMD/AAAAAABkAAAAMgAAAAAAAABkAAAAAAAAAH9/fwAKAAAAIgAAABgAAAAAAAAAAAAAAAAAAAAAAAAAAAAAAAAAAAAkAAAAJAAAAAAAAAAHAAAAAAAAAAAAAAAAAAAAAAAAAAAAAAAAAAAAf39/ACUAAABYAAAAAAAAAAAAAAAAAAAAAAAAAAAAAAAAAAAAAAAAAAAAAAAAAAAAAAAAAAAAAAA/AAAAAAAAAKCGAQAAAAAAAAAAAAAAAAAMAAAAAQAAAAAAAAAAAAAAAAAAAB8AAABUAAAA////AP///wEAAAAAAAAAAAAAAAAAAAAAAAAAAAAAAAAAAAAAAAAAAAAAAAB/f38A5+bmA8zMzADAwP8Af39/AAAAAAAAAAAAAAAAAAAAAAAAAAAAIQAAABgAAAAUAAAABxUAACgKAACTFwAAKwwAABAAAAAmAAAACAAAAP//////////MAAAABQAAAAAAAAAAAD//wAAAQAAAP//AAABAA=="/>
+                <pr:smNativeData xmlns:pr="smNativeData" xmlns="smNativeData" val="SMDATA_16_FAWHYRMAAAAlAAAADgAAAA0AAAAAkAAAAEgAAACQAAAASAAAAAAAAAAAAAAAAgAAAAEAAABQAAAAAAAAAAAAAIAAAAAAAAAAAAAAAAAAAPA/AAAAAAAA4D8AAAAAAADgPwAAAAAAAOA/AAAAAAAA4D8AAAAAAADgPwAAAAAAAOA/AAAAAAAA4D8CAAAAjAAAAAAAAAAAAAAA////AP///wgAAAAAAAAAAAAAAAAAAAAAAAAAAAAAAAAAAAAAeAAAAAEAAABAAAAAAAAAAAAAAABaAAAAAAAAAAAAAAAAAAAAAAAAAAAAAAAAAAAAAAAAAAAAAAAAAAAAAAAAAAAAAAAAAAAAAAAAAAAAAAAAAAAAAAAAAAAAAAAAAAAAFAAAADwAAAABAAAAAAAAAAAAAAAUAAAAAQAAABQAAAAUAAAAFAAAAAEAAAAAAAAAZAAAAGQAAAACAAAAZAAAAGQAAAAVAAAAYAAAAAAAAAAAAAAADwAAACADAAAAAAAAAAAAAAEAAACgMgAAVgcAAKr4//8BAAAAf39/AAEAAABkAAAAAAAAABQAAABAHwAAAAAAACYAAAAAAAAAwOD//wAAAAAmAAAAZAAAABYAAABMAAAAAAAAAAAAAAAEAAAAAAAAAAEAAADn5uYKAAAAACgAAAAoAAAAZAAAAGQAAAAAAAAAzMzMAAAAAABQAAAAUAAAAGQAAABkAAAAAAAAABcAAAAUAAAAAAAAAAAAAAD/fwAA/38AAAAAAAAJAAAABAAAAAAAAAAeAAAAaAAAAAAAAAAAAAAAAAAAAAAAAAAAAAAAECcAABAnAAAAAAAAAAAAAAAAAAAAAAAAAAAAAAAAAAAAAAAAAAAAABQAAAAAAAAAwMD/AAAAAABkAAAAMgAAAAAAAABkAAAAAAAAAH9/fwAKAAAAIgAAABgAAAAAAAAAAAAAAAAAAAAAAAAAAAAAAAAAAAAkAAAAJAAAAAAAAAAHAAAAAAAAAAAAAAAAAAAAAAAAAAAAAAAAAAAAf39/ACUAAABYAAAAAAAAAAAAAAAAAAAAAAAAAAAAAAAAAAAAAAAAAAAAAAAAAAAAAAAAAAAAAAA/AAAAAAAAAKCGAQAAAAAAAAAAAAAAAAAMAAAAAQAAAAAAAAAAAAAAAAAAAB8AAABUAAAA////AP///wEAAAAAAAAAAAAAAAAAAAAAAAAAAAAAAAAAAAAAAAAAAAAAAAB/f38A5+bmA8zMzADAwP8Af39/AAAAAAAAAAAAAAAAAAAAAAAAAAAAIQAAABgAAAAUAAAABxUAACgKAACTFwAAKwwAABAAAAAmAAAACAAAAP//////////MAAAABQAAAAAAAAAAAD//wAAAQAAAP//AAABAA=="/>
               </a:ext>
             </a:extLst>
           </p:cNvCxnSpPr>
@@ -4356,7 +4356,7 @@
             <a:endCxn id="3" idx="1"/>
             <a:extLst>
               <a:ext uri="smNativeData">
-                <pr:smNativeData xmlns:pr="smNativeData" xmlns="smNativeData" val="SMDATA_16_gfoFYRMAAAAlAAAADQAAAA0AAAAAkAAAAEgAAACQAAAASAAAAAAAAAAAAAAAAAAAAAEAAABQAAAAAAAAAAAA8L8AAAAAAAAAAAAAAAAAAPA/AAAAAAAA4D8AAAAAAADgPwAAAAAAAOA/AAAAAAAA4D8AAAAAAADgPwAAAAAAAOA/AAAAAAAA4D8CAAAAjAAAAAAAAAAAAAAA////AP///wgAAAAAAAAAAAAAAAAAAAAAAAAAAAAAAAAAAAAAeAAAAAEAAABAAAAAAAAAAAAAAABaAAAAAAAAAAAAAAAAAAAAAAAAAAAAAAAAAAAAAAAAAAAAAAAAAAAAAAAAAAAAAAAAAAAAAAAAAAAAAAAAAAAAAAAAAAAAAAAAAAAAFAAAADwAAAABAAAAAAAAAAAAAAAUAAAAAQAAABQAAAAUAAAAFAAAAAEAAAACAAAAZAAAAGQAAAACAAAAZAAAAGQAAAAVAAAAYAAAAAAAAAAAAAAADwAAACADAAAAAAAAAAAAAAEAAACgMgAAVgcAAKr4//8BAAAAf39/AAEAAABkAAAAAAAAABQAAABAHwAAAAAAACYAAAAAAAAAwOD//wAAAAAmAAAAZAAAABYAAABMAAAAAAAAAAAAAAAEAAAAAAAAAAEAAADn5uYKAAAAACgAAAAoAAAAZAAAAGQAAAAAAAAAzMzMAAAAAABQAAAAUAAAAGQAAABkAAAAAAAAABcAAAAUAAAAAAAAAAAAAAD/fwAA/38AAAAAAAAJAAAABAAAAAAAAAAeAAAAaAAAAAAAAAAAAAAAAAAAAAAAAAAAAAAAECcAABAnAAAAAAAAAAAAAAAAAAAAAAAAAAAAAAAAAAAAAAAAAAAAABQAAAAAAAAAwMD/AAAAAABkAAAAMgAAAAAAAABkAAAAAAAAAH9/fwAKAAAAIgAAABgAAAAAAAAAAAAAAAAAAAAAAAAAAAAAAAAAAAAkAAAAJAAAAAAAAAAHAAAAAAAAAAAAAAAAAAAAAAAAAAAAAAAAAAAAf39/ACUAAABYAAAAAAAAAAAAAAAAAAAAAAAAAAAAAAAAAAAAAAAAAAAAAAAAAAAAAAAAAAAAAAA/AAAAAAAAAKCGAQAAAAAAAAAAAAAAAAAMAAAAAQAAAAAAAAAAAAAAAAAAAB8AAABUAAAA////AP///wEAAAAAAAAAAAAAAAAAAAAAAAAAAAAAAAAAAAAAAAAAAAAAAAB/f38A5+bmA8zMzADAwP8Af39/AAAAAAAAAAAAAAAAAAAAAAAAAAAAIQAAABgAAAAUAAAA3woAACUMAAD0DAAAKwwAABAAAAAmAAAACAAAAP//////////MAAAABQAAAAAAAAAAAD//wAAAQAAAP//AAABAA=="/>
+                <pr:smNativeData xmlns:pr="smNativeData" xmlns="smNativeData" val="SMDATA_16_FAWHYRMAAAAlAAAADQAAAA0AAAAAkAAAAEgAAACQAAAASAAAAAAAAAAAAAAAAAAAAAEAAABQAAAAAAAAAAAA8L8AAAAAAAAAAAAAAAAAAPA/AAAAAAAA4D8AAAAAAADgPwAAAAAAAOA/AAAAAAAA4D8AAAAAAADgPwAAAAAAAOA/AAAAAAAA4D8CAAAAjAAAAAAAAAAAAAAA////AP///wgAAAAAAAAAAAAAAAAAAAAAAAAAAAAAAAAAAAAAeAAAAAEAAABAAAAAAAAAAAAAAABaAAAAAAAAAAAAAAAAAAAAAAAAAAAAAAAAAAAAAAAAAAAAAAAAAAAAAAAAAAAAAAAAAAAAAAAAAAAAAAAAAAAAAAAAAAAAAAAAAAAAFAAAADwAAAABAAAAAAAAAAAAAAAUAAAAAQAAABQAAAAUAAAAFAAAAAEAAAACAAAAZAAAAGQAAAACAAAAZAAAAGQAAAAVAAAAYAAAAAAAAAAAAAAADwAAACADAAAAAAAAAAAAAAEAAACgMgAAVgcAAKr4//8BAAAAf39/AAEAAABkAAAAAAAAABQAAABAHwAAAAAAACYAAAAAAAAAwOD//wAAAAAmAAAAZAAAABYAAABMAAAAAAAAAAAAAAAEAAAAAAAAAAEAAADn5uYKAAAAACgAAAAoAAAAZAAAAGQAAAAAAAAAzMzMAAAAAABQAAAAUAAAAGQAAABkAAAAAAAAABcAAAAUAAAAAAAAAAAAAAD/fwAA/38AAAAAAAAJAAAABAAAAAAAAAAeAAAAaAAAAAAAAAAAAAAAAAAAAAAAAAAAAAAAECcAABAnAAAAAAAAAAAAAAAAAAAAAAAAAAAAAAAAAAAAAAAAAAAAABQAAAAAAAAAwMD/AAAAAABkAAAAMgAAAAAAAABkAAAAAAAAAH9/fwAKAAAAIgAAABgAAAAAAAAAAAAAAAAAAAAAAAAAAAAAAAAAAAAkAAAAJAAAAAAAAAAHAAAAAAAAAAAAAAAAAAAAAAAAAAAAAAAAAAAAf39/ACUAAABYAAAAAAAAAAAAAAAAAAAAAAAAAAAAAAAAAAAAAAAAAAAAAAAAAAAAAAAAAAAAAAA/AAAAAAAAAKCGAQAAAAAAAAAAAAAAAAAMAAAAAQAAAAAAAAAAAAAAAAAAAB8AAABUAAAA////AP///wEAAAAAAAAAAAAAAAAAAAAAAAAAAAAAAAAAAAAAAAAAAAAAAAB/f38A5+bmA8zMzADAwP8Af39/AAAAAAAAAAAAAAAAAAAAAAAAAAAAIQAAABgAAAAUAAAA3woAACUMAAD0DAAAKwwAABAAAAAmAAAACAAAAP//////////MAAAABQAAAAAAAAAAAD//wAAAQAAAP//AAABAA=="/>
               </a:ext>
             </a:extLst>
           </p:cNvCxnSpPr>
@@ -4390,7 +4390,7 @@
             <a:endCxn id="12" idx="4"/>
             <a:extLst>
               <a:ext uri="smNativeData">
-                <pr:smNativeData xmlns:pr="smNativeData" xmlns="smNativeData" val="SMDATA_16_gfoFYRMAAAAlAAAADgAAAA0AAAAAkAAAAEgAAACQAAAASAAAAAAAAAAAAAAAAgAAAAEAAABQAAAAAAAAAAAA8L8AAAAAAAAAAAAAAAAAAPA/AAAAAAAA4D8AAAAAAADgPwAAAAAAAOA/AAAAAAAA4D8AAAAAAADgPwAAAAAAAOA/AAAAAAAA4D8CAAAAjAAAAAAAAAAAAAAA////AP///wgAAAAAAAAAAAAAAAAAAAAAAAAAAAAAAAAAAAAAeAAAAAEAAABAAAAAAAAAAAAAAABaAAAAAAAAAAAAAAAAAAAAAAAAAAAAAAAAAAAAAAAAAAAAAAAAAAAAAAAAAAAAAAAAAAAAAAAAAAAAAAAAAAAAAAAAAAAAAAAAAAAAFAAAADwAAAABAAAAAAAAAAAAAAAUAAAAAQAAABQAAAAUAAAAFAAAAAEAAAAAAAAAZAAAAGQAAAACAAAAZAAAAGQAAAAVAAAAYAAAAAAAAAAAAAAADwAAACADAAAAAAAAAAAAAAEAAACgMgAAVgcAAKr4//8BAAAAf39/AAEAAABkAAAAAAAAABQAAABAHwAAAAAAACYAAAAAAAAAwOD//wAAAAAmAAAAZAAAABYAAABMAAAAAAAAAAAAAAAEAAAAAAAAAAEAAADn5uYKAAAAACgAAAAoAAAAZAAAAGQAAAAAAAAAzMzMAAAAAABQAAAAUAAAAGQAAABkAAAAAAAAABcAAAAUAAAAAAAAAAAAAAD/fwAA/38AAAAAAAAJAAAABAAAAAAAAAAeAAAAaAAAAAAAAAAAAAAAAAAAAAAAAAAAAAAAECcAABAnAAAAAAAAAAAAAAAAAAAAAAAAAAAAAAAAAAAAAAAAAAAAABQAAAAAAAAAwMD/AAAAAABkAAAAMgAAAAAAAABkAAAAAAAAAH9/fwAKAAAAIgAAABgAAAAAAAAAAAAAAAAAAAAAAAAAAAAAAAAAAAAkAAAAJAAAAAAAAAAHAAAAAAAAAAAAAAAAAAAAAAAAAAAAAAAAAAAAf39/ACUAAABYAAAAAAAAAAAAAAAAAAAAAAAAAAAAAAAAAAAAAAAAAAAAAAAAAAAAAAAAAAAAAAA/AAAAAAAAAKCGAQAAAAAAAAAAAAAAAAAMAAAAAQAAAAAAAAAAAAAAAAAAAB8AAABUAAAA////AP///wEAAAAAAAAAAAAAAAAAAAAAAAAAAAAAAAAAAAAAAAAAAAAAAAB/f38A5+bmA8zMzADAwP8Af39/AAAAAAAAAAAAAAAAAAAAAAAAAAAAIQAAABgAAAAUAAAAph8AADAJAABhIgAAKAoAABAAAAAmAAAACAAAAP//////////MAAAABQAAAAAAAAAAAD//wAAAQAAAP//AAABAA=="/>
+                <pr:smNativeData xmlns:pr="smNativeData" xmlns="smNativeData" val="SMDATA_16_FAWHYRMAAAAlAAAADgAAAA0AAAAAkAAAAEgAAACQAAAASAAAAAAAAAAAAAAAAgAAAAEAAABQAAAAAAAAAAAA8L8AAAAAAAAAAAAAAAAAAPA/AAAAAAAA4D8AAAAAAADgPwAAAAAAAOA/AAAAAAAA4D8AAAAAAADgPwAAAAAAAOA/AAAAAAAA4D8CAAAAjAAAAAAAAAAAAAAA////AP///wgAAAAAAAAAAAAAAAAAAAAAAAAAAAAAAAAAAAAAeAAAAAEAAABAAAAAAAAAAAAAAABaAAAAAAAAAAAAAAAAAAAAAAAAAAAAAAAAAAAAAAAAAAAAAAAAAAAAAAAAAAAAAAAAAAAAAAAAAAAAAAAAAAAAAAAAAAAAAAAAAAAAFAAAADwAAAABAAAAAAAAAAAAAAAUAAAAAQAAABQAAAAUAAAAFAAAAAEAAAAAAAAAZAAAAGQAAAACAAAAZAAAAGQAAAAVAAAAYAAAAAAAAAAAAAAADwAAACADAAAAAAAAAAAAAAEAAACgMgAAVgcAAKr4//8BAAAAf39/AAEAAABkAAAAAAAAABQAAABAHwAAAAAAACYAAAAAAAAAwOD//wAAAAAmAAAAZAAAABYAAABMAAAAAAAAAAAAAAAEAAAAAAAAAAEAAADn5uYKAAAAACgAAAAoAAAAZAAAAGQAAAAAAAAAzMzMAAAAAABQAAAAUAAAAGQAAABkAAAAAAAAABcAAAAUAAAAAAAAAAAAAAD/fwAA/38AAAAAAAAJAAAABAAAAAAAAAAeAAAAaAAAAAAAAAAAAAAAAAAAAAAAAAAAAAAAECcAABAnAAAAAAAAAAAAAAAAAAAAAAAAAAAAAAAAAAAAAAAAAAAAABQAAAAAAAAAwMD/AAAAAABkAAAAMgAAAAAAAABkAAAAAAAAAH9/fwAKAAAAIgAAABgAAAAAAAAAAAAAAAAAAAAAAAAAAAAAAAAAAAAkAAAAJAAAAAAAAAAHAAAAAAAAAAAAAAAAAAAAAAAAAAAAAAAAAAAAf39/ACUAAABYAAAAAAAAAAAAAAAAAAAAAAAAAAAAAAAAAAAAAAAAAAAAAAAAAAAAAAAAAAAAAAA/AAAAAAAAAKCGAQAAAAAAAAAAAAAAAAAMAAAAAQAAAAAAAAAAAAAAAAAAAB8AAABUAAAA////AP///wEAAAAAAAAAAAAAAAAAAAAAAAAAAAAAAAAAAAAAAAAAAAAAAAB/f38A5+bmA8zMzADAwP8Af39/AAAAAAAAAAAAAAAAAAAAAAAAAAAAIQAAABgAAAAUAAAAph8AADAJAABhIgAAKAoAABAAAAAmAAAACAAAAP//////////MAAAABQAAAAAAAAAAAD//wAAAQAAAP//AAABAA=="/>
               </a:ext>
             </a:extLst>
           </p:cNvCxnSpPr>
@@ -4424,7 +4424,7 @@
             <a:endCxn id="15" idx="0"/>
             <a:extLst>
               <a:ext uri="smNativeData">
-                <pr:smNativeData xmlns:pr="smNativeData" xmlns="smNativeData" val="SMDATA_16_gfoFYRMAAAAlAAAADgAAAA0AAAAAkAAAAEgAAACQAAAASAAAAAAAAAAAAAAAAAAAAAEAAABQAAAAAAAAAAAA8L8AAAAAAAAAAAAAAAAAAPA/AAAAAAAA4D8AAAAAAADgPwAAAAAAAOA/AAAAAAAA4D8AAAAAAADgPwAAAAAAAOA/AAAAAAAA4D8CAAAAjAAAAAAAAAAAAAAA////AP///wgAAAAAAAAAAAAAAAAAAAAAAAAAAAAAAAAAAAAAeAAAAAEAAABAAAAAAAAAAAAAAABaAAAAAAAAAAAAAAAAAAAAAAAAAAAAAAAAAAAAAAAAAAAAAAAAAAAAAAAAAAAAAAAAAAAAAAAAAAAAAAAAAAAAAAAAAAAAAAAAAAAAFAAAADwAAAABAAAAAAAAAAAAAAAUAAAAAQAAABQAAAAUAAAAFAAAAAEAAAAAAAAAZAAAAGQAAAACAAAAZAAAAGQAAAAVAAAAYAAAAAAAAAAAAAAADwAAACADAAAAAAAAAAAAAAEAAACgMgAAVgcAAKr4//8BAAAAf39/AAEAAABkAAAAAAAAABQAAABAHwAAAAAAACYAAAAAAAAAwOD//wAAAAAmAAAAZAAAABYAAABMAAAAAAAAAAAAAAAEAAAAAAAAAAEAAADn5uYKAAAAACgAAAAoAAAAZAAAAGQAAAAAAAAAzMzMAAAAAABQAAAAUAAAAGQAAABkAAAAAAAAABcAAAAUAAAAAAAAAAAAAAD/fwAA/38AAAAAAAAJAAAABAAAAAAAAAAeAAAAaAAAAAAAAAAAAAAAAAAAAAAAAAAAAAAAECcAABAnAAAAAAAAAAAAAAAAAAAAAAAAAAAAAAAAAAAAAAAAAAAAABQAAAAAAAAAwMD/AAAAAABkAAAAMgAAAAAAAABkAAAAAAAAAH9/fwAKAAAAIgAAABgAAAAAAAAAAAAAAAAAAAAAAAAAAAAAAAAAAAAkAAAAJAAAAAAAAAAHAAAAAAAAAAAAAAAAAAAAAAAAAAAAAAAAAAAAf39/ACUAAABYAAAAAAAAAAAAAAAAAAAAAAAAAAAAAAAAAAAAAAAAAAAAAAAAAAAAAAAAAAAAAAA/AAAAAAAAAKCGAQAAAAAAAAAAAAAAAAAMAAAAAQAAAAAAAAAAAAAAAAAAAB8AAABUAAAA////AP///wEAAAAAAAAAAAAAAAAAAAAAAAAAAAAAAAAAAAAAAAAAAAAAAAB/f38A5+bmA8zMzADAwP8Af39/AAAAAAAAAAAAAAAAAAAAAAAAAAAAIQAAABgAAAAUAAAAph8AAF0OAABhIgAAYQ8AABAAAAAmAAAACAAAAP//////////MAAAABQAAAAAAAAAAAD//wAAAQAAAP//AAABAA=="/>
+                <pr:smNativeData xmlns:pr="smNativeData" xmlns="smNativeData" val="SMDATA_16_FAWHYRMAAAAlAAAADgAAAA0AAAAAkAAAAEgAAACQAAAASAAAAAAAAAAAAAAAAAAAAAEAAABQAAAAAAAAAAAA8L8AAAAAAAAAAAAAAAAAAPA/AAAAAAAA4D8AAAAAAADgPwAAAAAAAOA/AAAAAAAA4D8AAAAAAADgPwAAAAAAAOA/AAAAAAAA4D8CAAAAjAAAAAAAAAAAAAAA////AP///wgAAAAAAAAAAAAAAAAAAAAAAAAAAAAAAAAAAAAAeAAAAAEAAABAAAAAAAAAAAAAAABaAAAAAAAAAAAAAAAAAAAAAAAAAAAAAAAAAAAAAAAAAAAAAAAAAAAAAAAAAAAAAAAAAAAAAAAAAAAAAAAAAAAAAAAAAAAAAAAAAAAAFAAAADwAAAABAAAAAAAAAAAAAAAUAAAAAQAAABQAAAAUAAAAFAAAAAEAAAAAAAAAZAAAAGQAAAACAAAAZAAAAGQAAAAVAAAAYAAAAAAAAAAAAAAADwAAACADAAAAAAAAAAAAAAEAAACgMgAAVgcAAKr4//8BAAAAf39/AAEAAABkAAAAAAAAABQAAABAHwAAAAAAACYAAAAAAAAAwOD//wAAAAAmAAAAZAAAABYAAABMAAAAAAAAAAAAAAAEAAAAAAAAAAEAAADn5uYKAAAAACgAAAAoAAAAZAAAAGQAAAAAAAAAzMzMAAAAAABQAAAAUAAAAGQAAABkAAAAAAAAABcAAAAUAAAAAAAAAAAAAAD/fwAA/38AAAAAAAAJAAAABAAAAAAAAAAeAAAAaAAAAAAAAAAAAAAAAAAAAAAAAAAAAAAAECcAABAnAAAAAAAAAAAAAAAAAAAAAAAAAAAAAAAAAAAAAAAAAAAAABQAAAAAAAAAwMD/AAAAAABkAAAAMgAAAAAAAABkAAAAAAAAAH9/fwAKAAAAIgAAABgAAAAAAAAAAAAAAAAAAAAAAAAAAAAAAAAAAAAkAAAAJAAAAAAAAAAHAAAAAAAAAAAAAAAAAAAAAAAAAAAAAAAAAAAAf39/ACUAAABYAAAAAAAAAAAAAAAAAAAAAAAAAAAAAAAAAAAAAAAAAAAAAAAAAAAAAAAAAAAAAAA/AAAAAAAAAKCGAQAAAAAAAAAAAAAAAAAMAAAAAQAAAAAAAAAAAAAAAAAAAB8AAABUAAAA////AP///wEAAAAAAAAAAAAAAAAAAAAAAAAAAAAAAAAAAAAAAAAAAAAAAAB/f38A5+bmA8zMzADAwP8Af39/AAAAAAAAAAAAAAAAAAAAAAAAAAAAIQAAABgAAAAUAAAAph8AAF0OAABhIgAAYQ8AABAAAAAmAAAACAAAAP//////////MAAAABQAAAAAAAAAAAD//wAAAQAAAP//AAABAA=="/>
               </a:ext>
             </a:extLst>
           </p:cNvCxnSpPr>
@@ -4456,7 +4456,7 @@
           <p:cNvGrpSpPr>
             <a:extLst>
               <a:ext uri="smNativeData">
-                <pr:smNativeData xmlns:pr="smNativeData" xmlns="smNativeData" val="SMDATA_6_gfoFYRMAAAAlAAAAAQAAAA8BAAAAkAAAAEgAAACQAAAASAAAAAAAAAAAAAAAAAAAABcAAAAUAAAAAAAAAAAAAAD/fwAA/38AAAAAAAAJAAAABAAAAEEAQQAfAAAAVAAAAAAAAAAAAAAAAAAAAAAAAAAAAAAAAAAAAAAAAAAAAAAAAAAAAAAAAAAAAAAAAAAAAAAAAAAAAAAAAAAAAAAAAAAAAAAAAAAAAAAAAAAAAAAAAAAAACEAAAAYAAAAFAAAADwhAAAyBwAAhiMAADAJAAAAAAAAJgAAAAgAAAD/////AAAAAA=="/>
+                <pr:smNativeData xmlns:pr="smNativeData" xmlns="smNativeData" val="SMDATA_6_FAWHYRMAAAAlAAAAAQAAAA8BAAAAkAAAAEgAAACQAAAASAAAAAAAAAAAAAAAAAAAABcAAAAUAAAAAAAAAAAAAAD/fwAA/38AAAAAAAAJAAAABAAAAJAGKQAfAAAAVAAAAAAAAAAAAAAAAAAAAAAAAAAAAAAAAAAAAAAAAAAAAAAAAAAAAAAAAAAAAAAAAAAAAAAAAAAAAAAAAAAAAAAAAAAAAAAAAAAAAAAAAAAAAAAAAAAAACEAAAAYAAAAFAAAADwhAAAyBwAAhiMAADAJAAAQAAAAJgAAAAgAAAD/////AAAAAA=="/>
               </a:ext>
             </a:extLst>
           </p:cNvGrpSpPr>
@@ -4476,7 +4476,7 @@
             <p:cNvSpPr>
               <a:extLst>
                 <a:ext uri="smNativeData">
-                  <pr:smNativeData xmlns:pr="smNativeData" xmlns="smNativeData" val="SMDATA_16_gfoFYRMAAAAlAAAAZAAAAA0AAAAAkAAAAEgAAACQAAAASAAAAAAAAAABAAAAAAAAAAEAAABQAAAAAAAAAAAA4D8AAAAAAADgPwAAAAAAAOA/AAAAAAAA4D8AAAAAAADgPwAAAAAAAOA/AAAAAAAA4D8AAAAAAADgPwAAAAAAAOA/AAAAAAAA4D8CAAAAjAAAAAEAAAAAAAAA////CP///wgAAAAAAAAAAAAAAAAAAAAAAAAAAAAAAAAAAAAAZAAAAAEAAABAAAAAAAAAAAAAAAAAAAAAAAAAAAAAAAAAAAAAAAAAAAAAAAAAAAAAAAAAAAAAAAAAAAAAAAAAAAAAAAAAAAAAAAAAAAAAAAAAAAAAAAAAAAAAAAAAAAAAFAAAADwAAAABAAAAAAAAAAAAAAkUAAAAAQAAABQAAAAUAAAAFAAAAAEAAAAAAAAAZAAAAGQAAAAAAAAAZAAAAGQAAAAVAAAAYAAAAAAAAAAAAAAADwAAACADAAAAAAAAAAAAAAEAAACgMgAAVgcAAKr4//8BAAAAf39/AAEAAABkAAAAAAAAABQAAABAHwAAAAAAACYAAAAAAAAAwOD//wAAAAAmAAAAZAAAABYAAABMAAAAAAAAAAAAAAAEAAAAAAAAAAEAAADn5uYKAAAAACgAAAAoAAAAZAAAAGQAAAAAAAAAzMzMAAAAAABQAAAAUAAAAGQAAABkAAAAAAAAABcAAAAUAAAAAAAAAAAAAAD/fwAA/38AAAAAAAAJAAAABAAAAAAAAAAeAAAAaAAAAAAAAAAAAAAAAAAAAAAAAAAAAAAAECcAABAnAAAAAAAAAAAAAAAAAAAAAAAAAAAAAAAAAAAAAAAAAAAAABQAAAAAAAAAwMD/AAAAAABkAAAAMgAAAAAAAABkAAAAAAAAAH9/fwAKAAAAIgAAABgAAAAAAAAAAAAAAAAAAAAAAAAAAAAAAAAAAAAkAAAAJAAAAAAAAAAHAAAAAAAAAAAAAAAAAAAAAAAAAAAAAAAAAAAAf39/ACUAAABYAAAAAAAAAAAAAAAAAAAAAAAAAAAAAAAAAAAAAAAAAAAAAAAAAAAAAAAAAAAAAAA/AAAAAAAAAKCGAQAAAAAAAAAAAAAAAAAMAAAAAQAAAAAAAAAAAAAAAAAAAB8AAABUAAAA////Af///wEAAAAAAAAAAAAAAAAAAAAAAAAAAAAAAAAAAAAAAAAAAAAAAAJ/f38A5+bmA8zMzADAwP8Af39/AAAAAAAAAAAAAAAAAAAAAAAAAAAAIQAAABgAAAAUAAAAPCEAAMEHAACGIwAAoQgAAAAAAAAmAAAACAAAAP//////////MAAAABQAAAAAAAAAAAD//wAAAQAAAP//AAABAA=="/>
+                  <pr:smNativeData xmlns:pr="smNativeData" xmlns="smNativeData" val="SMDATA_16_FAWHYRMAAAAlAAAAZAAAAA0AAAAAkAAAAEgAAACQAAAASAAAAAAAAAABAAAAAAAAAAEAAABQAAAAAAAAAAAA4D8AAAAAAADgPwAAAAAAAOA/AAAAAAAA4D8AAAAAAADgPwAAAAAAAOA/AAAAAAAA4D8AAAAAAADgPwAAAAAAAOA/AAAAAAAA4D8CAAAAjAAAAAEAAAAAAAAA////CP///wgAAAAAAAAAAAAAAAAAAAAAAAAAAAAAAAAAAAAAZAAAAAEAAABAAAAAAAAAAAAAAAAAAAAAAAAAAAAAAAAAAAAAAAAAAAAAAAAAAAAAAAAAAAAAAAAAAAAAAAAAAAAAAAAAAAAAAAAAAAAAAAAAAAAAAAAAAAAAAAAAAAAAFAAAADwAAAABAAAAAAAAAAAAAAkUAAAAAQAAABQAAAAUAAAAFAAAAAEAAAAAAAAAZAAAAGQAAAAAAAAAZAAAAGQAAAAVAAAAYAAAAAAAAAAAAAAADwAAACADAAAAAAAAAAAAAAEAAACgMgAAVgcAAKr4//8BAAAAf39/AAEAAABkAAAAAAAAABQAAABAHwAAAAAAACYAAAAAAAAAwOD//wAAAAAmAAAAZAAAABYAAABMAAAAAAAAAAAAAAAEAAAAAAAAAAEAAADn5uYKAAAAACgAAAAoAAAAZAAAAGQAAAAAAAAAzMzMAAAAAABQAAAAUAAAAGQAAABkAAAAAAAAABcAAAAUAAAAAAAAAAAAAAD/fwAA/38AAAAAAAAJAAAABAAAAAAAAAAeAAAAaAAAAAAAAAAAAAAAAAAAAAAAAAAAAAAAECcAABAnAAAAAAAAAAAAAAAAAAAAAAAAAAAAAAAAAAAAAAAAAAAAABQAAAAAAAAAwMD/AAAAAABkAAAAMgAAAAAAAABkAAAAAAAAAH9/fwAKAAAAIgAAABgAAAAAAAAAAAAAAAAAAAAAAAAAAAAAAAAAAAAkAAAAJAAAAAAAAAAHAAAAAAAAAAAAAAAAAAAAAAAAAAAAAAAAAAAAf39/ACUAAABYAAAAAAAAAAAAAAAAAAAAAAAAAAAAAAAAAAAAAAAAAAAAAAAAAAAAAAAAAAAAAAA/AAAAAAAAAKCGAQAAAAAAAAAAAAAAAAAMAAAAAQAAAAAAAAAAAAAAAAAAAB8AAABUAAAA////Af///wEAAAAAAAAAAAAAAAAAAAAAAAAAAAAAAAAAAAAAAAAAAAAAAAJ/f38A5+bmA8zMzADAwP8Af39/AAAAAAAAAAAAAAAAAAAAAAAAAAAAIQAAABgAAAAUAAAAPCEAAMEHAACGIwAAoQgAAAAAAAAmAAAACAAAAP//////////MAAAABQAAAAAAAAAAAD//wAAAQAAAP//AAABAA=="/>
                 </a:ext>
               </a:extLst>
             </p:cNvSpPr>
@@ -4524,7 +4524,7 @@
             <p:cNvSpPr>
               <a:extLst>
                 <a:ext uri="smNativeData">
-                  <pr:smNativeData xmlns:pr="smNativeData" xmlns="smNativeData" val="SMDATA_16_gfoFYRMAAAAlAAAAZgAAAC0AAAAAkAAAAEgAAACQAAAASAAAAAAAAAABAAAAAAAAAAEAAABQAAAAAAAAAAAA8D8AAAAAAADwPwAAAAAAAOA/AAAAAAAA4D8AAAAAAADgPwAAAAAAAOA/AAAAAAAA4D8AAAAAAADgPwAAAAAAAOA/AAAAAAAA4D8CAAAAjAAAAAEAAAAAAAAA////CP///wgAAAAAAAAAAAAAAAAAAAAAAAAAAAAAAAAAAAAAZAAAAAEAAABAAAAAAAAAAAAAAAAAAAAAAAAAAAAAAAAAAAAAAAAAAAAAAAAAAAAAAAAAAAAAAAAAAAAAAAAAAAAAAAAAAAAAAAAAAAAAAAAAAAAAAAAAAAAAAAAAAAAAFAAAADwAAAABAAAAAAAAAAAAAAkUAAAAAQAAABQAAAAUAAAAFAAAAAEAAAAAAAAAZAAAAGQAAAAAAAAAZAAAAGQAAAAVAAAAYAAAAAAAAAAAAAAADwAAACADAAAAAAAAAAAAAAEAAACgMgAAVgcAAKr4//8BAAAAf39/AAEAAABkAAAAAAAAABQAAABAHwAAAAAAACYAAAAAAAAAwOD//wAAAAAmAAAAZAAAABYAAABMAAAAAAAAAAAAAAAEAAAAAAAAAAEAAADn5uYKAAAAACgAAAAoAAAAZAAAAGQAAAAAAAAAzMzMAAAAAABQAAAAUAAAAGQAAABkAAAAAAAAABcAAAAUAAAAAAAAAAAAAAD/fwAA/38AAAAAAAAJAAAABAAAAAAAAAAeAAAAaAAAAAAAAAAAAAAAAAAAAAAAAAAAAAAAECcAABAnAAAAAAAAAAAAAAAAAAAAAAAAAAAAAAAAAAAAAAAAAAAAABQAAAAAAAAAwMD/AAAAAABkAAAAMgAAAAAAAABkAAAAAAAAAH9/fwAKAAAAIgAAABgAAAAAAAAAAAAAAAAAAAAAAAAAAAAAAAAAAAAkAAAAJAAAAAAAAAAHAAAAAAAAAAAAAAAAAAAAAAAAAAAAAAAAAAAAf39/ACUAAABYAAAAAAAAAAAAAAAAAAAAAAAAAAAAAAAAAAAAAAAAAAAAAAAAAAAAAAAAAAAAAAA/AAAAAAAAAKCGAQAAAAAAAAAAAAAAAAAMAAAAAQAAAAAAAAAAAAAAAAAAAB8AAABUAAAA////Af///wEAAAAAAAAAAAAAAAAAAAAAAAAAAAAAAAAAAAAAAAAAAAAAAAJ/f38A5+bmA8zMzADAwP8Af39/AAAAAAAAAAAAAAAAAAAAAAAAAAAAIQAAABgAAAAUAAAAYiEAADIHAABgIwAAMAkAAAAAAAAmAAAACAAAAP//////////MAAAABQAAAAAAAAA/Er//wS1AAD8Sv//BLUAAA=="/>
+                  <pr:smNativeData xmlns:pr="smNativeData" xmlns="smNativeData" val="SMDATA_16_FAWHYRMAAAAlAAAAZgAAAC0AAAAAkAAAAEgAAACQAAAASAAAAAAAAAABAAAAAAAAAAEAAABQAAAAAAAAAAAA8D8AAAAAAADwPwAAAAAAAOA/AAAAAAAA4D8AAAAAAADgPwAAAAAAAOA/AAAAAAAA4D8AAAAAAADgPwAAAAAAAOA/AAAAAAAA4D8CAAAAjAAAAAEAAAAAAAAA////CP///wgAAAAAAAAAAAAAAAAAAAAAAAAAAAAAAAAAAAAAZAAAAAEAAABAAAAAAAAAAAAAAAAAAAAAAAAAAAAAAAAAAAAAAAAAAAAAAAAAAAAAAAAAAAAAAAAAAAAAAAAAAAAAAAAAAAAAAAAAAAAAAAAAAAAAAAAAAAAAAAAAAAAAFAAAADwAAAABAAAAAAAAAAAAAAkUAAAAAQAAABQAAAAUAAAAFAAAAAEAAAAAAAAAZAAAAGQAAAAAAAAAZAAAAGQAAAAVAAAAYAAAAAAAAAAAAAAADwAAACADAAAAAAAAAAAAAAEAAACgMgAAVgcAAKr4//8BAAAAf39/AAEAAABkAAAAAAAAABQAAABAHwAAAAAAACYAAAAAAAAAwOD//wAAAAAmAAAAZAAAABYAAABMAAAAAAAAAAAAAAAEAAAAAAAAAAEAAADn5uYKAAAAACgAAAAoAAAAZAAAAGQAAAAAAAAAzMzMAAAAAABQAAAAUAAAAGQAAABkAAAAAAAAABcAAAAUAAAAAAAAAAAAAAD/fwAA/38AAAAAAAAJAAAABAAAAAAAAAAeAAAAaAAAAAAAAAAAAAAAAAAAAAAAAAAAAAAAECcAABAnAAAAAAAAAAAAAAAAAAAAAAAAAAAAAAAAAAAAAAAAAAAAABQAAAAAAAAAwMD/AAAAAABkAAAAMgAAAAAAAABkAAAAAAAAAH9/fwAKAAAAIgAAABgAAAAAAAAAAAAAAAAAAAAAAAAAAAAAAAAAAAAkAAAAJAAAAAAAAAAHAAAAAAAAAAAAAAAAAAAAAAAAAAAAAAAAAAAAf39/ACUAAABYAAAAAAAAAAAAAAAAAAAAAAAAAAAAAAAAAAAAAAAAAAAAAAAAAAAAAAAAAAAAAAA/AAAAAAAAAKCGAQAAAAAAAAAAAAAAAAAMAAAAAQAAAAAAAAAAAAAAAAAAAB8AAABUAAAA////Af///wEAAAAAAAAAAAAAAAAAAAAAAAAAAAAAAAAAAAAAAAAAAAAAAAJ/f38A5+bmA8zMzADAwP8Af39/AAAAAAAAAAAAAAAAAAAAAAAAAAAAIQAAABgAAAAUAAAAYiEAADIHAABgIwAAMAkAAAAAAAAmAAAACAAAAP//////////MAAAABQAAAAAAAAA/Er//wS1AAD8Sv//BLUAAA=="/>
                 </a:ext>
               </a:extLst>
             </p:cNvSpPr>
@@ -4585,7 +4585,7 @@
           <p:cNvGrpSpPr>
             <a:extLst>
               <a:ext uri="smNativeData">
-                <pr:smNativeData xmlns:pr="smNativeData" xmlns="smNativeData" val="SMDATA_6_gfoFYRMAAAAlAAAAAQAAAA8BAAAAkAAAAEgAAACQAAAASAAAAAAAAAAAAAAAAAAAABcAAAAUAAAAAAAAAAAAAAD/fwAA/38AAAAAAAAJAAAABAAAAEEAQQAfAAAAVAAAAAAAAAAAAAAAAAAAAAAAAAAAAAAAAAAAAAAAAAAAAAAAAAAAAAAAAAAAAAAAAAAAAAAAAAAAAAAAAAAAAAAAAAAAAAAAAAAAAAAAAAAAAAAAAAAAACEAAAAYAAAAFAAAADwhAABhDwAAhiMAAF8RAAAQAAAAJgAAAAgAAAD/////AAAAAA=="/>
+                <pr:smNativeData xmlns:pr="smNativeData" xmlns="smNativeData" val="SMDATA_6_FAWHYRMAAAAlAAAAAQAAAA8BAAAAkAAAAEgAAACQAAAASAAAAAAAAAAAAAAAAAAAABcAAAAUAAAAAAAAAAAAAAD/fwAA/38AAAAAAAAJAAAABAAAAAAAAAAfAAAAVAAAAAAAAAAAAAAAAAAAAAAAAAAAAAAAAAAAAAAAAAAAAAAAAAAAAAAAAAAAAAAAAAAAAAAAAAAAAAAAAAAAAAAAAAAAAAAAAAAAAAAAAAAAAAAAAAAAACEAAAAYAAAAFAAAADwhAABhDwAAhiMAAF8RAAAQAAAAJgAAAAgAAAD/////AAAAAA=="/>
               </a:ext>
             </a:extLst>
           </p:cNvGrpSpPr>
@@ -4605,7 +4605,7 @@
             <p:cNvSpPr>
               <a:extLst>
                 <a:ext uri="smNativeData">
-                  <pr:smNativeData xmlns:pr="smNativeData" xmlns="smNativeData" val="SMDATA_16_gfoFYRMAAAAlAAAAZAAAAA0AAAAAkAAAAEgAAACQAAAASAAAAAAAAAABAAAAAAAAAAEAAABQAAAAAAAAAAAA4D8AAAAAAADgPwAAAAAAAOA/AAAAAAAA4D8AAAAAAADgPwAAAAAAAOA/AAAAAAAA4D8AAAAAAADgPwAAAAAAAOA/AAAAAAAA4D8CAAAAjAAAAAEAAAAAAAAA////CP///wgAAAAAAAAAAAAAAAAAAAAAAAAAAAAAAAAAAAAAZAAAAAEAAABAAAAAAAAAAAAAAAAAAAAAAAAAAAAAAAAAAAAAAAAAAAAAAAAAAAAAAAAAAAAAAAAAAAAAAAAAAAAAAAAAAAAAAAAAAAAAAAAAAAAAAAAAAAAAAAAAAAAAFAAAADwAAAABAAAAAAAAAAAAAAkUAAAAAQAAABQAAAAUAAAAFAAAAAEAAAAAAAAAZAAAAGQAAAAAAAAAZAAAAGQAAAAVAAAAYAAAAAAAAAAAAAAADwAAACADAAAAAAAAAAAAAAEAAACgMgAAVgcAAKr4//8BAAAAf39/AAEAAABkAAAAAAAAABQAAABAHwAAAAAAACYAAAAAAAAAwOD//wAAAAAmAAAAZAAAABYAAABMAAAAAAAAAAAAAAAEAAAAAAAAAAEAAADn5uYKAAAAACgAAAAoAAAAZAAAAGQAAAAAAAAAzMzMAAAAAABQAAAAUAAAAGQAAABkAAAAAAAAABcAAAAUAAAAAAAAAAAAAAD/fwAA/38AAAAAAAAJAAAABAAAAAAAAAAeAAAAaAAAAAAAAAAAAAAAAAAAAAAAAAAAAAAAECcAABAnAAAAAAAAAAAAAAAAAAAAAAAAAAAAAAAAAAAAAAAAAAAAABQAAAAAAAAAwMD/AAAAAABkAAAAMgAAAAAAAABkAAAAAAAAAH9/fwAKAAAAIgAAABgAAAAAAAAAAAAAAAAAAAAAAAAAAAAAAAAAAAAkAAAAJAAAAAAAAAAHAAAAAAAAAAAAAAAAAAAAAAAAAAAAAAAAAAAAf39/ACUAAABYAAAAAAAAAAAAAAAAAAAAAAAAAAAAAAAAAAAAAAAAAAAAAAAAAAAAAAAAAAAAAAA/AAAAAAAAAKCGAQAAAAAAAAAAAAAAAAAMAAAAAQAAAAAAAAAAAAAAAAAAAB8AAABUAAAA////Af///wEAAAAAAAAAAAAAAAAAAAAAAAAAAAAAAAAAAAAAAAAAAAAAAAJ/f38A5+bmA8zMzADAwP8Af39/AAAAAAAAAAAAAAAAAAAAAAAAAAAAIQAAABgAAAAUAAAAPCEAAPAPAACGIwAA0BAAAAAAAAAmAAAACAAAAP//////////MAAAABQAAAAAAAAAAAD//wAAAQAAAP//AAABAA=="/>
+                  <pr:smNativeData xmlns:pr="smNativeData" xmlns="smNativeData" val="SMDATA_16_FAWHYRMAAAAlAAAAZAAAAA0AAAAAkAAAAEgAAACQAAAASAAAAAAAAAABAAAAAAAAAAEAAABQAAAAAAAAAAAA4D8AAAAAAADgPwAAAAAAAOA/AAAAAAAA4D8AAAAAAADgPwAAAAAAAOA/AAAAAAAA4D8AAAAAAADgPwAAAAAAAOA/AAAAAAAA4D8CAAAAjAAAAAEAAAAAAAAA////CP///wgAAAAAAAAAAAAAAAAAAAAAAAAAAAAAAAAAAAAAZAAAAAEAAABAAAAAAAAAAAAAAAAAAAAAAAAAAAAAAAAAAAAAAAAAAAAAAAAAAAAAAAAAAAAAAAAAAAAAAAAAAAAAAAAAAAAAAAAAAAAAAAAAAAAAAAAAAAAAAAAAAAAAFAAAADwAAAABAAAAAAAAAAAAAAkUAAAAAQAAABQAAAAUAAAAFAAAAAEAAAAAAAAAZAAAAGQAAAAAAAAAZAAAAGQAAAAVAAAAYAAAAAAAAAAAAAAADwAAACADAAAAAAAAAAAAAAEAAACgMgAAVgcAAKr4//8BAAAAf39/AAEAAABkAAAAAAAAABQAAABAHwAAAAAAACYAAAAAAAAAwOD//wAAAAAmAAAAZAAAABYAAABMAAAAAAAAAAAAAAAEAAAAAAAAAAEAAADn5uYKAAAAACgAAAAoAAAAZAAAAGQAAAAAAAAAzMzMAAAAAABQAAAAUAAAAGQAAABkAAAAAAAAABcAAAAUAAAAAAAAAAAAAAD/fwAA/38AAAAAAAAJAAAABAAAAAAAAAAeAAAAaAAAAAAAAAAAAAAAAAAAAAAAAAAAAAAAECcAABAnAAAAAAAAAAAAAAAAAAAAAAAAAAAAAAAAAAAAAAAAAAAAABQAAAAAAAAAwMD/AAAAAABkAAAAMgAAAAAAAABkAAAAAAAAAH9/fwAKAAAAIgAAABgAAAAAAAAAAAAAAAAAAAAAAAAAAAAAAAAAAAAkAAAAJAAAAAAAAAAHAAAAAAAAAAAAAAAAAAAAAAAAAAAAAAAAAAAAf39/ACUAAABYAAAAAAAAAAAAAAAAAAAAAAAAAAAAAAAAAAAAAAAAAAAAAAAAAAAAAAAAAAAAAAA/AAAAAAAAAKCGAQAAAAAAAAAAAAAAAAAMAAAAAQAAAAAAAAAAAAAAAAAAAB8AAABUAAAA////Af///wEAAAAAAAAAAAAAAAAAAAAAAAAAAAAAAAAAAAAAAAAAAAAAAAJ/f38A5+bmA8zMzADAwP8Af39/AAAAAAAAAAAAAAAAAAAAAAAAAAAAIQAAABgAAAAUAAAAPCEAAPAPAACGIwAA0BAAAAAAAAAmAAAACAAAAP//////////MAAAABQAAAAAAAAAAAD//wAAAQAAAP//AAABAA=="/>
                 </a:ext>
               </a:extLst>
             </p:cNvSpPr>
@@ -4653,7 +4653,7 @@
             <p:cNvSpPr>
               <a:extLst>
                 <a:ext uri="smNativeData">
-                  <pr:smNativeData xmlns:pr="smNativeData" xmlns="smNativeData" val="SMDATA_16_gfoFYRMAAAAlAAAAZgAAAC0AAAAAkAAAAEgAAACQAAAASAAAAAAAAAABAAAAAAAAAAEAAABQAAAAAAAAAAAA8D8AAAAAAADwPwAAAAAAAOA/AAAAAAAA4D8AAAAAAADgPwAAAAAAAOA/AAAAAAAA4D8AAAAAAADgPwAAAAAAAOA/AAAAAAAA4D8CAAAAjAAAAAEAAAAAAAAA////CP///wgAAAAAAAAAAAAAAAAAAAAAAAAAAAAAAAAAAAAAZAAAAAEAAABAAAAAAAAAAAAAAAAAAAAAAAAAAAAAAAAAAAAAAAAAAAAAAAAAAAAAAAAAAAAAAAAAAAAAAAAAAAAAAAAAAAAAAAAAAAAAAAAAAAAAAAAAAAAAAAAAAAAAFAAAADwAAAABAAAAAAAAAAAAAAkUAAAAAQAAABQAAAAUAAAAFAAAAAEAAAAAAAAAZAAAAGQAAAAAAAAAZAAAAGQAAAAVAAAAYAAAAAAAAAAAAAAADwAAACADAAAAAAAAAAAAAAEAAACgMgAAVgcAAKr4//8BAAAAf39/AAEAAABkAAAAAAAAABQAAABAHwAAAAAAACYAAAAAAAAAwOD//wAAAAAmAAAAZAAAABYAAABMAAAAAAAAAAAAAAAEAAAAAAAAAAEAAADn5uYKAAAAACgAAAAoAAAAZAAAAGQAAAAAAAAAzMzMAAAAAABQAAAAUAAAAGQAAABkAAAAAAAAABcAAAAUAAAAAAAAAAAAAAD/fwAA/38AAAAAAAAJAAAABAAAAAAAAAAeAAAAaAAAAAAAAAAAAAAAAAAAAAAAAAAAAAAAECcAABAnAAAAAAAAAAAAAAAAAAAAAAAAAAAAAAAAAAAAAAAAAAAAABQAAAAAAAAAwMD/AAAAAABkAAAAMgAAAAAAAABkAAAAAAAAAH9/fwAKAAAAIgAAABgAAAAAAAAAAAAAAAAAAAAAAAAAAAAAAAAAAAAkAAAAJAAAAAAAAAAHAAAAAAAAAAAAAAAAAAAAAAAAAAAAAAAAAAAAf39/ACUAAABYAAAAAAAAAAAAAAAAAAAAAAAAAAAAAAAAAAAAAAAAAAAAAAAAAAAAAAAAAAAAAAA/AAAAAAAAAKCGAQAAAAAAAAAAAAAAAAAMAAAAAQAAAAAAAAAAAAAAAAAAAB8AAABUAAAA////Af///wEAAAAAAAAAAAAAAAAAAAAAAAAAAAAAAAAAAAAAAAAAAAAAAAJ/f38A5+bmA8zMzADAwP8Af39/AAAAAAAAAAAAAAAAAAAAAAAAAAAAIQAAABgAAAAUAAAAYiEAAGEPAABgIwAAXxEAAAAAAAAmAAAACAAAAP//////////MAAAABQAAAAAAAAA/Er//wS1AAD8Sv//BLUAAA=="/>
+                  <pr:smNativeData xmlns:pr="smNativeData" xmlns="smNativeData" val="SMDATA_16_FAWHYRMAAAAlAAAAZgAAAC0AAAAAkAAAAEgAAACQAAAASAAAAAAAAAABAAAAAAAAAAEAAABQAAAAAAAAAAAA8D8AAAAAAADwPwAAAAAAAOA/AAAAAAAA4D8AAAAAAADgPwAAAAAAAOA/AAAAAAAA4D8AAAAAAADgPwAAAAAAAOA/AAAAAAAA4D8CAAAAjAAAAAEAAAAAAAAA////CP///wgAAAAAAAAAAAAAAAAAAAAAAAAAAAAAAAAAAAAAZAAAAAEAAABAAAAAAAAAAAAAAAAAAAAAAAAAAAAAAAAAAAAAAAAAAAAAAAAAAAAAAAAAAAAAAAAAAAAAAAAAAAAAAAAAAAAAAAAAAAAAAAAAAAAAAAAAAAAAAAAAAAAAFAAAADwAAAABAAAAAAAAAAAAAAkUAAAAAQAAABQAAAAUAAAAFAAAAAEAAAAAAAAAZAAAAGQAAAAAAAAAZAAAAGQAAAAVAAAAYAAAAAAAAAAAAAAADwAAACADAAAAAAAAAAAAAAEAAACgMgAAVgcAAKr4//8BAAAAf39/AAEAAABkAAAAAAAAABQAAABAHwAAAAAAACYAAAAAAAAAwOD//wAAAAAmAAAAZAAAABYAAABMAAAAAAAAAAAAAAAEAAAAAAAAAAEAAADn5uYKAAAAACgAAAAoAAAAZAAAAGQAAAAAAAAAzMzMAAAAAABQAAAAUAAAAGQAAABkAAAAAAAAABcAAAAUAAAAAAAAAAAAAAD/fwAA/38AAAAAAAAJAAAABAAAAAAAAAAeAAAAaAAAAAAAAAAAAAAAAAAAAAAAAAAAAAAAECcAABAnAAAAAAAAAAAAAAAAAAAAAAAAAAAAAAAAAAAAAAAAAAAAABQAAAAAAAAAwMD/AAAAAABkAAAAMgAAAAAAAABkAAAAAAAAAH9/fwAKAAAAIgAAABgAAAAAAAAAAAAAAAAAAAAAAAAAAAAAAAAAAAAkAAAAJAAAAAAAAAAHAAAAAAAAAAAAAAAAAAAAAAAAAAAAAAAAAAAAf39/ACUAAABYAAAAAAAAAAAAAAAAAAAAAAAAAAAAAAAAAAAAAAAAAAAAAAAAAAAAAAAAAAAAAAA/AAAAAAAAAKCGAQAAAAAAAAAAAAAAAAAMAAAAAQAAAAAAAAAAAAAAAAAAAB8AAABUAAAA////Af///wEAAAAAAAAAAAAAAAAAAAAAAAAAAAAAAAAAAAAAAAAAAAAAAAJ/f38A5+bmA8zMzADAwP8Af39/AAAAAAAAAAAAAAAAAAAAAAAAAAAAIQAAABgAAAAUAAAAYiEAAGEPAABgIwAAXxEAAAAAAAAmAAAACAAAAP//////////MAAAABQAAAAAAAAA/Er//wS1AAD8Sv//BLUAAA=="/>
                 </a:ext>
               </a:extLst>
             </p:cNvSpPr>
@@ -4714,7 +4714,7 @@
           <p:cNvSpPr>
             <a:extLst>
               <a:ext uri="smNativeData">
-                <pr:smNativeData xmlns:pr="smNativeData" xmlns="smNativeData" val="SMDATA_16_gfoFYRMAAAAlAAAAZAAAAA0AAAAAkAAAAEgAAACQAAAASAAAAAAAAAABAAAAAAAAAAEAAABQAAAAAAAAAAAA4D8AAAAAAADgPwAAAAAAAOA/AAAAAAAA4D8AAAAAAADgPwAAAAAAAOA/AAAAAAAA4D8AAAAAAADgPwAAAAAAAOA/AAAAAAAA4D8CAAAAjAAAAAEAAAAAAAAAcK1HAP///wgAAAAAAAAAAAAAAAAAAAAAAAAAAAAAAAAAAAAAZAAAAAEAAABAAAAAAAAAAAAAAAAAAAAAAAAAAAAAAAAAAAAAAAAAAAAAAAAAAAAAAAAAAAAAAAAAAAAAAAAAAAAAAAAAAAAAAAAAAAAAAAAAAAAAAAAAAAAAAAAAAAAAFAAAADwAAAAAAAAAAAAAALBdJAAUAAAAAQAAABQAAAAUAAAAFAAAAAEAAAAAAAAAZAAAAGQAAAAAAAAAZAAAAGQAAAAVAAAAYAAAAAAAAAAAAAAADwAAACADAAAAAAAAAAAAAAEAAACgMgAAVgcAAKr4//8BAAAAf39/AAEAAABkAAAAAAAAABQAAABAHwAAAAAAACYAAAAAAAAAwOD//wAAAAAmAAAAZAAAABYAAABMAAAAAAAAAAAAAAAEAAAAAAAAAAEAAADn5uYKAAAAACgAAAAoAAAAZAAAAGQAAAAAAAAAzMzMAAAAAABQAAAAUAAAAGQAAABkAAAAAAAAABcAAAAUAAAAAAAAAAAAAAD/fwAA/38AAAAAAAAJAAAABAAAAAAAAAAeAAAAaAAAAAAAAAAAAAAAAAAAAAAAAAAAAAAAECcAABAnAAAAAAAAAAAAAAAAAAAAAAAAAAAAAAAAAAAAAAAAAAAAABQAAAAAAAAAwMD/AAAAAABkAAAAMgAAAAAAAABkAAAAAAAAAH9/fwAKAAAAIgAAABgAAAAAAAAAAAAAAAAAAAAAAAAAAAAAAAAAAAAkAAAAJAAAAAAAAAAHAAAAAAAAAAAAAAAAAAAAAAAAAAAAAAAAAAAAf39/ACUAAABYAAAAAAAAAAAAAAAAAAAAAAAAAAAAAAAAAAAAAAAAAAAAAAAAAAAAAAAAAAAAAAA/AAAAAAAAAKCGAQAAAAAAAAAAAAAAAAAMAAAAAQAAAAAAAAAAAAAAAAAAAB8AAABUAAAAcK1HAP///wEAAAAAAAAAAAAAAAAAAAAAAAAAAAAAAAAAAAAAAAAAALBdJAB/f38A5+bmA8zMzADAwP8Af39/AAAAAAAAAAAAAAAAAAAAAAAAAAAAIQAAABgAAAAUAAAAzAIAAJ4QAADfCgAA8RMAABAAAAAmAAAACAAAAP//////////MAAAABQAAAAAAAAAAAD//wAAAQAAAP//AAABAA=="/>
+                <pr:smNativeData xmlns:pr="smNativeData" xmlns="smNativeData" val="SMDATA_16_FAWHYRMAAAAlAAAAZAAAAA0AAAAAkAAAAEgAAACQAAAASAAAAAAAAAABAAAAAAAAAAEAAABQAAAAAAAAAAAA4D8AAAAAAADgPwAAAAAAAOA/AAAAAAAA4D8AAAAAAADgPwAAAAAAAOA/AAAAAAAA4D8AAAAAAADgPwAAAAAAAOA/AAAAAAAA4D8CAAAAjAAAAAEAAAAAAAAAcK1HAP///wgAAAAAAAAAAAAAAAAAAAAAAAAAAAAAAAAAAAAAZAAAAAEAAABAAAAAAAAAAAAAAAAAAAAAAAAAAAAAAAAAAAAAAAAAAAAAAAAAAAAAAAAAAAAAAAAAAAAAAAAAAAAAAAAAAAAAAAAAAAAAAAAAAAAAAAAAAAAAAAAAAAAAFAAAADwAAAAAAAAAAAAAALBdJAAUAAAAAQAAABQAAAAUAAAAFAAAAAEAAAAAAAAAZAAAAGQAAAAAAAAAZAAAAGQAAAAVAAAAYAAAAAAAAAAAAAAADwAAACADAAAAAAAAAAAAAAEAAACgMgAAVgcAAKr4//8BAAAAf39/AAEAAABkAAAAAAAAABQAAABAHwAAAAAAACYAAAAAAAAAwOD//wAAAAAmAAAAZAAAABYAAABMAAAAAAAAAAAAAAAEAAAAAAAAAAEAAADn5uYKAAAAACgAAAAoAAAAZAAAAGQAAAAAAAAAzMzMAAAAAABQAAAAUAAAAGQAAABkAAAAAAAAABcAAAAUAAAAAAAAAAAAAAD/fwAA/38AAAAAAAAJAAAABAAAAAAAAAAeAAAAaAAAAAAAAAAAAAAAAAAAAAAAAAAAAAAAECcAABAnAAAAAAAAAAAAAAAAAAAAAAAAAAAAAAAAAAAAAAAAAAAAABQAAAAAAAAAwMD/AAAAAABkAAAAMgAAAAAAAABkAAAAAAAAAH9/fwAKAAAAIgAAABgAAAAAAAAAAAAAAAAAAAAAAAAAAAAAAAAAAAAkAAAAJAAAAAAAAAAHAAAAAAAAAAAAAAAAAAAAAAAAAAAAAAAAAAAAf39/ACUAAABYAAAAAAAAAAAAAAAAAAAAAAAAAAAAAAAAAAAAAAAAAAAAAAAAAAAAAAAAAAAAAAA/AAAAAAAAAKCGAQAAAAAAAAAAAAAAAAAMAAAAAQAAAAAAAAAAAAAAAAAAAB8AAABUAAAAcK1HAP///wEAAAAAAAAAAAAAAAAAAAAAAAAAAAAAAAAAAAAAAAAAALBdJAB/f38A5+bmA8zMzADAwP8Af39/AAAAAAAAAAAAAAAAAAAAAAAAAAAAIQAAABgAAAAUAAAAzAIAAJ4QAADfCgAA8RMAABAAAAAmAAAACAAAAP//////////MAAAABQAAAAAAAAAAAD//wAAAQAAAP//AAABAA=="/>
               </a:ext>
             </a:extLst>
           </p:cNvSpPr>
@@ -4771,7 +4771,7 @@
             <a:endCxn id="17" idx="0"/>
             <a:extLst>
               <a:ext uri="smNativeData">
-                <pr:smNativeData xmlns:pr="smNativeData" xmlns="smNativeData" val="SMDATA_16_gfoFYRMAAAAlAAAADQAAAA0AAAAAkAAAAEgAAACQAAAASAAAAAAAAAAAAAAAAAAAAAEAAABQAAAAAAAAAAAA8L8AAAAAAAAAAAAAAAAAAPA/AAAAAAAA4D8AAAAAAADgPwAAAAAAAOA/AAAAAAAA4D8AAAAAAADgPwAAAAAAAOA/AAAAAAAA4D8CAAAAjAAAAAAAAAAAAAAA////AP///wgAAAAAAAAAAAAAAAAAAAAAAAAAAAAAAAAAAAAAeAAAAAEAAABAAAAAAAAAAAAAAABaAAAAAAAAAAAAAAAAAAAAAAAAAAAAAAAAAAAAAAAAAAAAAAAAAAAAAAAAAAAAAAAAAAAAAAAAAAAAAAAAAAAAAAAAAAAAAAAAAAAAFAAAADwAAAABAAAAAAAAAAAAAAAUAAAAAQAAABQAAAAUAAAAFAAAAAEAAAACAAAAZAAAAGQAAAACAAAAZAAAAGQAAAAVAAAAYAAAAAAAAAAAAAAADwAAACADAAAAAAAAAAAAAAEAAACgMgAAVgcAAKr4//8BAAAAf39/AAEAAABkAAAAAAAAABQAAABAHwAAAAAAACYAAAAAAAAAwOD//wAAAAAmAAAAZAAAABYAAABMAAAAAAAAAAAAAAAEAAAAAAAAAAEAAADn5uYKAAAAACgAAAAoAAAAZAAAAGQAAAAAAAAAzMzMAAAAAABQAAAAUAAAAGQAAABkAAAAAAAAABcAAAAUAAAAAAAAAAAAAAD/fwAA/38AAAAAAAAJAAAABAAAAAAAAAAeAAAAaAAAAAAAAAAAAAAAAAAAAAAAAAAAAAAAECcAABAnAAAAAAAAAAAAAAAAAAAAAAAAAAAAAAAAAAAAAAAAAAAAABQAAAAAAAAAwMD/AAAAAABkAAAAMgAAAAAAAABkAAAAAAAAAH9/fwAKAAAAIgAAABgAAAAAAAAAAAAAAAAAAAAAAAAAAAAAAAAAAAAkAAAAJAAAAAAAAAAHAAAAAAAAAAAAAAAAAAAAAAAAAAAAAAAAAAAAf39/ACUAAABYAAAAAAAAAAAAAAAAAAAAAAAAAAAAAAAAAAAAAAAAAAAAAAAAAAAAAAAAAAAAAAA/AAAAAAAAAKCGAQAAAAAAAAAAAAAAAAAMAAAAAQAAAAAAAAAAAAAAAAAAAB8AAABUAAAA////AP///wEAAAAAAAAAAAAAAAAAAAAAAAAAAAAAAAAAAAAAAAAAAAAAAAB/f38A5+bmA8zMzADAwP8Af39/AAAAAAAAAAAAAAAAAAAAAAAAAAAAIQAAABgAAAAUAAAA1gYAAEcOAADWBgAAnhAAABAAAAAmAAAACAAAAP//////////MAAAABQAAAAAAAAAAAD//wAAAQAAAP//AAABAA=="/>
+                <pr:smNativeData xmlns:pr="smNativeData" xmlns="smNativeData" val="SMDATA_16_FAWHYRMAAAAlAAAADQAAAA0AAAAAkAAAAEgAAACQAAAASAAAAAAAAAAAAAAAAAAAAAEAAABQAAAAAAAAAAAA8L8AAAAAAAAAAAAAAAAAAPA/AAAAAAAA4D8AAAAAAADgPwAAAAAAAOA/AAAAAAAA4D8AAAAAAADgPwAAAAAAAOA/AAAAAAAA4D8CAAAAjAAAAAAAAAAAAAAA////AP///wgAAAAAAAAAAAAAAAAAAAAAAAAAAAAAAAAAAAAAeAAAAAEAAABAAAAAAAAAAAAAAABaAAAAAAAAAAAAAAAAAAAAAAAAAAAAAAAAAAAAAAAAAAAAAAAAAAAAAAAAAAAAAAAAAAAAAAAAAAAAAAAAAAAAAAAAAAAAAAAAAAAAFAAAADwAAAABAAAAAAAAAAAAAAAUAAAAAQAAABQAAAAUAAAAFAAAAAEAAAACAAAAZAAAAGQAAAACAAAAZAAAAGQAAAAVAAAAYAAAAAAAAAAAAAAADwAAACADAAAAAAAAAAAAAAEAAACgMgAAVgcAAKr4//8BAAAAf39/AAEAAABkAAAAAAAAABQAAABAHwAAAAAAACYAAAAAAAAAwOD//wAAAAAmAAAAZAAAABYAAABMAAAAAAAAAAAAAAAEAAAAAAAAAAEAAADn5uYKAAAAACgAAAAoAAAAZAAAAGQAAAAAAAAAzMzMAAAAAABQAAAAUAAAAGQAAABkAAAAAAAAABcAAAAUAAAAAAAAAAAAAAD/fwAA/38AAAAAAAAJAAAABAAAAAAAAAAeAAAAaAAAAAAAAAAAAAAAAAAAAAAAAAAAAAAAECcAABAnAAAAAAAAAAAAAAAAAAAAAAAAAAAAAAAAAAAAAAAAAAAAABQAAAAAAAAAwMD/AAAAAABkAAAAMgAAAAAAAABkAAAAAAAAAH9/fwAKAAAAIgAAABgAAAAAAAAAAAAAAAAAAAAAAAAAAAAAAAAAAAAkAAAAJAAAAAAAAAAHAAAAAAAAAAAAAAAAAAAAAAAAAAAAAAAAAAAAf39/ACUAAABYAAAAAAAAAAAAAAAAAAAAAAAAAAAAAAAAAAAAAAAAAAAAAAAAAAAAAAAAAAAAAAA/AAAAAAAAAKCGAQAAAAAAAAAAAAAAAAAMAAAAAQAAAAAAAAAAAAAAAAAAAB8AAABUAAAA////AP///wEAAAAAAAAAAAAAAAAAAAAAAAAAAAAAAAAAAAAAAAAAAAAAAAB/f38A5+bmA8zMzADAwP8Af39/AAAAAAAAAAAAAAAAAAAAAAAAAAAAIQAAABgAAAAUAAAA1gYAAEcOAADWBgAAnhAAABAAAAAmAAAACAAAAP//////////MAAAABQAAAAAAAAAAAD//wAAAQAAAP//AAABAA=="/>
               </a:ext>
             </a:extLst>
           </p:cNvCxnSpPr>
@@ -4803,7 +4803,7 @@
           <p:cNvSpPr>
             <a:extLst>
               <a:ext uri="smNativeData">
-                <pr:smNativeData xmlns:pr="smNativeData" xmlns="smNativeData" val="SMDATA_16_gfoFYRMAAAAlAAAAZAAAAA0AAAAAkAAAAEgAAACQAAAASAAAAAAAAAABAAAAAAAAAAEAAABQAAAAAAAAAAAA4D8AAAAAAADgPwAAAAAAAOA/AAAAAAAA4D8AAAAAAADgPwAAAAAAAOA/AAAAAAAA4D8AAAAAAADgPwAAAAAAAOA/AAAAAAAA4D8CAAAAjAAAAAEAAAAAAAAA7X0xDf///wgAAAAAAAAAAAAAAAAAAAAAAAAAAAAAAAAAAAAAZAAAAAEAAABAAAAAAAAAAAAAAAAAAAAAAAAAAAAAAAAAAAAAAAAAAAAAAAAAAAAAAAAAAAAAAAAAAAAAAAAAAAAAAAAAAAAAAAAAAAAAAAAAAAAAAAAAAAAAAAAAAAAAFAAAADwAAAAAAAAAAAAAALBdJAAUAAAAAQAAABQAAAAUAAAAFAAAAAEAAAAAAAAAZAAAAGQAAAAAAAAAZAAAAGQAAAAVAAAAYAAAAAAAAAAAAAAADwAAACADAAAAAAAAAAAAAAEAAACgMgAAVgcAAKr4//8BAAAAf39/AAEAAABkAAAAAAAAABQAAABAHwAAAAAAACYAAAAAAAAAwOD//wAAAAAmAAAAZAAAABYAAABMAAAAAAAAAAAAAAAEAAAAAAAAAAEAAADn5uYKAAAAACgAAAAoAAAAZAAAAGQAAAAAAAAAzMzMAAAAAABQAAAAUAAAAGQAAABkAAAAAAAAABcAAAAUAAAAAAAAAAAAAAD/fwAA/38AAAAAAAAJAAAABAAAAAAAAAAeAAAAaAAAAAAAAAAAAAAAAAAAAAAAAAAAAAAAECcAABAnAAAAAAAAAAAAAAAAAAAAAAAAAAAAAAAAAAAAAAAAAAAAABQAAAAAAAAAwMD/AAAAAABkAAAAMgAAAAAAAABkAAAAAAAAAH9/fwAKAAAAIgAAABgAAAAAAAAAAAAAAAAAAAAAAAAAAAAAAAAAAAAkAAAAJAAAAAAAAAAHAAAAAAAAAAAAAAAAAAAAAAAAAAAAAAAAAAAAf39/ACUAAABYAAAAAAAAAAAAAAAAAAAAAAAAAAAAAAAAAAAAAAAAAAAAAAAAAAAAAAAAAAAAAAA/AAAAAAAAAKCGAQAAAAAAAAAAAAAAAAAMAAAAAQAAAAAAAAAAAAAAAAAAAB8AAABUAAAA7X0xBv///wEAAAAAAAAAAAAAAAAAAAAAAAAAAAAAAAAAAAAAAAAAALBdJAB/f38A5+bmA8zMzADAwP8Af39/AAAAAAAAAAAAAAAAAAAAAAAAAAAAIQAAABgAAAAUAAAAzAIAAI8EAADfCgAA4QcAABAAAAAmAAAACAAAAP//////////MAAAABQAAAAAAAAAAAD//wAAAQAAAP//AAABAA=="/>
+                <pr:smNativeData xmlns:pr="smNativeData" xmlns="smNativeData" val="SMDATA_16_FAWHYRMAAAAlAAAAZAAAAA0AAAAAkAAAAEgAAACQAAAASAAAAAAAAAABAAAAAAAAAAEAAABQAAAAAAAAAAAA4D8AAAAAAADgPwAAAAAAAOA/AAAAAAAA4D8AAAAAAADgPwAAAAAAAOA/AAAAAAAA4D8AAAAAAADgPwAAAAAAAOA/AAAAAAAA4D8CAAAAjAAAAAEAAAAAAAAA7X0xDf///wgAAAAAAAAAAAAAAAAAAAAAAAAAAAAAAAAAAAAAZAAAAAEAAABAAAAAAAAAAAAAAAAAAAAAAAAAAAAAAAAAAAAAAAAAAAAAAAAAAAAAAAAAAAAAAAAAAAAAAAAAAAAAAAAAAAAAAAAAAAAAAAAAAAAAAAAAAAAAAAAAAAAAFAAAADwAAAAAAAAAAAAAALBdJAAUAAAAAQAAABQAAAAUAAAAFAAAAAEAAAAAAAAAZAAAAGQAAAAAAAAAZAAAAGQAAAAVAAAAYAAAAAAAAAAAAAAADwAAACADAAAAAAAAAAAAAAEAAACgMgAAVgcAAKr4//8BAAAAf39/AAEAAABkAAAAAAAAABQAAABAHwAAAAAAACYAAAAAAAAAwOD//wAAAAAmAAAAZAAAABYAAABMAAAAAAAAAAAAAAAEAAAAAAAAAAEAAADn5uYKAAAAACgAAAAoAAAAZAAAAGQAAAAAAAAAzMzMAAAAAABQAAAAUAAAAGQAAABkAAAAAAAAABcAAAAUAAAAAAAAAAAAAAD/fwAA/38AAAAAAAAJAAAABAAAAAAAAAAeAAAAaAAAAAAAAAAAAAAAAAAAAAAAAAAAAAAAECcAABAnAAAAAAAAAAAAAAAAAAAAAAAAAAAAAAAAAAAAAAAAAAAAABQAAAAAAAAAwMD/AAAAAABkAAAAMgAAAAAAAABkAAAAAAAAAH9/fwAKAAAAIgAAABgAAAAAAAAAAAAAAAAAAAAAAAAAAAAAAAAAAAAkAAAAJAAAAAAAAAAHAAAAAAAAAAAAAAAAAAAAAAAAAAAAAAAAAAAAf39/ACUAAABYAAAAAAAAAAAAAAAAAAAAAAAAAAAAAAAAAAAAAAAAAAAAAAAAAAAAAAAAAAAAAAA/AAAAAAAAAKCGAQAAAAAAAAAAAAAAAAAMAAAAAQAAAAAAAAAAAAAAAAAAAB8AAABUAAAA7X0xBv///wEAAAAAAAAAAAAAAAAAAAAAAAAAAAAAAAAAAAAAAAAAALBdJAB/f38A5+bmA8zMzADAwP8Af39/AAAAAAAAAAAAAAAAAAAAAAAAAAAAIQAAABgAAAAUAAAAzAIAAI8EAADfCgAA4QcAABAAAAAmAAAACAAAAP//////////MAAAABQAAAAAAAAAAAD//wAAAQAAAP//AAABAA=="/>
               </a:ext>
             </a:extLst>
           </p:cNvSpPr>
@@ -4860,7 +4860,7 @@
             <a:endCxn id="19" idx="2"/>
             <a:extLst>
               <a:ext uri="smNativeData">
-                <pr:smNativeData xmlns:pr="smNativeData" xmlns="smNativeData" val="SMDATA_16_gfoFYRMAAAAlAAAADQAAAA0AAAAAkAAAAEgAAACQAAAASAAAAAAAAAAAAAAAAgAAAAEAAABQAAAAAAAAAAAA8L8AAAAAAAAAAAAAAAAAAPA/AAAAAAAA4D8AAAAAAADgPwAAAAAAAOA/AAAAAAAA4D8AAAAAAADgPwAAAAAAAOA/AAAAAAAA4D8CAAAAjAAAAAAAAAAAAAAA////AP///wgAAAAAAAAAAAAAAAAAAAAAAAAAAAAAAAAAAAAAeAAAAAEAAABAAAAAAAAAAAAAAABaAAAAAAAAAAAAAAAAAAAAAAAAAAAAAAAAAAAAAAAAAAAAAAAAAAAAAAAAAAAAAAAAAAAAAAAAAAAAAAAAAAAAAAAAAAAAAAAAAAAAFAAAADwAAAABAAAAAAAAAAAAAAkUAAAAAQAAABQAAAAUAAAAFAAAAAEAAAACAAAAZAAAAGQAAAACAAAAZAAAAGQAAAAVAAAAYAAAAAAAAAAAAAAADwAAACADAAAAAAAAAAAAAAEAAACgMgAAVgcAAKr4//8BAAAAf39/AAEAAABkAAAAAAAAABQAAABAHwAAAAAAACYAAAAAAAAAwOD//wAAAAAmAAAAZAAAABYAAABMAAAAAAAAAAAAAAAEAAAAAAAAAAEAAADn5uYKAAAAACgAAAAoAAAAZAAAAGQAAAAAAAAAzMzMAAAAAABQAAAAUAAAAGQAAABkAAAAAAAAABcAAAAUAAAAAAAAAAAAAAD/fwAA/38AAAAAAAAJAAAABAAAAAAAAAAeAAAAaAAAAAAAAAAAAAAAAAAAAAAAAAAAAAAAECcAABAnAAAAAAAAAAAAAAAAAAAAAAAAAAAAAAAAAAAAAAAAAAAAABQAAAAAAAAAwMD/AAAAAABkAAAAMgAAAAAAAABkAAAAAAAAAH9/fwAKAAAAIgAAABgAAAAAAAAAAAAAAAAAAAAAAAAAAAAAAAAAAAAkAAAAJAAAAAAAAAAHAAAAAAAAAAAAAAAAAAAAAAAAAAAAAAAAAAAAf39/ACUAAABYAAAAAAAAAAAAAAAAAAAAAAAAAAAAAAAAAAAAAAAAAAAAAAAAAAAAAAAAAAAAAAA/AAAAAAAAAKCGAQAAAAAAAAAAAAAAAAAMAAAAAQAAAAAAAAAAAAAAAAAAAB8AAABUAAAA////AP///wEAAAAAAAAAAAAAAAAAAAAAAAAAAAAAAAAAAAAAAAAAAAAAAAJ/f38A5+bmA8zMzADAwP8Af39/AAAAAAAAAAAAAAAAAAAAAAAAAAAAIQAAABgAAAAUAAAA1gYAAOEHAADWBgAAAwoAABAAAAAmAAAACAAAAP//////////MAAAABQAAAAAAAAAAAD//wAAAQAAAP//AAABAA=="/>
+                <pr:smNativeData xmlns:pr="smNativeData" xmlns="smNativeData" val="SMDATA_16_FAWHYRMAAAAlAAAADQAAAA0AAAAAkAAAAEgAAACQAAAASAAAAAAAAAAAAAAAAgAAAAEAAABQAAAAAAAAAAAA8L8AAAAAAAAAAAAAAAAAAPA/AAAAAAAA4D8AAAAAAADgPwAAAAAAAOA/AAAAAAAA4D8AAAAAAADgPwAAAAAAAOA/AAAAAAAA4D8CAAAAjAAAAAAAAAAAAAAA////AP///wgAAAAAAAAAAAAAAAAAAAAAAAAAAAAAAAAAAAAAeAAAAAEAAABAAAAAAAAAAAAAAABaAAAAAAAAAAAAAAAAAAAAAAAAAAAAAAAAAAAAAAAAAAAAAAAAAAAAAAAAAAAAAAAAAAAAAAAAAAAAAAAAAAAAAAAAAAAAAAAAAAAAFAAAADwAAAABAAAAAAAAAAAAAAkUAAAAAQAAABQAAAAUAAAAFAAAAAEAAAACAAAAZAAAAGQAAAACAAAAZAAAAGQAAAAVAAAAYAAAAAAAAAAAAAAADwAAACADAAAAAAAAAAAAAAEAAACgMgAAVgcAAKr4//8BAAAAf39/AAEAAABkAAAAAAAAABQAAABAHwAAAAAAACYAAAAAAAAAwOD//wAAAAAmAAAAZAAAABYAAABMAAAAAAAAAAAAAAAEAAAAAAAAAAEAAADn5uYKAAAAACgAAAAoAAAAZAAAAGQAAAAAAAAAzMzMAAAAAABQAAAAUAAAAGQAAABkAAAAAAAAABcAAAAUAAAAAAAAAAAAAAD/fwAA/38AAAAAAAAJAAAABAAAAAAAAAAeAAAAaAAAAAAAAAAAAAAAAAAAAAAAAAAAAAAAECcAABAnAAAAAAAAAAAAAAAAAAAAAAAAAAAAAAAAAAAAAAAAAAAAABQAAAAAAAAAwMD/AAAAAABkAAAAMgAAAAAAAABkAAAAAAAAAH9/fwAKAAAAIgAAABgAAAAAAAAAAAAAAAAAAAAAAAAAAAAAAAAAAAAkAAAAJAAAAAAAAAAHAAAAAAAAAAAAAAAAAAAAAAAAAAAAAAAAAAAAf39/ACUAAABYAAAAAAAAAAAAAAAAAAAAAAAAAAAAAAAAAAAAAAAAAAAAAAAAAAAAAAAAAAAAAAA/AAAAAAAAAKCGAQAAAAAAAAAAAAAAAAAMAAAAAQAAAAAAAAAAAAAAAAAAAB8AAABUAAAA////AP///wEAAAAAAAAAAAAAAAAAAAAAAAAAAAAAAAAAAAAAAAAAAAAAAAJ/f38A5+bmA8zMzADAwP8Af39/AAAAAAAAAAAAAAAAAAAAAAAAAAAAIQAAABgAAAAUAAAA1gYAAOEHAADWBgAAAwoAABAAAAAmAAAACAAAAP//////////MAAAABQAAAAAAAAAAAD//wAAAQAAAP//AAABAA=="/>
               </a:ext>
             </a:extLst>
           </p:cNvCxnSpPr>
@@ -4892,7 +4892,7 @@
           <p:cNvSpPr>
             <a:extLst>
               <a:ext uri="smNativeData">
-                <pr:smNativeData xmlns:pr="smNativeData" xmlns="smNativeData" val="SMDATA_16_gfoFYRMAAAAlAAAAZQAAAA0AAAAAkAAAAEgAAACQAAAASAAAAAAAAAABAAAAAAAAAAEAAABQAAAAhbacS3FV1T8AAAAAAAAAAAAAAAAAAOA/AAAAAAAA4D8AAAAAAADgPwAAAAAAAOA/AAAAAAAA4D8AAAAAAADgPwAAAAAAAOA/AAAAAAAA4D8CAAAAjAAAAAEAAAAAAAAA//LMAP///wgAAAAAAAAAAAAAAAAAAAAAAAAAAAAAAAAAAAAAZAAAAAEAAABAAAAAAAAAAAAAAAAAAAAAAAAAAAAAAAAAAAAAAAAAAAAAAAAAAAAAAAAAAAAAAAAAAAAAAAAAAAAAAAAAAAAAAAAAAAAAAAAAAAAAAAAAAAAAAAAAAAAAFAAAADwAAAABAAAAAAAAAAAAAAkUAAAAAQAAABQAAAAUAAAAFAAAAAEAAAAAAAAAZAAAAGQAAAAAAAAAZAAAAGQAAAAVAAAAYAAAAAAAAAAAAAAADwAAACADAAAAAAAAAAAAAAEAAACgMgAAVgcAAKr4//8BAAAAf39/AAEAAABkAAAAAAAAABQAAABAHwAAAAAAACYAAAAAAAAAwOD//wAAAAAmAAAAZAAAABYAAABMAAAAAAAAAAAAAAAEAAAAAAAAAAEAAADn5uYKAAAAACgAAAAoAAAAZAAAAGQAAAAAAAAAzMzMAAAAAABQAAAAUAAAAGQAAABkAAAAAAAAABcAAAAUAAAAAAAAAAAAAAD/fwAA/38AAAAAAAAJAAAABAAAAAAAAAAeAAAAaAAAAAAAAAAAAAAAAAAAAAAAAAAAAAAAECcAABAnAAAAAAAAAAAAAAAAAAAAAAAAAAAAAAAAAAAAAAAAAAAAABQAAAAAAAAAwMD/AAAAAABkAAAAMgAAAAAAAABkAAAAAAAAAH9/fwAKAAAAIgAAABgAAAAAAAAAAAAAAAAAAAAAAAAAAAAAAAAAAAAkAAAAJAAAAAAAAAAHAAAAAAAAAAAAAAAAAAAAAAAAAAAAAAAAAAAAf39/ACUAAABYAAAAAAAAAAAAAAAAAAAAAAAAAAAAAAAAAAAAAAAAAAAAAAAAAAAAAAAAAAAAAAA/AAAAAAAAAKCGAQAAAAAAAAAAAAAAAAAMAAAAAQAAAAAAAAAAAAAAAAAAAB8AAABUAAAA//LMAP///wEAAAAAAAAAAAAAAAAAAAAAAAAAAAAAAAAAAAAAAAAAAAAAAAJ/f38A5+bmA8zMzADAwP8Af39/AAAAAAAAAAAAAAAAAAAAAAAAAAAAIQAAABgAAAAUAAAAnygAANYFAAAUNAAApAcAABAAAAAmAAAACAAAAP//////////MAAAABQAAAAAAAAA8AP//xD8AAD/GP//AecAAA=="/>
+                <pr:smNativeData xmlns:pr="smNativeData" xmlns="smNativeData" val="SMDATA_16_FAWHYRMAAAAlAAAAZQAAAA0AAAAAkAAAAEgAAACQAAAASAAAAAAAAAABAAAAAAAAAAEAAABQAAAAhbacS3FV1T8AAAAAAAAAAAAAAAAAAOA/AAAAAAAA4D8AAAAAAADgPwAAAAAAAOA/AAAAAAAA4D8AAAAAAADgPwAAAAAAAOA/AAAAAAAA4D8CAAAAjAAAAAEAAAAAAAAA//LMAP///wgAAAAAAAAAAAAAAAAAAAAAAAAAAAAAAAAAAAAAZAAAAAEAAABAAAAAAAAAAAAAAAAAAAAAAAAAAAAAAAAAAAAAAAAAAAAAAAAAAAAAAAAAAAAAAAAAAAAAAAAAAAAAAAAAAAAAAAAAAAAAAAAAAAAAAAAAAAAAAAAAAAAAFAAAADwAAAABAAAAAAAAAAAAAAkUAAAAAQAAABQAAAAUAAAAFAAAAAEAAAAAAAAAZAAAAGQAAAAAAAAAZAAAAGQAAAAVAAAAYAAAAAAAAAAAAAAADwAAACADAAAAAAAAAAAAAAEAAACgMgAAVgcAAKr4//8BAAAAf39/AAEAAABkAAAAAAAAABQAAABAHwAAAAAAACYAAAAAAAAAwOD//wAAAAAmAAAAZAAAABYAAABMAAAAAAAAAAAAAAAEAAAAAAAAAAEAAADn5uYKAAAAACgAAAAoAAAAZAAAAGQAAAAAAAAAzMzMAAAAAABQAAAAUAAAAGQAAABkAAAAAAAAABcAAAAUAAAAAAAAAAAAAAD/fwAA/38AAAAAAAAJAAAABAAAAAAAAAAeAAAAaAAAAAAAAAAAAAAAAAAAAAAAAAAAAAAAECcAABAnAAAAAAAAAAAAAAAAAAAAAAAAAAAAAAAAAAAAAAAAAAAAABQAAAAAAAAAwMD/AAAAAABkAAAAMgAAAAAAAABkAAAAAAAAAH9/fwAKAAAAIgAAABgAAAAAAAAAAAAAAAAAAAAAAAAAAAAAAAAAAAAkAAAAJAAAAAAAAAAHAAAAAAAAAAAAAAAAAAAAAAAAAAAAAAAAAAAAf39/ACUAAABYAAAAAAAAAAAAAAAAAAAAAAAAAAAAAAAAAAAAAAAAAAAAAAAAAAAAAAAAAAAAAAA/AAAAAAAAAKCGAQAAAAAAAAAAAAAAAAAMAAAAAQAAAAAAAAAAAAAAAAAAAB8AAABUAAAA//LMAP///wEAAAAAAAAAAAAAAAAAAAAAAAAAAAAAAAAAAAAAAAAAAAAAAAJ/f38A5+bmA8zMzADAwP8Af39/AAAAAAAAAAAAAAAAAAAAAAAAAAAAIQAAABgAAAAUAAAAnygAANYFAAAUNAAApAcAABAAAAAmAAAACAAAAP//////////MAAAABQAAAAAAAAA8AP//xD8AAD/GP//AecAAA=="/>
               </a:ext>
             </a:extLst>
           </p:cNvSpPr>
@@ -4954,7 +4954,7 @@
           <p:cNvSpPr>
             <a:extLst>
               <a:ext uri="smNativeData">
-                <pr:smNativeData xmlns:pr="smNativeData" xmlns="smNativeData" val="SMDATA_16_gfoFYRMAAAAlAAAAZQAAAA0AAAAAkAAAAEgAAACQAAAASAAAAAAAAAABAAAAAAAAAAEAAABQAAAAhbacS3FV1T8AAAAAAAAAAAAAAAAAAOA/AAAAAAAA4D8AAAAAAADgPwAAAAAAAOA/AAAAAAAA4D8AAAAAAADgPwAAAAAAAOA/AAAAAAAA4D8CAAAAjAAAAAEAAAAAAAAA//LMAP///wgAAAAAAAAAAAAAAAAAAAAAAAAAAAAAAAAAAAAAZAAAAAEAAABAAAAAAAAAAAAAAAAAAAAAAAAAAAAAAAAAAAAAAAAAAAAAAAAAAAAAAAAAAAAAAAAAAAAAAAAAAAAAAAAAAAAAAAAAAAAAAAAAAAAAAAAAAAAAAAAAAAAAFAAAADwAAAABAAAAAAAAAAAAAAkUAAAAAQAAABQAAAAUAAAAFAAAAAEAAAAAAAAAZAAAAGQAAAAAAAAAZAAAAGQAAAAVAAAAYAAAAAAAAAAAAAAADwAAACADAAAAAAAAAAAAAAEAAACgMgAAVgcAAKr4//8BAAAAf39/AAEAAABkAAAAAAAAABQAAABAHwAAAAAAACYAAAAAAAAAwOD//wAAAAAmAAAAZAAAABYAAABMAAAAAAAAAAAAAAAEAAAAAAAAAAEAAADn5uYKAAAAACgAAAAoAAAAZAAAAGQAAAAAAAAAzMzMAAAAAABQAAAAUAAAAGQAAABkAAAAAAAAABcAAAAUAAAAAAAAAAAAAAD/fwAA/38AAAAAAAAJAAAABAAAAAAAAAAeAAAAaAAAAAAAAAAAAAAAAAAAAAAAAAAAAAAAECcAABAnAAAAAAAAAAAAAAAAAAAAAAAAAAAAAAAAAAAAAAAAAAAAABQAAAAAAAAAwMD/AAAAAABkAAAAMgAAAAAAAABkAAAAAAAAAH9/fwAKAAAAIgAAABgAAAAAAAAAAAAAAAAAAAAAAAAAAAAAAAAAAAAkAAAAJAAAAAAAAAAHAAAAAAAAAAAAAAAAAAAAAAAAAAAAAAAAAAAAf39/ACUAAABYAAAAAAAAAAAAAAAAAAAAAAAAAAAAAAAAAAAAAAAAAAAAAAAAAAAAAAAAAAAAAAA/AAAAAAAAAKCGAQAAAAAAAAAAAAAAAAAMAAAAAQAAAAAAAAAAAAAAAAAAAB8AAABUAAAA//LMAP///wEAAAAAAAAAAAAAAAAAAAAAAAAAAAAAAAAAAAAAAAAAAAAAAAJ/f38A5+bmA8zMzADAwP8Af39/AAAAAAAAAAAAAAAAAAAAAAAAAAAAIQAAABgAAAAUAAAAoygAAFEIAAAUNAAAAwoAABAAAAAmAAAACAAAAP//////////MAAAABQAAAAAAAAAtQP//0v8AAD/GP//AecAAA=="/>
+                <pr:smNativeData xmlns:pr="smNativeData" xmlns="smNativeData" val="SMDATA_16_FAWHYRMAAAAlAAAAZQAAAA0AAAAAkAAAAEgAAACQAAAASAAAAAAAAAABAAAAAAAAAAEAAABQAAAAhbacS3FV1T8AAAAAAAAAAAAAAAAAAOA/AAAAAAAA4D8AAAAAAADgPwAAAAAAAOA/AAAAAAAA4D8AAAAAAADgPwAAAAAAAOA/AAAAAAAA4D8CAAAAjAAAAAEAAAAAAAAA//LMAP///wgAAAAAAAAAAAAAAAAAAAAAAAAAAAAAAAAAAAAAZAAAAAEAAABAAAAAAAAAAAAAAAAAAAAAAAAAAAAAAAAAAAAAAAAAAAAAAAAAAAAAAAAAAAAAAAAAAAAAAAAAAAAAAAAAAAAAAAAAAAAAAAAAAAAAAAAAAAAAAAAAAAAAFAAAADwAAAABAAAAAAAAAAAAAAkUAAAAAQAAABQAAAAUAAAAFAAAAAEAAAAAAAAAZAAAAGQAAAAAAAAAZAAAAGQAAAAVAAAAYAAAAAAAAAAAAAAADwAAACADAAAAAAAAAAAAAAEAAACgMgAAVgcAAKr4//8BAAAAf39/AAEAAABkAAAAAAAAABQAAABAHwAAAAAAACYAAAAAAAAAwOD//wAAAAAmAAAAZAAAABYAAABMAAAAAAAAAAAAAAAEAAAAAAAAAAEAAADn5uYKAAAAACgAAAAoAAAAZAAAAGQAAAAAAAAAzMzMAAAAAABQAAAAUAAAAGQAAABkAAAAAAAAABcAAAAUAAAAAAAAAAAAAAD/fwAA/38AAAAAAAAJAAAABAAAAAAAAAAeAAAAaAAAAAAAAAAAAAAAAAAAAAAAAAAAAAAAECcAABAnAAAAAAAAAAAAAAAAAAAAAAAAAAAAAAAAAAAAAAAAAAAAABQAAAAAAAAAwMD/AAAAAABkAAAAMgAAAAAAAABkAAAAAAAAAH9/fwAKAAAAIgAAABgAAAAAAAAAAAAAAAAAAAAAAAAAAAAAAAAAAAAkAAAAJAAAAAAAAAAHAAAAAAAAAAAAAAAAAAAAAAAAAAAAAAAAAAAAf39/ACUAAABYAAAAAAAAAAAAAAAAAAAAAAAAAAAAAAAAAAAAAAAAAAAAAAAAAAAAAAAAAAAAAAA/AAAAAAAAAKCGAQAAAAAAAAAAAAAAAAAMAAAAAQAAAAAAAAAAAAAAAAAAAB8AAABUAAAA//LMAP///wEAAAAAAAAAAAAAAAAAAAAAAAAAAAAAAAAAAAAAAAAAAAAAAAJ/f38A5+bmA8zMzADAwP8Af39/AAAAAAAAAAAAAAAAAAAAAAAAAAAAIQAAABgAAAAUAAAAoygAAFEIAAAUNAAAAwoAABAAAAAmAAAACAAAAP//////////MAAAABQAAAAAAAAAtQP//0v8AAD/GP//AecAAA=="/>
               </a:ext>
             </a:extLst>
           </p:cNvSpPr>
@@ -5016,7 +5016,7 @@
           <p:cNvSpPr>
             <a:extLst>
               <a:ext uri="smNativeData">
-                <pr:smNativeData xmlns:pr="smNativeData" xmlns="smNativeData" val="SMDATA_16_gfoFYRMAAAAlAAAAZQAAAA0AAAAAkAAAAEgAAACQAAAASAAAAAAAAAABAAAAAAAAAAEAAABQAAAAhbacS3FV1T8AAAAAAAAAAAAAAAAAAOA/AAAAAAAA4D8AAAAAAADgPwAAAAAAAOA/AAAAAAAA4D8AAAAAAADgPwAAAAAAAOA/AAAAAAAA4D8CAAAAjAAAAAEAAAAAAAAA//LMAP///wgAAAAAAAAAAAAAAAAAAAAAAAAAAAAAAAAAAAAAZAAAAAEAAABAAAAAAAAAAAAAAAAAAAAAAAAAAAAAAAAAAAAAAAAAAAAAAAAAAAAAAAAAAAAAAAAAAAAAAAAAAAAAAAAAAAAAAAAAAAAAAAAAAAAAAAAAAAAAAAAAAAAAFAAAADwAAAABAAAAAAAAAAAAAAkUAAAAAQAAABQAAAAUAAAAFAAAAAEAAAAAAAAAZAAAAGQAAAAAAAAAZAAAAGQAAAAVAAAAYAAAAAAAAAAAAAAADwAAACADAAAAAAAAAAAAAAEAAACgMgAAVgcAAKr4//8BAAAAf39/AAEAAABkAAAAAAAAABQAAABAHwAAAAAAACYAAAAAAAAAwOD//wAAAAAmAAAAZAAAABYAAABMAAAAAAAAAAAAAAAEAAAAAAAAAAEAAADn5uYKAAAAACgAAAAoAAAAZAAAAGQAAAAAAAAAzMzMAAAAAABQAAAAUAAAAGQAAABkAAAAAAAAABcAAAAUAAAAAAAAAAAAAAD/fwAA/38AAAAAAAAJAAAABAAAAAAAAAAeAAAAaAAAAAAAAAAAAAAAAAAAAAAAAAAAAAAAECcAABAnAAAAAAAAAAAAAAAAAAAAAAAAAAAAAAAAAAAAAAAAAAAAABQAAAAAAAAAwMD/AAAAAABkAAAAMgAAAAAAAABkAAAAAAAAAH9/fwAKAAAAIgAAABgAAAAAAAAAAAAAAAAAAAAAAAAAAAAAAAAAAAAkAAAAJAAAAAAAAAAHAAAAAAAAAAAAAAAAAAAAAAAAAAAAAAAAAAAAf39/ACUAAABYAAAAAAAAAAAAAAAAAAAAAAAAAAAAAAAAAAAAAAAAAAAAAAAAAAAAAAAAAAAAAAA/AAAAAAAAAKCGAQAAAAAAAAAAAAAAAAAMAAAAAQAAAAAAAAAAAAAAAAAAAB8AAABUAAAA//LMAP///wEAAAAAAAAAAAAAAAAAAAAAAAAAAAAAAAAAAAAAAAAAAAAAAAJ/f38A5+bmA8zMzADAwP8Af39/AAAAAAAAAAAAAAAAAAAAAAAAAAAAIQAAABgAAAAUAAAAnygAAH0LAAAPNAAASw0AABAAAAAmAAAACAAAAP//////////MAAAABQAAAAAAAAA8gP//w78AAD/GP//AecAAA=="/>
+                <pr:smNativeData xmlns:pr="smNativeData" xmlns="smNativeData" val="SMDATA_16_FAWHYRMAAAAlAAAAZQAAAA0AAAAAkAAAAEgAAACQAAAASAAAAAAAAAABAAAAAAAAAAEAAABQAAAAhbacS3FV1T8AAAAAAAAAAAAAAAAAAOA/AAAAAAAA4D8AAAAAAADgPwAAAAAAAOA/AAAAAAAA4D8AAAAAAADgPwAAAAAAAOA/AAAAAAAA4D8CAAAAjAAAAAEAAAAAAAAA//LMAP///wgAAAAAAAAAAAAAAAAAAAAAAAAAAAAAAAAAAAAAZAAAAAEAAABAAAAAAAAAAAAAAAAAAAAAAAAAAAAAAAAAAAAAAAAAAAAAAAAAAAAAAAAAAAAAAAAAAAAAAAAAAAAAAAAAAAAAAAAAAAAAAAAAAAAAAAAAAAAAAAAAAAAAFAAAADwAAAABAAAAAAAAAAAAAAkUAAAAAQAAABQAAAAUAAAAFAAAAAEAAAAAAAAAZAAAAGQAAAAAAAAAZAAAAGQAAAAVAAAAYAAAAAAAAAAAAAAADwAAACADAAAAAAAAAAAAAAEAAACgMgAAVgcAAKr4//8BAAAAf39/AAEAAABkAAAAAAAAABQAAABAHwAAAAAAACYAAAAAAAAAwOD//wAAAAAmAAAAZAAAABYAAABMAAAAAAAAAAAAAAAEAAAAAAAAAAEAAADn5uYKAAAAACgAAAAoAAAAZAAAAGQAAAAAAAAAzMzMAAAAAABQAAAAUAAAAGQAAABkAAAAAAAAABcAAAAUAAAAAAAAAAAAAAD/fwAA/38AAAAAAAAJAAAABAAAAAAAAAAeAAAAaAAAAAAAAAAAAAAAAAAAAAAAAAAAAAAAECcAABAnAAAAAAAAAAAAAAAAAAAAAAAAAAAAAAAAAAAAAAAAAAAAABQAAAAAAAAAwMD/AAAAAABkAAAAMgAAAAAAAABkAAAAAAAAAH9/fwAKAAAAIgAAABgAAAAAAAAAAAAAAAAAAAAAAAAAAAAAAAAAAAAkAAAAJAAAAAAAAAAHAAAAAAAAAAAAAAAAAAAAAAAAAAAAAAAAAAAAf39/ACUAAABYAAAAAAAAAAAAAAAAAAAAAAAAAAAAAAAAAAAAAAAAAAAAAAAAAAAAAAAAAAAAAAA/AAAAAAAAAKCGAQAAAAAAAAAAAAAAAAAMAAAAAQAAAAAAAAAAAAAAAAAAAB8AAABUAAAA//LMAP///wEAAAAAAAAAAAAAAAAAAAAAAAAAAAAAAAAAAAAAAAAAAAAAAAJ/f38A5+bmA8zMzADAwP8Af39/AAAAAAAAAAAAAAAAAAAAAAAAAAAAIQAAABgAAAAUAAAAnygAAH0LAAAPNAAASw0AABAAAAAmAAAACAAAAP//////////MAAAABQAAAAAAAAA8gP//w78AAD/GP//AecAAA=="/>
               </a:ext>
             </a:extLst>
           </p:cNvSpPr>
@@ -5078,7 +5078,7 @@
           <p:cNvSpPr>
             <a:extLst>
               <a:ext uri="smNativeData">
-                <pr:smNativeData xmlns:pr="smNativeData" xmlns="smNativeData" val="SMDATA_16_gfoFYRMAAAAlAAAAZAAAAA0AAAAAkAAAAEgAAACQAAAASAAAAAAAAAABAAAAAAAAAAEAAABQAAAAAAAAAAAA4D8AAAAAAADgPwAAAAAAAOA/AAAAAAAA4D8AAAAAAADgPwAAAAAAAOA/AAAAAAAA4D8AAAAAAADgPwAAAAAAAOA/AAAAAAAA4D8CAAAAjAAAAAEAAAAAAAAA2uLzAP///wgAAAAAAAAAAAAAAAAAAAAAAAAAAAAAAAAAAAAAZAAAAAEAAABAAAAAAAAAAAAAAAAAAAAAAAAAAAAAAAAAAAAAAAAAAAAAAAAAAAAAAAAAAAAAAAAAAAAAAAAAAAAAAAAAAAAAAAAAAAAAAAAAAAAAAAAAAAAAAAAAAAAAFAAAADwAAAABAAAAAAAAAAAAAAkUAAAAAQAAABQAAAAUAAAAFAAAAAEAAAAAAAAAZAAAAGQAAAAAAAAAZAAAAGQAAAAVAAAAYAAAAAAAAAAAAAAADwAAACADAAAAAAAAAAAAAAEAAACgMgAAVgcAAKr4//8BAAAAf39/AAEAAABkAAAAAAAAABQAAABAHwAAAAAAACYAAAAAAAAAwOD//wAAAAAmAAAAZAAAABYAAABMAAAAAAAAAAAAAAAEAAAAAAAAAAEAAADn5uYKAAAAACgAAAAoAAAAZAAAAGQAAAAAAAAAzMzMAAAAAABQAAAAUAAAAGQAAABkAAAAAAAAABcAAAAUAAAAAAAAAAAAAAD/fwAA/38AAAAAAAAJAAAABAAAAAAAAAAeAAAAaAAAAAAAAAAAAAAAAAAAAAAAAAAAAAAAECcAABAnAAAAAAAAAAAAAAAAAAAAAAAAAAAAAAAAAAAAAAAAAAAAABQAAAAAAAAAwMD/AAAAAABkAAAAMgAAAAAAAABkAAAAAAAAAH9/fwAKAAAAIgAAABgAAAAAAAAAAAAAAAAAAAAAAAAAAAAAAAAAAAAkAAAAJAAAAAAAAAAHAAAAAAAAAAAAAAAAAAAAAAAAAAAAAAAAAAAAf39/ACUAAABYAAAAAAAAAAAAAAAAAAAAAAAAAAAAAAAAAAAAAAAAAAAAAAAAAAAAAAAAAAAAAAA/AAAAAAAAAKCGAQAAAAAAAAAAAAAAAAAMAAAAAQAAAAAAAAAAAAAAAAAAAB8AAABUAAAA2uLzAP///wEAAAAAAAAAAAAAAAAAAAAAAAAAAAAAAAAAAAAAAAAAAAAAAAJ/f38A5+bmA8zMzADAwP8Af39/AAAAAAAAAAAAAAAAAAAAAAAAAAAAIQAAABgAAAAUAAAAszYAAPQGAABTPAAA7ggAABAAAAAmAAAACAAAAP//////////MAAAABQAAAAAAAAAAAD//wAAAQAAAP//AAABAA=="/>
+                <pr:smNativeData xmlns:pr="smNativeData" xmlns="smNativeData" val="SMDATA_16_FAWHYRMAAAAlAAAAZAAAAA0AAAAAkAAAAEgAAACQAAAASAAAAAAAAAABAAAAAAAAAAEAAABQAAAAAAAAAAAA4D8AAAAAAADgPwAAAAAAAOA/AAAAAAAA4D8AAAAAAADgPwAAAAAAAOA/AAAAAAAA4D8AAAAAAADgPwAAAAAAAOA/AAAAAAAA4D8CAAAAjAAAAAEAAAAAAAAA2uLzAP///wgAAAAAAAAAAAAAAAAAAAAAAAAAAAAAAAAAAAAAZAAAAAEAAABAAAAAAAAAAAAAAAAAAAAAAAAAAAAAAAAAAAAAAAAAAAAAAAAAAAAAAAAAAAAAAAAAAAAAAAAAAAAAAAAAAAAAAAAAAAAAAAAAAAAAAAAAAAAAAAAAAAAAFAAAADwAAAABAAAAAAAAAAAAAAkUAAAAAQAAABQAAAAUAAAAFAAAAAEAAAAAAAAAZAAAAGQAAAAAAAAAZAAAAGQAAAAVAAAAYAAAAAAAAAAAAAAADwAAACADAAAAAAAAAAAAAAEAAACgMgAAVgcAAKr4//8BAAAAf39/AAEAAABkAAAAAAAAABQAAABAHwAAAAAAACYAAAAAAAAAwOD//wAAAAAmAAAAZAAAABYAAABMAAAAAAAAAAAAAAAEAAAAAAAAAAEAAADn5uYKAAAAACgAAAAoAAAAZAAAAGQAAAAAAAAAzMzMAAAAAABQAAAAUAAAAGQAAABkAAAAAAAAABcAAAAUAAAAAAAAAAAAAAD/fwAA/38AAAAAAAAJAAAABAAAAAAAAAAeAAAAaAAAAAAAAAAAAAAAAAAAAAAAAAAAAAAAECcAABAnAAAAAAAAAAAAAAAAAAAAAAAAAAAAAAAAAAAAAAAAAAAAABQAAAAAAAAAwMD/AAAAAABkAAAAMgAAAAAAAABkAAAAAAAAAH9/fwAKAAAAIgAAABgAAAAAAAAAAAAAAAAAAAAAAAAAAAAAAAAAAAAkAAAAJAAAAAAAAAAHAAAAAAAAAAAAAAAAAAAAAAAAAAAAAAAAAAAAf39/ACUAAABYAAAAAAAAAAAAAAAAAAAAAAAAAAAAAAAAAAAAAAAAAAAAAAAAAAAAAAAAAAAAAAA/AAAAAAAAAKCGAQAAAAAAAAAAAAAAAAAMAAAAAQAAAAAAAAAAAAAAAAAAAB8AAABUAAAA2uLzAP///wEAAAAAAAAAAAAAAAAAAAAAAAAAAAAAAAAAAAAAAAAAAAAAAAJ/f38A5+bmA8zMzADAwP8Af39/AAAAAAAAAAAAAAAAAAAAAAAAAAAAIQAAABgAAAAUAAAAszYAAPQGAABTPAAA7ggAABAAAAAmAAAACAAAAP//////////MAAAABQAAAAAAAAAAAD//wAAAQAAAP//AAABAA=="/>
               </a:ext>
             </a:extLst>
           </p:cNvSpPr>
@@ -5138,7 +5138,7 @@
           <p:cNvSpPr>
             <a:extLst>
               <a:ext uri="smNativeData">
-                <pr:smNativeData xmlns:pr="smNativeData" xmlns="smNativeData" val="SMDATA_16_gfoFYRMAAAAlAAAAZAAAAA0AAAAAkAAAAEgAAACQAAAASAAAAAAAAAABAAAAAAAAAAEAAABQAAAAAAAAAAAA4D8AAAAAAADgPwAAAAAAAOA/AAAAAAAA4D8AAAAAAADgPwAAAAAAAOA/AAAAAAAA4D8AAAAAAADgPwAAAAAAAOA/AAAAAAAA4D8CAAAAjAAAAAEAAAAAAAAA2uLzAP///wgAAAAAAAAAAAAAAAAAAAAAAAAAAAAAAAAAAAAAZAAAAAEAAABAAAAAAAAAAAAAAAAAAAAAAAAAAAAAAAAAAAAAAAAAAAAAAAAAAAAAAAAAAAAAAAAAAAAAAAAAAAAAAAAAAAAAAAAAAAAAAAAAAAAAAAAAAAAAAAAAAAAAFAAAADwAAAABAAAAAAAAAAAAAAkUAAAAAQAAABQAAAAUAAAAFAAAAAEAAAAAAAAAZAAAAGQAAAAAAAAAZAAAAGQAAAAVAAAAYAAAAAAAAAAAAAAADwAAACADAAAAAAAAAAAAAAEAAACgMgAAVgcAAKr4//8BAAAAf39/AAEAAABkAAAAAAAAABQAAABAHwAAAAAAACYAAAAAAAAAwOD//wAAAAAmAAAAZAAAABYAAABMAAAAAAAAAAAAAAAEAAAAAAAAAAEAAADn5uYKAAAAACgAAAAoAAAAZAAAAGQAAAAAAAAAzMzMAAAAAABQAAAAUAAAAGQAAABkAAAAAAAAABcAAAAUAAAAAAAAAAAAAAD/fwAA/38AAAAAAAAJAAAABAAAAAAAAAAeAAAAaAAAAAAAAAAAAAAAAAAAAAAAAAAAAAAAECcAABAnAAAAAAAAAAAAAAAAAAAAAAAAAAAAAAAAAAAAAAAAAAAAABQAAAAAAAAAwMD/AAAAAABkAAAAMgAAAAAAAABkAAAAAAAAAH9/fwAKAAAAIgAAABgAAAAAAAAAAAAAAAAAAAAAAAAAAAAAAAAAAAAkAAAAJAAAAAAAAAAHAAAAAAAAAAAAAAAAAAAAAAAAAAAAAAAAAAAAf39/ACUAAABYAAAAAAAAAAAAAAAAAAAAAAAAAAAAAAAAAAAAAAAAAAAAAAAAAAAAAAAAAAAAAAA/AAAAAAAAAKCGAQAAAAAAAAAAAAAAAAAMAAAAAQAAAAAAAAAAAAAAAAAAAB8AAABUAAAA2uLzAP///wEAAAAAAAAAAAAAAAAAAAAAAAAAAAAAAAAAAAAAAAAAAAAAAAJ/f38A5+bmA8zMzADAwP8Af39/AAAAAAAAAAAAAAAAAAAAAAAAAAAAIQAAABgAAAAUAAAAoTYAAHgLAABBPAAARg0AABAAAAAmAAAACAAAAP//////////MAAAABQAAAAAAAAAAAD//wAAAQAAAP//AAABAA=="/>
+                <pr:smNativeData xmlns:pr="smNativeData" xmlns="smNativeData" val="SMDATA_16_FAWHYRMAAAAlAAAAZAAAAA0AAAAAkAAAAEgAAACQAAAASAAAAAAAAAABAAAAAAAAAAEAAABQAAAAAAAAAAAA4D8AAAAAAADgPwAAAAAAAOA/AAAAAAAA4D8AAAAAAADgPwAAAAAAAOA/AAAAAAAA4D8AAAAAAADgPwAAAAAAAOA/AAAAAAAA4D8CAAAAjAAAAAEAAAAAAAAA2uLzAP///wgAAAAAAAAAAAAAAAAAAAAAAAAAAAAAAAAAAAAAZAAAAAEAAABAAAAAAAAAAAAAAAAAAAAAAAAAAAAAAAAAAAAAAAAAAAAAAAAAAAAAAAAAAAAAAAAAAAAAAAAAAAAAAAAAAAAAAAAAAAAAAAAAAAAAAAAAAAAAAAAAAAAAFAAAADwAAAABAAAAAAAAAAAAAAkUAAAAAQAAABQAAAAUAAAAFAAAAAEAAAAAAAAAZAAAAGQAAAAAAAAAZAAAAGQAAAAVAAAAYAAAAAAAAAAAAAAADwAAACADAAAAAAAAAAAAAAEAAACgMgAAVgcAAKr4//8BAAAAf39/AAEAAABkAAAAAAAAABQAAABAHwAAAAAAACYAAAAAAAAAwOD//wAAAAAmAAAAZAAAABYAAABMAAAAAAAAAAAAAAAEAAAAAAAAAAEAAADn5uYKAAAAACgAAAAoAAAAZAAAAGQAAAAAAAAAzMzMAAAAAABQAAAAUAAAAGQAAABkAAAAAAAAABcAAAAUAAAAAAAAAAAAAAD/fwAA/38AAAAAAAAJAAAABAAAAAAAAAAeAAAAaAAAAAAAAAAAAAAAAAAAAAAAAAAAAAAAECcAABAnAAAAAAAAAAAAAAAAAAAAAAAAAAAAAAAAAAAAAAAAAAAAABQAAAAAAAAAwMD/AAAAAABkAAAAMgAAAAAAAABkAAAAAAAAAH9/fwAKAAAAIgAAABgAAAAAAAAAAAAAAAAAAAAAAAAAAAAAAAAAAAAkAAAAJAAAAAAAAAAHAAAAAAAAAAAAAAAAAAAAAAAAAAAAAAAAAAAAf39/ACUAAABYAAAAAAAAAAAAAAAAAAAAAAAAAAAAAAAAAAAAAAAAAAAAAAAAAAAAAAAAAAAAAAA/AAAAAAAAAKCGAQAAAAAAAAAAAAAAAAAMAAAAAQAAAAAAAAAAAAAAAAAAAB8AAABUAAAA2uLzAP///wEAAAAAAAAAAAAAAAAAAAAAAAAAAAAAAAAAAAAAAAAAAAAAAAJ/f38A5+bmA8zMzADAwP8Af39/AAAAAAAAAAAAAAAAAAAAAAAAAAAAIQAAABgAAAAUAAAAoTYAAHgLAABBPAAARg0AABAAAAAmAAAACAAAAP//////////MAAAABQAAAAAAAAAAAD//wAAAQAAAP//AAABAA=="/>
               </a:ext>
             </a:extLst>
           </p:cNvSpPr>
@@ -5198,7 +5198,7 @@
           <p:cNvSpPr>
             <a:extLst>
               <a:ext uri="smNativeData">
-                <pr:smNativeData xmlns:pr="smNativeData" xmlns="smNativeData" val="SMDATA_16_gfoFYRMAAAAlAAAAZAAAAA0AAAAAkAAAAEgAAACQAAAASAAAAAAAAAABAAAAAAAAAAEAAABQAAAAAAAAAAAA4D8AAAAAAADgPwAAAAAAAOA/AAAAAAAA4D8AAAAAAADgPwAAAAAAAOA/AAAAAAAA4D8AAAAAAADgPwAAAAAAAOA/AAAAAAAA4D8CAAAAjAAAAAEAAAAAAAAA2uLzAP///wgAAAAAAAAAAAAAAAAAAAAAAAAAAAAAAAAAAAAAZAAAAAEAAABAAAAAAAAAAAAAAAAAAAAAAAAAAAAAAAAAAAAAAAAAAAAAAAAAAAAAAAAAAAAAAAAAAAAAAAAAAAAAAAAAAAAAAAAAAAAAAAAAAAAAAAAAAAAAAAAAAAAAFAAAADwAAAABAAAAAAAAAAAAAAkUAAAAAQAAABQAAAAUAAAAFAAAAAEAAAAAAAAAZAAAAGQAAAAAAAAAZAAAAGQAAAAVAAAAYAAAAAAAAAAAAAAADwAAACADAAAAAAAAAAAAAAEAAACgMgAAVgcAAKr4//8BAAAAf39/AAEAAABkAAAAAAAAABQAAABAHwAAAAAAACYAAAAAAAAAwOD//wAAAAAmAAAAZAAAABYAAABMAAAAAAAAAAAAAAAEAAAAAAAAAAEAAADn5uYKAAAAACgAAAAoAAAAZAAAAGQAAAAAAAAAzMzMAAAAAABQAAAAUAAAAGQAAABkAAAAAAAAABcAAAAUAAAAAAAAAAAAAAD/fwAA/38AAAAAAAAJAAAABAAAAAAAAAAeAAAAaAAAAAAAAAAAAAAAAAAAAAAAAAAAAAAAECcAABAnAAAAAAAAAAAAAAAAAAAAAAAAAAAAAAAAAAAAAAAAAAAAABQAAAAAAAAAwMD/AAAAAABkAAAAMgAAAAAAAABkAAAAAAAAAH9/fwAKAAAAIgAAABgAAAAAAAAAAAAAAAAAAAAAAAAAAAAAAAAAAAAkAAAAJAAAAAAAAAAHAAAAAAAAAAAAAAAAAAAAAAAAAAAAAAAAAAAAf39/ACUAAABYAAAAAAAAAAAAAAAAAAAAAAAAAAAAAAAAAAAAAAAAAAAAAAAAAAAAAAAAAAAAAAA/AAAAAAAAAKCGAQAAAAAAAAAAAAAAAAAMAAAAAQAAAAAAAAAAAAAAAAAAAB8AAABUAAAA2uLzAP///wEAAAAAAAAAAAAAAAAAAAAAAAAAAAAAAAAAAAAAAAAAAAAAAAJ/f38A5+bmA8zMzADAwP8Af39/AAAAAAAAAAAAAAAAAAAAAAAAAAAAIQAAABgAAAAUAAAAoTYAAN4PAABBPAAArBEAABAAAAAmAAAACAAAAP//////////MAAAABQAAAAAAAAAAAD//wAAAQAAAP//AAABAA=="/>
+                <pr:smNativeData xmlns:pr="smNativeData" xmlns="smNativeData" val="SMDATA_16_FAWHYRMAAAAlAAAAZAAAAA0AAAAAkAAAAEgAAACQAAAASAAAAAAAAAABAAAAAAAAAAEAAABQAAAAAAAAAAAA4D8AAAAAAADgPwAAAAAAAOA/AAAAAAAA4D8AAAAAAADgPwAAAAAAAOA/AAAAAAAA4D8AAAAAAADgPwAAAAAAAOA/AAAAAAAA4D8CAAAAjAAAAAEAAAAAAAAA2uLzAP///wgAAAAAAAAAAAAAAAAAAAAAAAAAAAAAAAAAAAAAZAAAAAEAAABAAAAAAAAAAAAAAAAAAAAAAAAAAAAAAAAAAAAAAAAAAAAAAAAAAAAAAAAAAAAAAAAAAAAAAAAAAAAAAAAAAAAAAAAAAAAAAAAAAAAAAAAAAAAAAAAAAAAAFAAAADwAAAABAAAAAAAAAAAAAAkUAAAAAQAAABQAAAAUAAAAFAAAAAEAAAAAAAAAZAAAAGQAAAAAAAAAZAAAAGQAAAAVAAAAYAAAAAAAAAAAAAAADwAAACADAAAAAAAAAAAAAAEAAACgMgAAVgcAAKr4//8BAAAAf39/AAEAAABkAAAAAAAAABQAAABAHwAAAAAAACYAAAAAAAAAwOD//wAAAAAmAAAAZAAAABYAAABMAAAAAAAAAAAAAAAEAAAAAAAAAAEAAADn5uYKAAAAACgAAAAoAAAAZAAAAGQAAAAAAAAAzMzMAAAAAABQAAAAUAAAAGQAAABkAAAAAAAAABcAAAAUAAAAAAAAAAAAAAD/fwAA/38AAAAAAAAJAAAABAAAAAAAAAAeAAAAaAAAAAAAAAAAAAAAAAAAAAAAAAAAAAAAECcAABAnAAAAAAAAAAAAAAAAAAAAAAAAAAAAAAAAAAAAAAAAAAAAABQAAAAAAAAAwMD/AAAAAABkAAAAMgAAAAAAAABkAAAAAAAAAH9/fwAKAAAAIgAAABgAAAAAAAAAAAAAAAAAAAAAAAAAAAAAAAAAAAAkAAAAJAAAAAAAAAAHAAAAAAAAAAAAAAAAAAAAAAAAAAAAAAAAAAAAf39/ACUAAABYAAAAAAAAAAAAAAAAAAAAAAAAAAAAAAAAAAAAAAAAAAAAAAAAAAAAAAAAAAAAAAA/AAAAAAAAAKCGAQAAAAAAAAAAAAAAAAAMAAAAAQAAAAAAAAAAAAAAAAAAAB8AAABUAAAA2uLzAP///wEAAAAAAAAAAAAAAAAAAAAAAAAAAAAAAAAAAAAAAAAAAAAAAAJ/f38A5+bmA8zMzADAwP8Af39/AAAAAAAAAAAAAAAAAAAAAAAAAAAAIQAAABgAAAAUAAAAoTYAAN4PAABBPAAArBEAABAAAAAmAAAACAAAAP//////////MAAAABQAAAAAAAAAAAD//wAAAQAAAP//AAABAA=="/>
               </a:ext>
             </a:extLst>
           </p:cNvSpPr>
@@ -5258,7 +5258,7 @@
           <p:cNvSpPr>
             <a:extLst>
               <a:ext uri="smNativeData">
-                <pr:smNativeData xmlns:pr="smNativeData" xmlns="smNativeData" val="SMDATA_16_gfoFYRMAAAAlAAAAZgAAAA0AAAAAkAAAAEgAAACQAAAASAAAAAAAAAABAAAAAAAAAAEAAABQAAAAAAAAAAAA8D8AAAAAAADwPwAAAAAAAOA/AAAAAAAA4D8AAAAAAADgPwAAAAAAAOA/AAAAAAAA4D8AAAAAAADgPwAAAAAAAOA/AAAAAAAA4D8CAAAAjAAAAAEAAAAAAAAA/wAAAP///wgyAAAAAAAAAAAAAAAAAAAAAAAAAAAAAAAAAAAAZAAAAAEAAABAAAAAAAAAAAAAAAAAAAAAAAAAAAAAAAAAAAAAAAAAAAAAAAAAAAAAAAAAAAAAAAAAAAAAAAAAAAAAAAAAAAAAAAAAAAAAAAAAAAAAAAAAAAAAAAAAAAAAFAAAADwAAAABAAAAAAAAAAAAAAkUAAAAAQAAABQAAAAUAAAAFAAAAAEAAAAAAAAAZAAAAGQAAAAAAAAAZAAAAGQAAAAVAAAAYAAAAAAAAAAAAAAADwAAACADAAAAAAAAAAAAAAEAAACgMgAAVgcAAKr4//8BAAAAf39/AAEAAABkAAAAAAAAABQAAABAHwAAAAAAACYAAAAAAAAAwOD//wAAAAAmAAAAZAAAABYAAABMAAAAAAAAAAAAAAAEAAAAAAAAAAEAAADn5uYKAAAAACgAAAAoAAAAZAAAAGQAAAAAAAAAzMzMAAAAAABQAAAAUAAAAGQAAABkAAAAAAAAABcAAAAUAAAAAAAAAAAAAAD/fwAA/38AAAAAAAAJAAAABAAAAAAAAAAeAAAAaAAAAAAAAAAAAAAAAAAAAAAAAAAAAAAAECcAABAnAAAAAAAAAAAAAAAAAAAAAAAAAAAAAAAAAAAAAAAAAAAAABQAAAAAAAAAwMD/AAAAAABkAAAAMgAAAAAAAABkAAAAAAAAAH9/fwAKAAAAIgAAABgAAAAAAAAAAAAAAAAAAAAAAAAAAAAAAAAAAAAkAAAAJAAAAAAAAAAHAAAAAAAAAAAAAAAAAAAAAAAAAAAAAAAAAAAAf39/ACUAAABYAAAAAAAAAAAAAAAAAAAAAAAAAAAAAAAAAAAAAAAAAAAAAAAAAAAAAAAAAAAAAAA/AAAAAAAAAKCGAQAAAAAAAAAAAAAAAAAMAAAAAQAAAAAAAAAAAAAAAAAAAB8AAABUAAAA/wAAAP///wEAAAAAAAAAAAAAAAAAAAAAAAAAAAAAAAAAAAAAAAAAAAAAAAJ/f38A5+bmA8zMzADAwP8Af39/AAAAAAAAAAAAAAAAAAAAAAAAAAAAIQAAABgAAAAUAAAAOT4AAHYLAAD6PwAARA0AABAAAAAmAAAACAAAAP//////////MAAAABQAAAAAAAAA/Er//wS1AAD8Sv//BLUAAA=="/>
+                <pr:smNativeData xmlns:pr="smNativeData" xmlns="smNativeData" val="SMDATA_16_FAWHYRMAAAAlAAAAZgAAAA0AAAAAkAAAAEgAAACQAAAASAAAAAAAAAABAAAAAAAAAAEAAABQAAAAAAAAAAAA8D8AAAAAAADwPwAAAAAAAOA/AAAAAAAA4D8AAAAAAADgPwAAAAAAAOA/AAAAAAAA4D8AAAAAAADgPwAAAAAAAOA/AAAAAAAA4D8CAAAAjAAAAAEAAAAAAAAA/wAAAP///wgyAAAAAAAAAAAAAAAAAAAAAAAAAAAAAAAAAAAAZAAAAAEAAABAAAAAAAAAAAAAAAAAAAAAAAAAAAAAAAAAAAAAAAAAAAAAAAAAAAAAAAAAAAAAAAAAAAAAAAAAAAAAAAAAAAAAAAAAAAAAAAAAAAAAAAAAAAAAAAAAAAAAFAAAADwAAAABAAAAAAAAAAAAAAkUAAAAAQAAABQAAAAUAAAAFAAAAAEAAAAAAAAAZAAAAGQAAAAAAAAAZAAAAGQAAAAVAAAAYAAAAAAAAAAAAAAADwAAACADAAAAAAAAAAAAAAEAAACgMgAAVgcAAKr4//8BAAAAf39/AAEAAABkAAAAAAAAABQAAABAHwAAAAAAACYAAAAAAAAAwOD//wAAAAAmAAAAZAAAABYAAABMAAAAAAAAAAAAAAAEAAAAAAAAAAEAAADn5uYKAAAAACgAAAAoAAAAZAAAAGQAAAAAAAAAzMzMAAAAAABQAAAAUAAAAGQAAABkAAAAAAAAABcAAAAUAAAAAAAAAAAAAAD/fwAA/38AAAAAAAAJAAAABAAAAAAAAAAeAAAAaAAAAAAAAAAAAAAAAAAAAAAAAAAAAAAAECcAABAnAAAAAAAAAAAAAAAAAAAAAAAAAAAAAAAAAAAAAAAAAAAAABQAAAAAAAAAwMD/AAAAAABkAAAAMgAAAAAAAABkAAAAAAAAAH9/fwAKAAAAIgAAABgAAAAAAAAAAAAAAAAAAAAAAAAAAAAAAAAAAAAkAAAAJAAAAAAAAAAHAAAAAAAAAAAAAAAAAAAAAAAAAAAAAAAAAAAAf39/ACUAAABYAAAAAAAAAAAAAAAAAAAAAAAAAAAAAAAAAAAAAAAAAAAAAAAAAAAAAAAAAAAAAAA/AAAAAAAAAKCGAQAAAAAAAAAAAAAAAAAMAAAAAQAAAAAAAAAAAAAAAAAAAB8AAABUAAAA/wAAAP///wEAAAAAAAAAAAAAAAAAAAAAAAAAAAAAAAAAAAAAAAAAAAAAAAJ/f38A5+bmA8zMzADAwP8Af39/AAAAAAAAAAAAAAAAAAAAAAAAAAAAIQAAABgAAAAUAAAAOT4AAHYLAAD6PwAARA0AABAAAAAmAAAACAAAAP//////////MAAAABQAAAAAAAAA/Er//wS1AAD8Sv//BLUAAA=="/>
               </a:ext>
             </a:extLst>
           </p:cNvSpPr>
@@ -5320,7 +5320,7 @@
           <p:cNvSpPr>
             <a:extLst>
               <a:ext uri="smNativeData">
-                <pr:smNativeData xmlns:pr="smNativeData" xmlns="smNativeData" val="SMDATA_16_gfoFYRMAAAAlAAAAZgAAAA0AAAAAkAAAAEgAAACQAAAASAAAAAAAAAABAAAAAAAAAAEAAABQAAAAAAAAAAAA8D8AAAAAAADwPwAAAAAAAOA/AAAAAAAA4D8AAAAAAADgPwAAAAAAAOA/AAAAAAAA4D8AAAAAAADgPwAAAAAAAOA/AAAAAAAA4D8CAAAAjAAAAAEAAAAAAAAA/wAAAP///wgyAAAAAAAAAAAAAAAAAAAAAAAAAAAAAAAAAAAAZAAAAAEAAABAAAAAAAAAAAAAAAAAAAAAAAAAAAAAAAAAAAAAAAAAAAAAAAAAAAAAAAAAAAAAAAAAAAAAAAAAAAAAAAAAAAAAAAAAAAAAAAAAAAAAAAAAAAAAAAAAAAAAFAAAADwAAAABAAAAAAAAAAAAAAkUAAAAAQAAABQAAAAUAAAAFAAAAAEAAAAAAAAAZAAAAGQAAAAAAAAAZAAAAGQAAAAVAAAAYAAAAAAAAAAAAAAADwAAACADAAAAAAAAAAAAAAEAAACgMgAAVgcAAKr4//8BAAAAf39/AAEAAABkAAAAAAAAABQAAABAHwAAAAAAACYAAAAAAAAAwOD//wAAAAAmAAAAZAAAABYAAABMAAAAAAAAAAAAAAAEAAAAAAAAAAEAAADn5uYKAAAAACgAAAAoAAAAZAAAAGQAAAAAAAAAzMzMAAAAAABQAAAAUAAAAGQAAABkAAAAAAAAABcAAAAUAAAAAAAAAAAAAAD/fwAA/38AAAAAAAAJAAAABAAAAAAAAAAeAAAAaAAAAAAAAAAAAAAAAAAAAAAAAAAAAAAAECcAABAnAAAAAAAAAAAAAAAAAAAAAAAAAAAAAAAAAAAAAAAAAAAAABQAAAAAAAAAwMD/AAAAAABkAAAAMgAAAAAAAABkAAAAAAAAAH9/fwAKAAAAIgAAABgAAAAAAAAAAAAAAAAAAAAAAAAAAAAAAAAAAAAkAAAAJAAAAAAAAAAHAAAAAAAAAAAAAAAAAAAAAAAAAAAAAAAAAAAAf39/ACUAAABYAAAAAAAAAAAAAAAAAAAAAAAAAAAAAAAAAAAAAAAAAAAAAAAAAAAAAAAAAAAAAAA/AAAAAAAAAKCGAQAAAAAAAAAAAAAAAAAMAAAAAQAAAAAAAAAAAAAAAAAAAB8AAABUAAAA/wAAAP///wEAAAAAAAAAAAAAAAAAAAAAAAAAAAAAAAAAAAAAAAAAAAAAAAJ/f38A5+bmA8zMzADAwP8Af39/AAAAAAAAAAAAAAAAAAAAAAAAAAAAIQAAABgAAAAUAAAA+j8AAN4PAAC7QQAArBEAABAAAAAmAAAACAAAAP//////////MAAAABQAAAAAAAAA/Er//wS1AAD8Sv//BLUAAA=="/>
+                <pr:smNativeData xmlns:pr="smNativeData" xmlns="smNativeData" val="SMDATA_16_FAWHYRMAAAAlAAAAZgAAAA0AAAAAkAAAAEgAAACQAAAASAAAAAAAAAABAAAAAAAAAAEAAABQAAAAAAAAAAAA8D8AAAAAAADwPwAAAAAAAOA/AAAAAAAA4D8AAAAAAADgPwAAAAAAAOA/AAAAAAAA4D8AAAAAAADgPwAAAAAAAOA/AAAAAAAA4D8CAAAAjAAAAAEAAAAAAAAA/wAAAP///wgyAAAAAAAAAAAAAAAAAAAAAAAAAAAAAAAAAAAAZAAAAAEAAABAAAAAAAAAAAAAAAAAAAAAAAAAAAAAAAAAAAAAAAAAAAAAAAAAAAAAAAAAAAAAAAAAAAAAAAAAAAAAAAAAAAAAAAAAAAAAAAAAAAAAAAAAAAAAAAAAAAAAFAAAADwAAAABAAAAAAAAAAAAAAkUAAAAAQAAABQAAAAUAAAAFAAAAAEAAAAAAAAAZAAAAGQAAAAAAAAAZAAAAGQAAAAVAAAAYAAAAAAAAAAAAAAADwAAACADAAAAAAAAAAAAAAEAAACgMgAAVgcAAKr4//8BAAAAf39/AAEAAABkAAAAAAAAABQAAABAHwAAAAAAACYAAAAAAAAAwOD//wAAAAAmAAAAZAAAABYAAABMAAAAAAAAAAAAAAAEAAAAAAAAAAEAAADn5uYKAAAAACgAAAAoAAAAZAAAAGQAAAAAAAAAzMzMAAAAAABQAAAAUAAAAGQAAABkAAAAAAAAABcAAAAUAAAAAAAAAAAAAAD/fwAA/38AAAAAAAAJAAAABAAAAAAAAAAeAAAAaAAAAAAAAAAAAAAAAAAAAAAAAAAAAAAAECcAABAnAAAAAAAAAAAAAAAAAAAAAAAAAAAAAAAAAAAAAAAAAAAAABQAAAAAAAAAwMD/AAAAAABkAAAAMgAAAAAAAABkAAAAAAAAAH9/fwAKAAAAIgAAABgAAAAAAAAAAAAAAAAAAAAAAAAAAAAAAAAAAAAkAAAAJAAAAAAAAAAHAAAAAAAAAAAAAAAAAAAAAAAAAAAAAAAAAAAAf39/ACUAAABYAAAAAAAAAAAAAAAAAAAAAAAAAAAAAAAAAAAAAAAAAAAAAAAAAAAAAAAAAAAAAAA/AAAAAAAAAKCGAQAAAAAAAAAAAAAAAAAMAAAAAQAAAAAAAAAAAAAAAAAAAB8AAABUAAAA/wAAAP///wEAAAAAAAAAAAAAAAAAAAAAAAAAAAAAAAAAAAAAAAAAAAAAAAJ/f38A5+bmA8zMzADAwP8Af39/AAAAAAAAAAAAAAAAAAAAAAAAAAAAIQAAABgAAAAUAAAA+j8AAN4PAAC7QQAArBEAABAAAAAmAAAACAAAAP//////////MAAAABQAAAAAAAAA/Er//wS1AAD8Sv//BLUAAA=="/>
               </a:ext>
             </a:extLst>
           </p:cNvSpPr>
@@ -5382,7 +5382,7 @@
           <p:cNvSpPr>
             <a:extLst>
               <a:ext uri="smNativeData">
-                <pr:smNativeData xmlns:pr="smNativeData" xmlns="smNativeData" val="SMDATA_16_gfoFYRMAAAAlAAAAZQAAAA0AAAAAkAAAAEgAAACQAAAASAAAAAAAAAABAAAAAAAAAAEAAABQAAAAhbacS3FV1T8AAAAAAAAAAAAAAAAAAOA/AAAAAAAA4D8AAAAAAADgPwAAAAAAAOA/AAAAAAAA4D8AAAAAAADgPwAAAAAAAOA/AAAAAAAA4D8CAAAAjAAAAAEAAAAAAAAAqdCOAP///wgAAAAAAAAAAAAAAAAAAAAAAAAAAAAAAAAAAAAAZAAAAAEAAABAAAAAAAAAAAAAAAAAAAAAAAAAAAAAAAAAAAAAAAAAAAAAAAAAAAAAAAAAAAAAAAAAAAAAAAAAAAAAAAAAAAAAAAAAAAAAAAAAAAAAAAAAAAAAAAAAAAAAFAAAADwAAAABAAAAAAAAAAAAAAkUAAAAAQAAABQAAAAUAAAAFAAAAAEAAAAAAAAAZAAAAGQAAAAAAAAAZAAAAGQAAAAVAAAAYAAAAAAAAAAAAAAADwAAACADAAAAAAAAAAAAAAEAAACgMgAAVgcAAKr4//8BAAAAf39/AAEAAABkAAAAAAAAABQAAABAHwAAAAAAACYAAAAAAAAAwOD//wAAAAAmAAAAZAAAABYAAABMAAAAAAAAAAAAAAAEAAAAAAAAAAEAAADn5uYKAAAAACgAAAAoAAAAZAAAAGQAAAAAAAAAzMzMAAAAAABQAAAAUAAAAGQAAABkAAAAAAAAABcAAAAUAAAAAAAAAAAAAAD/fwAA/38AAAAAAAAJAAAABAAAAAAAAAAeAAAAaAAAAAAAAAAAAAAAAAAAAAAAAAAAAAAAECcAABAnAAAAAAAAAAAAAAAAAAAAAAAAAAAAAAAAAAAAAAAAAAAAABQAAAAAAAAAwMD/AAAAAABkAAAAMgAAAAAAAABkAAAAAAAAAH9/fwAKAAAAIgAAABgAAAAAAAAAAAAAAAAAAAAAAAAAAAAAAAAAAAAkAAAAJAAAAAAAAAAHAAAAAAAAAAAAAAAAAAAAAAAAAAAAAAAAAAAAf39/ACUAAABYAAAAAAAAAAAAAAAAAAAAAAAAAAAAAAAAAAAAAAAAAAAAAAAAAAAAAAAAAAAAAAA/AAAAAAAAAKCGAQAAAAAAAAAAAAAAAAAMAAAAAQAAAAAAAAAAAAAAAAAAAB8AAABUAAAAqdCOAP///wEAAAAAAAAAAAAAAAAAAAAAAAAAAAAAAAAAAAAAAAAAAAAAAAJ/f38A5+bmA8zMzADAwP8Af39/AAAAAAAAAAAAAAAAAAAAAAAAAAAAIQAAABgAAAAUAAAAzT0AABkUAADNRwAA5xUAABAAAAAmAAAACAAAAP//////////MAAAABQAAAAAAAAAgwT//337AAD/GP//AecAAA=="/>
+                <pr:smNativeData xmlns:pr="smNativeData" xmlns="smNativeData" val="SMDATA_16_FAWHYRMAAAAlAAAAZQAAAA0AAAAAkAAAAEgAAACQAAAASAAAAAAAAAABAAAAAAAAAAEAAABQAAAAhbacS3FV1T8AAAAAAAAAAAAAAAAAAOA/AAAAAAAA4D8AAAAAAADgPwAAAAAAAOA/AAAAAAAA4D8AAAAAAADgPwAAAAAAAOA/AAAAAAAA4D8CAAAAjAAAAAEAAAAAAAAAqdCOAP///wgAAAAAAAAAAAAAAAAAAAAAAAAAAAAAAAAAAAAAZAAAAAEAAABAAAAAAAAAAAAAAAAAAAAAAAAAAAAAAAAAAAAAAAAAAAAAAAAAAAAAAAAAAAAAAAAAAAAAAAAAAAAAAAAAAAAAAAAAAAAAAAAAAAAAAAAAAAAAAAAAAAAAFAAAADwAAAABAAAAAAAAAAAAAAkUAAAAAQAAABQAAAAUAAAAFAAAAAEAAAAAAAAAZAAAAGQAAAAAAAAAZAAAAGQAAAAVAAAAYAAAAAAAAAAAAAAADwAAACADAAAAAAAAAAAAAAEAAACgMgAAVgcAAKr4//8BAAAAf39/AAEAAABkAAAAAAAAABQAAABAHwAAAAAAACYAAAAAAAAAwOD//wAAAAAmAAAAZAAAABYAAABMAAAAAAAAAAAAAAAEAAAAAAAAAAEAAADn5uYKAAAAACgAAAAoAAAAZAAAAGQAAAAAAAAAzMzMAAAAAABQAAAAUAAAAGQAAABkAAAAAAAAABcAAAAUAAAAAAAAAAAAAAD/fwAA/38AAAAAAAAJAAAABAAAAAAAAAAeAAAAaAAAAAAAAAAAAAAAAAAAAAAAAAAAAAAAECcAABAnAAAAAAAAAAAAAAAAAAAAAAAAAAAAAAAAAAAAAAAAAAAAABQAAAAAAAAAwMD/AAAAAABkAAAAMgAAAAAAAABkAAAAAAAAAH9/fwAKAAAAIgAAABgAAAAAAAAAAAAAAAAAAAAAAAAAAAAAAAAAAAAkAAAAJAAAAAAAAAAHAAAAAAAAAAAAAAAAAAAAAAAAAAAAAAAAAAAAf39/ACUAAABYAAAAAAAAAAAAAAAAAAAAAAAAAAAAAAAAAAAAAAAAAAAAAAAAAAAAAAAAAAAAAAA/AAAAAAAAAKCGAQAAAAAAAAAAAAAAAAAMAAAAAQAAAAAAAAAAAAAAAAAAAB8AAABUAAAAqdCOAP///wEAAAAAAAAAAAAAAAAAAAAAAAAAAAAAAAAAAAAAAAAAAAAAAAJ/f38A5+bmA8zMzADAwP8Af39/AAAAAAAAAAAAAAAAAAAAAAAAAAAAIQAAABgAAAAUAAAAzT0AABkUAADNRwAA5xUAABAAAAAmAAAACAAAAP//////////MAAAABQAAAAAAAAAgwT//337AAD/GP//AecAAA=="/>
               </a:ext>
             </a:extLst>
           </p:cNvSpPr>
@@ -5446,7 +5446,7 @@
             <a:endCxn id="27" idx="0"/>
             <a:extLst>
               <a:ext uri="smNativeData">
-                <pr:smNativeData xmlns:pr="smNativeData" xmlns="smNativeData" val="SMDATA_16_gfoFYRMAAAAlAAAADgAAAA0AAAAAkAAAAEgAAACQAAAASAAAAAAAAAAAAAAAAAAAAAEAAABQAAAAAAAAAAAA8L8AAAAAAAAAAAAAAAAAAPA/AAAAAAAA4D8AAAAAAADgPwAAAAAAAOA/AAAAAAAA4D8AAAAAAADgPwAAAAAAAOA/AAAAAAAA4D8CAAAAjAAAAAAAAAAAAAAA////AP///wgAAAAAAAAAAAAAAAAAAAAAAAAAAAAAAAAAAAAAeAAAAAEAAABAAAAAAAAAAAAAAABaAAAAAAAAAAAAAAAAAAAAAAAAAAAAAAAAAAAAAAAAAAAAAAAAAAAAAAAAAAAAAAAAAAAAAAAAAAAAAAAAAAAAAAAAAAAAAAAAAAAAFAAAADwAAAABAAAAAAAAAAAAAAkKAAAAAQAAABQAAAAUAAAAFAAAAAEAAAAAAAAAZAAAAGQAAAACAAAAZAAAAGQAAAAVAAAAYAAAAAAAAAAAAAAADwAAACADAAAAAAAAAAAAAAEAAACgMgAAVgcAAKr4//8BAAAAf39/AAEAAABkAAAAAAAAABQAAABAHwAAAAAAACYAAAAAAAAAwOD//wAAAAAmAAAAZAAAABYAAABMAAAAAAAAAAAAAAAEAAAAAAAAAAEAAADn5uYKAAAAACgAAAAoAAAAZAAAAGQAAAAAAAAAzMzMAAAAAABQAAAAUAAAAGQAAABkAAAAAAAAABcAAAAUAAAAAAAAAAAAAAD/fwAA/38AAAAAAAAJAAAABAAAAAAAAAAeAAAAaAAAAAAAAAAAAAAAAAAAAAAAAAAAAAAAECcAABAnAAAAAAAAAAAAAAAAAAAAAAAAAAAAAAAAAAAAAAAAAAAAABQAAAAAAAAAwMD/AAAAAABkAAAAMgAAAAAAAABkAAAAAAAAAH9/fwAKAAAAIgAAABgAAAAAAAAAAAAAAAAAAAAAAAAAAAAAAAAAAAAkAAAAJAAAAAAAAAAHAAAAAAAAAAAAAAAAAAAAAAAAAAAAAAAAAAAAf39/ACUAAABYAAAAAAAAAAAAAAAAAAAAAAAAAAAAAAAAAAAAAAAAAAAAAAAAAAAAAAAAAAAAAAA/AAAAAAAAAKCGAQAAAAAAAAAAAAAAAAAMAAAAAQAAAAAAAAAAAAAAAAAAAB8AAABUAAAA////AP///wEAAAAAAAAAAAAAAAAAAAAAAAAAAAAAAAAAAAAAAAAAAAAAAAJ/f38A5+bmA8zMzADAwP8Af39/AAAAAAAAAAAAAAAAAAAAAAAAAAAAIQAAABgAAAAUAAAAUzwAAPEHAAAaPwAAdgsAABAAAAAmAAAACAAAAP//////////MAAAABQAAAAAAAAAAAD//wAAAQAAAP//AAABAA=="/>
+                <pr:smNativeData xmlns:pr="smNativeData" xmlns="smNativeData" val="SMDATA_16_FAWHYRMAAAAlAAAADgAAAA0AAAAAkAAAAEgAAACQAAAASAAAAAAAAAAAAAAAAAAAAAEAAABQAAAAAAAAAAAA8L8AAAAAAAAAAAAAAAAAAPA/AAAAAAAA4D8AAAAAAADgPwAAAAAAAOA/AAAAAAAA4D8AAAAAAADgPwAAAAAAAOA/AAAAAAAA4D8CAAAAjAAAAAAAAAAAAAAA////AP///wgAAAAAAAAAAAAAAAAAAAAAAAAAAAAAAAAAAAAAeAAAAAEAAABAAAAAAAAAAAAAAABaAAAAAAAAAAAAAAAAAAAAAAAAAAAAAAAAAAAAAAAAAAAAAAAAAAAAAAAAAAAAAAAAAAAAAAAAAAAAAAAAAAAAAAAAAAAAAAAAAAAAFAAAADwAAAABAAAAAAAAAAAAAAkKAAAAAQAAABQAAAAUAAAAFAAAAAEAAAAAAAAAZAAAAGQAAAACAAAAZAAAAGQAAAAVAAAAYAAAAAAAAAAAAAAADwAAACADAAAAAAAAAAAAAAEAAACgMgAAVgcAAKr4//8BAAAAf39/AAEAAABkAAAAAAAAABQAAABAHwAAAAAAACYAAAAAAAAAwOD//wAAAAAmAAAAZAAAABYAAABMAAAAAAAAAAAAAAAEAAAAAAAAAAEAAADn5uYKAAAAACgAAAAoAAAAZAAAAGQAAAAAAAAAzMzMAAAAAABQAAAAUAAAAGQAAABkAAAAAAAAABcAAAAUAAAAAAAAAAAAAAD/fwAA/38AAAAAAAAJAAAABAAAAAAAAAAeAAAAaAAAAAAAAAAAAAAAAAAAAAAAAAAAAAAAECcAABAnAAAAAAAAAAAAAAAAAAAAAAAAAAAAAAAAAAAAAAAAAAAAABQAAAAAAAAAwMD/AAAAAABkAAAAMgAAAAAAAABkAAAAAAAAAH9/fwAKAAAAIgAAABgAAAAAAAAAAAAAAAAAAAAAAAAAAAAAAAAAAAAkAAAAJAAAAAAAAAAHAAAAAAAAAAAAAAAAAAAAAAAAAAAAAAAAAAAAf39/ACUAAABYAAAAAAAAAAAAAAAAAAAAAAAAAAAAAAAAAAAAAAAAAAAAAAAAAAAAAAAAAAAAAAA/AAAAAAAAAKCGAQAAAAAAAAAAAAAAAAAMAAAAAQAAAAAAAAAAAAAAAAAAAB8AAABUAAAA////AP///wEAAAAAAAAAAAAAAAAAAAAAAAAAAAAAAAAAAAAAAAAAAAAAAAJ/f38A5+bmA8zMzADAwP8Af39/AAAAAAAAAAAAAAAAAAAAAAAAAAAAIQAAABgAAAAUAAAAUzwAAPEHAAAaPwAAdgsAABAAAAAmAAAACAAAAP//////////MAAAABQAAAAAAAAAAAD//wAAAQAAAP//AAABAA=="/>
               </a:ext>
             </a:extLst>
           </p:cNvCxnSpPr>
@@ -5480,7 +5480,7 @@
             <a:endCxn id="27" idx="2"/>
             <a:extLst>
               <a:ext uri="smNativeData">
-                <pr:smNativeData xmlns:pr="smNativeData" xmlns="smNativeData" val="SMDATA_16_gfoFYRMAAAAlAAAADQAAAA0AAAAAkAAAAEgAAACQAAAASAAAAAAAAAAAAAAAAgAAAAEAAABQAAAAAAAAAAAA8L8AAAAAAAAAAAAAAAAAAPA/AAAAAAAA4D8AAAAAAADgPwAAAAAAAOA/AAAAAAAA4D8AAAAAAADgPwAAAAAAAOA/AAAAAAAA4D8CAAAAjAAAAAAAAAAAAAAA////AP///wgAAAAAAAAAAAAAAAAAAAAAAAAAAAAAAAAAAAAAeAAAAAEAAABAAAAAAAAAAAAAAABaAAAAAAAAAAAAAAAAAAAAAAAAAAAAAAAAAAAAAAAAAAAAAAAAAAAAAAAAAAAAAAAAAAAAAAAAAAAAAAAAAAAAAAAAAAAAAAAAAAAAFAAAADwAAAABAAAAAAAAAAAAAAkKAAAAAQAAABQAAAAUAAAAFAAAAAEAAAAAAAAAZAAAAGQAAAACAAAAZAAAAGQAAAAVAAAAYAAAAAAAAAAAAAAADwAAACADAAAAAAAAAAAAAAEAAACgMgAAVgcAAKr4//8BAAAAf39/AAEAAABkAAAAAAAAABQAAABAHwAAAAAAACYAAAAAAAAAwOD//wAAAAAmAAAAZAAAABYAAABMAAAAAAAAAAAAAAAEAAAAAAAAAAEAAADn5uYKAAAAACgAAAAoAAAAZAAAAGQAAAAAAAAAzMzMAAAAAABQAAAAUAAAAGQAAABkAAAAAAAAABcAAAAUAAAAAAAAAAAAAAD/fwAA/38AAAAAAAAJAAAABAAAAAAAAAAeAAAAaAAAAAAAAAAAAAAAAAAAAAAAAAAAAAAAECcAABAnAAAAAAAAAAAAAAAAAAAAAAAAAAAAAAAAAAAAAAAAAAAAABQAAAAAAAAAwMD/AAAAAABkAAAAMgAAAAAAAABkAAAAAAAAAH9/fwAKAAAAIgAAABgAAAAAAAAAAAAAAAAAAAAAAAAAAAAAAAAAAAAkAAAAJAAAAAAAAAAHAAAAAAAAAAAAAAAAAAAAAAAAAAAAAAAAAAAAf39/ACUAAABYAAAAAAAAAAAAAAAAAAAAAAAAAAAAAAAAAAAAAAAAAAAAAAAAAAAAAAAAAAAAAAA/AAAAAAAAAKCGAQAAAAAAAAAAAAAAAAAMAAAAAQAAAAAAAAAAAAAAAAAAAB8AAABUAAAA////AP///wEAAAAAAAAAAAAAAAAAAAAAAAAAAAAAAAAAAAAAAAAAAAAAAAJ/f38A5+bmA8zMzADAwP8Af39/AAAAAAAAAAAAAAAAAAAAAAAAAAAAIQAAABgAAAAUAAAAQTwAAF0MAAA5PgAAXwwAABAAAAAmAAAACAAAAP//////////MAAAABQAAAAAAAAAAAD//wAAAQAAAP//AAABAA=="/>
+                <pr:smNativeData xmlns:pr="smNativeData" xmlns="smNativeData" val="SMDATA_16_FAWHYRMAAAAlAAAADQAAAA0AAAAAkAAAAEgAAACQAAAASAAAAAAAAAAAAAAAAgAAAAEAAABQAAAAAAAAAAAA8L8AAAAAAAAAAAAAAAAAAPA/AAAAAAAA4D8AAAAAAADgPwAAAAAAAOA/AAAAAAAA4D8AAAAAAADgPwAAAAAAAOA/AAAAAAAA4D8CAAAAjAAAAAAAAAAAAAAA////AP///wgAAAAAAAAAAAAAAAAAAAAAAAAAAAAAAAAAAAAAeAAAAAEAAABAAAAAAAAAAAAAAABaAAAAAAAAAAAAAAAAAAAAAAAAAAAAAAAAAAAAAAAAAAAAAAAAAAAAAAAAAAAAAAAAAAAAAAAAAAAAAAAAAAAAAAAAAAAAAAAAAAAAFAAAADwAAAABAAAAAAAAAAAAAAkKAAAAAQAAABQAAAAUAAAAFAAAAAEAAAAAAAAAZAAAAGQAAAACAAAAZAAAAGQAAAAVAAAAYAAAAAAAAAAAAAAADwAAACADAAAAAAAAAAAAAAEAAACgMgAAVgcAAKr4//8BAAAAf39/AAEAAABkAAAAAAAAABQAAABAHwAAAAAAACYAAAAAAAAAwOD//wAAAAAmAAAAZAAAABYAAABMAAAAAAAAAAAAAAAEAAAAAAAAAAEAAADn5uYKAAAAACgAAAAoAAAAZAAAAGQAAAAAAAAAzMzMAAAAAABQAAAAUAAAAGQAAABkAAAAAAAAABcAAAAUAAAAAAAAAAAAAAD/fwAA/38AAAAAAAAJAAAABAAAAAAAAAAeAAAAaAAAAAAAAAAAAAAAAAAAAAAAAAAAAAAAECcAABAnAAAAAAAAAAAAAAAAAAAAAAAAAAAAAAAAAAAAAAAAAAAAABQAAAAAAAAAwMD/AAAAAABkAAAAMgAAAAAAAABkAAAAAAAAAH9/fwAKAAAAIgAAABgAAAAAAAAAAAAAAAAAAAAAAAAAAAAAAAAAAAAkAAAAJAAAAAAAAAAHAAAAAAAAAAAAAAAAAAAAAAAAAAAAAAAAAAAAf39/ACUAAABYAAAAAAAAAAAAAAAAAAAAAAAAAAAAAAAAAAAAAAAAAAAAAAAAAAAAAAAAAAAAAAA/AAAAAAAAAKCGAQAAAAAAAAAAAAAAAAAMAAAAAQAAAAAAAAAAAAAAAAAAAB8AAABUAAAA////AP///wEAAAAAAAAAAAAAAAAAAAAAAAAAAAAAAAAAAAAAAAAAAAAAAAJ/f38A5+bmA8zMzADAwP8Af39/AAAAAAAAAAAAAAAAAAAAAAAAAAAAIQAAABgAAAAUAAAAQTwAAF0MAAA5PgAAXwwAABAAAAAmAAAACAAAAP//////////MAAAABQAAAAAAAAAAAD//wAAAQAAAP//AAABAA=="/>
               </a:ext>
             </a:extLst>
           </p:cNvCxnSpPr>
@@ -5514,7 +5514,7 @@
             <a:endCxn id="28" idx="0"/>
             <a:extLst>
               <a:ext uri="smNativeData">
-                <pr:smNativeData xmlns:pr="smNativeData" xmlns="smNativeData" val="SMDATA_16_gfoFYRMAAAAlAAAADgAAAA0AAAAAkAAAAEgAAACQAAAASAAAAAAAAAAAAAAAAAAAAAEAAABQAAAAAAAAAAAA8L8AAAAAAAAAAAAAAAAAAPA/AAAAAAAA4D8AAAAAAADgPwAAAAAAAOA/AAAAAAAA4D8AAAAAAADgPwAAAAAAAOA/AAAAAAAA4D8CAAAAjAAAAAAAAAAAAAAA////AP///wgAAAAAAAAAAAAAAAAAAAAAAAAAAAAAAAAAAAAAeAAAAAEAAABAAAAAAAAAAAAAAABaAAAAAAAAAAAAAAAAAAAAAAAAAAAAAAAAAAAAAAAAAAAAAAAAAAAAAAAAAAAAAAAAAAAAAAAAAAAAAAAAAAAAAAAAAAAAAAAAAAAAFAAAADwAAAABAAAAAAAAAAAAAAkKAAAAAQAAABQAAAAUAAAAFAAAAAEAAAAAAAAAZAAAAGQAAAACAAAAZAAAAGQAAAAVAAAAYAAAAAAAAAAAAAAADwAAACADAAAAAAAAAAAAAAEAAACgMgAAVgcAAKr4//8BAAAAf39/AAEAAABkAAAAAAAAABQAAABAHwAAAAAAACYAAAAAAAAAwOD//wAAAAAmAAAAZAAAABYAAABMAAAAAAAAAAAAAAAEAAAAAAAAAAEAAADn5uYKAAAAACgAAAAoAAAAZAAAAGQAAAAAAAAAzMzMAAAAAABQAAAAUAAAAGQAAABkAAAAAAAAABcAAAAUAAAAAAAAAAAAAAD/fwAA/38AAAAAAAAJAAAABAAAAAAAAAAeAAAAaAAAAAAAAAAAAAAAAAAAAAAAAAAAAAAAECcAABAnAAAAAAAAAAAAAAAAAAAAAAAAAAAAAAAAAAAAAAAAAAAAABQAAAAAAAAAwMD/AAAAAABkAAAAMgAAAAAAAABkAAAAAAAAAH9/fwAKAAAAIgAAABgAAAAAAAAAAAAAAAAAAAAAAAAAAAAAAAAAAAAkAAAAJAAAAAAAAAAHAAAAAAAAAAAAAAAAAAAAAAAAAAAAAAAAAAAAf39/ACUAAABYAAAAAAAAAAAAAAAAAAAAAAAAAAAAAAAAAAAAAAAAAAAAAAAAAAAAAAAAAAAAAAA/AAAAAAAAAKCGAQAAAAAAAAAAAAAAAAAMAAAAAQAAAAAAAAAAAAAAAAAAAB8AAABUAAAA////AP///wEAAAAAAAAAAAAAAAAAAAAAAAAAAAAAAAAAAAAAAAAAAAAAAAJ/f38A5+bmA8zMzADAwP8Af39/AAAAAAAAAAAAAAAAAAAAAAAAAAAAIQAAABgAAAAUAAAA+j8AAF0MAADbQAAA3g8AABAAAAAmAAAACAAAAP//////////MAAAABQAAAAAAAAAAAD//wAAAQAAAP//AAABAA=="/>
+                <pr:smNativeData xmlns:pr="smNativeData" xmlns="smNativeData" val="SMDATA_16_FAWHYRMAAAAlAAAADgAAAA0AAAAAkAAAAEgAAACQAAAASAAAAAAAAAAAAAAAAAAAAAEAAABQAAAAAAAAAAAA8L8AAAAAAAAAAAAAAAAAAPA/AAAAAAAA4D8AAAAAAADgPwAAAAAAAOA/AAAAAAAA4D8AAAAAAADgPwAAAAAAAOA/AAAAAAAA4D8CAAAAjAAAAAAAAAAAAAAA////AP///wgAAAAAAAAAAAAAAAAAAAAAAAAAAAAAAAAAAAAAeAAAAAEAAABAAAAAAAAAAAAAAABaAAAAAAAAAAAAAAAAAAAAAAAAAAAAAAAAAAAAAAAAAAAAAAAAAAAAAAAAAAAAAAAAAAAAAAAAAAAAAAAAAAAAAAAAAAAAAAAAAAAAFAAAADwAAAABAAAAAAAAAAAAAAkKAAAAAQAAABQAAAAUAAAAFAAAAAEAAAAAAAAAZAAAAGQAAAACAAAAZAAAAGQAAAAVAAAAYAAAAAAAAAAAAAAADwAAACADAAAAAAAAAAAAAAEAAACgMgAAVgcAAKr4//8BAAAAf39/AAEAAABkAAAAAAAAABQAAABAHwAAAAAAACYAAAAAAAAAwOD//wAAAAAmAAAAZAAAABYAAABMAAAAAAAAAAAAAAAEAAAAAAAAAAEAAADn5uYKAAAAACgAAAAoAAAAZAAAAGQAAAAAAAAAzMzMAAAAAABQAAAAUAAAAGQAAABkAAAAAAAAABcAAAAUAAAAAAAAAAAAAAD/fwAA/38AAAAAAAAJAAAABAAAAAAAAAAeAAAAaAAAAAAAAAAAAAAAAAAAAAAAAAAAAAAAECcAABAnAAAAAAAAAAAAAAAAAAAAAAAAAAAAAAAAAAAAAAAAAAAAABQAAAAAAAAAwMD/AAAAAABkAAAAMgAAAAAAAABkAAAAAAAAAH9/fwAKAAAAIgAAABgAAAAAAAAAAAAAAAAAAAAAAAAAAAAAAAAAAAAkAAAAJAAAAAAAAAAHAAAAAAAAAAAAAAAAAAAAAAAAAAAAAAAAAAAAf39/ACUAAABYAAAAAAAAAAAAAAAAAAAAAAAAAAAAAAAAAAAAAAAAAAAAAAAAAAAAAAAAAAAAAAA/AAAAAAAAAKCGAQAAAAAAAAAAAAAAAAAMAAAAAQAAAAAAAAAAAAAAAAAAAB8AAABUAAAA////AP///wEAAAAAAAAAAAAAAAAAAAAAAAAAAAAAAAAAAAAAAAAAAAAAAAJ/f38A5+bmA8zMzADAwP8Af39/AAAAAAAAAAAAAAAAAAAAAAAAAAAAIQAAABgAAAAUAAAA+j8AAF0MAADbQAAA3g8AABAAAAAmAAAACAAAAP//////////MAAAABQAAAAAAAAAAAD//wAAAQAAAP//AAABAA=="/>
               </a:ext>
             </a:extLst>
           </p:cNvCxnSpPr>
@@ -5548,7 +5548,7 @@
             <a:endCxn id="28" idx="2"/>
             <a:extLst>
               <a:ext uri="smNativeData">
-                <pr:smNativeData xmlns:pr="smNativeData" xmlns="smNativeData" val="SMDATA_16_gfoFYRMAAAAlAAAADQAAAA0AAAAAkAAAAEgAAACQAAAASAAAAAAAAAAAAAAAAAAAAAEAAABQAAAAAAAAAAAA8L8AAAAAAAAAAAAAAAAAAPA/AAAAAAAA4D8AAAAAAADgPwAAAAAAAOA/AAAAAAAA4D8AAAAAAADgPwAAAAAAAOA/AAAAAAAA4D8CAAAAjAAAAAAAAAAAAAAA////AP///wgAAAAAAAAAAAAAAAAAAAAAAAAAAAAAAAAAAAAAeAAAAAEAAABAAAAAAAAAAAAAAABaAAAAAAAAAAAAAAAAAAAAAAAAAAAAAAAAAAAAAAAAAAAAAAAAAAAAAAAAAAAAAAAAAAAAAAAAAAAAAAAAAAAAAAAAAAAAAAAAAAAAFAAAADwAAAABAAAAAAAAAAAAAAkKAAAAAQAAABQAAAAUAAAAFAAAAAEAAAAAAAAAZAAAAGQAAAACAAAAZAAAAGQAAAAVAAAAYAAAAAAAAAAAAAAADwAAACADAAAAAAAAAAAAAAEAAACgMgAAVgcAAKr4//8BAAAAf39/AAEAAABkAAAAAAAAABQAAABAHwAAAAAAACYAAAAAAAAAwOD//wAAAAAmAAAAZAAAABYAAABMAAAAAAAAAAAAAAAEAAAAAAAAAAEAAADn5uYKAAAAACgAAAAoAAAAZAAAAGQAAAAAAAAAzMzMAAAAAABQAAAAUAAAAGQAAABkAAAAAAAAABcAAAAUAAAAAAAAAAAAAAD/fwAA/38AAAAAAAAJAAAABAAAAAAAAAAeAAAAaAAAAAAAAAAAAAAAAAAAAAAAAAAAAAAAECcAABAnAAAAAAAAAAAAAAAAAAAAAAAAAAAAAAAAAAAAAAAAAAAAABQAAAAAAAAAwMD/AAAAAABkAAAAMgAAAAAAAABkAAAAAAAAAH9/fwAKAAAAIgAAABgAAAAAAAAAAAAAAAAAAAAAAAAAAAAAAAAAAAAkAAAAJAAAAAAAAAAHAAAAAAAAAAAAAAAAAAAAAAAAAAAAAAAAAAAAf39/ACUAAABYAAAAAAAAAAAAAAAAAAAAAAAAAAAAAAAAAAAAAAAAAAAAAAAAAAAAAAAAAAAAAAA/AAAAAAAAAKCGAQAAAAAAAAAAAAAAAAAMAAAAAQAAAAAAAAAAAAAAAAAAAB8AAABUAAAA////AP///wEAAAAAAAAAAAAAAAAAAAAAAAAAAAAAAAAAAAAAAAAAAAAAAAJ/f38A5+bmA8zMzADAwP8Af39/AAAAAAAAAAAAAAAAAAAAAAAAAAAAIQAAABgAAAAUAAAAQTwAAMUQAAD6PwAAxRAAABAAAAAmAAAACAAAAP//////////MAAAABQAAAAAAAAAAAD//wAAAQAAAP//AAABAA=="/>
+                <pr:smNativeData xmlns:pr="smNativeData" xmlns="smNativeData" val="SMDATA_16_FAWHYRMAAAAlAAAADQAAAA0AAAAAkAAAAEgAAACQAAAASAAAAAAAAAAAAAAAAAAAAAEAAABQAAAAAAAAAAAA8L8AAAAAAAAAAAAAAAAAAPA/AAAAAAAA4D8AAAAAAADgPwAAAAAAAOA/AAAAAAAA4D8AAAAAAADgPwAAAAAAAOA/AAAAAAAA4D8CAAAAjAAAAAAAAAAAAAAA////AP///wgAAAAAAAAAAAAAAAAAAAAAAAAAAAAAAAAAAAAAeAAAAAEAAABAAAAAAAAAAAAAAABaAAAAAAAAAAAAAAAAAAAAAAAAAAAAAAAAAAAAAAAAAAAAAAAAAAAAAAAAAAAAAAAAAAAAAAAAAAAAAAAAAAAAAAAAAAAAAAAAAAAAFAAAADwAAAABAAAAAAAAAAAAAAkKAAAAAQAAABQAAAAUAAAAFAAAAAEAAAAAAAAAZAAAAGQAAAACAAAAZAAAAGQAAAAVAAAAYAAAAAAAAAAAAAAADwAAACADAAAAAAAAAAAAAAEAAACgMgAAVgcAAKr4//8BAAAAf39/AAEAAABkAAAAAAAAABQAAABAHwAAAAAAACYAAAAAAAAAwOD//wAAAAAmAAAAZAAAABYAAABMAAAAAAAAAAAAAAAEAAAAAAAAAAEAAADn5uYKAAAAACgAAAAoAAAAZAAAAGQAAAAAAAAAzMzMAAAAAABQAAAAUAAAAGQAAABkAAAAAAAAABcAAAAUAAAAAAAAAAAAAAD/fwAA/38AAAAAAAAJAAAABAAAAAAAAAAeAAAAaAAAAAAAAAAAAAAAAAAAAAAAAAAAAAAAECcAABAnAAAAAAAAAAAAAAAAAAAAAAAAAAAAAAAAAAAAAAAAAAAAABQAAAAAAAAAwMD/AAAAAABkAAAAMgAAAAAAAABkAAAAAAAAAH9/fwAKAAAAIgAAABgAAAAAAAAAAAAAAAAAAAAAAAAAAAAAAAAAAAAkAAAAJAAAAAAAAAAHAAAAAAAAAAAAAAAAAAAAAAAAAAAAAAAAAAAAf39/ACUAAABYAAAAAAAAAAAAAAAAAAAAAAAAAAAAAAAAAAAAAAAAAAAAAAAAAAAAAAAAAAAAAAA/AAAAAAAAAKCGAQAAAAAAAAAAAAAAAAAMAAAAAQAAAAAAAAAAAAAAAAAAAB8AAABUAAAA////AP///wEAAAAAAAAAAAAAAAAAAAAAAAAAAAAAAAAAAAAAAAAAAAAAAAJ/f38A5+bmA8zMzADAwP8Af39/AAAAAAAAAAAAAAAAAAAAAAAAAAAAIQAAABgAAAAUAAAAQTwAAMUQAAD6PwAAxRAAABAAAAAmAAAACAAAAP//////////MAAAABQAAAAAAAAAAAD//wAAAQAAAP//AAABAA=="/>
               </a:ext>
             </a:extLst>
           </p:cNvCxnSpPr>
@@ -5582,7 +5582,7 @@
             <a:endCxn id="29" idx="0"/>
             <a:extLst>
               <a:ext uri="smNativeData">
-                <pr:smNativeData xmlns:pr="smNativeData" xmlns="smNativeData" val="SMDATA_16_gfoFYRMAAAAlAAAADgAAAA0AAAAAkAAAAEgAAACQAAAASAAAAAAAAAAAAAAAAAAAAAEAAABQAAAAAAAAAAAA8L8AAAAAAAAAAAAAAAAAAPA/AAAAAAAA4D8AAAAAAADgPwAAAAAAAOA/AAAAAAAA4D8AAAAAAADgPwAAAAAAAOA/AAAAAAAA4D8CAAAAjAAAAAAAAAAAAAAA////AP///wgAAAAAAAAAAAAAAAAAAAAAAAAAAAAAAAAAAAAAeAAAAAEAAABAAAAAAAAAAAAAAABaAAAAAAAAAAAAAAAAAAAAAAAAAAAAAAAAAAAAAAAAAAAAAAAAAAAAAAAAAAAAAAAAAAAAAAAAAAAAAAAAAAAAAAAAAAAAAAAAAAAAFAAAADwAAAABAAAAAAAAAAAAAAkKAAAAAQAAABQAAAAUAAAAFAAAAAEAAAAAAAAAZAAAAGQAAAACAAAAZAAAAGQAAAAVAAAAYAAAAAAAAAAAAAAADwAAACADAAAAAAAAAAAAAAEAAACgMgAAVgcAAKr4//8BAAAAf39/AAEAAABkAAAAAAAAABQAAABAHwAAAAAAACYAAAAAAAAAwOD//wAAAAAmAAAAZAAAABYAAABMAAAAAAAAAAAAAAAEAAAAAAAAAAEAAADn5uYKAAAAACgAAAAoAAAAZAAAAGQAAAAAAAAAzMzMAAAAAABQAAAAUAAAAGQAAABkAAAAAAAAABcAAAAUAAAAAAAAAAAAAAD/fwAA/38AAAAAAAAJAAAABAAAAAAAAAAeAAAAaAAAAAAAAAAAAAAAAAAAAAAAAAAAAAAAECcAABAnAAAAAAAAAAAAAAAAAAAAAAAAAAAAAAAAAAAAAAAAAAAAABQAAAAAAAAAwMD/AAAAAABkAAAAMgAAAAAAAABkAAAAAAAAAH9/fwAKAAAAIgAAABgAAAAAAAAAAAAAAAAAAAAAAAAAAAAAAAAAAAAkAAAAJAAAAAAAAAAHAAAAAAAAAAAAAAAAAAAAAAAAAAAAAAAAAAAAf39/ACUAAABYAAAAAAAAAAAAAAAAAAAAAAAAAAAAAAAAAAAAAAAAAAAAAAAAAAAAAAAAAAAAAAA/AAAAAAAAAKCGAQAAAAAAAAAAAAAAAAAMAAAAAQAAAAAAAAAAAAAAAAAAAB8AAABUAAAA////AP///wEAAAAAAAAAAAAAAAAAAAAAAAAAAAAAAAAAAAAAAAAAAAAAAAJ/f38A5+bmA8zMzADAwP8Af39/AAAAAAAAAAAAAAAAAAAAAAAAAAAAIQAAABgAAAAUAAAAu0EAAMUQAADNQgAAGRQAABAAAAAmAAAACAAAAP//////////MAAAABQAAAAAAAAAAAD//wAAAQAAAP//AAABAA=="/>
+                <pr:smNativeData xmlns:pr="smNativeData" xmlns="smNativeData" val="SMDATA_16_FAWHYRMAAAAlAAAADgAAAA0AAAAAkAAAAEgAAACQAAAASAAAAAAAAAAAAAAAAAAAAAEAAABQAAAAAAAAAAAA8L8AAAAAAAAAAAAAAAAAAPA/AAAAAAAA4D8AAAAAAADgPwAAAAAAAOA/AAAAAAAA4D8AAAAAAADgPwAAAAAAAOA/AAAAAAAA4D8CAAAAjAAAAAAAAAAAAAAA////AP///wgAAAAAAAAAAAAAAAAAAAAAAAAAAAAAAAAAAAAAeAAAAAEAAABAAAAAAAAAAAAAAABaAAAAAAAAAAAAAAAAAAAAAAAAAAAAAAAAAAAAAAAAAAAAAAAAAAAAAAAAAAAAAAAAAAAAAAAAAAAAAAAAAAAAAAAAAAAAAAAAAAAAFAAAADwAAAABAAAAAAAAAAAAAAkKAAAAAQAAABQAAAAUAAAAFAAAAAEAAAAAAAAAZAAAAGQAAAACAAAAZAAAAGQAAAAVAAAAYAAAAAAAAAAAAAAADwAAACADAAAAAAAAAAAAAAEAAACgMgAAVgcAAKr4//8BAAAAf39/AAEAAABkAAAAAAAAABQAAABAHwAAAAAAACYAAAAAAAAAwOD//wAAAAAmAAAAZAAAABYAAABMAAAAAAAAAAAAAAAEAAAAAAAAAAEAAADn5uYKAAAAACgAAAAoAAAAZAAAAGQAAAAAAAAAzMzMAAAAAABQAAAAUAAAAGQAAABkAAAAAAAAABcAAAAUAAAAAAAAAAAAAAD/fwAA/38AAAAAAAAJAAAABAAAAAAAAAAeAAAAaAAAAAAAAAAAAAAAAAAAAAAAAAAAAAAAECcAABAnAAAAAAAAAAAAAAAAAAAAAAAAAAAAAAAAAAAAAAAAAAAAABQAAAAAAAAAwMD/AAAAAABkAAAAMgAAAAAAAABkAAAAAAAAAH9/fwAKAAAAIgAAABgAAAAAAAAAAAAAAAAAAAAAAAAAAAAAAAAAAAAkAAAAJAAAAAAAAAAHAAAAAAAAAAAAAAAAAAAAAAAAAAAAAAAAAAAAf39/ACUAAABYAAAAAAAAAAAAAAAAAAAAAAAAAAAAAAAAAAAAAAAAAAAAAAAAAAAAAAAAAAAAAAA/AAAAAAAAAKCGAQAAAAAAAAAAAAAAAAAMAAAAAQAAAAAAAAAAAAAAAAAAAB8AAABUAAAA////AP///wEAAAAAAAAAAAAAAAAAAAAAAAAAAAAAAAAAAAAAAAAAAAAAAAJ/f38A5+bmA8zMzADAwP8Af39/AAAAAAAAAAAAAAAAAAAAAAAAAAAAIQAAABgAAAAUAAAAu0EAAMUQAADNQgAAGRQAABAAAAAmAAAACAAAAP//////////MAAAABQAAAAAAAAAAAD//wAAAQAAAP//AAABAA=="/>
               </a:ext>
             </a:extLst>
           </p:cNvCxnSpPr>
@@ -5616,7 +5616,7 @@
             <a:endCxn id="25" idx="1"/>
             <a:extLst>
               <a:ext uri="smNativeData">
-                <pr:smNativeData xmlns:pr="smNativeData" xmlns="smNativeData" val="SMDATA_16_gfoFYRMAAAAlAAAADQAAAA0AAAAAkAAAAEgAAACQAAAASAAAAAAAAAAAAAAAAgAAAAEAAABQAAAAAAAAAAAA8L8AAAAAAAAAAAAAAAAAAPA/AAAAAAAA4D8AAAAAAADgPwAAAAAAAOA/AAAAAAAA4D8AAAAAAADgPwAAAAAAAOA/AAAAAAAA4D8CAAAAjAAAAAAAAAAAAAAA////AP///wgAAAAAAAAAAAAAAAAAAAAAAAAAAAAAAAAAAAAAeAAAAAEAAABAAAAAAAAAAAAAAABaAAAAAAAAAAAAAAAAAAAAAAAAAAAAAAAAAAAAAAAAAAAAAAAAAAAAAAAAAAAAAAAAAAAAAAAAAAAAAAAAAAAAAAAAAAAAAAAAAAAAFAAAADwAAAABAAAAAAAAAAAAAAkKAAAAAQAAABQAAAAUAAAAFAAAAAEAAAAAAAAAZAAAAGQAAAACAAAAZAAAAGQAAAAVAAAAYAAAAAAAAAAAAAAADwAAACADAAAAAAAAAAAAAAEAAACgMgAAVgcAAKr4//8BAAAAf39/AAEAAABkAAAAAAAAABQAAABAHwAAAAAAACYAAAAAAAAAwOD//wAAAAAmAAAAZAAAABYAAABMAAAAAAAAAAAAAAAEAAAAAAAAAAEAAADn5uYKAAAAACgAAAAoAAAAZAAAAGQAAAAAAAAAzMzMAAAAAABQAAAAUAAAAGQAAABkAAAAAAAAABcAAAAUAAAAAAAAAAAAAAD/fwAA/38AAAAAAAAJAAAABAAAAAAAAAAeAAAAaAAAAAAAAAAAAAAAAAAAAAAAAAAAAAAAECcAABAnAAAAAAAAAAAAAAAAAAAAAAAAAAAAAAAAAAAAAAAAAAAAABQAAAAAAAAAwMD/AAAAAABkAAAAMgAAAAAAAABkAAAAAAAAAH9/fwAKAAAAIgAAABgAAAAAAAAAAAAAAAAAAAAAAAAAAAAAAAAAAAAkAAAAJAAAAAAAAAAHAAAAAAAAAAAAAAAAAAAAAAAAAAAAAAAAAAAAf39/ACUAAABYAAAAAAAAAAAAAAAAAAAAAAAAAAAAAAAAAAAAAAAAAAAAAAAAAAAAAAAAAAAAAAA/AAAAAAAAAKCGAQAAAAAAAAAAAAAAAAAMAAAAAQAAAAAAAAAAAAAAAAAAAB8AAABUAAAA////AP///wEAAAAAAAAAAAAAAAAAAAAAAAAAAAAAAAAAAAAAAAAAAAAAAAJ/f38A5+bmA8zMzADAwP8Af39/AAAAAAAAAAAAAAAAAAAAAAAAAAAAIQAAABgAAAAUAAAADzQAAF8MAAChNgAAZAwAABAAAAAmAAAACAAAAP//////////MAAAABQAAAAAAAAAAAD//wAAAQAAAP//AAABAA=="/>
+                <pr:smNativeData xmlns:pr="smNativeData" xmlns="smNativeData" val="SMDATA_16_FAWHYRMAAAAlAAAADQAAAA0AAAAAkAAAAEgAAACQAAAASAAAAAAAAAAAAAAAAgAAAAEAAABQAAAAAAAAAAAA8L8AAAAAAAAAAAAAAAAAAPA/AAAAAAAA4D8AAAAAAADgPwAAAAAAAOA/AAAAAAAA4D8AAAAAAADgPwAAAAAAAOA/AAAAAAAA4D8CAAAAjAAAAAAAAAAAAAAA////AP///wgAAAAAAAAAAAAAAAAAAAAAAAAAAAAAAAAAAAAAeAAAAAEAAABAAAAAAAAAAAAAAABaAAAAAAAAAAAAAAAAAAAAAAAAAAAAAAAAAAAAAAAAAAAAAAAAAAAAAAAAAAAAAAAAAAAAAAAAAAAAAAAAAAAAAAAAAAAAAAAAAAAAFAAAADwAAAABAAAAAAAAAAAAAAkKAAAAAQAAABQAAAAUAAAAFAAAAAEAAAAAAAAAZAAAAGQAAAACAAAAZAAAAGQAAAAVAAAAYAAAAAAAAAAAAAAADwAAACADAAAAAAAAAAAAAAEAAACgMgAAVgcAAKr4//8BAAAAf39/AAEAAABkAAAAAAAAABQAAABAHwAAAAAAACYAAAAAAAAAwOD//wAAAAAmAAAAZAAAABYAAABMAAAAAAAAAAAAAAAEAAAAAAAAAAEAAADn5uYKAAAAACgAAAAoAAAAZAAAAGQAAAAAAAAAzMzMAAAAAABQAAAAUAAAAGQAAABkAAAAAAAAABcAAAAUAAAAAAAAAAAAAAD/fwAA/38AAAAAAAAJAAAABAAAAAAAAAAeAAAAaAAAAAAAAAAAAAAAAAAAAAAAAAAAAAAAECcAABAnAAAAAAAAAAAAAAAAAAAAAAAAAAAAAAAAAAAAAAAAAAAAABQAAAAAAAAAwMD/AAAAAABkAAAAMgAAAAAAAABkAAAAAAAAAH9/fwAKAAAAIgAAABgAAAAAAAAAAAAAAAAAAAAAAAAAAAAAAAAAAAAkAAAAJAAAAAAAAAAHAAAAAAAAAAAAAAAAAAAAAAAAAAAAAAAAAAAAf39/ACUAAABYAAAAAAAAAAAAAAAAAAAAAAAAAAAAAAAAAAAAAAAAAAAAAAAAAAAAAAAAAAAAAAA/AAAAAAAAAKCGAQAAAAAAAAAAAAAAAAAMAAAAAQAAAAAAAAAAAAAAAAAAAB8AAABUAAAA////AP///wEAAAAAAAAAAAAAAAAAAAAAAAAAAAAAAAAAAAAAAAAAAAAAAAJ/f38A5+bmA8zMzADAwP8Af39/AAAAAAAAAAAAAAAAAAAAAAAAAAAAIQAAABgAAAAUAAAADzQAAF8MAAChNgAAZAwAABAAAAAmAAAACAAAAP//////////MAAAABQAAAAAAAAAAAD//wAAAQAAAP//AAABAA=="/>
               </a:ext>
             </a:extLst>
           </p:cNvCxnSpPr>
@@ -5650,7 +5650,7 @@
             <a:endCxn id="24" idx="1"/>
             <a:extLst>
               <a:ext uri="smNativeData">
-                <pr:smNativeData xmlns:pr="smNativeData" xmlns="smNativeData" val="SMDATA_16_gfoFYRMAAAAlAAAADgAAAA0AAAAAkAAAAEgAAACQAAAASAAAAAAAAAAAAAAAAAAAAAEAAABQAAAAAAAAAAAAAAAAAAAAAAAAAAAAAAAAAPA/AAAAAAAA4D8AAAAAAADgPwAAAAAAAOA/AAAAAAAA4D8AAAAAAADgPwAAAAAAAOA/AAAAAAAA4D8CAAAAjAAAAAAAAAAAAAAA////AP///wgAAAAAAAAAAAAAAAAAAAAAAAAAAAAAAAAAAAAAeAAAAAEAAABAAAAAAAAAAAAAAABaAAAAAAAAAAAAAAAAAAAAAAAAAAAAAAAAAAAAAAAAAAAAAAAAAAAAAAAAAAAAAAAAAAAAAAAAAAAAAAAAAAAAAAAAAAAAAAAAAAAAFAAAADwAAAABAAAAAAAAAAAAAAkKAAAAAQAAABQAAAAUAAAAFAAAAAEAAAAAAAAAZAAAAGQAAAACAAAAZAAAAGQAAAAVAAAAYAAAAAAAAAAAAAAADwAAACADAAAAAAAAAAAAAAEAAACgMgAAVgcAAKr4//8BAAAAf39/AAEAAABkAAAAAAAAABQAAABAHwAAAAAAACYAAAAAAAAAwOD//wAAAAAmAAAAZAAAABYAAABMAAAAAAAAAAAAAAAEAAAAAAAAAAEAAADn5uYKAAAAACgAAAAoAAAAZAAAAGQAAAAAAAAAzMzMAAAAAABQAAAAUAAAAGQAAABkAAAAAAAAABcAAAAUAAAAAAAAAAAAAAD/fwAA/38AAAAAAAAJAAAABAAAAAAAAAAeAAAAaAAAAAAAAAAAAAAAAAAAAAAAAAAAAAAAECcAABAnAAAAAAAAAAAAAAAAAAAAAAAAAAAAAAAAAAAAAAAAAAAAABQAAAAAAAAAwMD/AAAAAABkAAAAMgAAAAAAAABkAAAAAAAAAH9/fwAKAAAAIgAAABgAAAAAAAAAAAAAAAAAAAAAAAAAAAAAAAAAAAAkAAAAJAAAAAAAAAAHAAAAAAAAAAAAAAAAAAAAAAAAAAAAAAAAAAAAf39/ACUAAABYAAAAAAAAAAAAAAAAAAAAAAAAAAAAAAAAAAAAAAAAAAAAAAAAAAAAAAAAAAAAAAA/AAAAAAAAAKCGAQAAAAAAAAAAAAAAAAAMAAAAAQAAAAAAAAAAAAAAAAAAAB8AAABUAAAA////AP///wEAAAAAAAAAAAAAAAAAAAAAAAAAAAAAAAAAAAAAAAAAAAAAAAJ/f38A5+bmA8zMzADAwP8Af39/AAAAAAAAAAAAAAAAAAAAAAAAAAAAIQAAABgAAAAUAAAAFDQAAL0GAACzNgAA8QcAABAAAAAmAAAACAAAAP//////////MAAAABQAAAAAAAAAAAD//wAAAQAAAP//AAABAA=="/>
+                <pr:smNativeData xmlns:pr="smNativeData" xmlns="smNativeData" val="SMDATA_16_FAWHYRMAAAAlAAAADgAAAA0AAAAAkAAAAEgAAACQAAAASAAAAAAAAAAAAAAAAAAAAAEAAABQAAAAAAAAAAAAAAAAAAAAAAAAAAAAAAAAAPA/AAAAAAAA4D8AAAAAAADgPwAAAAAAAOA/AAAAAAAA4D8AAAAAAADgPwAAAAAAAOA/AAAAAAAA4D8CAAAAjAAAAAAAAAAAAAAA////AP///wgAAAAAAAAAAAAAAAAAAAAAAAAAAAAAAAAAAAAAeAAAAAEAAABAAAAAAAAAAAAAAABaAAAAAAAAAAAAAAAAAAAAAAAAAAAAAAAAAAAAAAAAAAAAAAAAAAAAAAAAAAAAAAAAAAAAAAAAAAAAAAAAAAAAAAAAAAAAAAAAAAAAFAAAADwAAAABAAAAAAAAAAAAAAkKAAAAAQAAABQAAAAUAAAAFAAAAAEAAAAAAAAAZAAAAGQAAAACAAAAZAAAAGQAAAAVAAAAYAAAAAAAAAAAAAAADwAAACADAAAAAAAAAAAAAAEAAACgMgAAVgcAAKr4//8BAAAAf39/AAEAAABkAAAAAAAAABQAAABAHwAAAAAAACYAAAAAAAAAwOD//wAAAAAmAAAAZAAAABYAAABMAAAAAAAAAAAAAAAEAAAAAAAAAAEAAADn5uYKAAAAACgAAAAoAAAAZAAAAGQAAAAAAAAAzMzMAAAAAABQAAAAUAAAAGQAAABkAAAAAAAAABcAAAAUAAAAAAAAAAAAAAD/fwAA/38AAAAAAAAJAAAABAAAAAAAAAAeAAAAaAAAAAAAAAAAAAAAAAAAAAAAAAAAAAAAECcAABAnAAAAAAAAAAAAAAAAAAAAAAAAAAAAAAAAAAAAAAAAAAAAABQAAAAAAAAAwMD/AAAAAABkAAAAMgAAAAAAAABkAAAAAAAAAH9/fwAKAAAAIgAAABgAAAAAAAAAAAAAAAAAAAAAAAAAAAAAAAAAAAAkAAAAJAAAAAAAAAAHAAAAAAAAAAAAAAAAAAAAAAAAAAAAAAAAAAAAf39/ACUAAABYAAAAAAAAAAAAAAAAAAAAAAAAAAAAAAAAAAAAAAAAAAAAAAAAAAAAAAAAAAAAAAA/AAAAAAAAAKCGAQAAAAAAAAAAAAAAAAAMAAAAAQAAAAAAAAAAAAAAAAAAAB8AAABUAAAA////AP///wEAAAAAAAAAAAAAAAAAAAAAAAAAAAAAAAAAAAAAAAAAAAAAAAJ/f38A5+bmA8zMzADAwP8Af39/AAAAAAAAAAAAAAAAAAAAAAAAAAAAIQAAABgAAAAUAAAAFDQAAL0GAACzNgAA8QcAABAAAAAmAAAACAAAAP//////////MAAAABQAAAAAAAAAAAD//wAAAQAAAP//AAABAA=="/>
               </a:ext>
             </a:extLst>
           </p:cNvCxnSpPr>
@@ -5686,7 +5686,7 @@
             <a:endCxn id="24" idx="1"/>
             <a:extLst>
               <a:ext uri="smNativeData">
-                <pr:smNativeData xmlns:pr="smNativeData" xmlns="smNativeData" val="SMDATA_16_gfoFYRMAAAAlAAAADgAAAA0AAAAAkAAAAEgAAACQAAAASAAAAAAAAAAAAAAAAgAAAAEAAABQAAAAAAAAAAAAAAAAAAAAAAAAAAAAAAAAAPA/AAAAAAAA4D8AAAAAAADgPwAAAAAAAOA/AAAAAAAA4D8AAAAAAADgPwAAAAAAAOA/AAAAAAAA4D8CAAAAjAAAAAAAAAAAAAAA////AP///wgAAAAAAAAAAAAAAAAAAAAAAAAAAAAAAAAAAAAAeAAAAAEAAABAAAAAAAAAAAAAAABaAAAAAAAAAAAAAAAAAAAAAAAAAAAAAAAAAAAAAAAAAAAAAAAAAAAAAAAAAAAAAAAAAAAAAAAAAAAAAAAAAAAAAAAAAAAAAAAAAAAAFAAAADwAAAABAAAAAAAAAAAAAAkKAAAAAQAAABQAAAAUAAAAFAAAAAEAAAAAAAAAZAAAAGQAAAACAAAAZAAAAGQAAAAVAAAAYAAAAAAAAAAAAAAADwAAACADAAAAAAAAAAAAAAEAAACgMgAAVgcAAKr4//8BAAAAf39/AAEAAABkAAAAAAAAABQAAABAHwAAAAAAACYAAAAAAAAAwOD//wAAAAAmAAAAZAAAABYAAABMAAAAAAAAAAAAAAAEAAAAAAAAAAEAAADn5uYKAAAAACgAAAAoAAAAZAAAAGQAAAAAAAAAzMzMAAAAAABQAAAAUAAAAGQAAABkAAAAAAAAABcAAAAUAAAAAAAAAAAAAAD/fwAA/38AAAAAAAAJAAAABAAAAAAAAAAeAAAAaAAAAAAAAAAAAAAAAAAAAAAAAAAAAAAAECcAABAnAAAAAAAAAAAAAAAAAAAAAAAAAAAAAAAAAAAAAAAAAAAAABQAAAAAAAAAwMD/AAAAAABkAAAAMgAAAAAAAABkAAAAAAAAAH9/fwAKAAAAIgAAABgAAAAAAAAAAAAAAAAAAAAAAAAAAAAAAAAAAAAkAAAAJAAAAAAAAAAHAAAAAAAAAAAAAAAAAAAAAAAAAAAAAAAAAAAAf39/ACUAAABYAAAAAAAAAAAAAAAAAAAAAAAAAAAAAAAAAAAAAAAAAAAAAAAAAAAAAAAAAAAAAAA/AAAAAAAAAKCGAQAAAAAAAAAAAAAAAAAMAAAAAQAAAAAAAAAAAAAAAAAAAB8AAABUAAAA////AP///wEAAAAAAAAAAAAAAAAAAAAAAAAAAAAAAAAAAAAAAAAAAAAAAAJ/f38A5+bmA8zMzADAwP8Af39/AAAAAAAAAAAAAAAAAAAAAAAAAAAAIQAAABgAAAAUAAAAFDQAAPEHAACzNgAAKgkAABAAAAAmAAAACAAAAP//////////MAAAABQAAAAAAAAAAAD//wAAAQAAAP//AAABAA=="/>
+                <pr:smNativeData xmlns:pr="smNativeData" xmlns="smNativeData" val="SMDATA_16_FAWHYRMAAAAlAAAADgAAAA0AAAAAkAAAAEgAAACQAAAASAAAAAAAAAAAAAAAAgAAAAEAAABQAAAAAAAAAAAAAAAAAAAAAAAAAAAAAAAAAPA/AAAAAAAA4D8AAAAAAADgPwAAAAAAAOA/AAAAAAAA4D8AAAAAAADgPwAAAAAAAOA/AAAAAAAA4D8CAAAAjAAAAAAAAAAAAAAA////AP///wgAAAAAAAAAAAAAAAAAAAAAAAAAAAAAAAAAAAAAeAAAAAEAAABAAAAAAAAAAAAAAABaAAAAAAAAAAAAAAAAAAAAAAAAAAAAAAAAAAAAAAAAAAAAAAAAAAAAAAAAAAAAAAAAAAAAAAAAAAAAAAAAAAAAAAAAAAAAAAAAAAAAFAAAADwAAAABAAAAAAAAAAAAAAkKAAAAAQAAABQAAAAUAAAAFAAAAAEAAAAAAAAAZAAAAGQAAAACAAAAZAAAAGQAAAAVAAAAYAAAAAAAAAAAAAAADwAAACADAAAAAAAAAAAAAAEAAACgMgAAVgcAAKr4//8BAAAAf39/AAEAAABkAAAAAAAAABQAAABAHwAAAAAAACYAAAAAAAAAwOD//wAAAAAmAAAAZAAAABYAAABMAAAAAAAAAAAAAAAEAAAAAAAAAAEAAADn5uYKAAAAACgAAAAoAAAAZAAAAGQAAAAAAAAAzMzMAAAAAABQAAAAUAAAAGQAAABkAAAAAAAAABcAAAAUAAAAAAAAAAAAAAD/fwAA/38AAAAAAAAJAAAABAAAAAAAAAAeAAAAaAAAAAAAAAAAAAAAAAAAAAAAAAAAAAAAECcAABAnAAAAAAAAAAAAAAAAAAAAAAAAAAAAAAAAAAAAAAAAAAAAABQAAAAAAAAAwMD/AAAAAABkAAAAMgAAAAAAAABkAAAAAAAAAH9/fwAKAAAAIgAAABgAAAAAAAAAAAAAAAAAAAAAAAAAAAAAAAAAAAAkAAAAJAAAAAAAAAAHAAAAAAAAAAAAAAAAAAAAAAAAAAAAAAAAAAAAf39/ACUAAABYAAAAAAAAAAAAAAAAAAAAAAAAAAAAAAAAAAAAAAAAAAAAAAAAAAAAAAAAAAAAAAA/AAAAAAAAAKCGAQAAAAAAAAAAAAAAAAAMAAAAAQAAAAAAAAAAAAAAAAAAAB8AAABUAAAA////AP///wEAAAAAAAAAAAAAAAAAAAAAAAAAAAAAAAAAAAAAAAAAAAAAAAJ/f38A5+bmA8zMzADAwP8Af39/AAAAAAAAAAAAAAAAAAAAAAAAAAAAIQAAABgAAAAUAAAAFDQAAPEHAACzNgAAKgkAABAAAAAmAAAACAAAAP//////////MAAAABQAAAAAAAAAAAD//wAAAQAAAP//AAABAA=="/>
               </a:ext>
             </a:extLst>
           </p:cNvCxnSpPr>
@@ -5752,7 +5752,7 @@
           <p:cNvGrpSpPr>
             <a:extLst>
               <a:ext uri="smNativeData">
-                <pr:smNativeData xmlns:pr="smNativeData" xmlns="smNativeData" val="SMDATA_6_gfoFYRMAAAAlAAAAAQAAAA8BAAAAkAAAAEgAAACQAAAASAAAAAAAAAAAAAAAAAAAABcAAAAUAAAAAAAAAAAAAAD/fwAA/38AAAAAAAAJAAAABAAAAGMAaQAfAAAAVAAAAAAAAAAAAAAAAAAAAAAAAAAAAAAAAAAAAAAAAAAAAAAAAAAAAAAAAAAAAAAAAAAAAAAAAAAAAAAAAAAAAAAAAAAAAAAAAAAAAAAAAAAAAAAAAAAAACEAAAAYAAAAFAAAAA0CAACVAwAAYRUAAFMVAAAQAAAAJgAAAAgAAAD/////AAAAAA=="/>
+                <pr:smNativeData xmlns:pr="smNativeData" xmlns="smNativeData" val="SMDATA_6_FAWHYRMAAAAlAAAAAQAAAA8BAAAAkAAAAEgAAACQAAAASAAAAAAAAAAAAAAAAAAAABcAAAAUAAAAAAAAAAAAAAD/fwAA/38AAAAAAAAJAAAABAAAAAAAAAAfAAAAVAAAAAAAAAAAAAAAAAAAAAAAAAAAAAAAAAAAAAAAAAAAAAAAAAAAAAAAAAAAAAAAAAAAAAAAAAAAAAAAAAAAAAAAAAAAAAAAAAAAAAAAAAAAAAAAAAAAACEAAAAYAAAAFAAAAA0CAACVAwAAYRUAAFMVAAAQAAAAJgAAAAgAAAD/////AAAAAA=="/>
               </a:ext>
             </a:extLst>
           </p:cNvGrpSpPr>
@@ -5772,7 +5772,7 @@
             <p:cNvGrpSpPr>
               <a:extLst>
                 <a:ext uri="smNativeData">
-                  <pr:smNativeData xmlns:pr="smNativeData" xmlns="smNativeData" val="SMDATA_6_gfoFYRMAAAAlAAAAAQAAAA8BAAAAkAAAAEgAAACQAAAASAAAAAAAAAAAAAAAAAAAABcAAAAUAAAAAAAAAAAAAAD/fwAA/38AAAAAAAAJAAAABAAAAHMAZQAfAAAAVAAAAAAAAAAAAAAAAAAAAAAAAAAAAAAAAAAAAAAAAAAAAAAAAAAAAAAAAAAAAAAAAAAAAAAAAAAAAAAAAAAAAAAAAAAAAAAAAAAAAAAAAAAAAAAAAAAAACEAAAAYAAAAFAAAAEwIAAALCQAASQ4AAJoNAAAAAAAAJgAAAAgAAAD/////AAAAAA=="/>
+                  <pr:smNativeData xmlns:pr="smNativeData" xmlns="smNativeData" val="SMDATA_6_FAWHYRMAAAAlAAAAAQAAAA8BAAAAkAAAAEgAAACQAAAASAAAAAAAAAAAAAAAAAAAABcAAAAUAAAAAAAAAAAAAAD/fwAA/38AAAAAAAAJAAAABAAAAAAAAAAfAAAAVAAAAAAAAAAAAAAAAAAAAAAAAAAAAAAAAAAAAAAAAAAAAAAAAAAAAAAAAAAAAAAAAAAAAAAAAAAAAAAAAAAAAAAAAAAAAAAAAAAAAAAAAAAAAAAAAAAAACEAAAAYAAAAFAAAAEwIAAALCQAASQ4AAJoNAAAAAAAAJgAAAAgAAAD/////AAAAAA=="/>
                 </a:ext>
               </a:extLst>
             </p:cNvGrpSpPr>
@@ -5792,7 +5792,7 @@
               <p:cNvSpPr>
                 <a:extLst>
                   <a:ext uri="smNativeData">
-                    <pr:smNativeData xmlns:pr="smNativeData" xmlns="smNativeData" val="SMDATA_16_gfoFYRMAAAAlAAAAZQAAAA0AAAAAkAAAAEgAAACQAAAASAAAAAAAAAABAAAAAAAAAAEAAABQAAAAhbacS3FV1T8AAAAAAAAAAAAAAAAAAOA/AAAAAAAA4D8AAAAAAADgPwAAAAAAAOA/AAAAAAAA4D8AAAAAAADgPwAAAAAAAOA/AAAAAAAA4D8CAAAAjAAAAAEAAAADAAAAnp6eAH19fQAAAAAAAAAAAAAAAAAAAAAAAAAAAAAAAAAAAAAAZAAAAAEAAABAAAAAAAAAAGQAAAAOAQAAAAAAAAEAAAAyAAAAkZGRAAAAAAAAAAAAAAAAAAAAAAAAAAAAAAAAAAAAAAAAAAAAAAAAAAAAAAAAAAAAAAAAAAAAAAAAAAAAFAAAADwAAAABAAAAAAAAAAAAAAAKAAAAAQAAABQAAAAUAAAAFAAAAAEAAAAAAAAAZAAAAGQAAAAAAAAAZAAAAGQAAAAVAAAAYAAAAAAAAAAAAAAAAAAAAAAAAAAAAAAAAAAAAAAAAAAAAAAAAAAAAAAAAAAAAAAAAAAACQAAAAAAAAAAAAAAAAAAAAAAAAAAAAAAAAAAAAAAAAAAAAAAAAAAAAAAAAAAAAAAABYAAABMAAAAAAAAAAAAAAAAAAAAAAAAAAAAAAAAAAAJAAAAAAAAAAAAAAAAAAAAAAAAAAAAAAAAAAAAAAAAAAAAAAAAAAAAAAAAAAAAAAAAAAAAABcAAAAUAAAAAAAAAAAAAAD/fwAA/38AAAAAAAAJAAAABAAAAAAAAAAeAAAAaAAAAAAAAAAAAAAAAAAAAAAAAAAAAAAAECcAABAnAAAAAAAAAAAAAAAAAAAAAAAAAAAAAAAAAAAAAAAAAAAAABQAAAAAAAAAwMD/AAAAAABkAAAAMgAAAAAAAABkAAAAAAAAAH9/fwAKAAAAIgAAABgAAAAAAAAAAAAAAAAAAAAAAAAAAAAAAAAAAAAkAAAAJAAAAAAAAAAHAAAAAAAAAAAAAAAAAAAAAAAAAAAAAAAAAAAAf39/ACUAAABYAAAAAAAAAAAAAAAAAAAAAAAAAAAAAAAAAAAAAAAAAAAAAAAAAAAAAAAAAAAAAAA/AAAAAAAAAKCGAQAAAAAAAAAAAAAAAAAMAAAAAQAAAAAAAAAAAAAAAAAAAB8AAABUAAAAnp6eAH19fQCRkZEAAAAAAAAAAAAAAAAAAAAAAAAAAAAAAAAAAAAAAAAAAAAAAAACAAAAAgAAAADAwP8Af39/AAAAAAAAAAAAAAAAAAAAAAAAAAAAIQAAABgAAAAUAAAATAgAAFILAAACCQAAmg0AAAAAAAAmAAAACAAAAP//////////MAAAABQAAAAAAAAA/xj//wHnAADLB///NfgAAA=="/>
+                    <pr:smNativeData xmlns:pr="smNativeData" xmlns="smNativeData" val="SMDATA_16_FAWHYRMAAAAlAAAAZQAAAA0AAAAAkAAAAEgAAACQAAAASAAAAAAAAAABAAAAAAAAAAEAAABQAAAAhbacS3FV1T8AAAAAAAAAAAAAAAAAAOA/AAAAAAAA4D8AAAAAAADgPwAAAAAAAOA/AAAAAAAA4D8AAAAAAADgPwAAAAAAAOA/AAAAAAAA4D8CAAAAjAAAAAEAAAADAAAAnp6eAH19fQAAAAAAAAAAAAAAAAAAAAAAAAAAAAAAAAAAAAAAZAAAAAEAAABAAAAAAAAAAGQAAAAOAQAAAAAAAAEAAAAyAAAAkZGRAAAAAAAAAAAAAAAAAAAAAAAAAAAAAAAAAAAAAAAAAAAAAAAAAAAAAAAAAAAAAAAAAAAAAAAAAAAAFAAAADwAAAABAAAAAAAAAAAAAAAKAAAAAQAAABQAAAAUAAAAFAAAAAEAAAAAAAAAZAAAAGQAAAAAAAAAZAAAAGQAAAAVAAAAYAAAAAAAAAAAAAAAAAAAAAAAAAAAAAAAAAAAAAAAAAAAAAAAAAAAAAAAAAAAAAAAAAAACQAAAAAAAAAAAAAAAAAAAAAAAAAAAAAAAAAAAAAAAAAAAAAAAAAAAAAAAAAAAAAAABYAAABMAAAAAAAAAAAAAAAAAAAAAAAAAAAAAAAAAAAJAAAAAAAAAAAAAAAAAAAAAAAAAAAAAAAAAAAAAAAAAAAAAAAAAAAAAAAAAAAAAAAAAAAAABcAAAAUAAAAAAAAAAAAAAD/fwAA/38AAAAAAAAJAAAABAAAAAAAAAAeAAAAaAAAAAAAAAAAAAAAAAAAAAAAAAAAAAAAECcAABAnAAAAAAAAAAAAAAAAAAAAAAAAAAAAAAAAAAAAAAAAAAAAABQAAAAAAAAAwMD/AAAAAABkAAAAMgAAAAAAAABkAAAAAAAAAH9/fwAKAAAAIgAAABgAAAAAAAAAAAAAAAAAAAAAAAAAAAAAAAAAAAAkAAAAJAAAAAAAAAAHAAAAAAAAAAAAAAAAAAAAAAAAAAAAAAAAAAAAf39/ACUAAABYAAAAAAAAAAAAAAAAAAAAAAAAAAAAAAAAAAAAAAAAAAAAAAAAAAAAAAAAAAAAAAA/AAAAAAAAAKCGAQAAAAAAAAAAAAAAAAAMAAAAAQAAAAAAAAAAAAAAAAAAAB8AAABUAAAAnp6eAH19fQCRkZEAAAAAAAAAAAAAAAAAAAAAAAAAAAAAAAAAAAAAAAAAAAAAAAACAAAAAgAAAADAwP8Af39/AAAAAAAAAAAAAAAAAAAAAAAAAAAAIQAAABgAAAAUAAAATAgAAFILAAACCQAAmg0AAAAAAAAmAAAACAAAAP//////////MAAAABQAAAAAAAAA/xj//wHnAADLB///NfgAAA=="/>
                   </a:ext>
                 </a:extLst>
               </p:cNvSpPr>
@@ -5854,7 +5854,7 @@
               <p:cNvSpPr>
                 <a:extLst>
                   <a:ext uri="smNativeData">
-                    <pr:smNativeData xmlns:pr="smNativeData" xmlns="smNativeData" val="SMDATA_16_gfoFYRMAAAAlAAAAZQAAAA0AAAAAkAAAAEgAAACQAAAASAAAAAAAAAABAAAAAAAAAAEAAABQAAAAhbacS3FV1T8AAAAAAAAAAAAAAAAAAOA/AAAAAAAA4D8AAAAAAADgPwAAAAAAAOA/AAAAAAAA4D8AAAAAAADgPwAAAAAAAOA/AAAAAAAA4D8CAAAAjAAAAAEAAAADAAAAnp6eAH19fQAAAAAAAAAAAAAAAAAAAAAAAAAAAAAAAAAAAAAAZAAAAAEAAABAAAAAAAAAAGQAAAAOAQAAAAAAAAEAAAAyAAAAkZGRAAAAAAAAAAAAAAAAAAAAAAAAAAAAAAAAAAAAAAAAAAAAAAAAAAAAAAAAAAAAAAAAAAAAAAAAAAAAFAAAADwAAAABAAAAAAAAAAAAAAAKAAAAAQAAABQAAAAUAAAAFAAAAAEAAAAAAAAAZAAAAGQAAAAAAAAAZAAAAGQAAAAVAAAAYAAAAAAAAAAAAAAAAAAAAAAAAAAAAAAAAAAAAAAAAAAAAAAAAAAAAAAAAAAAAAAAAAAACQAAAAAAAAAAAAAAAAAAAAAAAAAAAAAAAAAAAAAAAAAAAAAAAAAAAAAAAAAAAAAAABYAAABMAAAAAAAAAAAAAAAAAAAAAAAAAAAAAAAAAAAJAAAAAAAAAAAAAAAAAAAAAAAAAAAAAAAAAAAAAAAAAAAAAAAAAAAAAAAAAAAAAAAAAAAAABcAAAAUAAAAAAAAAAAAAAD/fwAA/38AAAAAAAAJAAAABAAAAAAAAAAeAAAAaAAAAAAAAAAAAAAAAAAAAAAAAAAAAAAAECcAABAnAAAAAAAAAAAAAAAAAAAAAAAAAAAAAAAAAAAAAAAAAAAAABQAAAAAAAAAwMD/AAAAAABkAAAAMgAAAAAAAABkAAAAAAAAAH9/fwAKAAAAIgAAABgAAAAAAAAAAAAAAAAAAAAAAAAAAAAAAAAAAAAkAAAAJAAAAAAAAAAHAAAAAAAAAAAAAAAAAAAAAAAAAAAAAAAAAAAAf39/ACUAAABYAAAAAAAAAAAAAAAAAAAAAAAAAAAAAAAAAAAAAAAAAAAAAAAAAAAAAAAAAAAAAAA/AAAAAAAAAKCGAQAAAAAAAAAAAAAAAAAMAAAAAQAAAAAAAAAAAAAAAAAAAB8AAABUAAAAnp6eAH19fQCRkZEAAAAAAAAAAAAAAAAAAAAAAAAAAAAAAAAAAAAAAAAAAAAAAAACAAAAAgAAAADAwP8Af39/AAAAAAAAAAAAAAAAAAAAAAAAAAAAIQAAABgAAAAUAAAAkw0AAFILAABJDgAAmg0AAAAAAAAmAAAACAAAAP//////////MAAAABQAAAAAAAAA/xj//wHnAADLB///NfgAAA=="/>
+                    <pr:smNativeData xmlns:pr="smNativeData" xmlns="smNativeData" val="SMDATA_16_FAWHYRMAAAAlAAAAZQAAAA0AAAAAkAAAAEgAAACQAAAASAAAAAAAAAABAAAAAAAAAAEAAABQAAAAhbacS3FV1T8AAAAAAAAAAAAAAAAAAOA/AAAAAAAA4D8AAAAAAADgPwAAAAAAAOA/AAAAAAAA4D8AAAAAAADgPwAAAAAAAOA/AAAAAAAA4D8CAAAAjAAAAAEAAAADAAAAnp6eAH19fQAAAAAAAAAAAAAAAAAAAAAAAAAAAAAAAAAAAAAAZAAAAAEAAABAAAAAAAAAAGQAAAAOAQAAAAAAAAEAAAAyAAAAkZGRAAAAAAAAAAAAAAAAAAAAAAAAAAAAAAAAAAAAAAAAAAAAAAAAAAAAAAAAAAAAAAAAAAAAAAAAAAAAFAAAADwAAAABAAAAAAAAAAAAAAAKAAAAAQAAABQAAAAUAAAAFAAAAAEAAAAAAAAAZAAAAGQAAAAAAAAAZAAAAGQAAAAVAAAAYAAAAAAAAAAAAAAAAAAAAAAAAAAAAAAAAAAAAAAAAAAAAAAAAAAAAAAAAAAAAAAAAAAACQAAAAAAAAAAAAAAAAAAAAAAAAAAAAAAAAAAAAAAAAAAAAAAAAAAAAAAAAAAAAAAABYAAABMAAAAAAAAAAAAAAAAAAAAAAAAAAAAAAAAAAAJAAAAAAAAAAAAAAAAAAAAAAAAAAAAAAAAAAAAAAAAAAAAAAAAAAAAAAAAAAAAAAAAAAAAABcAAAAUAAAAAAAAAAAAAAD/fwAA/38AAAAAAAAJAAAABAAAAAAAAAAeAAAAaAAAAAAAAAAAAAAAAAAAAAAAAAAAAAAAECcAABAnAAAAAAAAAAAAAAAAAAAAAAAAAAAAAAAAAAAAAAAAAAAAABQAAAAAAAAAwMD/AAAAAABkAAAAMgAAAAAAAABkAAAAAAAAAH9/fwAKAAAAIgAAABgAAAAAAAAAAAAAAAAAAAAAAAAAAAAAAAAAAAAkAAAAJAAAAAAAAAAHAAAAAAAAAAAAAAAAAAAAAAAAAAAAAAAAAAAAf39/ACUAAABYAAAAAAAAAAAAAAAAAAAAAAAAAAAAAAAAAAAAAAAAAAAAAAAAAAAAAAAAAAAAAAA/AAAAAAAAAKCGAQAAAAAAAAAAAAAAAAAMAAAAAQAAAAAAAAAAAAAAAAAAAB8AAABUAAAAnp6eAH19fQCRkZEAAAAAAAAAAAAAAAAAAAAAAAAAAAAAAAAAAAAAAAAAAAAAAAACAAAAAgAAAADAwP8Af39/AAAAAAAAAAAAAAAAAAAAAAAAAAAAIQAAABgAAAAUAAAAkw0AAFILAABJDgAAmg0AAAAAAAAmAAAACAAAAP//////////MAAAABQAAAAAAAAA/xj//wHnAADLB///NfgAAA=="/>
                   </a:ext>
                 </a:extLst>
               </p:cNvSpPr>
@@ -5916,7 +5916,7 @@
               <p:cNvSpPr>
                 <a:extLst>
                   <a:ext uri="smNativeData">
-                    <pr:smNativeData xmlns:pr="smNativeData" xmlns="smNativeData" val="SMDATA_16_gfoFYRMAAAAlAAAAZAAAAA0AAAAAkAAAAEgAAACQAAAASAAAAAAAAAABAAAAAAAAAAEAAABQAAAAAAAAAAAA4D8AAAAAAADgPwAAAAAAAOA/AAAAAAAA4D8AAAAAAADgPwAAAAAAAOA/AAAAAAAA4D8AAAAAAADgPwAAAAAAAOA/AAAAAAAA4D8CAAAAjAAAAAAAAAAAAAAARHLEDP///wgAAAAAAAAAAAAAAAAAAAAAAAAAAAAAAAAAAAAAZAAAAAEAAABAAAAAAAAAAAAAAAAAAAAAAAAAAAAAAAAAAAAAAAAAAAAAAAAAAAAAAAAAAAAAAAAAAAAAAAAAAAAAAAAAAAAAAAAAAAAAAAAAAAAAAAAAAAAAAAAAAAAAFAAAADwAAAABAAAAAAAAAAAAAAkeAAAAAQAAABQAAAAUAAAAFAAAAAEAAAAAAAAAZAAAAGQAAAAAAAAAZAAAAGQAAAAVAAAAYAAAAAAAAAAAAAAADwAAACADAAAAAAAAAAAAAAEAAACgMgAAVgcAAKr4//8BAAAAf39/AAEAAABkAAAAAAAAABQAAABAHwAAAAAAACYAAAAAAAAAwOD//wAAAAAmAAAAZAAAABYAAABMAAAAAAAAAAAAAAAEAAAAAAAAAAEAAADn5uYKAAAAACgAAAAoAAAAZAAAAGQAAAAAAAAAzMzMAAAAAABQAAAAUAAAAGQAAABkAAAAAAAAABcAAAAUAAAAAAAAAAAAAAD/fwAA/38AAAAAAAAJAAAABAAAAAAAAAAeAAAAaAAAAAAAAAAAAAAAAAAAAAAAAAAAAAAAECcAABAnAAAAAAAAAAAAAAAAAAAAAAAAAAAAAAAAAAAAAAAAAAAAABQAAAAAAAAAwMD/AAAAAABkAAAAMgAAAAAAAABkAAAAAAAAAH9/fwAKAAAAIgAAABgAAAAAAAAAAAAAAAAAAAAAAAAAAAAAAAAAAAAkAAAAJAAAAAAAAAAHAAAAAAAAAAAAAAAAAAAAAAAAAAAAAAAAAAAAf39/ACUAAABYAAAAAAAAAAAAAAAAAAAAAAAAAAAAAAAAAAAAAAAAAAAAAAAAAAAAAAAAAAAAAAA/AAAAAAAAAKCGAQAAAAAAAAAAAAAAAAAMAAAAAQAAAAAAAAAAAAAAAAAAAB8AAABUAAAARHLEBf///wEAAAAAAAAAAAAAAAAAAAAAAAAAAAAAAAAAAAAAAAAAAAAAAAJ/f38A5+bmA8zMzADAwP8Af39/AAAAAAAAAAAAAAAAAAAAAAAAAAAAIQAAABgAAAAUAAAAAgkAAAsJAACTDQAAmg0AAAAAAAAmAAAACAAAAP//////////MAAAABQAAAAAAAAAAAD//wAAAQAAAP//AAABAA=="/>
+                    <pr:smNativeData xmlns:pr="smNativeData" xmlns="smNativeData" val="SMDATA_16_FAWHYRMAAAAlAAAAZAAAAA0AAAAAkAAAAEgAAACQAAAASAAAAAAAAAABAAAAAAAAAAEAAABQAAAAAAAAAAAA4D8AAAAAAADgPwAAAAAAAOA/AAAAAAAA4D8AAAAAAADgPwAAAAAAAOA/AAAAAAAA4D8AAAAAAADgPwAAAAAAAOA/AAAAAAAA4D8CAAAAjAAAAAAAAAAAAAAARHLEDP///wgAAAAAAAAAAAAAAAAAAAAAAAAAAAAAAAAAAAAAZAAAAAEAAABAAAAAAAAAAAAAAAAAAAAAAAAAAAAAAAAAAAAAAAAAAAAAAAAAAAAAAAAAAAAAAAAAAAAAAAAAAAAAAAAAAAAAAAAAAAAAAAAAAAAAAAAAAAAAAAAAAAAAFAAAADwAAAABAAAAAAAAAAAAAAkeAAAAAQAAABQAAAAUAAAAFAAAAAEAAAAAAAAAZAAAAGQAAAAAAAAAZAAAAGQAAAAVAAAAYAAAAAAAAAAAAAAADwAAACADAAAAAAAAAAAAAAEAAACgMgAAVgcAAKr4//8BAAAAf39/AAEAAABkAAAAAAAAABQAAABAHwAAAAAAACYAAAAAAAAAwOD//wAAAAAmAAAAZAAAABYAAABMAAAAAAAAAAAAAAAEAAAAAAAAAAEAAADn5uYKAAAAACgAAAAoAAAAZAAAAGQAAAAAAAAAzMzMAAAAAABQAAAAUAAAAGQAAABkAAAAAAAAABcAAAAUAAAAAAAAAAAAAAD/fwAA/38AAAAAAAAJAAAABAAAAAAAAAAeAAAAaAAAAAAAAAAAAAAAAAAAAAAAAAAAAAAAECcAABAnAAAAAAAAAAAAAAAAAAAAAAAAAAAAAAAAAAAAAAAAAAAAABQAAAAAAAAAwMD/AAAAAABkAAAAMgAAAAAAAABkAAAAAAAAAH9/fwAKAAAAIgAAABgAAAAAAAAAAAAAAAAAAAAAAAAAAAAAAAAAAAAkAAAAJAAAAAAAAAAHAAAAAAAAAAAAAAAAAAAAAAAAAAAAAAAAAAAAf39/ACUAAABYAAAAAAAAAAAAAAAAAAAAAAAAAAAAAAAAAAAAAAAAAAAAAAAAAAAAAAAAAAAAAAA/AAAAAAAAAKCGAQAAAAAAAAAAAAAAAAAMAAAAAQAAAAAAAAAAAAAAAAAAAB8AAABUAAAARHLEBf///wEAAAAAAAAAAAAAAAAAAAAAAAAAAAAAAAAAAAAAAAAAAAAAAAJ/f38A5+bmA8zMzADAwP8Af39/AAAAAAAAAAAAAAAAAAAAAAAAAAAAIQAAABgAAAAUAAAAAgkAAAsJAACTDQAAmg0AAAAAAAAmAAAACAAAAP//////////MAAAABQAAAAAAAAAAAD//wAAAQAAAP//AAABAA=="/>
                   </a:ext>
                 </a:extLst>
               </p:cNvSpPr>
@@ -5962,7 +5962,7 @@
               <p:cNvGrpSpPr>
                 <a:extLst>
                   <a:ext uri="smNativeData">
-                    <pr:smNativeData xmlns:pr="smNativeData" xmlns="smNativeData" val="SMDATA_6_gfoFYRMAAAAlAAAAAQAAAA8BAAAAkAAAAEgAAACQAAAASAAAAAAAAAAAAAAAAAAAABcAAAAUAAAAAAAAAAAAAAD/fwAA/38AAAAAAAAJAAAABAAAAD90NwEfAAAAVAAAAAAAAAAAAAAAAAAAAAAAAAAAAAAAAAAAAAAAAAAAAAAAAAAAAAAAAAAAAAAAAAAAAAAAAAAAAAAAAAAAAAAAAAAAAAAAAAAAAAAAAAAAAAAAAAAAACEAAAAYAAAAFAAAAPUKAAAhDAAAoAsAAMsMAAAAAAAAJgAAAAgAAAD/////AAAAAA=="/>
+                    <pr:smNativeData xmlns:pr="smNativeData" xmlns="smNativeData" val="SMDATA_6_FAWHYRMAAAAlAAAAAQAAAA8BAAAAkAAAAEgAAACQAAAASAAAAAAAAAAAAAAAAAAAABcAAAAUAAAAAAAAAAAAAAD/fwAA/38AAAAAAAAJAAAABAAAAAAAAAAfAAAAVAAAAAAAAAAAAAAAAAAAAAAAAAAAAAAAAAAAAAAAAAAAAAAAAAAAAAAAAAAAAAAAAAAAAAAAAAAAAAAAAAAAAAAAAAAAAAAAAAAAAAAAAAAAAAAAAAAAACEAAAAYAAAAFAAAAPUKAAAhDAAAoAsAAMsMAAAAAAAAJgAAAAgAAAD/////AAAAAA=="/>
                   </a:ext>
                 </a:extLst>
               </p:cNvGrpSpPr>
@@ -5982,7 +5982,7 @@
                 <p:cNvSpPr>
                   <a:extLst>
                     <a:ext uri="smNativeData">
-                      <pr:smNativeData xmlns:pr="smNativeData" xmlns="smNativeData" val="SMDATA_16_gfoFYRMAAAAlAAAAZgAAAC0AAAAAkAAAAEgAAACQAAAASAAAAAAAAAABAAAAAAAAAAEAAABQAAAAAAAAAAAA8D8AAAAAAADwPwAAAAAAAOA/AAAAAAAA4D8AAAAAAADgPwAAAAAAAOA/AAAAAAAA4D8AAAAAAADgPwAAAAAAAOA/AAAAAAAA4D8CAAAAjAAAAAAAAAAAAAAARHLEDP///wgAAAAAAAAAAAAAAAAAAAAAAAAAAAAAAAAAAAAAZAAAAAEAAABAAAAAAAAAAAAAAAAAAAAAAAAAAAAAAAAAAAAAAAAAAAAAAAAAAAAAAAAAAAAAAAAAAAAAAAAAAAAAAAAAAAAAAAAAAAAAAAAAAAAAAAAAAAAAAAAAAAAAFAAAADwAAAABAAAAAAAAAAAAAAkUAAAAAQAAABQAAAAUAAAAFAAAAAEAAAAAAAAAZAAAAGQAAAAAAAAAZAAAAGQAAAAVAAAAYAAAAAAAAAAAAAAADwAAACADAAAAAAAAAAAAAAEAAACgMgAAVgcAAKr4//8BAAAAf39/AAEAAABkAAAAAAAAABQAAABAHwAAAAAAACYAAAAAAAAAwOD//wAAAAAmAAAAZAAAABYAAABMAAAAAAAAAAAAAAAEAAAAAAAAAAEAAADn5uYKAAAAACgAAAAoAAAAZAAAAGQAAAAAAAAAzMzMAAAAAABQAAAAUAAAAGQAAABkAAAAAAAAABcAAAAUAAAAAAAAAAAAAAD/fwAA/38AAAAAAAAJAAAABAAAAAAAAAAeAAAAaAAAAAAAAAAAAAAAAAAAAAAAAAAAAAAAECcAABAnAAAAAAAAAAAAAAAAAAAAAAAAAAAAAAAAAAAAAAAAAAAAABQAAAAAAAAAwMD/AAAAAABkAAAAMgAAAAAAAABkAAAAAAAAAH9/fwAKAAAAIgAAABgAAAAAAAAAAAAAAAAAAAAAAAAAAAAAAAAAAAAkAAAAJAAAAAAAAAAHAAAAAAAAAAAAAAAAAAAAAAAAAAAAAAAAAAAAf39/ACUAAABYAAAAAAAAAAAAAAAAAAAAAAAAAAAAAAAAAAAAAAAAAAAAAAAAAAAAAAAAAAAAAAA/AAAAAAAAAKCGAQAAAAAAAAAAAAAAAAAMAAAAAQAAAAAAAAAAAAAAAAAAAB8AAABUAAAARHLEBf///wEAAAAAAAAAAAAAAAAAAAAAAAAAAAAAAAAAAAAAAAAAAAAAAAJ/f38A5+bmA8zMzADAwP8Af39/AAAAAAAAAAAAAAAAAAAAAAAAAAAAIQAAABgAAAAUAAAA9QoAACEMAACgCwAAywwAAAAAAAAmAAAACAAAAP//////////MAAAABQAAAAAAAAA/Er//wS1AAD8Sv//BLUAAA=="/>
+                      <pr:smNativeData xmlns:pr="smNativeData" xmlns="smNativeData" val="SMDATA_16_FAWHYRMAAAAlAAAAZgAAAC0AAAAAkAAAAEgAAACQAAAASAAAAAAAAAABAAAAAAAAAAEAAABQAAAAAAAAAAAA8D8AAAAAAADwPwAAAAAAAOA/AAAAAAAA4D8AAAAAAADgPwAAAAAAAOA/AAAAAAAA4D8AAAAAAADgPwAAAAAAAOA/AAAAAAAA4D8CAAAAjAAAAAAAAAAAAAAARHLEDP///wgAAAAAAAAAAAAAAAAAAAAAAAAAAAAAAAAAAAAAZAAAAAEAAABAAAAAAAAAAAAAAAAAAAAAAAAAAAAAAAAAAAAAAAAAAAAAAAAAAAAAAAAAAAAAAAAAAAAAAAAAAAAAAAAAAAAAAAAAAAAAAAAAAAAAAAAAAAAAAAAAAAAAFAAAADwAAAABAAAAAAAAAAAAAAkUAAAAAQAAABQAAAAUAAAAFAAAAAEAAAAAAAAAZAAAAGQAAAAAAAAAZAAAAGQAAAAVAAAAYAAAAAAAAAAAAAAADwAAACADAAAAAAAAAAAAAAEAAACgMgAAVgcAAKr4//8BAAAAf39/AAEAAABkAAAAAAAAABQAAABAHwAAAAAAACYAAAAAAAAAwOD//wAAAAAmAAAAZAAAABYAAABMAAAAAAAAAAAAAAAEAAAAAAAAAAEAAADn5uYKAAAAACgAAAAoAAAAZAAAAGQAAAAAAAAAzMzMAAAAAABQAAAAUAAAAGQAAABkAAAAAAAAABcAAAAUAAAAAAAAAAAAAAD/fwAA/38AAAAAAAAJAAAABAAAAAAAAAAeAAAAaAAAAAAAAAAAAAAAAAAAAAAAAAAAAAAAECcAABAnAAAAAAAAAAAAAAAAAAAAAAAAAAAAAAAAAAAAAAAAAAAAABQAAAAAAAAAwMD/AAAAAABkAAAAMgAAAAAAAABkAAAAAAAAAH9/fwAKAAAAIgAAABgAAAAAAAAAAAAAAAAAAAAAAAAAAAAAAAAAAAAkAAAAJAAAAAAAAAAHAAAAAAAAAAAAAAAAAAAAAAAAAAAAAAAAAAAAf39/ACUAAABYAAAAAAAAAAAAAAAAAAAAAAAAAAAAAAAAAAAAAAAAAAAAAAAAAAAAAAAAAAAAAAA/AAAAAAAAAKCGAQAAAAAAAAAAAAAAAAAMAAAAAQAAAAAAAAAAAAAAAAAAAB8AAABUAAAARHLEBf///wEAAAAAAAAAAAAAAAAAAAAAAAAAAAAAAAAAAAAAAAAAAAAAAAJ/f38A5+bmA8zMzADAwP8Af39/AAAAAAAAAAAAAAAAAAAAAAAAAAAAIQAAABgAAAAUAAAA9QoAACEMAACgCwAAywwAAAAAAAAmAAAACAAAAP//////////MAAAABQAAAAAAAAA/Er//wS1AAD8Sv//BLUAAA=="/>
                     </a:ext>
                   </a:extLst>
                 </p:cNvSpPr>
@@ -6028,7 +6028,7 @@
                 <p:cNvSpPr>
                   <a:extLst>
                     <a:ext uri="smNativeData">
-                      <pr:smNativeData xmlns:pr="smNativeData" xmlns="smNativeData" val="SMDATA_16_gfoFYRMAAAAlAAAACgAAAA0AAAAAkAAAAEgAAACQAAAASAAAAAAAAAAAAAAAAAAAAAEAAABQAAAAAAAAAAAA4D8AAAAAAADgPwAAAAAAAOA/AAAAAAAA4D8AAAAAAADgPwAAAAAAAOA/AAAAAAAA4D8AAAAAAADgPwAAAAAAAOA/AAAAAAAA4D8CAAAAjAAAAAAAAAAAAAAA////AP///wgAAAAAAAAAAAAAAAAAAAAAAAAAAAAAAAAAAAAAeAAAAAEAAABAAAAAAAAAAAAAAABaAAAAAAAAAAAAAAAAAAAAAAAAAAAAAAAAAAAAAAAAAAAAAAAAAAAAAAAAAAAAAAAAAAAAAAAAAAAAAAAAAAAAAAAAAAAAAAAAAAAAFAAAADwAAAABAAAAAAAAAAAAAAAKAAAAAQAAABQAAAAUAAAAFAAAAAEAAAAAAAAAZAAAAGQAAAAAAAAAZAAAAGQAAAAVAAAAYAAAAAAAAAAAAAAADwAAACADAAAAAAAAAAAAAAEAAACgMgAAVgcAAKr4//8BAAAAf39/AAEAAABkAAAAAAAAABQAAABAHwAAAAAAACYAAAAAAAAAwOD//wAAAAAmAAAAZAAAABYAAABMAAAAAAAAAAAAAAAEAAAAAAAAAAEAAADn5uYKAAAAACgAAAAoAAAAZAAAAGQAAAAAAAAAzMzMAAAAAABQAAAAUAAAAGQAAABkAAAAAAAAABcAAAAUAAAAAAAAAAAAAAD/fwAA/38AAAAAAAAJAAAABAAAAAAAAAAeAAAAaAAAAAAAAAAAAAAAAAAAAAAAAAAAAAAAECcAABAnAAAAAAAAAAAAAAAAAAAAAAAAAAAAAAAAAAAAAAAAAAAAABQAAAAAAAAAwMD/AAAAAABkAAAAMgAAAAAAAABkAAAAAAAAAH9/fwAKAAAAIgAAABgAAAAAAAAAAAAAAAAAAAAAAAAAAAAAAAAAAAAkAAAAJAAAAAAAAAAHAAAAAAAAAAAAAAAAAAAAAAAAAAAAAAAAAAAAf39/ACUAAABYAAAAAAAAAAAAAAAAAAAAAAAAAAAAAAAAAAAAAAAAAAAAAAAAAAAAAAAAAAAAAAA/AAAAAAAAAKCGAQAAAAAAAAAAAAAAAAAMAAAAAQAAAAAAAAAAAAAAAAAAAB8AAABUAAAA////AP///wEAAAAAAAAAAAAAAAAAAAAAAAAAAAAAAAAAAAAAAAAAAAAAAAB/f38A5+bmA8zMzADAwP8Af39/AAAAAAAAAAAAAAAAAAAAAAAAAAAAIQAAABgAAAAUAAAASwsAACEMAABLCwAAywwAAAAAAAAmAAAACAAAAP//////////MAAAABQAAAAAAAAAAAD//wAAAQAAAP//AAABAA=="/>
+                      <pr:smNativeData xmlns:pr="smNativeData" xmlns="smNativeData" val="SMDATA_16_FAWHYRMAAAAlAAAACgAAAA0AAAAAkAAAAEgAAACQAAAASAAAAAAAAAAAAAAAAAAAAAEAAABQAAAAAAAAAAAA4D8AAAAAAADgPwAAAAAAAOA/AAAAAAAA4D8AAAAAAADgPwAAAAAAAOA/AAAAAAAA4D8AAAAAAADgPwAAAAAAAOA/AAAAAAAA4D8CAAAAjAAAAAAAAAAAAAAA////AP///wgAAAAAAAAAAAAAAAAAAAAAAAAAAAAAAAAAAAAAeAAAAAEAAABAAAAAAAAAAAAAAABaAAAAAAAAAAAAAAAAAAAAAAAAAAAAAAAAAAAAAAAAAAAAAAAAAAAAAAAAAAAAAAAAAAAAAAAAAAAAAAAAAAAAAAAAAAAAAAAAAAAAFAAAADwAAAABAAAAAAAAAAAAAAAKAAAAAQAAABQAAAAUAAAAFAAAAAEAAAAAAAAAZAAAAGQAAAAAAAAAZAAAAGQAAAAVAAAAYAAAAAAAAAAAAAAADwAAACADAAAAAAAAAAAAAAEAAACgMgAAVgcAAKr4//8BAAAAf39/AAEAAABkAAAAAAAAABQAAABAHwAAAAAAACYAAAAAAAAAwOD//wAAAAAmAAAAZAAAABYAAABMAAAAAAAAAAAAAAAEAAAAAAAAAAEAAADn5uYKAAAAACgAAAAoAAAAZAAAAGQAAAAAAAAAzMzMAAAAAABQAAAAUAAAAGQAAABkAAAAAAAAABcAAAAUAAAAAAAAAAAAAAD/fwAA/38AAAAAAAAJAAAABAAAAAAAAAAeAAAAaAAAAAAAAAAAAAAAAAAAAAAAAAAAAAAAECcAABAnAAAAAAAAAAAAAAAAAAAAAAAAAAAAAAAAAAAAAAAAAAAAABQAAAAAAAAAwMD/AAAAAABkAAAAMgAAAAAAAABkAAAAAAAAAH9/fwAKAAAAIgAAABgAAAAAAAAAAAAAAAAAAAAAAAAAAAAAAAAAAAAkAAAAJAAAAAAAAAAHAAAAAAAAAAAAAAAAAAAAAAAAAAAAAAAAAAAAf39/ACUAAABYAAAAAAAAAAAAAAAAAAAAAAAAAAAAAAAAAAAAAAAAAAAAAAAAAAAAAAAAAAAAAAA/AAAAAAAAAKCGAQAAAAAAAAAAAAAAAAAMAAAAAQAAAAAAAAAAAAAAAAAAAB8AAABUAAAA////AP///wEAAAAAAAAAAAAAAAAAAAAAAAAAAAAAAAAAAAAAAAAAAAAAAAB/f38A5+bmA8zMzADAwP8Af39/AAAAAAAAAAAAAAAAAAAAAAAAAAAAIQAAABgAAAAUAAAASwsAACEMAABLCwAAywwAAAAAAAAmAAAACAAAAP//////////MAAAABQAAAAAAAAAAAD//wAAAQAAAP//AAABAA=="/>
                     </a:ext>
                   </a:extLst>
                 </p:cNvSpPr>
@@ -6060,7 +6060,7 @@
                 <p:cNvSpPr>
                   <a:extLst>
                     <a:ext uri="smNativeData">
-                      <pr:smNativeData xmlns:pr="smNativeData" xmlns="smNativeData" val="SMDATA_16_gfoFYRMAAAAlAAAACgAAAA0AAAAAkAAAAEgAAACQAAAASAAAAAAAAAAAAAAAAAAAAAEAAABQAAAAAAAAAAAA4D8AAAAAAADgPwAAAAAAAOA/AAAAAAAA4D8AAAAAAADgPwAAAAAAAOA/AAAAAAAA4D8AAAAAAADgPwAAAAAAAOA/AAAAAAAA4D8CAAAAjAAAAAAAAAAAAAAA////AP///wgAAAAAAAAAAAAAAAAAAAAAAAAAAAAAAAAAAAAAeAAAAAEAAABAAAAAAAAAAAAAAABaAAAAAAAAAAAAAAAAAAAAAAAAAAAAAAAAAAAAAAAAAAAAAAAAAAAAAAAAAAAAAAAAAAAAAAAAAAAAAAAAAAAAAAAAAAAAAAAAAAAAFAAAADwAAAABAAAAAAAAAAAAAAkKAAAAAQAAABQAAAAUAAAAFAAAAAEAAAAAAAAAZAAAAGQAAAAAAAAAZAAAAGQAAAAVAAAAYAAAAAAAAAAAAAAADwAAACADAAAAAAAAAAAAAAEAAACgMgAAVgcAAKr4//8BAAAAf39/AAEAAABkAAAAAAAAABQAAABAHwAAAAAAACYAAAAAAAAAwOD//wAAAAAmAAAAZAAAABYAAABMAAAAAAAAAAAAAAAEAAAAAAAAAAEAAADn5uYKAAAAACgAAAAoAAAAZAAAAGQAAAAAAAAAzMzMAAAAAABQAAAAUAAAAGQAAABkAAAAAAAAABcAAAAUAAAAAAAAAAAAAAD/fwAA/38AAAAAAAAJAAAABAAAAAAAAAAeAAAAaAAAAAAAAAAAAAAAAAAAAAAAAAAAAAAAECcAABAnAAAAAAAAAAAAAAAAAAAAAAAAAAAAAAAAAAAAAAAAAAAAABQAAAAAAAAAwMD/AAAAAABkAAAAMgAAAAAAAABkAAAAAAAAAH9/fwAKAAAAIgAAABgAAAAAAAAAAAAAAAAAAAAAAAAAAAAAAAAAAAAkAAAAJAAAAAAAAAAHAAAAAAAAAAAAAAAAAAAAAAAAAAAAAAAAAAAAf39/ACUAAABYAAAAAAAAAAAAAAAAAAAAAAAAAAAAAAAAAAAAAAAAAAAAAAAAAAAAAAAAAAAAAAA/AAAAAAAAAKCGAQAAAAAAAAAAAAAAAAAMAAAAAQAAAAAAAAAAAAAAAAAAAB8AAABUAAAA////AP///wEAAAAAAAAAAAAAAAAAAAAAAAAAAAAAAAAAAAAAAAAAAAAAAAJ/f38A5+bmA8zMzADAwP8Af39/AAAAAAAAAAAAAAAAAAAAAAAAAAAAIQAAABgAAAAUAAAA9QoAAHYMAACgCwAAdgwAAAAAAAAmAAAACAAAAP//////////MAAAABQAAAAAAAAAAAD//wAAAQAAAP//AAABAA=="/>
+                      <pr:smNativeData xmlns:pr="smNativeData" xmlns="smNativeData" val="SMDATA_16_FAWHYRMAAAAlAAAACgAAAA0AAAAAkAAAAEgAAACQAAAASAAAAAAAAAAAAAAAAAAAAAEAAABQAAAAAAAAAAAA4D8AAAAAAADgPwAAAAAAAOA/AAAAAAAA4D8AAAAAAADgPwAAAAAAAOA/AAAAAAAA4D8AAAAAAADgPwAAAAAAAOA/AAAAAAAA4D8CAAAAjAAAAAAAAAAAAAAA////AP///wgAAAAAAAAAAAAAAAAAAAAAAAAAAAAAAAAAAAAAeAAAAAEAAABAAAAAAAAAAAAAAABaAAAAAAAAAAAAAAAAAAAAAAAAAAAAAAAAAAAAAAAAAAAAAAAAAAAAAAAAAAAAAAAAAAAAAAAAAAAAAAAAAAAAAAAAAAAAAAAAAAAAFAAAADwAAAABAAAAAAAAAAAAAAkKAAAAAQAAABQAAAAUAAAAFAAAAAEAAAAAAAAAZAAAAGQAAAAAAAAAZAAAAGQAAAAVAAAAYAAAAAAAAAAAAAAADwAAACADAAAAAAAAAAAAAAEAAACgMgAAVgcAAKr4//8BAAAAf39/AAEAAABkAAAAAAAAABQAAABAHwAAAAAAACYAAAAAAAAAwOD//wAAAAAmAAAAZAAAABYAAABMAAAAAAAAAAAAAAAEAAAAAAAAAAEAAADn5uYKAAAAACgAAAAoAAAAZAAAAGQAAAAAAAAAzMzMAAAAAABQAAAAUAAAAGQAAABkAAAAAAAAABcAAAAUAAAAAAAAAAAAAAD/fwAA/38AAAAAAAAJAAAABAAAAAAAAAAeAAAAaAAAAAAAAAAAAAAAAAAAAAAAAAAAAAAAECcAABAnAAAAAAAAAAAAAAAAAAAAAAAAAAAAAAAAAAAAAAAAAAAAABQAAAAAAAAAwMD/AAAAAABkAAAAMgAAAAAAAABkAAAAAAAAAH9/fwAKAAAAIgAAABgAAAAAAAAAAAAAAAAAAAAAAAAAAAAAAAAAAAAkAAAAJAAAAAAAAAAHAAAAAAAAAAAAAAAAAAAAAAAAAAAAAAAAAAAAf39/ACUAAABYAAAAAAAAAAAAAAAAAAAAAAAAAAAAAAAAAAAAAAAAAAAAAAAAAAAAAAAAAAAAAAA/AAAAAAAAAKCGAQAAAAAAAAAAAAAAAAAMAAAAAQAAAAAAAAAAAAAAAAAAAB8AAABUAAAA////AP///wEAAAAAAAAAAAAAAAAAAAAAAAAAAAAAAAAAAAAAAAAAAAAAAAJ/f38A5+bmA8zMzADAwP8Af39/AAAAAAAAAAAAAAAAAAAAAAAAAAAAIQAAABgAAAAUAAAA9QoAAHYMAACgCwAAdgwAAAAAAAAmAAAACAAAAP//////////MAAAABQAAAAAAAAAAAD//wAAAQAAAP//AAABAA=="/>
                     </a:ext>
                   </a:extLst>
                 </p:cNvSpPr>
@@ -6094,7 +6094,7 @@
             <p:cNvCxnSpPr>
               <a:extLst>
                 <a:ext uri="smNativeData">
-                  <pr:smNativeData xmlns:pr="smNativeData" xmlns="smNativeData" val="SMDATA_16_gfoFYRMAAAAlAAAADQAAAA0AAAAAkAAAAEgAAACQAAAASAAAAAAAAAAAAAAAAgAAAAEAAABQAAAAAAAAAAAA8L8AAAAAAAAAAAAAAAAAAPA/AAAAAAAA4D8AAAAAAADgPwAAAAAAAOA/AAAAAAAA4D8AAAAAAADgPwAAAAAAAOA/AAAAAAAA4D8CAAAAjAAAAAAAAAAAAAAA////AP///wgAAAAAAAAAAAAAAAAAAAAAAAAAAAAAAAAAAAAAeAAAAAEAAABAAAAAAAAAAAAAAABaAAAAAAAAAAAAAAAAAAAAAAAAAAAAAAAAAAAAAAAAAAAAAAAAAAAAAAAAAAAAAAAAAAAAAAAAAAAAAAAAAAAAAAAAAAAAAAAAAAAAFAAAADwAAAABAAAAAAAAAAAAAAkKAAAAAQAAABQAAAAUAAAAFAAAAAEAAAAAAAAAZAAAAGQAAAABAAAAZAAAAGQAAAAVAAAAYAAAAAAAAAAAAAAADwAAACADAAAAAAAAAAAAAAEAAACgMgAAVgcAAKr4//8BAAAAf39/AAEAAABkAAAAAAAAABQAAABAHwAAAAAAACYAAAAAAAAAwOD//wAAAAAmAAAAZAAAABYAAABMAAAAAAAAAAAAAAAEAAAAAAAAAAEAAADn5uYKAAAAACgAAAAoAAAAZAAAAGQAAAAAAAAAzMzMAAAAAABQAAAAUAAAAGQAAABkAAAAAAAAABcAAAAUAAAAAAAAAAAAAAD/fwAA/38AAAAAAAAJAAAABAAAAAAAAAAeAAAAaAAAAAAAAAAAAAAAAAAAAAAAAAAAAAAAECcAABAnAAAAAAAAAAAAAAAAAAAAAAAAAAAAAAAAAAAAAAAAAAAAABQAAAAAAAAAwMD/AAAAAABkAAAAMgAAAAAAAABkAAAAAAAAAH9/fwAKAAAAIgAAABgAAAAAAAAAAAAAAAAAAAAAAAAAAAAAAAAAAAAkAAAAJAAAAAAAAAAHAAAAAAAAAAAAAAAAAAAAAAAAAAAAAAAAAAAAf39/ACUAAABYAAAAAAAAAAAAAAAAAAAAAAAAAAAAAAAAAAAAAAAAAAAAAAAAAAAAAAAAAAAAAAA/AAAAAAAAAKCGAQAAAAAAAAAAAAAAAAAMAAAAAQAAAAAAAAAAAAAAAAAAAB8AAABUAAAA////AP///wEAAAAAAAAAAAAAAAAAAAAAAAAAAAAAAAAAAAAAAAAAAAAAAAJ/f38A5+bmA8zMzADAwP8Af39/AAAAAAAAAAAAAAAAAAAAAAAAAAAAIQAAABgAAAAUAAAAzwMAAJUDAADPAwAADRMAAAAAAAAmAAAACAAAAP//////////MAAAABQAAAAAAAAAAAD//wAAAQAAAP//AAABAA=="/>
+                  <pr:smNativeData xmlns:pr="smNativeData" xmlns="smNativeData" val="SMDATA_16_FAWHYRMAAAAlAAAADQAAAA0AAAAAkAAAAEgAAACQAAAASAAAAAAAAAAAAAAAAgAAAAEAAABQAAAAAAAAAAAA8L8AAAAAAAAAAAAAAAAAAPA/AAAAAAAA4D8AAAAAAADgPwAAAAAAAOA/AAAAAAAA4D8AAAAAAADgPwAAAAAAAOA/AAAAAAAA4D8CAAAAjAAAAAAAAAAAAAAA////AP///wgAAAAAAAAAAAAAAAAAAAAAAAAAAAAAAAAAAAAAeAAAAAEAAABAAAAAAAAAAAAAAABaAAAAAAAAAAAAAAAAAAAAAAAAAAAAAAAAAAAAAAAAAAAAAAAAAAAAAAAAAAAAAAAAAAAAAAAAAAAAAAAAAAAAAAAAAAAAAAAAAAAAFAAAADwAAAABAAAAAAAAAAAAAAkKAAAAAQAAABQAAAAUAAAAFAAAAAEAAAAAAAAAZAAAAGQAAAABAAAAZAAAAGQAAAAVAAAAYAAAAAAAAAAAAAAADwAAACADAAAAAAAAAAAAAAEAAACgMgAAVgcAAKr4//8BAAAAf39/AAEAAABkAAAAAAAAABQAAABAHwAAAAAAACYAAAAAAAAAwOD//wAAAAAmAAAAZAAAABYAAABMAAAAAAAAAAAAAAAEAAAAAAAAAAEAAADn5uYKAAAAACgAAAAoAAAAZAAAAGQAAAAAAAAAzMzMAAAAAABQAAAAUAAAAGQAAABkAAAAAAAAABcAAAAUAAAAAAAAAAAAAAD/fwAA/38AAAAAAAAJAAAABAAAAAAAAAAeAAAAaAAAAAAAAAAAAAAAAAAAAAAAAAAAAAAAECcAABAnAAAAAAAAAAAAAAAAAAAAAAAAAAAAAAAAAAAAAAAAAAAAABQAAAAAAAAAwMD/AAAAAABkAAAAMgAAAAAAAABkAAAAAAAAAH9/fwAKAAAAIgAAABgAAAAAAAAAAAAAAAAAAAAAAAAAAAAAAAAAAAAkAAAAJAAAAAAAAAAHAAAAAAAAAAAAAAAAAAAAAAAAAAAAAAAAAAAAf39/ACUAAABYAAAAAAAAAAAAAAAAAAAAAAAAAAAAAAAAAAAAAAAAAAAAAAAAAAAAAAAAAAAAAAA/AAAAAAAAAKCGAQAAAAAAAAAAAAAAAAAMAAAAAQAAAAAAAAAAAAAAAAAAAB8AAABUAAAA////AP///wEAAAAAAAAAAAAAAAAAAAAAAAAAAAAAAAAAAAAAAAAAAAAAAAJ/f38A5+bmA8zMzADAwP8Af39/AAAAAAAAAAAAAAAAAAAAAAAAAAAAIQAAABgAAAAUAAAAzwMAAJUDAADPAwAADRMAAAAAAAAmAAAACAAAAP//////////MAAAABQAAAAAAAAAAAD//wAAAQAAAP//AAABAA=="/>
                 </a:ext>
               </a:extLst>
             </p:cNvCxnSpPr>
@@ -6126,7 +6126,7 @@
             <p:cNvCxnSpPr>
               <a:extLst>
                 <a:ext uri="smNativeData">
-                  <pr:smNativeData xmlns:pr="smNativeData" xmlns="smNativeData" val="SMDATA_16_gfoFYRMAAAAlAAAADQAAAA0AAAAAkAAAAEgAAACQAAAASAAAAAAAAAAAAAAAAAAAAAEAAABQAAAAAAAAAAAA8L8AAAAAAAAAAAAAAAAAAPA/AAAAAAAA4D8AAAAAAADgPwAAAAAAAOA/AAAAAAAA4D8AAAAAAADgPwAAAAAAAOA/AAAAAAAA4D8CAAAAjAAAAAAAAAAAAAAA////AP///wgAAAAAAAAAAAAAAAAAAAAAAAAAAAAAAAAAAAAAeAAAAAEAAABAAAAAAAAAAAAAAABaAAAAAAAAAAAAAAAAAAAAAAAAAAAAAAAAAAAAAAAAAAAAAAAAAAAAAAAAAAAAAAAAAAAAAAAAAAAAAAAAAAAAAAAAAAAAAAAAAAAAFAAAADwAAAABAAAAAAAAAAAAAAkKAAAAAQAAABQAAAAUAAAAFAAAAAEAAAAAAAAAZAAAAGQAAAABAAAAZAAAAGQAAAAVAAAAYAAAAAAAAAAAAAAADwAAACADAAAAAAAAAAAAAAEAAACgMgAAVgcAAKr4//8BAAAAf39/AAEAAABkAAAAAAAAABQAAABAHwAAAAAAACYAAAAAAAAAwOD//wAAAAAmAAAAZAAAABYAAABMAAAAAAAAAAAAAAAEAAAAAAAAAAEAAADn5uYKAAAAACgAAAAoAAAAZAAAAGQAAAAAAAAAzMzMAAAAAABQAAAAUAAAAGQAAABkAAAAAAAAABcAAAAUAAAAAAAAAAAAAAD/fwAA/38AAAAAAAAJAAAABAAAAAAAAAAeAAAAaAAAAAAAAAAAAAAAAAAAAAAAAAAAAAAAECcAABAnAAAAAAAAAAAAAAAAAAAAAAAAAAAAAAAAAAAAAAAAAAAAABQAAAAAAAAAwMD/AAAAAABkAAAAMgAAAAAAAABkAAAAAAAAAH9/fwAKAAAAIgAAABgAAAAAAAAAAAAAAAAAAAAAAAAAAAAAAAAAAAAkAAAAJAAAAAAAAAAHAAAAAAAAAAAAAAAAAAAAAAAAAAAAAAAAAAAAf39/ACUAAABYAAAAAAAAAAAAAAAAAAAAAAAAAAAAAAAAAAAAAAAAAAAAAAAAAAAAAAAAAAAAAAA/AAAAAAAAAKCGAQAAAAAAAAAAAAAAAAAMAAAAAQAAAAAAAAAAAAAAAAAAAB8AAABUAAAA////AP///wEAAAAAAAAAAAAAAAAAAAAAAAAAAAAAAAAAAAAAAAAAAAAAAAJ/f38A5+bmA8zMzADAwP8Af39/AAAAAAAAAAAAAAAAAAAAAAAAAAAAIQAAABgAAAAUAAAAzwMAAA0TAABPFQAADRMAAAAAAAAmAAAACAAAAP//////////MAAAABQAAAAAAAAAAAD//wAAAQAAAP//AAABAA=="/>
+                  <pr:smNativeData xmlns:pr="smNativeData" xmlns="smNativeData" val="SMDATA_16_FAWHYRMAAAAlAAAADQAAAA0AAAAAkAAAAEgAAACQAAAASAAAAAAAAAAAAAAAAAAAAAEAAABQAAAAAAAAAAAA8L8AAAAAAAAAAAAAAAAAAPA/AAAAAAAA4D8AAAAAAADgPwAAAAAAAOA/AAAAAAAA4D8AAAAAAADgPwAAAAAAAOA/AAAAAAAA4D8CAAAAjAAAAAAAAAAAAAAA////AP///wgAAAAAAAAAAAAAAAAAAAAAAAAAAAAAAAAAAAAAeAAAAAEAAABAAAAAAAAAAAAAAABaAAAAAAAAAAAAAAAAAAAAAAAAAAAAAAAAAAAAAAAAAAAAAAAAAAAAAAAAAAAAAAAAAAAAAAAAAAAAAAAAAAAAAAAAAAAAAAAAAAAAFAAAADwAAAABAAAAAAAAAAAAAAkKAAAAAQAAABQAAAAUAAAAFAAAAAEAAAAAAAAAZAAAAGQAAAABAAAAZAAAAGQAAAAVAAAAYAAAAAAAAAAAAAAADwAAACADAAAAAAAAAAAAAAEAAACgMgAAVgcAAKr4//8BAAAAf39/AAEAAABkAAAAAAAAABQAAABAHwAAAAAAACYAAAAAAAAAwOD//wAAAAAmAAAAZAAAABYAAABMAAAAAAAAAAAAAAAEAAAAAAAAAAEAAADn5uYKAAAAACgAAAAoAAAAZAAAAGQAAAAAAAAAzMzMAAAAAABQAAAAUAAAAGQAAABkAAAAAAAAABcAAAAUAAAAAAAAAAAAAAD/fwAA/38AAAAAAAAJAAAABAAAAAAAAAAeAAAAaAAAAAAAAAAAAAAAAAAAAAAAAAAAAAAAECcAABAnAAAAAAAAAAAAAAAAAAAAAAAAAAAAAAAAAAAAAAAAAAAAABQAAAAAAAAAwMD/AAAAAABkAAAAMgAAAAAAAABkAAAAAAAAAH9/fwAKAAAAIgAAABgAAAAAAAAAAAAAAAAAAAAAAAAAAAAAAAAAAAAkAAAAJAAAAAAAAAAHAAAAAAAAAAAAAAAAAAAAAAAAAAAAAAAAAAAAf39/ACUAAABYAAAAAAAAAAAAAAAAAAAAAAAAAAAAAAAAAAAAAAAAAAAAAAAAAAAAAAAAAAAAAAA/AAAAAAAAAKCGAQAAAAAAAAAAAAAAAAAMAAAAAQAAAAAAAAAAAAAAAAAAAB8AAABUAAAA////AP///wEAAAAAAAAAAAAAAAAAAAAAAAAAAAAAAAAAAAAAAAAAAAAAAAJ/f38A5+bmA8zMzADAwP8Af39/AAAAAAAAAAAAAAAAAAAAAAAAAAAAIQAAABgAAAAUAAAAzwMAAA0TAABPFQAADRMAAAAAAAAmAAAACAAAAP//////////MAAAABQAAAAAAAAAAAD//wAAAQAAAP//AAABAA=="/>
                 </a:ext>
               </a:extLst>
             </p:cNvCxnSpPr>
@@ -6158,7 +6158,7 @@
             <p:cNvSpPr>
               <a:extLst>
                 <a:ext uri="smNativeData">
-                  <pr:smNativeData xmlns:pr="smNativeData" xmlns="smNativeData" val="SMDATA_16_gfoFYRMAAAAlAAAAZAAAAE0AAAAAkAAAAEgAAACQAAAASAAAAAAAAAAAAAAAAAAAAAEAAABQAAAAAAAAAAAA4D8AAAAAAADgPwAAAAAAAOA/AAAAAAAA4D8AAAAAAADgPwAAAAAAAOA/AAAAAAAA4D8AAAAAAADgPwAAAAAAAOA/AAAAAAAA4D8CAAAAjAAAAAAAAAAAAAAARHLEDP///wgAAAAAAAAAAAAAAAAAAAAAAAAAAAAAAAAAAAAAZAAAAAEAAABAAAAAAAAAAAAAAAAAAAAAAAAAAAAAAAAAAAAAAAAAAAAAAAAAAAAAAAAAAAAAAAAAAAAAAAAAAAAAAAAAAAAAAAAAAAAAAAAAAAAAAAAAAAAAAAAAAAAAFAAAADwAAAAAAAAAAAAAAAAAAAAPAAAAAQAAACMAAAAjAAAAIwAAAB4AAAAAAAAAZAAAAGQAAAAAAAAAZAAAAGQAAAAVAAAAYAAAAAAAAAAAAAAADwAAACADAAAAAAAAAAAAAAEAAACgMgAAVgcAAKr4//8BAAAAf39/AAEAAABkAAAAAAAAABQAAABAHwAAAAAAACYAAAAAAAAAwOD//wAAAAAmAAAAZAAAABYAAABMAAAAAAAAAAAAAAAEAAAAAAAAAAEAAADn5uYKAAAAACgAAAAoAAAAZAAAAGQAAAAAAAAAzMzMAAAAAABQAAAAUAAAAGQAAABkAAAAAAAAABcAAAAUAAAAAAAAAAAAAAD/fwAA/38AAAAAAAAJAAAABAAAAAAAAAAeAAAAaAAAAAAAAAAAAAAAAAAAAAAAAAAAAAAAECcAABAnAAAAAAAAAAAAAAAAAAAAAAAAAAAAAAAAAAAAAAAAAAAAABQAAAAAAAAAwMD/AAAAAABkAAAAMgAAAAAAAABkAAAAAAAAAH9/fwAKAAAAIgAAABgAAAAAAAAAAAAAAAAAAAAAAAAAAAAAAAAAAAAkAAAAJAAAAAAAAAAHAAAAAAAAAAAAAAAAAAAAAAAAAAAAAAAAAAAAf39/ACUAAABYAAAAAAAAAAAAAAAAAAAAAAAAAAAAAAAAAAAAAAAAAAAAAAAAAAAAAAAAAAAAAAA/AAAAAAAAAKCGAQAAAAAAAAAAAAAAAAAMAAAAAQAAAAAAAAAAAAAAAAAAAB8AAABUAAAARHLEBf///wEAAAAAAAAAAAAAAAAAAAAAAAAAAAAAAAAAAAAAAAAAAAAAAAB/f38A5+bmA8zMzADAwP8Af39/AAAAAAAAAAAAAAAAAAAAAAAAAAAAIQAAABgAAAAUAAAADQIAAGcEAAASBAAArQYAAAAgAAAmAAAACAAAAP//////////MAAAABQAAAAAAAAAAAD//wAAAQAAAP//AAABAA=="/>
+                  <pr:smNativeData xmlns:pr="smNativeData" xmlns="smNativeData" val="SMDATA_16_FAWHYRMAAAAlAAAAZAAAAE0AAAAAkAAAAEgAAACQAAAASAAAAAAAAAAAAAAAAAAAAAEAAABQAAAAAAAAAAAA4D8AAAAAAADgPwAAAAAAAOA/AAAAAAAA4D8AAAAAAADgPwAAAAAAAOA/AAAAAAAA4D8AAAAAAADgPwAAAAAAAOA/AAAAAAAA4D8CAAAAjAAAAAAAAAAAAAAARHLEDP///wgAAAAAAAAAAAAAAAAAAAAAAAAAAAAAAAAAAAAAZAAAAAEAAABAAAAAAAAAAAAAAAAAAAAAAAAAAAAAAAAAAAAAAAAAAAAAAAAAAAAAAAAAAAAAAAAAAAAAAAAAAAAAAAAAAAAAAAAAAAAAAAAAAAAAAAAAAAAAAAAAAAAAFAAAADwAAAAAAAAAAAAAAAAAAAAPAAAAAQAAACMAAAAjAAAAIwAAAB4AAAAAAAAAZAAAAGQAAAAAAAAAZAAAAGQAAAAVAAAAYAAAAAAAAAAAAAAADwAAACADAAAAAAAAAAAAAAEAAACgMgAAVgcAAKr4//8BAAAAf39/AAEAAABkAAAAAAAAABQAAABAHwAAAAAAACYAAAAAAAAAwOD//wAAAAAmAAAAZAAAABYAAABMAAAAAAAAAAAAAAAEAAAAAAAAAAEAAADn5uYKAAAAACgAAAAoAAAAZAAAAGQAAAAAAAAAzMzMAAAAAABQAAAAUAAAAGQAAABkAAAAAAAAABcAAAAUAAAAAAAAAAAAAAD/fwAA/38AAAAAAAAJAAAABAAAAAAAAAAeAAAAaAAAAAAAAAAAAAAAAAAAAAAAAAAAAAAAECcAABAnAAAAAAAAAAAAAAAAAAAAAAAAAAAAAAAAAAAAAAAAAAAAABQAAAAAAAAAwMD/AAAAAABkAAAAMgAAAAAAAABkAAAAAAAAAH9/fwAKAAAAIgAAABgAAAAAAAAAAAAAAAAAAAAAAAAAAAAAAAAAAAAkAAAAJAAAAAAAAAAHAAAAAAAAAAAAAAAAAAAAAAAAAAAAAAAAAAAAf39/ACUAAABYAAAAAAAAAAAAAAAAAAAAAAAAAAAAAAAAAAAAAAAAAAAAAAAAAAAAAAAAAAAAAAA/AAAAAAAAAKCGAQAAAAAAAAAAAAAAAAAMAAAAAQAAAAAAAAAAAAAAAAAAAB8AAABUAAAARHLEBf///wEAAAAAAAAAAAAAAAAAAAAAAAAAAAAAAAAAAAAAAAAAAAAAAAB/f38A5+bmA8zMzADAwP8Af39/AAAAAAAAAAAAAAAAAAAAAAAAAAAAIQAAABgAAAAUAAAADQIAAGcEAAASBAAArQYAAAAgAAAmAAAACAAAAP//////////MAAAABQAAAAAAAAAAAD//wAAAQAAAP//AAABAA=="/>
                 </a:ext>
               </a:extLst>
             </p:cNvSpPr>
@@ -6203,7 +6203,7 @@
             <p:cNvSpPr>
               <a:extLst>
                 <a:ext uri="smNativeData">
-                  <pr:smNativeData xmlns:pr="smNativeData" xmlns="smNativeData" val="SMDATA_16_gfoFYRMAAAAlAAAAZAAAAE0AAAAAkAAAAEgAAACQAAAASAAAAAAAAAAAAAAAAAAAAAEAAABQAAAAAAAAAAAA4D8AAAAAAADgPwAAAAAAAOA/AAAAAAAA4D8AAAAAAADgPwAAAAAAAOA/AAAAAAAA4D8AAAAAAADgPwAAAAAAAOA/AAAAAAAA4D8CAAAAjAAAAAAAAAAAAAAARHLEDP///wgAAAAAAAAAAAAAAAAAAAAAAAAAAAAAAAAAAAAAZAAAAAEAAABAAAAAAAAAAAAAAAAAAAAAAAAAAAAAAAAAAAAAAAAAAAAAAAAAAAAAAAAAAAAAAAAAAAAAAAAAAAAAAAAAAAAAAAAAAAAAAAAAAAAAAAAAAAAAAAAAAAAAFAAAADwAAAAAAAAAAAAAAAAAAAAPAAAAAQAAACMAAAAjAAAAIwAAAB4AAAAAAAAAZAAAAGQAAAAAAAAAZAAAAGQAAAAVAAAAYAAAAAAAAAAAAAAADwAAACADAAAAAAAAAAAAAAEAAACgMgAAVgcAAKr4//8BAAAAf39/AAEAAABkAAAAAAAAABQAAABAHwAAAAAAACYAAAAAAAAAwOD//wAAAAAmAAAAZAAAABYAAABMAAAAAAAAAAAAAAAEAAAAAAAAAAEAAADn5uYKAAAAACgAAAAoAAAAZAAAAGQAAAAAAAAAzMzMAAAAAABQAAAAUAAAAGQAAABkAAAAAAAAABcAAAAUAAAAAAAAAAAAAAD/fwAA/38AAAAAAAAJAAAABAAAAAAAAAAeAAAAaAAAAAAAAAAAAAAAAAAAAAAAAAAAAAAAECcAABAnAAAAAAAAAAAAAAAAAAAAAAAAAAAAAAAAAAAAAAAAAAAAABQAAAAAAAAAwMD/AAAAAABkAAAAMgAAAAAAAABkAAAAAAAAAH9/fwAKAAAAIgAAABgAAAAAAAAAAAAAAAAAAAAAAAAAAAAAAAAAAAAkAAAAJAAAAAAAAAAHAAAAAAAAAAAAAAAAAAAAAAAAAAAAAAAAAAAAf39/ACUAAABYAAAAAAAAAAAAAAAAAAAAAAAAAAAAAAAAAAAAAAAAAAAAAAAAAAAAAAAAAAAAAAA/AAAAAAAAAKCGAQAAAAAAAAAAAAAAAAAMAAAAAQAAAAAAAAAAAAAAAAAAAB8AAABUAAAARHLEBf///wEAAAAAAAAAAAAAAAAAAAAAAAAAAAAAAAAAAAAAAAAAAAAAAAB/f38A5+bmA8zMzADAwP8Af39/AAAAAAAAAAAAAAAAAAAAAAAAAAAAIQAAABgAAAAUAAAASRMAAA0TAABhFQAAUxUAAAAgAAAmAAAACAAAAP//////////MAAAABQAAAAAAAAAAAD//wAAAQAAAP//AAABAA=="/>
+                  <pr:smNativeData xmlns:pr="smNativeData" xmlns="smNativeData" val="SMDATA_16_FAWHYRMAAAAlAAAAZAAAAE0AAAAAkAAAAEgAAACQAAAASAAAAAAAAAAAAAAAAAAAAAEAAABQAAAAAAAAAAAA4D8AAAAAAADgPwAAAAAAAOA/AAAAAAAA4D8AAAAAAADgPwAAAAAAAOA/AAAAAAAA4D8AAAAAAADgPwAAAAAAAOA/AAAAAAAA4D8CAAAAjAAAAAAAAAAAAAAARHLEDP///wgAAAAAAAAAAAAAAAAAAAAAAAAAAAAAAAAAAAAAZAAAAAEAAABAAAAAAAAAAAAAAAAAAAAAAAAAAAAAAAAAAAAAAAAAAAAAAAAAAAAAAAAAAAAAAAAAAAAAAAAAAAAAAAAAAAAAAAAAAAAAAAAAAAAAAAAAAAAAAAAAAAAAFAAAADwAAAAAAAAAAAAAAAAAAAAPAAAAAQAAACMAAAAjAAAAIwAAAB4AAAAAAAAAZAAAAGQAAAAAAAAAZAAAAGQAAAAVAAAAYAAAAAAAAAAAAAAADwAAACADAAAAAAAAAAAAAAEAAACgMgAAVgcAAKr4//8BAAAAf39/AAEAAABkAAAAAAAAABQAAABAHwAAAAAAACYAAAAAAAAAwOD//wAAAAAmAAAAZAAAABYAAABMAAAAAAAAAAAAAAAEAAAAAAAAAAEAAADn5uYKAAAAACgAAAAoAAAAZAAAAGQAAAAAAAAAzMzMAAAAAABQAAAAUAAAAGQAAABkAAAAAAAAABcAAAAUAAAAAAAAAAAAAAD/fwAA/38AAAAAAAAJAAAABAAAAAAAAAAeAAAAaAAAAAAAAAAAAAAAAAAAAAAAAAAAAAAAECcAABAnAAAAAAAAAAAAAAAAAAAAAAAAAAAAAAAAAAAAAAAAAAAAABQAAAAAAAAAwMD/AAAAAABkAAAAMgAAAAAAAABkAAAAAAAAAH9/fwAKAAAAIgAAABgAAAAAAAAAAAAAAAAAAAAAAAAAAAAAAAAAAAAkAAAAJAAAAAAAAAAHAAAAAAAAAAAAAAAAAAAAAAAAAAAAAAAAAAAAf39/ACUAAABYAAAAAAAAAAAAAAAAAAAAAAAAAAAAAAAAAAAAAAAAAAAAAAAAAAAAAAAAAAAAAAA/AAAAAAAAAKCGAQAAAAAAAAAAAAAAAAAMAAAAAQAAAAAAAAAAAAAAAAAAAB8AAABUAAAARHLEBf///wEAAAAAAAAAAAAAAAAAAAAAAAAAAAAAAAAAAAAAAAAAAAAAAAB/f38A5+bmA8zMzADAwP8Af39/AAAAAAAAAAAAAAAAAAAAAAAAAAAAIQAAABgAAAAUAAAASRMAAA0TAABhFQAAUxUAAAAgAAAmAAAACAAAAP//////////MAAAABQAAAAAAAAAAAD//wAAAQAAAP//AAABAA=="/>
                 </a:ext>
               </a:extLst>
             </p:cNvSpPr>
@@ -6248,7 +6248,7 @@
             <p:cNvSpPr>
               <a:extLst>
                 <a:ext uri="smNativeData">
-                  <pr:smNativeData xmlns:pr="smNativeData" xmlns="smNativeData" val="SMDATA_16_gfoFYRMAAAAlAAAACgAAAA0AAAAAkAAAAEgAAACQAAAASAAAAAAAAAAAAAAAAgAAAAEAAABQAAAAAAAAAAAA4D8AAAAAAADgPwAAAAAAAOA/AAAAAAAA4D8AAAAAAADgPwAAAAAAAOA/AAAAAAAA4D8AAAAAAADgPwAAAAAAAOA/AAAAAAAA4D8CAAAAjAAAAAAAAAAAAAAA////AP///wgAAAAAAAAAAAAAAAAAAAAAAAAAAAAAAAAAAAAAeAAAAAEAAABAAAAAAAAAAAAAAABaAAAAAAAAAAAAAAAAAAAAAAAAAAAAAAAAAAAAAAAAAAAAAAAAAAAAAAAAAAAAAAAAAAAAAAAAAAAAAAAAAAAAAAAAAAAAAAAAAAAAFAAAADwAAAABAAAAAgAAAO19MQ0KAAAAAQAAABQAAAAUAAAAFAAAAAEAAAAAAAAAZAAAAGQAAAAAAAAAZAAAAGQAAAAVAAAAYAAAAAAAAAAAAAAADwAAACADAAAAAAAAAAAAAAEAAACgMgAAVgcAAKr4//8BAAAAf39/AAEAAABkAAAAAAAAABQAAABAHwAAAAAAACYAAAAAAAAAwOD//wAAAAAmAAAAZAAAABYAAABMAAAAAAAAAAAAAAAEAAAAAAAAAAEAAADn5uYKAAAAACgAAAAoAAAAZAAAAGQAAAAAAAAAzMzMAAAAAABQAAAAUAAAAGQAAABkAAAAAAAAABcAAAAUAAAAAAAAAAAAAAD/fwAA/38AAAAAAAAJAAAABAAAAAAAAAAeAAAAaAAAAAAAAAAAAAAAAAAAAAAAAAAAAAAAECcAABAnAAAAAAAAAAAAAAAAAAAAAAAAAAAAAAAAAAAAAAAAAAAAABQAAAAAAAAAwMD/AAAAAABkAAAAMgAAAAAAAABkAAAAAAAAAH9/fwAKAAAAIgAAABgAAAAAAAAAAAAAAAAAAAAAAAAAAAAAAAAAAAAkAAAAJAAAAAAAAAAHAAAAAAAAAAAAAAAAAAAAAAAAAAAAAAAAAAAAf39/ACUAAABYAAAAAAAAAAAAAAAAAAAAAAAAAAAAAAAAAAAAAAAAAAAAAAAAAAAAAAAAAAAAAAA/AAAAAAAAAKCGAQAAAAAAAAAAAAAAAAAMAAAAAQAAAAAAAAAAAAAAAAAAAB8AAABUAAAA////AP///wEAAAAAAAAAAAAAAAAAAAAAAAAAAAAAAAAAAAAAAAAAAO19MQZ/f38A5+bmA8zMzADAwP8Af39/AAAAAAAAAAAAAAAAAAAAAAAAAAAAIQAAABgAAAAUAAAAmgoAADsMAACaCgAADRMAAAAAAAAmAAAACAAAAP//////////MAAAABQAAAAAAAAAAAD//wAAAQAAAP//AAABAA=="/>
+                  <pr:smNativeData xmlns:pr="smNativeData" xmlns="smNativeData" val="SMDATA_16_FAWHYRMAAAAlAAAACgAAAA0AAAAAkAAAAEgAAACQAAAASAAAAAAAAAAAAAAAAgAAAAEAAABQAAAAAAAAAAAA4D8AAAAAAADgPwAAAAAAAOA/AAAAAAAA4D8AAAAAAADgPwAAAAAAAOA/AAAAAAAA4D8AAAAAAADgPwAAAAAAAOA/AAAAAAAA4D8CAAAAjAAAAAAAAAAAAAAA////AP///wgAAAAAAAAAAAAAAAAAAAAAAAAAAAAAAAAAAAAAeAAAAAEAAABAAAAAAAAAAAAAAABaAAAAAAAAAAAAAAAAAAAAAAAAAAAAAAAAAAAAAAAAAAAAAAAAAAAAAAAAAAAAAAAAAAAAAAAAAAAAAAAAAAAAAAAAAAAAAAAAAAAAFAAAADwAAAABAAAAAgAAAO19MQ0KAAAAAQAAABQAAAAUAAAAFAAAAAEAAAAAAAAAZAAAAGQAAAAAAAAAZAAAAGQAAAAVAAAAYAAAAAAAAAAAAAAADwAAACADAAAAAAAAAAAAAAEAAACgMgAAVgcAAKr4//8BAAAAf39/AAEAAABkAAAAAAAAABQAAABAHwAAAAAAACYAAAAAAAAAwOD//wAAAAAmAAAAZAAAABYAAABMAAAAAAAAAAAAAAAEAAAAAAAAAAEAAADn5uYKAAAAACgAAAAoAAAAZAAAAGQAAAAAAAAAzMzMAAAAAABQAAAAUAAAAGQAAABkAAAAAAAAABcAAAAUAAAAAAAAAAAAAAD/fwAA/38AAAAAAAAJAAAABAAAAAAAAAAeAAAAaAAAAAAAAAAAAAAAAAAAAAAAAAAAAAAAECcAABAnAAAAAAAAAAAAAAAAAAAAAAAAAAAAAAAAAAAAAAAAAAAAABQAAAAAAAAAwMD/AAAAAABkAAAAMgAAAAAAAABkAAAAAAAAAH9/fwAKAAAAIgAAABgAAAAAAAAAAAAAAAAAAAAAAAAAAAAAAAAAAAAkAAAAJAAAAAAAAAAHAAAAAAAAAAAAAAAAAAAAAAAAAAAAAAAAAAAAf39/ACUAAABYAAAAAAAAAAAAAAAAAAAAAAAAAAAAAAAAAAAAAAAAAAAAAAAAAAAAAAAAAAAAAAA/AAAAAAAAAKCGAQAAAAAAAAAAAAAAAAAMAAAAAQAAAAAAAAAAAAAAAAAAAB8AAABUAAAA////AP///wEAAAAAAAAAAAAAAAAAAAAAAAAAAAAAAAAAAAAAAAAAAO19MQZ/f38A5+bmA8zMzADAwP8Af39/AAAAAAAAAAAAAAAAAAAAAAAAAAAAIQAAABgAAAAUAAAAmgoAADsMAACaCgAADRMAAAAAAAAmAAAACAAAAP//////////MAAAABQAAAAAAAAAAAD//wAAAQAAAP//AAABAA=="/>
                 </a:ext>
               </a:extLst>
             </p:cNvSpPr>
@@ -6280,7 +6280,7 @@
             <p:cNvSpPr>
               <a:extLst>
                 <a:ext uri="smNativeData">
-                  <pr:smNativeData xmlns:pr="smNativeData" xmlns="smNativeData" val="SMDATA_16_gfoFYRMAAAAlAAAACgAAAA0AAAAAkAAAAEgAAACQAAAASAAAAAAAAAAAAAAAAgAAAAEAAABQAAAAAAAAAAAA4D8AAAAAAADgPwAAAAAAAOA/AAAAAAAA4D8AAAAAAADgPwAAAAAAAOA/AAAAAAAA4D8AAAAAAADgPwAAAAAAAOA/AAAAAAAA4D8CAAAAjAAAAAAAAAAAAAAA////AP///wgAAAAAAAAAAAAAAAAAAAAAAAAAAAAAAAAAAAAAeAAAAAEAAABAAAAAAAAAAAAAAABaAAAAAAAAAAAAAAAAAAAAAAAAAAAAAAAAAAAAAAAAAAAAAAAAAAAAAAAAAAAAAAAAAAAAAAAAAAAAAAAAAAAAAAAAAAAAAAAAAAAAFAAAADwAAAABAAAAAgAAAO19MQ0KAAAAAQAAABQAAAAUAAAAFAAAAAEAAAAAAAAAZAAAAGQAAAAAAAAAZAAAAGQAAAAVAAAAYAAAAAAAAAAAAAAADwAAACADAAAAAAAAAAAAAAEAAACgMgAAVgcAAKr4//8BAAAAf39/AAEAAABkAAAAAAAAABQAAABAHwAAAAAAACYAAAAAAAAAwOD//wAAAAAmAAAAZAAAABYAAABMAAAAAAAAAAAAAAAEAAAAAAAAAAEAAADn5uYKAAAAACgAAAAoAAAAZAAAAGQAAAAAAAAAzMzMAAAAAABQAAAAUAAAAGQAAABkAAAAAAAAABcAAAAUAAAAAAAAAAAAAAD/fwAA/38AAAAAAAAJAAAABAAAAAAAAAAeAAAAaAAAAAAAAAAAAAAAAAAAAAAAAAAAAAAAECcAABAnAAAAAAAAAAAAAAAAAAAAAAAAAAAAAAAAAAAAAAAAAAAAABQAAAAAAAAAwMD/AAAAAABkAAAAMgAAAAAAAABkAAAAAAAAAH9/fwAKAAAAIgAAABgAAAAAAAAAAAAAAAAAAAAAAAAAAAAAAAAAAAAkAAAAJAAAAAAAAAAHAAAAAAAAAAAAAAAAAAAAAAAAAAAAAAAAAAAAf39/ACUAAABYAAAAAAAAAAAAAAAAAAAAAAAAAAAAAAAAAAAAAAAAAAAAAAAAAAAAAAAAAAAAAAA/AAAAAAAAAKCGAQAAAAAAAAAAAAAAAAAMAAAAAQAAAAAAAAAAAAAAAAAAAB8AAABUAAAA////AP///wEAAAAAAAAAAAAAAAAAAAAAAAAAAAAAAAAAAAAAAAAAAO19MQZ/f38A5+bmA8zMzADAwP8Af39/AAAAAAAAAAAAAAAAAAAAAAAAAAAAIQAAABgAAAAUAAAA3wMAADkMAADPDAAAOwwAAAAAAAAmAAAACAAAAP//////////MAAAABQAAAAAAAAAAAD//wAAAQAAAP//AAABAA=="/>
+                  <pr:smNativeData xmlns:pr="smNativeData" xmlns="smNativeData" val="SMDATA_16_FAWHYRMAAAAlAAAACgAAAA0AAAAAkAAAAEgAAACQAAAASAAAAAAAAAAAAAAAAgAAAAEAAABQAAAAAAAAAAAA4D8AAAAAAADgPwAAAAAAAOA/AAAAAAAA4D8AAAAAAADgPwAAAAAAAOA/AAAAAAAA4D8AAAAAAADgPwAAAAAAAOA/AAAAAAAA4D8CAAAAjAAAAAAAAAAAAAAA////AP///wgAAAAAAAAAAAAAAAAAAAAAAAAAAAAAAAAAAAAAeAAAAAEAAABAAAAAAAAAAAAAAABaAAAAAAAAAAAAAAAAAAAAAAAAAAAAAAAAAAAAAAAAAAAAAAAAAAAAAAAAAAAAAAAAAAAAAAAAAAAAAAAAAAAAAAAAAAAAAAAAAAAAFAAAADwAAAABAAAAAgAAAO19MQ0KAAAAAQAAABQAAAAUAAAAFAAAAAEAAAAAAAAAZAAAAGQAAAAAAAAAZAAAAGQAAAAVAAAAYAAAAAAAAAAAAAAADwAAACADAAAAAAAAAAAAAAEAAACgMgAAVgcAAKr4//8BAAAAf39/AAEAAABkAAAAAAAAABQAAABAHwAAAAAAACYAAAAAAAAAwOD//wAAAAAmAAAAZAAAABYAAABMAAAAAAAAAAAAAAAEAAAAAAAAAAEAAADn5uYKAAAAACgAAAAoAAAAZAAAAGQAAAAAAAAAzMzMAAAAAABQAAAAUAAAAGQAAABkAAAAAAAAABcAAAAUAAAAAAAAAAAAAAD/fwAA/38AAAAAAAAJAAAABAAAAAAAAAAeAAAAaAAAAAAAAAAAAAAAAAAAAAAAAAAAAAAAECcAABAnAAAAAAAAAAAAAAAAAAAAAAAAAAAAAAAAAAAAAAAAAAAAABQAAAAAAAAAwMD/AAAAAABkAAAAMgAAAAAAAABkAAAAAAAAAH9/fwAKAAAAIgAAABgAAAAAAAAAAAAAAAAAAAAAAAAAAAAAAAAAAAAkAAAAJAAAAAAAAAAHAAAAAAAAAAAAAAAAAAAAAAAAAAAAAAAAAAAAf39/ACUAAABYAAAAAAAAAAAAAAAAAAAAAAAAAAAAAAAAAAAAAAAAAAAAAAAAAAAAAAAAAAAAAAA/AAAAAAAAAKCGAQAAAAAAAAAAAAAAAAAMAAAAAQAAAAAAAAAAAAAAAAAAAB8AAABUAAAA////AP///wEAAAAAAAAAAAAAAAAAAAAAAAAAAAAAAAAAAAAAAAAAAO19MQZ/f38A5+bmA8zMzADAwP8Af39/AAAAAAAAAAAAAAAAAAAAAAAAAAAAIQAAABgAAAAUAAAA3wMAADkMAADPDAAAOwwAAAAAAAAmAAAACAAAAP//////////MAAAABQAAAAAAAAAAAD//wAAAQAAAP//AAABAA=="/>
                 </a:ext>
               </a:extLst>
             </p:cNvSpPr>
@@ -6312,7 +6312,7 @@
             <p:cNvSpPr>
               <a:extLst>
                 <a:ext uri="smNativeData">
-                  <pr:smNativeData xmlns:pr="smNativeData" xmlns="smNativeData" val="SMDATA_16_gfoFYRMAAAAlAAAAZAAAAE0AAAAAkAAAAEgAAACQAAAASAAAAAAAAAAAAAAAAAAAAAEAAABQAAAAAAAAAAAA4D8AAAAAAADgPwAAAAAAAOA/AAAAAAAA4D8AAAAAAADgPwAAAAAAAOA/AAAAAAAA4D8AAAAAAADgPwAAAAAAAOA/AAAAAAAA4D8CAAAAjAAAAAAAAAAAAAAARHLEDP///wgAAAAAAAAAAAAAAAAAAAAAAAAAAAAAAAAAAAAAZAAAAAEAAABAAAAAAAAAAAAAAAAAAAAAAAAAAAAAAAAAAAAAAAAAAAAAAAAAAAAAAAAAAAAAAAAAAAAAAAAAAAAAAAAAAAAAAAAAAAAAAAAAAAAAAAAAAAAAAAAAAAAAFAAAADwAAAAAAAAAAAAAAAAAAAAPAAAAAQAAACMAAAAjAAAAIwAAAB4AAAAAAAAAZAAAAGQAAAAAAAAAZAAAAGQAAAAVAAAAYAAAAAAAAAAAAAAADwAAACADAAAAAAAAAAAAAAEAAACgMgAAVgcAAKr4//8BAAAAf39/AAEAAABkAAAAAAAAABQAAABAHwAAAAAAACYAAAAAAAAAwOD//wAAAAAmAAAAZAAAABYAAABMAAAAAAAAAAAAAAAEAAAAAAAAAAEAAADn5uYKAAAAACgAAAAoAAAAZAAAAGQAAAAAAAAAzMzMAAAAAABQAAAAUAAAAGQAAABkAAAAAAAAABcAAAAUAAAAAAAAAAAAAAD/fwAA/38AAAAAAAAJAAAABAAAAAAAAAAeAAAAaAAAAAAAAAAAAAAAAAAAAAAAAAAAAAAAECcAABAnAAAAAAAAAAAAAAAAAAAAAAAAAAAAAAAAAAAAAAAAAAAAABQAAAAAAAAAwMD/AAAAAABkAAAAMgAAAAAAAABkAAAAAAAAAH9/fwAKAAAAIgAAABgAAAAAAAAAAAAAAAAAAAAAAAAAAAAAAAAAAAAkAAAAJAAAAAAAAAAHAAAAAAAAAAAAAAAAAAAAAAAAAAAAAAAAAAAAf39/ACUAAABYAAAAAAAAAAAAAAAAAAAAAAAAAAAAAAAAAAAAAAAAAAAAAAAAAAAAAAAAAAAAAAA/AAAAAAAAAKCGAQAAAAAAAAAAAAAAAAAMAAAAAQAAAAAAAAAAAAAAAAAAAB8AAABUAAAARHLEBf///wEAAAAAAAAAAAAAAAAAAAAAAAAAAAAAAAAAAAAAAAAAAAAAAAB/f38A5+bmA8zMzADAwP8Af39/AAAAAAAAAAAAAAAAAAAAAAAAAAAAIQAAABgAAAAUAAAACwkAAOYLAADpCgAALA4AAAAgAAAmAAAACAAAAP//////////MAAAABQAAAAAAAAAAAD//wAAAQAAAP//AAABAA=="/>
+                  <pr:smNativeData xmlns:pr="smNativeData" xmlns="smNativeData" val="SMDATA_16_FAWHYRMAAAAlAAAAZAAAAE0AAAAAkAAAAEgAAACQAAAASAAAAAAAAAAAAAAAAAAAAAEAAABQAAAAAAAAAAAA4D8AAAAAAADgPwAAAAAAAOA/AAAAAAAA4D8AAAAAAADgPwAAAAAAAOA/AAAAAAAA4D8AAAAAAADgPwAAAAAAAOA/AAAAAAAA4D8CAAAAjAAAAAAAAAAAAAAARHLEDP///wgAAAAAAAAAAAAAAAAAAAAAAAAAAAAAAAAAAAAAZAAAAAEAAABAAAAAAAAAAAAAAAAAAAAAAAAAAAAAAAAAAAAAAAAAAAAAAAAAAAAAAAAAAAAAAAAAAAAAAAAAAAAAAAAAAAAAAAAAAAAAAAAAAAAAAAAAAAAAAAAAAAAAFAAAADwAAAAAAAAAAAAAAAAAAAAPAAAAAQAAACMAAAAjAAAAIwAAAB4AAAAAAAAAZAAAAGQAAAAAAAAAZAAAAGQAAAAVAAAAYAAAAAAAAAAAAAAADwAAACADAAAAAAAAAAAAAAEAAACgMgAAVgcAAKr4//8BAAAAf39/AAEAAABkAAAAAAAAABQAAABAHwAAAAAAACYAAAAAAAAAwOD//wAAAAAmAAAAZAAAABYAAABMAAAAAAAAAAAAAAAEAAAAAAAAAAEAAADn5uYKAAAAACgAAAAoAAAAZAAAAGQAAAAAAAAAzMzMAAAAAABQAAAAUAAAAGQAAABkAAAAAAAAABcAAAAUAAAAAAAAAAAAAAD/fwAA/38AAAAAAAAJAAAABAAAAAAAAAAeAAAAaAAAAAAAAAAAAAAAAAAAAAAAAAAAAAAAECcAABAnAAAAAAAAAAAAAAAAAAAAAAAAAAAAAAAAAAAAAAAAAAAAABQAAAAAAAAAwMD/AAAAAABkAAAAMgAAAAAAAABkAAAAAAAAAH9/fwAKAAAAIgAAABgAAAAAAAAAAAAAAAAAAAAAAAAAAAAAAAAAAAAkAAAAJAAAAAAAAAAHAAAAAAAAAAAAAAAAAAAAAAAAAAAAAAAAAAAAf39/ACUAAABYAAAAAAAAAAAAAAAAAAAAAAAAAAAAAAAAAAAAAAAAAAAAAAAAAAAAAAAAAAAAAAA/AAAAAAAAAKCGAQAAAAAAAAAAAAAAAAAMAAAAAQAAAAAAAAAAAAAAAAAAAB8AAABUAAAARHLEBf///wEAAAAAAAAAAAAAAAAAAAAAAAAAAAAAAAAAAAAAAAAAAAAAAAB/f38A5+bmA8zMzADAwP8Af39/AAAAAAAAAAAAAAAAAAAAAAAAAAAAIQAAABgAAAAUAAAACwkAAOYLAADpCgAALA4AAAAgAAAmAAAACAAAAP//////////MAAAABQAAAAAAAAAAAD//wAAAQAAAP//AAABAA=="/>
                 </a:ext>
               </a:extLst>
             </p:cNvSpPr>
@@ -6361,7 +6361,7 @@
             <p:cNvCxnSpPr>
               <a:extLst>
                 <a:ext uri="smNativeData">
-                  <pr:smNativeData xmlns:pr="smNativeData" xmlns="smNativeData" val="SMDATA_16_gfoFYRMAAAAlAAAADQAAAA0AAAAAkAAAAEgAAACQAAAASAAAAAAAAAAAAAAAAgAAAAEAAABQAAAAAAAAAAAA8L8AAAAAAAAAAAAAAAAAAPA/AAAAAAAA4D8AAAAAAADgPwAAAAAAAOA/AAAAAAAA4D8AAAAAAADgPwAAAAAAAOA/AAAAAAAA4D8CAAAAjAAAAAAAAAAAAAAA////AP///wgAAAAAAAAAAAAAAAAAAAAAAAAAAAAAAAAAAAAAeAAAAAEAAABAAAAAAAAAAAAAAABaAAAAAAAAAAAAAAAAAAAAAAAAAAAAAAAAAAAAAAAAAAAAAAAAAAAAAAAAAAAAAAAAAAAAAAAAAAAAAAAAAAAAAAAAAAAAAAAAAAAAFAAAADwAAAABAAAAAAAAAERyxAwKAAAAAQAAABQAAAAUAAAAFAAAAAEAAAAAAAAAZAAAAGQAAAABAAAAZAAAAGQAAAAVAAAAYAAAAAAAAAAAAAAADwAAACADAAAAAAAAAAAAAAEAAACgMgAAVgcAAKr4//8BAAAAf39/AAEAAABkAAAAAAAAABQAAABAHwAAAAAAACYAAAAAAAAAwOD//wAAAAAmAAAAZAAAABYAAABMAAAAAAAAAAAAAAAEAAAAAAAAAAEAAADn5uYKAAAAACgAAAAoAAAAZAAAAGQAAAAAAAAAzMzMAAAAAABQAAAAUAAAAGQAAABkAAAAAAAAABcAAAAUAAAAAAAAAAAAAAD/fwAA/38AAAAAAAAJAAAABAAAAAAAAAAeAAAAaAAAAAAAAAAAAAAAAAAAAAAAAAAAAAAAECcAABAnAAAAAAAAAAAAAAAAAAAAAAAAAAAAAAAAAAAAAAAAAAAAABQAAAAAAAAAwMD/AAAAAABkAAAAMgAAAAAAAABkAAAAAAAAAH9/fwAKAAAAIgAAABgAAAAAAAAAAAAAAAAAAAAAAAAAAAAAAAAAAAAkAAAAJAAAAAAAAAAHAAAAAAAAAAAAAAAAAAAAAAAAAAAAAAAAAAAAf39/ACUAAABYAAAAAAAAAAAAAAAAAAAAAAAAAAAAAAAAAAAAAAAAAAAAAAAAAAAAAAAAAAAAAAA/AAAAAAAAAKCGAQAAAAAAAAAAAAAAAAAMAAAAAQAAAAAAAAAAAAAAAAAAAB8AAABUAAAA////AP///wEAAAAAAAAAAAAAAAAAAAAAAAAAAAAAAAAAAAAAAAAAAERyxAV/f38A5+bmA8zMzADAwP8Af39/AAAAAAAAAAAAAAAAAAAAAAAAAAAAIQAAABgAAAAUAAAAMgYAAAgJAACaCgAAOwwAAAAAAAAmAAAACAAAAP//////////MAAAABQAAAAAAAAAAAD//wAAAQAAAP//AAABAA=="/>
+                  <pr:smNativeData xmlns:pr="smNativeData" xmlns="smNativeData" val="SMDATA_16_FAWHYRMAAAAlAAAADQAAAA0AAAAAkAAAAEgAAACQAAAASAAAAAAAAAAAAAAAAgAAAAEAAABQAAAAAAAAAAAA8L8AAAAAAAAAAAAAAAAAAPA/AAAAAAAA4D8AAAAAAADgPwAAAAAAAOA/AAAAAAAA4D8AAAAAAADgPwAAAAAAAOA/AAAAAAAA4D8CAAAAjAAAAAAAAAAAAAAA////AP///wgAAAAAAAAAAAAAAAAAAAAAAAAAAAAAAAAAAAAAeAAAAAEAAABAAAAAAAAAAAAAAABaAAAAAAAAAAAAAAAAAAAAAAAAAAAAAAAAAAAAAAAAAAAAAAAAAAAAAAAAAAAAAAAAAAAAAAAAAAAAAAAAAAAAAAAAAAAAAAAAAAAAFAAAADwAAAABAAAAAAAAAERyxAwKAAAAAQAAABQAAAAUAAAAFAAAAAEAAAAAAAAAZAAAAGQAAAABAAAAZAAAAGQAAAAVAAAAYAAAAAAAAAAAAAAADwAAACADAAAAAAAAAAAAAAEAAACgMgAAVgcAAKr4//8BAAAAf39/AAEAAABkAAAAAAAAABQAAABAHwAAAAAAACYAAAAAAAAAwOD//wAAAAAmAAAAZAAAABYAAABMAAAAAAAAAAAAAAAEAAAAAAAAAAEAAADn5uYKAAAAACgAAAAoAAAAZAAAAGQAAAAAAAAAzMzMAAAAAABQAAAAUAAAAGQAAABkAAAAAAAAABcAAAAUAAAAAAAAAAAAAAD/fwAA/38AAAAAAAAJAAAABAAAAAAAAAAeAAAAaAAAAAAAAAAAAAAAAAAAAAAAAAAAAAAAECcAABAnAAAAAAAAAAAAAAAAAAAAAAAAAAAAAAAAAAAAAAAAAAAAABQAAAAAAAAAwMD/AAAAAABkAAAAMgAAAAAAAABkAAAAAAAAAH9/fwAKAAAAIgAAABgAAAAAAAAAAAAAAAAAAAAAAAAAAAAAAAAAAAAkAAAAJAAAAAAAAAAHAAAAAAAAAAAAAAAAAAAAAAAAAAAAAAAAAAAAf39/ACUAAABYAAAAAAAAAAAAAAAAAAAAAAAAAAAAAAAAAAAAAAAAAAAAAAAAAAAAAAAAAAAAAAA/AAAAAAAAAKCGAQAAAAAAAAAAAAAAAAAMAAAAAQAAAAAAAAAAAAAAAAAAAB8AAABUAAAA////AP///wEAAAAAAAAAAAAAAAAAAAAAAAAAAAAAAAAAAAAAAAAAAERyxAV/f38A5+bmA8zMzADAwP8Af39/AAAAAAAAAAAAAAAAAAAAAAAAAAAAIQAAABgAAAAUAAAAMgYAAAgJAACaCgAAOwwAAAAAAAAmAAAACAAAAP//////////MAAAABQAAAAAAAAAAAD//wAAAQAAAP//AAABAA=="/>
                 </a:ext>
               </a:extLst>
             </p:cNvCxnSpPr>
@@ -6393,7 +6393,7 @@
             <p:cNvCxnSpPr>
               <a:extLst>
                 <a:ext uri="smNativeData">
-                  <pr:smNativeData xmlns:pr="smNativeData" xmlns="smNativeData" val="SMDATA_16_gfoFYRMAAAAlAAAADQAAAA0AAAAAkAAAAEgAAACQAAAASAAAAAAAAAAAAAAAAgAAAAEAAABQAAAAAAAAAAAA8L8AAAAAAAAAAAAAAAAAAPA/AAAAAAAA4D8AAAAAAADgPwAAAAAAAOA/AAAAAAAA4D8AAAAAAADgPwAAAAAAAOA/AAAAAAAA4D8CAAAAjAAAAAAAAAAAAAAA////AP///wgAAAAAAAAAAAAAAAAAAAAAAAAAAAAAAAAAAAAAeAAAAAEAAABAAAAAAAAAAAAAAABaAAAAAAAAAAAAAAAAAAAAAAAAAAAAAAAAAAAAAAAAAAAAAAAAAAAAAAAAAAAAAAAAAAAAAAAAAAAAAAAAAAAAAAAAAAAAAAAAAAAAFAAAADwAAAABAAAAAAAAAERyxAwKAAAAAQAAABQAAAAUAAAAFAAAAAEAAAAAAAAAZAAAAGQAAAABAAAAZAAAAGQAAAAVAAAAYAAAAAAAAAAAAAAADwAAACADAAAAAAAAAAAAAAEAAACgMgAAVgcAAKr4//8BAAAAf39/AAEAAABkAAAAAAAAABQAAABAHwAAAAAAACYAAAAAAAAAwOD//wAAAAAmAAAAZAAAABYAAABMAAAAAAAAAAAAAAAEAAAAAAAAAAEAAADn5uYKAAAAACgAAAAoAAAAZAAAAGQAAAAAAAAAzMzMAAAAAABQAAAAUAAAAGQAAABkAAAAAAAAABcAAAAUAAAAAAAAAAAAAAD/fwAA/38AAAAAAAAJAAAABAAAAAAAAAAeAAAAaAAAAAAAAAAAAAAAAAAAAAAAAAAAAAAAECcAABAnAAAAAAAAAAAAAAAAAAAAAAAAAAAAAAAAAAAAAAAAAAAAABQAAAAAAAAAwMD/AAAAAABkAAAAMgAAAAAAAABkAAAAAAAAAH9/fwAKAAAAIgAAABgAAAAAAAAAAAAAAAAAAAAAAAAAAAAAAAAAAAAkAAAAJAAAAAAAAAAHAAAAAAAAAAAAAAAAAAAAAAAAAAAAAAAAAAAAf39/ACUAAABYAAAAAAAAAAAAAAAAAAAAAAAAAAAAAAAAAAAAAAAAAAAAAAAAAAAAAAAAAAAAAAA/AAAAAAAAAKCGAQAAAAAAAAAAAAAAAAAMAAAAAQAAAAAAAAAAAAAAAAAAAB8AAABUAAAA////AP///wEAAAAAAAAAAAAAAAAAAAAAAAAAAAAAAAAAAAAAAAAAAERyxAV/f38A5+bmA8zMzADAwP8Af39/AAAAAAAAAAAAAAAAAAAAAAAAAAAAIQAAABgAAAAUAAAAmgoAAN0HAADqDQAAOwwAAAAAAAAmAAAACAAAAP//////////MAAAABQAAAAAAAAAAAD//wAAAQAAAP//AAABAA=="/>
+                  <pr:smNativeData xmlns:pr="smNativeData" xmlns="smNativeData" val="SMDATA_16_FAWHYRMAAAAlAAAADQAAAA0AAAAAkAAAAEgAAACQAAAASAAAAAAAAAAAAAAAAgAAAAEAAABQAAAAAAAAAAAA8L8AAAAAAAAAAAAAAAAAAPA/AAAAAAAA4D8AAAAAAADgPwAAAAAAAOA/AAAAAAAA4D8AAAAAAADgPwAAAAAAAOA/AAAAAAAA4D8CAAAAjAAAAAAAAAAAAAAA////AP///wgAAAAAAAAAAAAAAAAAAAAAAAAAAAAAAAAAAAAAeAAAAAEAAABAAAAAAAAAAAAAAABaAAAAAAAAAAAAAAAAAAAAAAAAAAAAAAAAAAAAAAAAAAAAAAAAAAAAAAAAAAAAAAAAAAAAAAAAAAAAAAAAAAAAAAAAAAAAAAAAAAAAFAAAADwAAAABAAAAAAAAAERyxAwKAAAAAQAAABQAAAAUAAAAFAAAAAEAAAAAAAAAZAAAAGQAAAABAAAAZAAAAGQAAAAVAAAAYAAAAAAAAAAAAAAADwAAACADAAAAAAAAAAAAAAEAAACgMgAAVgcAAKr4//8BAAAAf39/AAEAAABkAAAAAAAAABQAAABAHwAAAAAAACYAAAAAAAAAwOD//wAAAAAmAAAAZAAAABYAAABMAAAAAAAAAAAAAAAEAAAAAAAAAAEAAADn5uYKAAAAACgAAAAoAAAAZAAAAGQAAAAAAAAAzMzMAAAAAABQAAAAUAAAAGQAAABkAAAAAAAAABcAAAAUAAAAAAAAAAAAAAD/fwAA/38AAAAAAAAJAAAABAAAAAAAAAAeAAAAaAAAAAAAAAAAAAAAAAAAAAAAAAAAAAAAECcAABAnAAAAAAAAAAAAAAAAAAAAAAAAAAAAAAAAAAAAAAAAAAAAABQAAAAAAAAAwMD/AAAAAABkAAAAMgAAAAAAAABkAAAAAAAAAH9/fwAKAAAAIgAAABgAAAAAAAAAAAAAAAAAAAAAAAAAAAAAAAAAAAAkAAAAJAAAAAAAAAAHAAAAAAAAAAAAAAAAAAAAAAAAAAAAAAAAAAAAf39/ACUAAABYAAAAAAAAAAAAAAAAAAAAAAAAAAAAAAAAAAAAAAAAAAAAAAAAAAAAAAAAAAAAAAA/AAAAAAAAAKCGAQAAAAAAAAAAAAAAAAAMAAAAAQAAAAAAAAAAAAAAAAAAAB8AAABUAAAA////AP///wEAAAAAAAAAAAAAAAAAAAAAAAAAAAAAAAAAAAAAAAAAAERyxAV/f38A5+bmA8zMzADAwP8Af39/AAAAAAAAAAAAAAAAAAAAAAAAAAAAIQAAABgAAAAUAAAAmgoAAN0HAADqDQAAOwwAAAAAAAAmAAAACAAAAP//////////MAAAABQAAAAAAAAAAAD//wAAAQAAAP//AAABAA=="/>
                 </a:ext>
               </a:extLst>
             </p:cNvCxnSpPr>
@@ -6425,14 +6425,14 @@
             <p:cNvSpPr>
               <a:extLst>
                 <a:ext uri="smNativeData">
-                  <pr:smNativeData xmlns:pr="smNativeData" xmlns="smNativeData" val="SMDATA_16_gfoFYRMAAAAlAAAAjgAAAA0AAAAAkAAAAEgAAACQAAAASAAAAAAAAAABAAAAAAAAAAEAAABQAAAAAAAAAAAAAAAx9OuICPXsPwAAAAAAAOA/AAAAAAAA4D8AAAAAAADgPwAAAAAAAOA/AAAAAAAA4D8AAAAAAADgPwAAAAAAAOA/AAAAAAAA4D8CAAAAjAAAAAAAAAAAAAAARHLEDP///wgAAAAAAAAAAAAAAAAAAAAAAAAAAAAAAAAAAAAAZAAAAAEAAABAAAAAAAAAAAAAAAAAAAAAAAAAAAAAAAAAAAAAAAAAAAAAAAAAAAAAAAAAAAAAAAAAAAAAAAAAAAAAAAAAAAAAAAAAAAAAAAAAAAAAAAAAAAAAAAAAAAAAFAAAADwAAAABAAAAAAAAAERyxAwKAAAAAQAAABQAAAAUAAAAFAAAAAEAAAABAAAAZAAAAGQAAAAAAAAAZAAAAGQAAAAVAAAAYAAAAAAAAAAAAAAADwAAACADAAAAAAAAAAAAAAEAAACgMgAAVgcAAKr4//8BAAAAf39/AAEAAABkAAAAAAAAABQAAABAHwAAAAAAACYAAAAAAAAAwOD//wAAAAAmAAAAZAAAABYAAABMAAAAAAAAAAAAAAAEAAAAAAAAAAEAAADn5uYKAAAAACgAAAAoAAAAZAAAAGQAAAAAAAAAzMzMAAAAAABQAAAAUAAAAGQAAABkAAAAAAAAABcAAAAUAAAAAAAAAAAAAAD/fwAA/38AAAAAAAAJAAAABAAAAAAAAAAeAAAAaAAAAAAAAAAAAAAAAAAAAAAAAAAAAAAAECcAABAnAAAAAAAAAAAAAAAAAAAAAAAAAAAAAAAAAAAAAAAAAAAAABQAAAAAAAAAwMD/AAAAAABkAAAAMgAAAAAAAABkAAAAAAAAAH9/fwAKAAAAIgAAABgAAAAAAAAAAAAAAAAAAAAAAAAAAAAAAAAAAAAkAAAAJAAAAAAAAAAHAAAAAAAAAAAAAAAAAAAAAAAAAAAAAAAAAAAAf39/ACUAAABYAAAAAAAAAAAAAAAAAAAAAAAAAAAAAAAAAAAAAAAAAAAAAAAAAAAAAAAAAAAAAAA/AAAAAAAAAKCGAQAAAAAAAAAAAAAAAAAMAAAAAQAAAAAAAAAAAAAAAAAAAB8AAABUAAAARHLEBf///wEAAAAAAAAAAAAAAAAAAAAAAAAAAAAAAAAAAAAAAAAAAERyxAV/f38A5+bmA8zMzADAwP8Af39/AAAAAAAAAAAAAAAAAAAAAAAAAAAAIQAAABgAAAAUAAAADAcAADkKAACsDAAA2Q8AAAAAAAAmAAAACAAAAP//////////MAAAABQAAAAAAAAA/Er//wS1AAD8Sv//BLUAAA=="/>
+                  <pr:smNativeData xmlns:pr="smNativeData" xmlns="smNativeData" val="SMDATA_16_FAWHYRMAAAAlAAAAjgAAAA0AAAAAkAAAAEgAAACQAAAASAAAAAAAAAABAAAAAAAAAAEAAABQAAAAAAAAAAAAAAAx9OuICPXsPwAAAAAAAOA/AAAAAAAA4D8AAAAAAADgPwAAAAAAAOA/AAAAAAAA4D8AAAAAAADgPwAAAAAAAOA/AAAAAAAA4D8CAAAAjAAAAAAAAAAAAAAARHLEDP///wgAAAAAAAAAAAAAAAAAAAAAAAAAAAAAAAAAAAAAZAAAAAEAAABAAAAAAAAAAAAAAAAAAAAAAAAAAAAAAAAAAAAAAAAAAAAAAAAAAAAAAAAAAAAAAAAAAAAAAAAAAAAAAAAAAAAAAAAAAAAAAAAAAAAAAAAAAAAAAAAAAAAAFAAAADwAAAABAAAAAAAAAERyxAwKAAAAAQAAABQAAAAUAAAAFAAAAAEAAAABAAAAZAAAAGQAAAAAAAAAZAAAAGQAAAAVAAAAYAAAAAAAAAAAAAAADwAAACADAAAAAAAAAAAAAAEAAACgMgAAVgcAAKr4//8BAAAAf39/AAEAAABkAAAAAAAAABQAAABAHwAAAAAAACYAAAAAAAAAwOD//wAAAAAmAAAAZAAAABYAAABMAAAAAAAAAAAAAAAEAAAAAAAAAAEAAADn5uYKAAAAACgAAAAoAAAAZAAAAGQAAAAAAAAAzMzMAAAAAABQAAAAUAAAAGQAAABkAAAAAAAAABcAAAAUAAAAAAAAAAAAAAD/fwAA/38AAAAAAAAJAAAABAAAAAAAAAAeAAAAaAAAAAAAAAAAAAAAAAAAAAAAAAAAAAAAECcAABAnAAAAAAAAAAAAAAAAAAAAAAAAAAAAAAAAAAAAAAAAAAAAABQAAAAAAAAAwMD/AAAAAABkAAAAMgAAAAAAAABkAAAAAAAAAH9/fwAKAAAAIgAAABgAAAAAAAAAAAAAAAAAAAAAAAAAAAAAAAAAAAAkAAAAJAAAAAAAAAAHAAAAAAAAAAAAAAAAAAAAAAAAAAAAAAAAAAAAf39/ACUAAABYAAAAAAAAAAAAAAAAAAAAAAAAAAAAAAAAAAAAAAAAAAAAAAAAAAAAAAAAAAAAAAA/AAAAAAAAAKCGAQAAAAAAAAAAAAAAAAAMAAAAAQAAAAAAAAAAAAAAAAAAAB8AAABUAAAARHLEBf///wEAAAAAAAAAAAAAAAAAAAAAAAAAAAAAAAAAAAAAAAAAAERyxAV/f38A5+bmA8zMzADAwP8Af39/AAAAAAAAAAAAAAAAAAAAAAAAAAAAIQAAABgAAAAUAAAADAcAADkKAACsDAAA2Q8AAAAAAAAmAAAACAAAAP//////////MAAAABQAAAAAAAAA/Er//wS1AAD8Sv//BLUAAA=="/>
                 </a:ext>
               </a:extLst>
             </p:cNvSpPr>
             <p:nvPr/>
           </p:nvSpPr>
           <p:spPr>
-            <a:xfrm rot="2328811">
+            <a:xfrm rot="2328810">
               <a:off x="1145540" y="1661795"/>
               <a:ext cx="914400" cy="914400"/>
             </a:xfrm>
@@ -6470,7 +6470,7 @@
             <p:cNvSpPr>
               <a:extLst>
                 <a:ext uri="smNativeData">
-                  <pr:smNativeData xmlns:pr="smNativeData" xmlns="smNativeData" val="SMDATA_16_gfoFYRMAAAAlAAAAZAAAAE0AAAAAkAAAAEgAAACQAAAASAAAAAAAAAAAAAAAAAAAAAEAAABQAAAAAAAAAAAA4D8AAAAAAADgPwAAAAAAAOA/AAAAAAAA4D8AAAAAAADgPwAAAAAAAOA/AAAAAAAA4D8AAAAAAADgPwAAAAAAAOA/AAAAAAAA4D8CAAAAjAAAAAAAAAAAAAAARHLEDP///wgAAAAAAAAAAAAAAAAAAAAAAAAAAAAAAAAAAAAAZAAAAAEAAABAAAAAAAAAAAAAAAAAAAAAAAAAAAAAAAAAAAAAAAAAAAAAAAAAAAAAAAAAAAAAAAAAAAAAAAAAAAAAAAAAAAAAAAAAAAAAAAAAAAAAAAAAAAAAAAAAAAAAFAAAADwAAAAAAAAAAAAAAAAAAAAPAAAAAQAAACMAAAAjAAAAIwAAAB4AAAAAAAAAZAAAAGQAAAAAAAAAZAAAAGQAAAAVAAAAYAAAAAAAAAAAAAAADwAAACADAAAAAAAAAAAAAAEAAACgMgAAVgcAAKr4//8BAAAAf39/AAEAAABkAAAAAAAAABQAAABAHwAAAAAAACYAAAAAAAAAwOD//wAAAAAmAAAAZAAAABYAAABMAAAAAAAAAAAAAAAEAAAAAAAAAAEAAADn5uYKAAAAACgAAAAoAAAAZAAAAGQAAAAAAAAAzMzMAAAAAABQAAAAUAAAAGQAAABkAAAAAAAAABcAAAAUAAAAAAAAAAAAAAD/fwAA/38AAAAAAAAJAAAABAAAAAAAAAAeAAAAaAAAAAAAAAAAAAAAAAAAAAAAAAAAAAAAECcAABAnAAAAAAAAAAAAAAAAAAAAAAAAAAAAAAAAAAAAAAAAAAAAABQAAAAAAAAAwMD/AAAAAABkAAAAMgAAAAAAAABkAAAAAAAAAH9/fwAKAAAAIgAAABgAAAAAAAAAAAAAAAAAAAAAAAAAAAAAAAAAAAAkAAAAJAAAAAAAAAAHAAAAAAAAAAAAAAAAAAAAAAAAAAAAAAAAAAAAf39/ACUAAABYAAAAAAAAAAAAAAAAAAAAAAAAAAAAAAAAAAAAAAAAAAAAAAAAAAAAAAAAAAAAAAA/AAAAAAAAAKCGAQAAAAAAAAAAAAAAAAAMAAAAAQAAAAAAAAAAAAAAAAAAAB8AAABUAAAARHLEBf///wEAAAAAAAAAAAAAAAAAAAAAAAAAAAAAAAAAAAAAAAAAAAAAAAB/f38A5+bmA8zMzADAwP8Af39/AAAAAAAAAAAAAAAAAAAAAAAAAAAAIQAAABgAAAAUAAAANgUAAM4GAABMBwAAFAkAAAAgAAAmAAAACAAAAP//////////MAAAABQAAAAAAAAAAAD//wAAAQAAAP//AAABAA=="/>
+                  <pr:smNativeData xmlns:pr="smNativeData" xmlns="smNativeData" val="SMDATA_16_FAWHYRMAAAAlAAAAZAAAAE0AAAAAkAAAAEgAAACQAAAASAAAAAAAAAAAAAAAAAAAAAEAAABQAAAAAAAAAAAA4D8AAAAAAADgPwAAAAAAAOA/AAAAAAAA4D8AAAAAAADgPwAAAAAAAOA/AAAAAAAA4D8AAAAAAADgPwAAAAAAAOA/AAAAAAAA4D8CAAAAjAAAAAAAAAAAAAAARHLEDP///wgAAAAAAAAAAAAAAAAAAAAAAAAAAAAAAAAAAAAAZAAAAAEAAABAAAAAAAAAAAAAAAAAAAAAAAAAAAAAAAAAAAAAAAAAAAAAAAAAAAAAAAAAAAAAAAAAAAAAAAAAAAAAAAAAAAAAAAAAAAAAAAAAAAAAAAAAAAAAAAAAAAAAFAAAADwAAAAAAAAAAAAAAAAAAAAPAAAAAQAAACMAAAAjAAAAIwAAAB4AAAAAAAAAZAAAAGQAAAAAAAAAZAAAAGQAAAAVAAAAYAAAAAAAAAAAAAAADwAAACADAAAAAAAAAAAAAAEAAACgMgAAVgcAAKr4//8BAAAAf39/AAEAAABkAAAAAAAAABQAAABAHwAAAAAAACYAAAAAAAAAwOD//wAAAAAmAAAAZAAAABYAAABMAAAAAAAAAAAAAAAEAAAAAAAAAAEAAADn5uYKAAAAACgAAAAoAAAAZAAAAGQAAAAAAAAAzMzMAAAAAABQAAAAUAAAAGQAAABkAAAAAAAAABcAAAAUAAAAAAAAAAAAAAD/fwAA/38AAAAAAAAJAAAABAAAAAAAAAAeAAAAaAAAAAAAAAAAAAAAAAAAAAAAAAAAAAAAECcAABAnAAAAAAAAAAAAAAAAAAAAAAAAAAAAAAAAAAAAAAAAAAAAABQAAAAAAAAAwMD/AAAAAABkAAAAMgAAAAAAAABkAAAAAAAAAH9/fwAKAAAAIgAAABgAAAAAAAAAAAAAAAAAAAAAAAAAAAAAAAAAAAAkAAAAJAAAAAAAAAAHAAAAAAAAAAAAAAAAAAAAAAAAAAAAAAAAAAAAf39/ACUAAABYAAAAAAAAAAAAAAAAAAAAAAAAAAAAAAAAAAAAAAAAAAAAAAAAAAAAAAAAAAAAAAA/AAAAAAAAAKCGAQAAAAAAAAAAAAAAAAAMAAAAAQAAAAAAAAAAAAAAAAAAAB8AAABUAAAARHLEBf///wEAAAAAAAAAAAAAAAAAAAAAAAAAAAAAAAAAAAAAAAAAAAAAAAB/f38A5+bmA8zMzADAwP8Af39/AAAAAAAAAAAAAAAAAAAAAAAAAAAAIQAAABgAAAAUAAAANgUAAM4GAABMBwAAFAkAAAAgAAAmAAAACAAAAP//////////MAAAABQAAAAAAAAAAAD//wAAAQAAAP//AAABAA=="/>
                 </a:ext>
               </a:extLst>
             </p:cNvSpPr>
@@ -6527,7 +6527,7 @@
             <p:cNvSpPr>
               <a:extLst>
                 <a:ext uri="smNativeData">
-                  <pr:smNativeData xmlns:pr="smNativeData" xmlns="smNativeData" val="SMDATA_16_gfoFYRMAAAAlAAAAZAAAAE0AAAAAkAAAAEgAAACQAAAASAAAAAAAAAAAAAAAAAAAAAEAAABQAAAAAAAAAAAA4D8AAAAAAADgPwAAAAAAAOA/AAAAAAAA4D8AAAAAAADgPwAAAAAAAOA/AAAAAAAA4D8AAAAAAADgPwAAAAAAAOA/AAAAAAAA4D8CAAAAjAAAAAAAAAAAAAAARHLEDP///wgAAAAAAAAAAAAAAAAAAAAAAAAAAAAAAAAAAAAAZAAAAAEAAABAAAAAAAAAAAAAAAAAAAAAAAAAAAAAAAAAAAAAAAAAAAAAAAAAAAAAAAAAAAAAAAAAAAAAAAAAAAAAAAAAAAAAAAAAAAAAAAAAAAAAAAAAAAAAAAAAAAAAFAAAADwAAAAAAAAAAAAAAAAAAAAPAAAAAQAAACMAAAAjAAAAIwAAAB4AAAAAAAAAZAAAAGQAAAAAAAAAZAAAAGQAAAAVAAAAYAAAAAAAAAAAAAAADwAAACADAAAAAAAAAAAAAAEAAACgMgAAVgcAAKr4//8BAAAAf39/AAEAAABkAAAAAAAAABQAAABAHwAAAAAAACYAAAAAAAAAwOD//wAAAAAmAAAAZAAAABYAAABMAAAAAAAAAAAAAAAEAAAAAAAAAAEAAADn5uYKAAAAACgAAAAoAAAAZAAAAGQAAAAAAAAAzMzMAAAAAABQAAAAUAAAAGQAAABkAAAAAAAAABcAAAAUAAAAAAAAAAAAAAD/fwAA/38AAAAAAAAJAAAABAAAAAAAAAAeAAAAaAAAAAAAAAAAAAAAAAAAAAAAAAAAAAAAECcAABAnAAAAAAAAAAAAAAAAAAAAAAAAAAAAAAAAAAAAAAAAAAAAABQAAAAAAAAAwMD/AAAAAABkAAAAMgAAAAAAAABkAAAAAAAAAH9/fwAKAAAAIgAAABgAAAAAAAAAAAAAAAAAAAAAAAAAAAAAAAAAAAAkAAAAJAAAAAAAAAAHAAAAAAAAAAAAAAAAAAAAAAAAAAAAAAAAAAAAf39/ACUAAABYAAAAAAAAAAAAAAAAAAAAAAAAAAAAAAAAAAAAAAAAAAAAAAAAAAAAAAAAAAAAAAA/AAAAAAAAAKCGAQAAAAAAAAAAAAAAAAAMAAAAAQAAAAAAAAAAAAAAAAAAAB8AAABUAAAARHLEBf///wEAAAAAAAAAAAAAAAAAAAAAAAAAAAAAAAAAAAAAAAAAAAAAAAB/f38A5+bmA8zMzADAwP8Af39/AAAAAAAAAAAAAAAAAAAAAAAAAAAAIQAAABgAAAAUAAAAVg0AAPUFAACKDwAAOwgAAAAgAAAmAAAACAAAAP//////////MAAAABQAAAAAAAAAAAD//wAAAQAAAP//AAABAA=="/>
+                  <pr:smNativeData xmlns:pr="smNativeData" xmlns="smNativeData" val="SMDATA_16_FAWHYRMAAAAlAAAAZAAAAE0AAAAAkAAAAEgAAACQAAAASAAAAAAAAAAAAAAAAAAAAAEAAABQAAAAAAAAAAAA4D8AAAAAAADgPwAAAAAAAOA/AAAAAAAA4D8AAAAAAADgPwAAAAAAAOA/AAAAAAAA4D8AAAAAAADgPwAAAAAAAOA/AAAAAAAA4D8CAAAAjAAAAAAAAAAAAAAARHLEDP///wgAAAAAAAAAAAAAAAAAAAAAAAAAAAAAAAAAAAAAZAAAAAEAAABAAAAAAAAAAAAAAAAAAAAAAAAAAAAAAAAAAAAAAAAAAAAAAAAAAAAAAAAAAAAAAAAAAAAAAAAAAAAAAAAAAAAAAAAAAAAAAAAAAAAAAAAAAAAAAAAAAAAAFAAAADwAAAAAAAAAAAAAAAAAAAAPAAAAAQAAACMAAAAjAAAAIwAAAB4AAAAAAAAAZAAAAGQAAAAAAAAAZAAAAGQAAAAVAAAAYAAAAAAAAAAAAAAADwAAACADAAAAAAAAAAAAAAEAAACgMgAAVgcAAKr4//8BAAAAf39/AAEAAABkAAAAAAAAABQAAABAHwAAAAAAACYAAAAAAAAAwOD//wAAAAAmAAAAZAAAABYAAABMAAAAAAAAAAAAAAAEAAAAAAAAAAEAAADn5uYKAAAAACgAAAAoAAAAZAAAAGQAAAAAAAAAzMzMAAAAAABQAAAAUAAAAGQAAABkAAAAAAAAABcAAAAUAAAAAAAAAAAAAAD/fwAA/38AAAAAAAAJAAAABAAAAAAAAAAeAAAAaAAAAAAAAAAAAAAAAAAAAAAAAAAAAAAAECcAABAnAAAAAAAAAAAAAAAAAAAAAAAAAAAAAAAAAAAAAAAAAAAAABQAAAAAAAAAwMD/AAAAAABkAAAAMgAAAAAAAABkAAAAAAAAAH9/fwAKAAAAIgAAABgAAAAAAAAAAAAAAAAAAAAAAAAAAAAAAAAAAAAkAAAAJAAAAAAAAAAHAAAAAAAAAAAAAAAAAAAAAAAAAAAAAAAAAAAAf39/ACUAAABYAAAAAAAAAAAAAAAAAAAAAAAAAAAAAAAAAAAAAAAAAAAAAAAAAAAAAAAAAAAAAAA/AAAAAAAAAKCGAQAAAAAAAAAAAAAAAAAMAAAAAQAAAAAAAAAAAAAAAAAAAB8AAABUAAAARHLEBf///wEAAAAAAAAAAAAAAAAAAAAAAAAAAAAAAAAAAAAAAAAAAAAAAAB/f38A5+bmA8zMzADAwP8Af39/AAAAAAAAAAAAAAAAAAAAAAAAAAAAIQAAABgAAAAUAAAAVg0AAPUFAACKDwAAOwgAAAAgAAAmAAAACAAAAP//////////MAAAABQAAAAAAAAAAAD//wAAAQAAAP//AAABAA=="/>
                 </a:ext>
               </a:extLst>
             </p:cNvSpPr>
@@ -6584,7 +6584,7 @@
             <p:cNvSpPr>
               <a:extLst>
                 <a:ext uri="smNativeData">
-                  <pr:smNativeData xmlns:pr="smNativeData" xmlns="smNativeData" val="SMDATA_16_gfoFYRMAAAAlAAAAZAAAAE0AAAAAkAAAAEgAAACQAAAASAAAAAAAAAAAAAAAAAAAAAEAAABQAAAAAAAAAAAA4D8AAAAAAADgPwAAAAAAAOA/AAAAAAAA4D8AAAAAAADgPwAAAAAAAOA/AAAAAAAA4D8AAAAAAADgPwAAAAAAAOA/AAAAAAAA4D8CAAAAjAAAAAAAAAAAAAAARHLEDP///wgAAAAAAAAAAAAAAAAAAAAAAAAAAAAAAAAAAAAAZAAAAAEAAABAAAAAAAAAAAAAAAAAAAAAAAAAAAAAAAAAAAAAAAAAAAAAAAAAAAAAAAAAAAAAAAAAAAAAAAAAAAAAAAAAAAAAAAAAAAAAAAAAAAAAAAAAAAAAAAAAAAAAFAAAADwAAAAAAAAAAAAAAAAAAAAPAAAAAQAAACMAAAAjAAAAIwAAAB4AAAAAAAAAZAAAAGQAAAAAAAAAZAAAAGQAAAAVAAAAYAAAAAAAAAAAAAAADwAAACADAAAAAAAAAAAAAAEAAACgMgAAVgcAAKr4//8BAAAAf39/AAEAAABkAAAAAAAAABQAAABAHwAAAAAAACYAAAAAAAAAwOD//wAAAAAmAAAAZAAAABYAAABMAAAAAAAAAAAAAAAEAAAAAAAAAAEAAADn5uYKAAAAACgAAAAoAAAAZAAAAGQAAAAAAAAAzMzMAAAAAABQAAAAUAAAAGQAAABkAAAAAAAAABcAAAAUAAAAAAAAAAAAAAD/fwAA/38AAAAAAAAJAAAABAAAAAAAAAAeAAAAaAAAAAAAAAAAAAAAAAAAAAAAAAAAAAAAECcAABAnAAAAAAAAAAAAAAAAAAAAAAAAAAAAAAAAAAAAAAAAAAAAABQAAAAAAAAAwMD/AAAAAABkAAAAMgAAAAAAAABkAAAAAAAAAH9/fwAKAAAAIgAAABgAAAAAAAAAAAAAAAAAAAAAAAAAAAAAAAAAAAAkAAAAJAAAAAAAAAAHAAAAAAAAAAAAAAAAAAAAAAAAAAAAAAAAAAAAf39/ACUAAABYAAAAAAAAAAAAAAAAAAAAAAAAAAAAAAAAAAAAAAAAAAAAAAAAAAAAAAAAAAAAAAA/AAAAAAAAAKCGAQAAAAAAAAAAAAAAAAAMAAAAAQAAAAAAAAAAAAAAAAAAAB8AAABUAAAARHLEBf///wEAAAAAAAAAAAAAAAAAAAAAAAAAAAAAAAAAAAAAAAAAAAAAAAB/f38A5+bmA8zMzADAwP8Af39/AAAAAAAAAAAAAAAAAAAAAAAAAAAAIQAAABgAAAAUAAAA2wsAAN0JAADBDQAAIgwAAAAgAAAmAAAACAAAAP//////////MAAAABQAAAAAAAAAAAD//wAAAQAAAP//AAABAA=="/>
+                  <pr:smNativeData xmlns:pr="smNativeData" xmlns="smNativeData" val="SMDATA_16_FAWHYRMAAAAlAAAAZAAAAE0AAAAAkAAAAEgAAACQAAAASAAAAAAAAAAAAAAAAAAAAAEAAABQAAAAAAAAAAAA4D8AAAAAAADgPwAAAAAAAOA/AAAAAAAA4D8AAAAAAADgPwAAAAAAAOA/AAAAAAAA4D8AAAAAAADgPwAAAAAAAOA/AAAAAAAA4D8CAAAAjAAAAAAAAAAAAAAARHLEDP///wgAAAAAAAAAAAAAAAAAAAAAAAAAAAAAAAAAAAAAZAAAAAEAAABAAAAAAAAAAAAAAAAAAAAAAAAAAAAAAAAAAAAAAAAAAAAAAAAAAAAAAAAAAAAAAAAAAAAAAAAAAAAAAAAAAAAAAAAAAAAAAAAAAAAAAAAAAAAAAAAAAAAAFAAAADwAAAAAAAAAAAAAAAAAAAAPAAAAAQAAACMAAAAjAAAAIwAAAB4AAAAAAAAAZAAAAGQAAAAAAAAAZAAAAGQAAAAVAAAAYAAAAAAAAAAAAAAADwAAACADAAAAAAAAAAAAAAEAAACgMgAAVgcAAKr4//8BAAAAf39/AAEAAABkAAAAAAAAABQAAABAHwAAAAAAACYAAAAAAAAAwOD//wAAAAAmAAAAZAAAABYAAABMAAAAAAAAAAAAAAAEAAAAAAAAAAEAAADn5uYKAAAAACgAAAAoAAAAZAAAAGQAAAAAAAAAzMzMAAAAAABQAAAAUAAAAGQAAABkAAAAAAAAABcAAAAUAAAAAAAAAAAAAAD/fwAA/38AAAAAAAAJAAAABAAAAAAAAAAeAAAAaAAAAAAAAAAAAAAAAAAAAAAAAAAAAAAAECcAABAnAAAAAAAAAAAAAAAAAAAAAAAAAAAAAAAAAAAAAAAAAAAAABQAAAAAAAAAwMD/AAAAAABkAAAAMgAAAAAAAABkAAAAAAAAAH9/fwAKAAAAIgAAABgAAAAAAAAAAAAAAAAAAAAAAAAAAAAAAAAAAAAkAAAAJAAAAAAAAAAHAAAAAAAAAAAAAAAAAAAAAAAAAAAAAAAAAAAAf39/ACUAAABYAAAAAAAAAAAAAAAAAAAAAAAAAAAAAAAAAAAAAAAAAAAAAAAAAAAAAAAAAAAAAAA/AAAAAAAAAKCGAQAAAAAAAAAAAAAAAAAMAAAAAQAAAAAAAAAAAAAAAAAAAB8AAABUAAAARHLEBf///wEAAAAAAAAAAAAAAAAAAAAAAAAAAAAAAAAAAAAAAAAAAAAAAAB/f38A5+bmA8zMzADAwP8Af39/AAAAAAAAAAAAAAAAAAAAAAAAAAAAIQAAABgAAAAUAAAA2wsAAN0JAADBDQAAIgwAAAAgAAAmAAAACAAAAP//////////MAAAABQAAAAAAAAAAAD//wAAAQAAAP//AAABAA=="/>
                 </a:ext>
               </a:extLst>
             </p:cNvSpPr>
@@ -6634,7 +6634,7 @@
           <p:cNvGrpSpPr>
             <a:extLst>
               <a:ext uri="smNativeData">
-                <pr:smNativeData xmlns:pr="smNativeData" xmlns="smNativeData" val="SMDATA_6_gfoFYRMAAAAlAAAAAQAAAA8BAAAAkAAAAEgAAACQAAAASAAAAAAAAAAAAAAAAAAAABcAAAAUAAAAAAAAAAAAAAD/fwAA/38AAAAAAAAJAAAABAAAAAAAAAAfAAAAVAAAAAAAAAAAAAAAAAAAAAAAAAAAAAAAAAAAAAAAAAAAAAAAAAAAAAAAAAAAAAAAAAAAAAAAAAAAAAAAAAAAAAAAAAAAAAAAAAAAAAAAAAAAAAAAAAAAACEAAAAYAAAAFAAAAMcWAADTAwAAGyoAAJEVAAAQAAAAJgAAAAgAAAD/////AAAAAA=="/>
+                <pr:smNativeData xmlns:pr="smNativeData" xmlns="smNativeData" val="SMDATA_6_FAWHYRMAAAAlAAAAAQAAAA8BAAAAkAAAAEgAAACQAAAASAAAAAAAAAAAAAAAAAAAABcAAAAUAAAAAAAAAAAAAAD/fwAA/38AAAAAAAAJAAAABAAAAAAAAAAfAAAAVAAAAAAAAAAAAAAAAAAAAAAAAAAAAAAAAAAAAAAAAAAAAAAAAAAAAAAAAAAAAAAAAAAAAAAAAAAAAAAAAAAAAAAAAAAAAAAAAAAAAAAAAAAAAAAAAAAAACEAAAAYAAAAFAAAAMcWAADTAwAAGyoAAJEVAAAQAAAAJgAAAAgAAAD/////AAAAAA=="/>
               </a:ext>
             </a:extLst>
           </p:cNvGrpSpPr>
@@ -6654,7 +6654,7 @@
             <p:cNvGrpSpPr>
               <a:extLst>
                 <a:ext uri="smNativeData">
-                  <pr:smNativeData xmlns:pr="smNativeData" xmlns="smNativeData" val="SMDATA_6_gfoFYRMAAAAlAAAAAQAAAA8BAAAAkAAAAEgAAACQAAAASAAAAAAAAAAAAAAAAAAAABcAAAAUAAAAAAAAAAAAAAD/fwAA/38AAAAAAAAJAAAABAAAAAAAAAAfAAAAVAAAAAAAAAAAAAAAAAAAAAAAAAAAAAAAAAAAAAAAAAAAAAAAAAAAAAAAAAAAAAAAAAAAAAAAAAAAAAAAAAAAAAAAAAAAAAAAAAAAAAAAAAAAAAAAAAAAACEAAAAYAAAAFAAAAAYdAABJCQAAAyMAANgNAAAAAAAAJgAAAAgAAAD/////AAAAAA=="/>
+                  <pr:smNativeData xmlns:pr="smNativeData" xmlns="smNativeData" val="SMDATA_6_FAWHYRMAAAAlAAAAAQAAAA8BAAAAkAAAAEgAAACQAAAASAAAAAAAAAAAAAAAAAAAABcAAAAUAAAAAAAAAAAAAAD/fwAA/38AAAAAAAAJAAAABAAAAAAAAAAfAAAAVAAAAAAAAAAAAAAAAAAAAAAAAAAAAAAAAAAAAAAAAAAAAAAAAAAAAAAAAAAAAAAAAAAAAAAAAAAAAAAAAAAAAAAAAAAAAAAAAAAAAAAAAAAAAAAAAAAAACEAAAAYAAAAFAAAAAYdAABJCQAAAyMAANgNAAAAAAAAJgAAAAgAAAD/////AAAAAA=="/>
                 </a:ext>
               </a:extLst>
             </p:cNvGrpSpPr>
@@ -6674,7 +6674,7 @@
               <p:cNvSpPr>
                 <a:extLst>
                   <a:ext uri="smNativeData">
-                    <pr:smNativeData xmlns:pr="smNativeData" xmlns="smNativeData" val="SMDATA_16_gfoFYRMAAAAlAAAAZQAAAA0AAAAAkAAAAEgAAACQAAAASAAAAAAAAAABAAAAAAAAAAEAAABQAAAAhbacS3FV1T8AAAAAAAAAAAAAAAAAAOA/AAAAAAAA4D8AAAAAAADgPwAAAAAAAOA/AAAAAAAA4D8AAAAAAADgPwAAAAAAAOA/AAAAAAAA4D8CAAAAjAAAAAEAAAADAAAAnp6eAH19fQAAAAAAAAAAAAAAAAAAAAAAAAAAAAAAAAAAAAAAZAAAAAEAAABAAAAAAAAAAGQAAAAOAQAAAAAAAAEAAAAyAAAAkZGRAAAAAAAAAAAAAAAAAAAAAAAAAAAAAAAAAAAAAAAAAAAAAAAAAAAAAAAAAAAAAAAAAAAAAAAAAAAAFAAAADwAAAABAAAAAAAAAAAAAAAKAAAAAQAAABQAAAAUAAAAFAAAAAEAAAAAAAAAZAAAAGQAAAAAAAAAZAAAAGQAAAAVAAAAYAAAAAAAAAAAAAAAAAAAAAAAAAAAAAAAAAAAAAAAAAAAAAAAAAAAAAAAAAAAAAAAAAAACQAAAAAAAAAAAAAAAAAAAAAAAAAAAAAAAAAAAAAAAAAAAAAAAAAAAAAAAAAAAAAAABYAAABMAAAAAAAAAAAAAAAAAAAAAAAAAAAAAAAAAAAJAAAAAAAAAAAAAAAAAAAAAAAAAAAAAAAAAAAAAAAAAAAAAAAAAAAAAAAAAAAAAAAAAAAAABcAAAAUAAAAAAAAAAAAAAD/fwAA/38AAAAAAAAJAAAABAAAAAAAAAAeAAAAaAAAAAAAAAAAAAAAAAAAAAAAAAAAAAAAECcAABAnAAAAAAAAAAAAAAAAAAAAAAAAAAAAAAAAAAAAAAAAAAAAABQAAAAAAAAAwMD/AAAAAABkAAAAMgAAAAAAAABkAAAAAAAAAH9/fwAKAAAAIgAAABgAAAAAAAAAAAAAAAAAAAAAAAAAAAAAAAAAAAAkAAAAJAAAAAAAAAAHAAAAAAAAAAAAAAAAAAAAAAAAAAAAAAAAAAAAf39/ACUAAABYAAAAAAAAAAAAAAAAAAAAAAAAAAAAAAAAAAAAAAAAAAAAAAAAAAAAAAAAAAAAAAA/AAAAAAAAAKCGAQAAAAAAAAAAAAAAAAAMAAAAAQAAAAAAAAAAAAAAAAAAAB8AAABUAAAAnp6eAH19fQCRkZEAAAAAAAAAAAAAAAAAAAAAAAAAAAAAAAAAAAAAAAAAAAAAAAACAAAAAgAAAADAwP8Af39/AAAAAAAAAAAAAAAAAAAAAAAAAAAAIQAAABgAAAAUAAAABh0AAJALAAC8HQAA2A0AAAAAAAAmAAAACAAAAP//////////MAAAABQAAAAAAAAA/xj//wHnAADLB///NfgAAA=="/>
+                    <pr:smNativeData xmlns:pr="smNativeData" xmlns="smNativeData" val="SMDATA_16_FAWHYRMAAAAlAAAAZQAAAA0AAAAAkAAAAEgAAACQAAAASAAAAAAAAAABAAAAAAAAAAEAAABQAAAAhbacS3FV1T8AAAAAAAAAAAAAAAAAAOA/AAAAAAAA4D8AAAAAAADgPwAAAAAAAOA/AAAAAAAA4D8AAAAAAADgPwAAAAAAAOA/AAAAAAAA4D8CAAAAjAAAAAEAAAADAAAAnp6eAH19fQAAAAAAAAAAAAAAAAAAAAAAAAAAAAAAAAAAAAAAZAAAAAEAAABAAAAAAAAAAGQAAAAOAQAAAAAAAAEAAAAyAAAAkZGRAAAAAAAAAAAAAAAAAAAAAAAAAAAAAAAAAAAAAAAAAAAAAAAAAAAAAAAAAAAAAAAAAAAAAAAAAAAAFAAAADwAAAABAAAAAAAAAAAAAAAKAAAAAQAAABQAAAAUAAAAFAAAAAEAAAAAAAAAZAAAAGQAAAAAAAAAZAAAAGQAAAAVAAAAYAAAAAAAAAAAAAAAAAAAAAAAAAAAAAAAAAAAAAAAAAAAAAAAAAAAAAAAAAAAAAAAAAAACQAAAAAAAAAAAAAAAAAAAAAAAAAAAAAAAAAAAAAAAAAAAAAAAAAAAAAAAAAAAAAAABYAAABMAAAAAAAAAAAAAAAAAAAAAAAAAAAAAAAAAAAJAAAAAAAAAAAAAAAAAAAAAAAAAAAAAAAAAAAAAAAAAAAAAAAAAAAAAAAAAAAAAAAAAAAAABcAAAAUAAAAAAAAAAAAAAD/fwAA/38AAAAAAAAJAAAABAAAAAAAAAAeAAAAaAAAAAAAAAAAAAAAAAAAAAAAAAAAAAAAECcAABAnAAAAAAAAAAAAAAAAAAAAAAAAAAAAAAAAAAAAAAAAAAAAABQAAAAAAAAAwMD/AAAAAABkAAAAMgAAAAAAAABkAAAAAAAAAH9/fwAKAAAAIgAAABgAAAAAAAAAAAAAAAAAAAAAAAAAAAAAAAAAAAAkAAAAJAAAAAAAAAAHAAAAAAAAAAAAAAAAAAAAAAAAAAAAAAAAAAAAf39/ACUAAABYAAAAAAAAAAAAAAAAAAAAAAAAAAAAAAAAAAAAAAAAAAAAAAAAAAAAAAAAAAAAAAA/AAAAAAAAAKCGAQAAAAAAAAAAAAAAAAAMAAAAAQAAAAAAAAAAAAAAAAAAAB8AAABUAAAAnp6eAH19fQCRkZEAAAAAAAAAAAAAAAAAAAAAAAAAAAAAAAAAAAAAAAAAAAAAAAACAAAAAgAAAADAwP8Af39/AAAAAAAAAAAAAAAAAAAAAAAAAAAAIQAAABgAAAAUAAAABh0AAJALAAC8HQAA2A0AAAAAAAAmAAAACAAAAP//////////MAAAABQAAAAAAAAA/xj//wHnAADLB///NfgAAA=="/>
                   </a:ext>
                 </a:extLst>
               </p:cNvSpPr>
@@ -6736,7 +6736,7 @@
               <p:cNvSpPr>
                 <a:extLst>
                   <a:ext uri="smNativeData">
-                    <pr:smNativeData xmlns:pr="smNativeData" xmlns="smNativeData" val="SMDATA_16_gfoFYRMAAAAlAAAAZQAAAA0AAAAAkAAAAEgAAACQAAAASAAAAAAAAAABAAAAAAAAAAEAAABQAAAAhbacS3FV1T8AAAAAAAAAAAAAAAAAAOA/AAAAAAAA4D8AAAAAAADgPwAAAAAAAOA/AAAAAAAA4D8AAAAAAADgPwAAAAAAAOA/AAAAAAAA4D8CAAAAjAAAAAEAAAADAAAAnp6eAH19fQAAAAAAAAAAAAAAAAAAAAAAAAAAAAAAAAAAAAAAZAAAAAEAAABAAAAAAAAAAGQAAAAOAQAAAAAAAAEAAAAyAAAAkZGRAAAAAAAAAAAAAAAAAAAAAAAAAAAAAAAAAAAAAAAAAAAAAAAAAAAAAAAAAAAAAAAAAAAAAAAAAAAAFAAAADwAAAABAAAAAAAAAAAAAAAKAAAAAQAAABQAAAAUAAAAFAAAAAEAAAAAAAAAZAAAAGQAAAAAAAAAZAAAAGQAAAAVAAAAYAAAAAAAAAAAAAAAAAAAAAAAAAAAAAAAAAAAAAAAAAAAAAAAAAAAAAAAAAAAAAAAAAAACQAAAAAAAAAAAAAAAAAAAAAAAAAAAAAAAAAAAAAAAAAAAAAAAAAAAAAAAAAAAAAAABYAAABMAAAAAAAAAAAAAAAAAAAAAAAAAAAAAAAAAAAJAAAAAAAAAAAAAAAAAAAAAAAAAAAAAAAAAAAAAAAAAAAAAAAAAAAAAAAAAAAAAAAAAAAAABcAAAAUAAAAAAAAAAAAAAD/fwAA/38AAAAAAAAJAAAABAAAAAAAAAAeAAAAaAAAAAAAAAAAAAAAAAAAAAAAAAAAAAAAECcAABAnAAAAAAAAAAAAAAAAAAAAAAAAAAAAAAAAAAAAAAAAAAAAABQAAAAAAAAAwMD/AAAAAABkAAAAMgAAAAAAAABkAAAAAAAAAH9/fwAKAAAAIgAAABgAAAAAAAAAAAAAAAAAAAAAAAAAAAAAAAAAAAAkAAAAJAAAAAAAAAAHAAAAAAAAAAAAAAAAAAAAAAAAAAAAAAAAAAAAf39/ACUAAABYAAAAAAAAAAAAAAAAAAAAAAAAAAAAAAAAAAAAAAAAAAAAAAAAAAAAAAAAAAAAAAA/AAAAAAAAAKCGAQAAAAAAAAAAAAAAAAAMAAAAAQAAAAAAAAAAAAAAAAAAAB8AAABUAAAAnp6eAH19fQCRkZEAAAAAAAAAAAAAAAAAAAAAAAAAAAAAAAAAAAAAAAAAAAAAAAACAAAAAgAAAADAwP8Af39/AAAAAAAAAAAAAAAAAAAAAAAAAAAAIQAAABgAAAAUAAAATSIAAJALAAADIwAA2A0AAAAAAAAmAAAACAAAAP//////////MAAAABQAAAAAAAAA/xj//wHnAADLB///NfgAAA=="/>
+                    <pr:smNativeData xmlns:pr="smNativeData" xmlns="smNativeData" val="SMDATA_16_FAWHYRMAAAAlAAAAZQAAAA0AAAAAkAAAAEgAAACQAAAASAAAAAAAAAABAAAAAAAAAAEAAABQAAAAhbacS3FV1T8AAAAAAAAAAAAAAAAAAOA/AAAAAAAA4D8AAAAAAADgPwAAAAAAAOA/AAAAAAAA4D8AAAAAAADgPwAAAAAAAOA/AAAAAAAA4D8CAAAAjAAAAAEAAAADAAAAnp6eAH19fQAAAAAAAAAAAAAAAAAAAAAAAAAAAAAAAAAAAAAAZAAAAAEAAABAAAAAAAAAAGQAAAAOAQAAAAAAAAEAAAAyAAAAkZGRAAAAAAAAAAAAAAAAAAAAAAAAAAAAAAAAAAAAAAAAAAAAAAAAAAAAAAAAAAAAAAAAAAAAAAAAAAAAFAAAADwAAAABAAAAAAAAAAAAAAAKAAAAAQAAABQAAAAUAAAAFAAAAAEAAAAAAAAAZAAAAGQAAAAAAAAAZAAAAGQAAAAVAAAAYAAAAAAAAAAAAAAAAAAAAAAAAAAAAAAAAAAAAAAAAAAAAAAAAAAAAAAAAAAAAAAAAAAACQAAAAAAAAAAAAAAAAAAAAAAAAAAAAAAAAAAAAAAAAAAAAAAAAAAAAAAAAAAAAAAABYAAABMAAAAAAAAAAAAAAAAAAAAAAAAAAAAAAAAAAAJAAAAAAAAAAAAAAAAAAAAAAAAAAAAAAAAAAAAAAAAAAAAAAAAAAAAAAAAAAAAAAAAAAAAABcAAAAUAAAAAAAAAAAAAAD/fwAA/38AAAAAAAAJAAAABAAAAAAAAAAeAAAAaAAAAAAAAAAAAAAAAAAAAAAAAAAAAAAAECcAABAnAAAAAAAAAAAAAAAAAAAAAAAAAAAAAAAAAAAAAAAAAAAAABQAAAAAAAAAwMD/AAAAAABkAAAAMgAAAAAAAABkAAAAAAAAAH9/fwAKAAAAIgAAABgAAAAAAAAAAAAAAAAAAAAAAAAAAAAAAAAAAAAkAAAAJAAAAAAAAAAHAAAAAAAAAAAAAAAAAAAAAAAAAAAAAAAAAAAAf39/ACUAAABYAAAAAAAAAAAAAAAAAAAAAAAAAAAAAAAAAAAAAAAAAAAAAAAAAAAAAAAAAAAAAAA/AAAAAAAAAKCGAQAAAAAAAAAAAAAAAAAMAAAAAQAAAAAAAAAAAAAAAAAAAB8AAABUAAAAnp6eAH19fQCRkZEAAAAAAAAAAAAAAAAAAAAAAAAAAAAAAAAAAAAAAAAAAAAAAAACAAAAAgAAAADAwP8Af39/AAAAAAAAAAAAAAAAAAAAAAAAAAAAIQAAABgAAAAUAAAATSIAAJALAAADIwAA2A0AAAAAAAAmAAAACAAAAP//////////MAAAABQAAAAAAAAA/xj//wHnAADLB///NfgAAA=="/>
                   </a:ext>
                 </a:extLst>
               </p:cNvSpPr>
@@ -6798,7 +6798,7 @@
               <p:cNvSpPr>
                 <a:extLst>
                   <a:ext uri="smNativeData">
-                    <pr:smNativeData xmlns:pr="smNativeData" xmlns="smNativeData" val="SMDATA_16_gfoFYRMAAAAlAAAAZAAAAA0AAAAAkAAAAEgAAACQAAAASAAAAAAAAAABAAAAAAAAAAEAAABQAAAAAAAAAAAA4D8AAAAAAADgPwAAAAAAAOA/AAAAAAAA4D8AAAAAAADgPwAAAAAAAOA/AAAAAAAA4D8AAAAAAADgPwAAAAAAAOA/AAAAAAAA4D8CAAAAjAAAAAAAAAAAAAAARHLEDP///wgAAAAAAAAAAAAAAAAAAAAAAAAAAAAAAAAAAAAAZAAAAAEAAABAAAAAAAAAAAAAAAAAAAAAAAAAAAAAAAAAAAAAAAAAAAAAAAAAAAAAAAAAAAAAAAAAAAAAAAAAAAAAAAAAAAAAAAAAAAAAAAAAAAAAAAAAAAAAAAAAAAAAFAAAADwAAAABAAAAAAAAAAAAAAkeAAAAAQAAABQAAAAUAAAAFAAAAAEAAAAAAAAAZAAAAGQAAAAAAAAAZAAAAGQAAAAVAAAAYAAAAAAAAAAAAAAADwAAACADAAAAAAAAAAAAAAEAAACgMgAAVgcAAKr4//8BAAAAf39/AAEAAABkAAAAAAAAABQAAABAHwAAAAAAACYAAAAAAAAAwOD//wAAAAAmAAAAZAAAABYAAABMAAAAAAAAAAAAAAAEAAAAAAAAAAEAAADn5uYKAAAAACgAAAAoAAAAZAAAAGQAAAAAAAAAzMzMAAAAAABQAAAAUAAAAGQAAABkAAAAAAAAABcAAAAUAAAAAAAAAAAAAAD/fwAA/38AAAAAAAAJAAAABAAAAAAAAAAeAAAAaAAAAAAAAAAAAAAAAAAAAAAAAAAAAAAAECcAABAnAAAAAAAAAAAAAAAAAAAAAAAAAAAAAAAAAAAAAAAAAAAAABQAAAAAAAAAwMD/AAAAAABkAAAAMgAAAAAAAABkAAAAAAAAAH9/fwAKAAAAIgAAABgAAAAAAAAAAAAAAAAAAAAAAAAAAAAAAAAAAAAkAAAAJAAAAAAAAAAHAAAAAAAAAAAAAAAAAAAAAAAAAAAAAAAAAAAAf39/ACUAAABYAAAAAAAAAAAAAAAAAAAAAAAAAAAAAAAAAAAAAAAAAAAAAAAAAAAAAAAAAAAAAAA/AAAAAAAAAKCGAQAAAAAAAAAAAAAAAAAMAAAAAQAAAAAAAAAAAAAAAAAAAB8AAABUAAAARHLEBf///wEAAAAAAAAAAAAAAAAAAAAAAAAAAAAAAAAAAAAAAAAAAAAAAAJ/f38A5+bmA8zMzADAwP8Af39/AAAAAAAAAAAAAAAAAAAAAAAAAAAAIQAAABgAAAAUAAAAvB0AAEkJAABNIgAA2A0AAAAAAAAmAAAACAAAAP//////////MAAAABQAAAAAAAAAAAD//wAAAQAAAP//AAABAA=="/>
+                    <pr:smNativeData xmlns:pr="smNativeData" xmlns="smNativeData" val="SMDATA_16_FAWHYRMAAAAlAAAAZAAAAA0AAAAAkAAAAEgAAACQAAAASAAAAAAAAAABAAAAAAAAAAEAAABQAAAAAAAAAAAA4D8AAAAAAADgPwAAAAAAAOA/AAAAAAAA4D8AAAAAAADgPwAAAAAAAOA/AAAAAAAA4D8AAAAAAADgPwAAAAAAAOA/AAAAAAAA4D8CAAAAjAAAAAAAAAAAAAAARHLEDP///wgAAAAAAAAAAAAAAAAAAAAAAAAAAAAAAAAAAAAAZAAAAAEAAABAAAAAAAAAAAAAAAAAAAAAAAAAAAAAAAAAAAAAAAAAAAAAAAAAAAAAAAAAAAAAAAAAAAAAAAAAAAAAAAAAAAAAAAAAAAAAAAAAAAAAAAAAAAAAAAAAAAAAFAAAADwAAAABAAAAAAAAAAAAAAkeAAAAAQAAABQAAAAUAAAAFAAAAAEAAAAAAAAAZAAAAGQAAAAAAAAAZAAAAGQAAAAVAAAAYAAAAAAAAAAAAAAADwAAACADAAAAAAAAAAAAAAEAAACgMgAAVgcAAKr4//8BAAAAf39/AAEAAABkAAAAAAAAABQAAABAHwAAAAAAACYAAAAAAAAAwOD//wAAAAAmAAAAZAAAABYAAABMAAAAAAAAAAAAAAAEAAAAAAAAAAEAAADn5uYKAAAAACgAAAAoAAAAZAAAAGQAAAAAAAAAzMzMAAAAAABQAAAAUAAAAGQAAABkAAAAAAAAABcAAAAUAAAAAAAAAAAAAAD/fwAA/38AAAAAAAAJAAAABAAAAAAAAAAeAAAAaAAAAAAAAAAAAAAAAAAAAAAAAAAAAAAAECcAABAnAAAAAAAAAAAAAAAAAAAAAAAAAAAAAAAAAAAAAAAAAAAAABQAAAAAAAAAwMD/AAAAAABkAAAAMgAAAAAAAABkAAAAAAAAAH9/fwAKAAAAIgAAABgAAAAAAAAAAAAAAAAAAAAAAAAAAAAAAAAAAAAkAAAAJAAAAAAAAAAHAAAAAAAAAAAAAAAAAAAAAAAAAAAAAAAAAAAAf39/ACUAAABYAAAAAAAAAAAAAAAAAAAAAAAAAAAAAAAAAAAAAAAAAAAAAAAAAAAAAAAAAAAAAAA/AAAAAAAAAKCGAQAAAAAAAAAAAAAAAAAMAAAAAQAAAAAAAAAAAAAAAAAAAB8AAABUAAAARHLEBf///wEAAAAAAAAAAAAAAAAAAAAAAAAAAAAAAAAAAAAAAAAAAAAAAAJ/f38A5+bmA8zMzADAwP8Af39/AAAAAAAAAAAAAAAAAAAAAAAAAAAAIQAAABgAAAAUAAAAvB0AAEkJAABNIgAA2A0AAAAAAAAmAAAACAAAAP//////////MAAAABQAAAAAAAAAAAD//wAAAQAAAP//AAABAA=="/>
                   </a:ext>
                 </a:extLst>
               </p:cNvSpPr>
@@ -6844,7 +6844,7 @@
               <p:cNvGrpSpPr>
                 <a:extLst>
                   <a:ext uri="smNativeData">
-                    <pr:smNativeData xmlns:pr="smNativeData" xmlns="smNativeData" val="SMDATA_6_gfoFYRMAAAAlAAAAAQAAAA8BAAAAkAAAAEgAAACQAAAASAAAAAAAAAAAAAAAAAAAABcAAAAUAAAAAAAAAAAAAAD/fwAA/38AAAAAAAAJAAAABAAAAGMAaQAfAAAAVAAAAAAAAAAAAAAAAAAAAAAAAAAAAAAAAAAAAAAAAAAAAAAAAAAAAAAAAAAAAAAAAAAAAAAAAAAAAAAAAAAAAAAAAAAAAAAAAAAAAAAAAAAAAAAAAAAAACEAAAAYAAAAFAAAAK8fAABfDAAAWiAAAAkNAAAAAAAAJgAAAAgAAAD/////AAAAAA=="/>
+                    <pr:smNativeData xmlns:pr="smNativeData" xmlns="smNativeData" val="SMDATA_6_FAWHYRMAAAAlAAAAAQAAAA8BAAAAkAAAAEgAAACQAAAASAAAAAAAAAAAAAAAAAAAABcAAAAUAAAAAAAAAAAAAAD/fwAA/38AAAAAAAAJAAAABAAAAAAAAAAfAAAAVAAAAAAAAAAAAAAAAAAAAAAAAAAAAAAAAAAAAAAAAAAAAAAAAAAAAAAAAAAAAAAAAAAAAAAAAAAAAAAAAAAAAAAAAAAAAAAAAAAAAAAAAAAAAAAAAAAAACEAAAAYAAAAFAAAAK8fAABfDAAAWiAAAAkNAAAAAAAAJgAAAAgAAAD/////AAAAAA=="/>
                   </a:ext>
                 </a:extLst>
               </p:cNvGrpSpPr>
@@ -6864,7 +6864,7 @@
                 <p:cNvSpPr>
                   <a:extLst>
                     <a:ext uri="smNativeData">
-                      <pr:smNativeData xmlns:pr="smNativeData" xmlns="smNativeData" val="SMDATA_16_gfoFYRMAAAAlAAAAZgAAAC0AAAAAkAAAAEgAAACQAAAASAAAAAAAAAABAAAAAAAAAAEAAABQAAAAAAAAAAAA8D8AAAAAAADwPwAAAAAAAOA/AAAAAAAA4D8AAAAAAADgPwAAAAAAAOA/AAAAAAAA4D8AAAAAAADgPwAAAAAAAOA/AAAAAAAA4D8CAAAAjAAAAAAAAAAAAAAARHLEDP///wgAAAAAAAAAAAAAAAAAAAAAAAAAAAAAAAAAAAAAZAAAAAEAAABAAAAAAAAAAAAAAAAAAAAAAAAAAAAAAAAAAAAAAAAAAAAAAAAAAAAAAAAAAAAAAAAAAAAAAAAAAAAAAAAAAAAAAAAAAAAAAAAAAAAAAAAAAAAAAAAAAAAAFAAAADwAAAABAAAAAAAAAAAAAAkUAAAAAQAAABQAAAAUAAAAFAAAAAEAAAAAAAAAZAAAAGQAAAAAAAAAZAAAAGQAAAAVAAAAYAAAAAAAAAAAAAAADwAAACADAAAAAAAAAAAAAAEAAACgMgAAVgcAAKr4//8BAAAAf39/AAEAAABkAAAAAAAAABQAAABAHwAAAAAAACYAAAAAAAAAwOD//wAAAAAmAAAAZAAAABYAAABMAAAAAAAAAAAAAAAEAAAAAAAAAAEAAADn5uYKAAAAACgAAAAoAAAAZAAAAGQAAAAAAAAAzMzMAAAAAABQAAAAUAAAAGQAAABkAAAAAAAAABcAAAAUAAAAAAAAAAAAAAD/fwAA/38AAAAAAAAJAAAABAAAAAAAAAAeAAAAaAAAAAAAAAAAAAAAAAAAAAAAAAAAAAAAECcAABAnAAAAAAAAAAAAAAAAAAAAAAAAAAAAAAAAAAAAAAAAAAAAABQAAAAAAAAAwMD/AAAAAABkAAAAMgAAAAAAAABkAAAAAAAAAH9/fwAKAAAAIgAAABgAAAAAAAAAAAAAAAAAAAAAAAAAAAAAAAAAAAAkAAAAJAAAAAAAAAAHAAAAAAAAAAAAAAAAAAAAAAAAAAAAAAAAAAAAf39/ACUAAABYAAAAAAAAAAAAAAAAAAAAAAAAAAAAAAAAAAAAAAAAAAAAAAAAAAAAAAAAAAAAAAA/AAAAAAAAAKCGAQAAAAAAAAAAAAAAAAAMAAAAAQAAAAAAAAAAAAAAAAAAAB8AAABUAAAARHLEBf///wEAAAAAAAAAAAAAAAAAAAAAAAAAAAAAAAAAAAAAAAAAAAAAAAJ/f38A5+bmA8zMzADAwP8Af39/AAAAAAAAAAAAAAAAAAAAAAAAAAAAIQAAABgAAAAUAAAArx8AAF8MAABaIAAACQ0AAAAAAAAmAAAACAAAAP//////////MAAAABQAAAAAAAAA/Er//wS1AAD8Sv//BLUAAA=="/>
+                      <pr:smNativeData xmlns:pr="smNativeData" xmlns="smNativeData" val="SMDATA_16_FAWHYRMAAAAlAAAAZgAAAC0AAAAAkAAAAEgAAACQAAAASAAAAAAAAAABAAAAAAAAAAEAAABQAAAAAAAAAAAA8D8AAAAAAADwPwAAAAAAAOA/AAAAAAAA4D8AAAAAAADgPwAAAAAAAOA/AAAAAAAA4D8AAAAAAADgPwAAAAAAAOA/AAAAAAAA4D8CAAAAjAAAAAAAAAAAAAAARHLEDP///wgAAAAAAAAAAAAAAAAAAAAAAAAAAAAAAAAAAAAAZAAAAAEAAABAAAAAAAAAAAAAAAAAAAAAAAAAAAAAAAAAAAAAAAAAAAAAAAAAAAAAAAAAAAAAAAAAAAAAAAAAAAAAAAAAAAAAAAAAAAAAAAAAAAAAAAAAAAAAAAAAAAAAFAAAADwAAAABAAAAAAAAAAAAAAkUAAAAAQAAABQAAAAUAAAAFAAAAAEAAAAAAAAAZAAAAGQAAAAAAAAAZAAAAGQAAAAVAAAAYAAAAAAAAAAAAAAADwAAACADAAAAAAAAAAAAAAEAAACgMgAAVgcAAKr4//8BAAAAf39/AAEAAABkAAAAAAAAABQAAABAHwAAAAAAACYAAAAAAAAAwOD//wAAAAAmAAAAZAAAABYAAABMAAAAAAAAAAAAAAAEAAAAAAAAAAEAAADn5uYKAAAAACgAAAAoAAAAZAAAAGQAAAAAAAAAzMzMAAAAAABQAAAAUAAAAGQAAABkAAAAAAAAABcAAAAUAAAAAAAAAAAAAAD/fwAA/38AAAAAAAAJAAAABAAAAAAAAAAeAAAAaAAAAAAAAAAAAAAAAAAAAAAAAAAAAAAAECcAABAnAAAAAAAAAAAAAAAAAAAAAAAAAAAAAAAAAAAAAAAAAAAAABQAAAAAAAAAwMD/AAAAAABkAAAAMgAAAAAAAABkAAAAAAAAAH9/fwAKAAAAIgAAABgAAAAAAAAAAAAAAAAAAAAAAAAAAAAAAAAAAAAkAAAAJAAAAAAAAAAHAAAAAAAAAAAAAAAAAAAAAAAAAAAAAAAAAAAAf39/ACUAAABYAAAAAAAAAAAAAAAAAAAAAAAAAAAAAAAAAAAAAAAAAAAAAAAAAAAAAAAAAAAAAAA/AAAAAAAAAKCGAQAAAAAAAAAAAAAAAAAMAAAAAQAAAAAAAAAAAAAAAAAAAB8AAABUAAAARHLEBf///wEAAAAAAAAAAAAAAAAAAAAAAAAAAAAAAAAAAAAAAAAAAAAAAAJ/f38A5+bmA8zMzADAwP8Af39/AAAAAAAAAAAAAAAAAAAAAAAAAAAAIQAAABgAAAAUAAAArx8AAF8MAABaIAAACQ0AAAAAAAAmAAAACAAAAP//////////MAAAABQAAAAAAAAA/Er//wS1AAD8Sv//BLUAAA=="/>
                     </a:ext>
                   </a:extLst>
                 </p:cNvSpPr>
@@ -6910,7 +6910,7 @@
                 <p:cNvSpPr>
                   <a:extLst>
                     <a:ext uri="smNativeData">
-                      <pr:smNativeData xmlns:pr="smNativeData" xmlns="smNativeData" val="SMDATA_16_gfoFYRMAAAAlAAAACgAAAA0AAAAAkAAAAEgAAACQAAAASAAAAAAAAAAAAAAAAAAAAAEAAABQAAAAAAAAAAAA4D8AAAAAAADgPwAAAAAAAOA/AAAAAAAA4D8AAAAAAADgPwAAAAAAAOA/AAAAAAAA4D8AAAAAAADgPwAAAAAAAOA/AAAAAAAA4D8CAAAAjAAAAAAAAAAAAAAA////AP///wgAAAAAAAAAAAAAAAAAAAAAAAAAAAAAAAAAAAAAeAAAAAEAAABAAAAAAAAAAAAAAABaAAAAAAAAAAAAAAAAAAAAAAAAAAAAAAAAAAAAAAAAAAAAAAAAAAAAAAAAAAAAAAAAAAAAAAAAAAAAAAAAAAAAAAAAAAAAAAAAAAAAFAAAADwAAAABAAAAAAAAAAAAAAAKAAAAAQAAABQAAAAUAAAAFAAAAAEAAAAAAAAAZAAAAGQAAAAAAAAAZAAAAGQAAAAVAAAAYAAAAAAAAAAAAAAADwAAACADAAAAAAAAAAAAAAEAAACgMgAAVgcAAKr4//8BAAAAf39/AAEAAABkAAAAAAAAABQAAABAHwAAAAAAACYAAAAAAAAAwOD//wAAAAAmAAAAZAAAABYAAABMAAAAAAAAAAAAAAAEAAAAAAAAAAEAAADn5uYKAAAAACgAAAAoAAAAZAAAAGQAAAAAAAAAzMzMAAAAAABQAAAAUAAAAGQAAABkAAAAAAAAABcAAAAUAAAAAAAAAAAAAAD/fwAA/38AAAAAAAAJAAAABAAAAAAAAAAeAAAAaAAAAAAAAAAAAAAAAAAAAAAAAAAAAAAAECcAABAnAAAAAAAAAAAAAAAAAAAAAAAAAAAAAAAAAAAAAAAAAAAAABQAAAAAAAAAwMD/AAAAAABkAAAAMgAAAAAAAABkAAAAAAAAAH9/fwAKAAAAIgAAABgAAAAAAAAAAAAAAAAAAAAAAAAAAAAAAAAAAAAkAAAAJAAAAAAAAAAHAAAAAAAAAAAAAAAAAAAAAAAAAAAAAAAAAAAAf39/ACUAAABYAAAAAAAAAAAAAAAAAAAAAAAAAAAAAAAAAAAAAAAAAAAAAAAAAAAAAAAAAAAAAAA/AAAAAAAAAKCGAQAAAAAAAAAAAAAAAAAMAAAAAQAAAAAAAAAAAAAAAAAAAB8AAABUAAAA////AP///wEAAAAAAAAAAAAAAAAAAAAAAAAAAAAAAAAAAAAAAAAAAAAAAAB/f38A5+bmA8zMzADAwP8Af39/AAAAAAAAAAAAAAAAAAAAAAAAAAAAIQAAABgAAAAUAAAABSAAAF8MAAAFIAAACQ0AAAAAAAAmAAAACAAAAP//////////MAAAABQAAAAAAAAAAAD//wAAAQAAAP//AAABAA=="/>
+                      <pr:smNativeData xmlns:pr="smNativeData" xmlns="smNativeData" val="SMDATA_16_FAWHYRMAAAAlAAAACgAAAA0AAAAAkAAAAEgAAACQAAAASAAAAAAAAAAAAAAAAAAAAAEAAABQAAAAAAAAAAAA4D8AAAAAAADgPwAAAAAAAOA/AAAAAAAA4D8AAAAAAADgPwAAAAAAAOA/AAAAAAAA4D8AAAAAAADgPwAAAAAAAOA/AAAAAAAA4D8CAAAAjAAAAAAAAAAAAAAA////AP///wgAAAAAAAAAAAAAAAAAAAAAAAAAAAAAAAAAAAAAeAAAAAEAAABAAAAAAAAAAAAAAABaAAAAAAAAAAAAAAAAAAAAAAAAAAAAAAAAAAAAAAAAAAAAAAAAAAAAAAAAAAAAAAAAAAAAAAAAAAAAAAAAAAAAAAAAAAAAAAAAAAAAFAAAADwAAAABAAAAAAAAAAAAAAAKAAAAAQAAABQAAAAUAAAAFAAAAAEAAAAAAAAAZAAAAGQAAAAAAAAAZAAAAGQAAAAVAAAAYAAAAAAAAAAAAAAADwAAACADAAAAAAAAAAAAAAEAAACgMgAAVgcAAKr4//8BAAAAf39/AAEAAABkAAAAAAAAABQAAABAHwAAAAAAACYAAAAAAAAAwOD//wAAAAAmAAAAZAAAABYAAABMAAAAAAAAAAAAAAAEAAAAAAAAAAEAAADn5uYKAAAAACgAAAAoAAAAZAAAAGQAAAAAAAAAzMzMAAAAAABQAAAAUAAAAGQAAABkAAAAAAAAABcAAAAUAAAAAAAAAAAAAAD/fwAA/38AAAAAAAAJAAAABAAAAAAAAAAeAAAAaAAAAAAAAAAAAAAAAAAAAAAAAAAAAAAAECcAABAnAAAAAAAAAAAAAAAAAAAAAAAAAAAAAAAAAAAAAAAAAAAAABQAAAAAAAAAwMD/AAAAAABkAAAAMgAAAAAAAABkAAAAAAAAAH9/fwAKAAAAIgAAABgAAAAAAAAAAAAAAAAAAAAAAAAAAAAAAAAAAAAkAAAAJAAAAAAAAAAHAAAAAAAAAAAAAAAAAAAAAAAAAAAAAAAAAAAAf39/ACUAAABYAAAAAAAAAAAAAAAAAAAAAAAAAAAAAAAAAAAAAAAAAAAAAAAAAAAAAAAAAAAAAAA/AAAAAAAAAKCGAQAAAAAAAAAAAAAAAAAMAAAAAQAAAAAAAAAAAAAAAAAAAB8AAABUAAAA////AP///wEAAAAAAAAAAAAAAAAAAAAAAAAAAAAAAAAAAAAAAAAAAAAAAAB/f38A5+bmA8zMzADAwP8Af39/AAAAAAAAAAAAAAAAAAAAAAAAAAAAIQAAABgAAAAUAAAABSAAAF8MAAAFIAAACQ0AAAAAAAAmAAAACAAAAP//////////MAAAABQAAAAAAAAAAAD//wAAAQAAAP//AAABAA=="/>
                     </a:ext>
                   </a:extLst>
                 </p:cNvSpPr>
@@ -6942,7 +6942,7 @@
                 <p:cNvSpPr>
                   <a:extLst>
                     <a:ext uri="smNativeData">
-                      <pr:smNativeData xmlns:pr="smNativeData" xmlns="smNativeData" val="SMDATA_16_gfoFYRMAAAAlAAAACgAAAA0AAAAAkAAAAEgAAACQAAAASAAAAAAAAAAAAAAAAAAAAAEAAABQAAAAAAAAAAAA4D8AAAAAAADgPwAAAAAAAOA/AAAAAAAA4D8AAAAAAADgPwAAAAAAAOA/AAAAAAAA4D8AAAAAAADgPwAAAAAAAOA/AAAAAAAA4D8CAAAAjAAAAAAAAAAAAAAA////AP///wgAAAAAAAAAAAAAAAAAAAAAAAAAAAAAAAAAAAAAeAAAAAEAAABAAAAAAAAAAAAAAABaAAAAAAAAAAAAAAAAAAAAAAAAAAAAAAAAAAAAAAAAAAAAAAAAAAAAAAAAAAAAAAAAAAAAAAAAAAAAAAAAAAAAAAAAAAAAAAAAAAAAFAAAADwAAAABAAAAAAAAAAAAAAkKAAAAAQAAABQAAAAUAAAAFAAAAAEAAAAAAAAAZAAAAGQAAAAAAAAAZAAAAGQAAAAVAAAAYAAAAAAAAAAAAAAADwAAACADAAAAAAAAAAAAAAEAAACgMgAAVgcAAKr4//8BAAAAf39/AAEAAABkAAAAAAAAABQAAABAHwAAAAAAACYAAAAAAAAAwOD//wAAAAAmAAAAZAAAABYAAABMAAAAAAAAAAAAAAAEAAAAAAAAAAEAAADn5uYKAAAAACgAAAAoAAAAZAAAAGQAAAAAAAAAzMzMAAAAAABQAAAAUAAAAGQAAABkAAAAAAAAABcAAAAUAAAAAAAAAAAAAAD/fwAA/38AAAAAAAAJAAAABAAAAAAAAAAeAAAAaAAAAAAAAAAAAAAAAAAAAAAAAAAAAAAAECcAABAnAAAAAAAAAAAAAAAAAAAAAAAAAAAAAAAAAAAAAAAAAAAAABQAAAAAAAAAwMD/AAAAAABkAAAAMgAAAAAAAABkAAAAAAAAAH9/fwAKAAAAIgAAABgAAAAAAAAAAAAAAAAAAAAAAAAAAAAAAAAAAAAkAAAAJAAAAAAAAAAHAAAAAAAAAAAAAAAAAAAAAAAAAAAAAAAAAAAAf39/ACUAAABYAAAAAAAAAAAAAAAAAAAAAAAAAAAAAAAAAAAAAAAAAAAAAAAAAAAAAAAAAAAAAAA/AAAAAAAAAKCGAQAAAAAAAAAAAAAAAAAMAAAAAQAAAAAAAAAAAAAAAAAAAB8AAABUAAAA////AP///wEAAAAAAAAAAAAAAAAAAAAAAAAAAAAAAAAAAAAAAAAAAAAAAAJ/f38A5+bmA8zMzADAwP8Af39/AAAAAAAAAAAAAAAAAAAAAAAAAAAAIQAAABgAAAAUAAAArx8AALQMAABaIAAAtAwAAAAAAAAmAAAACAAAAP//////////MAAAABQAAAAAAAAAAAD//wAAAQAAAP//AAABAA=="/>
+                      <pr:smNativeData xmlns:pr="smNativeData" xmlns="smNativeData" val="SMDATA_16_FAWHYRMAAAAlAAAACgAAAA0AAAAAkAAAAEgAAACQAAAASAAAAAAAAAAAAAAAAAAAAAEAAABQAAAAAAAAAAAA4D8AAAAAAADgPwAAAAAAAOA/AAAAAAAA4D8AAAAAAADgPwAAAAAAAOA/AAAAAAAA4D8AAAAAAADgPwAAAAAAAOA/AAAAAAAA4D8CAAAAjAAAAAAAAAAAAAAA////AP///wgAAAAAAAAAAAAAAAAAAAAAAAAAAAAAAAAAAAAAeAAAAAEAAABAAAAAAAAAAAAAAABaAAAAAAAAAAAAAAAAAAAAAAAAAAAAAAAAAAAAAAAAAAAAAAAAAAAAAAAAAAAAAAAAAAAAAAAAAAAAAAAAAAAAAAAAAAAAAAAAAAAAFAAAADwAAAABAAAAAAAAAAAAAAkKAAAAAQAAABQAAAAUAAAAFAAAAAEAAAAAAAAAZAAAAGQAAAAAAAAAZAAAAGQAAAAVAAAAYAAAAAAAAAAAAAAADwAAACADAAAAAAAAAAAAAAEAAACgMgAAVgcAAKr4//8BAAAAf39/AAEAAABkAAAAAAAAABQAAABAHwAAAAAAACYAAAAAAAAAwOD//wAAAAAmAAAAZAAAABYAAABMAAAAAAAAAAAAAAAEAAAAAAAAAAEAAADn5uYKAAAAACgAAAAoAAAAZAAAAGQAAAAAAAAAzMzMAAAAAABQAAAAUAAAAGQAAABkAAAAAAAAABcAAAAUAAAAAAAAAAAAAAD/fwAA/38AAAAAAAAJAAAABAAAAAAAAAAeAAAAaAAAAAAAAAAAAAAAAAAAAAAAAAAAAAAAECcAABAnAAAAAAAAAAAAAAAAAAAAAAAAAAAAAAAAAAAAAAAAAAAAABQAAAAAAAAAwMD/AAAAAABkAAAAMgAAAAAAAABkAAAAAAAAAH9/fwAKAAAAIgAAABgAAAAAAAAAAAAAAAAAAAAAAAAAAAAAAAAAAAAkAAAAJAAAAAAAAAAHAAAAAAAAAAAAAAAAAAAAAAAAAAAAAAAAAAAAf39/ACUAAABYAAAAAAAAAAAAAAAAAAAAAAAAAAAAAAAAAAAAAAAAAAAAAAAAAAAAAAAAAAAAAAA/AAAAAAAAAKCGAQAAAAAAAAAAAAAAAAAMAAAAAQAAAAAAAAAAAAAAAAAAAB8AAABUAAAA////AP///wEAAAAAAAAAAAAAAAAAAAAAAAAAAAAAAAAAAAAAAAAAAAAAAAJ/f38A5+bmA8zMzADAwP8Af39/AAAAAAAAAAAAAAAAAAAAAAAAAAAAIQAAABgAAAAUAAAArx8AALQMAABaIAAAtAwAAAAAAAAmAAAACAAAAP//////////MAAAABQAAAAAAAAAAAD//wAAAQAAAP//AAABAA=="/>
                     </a:ext>
                   </a:extLst>
                 </p:cNvSpPr>
@@ -6976,7 +6976,7 @@
             <p:cNvCxnSpPr>
               <a:extLst>
                 <a:ext uri="smNativeData">
-                  <pr:smNativeData xmlns:pr="smNativeData" xmlns="smNativeData" val="SMDATA_16_gfoFYRMAAAAlAAAADQAAAA0AAAAAkAAAAEgAAACQAAAASAAAAAAAAAAAAAAAAgAAAAEAAABQAAAAAAAAAAAA8L8AAAAAAAAAAAAAAAAAAPA/AAAAAAAA4D8AAAAAAADgPwAAAAAAAOA/AAAAAAAA4D8AAAAAAADgPwAAAAAAAOA/AAAAAAAA4D8CAAAAjAAAAAAAAAAAAAAA////AP///wgAAAAAAAAAAAAAAAAAAAAAAAAAAAAAAAAAAAAAeAAAAAEAAABAAAAAAAAAAAAAAABaAAAAAAAAAAAAAAAAAAAAAAAAAAAAAAAAAAAAAAAAAAAAAAAAAAAAAAAAAAAAAAAAAAAAAAAAAAAAAAAAAAAAAAAAAAAAAAAAAAAAFAAAADwAAAABAAAAAAAAAAAAAAkKAAAAAQAAABQAAAAUAAAAFAAAAAEAAAAAAAAAZAAAAGQAAAABAAAAZAAAAGQAAAAVAAAAYAAAAAAAAAAAAAAADwAAACADAAAAAAAAAAAAAAEAAACgMgAAVgcAAKr4//8BAAAAf39/AAEAAABkAAAAAAAAABQAAABAHwAAAAAAACYAAAAAAAAAwOD//wAAAAAmAAAAZAAAABYAAABMAAAAAAAAAAAAAAAEAAAAAAAAAAEAAADn5uYKAAAAACgAAAAoAAAAZAAAAGQAAAAAAAAAzMzMAAAAAABQAAAAUAAAAGQAAABkAAAAAAAAABcAAAAUAAAAAAAAAAAAAAD/fwAA/38AAAAAAAAJAAAABAAAAAAAAAAeAAAAaAAAAAAAAAAAAAAAAAAAAAAAAAAAAAAAECcAABAnAAAAAAAAAAAAAAAAAAAAAAAAAAAAAAAAAAAAAAAAAAAAABQAAAAAAAAAwMD/AAAAAABkAAAAMgAAAAAAAABkAAAAAAAAAH9/fwAKAAAAIgAAABgAAAAAAAAAAAAAAAAAAAAAAAAAAAAAAAAAAAAkAAAAJAAAAAAAAAAHAAAAAAAAAAAAAAAAAAAAAAAAAAAAAAAAAAAAf39/ACUAAABYAAAAAAAAAAAAAAAAAAAAAAAAAAAAAAAAAAAAAAAAAAAAAAAAAAAAAAAAAAAAAAA/AAAAAAAAAKCGAQAAAAAAAAAAAAAAAAAMAAAAAQAAAAAAAAAAAAAAAAAAAB8AAABUAAAA////AP///wEAAAAAAAAAAAAAAAAAAAAAAAAAAAAAAAAAAAAAAAAAAAAAAAJ/f38A5+bmA8zMzADAwP8Af39/AAAAAAAAAAAAAAAAAAAAAAAAAAAAIQAAABgAAAAUAAAAiRgAANMDAACJGAAASxMAAAAAAAAmAAAACAAAAP//////////MAAAABQAAAAAAAAAAAD//wAAAQAAAP//AAABAA=="/>
+                  <pr:smNativeData xmlns:pr="smNativeData" xmlns="smNativeData" val="SMDATA_16_FAWHYRMAAAAlAAAADQAAAA0AAAAAkAAAAEgAAACQAAAASAAAAAAAAAAAAAAAAgAAAAEAAABQAAAAAAAAAAAA8L8AAAAAAAAAAAAAAAAAAPA/AAAAAAAA4D8AAAAAAADgPwAAAAAAAOA/AAAAAAAA4D8AAAAAAADgPwAAAAAAAOA/AAAAAAAA4D8CAAAAjAAAAAAAAAAAAAAA////AP///wgAAAAAAAAAAAAAAAAAAAAAAAAAAAAAAAAAAAAAeAAAAAEAAABAAAAAAAAAAAAAAABaAAAAAAAAAAAAAAAAAAAAAAAAAAAAAAAAAAAAAAAAAAAAAAAAAAAAAAAAAAAAAAAAAAAAAAAAAAAAAAAAAAAAAAAAAAAAAAAAAAAAFAAAADwAAAABAAAAAAAAAAAAAAkKAAAAAQAAABQAAAAUAAAAFAAAAAEAAAAAAAAAZAAAAGQAAAABAAAAZAAAAGQAAAAVAAAAYAAAAAAAAAAAAAAADwAAACADAAAAAAAAAAAAAAEAAACgMgAAVgcAAKr4//8BAAAAf39/AAEAAABkAAAAAAAAABQAAABAHwAAAAAAACYAAAAAAAAAwOD//wAAAAAmAAAAZAAAABYAAABMAAAAAAAAAAAAAAAEAAAAAAAAAAEAAADn5uYKAAAAACgAAAAoAAAAZAAAAGQAAAAAAAAAzMzMAAAAAABQAAAAUAAAAGQAAABkAAAAAAAAABcAAAAUAAAAAAAAAAAAAAD/fwAA/38AAAAAAAAJAAAABAAAAAAAAAAeAAAAaAAAAAAAAAAAAAAAAAAAAAAAAAAAAAAAECcAABAnAAAAAAAAAAAAAAAAAAAAAAAAAAAAAAAAAAAAAAAAAAAAABQAAAAAAAAAwMD/AAAAAABkAAAAMgAAAAAAAABkAAAAAAAAAH9/fwAKAAAAIgAAABgAAAAAAAAAAAAAAAAAAAAAAAAAAAAAAAAAAAAkAAAAJAAAAAAAAAAHAAAAAAAAAAAAAAAAAAAAAAAAAAAAAAAAAAAAf39/ACUAAABYAAAAAAAAAAAAAAAAAAAAAAAAAAAAAAAAAAAAAAAAAAAAAAAAAAAAAAAAAAAAAAA/AAAAAAAAAKCGAQAAAAAAAAAAAAAAAAAMAAAAAQAAAAAAAAAAAAAAAAAAAB8AAABUAAAA////AP///wEAAAAAAAAAAAAAAAAAAAAAAAAAAAAAAAAAAAAAAAAAAAAAAAJ/f38A5+bmA8zMzADAwP8Af39/AAAAAAAAAAAAAAAAAAAAAAAAAAAAIQAAABgAAAAUAAAAiRgAANMDAACJGAAASxMAAAAAAAAmAAAACAAAAP//////////MAAAABQAAAAAAAAAAAD//wAAAQAAAP//AAABAA=="/>
                 </a:ext>
               </a:extLst>
             </p:cNvCxnSpPr>
@@ -7008,7 +7008,7 @@
             <p:cNvCxnSpPr>
               <a:extLst>
                 <a:ext uri="smNativeData">
-                  <pr:smNativeData xmlns:pr="smNativeData" xmlns="smNativeData" val="SMDATA_16_gfoFYRMAAAAlAAAADQAAAA0AAAAAkAAAAEgAAACQAAAASAAAAAAAAAAAAAAAAAAAAAEAAABQAAAAAAAAAAAA8L8AAAAAAAAAAAAAAAAAAPA/AAAAAAAA4D8AAAAAAADgPwAAAAAAAOA/AAAAAAAA4D8AAAAAAADgPwAAAAAAAOA/AAAAAAAA4D8CAAAAjAAAAAAAAAAAAAAA////AP///wgAAAAAAAAAAAAAAAAAAAAAAAAAAAAAAAAAAAAAeAAAAAEAAABAAAAAAAAAAAAAAABaAAAAAAAAAAAAAAAAAAAAAAAAAAAAAAAAAAAAAAAAAAAAAAAAAAAAAAAAAAAAAAAAAAAAAAAAAAAAAAAAAAAAAAAAAAAAAAAAAAAAFAAAADwAAAABAAAAAAAAAAAAAAkKAAAAAQAAABQAAAAUAAAAFAAAAAEAAAAAAAAAZAAAAGQAAAABAAAAZAAAAGQAAAAVAAAAYAAAAAAAAAAAAAAADwAAACADAAAAAAAAAAAAAAEAAACgMgAAVgcAAKr4//8BAAAAf39/AAEAAABkAAAAAAAAABQAAABAHwAAAAAAACYAAAAAAAAAwOD//wAAAAAmAAAAZAAAABYAAABMAAAAAAAAAAAAAAAEAAAAAAAAAAEAAADn5uYKAAAAACgAAAAoAAAAZAAAAGQAAAAAAAAAzMzMAAAAAABQAAAAUAAAAGQAAABkAAAAAAAAABcAAAAUAAAAAAAAAAAAAAD/fwAA/38AAAAAAAAJAAAABAAAAAAAAAAeAAAAaAAAAAAAAAAAAAAAAAAAAAAAAAAAAAAAECcAABAnAAAAAAAAAAAAAAAAAAAAAAAAAAAAAAAAAAAAAAAAAAAAABQAAAAAAAAAwMD/AAAAAABkAAAAMgAAAAAAAABkAAAAAAAAAH9/fwAKAAAAIgAAABgAAAAAAAAAAAAAAAAAAAAAAAAAAAAAAAAAAAAkAAAAJAAAAAAAAAAHAAAAAAAAAAAAAAAAAAAAAAAAAAAAAAAAAAAAf39/ACUAAABYAAAAAAAAAAAAAAAAAAAAAAAAAAAAAAAAAAAAAAAAAAAAAAAAAAAAAAAAAAAAAAA/AAAAAAAAAKCGAQAAAAAAAAAAAAAAAAAMAAAAAQAAAAAAAAAAAAAAAAAAAB8AAABUAAAA////AP///wEAAAAAAAAAAAAAAAAAAAAAAAAAAAAAAAAAAAAAAAAAAAAAAAJ/f38A5+bmA8zMzADAwP8Af39/AAAAAAAAAAAAAAAAAAAAAAAAAAAAIQAAABgAAAAUAAAAiRgAAEsTAAAJKgAASxMAAAAAAAAmAAAACAAAAP//////////MAAAABQAAAAAAAAAAAD//wAAAQAAAP//AAABAA=="/>
+                  <pr:smNativeData xmlns:pr="smNativeData" xmlns="smNativeData" val="SMDATA_16_FAWHYRMAAAAlAAAADQAAAA0AAAAAkAAAAEgAAACQAAAASAAAAAAAAAAAAAAAAAAAAAEAAABQAAAAAAAAAAAA8L8AAAAAAAAAAAAAAAAAAPA/AAAAAAAA4D8AAAAAAADgPwAAAAAAAOA/AAAAAAAA4D8AAAAAAADgPwAAAAAAAOA/AAAAAAAA4D8CAAAAjAAAAAAAAAAAAAAA////AP///wgAAAAAAAAAAAAAAAAAAAAAAAAAAAAAAAAAAAAAeAAAAAEAAABAAAAAAAAAAAAAAABaAAAAAAAAAAAAAAAAAAAAAAAAAAAAAAAAAAAAAAAAAAAAAAAAAAAAAAAAAAAAAAAAAAAAAAAAAAAAAAAAAAAAAAAAAAAAAAAAAAAAFAAAADwAAAABAAAAAAAAAAAAAAkKAAAAAQAAABQAAAAUAAAAFAAAAAEAAAAAAAAAZAAAAGQAAAABAAAAZAAAAGQAAAAVAAAAYAAAAAAAAAAAAAAADwAAACADAAAAAAAAAAAAAAEAAACgMgAAVgcAAKr4//8BAAAAf39/AAEAAABkAAAAAAAAABQAAABAHwAAAAAAACYAAAAAAAAAwOD//wAAAAAmAAAAZAAAABYAAABMAAAAAAAAAAAAAAAEAAAAAAAAAAEAAADn5uYKAAAAACgAAAAoAAAAZAAAAGQAAAAAAAAAzMzMAAAAAABQAAAAUAAAAGQAAABkAAAAAAAAABcAAAAUAAAAAAAAAAAAAAD/fwAA/38AAAAAAAAJAAAABAAAAAAAAAAeAAAAaAAAAAAAAAAAAAAAAAAAAAAAAAAAAAAAECcAABAnAAAAAAAAAAAAAAAAAAAAAAAAAAAAAAAAAAAAAAAAAAAAABQAAAAAAAAAwMD/AAAAAABkAAAAMgAAAAAAAABkAAAAAAAAAH9/fwAKAAAAIgAAABgAAAAAAAAAAAAAAAAAAAAAAAAAAAAAAAAAAAAkAAAAJAAAAAAAAAAHAAAAAAAAAAAAAAAAAAAAAAAAAAAAAAAAAAAAf39/ACUAAABYAAAAAAAAAAAAAAAAAAAAAAAAAAAAAAAAAAAAAAAAAAAAAAAAAAAAAAAAAAAAAAA/AAAAAAAAAKCGAQAAAAAAAAAAAAAAAAAMAAAAAQAAAAAAAAAAAAAAAAAAAB8AAABUAAAA////AP///wEAAAAAAAAAAAAAAAAAAAAAAAAAAAAAAAAAAAAAAAAAAAAAAAJ/f38A5+bmA8zMzADAwP8Af39/AAAAAAAAAAAAAAAAAAAAAAAAAAAAIQAAABgAAAAUAAAAiRgAAEsTAAAJKgAASxMAAAAAAAAmAAAACAAAAP//////////MAAAABQAAAAAAAAAAAD//wAAAQAAAP//AAABAA=="/>
                 </a:ext>
               </a:extLst>
             </p:cNvCxnSpPr>
@@ -7040,7 +7040,7 @@
             <p:cNvSpPr>
               <a:extLst>
                 <a:ext uri="smNativeData">
-                  <pr:smNativeData xmlns:pr="smNativeData" xmlns="smNativeData" val="SMDATA_16_gfoFYRMAAAAlAAAAZAAAAE0AAAAAkAAAAEgAAACQAAAASAAAAAAAAAAAAAAAAAAAAAEAAABQAAAAAAAAAAAA4D8AAAAAAADgPwAAAAAAAOA/AAAAAAAA4D8AAAAAAADgPwAAAAAAAOA/AAAAAAAA4D8AAAAAAADgPwAAAAAAAOA/AAAAAAAA4D8CAAAAjAAAAAAAAAAAAAAARHLEDP///wgAAAAAAAAAAAAAAAAAAAAAAAAAAAAAAAAAAAAAZAAAAAEAAABAAAAAAAAAAAAAAAAAAAAAAAAAAAAAAAAAAAAAAAAAAAAAAAAAAAAAAAAAAAAAAAAAAAAAAAAAAAAAAAAAAAAAAAAAAAAAAAAAAAAAAAAAAAAAAAAAAAAAFAAAADwAAAAAAAAAAAAAAAAAAAAPAAAAAQAAACMAAAAjAAAAIwAAAB4AAAAAAAAAZAAAAGQAAAAAAAAAZAAAAGQAAAAVAAAAYAAAAAAAAAAAAAAADwAAACADAAAAAAAAAAAAAAEAAACgMgAAVgcAAKr4//8BAAAAf39/AAEAAABkAAAAAAAAABQAAABAHwAAAAAAACYAAAAAAAAAwOD//wAAAAAmAAAAZAAAABYAAABMAAAAAAAAAAAAAAAEAAAAAAAAAAEAAADn5uYKAAAAACgAAAAoAAAAZAAAAGQAAAAAAAAAzMzMAAAAAABQAAAAUAAAAGQAAABkAAAAAAAAABcAAAAUAAAAAAAAAAAAAAD/fwAA/38AAAAAAAAJAAAABAAAAAAAAAAeAAAAaAAAAAAAAAAAAAAAAAAAAAAAAAAAAAAAECcAABAnAAAAAAAAAAAAAAAAAAAAAAAAAAAAAAAAAAAAAAAAAAAAABQAAAAAAAAAwMD/AAAAAABkAAAAMgAAAAAAAABkAAAAAAAAAH9/fwAKAAAAIgAAABgAAAAAAAAAAAAAAAAAAAAAAAAAAAAAAAAAAAAkAAAAJAAAAAAAAAAHAAAAAAAAAAAAAAAAAAAAAAAAAAAAAAAAAAAAf39/ACUAAABYAAAAAAAAAAAAAAAAAAAAAAAAAAAAAAAAAAAAAAAAAAAAAAAAAAAAAAAAAAAAAAA/AAAAAAAAAKCGAQAAAAAAAAAAAAAAAAAMAAAAAQAAAAAAAAAAAAAAAAAAAB8AAABUAAAARHLEBf///wEAAAAAAAAAAAAAAAAAAAAAAAAAAAAAAAAAAAAAAAAAAAAAAAB/f38A5+bmA8zMzADAwP8Af39/AAAAAAAAAAAAAAAAAAAAAAAAAAAAIQAAABgAAAAUAAAAxxYAAKUEAADMGAAA6wYAAAAgAAAmAAAACAAAAP//////////MAAAABQAAAAAAAAAAAD//wAAAQAAAP//AAABAA=="/>
+                  <pr:smNativeData xmlns:pr="smNativeData" xmlns="smNativeData" val="SMDATA_16_FAWHYRMAAAAlAAAAZAAAAE0AAAAAkAAAAEgAAACQAAAASAAAAAAAAAAAAAAAAAAAAAEAAABQAAAAAAAAAAAA4D8AAAAAAADgPwAAAAAAAOA/AAAAAAAA4D8AAAAAAADgPwAAAAAAAOA/AAAAAAAA4D8AAAAAAADgPwAAAAAAAOA/AAAAAAAA4D8CAAAAjAAAAAAAAAAAAAAARHLEDP///wgAAAAAAAAAAAAAAAAAAAAAAAAAAAAAAAAAAAAAZAAAAAEAAABAAAAAAAAAAAAAAAAAAAAAAAAAAAAAAAAAAAAAAAAAAAAAAAAAAAAAAAAAAAAAAAAAAAAAAAAAAAAAAAAAAAAAAAAAAAAAAAAAAAAAAAAAAAAAAAAAAAAAFAAAADwAAAAAAAAAAAAAAAAAAAAPAAAAAQAAACMAAAAjAAAAIwAAAB4AAAAAAAAAZAAAAGQAAAAAAAAAZAAAAGQAAAAVAAAAYAAAAAAAAAAAAAAADwAAACADAAAAAAAAAAAAAAEAAACgMgAAVgcAAKr4//8BAAAAf39/AAEAAABkAAAAAAAAABQAAABAHwAAAAAAACYAAAAAAAAAwOD//wAAAAAmAAAAZAAAABYAAABMAAAAAAAAAAAAAAAEAAAAAAAAAAEAAADn5uYKAAAAACgAAAAoAAAAZAAAAGQAAAAAAAAAzMzMAAAAAABQAAAAUAAAAGQAAABkAAAAAAAAABcAAAAUAAAAAAAAAAAAAAD/fwAA/38AAAAAAAAJAAAABAAAAAAAAAAeAAAAaAAAAAAAAAAAAAAAAAAAAAAAAAAAAAAAECcAABAnAAAAAAAAAAAAAAAAAAAAAAAAAAAAAAAAAAAAAAAAAAAAABQAAAAAAAAAwMD/AAAAAABkAAAAMgAAAAAAAABkAAAAAAAAAH9/fwAKAAAAIgAAABgAAAAAAAAAAAAAAAAAAAAAAAAAAAAAAAAAAAAkAAAAJAAAAAAAAAAHAAAAAAAAAAAAAAAAAAAAAAAAAAAAAAAAAAAAf39/ACUAAABYAAAAAAAAAAAAAAAAAAAAAAAAAAAAAAAAAAAAAAAAAAAAAAAAAAAAAAAAAAAAAAA/AAAAAAAAAKCGAQAAAAAAAAAAAAAAAAAMAAAAAQAAAAAAAAAAAAAAAAAAAB8AAABUAAAARHLEBf///wEAAAAAAAAAAAAAAAAAAAAAAAAAAAAAAAAAAAAAAAAAAAAAAAB/f38A5+bmA8zMzADAwP8Af39/AAAAAAAAAAAAAAAAAAAAAAAAAAAAIQAAABgAAAAUAAAAxxYAAKUEAADMGAAA6wYAAAAgAAAmAAAACAAAAP//////////MAAAABQAAAAAAAAAAAD//wAAAQAAAP//AAABAA=="/>
                 </a:ext>
               </a:extLst>
             </p:cNvSpPr>
@@ -7085,7 +7085,7 @@
             <p:cNvSpPr>
               <a:extLst>
                 <a:ext uri="smNativeData">
-                  <pr:smNativeData xmlns:pr="smNativeData" xmlns="smNativeData" val="SMDATA_16_gfoFYRMAAAAlAAAAZAAAAE0AAAAAkAAAAEgAAACQAAAASAAAAAAAAAAAAAAAAAAAAAEAAABQAAAAAAAAAAAA4D8AAAAAAADgPwAAAAAAAOA/AAAAAAAA4D8AAAAAAADgPwAAAAAAAOA/AAAAAAAA4D8AAAAAAADgPwAAAAAAAOA/AAAAAAAA4D8CAAAAjAAAAAAAAAAAAAAARHLEDP///wgAAAAAAAAAAAAAAAAAAAAAAAAAAAAAAAAAAAAAZAAAAAEAAABAAAAAAAAAAAAAAAAAAAAAAAAAAAAAAAAAAAAAAAAAAAAAAAAAAAAAAAAAAAAAAAAAAAAAAAAAAAAAAAAAAAAAAAAAAAAAAAAAAAAAAAAAAAAAAAAAAAAAFAAAADwAAAAAAAAAAAAAAAAAAAAPAAAAAQAAACMAAAAjAAAAIwAAAB4AAAAAAAAAZAAAAGQAAAAAAAAAZAAAAGQAAAAVAAAAYAAAAAAAAAAAAAAADwAAACADAAAAAAAAAAAAAAEAAACgMgAAVgcAAKr4//8BAAAAf39/AAEAAABkAAAAAAAAABQAAABAHwAAAAAAACYAAAAAAAAAwOD//wAAAAAmAAAAZAAAABYAAABMAAAAAAAAAAAAAAAEAAAAAAAAAAEAAADn5uYKAAAAACgAAAAoAAAAZAAAAGQAAAAAAAAAzMzMAAAAAABQAAAAUAAAAGQAAABkAAAAAAAAABcAAAAUAAAAAAAAAAAAAAD/fwAA/38AAAAAAAAJAAAABAAAAAAAAAAeAAAAaAAAAAAAAAAAAAAAAAAAAAAAAAAAAAAAECcAABAnAAAAAAAAAAAAAAAAAAAAAAAAAAAAAAAAAAAAAAAAAAAAABQAAAAAAAAAwMD/AAAAAABkAAAAMgAAAAAAAABkAAAAAAAAAH9/fwAKAAAAIgAAABgAAAAAAAAAAAAAAAAAAAAAAAAAAAAAAAAAAAAkAAAAJAAAAAAAAAAHAAAAAAAAAAAAAAAAAAAAAAAAAAAAAAAAAAAAf39/ACUAAABYAAAAAAAAAAAAAAAAAAAAAAAAAAAAAAAAAAAAAAAAAAAAAAAAAAAAAAAAAAAAAAA/AAAAAAAAAKCGAQAAAAAAAAAAAAAAAAAMAAAAAQAAAAAAAAAAAAAAAAAAAB8AAABUAAAARHLEBf///wEAAAAAAAAAAAAAAAAAAAAAAAAAAAAAAAAAAAAAAAAAAAAAAAB/f38A5+bmA8zMzADAwP8Af39/AAAAAAAAAAAAAAAAAAAAAAAAAAAAIQAAABgAAAAUAAAAAygAAEsTAAAbKgAAkRUAAAAgAAAmAAAACAAAAP//////////MAAAABQAAAAAAAAAAAD//wAAAQAAAP//AAABAA=="/>
+                  <pr:smNativeData xmlns:pr="smNativeData" xmlns="smNativeData" val="SMDATA_16_FAWHYRMAAAAlAAAAZAAAAE0AAAAAkAAAAEgAAACQAAAASAAAAAAAAAAAAAAAAAAAAAEAAABQAAAAAAAAAAAA4D8AAAAAAADgPwAAAAAAAOA/AAAAAAAA4D8AAAAAAADgPwAAAAAAAOA/AAAAAAAA4D8AAAAAAADgPwAAAAAAAOA/AAAAAAAA4D8CAAAAjAAAAAAAAAAAAAAARHLEDP///wgAAAAAAAAAAAAAAAAAAAAAAAAAAAAAAAAAAAAAZAAAAAEAAABAAAAAAAAAAAAAAAAAAAAAAAAAAAAAAAAAAAAAAAAAAAAAAAAAAAAAAAAAAAAAAAAAAAAAAAAAAAAAAAAAAAAAAAAAAAAAAAAAAAAAAAAAAAAAAAAAAAAAFAAAADwAAAAAAAAAAAAAAAAAAAAPAAAAAQAAACMAAAAjAAAAIwAAAB4AAAAAAAAAZAAAAGQAAAAAAAAAZAAAAGQAAAAVAAAAYAAAAAAAAAAAAAAADwAAACADAAAAAAAAAAAAAAEAAACgMgAAVgcAAKr4//8BAAAAf39/AAEAAABkAAAAAAAAABQAAABAHwAAAAAAACYAAAAAAAAAwOD//wAAAAAmAAAAZAAAABYAAABMAAAAAAAAAAAAAAAEAAAAAAAAAAEAAADn5uYKAAAAACgAAAAoAAAAZAAAAGQAAAAAAAAAzMzMAAAAAABQAAAAUAAAAGQAAABkAAAAAAAAABcAAAAUAAAAAAAAAAAAAAD/fwAA/38AAAAAAAAJAAAABAAAAAAAAAAeAAAAaAAAAAAAAAAAAAAAAAAAAAAAAAAAAAAAECcAABAnAAAAAAAAAAAAAAAAAAAAAAAAAAAAAAAAAAAAAAAAAAAAABQAAAAAAAAAwMD/AAAAAABkAAAAMgAAAAAAAABkAAAAAAAAAH9/fwAKAAAAIgAAABgAAAAAAAAAAAAAAAAAAAAAAAAAAAAAAAAAAAAkAAAAJAAAAAAAAAAHAAAAAAAAAAAAAAAAAAAAAAAAAAAAAAAAAAAAf39/ACUAAABYAAAAAAAAAAAAAAAAAAAAAAAAAAAAAAAAAAAAAAAAAAAAAAAAAAAAAAAAAAAAAAA/AAAAAAAAAKCGAQAAAAAAAAAAAAAAAAAMAAAAAQAAAAAAAAAAAAAAAAAAAB8AAABUAAAARHLEBf///wEAAAAAAAAAAAAAAAAAAAAAAAAAAAAAAAAAAAAAAAAAAAAAAAB/f38A5+bmA8zMzADAwP8Af39/AAAAAAAAAAAAAAAAAAAAAAAAAAAAIQAAABgAAAAUAAAAAygAAEsTAAAbKgAAkRUAAAAgAAAmAAAACAAAAP//////////MAAAABQAAAAAAAAAAAD//wAAAQAAAP//AAABAA=="/>
                 </a:ext>
               </a:extLst>
             </p:cNvSpPr>
@@ -7130,7 +7130,7 @@
             <p:cNvCxnSpPr>
               <a:extLst>
                 <a:ext uri="smNativeData">
-                  <pr:smNativeData xmlns:pr="smNativeData" xmlns="smNativeData" val="SMDATA_16_gfoFYRMAAAAlAAAADQAAAA0AAAAAkAAAAEgAAACQAAAASAAAAAAAAAAAAAAAAgAAAAEAAABQAAAAAAAAAAAA8L8AAAAAAAAAAAAAAAAAAPA/AAAAAAAA4D8AAAAAAADgPwAAAAAAAOA/AAAAAAAA4D8AAAAAAADgPwAAAAAAAOA/AAAAAAAA4D8CAAAAjAAAAAAAAAAAAAAA////AP///wgAAAAAAAAAAAAAAAAAAAAAAAAAAAAAAAAAAAAAeAAAAAEAAABAAAAAAAAAAAAAAABaAAAAAAAAAAAAAAAAAAAAAAAAAAAAAAAAAAAAAAAAAAAAAAAAAAAAAAAAAAAAAAAAAAAAAAAAAAAAAAAAAAAAAAAAAAAAAAAAAAAAFAAAADwAAAABAAAAAAAAAERyxAwKAAAAAQAAABQAAAAUAAAAFAAAAAEAAAAAAAAAZAAAAGQAAAABAAAAZAAAAGQAAAAVAAAAYAAAAAAAAAAAAAAADwAAACADAAAAAAAAAAAAAAEAAACgMgAAVgcAAKr4//8BAAAAf39/AAEAAABkAAAAAAAAABQAAABAHwAAAAAAACYAAAAAAAAAwOD//wAAAAAmAAAAZAAAABYAAABMAAAAAAAAAAAAAAAEAAAAAAAAAAEAAADn5uYKAAAAACgAAAAoAAAAZAAAAGQAAAAAAAAAzMzMAAAAAABQAAAAUAAAAGQAAABkAAAAAAAAABcAAAAUAAAAAAAAAAAAAAD/fwAA/38AAAAAAAAJAAAABAAAAAAAAAAeAAAAaAAAAAAAAAAAAAAAAAAAAAAAAAAAAAAAECcAABAnAAAAAAAAAAAAAAAAAAAAAAAAAAAAAAAAAAAAAAAAAAAAABQAAAAAAAAAwMD/AAAAAABkAAAAMgAAAAAAAABkAAAAAAAAAH9/fwAKAAAAIgAAABgAAAAAAAAAAAAAAAAAAAAAAAAAAAAAAAAAAAAkAAAAJAAAAAAAAAAHAAAAAAAAAAAAAAAAAAAAAAAAAAAAAAAAAAAAf39/ACUAAABYAAAAAAAAAAAAAAAAAAAAAAAAAAAAAAAAAAAAAAAAAAAAAAAAAAAAAAAAAAAAAAA/AAAAAAAAAKCGAQAAAAAAAAAAAAAAAAAMAAAAAQAAAAAAAAAAAAAAAAAAAB8AAABUAAAA////AP///wEAAAAAAAAAAAAAAAAAAAAAAAAAAAAAAAAAAAAAAAAAAERyxAV/f38A5+bmA8zMzADAwP8Af39/AAAAAAAAAAAAAAAAAAAAAAAAAAAAIQAAABgAAAAUAAAAVB8AABsIAACkIgAAeQwAAAAAAAAmAAAACAAAAP//////////MAAAABQAAAAAAAAAAAD//wAAAQAAAP//AAABAA=="/>
+                  <pr:smNativeData xmlns:pr="smNativeData" xmlns="smNativeData" val="SMDATA_16_FAWHYRMAAAAlAAAADQAAAA0AAAAAkAAAAEgAAACQAAAASAAAAAAAAAAAAAAAAgAAAAEAAABQAAAAAAAAAAAA8L8AAAAAAAAAAAAAAAAAAPA/AAAAAAAA4D8AAAAAAADgPwAAAAAAAOA/AAAAAAAA4D8AAAAAAADgPwAAAAAAAOA/AAAAAAAA4D8CAAAAjAAAAAAAAAAAAAAA////AP///wgAAAAAAAAAAAAAAAAAAAAAAAAAAAAAAAAAAAAAeAAAAAEAAABAAAAAAAAAAAAAAABaAAAAAAAAAAAAAAAAAAAAAAAAAAAAAAAAAAAAAAAAAAAAAAAAAAAAAAAAAAAAAAAAAAAAAAAAAAAAAAAAAAAAAAAAAAAAAAAAAAAAFAAAADwAAAABAAAAAAAAAERyxAwKAAAAAQAAABQAAAAUAAAAFAAAAAEAAAAAAAAAZAAAAGQAAAABAAAAZAAAAGQAAAAVAAAAYAAAAAAAAAAAAAAADwAAACADAAAAAAAAAAAAAAEAAACgMgAAVgcAAKr4//8BAAAAf39/AAEAAABkAAAAAAAAABQAAABAHwAAAAAAACYAAAAAAAAAwOD//wAAAAAmAAAAZAAAABYAAABMAAAAAAAAAAAAAAAEAAAAAAAAAAEAAADn5uYKAAAAACgAAAAoAAAAZAAAAGQAAAAAAAAAzMzMAAAAAABQAAAAUAAAAGQAAABkAAAAAAAAABcAAAAUAAAAAAAAAAAAAAD/fwAA/38AAAAAAAAJAAAABAAAAAAAAAAeAAAAaAAAAAAAAAAAAAAAAAAAAAAAAAAAAAAAECcAABAnAAAAAAAAAAAAAAAAAAAAAAAAAAAAAAAAAAAAAAAAAAAAABQAAAAAAAAAwMD/AAAAAABkAAAAMgAAAAAAAABkAAAAAAAAAH9/fwAKAAAAIgAAABgAAAAAAAAAAAAAAAAAAAAAAAAAAAAAAAAAAAAkAAAAJAAAAAAAAAAHAAAAAAAAAAAAAAAAAAAAAAAAAAAAAAAAAAAAf39/ACUAAABYAAAAAAAAAAAAAAAAAAAAAAAAAAAAAAAAAAAAAAAAAAAAAAAAAAAAAAAAAAAAAAA/AAAAAAAAAKCGAQAAAAAAAAAAAAAAAAAMAAAAAQAAAAAAAAAAAAAAAAAAAB8AAABUAAAA////AP///wEAAAAAAAAAAAAAAAAAAAAAAAAAAAAAAAAAAAAAAAAAAERyxAV/f38A5+bmA8zMzADAwP8Af39/AAAAAAAAAAAAAAAAAAAAAAAAAAAAIQAAABgAAAAUAAAAVB8AABsIAACkIgAAeQwAAAAAAAAmAAAACAAAAP//////////MAAAABQAAAAAAAAAAAD//wAAAQAAAP//AAABAA=="/>
                 </a:ext>
               </a:extLst>
             </p:cNvCxnSpPr>
@@ -7162,7 +7162,7 @@
             <p:cNvSpPr>
               <a:extLst>
                 <a:ext uri="smNativeData">
-                  <pr:smNativeData xmlns:pr="smNativeData" xmlns="smNativeData" val="SMDATA_16_gfoFYRMAAAAlAAAAjgAAAC0AAAAAkAAAAEgAAACQAAAASAAAAAAAAAABAAAAAAAAAAEAAABQAAAAGOvM25z7zD8x9OuICPXsPwAAAAAAAOA/AAAAAAAA4D8AAAAAAADgPwAAAAAAAOA/AAAAAAAA4D8AAAAAAADgPwAAAAAAAOA/AAAAAAAA4D8CAAAAjAAAAAAAAAAAAAAARHLEDP///wgAAAAAAAAAAAAAAAAAAAAAAAAAAAAAAAAAAAAAZAAAAAEAAABAAAAAAAAAAAAAAAAAAAAAAAAAAAAAAAAAAAAAAAAAAAAAAAAAAAAAAAAAAAAAAAAAAAAAAAAAAAAAAAAAAAAAAAAAAAAAAAAAAAAAAAAAAAAAAAAAAAAAFAAAADwAAAABAAAAAAAAAERyxAwKAAAAAQAAABQAAAAUAAAAFAAAAAEAAAABAAAAZAAAAGQAAAAAAAAAZAAAAGQAAAAVAAAAYAAAAAAAAAAAAAAADwAAACADAAAAAAAAAAAAAAEAAACgMgAAVgcAAKr4//8BAAAAf39/AAEAAABkAAAAAAAAABQAAABAHwAAAAAAACYAAAAAAAAAwOD//wAAAAAmAAAAZAAAABYAAABMAAAAAAAAAAAAAAAEAAAAAAAAAAEAAADn5uYKAAAAACgAAAAoAAAAZAAAAGQAAAAAAAAAzMzMAAAAAABQAAAAUAAAAGQAAABkAAAAAAAAABcAAAAUAAAAAAAAAAAAAAD/fwAA/38AAAAAAAAJAAAABAAAAAAAAAAeAAAAaAAAAAAAAAAAAAAAAAAAAAAAAAAAAAAAECcAABAnAAAAAAAAAAAAAAAAAAAAAAAAAAAAAAAAAAAAAAAAAAAAABQAAAAAAAAAwMD/AAAAAABkAAAAMgAAAAAAAABkAAAAAAAAAH9/fwAKAAAAIgAAABgAAAAAAAAAAAAAAAAAAAAAAAAAAAAAAAAAAAAkAAAAJAAAAAAAAAAHAAAAAAAAAAAAAAAAAAAAAAAAAAAAAAAAAAAAf39/ACUAAABYAAAAAAAAAAAAAAAAAAAAAAAAAAAAAAAAAAAAAAAAAAAAAAAAAAAAAAAAAAAAAAA/AAAAAAAAAKCGAQAAAAAAAAAAAAAAAAAMAAAAAQAAAAAAAAAAAAAAAAAAAB8AAABUAAAARHLEBf///wEAAAAAAAAAAAAAAAAAAAAAAAAAAAAAAAAAAAAAAAAAAERyxAV/f38A5+bmA8zMzADAwP8Af39/AAAAAAAAAAAAAAAAAAAAAAAAAAAAIQAAABgAAAAUAAAAHB4AAFwLAAB6IAAAug0AAAAAAAAmAAAACAAAAP//////////MAAAABQAAAAAAAAA/Er//wS1AAD8Sv//BLUAAA=="/>
+                  <pr:smNativeData xmlns:pr="smNativeData" xmlns="smNativeData" val="SMDATA_16_FAWHYRMAAAAlAAAAjgAAAC0AAAAAkAAAAEgAAACQAAAASAAAAAAAAAABAAAAAAAAAAEAAABQAAAAGOvM25z7zD8x9OuICPXsPwAAAAAAAOA/AAAAAAAA4D8AAAAAAADgPwAAAAAAAOA/AAAAAAAA4D8AAAAAAADgPwAAAAAAAOA/AAAAAAAA4D8CAAAAjAAAAAAAAAAAAAAARHLEDP///wgAAAAAAAAAAAAAAAAAAAAAAAAAAAAAAAAAAAAAZAAAAAEAAABAAAAAAAAAAAAAAAAAAAAAAAAAAAAAAAAAAAAAAAAAAAAAAAAAAAAAAAAAAAAAAAAAAAAAAAAAAAAAAAAAAAAAAAAAAAAAAAAAAAAAAAAAAAAAAAAAAAAAFAAAADwAAAABAAAAAAAAAERyxAwKAAAAAQAAABQAAAAUAAAAFAAAAAEAAAABAAAAZAAAAGQAAAAAAAAAZAAAAGQAAAAVAAAAYAAAAAAAAAAAAAAADwAAACADAAAAAAAAAAAAAAEAAACgMgAAVgcAAKr4//8BAAAAf39/AAEAAABkAAAAAAAAABQAAABAHwAAAAAAACYAAAAAAAAAwOD//wAAAAAmAAAAZAAAABYAAABMAAAAAAAAAAAAAAAEAAAAAAAAAAEAAADn5uYKAAAAACgAAAAoAAAAZAAAAGQAAAAAAAAAzMzMAAAAAABQAAAAUAAAAGQAAABkAAAAAAAAABcAAAAUAAAAAAAAAAAAAAD/fwAA/38AAAAAAAAJAAAABAAAAAAAAAAeAAAAaAAAAAAAAAAAAAAAAAAAAAAAAAAAAAAAECcAABAnAAAAAAAAAAAAAAAAAAAAAAAAAAAAAAAAAAAAAAAAAAAAABQAAAAAAAAAwMD/AAAAAABkAAAAMgAAAAAAAABkAAAAAAAAAH9/fwAKAAAAIgAAABgAAAAAAAAAAAAAAAAAAAAAAAAAAAAAAAAAAAAkAAAAJAAAAAAAAAAHAAAAAAAAAAAAAAAAAAAAAAAAAAAAAAAAAAAAf39/ACUAAABYAAAAAAAAAAAAAAAAAAAAAAAAAAAAAAAAAAAAAAAAAAAAAAAAAAAAAAAAAAAAAAA/AAAAAAAAAKCGAQAAAAAAAAAAAAAAAAAMAAAAAQAAAAAAAAAAAAAAAAAAAB8AAABUAAAARHLEBf///wEAAAAAAAAAAAAAAAAAAAAAAAAAAAAAAAAAAAAAAAAAAERyxAV/f38A5+bmA8zMzADAwP8Af39/AAAAAAAAAAAAAAAAAAAAAAAAAAAAIQAAABgAAAAUAAAAHB4AAFwLAAB6IAAAug0AAAAAAAAmAAAACAAAAP//////////MAAAABQAAAAAAAAA/Er//wS1AAD8Sv//BLUAAA=="/>
                 </a:ext>
               </a:extLst>
             </p:cNvSpPr>
@@ -7207,7 +7207,7 @@
             <p:cNvSpPr>
               <a:extLst>
                 <a:ext uri="smNativeData">
-                  <pr:smNativeData xmlns:pr="smNativeData" xmlns="smNativeData" val="SMDATA_16_gfoFYRMAAAAlAAAAZAAAAE0AAAAAkAAAAEgAAACQAAAASAAAAAAAAAAAAAAAAAAAAAEAAABQAAAAAAAAAAAA4D8AAAAAAADgPwAAAAAAAOA/AAAAAAAA4D8AAAAAAADgPwAAAAAAAOA/AAAAAAAA4D8AAAAAAADgPwAAAAAAAOA/AAAAAAAA4D8CAAAAjAAAAAAAAAAAAAAARHLEDP///wgAAAAAAAAAAAAAAAAAAAAAAAAAAAAAAAAAAAAAZAAAAAEAAABAAAAAAAAAAAAAAAAAAAAAAAAAAAAAAAAAAAAAAAAAAAAAAAAAAAAAAAAAAAAAAAAAAAAAAAAAAAAAAAAAAAAAAAAAAAAAAAAAAAAAAAAAAAAAAAAAAAAAFAAAADwAAAAAAAAAAAAAAAAAAAAPAAAAAQAAACMAAAAjAAAAIwAAAB4AAAAAAAAAZAAAAGQAAAAAAAAAZAAAAGQAAAAVAAAAYAAAAAAAAAAAAAAADwAAACADAAAAAAAAAAAAAAEAAACgMgAAVgcAAKr4//8BAAAAf39/AAEAAABkAAAAAAAAABQAAABAHwAAAAAAACYAAAAAAAAAwOD//wAAAAAmAAAAZAAAABYAAABMAAAAAAAAAAAAAAAEAAAAAAAAAAEAAADn5uYKAAAAACgAAAAoAAAAZAAAAGQAAAAAAAAAzMzMAAAAAABQAAAAUAAAAGQAAABkAAAAAAAAABcAAAAUAAAAAAAAAAAAAAD/fwAA/38AAAAAAAAJAAAABAAAAAAAAAAeAAAAaAAAAAAAAAAAAAAAAAAAAAAAAAAAAAAAECcAABAnAAAAAAAAAAAAAAAAAAAAAAAAAAAAAAAAAAAAAAAAAAAAABQAAAAAAAAAwMD/AAAAAABkAAAAMgAAAAAAAABkAAAAAAAAAH9/fwAKAAAAIgAAABgAAAAAAAAAAAAAAAAAAAAAAAAAAAAAAAAAAAAkAAAAJAAAAAAAAAAHAAAAAAAAAAAAAAAAAAAAAAAAAAAAAAAAAAAAf39/ACUAAABYAAAAAAAAAAAAAAAAAAAAAAAAAAAAAAAAAAAAAAAAAAAAAAAAAAAAAAAAAAAAAAA/AAAAAAAAAKCGAQAAAAAAAAAAAAAAAAAMAAAAAQAAAAAAAAAAAAAAAAAAAB8AAABUAAAARHLEBf///wEAAAAAAAAAAAAAAAAAAAAAAAAAAAAAAAAAAAAAAAAAAAAAAAB/f38A5+bmA8zMzADAwP8Af39/AAAAAAAAAAAAAAAAAAAAAAAAAAAAIQAAABgAAAAUAAAAECIAADMGAABaJQAAeQgAAAAgAAAmAAAACAAAAP//////////MAAAABQAAAAAAAAAAAD//wAAAQAAAP//AAABAA=="/>
+                  <pr:smNativeData xmlns:pr="smNativeData" xmlns="smNativeData" val="SMDATA_16_FAWHYRMAAAAlAAAAZAAAAE0AAAAAkAAAAEgAAACQAAAASAAAAAAAAAAAAAAAAAAAAAEAAABQAAAAAAAAAAAA4D8AAAAAAADgPwAAAAAAAOA/AAAAAAAA4D8AAAAAAADgPwAAAAAAAOA/AAAAAAAA4D8AAAAAAADgPwAAAAAAAOA/AAAAAAAA4D8CAAAAjAAAAAAAAAAAAAAARHLEDP///wgAAAAAAAAAAAAAAAAAAAAAAAAAAAAAAAAAAAAAZAAAAAEAAABAAAAAAAAAAAAAAAAAAAAAAAAAAAAAAAAAAAAAAAAAAAAAAAAAAAAAAAAAAAAAAAAAAAAAAAAAAAAAAAAAAAAAAAAAAAAAAAAAAAAAAAAAAAAAAAAAAAAAFAAAADwAAAAAAAAAAAAAAAAAAAAPAAAAAQAAACMAAAAjAAAAIwAAAB4AAAAAAAAAZAAAAGQAAAAAAAAAZAAAAGQAAAAVAAAAYAAAAAAAAAAAAAAADwAAACADAAAAAAAAAAAAAAEAAACgMgAAVgcAAKr4//8BAAAAf39/AAEAAABkAAAAAAAAABQAAABAHwAAAAAAACYAAAAAAAAAwOD//wAAAAAmAAAAZAAAABYAAABMAAAAAAAAAAAAAAAEAAAAAAAAAAEAAADn5uYKAAAAACgAAAAoAAAAZAAAAGQAAAAAAAAAzMzMAAAAAABQAAAAUAAAAGQAAABkAAAAAAAAABcAAAAUAAAAAAAAAAAAAAD/fwAA/38AAAAAAAAJAAAABAAAAAAAAAAeAAAAaAAAAAAAAAAAAAAAAAAAAAAAAAAAAAAAECcAABAnAAAAAAAAAAAAAAAAAAAAAAAAAAAAAAAAAAAAAAAAAAAAABQAAAAAAAAAwMD/AAAAAABkAAAAMgAAAAAAAABkAAAAAAAAAH9/fwAKAAAAIgAAABgAAAAAAAAAAAAAAAAAAAAAAAAAAAAAAAAAAAAkAAAAJAAAAAAAAAAHAAAAAAAAAAAAAAAAAAAAAAAAAAAAAAAAAAAAf39/ACUAAABYAAAAAAAAAAAAAAAAAAAAAAAAAAAAAAAAAAAAAAAAAAAAAAAAAAAAAAAAAAAAAAA/AAAAAAAAAKCGAQAAAAAAAAAAAAAAAAAMAAAAAQAAAAAAAAAAAAAAAAAAAB8AAABUAAAARHLEBf///wEAAAAAAAAAAAAAAAAAAAAAAAAAAAAAAAAAAAAAAAAAAAAAAAB/f38A5+bmA8zMzADAwP8Af39/AAAAAAAAAAAAAAAAAAAAAAAAAAAAIQAAABgAAAAUAAAAECIAADMGAABaJQAAeQgAAAAgAAAmAAAACAAAAP//////////MAAAABQAAAAAAAAAAAD//wAAAQAAAP//AAABAA=="/>
                 </a:ext>
               </a:extLst>
             </p:cNvSpPr>
@@ -7256,7 +7256,7 @@
             <p:cNvSpPr>
               <a:extLst>
                 <a:ext uri="smNativeData">
-                  <pr:smNativeData xmlns:pr="smNativeData" xmlns="smNativeData" val="SMDATA_16_gfoFYRMAAAAlAAAAZAAAAE0AAAAAkAAAAEgAAACQAAAASAAAAAAAAAAAAAAAAAAAAAEAAABQAAAAAAAAAAAA4D8AAAAAAADgPwAAAAAAAOA/AAAAAAAA4D8AAAAAAADgPwAAAAAAAOA/AAAAAAAA4D8AAAAAAADgPwAAAAAAAOA/AAAAAAAA4D8CAAAAjAAAAAAAAAAAAAAARHLEDP///wgAAAAAAAAAAAAAAAAAAAAAAAAAAAAAAAAAAAAAZAAAAAEAAABAAAAAAAAAAAAAAAAAAAAAAAAAAAAAAAAAAAAAAAAAAAAAAAAAAAAAAAAAAAAAAAAAAAAAAAAAAAAAAAAAAAAAAAAAAAAAAAAAAAAAAAAAAAAAAAAAAAAAFAAAADwAAAAAAAAAAAAAAAAAAAAPAAAAAQAAACMAAAAjAAAAIwAAAB4AAAAAAAAAZAAAAGQAAAAAAAAAZAAAAGQAAAAVAAAAYAAAAAAAAAAAAAAADwAAACADAAAAAAAAAAAAAAEAAACgMgAAVgcAAKr4//8BAAAAf39/AAEAAABkAAAAAAAAABQAAABAHwAAAAAAACYAAAAAAAAAwOD//wAAAAAmAAAAZAAAABYAAABMAAAAAAAAAAAAAAAEAAAAAAAAAAEAAADn5uYKAAAAACgAAAAoAAAAZAAAAGQAAAAAAAAAzMzMAAAAAABQAAAAUAAAAGQAAABkAAAAAAAAABcAAAAUAAAAAAAAAAAAAAD/fwAA/38AAAAAAAAJAAAABAAAAAAAAAAeAAAAaAAAAAAAAAAAAAAAAAAAAAAAAAAAAAAAECcAABAnAAAAAAAAAAAAAAAAAAAAAAAAAAAAAAAAAAAAAAAAAAAAABQAAAAAAAAAwMD/AAAAAABkAAAAMgAAAAAAAABkAAAAAAAAAH9/fwAKAAAAIgAAABgAAAAAAAAAAAAAAAAAAAAAAAAAAAAAAAAAAAAkAAAAJAAAAAAAAAAHAAAAAAAAAAAAAAAAAAAAAAAAAAAAAAAAAAAAf39/ACUAAABYAAAAAAAAAAAAAAAAAAAAAAAAAAAAAAAAAAAAAAAAAAAAAAAAAAAAAAAAAAAAAAA/AAAAAAAAAKCGAQAAAAAAAAAAAAAAAAAMAAAAAQAAAAAAAAAAAAAAAAAAAB8AAABUAAAARHLEBf///wEAAAAAAAAAAAAAAAAAAAAAAAAAAAAAAAAAAAAAAAAAAAAAAAB/f38A5+bmA8zMzADAwP8Af39/AAAAAAAAAAAAAAAAAAAAAAAAAAAAIQAAABgAAAAUAAAA+R8AAEsKAABwIwAAkAwAAAAgAAAmAAAACAAAAP//////////MAAAABQAAAAAAAAAAAD//wAAAQAAAP//AAABAA=="/>
+                  <pr:smNativeData xmlns:pr="smNativeData" xmlns="smNativeData" val="SMDATA_16_FAWHYRMAAAAlAAAAZAAAAE0AAAAAkAAAAEgAAACQAAAASAAAAAAAAAAAAAAAAAAAAAEAAABQAAAAAAAAAAAA4D8AAAAAAADgPwAAAAAAAOA/AAAAAAAA4D8AAAAAAADgPwAAAAAAAOA/AAAAAAAA4D8AAAAAAADgPwAAAAAAAOA/AAAAAAAA4D8CAAAAjAAAAAAAAAAAAAAARHLEDP///wgAAAAAAAAAAAAAAAAAAAAAAAAAAAAAAAAAAAAAZAAAAAEAAABAAAAAAAAAAAAAAAAAAAAAAAAAAAAAAAAAAAAAAAAAAAAAAAAAAAAAAAAAAAAAAAAAAAAAAAAAAAAAAAAAAAAAAAAAAAAAAAAAAAAAAAAAAAAAAAAAAAAAFAAAADwAAAAAAAAAAAAAAAAAAAAPAAAAAQAAACMAAAAjAAAAIwAAAB4AAAAAAAAAZAAAAGQAAAAAAAAAZAAAAGQAAAAVAAAAYAAAAAAAAAAAAAAADwAAACADAAAAAAAAAAAAAAEAAACgMgAAVgcAAKr4//8BAAAAf39/AAEAAABkAAAAAAAAABQAAABAHwAAAAAAACYAAAAAAAAAwOD//wAAAAAmAAAAZAAAABYAAABMAAAAAAAAAAAAAAAEAAAAAAAAAAEAAADn5uYKAAAAACgAAAAoAAAAZAAAAGQAAAAAAAAAzMzMAAAAAABQAAAAUAAAAGQAAABkAAAAAAAAABcAAAAUAAAAAAAAAAAAAAD/fwAA/38AAAAAAAAJAAAABAAAAAAAAAAeAAAAaAAAAAAAAAAAAAAAAAAAAAAAAAAAAAAAECcAABAnAAAAAAAAAAAAAAAAAAAAAAAAAAAAAAAAAAAAAAAAAAAAABQAAAAAAAAAwMD/AAAAAABkAAAAMgAAAAAAAABkAAAAAAAAAH9/fwAKAAAAIgAAABgAAAAAAAAAAAAAAAAAAAAAAAAAAAAAAAAAAAAkAAAAJAAAAAAAAAAHAAAAAAAAAAAAAAAAAAAAAAAAAAAAAAAAAAAAf39/ACUAAABYAAAAAAAAAAAAAAAAAAAAAAAAAAAAAAAAAAAAAAAAAAAAAAAAAAAAAAAAAAAAAAA/AAAAAAAAAKCGAQAAAAAAAAAAAAAAAAAMAAAAAQAAAAAAAAAAAAAAAAAAAB8AAABUAAAARHLEBf///wEAAAAAAAAAAAAAAAAAAAAAAAAAAAAAAAAAAAAAAAAAAAAAAAB/f38A5+bmA8zMzADAwP8Af39/AAAAAAAAAAAAAAAAAAAAAAAAAAAAIQAAABgAAAAUAAAA+R8AAEsKAABwIwAAkAwAAAAgAAAmAAAACAAAAP//////////MAAAABQAAAAAAAAAAAD//wAAAQAAAP//AAABAA=="/>
                 </a:ext>
               </a:extLst>
             </p:cNvSpPr>
@@ -7313,7 +7313,7 @@
             <p:cNvSpPr>
               <a:extLst>
                 <a:ext uri="smNativeData">
-                  <pr:smNativeData xmlns:pr="smNativeData" xmlns="smNativeData" val="SMDATA_16_gfoFYRMAAAAlAAAACgAAAA0AAAAAkAAAAEgAAACQAAAASAAAAAAAAAAAAAAAAAAAAAEAAABQAAAAAAAAAAAA4D8AAAAAAADgPwAAAAAAAOA/AAAAAAAA4D8AAAAAAADgPwAAAAAAAOA/AAAAAAAA4D8AAAAAAADgPwAAAAAAAOA/AAAAAAAA4D8CAAAAjAAAAAAAAAAAAAAA////AP///wgAAAAAAAAAAAAAAAAAAAAAAAAAAAAAAAAAAAAAeAAAAAEAAABAAAAAAAAAAAAAAABaAAAAAAAAAAAAAAAAAAAAAAAAAAAAAAAAAAAAAAAAAAAAAAAAAAAAAAAAAAAAAAAAAAAAAAAAAAAAAAAAAAAAAAAAAAAAAAAAAAAAFAAAADwAAAABAAAACQAAAACwUAAFAAAAAQAAABQAAAAUAAAAFAAAAAEAAAAAAAAAZAAAAGQAAAAAAAAAZAAAAGQAAAAVAAAAYAAAAAAAAAAAAAAADwAAACADAAAAAAAAAAAAAAEAAACgMgAAVgcAAKr4//8BAAAAf39/AAEAAABkAAAAAAAAABQAAABAHwAAAAAAACYAAAAAAAAAwOD//wAAAAAmAAAAZAAAABYAAABMAAAAAAAAAAAAAAAEAAAAAAAAAAEAAADn5uYKAAAAACgAAAAoAAAAZAAAAGQAAAAAAAAAzMzMAAAAAABQAAAAUAAAAGQAAABkAAAAAAAAABcAAAAUAAAAAAAAAAAAAAD/fwAA/38AAAAAAAAJAAAABAAAAAAAAAAeAAAAaAAAAAAAAAAAAAAAAAAAAAAAAAAAAAAAECcAABAnAAAAAAAAAAAAAAAAAAAAAAAAAAAAAAAAAAAAAAAAAAAAABQAAAAAAAAAwMD/AAAAAABkAAAAMgAAAAAAAABkAAAAAAAAAH9/fwAKAAAAIgAAABgAAAAAAAAAAAAAAAAAAAAAAAAAAAAAAAAAAAAkAAAAJAAAAAAAAAAHAAAAAAAAAAAAAAAAAAAAAAAAAAAAAAAAAAAAf39/ACUAAABYAAAAAAAAAAAAAAAAAAAAAAAAAAAAAAAAAAAAAAAAAAAAAAAAAAAAAAAAAAAAAAA/AAAAAAAAAKCGAQAAAAAAAAAAAAAAAAAMAAAAAQAAAAAAAAAAAAAAAAAAAB8AAABUAAAA////AP///wEAAAAAAAAAAAAAAAAAAAAAAAAAAAAAAAAAAAAAAAAAAACwUAB/f38A5+bmA8zMzADAwP8Af39/AAAAAAAAAAAAAAAAAAAAAAAAAAAAIQAAABgAAAAUAAAAHyIAACkNAAB+IwAAJw4AAAAAAAAmAAAACAAAAP//////////MAAAABQAAAAAAAAAAAD//wAAAQAAAP//AAABAA=="/>
+                  <pr:smNativeData xmlns:pr="smNativeData" xmlns="smNativeData" val="SMDATA_16_FAWHYRMAAAAlAAAACgAAAA0AAAAAkAAAAEgAAACQAAAASAAAAAAAAAAAAAAAAAAAAAEAAABQAAAAAAAAAAAA4D8AAAAAAADgPwAAAAAAAOA/AAAAAAAA4D8AAAAAAADgPwAAAAAAAOA/AAAAAAAA4D8AAAAAAADgPwAAAAAAAOA/AAAAAAAA4D8CAAAAjAAAAAAAAAAAAAAA////AP///wgAAAAAAAAAAAAAAAAAAAAAAAAAAAAAAAAAAAAAeAAAAAEAAABAAAAAAAAAAAAAAABaAAAAAAAAAAAAAAAAAAAAAAAAAAAAAAAAAAAAAAAAAAAAAAAAAAAAAAAAAAAAAAAAAAAAAAAAAAAAAAAAAAAAAAAAAAAAAAAAAAAAFAAAADwAAAABAAAACQAAAACwUAAFAAAAAQAAABQAAAAUAAAAFAAAAAEAAAAAAAAAZAAAAGQAAAAAAAAAZAAAAGQAAAAVAAAAYAAAAAAAAAAAAAAADwAAACADAAAAAAAAAAAAAAEAAACgMgAAVgcAAKr4//8BAAAAf39/AAEAAABkAAAAAAAAABQAAABAHwAAAAAAACYAAAAAAAAAwOD//wAAAAAmAAAAZAAAABYAAABMAAAAAAAAAAAAAAAEAAAAAAAAAAEAAADn5uYKAAAAACgAAAAoAAAAZAAAAGQAAAAAAAAAzMzMAAAAAABQAAAAUAAAAGQAAABkAAAAAAAAABcAAAAUAAAAAAAAAAAAAAD/fwAA/38AAAAAAAAJAAAABAAAAAAAAAAeAAAAaAAAAAAAAAAAAAAAAAAAAAAAAAAAAAAAECcAABAnAAAAAAAAAAAAAAAAAAAAAAAAAAAAAAAAAAAAAAAAAAAAABQAAAAAAAAAwMD/AAAAAABkAAAAMgAAAAAAAABkAAAAAAAAAH9/fwAKAAAAIgAAABgAAAAAAAAAAAAAAAAAAAAAAAAAAAAAAAAAAAAkAAAAJAAAAAAAAAAHAAAAAAAAAAAAAAAAAAAAAAAAAAAAAAAAAAAAf39/ACUAAABYAAAAAAAAAAAAAAAAAAAAAAAAAAAAAAAAAAAAAAAAAAAAAAAAAAAAAAAAAAAAAAA/AAAAAAAAAKCGAQAAAAAAAAAAAAAAAAAMAAAAAQAAAAAAAAAAAAAAAAAAAB8AAABUAAAA////AP///wEAAAAAAAAAAAAAAAAAAAAAAAAAAAAAAAAAAAAAAAAAAACwUAB/f38A5+bmA8zMzADAwP8Af39/AAAAAAAAAAAAAAAAAAAAAAAAAAAAIQAAABgAAAAUAAAAHyIAACkNAAB+IwAAJw4AAAAAAAAmAAAACAAAAP//////////MAAAABQAAAAAAAAAAAD//wAAAQAAAP//AAABAA=="/>
                 </a:ext>
               </a:extLst>
             </p:cNvSpPr>
@@ -7345,7 +7345,7 @@
             <p:cNvSpPr>
               <a:extLst>
                 <a:ext uri="smNativeData">
-                  <pr:smNativeData xmlns:pr="smNativeData" xmlns="smNativeData" val="SMDATA_16_gfoFYRMAAAAlAAAACgAAAA0AAAAAkAAAAEgAAACQAAAASAAAAAAAAAAAAAAAAAAAAAEAAABQAAAAAAAAAAAA4D8AAAAAAADgPwAAAAAAAOA/AAAAAAAA4D8AAAAAAADgPwAAAAAAAOA/AAAAAAAA4D8AAAAAAADgPwAAAAAAAOA/AAAAAAAA4D8CAAAAjAAAAAAAAAAAAAAA////AP///wgAAAAAAAAAAAAAAAAAAAAAAAAAAAAAAAAAAAAAeAAAAAEAAABAAAAAAAAAAAAAAABaAAAAAAAAAAAAAAAAAAAAAAAAAAAAAAAAAAAAAAAAAAAAAAAAAAAAAAAAAAAAAAAAAAAAAAAAAAAAAAAAAAAAAAAAAAAAAAAAAAAAFAAAADwAAAABAAAACQAAAACwUAAFAAAAAQAAABQAAAAUAAAAFAAAAAEAAAAAAAAAZAAAAGQAAAAAAAAAZAAAAGQAAAAVAAAAYAAAAAAAAAAAAAAADwAAACADAAAAAAAAAAAAAAEAAACgMgAAVgcAAKr4//8BAAAAf39/AAEAAABkAAAAAAAAABQAAABAHwAAAAAAACYAAAAAAAAAwOD//wAAAAAmAAAAZAAAABYAAABMAAAAAAAAAAAAAAAEAAAAAAAAAAEAAADn5uYKAAAAACgAAAAoAAAAZAAAAGQAAAAAAAAAzMzMAAAAAABQAAAAUAAAAGQAAABkAAAAAAAAABcAAAAUAAAAAAAAAAAAAAD/fwAA/38AAAAAAAAJAAAABAAAAAAAAAAeAAAAaAAAAAAAAAAAAAAAAAAAAAAAAAAAAAAAECcAABAnAAAAAAAAAAAAAAAAAAAAAAAAAAAAAAAAAAAAAAAAAAAAABQAAAAAAAAAwMD/AAAAAABkAAAAMgAAAAAAAABkAAAAAAAAAH9/fwAKAAAAIgAAABgAAAAAAAAAAAAAAAAAAAAAAAAAAAAAAAAAAAAkAAAAJAAAAAAAAAAHAAAAAAAAAAAAAAAAAAAAAAAAAAAAAAAAAAAAf39/ACUAAABYAAAAAAAAAAAAAAAAAAAAAAAAAAAAAAAAAAAAAAAAAAAAAAAAAAAAAAAAAAAAAAA/AAAAAAAAAKCGAQAAAAAAAAAAAAAAAAAMAAAAAQAAAAAAAAAAAAAAAAAAAB8AAABUAAAA////AP///wEAAAAAAAAAAAAAAAAAAAAAAAAAAAAAAAAAAAAAAAAAAACwUAB/f38A5+bmA8zMzADAwP8Af39/AAAAAAAAAAAAAAAAAAAAAAAAAAAAIQAAABgAAAAUAAAAvyAAAPkOAAAaIgAA+A8AAAAAAAAmAAAACAAAAP//////////MAAAABQAAAAAAAAAAAD//wAAAQAAAP//AAABAA=="/>
+                  <pr:smNativeData xmlns:pr="smNativeData" xmlns="smNativeData" val="SMDATA_16_FAWHYRMAAAAlAAAACgAAAA0AAAAAkAAAAEgAAACQAAAASAAAAAAAAAAAAAAAAAAAAAEAAABQAAAAAAAAAAAA4D8AAAAAAADgPwAAAAAAAOA/AAAAAAAA4D8AAAAAAADgPwAAAAAAAOA/AAAAAAAA4D8AAAAAAADgPwAAAAAAAOA/AAAAAAAA4D8CAAAAjAAAAAAAAAAAAAAA////AP///wgAAAAAAAAAAAAAAAAAAAAAAAAAAAAAAAAAAAAAeAAAAAEAAABAAAAAAAAAAAAAAABaAAAAAAAAAAAAAAAAAAAAAAAAAAAAAAAAAAAAAAAAAAAAAAAAAAAAAAAAAAAAAAAAAAAAAAAAAAAAAAAAAAAAAAAAAAAAAAAAAAAAFAAAADwAAAABAAAACQAAAACwUAAFAAAAAQAAABQAAAAUAAAAFAAAAAEAAAAAAAAAZAAAAGQAAAAAAAAAZAAAAGQAAAAVAAAAYAAAAAAAAAAAAAAADwAAACADAAAAAAAAAAAAAAEAAACgMgAAVgcAAKr4//8BAAAAf39/AAEAAABkAAAAAAAAABQAAABAHwAAAAAAACYAAAAAAAAAwOD//wAAAAAmAAAAZAAAABYAAABMAAAAAAAAAAAAAAAEAAAAAAAAAAEAAADn5uYKAAAAACgAAAAoAAAAZAAAAGQAAAAAAAAAzMzMAAAAAABQAAAAUAAAAGQAAABkAAAAAAAAABcAAAAUAAAAAAAAAAAAAAD/fwAA/38AAAAAAAAJAAAABAAAAAAAAAAeAAAAaAAAAAAAAAAAAAAAAAAAAAAAAAAAAAAAECcAABAnAAAAAAAAAAAAAAAAAAAAAAAAAAAAAAAAAAAAAAAAAAAAABQAAAAAAAAAwMD/AAAAAABkAAAAMgAAAAAAAABkAAAAAAAAAH9/fwAKAAAAIgAAABgAAAAAAAAAAAAAAAAAAAAAAAAAAAAAAAAAAAAkAAAAJAAAAAAAAAAHAAAAAAAAAAAAAAAAAAAAAAAAAAAAAAAAAAAAf39/ACUAAABYAAAAAAAAAAAAAAAAAAAAAAAAAAAAAAAAAAAAAAAAAAAAAAAAAAAAAAAAAAAAAAA/AAAAAAAAAKCGAQAAAAAAAAAAAAAAAAAMAAAAAQAAAAAAAAAAAAAAAAAAAB8AAABUAAAA////AP///wEAAAAAAAAAAAAAAAAAAAAAAAAAAAAAAAAAAAAAAAAAAACwUAB/f38A5+bmA8zMzADAwP8Af39/AAAAAAAAAAAAAAAAAAAAAAAAAAAAIQAAABgAAAAUAAAAvyAAAPkOAAAaIgAA+A8AAAAAAAAmAAAACAAAAP//////////MAAAABQAAAAAAAAAAAD//wAAAQAAAP//AAABAA=="/>
                 </a:ext>
               </a:extLst>
             </p:cNvSpPr>
@@ -7377,7 +7377,7 @@
             <p:cNvCxnSpPr>
               <a:extLst>
                 <a:ext uri="smNativeData">
-                  <pr:smNativeData xmlns:pr="smNativeData" xmlns="smNativeData" val="SMDATA_16_gfoFYRMAAAAlAAAADQAAAA0AAAAAkAAAAEgAAACQAAAASAAAAAAAAAAAAAAAAAAAAAEAAABQAAAAAAAAAAAA8L8AAAAAAAAAAAAAAAAAAPA/AAAAAAAA4D8AAAAAAADgPwAAAAAAAOA/AAAAAAAA4D8AAAAAAADgPwAAAAAAAOA/AAAAAAAA4D8CAAAAjAAAAAAAAAAAAAAA////AP///wgAAAAAAAAAAAAAAAAAAAAAAAAAAAAAAAAAAAAAeAAAAAEAAABAAAAAAAAAAAAAAABaAAAAAAAAAAAAAAAAAAAAAAAAAAAAAAAAAAAAAAAAAAAAAAAAAAAAAAAAAAAAAAAAAAAAAAAAAAAAAAAAAAAAAAAAAAAAAAAAAAAAFAAAADwAAAABAAAAAAAAAACwUAAFAAAAAQAAABQAAAAUAAAAFAAAAAEAAAADAAAAZAAAAGQAAAADAAAAZAAAAGQAAAAVAAAAYAAAAAAAAAAAAAAADwAAACADAAAAAAAAAAAAAAEAAACgMgAAVgcAAKr4//8BAAAAf39/AAEAAABkAAAAAAAAABQAAABAHwAAAAAAACYAAAAAAAAAwOD//wAAAAAmAAAAZAAAABYAAABMAAAAAAAAAAAAAAAEAAAAAAAAAAEAAADn5uYKAAAAACgAAAAoAAAAZAAAAGQAAAAAAAAAzMzMAAAAAABQAAAAUAAAAGQAAABkAAAAAAAAABcAAAAUAAAAAAAAAAAAAAD/fwAA/38AAAAAAAAJAAAABAAAAAAAAAAeAAAAaAAAAAAAAAAAAAAAAAAAAAAAAAAAAAAAECcAABAnAAAAAAAAAAAAAAAAAAAAAAAAAAAAAAAAAAAAAAAAAAAAABQAAAAAAAAAwMD/AAAAAABkAAAAMgAAAAAAAABkAAAAAAAAAH9/fwAKAAAAIgAAABgAAAAAAAAAAAAAAAAAAAAAAAAAAAAAAAAAAAAkAAAAJAAAAAAAAAAHAAAAAAAAAAAAAAAAAAAAAAAAAAAAAAAAAAAAf39/ACUAAABYAAAAAAAAAAAAAAAAAAAAAAAAAAAAAAAAAAAAAAAAAAAAAAAAAAAAAAAAAAAAAAA/AAAAAAAAAKCGAQAAAAAAAAAAAAAAAAAMAAAAAQAAAAAAAAAAAAAAAAAAAB8AAABUAAAA////AP///wEAAAAAAAAAAAAAAAAAAAAAAAAAAAAAAAAAAAAAAAAAAACwUAB/f38A5+bmA8zMzADAwP8Af39/AAAAAAAAAAAAAAAAAAAAAAAAAAAAIQAAABgAAAAUAAAAHyIAACcOAAB+IwAABRAAAAAAAAAmAAAACAAAAP//////////MAAAABQAAAAAAAAAAAD//wAAAQAAAP//AAABAA=="/>
+                  <pr:smNativeData xmlns:pr="smNativeData" xmlns="smNativeData" val="SMDATA_16_FAWHYRMAAAAlAAAADQAAAA0AAAAAkAAAAEgAAACQAAAASAAAAAAAAAAAAAAAAAAAAAEAAABQAAAAAAAAAAAA8L8AAAAAAAAAAAAAAAAAAPA/AAAAAAAA4D8AAAAAAADgPwAAAAAAAOA/AAAAAAAA4D8AAAAAAADgPwAAAAAAAOA/AAAAAAAA4D8CAAAAjAAAAAAAAAAAAAAA////AP///wgAAAAAAAAAAAAAAAAAAAAAAAAAAAAAAAAAAAAAeAAAAAEAAABAAAAAAAAAAAAAAABaAAAAAAAAAAAAAAAAAAAAAAAAAAAAAAAAAAAAAAAAAAAAAAAAAAAAAAAAAAAAAAAAAAAAAAAAAAAAAAAAAAAAAAAAAAAAAAAAAAAAFAAAADwAAAABAAAAAAAAAACwUAAFAAAAAQAAABQAAAAUAAAAFAAAAAEAAAADAAAAZAAAAGQAAAADAAAAZAAAAGQAAAAVAAAAYAAAAAAAAAAAAAAADwAAACADAAAAAAAAAAAAAAEAAACgMgAAVgcAAKr4//8BAAAAf39/AAEAAABkAAAAAAAAABQAAABAHwAAAAAAACYAAAAAAAAAwOD//wAAAAAmAAAAZAAAABYAAABMAAAAAAAAAAAAAAAEAAAAAAAAAAEAAADn5uYKAAAAACgAAAAoAAAAZAAAAGQAAAAAAAAAzMzMAAAAAABQAAAAUAAAAGQAAABkAAAAAAAAABcAAAAUAAAAAAAAAAAAAAD/fwAA/38AAAAAAAAJAAAABAAAAAAAAAAeAAAAaAAAAAAAAAAAAAAAAAAAAAAAAAAAAAAAECcAABAnAAAAAAAAAAAAAAAAAAAAAAAAAAAAAAAAAAAAAAAAAAAAABQAAAAAAAAAwMD/AAAAAABkAAAAMgAAAAAAAABkAAAAAAAAAH9/fwAKAAAAIgAAABgAAAAAAAAAAAAAAAAAAAAAAAAAAAAAAAAAAAAkAAAAJAAAAAAAAAAHAAAAAAAAAAAAAAAAAAAAAAAAAAAAAAAAAAAAf39/ACUAAABYAAAAAAAAAAAAAAAAAAAAAAAAAAAAAAAAAAAAAAAAAAAAAAAAAAAAAAAAAAAAAAA/AAAAAAAAAKCGAQAAAAAAAAAAAAAAAAAMAAAAAQAAAAAAAAAAAAAAAAAAAB8AAABUAAAA////AP///wEAAAAAAAAAAAAAAAAAAAAAAAAAAAAAAAAAAAAAAAAAAACwUAB/f38A5+bmA8zMzADAwP8Af39/AAAAAAAAAAAAAAAAAAAAAAAAAAAAIQAAABgAAAAUAAAAHyIAACcOAAB+IwAABRAAAAAAAAAmAAAACAAAAP//////////MAAAABQAAAAAAAAAAAD//wAAAQAAAP//AAABAA=="/>
                 </a:ext>
               </a:extLst>
             </p:cNvCxnSpPr>
@@ -7409,7 +7409,7 @@
             <p:cNvSpPr>
               <a:extLst>
                 <a:ext uri="smNativeData">
-                  <pr:smNativeData xmlns:pr="smNativeData" xmlns="smNativeData" val="SMDATA_16_gfoFYRMAAAAlAAAAZAAAAE0AAAAAkAAAAEgAAACQAAAASAAAAAAAAAAAAAAAAAAAAAEAAABQAAAAAAAAAAAA4D8AAAAAAADgPwAAAAAAAOA/AAAAAAAA4D8AAAAAAADgPwAAAAAAAOA/AAAAAAAA4D8AAAAAAADgPwAAAAAAAOA/AAAAAAAA4D8CAAAAjAAAAAAAAAAAAAAARHLEDP///wgAAAAAAAAAAAAAAAAAAAAAAAAAAAAAAAAAAAAAZAAAAAEAAABAAAAAAAAAAAAAAAAAAAAAAAAAAAAAAAAAAAAAAAAAAAAAAAAAAAAAAAAAAAAAAAAAAAAAAAAAAAAAAAAAAAAAAAAAAAAAAAAAAAAAAAAAAAAAAAAAAAAAFAAAADwAAAAAAAAAAAAAAAAAAAAPAAAAAQAAACMAAAAjAAAAIwAAAB4AAAAAAAAAZAAAAGQAAAAAAAAAZAAAAGQAAAAVAAAAYAAAAAAAAAAAAAAADwAAACADAAAAAAAAAAAAAAEAAACgMgAAVgcAAKr4//8BAAAAf39/AAEAAABkAAAAAAAAABQAAABAHwAAAAAAACYAAAAAAAAAwOD//wAAAAAmAAAAZAAAABYAAABMAAAAAAAAAAAAAAAEAAAAAAAAAAEAAADn5uYKAAAAACgAAAAoAAAAZAAAAGQAAAAAAAAAzMzMAAAAAABQAAAAUAAAAGQAAABkAAAAAAAAABcAAAAUAAAAAAAAAAAAAAD/fwAA/38AAAAAAAAJAAAABAAAAAAAAAAeAAAAaAAAAAAAAAAAAAAAAAAAAAAAAAAAAAAAECcAABAnAAAAAAAAAAAAAAAAAAAAAAAAAAAAAAAAAAAAAAAAAAAAABQAAAAAAAAAwMD/AAAAAABkAAAAMgAAAAAAAABkAAAAAAAAAH9/fwAKAAAAIgAAABgAAAAAAAAAAAAAAAAAAAAAAAAAAAAAAAAAAAAkAAAAJAAAAAAAAAAHAAAAAAAAAAAAAAAAAAAAAAAAAAAAAAAAAAAAf39/ACUAAABYAAAAAAAAAAAAAAAAAAAAAAAAAAAAAAAAAAAAAAAAAAAAAAAAAAAAAAAAAAAAAAA/AAAAAAAAAKCGAQAAAAAAAAAAAAAAAAAMAAAAAQAAAAAAAAAAAAAAAAAAAB8AAABUAAAARHLEBf///wEAAAAAAAAAAAAAAAAAAAAAAAAAAAAAAAAAAAAAAAAAAAAAAAB/f38A5+bmA8zMzADAwP8Af39/AAAAAAAAAAAAAAAAAAAAAAAAAAAAIQAAABgAAAAUAAAAfyIAAFoOAADYJAAAoBAAAAAgAAAmAAAACAAAAP//////////MAAAABQAAAAAAAAAAAD//wAAAQAAAP//AAABAA=="/>
+                  <pr:smNativeData xmlns:pr="smNativeData" xmlns="smNativeData" val="SMDATA_16_FAWHYRMAAAAlAAAAZAAAAE0AAAAAkAAAAEgAAACQAAAASAAAAAAAAAAAAAAAAAAAAAEAAABQAAAAAAAAAAAA4D8AAAAAAADgPwAAAAAAAOA/AAAAAAAA4D8AAAAAAADgPwAAAAAAAOA/AAAAAAAA4D8AAAAAAADgPwAAAAAAAOA/AAAAAAAA4D8CAAAAjAAAAAAAAAAAAAAARHLEDP///wgAAAAAAAAAAAAAAAAAAAAAAAAAAAAAAAAAAAAAZAAAAAEAAABAAAAAAAAAAAAAAAAAAAAAAAAAAAAAAAAAAAAAAAAAAAAAAAAAAAAAAAAAAAAAAAAAAAAAAAAAAAAAAAAAAAAAAAAAAAAAAAAAAAAAAAAAAAAAAAAAAAAAFAAAADwAAAAAAAAAAAAAAAAAAAAPAAAAAQAAACMAAAAjAAAAIwAAAB4AAAAAAAAAZAAAAGQAAAAAAAAAZAAAAGQAAAAVAAAAYAAAAAAAAAAAAAAADwAAACADAAAAAAAAAAAAAAEAAACgMgAAVgcAAKr4//8BAAAAf39/AAEAAABkAAAAAAAAABQAAABAHwAAAAAAACYAAAAAAAAAwOD//wAAAAAmAAAAZAAAABYAAABMAAAAAAAAAAAAAAAEAAAAAAAAAAEAAADn5uYKAAAAACgAAAAoAAAAZAAAAGQAAAAAAAAAzMzMAAAAAABQAAAAUAAAAGQAAABkAAAAAAAAABcAAAAUAAAAAAAAAAAAAAD/fwAA/38AAAAAAAAJAAAABAAAAAAAAAAeAAAAaAAAAAAAAAAAAAAAAAAAAAAAAAAAAAAAECcAABAnAAAAAAAAAAAAAAAAAAAAAAAAAAAAAAAAAAAAAAAAAAAAABQAAAAAAAAAwMD/AAAAAABkAAAAMgAAAAAAAABkAAAAAAAAAH9/fwAKAAAAIgAAABgAAAAAAAAAAAAAAAAAAAAAAAAAAAAAAAAAAAAkAAAAJAAAAAAAAAAHAAAAAAAAAAAAAAAAAAAAAAAAAAAAAAAAAAAAf39/ACUAAABYAAAAAAAAAAAAAAAAAAAAAAAAAAAAAAAAAAAAAAAAAAAAAAAAAAAAAAAAAAAAAAA/AAAAAAAAAKCGAQAAAAAAAAAAAAAAAAAMAAAAAQAAAAAAAAAAAAAAAAAAAB8AAABUAAAARHLEBf///wEAAAAAAAAAAAAAAAAAAAAAAAAAAAAAAAAAAAAAAAAAAAAAAAB/f38A5+bmA8zMzADAwP8Af39/AAAAAAAAAAAAAAAAAAAAAAAAAAAAIQAAABgAAAAUAAAAfyIAAFoOAADYJAAAoBAAAAAgAAAmAAAACAAAAP//////////MAAAABQAAAAAAAAAAAD//wAAAQAAAP//AAABAA=="/>
                 </a:ext>
               </a:extLst>
             </p:cNvSpPr>
@@ -7458,7 +7458,7 @@
             <p:cNvSpPr>
               <a:extLst>
                 <a:ext uri="smNativeData">
-                  <pr:smNativeData xmlns:pr="smNativeData" xmlns="smNativeData" val="SMDATA_16_gfoFYRMAAAAlAAAACgAAAA0AAAAAkAAAAEgAAACQAAAASAAAAAAAAAAAAAAAAAAAAAEAAABQAAAAAAAAAAAA4D8AAAAAAADgPwAAAAAAAOA/AAAAAAAA4D8AAAAAAADgPwAAAAAAAOA/AAAAAAAA4D8AAAAAAADgPwAAAAAAAOA/AAAAAAAA4D8CAAAAjAAAAAAAAAAAAAAA////AP///wgAAAAAAAAAAAAAAAAAAAAAAAAAAAAAAAAAAAAAeAAAAAEAAABAAAAAAAAAAAAAAABaAAAAAAAAAAAAAAAAAAAAAAAAAAAAAAAAAAAAAAAAAAAAAAAAAAAAAAAAAAAAAAAAAAAAAAAAAAAAAAAAAAAAAAAAAAAAAAAAAAAAFAAAADwAAAABAAAACQAAAACwUAAFAAAAAQAAABQAAAAUAAAAFAAAAAEAAAAAAAAAZAAAAGQAAAAAAAAAZAAAAGQAAAAVAAAAYAAAAAAAAAAAAAAADwAAACADAAAAAAAAAAAAAAEAAACgMgAAVgcAAKr4//8BAAAAf39/AAEAAABkAAAAAAAAABQAAABAHwAAAAAAACYAAAAAAAAAwOD//wAAAAAmAAAAZAAAABYAAABMAAAAAAAAAAAAAAAEAAAAAAAAAAEAAADn5uYKAAAAACgAAAAoAAAAZAAAAGQAAAAAAAAAzMzMAAAAAABQAAAAUAAAAGQAAABkAAAAAAAAABcAAAAUAAAAAAAAAAAAAAD/fwAA/38AAAAAAAAJAAAABAAAAAAAAAAeAAAAaAAAAAAAAAAAAAAAAAAAAAAAAAAAAAAAECcAABAnAAAAAAAAAAAAAAAAAAAAAAAAAAAAAAAAAAAAAAAAAAAAABQAAAAAAAAAwMD/AAAAAABkAAAAMgAAAAAAAABkAAAAAAAAAH9/fwAKAAAAIgAAABgAAAAAAAAAAAAAAAAAAAAAAAAAAAAAAAAAAAAkAAAAJAAAAAAAAAAHAAAAAAAAAAAAAAAAAAAAAAAAAAAAAAAAAAAAf39/ACUAAABYAAAAAAAAAAAAAAAAAAAAAAAAAAAAAAAAAAAAAAAAAAAAAAAAAAAAAAAAAAAAAAA/AAAAAAAAAKCGAQAAAAAAAAAAAAAAAAAMAAAAAQAAAAAAAAAAAAAAAAAAAB8AAABUAAAA////AP///wEAAAAAAAAAAAAAAAAAAAAAAAAAAAAAAAAAAAAAAAAAAACwUAB/f38A5+bmA8zMzADAwP8Af39/AAAAAAAAAAAAAAAAAAAAAAAAAAAAIQAAABgAAAAUAAAAghsAAM0LAACBHAAALA0AAAAAAAAmAAAACAAAAP//////////MAAAABQAAAAAAAAAAAD//wAAAQAAAP//AAABAA=="/>
+                  <pr:smNativeData xmlns:pr="smNativeData" xmlns="smNativeData" val="SMDATA_16_FAWHYRMAAAAlAAAACgAAAA0AAAAAkAAAAEgAAACQAAAASAAAAAAAAAAAAAAAAAAAAAEAAABQAAAAAAAAAAAA4D8AAAAAAADgPwAAAAAAAOA/AAAAAAAA4D8AAAAAAADgPwAAAAAAAOA/AAAAAAAA4D8AAAAAAADgPwAAAAAAAOA/AAAAAAAA4D8CAAAAjAAAAAAAAAAAAAAA////AP///wgAAAAAAAAAAAAAAAAAAAAAAAAAAAAAAAAAAAAAeAAAAAEAAABAAAAAAAAAAAAAAABaAAAAAAAAAAAAAAAAAAAAAAAAAAAAAAAAAAAAAAAAAAAAAAAAAAAAAAAAAAAAAAAAAAAAAAAAAAAAAAAAAAAAAAAAAAAAAAAAAAAAFAAAADwAAAABAAAACQAAAACwUAAFAAAAAQAAABQAAAAUAAAAFAAAAAEAAAAAAAAAZAAAAGQAAAAAAAAAZAAAAGQAAAAVAAAAYAAAAAAAAAAAAAAADwAAACADAAAAAAAAAAAAAAEAAACgMgAAVgcAAKr4//8BAAAAf39/AAEAAABkAAAAAAAAABQAAABAHwAAAAAAACYAAAAAAAAAwOD//wAAAAAmAAAAZAAAABYAAABMAAAAAAAAAAAAAAAEAAAAAAAAAAEAAADn5uYKAAAAACgAAAAoAAAAZAAAAGQAAAAAAAAAzMzMAAAAAABQAAAAUAAAAGQAAABkAAAAAAAAABcAAAAUAAAAAAAAAAAAAAD/fwAA/38AAAAAAAAJAAAABAAAAAAAAAAeAAAAaAAAAAAAAAAAAAAAAAAAAAAAAAAAAAAAECcAABAnAAAAAAAAAAAAAAAAAAAAAAAAAAAAAAAAAAAAAAAAAAAAABQAAAAAAAAAwMD/AAAAAABkAAAAMgAAAAAAAABkAAAAAAAAAH9/fwAKAAAAIgAAABgAAAAAAAAAAAAAAAAAAAAAAAAAAAAAAAAAAAAkAAAAJAAAAAAAAAAHAAAAAAAAAAAAAAAAAAAAAAAAAAAAAAAAAAAAf39/ACUAAABYAAAAAAAAAAAAAAAAAAAAAAAAAAAAAAAAAAAAAAAAAAAAAAAAAAAAAAAAAAAAAAA/AAAAAAAAAKCGAQAAAAAAAAAAAAAAAAAMAAAAAQAAAAAAAAAAAAAAAAAAAB8AAABUAAAA////AP///wEAAAAAAAAAAAAAAAAAAAAAAAAAAAAAAAAAAAAAAAAAAACwUAB/f38A5+bmA8zMzADAwP8Af39/AAAAAAAAAAAAAAAAAAAAAAAAAAAAIQAAABgAAAAUAAAAghsAAM0LAACBHAAALA0AAAAAAAAmAAAACAAAAP//////////MAAAABQAAAAAAAAAAAD//wAAAQAAAP//AAABAA=="/>
                 </a:ext>
               </a:extLst>
             </p:cNvSpPr>
@@ -7490,7 +7490,7 @@
             <p:cNvSpPr>
               <a:extLst>
                 <a:ext uri="smNativeData">
-                  <pr:smNativeData xmlns:pr="smNativeData" xmlns="smNativeData" val="SMDATA_16_gfoFYRMAAAAlAAAACgAAAA0AAAAAkAAAAEgAAACQAAAASAAAAAAAAAAAAAAAAAAAAAEAAABQAAAAAAAAAAAA4D8AAAAAAADgPwAAAAAAAOA/AAAAAAAA4D8AAAAAAADgPwAAAAAAAOA/AAAAAAAA4D8AAAAAAADgPwAAAAAAAOA/AAAAAAAA4D8CAAAAjAAAAAAAAAAAAAAA////AP///wgAAAAAAAAAAAAAAAAAAAAAAAAAAAAAAAAAAAAAeAAAAAEAAABAAAAAAAAAAAAAAABaAAAAAAAAAAAAAAAAAAAAAAAAAAAAAAAAAAAAAAAAAAAAAAAAAAAAAAAAAAAAAAAAAAAAAAAAAAAAAAAAAAAAAAAAAAAAAAAAAAAAFAAAADwAAAABAAAACQAAAACwUAAFAAAAAQAAABQAAAAUAAAAFAAAAAEAAAAAAAAAZAAAAGQAAAAAAAAAZAAAAGQAAAAVAAAAYAAAAAAAAAAAAAAADwAAACADAAAAAAAAAAAAAAEAAACgMgAAVgcAAKr4//8BAAAAf39/AAEAAABkAAAAAAAAABQAAABAHwAAAAAAACYAAAAAAAAAwOD//wAAAAAmAAAAZAAAABYAAABMAAAAAAAAAAAAAAAEAAAAAAAAAAEAAADn5uYKAAAAACgAAAAoAAAAZAAAAGQAAAAAAAAAzMzMAAAAAABQAAAAUAAAAGQAAABkAAAAAAAAABcAAAAUAAAAAAAAAAAAAAD/fwAA/38AAAAAAAAJAAAABAAAAAAAAAAeAAAAaAAAAAAAAAAAAAAAAAAAAAAAAAAAAAAAECcAABAnAAAAAAAAAAAAAAAAAAAAAAAAAAAAAAAAAAAAAAAAAAAAABQAAAAAAAAAwMD/AAAAAABkAAAAMgAAAAAAAABkAAAAAAAAAH9/fwAKAAAAIgAAABgAAAAAAAAAAAAAAAAAAAAAAAAAAAAAAAAAAAAkAAAAJAAAAAAAAAAHAAAAAAAAAAAAAAAAAAAAAAAAAAAAAAAAAAAAf39/ACUAAABYAAAAAAAAAAAAAAAAAAAAAAAAAAAAAAAAAAAAAAAAAAAAAAAAAAAAAAAAAAAAAAA/AAAAAAAAAKCGAQAAAAAAAAAAAAAAAAAMAAAAAQAAAAAAAAAAAAAAAAAAAB8AAABUAAAA////AP///wEAAAAAAAAAAAAAAAAAAAAAAAAAAAAAAAAAAAAAAAAAAACwUAB/f38A5+bmA8zMzADAwP8Af39/AAAAAAAAAAAAAAAAAAAAAAAAAAAAIQAAABgAAAAUAAAAsx8AAPMOAACyIAAAUhAAAAAAAAAmAAAACAAAAP//////////MAAAABQAAAAAAAAAAAD//wAAAQAAAP//AAABAA=="/>
+                  <pr:smNativeData xmlns:pr="smNativeData" xmlns="smNativeData" val="SMDATA_16_FAWHYRMAAAAlAAAACgAAAA0AAAAAkAAAAEgAAACQAAAASAAAAAAAAAAAAAAAAAAAAAEAAABQAAAAAAAAAAAA4D8AAAAAAADgPwAAAAAAAOA/AAAAAAAA4D8AAAAAAADgPwAAAAAAAOA/AAAAAAAA4D8AAAAAAADgPwAAAAAAAOA/AAAAAAAA4D8CAAAAjAAAAAAAAAAAAAAA////AP///wgAAAAAAAAAAAAAAAAAAAAAAAAAAAAAAAAAAAAAeAAAAAEAAABAAAAAAAAAAAAAAABaAAAAAAAAAAAAAAAAAAAAAAAAAAAAAAAAAAAAAAAAAAAAAAAAAAAAAAAAAAAAAAAAAAAAAAAAAAAAAAAAAAAAAAAAAAAAAAAAAAAAFAAAADwAAAABAAAACQAAAACwUAAFAAAAAQAAABQAAAAUAAAAFAAAAAEAAAAAAAAAZAAAAGQAAAAAAAAAZAAAAGQAAAAVAAAAYAAAAAAAAAAAAAAADwAAACADAAAAAAAAAAAAAAEAAACgMgAAVgcAAKr4//8BAAAAf39/AAEAAABkAAAAAAAAABQAAABAHwAAAAAAACYAAAAAAAAAwOD//wAAAAAmAAAAZAAAABYAAABMAAAAAAAAAAAAAAAEAAAAAAAAAAEAAADn5uYKAAAAACgAAAAoAAAAZAAAAGQAAAAAAAAAzMzMAAAAAABQAAAAUAAAAGQAAABkAAAAAAAAABcAAAAUAAAAAAAAAAAAAAD/fwAA/38AAAAAAAAJAAAABAAAAAAAAAAeAAAAaAAAAAAAAAAAAAAAAAAAAAAAAAAAAAAAECcAABAnAAAAAAAAAAAAAAAAAAAAAAAAAAAAAAAAAAAAAAAAAAAAABQAAAAAAAAAwMD/AAAAAABkAAAAMgAAAAAAAABkAAAAAAAAAH9/fwAKAAAAIgAAABgAAAAAAAAAAAAAAAAAAAAAAAAAAAAAAAAAAAAkAAAAJAAAAAAAAAAHAAAAAAAAAAAAAAAAAAAAAAAAAAAAAAAAAAAAf39/ACUAAABYAAAAAAAAAAAAAAAAAAAAAAAAAAAAAAAAAAAAAAAAAAAAAAAAAAAAAAAAAAAAAAA/AAAAAAAAAKCGAQAAAAAAAAAAAAAAAAAMAAAAAQAAAAAAAAAAAAAAAAAAAB8AAABUAAAA////AP///wEAAAAAAAAAAAAAAAAAAAAAAAAAAAAAAAAAAAAAAAAAAACwUAB/f38A5+bmA8zMzADAwP8Af39/AAAAAAAAAAAAAAAAAAAAAAAAAAAAIQAAABgAAAAUAAAAsx8AAPMOAACyIAAAUhAAAAAAAAAmAAAACAAAAP//////////MAAAABQAAAAAAAAAAAD//wAAAQAAAP//AAABAA=="/>
                 </a:ext>
               </a:extLst>
             </p:cNvSpPr>
@@ -7522,7 +7522,7 @@
             <p:cNvCxnSpPr>
               <a:extLst>
                 <a:ext uri="smNativeData">
-                  <pr:smNativeData xmlns:pr="smNativeData" xmlns="smNativeData" val="SMDATA_16_gfoFYRMAAAAlAAAADQAAAA0AAAAAkAAAAEgAAACQAAAASAAAAAAAAAAAAAAAAgAAAAEAAABQAAAAAAAAAAAA8L8AAAAAAAAAAAAAAAAAAPA/AAAAAAAA4D8AAAAAAADgPwAAAAAAAOA/AAAAAAAA4D8AAAAAAADgPwAAAAAAAOA/AAAAAAAA4D8CAAAAjAAAAAAAAAAAAAAA////AP///wgAAAAAAAAAAAAAAAAAAAAAAAAAAAAAAAAAAAAAeAAAAAEAAABAAAAAAAAAAAAAAABaAAAAAAAAAAAAAAAAAAAAAAAAAAAAAAAAAAAAAAAAAAAAAAAAAAAAAAAAAAAAAAAAAAAAAAAAAAAAAAAAAAAAAAAAAAAAAAAAAAAAFAAAADwAAAABAAAAAAAAAACwUAAFAAAAAQAAABQAAAAUAAAAFAAAAAEAAAADAAAAZAAAAGQAAAADAAAAZAAAAGQAAAAVAAAAYAAAAAAAAAAAAAAADwAAACADAAAAAAAAAAAAAAEAAACgMgAAVgcAAKr4//8BAAAAf39/AAEAAABkAAAAAAAAABQAAABAHwAAAAAAACYAAAAAAAAAwOD//wAAAAAmAAAAZAAAABYAAABMAAAAAAAAAAAAAAAEAAAAAAAAAAEAAADn5uYKAAAAACgAAAAoAAAAZAAAAGQAAAAAAAAAzMzMAAAAAABQAAAAUAAAAGQAAABkAAAAAAAAABcAAAAUAAAAAAAAAAAAAAD/fwAA/38AAAAAAAAJAAAABAAAAAAAAAAeAAAAaAAAAAAAAAAAAAAAAAAAAAAAAAAAAAAAECcAABAnAAAAAAAAAAAAAAAAAAAAAAAAAAAAAAAAAAAAAAAAAAAAABQAAAAAAAAAwMD/AAAAAABkAAAAMgAAAAAAAABkAAAAAAAAAH9/fwAKAAAAIgAAABgAAAAAAAAAAAAAAAAAAAAAAAAAAAAAAAAAAAAkAAAAJAAAAAAAAAAHAAAAAAAAAAAAAAAAAAAAAAAAAAAAAAAAAAAAf39/ACUAAABYAAAAAAAAAAAAAAAAAAAAAAAAAAAAAAAAAAAAAAAAAAAAAAAAAAAAAAAAAAAAAAA/AAAAAAAAAKCGAQAAAAAAAAAAAAAAAAAMAAAAAQAAAAAAAAAAAAAAAAAAAB8AAABUAAAA////AP///wEAAAAAAAAAAAAAAAAAAAAAAAAAAAAAAAAAAAAAAAAAAACwUAB/f38A5+bmA8zMzADAwP8Af39/AAAAAAAAAAAAAAAAAAAAAAAAAAAAIQAAABgAAAAUAAAAhhsAAB8NAAC+HwAAQxAAAAAAAAAmAAAACAAAAP//////////MAAAABQAAAAAAAAAAAD//wAAAQAAAP//AAABAA=="/>
+                  <pr:smNativeData xmlns:pr="smNativeData" xmlns="smNativeData" val="SMDATA_16_FAWHYRMAAAAlAAAADQAAAA0AAAAAkAAAAEgAAACQAAAASAAAAAAAAAAAAAAAAgAAAAEAAABQAAAAAAAAAAAA8L8AAAAAAAAAAAAAAAAAAPA/AAAAAAAA4D8AAAAAAADgPwAAAAAAAOA/AAAAAAAA4D8AAAAAAADgPwAAAAAAAOA/AAAAAAAA4D8CAAAAjAAAAAAAAAAAAAAA////AP///wgAAAAAAAAAAAAAAAAAAAAAAAAAAAAAAAAAAAAAeAAAAAEAAABAAAAAAAAAAAAAAABaAAAAAAAAAAAAAAAAAAAAAAAAAAAAAAAAAAAAAAAAAAAAAAAAAAAAAAAAAAAAAAAAAAAAAAAAAAAAAAAAAAAAAAAAAAAAAAAAAAAAFAAAADwAAAABAAAAAAAAAACwUAAFAAAAAQAAABQAAAAUAAAAFAAAAAEAAAADAAAAZAAAAGQAAAADAAAAZAAAAGQAAAAVAAAAYAAAAAAAAAAAAAAADwAAACADAAAAAAAAAAAAAAEAAACgMgAAVgcAAKr4//8BAAAAf39/AAEAAABkAAAAAAAAABQAAABAHwAAAAAAACYAAAAAAAAAwOD//wAAAAAmAAAAZAAAABYAAABMAAAAAAAAAAAAAAAEAAAAAAAAAAEAAADn5uYKAAAAACgAAAAoAAAAZAAAAGQAAAAAAAAAzMzMAAAAAABQAAAAUAAAAGQAAABkAAAAAAAAABcAAAAUAAAAAAAAAAAAAAD/fwAA/38AAAAAAAAJAAAABAAAAAAAAAAeAAAAaAAAAAAAAAAAAAAAAAAAAAAAAAAAAAAAECcAABAnAAAAAAAAAAAAAAAAAAAAAAAAAAAAAAAAAAAAAAAAAAAAABQAAAAAAAAAwMD/AAAAAABkAAAAMgAAAAAAAABkAAAAAAAAAH9/fwAKAAAAIgAAABgAAAAAAAAAAAAAAAAAAAAAAAAAAAAAAAAAAAAkAAAAJAAAAAAAAAAHAAAAAAAAAAAAAAAAAAAAAAAAAAAAAAAAAAAAf39/ACUAAABYAAAAAAAAAAAAAAAAAAAAAAAAAAAAAAAAAAAAAAAAAAAAAAAAAAAAAAAAAAAAAAA/AAAAAAAAAKCGAQAAAAAAAAAAAAAAAAAMAAAAAQAAAAAAAAAAAAAAAAAAAB8AAABUAAAA////AP///wEAAAAAAAAAAAAAAAAAAAAAAAAAAAAAAAAAAAAAAAAAAACwUAB/f38A5+bmA8zMzADAwP8Af39/AAAAAAAAAAAAAAAAAAAAAAAAAAAAIQAAABgAAAAUAAAAhhsAAB8NAAC+HwAAQxAAAAAAAAAmAAAACAAAAP//////////MAAAABQAAAAAAAAAAAD//wAAAQAAAP//AAABAA=="/>
                 </a:ext>
               </a:extLst>
             </p:cNvCxnSpPr>
@@ -7554,7 +7554,7 @@
             <p:cNvSpPr>
               <a:extLst>
                 <a:ext uri="smNativeData">
-                  <pr:smNativeData xmlns:pr="smNativeData" xmlns="smNativeData" val="SMDATA_16_gfoFYRMAAAAlAAAAZAAAAE0AAAAAkAAAAEgAAACQAAAASAAAAAAAAAAAAAAAAAAAAAEAAABQAAAAAAAAAAAA4D8AAAAAAADgPwAAAAAAAOA/AAAAAAAA4D8AAAAAAADgPwAAAAAAAOA/AAAAAAAA4D8AAAAAAADgPwAAAAAAAOA/AAAAAAAA4D8CAAAAjAAAAAAAAAAAAAAARHLEDP///wgAAAAAAAAAAAAAAAAAAAAAAAAAAAAAAAAAAAAAZAAAAAEAAABAAAAAAAAAAAAAAAAAAAAAAAAAAAAAAAAAAAAAAAAAAAAAAAAAAAAAAAAAAAAAAAAAAAAAAAAAAAAAAAAAAAAAAAAAAAAAAAAAAAAAAAAAAAAAAAAAAAAAFAAAADwAAAAAAAAAAAAAAAAAAAAPAAAAAQAAACMAAAAjAAAAIwAAAB4AAAAAAAAAZAAAAGQAAAAAAAAAZAAAAGQAAAAVAAAAYAAAAAAAAAAAAAAADwAAACADAAAAAAAAAAAAAAEAAACgMgAAVgcAAKr4//8BAAAAf39/AAEAAABkAAAAAAAAABQAAABAHwAAAAAAACYAAAAAAAAAwOD//wAAAAAmAAAAZAAAABYAAABMAAAAAAAAAAAAAAAEAAAAAAAAAAEAAADn5uYKAAAAACgAAAAoAAAAZAAAAGQAAAAAAAAAzMzMAAAAAABQAAAAUAAAAGQAAABkAAAAAAAAABcAAAAUAAAAAAAAAAAAAAD/fwAA/38AAAAAAAAJAAAABAAAAAAAAAAeAAAAaAAAAAAAAAAAAAAAAAAAAAAAAAAAAAAAECcAABAnAAAAAAAAAAAAAAAAAAAAAAAAAAAAAAAAAAAAAAAAAAAAABQAAAAAAAAAwMD/AAAAAABkAAAAMgAAAAAAAABkAAAAAAAAAH9/fwAKAAAAIgAAABgAAAAAAAAAAAAAAAAAAAAAAAAAAAAAAAAAAAAkAAAAJAAAAAAAAAAHAAAAAAAAAAAAAAAAAAAAAAAAAAAAAAAAAAAAf39/ACUAAABYAAAAAAAAAAAAAAAAAAAAAAAAAAAAAAAAAAAAAAAAAAAAAAAAAAAAAAAAAAAAAAA/AAAAAAAAAKCGAQAAAAAAAAAAAAAAAAAMAAAAAQAAAAAAAAAAAAAAAAAAAB8AAABUAAAARHLEBf///wEAAAAAAAAAAAAAAAAAAAAAAAAAAAAAAAAAAAAAAAAAAAAAAAB/f38A5+bmA8zMzADAwP8Af39/AAAAAAAAAAAAAAAAAAAAAAAAAAAAIQAAABgAAAAUAAAAFhwAAAsOAAD+HQAAURAAAAAgAAAmAAAACAAAAP//////////MAAAABQAAAAAAAAAAAD//wAAAQAAAP//AAABAA=="/>
+                  <pr:smNativeData xmlns:pr="smNativeData" xmlns="smNativeData" val="SMDATA_16_FAWHYRMAAAAlAAAAZAAAAE0AAAAAkAAAAEgAAACQAAAASAAAAAAAAAAAAAAAAAAAAAEAAABQAAAAAAAAAAAA4D8AAAAAAADgPwAAAAAAAOA/AAAAAAAA4D8AAAAAAADgPwAAAAAAAOA/AAAAAAAA4D8AAAAAAADgPwAAAAAAAOA/AAAAAAAA4D8CAAAAjAAAAAAAAAAAAAAARHLEDP///wgAAAAAAAAAAAAAAAAAAAAAAAAAAAAAAAAAAAAAZAAAAAEAAABAAAAAAAAAAAAAAAAAAAAAAAAAAAAAAAAAAAAAAAAAAAAAAAAAAAAAAAAAAAAAAAAAAAAAAAAAAAAAAAAAAAAAAAAAAAAAAAAAAAAAAAAAAAAAAAAAAAAAFAAAADwAAAAAAAAAAAAAAAAAAAAPAAAAAQAAACMAAAAjAAAAIwAAAB4AAAAAAAAAZAAAAGQAAAAAAAAAZAAAAGQAAAAVAAAAYAAAAAAAAAAAAAAADwAAACADAAAAAAAAAAAAAAEAAACgMgAAVgcAAKr4//8BAAAAf39/AAEAAABkAAAAAAAAABQAAABAHwAAAAAAACYAAAAAAAAAwOD//wAAAAAmAAAAZAAAABYAAABMAAAAAAAAAAAAAAAEAAAAAAAAAAEAAADn5uYKAAAAACgAAAAoAAAAZAAAAGQAAAAAAAAAzMzMAAAAAABQAAAAUAAAAGQAAABkAAAAAAAAABcAAAAUAAAAAAAAAAAAAAD/fwAA/38AAAAAAAAJAAAABAAAAAAAAAAeAAAAaAAAAAAAAAAAAAAAAAAAAAAAAAAAAAAAECcAABAnAAAAAAAAAAAAAAAAAAAAAAAAAAAAAAAAAAAAAAAAAAAAABQAAAAAAAAAwMD/AAAAAABkAAAAMgAAAAAAAABkAAAAAAAAAH9/fwAKAAAAIgAAABgAAAAAAAAAAAAAAAAAAAAAAAAAAAAAAAAAAAAkAAAAJAAAAAAAAAAHAAAAAAAAAAAAAAAAAAAAAAAAAAAAAAAAAAAAf39/ACUAAABYAAAAAAAAAAAAAAAAAAAAAAAAAAAAAAAAAAAAAAAAAAAAAAAAAAAAAAAAAAAAAAA/AAAAAAAAAKCGAQAAAAAAAAAAAAAAAAAMAAAAAQAAAAAAAAAAAAAAAAAAAB8AAABUAAAARHLEBf///wEAAAAAAAAAAAAAAAAAAAAAAAAAAAAAAAAAAAAAAAAAAAAAAAB/f38A5+bmA8zMzADAwP8Af39/AAAAAAAAAAAAAAAAAAAAAAAAAAAAIQAAABgAAAAUAAAAFhwAAAsOAAD+HQAAURAAAAAgAAAmAAAACAAAAP//////////MAAAABQAAAAAAAAAAAD//wAAAQAAAP//AAABAA=="/>
                 </a:ext>
               </a:extLst>
             </p:cNvSpPr>
@@ -7603,7 +7603,7 @@
             <p:cNvSpPr>
               <a:extLst>
                 <a:ext uri="smNativeData">
-                  <pr:smNativeData xmlns:pr="smNativeData" xmlns="smNativeData" val="SMDATA_16_gfoFYRMAAAAlAAAACgAAAA0AAAAAkAAAAEgAAACQAAAASAAAAAAAAAAAAAAAAAAAAAEAAABQAAAAAAAAAAAA4D8AAAAAAADgPwAAAAAAAOA/AAAAAAAA4D8AAAAAAADgPwAAAAAAAOA/AAAAAAAA4D8AAAAAAADgPwAAAAAAAOA/AAAAAAAA4D8CAAAAjAAAAAAAAAAAAAAA////AP///wgAAAAAAAAAAAAAAAAAAAAAAAAAAAAAAAAAAAAAeAAAAAEAAABAAAAAAAAAAAAAAABaAAAAAAAAAAAAAAAAAAAAAAAAAAAAAAAAAAAAAAAAAAAAAAAAAAAAAAAAAAAAAAAAAAAAAAAAAAAAAAAAAAAAAAAAAAAAAAAAAAAAFAAAADwAAAABAAAABAAAAAAAAAkKAAAAAQAAABQAAAAUAAAAFAAAAAEAAAAAAAAAZAAAAGQAAAAAAAAAZAAAAGQAAAAVAAAAYAAAAAAAAAAAAAAADwAAACADAAAAAAAAAAAAAAEAAACgMgAAVgcAAKr4//8BAAAAf39/AAEAAABkAAAAAAAAABQAAABAHwAAAAAAACYAAAAAAAAAwOD//wAAAAAmAAAAZAAAABYAAABMAAAAAAAAAAAAAAAEAAAAAAAAAAEAAADn5uYKAAAAACgAAAAoAAAAZAAAAGQAAAAAAAAAzMzMAAAAAABQAAAAUAAAAGQAAABkAAAAAAAAABcAAAAUAAAAAAAAAAAAAAD/fwAA/38AAAAAAAAJAAAABAAAAAAAAAAeAAAAaAAAAAAAAAAAAAAAAAAAAAAAAAAAAAAAECcAABAnAAAAAAAAAAAAAAAAAAAAAAAAAAAAAAAAAAAAAAAAAAAAABQAAAAAAAAAwMD/AAAAAABkAAAAMgAAAAAAAABkAAAAAAAAAH9/fwAKAAAAIgAAABgAAAAAAAAAAAAAAAAAAAAAAAAAAAAAAAAAAAAkAAAAJAAAAAAAAAAHAAAAAAAAAAAAAAAAAAAAAAAAAAAAAAAAAAAAf39/ACUAAABYAAAAAAAAAAAAAAAAAAAAAAAAAAAAAAAAAAAAAAAAAAAAAAAAAAAAAAAAAAAAAAA/AAAAAAAAAKCGAQAAAAAAAAAAAAAAAAAMAAAAAQAAAAAAAAAAAAAAAAAAAB8AAABUAAAA////AP///wEAAAAAAAAAAAAAAAAAAAAAAAAAAAAAAAAAAAAAAAAAAAAAAAJ/f38A5+bmA8zMzADAwP8Af39/AAAAAAAAAAAAAAAAAAAAAAAAAAAAIQAAABgAAAAUAAAAgx0AABcLAAAmIQAA2g0AAAAAAAAmAAAACAAAAP//////////MAAAABQAAAAAAAAAAAD//wAAAQAAAP//AAABAA=="/>
+                  <pr:smNativeData xmlns:pr="smNativeData" xmlns="smNativeData" val="SMDATA_16_FAWHYRMAAAAlAAAACgAAAA0AAAAAkAAAAEgAAACQAAAASAAAAAAAAAAAAAAAAAAAAAEAAABQAAAAAAAAAAAA4D8AAAAAAADgPwAAAAAAAOA/AAAAAAAA4D8AAAAAAADgPwAAAAAAAOA/AAAAAAAA4D8AAAAAAADgPwAAAAAAAOA/AAAAAAAA4D8CAAAAjAAAAAAAAAAAAAAA////AP///wgAAAAAAAAAAAAAAAAAAAAAAAAAAAAAAAAAAAAAeAAAAAEAAABAAAAAAAAAAAAAAABaAAAAAAAAAAAAAAAAAAAAAAAAAAAAAAAAAAAAAAAAAAAAAAAAAAAAAAAAAAAAAAAAAAAAAAAAAAAAAAAAAAAAAAAAAAAAAAAAAAAAFAAAADwAAAABAAAABAAAAAAAAAkKAAAAAQAAABQAAAAUAAAAFAAAAAEAAAAAAAAAZAAAAGQAAAAAAAAAZAAAAGQAAAAVAAAAYAAAAAAAAAAAAAAADwAAACADAAAAAAAAAAAAAAEAAACgMgAAVgcAAKr4//8BAAAAf39/AAEAAABkAAAAAAAAABQAAABAHwAAAAAAACYAAAAAAAAAwOD//wAAAAAmAAAAZAAAABYAAABMAAAAAAAAAAAAAAAEAAAAAAAAAAEAAADn5uYKAAAAACgAAAAoAAAAZAAAAGQAAAAAAAAAzMzMAAAAAABQAAAAUAAAAGQAAABkAAAAAAAAABcAAAAUAAAAAAAAAAAAAAD/fwAA/38AAAAAAAAJAAAABAAAAAAAAAAeAAAAaAAAAAAAAAAAAAAAAAAAAAAAAAAAAAAAECcAABAnAAAAAAAAAAAAAAAAAAAAAAAAAAAAAAAAAAAAAAAAAAAAABQAAAAAAAAAwMD/AAAAAABkAAAAMgAAAAAAAABkAAAAAAAAAH9/fwAKAAAAIgAAABgAAAAAAAAAAAAAAAAAAAAAAAAAAAAAAAAAAAAkAAAAJAAAAAAAAAAHAAAAAAAAAAAAAAAAAAAAAAAAAAAAAAAAAAAAf39/ACUAAABYAAAAAAAAAAAAAAAAAAAAAAAAAAAAAAAAAAAAAAAAAAAAAAAAAAAAAAAAAAAAAAA/AAAAAAAAAKCGAQAAAAAAAAAAAAAAAAAMAAAAAQAAAAAAAAAAAAAAAAAAAB8AAABUAAAA////AP///wEAAAAAAAAAAAAAAAAAAAAAAAAAAAAAAAAAAAAAAAAAAAAAAAJ/f38A5+bmA8zMzADAwP8Af39/AAAAAAAAAAAAAAAAAAAAAAAAAAAAIQAAABgAAAAUAAAAgx0AABcLAAAmIQAA2g0AAAAAAAAmAAAACAAAAP//////////MAAAABQAAAAAAAAAAAD//wAAAQAAAP//AAABAA=="/>
                 </a:ext>
               </a:extLst>
             </p:cNvSpPr>
@@ -7632,11 +7632,11 @@
       </p:grpSp>
       <p:grpSp>
         <p:nvGrpSpPr>
-          <p:cNvPr id="50" name="Group 132"/>
+          <p:cNvPr id="50" name="Group1"/>
           <p:cNvGrpSpPr>
             <a:extLst>
               <a:ext uri="smNativeData">
-                <pr:smNativeData xmlns:pr="smNativeData" xmlns="smNativeData" val="SMDATA_6_gfoFYRMAAAAlAAAAAQAAAA8BAAAAkAAAAEgAAACQAAAASAAAAAAAAAAAAAAAAAAAABcAAAAUAAAAAAAAAAAAAAD/fwAA/38AAAAAAAAJAAAABAAAAAAAAAAfAAAAVAAAAAAAAAAAAAAAAAAAAAAAAAAAAAAAAAAAAAAAAAAAAAAAAAAAAAAAAAAAAAAAAAAAAAAAAAAAAAAAAAAAAAAAAAAAAAAAAAAAAAAAAAAAAAAAAAAAACEAAAAYAAAAFAAAANQdAACRGwAArSYAAI4hAAAQAAAAJgAAAAgAAAD/////AAAAAA=="/>
+                <pr:smNativeData xmlns:pr="smNativeData" xmlns="smNativeData" val="SMDATA_6_FAWHYRMAAAAlAAAAAQAAAC8BAAAAkAAAAEgAAACQAAAASAAAAAAAAAAAAAAAAAAAABcAAAAUAAAAAAAAAAAAAAD/fwAA/38AAAAAAAAJAAAABAAAAJAGKQAfAAAAVAAAAAAAAAAAAAAAAAAAAAAAAAAAAAAAAAAAAAAAAAAAAAAAAAAAAAAAAAAAAAAAAAAAAAAAAAAAAAAAAAAAAAAAAAAAAAAAAAAAAAAAAAAAAAAAAAAAACEAAAAYAAAAFAAAAK8dAADUGwAArSYAANEhAAAAAAAAJgAAAAgAAAD/////AAAAAA=="/>
               </a:ext>
             </a:extLst>
           </p:cNvGrpSpPr>
@@ -7644,19 +7644,19 @@
         </p:nvGrpSpPr>
         <p:grpSpPr>
           <a:xfrm>
-            <a:off x="4848860" y="4481195"/>
-            <a:ext cx="1438275" cy="973455"/>
-            <a:chOff x="4848860" y="4481195"/>
-            <a:chExt cx="1438275" cy="973455"/>
+            <a:off x="4825365" y="4523740"/>
+            <a:ext cx="1461770" cy="973455"/>
+            <a:chOff x="4825365" y="4523740"/>
+            <a:chExt cx="1461770" cy="973455"/>
           </a:xfrm>
         </p:grpSpPr>
         <p:sp>
           <p:nvSpPr>
-            <p:cNvPr id="64" name="TextBox 108"/>
+            <p:cNvPr id="63" name="TextBox 108"/>
             <p:cNvSpPr>
               <a:extLst>
                 <a:ext uri="smNativeData">
-                  <pr:smNativeData xmlns:pr="smNativeData" xmlns="smNativeData" val="SMDATA_16_gfoFYRMAAAAlAAAAZAAAAE0AAAAAkAAAAEgAAACQAAAASAAAAAAAAAAAAAAAAAAAAAEAAABQAAAAAAAAAAAA4D8AAAAAAADgPwAAAAAAAOA/AAAAAAAA4D8AAAAAAADgPwAAAAAAAOA/AAAAAAAA4D8AAAAAAADgPwAAAAAAAOA/AAAAAAAA4D8CAAAAjAAAAAAAAAAAAAAARHLEDP///wgAAAAAAAAAAAAAAAAAAAAAAAAAAAAAAAAAAAAAZAAAAAEAAABAAAAAAAAAAAAAAAAAAAAAAAAAAAAAAAAAAAAAAAAAAAAAAAAAAAAAAAAAAAAAAAAAAAAAAAAAAAAAAAAAAAAAAAAAAAAAAAAAAAAAAAAAAAAAAAAAAAAAFAAAADwAAAAAAAAAAAAAAAAAAAAPAAAAAQAAACMAAAAjAAAAIwAAAB4AAAAAAAAAZAAAAGQAAAAAAAAAZAAAAGQAAAAVAAAAYAAAAAAAAAAAAAAADwAAACADAAAAAAAAAAAAAAEAAACgMgAAVgcAAKr4//8BAAAAf39/AAEAAABkAAAAAAAAABQAAABAHwAAAAAAACYAAAAAAAAAwOD//wAAAAAmAAAAZAAAABYAAABMAAAAAAAAAAAAAAAEAAAAAAAAAAEAAADn5uYKAAAAACgAAAAoAAAAZAAAAGQAAAAAAAAAzMzMAAAAAABQAAAAUAAAAGQAAABkAAAAAAAAABcAAAAUAAAAAAAAAAAAAAD/fwAA/38AAAAAAAAJAAAABAAAAAAAAAAeAAAAaAAAAAAAAAAAAAAAAAAAAAAAAAAAAAAAECcAABAnAAAAAAAAAAAAAAAAAAAAAAAAAAAAAAAAAAAAAAAAAAAAABQAAAAAAAAAwMD/AAAAAABkAAAAMgAAAAAAAABkAAAAAAAAAH9/fwAKAAAAIgAAABgAAAAAAAAAAAAAAAAAAAAAAAAAAAAAAAAAAAAkAAAAJAAAAAAAAAAHAAAAAAAAAAAAAAAAAAAAAAAAAAAAAAAAAAAAf39/ACUAAABYAAAAAAAAAAAAAAAAAAAAAAAAAAAAAAAAAAAAAAAAAAAAAAAAAAAAAAAAAAAAAAA/AAAAAAAAAKCGAQAAAAAAAAAAAAAAAAAMAAAAAQAAAAAAAAAAAAAAAAAAAB8AAABUAAAARHLEBf///wEAAAAAAAAAAAAAAAAAAAAAAAAAAAAAAAAAAAAAAAAAAAAAAAB/f38A5+bmA8zMzADAwP8Af39/AAAAAAAAAAAAAAAAAAAAAAAAAAAAIQAAABgAAAAUAAAAOiMAAK0dAACtJgAA8h8AAAAgAAAmAAAACAAAAP//////////MAAAABQAAAAAAAAAAAD//wAAAQAAAP//AAABAA=="/>
+                  <pr:smNativeData xmlns:pr="smNativeData" xmlns="smNativeData" val="SMDATA_16_FAWHYRMAAAAlAAAAZAAAAE0AAAAAkAAAAEgAAACQAAAASAAAAAAAAAAAAAAAAAAAAAEAAABQAAAAAAAAAAAA4D8AAAAAAADgPwAAAAAAAOA/AAAAAAAA4D8AAAAAAADgPwAAAAAAAOA/AAAAAAAA4D8AAAAAAADgPwAAAAAAAOA/AAAAAAAA4D8CAAAAjAAAAAAAAAAAAAAARHLEDP///wgAAAAAAAAAAAAAAAAAAAAAAAAAAAAAAAAAAAAAZAAAAAEAAABAAAAAAAAAAAAAAAAAAAAAAAAAAAAAAAAAAAAAAAAAAAAAAAAAAAAAAAAAAAAAAAAAAAAAAAAAAAAAAAAAAAAAAAAAAAAAAAAAAAAAAAAAAAAAAAAAAAAAFAAAADwAAAAAAAAAAAAAAAAAAAAPAAAAAQAAACMAAAAjAAAAIwAAAB4AAAAAAAAAZAAAAGQAAAAAAAAAZAAAAGQAAAAVAAAAYAAAAAAAAAAAAAAADwAAACADAAAAAAAAAAAAAAEAAACgMgAAVgcAAKr4//8BAAAAf39/AAEAAABkAAAAAAAAABQAAABAHwAAAAAAACYAAAAAAAAAwOD//wAAAAAmAAAAZAAAABYAAABMAAAAAAAAAAAAAAAEAAAAAAAAAAEAAADn5uYKAAAAACgAAAAoAAAAZAAAAGQAAAAAAAAAzMzMAAAAAABQAAAAUAAAAGQAAABkAAAAAAAAABcAAAAUAAAAAAAAAAAAAAD/fwAA/38AAAAAAAAJAAAABAAAAAAAAAAeAAAAaAAAAAAAAAAAAAAAAAAAAAAAAAAAAAAAECcAABAnAAAAAAAAAAAAAAAAAAAAAAAAAAAAAAAAAAAAAAAAAAAAABQAAAAAAAAAwMD/AAAAAABkAAAAMgAAAAAAAABkAAAAAAAAAH9/fwAKAAAAIgAAABgAAAAAAAAAAAAAAAAAAAAAAAAAAAAAAAAAAAAkAAAAJAAAAAAAAAAHAAAAAAAAAAAAAAAAAAAAAAAAAAAAAAAAAAAAf39/ACUAAABYAAAAAAAAAAAAAAAAAAAAAAAAAAAAAAAAAAAAAAAAAAAAAAAAAAAAAAAAAAAAAAA/AAAAAAAAAKCGAQAAAAAAAAAAAAAAAAAMAAAAAQAAAAAAAAAAAAAAAAAAAB8AAABUAAAARHLEBf///wEAAAAAAAAAAAAAAAAAAAAAAAAAAAAAAAAAAAAAAAAAAAAAAAB/f38A5+bmA8zMzADAwP8Af39/AAAAAAAAAAAAAAAAAAAAAAAAAAAAIQAAABgAAAAUAAAAOiMAAK0dAACtJgAA8h8AAAAgAAAmAAAACAAAAP//////////MAAAABQAAAAAAAAAAAD//wAAAQAAAP//AAABAA=="/>
                 </a:ext>
               </a:extLst>
             </p:cNvSpPr>
@@ -7701,11 +7701,11 @@
         </p:sp>
         <p:sp>
           <p:nvSpPr>
-            <p:cNvPr id="63" name="TextBox 109"/>
+            <p:cNvPr id="62" name="TextBox 109"/>
             <p:cNvSpPr>
               <a:extLst>
                 <a:ext uri="smNativeData">
-                  <pr:smNativeData xmlns:pr="smNativeData" xmlns="smNativeData" val="SMDATA_16_gfoFYRMAAAAlAAAAZAAAAE0AAAAAkAAAAEgAAACQAAAASAAAAAAAAAAAAAAAAAAAAAEAAABQAAAAAAAAAAAA4D8AAAAAAADgPwAAAAAAAOA/AAAAAAAA4D8AAAAAAADgPwAAAAAAAOA/AAAAAAAA4D8AAAAAAADgPwAAAAAAAOA/AAAAAAAA4D8CAAAAjAAAAAAAAAAAAAAARHLEDP///wgAAAAAAAAAAAAAAAAAAAAAAAAAAAAAAAAAAAAAZAAAAAEAAABAAAAAAAAAAAAAAAAAAAAAAAAAAAAAAAAAAAAAAAAAAAAAAAAAAAAAAAAAAAAAAAAAAAAAAAAAAAAAAAAAAAAAAAAAAAAAAAAAAAAAAAAAAAAAAAAAAAAAFAAAADwAAAAAAAAAAAAAAAAAAAAPAAAAAQAAACMAAAAjAAAAIwAAAB4AAAAAAAAAZAAAAGQAAAAAAAAAZAAAAGQAAAAVAAAAYAAAAAAAAAAAAAAADwAAACADAAAAAAAAAAAAAAEAAACgMgAAVgcAAKr4//8BAAAAf39/AAEAAABkAAAAAAAAABQAAABAHwAAAAAAACYAAAAAAAAAwOD//wAAAAAmAAAAZAAAABYAAABMAAAAAAAAAAAAAAAEAAAAAAAAAAEAAADn5uYKAAAAACgAAAAoAAAAZAAAAGQAAAAAAAAAzMzMAAAAAABQAAAAUAAAAGQAAABkAAAAAAAAABcAAAAUAAAAAAAAAAAAAAD/fwAA/38AAAAAAAAJAAAABAAAAAAAAAAeAAAAaAAAAAAAAAAAAAAAAAAAAAAAAAAAAAAAECcAABAnAAAAAAAAAAAAAAAAAAAAAAAAAAAAAAAAAAAAAAAAAAAAABQAAAAAAAAAwMD/AAAAAABkAAAAMgAAAAAAAABkAAAAAAAAAH9/fwAKAAAAIgAAABgAAAAAAAAAAAAAAAAAAAAAAAAAAAAAAAAAAAAkAAAAJAAAAAAAAAAHAAAAAAAAAAAAAAAAAAAAAAAAAAAAAAAAAAAAf39/ACUAAABYAAAAAAAAAAAAAAAAAAAAAAAAAAAAAAAAAAAAAAAAAAAAAAAAAAAAAAAAAAAAAAA/AAAAAAAAAKCGAQAAAAAAAAAAAAAAAAAMAAAAAQAAAAAAAAAAAAAAAAAAAB8AAABUAAAARHLEBf///wEAAAAAAAAAAAAAAAAAAAAAAAAAAAAAAAAAAAAAAAAAAAAAAAB/f38A5+bmA8zMzADAwP8Af39/AAAAAAAAAAAAAAAAAAAAAAAAAAAAIQAAABgAAAAUAAAAEh8AABofAACIIgAAYCEAAAAgAAAmAAAACAAAAP//////////MAAAABQAAAAAAAAAAAD//wAAAQAAAP//AAABAA=="/>
+                  <pr:smNativeData xmlns:pr="smNativeData" xmlns="smNativeData" val="SMDATA_16_FAWHYRMAAAAlAAAAZAAAAE0AAAAAkAAAAEgAAACQAAAASAAAAAAAAAAAAAAAAAAAAAEAAABQAAAAAAAAAAAA4D8AAAAAAADgPwAAAAAAAOA/AAAAAAAA4D8AAAAAAADgPwAAAAAAAOA/AAAAAAAA4D8AAAAAAADgPwAAAAAAAOA/AAAAAAAA4D8CAAAAjAAAAAAAAAAAAAAARHLEDP///wgAAAAAAAAAAAAAAAAAAAAAAAAAAAAAAAAAAAAAZAAAAAEAAABAAAAAAAAAAAAAAAAAAAAAAAAAAAAAAAAAAAAAAAAAAAAAAAAAAAAAAAAAAAAAAAAAAAAAAAAAAAAAAAAAAAAAAAAAAAAAAAAAAAAAAAAAAAAAAAAAAAAAFAAAADwAAAAAAAAAAAAAAAAAAAAPAAAAAQAAACMAAAAjAAAAIwAAAB4AAAAAAAAAZAAAAGQAAAAAAAAAZAAAAGQAAAAVAAAAYAAAAAAAAAAAAAAADwAAACADAAAAAAAAAAAAAAEAAACgMgAAVgcAAKr4//8BAAAAf39/AAEAAABkAAAAAAAAABQAAABAHwAAAAAAACYAAAAAAAAAwOD//wAAAAAmAAAAZAAAABYAAABMAAAAAAAAAAAAAAAEAAAAAAAAAAEAAADn5uYKAAAAACgAAAAoAAAAZAAAAGQAAAAAAAAAzMzMAAAAAABQAAAAUAAAAGQAAABkAAAAAAAAABcAAAAUAAAAAAAAAAAAAAD/fwAA/38AAAAAAAAJAAAABAAAAAAAAAAeAAAAaAAAAAAAAAAAAAAAAAAAAAAAAAAAAAAAECcAABAnAAAAAAAAAAAAAAAAAAAAAAAAAAAAAAAAAAAAAAAAAAAAABQAAAAAAAAAwMD/AAAAAABkAAAAMgAAAAAAAABkAAAAAAAAAH9/fwAKAAAAIgAAABgAAAAAAAAAAAAAAAAAAAAAAAAAAAAAAAAAAAAkAAAAJAAAAAAAAAAHAAAAAAAAAAAAAAAAAAAAAAAAAAAAAAAAAAAAf39/ACUAAABYAAAAAAAAAAAAAAAAAAAAAAAAAAAAAAAAAAAAAAAAAAAAAAAAAAAAAAAAAAAAAAA/AAAAAAAAAKCGAQAAAAAAAAAAAAAAAAAMAAAAAQAAAAAAAAAAAAAAAAAAAB8AAABUAAAARHLEBf///wEAAAAAAAAAAAAAAAAAAAAAAAAAAAAAAAAAAAAAAAAAAAAAAAB/f38A5+bmA8zMzADAwP8Af39/AAAAAAAAAAAAAAAAAAAAAAAAAAAAIQAAABgAAAAUAAAAEh8AABofAACAIgAAWiEAAAAgAAAmAAAACAAAAP//////////MAAAABQAAAAAAAAAAAD//wAAAQAAAP//AAABAA=="/>
                 </a:ext>
               </a:extLst>
             </p:cNvSpPr>
@@ -7714,7 +7714,7 @@
           <p:spPr>
             <a:xfrm>
               <a:off x="5050790" y="5055870"/>
-              <a:ext cx="562610" cy="369570"/>
+              <a:ext cx="557530" cy="365760"/>
             </a:xfrm>
             <a:prstGeom prst="rect">
               <a:avLst/>
@@ -7758,51 +7758,221 @@
         </p:sp>
         <p:grpSp>
           <p:nvGrpSpPr>
-            <p:cNvPr id="51" name="Group 127"/>
+            <p:cNvPr id="54" name="Group 101"/>
             <p:cNvGrpSpPr>
               <a:extLst>
                 <a:ext uri="smNativeData">
-                  <pr:smNativeData xmlns:pr="smNativeData" xmlns="smNativeData" val="SMDATA_6_gfoFYRMAAAAlAAAAAQAAAA8BAAAAkAAAAEgAAACQAAAASAAAAAAAAAAAAAAAAAAAABcAAAAUAAAAAAAAAAAAAAD/fwAA/38AAAAAAAAJAAAABAAAAAAAAAAfAAAAVAAAAAAAAAAAAAAAAAAAAAAAAAAAAAAAAAAAAAAAAAAAAAAAAAAAAAAAAAAAAAAAAAAAAAAAAAAAAAAAAAAAAAAAAAAAAAAAAAAAAAAAAAAAAAAAAAAAACEAAAAYAAAAFAAAANQdAACRGwAARCMAAI4hAAAAAAAAJgAAAAgAAAD/////AAAAAA=="/>
+                  <pr:smNativeData xmlns:pr="smNativeData" xmlns="smNativeData" val="SMDATA_6_FAWHYRMAAAAlAAAAAQAAAA8BAAAAkAAAAEgAAACQAAAASAAAAAAAAAAAAAAAAAAAABcAAAAUAAAAAAAAAAAAAAD/fwAA/38AAAAAAAAJAAAABAAAAAAAAAAfAAAAVAAAAAAAAAAAAAAAAAAAAAAAAAAAAAAAAAAAAAAAAAAAAAAAAAAAAAAAAAAAAAAAAAAAAAAAAAAAAAAAAAAAAAAAAAAAAAAAAAAAAAAAAAAAAAAAAAAAACEAAAAYAAAAFAAAAOwdAADUGwAAeyIAANEhAAAAAAAAJgAAAAgAAAD/////AAAAAA=="/>
                 </a:ext>
               </a:extLst>
             </p:cNvGrpSpPr>
             <p:nvPr/>
           </p:nvGrpSpPr>
           <p:grpSpPr>
-            <a:xfrm rot="3180000">
-              <a:off x="4804410" y="4525645"/>
-              <a:ext cx="973455" cy="883920"/>
-              <a:chOff x="4804410" y="4525645"/>
-              <a:chExt cx="973455" cy="883920"/>
+            <a:xfrm rot="5410365">
+              <a:off x="4747895" y="4639945"/>
+              <a:ext cx="973455" cy="741045"/>
+              <a:chOff x="4747895" y="4639945"/>
+              <a:chExt cx="973455" cy="741045"/>
             </a:xfrm>
           </p:grpSpPr>
+          <p:sp>
+            <p:nvSpPr>
+              <p:cNvPr id="61" name="Rectangle: Rounded Corners 119"/>
+              <p:cNvSpPr>
+                <a:extLst>
+                  <a:ext uri="smNativeData">
+                    <pr:smNativeData xmlns:pr="smNativeData" xmlns="smNativeData" val="SMDATA_16_FAWHYRMAAAAlAAAAZQAAAA0AAAAAkAAAAEgAAACQAAAASAAAAAAAAAABAAAAAAAAAAEAAABQAAAAhbacS3FV1T8AAAAAAAAAAAAAAAAAAOA/AAAAAAAA4D8AAAAAAADgPwAAAAAAAOA/AAAAAAAA4D8AAAAAAADgPwAAAAAAAOA/AAAAAAAA4D8CAAAAjAAAAAEAAAADAAAAnp6eAH19fQAAAAAAAAAAAAAAAAAAAAAAAAAAAAAAAAAAAAAAZAAAAAEAAABAAAAAAAAAAGQAAAAOAQAAAAAAAAEAAAAyAAAAkZGRAAAAAAAAAAAAAAAAAAAAAAAAAAAAAAAAAAAAAAAAAAAAAAAAAAAAAAAAAAAAAAAAAAAAAAAAAAAAFAAAADwAAAABAAAAAAAAAAAAAAAKAAAAAQAAABQAAAAUAAAAFAAAAAEAAAAAAAAAZAAAAGQAAAAAAAAAZAAAAGQAAAAVAAAAYAAAAAAAAAAAAAAAAAAAAAAAAAAAAAAAAAAAAAAAAAAAAAAAAAAAAAAAAAAAAAAAAAAACQAAAAAAAAAAAAAAAAAAAAAAAAAAAAAAAAAAAAAAAAAAAAAAAAAAAAAAAAAAAAAAABYAAABMAAAAAAAAAAAAAAAAAAAAAAAAAAAAAAAAAAAJAAAAAAAAAAAAAAAAAAAAAAAAAAAAAAAAAAAAAAAAAAAAAAAAAAAAAAAAAAAAAAAAAAAAABcAAAAUAAAAAAAAAAAAAAD/fwAA/38AAAAAAAAJAAAABAAAAAAAAAAeAAAAaAAAAAAAAAAAAAAAAAAAAAAAAAAAAAAAECcAABAnAAAAAAAAAAAAAAAAAAAAAAAAAAAAAAAAAAAAAAAAAAAAABQAAAAAAAAAwMD/AAAAAABkAAAAMgAAAAAAAABkAAAAAAAAAH9/fwAKAAAAIgAAABgAAAAAAAAAAAAAAAAAAAAAAAAAAAAAAAAAAAAkAAAAJAAAAAAAAAAHAAAAAAAAAAAAAAAAAAAAAAAAAAAAAAAAAAAAf39/ACUAAABYAAAAAAAAAAAAAAAAAAAAAAAAAAAAAAAAAAAAAAAAAAAAAAAAAAAAAAAAAAAAAAA/AAAAAAAAAKCGAQAAAAAAAAAAAAAAAAAMAAAAAQAAAAAAAAAAAAAAAAAAAB8AAABUAAAAnp6eAH19fQCRkZEAAAAAAAAAAAAAAAAAAAAAAAAAAAAAAAAAAAAAAAAAAAAAAAACAAAAAgAAAADAwP8Af39/AAAAAAAAAAAAAAAAAAAAAAAAAAAAIQAAABgAAAAUAAAANR0AANIeAADrHQAAGiEAAAAAAAAmAAAACAAAAP//////////MAAAABQAAAAAAAAA/xj//wHnAADLB///NfgAAA=="/>
+                  </a:ext>
+                </a:extLst>
+              </p:cNvSpPr>
+              <p:nvPr/>
+            </p:nvSpPr>
+            <p:spPr>
+              <a:xfrm>
+                <a:off x="4747895" y="5010150"/>
+                <a:ext cx="115570" cy="370840"/>
+              </a:xfrm>
+              <a:prstGeom prst="roundRect">
+                <a:avLst>
+                  <a:gd name="adj" fmla="val 16667"/>
+                </a:avLst>
+              </a:prstGeom>
+              <a:gradFill flip="none" rotWithShape="0">
+                <a:gsLst>
+                  <a:gs pos="0">
+                    <a:srgbClr val="9E9E9E"/>
+                  </a:gs>
+                  <a:gs pos="50000">
+                    <a:srgbClr val="919191"/>
+                  </a:gs>
+                  <a:gs pos="100000">
+                    <a:srgbClr val="7D7D7D"/>
+                  </a:gs>
+                </a:gsLst>
+                <a:lin ang="5400000" scaled="0"/>
+                <a:tileRect/>
+              </a:gradFill>
+              <a:ln w="6350" cap="flat" cmpd="sng" algn="ctr">
+                <a:solidFill>
+                  <a:srgbClr val="000000"/>
+                </a:solidFill>
+                <a:prstDash val="solid"/>
+                <a:headEnd type="none"/>
+                <a:tailEnd type="none"/>
+              </a:ln>
+              <a:effectLst/>
+            </p:spPr>
+            <p:txBody>
+              <a:bodyPr vert="horz" wrap="square" lIns="91440" tIns="45720" rIns="91440" bIns="45720" numCol="1" spcCol="215900" anchor="ctr"/>
+              <a:lstStyle/>
+              <a:p>
+                <a:pPr algn="ctr">
+                  <a:defRPr lang="en-us" cap="none">
+                    <a:solidFill>
+                      <a:srgbClr val="000000"/>
+                    </a:solidFill>
+                  </a:defRPr>
+                </a:pPr>
+                <a:endParaRPr lang="en-au" u="sng" cap="none"/>
+              </a:p>
+            </p:txBody>
+          </p:sp>
+          <p:sp>
+            <p:nvSpPr>
+              <p:cNvPr id="60" name="Rectangle: Rounded Corners 120"/>
+              <p:cNvSpPr>
+                <a:extLst>
+                  <a:ext uri="smNativeData">
+                    <pr:smNativeData xmlns:pr="smNativeData" xmlns="smNativeData" val="SMDATA_16_FAWHYRMAAAAlAAAAZQAAAA0AAAAAkAAAAEgAAACQAAAASAAAAAAAAAABAAAAAAAAAAEAAABQAAAAhbacS3FV1T8AAAAAAAAAAAAAAAAAAOA/AAAAAAAA4D8AAAAAAADgPwAAAAAAAOA/AAAAAAAA4D8AAAAAAADgPwAAAAAAAOA/AAAAAAAA4D8CAAAAjAAAAAEAAAADAAAAnp6eAH19fQAAAAAAAAAAAAAAAAAAAAAAAAAAAAAAAAAAAAAAZAAAAAEAAABAAAAAAAAAAGQAAAAOAQAAAAAAAAEAAAAyAAAAkZGRAAAAAAAAAAAAAAAAAAAAAAAAAAAAAAAAAAAAAAAAAAAAAAAAAAAAAAAAAAAAAAAAAAAAAAAAAAAAFAAAADwAAAABAAAAAAAAAAAAAAAKAAAAAQAAABQAAAAUAAAAFAAAAAEAAAAAAAAAZAAAAGQAAAAAAAAAZAAAAGQAAAAVAAAAYAAAAAAAAAAAAAAAAAAAAAAAAAAAAAAAAAAAAAAAAAAAAAAAAAAAAAAAAAAAAAAAAAAACQAAAAAAAAAAAAAAAAAAAAAAAAAAAAAAAAAAAAAAAAAAAAAAAAAAAAAAAAAAAAAAABYAAABMAAAAAAAAAAAAAAAAAAAAAAAAAAAAAAAAAAAJAAAAAAAAAAAAAAAAAAAAAAAAAAAAAAAAAAAAAAAAAAAAAAAAAAAAAAAAAAAAAAAAAAAAABcAAAAUAAAAAAAAAAAAAAD/fwAA/38AAAAAAAAJAAAABAAAAAAAAAAeAAAAaAAAAAAAAAAAAAAAAAAAAAAAAAAAAAAAECcAABAnAAAAAAAAAAAAAAAAAAAAAAAAAAAAAAAAAAAAAAAAAAAAABQAAAAAAAAAwMD/AAAAAABkAAAAMgAAAAAAAABkAAAAAAAAAH9/fwAKAAAAIgAAABgAAAAAAAAAAAAAAAAAAAAAAAAAAAAAAAAAAAAkAAAAJAAAAAAAAAAHAAAAAAAAAAAAAAAAAAAAAAAAAAAAAAAAAAAAf39/ACUAAABYAAAAAAAAAAAAAAAAAAAAAAAAAAAAAAAAAAAAAAAAAAAAAAAAAAAAAAAAAAAAAAA/AAAAAAAAAKCGAQAAAAAAAAAAAAAAAAAMAAAAAQAAAAAAAAAAAAAAAAAAAB8AAABUAAAAnp6eAH19fQCRkZEAAAAAAAAAAAAAAAAAAAAAAAAAAAAAAAAAAAAAAAAAAAAAAAACAAAAAgAAAADAwP8Af39/AAAAAAAAAAAAAAAAAAAAAAAAAAAAIQAAABgAAAAUAAAAfCIAANIeAAAyIwAAGiEAAAAAAAAmAAAACAAAAP//////////MAAAABQAAAAAAAAA/xj//wHnAADLB///NfgAAA=="/>
+                  </a:ext>
+                </a:extLst>
+              </p:cNvSpPr>
+              <p:nvPr/>
+            </p:nvSpPr>
+            <p:spPr>
+              <a:xfrm>
+                <a:off x="5605780" y="5010150"/>
+                <a:ext cx="115570" cy="370840"/>
+              </a:xfrm>
+              <a:prstGeom prst="roundRect">
+                <a:avLst>
+                  <a:gd name="adj" fmla="val 16667"/>
+                </a:avLst>
+              </a:prstGeom>
+              <a:gradFill flip="none" rotWithShape="0">
+                <a:gsLst>
+                  <a:gs pos="0">
+                    <a:srgbClr val="9E9E9E"/>
+                  </a:gs>
+                  <a:gs pos="50000">
+                    <a:srgbClr val="919191"/>
+                  </a:gs>
+                  <a:gs pos="100000">
+                    <a:srgbClr val="7D7D7D"/>
+                  </a:gs>
+                </a:gsLst>
+                <a:lin ang="5400000" scaled="0"/>
+                <a:tileRect/>
+              </a:gradFill>
+              <a:ln w="6350" cap="flat" cmpd="sng" algn="ctr">
+                <a:solidFill>
+                  <a:srgbClr val="000000"/>
+                </a:solidFill>
+                <a:prstDash val="solid"/>
+                <a:headEnd type="none"/>
+                <a:tailEnd type="none"/>
+              </a:ln>
+              <a:effectLst/>
+            </p:spPr>
+            <p:txBody>
+              <a:bodyPr vert="horz" wrap="square" lIns="91440" tIns="45720" rIns="91440" bIns="45720" numCol="1" spcCol="215900" anchor="ctr"/>
+              <a:lstStyle/>
+              <a:p>
+                <a:pPr algn="ctr">
+                  <a:defRPr lang="en-us" cap="none">
+                    <a:solidFill>
+                      <a:srgbClr val="000000"/>
+                    </a:solidFill>
+                  </a:defRPr>
+                </a:pPr>
+                <a:endParaRPr lang="en-au" u="sng" cap="none"/>
+              </a:p>
+            </p:txBody>
+          </p:sp>
+          <p:sp>
+            <p:nvSpPr>
+              <p:cNvPr id="59" name="Rectangle 121"/>
+              <p:cNvSpPr>
+                <a:extLst>
+                  <a:ext uri="smNativeData">
+                    <pr:smNativeData xmlns:pr="smNativeData" xmlns="smNativeData" val="SMDATA_16_FAWHYRMAAAAlAAAAZAAAAA0AAAAAkAAAAEgAAACQAAAASAAAAAAAAAABAAAAAAAAAAEAAABQAAAAAAAAAAAA4D8AAAAAAADgPwAAAAAAAOA/AAAAAAAA4D8AAAAAAADgPwAAAAAAAOA/AAAAAAAA4D8AAAAAAADgPwAAAAAAAOA/AAAAAAAA4D8CAAAAjAAAAAAAAAAAAAAARHLEDP///wgAAAAAAAAAAAAAAAAAAAAAAAAAAAAAAAAAAAAAZAAAAAEAAABAAAAAAAAAAAAAAAAAAAAAAAAAAAAAAAAAAAAAAAAAAAAAAAAAAAAAAAAAAAAAAAAAAAAAAAAAAAAAAAAAAAAAAAAAAAAAAAAAAAAAAAAAAAAAAAAAAAAAFAAAADwAAAABAAAAAAAAAAAAAAkeAAAAAQAAABQAAAAUAAAAFAAAAAEAAAAAAAAAZAAAAGQAAAAAAAAAZAAAAGQAAAAVAAAAYAAAAAAAAAAAAAAADwAAACADAAAAAAAAAAAAAAEAAACgMgAAVgcAAKr4//8BAAAAf39/AAEAAABkAAAAAAAAABQAAABAHwAAAAAAACYAAAAAAAAAwOD//wAAAAAmAAAAZAAAABYAAABMAAAAAAAAAAAAAAAEAAAAAAAAAAEAAADn5uYKAAAAACgAAAAoAAAAZAAAAGQAAAAAAAAAzMzMAAAAAABQAAAAUAAAAGQAAABkAAAAAAAAABcAAAAUAAAAAAAAAAAAAAD/fwAA/38AAAAAAAAJAAAABAAAAAAAAAAeAAAAaAAAAAAAAAAAAAAAAAAAAAAAAAAAAAAAECcAABAnAAAAAAAAAAAAAAAAAAAAAAAAAAAAAAAAAAAAAAAAAAAAABQAAAAAAAAAwMD/AAAAAABkAAAAMgAAAAAAAABkAAAAAAAAAH9/fwAKAAAAIgAAABgAAAAAAAAAAAAAAAAAAAAAAAAAAAAAAAAAAAAkAAAAJAAAAAAAAAAHAAAAAAAAAAAAAAAAAAAAAAAAAAAAAAAAAAAAf39/ACUAAABYAAAAAAAAAAAAAAAAAAAAAAAAAAAAAAAAAAAAAAAAAAAAAAAAAAAAAAAAAAAAAAA/AAAAAAAAAKCGAQAAAAAAAAAAAAAAAAAMAAAAAQAAAAAAAAAAAAAAAAAAAB8AAABUAAAARHLEBf///wEAAAAAAAAAAAAAAAAAAAAAAAAAAAAAAAAAAAAAAAAAAAAAAAJ/f38A5+bmA8zMzADAwP8Af39/AAAAAAAAAAAAAAAAAAAAAAAAAAAAIQAAABgAAAAUAAAA6x0AAIscAAB8IgAAGiEAAAAAAAAmAAAACAAAAP//////////MAAAABQAAAAAAAAAAAD//wAAAQAAAP//AAABAA=="/>
+                  </a:ext>
+                </a:extLst>
+              </p:cNvSpPr>
+              <p:nvPr/>
+            </p:nvSpPr>
+            <p:spPr>
+              <a:xfrm>
+                <a:off x="4863465" y="4639945"/>
+                <a:ext cx="742315" cy="741045"/>
+              </a:xfrm>
+              <a:prstGeom prst="rect">
+                <a:avLst/>
+              </a:prstGeom>
+              <a:noFill/>
+              <a:ln w="19050" cap="flat" cmpd="sng" algn="ctr">
+                <a:solidFill>
+                  <a:schemeClr val="tx1"/>
+                </a:solidFill>
+                <a:prstDash val="solid"/>
+                <a:headEnd type="none"/>
+                <a:tailEnd type="none"/>
+              </a:ln>
+              <a:effectLst/>
+            </p:spPr>
+            <p:txBody>
+              <a:bodyPr vert="horz" wrap="square" lIns="91440" tIns="45720" rIns="91440" bIns="45720" numCol="1" spcCol="215900" anchor="ctr"/>
+              <a:lstStyle/>
+              <a:p>
+                <a:pPr algn="ctr">
+                  <a:defRPr lang="en-us" cap="none">
+                    <a:solidFill>
+                      <a:srgbClr val="FFFFFF"/>
+                    </a:solidFill>
+                  </a:defRPr>
+                </a:pPr>
+                <a:endParaRPr lang="en-au" u="sng" cap="none"/>
+              </a:p>
+            </p:txBody>
+          </p:sp>
           <p:grpSp>
             <p:nvGrpSpPr>
-              <p:cNvPr id="55" name="Group 101"/>
+              <p:cNvPr id="55" name="Group 122"/>
               <p:cNvGrpSpPr>
                 <a:extLst>
                   <a:ext uri="smNativeData">
-                    <pr:smNativeData xmlns:pr="smNativeData" xmlns="smNativeData" val="SMDATA_6_gfoFYRMAAAAlAAAAAQAAAA8BAAAAkAAAAEgAAACQAAAASAAAAAAAAAAAAAAAAAAAABcAAAAUAAAAAAAAAAAAAAD/fwAA/38AAAAAAAAJAAAABAAAAAAAAAAfAAAAVAAAAAAAAAAAAAAAAAAAAAAAAAAAAAAAAAAAAAAAAAAAAAAAAAAAAAAAAAAAAAAAAAAAAAAAAAAAAAAAAAAAAAAAAAAAAAAAAAAAAAAAAAAAAAAAAAAAACEAAAAYAAAAFAAAAI4dAAC2HAAAiyMAAEUhAAAAAAAAJgAAAAgAAAD/////AAAAAA=="/>
+                    <pr:smNativeData xmlns:pr="smNativeData" xmlns="smNativeData" val="SMDATA_6_FAWHYRMAAAAlAAAAAQAAAA8BAAAAkAAAAEgAAACQAAAASAAAAAAAAAAAAAAAAAAAABcAAAAUAAAAAAAAAAAAAAD/fwAA/38AAAAAAAAJAAAABAAAAAAAAAYfAAAAVAAAAAAAAAAAAAAAAAAAAAAAAAAAAAAAAAAAAAAAAAAAAAAAAAAAAAAAAAAAAAAAAAAAAAAAAAAAAAAAAAAAAAAAAAAAAAAAAAAAAAAAAAAAAAAAAAAAACEAAAAYAAAAFAAAAN4fAAChHwAAiSAAAEsgAAAAAAAAJgAAAAgAAAD/////AAAAAA=="/>
                   </a:ext>
                 </a:extLst>
               </p:cNvGrpSpPr>
               <p:nvPr/>
             </p:nvGrpSpPr>
             <p:grpSpPr>
-              <a:xfrm rot="2230366">
-                <a:off x="4804410" y="4667250"/>
-                <a:ext cx="973455" cy="741045"/>
-                <a:chOff x="4804410" y="4667250"/>
-                <a:chExt cx="973455" cy="741045"/>
+              <a:xfrm>
+                <a:off x="5180330" y="5141595"/>
+                <a:ext cx="108585" cy="107950"/>
+                <a:chOff x="5180330" y="5141595"/>
+                <a:chExt cx="108585" cy="107950"/>
               </a:xfrm>
             </p:grpSpPr>
             <p:sp>
               <p:nvSpPr>
-                <p:cNvPr id="62" name="Rectangle: Rounded Corners 119"/>
+                <p:cNvPr id="58" name="Oval 123"/>
                 <p:cNvSpPr>
                   <a:extLst>
                     <a:ext uri="smNativeData">
-                      <pr:smNativeData xmlns:pr="smNativeData" xmlns="smNativeData" val="SMDATA_16_gfoFYRMAAAAlAAAAZQAAAA0AAAAAkAAAAEgAAACQAAAASAAAAAAAAAABAAAAAAAAAAEAAABQAAAAhbacS3FV1T8AAAAAAAAAAAAAAAAAAOA/AAAAAAAA4D8AAAAAAADgPwAAAAAAAOA/AAAAAAAA4D8AAAAAAADgPwAAAAAAAOA/AAAAAAAA4D8CAAAAjAAAAAEAAAADAAAAnp6eAH19fQAAAAAAAAAAAAAAAAAAAAAAAAAAAAAAAAAAAAAAZAAAAAEAAABAAAAAAAAAAGQAAAAOAQAAAAAAAAEAAAAyAAAAkZGRAAAAAAAAAAAAAAAAAAAAAAAAAAAAAAAAAAAAAAAAAAAAAAAAAAAAAAAAAAAAAAAAAAAAAAAAAAAAFAAAADwAAAABAAAAAAAAAAAAAAAKAAAAAQAAABQAAAAUAAAAFAAAAAEAAAAAAAAAZAAAAGQAAAAAAAAAZAAAAGQAAAAVAAAAYAAAAAAAAAAAAAAAAAAAAAAAAAAAAAAAAAAAAAAAAAAAAAAAAAAAAAAAAAAAAAAAAAAACQAAAAAAAAAAAAAAAAAAAAAAAAAAAAAAAAAAAAAAAAAAAAAAAAAAAAAAAAAAAAAAABYAAABMAAAAAAAAAAAAAAAAAAAAAAAAAAAAAAAAAAAJAAAAAAAAAAAAAAAAAAAAAAAAAAAAAAAAAAAAAAAAAAAAAAAAAAAAAAAAAAAAAAAAAAAAABcAAAAUAAAAAAAAAAAAAAD/fwAA/38AAAAAAAAJAAAABAAAAAAAAAAeAAAAaAAAAAAAAAAAAAAAAAAAAAAAAAAAAAAAECcAABAnAAAAAAAAAAAAAAAAAAAAAAAAAAAAAAAAAAAAAAAAAAAAABQAAAAAAAAAwMD/AAAAAABkAAAAMgAAAAAAAABkAAAAAAAAAH9/fwAKAAAAIgAAABgAAAAAAAAAAAAAAAAAAAAAAAAAAAAAAAAAAAAkAAAAJAAAAAAAAAAHAAAAAAAAAAAAAAAAAAAAAAAAAAAAAAAAAAAAf39/ACUAAABYAAAAAAAAAAAAAAAAAAAAAAAAAAAAAAAAAAAAAAAAAAAAAAAAAAAAAAAAAAAAAAA/AAAAAAAAAKCGAQAAAAAAAAAAAAAAAAAMAAAAAQAAAAAAAAAAAAAAAAAAAB8AAABUAAAAnp6eAH19fQCRkZEAAAAAAAAAAAAAAAAAAAAAAAAAAAAAAAAAAAAAAAAAAAAAAAACAAAAAgAAAADAwP8Af39/AAAAAAAAAAAAAAAAAAAAAAAAAAAAIQAAABgAAAAUAAAAjh0AAP0eAABEHgAARSEAAAAAAAAmAAAACAAAAP//////////MAAAABQAAAAAAAAA/xj//wHnAADLB///NfgAAA=="/>
+                      <pr:smNativeData xmlns:pr="smNativeData" xmlns="smNativeData" val="SMDATA_16_FAWHYRMAAAAlAAAAZgAAAC0AAAAAkAAAAEgAAACQAAAASAAAAAAAAAABAAAAAAAAAAEAAABQAAAAAAAAAAAA8D8AAAAAAADwPwAAAAAAAOA/AAAAAAAA4D8AAAAAAADgPwAAAAAAAOA/AAAAAAAA4D8AAAAAAADgPwAAAAAAAOA/AAAAAAAA4D8CAAAAjAAAAAAAAAAAAAAARHLEDP///wgAAAAAAAAAAAAAAAAAAAAAAAAAAAAAAAAAAAAAZAAAAAEAAABAAAAAAAAAAAAAAAAAAAAAAAAAAAAAAAAAAAAAAAAAAAAAAAAAAAAAAAAAAAAAAAAAAAAAAAAAAAAAAAAAAAAAAAAAAAAAAAAAAAAAAAAAAAAAAAAAAAAAFAAAADwAAAABAAAAAAAAAAAAAAkUAAAAAQAAABQAAAAUAAAAFAAAAAEAAAAAAAAAZAAAAGQAAAAAAAAAZAAAAGQAAAAVAAAAYAAAAAAAAAAAAAAADwAAACADAAAAAAAAAAAAAAEAAACgMgAAVgcAAKr4//8BAAAAf39/AAEAAABkAAAAAAAAABQAAABAHwAAAAAAACYAAAAAAAAAwOD//wAAAAAmAAAAZAAAABYAAABMAAAAAAAAAAAAAAAEAAAAAAAAAAEAAADn5uYKAAAAACgAAAAoAAAAZAAAAGQAAAAAAAAAzMzMAAAAAABQAAAAUAAAAGQAAABkAAAAAAAAABcAAAAUAAAAAAAAAAAAAAD/fwAA/38AAAAAAAAJAAAABAAAAAAAAAAeAAAAaAAAAAAAAAAAAAAAAAAAAAAAAAAAAAAAECcAABAnAAAAAAAAAAAAAAAAAAAAAAAAAAAAAAAAAAAAAAAAAAAAABQAAAAAAAAAwMD/AAAAAABkAAAAMgAAAAAAAABkAAAAAAAAAH9/fwAKAAAAIgAAABgAAAAAAAAAAAAAAAAAAAAAAAAAAAAAAAAAAAAkAAAAJAAAAAAAAAAHAAAAAAAAAAAAAAAAAAAAAAAAAAAAAAAAAAAAf39/ACUAAABYAAAAAAAAAAAAAAAAAAAAAAAAAAAAAAAAAAAAAAAAAAAAAAAAAAAAAAAAAAAAAAA/AAAAAAAAAKCGAQAAAAAAAAAAAAAAAAAMAAAAAQAAAAAAAAAAAAAAAAAAAB8AAABUAAAARHLEBf///wEAAAAAAAAAAAAAAAAAAAAAAAAAAAAAAAAAAAAAAAAAAAAAAAJ/f38A5+bmA8zMzADAwP8Af39/AAAAAAAAAAAAAAAAAAAAAAAAAAAAIQAAABgAAAAUAAAA3h8AAKEfAACJIAAASyAAAAAAAAAmAAAACAAAAP//////////MAAAABQAAAAAAAAA/Er//wS1AAD8Sv//BLUAAA=="/>
                     </a:ext>
                   </a:extLst>
                 </p:cNvSpPr>
@@ -7810,138 +7980,14 @@
               </p:nvSpPr>
               <p:spPr>
                 <a:xfrm>
-                  <a:off x="4804410" y="5037455"/>
-                  <a:ext cx="115570" cy="370840"/>
+                  <a:off x="5180330" y="5141595"/>
+                  <a:ext cx="108585" cy="107950"/>
                 </a:xfrm>
-                <a:prstGeom prst="roundRect">
-                  <a:avLst>
-                    <a:gd name="adj" fmla="val 16667"/>
-                  </a:avLst>
-                </a:prstGeom>
-                <a:gradFill flip="none" rotWithShape="0">
-                  <a:gsLst>
-                    <a:gs pos="0">
-                      <a:srgbClr val="9E9E9E"/>
-                    </a:gs>
-                    <a:gs pos="50000">
-                      <a:srgbClr val="919191"/>
-                    </a:gs>
-                    <a:gs pos="100000">
-                      <a:srgbClr val="7D7D7D"/>
-                    </a:gs>
-                  </a:gsLst>
-                  <a:lin ang="5400000" scaled="0"/>
-                  <a:tileRect/>
-                </a:gradFill>
-                <a:ln w="6350" cap="flat" cmpd="sng" algn="ctr">
-                  <a:solidFill>
-                    <a:srgbClr val="000000"/>
-                  </a:solidFill>
-                  <a:prstDash val="solid"/>
-                  <a:headEnd type="none"/>
-                  <a:tailEnd type="none"/>
-                </a:ln>
-                <a:effectLst/>
-              </p:spPr>
-              <p:txBody>
-                <a:bodyPr vert="horz" wrap="square" lIns="91440" tIns="45720" rIns="91440" bIns="45720" numCol="1" spcCol="215900" anchor="ctr"/>
-                <a:lstStyle/>
-                <a:p>
-                  <a:pPr algn="ctr">
-                    <a:defRPr lang="en-us" cap="none">
-                      <a:solidFill>
-                        <a:srgbClr val="000000"/>
-                      </a:solidFill>
-                    </a:defRPr>
-                  </a:pPr>
-                  <a:endParaRPr lang="en-au" u="sng" cap="none"/>
-                </a:p>
-              </p:txBody>
-            </p:sp>
-            <p:sp>
-              <p:nvSpPr>
-                <p:cNvPr id="61" name="Rectangle: Rounded Corners 120"/>
-                <p:cNvSpPr>
-                  <a:extLst>
-                    <a:ext uri="smNativeData">
-                      <pr:smNativeData xmlns:pr="smNativeData" xmlns="smNativeData" val="SMDATA_16_gfoFYRMAAAAlAAAAZQAAAA0AAAAAkAAAAEgAAACQAAAASAAAAAAAAAABAAAAAAAAAAEAAABQAAAAhbacS3FV1T8AAAAAAAAAAAAAAAAAAOA/AAAAAAAA4D8AAAAAAADgPwAAAAAAAOA/AAAAAAAA4D8AAAAAAADgPwAAAAAAAOA/AAAAAAAA4D8CAAAAjAAAAAEAAAADAAAAnp6eAH19fQAAAAAAAAAAAAAAAAAAAAAAAAAAAAAAAAAAAAAAZAAAAAEAAABAAAAAAAAAAGQAAAAOAQAAAAAAAAEAAAAyAAAAkZGRAAAAAAAAAAAAAAAAAAAAAAAAAAAAAAAAAAAAAAAAAAAAAAAAAAAAAAAAAAAAAAAAAAAAAAAAAAAAFAAAADwAAAABAAAAAAAAAAAAAAAKAAAAAQAAABQAAAAUAAAAFAAAAAEAAAAAAAAAZAAAAGQAAAAAAAAAZAAAAGQAAAAVAAAAYAAAAAAAAAAAAAAAAAAAAAAAAAAAAAAAAAAAAAAAAAAAAAAAAAAAAAAAAAAAAAAAAAAACQAAAAAAAAAAAAAAAAAAAAAAAAAAAAAAAAAAAAAAAAAAAAAAAAAAAAAAAAAAAAAAABYAAABMAAAAAAAAAAAAAAAAAAAAAAAAAAAAAAAAAAAJAAAAAAAAAAAAAAAAAAAAAAAAAAAAAAAAAAAAAAAAAAAAAAAAAAAAAAAAAAAAAAAAAAAAABcAAAAUAAAAAAAAAAAAAAD/fwAA/38AAAAAAAAJAAAABAAAAAAAAAAeAAAAaAAAAAAAAAAAAAAAAAAAAAAAAAAAAAAAECcAABAnAAAAAAAAAAAAAAAAAAAAAAAAAAAAAAAAAAAAAAAAAAAAABQAAAAAAAAAwMD/AAAAAABkAAAAMgAAAAAAAABkAAAAAAAAAH9/fwAKAAAAIgAAABgAAAAAAAAAAAAAAAAAAAAAAAAAAAAAAAAAAAAkAAAAJAAAAAAAAAAHAAAAAAAAAAAAAAAAAAAAAAAAAAAAAAAAAAAAf39/ACUAAABYAAAAAAAAAAAAAAAAAAAAAAAAAAAAAAAAAAAAAAAAAAAAAAAAAAAAAAAAAAAAAAA/AAAAAAAAAKCGAQAAAAAAAAAAAAAAAAAMAAAAAQAAAAAAAAAAAAAAAAAAAB8AAABUAAAAnp6eAH19fQCRkZEAAAAAAAAAAAAAAAAAAAAAAAAAAAAAAAAAAAAAAAAAAAAAAAACAAAAAgAAAADAwP8Af39/AAAAAAAAAAAAAAAAAAAAAAAAAAAAIQAAABgAAAAUAAAA1SIAAP0eAACLIwAARSEAAAAAAAAmAAAACAAAAP//////////MAAAABQAAAAAAAAA/xj//wHnAADLB///NfgAAA=="/>
-                    </a:ext>
-                  </a:extLst>
-                </p:cNvSpPr>
-                <p:nvPr/>
-              </p:nvSpPr>
-              <p:spPr>
-                <a:xfrm>
-                  <a:off x="5662295" y="5037455"/>
-                  <a:ext cx="115570" cy="370840"/>
-                </a:xfrm>
-                <a:prstGeom prst="roundRect">
-                  <a:avLst>
-                    <a:gd name="adj" fmla="val 16667"/>
-                  </a:avLst>
-                </a:prstGeom>
-                <a:gradFill flip="none" rotWithShape="0">
-                  <a:gsLst>
-                    <a:gs pos="0">
-                      <a:srgbClr val="9E9E9E"/>
-                    </a:gs>
-                    <a:gs pos="50000">
-                      <a:srgbClr val="919191"/>
-                    </a:gs>
-                    <a:gs pos="100000">
-                      <a:srgbClr val="7D7D7D"/>
-                    </a:gs>
-                  </a:gsLst>
-                  <a:lin ang="5400000" scaled="0"/>
-                  <a:tileRect/>
-                </a:gradFill>
-                <a:ln w="6350" cap="flat" cmpd="sng" algn="ctr">
-                  <a:solidFill>
-                    <a:srgbClr val="000000"/>
-                  </a:solidFill>
-                  <a:prstDash val="solid"/>
-                  <a:headEnd type="none"/>
-                  <a:tailEnd type="none"/>
-                </a:ln>
-                <a:effectLst/>
-              </p:spPr>
-              <p:txBody>
-                <a:bodyPr vert="horz" wrap="square" lIns="91440" tIns="45720" rIns="91440" bIns="45720" numCol="1" spcCol="215900" anchor="ctr"/>
-                <a:lstStyle/>
-                <a:p>
-                  <a:pPr algn="ctr">
-                    <a:defRPr lang="en-us" cap="none">
-                      <a:solidFill>
-                        <a:srgbClr val="000000"/>
-                      </a:solidFill>
-                    </a:defRPr>
-                  </a:pPr>
-                  <a:endParaRPr lang="en-au" u="sng" cap="none"/>
-                </a:p>
-              </p:txBody>
-            </p:sp>
-            <p:sp>
-              <p:nvSpPr>
-                <p:cNvPr id="60" name="Rectangle 121"/>
-                <p:cNvSpPr>
-                  <a:extLst>
-                    <a:ext uri="smNativeData">
-                      <pr:smNativeData xmlns:pr="smNativeData" xmlns="smNativeData" val="SMDATA_16_gfoFYRMAAAAlAAAAZAAAAA0AAAAAkAAAAEgAAACQAAAASAAAAAAAAAABAAAAAAAAAAEAAABQAAAAAAAAAAAA4D8AAAAAAADgPwAAAAAAAOA/AAAAAAAA4D8AAAAAAADgPwAAAAAAAOA/AAAAAAAA4D8AAAAAAADgPwAAAAAAAOA/AAAAAAAA4D8CAAAAjAAAAAAAAAAAAAAARHLEDP///wgAAAAAAAAAAAAAAAAAAAAAAAAAAAAAAAAAAAAAZAAAAAEAAABAAAAAAAAAAAAAAAAAAAAAAAAAAAAAAAAAAAAAAAAAAAAAAAAAAAAAAAAAAAAAAAAAAAAAAAAAAAAAAAAAAAAAAAAAAAAAAAAAAAAAAAAAAAAAAAAAAAAAFAAAADwAAAABAAAAAAAAAAAAAAkeAAAAAQAAABQAAAAUAAAAFAAAAAEAAAAAAAAAZAAAAGQAAAAAAAAAZAAAAGQAAAAVAAAAYAAAAAAAAAAAAAAADwAAACADAAAAAAAAAAAAAAEAAACgMgAAVgcAAKr4//8BAAAAf39/AAEAAABkAAAAAAAAABQAAABAHwAAAAAAACYAAAAAAAAAwOD//wAAAAAmAAAAZAAAABYAAABMAAAAAAAAAAAAAAAEAAAAAAAAAAEAAADn5uYKAAAAACgAAAAoAAAAZAAAAGQAAAAAAAAAzMzMAAAAAABQAAAAUAAAAGQAAABkAAAAAAAAABcAAAAUAAAAAAAAAAAAAAD/fwAA/38AAAAAAAAJAAAABAAAAAAAAAAeAAAAaAAAAAAAAAAAAAAAAAAAAAAAAAAAAAAAECcAABAnAAAAAAAAAAAAAAAAAAAAAAAAAAAAAAAAAAAAAAAAAAAAABQAAAAAAAAAwMD/AAAAAABkAAAAMgAAAAAAAABkAAAAAAAAAH9/fwAKAAAAIgAAABgAAAAAAAAAAAAAAAAAAAAAAAAAAAAAAAAAAAAkAAAAJAAAAAAAAAAHAAAAAAAAAAAAAAAAAAAAAAAAAAAAAAAAAAAAf39/ACUAAABYAAAAAAAAAAAAAAAAAAAAAAAAAAAAAAAAAAAAAAAAAAAAAAAAAAAAAAAAAAAAAAA/AAAAAAAAAKCGAQAAAAAAAAAAAAAAAAAMAAAAAQAAAAAAAAAAAAAAAAAAAB8AAABUAAAARHLEBf///wEAAAAAAAAAAAAAAAAAAAAAAAAAAAAAAAAAAAAAAAAAAAAAAAJ/f38A5+bmA8zMzADAwP8Af39/AAAAAAAAAAAAAAAAAAAAAAAAAAAAIQAAABgAAAAUAAAARB4AALYcAADVIgAARSEAAAAAAAAmAAAACAAAAP//////////MAAAABQAAAAAAAAAAAD//wAAAQAAAP//AAABAA=="/>
-                    </a:ext>
-                  </a:extLst>
-                </p:cNvSpPr>
-                <p:nvPr/>
-              </p:nvSpPr>
-              <p:spPr>
-                <a:xfrm>
-                  <a:off x="4919980" y="4667250"/>
-                  <a:ext cx="742315" cy="741045"/>
-                </a:xfrm>
-                <a:prstGeom prst="rect">
+                <a:prstGeom prst="ellipse">
                   <a:avLst/>
                 </a:prstGeom>
                 <a:noFill/>
-                <a:ln w="19050" cap="flat" cmpd="sng" algn="ctr">
+                <a:ln w="12700" cap="flat" cmpd="sng" algn="ctr">
                   <a:solidFill>
                     <a:schemeClr val="tx1"/>
                   </a:solidFill>
@@ -7966,256 +8012,191 @@
                 </a:p>
               </p:txBody>
             </p:sp>
-            <p:grpSp>
-              <p:nvGrpSpPr>
-                <p:cNvPr id="56" name="Group 122"/>
-                <p:cNvGrpSpPr>
+            <p:sp>
+              <p:nvSpPr>
+                <p:cNvPr id="57" name="Straight Connector 124"/>
+                <p:cNvSpPr>
                   <a:extLst>
                     <a:ext uri="smNativeData">
-                      <pr:smNativeData xmlns:pr="smNativeData" xmlns="smNativeData" val="SMDATA_6_gfoFYRMAAAAlAAAAAQAAAA8BAAAAkAAAAEgAAACQAAAASAAAAAAAAAAAAAAAAAAAABcAAAAUAAAAAAAAAAAAAAD/fwAA/38AAAAAAAAJAAAABAAAAAAAAAAfAAAAVAAAAAAAAAAAAAAAAAAAAAAAAAAAAAAAAAAAAAAAAAAAAAAAAAAAAAAAAAAAAAAAAAAAAAAAAAAAAAAAAAAAAAAAAAAAAAAAAAAAAAAAAAAAAAAAAAAAACEAAAAYAAAAFAAAADcgAADMHwAA4iAAAHYgAAAAAAAAJgAAAAgAAAD/////AAAAAA=="/>
+                      <pr:smNativeData xmlns:pr="smNativeData" xmlns="smNativeData" val="SMDATA_16_FAWHYRMAAAAlAAAACgAAAA0AAAAAkAAAAEgAAACQAAAASAAAAAAAAAAAAAAAAAAAAAEAAABQAAAAAAAAAAAA4D8AAAAAAADgPwAAAAAAAOA/AAAAAAAA4D8AAAAAAADgPwAAAAAAAOA/AAAAAAAA4D8AAAAAAADgPwAAAAAAAOA/AAAAAAAA4D8CAAAAjAAAAAAAAAAAAAAA////AP///wgAAAAAAAAAAAAAAAAAAAAAAAAAAAAAAAAAAAAAeAAAAAEAAABAAAAAAAAAAAAAAABaAAAAAAAAAAAAAAAAAAAAAAAAAAAAAAAAAAAAAAAAAAAAAAAAAAAAAAAAAAAAAAAAAAAAAAAAAAAAAAAAAAAAAAAAAAAAAAAAAAAAFAAAADwAAAABAAAAAAAAAAAAAAAKAAAAAQAAABQAAAAUAAAAFAAAAAEAAAAAAAAAZAAAAGQAAAAAAAAAZAAAAGQAAAAVAAAAYAAAAAAAAAAAAAAADwAAACADAAAAAAAAAAAAAAEAAACgMgAAVgcAAKr4//8BAAAAf39/AAEAAABkAAAAAAAAABQAAABAHwAAAAAAACYAAAAAAAAAwOD//wAAAAAmAAAAZAAAABYAAABMAAAAAAAAAAAAAAAEAAAAAAAAAAEAAADn5uYKAAAAACgAAAAoAAAAZAAAAGQAAAAAAAAAzMzMAAAAAABQAAAAUAAAAGQAAABkAAAAAAAAABcAAAAUAAAAAAAAAAAAAAD/fwAA/38AAAAAAAAJAAAABAAAAAAAAAAeAAAAaAAAAAAAAAAAAAAAAAAAAAAAAAAAAAAAECcAABAnAAAAAAAAAAAAAAAAAAAAAAAAAAAAAAAAAAAAAAAAAAAAABQAAAAAAAAAwMD/AAAAAABkAAAAMgAAAAAAAABkAAAAAAAAAH9/fwAKAAAAIgAAABgAAAAAAAAAAAAAAAAAAAAAAAAAAAAAAAAAAAAkAAAAJAAAAAAAAAAHAAAAAAAAAAAAAAAAAAAAAAAAAAAAAAAAAAAAf39/ACUAAABYAAAAAAAAAAAAAAAAAAAAAAAAAAAAAAAAAAAAAAAAAAAAAAAAAAAAAAAAAAAAAAA/AAAAAAAAAKCGAQAAAAAAAAAAAAAAAAAMAAAAAQAAAAAAAAAAAAAAAAAAAB8AAABUAAAA////AP///wEAAAAAAAAAAAAAAAAAAAAAAAAAAAAAAAAAAAAAAAAAAAAAAAB/f38A5+bmA8zMzADAwP8Af39/AAAAAAAAAAAAAAAAAAAAAAAAAAAAIQAAABgAAAAUAAAANCAAAKEfAAA0IAAASyAAAAAAAAAmAAAACAAAAP//////////MAAAABQAAAAAAAAAAAD//wAAAQAAAP//AAABAA=="/>
                     </a:ext>
                   </a:extLst>
-                </p:cNvGrpSpPr>
+                </p:cNvSpPr>
                 <p:nvPr/>
-              </p:nvGrpSpPr>
-              <p:grpSpPr>
+              </p:nvSpPr>
+              <p:spPr>
                 <a:xfrm>
-                  <a:off x="5236845" y="5168900"/>
-                  <a:ext cx="108585" cy="107950"/>
-                  <a:chOff x="5236845" y="5168900"/>
-                  <a:chExt cx="108585" cy="107950"/>
+                  <a:off x="5234940" y="5141595"/>
+                  <a:ext cx="0" cy="107950"/>
                 </a:xfrm>
-              </p:grpSpPr>
-              <p:sp>
-                <p:nvSpPr>
-                  <p:cNvPr id="59" name="Oval 123"/>
-                  <p:cNvSpPr>
-                    <a:extLst>
-                      <a:ext uri="smNativeData">
-                        <pr:smNativeData xmlns:pr="smNativeData" xmlns="smNativeData" val="SMDATA_16_gfoFYRMAAAAlAAAAZgAAAC0AAAAAkAAAAEgAAACQAAAASAAAAAAAAAABAAAAAAAAAAEAAABQAAAAAAAAAAAA8D8AAAAAAADwPwAAAAAAAOA/AAAAAAAA4D8AAAAAAADgPwAAAAAAAOA/AAAAAAAA4D8AAAAAAADgPwAAAAAAAOA/AAAAAAAA4D8CAAAAjAAAAAAAAAAAAAAARHLEDP///wgAAAAAAAAAAAAAAAAAAAAAAAAAAAAAAAAAAAAAZAAAAAEAAABAAAAAAAAAAAAAAAAAAAAAAAAAAAAAAAAAAAAAAAAAAAAAAAAAAAAAAAAAAAAAAAAAAAAAAAAAAAAAAAAAAAAAAAAAAAAAAAAAAAAAAAAAAAAAAAAAAAAAFAAAADwAAAABAAAAAAAAAAAAAAkUAAAAAQAAABQAAAAUAAAAFAAAAAEAAAAAAAAAZAAAAGQAAAAAAAAAZAAAAGQAAAAVAAAAYAAAAAAAAAAAAAAADwAAACADAAAAAAAAAAAAAAEAAACgMgAAVgcAAKr4//8BAAAAf39/AAEAAABkAAAAAAAAABQAAABAHwAAAAAAACYAAAAAAAAAwOD//wAAAAAmAAAAZAAAABYAAABMAAAAAAAAAAAAAAAEAAAAAAAAAAEAAADn5uYKAAAAACgAAAAoAAAAZAAAAGQAAAAAAAAAzMzMAAAAAABQAAAAUAAAAGQAAABkAAAAAAAAABcAAAAUAAAAAAAAAAAAAAD/fwAA/38AAAAAAAAJAAAABAAAAAAAAAAeAAAAaAAAAAAAAAAAAAAAAAAAAAAAAAAAAAAAECcAABAnAAAAAAAAAAAAAAAAAAAAAAAAAAAAAAAAAAAAAAAAAAAAABQAAAAAAAAAwMD/AAAAAABkAAAAMgAAAAAAAABkAAAAAAAAAH9/fwAKAAAAIgAAABgAAAAAAAAAAAAAAAAAAAAAAAAAAAAAAAAAAAAkAAAAJAAAAAAAAAAHAAAAAAAAAAAAAAAAAAAAAAAAAAAAAAAAAAAAf39/ACUAAABYAAAAAAAAAAAAAAAAAAAAAAAAAAAAAAAAAAAAAAAAAAAAAAAAAAAAAAAAAAAAAAA/AAAAAAAAAKCGAQAAAAAAAAAAAAAAAAAMAAAAAQAAAAAAAAAAAAAAAAAAAB8AAABUAAAARHLEBf///wEAAAAAAAAAAAAAAAAAAAAAAAAAAAAAAAAAAAAAAAAAAAAAAAJ/f38A5+bmA8zMzADAwP8Af39/AAAAAAAAAAAAAAAAAAAAAAAAAAAAIQAAABgAAAAUAAAANyAAAMwfAADiIAAAdiAAAAAAAAAmAAAACAAAAP//////////MAAAABQAAAAAAAAA/Er//wS1AAD8Sv//BLUAAA=="/>
-                      </a:ext>
-                    </a:extLst>
-                  </p:cNvSpPr>
-                  <p:nvPr/>
-                </p:nvSpPr>
-                <p:spPr>
-                  <a:xfrm>
-                    <a:off x="5236845" y="5168900"/>
-                    <a:ext cx="108585" cy="107950"/>
-                  </a:xfrm>
-                  <a:prstGeom prst="ellipse">
-                    <a:avLst/>
-                  </a:prstGeom>
-                  <a:noFill/>
-                  <a:ln w="12700" cap="flat" cmpd="sng" algn="ctr">
-                    <a:solidFill>
-                      <a:schemeClr val="tx1"/>
-                    </a:solidFill>
-                    <a:prstDash val="solid"/>
-                    <a:headEnd type="none"/>
-                    <a:tailEnd type="none"/>
-                  </a:ln>
-                  <a:effectLst/>
-                </p:spPr>
-                <p:txBody>
-                  <a:bodyPr vert="horz" wrap="square" lIns="91440" tIns="45720" rIns="91440" bIns="45720" numCol="1" spcCol="215900" anchor="ctr"/>
-                  <a:lstStyle/>
-                  <a:p>
-                    <a:pPr algn="ctr">
-                      <a:defRPr lang="en-us" cap="none">
-                        <a:solidFill>
-                          <a:srgbClr val="FFFFFF"/>
-                        </a:solidFill>
-                      </a:defRPr>
-                    </a:pPr>
-                    <a:endParaRPr lang="en-au" u="sng" cap="none"/>
-                  </a:p>
-                </p:txBody>
-              </p:sp>
-              <p:sp>
-                <p:nvSpPr>
-                  <p:cNvPr id="58" name="Straight Connector 124"/>
-                  <p:cNvSpPr>
-                    <a:extLst>
-                      <a:ext uri="smNativeData">
-                        <pr:smNativeData xmlns:pr="smNativeData" xmlns="smNativeData" val="SMDATA_16_gfoFYRMAAAAlAAAACgAAAA0AAAAAkAAAAEgAAACQAAAASAAAAAAAAAAAAAAAAAAAAAEAAABQAAAAAAAAAAAA4D8AAAAAAADgPwAAAAAAAOA/AAAAAAAA4D8AAAAAAADgPwAAAAAAAOA/AAAAAAAA4D8AAAAAAADgPwAAAAAAAOA/AAAAAAAA4D8CAAAAjAAAAAAAAAAAAAAA////AP///wgAAAAAAAAAAAAAAAAAAAAAAAAAAAAAAAAAAAAAeAAAAAEAAABAAAAAAAAAAAAAAABaAAAAAAAAAAAAAAAAAAAAAAAAAAAAAAAAAAAAAAAAAAAAAAAAAAAAAAAAAAAAAAAAAAAAAAAAAAAAAAAAAAAAAAAAAAAAAAAAAAAAFAAAADwAAAABAAAAAAAAAAAAAAAKAAAAAQAAABQAAAAUAAAAFAAAAAEAAAAAAAAAZAAAAGQAAAAAAAAAZAAAAGQAAAAVAAAAYAAAAAAAAAAAAAAADwAAACADAAAAAAAAAAAAAAEAAACgMgAAVgcAAKr4//8BAAAAf39/AAEAAABkAAAAAAAAABQAAABAHwAAAAAAACYAAAAAAAAAwOD//wAAAAAmAAAAZAAAABYAAABMAAAAAAAAAAAAAAAEAAAAAAAAAAEAAADn5uYKAAAAACgAAAAoAAAAZAAAAGQAAAAAAAAAzMzMAAAAAABQAAAAUAAAAGQAAABkAAAAAAAAABcAAAAUAAAAAAAAAAAAAAD/fwAA/38AAAAAAAAJAAAABAAAAAAAAAAeAAAAaAAAAAAAAAAAAAAAAAAAAAAAAAAAAAAAECcAABAnAAAAAAAAAAAAAAAAAAAAAAAAAAAAAAAAAAAAAAAAAAAAABQAAAAAAAAAwMD/AAAAAABkAAAAMgAAAAAAAABkAAAAAAAAAH9/fwAKAAAAIgAAABgAAAAAAAAAAAAAAAAAAAAAAAAAAAAAAAAAAAAkAAAAJAAAAAAAAAAHAAAAAAAAAAAAAAAAAAAAAAAAAAAAAAAAAAAAf39/ACUAAABYAAAAAAAAAAAAAAAAAAAAAAAAAAAAAAAAAAAAAAAAAAAAAAAAAAAAAAAAAAAAAAA/AAAAAAAAAKCGAQAAAAAAAAAAAAAAAAAMAAAAAQAAAAAAAAAAAAAAAAAAAB8AAABUAAAA////AP///wEAAAAAAAAAAAAAAAAAAAAAAAAAAAAAAAAAAAAAAAAAAAAAAAB/f38A5+bmA8zMzADAwP8Af39/AAAAAAAAAAAAAAAAAAAAAAAAAAAAIQAAABgAAAAUAAAAjSAAAMwfAACNIAAAdiAAAAAAAAAmAAAACAAAAP//////////MAAAABQAAAAAAAAAAAD//wAAAQAAAP//AAABAA=="/>
-                      </a:ext>
-                    </a:extLst>
-                  </p:cNvSpPr>
-                  <p:nvPr/>
-                </p:nvSpPr>
-                <p:spPr>
-                  <a:xfrm>
-                    <a:off x="5291455" y="5168900"/>
-                    <a:ext cx="0" cy="107950"/>
-                  </a:xfrm>
-                  <a:prstGeom prst="line">
-                    <a:avLst/>
-                  </a:prstGeom>
-                  <a:noFill/>
-                  <a:ln w="6350" cap="flat" cmpd="sng" algn="ctr">
-                    <a:solidFill>
-                      <a:srgbClr val="000000"/>
-                    </a:solidFill>
-                    <a:prstDash val="solid"/>
-                    <a:headEnd type="none"/>
-                    <a:tailEnd type="none"/>
-                  </a:ln>
-                  <a:effectLst/>
-                </p:spPr>
-              </p:sp>
-              <p:sp>
-                <p:nvSpPr>
-                  <p:cNvPr id="57" name="Straight Connector 125"/>
-                  <p:cNvSpPr>
-                    <a:extLst>
-                      <a:ext uri="smNativeData">
-                        <pr:smNativeData xmlns:pr="smNativeData" xmlns="smNativeData" val="SMDATA_16_gfoFYRMAAAAlAAAACgAAAA0AAAAAkAAAAEgAAACQAAAASAAAAAAAAAAAAAAAAAAAAAEAAABQAAAAAAAAAAAA4D8AAAAAAADgPwAAAAAAAOA/AAAAAAAA4D8AAAAAAADgPwAAAAAAAOA/AAAAAAAA4D8AAAAAAADgPwAAAAAAAOA/AAAAAAAA4D8CAAAAjAAAAAAAAAAAAAAA////AP///wgAAAAAAAAAAAAAAAAAAAAAAAAAAAAAAAAAAAAAeAAAAAEAAABAAAAAAAAAAAAAAABaAAAAAAAAAAAAAAAAAAAAAAAAAAAAAAAAAAAAAAAAAAAAAAAAAAAAAAAAAAAAAAAAAAAAAAAAAAAAAAAAAAAAAAAAAAAAAAAAAAAAFAAAADwAAAABAAAAAAAAAAAAAAkKAAAAAQAAABQAAAAUAAAAFAAAAAEAAAAAAAAAZAAAAGQAAAAAAAAAZAAAAGQAAAAVAAAAYAAAAAAAAAAAAAAADwAAACADAAAAAAAAAAAAAAEAAACgMgAAVgcAAKr4//8BAAAAf39/AAEAAABkAAAAAAAAABQAAABAHwAAAAAAACYAAAAAAAAAwOD//wAAAAAmAAAAZAAAABYAAABMAAAAAAAAAAAAAAAEAAAAAAAAAAEAAADn5uYKAAAAACgAAAAoAAAAZAAAAGQAAAAAAAAAzMzMAAAAAABQAAAAUAAAAGQAAABkAAAAAAAAABcAAAAUAAAAAAAAAAAAAAD/fwAA/38AAAAAAAAJAAAABAAAAAAAAAAeAAAAaAAAAAAAAAAAAAAAAAAAAAAAAAAAAAAAECcAABAnAAAAAAAAAAAAAAAAAAAAAAAAAAAAAAAAAAAAAAAAAAAAABQAAAAAAAAAwMD/AAAAAABkAAAAMgAAAAAAAABkAAAAAAAAAH9/fwAKAAAAIgAAABgAAAAAAAAAAAAAAAAAAAAAAAAAAAAAAAAAAAAkAAAAJAAAAAAAAAAHAAAAAAAAAAAAAAAAAAAAAAAAAAAAAAAAAAAAf39/ACUAAABYAAAAAAAAAAAAAAAAAAAAAAAAAAAAAAAAAAAAAAAAAAAAAAAAAAAAAAAAAAAAAAA/AAAAAAAAAKCGAQAAAAAAAAAAAAAAAAAMAAAAAQAAAAAAAAAAAAAAAAAAAB8AAABUAAAA////AP///wEAAAAAAAAAAAAAAAAAAAAAAAAAAAAAAAAAAAAAAAAAAAAAAAJ/f38A5+bmA8zMzADAwP8Af39/AAAAAAAAAAAAAAAAAAAAAAAAAAAAIQAAABgAAAAUAAAANyAAACEgAADiIAAAISAAAAAAAAAmAAAACAAAAP//////////MAAAABQAAAAAAAAAAAD//wAAAQAAAP//AAABAA=="/>
-                      </a:ext>
-                    </a:extLst>
-                  </p:cNvSpPr>
-                  <p:nvPr/>
-                </p:nvSpPr>
-                <p:spPr>
-                  <a:xfrm>
-                    <a:off x="5236845" y="5222875"/>
-                    <a:ext cx="108585" cy="0"/>
-                  </a:xfrm>
-                  <a:prstGeom prst="line">
-                    <a:avLst/>
-                  </a:prstGeom>
-                  <a:noFill/>
-                  <a:ln w="6350" cap="flat" cmpd="sng" algn="ctr">
-                    <a:solidFill>
-                      <a:schemeClr val="tx1"/>
-                    </a:solidFill>
-                    <a:prstDash val="solid"/>
-                    <a:headEnd type="none"/>
-                    <a:tailEnd type="none"/>
-                  </a:ln>
-                  <a:effectLst/>
-                </p:spPr>
-              </p:sp>
-            </p:grpSp>
+                <a:prstGeom prst="line">
+                  <a:avLst/>
+                </a:prstGeom>
+                <a:noFill/>
+                <a:ln w="6350" cap="flat" cmpd="sng" algn="ctr">
+                  <a:solidFill>
+                    <a:srgbClr val="000000"/>
+                  </a:solidFill>
+                  <a:prstDash val="solid"/>
+                  <a:headEnd type="none"/>
+                  <a:tailEnd type="none"/>
+                </a:ln>
+                <a:effectLst/>
+              </p:spPr>
+            </p:sp>
+            <p:sp>
+              <p:nvSpPr>
+                <p:cNvPr id="56" name="Straight Connector 125"/>
+                <p:cNvSpPr>
+                  <a:extLst>
+                    <a:ext uri="smNativeData">
+                      <pr:smNativeData xmlns:pr="smNativeData" xmlns="smNativeData" val="SMDATA_16_FAWHYRMAAAAlAAAACgAAAA0AAAAAkAAAAEgAAACQAAAASAAAAAAAAAAAAAAAAAAAAAEAAABQAAAAAAAAAAAA4D8AAAAAAADgPwAAAAAAAOA/AAAAAAAA4D8AAAAAAADgPwAAAAAAAOA/AAAAAAAA4D8AAAAAAADgPwAAAAAAAOA/AAAAAAAA4D8CAAAAjAAAAAAAAAAAAAAA////AP///wgAAAAAAAAAAAAAAAAAAAAAAAAAAAAAAAAAAAAAeAAAAAEAAABAAAAAAAAAAAAAAABaAAAAAAAAAAAAAAAAAAAAAAAAAAAAAAAAAAAAAAAAAAAAAAAAAAAAAAAAAAAAAAAAAAAAAAAAAAAAAAAAAAAAAAAAAAAAAAAAAAAAFAAAADwAAAABAAAAAAAAAAAAAAkKAAAAAQAAABQAAAAUAAAAFAAAAAEAAAAAAAAAZAAAAGQAAAAAAAAAZAAAAGQAAAAVAAAAYAAAAAAAAAAAAAAADwAAACADAAAAAAAAAAAAAAEAAACgMgAAVgcAAKr4//8BAAAAf39/AAEAAABkAAAAAAAAABQAAABAHwAAAAAAACYAAAAAAAAAwOD//wAAAAAmAAAAZAAAABYAAABMAAAAAAAAAAAAAAAEAAAAAAAAAAEAAADn5uYKAAAAACgAAAAoAAAAZAAAAGQAAAAAAAAAzMzMAAAAAABQAAAAUAAAAGQAAABkAAAAAAAAABcAAAAUAAAAAAAAAAAAAAD/fwAA/38AAAAAAAAJAAAABAAAAAAAAAAeAAAAaAAAAAAAAAAAAAAAAAAAAAAAAAAAAAAAECcAABAnAAAAAAAAAAAAAAAAAAAAAAAAAAAAAAAAAAAAAAAAAAAAABQAAAAAAAAAwMD/AAAAAABkAAAAMgAAAAAAAABkAAAAAAAAAH9/fwAKAAAAIgAAABgAAAAAAAAAAAAAAAAAAAAAAAAAAAAAAAAAAAAkAAAAJAAAAAAAAAAHAAAAAAAAAAAAAAAAAAAAAAAAAAAAAAAAAAAAf39/ACUAAABYAAAAAAAAAAAAAAAAAAAAAAAAAAAAAAAAAAAAAAAAAAAAAAAAAAAAAAAAAAAAAAA/AAAAAAAAAKCGAQAAAAAAAAAAAAAAAAAMAAAAAQAAAAAAAAAAAAAAAAAAAB8AAABUAAAA////AP///wEAAAAAAAAAAAAAAAAAAAAAAAAAAAAAAAAAAAAAAAAAAAAAAAJ/f38A5+bmA8zMzADAwP8Af39/AAAAAAAAAAAAAAAAAAAAAAAAAAAAIQAAABgAAAAUAAAA3h8AAPYfAACJIAAA9h8AAAAAAAAmAAAACAAAAP//////////MAAAABQAAAAAAAAAAAD//wAAAQAAAP//AAABAA=="/>
+                    </a:ext>
+                  </a:extLst>
+                </p:cNvSpPr>
+                <p:nvPr/>
+              </p:nvSpPr>
+              <p:spPr>
+                <a:xfrm>
+                  <a:off x="5180330" y="5195570"/>
+                  <a:ext cx="108585" cy="0"/>
+                </a:xfrm>
+                <a:prstGeom prst="line">
+                  <a:avLst/>
+                </a:prstGeom>
+                <a:noFill/>
+                <a:ln w="6350" cap="flat" cmpd="sng" algn="ctr">
+                  <a:solidFill>
+                    <a:schemeClr val="tx1"/>
+                  </a:solidFill>
+                  <a:prstDash val="solid"/>
+                  <a:headEnd type="none"/>
+                  <a:tailEnd type="none"/>
+                </a:ln>
+                <a:effectLst/>
+              </p:spPr>
+            </p:sp>
           </p:grpSp>
-          <p:cxnSp>
-            <p:nvCxnSpPr>
-              <p:cNvPr id="54" name="Straight Arrow Connector 106"/>
-              <p:cNvCxnSpPr>
-                <a:extLst>
-                  <a:ext uri="smNativeData">
-                    <pr:smNativeData xmlns:pr="smNativeData" xmlns="smNativeData" val="SMDATA_16_gfoFYRMAAAAlAAAADQAAAA0AAAAAkAAAAEgAAACQAAAASAAAAAAAAAAAAAAAAgAAAAEAAABQAAAAAAAAAAAA8L8AAAAAAAAAAAAAAAAAAPA/AAAAAAAA4D8AAAAAAADgPwAAAAAAAOA/AAAAAAAA4D8AAAAAAADgPwAAAAAAAOA/AAAAAAAA4D8CAAAAjAAAAAAAAAAAAAAA////AP///wgAAAAAAAAAAAAAAAAAAAAAAAAAAAAAAAAAAAAAeAAAAAEAAABAAAAAAAAAAAAAAABaAAAAAAAAAAAAAAAAAAAAAAAAAAAAAAAAAAAAAAAAAAAAAAAAAAAAAAAAAAAAAAAAAAAAAAAAAAAAAAAAAAAAAAAAAAAAAAAAAAAAFAAAADwAAAABAAAAAAAAAERyxAwKAAAAAQAAABQAAAAUAAAAFAAAAAEAAAAAAAAAZAAAAGQAAAABAAAAZAAAAGQAAAAVAAAAYAAAAAAAAAAAAAAADwAAACADAAAAAAAAAAAAAAEAAACgMgAAVgcAAKr4//8BAAAAf39/AAEAAABkAAAAAAAAABQAAABAHwAAAAAAACYAAAAAAAAAwOD//wAAAAAmAAAAZAAAABYAAABMAAAAAAAAAAAAAAAEAAAAAAAAAAEAAADn5uYKAAAAACgAAAAoAAAAZAAAAGQAAAAAAAAAzMzMAAAAAABQAAAAUAAAAGQAAABkAAAAAAAAABcAAAAUAAAAAAAAAAAAAAD/fwAA/38AAAAAAAAJAAAABAAAAAAAAAAeAAAAaAAAAAAAAAAAAAAAAAAAAAAAAAAAAAAAECcAABAnAAAAAAAAAAAAAAAAAAAAAAAAAAAAAAAAAAAAAAAAAAAAABQAAAAAAAAAwMD/AAAAAABkAAAAMgAAAAAAAABkAAAAAAAAAH9/fwAKAAAAIgAAABgAAAAAAAAAAAAAAAAAAAAAAAAAAAAAAAAAAAAkAAAAJAAAAAAAAAAHAAAAAAAAAAAAAAAAAAAAAAAAAAAAAAAAAAAAf39/ACUAAABYAAAAAAAAAAAAAAAAAAAAAAAAAAAAAAAAAAAAAAAAAAAAAAAAAAAAAAAAAAAAAAA/AAAAAAAAAKCGAQAAAAAAAAAAAAAAAAAMAAAAAQAAAAAAAAAAAAAAAAAAAB8AAABUAAAA////AP///wEAAAAAAAAAAAAAAAAAAAAAAAAAAAAAAAAAAAAAAAAAAERyxAV/f38A5+bmA8zMzADAwP8Af39/AAAAAAAAAAAAAAAAAAAAAAAAAAAAIQAAABgAAAAUAAAA9h4AABceAAB5IwAAGR4AAAAAAAAmAAAACAAAAP//////////MAAAABQAAAAAAAAAAAD//wAAAQAAAP//AAABAA=="/>
-                  </a:ext>
-                </a:extLst>
-              </p:cNvCxnSpPr>
-              <p:nvPr/>
-            </p:nvCxnSpPr>
-            <p:spPr>
-              <a:xfrm flipV="1">
-                <a:off x="5033010" y="4891405"/>
-                <a:ext cx="733425" cy="1270"/>
-              </a:xfrm>
-              <a:prstGeom prst="straightConnector1">
-                <a:avLst/>
-              </a:prstGeom>
-              <a:noFill/>
-              <a:ln w="6350" cap="flat" cmpd="sng" algn="ctr">
-                <a:solidFill>
-                  <a:schemeClr val="accent1"/>
-                </a:solidFill>
-                <a:prstDash val="solid"/>
-                <a:headEnd type="none"/>
-                <a:tailEnd type="stealth" w="med" len="med"/>
-              </a:ln>
-              <a:effectLst/>
-            </p:spPr>
-          </p:cxnSp>
-          <p:sp>
-            <p:nvSpPr>
-              <p:cNvPr id="53" name="Arc 107"/>
-              <p:cNvSpPr>
-                <a:extLst>
-                  <a:ext uri="smNativeData">
-                    <pr:smNativeData xmlns:pr="smNativeData" xmlns="smNativeData" val="SMDATA_16_gfoFYRMAAAAlAAAAjgAAAC0AAAAAkAAAAEgAAACQAAAASAAAAAAAAAABAAAAAAAAAAEAAABQAAAAoMfZEn3vzT8x9OuICPXsPwAAAAAAAOA/AAAAAAAA4D8AAAAAAADgPwAAAAAAAOA/AAAAAAAA4D8AAAAAAADgPwAAAAAAAOA/AAAAAAAA4D8CAAAAjAAAAAAAAAAAAAAARHLEDP///wgAAAAAAAAAAAAAAAAAAAAAAAAAAAAAAAAAAAAAZAAAAAEAAABAAAAAAAAAAAAAAAAAAAAAAAAAAAAAAAAAAAAAAAAAAAAAAAAAAAAAAAAAAAAAAAAAAAAAAAAAAAAAAAAAAAAAAAAAAAAAAAAAAAAAAAAAAAAAAAAAAAAAFAAAADwAAAABAAAAAAAAAERyxAwKAAAAAQAAABQAAAAUAAAAFAAAAAEAAAABAAAAZAAAAGQAAAAAAAAAZAAAAGQAAAAVAAAAYAAAAAAAAAAAAAAADwAAACADAAAAAAAAAAAAAAEAAACgMgAAVgcAAKr4//8BAAAAf39/AAEAAABkAAAAAAAAABQAAABAHwAAAAAAACYAAAAAAAAAwOD//wAAAAAmAAAAZAAAABYAAABMAAAAAAAAAAAAAAAEAAAAAAAAAAEAAADn5uYKAAAAACgAAAAoAAAAZAAAAGQAAAAAAAAAzMzMAAAAAABQAAAAUAAAAGQAAABkAAAAAAAAABcAAAAUAAAAAAAAAAAAAAD/fwAA/38AAAAAAAAJAAAABAAAAAAAAAAeAAAAaAAAAAAAAAAAAAAAAAAAAAAAAAAAAAAAECcAABAnAAAAAAAAAAAAAAAAAAAAAAAAAAAAAAAAAAAAAAAAAAAAABQAAAAAAAAAwMD/AAAAAABkAAAAMgAAAAAAAABkAAAAAAAAAH9/fwAKAAAAIgAAABgAAAAAAAAAAAAAAAAAAAAAAAAAAAAAAAAAAAAkAAAAJAAAAAAAAAAHAAAAAAAAAAAAAAAAAAAAAAAAAAAAAAAAAAAAf39/ACUAAABYAAAAAAAAAAAAAAAAAAAAAAAAAAAAAAAAAAAAAAAAAAAAAAAAAAAAAAAAAAAAAAA/AAAAAAAAAKCGAQAAAAAAAAAAAAAAAAAMAAAAAQAAAAAAAAAAAAAAAAAAAB8AAABUAAAARHLEBf///wEAAAAAAAAAAAAAAAAAAAAAAAAAAAAAAAAAAAAAAAAAAERyxAV/f38A5+bmA8zMzADAwP8Af39/AAAAAAAAAAAAAAAAAAAAAAAAAAAAIQAAABgAAAAUAAAApB4AAMkeAAACIQAAJyEAAAAAAAAmAAAACAAAAP//////////MAAAABQAAAAAAAAA/Er//wS1AAD8Sv//BLUAAA=="/>
-                  </a:ext>
-                </a:extLst>
-              </p:cNvSpPr>
-              <p:nvPr/>
-            </p:nvSpPr>
-            <p:spPr>
-              <a:xfrm rot="4297737" flipH="1">
-                <a:off x="4980940" y="5004435"/>
-                <a:ext cx="384810" cy="384810"/>
-              </a:xfrm>
-              <a:prstGeom prst="arc">
-                <a:avLst>
-                  <a:gd name="adj1" fmla="val 11148384"/>
-                  <a:gd name="adj2" fmla="val 18253916"/>
-                </a:avLst>
-              </a:prstGeom>
-              <a:noFill/>
-              <a:ln w="6350" cap="flat" cmpd="sng" algn="ctr">
-                <a:solidFill>
-                  <a:schemeClr val="accent1"/>
-                </a:solidFill>
-                <a:prstDash val="solid"/>
-                <a:headEnd type="stealth" w="med" len="med"/>
-                <a:tailEnd type="none"/>
-              </a:ln>
-              <a:effectLst/>
-            </p:spPr>
-            <p:txBody>
-              <a:bodyPr vert="horz" wrap="square" lIns="91440" tIns="45720" rIns="91440" bIns="45720" numCol="1" spcCol="215900" anchor="ctr"/>
-              <a:lstStyle/>
-              <a:p>
-                <a:pPr algn="ctr">
-                  <a:defRPr lang="en-us"/>
-                </a:pPr>
-                <a:endParaRPr lang="en-au" u="sng" cap="none"/>
-              </a:p>
-            </p:txBody>
-          </p:sp>
-          <p:sp>
-            <p:nvSpPr>
-              <p:cNvPr id="52" name="Straight Connector 118"/>
-              <p:cNvSpPr>
-                <a:extLst>
-                  <a:ext uri="smNativeData">
-                    <pr:smNativeData xmlns:pr="smNativeData" xmlns="smNativeData" val="SMDATA_16_gfoFYRMAAAAlAAAACgAAAA0AAAAAkAAAAEgAAACQAAAASAAAAAAAAAAAAAAAAAAAAAEAAABQAAAAAAAAAAAA4D8AAAAAAADgPwAAAAAAAOA/AAAAAAAA4D8AAAAAAADgPwAAAAAAAOA/AAAAAAAA4D8AAAAAAADgPwAAAAAAAOA/AAAAAAAA4D8CAAAAjAAAAAAAAAAAAAAA////AP///wgAAAAAAAAAAAAAAAAAAAAAAAAAAAAAAAAAAAAAeAAAAAEAAABAAAAAAAAAAAAAAABaAAAAAAAAAAAAAAAAAAAAAAAAAAAAAAAAAAAAAAAAAAAAAAAAAAAAAAAAAAAAAAAAAAAAAAAAAAAAAAAAAAAAAAAAAAAAAAAAAAAAFAAAADwAAAABAAAABAAAAAAAAAkKAAAAAQAAABQAAAAUAAAAFAAAAAEAAAAAAAAAZAAAAGQAAAAAAAAAZAAAAGQAAAAVAAAAYAAAAAAAAAAAAAAADwAAACADAAAAAAAAAAAAAAEAAACgMgAAVgcAAKr4//8BAAAAf39/AAEAAABkAAAAAAAAABQAAABAHwAAAAAAACYAAAAAAAAAwOD//wAAAAAmAAAAZAAAABYAAABMAAAAAAAAAAAAAAAEAAAAAAAAAAEAAADn5uYKAAAAACgAAAAoAAAAZAAAAGQAAAAAAAAAzMzMAAAAAABQAAAAUAAAAGQAAABkAAAAAAAAABcAAAAUAAAAAAAAAAAAAAD/fwAA/38AAAAAAAAJAAAABAAAAAAAAAAeAAAAaAAAAAAAAAAAAAAAAAAAAAAAAAAAAAAAECcAABAnAAAAAAAAAAAAAAAAAAAAAAAAAAAAAAAAAAAAAAAAAAAAABQAAAAAAAAAwMD/AAAAAABkAAAAMgAAAAAAAABkAAAAAAAAAH9/fwAKAAAAIgAAABgAAAAAAAAAAAAAAAAAAAAAAAAAAAAAAAAAAAAkAAAAJAAAAAAAAAAHAAAAAAAAAAAAAAAAAAAAAAAAAAAAAAAAAAAAf39/ACUAAABYAAAAAAAAAAAAAAAAAAAAAAAAAAAAAAAAAAAAAAAAAAAAAAAAAAAAAAAAAAAAAAA/AAAAAAAAAKCGAQAAAAAAAAAAAAAAAAAMAAAAAQAAAAAAAAAAAAAAAAAAAB8AAABUAAAA////AP///wEAAAAAAAAAAAAAAAAAAAAAAAAAAAAAAAAAAAAAAAAAAAAAAAJ/f38A5+bmA8zMzADAwP8Af39/AAAAAAAAAAAAAAAAAAAAAAAAAAAAIQAAABgAAAAUAAAACx4AAIUeAACuIQAARyEAAAAAAAAmAAAACAAAAP//////////MAAAABQAAAAAAAAAAAD//wAAAQAAAP//AAABAA=="/>
-                  </a:ext>
-                </a:extLst>
-              </p:cNvSpPr>
-              <p:nvPr/>
-            </p:nvSpPr>
-            <p:spPr>
-              <a:xfrm>
-                <a:off x="4883785" y="4961255"/>
-                <a:ext cx="591185" cy="448310"/>
-              </a:xfrm>
-              <a:prstGeom prst="line">
-                <a:avLst/>
-              </a:prstGeom>
-              <a:noFill/>
-              <a:ln w="6350" cap="flat" cmpd="sng" algn="ctr">
-                <a:solidFill>
-                  <a:schemeClr val="tx1"/>
-                </a:solidFill>
-                <a:prstDash val="lgDash"/>
-                <a:headEnd type="none"/>
-                <a:tailEnd type="none"/>
-              </a:ln>
-              <a:effectLst/>
-            </p:spPr>
-          </p:sp>
         </p:grpSp>
+        <p:cxnSp>
+          <p:nvCxnSpPr>
+            <p:cNvPr id="53" name="Straight Arrow Connector 106"/>
+            <p:cNvCxnSpPr>
+              <a:stCxn id="52" idx="0"/>
+              <a:endCxn id="63" idx="1"/>
+              <a:extLst>
+                <a:ext uri="smNativeData">
+                  <pr:smNativeData xmlns:pr="smNativeData" xmlns="smNativeData" val="SMDATA_16_FAWHYRMAAAAlAAAADQAAAA0AAAAAkAAAAEgAAACQAAAASAAAAAAAAAAAAAAAAgAAAAEAAABQAAAAAAAAAAAA8L8AAAAAAAAAAAAAAAAAAPA/AAAAAAAA4D8AAAAAAADgPwAAAAAAAOA/AAAAAAAA4D8AAAAAAADgPwAAAAAAAOA/AAAAAAAA4D8CAAAAjAAAAAAAAAAAAAAA////AP///wgAAAAAAAAAAAAAAAAAAAAAAAAAAAAAAAAAAAAAeAAAAAEAAABAAAAAAAAAAAAAAABaAAAAAAAAAAAAAAAAAAAAAAAAAAAAAAAAAAAAAAAAAAAAAAAAAAAAAAAAAAAAAAAAAAAAAAAAAAAAAAAAAAAAAAAAAAAAAAAAAAAAFAAAADwAAAABAAAAAAAAAERyxAwKAAAAAQAAABQAAAAUAAAAFAAAAAEAAAAAAAAAZAAAAGQAAAABAAAAZAAAAGQAAAAVAAAAYAAAAAAAAAAAAAAADwAAACADAAAAAAAAAAAAAAEAAACgMgAAVgcAAKr4//8BAAAAf39/AAEAAABkAAAAAAAAABQAAABAHwAAAAAAACYAAAAAAAAAwOD//wAAAAAmAAAAZAAAABYAAABMAAAAAAAAAAAAAAAEAAAAAAAAAAEAAADn5uYKAAAAACgAAAAoAAAAZAAAAGQAAAAAAAAAzMzMAAAAAABQAAAAUAAAAGQAAABkAAAAAAAAABcAAAAUAAAAAAAAAAAAAAD/fwAA/38AAAAAAAAJAAAABAAAAAAAAAAeAAAAaAAAAAAAAAAAAAAAAAAAAAAAAAAAAAAAECcAABAnAAAAAAAAAAAAAAAAAAAAAAAAAAAAAAAAAAAAAAAAAAAAABQAAAAAAAAAwMD/AAAAAABkAAAAMgAAAAAAAABkAAAAAAAAAH9/fwAKAAAAIgAAABgAAAAAAAAAAAAAAAAAAAAAAAAAAAAAAAAAAAAkAAAAJAAAAAAAAAAHAAAAAAAAAAAAAAAAAAAAAAAAAAAAAAAAAAAAf39/ACUAAABYAAAAAAAAAAAAAAAAAAAAAAAAAAAAAAAAAAAAAAAAAAAAAAAAAAAAAAAAAAAAAAA/AAAAAAAAAKCGAQAAAAAAAAAAAAAAAAAMAAAAAQAAAAAAAAAAAAAAAAAAAB8AAABUAAAA////AP///wEAAAAAAAAAAAAAAAAAAAAAAAAAAAAAAAAAAAAAAAAAAERyxAV/f38A5+bmA8zMzADAwP8Af39/AAAAAAAAAAAAAAAAAAAAAAAAAAAAIQAAABgAAAAUAAAA/B4AANAeAAA6IwAA1R4AAAAAAAAmAAAACAAAAP//////////MAAAABQAAAAAAAAAAAD//wAAAQAAAP//AAABAA=="/>
+                </a:ext>
+              </a:extLst>
+            </p:cNvCxnSpPr>
+            <p:nvPr/>
+          </p:nvCxnSpPr>
+          <p:spPr>
+            <a:xfrm>
+              <a:off x="5379720" y="4665980"/>
+              <a:ext cx="3175" cy="689610"/>
+            </a:xfrm>
+            <a:prstGeom prst="straightConnector1">
+              <a:avLst/>
+            </a:prstGeom>
+            <a:noFill/>
+            <a:ln w="6350" cap="flat" cmpd="sng" algn="ctr">
+              <a:solidFill>
+                <a:schemeClr val="accent1"/>
+              </a:solidFill>
+              <a:prstDash val="solid"/>
+              <a:headEnd type="none"/>
+              <a:tailEnd type="stealth" w="med" len="med"/>
+            </a:ln>
+            <a:effectLst/>
+          </p:spPr>
+        </p:cxnSp>
+        <p:sp>
+          <p:nvSpPr>
+            <p:cNvPr id="52" name="Arc 107"/>
+            <p:cNvSpPr>
+              <a:extLst>
+                <a:ext uri="smNativeData">
+                  <pr:smNativeData xmlns:pr="smNativeData" xmlns="smNativeData" val="SMDATA_16_FAWHYRMAAAAlAAAAjgAAAC0AAAAAkAAAAEgAAACQAAAASAAAAAAAAAABAAAAAAAAAAEAAABQAAAAoMfZEn3vzT8x9OuICPXsPwAAAAAAAOA/AAAAAAAA4D8AAAAAAADgPwAAAAAAAOA/AAAAAAAA4D8AAAAAAADgPwAAAAAAAOA/AAAAAAAA4D8CAAAAjAAAAAAAAAAAAAAARHLEDP///wgAAAAAAAAAAAAAAAAAAAAAAAAAAAAAAAAAAAAAZAAAAAEAAABAAAAAAAAAAAAAAAAAAAAAAAAAAAAAAAAAAAAAAAAAAAAAAAAAAAAAAAAAAAAAAAAAAAAAAAAAAAAAAAAAAAAAAAAAAAAAAAAAAAAAAAAAAAAAAAAAAAAAFAAAADwAAAABAAAAAAAAAERyxAwKAAAAAQAAABQAAAAUAAAAFAAAAAEAAAABAAAAZAAAAGQAAAAAAAAAZAAAAGQAAAAVAAAAYAAAAAAAAAAAAAAADwAAACADAAAAAAAAAAAAAAEAAACgMgAAVgcAAKr4//8BAAAAf39/AAEAAABkAAAAAAAAABQAAABAHwAAAAAAACYAAAAAAAAAwOD//wAAAAAmAAAAZAAAABYAAABMAAAAAAAAAAAAAAAEAAAAAAAAAAEAAADn5uYKAAAAACgAAAAoAAAAZAAAAGQAAAAAAAAAzMzMAAAAAABQAAAAUAAAAGQAAABkAAAAAAAAABcAAAAUAAAAAAAAAAAAAAD/fwAA/38AAAAAAAAJAAAABAAAAAAAAAAeAAAAaAAAAAAAAAAAAAAAAAAAAAAAAAAAAAAAECcAABAnAAAAAAAAAAAAAAAAAAAAAAAAAAAAAAAAAAAAAAAAAAAAABQAAAAAAAAAwMD/AAAAAABkAAAAMgAAAAAAAABkAAAAAAAAAH9/fwAKAAAAIgAAABgAAAAAAAAAAAAAAAAAAAAAAAAAAAAAAAAAAAAkAAAAJAAAAAAAAAAHAAAAAAAAAAAAAAAAAAAAAAAAAAAAAAAAAAAAf39/ACUAAABYAAAAAAAAAAAAAAAAAAAAAAAAAAAAAAAAAAAAAAAAAAAAAAAAAAAAAAAAAAAAAAA/AAAAAAAAAKCGAQAAAAAAAAAAAAAAAAAMAAAAAQAAAAAAAAAAAAAAAAAAAB8AAABUAAAARHLEBf///wEAAAAAAAAAAAAAAAAAAAAAAAAAAAAAAAAAAAAAAAAAAERyxAV/f38A5+bmA8zMzADAwP8Af39/AAAAAAAAAAAAAAAAAAAAAAAAAAAAIQAAABgAAAAUAAAAzR0AAKYdAAArIAAABCAAAAAAAAAmAAAACAAAAP//////////MAAAABQAAAAAAAAA/Er//wS1AAD8Sv//BLUAAA=="/>
+                </a:ext>
+              </a:extLst>
+            </p:cNvSpPr>
+            <p:nvPr/>
+          </p:nvSpPr>
+          <p:spPr>
+            <a:xfrm rot="7477737" flipH="1">
+              <a:off x="4844415" y="4819650"/>
+              <a:ext cx="384810" cy="384810"/>
+            </a:xfrm>
+            <a:prstGeom prst="arc">
+              <a:avLst>
+                <a:gd name="adj1" fmla="val 11148384"/>
+                <a:gd name="adj2" fmla="val 18253916"/>
+              </a:avLst>
+            </a:prstGeom>
+            <a:noFill/>
+            <a:ln w="6350" cap="flat" cmpd="sng" algn="ctr">
+              <a:solidFill>
+                <a:schemeClr val="accent1"/>
+              </a:solidFill>
+              <a:prstDash val="solid"/>
+              <a:headEnd type="stealth" w="med" len="med"/>
+              <a:tailEnd type="none"/>
+            </a:ln>
+            <a:effectLst/>
+          </p:spPr>
+          <p:txBody>
+            <a:bodyPr vert="horz" wrap="square" lIns="91440" tIns="45720" rIns="91440" bIns="45720" numCol="1" spcCol="215900" anchor="ctr"/>
+            <a:lstStyle/>
+            <a:p>
+              <a:pPr algn="ctr">
+                <a:defRPr lang="en-us"/>
+              </a:pPr>
+              <a:endParaRPr lang="en-au" u="sng" cap="none"/>
+            </a:p>
+          </p:txBody>
+        </p:sp>
+        <p:sp>
+          <p:nvSpPr>
+            <p:cNvPr id="51" name="Straight Connector 118"/>
+            <p:cNvSpPr>
+              <a:extLst>
+                <a:ext uri="smNativeData">
+                  <pr:smNativeData xmlns:pr="smNativeData" xmlns="smNativeData" val="SMDATA_16_FAWHYRMAAAAlAAAACgAAAA0AAAAAkAAAAEgAAACQAAAASAAAAAAAAAAAAAAAAAAAAAEAAABQAAAAAAAAAAAA4D8AAAAAAADgPwAAAAAAAOA/AAAAAAAA4D8AAAAAAADgPwAAAAAAAOA/AAAAAAAA4D8AAAAAAADgPwAAAAAAAOA/AAAAAAAA4D8CAAAAjAAAAAAAAAAAAAAA////AP///wgAAAAAAAAAAAAAAAAAAAAAAAAAAAAAAAAAAAAAeAAAAAEAAABAAAAAAAAAAAAAAABaAAAAAAAAAAAAAAAAAAAAAAAAAAAAAAAAAAAAAAAAAAAAAAAAAAAAAAAAAAAAAAAAAAAAAAAAAAAAAAAAAAAAAAAAAAAAAAAAAAAAFAAAADwAAAABAAAABAAAAAAAAAkKAAAAAQAAABQAAAAUAAAAFAAAAAEAAAAAAAAAZAAAAGQAAAAAAAAAZAAAAGQAAAAVAAAAYAAAAAAAAAAAAAAADwAAACADAAAAAAAAAAAAAAEAAACgMgAAVgcAAKr4//8BAAAAf39/AAEAAABkAAAAAAAAABQAAABAHwAAAAAAACYAAAAAAAAAwOD//wAAAAAmAAAAZAAAABYAAABMAAAAAAAAAAAAAAAEAAAAAAAAAAEAAADn5uYKAAAAACgAAAAoAAAAZAAAAGQAAAAAAAAAzMzMAAAAAABQAAAAUAAAAGQAAABkAAAAAAAAABcAAAAUAAAAAAAAAAAAAAD/fwAA/38AAAAAAAAJAAAABAAAAAAAAAAeAAAAaAAAAAAAAAAAAAAAAAAAAAAAAAAAAAAAECcAABAnAAAAAAAAAAAAAAAAAAAAAAAAAAAAAAAAAAAAAAAAAAAAABQAAAAAAAAAwMD/AAAAAABkAAAAMgAAAAAAAABkAAAAAAAAAH9/fwAKAAAAIgAAABgAAAAAAAAAAAAAAAAAAAAAAAAAAAAAAAAAAAAkAAAAJAAAAAAAAAAHAAAAAAAAAAAAAAAAAAAAAAAAAAAAAAAAAAAAf39/ACUAAABYAAAAAAAAAAAAAAAAAAAAAAAAAAAAAAAAAAAAAAAAAAAAAAAAAAAAAAAAAAAAAAA/AAAAAAAAAKCGAQAAAAAAAAAAAAAAAAAMAAAAAQAAAAAAAAAAAAAAAAAAAB8AAABUAAAA////AP///wEAAAAAAAAAAAAAAAAAAAAAAAAAAAAAAAAAAAAAAAAAAAAAAAJ/f38A5+bmA8zMzADAwP8Af39/AAAAAAAAAAAAAAAAAAAAAAAAAAAAIQAAABgAAAAUAAAArx0AAAAdAABxIAAAoyAAAAAAAAAmAAAACAAAAP//////////MAAAABQAAAAAAAAAAAD//wAAAQAAAP//AAABAA=="/>
+                </a:ext>
+              </a:extLst>
+            </p:cNvSpPr>
+            <p:nvPr/>
+          </p:nvSpPr>
+          <p:spPr>
+            <a:xfrm rot="3180000">
+              <a:off x="4754245" y="4785360"/>
+              <a:ext cx="591185" cy="448310"/>
+            </a:xfrm>
+            <a:prstGeom prst="line">
+              <a:avLst/>
+            </a:prstGeom>
+            <a:noFill/>
+            <a:ln w="6350" cap="flat" cmpd="sng" algn="ctr">
+              <a:solidFill>
+                <a:schemeClr val="tx1"/>
+              </a:solidFill>
+              <a:prstDash val="lgDash"/>
+              <a:headEnd type="none"/>
+              <a:tailEnd type="none"/>
+            </a:ln>
+            <a:effectLst/>
+          </p:spPr>
+        </p:sp>
       </p:grpSp>
       <p:grpSp>
         <p:nvGrpSpPr>
-          <p:cNvPr id="65" name="Group 137"/>
+          <p:cNvPr id="64" name="Group 137"/>
           <p:cNvGrpSpPr>
             <a:extLst>
               <a:ext uri="smNativeData">
-                <pr:smNativeData xmlns:pr="smNativeData" xmlns="smNativeData" val="SMDATA_6_gfoFYRMAAAAlAAAAAQAAAA8BAAAAkAAAAEgAAACQAAAASAAAAAAAAAAAAAAAAAAAABcAAAAUAAAAAAAAAAAAAAD/fwAA/38AAAAAAAAJAAAABAAAAAAAAAAfAAAAVAAAAAAAAAAAAAAAAAAAAAAAAAAAAAAAAAAAAAAAAAAAAAAAAAAAAAAAAAAAAAAAAAAAAAAAAAAAAAAAAAAAAAAAAAAAAAAAAAAAAAAAAAAAAAAAAAAAACEAAAAYAAAAFAAAAFsqAADVGwAA6i4AANMhAAAQAAAAJgAAAAgAAAD/////AAAAAA=="/>
+                <pr:smNativeData xmlns:pr="smNativeData" xmlns="smNativeData" val="SMDATA_6_FAWHYRMAAAAlAAAAAQAAAA8BAAAAkAAAAEgAAACQAAAASAAAAAAAAAAAAAAAAAAAABcAAAAUAAAAAAAAAAAAAAD/fwAA/38AAAAAAAAJAAAABAAAAAAAAAAfAAAAVAAAAAAAAAAAAAAAAAAAAAAAAAAAAAAAAAAAAAAAAAAAAAAAAAAAAAAAAAAAAAAAAAAAAAAAAAAAAAAAAAAAAAAAAAAAAAAAAAAAAAAAAAAAAAAAAAAAACEAAAAYAAAAFAAAAFsqAADVGwAA6i4AANMhAAAQAAAAJgAAAAgAAAD/////AAAAAA=="/>
               </a:ext>
             </a:extLst>
           </p:cNvGrpSpPr>
@@ -8231,11 +8212,11 @@
         </p:grpSpPr>
         <p:sp>
           <p:nvSpPr>
-            <p:cNvPr id="72" name="Rectangle: Rounded Corners 141"/>
+            <p:cNvPr id="71" name="Rectangle: Rounded Corners 141"/>
             <p:cNvSpPr>
               <a:extLst>
                 <a:ext uri="smNativeData">
-                  <pr:smNativeData xmlns:pr="smNativeData" xmlns="smNativeData" val="SMDATA_16_gfoFYRMAAAAlAAAAZQAAAA0AAAAAkAAAAEgAAACQAAAASAAAAAAAAAABAAAAAAAAAAEAAABQAAAAhbacS3FV1T8AAAAAAAAAAAAAAAAAAOA/AAAAAAAA4D8AAAAAAADgPwAAAAAAAOA/AAAAAAAA4D8AAAAAAADgPwAAAAAAAOA/AAAAAAAA4D8CAAAAjAAAAAEAAAADAAAAnp6eAH19fQAAAAAAAAAAAAAAAAAAAAAAAAAAAAAAAAAAAAAAZAAAAAEAAABAAAAAAAAAAGQAAAAOAQAAAAAAAAEAAAAyAAAAkZGRAAAAAAAAAAAAAAAAAAAAAAAAAAAAAAAAAAAAAAAAAAAAAAAAAAAAAAAAAAAAAAAAAAAAAAAAAAAAFAAAADwAAAABAAAAAAAAAAAAAAAKAAAAAQAAABQAAAAUAAAAFAAAAAEAAAAAAAAAZAAAAGQAAAAAAAAAZAAAAGQAAAAVAAAAYAAAAAAAAAAAAAAAAAAAAAAAAAAAAAAAAAAAAAAAAAAAAAAAAAAAAAAAAAAAAAAAAAAACQAAAAAAAAAAAAAAAAAAAAAAAAAAAAAAAAAAAAAAAAAAAAAAAAAAAAAAAAAAAAAAABYAAABMAAAAAAAAAAAAAAAAAAAAAAAAAAAAAAAAAAAJAAAAAAAAAAAAAAAAAAAAAAAAAAAAAAAAAAAAAAAAAAAAAAAAAAAAAAAAAAAAAAAAAAAAABcAAAAUAAAAAAAAAAAAAAD/fwAA/38AAAAAAAAJAAAABAAAAAAAAAAeAAAAaAAAAAAAAAAAAAAAAAAAAAAAAAAAAAAAECcAABAnAAAAAAAAAAAAAAAAAAAAAAAAAAAAAAAAAAAAAAAAAAAAABQAAAAAAAAAwMD/AAAAAABkAAAAMgAAAAAAAABkAAAAAAAAAH9/fwAKAAAAIgAAABgAAAAAAAAAAAAAAAAAAAAAAAAAAAAAAAAAAAAkAAAAJAAAAAAAAAAHAAAAAAAAAAAAAAAAAAAAAAAAAAAAAAAAAAAAf39/ACUAAABYAAAAAAAAAAAAAAAAAAAAAAAAAAAAAAAAAAAAAAAAAAAAAAAAAAAAAAAAAAAAAAA/AAAAAAAAAKCGAQAAAAAAAAAAAAAAAAAMAAAAAQAAAAAAAAAAAAAAAAAAAB8AAABUAAAAnp6eAH19fQCRkZEAAAAAAAAAAAAAAAAAAAAAAAAAAAAAAAAAAAAAAAAAAAAAAAACAAAAAgAAAADAwP8Af39/AAAAAAAAAAAAAAAAAAAAAAAAAAAAIQAAABgAAAAUAAAApCkAANMeAABaKgAAGyEAAAAAAAAmAAAACAAAAP//////////MAAAABQAAAAAAAAA/xj//wHnAADLB///NfgAAA=="/>
+                  <pr:smNativeData xmlns:pr="smNativeData" xmlns="smNativeData" val="SMDATA_16_FAWHYRMAAAAlAAAAZQAAAA0AAAAAkAAAAEgAAACQAAAASAAAAAAAAAABAAAAAAAAAAEAAABQAAAAhbacS3FV1T8AAAAAAAAAAAAAAAAAAOA/AAAAAAAA4D8AAAAAAADgPwAAAAAAAOA/AAAAAAAA4D8AAAAAAADgPwAAAAAAAOA/AAAAAAAA4D8CAAAAjAAAAAEAAAADAAAAnp6eAH19fQAAAAAAAAAAAAAAAAAAAAAAAAAAAAAAAAAAAAAAZAAAAAEAAABAAAAAAAAAAGQAAAAOAQAAAAAAAAEAAAAyAAAAkZGRAAAAAAAAAAAAAAAAAAAAAAAAAAAAAAAAAAAAAAAAAAAAAAAAAAAAAAAAAAAAAAAAAAAAAAAAAAAAFAAAADwAAAABAAAAAAAAAAAAAAAKAAAAAQAAABQAAAAUAAAAFAAAAAEAAAAAAAAAZAAAAGQAAAAAAAAAZAAAAGQAAAAVAAAAYAAAAAAAAAAAAAAAAAAAAAAAAAAAAAAAAAAAAAAAAAAAAAAAAAAAAAAAAAAAAAAAAAAACQAAAAAAAAAAAAAAAAAAAAAAAAAAAAAAAAAAAAAAAAAAAAAAAAAAAAAAAAAAAAAAABYAAABMAAAAAAAAAAAAAAAAAAAAAAAAAAAAAAAAAAAJAAAAAAAAAAAAAAAAAAAAAAAAAAAAAAAAAAAAAAAAAAAAAAAAAAAAAAAAAAAAAAAAAAAAABcAAAAUAAAAAAAAAAAAAAD/fwAA/38AAAAAAAAJAAAABAAAAAAAAAAeAAAAaAAAAAAAAAAAAAAAAAAAAAAAAAAAAAAAECcAABAnAAAAAAAAAAAAAAAAAAAAAAAAAAAAAAAAAAAAAAAAAAAAABQAAAAAAAAAwMD/AAAAAABkAAAAMgAAAAAAAABkAAAAAAAAAH9/fwAKAAAAIgAAABgAAAAAAAAAAAAAAAAAAAAAAAAAAAAAAAAAAAAkAAAAJAAAAAAAAAAHAAAAAAAAAAAAAAAAAAAAAAAAAAAAAAAAAAAAf39/ACUAAABYAAAAAAAAAAAAAAAAAAAAAAAAAAAAAAAAAAAAAAAAAAAAAAAAAAAAAAAAAAAAAAA/AAAAAAAAAKCGAQAAAAAAAAAAAAAAAAAMAAAAAQAAAAAAAAAAAAAAAAAAAB8AAABUAAAAnp6eAH19fQCRkZEAAAAAAAAAAAAAAAAAAAAAAAAAAAAAAAAAAAAAAAAAAAAAAAACAAAAAgAAAADAwP8Af39/AAAAAAAAAAAAAAAAAAAAAAAAAAAAIQAAABgAAAAUAAAApCkAANMeAABaKgAAGyEAAAAAAAAmAAAACAAAAP//////////MAAAABQAAAAAAAAA/xj//wHnAADLB///NfgAAA=="/>
                 </a:ext>
               </a:extLst>
             </p:cNvSpPr>
@@ -8293,11 +8274,11 @@
         </p:sp>
         <p:sp>
           <p:nvSpPr>
-            <p:cNvPr id="71" name="Rectangle: Rounded Corners 142"/>
+            <p:cNvPr id="70" name="Rectangle: Rounded Corners 142"/>
             <p:cNvSpPr>
               <a:extLst>
                 <a:ext uri="smNativeData">
-                  <pr:smNativeData xmlns:pr="smNativeData" xmlns="smNativeData" val="SMDATA_16_gfoFYRMAAAAlAAAAZQAAAA0AAAAAkAAAAEgAAACQAAAASAAAAAAAAAABAAAAAAAAAAEAAABQAAAAhbacS3FV1T8AAAAAAAAAAAAAAAAAAOA/AAAAAAAA4D8AAAAAAADgPwAAAAAAAOA/AAAAAAAA4D8AAAAAAADgPwAAAAAAAOA/AAAAAAAA4D8CAAAAjAAAAAEAAAADAAAAnp6eAH19fQAAAAAAAAAAAAAAAAAAAAAAAAAAAAAAAAAAAAAAZAAAAAEAAABAAAAAAAAAAGQAAAAOAQAAAAAAAAEAAAAyAAAAkZGRAAAAAAAAAAAAAAAAAAAAAAAAAAAAAAAAAAAAAAAAAAAAAAAAAAAAAAAAAAAAAAAAAAAAAAAAAAAAFAAAADwAAAABAAAAAAAAAAAAAAAKAAAAAQAAABQAAAAUAAAAFAAAAAEAAAAAAAAAZAAAAGQAAAAAAAAAZAAAAGQAAAAVAAAAYAAAAAAAAAAAAAAAAAAAAAAAAAAAAAAAAAAAAAAAAAAAAAAAAAAAAAAAAAAAAAAAAAAACQAAAAAAAAAAAAAAAAAAAAAAAAAAAAAAAAAAAAAAAAAAAAAAAAAAAAAAAAAAAAAAABYAAABMAAAAAAAAAAAAAAAAAAAAAAAAAAAAAAAAAAAJAAAAAAAAAAAAAAAAAAAAAAAAAAAAAAAAAAAAAAAAAAAAAAAAAAAAAAAAAAAAAAAAAAAAABcAAAAUAAAAAAAAAAAAAAD/fwAA/38AAAAAAAAJAAAABAAAAAAAAAAeAAAAaAAAAAAAAAAAAAAAAAAAAAAAAAAAAAAAECcAABAnAAAAAAAAAAAAAAAAAAAAAAAAAAAAAAAAAAAAAAAAAAAAABQAAAAAAAAAwMD/AAAAAABkAAAAMgAAAAAAAABkAAAAAAAAAH9/fwAKAAAAIgAAABgAAAAAAAAAAAAAAAAAAAAAAAAAAAAAAAAAAAAkAAAAJAAAAAAAAAAHAAAAAAAAAAAAAAAAAAAAAAAAAAAAAAAAAAAAf39/ACUAAABYAAAAAAAAAAAAAAAAAAAAAAAAAAAAAAAAAAAAAAAAAAAAAAAAAAAAAAAAAAAAAAA/AAAAAAAAAKCGAQAAAAAAAAAAAAAAAAAMAAAAAQAAAAAAAAAAAAAAAAAAAB8AAABUAAAAnp6eAH19fQCRkZEAAAAAAAAAAAAAAAAAAAAAAAAAAAAAAAAAAAAAAAAAAAAAAAACAAAAAgAAAADAwP8Af39/AAAAAAAAAAAAAAAAAAAAAAAAAAAAIQAAABgAAAAUAAAA7C4AANMeAACiLwAAGyEAAAAAAAAmAAAACAAAAP//////////MAAAABQAAAAAAAAA/xj//wHnAADLB///NfgAAA=="/>
+                  <pr:smNativeData xmlns:pr="smNativeData" xmlns="smNativeData" val="SMDATA_16_FAWHYRMAAAAlAAAAZQAAAA0AAAAAkAAAAEgAAACQAAAASAAAAAAAAAABAAAAAAAAAAEAAABQAAAAhbacS3FV1T8AAAAAAAAAAAAAAAAAAOA/AAAAAAAA4D8AAAAAAADgPwAAAAAAAOA/AAAAAAAA4D8AAAAAAADgPwAAAAAAAOA/AAAAAAAA4D8CAAAAjAAAAAEAAAADAAAAnp6eAH19fQAAAAAAAAAAAAAAAAAAAAAAAAAAAAAAAAAAAAAAZAAAAAEAAABAAAAAAAAAAGQAAAAOAQAAAAAAAAEAAAAyAAAAkZGRAAAAAAAAAAAAAAAAAAAAAAAAAAAAAAAAAAAAAAAAAAAAAAAAAAAAAAAAAAAAAAAAAAAAAAAAAAAAFAAAADwAAAABAAAAAAAAAAAAAAAKAAAAAQAAABQAAAAUAAAAFAAAAAEAAAAAAAAAZAAAAGQAAAAAAAAAZAAAAGQAAAAVAAAAYAAAAAAAAAAAAAAAAAAAAAAAAAAAAAAAAAAAAAAAAAAAAAAAAAAAAAAAAAAAAAAAAAAACQAAAAAAAAAAAAAAAAAAAAAAAAAAAAAAAAAAAAAAAAAAAAAAAAAAAAAAAAAAAAAAABYAAABMAAAAAAAAAAAAAAAAAAAAAAAAAAAAAAAAAAAJAAAAAAAAAAAAAAAAAAAAAAAAAAAAAAAAAAAAAAAAAAAAAAAAAAAAAAAAAAAAAAAAAAAAABcAAAAUAAAAAAAAAAAAAAD/fwAA/38AAAAAAAAJAAAABAAAAAAAAAAeAAAAaAAAAAAAAAAAAAAAAAAAAAAAAAAAAAAAECcAABAnAAAAAAAAAAAAAAAAAAAAAAAAAAAAAAAAAAAAAAAAAAAAABQAAAAAAAAAwMD/AAAAAABkAAAAMgAAAAAAAABkAAAAAAAAAH9/fwAKAAAAIgAAABgAAAAAAAAAAAAAAAAAAAAAAAAAAAAAAAAAAAAkAAAAJAAAAAAAAAAHAAAAAAAAAAAAAAAAAAAAAAAAAAAAAAAAAAAAf39/ACUAAABYAAAAAAAAAAAAAAAAAAAAAAAAAAAAAAAAAAAAAAAAAAAAAAAAAAAAAAAAAAAAAAA/AAAAAAAAAKCGAQAAAAAAAAAAAAAAAAAMAAAAAQAAAAAAAAAAAAAAAAAAAB8AAABUAAAAnp6eAH19fQCRkZEAAAAAAAAAAAAAAAAAAAAAAAAAAAAAAAAAAAAAAAAAAAAAAAACAAAAAgAAAADAwP8Af39/AAAAAAAAAAAAAAAAAAAAAAAAAAAAIQAAABgAAAAUAAAA7C4AANMeAACiLwAAGyEAAAAAAAAmAAAACAAAAP//////////MAAAABQAAAAAAAAA/xj//wHnAADLB///NfgAAA=="/>
                 </a:ext>
               </a:extLst>
             </p:cNvSpPr>
@@ -8355,11 +8336,11 @@
         </p:sp>
         <p:sp>
           <p:nvSpPr>
-            <p:cNvPr id="70" name="Rectangle 143"/>
+            <p:cNvPr id="69" name="Rectangle 143"/>
             <p:cNvSpPr>
               <a:extLst>
                 <a:ext uri="smNativeData">
-                  <pr:smNativeData xmlns:pr="smNativeData" xmlns="smNativeData" val="SMDATA_16_gfoFYRMAAAAlAAAAZAAAAA0AAAAAkAAAAEgAAACQAAAASAAAAAAAAAABAAAAAAAAAAEAAABQAAAAAAAAAAAA4D8AAAAAAADgPwAAAAAAAOA/AAAAAAAA4D8AAAAAAADgPwAAAAAAAOA/AAAAAAAA4D8AAAAAAADgPwAAAAAAAOA/AAAAAAAA4D8CAAAAjAAAAAAAAAAAAAAARHLEDP///wgAAAAAAAAAAAAAAAAAAAAAAAAAAAAAAAAAAAAAZAAAAAEAAABAAAAAAAAAAAAAAAAAAAAAAAAAAAAAAAAAAAAAAAAAAAAAAAAAAAAAAAAAAAAAAAAAAAAAAAAAAAAAAAAAAAAAAAAAAAAAAAAAAAAAAAAAAAAAAAAAAAAAFAAAADwAAAABAAAAAAAAAAAAAAkeAAAAAQAAABQAAAAUAAAAFAAAAAEAAAAAAAAAZAAAAGQAAAAAAAAAZAAAAGQAAAAVAAAAYAAAAAAAAAAAAAAADwAAACADAAAAAAAAAAAAAAEAAACgMgAAVgcAAKr4//8BAAAAf39/AAEAAABkAAAAAAAAABQAAABAHwAAAAAAACYAAAAAAAAAwOD//wAAAAAmAAAAZAAAABYAAABMAAAAAAAAAAAAAAAEAAAAAAAAAAEAAADn5uYKAAAAACgAAAAoAAAAZAAAAGQAAAAAAAAAzMzMAAAAAABQAAAAUAAAAGQAAABkAAAAAAAAABcAAAAUAAAAAAAAAAAAAAD/fwAA/38AAAAAAAAJAAAABAAAAAAAAAAeAAAAaAAAAAAAAAAAAAAAAAAAAAAAAAAAAAAAECcAABAnAAAAAAAAAAAAAAAAAAAAAAAAAAAAAAAAAAAAAAAAAAAAABQAAAAAAAAAwMD/AAAAAABkAAAAMgAAAAAAAABkAAAAAAAAAH9/fwAKAAAAIgAAABgAAAAAAAAAAAAAAAAAAAAAAAAAAAAAAAAAAAAkAAAAJAAAAAAAAAAHAAAAAAAAAAAAAAAAAAAAAAAAAAAAAAAAAAAAf39/ACUAAABYAAAAAAAAAAAAAAAAAAAAAAAAAAAAAAAAAAAAAAAAAAAAAAAAAAAAAAAAAAAAAAA/AAAAAAAAAKCGAQAAAAAAAAAAAAAAAAAMAAAAAQAAAAAAAAAAAAAAAAAAAB8AAABUAAAARHLEBf///wEAAAAAAAAAAAAAAAAAAAAAAAAAAAAAAAAAAAAAAAAAAAAAAAJ/f38A5+bmA8zMzADAwP8Af39/AAAAAAAAAAAAAAAAAAAAAAAAAAAAIQAAABgAAAAUAAAAWioAAIwcAADsLgAAGyEAAAAAAAAmAAAACAAAAP//////////MAAAABQAAAAAAAAAAAD//wAAAQAAAP//AAABAA=="/>
+                  <pr:smNativeData xmlns:pr="smNativeData" xmlns="smNativeData" val="SMDATA_16_FAWHYRMAAAAlAAAAZAAAAA0AAAAAkAAAAEgAAACQAAAASAAAAAAAAAABAAAAAAAAAAEAAABQAAAAAAAAAAAA4D8AAAAAAADgPwAAAAAAAOA/AAAAAAAA4D8AAAAAAADgPwAAAAAAAOA/AAAAAAAA4D8AAAAAAADgPwAAAAAAAOA/AAAAAAAA4D8CAAAAjAAAAAAAAAAAAAAARHLEDP///wgAAAAAAAAAAAAAAAAAAAAAAAAAAAAAAAAAAAAAZAAAAAEAAABAAAAAAAAAAAAAAAAAAAAAAAAAAAAAAAAAAAAAAAAAAAAAAAAAAAAAAAAAAAAAAAAAAAAAAAAAAAAAAAAAAAAAAAAAAAAAAAAAAAAAAAAAAAAAAAAAAAAAFAAAADwAAAABAAAAAAAAAAAAAAkeAAAAAQAAABQAAAAUAAAAFAAAAAEAAAAAAAAAZAAAAGQAAAAAAAAAZAAAAGQAAAAVAAAAYAAAAAAAAAAAAAAADwAAACADAAAAAAAAAAAAAAEAAACgMgAAVgcAAKr4//8BAAAAf39/AAEAAABkAAAAAAAAABQAAABAHwAAAAAAACYAAAAAAAAAwOD//wAAAAAmAAAAZAAAABYAAABMAAAAAAAAAAAAAAAEAAAAAAAAAAEAAADn5uYKAAAAACgAAAAoAAAAZAAAAGQAAAAAAAAAzMzMAAAAAABQAAAAUAAAAGQAAABkAAAAAAAAABcAAAAUAAAAAAAAAAAAAAD/fwAA/38AAAAAAAAJAAAABAAAAAAAAAAeAAAAaAAAAAAAAAAAAAAAAAAAAAAAAAAAAAAAECcAABAnAAAAAAAAAAAAAAAAAAAAAAAAAAAAAAAAAAAAAAAAAAAAABQAAAAAAAAAwMD/AAAAAABkAAAAMgAAAAAAAABkAAAAAAAAAH9/fwAKAAAAIgAAABgAAAAAAAAAAAAAAAAAAAAAAAAAAAAAAAAAAAAkAAAAJAAAAAAAAAAHAAAAAAAAAAAAAAAAAAAAAAAAAAAAAAAAAAAAf39/ACUAAABYAAAAAAAAAAAAAAAAAAAAAAAAAAAAAAAAAAAAAAAAAAAAAAAAAAAAAAAAAAAAAAA/AAAAAAAAAKCGAQAAAAAAAAAAAAAAAAAMAAAAAQAAAAAAAAAAAAAAAAAAAB8AAABUAAAARHLEBf///wEAAAAAAAAAAAAAAAAAAAAAAAAAAAAAAAAAAAAAAAAAAAAAAAJ/f38A5+bmA8zMzADAwP8Af39/AAAAAAAAAAAAAAAAAAAAAAAAAAAAIQAAABgAAAAUAAAAWioAAIwcAADsLgAAGyEAAAAAAAAmAAAACAAAAP//////////MAAAABQAAAAAAAAAAAD//wAAAQAAAP//AAABAA=="/>
                 </a:ext>
               </a:extLst>
             </p:cNvSpPr>
@@ -8401,11 +8382,11 @@
         </p:sp>
         <p:grpSp>
           <p:nvGrpSpPr>
-            <p:cNvPr id="66" name="Group 144"/>
+            <p:cNvPr id="65" name="Group 144"/>
             <p:cNvGrpSpPr>
               <a:extLst>
                 <a:ext uri="smNativeData">
-                  <pr:smNativeData xmlns:pr="smNativeData" xmlns="smNativeData" val="SMDATA_6_gfoFYRMAAAAlAAAAAQAAAA8BAAAAkAAAAEgAAACQAAAASAAAAAAAAAAAAAAAAAAAABcAAAAUAAAAAAAAAAAAAAD/fwAA/38AAAAAAAAJAAAABAAAAAAAAAAfAAAAVAAAAAAAAAAAAAAAAAAAAAAAAAAAAAAAAAAAAAAAAAAAAAAAAAAAAAAAAAAAAAAAAAAAAAAAAAAAAAAAAAAAAAAAAAAAAAAAAAAAAAAAAAAAAAAAAAAAACEAAAAYAAAAFAAAAE4sAACiHwAA+CwAAEwgAAAAAAAAJgAAAAgAAAD/////AAAAAA=="/>
+                  <pr:smNativeData xmlns:pr="smNativeData" xmlns="smNativeData" val="SMDATA_6_FAWHYRMAAAAlAAAAAQAAAA8BAAAAkAAAAEgAAACQAAAASAAAAAAAAAAAAAAAAAAAABcAAAAUAAAAAAAAAAAAAAD/fwAA/38AAAAAAAAJAAAABAAAAAAAABQfAAAAVAAAAAAAAAAAAAAAAAAAAAAAAAAAAAAAAAAAAAAAAAAAAAAAAAAAAAAAAAAAAAAAAAAAAAAAAAAAAAAAAAAAAAAAAAAAAAAAAAAAAAAAAAAAAAAAAAAAACEAAAAYAAAAFAAAAE4sAACiHwAA+CwAAEwgAAAAAAAAJgAAAAgAAAD/////AAAAAA=="/>
                 </a:ext>
               </a:extLst>
             </p:cNvGrpSpPr>
@@ -8421,11 +8402,11 @@
           </p:grpSpPr>
           <p:sp>
             <p:nvSpPr>
-              <p:cNvPr id="69" name="Oval 145"/>
+              <p:cNvPr id="68" name="Oval 145"/>
               <p:cNvSpPr>
                 <a:extLst>
                   <a:ext uri="smNativeData">
-                    <pr:smNativeData xmlns:pr="smNativeData" xmlns="smNativeData" val="SMDATA_16_gfoFYRMAAAAlAAAAZgAAAC0AAAAAkAAAAEgAAACQAAAASAAAAAAAAAABAAAAAAAAAAEAAABQAAAAAAAAAAAA8D8AAAAAAADwPwAAAAAAAOA/AAAAAAAA4D8AAAAAAADgPwAAAAAAAOA/AAAAAAAA4D8AAAAAAADgPwAAAAAAAOA/AAAAAAAA4D8CAAAAjAAAAAAAAAAAAAAARHLEDP///wgAAAAAAAAAAAAAAAAAAAAAAAAAAAAAAAAAAAAAZAAAAAEAAABAAAAAAAAAAAAAAAAAAAAAAAAAAAAAAAAAAAAAAAAAAAAAAAAAAAAAAAAAAAAAAAAAAAAAAAAAAAAAAAAAAAAAAAAAAAAAAAAAAAAAAAAAAAAAAAAAAAAAFAAAADwAAAABAAAAAAAAAAAAAAkUAAAAAQAAABQAAAAUAAAAFAAAAAEAAAAAAAAAZAAAAGQAAAAAAAAAZAAAAGQAAAAVAAAAYAAAAAAAAAAAAAAADwAAACADAAAAAAAAAAAAAAEAAACgMgAAVgcAAKr4//8BAAAAf39/AAEAAABkAAAAAAAAABQAAABAHwAAAAAAACYAAAAAAAAAwOD//wAAAAAmAAAAZAAAABYAAABMAAAAAAAAAAAAAAAEAAAAAAAAAAEAAADn5uYKAAAAACgAAAAoAAAAZAAAAGQAAAAAAAAAzMzMAAAAAABQAAAAUAAAAGQAAABkAAAAAAAAABcAAAAUAAAAAAAAAAAAAAD/fwAA/38AAAAAAAAJAAAABAAAAAAAAAAeAAAAaAAAAAAAAAAAAAAAAAAAAAAAAAAAAAAAECcAABAnAAAAAAAAAAAAAAAAAAAAAAAAAAAAAAAAAAAAAAAAAAAAABQAAAAAAAAAwMD/AAAAAABkAAAAMgAAAAAAAABkAAAAAAAAAH9/fwAKAAAAIgAAABgAAAAAAAAAAAAAAAAAAAAAAAAAAAAAAAAAAAAkAAAAJAAAAAAAAAAHAAAAAAAAAAAAAAAAAAAAAAAAAAAAAAAAAAAAf39/ACUAAABYAAAAAAAAAAAAAAAAAAAAAAAAAAAAAAAAAAAAAAAAAAAAAAAAAAAAAAAAAAAAAAA/AAAAAAAAAKCGAQAAAAAAAAAAAAAAAAAMAAAAAQAAAAAAAAAAAAAAAAAAAB8AAABUAAAARHLEBf///wEAAAAAAAAAAAAAAAAAAAAAAAAAAAAAAAAAAAAAAAAAAAAAAAJ/f38A5+bmA8zMzADAwP8Af39/AAAAAAAAAAAAAAAAAAAAAAAAAAAAIQAAABgAAAAUAAAATiwAAKIfAAD4LAAATCAAAAAAAAAmAAAACAAAAP//////////MAAAABQAAAAAAAAA/Er//wS1AAD8Sv//BLUAAA=="/>
+                    <pr:smNativeData xmlns:pr="smNativeData" xmlns="smNativeData" val="SMDATA_16_FAWHYRMAAAAlAAAAZgAAAC0AAAAAkAAAAEgAAACQAAAASAAAAAAAAAABAAAAAAAAAAEAAABQAAAAAAAAAAAA8D8AAAAAAADwPwAAAAAAAOA/AAAAAAAA4D8AAAAAAADgPwAAAAAAAOA/AAAAAAAA4D8AAAAAAADgPwAAAAAAAOA/AAAAAAAA4D8CAAAAjAAAAAAAAAAAAAAARHLEDP///wgAAAAAAAAAAAAAAAAAAAAAAAAAAAAAAAAAAAAAZAAAAAEAAABAAAAAAAAAAAAAAAAAAAAAAAAAAAAAAAAAAAAAAAAAAAAAAAAAAAAAAAAAAAAAAAAAAAAAAAAAAAAAAAAAAAAAAAAAAAAAAAAAAAAAAAAAAAAAAAAAAAAAFAAAADwAAAABAAAAAAAAAAAAAAkUAAAAAQAAABQAAAAUAAAAFAAAAAEAAAAAAAAAZAAAAGQAAAAAAAAAZAAAAGQAAAAVAAAAYAAAAAAAAAAAAAAADwAAACADAAAAAAAAAAAAAAEAAACgMgAAVgcAAKr4//8BAAAAf39/AAEAAABkAAAAAAAAABQAAABAHwAAAAAAACYAAAAAAAAAwOD//wAAAAAmAAAAZAAAABYAAABMAAAAAAAAAAAAAAAEAAAAAAAAAAEAAADn5uYKAAAAACgAAAAoAAAAZAAAAGQAAAAAAAAAzMzMAAAAAABQAAAAUAAAAGQAAABkAAAAAAAAABcAAAAUAAAAAAAAAAAAAAD/fwAA/38AAAAAAAAJAAAABAAAAAAAAAAeAAAAaAAAAAAAAAAAAAAAAAAAAAAAAAAAAAAAECcAABAnAAAAAAAAAAAAAAAAAAAAAAAAAAAAAAAAAAAAAAAAAAAAABQAAAAAAAAAwMD/AAAAAABkAAAAMgAAAAAAAABkAAAAAAAAAH9/fwAKAAAAIgAAABgAAAAAAAAAAAAAAAAAAAAAAAAAAAAAAAAAAAAkAAAAJAAAAAAAAAAHAAAAAAAAAAAAAAAAAAAAAAAAAAAAAAAAAAAAf39/ACUAAABYAAAAAAAAAAAAAAAAAAAAAAAAAAAAAAAAAAAAAAAAAAAAAAAAAAAAAAAAAAAAAAA/AAAAAAAAAKCGAQAAAAAAAAAAAAAAAAAMAAAAAQAAAAAAAAAAAAAAAAAAAB8AAABUAAAARHLEBf///wEAAAAAAAAAAAAAAAAAAAAAAAAAAAAAAAAAAAAAAAAAAAAAAAJ/f38A5+bmA8zMzADAwP8Af39/AAAAAAAAAAAAAAAAAAAAAAAAAAAAIQAAABgAAAAUAAAATiwAAKIfAAD4LAAATCAAAAAAAAAmAAAACAAAAP//////////MAAAABQAAAAAAAAA/Er//wS1AAD8Sv//BLUAAA=="/>
                   </a:ext>
                 </a:extLst>
               </p:cNvSpPr>
@@ -8467,11 +8448,11 @@
           </p:sp>
           <p:sp>
             <p:nvSpPr>
-              <p:cNvPr id="68" name="Straight Connector 146"/>
+              <p:cNvPr id="67" name="Straight Connector 146"/>
               <p:cNvSpPr>
                 <a:extLst>
                   <a:ext uri="smNativeData">
-                    <pr:smNativeData xmlns:pr="smNativeData" xmlns="smNativeData" val="SMDATA_16_gfoFYRMAAAAlAAAACgAAAA0AAAAAkAAAAEgAAACQAAAASAAAAAAAAAAAAAAAAAAAAAEAAABQAAAAAAAAAAAA4D8AAAAAAADgPwAAAAAAAOA/AAAAAAAA4D8AAAAAAADgPwAAAAAAAOA/AAAAAAAA4D8AAAAAAADgPwAAAAAAAOA/AAAAAAAA4D8CAAAAjAAAAAAAAAAAAAAA////AP///wgAAAAAAAAAAAAAAAAAAAAAAAAAAAAAAAAAAAAAeAAAAAEAAABAAAAAAAAAAAAAAABaAAAAAAAAAAAAAAAAAAAAAAAAAAAAAAAAAAAAAAAAAAAAAAAAAAAAAAAAAAAAAAAAAAAAAAAAAAAAAAAAAAAAAAAAAAAAAAAAAAAAFAAAADwAAAABAAAAAAAAAAAAAAAKAAAAAQAAABQAAAAUAAAAFAAAAAEAAAAAAAAAZAAAAGQAAAAAAAAAZAAAAGQAAAAVAAAAYAAAAAAAAAAAAAAADwAAACADAAAAAAAAAAAAAAEAAACgMgAAVgcAAKr4//8BAAAAf39/AAEAAABkAAAAAAAAABQAAABAHwAAAAAAACYAAAAAAAAAwOD//wAAAAAmAAAAZAAAABYAAABMAAAAAAAAAAAAAAAEAAAAAAAAAAEAAADn5uYKAAAAACgAAAAoAAAAZAAAAGQAAAAAAAAAzMzMAAAAAABQAAAAUAAAAGQAAABkAAAAAAAAABcAAAAUAAAAAAAAAAAAAAD/fwAA/38AAAAAAAAJAAAABAAAAAAAAAAeAAAAaAAAAAAAAAAAAAAAAAAAAAAAAAAAAAAAECcAABAnAAAAAAAAAAAAAAAAAAAAAAAAAAAAAAAAAAAAAAAAAAAAABQAAAAAAAAAwMD/AAAAAABkAAAAMgAAAAAAAABkAAAAAAAAAH9/fwAKAAAAIgAAABgAAAAAAAAAAAAAAAAAAAAAAAAAAAAAAAAAAAAkAAAAJAAAAAAAAAAHAAAAAAAAAAAAAAAAAAAAAAAAAAAAAAAAAAAAf39/ACUAAABYAAAAAAAAAAAAAAAAAAAAAAAAAAAAAAAAAAAAAAAAAAAAAAAAAAAAAAAAAAAAAAA/AAAAAAAAAKCGAQAAAAAAAAAAAAAAAAAMAAAAAQAAAAAAAAAAAAAAAAAAAB8AAABUAAAA////AP///wEAAAAAAAAAAAAAAAAAAAAAAAAAAAAAAAAAAAAAAAAAAAAAAAB/f38A5+bmA8zMzADAwP8Af39/AAAAAAAAAAAAAAAAAAAAAAAAAAAAIQAAABgAAAAUAAAAoywAAKIfAACjLAAATCAAAAAAAAAmAAAACAAAAP//////////MAAAABQAAAAAAAAAAAD//wAAAQAAAP//AAABAA=="/>
+                    <pr:smNativeData xmlns:pr="smNativeData" xmlns="smNativeData" val="SMDATA_16_FAWHYRMAAAAlAAAACgAAAA0AAAAAkAAAAEgAAACQAAAASAAAAAAAAAAAAAAAAAAAAAEAAABQAAAAAAAAAAAA4D8AAAAAAADgPwAAAAAAAOA/AAAAAAAA4D8AAAAAAADgPwAAAAAAAOA/AAAAAAAA4D8AAAAAAADgPwAAAAAAAOA/AAAAAAAA4D8CAAAAjAAAAAAAAAAAAAAA////AP///wgAAAAAAAAAAAAAAAAAAAAAAAAAAAAAAAAAAAAAeAAAAAEAAABAAAAAAAAAAAAAAABaAAAAAAAAAAAAAAAAAAAAAAAAAAAAAAAAAAAAAAAAAAAAAAAAAAAAAAAAAAAAAAAAAAAAAAAAAAAAAAAAAAAAAAAAAAAAAAAAAAAAFAAAADwAAAABAAAAAAAAAAAAAAAKAAAAAQAAABQAAAAUAAAAFAAAAAEAAAAAAAAAZAAAAGQAAAAAAAAAZAAAAGQAAAAVAAAAYAAAAAAAAAAAAAAADwAAACADAAAAAAAAAAAAAAEAAACgMgAAVgcAAKr4//8BAAAAf39/AAEAAABkAAAAAAAAABQAAABAHwAAAAAAACYAAAAAAAAAwOD//wAAAAAmAAAAZAAAABYAAABMAAAAAAAAAAAAAAAEAAAAAAAAAAEAAADn5uYKAAAAACgAAAAoAAAAZAAAAGQAAAAAAAAAzMzMAAAAAABQAAAAUAAAAGQAAABkAAAAAAAAABcAAAAUAAAAAAAAAAAAAAD/fwAA/38AAAAAAAAJAAAABAAAAAAAAAAeAAAAaAAAAAAAAAAAAAAAAAAAAAAAAAAAAAAAECcAABAnAAAAAAAAAAAAAAAAAAAAAAAAAAAAAAAAAAAAAAAAAAAAABQAAAAAAAAAwMD/AAAAAABkAAAAMgAAAAAAAABkAAAAAAAAAH9/fwAKAAAAIgAAABgAAAAAAAAAAAAAAAAAAAAAAAAAAAAAAAAAAAAkAAAAJAAAAAAAAAAHAAAAAAAAAAAAAAAAAAAAAAAAAAAAAAAAAAAAf39/ACUAAABYAAAAAAAAAAAAAAAAAAAAAAAAAAAAAAAAAAAAAAAAAAAAAAAAAAAAAAAAAAAAAAA/AAAAAAAAAKCGAQAAAAAAAAAAAAAAAAAMAAAAAQAAAAAAAAAAAAAAAAAAAB8AAABUAAAA////AP///wEAAAAAAAAAAAAAAAAAAAAAAAAAAAAAAAAAAAAAAAAAAAAAAAB/f38A5+bmA8zMzADAwP8Af39/AAAAAAAAAAAAAAAAAAAAAAAAAAAAIQAAABgAAAAUAAAAoywAAKIfAACjLAAATCAAAAAAAAAmAAAACAAAAP//////////MAAAABQAAAAAAAAAAAD//wAAAQAAAP//AAABAA=="/>
                   </a:ext>
                 </a:extLst>
               </p:cNvSpPr>
@@ -8499,11 +8480,11 @@
           </p:sp>
           <p:sp>
             <p:nvSpPr>
-              <p:cNvPr id="67" name="Straight Connector 147"/>
+              <p:cNvPr id="66" name="Straight Connector 147"/>
               <p:cNvSpPr>
                 <a:extLst>
                   <a:ext uri="smNativeData">
-                    <pr:smNativeData xmlns:pr="smNativeData" xmlns="smNativeData" val="SMDATA_16_gfoFYRMAAAAlAAAACgAAAA0AAAAAkAAAAEgAAACQAAAASAAAAAAAAAAAAAAAAAAAAAEAAABQAAAAAAAAAAAA4D8AAAAAAADgPwAAAAAAAOA/AAAAAAAA4D8AAAAAAADgPwAAAAAAAOA/AAAAAAAA4D8AAAAAAADgPwAAAAAAAOA/AAAAAAAA4D8CAAAAjAAAAAAAAAAAAAAA////AP///wgAAAAAAAAAAAAAAAAAAAAAAAAAAAAAAAAAAAAAeAAAAAEAAABAAAAAAAAAAAAAAABaAAAAAAAAAAAAAAAAAAAAAAAAAAAAAAAAAAAAAAAAAAAAAAAAAAAAAAAAAAAAAAAAAAAAAAAAAAAAAAAAAAAAAAAAAAAAAAAAAAAAFAAAADwAAAABAAAAAAAAAAAAAAkKAAAAAQAAABQAAAAUAAAAFAAAAAEAAAAAAAAAZAAAAGQAAAAAAAAAZAAAAGQAAAAVAAAAYAAAAAAAAAAAAAAADwAAACADAAAAAAAAAAAAAAEAAACgMgAAVgcAAKr4//8BAAAAf39/AAEAAABkAAAAAAAAABQAAABAHwAAAAAAACYAAAAAAAAAwOD//wAAAAAmAAAAZAAAABYAAABMAAAAAAAAAAAAAAAEAAAAAAAAAAEAAADn5uYKAAAAACgAAAAoAAAAZAAAAGQAAAAAAAAAzMzMAAAAAABQAAAAUAAAAGQAAABkAAAAAAAAABcAAAAUAAAAAAAAAAAAAAD/fwAA/38AAAAAAAAJAAAABAAAAAAAAAAeAAAAaAAAAAAAAAAAAAAAAAAAAAAAAAAAAAAAECcAABAnAAAAAAAAAAAAAAAAAAAAAAAAAAAAAAAAAAAAAAAAAAAAABQAAAAAAAAAwMD/AAAAAABkAAAAMgAAAAAAAABkAAAAAAAAAH9/fwAKAAAAIgAAABgAAAAAAAAAAAAAAAAAAAAAAAAAAAAAAAAAAAAkAAAAJAAAAAAAAAAHAAAAAAAAAAAAAAAAAAAAAAAAAAAAAAAAAAAAf39/ACUAAABYAAAAAAAAAAAAAAAAAAAAAAAAAAAAAAAAAAAAAAAAAAAAAAAAAAAAAAAAAAAAAAA/AAAAAAAAAKCGAQAAAAAAAAAAAAAAAAAMAAAAAQAAAAAAAAAAAAAAAAAAAB8AAABUAAAA////AP///wEAAAAAAAAAAAAAAAAAAAAAAAAAAAAAAAAAAAAAAAAAAAAAAAJ/f38A5+bmA8zMzADAwP8Af39/AAAAAAAAAAAAAAAAAAAAAAAAAAAAIQAAABgAAAAUAAAATiwAAPcfAAD4LAAA9x8AAAAAAAAmAAAACAAAAP//////////MAAAABQAAAAAAAAAAAD//wAAAQAAAP//AAABAA=="/>
+                    <pr:smNativeData xmlns:pr="smNativeData" xmlns="smNativeData" val="SMDATA_16_FAWHYRMAAAAlAAAACgAAAA0AAAAAkAAAAEgAAACQAAAASAAAAAAAAAAAAAAAAAAAAAEAAABQAAAAAAAAAAAA4D8AAAAAAADgPwAAAAAAAOA/AAAAAAAA4D8AAAAAAADgPwAAAAAAAOA/AAAAAAAA4D8AAAAAAADgPwAAAAAAAOA/AAAAAAAA4D8CAAAAjAAAAAAAAAAAAAAA////AP///wgAAAAAAAAAAAAAAAAAAAAAAAAAAAAAAAAAAAAAeAAAAAEAAABAAAAAAAAAAAAAAABaAAAAAAAAAAAAAAAAAAAAAAAAAAAAAAAAAAAAAAAAAAAAAAAAAAAAAAAAAAAAAAAAAAAAAAAAAAAAAAAAAAAAAAAAAAAAAAAAAAAAFAAAADwAAAABAAAAAAAAAAAAAAkKAAAAAQAAABQAAAAUAAAAFAAAAAEAAAAAAAAAZAAAAGQAAAAAAAAAZAAAAGQAAAAVAAAAYAAAAAAAAAAAAAAADwAAACADAAAAAAAAAAAAAAEAAACgMgAAVgcAAKr4//8BAAAAf39/AAEAAABkAAAAAAAAABQAAABAHwAAAAAAACYAAAAAAAAAwOD//wAAAAAmAAAAZAAAABYAAABMAAAAAAAAAAAAAAAEAAAAAAAAAAEAAADn5uYKAAAAACgAAAAoAAAAZAAAAGQAAAAAAAAAzMzMAAAAAABQAAAAUAAAAGQAAABkAAAAAAAAABcAAAAUAAAAAAAAAAAAAAD/fwAA/38AAAAAAAAJAAAABAAAAAAAAAAeAAAAaAAAAAAAAAAAAAAAAAAAAAAAAAAAAAAAECcAABAnAAAAAAAAAAAAAAAAAAAAAAAAAAAAAAAAAAAAAAAAAAAAABQAAAAAAAAAwMD/AAAAAABkAAAAMgAAAAAAAABkAAAAAAAAAH9/fwAKAAAAIgAAABgAAAAAAAAAAAAAAAAAAAAAAAAAAAAAAAAAAAAkAAAAJAAAAAAAAAAHAAAAAAAAAAAAAAAAAAAAAAAAAAAAAAAAAAAAf39/ACUAAABYAAAAAAAAAAAAAAAAAAAAAAAAAAAAAAAAAAAAAAAAAAAAAAAAAAAAAAAAAAAAAAA/AAAAAAAAAKCGAQAAAAAAAAAAAAAAAAAMAAAAAQAAAAAAAAAAAAAAAAAAAB8AAABUAAAA////AP///wEAAAAAAAAAAAAAAAAAAAAAAAAAAAAAAAAAAAAAAAAAAAAAAAJ/f38A5+bmA8zMzADAwP8Af39/AAAAAAAAAAAAAAAAAAAAAAAAAAAAIQAAABgAAAAUAAAATiwAAPcfAAD4LAAA9x8AAAAAAAAmAAAACAAAAP//////////MAAAABQAAAAAAAAAAAD//wAAAQAAAP//AAABAA=="/>
                   </a:ext>
                 </a:extLst>
               </p:cNvSpPr>
@@ -8533,12 +8514,12 @@
       </p:grpSp>
       <p:cxnSp>
         <p:nvCxnSpPr>
-          <p:cNvPr id="73" name="Straight Arrow Connector 138"/>
+          <p:cNvPr id="72" name="Straight Arrow Connector 138"/>
           <p:cNvCxnSpPr>
-            <a:stCxn id="72" idx="0"/>
-            <a:extLst>
-              <a:ext uri="smNativeData">
-                <pr:smNativeData xmlns:pr="smNativeData" xmlns="smNativeData" val="SMDATA_16_gfoFYRMAAAAlAAAADQAAAA0AAAAAkAAAAEgAAACQAAAASAAAAAAAAAAAAAAAAgAAAAEAAABQAAAAAAAAAAAA8L8AAAAAAAAAAAAAAAAAAPA/AAAAAAAA4D8AAAAAAADgPwAAAAAAAOA/AAAAAAAA4D8AAAAAAADgPwAAAAAAAOA/AAAAAAAA4D8CAAAAjAAAAAAAAAAAAAAA////AP///wgAAAAAAAAAAAAAAAAAAAAAAAAAAAAAAAAAAAAAeAAAAAEAAABAAAAAAAAAAAAAAABaAAAAAAAAAAAAAAAAAAAAAAAAAAAAAAAAAAAAAAAAAAAAAAAAAAAAAAAAAAAAAAAAAAAAAAAAAAAAAAAAAAAAAAAAAAAAAAAAAAAAFAAAADwAAAABAAAAAAAAAERyxAwKAAAAAQAAABQAAAAUAAAAFAAAAAEAAAAAAAAAZAAAAGQAAAABAAAAZAAAAGQAAAAVAAAAYAAAAAAAAAAAAAAADwAAACADAAAAAAAAAAAAAAEAAACgMgAAVgcAAKr4//8BAAAAf39/AAEAAABkAAAAAAAAABQAAABAHwAAAAAAACYAAAAAAAAAwOD//wAAAAAmAAAAZAAAABYAAABMAAAAAAAAAAAAAAAEAAAAAAAAAAEAAADn5uYKAAAAACgAAAAoAAAAZAAAAGQAAAAAAAAAzMzMAAAAAABQAAAAUAAAAGQAAABkAAAAAAAAABcAAAAUAAAAAAAAAAAAAAD/fwAA/38AAAAAAAAJAAAABAAAAAAAAAAeAAAAaAAAAAAAAAAAAAAAAAAAAAAAAAAAAAAAECcAABAnAAAAAAAAAAAAAAAAAAAAAAAAAAAAAAAAAAAAAAAAAAAAABQAAAAAAAAAwMD/AAAAAABkAAAAMgAAAAAAAABkAAAAAAAAAH9/fwAKAAAAIgAAABgAAAAAAAAAAAAAAAAAAAAAAAAAAAAAAAAAAAAkAAAAJAAAAAAAAAAHAAAAAAAAAAAAAAAAAAAAAAAAAAAAAAAAAAAAf39/ACUAAABYAAAAAAAAAAAAAAAAAAAAAAAAAAAAAAAAAAAAAAAAAAAAAAAAAAAAAAAAAAAAAAA/AAAAAAAAAKCGAQAAAAAAAAAAAAAAAAAMAAAAAQAAAAAAAAAAAAAAAAAAAB8AAABUAAAA////AP///wEAAAAAAAAAAAAAAAAAAAAAAAAAAAAAAAAAAAAAAAAAAERyxAV/f38A5+bmA8zMzADAwP8Af39/AAAAAAAAAAAAAAAAAAAAAAAAAAAAIQAAABgAAAAUAAAApSwAAC4cAACoLwAAMBwAABAAAAAmAAAACAAAAP//////////MAAAABQAAAAAAAAAAAD//wAAAQAAAP//AAABAA=="/>
+            <a:stCxn id="71" idx="0"/>
+            <a:extLst>
+              <a:ext uri="smNativeData">
+                <pr:smNativeData xmlns:pr="smNativeData" xmlns="smNativeData" val="SMDATA_16_FAWHYRMAAAAlAAAADQAAAA0AAAAAkAAAAEgAAACQAAAASAAAAAAAAAAAAAAAAgAAAAEAAABQAAAAAAAAAAAA8L8AAAAAAAAAAAAAAAAAAPA/AAAAAAAA4D8AAAAAAADgPwAAAAAAAOA/AAAAAAAA4D8AAAAAAADgPwAAAAAAAOA/AAAAAAAA4D8CAAAAjAAAAAAAAAAAAAAA////AP///wgAAAAAAAAAAAAAAAAAAAAAAAAAAAAAAAAAAAAAeAAAAAEAAABAAAAAAAAAAAAAAABaAAAAAAAAAAAAAAAAAAAAAAAAAAAAAAAAAAAAAAAAAAAAAAAAAAAAAAAAAAAAAAAAAAAAAAAAAAAAAAAAAAAAAAAAAAAAAAAAAAAAFAAAADwAAAABAAAAAAAAAERyxAwKAAAAAQAAABQAAAAUAAAAFAAAAAEAAAAAAAAAZAAAAGQAAAABAAAAZAAAAGQAAAAVAAAAYAAAAAAAAAAAAAAADwAAACADAAAAAAAAAAAAAAEAAACgMgAAVgcAAKr4//8BAAAAf39/AAEAAABkAAAAAAAAABQAAABAHwAAAAAAACYAAAAAAAAAwOD//wAAAAAmAAAAZAAAABYAAABMAAAAAAAAAAAAAAAEAAAAAAAAAAEAAADn5uYKAAAAACgAAAAoAAAAZAAAAGQAAAAAAAAAzMzMAAAAAABQAAAAUAAAAGQAAABkAAAAAAAAABcAAAAUAAAAAAAAAAAAAAD/fwAA/38AAAAAAAAJAAAABAAAAAAAAAAeAAAAaAAAAAAAAAAAAAAAAAAAAAAAAAAAAAAAECcAABAnAAAAAAAAAAAAAAAAAAAAAAAAAAAAAAAAAAAAAAAAAAAAABQAAAAAAAAAwMD/AAAAAABkAAAAMgAAAAAAAABkAAAAAAAAAH9/fwAKAAAAIgAAABgAAAAAAAAAAAAAAAAAAAAAAAAAAAAAAAAAAAAkAAAAJAAAAAAAAAAHAAAAAAAAAAAAAAAAAAAAAAAAAAAAAAAAAAAAf39/ACUAAABYAAAAAAAAAAAAAAAAAAAAAAAAAAAAAAAAAAAAAAAAAAAAAAAAAAAAAAAAAAAAAAA/AAAAAAAAAKCGAQAAAAAAAAAAAAAAAAAMAAAAAQAAAAAAAAAAAAAAAAAAAB8AAABUAAAA////AP///wEAAAAAAAAAAAAAAAAAAAAAAAAAAAAAAAAAAAAAAAAAAERyxAV/f38A5+bmA8zMzADAwP8Af39/AAAAAAAAAAAAAAAAAAAAAAAAAAAAIQAAABgAAAAUAAAApSwAAC4cAACoLwAAMBwAABAAAAAmAAAACAAAAP//////////MAAAABQAAAAAAAAAAAD//wAAAQAAAP//AAABAA=="/>
               </a:ext>
             </a:extLst>
           </p:cNvCxnSpPr>
@@ -8566,11 +8547,11 @@
       </p:cxnSp>
       <p:sp>
         <p:nvSpPr>
-          <p:cNvPr id="74" name="Straight Connector 140"/>
+          <p:cNvPr id="73" name="Straight Connector 140"/>
           <p:cNvSpPr>
             <a:extLst>
               <a:ext uri="smNativeData">
-                <pr:smNativeData xmlns:pr="smNativeData" xmlns="smNativeData" val="SMDATA_16_gfoFYRMAAAAlAAAACgAAAA0AAAAAkAAAAEgAAACQAAAASAAAAAAAAAAAAAAAAAAAAAEAAABQAAAAAAAAAAAA4D8AAAAAAADgPwAAAAAAAOA/AAAAAAAA4D8AAAAAAADgPwAAAAAAAOA/AAAAAAAA4D8AAAAAAADgPwAAAAAAAOA/AAAAAAAA4D8CAAAAjAAAAAAAAAAAAAAA////AP///wgAAAAAAAAAAAAAAAAAAAAAAAAAAAAAAAAAAAAAeAAAAAEAAABAAAAAAAAAAAAAAABaAAAAAAAAAAAAAAAAAAAAAAAAAAAAAAAAAAAAAAAAAAAAAAAAAAAAAAAAAAAAAAAAAAAAAAAAAAAAAAAAAAAAAAAAAAAAAAAAAAAAFAAAADwAAAABAAAABAAAAAAAAAkKAAAAAQAAABQAAAAUAAAAFAAAAAEAAAAAAAAAZAAAAGQAAAAAAAAAZAAAAGQAAAAVAAAAYAAAAAAAAAAAAAAADwAAACADAAAAAAAAAAAAAAEAAACgMgAAVgcAAKr4//8BAAAAf39/AAEAAABkAAAAAAAAABQAAABAHwAAAAAAACYAAAAAAAAAwOD//wAAAAAmAAAAZAAAABYAAABMAAAAAAAAAAAAAAAEAAAAAAAAAAEAAADn5uYKAAAAACgAAAAoAAAAZAAAAGQAAAAAAAAAzMzMAAAAAABQAAAAUAAAAGQAAABkAAAAAAAAABcAAAAUAAAAAAAAAAAAAAD/fwAA/38AAAAAAAAJAAAABAAAAAAAAAAeAAAAaAAAAAAAAAAAAAAAAAAAAAAAAAAAAAAAECcAABAnAAAAAAAAAAAAAAAAAAAAAAAAAAAAAAAAAAAAAAAAAAAAABQAAAAAAAAAwMD/AAAAAABkAAAAMgAAAAAAAABkAAAAAAAAAH9/fwAKAAAAIgAAABgAAAAAAAAAAAAAAAAAAAAAAAAAAAAAAAAAAAAkAAAAJAAAAAAAAAAHAAAAAAAAAAAAAAAAAAAAAAAAAAAAAAAAAAAAf39/ACUAAABYAAAAAAAAAAAAAAAAAAAAAAAAAAAAAAAAAAAAAAAAAAAAAAAAAAAAAAAAAAAAAAA/AAAAAAAAAKCGAQAAAAAAAAAAAAAAAAAMAAAAAQAAAAAAAAAAAAAAAAAAAB8AAABUAAAA////AP///wEAAAAAAAAAAAAAAAAAAAAAAAAAAAAAAAAAAAAAAAAAAAAAAAJ/f38A5+bmA8zMzADAwP8Af39/AAAAAAAAAAAAAAAAAAAAAAAAAAAAIQAAABgAAAAUAAAAfSsAAIocAACBKwAAGyEAABAAAAAmAAAACAAAAP//////////MAAAABQAAAAAAAAAAAD//wAAAQAAAP//AAABAA=="/>
+                <pr:smNativeData xmlns:pr="smNativeData" xmlns="smNativeData" val="SMDATA_16_FAWHYRMAAAAlAAAACgAAAA0AAAAAkAAAAEgAAACQAAAASAAAAAAAAAAAAAAAAAAAAAEAAABQAAAAAAAAAAAA4D8AAAAAAADgPwAAAAAAAOA/AAAAAAAA4D8AAAAAAADgPwAAAAAAAOA/AAAAAAAA4D8AAAAAAADgPwAAAAAAAOA/AAAAAAAA4D8CAAAAjAAAAAAAAAAAAAAA////AP///wgAAAAAAAAAAAAAAAAAAAAAAAAAAAAAAAAAAAAAeAAAAAEAAABAAAAAAAAAAAAAAABaAAAAAAAAAAAAAAAAAAAAAAAAAAAAAAAAAAAAAAAAAAAAAAAAAAAAAAAAAAAAAAAAAAAAAAAAAAAAAAAAAAAAAAAAAAAAAAAAAAAAFAAAADwAAAABAAAABAAAAAAAAAkKAAAAAQAAABQAAAAUAAAAFAAAAAEAAAAAAAAAZAAAAGQAAAAAAAAAZAAAAGQAAAAVAAAAYAAAAAAAAAAAAAAADwAAACADAAAAAAAAAAAAAAEAAACgMgAAVgcAAKr4//8BAAAAf39/AAEAAABkAAAAAAAAABQAAABAHwAAAAAAACYAAAAAAAAAwOD//wAAAAAmAAAAZAAAABYAAABMAAAAAAAAAAAAAAAEAAAAAAAAAAEAAADn5uYKAAAAACgAAAAoAAAAZAAAAGQAAAAAAAAAzMzMAAAAAABQAAAAUAAAAGQAAABkAAAAAAAAABcAAAAUAAAAAAAAAAAAAAD/fwAA/38AAAAAAAAJAAAABAAAAAAAAAAeAAAAaAAAAAAAAAAAAAAAAAAAAAAAAAAAAAAAECcAABAnAAAAAAAAAAAAAAAAAAAAAAAAAAAAAAAAAAAAAAAAAAAAABQAAAAAAAAAwMD/AAAAAABkAAAAMgAAAAAAAABkAAAAAAAAAH9/fwAKAAAAIgAAABgAAAAAAAAAAAAAAAAAAAAAAAAAAAAAAAAAAAAkAAAAJAAAAAAAAAAHAAAAAAAAAAAAAAAAAAAAAAAAAAAAAAAAAAAAf39/ACUAAABYAAAAAAAAAAAAAAAAAAAAAAAAAAAAAAAAAAAAAAAAAAAAAAAAAAAAAAAAAAAAAAA/AAAAAAAAAKCGAQAAAAAAAAAAAAAAAAAMAAAAAQAAAAAAAAAAAAAAAAAAAB8AAABUAAAA////AP///wEAAAAAAAAAAAAAAAAAAAAAAAAAAAAAAAAAAAAAAAAAAAAAAAJ/f38A5+bmA8zMzADAwP8Af39/AAAAAAAAAAAAAAAAAAAAAAAAAAAAIQAAABgAAAAUAAAAfSsAAIocAACBKwAAGyEAABAAAAAmAAAACAAAAP//////////MAAAABQAAAAAAAAAAAD//wAAAQAAAP//AAABAA=="/>
               </a:ext>
             </a:extLst>
           </p:cNvSpPr>
@@ -8598,11 +8579,11 @@
       </p:sp>
       <p:sp>
         <p:nvSpPr>
-          <p:cNvPr id="75" name="Arrow: Right 148"/>
+          <p:cNvPr id="74" name="Arrow: Right 148"/>
           <p:cNvSpPr>
             <a:extLst>
               <a:ext uri="smNativeData">
-                <pr:smNativeData xmlns:pr="smNativeData" xmlns="smNativeData" val="SMDATA_16_gfoFYRMAAAAlAAAAyAAAAA0AAAAAkAAAAEgAAACQAAAASAAAAAAAAAABAAAAAAAAAAEAAABQAAAAHIoTkqsr1z8AAAAAAADgPwAAAAAAAOA/AAAAAAAA4D8AAAAAAADgPwAAAAAAAOA/AAAAAAAA4D8AAAAAAADgPwAAAAAAAOA/AAAAAAAA4D8CAAAAjAAAAAEAAAAAAAAA////CP///wgAAAAAAAAAAAAAAAAAAAAAAAAAAAAAAAAAAAAAZAAAAAEAAABAAAAAAAAAAAAAAAAAAAAAAAAAAAAAAAAAAAAAAAAAAAAAAAAAAAAAAAAAAAAAAAAAAAAAAAAAAAAAAAAAAAAAAAAAAAAAAAAAAAAAAAAAAAAAAAAAAAAAFAAAADwAAAABAAAAAAAAAAAAAAkUAAAAAQAAABQAAAAUAAAAFAAAAAEAAAAAAAAAZAAAAGQAAAAAAAAAZAAAAGQAAAAVAAAAYAAAAAAAAAAAAAAADwAAACADAAAAAAAAAAAAAAEAAACgMgAAVgcAAKr4//8BAAAAf39/AAEAAABkAAAAAAAAABQAAABAHwAAAAAAACYAAAAAAAAAwOD//wAAAAAmAAAAZAAAABYAAABMAAAAAAAAAAAAAAAEAAAAAAAAAAEAAADn5uYKAAAAACgAAAAoAAAAZAAAAGQAAAAAAAAAzMzMAAAAAABQAAAAUAAAAGQAAABkAAAAAAAAABcAAAAUAAAAAAAAAAAAAAD/fwAA/38AAAAAAAAJAAAABAAAAAAAAAAeAAAAaAAAAAAAAAAAAAAAAAAAAAAAAAAAAAAAECcAABAnAAAAAAAAAAAAAAAAAAAAAAAAAAAAAAAAAAAAAAAAAAAAABQAAAAAAAAAwMD/AAAAAABkAAAAMgAAAAAAAABkAAAAAAAAAH9/fwAKAAAAIgAAABgAAAAAAAAAAAAAAAAAAAAAAAAAAAAAAAAAAAAkAAAAJAAAAAAAAAAHAAAAAAAAAAAAAAAAAAAAAAAAAAAAAAAAAAAAf39/ACUAAABYAAAAAAAAAAAAAAAAAAAAAAAAAAAAAAAAAAAAAAAAAAAAAAAAAAAAAAAAAAAAAAA/AAAAAAAAAKCGAQAAAAAAAAAAAAAAAAAMAAAAAQAAAAAAAAAAAAAAAAAAAB8AAABUAAAA////Af///wEAAAAAAAAAAAAAAAAAAAAAAAAAAAAAAAAAAAAAAAAAAAAAAAJ/f38A5+bmA8zMzADAwP8Af39/AAAAAAAAAAAAAAAAAAAAAAAAAAAAIQAAABgAAAAUAAAA6yYAAPodAACWKAAApR8AABAAAAAmAAAACAAAAP//////////MAAAABQAAAAAAAAAAAD//65cAAAAgP//AIAAAA=="/>
+                <pr:smNativeData xmlns:pr="smNativeData" xmlns="smNativeData" val="SMDATA_16_FAWHYRMAAAAlAAAAyAAAAA0AAAAAkAAAAEgAAACQAAAASAAAAAAAAAABAAAAAAAAAAEAAABQAAAAHIoTkqsr1z8AAAAAAADgPwAAAAAAAOA/AAAAAAAA4D8AAAAAAADgPwAAAAAAAOA/AAAAAAAA4D8AAAAAAADgPwAAAAAAAOA/AAAAAAAA4D8CAAAAjAAAAAEAAAAAAAAA////CP///wgAAAAAAAAAAAAAAAAAAAAAAAAAAAAAAAAAAAAAZAAAAAEAAABAAAAAAAAAAAAAAAAAAAAAAAAAAAAAAAAAAAAAAAAAAAAAAAAAAAAAAAAAAAAAAAAAAAAAAAAAAAAAAAAAAAAAAAAAAAAAAAAAAAAAAAAAAAAAAAAAAAAAFAAAADwAAAABAAAAAAAAAAAAAAkUAAAAAQAAABQAAAAUAAAAFAAAAAEAAAAAAAAAZAAAAGQAAAAAAAAAZAAAAGQAAAAVAAAAYAAAAAAAAAAAAAAADwAAACADAAAAAAAAAAAAAAEAAACgMgAAVgcAAKr4//8BAAAAf39/AAEAAABkAAAAAAAAABQAAABAHwAAAAAAACYAAAAAAAAAwOD//wAAAAAmAAAAZAAAABYAAABMAAAAAAAAAAAAAAAEAAAAAAAAAAEAAADn5uYKAAAAACgAAAAoAAAAZAAAAGQAAAAAAAAAzMzMAAAAAABQAAAAUAAAAGQAAABkAAAAAAAAABcAAAAUAAAAAAAAAAAAAAD/fwAA/38AAAAAAAAJAAAABAAAAAAAAAAeAAAAaAAAAAAAAAAAAAAAAAAAAAAAAAAAAAAAECcAABAnAAAAAAAAAAAAAAAAAAAAAAAAAAAAAAAAAAAAAAAAAAAAABQAAAAAAAAAwMD/AAAAAABkAAAAMgAAAAAAAABkAAAAAAAAAH9/fwAKAAAAIgAAABgAAAAAAAAAAAAAAAAAAAAAAAAAAAAAAAAAAAAkAAAAJAAAAAAAAAAHAAAAAAAAAAAAAAAAAAAAAAAAAAAAAAAAAAAAf39/ACUAAABYAAAAAAAAAAAAAAAAAAAAAAAAAAAAAAAAAAAAAAAAAAAAAAAAAAAAAAAAAAAAAAA/AAAAAAAAAKCGAQAAAAAAAAAAAAAAAAAMAAAAAQAAAAAAAAAAAAAAAAAAAB8AAABUAAAA////Af///wEAAAAAAAAAAAAAAAAAAAAAAAAAAAAAAAAAAAAAAAAAAAAAAAJ/f38A5+bmA8zMzADAwP8Af39/AAAAAAAAAAAAAAAAAAAAAAAAAAAAIQAAABgAAAAUAAAA6yYAAPodAACWKAAApR8AABAAAAAmAAAACAAAAP//////////MAAAABQAAAAAAAAAAAD//65cAAAAgP//AIAAAA=="/>
               </a:ext>
             </a:extLst>
           </p:cNvSpPr>
@@ -8649,12 +8630,12 @@
       </p:sp>
       <p:cxnSp>
         <p:nvCxnSpPr>
-          <p:cNvPr id="76" name="Straight Arrow Connector 151"/>
+          <p:cNvPr id="75" name="Straight Arrow Connector 151"/>
           <p:cNvCxnSpPr>
-            <a:stCxn id="71" idx="0"/>
-            <a:extLst>
-              <a:ext uri="smNativeData">
-                <pr:smNativeData xmlns:pr="smNativeData" xmlns="smNativeData" val="SMDATA_16_gfoFYRMAAAAlAAAADQAAAA0AAAAAkAAAAEgAAACQAAAASAAAAAAAAAAAAAAAAgAAAAEAAABQAAAAAAAAAAAA8L8AAAAAAAAAAAAAAAAAAPA/AAAAAAAA4D8AAAAAAADgPwAAAAAAAOA/AAAAAAAA4D8AAAAAAADgPwAAAAAAAOA/AAAAAAAA4D8CAAAAjAAAAAAAAAAAAAAA////AP///wgAAAAAAAAAAAAAAAAAAAAAAAAAAAAAAAAAAAAAeAAAAAEAAABAAAAAAAAAAAAAAABaAAAAAAAAAAAAAAAAAAAAAAAAAAAAAAAAAAAAAAAAAAAAAAAAAAAAAAAAAAAAAAAAAAAAAAAAAAAAAAAAAAAAAAAAAAAAAAAAAAAAFAAAADwAAAABAAAAAAAAAERyxAwKAAAAAQAAABQAAAAUAAAAFAAAAAEAAAAAAAAAZAAAAGQAAAABAAAAZAAAAGQAAAAVAAAAYAAAAAAAAAAAAAAADwAAACADAAAAAAAAAAAAAAEAAACgMgAAVgcAAKr4//8BAAAAf39/AAEAAABkAAAAAAAAABQAAABAHwAAAAAAACYAAAAAAAAAwOD//wAAAAAmAAAAZAAAABYAAABMAAAAAAAAAAAAAAAEAAAAAAAAAAEAAADn5uYKAAAAACgAAAAoAAAAZAAAAGQAAAAAAAAAzMzMAAAAAABQAAAAUAAAAGQAAABkAAAAAAAAABcAAAAUAAAAAAAAAAAAAAD/fwAA/38AAAAAAAAJAAAABAAAAAAAAAAeAAAAaAAAAAAAAAAAAAAAAAAAAAAAAAAAAAAAECcAABAnAAAAAAAAAAAAAAAAAAAAAAAAAAAAAAAAAAAAAAAAAAAAABQAAAAAAAAAwMD/AAAAAABkAAAAMgAAAAAAAABkAAAAAAAAAH9/fwAKAAAAIgAAABgAAAAAAAAAAAAAAAAAAAAAAAAAAAAAAAAAAAAkAAAAJAAAAAAAAAAHAAAAAAAAAAAAAAAAAAAAAAAAAAAAAAAAAAAAf39/ACUAAABYAAAAAAAAAAAAAAAAAAAAAAAAAAAAAAAAAAAAAAAAAAAAAAAAAAAAAAAAAAAAAAA/AAAAAAAAAKCGAQAAAAAAAAAAAAAAAAAMAAAAAQAAAAAAAAAAAAAAAAAAAB8AAABUAAAA////AP///wEAAAAAAAAAAAAAAAAAAAAAAAAAAAAAAAAAAAAAAAAAAERyxAV/f38A5+bmA8zMzADAwP8Af39/AAAAAAAAAAAAAAAAAAAAAAAAAAAAIQAAABgAAAAUAAAAoCwAAHUhAACkLwAAdyEAABAAAAAmAAAACAAAAP//////////MAAAABQAAAAAAAAAAAD//wAAAQAAAP//AAABAA=="/>
+            <a:stCxn id="70" idx="0"/>
+            <a:extLst>
+              <a:ext uri="smNativeData">
+                <pr:smNativeData xmlns:pr="smNativeData" xmlns="smNativeData" val="SMDATA_16_FAWHYRMAAAAlAAAADQAAAA0AAAAAkAAAAEgAAACQAAAASAAAAAAAAAAAAAAAAgAAAAEAAABQAAAAAAAAAAAA8L8AAAAAAAAAAAAAAAAAAPA/AAAAAAAA4D8AAAAAAADgPwAAAAAAAOA/AAAAAAAA4D8AAAAAAADgPwAAAAAAAOA/AAAAAAAA4D8CAAAAjAAAAAAAAAAAAAAA////AP///wgAAAAAAAAAAAAAAAAAAAAAAAAAAAAAAAAAAAAAeAAAAAEAAABAAAAAAAAAAAAAAABaAAAAAAAAAAAAAAAAAAAAAAAAAAAAAAAAAAAAAAAAAAAAAAAAAAAAAAAAAAAAAAAAAAAAAAAAAAAAAAAAAAAAAAAAAAAAAAAAAAAAFAAAADwAAAABAAAAAAAAAERyxAwKAAAAAQAAABQAAAAUAAAAFAAAAAEAAAAAAAAAZAAAAGQAAAABAAAAZAAAAGQAAAAVAAAAYAAAAAAAAAAAAAAADwAAACADAAAAAAAAAAAAAAEAAACgMgAAVgcAAKr4//8BAAAAf39/AAEAAABkAAAAAAAAABQAAABAHwAAAAAAACYAAAAAAAAAwOD//wAAAAAmAAAAZAAAABYAAABMAAAAAAAAAAAAAAAEAAAAAAAAAAEAAADn5uYKAAAAACgAAAAoAAAAZAAAAGQAAAAAAAAAzMzMAAAAAABQAAAAUAAAAGQAAABkAAAAAAAAABcAAAAUAAAAAAAAAAAAAAD/fwAA/38AAAAAAAAJAAAABAAAAAAAAAAeAAAAaAAAAAAAAAAAAAAAAAAAAAAAAAAAAAAAECcAABAnAAAAAAAAAAAAAAAAAAAAAAAAAAAAAAAAAAAAAAAAAAAAABQAAAAAAAAAwMD/AAAAAABkAAAAMgAAAAAAAABkAAAAAAAAAH9/fwAKAAAAIgAAABgAAAAAAAAAAAAAAAAAAAAAAAAAAAAAAAAAAAAkAAAAJAAAAAAAAAAHAAAAAAAAAAAAAAAAAAAAAAAAAAAAAAAAAAAAf39/ACUAAABYAAAAAAAAAAAAAAAAAAAAAAAAAAAAAAAAAAAAAAAAAAAAAAAAAAAAAAAAAAAAAAA/AAAAAAAAAKCGAQAAAAAAAAAAAAAAAAAMAAAAAQAAAAAAAAAAAAAAAAAAAB8AAABUAAAA////AP///wEAAAAAAAAAAAAAAAAAAAAAAAAAAAAAAAAAAAAAAAAAAERyxAV/f38A5+bmA8zMzADAwP8Af39/AAAAAAAAAAAAAAAAAAAAAAAAAAAAIQAAABgAAAAUAAAAoCwAAHUhAACkLwAAdyEAABAAAAAmAAAACAAAAP//////////MAAAABQAAAAAAAAAAAD//wAAAQAAAP//AAABAA=="/>
               </a:ext>
             </a:extLst>
           </p:cNvCxnSpPr>
@@ -8682,11 +8663,11 @@
       </p:cxnSp>
       <p:sp>
         <p:nvSpPr>
-          <p:cNvPr id="77" name="TextBox 155"/>
+          <p:cNvPr id="76" name="TextBox 155"/>
           <p:cNvSpPr>
             <a:extLst>
               <a:ext uri="smNativeData">
-                <pr:smNativeData xmlns:pr="smNativeData" xmlns="smNativeData" val="SMDATA_16_gfoFYRMAAAAlAAAAZAAAAE0AAAAAkAAAAEgAAACQAAAASAAAAAAAAAAAAAAAAAAAAAEAAABQAAAAAAAAAAAA4D8AAAAAAADgPwAAAAAAAOA/AAAAAAAA4D8AAAAAAADgPwAAAAAAAOA/AAAAAAAA4D8AAAAAAADgPwAAAAAAAOA/AAAAAAAA4D8CAAAAjAAAAAAAAAAAAAAARHLEDP///wgAAAAAAAAAAAAAAAAAAAAAAAAAAAAAAAAAAAAAZAAAAAEAAABAAAAAAAAAAAAAAAAAAAAAAAAAAAAAAAAAAAAAAAAAAAAAAAAAAAAAAAAAAAAAAAAAAAAAAAAAAAAAAAAAAAAAAAAAAAAAAAAAAAAAAAAAAAAAAAAAAAAAFAAAADwAAAAAAAAAAAAAAAAAAAAPAAAAAQAAACMAAAAjAAAAIwAAAB4AAAAAAAAAZAAAAGQAAAAAAAAAZAAAAGQAAAAVAAAAYAAAAAAAAAAAAAAADwAAACADAAAAAAAAAAAAAAEAAACgMgAAVgcAAKr4//8BAAAAf39/AAEAAABkAAAAAAAAABQAAABAHwAAAAAAACYAAAAAAAAAwOD//wAAAAAmAAAAZAAAABYAAABMAAAAAAAAAAAAAAAEAAAAAAAAAAEAAADn5uYKAAAAACgAAAAoAAAAZAAAAGQAAAAAAAAAzMzMAAAAAABQAAAAUAAAAGQAAABkAAAAAAAAABcAAAAUAAAAAAAAAAAAAAD/fwAA/38AAAAAAAAJAAAABAAAAP8AAAAeAAAAaAAAAAAAAAAAAAAAAAAAAAAAAAAAAAAAECcAABAnAAAAAAAAAAAAAAAAAAAAAAAAAAAAAAAAAAAAAAAAAAAAABQAAAAAAAAAwMD/AAAAAABkAAAAMgAAAAAAAABkAAAAAAAAAH9/fwAKAAAAIgAAABgAAAAAAAAAAAAAAAAAAAAAAAAAAAAAAAAAAAAkAAAAJAAAAAAAAAAHAAAAAAAAAAAAAAAAAAAAAAAAAAAAAAAAAAAAf39/ACUAAABYAAAAAAAAAAAAAAAAAAAAAAAAAAAAAAAAAAAAAAAAAAAAAAAAAAAAAAAAAAAAAAA/AAAAAAAAAKCGAQAAAAAAAAAAAAAAAAAMAAAAAQAAAAAAAAAAAAAAAAAAAB8AAABUAAAARHLEBf///wEAAAAAAAAAAAAAAAAAAAAAAAAAAAAAAAAAAAAAAAAAAAAAAAB/f38A5+bmA8zMzADAwP8Af39/AAAAAAAAAAAAAAAAAAAAAAAAAAAAIQAAABgAAAAUAAAAZS8AAAMbAAATMwAASR0AABAgAAAmAAAACAAAAP//////////MAAAABQAAAAAAAAAAAD//wAAAQAAAP//AAABAA=="/>
+                <pr:smNativeData xmlns:pr="smNativeData" xmlns="smNativeData" val="SMDATA_16_FAWHYRMAAAAlAAAAZAAAAE0AAAAAkAAAAEgAAACQAAAASAAAAAAAAAAAAAAAAAAAAAEAAABQAAAAAAAAAAAA4D8AAAAAAADgPwAAAAAAAOA/AAAAAAAA4D8AAAAAAADgPwAAAAAAAOA/AAAAAAAA4D8AAAAAAADgPwAAAAAAAOA/AAAAAAAA4D8CAAAAjAAAAAAAAAAAAAAARHLEDP///wgAAAAAAAAAAAAAAAAAAAAAAAAAAAAAAAAAAAAAZAAAAAEAAABAAAAAAAAAAAAAAAAAAAAAAAAAAAAAAAAAAAAAAAAAAAAAAAAAAAAAAAAAAAAAAAAAAAAAAAAAAAAAAAAAAAAAAAAAAAAAAAAAAAAAAAAAAAAAAAAAAAAAFAAAADwAAAAAAAAAAAAAAAAAAAAPAAAAAQAAACMAAAAjAAAAIwAAAB4AAAAAAAAAZAAAAGQAAAAAAAAAZAAAAGQAAAAVAAAAYAAAAAAAAAAAAAAADwAAACADAAAAAAAAAAAAAAEAAACgMgAAVgcAAKr4//8BAAAAf39/AAEAAABkAAAAAAAAABQAAABAHwAAAAAAACYAAAAAAAAAwOD//wAAAAAmAAAAZAAAABYAAABMAAAAAAAAAAAAAAAEAAAAAAAAAAEAAADn5uYKAAAAACgAAAAoAAAAZAAAAGQAAAAAAAAAzMzMAAAAAABQAAAAUAAAAGQAAABkAAAAAAAAABcAAAAUAAAAAAAAAAAAAAD/fwAA/38AAAAAAAAJAAAABAAAAP8AAAAeAAAAaAAAAAAAAAAAAAAAAAAAAAAAAAAAAAAAECcAABAnAAAAAAAAAAAAAAAAAAAAAAAAAAAAAAAAAAAAAAAAAAAAABQAAAAAAAAAwMD/AAAAAABkAAAAMgAAAAAAAABkAAAAAAAAAH9/fwAKAAAAIgAAABgAAAAAAAAAAAAAAAAAAAAAAAAAAAAAAAAAAAAkAAAAJAAAAAAAAAAHAAAAAAAAAAAAAAAAAAAAAAAAAAAAAAAAAAAAf39/ACUAAABYAAAAAAAAAAAAAAAAAAAAAAAAAAAAAAAAAAAAAAAAAAAAAAAAAAAAAAAAAAAAAAA/AAAAAAAAAKCGAQAAAAAAAAAAAAAAAAAMAAAAAQAAAAAAAAAAAAAAAAAAAB8AAABUAAAARHLEBf///wEAAAAAAAAAAAAAAAAAAAAAAAAAAAAAAAAAAAAAAAAAAAAAAAB/f38A5+bmA8zMzADAwP8Af39/AAAAAAAAAAAAAAAAAAAAAAAAAAAAIQAAABgAAAAUAAAAZS8AAAMbAAATMwAASR0AABAgAAAmAAAACAAAAP//////////MAAAABQAAAAAAAAAAAD//wAAAQAAAP//AAABAA=="/>
               </a:ext>
             </a:extLst>
           </p:cNvSpPr>
@@ -8747,11 +8728,11 @@
       </p:sp>
       <p:sp>
         <p:nvSpPr>
-          <p:cNvPr id="78" name="TextBox 156"/>
+          <p:cNvPr id="77" name="TextBox 156"/>
           <p:cNvSpPr>
             <a:extLst>
               <a:ext uri="smNativeData">
-                <pr:smNativeData xmlns:pr="smNativeData" xmlns="smNativeData" val="SMDATA_16_gfoFYRMAAAAlAAAAZAAAAE0AAAAAkAAAAEgAAACQAAAASAAAAAAAAAAAAAAAAAAAAAEAAABQAAAAAAAAAAAA4D8AAAAAAADgPwAAAAAAAOA/AAAAAAAA4D8AAAAAAADgPwAAAAAAAOA/AAAAAAAA4D8AAAAAAADgPwAAAAAAAOA/AAAAAAAA4D8CAAAAjAAAAAAAAAAAAAAARHLEDP///wgAAAAAAAAAAAAAAAAAAAAAAAAAAAAAAAAAAAAAZAAAAAEAAABAAAAAAAAAAAAAAAAAAAAAAAAAAAAAAAAAAAAAAAAAAAAAAAAAAAAAAAAAAAAAAAAAAAAAAAAAAAAAAAAAAAAAAAAAAAAAAAAAAAAAAAAAAAAAAAAAAAAAFAAAADwAAAAAAAAAAAAAAAAAAAAPAAAAAQAAACMAAAAjAAAAIwAAAB4AAAAAAAAAZAAAAGQAAAAAAAAAZAAAAGQAAAAVAAAAYAAAAAAAAAAAAAAADwAAACADAAAAAAAAAAAAAAEAAACgMgAAVgcAAKr4//8BAAAAf39/AAEAAABkAAAAAAAAABQAAABAHwAAAAAAACYAAAAAAAAAwOD//wAAAAAmAAAAZAAAABYAAABMAAAAAAAAAAAAAAAEAAAAAAAAAAEAAADn5uYKAAAAACgAAAAoAAAAZAAAAGQAAAAAAAAAzMzMAAAAAABQAAAAUAAAAGQAAABkAAAAAAAAABcAAAAUAAAAAAAAAAAAAAD/fwAA/38AAAAAAAAJAAAABAAAAAAAAAAeAAAAaAAAAAAAAAAAAAAAAAAAAAAAAAAAAAAAECcAABAnAAAAAAAAAAAAAAAAAAAAAAAAAAAAAAAAAAAAAAAAAAAAABQAAAAAAAAAwMD/AAAAAABkAAAAMgAAAAAAAABkAAAAAAAAAH9/fwAKAAAAIgAAABgAAAAAAAAAAAAAAAAAAAAAAAAAAAAAAAAAAAAkAAAAJAAAAAAAAAAHAAAAAAAAAAAAAAAAAAAAAAAAAAAAAAAAAAAAf39/ACUAAABYAAAAAAAAAAAAAAAAAAAAAAAAAAAAAAAAAAAAAAAAAAAAAAAAAAAAAAAAAAAAAAA/AAAAAAAAAKCGAQAAAAAAAAAAAAAAAAAMAAAAAQAAAAAAAAAAAAAAAAAAAB8AAABUAAAARHLEBf///wEAAAAAAAAAAAAAAAAAAAAAAAAAAAAAAAAAAAAAAAAAAAAAAAB/f38A5+bmA8zMzADAwP8Af39/AAAAAAAAAAAAAAAAAAAAAAAAAAAAIQAAABgAAAAUAAAAZS8AAGQgAAAxMwAAqiIAABAgAAAmAAAACAAAAP//////////MAAAABQAAAAAAAAAAAD//wAAAQAAAP//AAABAA=="/>
+                <pr:smNativeData xmlns:pr="smNativeData" xmlns="smNativeData" val="SMDATA_16_FAWHYRMAAAAlAAAAZAAAAE0AAAAAkAAAAEgAAACQAAAASAAAAAAAAAAAAAAAAAAAAAEAAABQAAAAAAAAAAAA4D8AAAAAAADgPwAAAAAAAOA/AAAAAAAA4D8AAAAAAADgPwAAAAAAAOA/AAAAAAAA4D8AAAAAAADgPwAAAAAAAOA/AAAAAAAA4D8CAAAAjAAAAAAAAAAAAAAARHLEDP///wgAAAAAAAAAAAAAAAAAAAAAAAAAAAAAAAAAAAAAZAAAAAEAAABAAAAAAAAAAAAAAAAAAAAAAAAAAAAAAAAAAAAAAAAAAAAAAAAAAAAAAAAAAAAAAAAAAAAAAAAAAAAAAAAAAAAAAAAAAAAAAAAAAAAAAAAAAAAAAAAAAAAAFAAAADwAAAAAAAAAAAAAAAAAAAAPAAAAAQAAACMAAAAjAAAAIwAAAB4AAAAAAAAAZAAAAGQAAAAAAAAAZAAAAGQAAAAVAAAAYAAAAAAAAAAAAAAADwAAACADAAAAAAAAAAAAAAEAAACgMgAAVgcAAKr4//8BAAAAf39/AAEAAABkAAAAAAAAABQAAABAHwAAAAAAACYAAAAAAAAAwOD//wAAAAAmAAAAZAAAABYAAABMAAAAAAAAAAAAAAAEAAAAAAAAAAEAAADn5uYKAAAAACgAAAAoAAAAZAAAAGQAAAAAAAAAzMzMAAAAAABQAAAAUAAAAGQAAABkAAAAAAAAABcAAAAUAAAAAAAAAAAAAAD/fwAA/38AAAAAAAAJAAAABAAAAAAAAAAeAAAAaAAAAAAAAAAAAAAAAAAAAAAAAAAAAAAAECcAABAnAAAAAAAAAAAAAAAAAAAAAAAAAAAAAAAAAAAAAAAAAAAAABQAAAAAAAAAwMD/AAAAAABkAAAAMgAAAAAAAABkAAAAAAAAAH9/fwAKAAAAIgAAABgAAAAAAAAAAAAAAAAAAAAAAAAAAAAAAAAAAAAkAAAAJAAAAAAAAAAHAAAAAAAAAAAAAAAAAAAAAAAAAAAAAAAAAAAAf39/ACUAAABYAAAAAAAAAAAAAAAAAAAAAAAAAAAAAAAAAAAAAAAAAAAAAAAAAAAAAAAAAAAAAAA/AAAAAAAAAKCGAQAAAAAAAAAAAAAAAAAMAAAAAQAAAAAAAAAAAAAAAAAAAB8AAABUAAAARHLEBf///wEAAAAAAAAAAAAAAAAAAAAAAAAAAAAAAAAAAAAAAAAAAAAAAAB/f38A5+bmA8zMzADAwP8Af39/AAAAAAAAAAAAAAAAAAAAAAAAAAAAIQAAABgAAAAUAAAAZS8AAGQgAAAxMwAAqiIAABAgAAAmAAAACAAAAP//////////MAAAABQAAAAAAAAAAAD//wAAAQAAAP//AAABAA=="/>
               </a:ext>
             </a:extLst>
           </p:cNvSpPr>
@@ -8812,11 +8793,11 @@
       </p:sp>
       <p:grpSp>
         <p:nvGrpSpPr>
-          <p:cNvPr id="79" name="Group 95"/>
+          <p:cNvPr id="78" name="Group 95"/>
           <p:cNvGrpSpPr>
             <a:extLst>
               <a:ext uri="smNativeData">
-                <pr:smNativeData xmlns:pr="smNativeData" xmlns="smNativeData" val="SMDATA_6_gfoFYRMAAAAlAAAAAQAAAA8BAAAAkAAAAEgAAACQAAAASAAAAAAAAAAAAAAAAAAAABcAAAAUAAAAAAAAAAAAAAD/fwAA/38AAAAAAAAJAAAABAAAAAAAAAAfAAAAVAAAAAAAAAAAAAAAAAAAAAAAAAAAAAAAAAAAAAAAAAAAAAAAAAAAAAAAAAAAAAAAAAAAAAAAAAAAAAAAAAAAAAAAAAAAAAAAAAAAAAAAAAAAAAAAAAAAACEAAAAYAAAAFAAAAIMyAAB+BAAAtT8AALsSAAAQAAAAJgAAAAgAAAD/////AAAAAA=="/>
+                <pr:smNativeData xmlns:pr="smNativeData" xmlns="smNativeData" val="SMDATA_6_FAWHYRMAAAAlAAAAAQAAAA8BAAAAkAAAAEgAAACQAAAASAAAAAAAAAAAAAAAAAAAABcAAAAUAAAAAAAAAAAAAAD/fwAA/38AAAAAAAAJAAAABAAAAFJPR1IfAAAAVAAAAAAAAAAAAAAAAAAAAAAAAAAAAAAAAAAAAAAAAAAAAAAAAAAAAAAAAAAAAAAAAAAAAAAAAAAAAAAAAAAAAAAAAAAAAAAAAAAAAAAAAAAAAAAAAAAAACEAAAAYAAAAFAAAAIMyAAB+BAAAtT8AALsSAAAQAAAAJgAAAAgAAAD/////AAAAAA=="/>
               </a:ext>
             </a:extLst>
           </p:cNvGrpSpPr>
@@ -8832,11 +8813,11 @@
         </p:grpSpPr>
         <p:sp>
           <p:nvSpPr>
-            <p:cNvPr id="92" name="Rectangle 97"/>
+            <p:cNvPr id="91" name="Rectangle 97"/>
             <p:cNvSpPr>
               <a:extLst>
                 <a:ext uri="smNativeData">
-                  <pr:smNativeData xmlns:pr="smNativeData" xmlns="smNativeData" val="SMDATA_16_gfoFYRMAAAAlAAAAZAAAAA0AAAAAkAAAAEgAAACQAAAASAAAAAAAAAABAAAAAAAAAAEAAABQAAAAAAAAAAAA4D8AAAAAAADgPwAAAAAAAOA/AAAAAAAA4D8AAAAAAADgPwAAAAAAAOA/AAAAAAAA4D8AAAAAAADgPwAAAAAAAOA/AAAAAAAA4D8CAAAAjAAAAAEAAAAAAAAA/+aZAP///whbAAAAAAAAAAAAAAAAAAAAAAAAAAAAAAAAAAAAZAAAAAEAAABAAAAAAAAAAAAAAAAAAAAAAAAAAAAAAAAAAAAAAAAAAAAAAAAAAAAAAAAAAAAAAAAAAAAAAAAAAAAAAAAAAAAAAAAAAAAAAAAAAAAAAAAAAAAAAAAAAAAAFAAAADwAAAAAAAAAAAAAADJVkQAUAAAAAQAAABQAAAAUAAAAFAAAAAEAAAAAAAAAZAAAAGQAAAAAAAAAZAAAAGQAAAAVAAAAYAAAAAAAAAAAAAAADwAAACADAAAAAAAAAAAAAAEAAACgMgAAVgcAAKr4//8BAAAAf39/AAEAAABkAAAAAAAAABQAAABAHwAAAAAAACYAAAAAAAAAwOD//wAAAAAmAAAAZAAAABYAAABMAAAAAAAAAAAAAAAEAAAAAAAAAAEAAADn5uYKAAAAACgAAAAoAAAAZAAAAGQAAAAAAAAAzMzMAAAAAABQAAAAUAAAAGQAAABkAAAAAAAAABcAAAAUAAAAAAAAAAAAAAD/fwAA/38AAAAAAAAJAAAABAAAACxYisYeAAAAaAAAAAAAAAAAAAAAAAAAAAAAAAAAAAAAECcAABAnAAAAAAAAAAAAAAAAAAAAAAAAAAAAAAAAAAAAAAAAAAAAABQAAAAAAAAAwMD/AAAAAABkAAAAMgAAAAAAAABkAAAAAAAAAH9/fwAKAAAAIgAAABgAAAAAAAAAAAAAAAAAAAAAAAAAAAAAAAAAAAAkAAAAJAAAAAAAAAAHAAAAAAAAAAAAAAAAAAAAAAAAAAAAAAAAAAAAf39/ACUAAABYAAAAAAAAAAAAAAAAAAAAAAAAAAAAAAAAAAAAAAAAAAAAAAAAAAAAAAAAAAAAAAA/AAAAAAAAAKCGAQAAAAAAAAAAAAAAAAAMAAAAAQAAAAAAAAAAAAAAAAAAAB8AAABUAAAA/+aZAP///wEAAAAAAAAAAAAAAAAAAAAAAAAAAAAAAAAAAAAAAAAAADJVkQB/f38A5+bmA8zMzADAwP8Af39/AAAAAAAAAAAAAAAAAAAAAAAAAAAAIQAAABgAAAAUAAAAKTkAAJkLAACjPgAAJxEAAAAAAAAmAAAACAAAAP//////////MAAAABQAAAAAAAAAAAD//wAAAQAAAP//AAABAA=="/>
+                  <pr:smNativeData xmlns:pr="smNativeData" xmlns="smNativeData" val="SMDATA_16_FAWHYRMAAAAlAAAAZAAAAA0AAAAAkAAAAEgAAACQAAAASAAAAAAAAAABAAAAAAAAAAEAAABQAAAAAAAAAAAA4D8AAAAAAADgPwAAAAAAAOA/AAAAAAAA4D8AAAAAAADgPwAAAAAAAOA/AAAAAAAA4D8AAAAAAADgPwAAAAAAAOA/AAAAAAAA4D8CAAAAjAAAAAEAAAAAAAAA/+aZAP///whbAAAAAAAAAAAAAAAAAAAAAAAAAAAAAAAAAAAAZAAAAAEAAABAAAAAAAAAAAAAAAAAAAAAAAAAAAAAAAAAAAAAAAAAAAAAAAAAAAAAAAAAAAAAAAAAAAAAAAAAAAAAAAAAAAAAAAAAAAAAAAAAAAAAAAAAAAAAAAAAAAAAFAAAADwAAAAAAAAAAAAAADJVkQAUAAAAAQAAABQAAAAUAAAAFAAAAAEAAAAAAAAAZAAAAGQAAAAAAAAAZAAAAGQAAAAVAAAAYAAAAAAAAAAAAAAADwAAACADAAAAAAAAAAAAAAEAAACgMgAAVgcAAKr4//8BAAAAf39/AAEAAABkAAAAAAAAABQAAABAHwAAAAAAACYAAAAAAAAAwOD//wAAAAAmAAAAZAAAABYAAABMAAAAAAAAAAAAAAAEAAAAAAAAAAEAAADn5uYKAAAAACgAAAAoAAAAZAAAAGQAAAAAAAAAzMzMAAAAAABQAAAAUAAAAGQAAABkAAAAAAAAABcAAAAUAAAAAAAAAAAAAAD/fwAA/38AAAAAAAAJAAAABAAAACxYisYeAAAAaAAAAAAAAAAAAAAAAAAAAAAAAAAAAAAAECcAABAnAAAAAAAAAAAAAAAAAAAAAAAAAAAAAAAAAAAAAAAAAAAAABQAAAAAAAAAwMD/AAAAAABkAAAAMgAAAAAAAABkAAAAAAAAAH9/fwAKAAAAIgAAABgAAAAAAAAAAAAAAAAAAAAAAAAAAAAAAAAAAAAkAAAAJAAAAAAAAAAHAAAAAAAAAAAAAAAAAAAAAAAAAAAAAAAAAAAAf39/ACUAAABYAAAAAAAAAAAAAAAAAAAAAAAAAAAAAAAAAAAAAAAAAAAAAAAAAAAAAAAAAAAAAAA/AAAAAAAAAKCGAQAAAAAAAAAAAAAAAAAMAAAAAQAAAAAAAAAAAAAAAAAAAB8AAABUAAAA/+aZAP///wEAAAAAAAAAAAAAAAAAAAAAAAAAAAAAAAAAAAAAAAAAADJVkQB/f38A5+bmA8zMzADAwP8Af39/AAAAAAAAAAAAAAAAAAAAAAAAAAAAIQAAABgAAAAUAAAAKTkAAJkLAACjPgAAJxEAAAAAAAAmAAAACAAAAP//////////MAAAABQAAAAAAAAAAAD//wAAAQAAAP//AAABAA=="/>
                 </a:ext>
               </a:extLst>
             </p:cNvSpPr>
@@ -8877,11 +8858,11 @@
         </p:sp>
         <p:sp>
           <p:nvSpPr>
-            <p:cNvPr id="91" name="Rectangle 98"/>
+            <p:cNvPr id="90" name="Rectangle 98"/>
             <p:cNvSpPr>
               <a:extLst>
                 <a:ext uri="smNativeData">
-                  <pr:smNativeData xmlns:pr="smNativeData" xmlns="smNativeData" val="SMDATA_16_gfoFYRMAAAAlAAAAZAAAAA0AAAAAkAAAAEgAAACQAAAASAAAAAAAAAABAAAAAAAAAAEAAABQAAAAAAAAAAAA4D8AAAAAAADgPwAAAAAAAOA/AAAAAAAA4D8AAAAAAADgPwAAAAAAAOA/AAAAAAAA4D8AAAAAAADgPwAAAAAAAOA/AAAAAAAA4D8CAAAAjAAAAAEAAAAAAAAA/+aZAP///whbAAAAAAAAAAAAAAAAAAAAAAAAAAAAAAAAAAAAZAAAAAEAAABAAAAAAAAAAAAAAAAAAAAAAAAAAAAAAAAAAAAAAAAAAAAAAAAAAAAAAAAAAAAAAAAAAAAAAAAAAAAAAAAAAAAAAAAAAAAAAAAAAAAAAAAAAAAAAAAAAAAAFAAAADwAAAAAAAAAAAAAADJVkQAUAAAAAQAAABQAAAAUAAAAFAAAAAEAAAAAAAAAZAAAAGQAAAAAAAAAZAAAAGQAAAAVAAAAYAAAAAAAAAAAAAAADwAAACADAAAAAAAAAAAAAAEAAACgMgAAVgcAAKr4//8BAAAAf39/AAEAAABkAAAAAAAAABQAAABAHwAAAAAAACYAAAAAAAAAwOD//wAAAAAmAAAAZAAAABYAAABMAAAAAAAAAAAAAAAEAAAAAAAAAAEAAADn5uYKAAAAACgAAAAoAAAAZAAAAGQAAAAAAAAAzMzMAAAAAABQAAAAUAAAAGQAAABkAAAAAAAAABcAAAAUAAAAAAAAAAAAAAD/fwAA/38AAAAAAAAJAAAABAAAAAAAAAAeAAAAaAAAAAAAAAAAAAAAAAAAAAAAAAAAAAAAECcAABAnAAAAAAAAAAAAAAAAAAAAAAAAAAAAAAAAAAAAAAAAAAAAABQAAAAAAAAAwMD/AAAAAABkAAAAMgAAAAAAAABkAAAAAAAAAH9/fwAKAAAAIgAAABgAAAAAAAAAAAAAAAAAAAAAAAAAAAAAAAAAAAAkAAAAJAAAAAAAAAAHAAAAAAAAAAAAAAAAAAAAAAAAAAAAAAAAAAAAf39/ACUAAABYAAAAAAAAAAAAAAAAAAAAAAAAAAAAAAAAAAAAAAAAAAAAAAAAAAAAAAAAAAAAAAA/AAAAAAAAAKCGAQAAAAAAAAAAAAAAAAAMAAAAAQAAAAAAAAAAAAAAAAAAAB8AAABUAAAA/+aZAP///wEAAAAAAAAAAAAAAAAAAAAAAAAAAAAAAAAAAAAAAAAAADJVkQB/f38A5+bmA8zMzADAwP8Af39/AAAAAAAAAAAAAAAAAAAAAAAAAAAAIQAAABgAAAAUAAAAJzkAAPoFAAChPgAAiAsAAAAAAAAmAAAACAAAAP//////////MAAAABQAAAAAAAAAAAD//wAAAQAAAP//AAABAA=="/>
+                  <pr:smNativeData xmlns:pr="smNativeData" xmlns="smNativeData" val="SMDATA_16_FAWHYRMAAAAlAAAAZAAAAA0AAAAAkAAAAEgAAACQAAAASAAAAAAAAAABAAAAAAAAAAEAAABQAAAAAAAAAAAA4D8AAAAAAADgPwAAAAAAAOA/AAAAAAAA4D8AAAAAAADgPwAAAAAAAOA/AAAAAAAA4D8AAAAAAADgPwAAAAAAAOA/AAAAAAAA4D8CAAAAjAAAAAEAAAAAAAAA/+aZAP///whbAAAAAAAAAAAAAAAAAAAAAAAAAAAAAAAAAAAAZAAAAAEAAABAAAAAAAAAAAAAAAAAAAAAAAAAAAAAAAAAAAAAAAAAAAAAAAAAAAAAAAAAAAAAAAAAAAAAAAAAAAAAAAAAAAAAAAAAAAAAAAAAAAAAAAAAAAAAAAAAAAAAFAAAADwAAAAAAAAAAAAAADJVkQAUAAAAAQAAABQAAAAUAAAAFAAAAAEAAAAAAAAAZAAAAGQAAAAAAAAAZAAAAGQAAAAVAAAAYAAAAAAAAAAAAAAADwAAACADAAAAAAAAAAAAAAEAAACgMgAAVgcAAKr4//8BAAAAf39/AAEAAABkAAAAAAAAABQAAABAHwAAAAAAACYAAAAAAAAAwOD//wAAAAAmAAAAZAAAABYAAABMAAAAAAAAAAAAAAAEAAAAAAAAAAEAAADn5uYKAAAAACgAAAAoAAAAZAAAAGQAAAAAAAAAzMzMAAAAAABQAAAAUAAAAGQAAABkAAAAAAAAABcAAAAUAAAAAAAAAAAAAAD/fwAA/38AAAAAAAAJAAAABAAAAAAAAAAeAAAAaAAAAAAAAAAAAAAAAAAAAAAAAAAAAAAAECcAABAnAAAAAAAAAAAAAAAAAAAAAAAAAAAAAAAAAAAAAAAAAAAAABQAAAAAAAAAwMD/AAAAAABkAAAAMgAAAAAAAABkAAAAAAAAAH9/fwAKAAAAIgAAABgAAAAAAAAAAAAAAAAAAAAAAAAAAAAAAAAAAAAkAAAAJAAAAAAAAAAHAAAAAAAAAAAAAAAAAAAAAAAAAAAAAAAAAAAAf39/ACUAAABYAAAAAAAAAAAAAAAAAAAAAAAAAAAAAAAAAAAAAAAAAAAAAAAAAAAAAAAAAAAAAAA/AAAAAAAAAKCGAQAAAAAAAAAAAAAAAAAMAAAAAQAAAAAAAAAAAAAAAAAAAB8AAABUAAAA/+aZAP///wEAAAAAAAAAAAAAAAAAAAAAAAAAAAAAAAAAAAAAAAAAADJVkQB/f38A5+bmA8zMzADAwP8Af39/AAAAAAAAAAAAAAAAAAAAAAAAAAAAIQAAABgAAAAUAAAAJzkAAPoFAAChPgAAiAsAAAAAAAAmAAAACAAAAP//////////MAAAABQAAAAAAAAAAAD//wAAAQAAAP//AAABAA=="/>
                 </a:ext>
               </a:extLst>
             </p:cNvSpPr>
@@ -8922,11 +8903,11 @@
         </p:sp>
         <p:sp>
           <p:nvSpPr>
-            <p:cNvPr id="90" name="Rectangle 100"/>
+            <p:cNvPr id="89" name="Rectangle 100"/>
             <p:cNvSpPr>
               <a:extLst>
                 <a:ext uri="smNativeData">
-                  <pr:smNativeData xmlns:pr="smNativeData" xmlns="smNativeData" val="SMDATA_16_gfoFYRMAAAAlAAAAZAAAAA0AAAAAkAAAAEgAAACQAAAASAAAAAAAAAABAAAAAAAAAAEAAABQAAAAAAAAAAAA4D8AAAAAAADgPwAAAAAAAOA/AAAAAAAA4D8AAAAAAADgPwAAAAAAAOA/AAAAAAAA4D8AAAAAAADgPwAAAAAAAOA/AAAAAAAA4D8CAAAAjAAAAAEAAAAAAAAA/+aZAP///whbAAAAAAAAAAAAAAAAAAAAAAAAAAAAAAAAAAAAZAAAAAEAAABAAAAAAAAAAAAAAAAAAAAAAAAAAAAAAAAAAAAAAAAAAAAAAAAAAAAAAAAAAAAAAAAAAAAAAAAAAAAAAAAAAAAAAAAAAAAAAAAAAAAAAAAAAAAAAAAAAAAAFAAAADwAAAAAAAAAAAAAADJVkQAUAAAAAQAAABQAAAAUAAAAFAAAAAEAAAAAAAAAZAAAAGQAAAAAAAAAZAAAAGQAAAAVAAAAYAAAAAAAAAAAAAAADwAAACADAAAAAAAAAAAAAAEAAACgMgAAVgcAAKr4//8BAAAAf39/AAEAAABkAAAAAAAAABQAAABAHwAAAAAAACYAAAAAAAAAwOD//wAAAAAmAAAAZAAAABYAAABMAAAAAAAAAAAAAAAEAAAAAAAAAAEAAADn5uYKAAAAACgAAAAoAAAAZAAAAGQAAAAAAAAAzMzMAAAAAABQAAAAUAAAAGQAAABkAAAAAAAAABcAAAAUAAAAAAAAAAAAAAD/fwAA/38AAAAAAAAJAAAABAAAAAAAAAAeAAAAaAAAAAAAAAAAAAAAAAAAAAAAAAAAAAAAECcAABAnAAAAAAAAAAAAAAAAAAAAAAAAAAAAAAAAAAAAAAAAAAAAABQAAAAAAAAAwMD/AAAAAABkAAAAMgAAAAAAAABkAAAAAAAAAH9/fwAKAAAAIgAAABgAAAAAAAAAAAAAAAAAAAAAAAAAAAAAAAAAAAAkAAAAJAAAAAAAAAAHAAAAAAAAAAAAAAAAAAAAAAAAAAAAAAAAAAAAf39/ACUAAABYAAAAAAAAAAAAAAAAAAAAAAAAAAAAAAAAAAAAAAAAAAAAAAAAAAAAAAAAAAAAAAA/AAAAAAAAAKCGAQAAAAAAAAAAAAAAAAAMAAAAAQAAAAAAAAAAAAAAAAAAAB8AAABUAAAA/+aZAP///wEAAAAAAAAAAAAAAAAAAAAAAAAAAAAAAAAAAAAAAAAAADJVkQB/f38A5+bmA8zMzADAwP8Af39/AAAAAAAAAAAAAAAAAAAAAAAAAAAAIQAAABgAAAAUAAAAnDMAAPoFAAAWOQAAiAsAAAAAAAAmAAAACAAAAP//////////MAAAABQAAAAAAAAAAAD//wAAAQAAAP//AAABAA=="/>
+                  <pr:smNativeData xmlns:pr="smNativeData" xmlns="smNativeData" val="SMDATA_16_FAWHYRMAAAAlAAAAZAAAAA0AAAAAkAAAAEgAAACQAAAASAAAAAAAAAABAAAAAAAAAAEAAABQAAAAAAAAAAAA4D8AAAAAAADgPwAAAAAAAOA/AAAAAAAA4D8AAAAAAADgPwAAAAAAAOA/AAAAAAAA4D8AAAAAAADgPwAAAAAAAOA/AAAAAAAA4D8CAAAAjAAAAAEAAAAAAAAA/+aZAP///whbAAAAAAAAAAAAAAAAAAAAAAAAAAAAAAAAAAAAZAAAAAEAAABAAAAAAAAAAAAAAAAAAAAAAAAAAAAAAAAAAAAAAAAAAAAAAAAAAAAAAAAAAAAAAAAAAAAAAAAAAAAAAAAAAAAAAAAAAAAAAAAAAAAAAAAAAAAAAAAAAAAAFAAAADwAAAAAAAAAAAAAADJVkQAUAAAAAQAAABQAAAAUAAAAFAAAAAEAAAAAAAAAZAAAAGQAAAAAAAAAZAAAAGQAAAAVAAAAYAAAAAAAAAAAAAAADwAAACADAAAAAAAAAAAAAAEAAACgMgAAVgcAAKr4//8BAAAAf39/AAEAAABkAAAAAAAAABQAAABAHwAAAAAAACYAAAAAAAAAwOD//wAAAAAmAAAAZAAAABYAAABMAAAAAAAAAAAAAAAEAAAAAAAAAAEAAADn5uYKAAAAACgAAAAoAAAAZAAAAGQAAAAAAAAAzMzMAAAAAABQAAAAUAAAAGQAAABkAAAAAAAAABcAAAAUAAAAAAAAAAAAAAD/fwAA/38AAAAAAAAJAAAABAAAAAAAAAAeAAAAaAAAAAAAAAAAAAAAAAAAAAAAAAAAAAAAECcAABAnAAAAAAAAAAAAAAAAAAAAAAAAAAAAAAAAAAAAAAAAAAAAABQAAAAAAAAAwMD/AAAAAABkAAAAMgAAAAAAAABkAAAAAAAAAH9/fwAKAAAAIgAAABgAAAAAAAAAAAAAAAAAAAAAAAAAAAAAAAAAAAAkAAAAJAAAAAAAAAAHAAAAAAAAAAAAAAAAAAAAAAAAAAAAAAAAAAAAf39/ACUAAABYAAAAAAAAAAAAAAAAAAAAAAAAAAAAAAAAAAAAAAAAAAAAAAAAAAAAAAAAAAAAAAA/AAAAAAAAAKCGAQAAAAAAAAAAAAAAAAAMAAAAAQAAAAAAAAAAAAAAAAAAAB8AAABUAAAA/+aZAP///wEAAAAAAAAAAAAAAAAAAAAAAAAAAAAAAAAAAAAAAAAAADJVkQB/f38A5+bmA8zMzADAwP8Af39/AAAAAAAAAAAAAAAAAAAAAAAAAAAAIQAAABgAAAAUAAAAnDMAAPoFAAAWOQAAiAsAAAAAAAAmAAAACAAAAP//////////MAAAABQAAAAAAAAAAAD//wAAAQAAAP//AAABAA=="/>
                 </a:ext>
               </a:extLst>
             </p:cNvSpPr>
@@ -8967,11 +8948,11 @@
         </p:sp>
         <p:sp>
           <p:nvSpPr>
-            <p:cNvPr id="89" name="Rectangle 102"/>
+            <p:cNvPr id="88" name="Rectangle 102"/>
             <p:cNvSpPr>
               <a:extLst>
                 <a:ext uri="smNativeData">
-                  <pr:smNativeData xmlns:pr="smNativeData" xmlns="smNativeData" val="SMDATA_16_gfoFYRMAAAAlAAAAZAAAAA0AAAAAkAAAAEgAAACQAAAASAAAAAAAAAABAAAAAAAAAAEAAABQAAAAAAAAAAAA4D8AAAAAAADgPwAAAAAAAOA/AAAAAAAA4D8AAAAAAADgPwAAAAAAAOA/AAAAAAAA4D8AAAAAAADgPwAAAAAAAOA/AAAAAAAA4D8CAAAAjAAAAAEAAAAAAAAA/+aZAP///whbAAAAAAAAAAAAAAAAAAAAAAAAAAAAAAAAAAAAZAAAAAEAAABAAAAAAAAAAAAAAAAAAAAAAAAAAAAAAAAAAAAAAAAAAAAAAAAAAAAAAAAAAAAAAAAAAAAAAAAAAAAAAAAAAAAAAAAAAAAAAAAAAAAAAAAAAAAAAAAAAAAAFAAAADwAAAAAAAAAAAAAADJVkQAUAAAAAQAAABQAAAAUAAAAFAAAAAEAAAAAAAAAZAAAAGQAAAAAAAAAZAAAAGQAAAAVAAAAYAAAAAAAAAAAAAAADwAAACADAAAAAAAAAAAAAAEAAACgMgAAVgcAAKr4//8BAAAAf39/AAEAAABkAAAAAAAAABQAAABAHwAAAAAAACYAAAAAAAAAwOD//wAAAAAmAAAAZAAAABYAAABMAAAAAAAAAAAAAAAEAAAAAAAAAAEAAADn5uYKAAAAACgAAAAoAAAAZAAAAGQAAAAAAAAAzMzMAAAAAABQAAAAUAAAAGQAAABkAAAAAAAAABcAAAAUAAAAAAAAAAAAAAD/fwAA/38AAAAAAAAJAAAABAAAAAAA//8eAAAAaAAAAAAAAAAAAAAAAAAAAAAAAAAAAAAAECcAABAnAAAAAAAAAAAAAAAAAAAAAAAAAAAAAAAAAAAAAAAAAAAAABQAAAAAAAAAwMD/AAAAAABkAAAAMgAAAAAAAABkAAAAAAAAAH9/fwAKAAAAIgAAABgAAAAAAAAAAAAAAAAAAAAAAAAAAAAAAAAAAAAkAAAAJAAAAAAAAAAHAAAAAAAAAAAAAAAAAAAAAAAAAAAAAAAAAAAAf39/ACUAAABYAAAAAAAAAAAAAAAAAAAAAAAAAAAAAAAAAAAAAAAAAAAAAAAAAAAAAAAAAAAAAAA/AAAAAAAAAKCGAQAAAAAAAAAAAAAAAAAMAAAAAQAAAAAAAAAAAAAAAAAAAB8AAABUAAAA/+aZAP///wEAAAAAAAAAAAAAAAAAAAAAAAAAAAAAAAAAAAAAAAAAADJVkQB/f38A5+bmA8zMzADAwP8Af39/AAAAAAAAAAAAAAAAAAAAAAAAAAAAIQAAABgAAAAUAAAAnTMAAJsLAAAXOQAAKREAAAAAAAAmAAAACAAAAP//////////MAAAABQAAAAAAAAAAAD//wAAAQAAAP//AAABAA=="/>
+                  <pr:smNativeData xmlns:pr="smNativeData" xmlns="smNativeData" val="SMDATA_16_FAWHYRMAAAAlAAAAZAAAAA0AAAAAkAAAAEgAAACQAAAASAAAAAAAAAABAAAAAAAAAAEAAABQAAAAAAAAAAAA4D8AAAAAAADgPwAAAAAAAOA/AAAAAAAA4D8AAAAAAADgPwAAAAAAAOA/AAAAAAAA4D8AAAAAAADgPwAAAAAAAOA/AAAAAAAA4D8CAAAAjAAAAAEAAAAAAAAA/+aZAP///whbAAAAAAAAAAAAAAAAAAAAAAAAAAAAAAAAAAAAZAAAAAEAAABAAAAAAAAAAAAAAAAAAAAAAAAAAAAAAAAAAAAAAAAAAAAAAAAAAAAAAAAAAAAAAAAAAAAAAAAAAAAAAAAAAAAAAAAAAAAAAAAAAAAAAAAAAAAAAAAAAAAAFAAAADwAAAAAAAAAAAAAADJVkQAUAAAAAQAAABQAAAAUAAAAFAAAAAEAAAAAAAAAZAAAAGQAAAAAAAAAZAAAAGQAAAAVAAAAYAAAAAAAAAAAAAAADwAAACADAAAAAAAAAAAAAAEAAACgMgAAVgcAAKr4//8BAAAAf39/AAEAAABkAAAAAAAAABQAAABAHwAAAAAAACYAAAAAAAAAwOD//wAAAAAmAAAAZAAAABYAAABMAAAAAAAAAAAAAAAEAAAAAAAAAAEAAADn5uYKAAAAACgAAAAoAAAAZAAAAGQAAAAAAAAAzMzMAAAAAABQAAAAUAAAAGQAAABkAAAAAAAAABcAAAAUAAAAAAAAAAAAAAD/fwAA/38AAAAAAAAJAAAABAAAAAAA//8eAAAAaAAAAAAAAAAAAAAAAAAAAAAAAAAAAAAAECcAABAnAAAAAAAAAAAAAAAAAAAAAAAAAAAAAAAAAAAAAAAAAAAAABQAAAAAAAAAwMD/AAAAAABkAAAAMgAAAAAAAABkAAAAAAAAAH9/fwAKAAAAIgAAABgAAAAAAAAAAAAAAAAAAAAAAAAAAAAAAAAAAAAkAAAAJAAAAAAAAAAHAAAAAAAAAAAAAAAAAAAAAAAAAAAAAAAAAAAAf39/ACUAAABYAAAAAAAAAAAAAAAAAAAAAAAAAAAAAAAAAAAAAAAAAAAAAAAAAAAAAAAAAAAAAAA/AAAAAAAAAKCGAQAAAAAAAAAAAAAAAAAMAAAAAQAAAAAAAAAAAAAAAAAAAB8AAABUAAAA/+aZAP///wEAAAAAAAAAAAAAAAAAAAAAAAAAAAAAAAAAAAAAAAAAADJVkQB/f38A5+bmA8zMzADAwP8Af39/AAAAAAAAAAAAAAAAAAAAAAAAAAAAIQAAABgAAAAUAAAAnTMAAJsLAAAXOQAAKREAAAAAAAAmAAAACAAAAP//////////MAAAABQAAAAAAAAAAAD//wAAAQAAAP//AAABAA=="/>
                 </a:ext>
               </a:extLst>
             </p:cNvSpPr>
@@ -9012,11 +8993,11 @@
         </p:sp>
         <p:sp>
           <p:nvSpPr>
-            <p:cNvPr id="88" name="TextBox 104"/>
+            <p:cNvPr id="87" name="TextBox 104"/>
             <p:cNvSpPr>
               <a:extLst>
                 <a:ext uri="smNativeData">
-                  <pr:smNativeData xmlns:pr="smNativeData" xmlns="smNativeData" val="SMDATA_16_gfoFYRMAAAAlAAAAZAAAAE0AAAAAkAAAAEgAAACQAAAASAAAAAAAAAAAAAAAAAAAAAEAAABQAAAAAAAAAAAA4D8AAAAAAADgPwAAAAAAAOA/AAAAAAAA4D8AAAAAAADgPwAAAAAAAOA/AAAAAAAA4D8AAAAAAADgPwAAAAAAAOA/AAAAAAAA4D8CAAAAjAAAAAAAAAAAAAAARHLEDP///wgAAAAAAAAAAAAAAAAAAAAAAAAAAAAAAAAAAAAAZAAAAAEAAABAAAAAAAAAAAAAAAAAAAAAAAAAAAAAAAAAAAAAAAAAAAAAAAAAAAAAAAAAAAAAAAAAAAAAAAAAAAAAAAAAAAAAAAAAAAAAAAAAAAAAAAAAAAAAAAAAAAAAFAAAADwAAAAAAAAAAAAAAAAAAAAPAAAAAQAAACMAAAAjAAAAIwAAAB4AAAAAAAAAZAAAAGQAAAAAAAAAZAAAAGQAAAAVAAAAYAAAAAAAAAAAAAAADwAAACADAAAAAAAAAAAAAAEAAACgMgAAVgcAAKr4//8BAAAAf39/AAEAAABkAAAAAAAAABQAAABAHwAAAAAAACYAAAAAAAAAwOD//wAAAAAmAAAAZAAAABYAAABMAAAAAAAAAAAAAAAEAAAAAAAAAAEAAADn5uYKAAAAACgAAAAoAAAAZAAAAGQAAAAAAAAAzMzMAAAAAABQAAAAUAAAAGQAAABkAAAAAAAAABcAAAAUAAAAAAAAAAAAAAD/fwAA/38AAAAAAAAJAAAABAAAAAAAAAAeAAAAaAAAAAAAAAAAAAAAAAAAAAAAAAAAAAAAECcAABAnAAAAAAAAAAAAAAAAAAAAAAAAAAAAAAAAAAAAAAAAAAAAABQAAAAAAAAAwMD/AAAAAABkAAAAMgAAAAAAAABkAAAAAAAAAH9/fwAKAAAAIgAAABgAAAAAAAAAAAAAAAAAAAAAAAAAAAAAAAAAAAAkAAAAJAAAAAAAAAAHAAAAAAAAAAAAAAAAAAAAAAAAAAAAAAAAAAAAf39/ACUAAABYAAAAAAAAAAAAAAAAAAAAAAAAAAAAAAAAAAAAAAAAAAAAAAAAAAAAAAAAAAAAAAA/AAAAAAAAAKCGAQAAAAAAAAAAAAAAAAAMAAAAAQAAAAAAAAAAAAAAAAAAAB8AAABUAAAARHLEBf///wEAAAAAAAAAAAAAAAAAAAAAAAAAAAAAAAAAAAAAAAAAAAAAAAB/f38A5+bmA8zMzADAwP8Af39/AAAAAAAAAAAAAAAAAAAAAAAAAAAAIQAAABgAAAAUAAAA4zgAAH4EAACKOwAAxAYAAAAgAAAmAAAACAAAAP//////////MAAAABQAAAAAAAAAAAD//wAAAQAAAP//AAABAA=="/>
+                  <pr:smNativeData xmlns:pr="smNativeData" xmlns="smNativeData" val="SMDATA_16_FAWHYRMAAAAlAAAAZAAAAE0AAAAAkAAAAEgAAACQAAAASAAAAAAAAAAAAAAAAAAAAAEAAABQAAAAAAAAAAAA4D8AAAAAAADgPwAAAAAAAOA/AAAAAAAA4D8AAAAAAADgPwAAAAAAAOA/AAAAAAAA4D8AAAAAAADgPwAAAAAAAOA/AAAAAAAA4D8CAAAAjAAAAAAAAAAAAAAARHLEDP///wgAAAAAAAAAAAAAAAAAAAAAAAAAAAAAAAAAAAAAZAAAAAEAAABAAAAAAAAAAAAAAAAAAAAAAAAAAAAAAAAAAAAAAAAAAAAAAAAAAAAAAAAAAAAAAAAAAAAAAAAAAAAAAAAAAAAAAAAAAAAAAAAAAAAAAAAAAAAAAAAAAAAAFAAAADwAAAAAAAAAAAAAAAAAAAAPAAAAAQAAACMAAAAjAAAAIwAAAB4AAAAAAAAAZAAAAGQAAAAAAAAAZAAAAGQAAAAVAAAAYAAAAAAAAAAAAAAADwAAACADAAAAAAAAAAAAAAEAAACgMgAAVgcAAKr4//8BAAAAf39/AAEAAABkAAAAAAAAABQAAABAHwAAAAAAACYAAAAAAAAAwOD//wAAAAAmAAAAZAAAABYAAABMAAAAAAAAAAAAAAAEAAAAAAAAAAEAAADn5uYKAAAAACgAAAAoAAAAZAAAAGQAAAAAAAAAzMzMAAAAAABQAAAAUAAAAGQAAABkAAAAAAAAABcAAAAUAAAAAAAAAAAAAAD/fwAA/38AAAAAAAAJAAAABAAAAAAAAAAeAAAAaAAAAAAAAAAAAAAAAAAAAAAAAAAAAAAAECcAABAnAAAAAAAAAAAAAAAAAAAAAAAAAAAAAAAAAAAAAAAAAAAAABQAAAAAAAAAwMD/AAAAAABkAAAAMgAAAAAAAABkAAAAAAAAAH9/fwAKAAAAIgAAABgAAAAAAAAAAAAAAAAAAAAAAAAAAAAAAAAAAAAkAAAAJAAAAAAAAAAHAAAAAAAAAAAAAAAAAAAAAAAAAAAAAAAAAAAAf39/ACUAAABYAAAAAAAAAAAAAAAAAAAAAAAAAAAAAAAAAAAAAAAAAAAAAAAAAAAAAAAAAAAAAAA/AAAAAAAAAKCGAQAAAAAAAAAAAAAAAAAMAAAAAQAAAAAAAAAAAAAAAAAAAB8AAABUAAAARHLEBf///wEAAAAAAAAAAAAAAAAAAAAAAAAAAAAAAAAAAAAAAAAAAAAAAAB/f38A5+bmA8zMzADAwP8Af39/AAAAAAAAAAAAAAAAAAAAAAAAAAAAIQAAABgAAAAUAAAA4zgAAH4EAACKOwAAxAYAAAAgAAAmAAAACAAAAP//////////MAAAABQAAAAAAAAAAAD//wAAAQAAAP//AAABAA=="/>
                 </a:ext>
               </a:extLst>
             </p:cNvSpPr>
@@ -9053,11 +9034,11 @@
         </p:sp>
         <p:sp>
           <p:nvSpPr>
-            <p:cNvPr id="87" name="Oval 112"/>
+            <p:cNvPr id="86" name="Oval 112"/>
             <p:cNvSpPr>
               <a:extLst>
                 <a:ext uri="smNativeData">
-                  <pr:smNativeData xmlns:pr="smNativeData" xmlns="smNativeData" val="SMDATA_16_gfoFYRMAAAAlAAAAZgAAAA0AAAAAkAAAAEgAAACQAAAASAAAAAAAAAABAAAAAAAAAAEAAABQAAAAAAAAAAAA8D8AAAAAAADwPwAAAAAAAOA/AAAAAAAA4D8AAAAAAADgPwAAAAAAAOA/AAAAAAAA4D8AAAAAAADgPwAAAAAAAOA/AAAAAAAA4D8CAAAAjAAAAAAAAAAAAAAARHLEDP///wgAAAAAAAAAAAAAAAAAAAAAAAAAAAAAAAAAAAAAZAAAAAEAAABAAAAAAAAAAAAAAAAAAAAAAAAAAAAAAAAAAAAAAAAAAAAAAAAAAAAAAAAAAAAAAAAAAAAAAAAAAAAAAAAAAAAAAAAAAAAAAAAAAAAAAAAAAAAAAAAAAAAAFAAAADwAAAABAAAAAAAAAAAAAAkUAAAAAQAAABQAAAAUAAAAFAAAAAEAAAAAAAAAZAAAAGQAAAAAAAAAZAAAAGQAAAAVAAAAYAAAAAAAAAAAAAAADwAAACADAAAAAAAAAAAAAAEAAACgMgAAVgcAAKr4//8BAAAAf39/AAEAAABkAAAAAAAAABQAAABAHwAAAAAAACYAAAAAAAAAwOD//wAAAAAmAAAAZAAAABYAAABMAAAAAAAAAAAAAAAEAAAAAAAAAAEAAADn5uYKAAAAACgAAAAoAAAAZAAAAGQAAAAAAAAAzMzMAAAAAABQAAAAUAAAAGQAAABkAAAAAAAAABcAAAAUAAAAAAAAAAAAAAD/fwAA/38AAAAAAAAJAAAABAAAAAAAAAAeAAAAaAAAAAAAAAAAAAAAAAAAAAAAAAAAAAAAECcAABAnAAAAAAAAAAAAAAAAAAAAAAAAAAAAAAAAAAAAAAAAAAAAABQAAAAAAAAAwMD/AAAAAABkAAAAMgAAAAAAAABkAAAAAAAAAH9/fwAKAAAAIgAAABgAAAAAAAAAAAAAAAAAAAAAAAAAAAAAAAAAAAAkAAAAJAAAAAAAAAAHAAAAAAAAAAAAAAAAAAAAAAAAAAAAAAAAAAAAf39/ACUAAABYAAAAAAAAAAAAAAAAAAAAAAAAAAAAAAAAAAAAAAAAAAAAAAAAAAAAAAAAAAAAAAA/AAAAAAAAAKCGAQAAAAAAAAAAAAAAAAAMAAAAAQAAAAAAAAAAAAAAAAAAAB8AAABUAAAARHLEBf///wEAAAAAAAAAAAAAAAAAAAAAAAAAAAAAAAAAAAAAAAAAAAAAAAJ/f38A5+bmA8zMzADAwP8Af39/AAAAAAAAAAAAAAAAAAAAAAAAAAAAIQAAABgAAAAUAAAA4zgAAFkLAABUOQAAygsAAAAAAAAmAAAACAAAAP//////////MAAAABQAAAAAAAAA/Er//wS1AAD8Sv//BLUAAA=="/>
+                  <pr:smNativeData xmlns:pr="smNativeData" xmlns="smNativeData" val="SMDATA_16_FAWHYRMAAAAlAAAAZgAAAA0AAAAAkAAAAEgAAACQAAAASAAAAAAAAAABAAAAAAAAAAEAAABQAAAAAAAAAAAA8D8AAAAAAADwPwAAAAAAAOA/AAAAAAAA4D8AAAAAAADgPwAAAAAAAOA/AAAAAAAA4D8AAAAAAADgPwAAAAAAAOA/AAAAAAAA4D8CAAAAjAAAAAAAAAAAAAAARHLEDP///wgAAAAAAAAAAAAAAAAAAAAAAAAAAAAAAAAAAAAAZAAAAAEAAABAAAAAAAAAAAAAAAAAAAAAAAAAAAAAAAAAAAAAAAAAAAAAAAAAAAAAAAAAAAAAAAAAAAAAAAAAAAAAAAAAAAAAAAAAAAAAAAAAAAAAAAAAAAAAAAAAAAAAFAAAADwAAAABAAAAAAAAAAAAAAkUAAAAAQAAABQAAAAUAAAAFAAAAAEAAAAAAAAAZAAAAGQAAAAAAAAAZAAAAGQAAAAVAAAAYAAAAAAAAAAAAAAADwAAACADAAAAAAAAAAAAAAEAAACgMgAAVgcAAKr4//8BAAAAf39/AAEAAABkAAAAAAAAABQAAABAHwAAAAAAACYAAAAAAAAAwOD//wAAAAAmAAAAZAAAABYAAABMAAAAAAAAAAAAAAAEAAAAAAAAAAEAAADn5uYKAAAAACgAAAAoAAAAZAAAAGQAAAAAAAAAzMzMAAAAAABQAAAAUAAAAGQAAABkAAAAAAAAABcAAAAUAAAAAAAAAAAAAAD/fwAA/38AAAAAAAAJAAAABAAAAAAAAAAeAAAAaAAAAAAAAAAAAAAAAAAAAAAAAAAAAAAAECcAABAnAAAAAAAAAAAAAAAAAAAAAAAAAAAAAAAAAAAAAAAAAAAAABQAAAAAAAAAwMD/AAAAAABkAAAAMgAAAAAAAABkAAAAAAAAAH9/fwAKAAAAIgAAABgAAAAAAAAAAAAAAAAAAAAAAAAAAAAAAAAAAAAkAAAAJAAAAAAAAAAHAAAAAAAAAAAAAAAAAAAAAAAAAAAAAAAAAAAAf39/ACUAAABYAAAAAAAAAAAAAAAAAAAAAAAAAAAAAAAAAAAAAAAAAAAAAAAAAAAAAAAAAAAAAAA/AAAAAAAAAKCGAQAAAAAAAAAAAAAAAAAMAAAAAQAAAAAAAAAAAAAAAAAAAB8AAABUAAAARHLEBf///wEAAAAAAAAAAAAAAAAAAAAAAAAAAAAAAAAAAAAAAAAAAAAAAAJ/f38A5+bmA8zMzADAwP8Af39/AAAAAAAAAAAAAAAAAAAAAAAAAAAAIQAAABgAAAAUAAAA4zgAAFkLAABUOQAAygsAAAAAAAAmAAAACAAAAP//////////MAAAABQAAAAAAAAA/Er//wS1AAD8Sv//BLUAAA=="/>
                 </a:ext>
               </a:extLst>
             </p:cNvSpPr>
@@ -9099,11 +9080,11 @@
         </p:sp>
         <p:sp>
           <p:nvSpPr>
-            <p:cNvPr id="86" name="Straight Connector 113"/>
+            <p:cNvPr id="85" name="Straight Connector 113"/>
             <p:cNvSpPr>
               <a:extLst>
                 <a:ext uri="smNativeData">
-                  <pr:smNativeData xmlns:pr="smNativeData" xmlns="smNativeData" val="SMDATA_16_gfoFYRMAAAAlAAAACgAAAA0AAAAAkAAAAEgAAACQAAAASAAAAAAAAAAAAAAAAAAAAAEAAABQAAAAAAAAAAAA4D8AAAAAAADgPwAAAAAAAOA/AAAAAAAA4D8AAAAAAADgPwAAAAAAAOA/AAAAAAAA4D8AAAAAAADgPwAAAAAAAOA/AAAAAAAA4D8CAAAAjAAAAAAAAAAAAAAA////AP///wgAAAAAAAAAAAAAAAAAAAAAAAAAAAAAAAAAAAAAeAAAAAEAAABAAAAAAAAAAAAAAABaAAAAAAAAAAAAAAAAAAAAAAAAAAAAAAAAAAAAAAAAAAAAAAAAAAAAAAAAAAAAAAAAAAAAAAAAAAAAAAAAAAAAAAAAAAAAAAAAAAAAFAAAADwAAAABAAAAAAAAAAAAAAkKAAAAAQAAABQAAAAUAAAAFAAAAAEAAAACAAAAZAAAAGQAAAACAAAAZAAAAGQAAAAVAAAAYAAAAAAAAAAAAAAADwAAACADAAAAAAAAAAAAAAEAAACgMgAAVgcAAKr4//8BAAAAf39/AAEAAABkAAAAAAAAABQAAABAHwAAAAAAACYAAAAAAAAAwOD//wAAAAAmAAAAZAAAABYAAABMAAAAAAAAAAAAAAAEAAAAAAAAAAEAAADn5uYKAAAAACgAAAAoAAAAZAAAAGQAAAAAAAAAzMzMAAAAAABQAAAAUAAAAGQAAABkAAAAAAAAABcAAAAUAAAAAAAAAAAAAAD/fwAA/38AAAAAAAAJAAAABAAAAAAAAAAeAAAAaAAAAAAAAAAAAAAAAAAAAAAAAAAAAAAAECcAABAnAAAAAAAAAAAAAAAAAAAAAAAAAAAAAAAAAAAAAAAAAAAAABQAAAAAAAAAwMD/AAAAAABkAAAAMgAAAAAAAABkAAAAAAAAAH9/fwAKAAAAIgAAABgAAAAAAAAAAAAAAAAAAAAAAAAAAAAAAAAAAAAkAAAAJAAAAAAAAAAHAAAAAAAAAAAAAAAAAAAAAAAAAAAAAAAAAAAAf39/ACUAAABYAAAAAAAAAAAAAAAAAAAAAAAAAAAAAAAAAAAAAAAAAAAAAAAAAAAAAAAAAAAAAAA/AAAAAAAAAKCGAQAAAAAAAAAAAAAAAAAMAAAAAQAAAAAAAAAAAAAAAAAAAB8AAABUAAAA////AP///wEAAAAAAAAAAAAAAAAAAAAAAAAAAAAAAAAAAAAAAAAAAAAAAAJ/f38A5+bmA8zMzADAwP8Af39/AAAAAAAAAAAAAAAAAAAAAAAAAAAAIQAAABgAAAAUAAAAgzIAAIgLAAC1PwAAmwsAAAAAAAAmAAAACAAAAP//////////MAAAABQAAAAAAAAAAAD//wAAAQAAAP//AAABAA=="/>
+                  <pr:smNativeData xmlns:pr="smNativeData" xmlns="smNativeData" val="SMDATA_16_FAWHYRMAAAAlAAAACgAAAA0AAAAAkAAAAEgAAACQAAAASAAAAAAAAAAAAAAAAAAAAAEAAABQAAAAAAAAAAAA4D8AAAAAAADgPwAAAAAAAOA/AAAAAAAA4D8AAAAAAADgPwAAAAAAAOA/AAAAAAAA4D8AAAAAAADgPwAAAAAAAOA/AAAAAAAA4D8CAAAAjAAAAAAAAAAAAAAA////AP///wgAAAAAAAAAAAAAAAAAAAAAAAAAAAAAAAAAAAAAeAAAAAEAAABAAAAAAAAAAAAAAABaAAAAAAAAAAAAAAAAAAAAAAAAAAAAAAAAAAAAAAAAAAAAAAAAAAAAAAAAAAAAAAAAAAAAAAAAAAAAAAAAAAAAAAAAAAAAAAAAAAAAFAAAADwAAAABAAAAAAAAAAAAAAkKAAAAAQAAABQAAAAUAAAAFAAAAAEAAAACAAAAZAAAAGQAAAACAAAAZAAAAGQAAAAVAAAAYAAAAAAAAAAAAAAADwAAACADAAAAAAAAAAAAAAEAAACgMgAAVgcAAKr4//8BAAAAf39/AAEAAABkAAAAAAAAABQAAABAHwAAAAAAACYAAAAAAAAAwOD//wAAAAAmAAAAZAAAABYAAABMAAAAAAAAAAAAAAAEAAAAAAAAAAEAAADn5uYKAAAAACgAAAAoAAAAZAAAAGQAAAAAAAAAzMzMAAAAAABQAAAAUAAAAGQAAABkAAAAAAAAABcAAAAUAAAAAAAAAAAAAAD/fwAA/38AAAAAAAAJAAAABAAAAAAAAAAeAAAAaAAAAAAAAAAAAAAAAAAAAAAAAAAAAAAAECcAABAnAAAAAAAAAAAAAAAAAAAAAAAAAAAAAAAAAAAAAAAAAAAAABQAAAAAAAAAwMD/AAAAAABkAAAAMgAAAAAAAABkAAAAAAAAAH9/fwAKAAAAIgAAABgAAAAAAAAAAAAAAAAAAAAAAAAAAAAAAAAAAAAkAAAAJAAAAAAAAAAHAAAAAAAAAAAAAAAAAAAAAAAAAAAAAAAAAAAAf39/ACUAAABYAAAAAAAAAAAAAAAAAAAAAAAAAAAAAAAAAAAAAAAAAAAAAAAAAAAAAAAAAAAAAAA/AAAAAAAAAKCGAQAAAAAAAAAAAAAAAAAMAAAAAQAAAAAAAAAAAAAAAAAAAB8AAABUAAAA////AP///wEAAAAAAAAAAAAAAAAAAAAAAAAAAAAAAAAAAAAAAAAAAAAAAAJ/f38A5+bmA8zMzADAwP8Af39/AAAAAAAAAAAAAAAAAAAAAAAAAAAAIQAAABgAAAAUAAAAgzIAAIgLAAC1PwAAmwsAAAAAAAAmAAAACAAAAP//////////MAAAABQAAAAAAAAAAAD//wAAAQAAAP//AAABAA=="/>
                 </a:ext>
               </a:extLst>
             </p:cNvSpPr>
@@ -9131,11 +9112,11 @@
         </p:sp>
         <p:sp>
           <p:nvSpPr>
-            <p:cNvPr id="85" name="Straight Connector 114"/>
+            <p:cNvPr id="84" name="Straight Connector 114"/>
             <p:cNvSpPr>
               <a:extLst>
                 <a:ext uri="smNativeData">
-                  <pr:smNativeData xmlns:pr="smNativeData" xmlns="smNativeData" val="SMDATA_16_gfoFYRMAAAAlAAAACgAAAA0AAAAAkAAAAEgAAACQAAAASAAAAAAAAAAAAAAAAAAAAAEAAABQAAAAAAAAAAAA4D8AAAAAAADgPwAAAAAAAOA/AAAAAAAA4D8AAAAAAADgPwAAAAAAAOA/AAAAAAAA4D8AAAAAAADgPwAAAAAAAOA/AAAAAAAA4D8CAAAAjAAAAAAAAAAAAAAA////AP///wgAAAAAAAAAAAAAAAAAAAAAAAAAAAAAAAAAAAAAeAAAAAEAAABAAAAAAAAAAAAAAABaAAAAAAAAAAAAAAAAAAAAAAAAAAAAAAAAAAAAAAAAAAAAAAAAAAAAAAAAAAAAAAAAAAAAAAAAAAAAAAAAAAAAAAAAAAAAAAAAAAAAFAAAADwAAAABAAAAAAAAAAAAAAkKAAAAAQAAABQAAAAUAAAAFAAAAAEAAAACAAAAZAAAAGQAAAACAAAAZAAAAGQAAAAVAAAAYAAAAAAAAAAAAAAADwAAACADAAAAAAAAAAAAAAEAAACgMgAAVgcAAKr4//8BAAAAf39/AAEAAABkAAAAAAAAABQAAABAHwAAAAAAACYAAAAAAAAAwOD//wAAAAAmAAAAZAAAABYAAABMAAAAAAAAAAAAAAAEAAAAAAAAAAEAAADn5uYKAAAAACgAAAAoAAAAZAAAAGQAAAAAAAAAzMzMAAAAAABQAAAAUAAAAGQAAABkAAAAAAAAABcAAAAUAAAAAAAAAAAAAAD/fwAA/38AAAAAAAAJAAAABAAAAAAAAAAeAAAAaAAAAAAAAAAAAAAAAAAAAAAAAAAAAAAAECcAABAnAAAAAAAAAAAAAAAAAAAAAAAAAAAAAAAAAAAAAAAAAAAAABQAAAAAAAAAwMD/AAAAAABkAAAAMgAAAAAAAABkAAAAAAAAAH9/fwAKAAAAIgAAABgAAAAAAAAAAAAAAAAAAAAAAAAAAAAAAAAAAAAkAAAAJAAAAAAAAAAHAAAAAAAAAAAAAAAAAAAAAAAAAAAAAAAAAAAAf39/ACUAAABYAAAAAAAAAAAAAAAAAAAAAAAAAAAAAAAAAAAAAAAAAAAAAAAAAAAAAAAAAAAAAAA/AAAAAAAAAKCGAQAAAAAAAAAAAAAAAAAMAAAAAQAAAAAAAAAAAAAAAAAAAB8AAABUAAAA////AP///wEAAAAAAAAAAAAAAAAAAAAAAAAAAAAAAAAAAAAAAAAAAAAAAAJ/f38A5+bmA8zMzADAwP8Af39/AAAAAAAAAAAAAAAAAAAAAAAAAAAAIQAAABgAAAAUAAAAHDkAACUFAAAcOQAA/xEAAAAAAAAmAAAACAAAAP//////////MAAAABQAAAAAAAAAAAD//wAAAQAAAP//AAABAA=="/>
+                  <pr:smNativeData xmlns:pr="smNativeData" xmlns="smNativeData" val="SMDATA_16_FAWHYRMAAAAlAAAACgAAAA0AAAAAkAAAAEgAAACQAAAASAAAAAAAAAAAAAAAAAAAAAEAAABQAAAAAAAAAAAA4D8AAAAAAADgPwAAAAAAAOA/AAAAAAAA4D8AAAAAAADgPwAAAAAAAOA/AAAAAAAA4D8AAAAAAADgPwAAAAAAAOA/AAAAAAAA4D8CAAAAjAAAAAAAAAAAAAAA////AP///wgAAAAAAAAAAAAAAAAAAAAAAAAAAAAAAAAAAAAAeAAAAAEAAABAAAAAAAAAAAAAAABaAAAAAAAAAAAAAAAAAAAAAAAAAAAAAAAAAAAAAAAAAAAAAAAAAAAAAAAAAAAAAAAAAAAAAAAAAAAAAAAAAAAAAAAAAAAAAAAAAAAAFAAAADwAAAABAAAAAAAAAAAAAAkKAAAAAQAAABQAAAAUAAAAFAAAAAEAAAACAAAAZAAAAGQAAAACAAAAZAAAAGQAAAAVAAAAYAAAAAAAAAAAAAAADwAAACADAAAAAAAAAAAAAAEAAACgMgAAVgcAAKr4//8BAAAAf39/AAEAAABkAAAAAAAAABQAAABAHwAAAAAAACYAAAAAAAAAwOD//wAAAAAmAAAAZAAAABYAAABMAAAAAAAAAAAAAAAEAAAAAAAAAAEAAADn5uYKAAAAACgAAAAoAAAAZAAAAGQAAAAAAAAAzMzMAAAAAABQAAAAUAAAAGQAAABkAAAAAAAAABcAAAAUAAAAAAAAAAAAAAD/fwAA/38AAAAAAAAJAAAABAAAAAAAAAAeAAAAaAAAAAAAAAAAAAAAAAAAAAAAAAAAAAAAECcAABAnAAAAAAAAAAAAAAAAAAAAAAAAAAAAAAAAAAAAAAAAAAAAABQAAAAAAAAAwMD/AAAAAABkAAAAMgAAAAAAAABkAAAAAAAAAH9/fwAKAAAAIgAAABgAAAAAAAAAAAAAAAAAAAAAAAAAAAAAAAAAAAAkAAAAJAAAAAAAAAAHAAAAAAAAAAAAAAAAAAAAAAAAAAAAAAAAAAAAf39/ACUAAABYAAAAAAAAAAAAAAAAAAAAAAAAAAAAAAAAAAAAAAAAAAAAAAAAAAAAAAAAAAAAAAA/AAAAAAAAAKCGAQAAAAAAAAAAAAAAAAAMAAAAAQAAAAAAAAAAAAAAAAAAAB8AAABUAAAA////AP///wEAAAAAAAAAAAAAAAAAAAAAAAAAAAAAAAAAAAAAAAAAAAAAAAJ/f38A5+bmA8zMzADAwP8Af39/AAAAAAAAAAAAAAAAAAAAAAAAAAAAIQAAABgAAAAUAAAAHDkAACUFAAAcOQAA/xEAAAAAAAAmAAAACAAAAP//////////MAAAABQAAAAAAAAAAAD//wAAAQAAAP//AAABAA=="/>
                 </a:ext>
               </a:extLst>
             </p:cNvSpPr>
@@ -9163,11 +9144,11 @@
         </p:sp>
         <p:sp>
           <p:nvSpPr>
-            <p:cNvPr id="84" name="Arrow: Curved Right 115"/>
+            <p:cNvPr id="83" name="Arrow: Curved Right 115"/>
             <p:cNvSpPr>
               <a:extLst>
                 <a:ext uri="smNativeData">
-                  <pr:smNativeData xmlns:pr="smNativeData" xmlns="smNativeData" val="SMDATA_16_gfoFYRMAAAAlAAAA1AAAAA0AAAAAkAAAAEgAAACQAAAASAAAAAAAAAABAAAAAAAAAAEAAABQAAAAmpmZmZmZuT8AAAAAAADoP5qZmZmZmdk/AAAAAAAA4D8AAAAAAADgPwAAAAAAAOA/AAAAAAAA4D8AAAAAAADgPwAAAAAAAOA/AAAAAAAA4D8CAAAAjAAAAAEAAAAAAAAAAAAACf///wgAAAAAAAAAAAAAAAAAAAAAAAAAAAAAAAAAAAAAZAAAAAEAAABAAAAAAAAAAAAAAAAAAAAAAAAAAAAAAAAAAAAAAAAAAAAAAAAAAAAAAAAAAAAAAAAAAAAAAAAAAAAAAAAAAAAAAAAAAAAAAAAAAAAAAAAAAAAAAAAAAAAAFAAAADwAAAAAAAAAAAAAADJVkQAUAAAAAQAAABQAAAAUAAAAFAAAAAEAAAAAAAAAZAAAAGQAAAAAAAAAZAAAAGQAAAAVAAAAYAAAAAAAAAAAAAAADwAAACADAAAAAAAAAAAAAAEAAACgMgAAVgcAAKr4//8BAAAAf39/AAEAAABkAAAAAAAAABQAAABAHwAAAAAAACYAAAAAAAAAwOD//wAAAAAmAAAAZAAAABYAAABMAAAAAAAAAAAAAAAEAAAAAAAAAAEAAADn5uYKAAAAACgAAAAoAAAAZAAAAGQAAAAAAAAAzMzMAAAAAABQAAAAUAAAAGQAAABkAAAAAAAAABcAAAAUAAAAAAAAAAAAAAD/fwAA/38AAAAAAAAJAAAABAAAAAAAAAAeAAAAaAAAAAAAAAAAAAAAAAAAAAAAAAAAAAAAECcAABAnAAAAAAAAAAAAAAAAAAAAAAAAAAAAAAAAAAAAAAAAAAAAABQAAAAAAAAAwMD/AAAAAABkAAAAMgAAAAAAAABkAAAAAAAAAH9/fwAKAAAAIgAAABgAAAAAAAAAAAAAAAAAAAAAAAAAAAAAAAAAAAAkAAAAJAAAAAAAAAAHAAAAAAAAAAAAAAAAAAAAAAAAAAAAAAAAAAAAf39/ACUAAABYAAAAAAAAAAAAAAAAAAAAAAAAAAAAAAAAAAAAAAAAAAAAAAAAAAAAAAAAAAAAAAA/AAAAAAAAAKCGAQAAAAAAAAAAAAAAAAAMAAAAAQAAAAAAAAAAAAAAAAAAAB8AAABUAAAAAAAAAv///wEAAAAAAAAAAAAAAAAAAAAAAAAAAAAAAAAAAAAAAAAAADJVkQB/f38A5+bmA8zMzADAwP8Af39/AAAAAAAAAAAAAAAAAAAAAAAAAAAAIQAAABgAAAAUAAAArDcAAIwKAACOOAAAwwwAAAAAAAAmAAAACAAAAP//////////MAAAABQAAAAAAAAA/Er//wS1AAA7aP//xZcAAA=="/>
+                  <pr:smNativeData xmlns:pr="smNativeData" xmlns="smNativeData" val="SMDATA_16_FAWHYRMAAAAlAAAA1AAAAA0AAAAAkAAAAEgAAACQAAAASAAAAAAAAAABAAAAAAAAAAEAAABQAAAAmpmZmZmZuT8AAAAAAADoP5qZmZmZmdk/AAAAAAAA4D8AAAAAAADgPwAAAAAAAOA/AAAAAAAA4D8AAAAAAADgPwAAAAAAAOA/AAAAAAAA4D8CAAAAjAAAAAEAAAAAAAAAAAAACf///wgAAAAAAAAAAAAAAAAAAAAAAAAAAAAAAAAAAAAAZAAAAAEAAABAAAAAAAAAAAAAAAAAAAAAAAAAAAAAAAAAAAAAAAAAAAAAAAAAAAAAAAAAAAAAAAAAAAAAAAAAAAAAAAAAAAAAAAAAAAAAAAAAAAAAAAAAAAAAAAAAAAAAFAAAADwAAAAAAAAAAAAAADJVkQAUAAAAAQAAABQAAAAUAAAAFAAAAAEAAAAAAAAAZAAAAGQAAAAAAAAAZAAAAGQAAAAVAAAAYAAAAAAAAAAAAAAADwAAACADAAAAAAAAAAAAAAEAAACgMgAAVgcAAKr4//8BAAAAf39/AAEAAABkAAAAAAAAABQAAABAHwAAAAAAACYAAAAAAAAAwOD//wAAAAAmAAAAZAAAABYAAABMAAAAAAAAAAAAAAAEAAAAAAAAAAEAAADn5uYKAAAAACgAAAAoAAAAZAAAAGQAAAAAAAAAzMzMAAAAAABQAAAAUAAAAGQAAABkAAAAAAAAABcAAAAUAAAAAAAAAAAAAAD/fwAA/38AAAAAAAAJAAAABAAAAAAAAAAeAAAAaAAAAAAAAAAAAAAAAAAAAAAAAAAAAAAAECcAABAnAAAAAAAAAAAAAAAAAAAAAAAAAAAAAAAAAAAAAAAAAAAAABQAAAAAAAAAwMD/AAAAAABkAAAAMgAAAAAAAABkAAAAAAAAAH9/fwAKAAAAIgAAABgAAAAAAAAAAAAAAAAAAAAAAAAAAAAAAAAAAAAkAAAAJAAAAAAAAAAHAAAAAAAAAAAAAAAAAAAAAAAAAAAAAAAAAAAAf39/ACUAAABYAAAAAAAAAAAAAAAAAAAAAAAAAAAAAAAAAAAAAAAAAAAAAAAAAAAAAAAAAAAAAAA/AAAAAAAAAKCGAQAAAAAAAAAAAAAAAAAMAAAAAQAAAAAAAAAAAAAAAAAAAB8AAABUAAAAAAAAAv///wEAAAAAAAAAAAAAAAAAAAAAAAAAAAAAAAAAAAAAAAAAADJVkQB/f38A5+bmA8zMzADAwP8Af39/AAAAAAAAAAAAAAAAAAAAAAAAAAAAIQAAABgAAAAUAAAArDcAAIwKAACOOAAAwwwAAAAAAAAmAAAACAAAAP//////////MAAAABQAAAAAAAAA/Er//wS1AAA7aP//xZcAAA=="/>
                 </a:ext>
               </a:extLst>
             </p:cNvSpPr>
@@ -9214,11 +9195,11 @@
         </p:sp>
         <p:sp>
           <p:nvSpPr>
-            <p:cNvPr id="83" name="Arrow: Curved Left 116"/>
+            <p:cNvPr id="82" name="Arrow: Curved Left 116"/>
             <p:cNvSpPr>
               <a:extLst>
                 <a:ext uri="smNativeData">
-                  <pr:smNativeData xmlns:pr="smNativeData" xmlns="smNativeData" val="SMDATA_16_gfoFYRMAAAAlAAAA1QAAAA0AAAAAkAAAAEgAAACQAAAASAAAAAAAAAABAAAAAAAAAAEAAABQAAAAkt4dqTFAuT8AAAAAAADoP8qsvAU9QNk/AAAAAAAA4D8AAAAAAADgPwAAAAAAAOA/AAAAAAAA4D8AAAAAAADgPwAAAAAAAOA/AAAAAAAA4D8CAAAAjAAAAAEAAAAAAAAAAAAACf///wgAAAAAAAAAAAAAAAAAAAAAAAAAAAAAAAAAAAAAZAAAAAEAAABAAAAAAAAAAAAAAAAAAAAAAAAAAAAAAAAAAAAAAAAAAAAAAAAAAAAAAAAAAAAAAAAAAAAAAAAAAAAAAAAAAAAAAAAAAAAAAAAAAAAAAAAAAAAAAAAAAAAAFAAAADwAAAAAAAAAAAAAADJVkQAUAAAAAQAAABQAAAAUAAAAFAAAAAEAAAAAAAAAZAAAAGQAAAAAAAAAZAAAAGQAAAAVAAAAYAAAAAAAAAAAAAAADwAAACADAAAAAAAAAAAAAAEAAACgMgAAVgcAAKr4//8BAAAAf39/AAEAAABkAAAAAAAAABQAAABAHwAAAAAAACYAAAAAAAAAwOD//wAAAAAmAAAAZAAAABYAAABMAAAAAAAAAAAAAAAEAAAAAAAAAAEAAADn5uYKAAAAACgAAAAoAAAAZAAAAGQAAAAAAAAAzMzMAAAAAABQAAAAUAAAAGQAAABkAAAAAAAAABcAAAAUAAAAAAAAAAAAAAD/fwAA/38AAAAAAAAJAAAABAAAAAAAAAAeAAAAaAAAAAAAAAAAAAAAAAAAAAAAAAAAAAAAECcAABAnAAAAAAAAAAAAAAAAAAAAAAAAAAAAAAAAAAAAAAAAAAAAABQAAAAAAAAAwMD/AAAAAABkAAAAMgAAAAAAAABkAAAAAAAAAH9/fwAKAAAAIgAAABgAAAAAAAAAAAAAAAAAAAAAAAAAAAAAAAAAAAAkAAAAJAAAAAAAAAAHAAAAAAAAAAAAAAAAAAAAAAAAAAAAAAAAAAAAf39/ACUAAABYAAAAAAAAAAAAAAAAAAAAAAAAAAAAAAAAAAAAAAAAAAAAAAAAAAAAAAAAAAAAAAA/AAAAAAAAAKCGAQAAAAAAAAAAAAAAAAAMAAAAAQAAAAAAAAAAAAAAAAAAAB8AAABUAAAAAAAAAv///wEAAAAAAAAAAAAAAAAAAAAAAAAAAAAAAAAAAAAAAAAAADJVkQB/f38A5+bmA8zMzADAwP8Af39/AAAAAAAAAAAAAAAAAAAAAAAAAAAAIQAAABgAAAAUAAAAqDkAAIwKAACIOgAAwwwAAAAAAAAmAAAACAAAAP//////////MAAAABQAAAAAAAAA/Er//wS1AAB8aP//hJcAAA=="/>
+                  <pr:smNativeData xmlns:pr="smNativeData" xmlns="smNativeData" val="SMDATA_16_FAWHYRMAAAAlAAAA1QAAAA0AAAAAkAAAAEgAAACQAAAASAAAAAAAAAABAAAAAAAAAAEAAABQAAAAkt4dqTFAuT8AAAAAAADoP8qsvAU9QNk/AAAAAAAA4D8AAAAAAADgPwAAAAAAAOA/AAAAAAAA4D8AAAAAAADgPwAAAAAAAOA/AAAAAAAA4D8CAAAAjAAAAAEAAAAAAAAAAAAACf///wgAAAAAAAAAAAAAAAAAAAAAAAAAAAAAAAAAAAAAZAAAAAEAAABAAAAAAAAAAAAAAAAAAAAAAAAAAAAAAAAAAAAAAAAAAAAAAAAAAAAAAAAAAAAAAAAAAAAAAAAAAAAAAAAAAAAAAAAAAAAAAAAAAAAAAAAAAAAAAAAAAAAAFAAAADwAAAAAAAAAAAAAADJVkQAUAAAAAQAAABQAAAAUAAAAFAAAAAEAAAAAAAAAZAAAAGQAAAAAAAAAZAAAAGQAAAAVAAAAYAAAAAAAAAAAAAAADwAAACADAAAAAAAAAAAAAAEAAACgMgAAVgcAAKr4//8BAAAAf39/AAEAAABkAAAAAAAAABQAAABAHwAAAAAAACYAAAAAAAAAwOD//wAAAAAmAAAAZAAAABYAAABMAAAAAAAAAAAAAAAEAAAAAAAAAAEAAADn5uYKAAAAACgAAAAoAAAAZAAAAGQAAAAAAAAAzMzMAAAAAABQAAAAUAAAAGQAAABkAAAAAAAAABcAAAAUAAAAAAAAAAAAAAD/fwAA/38AAAAAAAAJAAAABAAAAAAAAAAeAAAAaAAAAAAAAAAAAAAAAAAAAAAAAAAAAAAAECcAABAnAAAAAAAAAAAAAAAAAAAAAAAAAAAAAAAAAAAAAAAAAAAAABQAAAAAAAAAwMD/AAAAAABkAAAAMgAAAAAAAABkAAAAAAAAAH9/fwAKAAAAIgAAABgAAAAAAAAAAAAAAAAAAAAAAAAAAAAAAAAAAAAkAAAAJAAAAAAAAAAHAAAAAAAAAAAAAAAAAAAAAAAAAAAAAAAAAAAAf39/ACUAAABYAAAAAAAAAAAAAAAAAAAAAAAAAAAAAAAAAAAAAAAAAAAAAAAAAAAAAAAAAAAAAAA/AAAAAAAAAKCGAQAAAAAAAAAAAAAAAAAMAAAAAQAAAAAAAAAAAAAAAAAAAB8AAABUAAAAAAAAAv///wEAAAAAAAAAAAAAAAAAAAAAAAAAAAAAAAAAAAAAAAAAADJVkQB/f38A5+bmA8zMzADAwP8Af39/AAAAAAAAAAAAAAAAAAAAAAAAAAAAIQAAABgAAAAUAAAAqDkAAIwKAACIOgAAwwwAAAAAAAAmAAAACAAAAP//////////MAAAABQAAAAAAAAA/Er//wS1AAB8aP//hJcAAA=="/>
                 </a:ext>
               </a:extLst>
             </p:cNvSpPr>
@@ -9265,11 +9246,11 @@
         </p:sp>
         <p:sp>
           <p:nvSpPr>
-            <p:cNvPr id="82" name="TextBox 117"/>
+            <p:cNvPr id="81" name="TextBox 117"/>
             <p:cNvSpPr>
               <a:extLst>
                 <a:ext uri="smNativeData">
-                  <pr:smNativeData xmlns:pr="smNativeData" xmlns="smNativeData" val="SMDATA_16_gfoFYRMAAAAlAAAAZAAAAE0AAAAAkAAAAEgAAACQAAAASAAAAAAAAAAAAAAAAAAAAAEAAABQAAAAAAAAAAAA4D8AAAAAAADgPwAAAAAAAOA/AAAAAAAA4D8AAAAAAADgPwAAAAAAAOA/AAAAAAAA4D8AAAAAAADgPwAAAAAAAOA/AAAAAAAA4D8CAAAAjAAAAAAAAAAAAAAARHLEDP///wgAAAAAAAAAAAAAAAAAAAAAAAAAAAAAAAAAAAAAZAAAAAEAAABAAAAAAAAAAAAAAAAAAAAAAAAAAAAAAAAAAAAAAAAAAAAAAAAAAAAAAAAAAAAAAAAAAAAAAAAAAAAAAAAAAAAAAAAAAAAAAAAAAAAAAAAAAAAAAAAAAAAAFAAAADwAAAAAAAAAAAAAAAAAAAAPAAAAAQAAACMAAAAjAAAAIwAAAB4AAAAAAAAAZAAAAGQAAAAAAAAAZAAAAGQAAAAVAAAAYAAAAAAAAAAAAAAADwAAACADAAAAAAAAAAAAAAEAAACgMgAAVgcAAKr4//8BAAAAf39/AAEAAABkAAAAAAAAABQAAABAHwAAAAAAACYAAAAAAAAAwOD//wAAAAAmAAAAZAAAABYAAABMAAAAAAAAAAAAAAAEAAAAAAAAAAEAAADn5uYKAAAAACgAAAAoAAAAZAAAAGQAAAAAAAAAzMzMAAAAAABQAAAAUAAAAGQAAABkAAAAAAAAABcAAAAUAAAAAAAAAAAAAAD/fwAA/38AAAAAAAAJAAAABAAAAEgBAAAeAAAAaAAAAAAAAAAAAAAAAAAAAAAAAAAAAAAAECcAABAnAAAAAAAAAAAAAAAAAAAAAAAAAAAAAAAAAAAAAAAAAAAAABQAAAAAAAAAwMD/AAAAAABkAAAAMgAAAAAAAABkAAAAAAAAAH9/fwAKAAAAIgAAABgAAAAAAAAAAAAAAAAAAAAAAAAAAAAAAAAAAAAkAAAAJAAAAAAAAAAHAAAAAAAAAAAAAAAAAAAAAAAAAAAAAAAAAAAAf39/ACUAAABYAAAAAAAAAAAAAAAAAAAAAAAAAAAAAAAAAAAAAAAAAAAAAAAAAAAAAAAAAAAAAAA/AAAAAAAAAKCGAQAAAAAAAAAAAAAAAAAMAAAAAQAAAAAAAAAAAAAAAAAAAB8AAABUAAAARHLEBf///wEAAAAAAAAAAAAAAAAAAAAAAAAAAAAAAAAAAAAAAAAAAAAAAAB/f38A5+bmA8zMzADAwP8Af39/AAAAAAAAAAAAAAAAAAAAAAAAAAAAIQAAABgAAAAUAAAA2jkAAHAJAACvPAAAtQsAAAAgAAAmAAAACAAAAP//////////MAAAABQAAAAAAAAAAAD//wAAAQAAAP//AAABAA=="/>
+                  <pr:smNativeData xmlns:pr="smNativeData" xmlns="smNativeData" val="SMDATA_16_FAWHYRMAAAAlAAAAZAAAAE0AAAAAkAAAAEgAAACQAAAASAAAAAAAAAAAAAAAAAAAAAEAAABQAAAAAAAAAAAA4D8AAAAAAADgPwAAAAAAAOA/AAAAAAAA4D8AAAAAAADgPwAAAAAAAOA/AAAAAAAA4D8AAAAAAADgPwAAAAAAAOA/AAAAAAAA4D8CAAAAjAAAAAAAAAAAAAAARHLEDP///wgAAAAAAAAAAAAAAAAAAAAAAAAAAAAAAAAAAAAAZAAAAAEAAABAAAAAAAAAAAAAAAAAAAAAAAAAAAAAAAAAAAAAAAAAAAAAAAAAAAAAAAAAAAAAAAAAAAAAAAAAAAAAAAAAAAAAAAAAAAAAAAAAAAAAAAAAAAAAAAAAAAAAFAAAADwAAAAAAAAAAAAAAAAAAAAPAAAAAQAAACMAAAAjAAAAIwAAAB4AAAAAAAAAZAAAAGQAAAAAAAAAZAAAAGQAAAAVAAAAYAAAAAAAAAAAAAAADwAAACADAAAAAAAAAAAAAAEAAACgMgAAVgcAAKr4//8BAAAAf39/AAEAAABkAAAAAAAAABQAAABAHwAAAAAAACYAAAAAAAAAwOD//wAAAAAmAAAAZAAAABYAAABMAAAAAAAAAAAAAAAEAAAAAAAAAAEAAADn5uYKAAAAACgAAAAoAAAAZAAAAGQAAAAAAAAAzMzMAAAAAABQAAAAUAAAAGQAAABkAAAAAAAAABcAAAAUAAAAAAAAAAAAAAD/fwAA/38AAAAAAAAJAAAABAAAAEgBAAAeAAAAaAAAAAAAAAAAAAAAAAAAAAAAAAAAAAAAECcAABAnAAAAAAAAAAAAAAAAAAAAAAAAAAAAAAAAAAAAAAAAAAAAABQAAAAAAAAAwMD/AAAAAABkAAAAMgAAAAAAAABkAAAAAAAAAH9/fwAKAAAAIgAAABgAAAAAAAAAAAAAAAAAAAAAAAAAAAAAAAAAAAAkAAAAJAAAAAAAAAAHAAAAAAAAAAAAAAAAAAAAAAAAAAAAAAAAAAAAf39/ACUAAABYAAAAAAAAAAAAAAAAAAAAAAAAAAAAAAAAAAAAAAAAAAAAAAAAAAAAAAAAAAAAAAA/AAAAAAAAAKCGAQAAAAAAAAAAAAAAAAAMAAAAAQAAAAAAAAAAAAAAAAAAAB8AAABUAAAARHLEBf///wEAAAAAAAAAAAAAAAAAAAAAAAAAAAAAAAAAAAAAAAAAAAAAAAB/f38A5+bmA8zMzADAwP8Af39/AAAAAAAAAAAAAAAAAAAAAAAAAAAAIQAAABgAAAAUAAAA2jkAAHAJAACvPAAAtQsAAAAgAAAmAAAACAAAAP//////////MAAAABQAAAAAAAAAAAD//wAAAQAAAP//AAABAA=="/>
                 </a:ext>
               </a:extLst>
             </p:cNvSpPr>
@@ -9310,11 +9291,11 @@
         </p:sp>
         <p:sp>
           <p:nvSpPr>
-            <p:cNvPr id="81" name="TextBox 126"/>
+            <p:cNvPr id="80" name="TextBox 126"/>
             <p:cNvSpPr>
               <a:extLst>
                 <a:ext uri="smNativeData">
-                  <pr:smNativeData xmlns:pr="smNativeData" xmlns="smNativeData" val="SMDATA_16_gfoFYRMAAAAlAAAAZAAAAE0AAAAAkAAAAEgAAACQAAAASAAAAAAAAAAAAAAAAAAAAAEAAABQAAAAAAAAAAAA4D8AAAAAAADgPwAAAAAAAOA/AAAAAAAA4D8AAAAAAADgPwAAAAAAAOA/AAAAAAAA4D8AAAAAAADgPwAAAAAAAOA/AAAAAAAA4D8CAAAAjAAAAAAAAAAAAAAARHLEDP///wgAAAAAAAAAAAAAAAAAAAAAAAAAAAAAAAAAAAAAZAAAAAEAAABAAAAAAAAAAAAAAAAAAAAAAAAAAAAAAAAAAAAAAAAAAAAAAAAAAAAAAAAAAAAAAAAAAAAAAAAAAAAAAAAAAAAAAAAAAAAAAAAAAAAAAAAAAAAAAAAAAAAAFAAAADwAAAAAAAAAAAAAAAAAAAAPAAAAAQAAACMAAAAjAAAAIwAAAB4AAAAAAAAAZAAAAGQAAAAAAAAAZAAAAGQAAAAVAAAAYAAAAAAAAAAAAAAADwAAACADAAAAAAAAAAAAAAEAAACgMgAAVgcAAKr4//8BAAAAf39/AAEAAABkAAAAAAAAABQAAABAHwAAAAAAACYAAAAAAAAAwOD//wAAAAAmAAAAZAAAABYAAABMAAAAAAAAAAAAAAAEAAAAAAAAAAEAAADn5uYKAAAAACgAAAAoAAAAZAAAAGQAAAAAAAAAzMzMAAAAAABQAAAAUAAAAGQAAABkAAAAAAAAABcAAAAUAAAAAAAAAAAAAAD/fwAA/38AAAAAAAAJAAAABAAAAAAAAAAeAAAAaAAAAAAAAAAAAAAAAAAAAAAAAAAAAAAAECcAABAnAAAAAAAAAAAAAAAAAAAAAAAAAAAAAAAAAAAAAAAAAAAAABQAAAAAAAAAwMD/AAAAAABkAAAAMgAAAAAAAABkAAAAAAAAAH9/fwAKAAAAIgAAABgAAAAAAAAAAAAAAAAAAAAAAAAAAAAAAAAAAAAkAAAAJAAAAAAAAAAHAAAAAAAAAAAAAAAAAAAAAAAAAAAAAAAAAAAAf39/ACUAAABYAAAAAAAAAAAAAAAAAAAAAAAAAAAAAAAAAAAAAAAAAAAAAAAAAAAAAAAAAAAAAAA/AAAAAAAAAKCGAQAAAAAAAAAAAAAAAAAMAAAAAQAAAAAAAAAAAAAAAAAAAB8AAABUAAAARHLEBf///wEAAAAAAAAAAAAAAAAAAAAAAAAAAAAAAAAAAAAAAAAAAAAAAAB/f38A5+bmA8zMzADAwP8Af39/AAAAAAAAAAAAAAAAAAAAAAAAAAAAIQAAABgAAAAUAAAAwDUAAHAJAABPOAAAtQsAAAAgAAAmAAAACAAAAP//////////MAAAABQAAAAAAAAAAAD//wAAAQAAAP//AAABAA=="/>
+                  <pr:smNativeData xmlns:pr="smNativeData" xmlns="smNativeData" val="SMDATA_16_FAWHYRMAAAAlAAAAZAAAAE0AAAAAkAAAAEgAAACQAAAASAAAAAAAAAAAAAAAAAAAAAEAAABQAAAAAAAAAAAA4D8AAAAAAADgPwAAAAAAAOA/AAAAAAAA4D8AAAAAAADgPwAAAAAAAOA/AAAAAAAA4D8AAAAAAADgPwAAAAAAAOA/AAAAAAAA4D8CAAAAjAAAAAAAAAAAAAAARHLEDP///wgAAAAAAAAAAAAAAAAAAAAAAAAAAAAAAAAAAAAAZAAAAAEAAABAAAAAAAAAAAAAAAAAAAAAAAAAAAAAAAAAAAAAAAAAAAAAAAAAAAAAAAAAAAAAAAAAAAAAAAAAAAAAAAAAAAAAAAAAAAAAAAAAAAAAAAAAAAAAAAAAAAAAFAAAADwAAAAAAAAAAAAAAAAAAAAPAAAAAQAAACMAAAAjAAAAIwAAAB4AAAAAAAAAZAAAAGQAAAAAAAAAZAAAAGQAAAAVAAAAYAAAAAAAAAAAAAAADwAAACADAAAAAAAAAAAAAAEAAACgMgAAVgcAAKr4//8BAAAAf39/AAEAAABkAAAAAAAAABQAAABAHwAAAAAAACYAAAAAAAAAwOD//wAAAAAmAAAAZAAAABYAAABMAAAAAAAAAAAAAAAEAAAAAAAAAAEAAADn5uYKAAAAACgAAAAoAAAAZAAAAGQAAAAAAAAAzMzMAAAAAABQAAAAUAAAAGQAAABkAAAAAAAAABcAAAAUAAAAAAAAAAAAAAD/fwAA/38AAAAAAAAJAAAABAAAAAAAAAAeAAAAaAAAAAAAAAAAAAAAAAAAAAAAAAAAAAAAECcAABAnAAAAAAAAAAAAAAAAAAAAAAAAAAAAAAAAAAAAAAAAAAAAABQAAAAAAAAAwMD/AAAAAABkAAAAMgAAAAAAAABkAAAAAAAAAH9/fwAKAAAAIgAAABgAAAAAAAAAAAAAAAAAAAAAAAAAAAAAAAAAAAAkAAAAJAAAAAAAAAAHAAAAAAAAAAAAAAAAAAAAAAAAAAAAAAAAAAAAf39/ACUAAABYAAAAAAAAAAAAAAAAAAAAAAAAAAAAAAAAAAAAAAAAAAAAAAAAAAAAAAAAAAAAAAA/AAAAAAAAAKCGAQAAAAAAAAAAAAAAAAAMAAAAAQAAAAAAAAAAAAAAAAAAAB8AAABUAAAARHLEBf///wEAAAAAAAAAAAAAAAAAAAAAAAAAAAAAAAAAAAAAAAAAAAAAAAB/f38A5+bmA8zMzADAwP8Af39/AAAAAAAAAAAAAAAAAAAAAAAAAAAAIQAAABgAAAAUAAAAwDUAAHAJAABPOAAAtQsAAAAgAAAmAAAACAAAAP//////////MAAAABQAAAAAAAAAAAD//wAAAQAAAP//AAABAA=="/>
                 </a:ext>
               </a:extLst>
             </p:cNvSpPr>
@@ -9355,11 +9336,11 @@
         </p:sp>
         <p:sp>
           <p:nvSpPr>
-            <p:cNvPr id="80" name="TextBox 150"/>
+            <p:cNvPr id="79" name="TextBox 150"/>
             <p:cNvSpPr>
               <a:extLst>
                 <a:ext uri="smNativeData">
-                  <pr:smNativeData xmlns:pr="smNativeData" xmlns="smNativeData" val="SMDATA_16_gfoFYRMAAAAlAAAAZAAAAE0AAAAAkAAAAEgAAACQAAAASAAAAAAAAAAAAAAAAAAAAAEAAABQAAAAAAAAAAAA4D8AAAAAAADgPwAAAAAAAOA/AAAAAAAA4D8AAAAAAADgPwAAAAAAAOA/AAAAAAAA4D8AAAAAAADgPwAAAAAAAOA/AAAAAAAA4D8CAAAAjAAAAAAAAAAAAAAARHLEDP///wgAAAAAAAAAAAAAAAAAAAAAAAAAAAAAAAAAAAAAZAAAAAEAAABAAAAAAAAAAAAAAAAAAAAAAAAAAAAAAAAAAAAAAAAAAAAAAAAAAAAAAAAAAAAAAAAAAAAAAAAAAAAAAAAAAAAAAAAAAAAAAAAAAAAAAAAAAAAAAAAAAAAAFAAAADwAAAAAAAAAAAAAAAAAAAAPAAAAAQAAACMAAAAjAAAAIwAAAB4AAAAAAAAAZAAAAGQAAAAAAAAAZAAAAGQAAAAVAAAAYAAAAAAAAAAAAAAADwAAACADAAAAAAAAAAAAAAEAAACgMgAAVgcAAKr4//8BAAAAf39/AAEAAABkAAAAAAAAABQAAABAHwAAAAAAACYAAAAAAAAAwOD//wAAAAAmAAAAZAAAABYAAABMAAAAAAAAAAAAAAAEAAAAAAAAAAEAAADn5uYKAAAAACgAAAAoAAAAZAAAAGQAAAAAAAAAzMzMAAAAAABQAAAAUAAAAGQAAABkAAAAAAAAABcAAAAUAAAAAAAAAAAAAAD/fwAA/38AAAAAAAAJAAAABAAAAIxYisYeAAAAaAAAAAAAAAAAAAAAAAAAAAAAAAAAAAAAECcAABAnAAAAAAAAAAAAAAAAAAAAAAAAAAAAAAAAAAAAAAAAAAAAABQAAAAAAAAAwMD/AAAAAABkAAAAMgAAAAAAAABkAAAAAAAAAH9/fwAKAAAAIgAAABgAAAAAAAAAAAAAAAAAAAAAAAAAAAAAAAAAAAAkAAAAJAAAAAAAAAAHAAAAAAAAAAAAAAAAAAAAAAAAAAAAAAAAAAAAf39/ACUAAABYAAAAAAAAAAAAAAAAAAAAAAAAAAAAAAAAAAAAAAAAAAAAAAAAAAAAAAAAAAAAAAA/AAAAAAAAAKCGAQAAAAAAAAAAAAAAAAAMAAAAAQAAAAAAAAAAAAAAAAAAAB8AAABUAAAARHLEBf///wEAAAAAAAAAAAAAAAAAAAAAAAAAAAAAAAAAAAAAAAAAAAAAAAB/f38A5+bmA8zMzADAwP8Af39/AAAAAAAAAAAAAAAAAAAAAAAAAAAAIQAAABgAAAAUAAAAfDYAAHUQAADdOAAAuxIAAAAgAAAmAAAACAAAAP//////////MAAAABQAAAAAAAAAAAD//wAAAQAAAP//AAABAA=="/>
+                  <pr:smNativeData xmlns:pr="smNativeData" xmlns="smNativeData" val="SMDATA_16_FAWHYRMAAAAlAAAAZAAAAE0AAAAAkAAAAEgAAACQAAAASAAAAAAAAAAAAAAAAAAAAAEAAABQAAAAAAAAAAAA4D8AAAAAAADgPwAAAAAAAOA/AAAAAAAA4D8AAAAAAADgPwAAAAAAAOA/AAAAAAAA4D8AAAAAAADgPwAAAAAAAOA/AAAAAAAA4D8CAAAAjAAAAAAAAAAAAAAARHLEDP///wgAAAAAAAAAAAAAAAAAAAAAAAAAAAAAAAAAAAAAZAAAAAEAAABAAAAAAAAAAAAAAAAAAAAAAAAAAAAAAAAAAAAAAAAAAAAAAAAAAAAAAAAAAAAAAAAAAAAAAAAAAAAAAAAAAAAAAAAAAAAAAAAAAAAAAAAAAAAAAAAAAAAAFAAAADwAAAAAAAAAAAAAAAAAAAAPAAAAAQAAACMAAAAjAAAAIwAAAB4AAAAAAAAAZAAAAGQAAAAAAAAAZAAAAGQAAAAVAAAAYAAAAAAAAAAAAAAADwAAACADAAAAAAAAAAAAAAEAAACgMgAAVgcAAKr4//8BAAAAf39/AAEAAABkAAAAAAAAABQAAABAHwAAAAAAACYAAAAAAAAAwOD//wAAAAAmAAAAZAAAABYAAABMAAAAAAAAAAAAAAAEAAAAAAAAAAEAAADn5uYKAAAAACgAAAAoAAAAZAAAAGQAAAAAAAAAzMzMAAAAAABQAAAAUAAAAGQAAABkAAAAAAAAABcAAAAUAAAAAAAAAAAAAAD/fwAA/38AAAAAAAAJAAAABAAAAIxYisYeAAAAaAAAAAAAAAAAAAAAAAAAAAAAAAAAAAAAECcAABAnAAAAAAAAAAAAAAAAAAAAAAAAAAAAAAAAAAAAAAAAAAAAABQAAAAAAAAAwMD/AAAAAABkAAAAMgAAAAAAAABkAAAAAAAAAH9/fwAKAAAAIgAAABgAAAAAAAAAAAAAAAAAAAAAAAAAAAAAAAAAAAAkAAAAJAAAAAAAAAAHAAAAAAAAAAAAAAAAAAAAAAAAAAAAAAAAAAAAf39/ACUAAABYAAAAAAAAAAAAAAAAAAAAAAAAAAAAAAAAAAAAAAAAAAAAAAAAAAAAAAAAAAAAAAA/AAAAAAAAAKCGAQAAAAAAAAAAAAAAAAAMAAAAAQAAAAAAAAAAAAAAAAAAAB8AAABUAAAARHLEBf///wEAAAAAAAAAAAAAAAAAAAAAAAAAAAAAAAAAAAAAAAAAAAAAAAB/f38A5+bmA8zMzADAwP8Af39/AAAAAAAAAAAAAAAAAAAAAAAAAAAAIQAAABgAAAAUAAAAfDYAAHUQAADdOAAAuxIAAAAgAAAmAAAACAAAAP//////////MAAAABQAAAAAAAAAAAD//wAAAQAAAP//AAABAA=="/>
                 </a:ext>
               </a:extLst>
             </p:cNvSpPr>
@@ -9433,7 +9414,7 @@
           <p:cNvGrpSpPr>
             <a:extLst>
               <a:ext uri="smNativeData">
-                <pr:smNativeData xmlns:pr="smNativeData" xmlns="smNativeData" val="SMDATA_6_gfoFYRMAAAAlAAAAAQAAAA8BAAAAkAAAAEgAAACQAAAASAAAAAAAAAAAAAAAAAAAABcAAAAUAAAAAAAAAAAAAAD/fwAA/38AAAAAAAAJAAAABAAAAAAAAAAfAAAAVAAAAAAAAAAAAAAAAAAAAAAAAAAAAAAAAAAAAAAAAAAAAAAAAAAAAAAAAAAAAAAAAAAAAAAAAAAAAAAAAAAAAAAAAAAAAAAAAAAAAAAAAAAAAAAAAAAAACEAAAAYAAAAFAAAAOAZAABHBAAAoCcAAMgRAAAQAAAAJgAAAAgAAAD/////AAAAAA=="/>
+                <pr:smNativeData xmlns:pr="smNativeData" xmlns="smNativeData" val="SMDATA_6_FAWHYRMAAAAlAAAAAQAAAA8BAAAAkAAAAEgAAACQAAAASAAAAAAAAAAAAAAAAAAAABcAAAAUAAAAAAAAAAAAAAD/fwAA/38AAAAAAAAJAAAABAAAAAAAAAAfAAAAVAAAAAAAAAAAAAAAAAAAAAAAAAAAAAAAAAAAAAAAAAAAAAAAAAAAAAAAAAAAAAAAAAAAAAAAAAAAAAAAAAAAAAAAAAAAAAAAAAAAAAAAAAAAAAAAAAAAACEAAAAYAAAAFAAAAOAZAABHBAAAoCcAAMgRAAAQAAAAJgAAAAgAAAD/////AAAAAA=="/>
               </a:ext>
             </a:extLst>
           </p:cNvGrpSpPr>
@@ -9453,7 +9434,7 @@
             <p:cNvSpPr>
               <a:extLst>
                 <a:ext uri="smNativeData">
-                  <pr:smNativeData xmlns:pr="smNativeData" xmlns="smNativeData" val="SMDATA_16_gfoFYRMAAAAlAAAAZAAAAA0AAAAAkAAAAEgAAACQAAAASAAAAAAAAAABAAAAAAAAAAEAAABQAAAAAAAAAAAA4D8AAAAAAADgPwAAAAAAAOA/AAAAAAAA4D8AAAAAAADgPwAAAAAAAOA/AAAAAAAA4D8AAAAAAADgPwAAAAAAAOA/AAAAAAAA4D8CAAAAjAAAAAEAAAAAAAAARHLEDP///whbAAAAAAAAAAAAAAAAAAAAAAAAAAAAAAAAAAAAZAAAAAEAAABAAAAAAAAAAAAAAAAAAAAAAAAAAAAAAAAAAAAAAAAAAAAAAAAAAAAAAAAAAAAAAAAAAAAAAAAAAAAAAAAAAAAAAAAAAAAAAAAAAAAAAAAAAAAAAAAAAAAAFAAAADwAAAAAAAAAAAAAADJVkQAUAAAAAQAAABQAAAAUAAAAFAAAAAEAAAAAAAAAZAAAAGQAAAAAAAAAZAAAAGQAAAAVAAAAYAAAAAAAAAAAAAAADwAAACADAAAAAAAAAAAAAAEAAACgMgAAVgcAAKr4//8BAAAAf39/AAEAAABkAAAAAAAAABQAAABAHwAAAAAAACYAAAAAAAAAwOD//wAAAAAmAAAAZAAAABYAAABMAAAAAAAAAAAAAAAEAAAAAAAAAAEAAADn5uYKAAAAACgAAAAoAAAAZAAAAGQAAAAAAAAAzMzMAAAAAABQAAAAUAAAAGQAAABkAAAAAAAAABcAAAAUAAAAAAAAAAAAAAD/fwAA/38AAAAAAAAJAAAABAAAAAAAAAAeAAAAaAAAAAAAAAAAAAAAAAAAAAAAAAAAAAAAECcAABAnAAAAAAAAAAAAAAAAAAAAAAAAAAAAAAAAAAAAAAAAAAAAABQAAAAAAAAAwMD/AAAAAABkAAAAMgAAAAAAAABkAAAAAAAAAH9/fwAKAAAAIgAAABgAAAAAAAAAAAAAAAAAAAAAAAAAAAAAAAAAAAAkAAAAJAAAAAAAAAAHAAAAAAAAAAAAAAAAAAAAAAAAAAAAAAAAAAAAf39/ACUAAABYAAAAAAAAAAAAAAAAAAAAAAAAAAAAAAAAAAAAAAAAAAAAAAAAAAAAAAAAAAAAAAA/AAAAAAAAAKCGAQAAAAAAAAAAAAAAAAAMAAAAAQAAAAAAAAAAAAAAAAAAAB8AAABUAAAARHLEBf///wEAAAAAAAAAAAAAAAAAAAAAAAAAAAAAAAAAAAAAAAAAADJVkQB/f38A5+bmA8zMzADAwP8Af39/AAAAAAAAAAAAAAAAAAAAAAAAAAAAIQAAABgAAAAUAAAAhiAAAGILAAABJgAA8BAAAAAAAAAmAAAACAAAAP//////////MAAAABQAAAAAAAAAAAD//wAAAQAAAP//AAABAA=="/>
+                  <pr:smNativeData xmlns:pr="smNativeData" xmlns="smNativeData" val="SMDATA_16_FAWHYRMAAAAlAAAAZAAAAA0AAAAAkAAAAEgAAACQAAAASAAAAAAAAAABAAAAAAAAAAEAAABQAAAAAAAAAAAA4D8AAAAAAADgPwAAAAAAAOA/AAAAAAAA4D8AAAAAAADgPwAAAAAAAOA/AAAAAAAA4D8AAAAAAADgPwAAAAAAAOA/AAAAAAAA4D8CAAAAjAAAAAEAAAAAAAAARHLEDP///whbAAAAAAAAAAAAAAAAAAAAAAAAAAAAAAAAAAAAZAAAAAEAAABAAAAAAAAAAAAAAAAAAAAAAAAAAAAAAAAAAAAAAAAAAAAAAAAAAAAAAAAAAAAAAAAAAAAAAAAAAAAAAAAAAAAAAAAAAAAAAAAAAAAAAAAAAAAAAAAAAAAAFAAAADwAAAAAAAAAAAAAADJVkQAUAAAAAQAAABQAAAAUAAAAFAAAAAEAAAAAAAAAZAAAAGQAAAAAAAAAZAAAAGQAAAAVAAAAYAAAAAAAAAAAAAAADwAAACADAAAAAAAAAAAAAAEAAACgMgAAVgcAAKr4//8BAAAAf39/AAEAAABkAAAAAAAAABQAAABAHwAAAAAAACYAAAAAAAAAwOD//wAAAAAmAAAAZAAAABYAAABMAAAAAAAAAAAAAAAEAAAAAAAAAAEAAADn5uYKAAAAACgAAAAoAAAAZAAAAGQAAAAAAAAAzMzMAAAAAABQAAAAUAAAAGQAAABkAAAAAAAAABcAAAAUAAAAAAAAAAAAAAD/fwAA/38AAAAAAAAJAAAABAAAAAAAAAAeAAAAaAAAAAAAAAAAAAAAAAAAAAAAAAAAAAAAECcAABAnAAAAAAAAAAAAAAAAAAAAAAAAAAAAAAAAAAAAAAAAAAAAABQAAAAAAAAAwMD/AAAAAABkAAAAMgAAAAAAAABkAAAAAAAAAH9/fwAKAAAAIgAAABgAAAAAAAAAAAAAAAAAAAAAAAAAAAAAAAAAAAAkAAAAJAAAAAAAAAAHAAAAAAAAAAAAAAAAAAAAAAAAAAAAAAAAAAAAf39/ACUAAABYAAAAAAAAAAAAAAAAAAAAAAAAAAAAAAAAAAAAAAAAAAAAAAAAAAAAAAAAAAAAAAA/AAAAAAAAAKCGAQAAAAAAAAAAAAAAAAAMAAAAAQAAAAAAAAAAAAAAAAAAAB8AAABUAAAARHLEBf///wEAAAAAAAAAAAAAAAAAAAAAAAAAAAAAAAAAAAAAAAAAADJVkQB/f38A5+bmA8zMzADAwP8Af39/AAAAAAAAAAAAAAAAAAAAAAAAAAAAIQAAABgAAAAUAAAAhiAAAGILAAABJgAA8BAAAAAAAAAmAAAACAAAAP//////////MAAAABQAAAAAAAAAAAD//wAAAQAAAP//AAABAA=="/>
                 </a:ext>
               </a:extLst>
             </p:cNvSpPr>
@@ -9498,7 +9479,7 @@
             <p:cNvSpPr>
               <a:extLst>
                 <a:ext uri="smNativeData">
-                  <pr:smNativeData xmlns:pr="smNativeData" xmlns="smNativeData" val="SMDATA_16_gfoFYRMAAAAlAAAAZAAAAA0AAAAAkAAAAEgAAACQAAAASAAAAAAAAAABAAAAAAAAAAEAAABQAAAAAAAAAAAA4D8AAAAAAADgPwAAAAAAAOA/AAAAAAAA4D8AAAAAAADgPwAAAAAAAOA/AAAAAAAA4D8AAAAAAADgPwAAAAAAAOA/AAAAAAAA4D8CAAAAjAAAAAEAAAAAAAAAcK1HAP///whbAAAAAAAAAAAAAAAAAAAAAAAAAAAAAAAAAAAAZAAAAAEAAABAAAAAAAAAAAAAAAAAAAAAAAAAAAAAAAAAAAAAAAAAAAAAAAAAAAAAAAAAAAAAAAAAAAAAAAAAAAAAAAAAAAAAAAAAAAAAAAAAAAAAAAAAAAAAAAAAAAAAFAAAADwAAAAAAAAAAAAAADJVkQAUAAAAAQAAABQAAAAUAAAAFAAAAAEAAAAAAAAAZAAAAGQAAAAAAAAAZAAAAGQAAAAVAAAAYAAAAAAAAAAAAAAADwAAACADAAAAAAAAAAAAAAEAAACgMgAAVgcAAKr4//8BAAAAf39/AAEAAABkAAAAAAAAABQAAABAHwAAAAAAACYAAAAAAAAAwOD//wAAAAAmAAAAZAAAABYAAABMAAAAAAAAAAAAAAAEAAAAAAAAAAEAAADn5uYKAAAAACgAAAAoAAAAZAAAAGQAAAAAAAAAzMzMAAAAAABQAAAAUAAAAGQAAABkAAAAAAAAABcAAAAUAAAAAAAAAAAAAAD/fwAA/38AAAAAAAAJAAAABAAAAJEBAAAeAAAAaAAAAAAAAAAAAAAAAAAAAAAAAAAAAAAAECcAABAnAAAAAAAAAAAAAAAAAAAAAAAAAAAAAAAAAAAAAAAAAAAAABQAAAAAAAAAwMD/AAAAAABkAAAAMgAAAAAAAABkAAAAAAAAAH9/fwAKAAAAIgAAABgAAAAAAAAAAAAAAAAAAAAAAAAAAAAAAAAAAAAkAAAAJAAAAAAAAAAHAAAAAAAAAAAAAAAAAAAAAAAAAAAAAAAAAAAAf39/ACUAAABYAAAAAAAAAAAAAAAAAAAAAAAAAAAAAAAAAAAAAAAAAAAAAAAAAAAAAAAAAAAAAAA/AAAAAAAAAKCGAQAAAAAAAAAAAAAAAAAMAAAAAQAAAAAAAAAAAAAAAAAAAB8AAABUAAAAcK1HAP///wEAAAAAAAAAAAAAAAAAAAAAAAAAAAAAAAAAAAAAAAAAADJVkQB/f38A5+bmA8zMzADAwP8Af39/AAAAAAAAAAAAAAAAAAAAAAAAAAAAIQAAABgAAAAUAAAAhSAAAMMFAAD/JQAAUQsAAAAAAAAmAAAACAAAAP//////////MAAAABQAAAAAAAAAAAD//wAAAQAAAP//AAABAA=="/>
+                  <pr:smNativeData xmlns:pr="smNativeData" xmlns="smNativeData" val="SMDATA_16_FAWHYRMAAAAlAAAAZAAAAA0AAAAAkAAAAEgAAACQAAAASAAAAAAAAAABAAAAAAAAAAEAAABQAAAAAAAAAAAA4D8AAAAAAADgPwAAAAAAAOA/AAAAAAAA4D8AAAAAAADgPwAAAAAAAOA/AAAAAAAA4D8AAAAAAADgPwAAAAAAAOA/AAAAAAAA4D8CAAAAjAAAAAEAAAAAAAAAcK1HAP///whbAAAAAAAAAAAAAAAAAAAAAAAAAAAAAAAAAAAAZAAAAAEAAABAAAAAAAAAAAAAAAAAAAAAAAAAAAAAAAAAAAAAAAAAAAAAAAAAAAAAAAAAAAAAAAAAAAAAAAAAAAAAAAAAAAAAAAAAAAAAAAAAAAAAAAAAAAAAAAAAAAAAFAAAADwAAAAAAAAAAAAAADJVkQAUAAAAAQAAABQAAAAUAAAAFAAAAAEAAAAAAAAAZAAAAGQAAAAAAAAAZAAAAGQAAAAVAAAAYAAAAAAAAAAAAAAADwAAACADAAAAAAAAAAAAAAEAAACgMgAAVgcAAKr4//8BAAAAf39/AAEAAABkAAAAAAAAABQAAABAHwAAAAAAACYAAAAAAAAAwOD//wAAAAAmAAAAZAAAABYAAABMAAAAAAAAAAAAAAAEAAAAAAAAAAEAAADn5uYKAAAAACgAAAAoAAAAZAAAAGQAAAAAAAAAzMzMAAAAAABQAAAAUAAAAGQAAABkAAAAAAAAABcAAAAUAAAAAAAAAAAAAAD/fwAA/38AAAAAAAAJAAAABAAAAJEBAAAeAAAAaAAAAAAAAAAAAAAAAAAAAAAAAAAAAAAAECcAABAnAAAAAAAAAAAAAAAAAAAAAAAAAAAAAAAAAAAAAAAAAAAAABQAAAAAAAAAwMD/AAAAAABkAAAAMgAAAAAAAABkAAAAAAAAAH9/fwAKAAAAIgAAABgAAAAAAAAAAAAAAAAAAAAAAAAAAAAAAAAAAAAkAAAAJAAAAAAAAAAHAAAAAAAAAAAAAAAAAAAAAAAAAAAAAAAAAAAAf39/ACUAAABYAAAAAAAAAAAAAAAAAAAAAAAAAAAAAAAAAAAAAAAAAAAAAAAAAAAAAAAAAAAAAAA/AAAAAAAAAKCGAQAAAAAAAAAAAAAAAAAMAAAAAQAAAAAAAAAAAAAAAAAAAB8AAABUAAAAcK1HAP///wEAAAAAAAAAAAAAAAAAAAAAAAAAAAAAAAAAAAAAAAAAADJVkQB/f38A5+bmA8zMzADAwP8Af39/AAAAAAAAAAAAAAAAAAAAAAAAAAAAIQAAABgAAAAUAAAAhSAAAMMFAAD/JQAAUQsAAAAAAAAmAAAACAAAAP//////////MAAAABQAAAAAAAAAAAD//wAAAQAAAP//AAABAA=="/>
                 </a:ext>
               </a:extLst>
             </p:cNvSpPr>
@@ -9543,7 +9524,7 @@
             <p:cNvSpPr>
               <a:extLst>
                 <a:ext uri="smNativeData">
-                  <pr:smNativeData xmlns:pr="smNativeData" xmlns="smNativeData" val="SMDATA_16_gfoFYRMAAAAlAAAAZAAAAA0AAAAAkAAAAEgAAACQAAAASAAAAAAAAAABAAAAAAAAAAEAAABQAAAAAAAAAAAA4D8AAAAAAADgPwAAAAAAAOA/AAAAAAAA4D8AAAAAAADgPwAAAAAAAOA/AAAAAAAA4D8AAAAAAADgPwAAAAAAAOA/AAAAAAAA4D8CAAAAjAAAAAEAAAAAAAAA/8AAAP///whbAAAAAAAAAAAAAAAAAAAAAAAAAAAAAAAAAAAAZAAAAAEAAABAAAAAAAAAAAAAAAAAAAAAAAAAAAAAAAAAAAAAAAAAAAAAAAAAAAAAAAAAAAAAAAAAAAAAAAAAAAAAAAAAAAAAAAAAAAAAAAAAAAAAAAAAAAAAAAAAAAAAFAAAADwAAAAAAAAAAAAAADJVkQAUAAAAAQAAABQAAAAUAAAAFAAAAAEAAAAAAAAAZAAAAGQAAAAAAAAAZAAAAGQAAAAVAAAAYAAAAAAAAAAAAAAADwAAACADAAAAAAAAAAAAAAEAAACgMgAAVgcAAKr4//8BAAAAf39/AAEAAABkAAAAAAAAABQAAABAHwAAAAAAACYAAAAAAAAAwOD//wAAAAAmAAAAZAAAABYAAABMAAAAAAAAAAAAAAAEAAAAAAAAAAEAAADn5uYKAAAAACgAAAAoAAAAZAAAAGQAAAAAAAAAzMzMAAAAAABQAAAAUAAAAGQAAABkAAAAAAAAABcAAAAUAAAAAAAAAAAAAAD/fwAA/38AAAAAAAAJAAAABAAAAAAAAAAeAAAAaAAAAAAAAAAAAAAAAAAAAAAAAAAAAAAAECcAABAnAAAAAAAAAAAAAAAAAAAAAAAAAAAAAAAAAAAAAAAAAAAAABQAAAAAAAAAwMD/AAAAAABkAAAAMgAAAAAAAABkAAAAAAAAAH9/fwAKAAAAIgAAABgAAAAAAAAAAAAAAAAAAAAAAAAAAAAAAAAAAAAkAAAAJAAAAAAAAAAHAAAAAAAAAAAAAAAAAAAAAAAAAAAAAAAAAAAAf39/ACUAAABYAAAAAAAAAAAAAAAAAAAAAAAAAAAAAAAAAAAAAAAAAAAAAAAAAAAAAAAAAAAAAAA/AAAAAAAAAKCGAQAAAAAAAAAAAAAAAAAMAAAAAQAAAAAAAAAAAAAAAAAAAB8AAABUAAAA/8AAAP///wEAAAAAAAAAAAAAAAAAAAAAAAAAAAAAAAAAAAAAAAAAADJVkQB/f38A5+bmA8zMzADAwP8Af39/AAAAAAAAAAAAAAAAAAAAAAAAAAAAIQAAABgAAAAUAAAA+RoAAMMFAABzIAAAUQsAAAAAAAAmAAAACAAAAP//////////MAAAABQAAAAAAAAAAAD//wAAAQAAAP//AAABAA=="/>
+                  <pr:smNativeData xmlns:pr="smNativeData" xmlns="smNativeData" val="SMDATA_16_FAWHYRMAAAAlAAAAZAAAAA0AAAAAkAAAAEgAAACQAAAASAAAAAAAAAABAAAAAAAAAAEAAABQAAAAAAAAAAAA4D8AAAAAAADgPwAAAAAAAOA/AAAAAAAA4D8AAAAAAADgPwAAAAAAAOA/AAAAAAAA4D8AAAAAAADgPwAAAAAAAOA/AAAAAAAA4D8CAAAAjAAAAAEAAAAAAAAA/8AAAP///whbAAAAAAAAAAAAAAAAAAAAAAAAAAAAAAAAAAAAZAAAAAEAAABAAAAAAAAAAAAAAAAAAAAAAAAAAAAAAAAAAAAAAAAAAAAAAAAAAAAAAAAAAAAAAAAAAAAAAAAAAAAAAAAAAAAAAAAAAAAAAAAAAAAAAAAAAAAAAAAAAAAAFAAAADwAAAAAAAAAAAAAADJVkQAUAAAAAQAAABQAAAAUAAAAFAAAAAEAAAAAAAAAZAAAAGQAAAAAAAAAZAAAAGQAAAAVAAAAYAAAAAAAAAAAAAAADwAAACADAAAAAAAAAAAAAAEAAACgMgAAVgcAAKr4//8BAAAAf39/AAEAAABkAAAAAAAAABQAAABAHwAAAAAAACYAAAAAAAAAwOD//wAAAAAmAAAAZAAAABYAAABMAAAAAAAAAAAAAAAEAAAAAAAAAAEAAADn5uYKAAAAACgAAAAoAAAAZAAAAGQAAAAAAAAAzMzMAAAAAABQAAAAUAAAAGQAAABkAAAAAAAAABcAAAAUAAAAAAAAAAAAAAD/fwAA/38AAAAAAAAJAAAABAAAAAAAAAAeAAAAaAAAAAAAAAAAAAAAAAAAAAAAAAAAAAAAECcAABAnAAAAAAAAAAAAAAAAAAAAAAAAAAAAAAAAAAAAAAAAAAAAABQAAAAAAAAAwMD/AAAAAABkAAAAMgAAAAAAAABkAAAAAAAAAH9/fwAKAAAAIgAAABgAAAAAAAAAAAAAAAAAAAAAAAAAAAAAAAAAAAAkAAAAJAAAAAAAAAAHAAAAAAAAAAAAAAAAAAAAAAAAAAAAAAAAAAAAf39/ACUAAABYAAAAAAAAAAAAAAAAAAAAAAAAAAAAAAAAAAAAAAAAAAAAAAAAAAAAAAAAAAAAAAA/AAAAAAAAAKCGAQAAAAAAAAAAAAAAAAAMAAAAAQAAAAAAAAAAAAAAAAAAAB8AAABUAAAA/8AAAP///wEAAAAAAAAAAAAAAAAAAAAAAAAAAAAAAAAAAAAAAAAAADJVkQB/f38A5+bmA8zMzADAwP8Af39/AAAAAAAAAAAAAAAAAAAAAAAAAAAAIQAAABgAAAAUAAAA+RoAAMMFAABzIAAAUQsAAAAAAAAmAAAACAAAAP//////////MAAAABQAAAAAAAAAAAD//wAAAQAAAP//AAABAA=="/>
                 </a:ext>
               </a:extLst>
             </p:cNvSpPr>
@@ -9588,7 +9569,7 @@
             <p:cNvSpPr>
               <a:extLst>
                 <a:ext uri="smNativeData">
-                  <pr:smNativeData xmlns:pr="smNativeData" xmlns="smNativeData" val="SMDATA_16_gfoFYRMAAAAlAAAAZAAAAA0AAAAAkAAAAEgAAACQAAAASAAAAAAAAAABAAAAAAAAAAEAAABQAAAAAAAAAAAA4D8AAAAAAADgPwAAAAAAAOA/AAAAAAAA4D8AAAAAAADgPwAAAAAAAOA/AAAAAAAA4D8AAAAAAADgPwAAAAAAAOA/AAAAAAAA4D8CAAAAjAAAAAEAAAAAAAAA/8AAAP///whbAAAAAAAAAAAAAAAAAAAAAAAAAAAAAAAAAAAAZAAAAAEAAABAAAAAAAAAAAAAAAAAAAAAAAAAAAAAAAAAAAAAAAAAAAAAAAAAAAAAAAAAAAAAAAAAAAAAAAAAAAAAAAAAAAAAAAAAAAAAAAAAAAAAAAAAAAAAAAAAAAAAFAAAADwAAAAAAAAAAAAAADJVkQAUAAAAAQAAABQAAAAUAAAAFAAAAAEAAAAAAAAAZAAAAGQAAAAAAAAAZAAAAGQAAAAVAAAAYAAAAAAAAAAAAAAADwAAACADAAAAAAAAAAAAAAEAAACgMgAAVgcAAKr4//8BAAAAf39/AAEAAABkAAAAAAAAABQAAABAHwAAAAAAACYAAAAAAAAAwOD//wAAAAAmAAAAZAAAABYAAABMAAAAAAAAAAAAAAAEAAAAAAAAAAEAAADn5uYKAAAAACgAAAAoAAAAZAAAAGQAAAAAAAAAzMzMAAAAAABQAAAAUAAAAGQAAABkAAAAAAAAABcAAAAUAAAAAAAAAAAAAAD/fwAA/38AAAAAAAAJAAAABAAAAAAAAAAeAAAAaAAAAAAAAAAAAAAAAAAAAAAAAAAAAAAAECcAABAnAAAAAAAAAAAAAAAAAAAAAAAAAAAAAAAAAAAAAAAAAAAAABQAAAAAAAAAwMD/AAAAAABkAAAAMgAAAAAAAABkAAAAAAAAAH9/fwAKAAAAIgAAABgAAAAAAAAAAAAAAAAAAAAAAAAAAAAAAAAAAAAkAAAAJAAAAAAAAAAHAAAAAAAAAAAAAAAAAAAAAAAAAAAAAAAAAAAAf39/ACUAAABYAAAAAAAAAAAAAAAAAAAAAAAAAAAAAAAAAAAAAAAAAAAAAAAAAAAAAAAAAAAAAAA/AAAAAAAAAKCGAQAAAAAAAAAAAAAAAAAMAAAAAQAAAAAAAAAAAAAAAAAAAB8AAABUAAAA/8AAAP///wEAAAAAAAAAAAAAAAAAAAAAAAAAAAAAAAAAAAAAAAAAADJVkQB/f38A5+bmA8zMzADAwP8Af39/AAAAAAAAAAAAAAAAAAAAAAAAAAAAIQAAABgAAAAUAAAA+hoAAGQLAAB0IAAA8xAAAAAAAAAmAAAACAAAAP//////////MAAAABQAAAAAAAAAAAD//wAAAQAAAP//AAABAA=="/>
+                  <pr:smNativeData xmlns:pr="smNativeData" xmlns="smNativeData" val="SMDATA_16_FAWHYRMAAAAlAAAAZAAAAA0AAAAAkAAAAEgAAACQAAAASAAAAAAAAAABAAAAAAAAAAEAAABQAAAAAAAAAAAA4D8AAAAAAADgPwAAAAAAAOA/AAAAAAAA4D8AAAAAAADgPwAAAAAAAOA/AAAAAAAA4D8AAAAAAADgPwAAAAAAAOA/AAAAAAAA4D8CAAAAjAAAAAEAAAAAAAAA/8AAAP///whbAAAAAAAAAAAAAAAAAAAAAAAAAAAAAAAAAAAAZAAAAAEAAABAAAAAAAAAAAAAAAAAAAAAAAAAAAAAAAAAAAAAAAAAAAAAAAAAAAAAAAAAAAAAAAAAAAAAAAAAAAAAAAAAAAAAAAAAAAAAAAAAAAAAAAAAAAAAAAAAAAAAFAAAADwAAAAAAAAAAAAAADJVkQAUAAAAAQAAABQAAAAUAAAAFAAAAAEAAAAAAAAAZAAAAGQAAAAAAAAAZAAAAGQAAAAVAAAAYAAAAAAAAAAAAAAADwAAACADAAAAAAAAAAAAAAEAAACgMgAAVgcAAKr4//8BAAAAf39/AAEAAABkAAAAAAAAABQAAABAHwAAAAAAACYAAAAAAAAAwOD//wAAAAAmAAAAZAAAABYAAABMAAAAAAAAAAAAAAAEAAAAAAAAAAEAAADn5uYKAAAAACgAAAAoAAAAZAAAAGQAAAAAAAAAzMzMAAAAAABQAAAAUAAAAGQAAABkAAAAAAAAABcAAAAUAAAAAAAAAAAAAAD/fwAA/38AAAAAAAAJAAAABAAAAAAAAAAeAAAAaAAAAAAAAAAAAAAAAAAAAAAAAAAAAAAAECcAABAnAAAAAAAAAAAAAAAAAAAAAAAAAAAAAAAAAAAAAAAAAAAAABQAAAAAAAAAwMD/AAAAAABkAAAAMgAAAAAAAABkAAAAAAAAAH9/fwAKAAAAIgAAABgAAAAAAAAAAAAAAAAAAAAAAAAAAAAAAAAAAAAkAAAAJAAAAAAAAAAHAAAAAAAAAAAAAAAAAAAAAAAAAAAAAAAAAAAAf39/ACUAAABYAAAAAAAAAAAAAAAAAAAAAAAAAAAAAAAAAAAAAAAAAAAAAAAAAAAAAAAAAAAAAAA/AAAAAAAAAKCGAQAAAAAAAAAAAAAAAAAMAAAAAQAAAAAAAAAAAAAAAAAAAB8AAABUAAAA/8AAAP///wEAAAAAAAAAAAAAAAAAAAAAAAAAAAAAAAAAAAAAAAAAADJVkQB/f38A5+bmA8zMzADAwP8Af39/AAAAAAAAAAAAAAAAAAAAAAAAAAAAIQAAABgAAAAUAAAA+hoAAGQLAAB0IAAA8xAAAAAAAAAmAAAACAAAAP//////////MAAAABQAAAAAAAAAAAD//wAAAQAAAP//AAABAA=="/>
                 </a:ext>
               </a:extLst>
             </p:cNvSpPr>
@@ -9633,7 +9614,7 @@
             <p:cNvSpPr>
               <a:extLst>
                 <a:ext uri="smNativeData">
-                  <pr:smNativeData xmlns:pr="smNativeData" xmlns="smNativeData" val="SMDATA_16_gfoFYRMAAAAlAAAAZAAAAE0AAAAAkAAAAEgAAACQAAAASAAAAAAAAAAAAAAAAAAAAAEAAABQAAAAAAAAAAAA4D8AAAAAAADgPwAAAAAAAOA/AAAAAAAA4D8AAAAAAADgPwAAAAAAAOA/AAAAAAAA4D8AAAAAAADgPwAAAAAAAOA/AAAAAAAA4D8CAAAAjAAAAAAAAAAAAAAARHLEDP///wgAAAAAAAAAAAAAAAAAAAAAAAAAAAAAAAAAAAAAZAAAAAEAAABAAAAAAAAAAAAAAAAAAAAAAAAAAAAAAAAAAAAAAAAAAAAAAAAAAAAAAAAAAAAAAAAAAAAAAAAAAAAAAAAAAAAAAAAAAAAAAAAAAAAAAAAAAAAAAAAAAAAAFAAAADwAAAAAAAAAAAAAAAAAAAAPAAAAAQAAACMAAAAjAAAAIwAAAB4AAAAAAAAAZAAAAGQAAAAAAAAAZAAAAGQAAAAVAAAAYAAAAAAAAAAAAAAADwAAACADAAAAAAAAAAAAAAEAAACgMgAAVgcAAKr4//8BAAAAf39/AAEAAABkAAAAAAAAABQAAABAHwAAAAAAACYAAAAAAAAAwOD//wAAAAAmAAAAZAAAABYAAABMAAAAAAAAAAAAAAAEAAAAAAAAAAEAAADn5uYKAAAAACgAAAAoAAAAZAAAAGQAAAAAAAAAzMzMAAAAAABQAAAAUAAAAGQAAABkAAAAAAAAABcAAAAUAAAAAAAAAAAAAAD/fwAA/38AAAAAAAAJAAAABAAAAAAAAAAeAAAAaAAAAAAAAAAAAAAAAAAAAAAAAAAAAAAAECcAABAnAAAAAAAAAAAAAAAAAAAAAAAAAAAAAAAAAAAAAAAAAAAAABQAAAAAAAAAwMD/AAAAAABkAAAAMgAAAAAAAABkAAAAAAAAAH9/fwAKAAAAIgAAABgAAAAAAAAAAAAAAAAAAAAAAAAAAAAAAAAAAAAkAAAAJAAAAAAAAAAHAAAAAAAAAAAAAAAAAAAAAAAAAAAAAAAAAAAAf39/ACUAAABYAAAAAAAAAAAAAAAAAAAAAAAAAAAAAAAAAAAAAAAAAAAAAAAAAAAAAAAAAAAAAAA/AAAAAAAAAKCGAQAAAAAAAAAAAAAAAAAMAAAAAQAAAAAAAAAAAAAAAAAAAB8AAABUAAAARHLEBf///wEAAAAAAAAAAAAAAAAAAAAAAAAAAAAAAAAAAAAAAAAAAAAAAAB/f38A5+bmA8zMzADAwP8Af39/AAAAAAAAAAAAAAAAAAAAAAAAAAAAIQAAABgAAAAUAAAA/yUAAL4JAACgJwAAcwsAAAAgAAAmAAAACAAAAP//////////MAAAABQAAAAAAAAAAAD//wAAAQAAAP//AAABAA=="/>
+                  <pr:smNativeData xmlns:pr="smNativeData" xmlns="smNativeData" val="SMDATA_16_FAWHYRMAAAAlAAAAZAAAAE0AAAAAkAAAAEgAAACQAAAASAAAAAAAAAAAAAAAAAAAAAEAAABQAAAAAAAAAAAA4D8AAAAAAADgPwAAAAAAAOA/AAAAAAAA4D8AAAAAAADgPwAAAAAAAOA/AAAAAAAA4D8AAAAAAADgPwAAAAAAAOA/AAAAAAAA4D8CAAAAjAAAAAAAAAAAAAAARHLEDP///wgAAAAAAAAAAAAAAAAAAAAAAAAAAAAAAAAAAAAAZAAAAAEAAABAAAAAAAAAAAAAAAAAAAAAAAAAAAAAAAAAAAAAAAAAAAAAAAAAAAAAAAAAAAAAAAAAAAAAAAAAAAAAAAAAAAAAAAAAAAAAAAAAAAAAAAAAAAAAAAAAAAAAFAAAADwAAAAAAAAAAAAAAAAAAAAPAAAAAQAAACMAAAAjAAAAIwAAAB4AAAAAAAAAZAAAAGQAAAAAAAAAZAAAAGQAAAAVAAAAYAAAAAAAAAAAAAAADwAAACADAAAAAAAAAAAAAAEAAACgMgAAVgcAAKr4//8BAAAAf39/AAEAAABkAAAAAAAAABQAAABAHwAAAAAAACYAAAAAAAAAwOD//wAAAAAmAAAAZAAAABYAAABMAAAAAAAAAAAAAAAEAAAAAAAAAAEAAADn5uYKAAAAACgAAAAoAAAAZAAAAGQAAAAAAAAAzMzMAAAAAABQAAAAUAAAAGQAAABkAAAAAAAAABcAAAAUAAAAAAAAAAAAAAD/fwAA/38AAAAAAAAJAAAABAAAAAAAAAAeAAAAaAAAAAAAAAAAAAAAAAAAAAAAAAAAAAAAECcAABAnAAAAAAAAAAAAAAAAAAAAAAAAAAAAAAAAAAAAAAAAAAAAABQAAAAAAAAAwMD/AAAAAABkAAAAMgAAAAAAAABkAAAAAAAAAH9/fwAKAAAAIgAAABgAAAAAAAAAAAAAAAAAAAAAAAAAAAAAAAAAAAAkAAAAJAAAAAAAAAAHAAAAAAAAAAAAAAAAAAAAAAAAAAAAAAAAAAAAf39/ACUAAABYAAAAAAAAAAAAAAAAAAAAAAAAAAAAAAAAAAAAAAAAAAAAAAAAAAAAAAAAAAAAAAA/AAAAAAAAAKCGAQAAAAAAAAAAAAAAAAAMAAAAAQAAAAAAAAAAAAAAAAAAAB8AAABUAAAARHLEBf///wEAAAAAAAAAAAAAAAAAAAAAAAAAAAAAAAAAAAAAAAAAAAAAAAB/f38A5+bmA8zMzADAwP8Af39/AAAAAAAAAAAAAAAAAAAAAAAAAAAAIQAAABgAAAAUAAAA/yUAAL4JAACgJwAAcwsAAAAgAAAmAAAACAAAAP//////////MAAAABQAAAAAAAAAAAD//wAAAQAAAP//AAABAA=="/>
                 </a:ext>
               </a:extLst>
             </p:cNvSpPr>
@@ -9674,7 +9655,7 @@
             <p:cNvSpPr>
               <a:extLst>
                 <a:ext uri="smNativeData">
-                  <pr:smNativeData xmlns:pr="smNativeData" xmlns="smNativeData" val="SMDATA_16_gfoFYRMAAAAlAAAAZAAAAE0AAAAAkAAAAEgAAACQAAAASAAAAAAAAAAAAAAAAAAAAAEAAABQAAAAAAAAAAAA4D8AAAAAAADgPwAAAAAAAOA/AAAAAAAA4D8AAAAAAADgPwAAAAAAAOA/AAAAAAAA4D8AAAAAAADgPwAAAAAAAOA/AAAAAAAA4D8CAAAAjAAAAAAAAAAAAAAARHLEDP///wgAAAAAAAAAAAAAAAAAAAAAAAAAAAAAAAAAAAAAZAAAAAEAAABAAAAAAAAAAAAAAAAAAAAAAAAAAAAAAAAAAAAAAAAAAAAAAAAAAAAAAAAAAAAAAAAAAAAAAAAAAAAAAAAAAAAAAAAAAAAAAAAAAAAAAAAAAAAAAAAAAAAAFAAAADwAAAAAAAAAAAAAAAAAAAAPAAAAAQAAACMAAAAjAAAAIwAAAB4AAAAAAAAAZAAAAGQAAAAAAAAAZAAAAGQAAAAVAAAAYAAAAAAAAAAAAAAADwAAACADAAAAAAAAAAAAAAEAAACgMgAAVgcAAKr4//8BAAAAf39/AAEAAABkAAAAAAAAABQAAABAHwAAAAAAACYAAAAAAAAAwOD//wAAAAAmAAAAZAAAABYAAABMAAAAAAAAAAAAAAAEAAAAAAAAAAEAAADn5uYKAAAAACgAAAAoAAAAZAAAAGQAAAAAAAAAzMzMAAAAAABQAAAAUAAAAGQAAABkAAAAAAAAABcAAAAUAAAAAAAAAAAAAAD/fwAA/38AAAAAAAAJAAAABAAAAAAAAAAeAAAAaAAAAAAAAAAAAAAAAAAAAAAAAAAAAAAAECcAABAnAAAAAAAAAAAAAAAAAAAAAAAAAAAAAAAAAAAAAAAAAAAAABQAAAAAAAAAwMD/AAAAAABkAAAAMgAAAAAAAABkAAAAAAAAAH9/fwAKAAAAIgAAABgAAAAAAAAAAAAAAAAAAAAAAAAAAAAAAAAAAAAkAAAAJAAAAAAAAAAHAAAAAAAAAAAAAAAAAAAAAAAAAAAAAAAAAAAAf39/ACUAAABYAAAAAAAAAAAAAAAAAAAAAAAAAAAAAAAAAAAAAAAAAAAAAAAAAAAAAAAAAAAAAAA/AAAAAAAAAKCGAQAAAAAAAAAAAAAAAAAMAAAAAQAAAAAAAAAAAAAAAAAAAB8AAABUAAAARHLEBf///wEAAAAAAAAAAAAAAAAAAAAAAAAAAAAAAAAAAAAAAAAAAAAAAAB/f38A5+bmA8zMzADAwP8Af39/AAAAAAAAAAAAAAAAAAAAAAAAAAAAIQAAABgAAAAUAAAAQCAAAEcEAADZIQAA+wUAAAAgAAAmAAAACAAAAP//////////MAAAABQAAAAAAAAAAAD//wAAAQAAAP//AAABAA=="/>
+                  <pr:smNativeData xmlns:pr="smNativeData" xmlns="smNativeData" val="SMDATA_16_FAWHYRMAAAAlAAAAZAAAAE0AAAAAkAAAAEgAAACQAAAASAAAAAAAAAAAAAAAAAAAAAEAAABQAAAAAAAAAAAA4D8AAAAAAADgPwAAAAAAAOA/AAAAAAAA4D8AAAAAAADgPwAAAAAAAOA/AAAAAAAA4D8AAAAAAADgPwAAAAAAAOA/AAAAAAAA4D8CAAAAjAAAAAAAAAAAAAAARHLEDP///wgAAAAAAAAAAAAAAAAAAAAAAAAAAAAAAAAAAAAAZAAAAAEAAABAAAAAAAAAAAAAAAAAAAAAAAAAAAAAAAAAAAAAAAAAAAAAAAAAAAAAAAAAAAAAAAAAAAAAAAAAAAAAAAAAAAAAAAAAAAAAAAAAAAAAAAAAAAAAAAAAAAAAFAAAADwAAAAAAAAAAAAAAAAAAAAPAAAAAQAAACMAAAAjAAAAIwAAAB4AAAAAAAAAZAAAAGQAAAAAAAAAZAAAAGQAAAAVAAAAYAAAAAAAAAAAAAAADwAAACADAAAAAAAAAAAAAAEAAACgMgAAVgcAAKr4//8BAAAAf39/AAEAAABkAAAAAAAAABQAAABAHwAAAAAAACYAAAAAAAAAwOD//wAAAAAmAAAAZAAAABYAAABMAAAAAAAAAAAAAAAEAAAAAAAAAAEAAADn5uYKAAAAACgAAAAoAAAAZAAAAGQAAAAAAAAAzMzMAAAAAABQAAAAUAAAAGQAAABkAAAAAAAAABcAAAAUAAAAAAAAAAAAAAD/fwAA/38AAAAAAAAJAAAABAAAAAAAAAAeAAAAaAAAAAAAAAAAAAAAAAAAAAAAAAAAAAAAECcAABAnAAAAAAAAAAAAAAAAAAAAAAAAAAAAAAAAAAAAAAAAAAAAABQAAAAAAAAAwMD/AAAAAABkAAAAMgAAAAAAAABkAAAAAAAAAH9/fwAKAAAAIgAAABgAAAAAAAAAAAAAAAAAAAAAAAAAAAAAAAAAAAAkAAAAJAAAAAAAAAAHAAAAAAAAAAAAAAAAAAAAAAAAAAAAAAAAAAAAf39/ACUAAABYAAAAAAAAAAAAAAAAAAAAAAAAAAAAAAAAAAAAAAAAAAAAAAAAAAAAAAAAAAAAAAA/AAAAAAAAAKCGAQAAAAAAAAAAAAAAAAAMAAAAAQAAAAAAAAAAAAAAAAAAAB8AAABUAAAARHLEBf///wEAAAAAAAAAAAAAAAAAAAAAAAAAAAAAAAAAAAAAAAAAAAAAAAB/f38A5+bmA8zMzADAwP8Af39/AAAAAAAAAAAAAAAAAAAAAAAAAAAAIQAAABgAAAAUAAAAQCAAAEcEAADZIQAA+wUAAAAgAAAmAAAACAAAAP//////////MAAAABQAAAAAAAAAAAD//wAAAQAAAP//AAABAA=="/>
                 </a:ext>
               </a:extLst>
             </p:cNvSpPr>
@@ -9715,7 +9696,7 @@
             <p:cNvSpPr>
               <a:extLst>
                 <a:ext uri="smNativeData">
-                  <pr:smNativeData xmlns:pr="smNativeData" xmlns="smNativeData" val="SMDATA_16_gfoFYRMAAAAlAAAAZgAAAA0AAAAAkAAAAEgAAACQAAAASAAAAAAAAAABAAAAAAAAAAEAAABQAAAAAAAAAAAA8D8AAAAAAADwPwAAAAAAAOA/AAAAAAAA4D8AAAAAAADgPwAAAAAAAOA/AAAAAAAA4D8AAAAAAADgPwAAAAAAAOA/AAAAAAAA4D8CAAAAjAAAAAEAAAAAAAAAAAAACf///wgAAAAAAAAAAAAAAAAAAAAAAAAAAAAAAAAAAAAAZAAAAAEAAABAAAAAAAAAAAAAAAAAAAAAAAAAAAAAAAAAAAAAAAAAAAAAAAAAAAAAAAAAAAAAAAAAAAAAAAAAAAAAAAAAAAAAAAAAAAAAAAAAAAAAAAAAAAAAAAAAAAAAFAAAADwAAAAAAAAAAAAAADJVkQAUAAAAAQAAABQAAAAUAAAAFAAAAAEAAAAAAAAAZAAAAGQAAAAAAAAAZAAAAGQAAAAVAAAAYAAAAAAAAAAAAAAADwAAACADAAAAAAAAAAAAAAEAAACgMgAAVgcAAKr4//8BAAAAf39/AAEAAABkAAAAAAAAABQAAABAHwAAAAAAACYAAAAAAAAAwOD//wAAAAAmAAAAZAAAABYAAABMAAAAAAAAAAAAAAAEAAAAAAAAAAEAAADn5uYKAAAAACgAAAAoAAAAZAAAAGQAAAAAAAAAzMzMAAAAAABQAAAAUAAAAGQAAABkAAAAAAAAABcAAAAUAAAAAAAAAAAAAAD/fwAA/38AAAAAAAAJAAAABAAAAAAAAAAeAAAAaAAAAAAAAAAAAAAAAAAAAAAAAAAAAAAAECcAABAnAAAAAAAAAAAAAAAAAAAAAAAAAAAAAAAAAAAAAAAAAAAAABQAAAAAAAAAwMD/AAAAAABkAAAAMgAAAAAAAABkAAAAAAAAAH9/fwAKAAAAIgAAABgAAAAAAAAAAAAAAAAAAAAAAAAAAAAAAAAAAAAkAAAAJAAAAAAAAAAHAAAAAAAAAAAAAAAAAAAAAAAAAAAAAAAAAAAAf39/ACUAAABYAAAAAAAAAAAAAAAAAAAAAAAAAAAAAAAAAAAAAAAAAAAAAAAAAAAAAAAAAAAAAAA/AAAAAAAAAKCGAQAAAAAAAAAAAAAAAAAMAAAAAQAAAAAAAAAAAAAAAAAAAB8AAABUAAAAAAAAAv///wEAAAAAAAAAAAAAAAAAAAAAAAAAAAAAAAAAAAAAAAAAADJVkQB/f38A5+bmA8zMzADAwP8Af39/AAAAAAAAAAAAAAAAAAAAAAAAAAAAIQAAABgAAAAUAAAAeiIAAPEIAADsIgAAYgkAAAAAAAAmAAAACAAAAP//////////MAAAABQAAAAAAAAA/Er//wS1AAD8Sv//BLUAAA=="/>
+                  <pr:smNativeData xmlns:pr="smNativeData" xmlns="smNativeData" val="SMDATA_16_FAWHYRMAAAAlAAAAZgAAAA0AAAAAkAAAAEgAAACQAAAASAAAAAAAAAABAAAAAAAAAAEAAABQAAAAAAAAAAAA8D8AAAAAAADwPwAAAAAAAOA/AAAAAAAA4D8AAAAAAADgPwAAAAAAAOA/AAAAAAAA4D8AAAAAAADgPwAAAAAAAOA/AAAAAAAA4D8CAAAAjAAAAAEAAAAAAAAAAAAACf///wgAAAAAAAAAAAAAAAAAAAAAAAAAAAAAAAAAAAAAZAAAAAEAAABAAAAAAAAAAAAAAAAAAAAAAAAAAAAAAAAAAAAAAAAAAAAAAAAAAAAAAAAAAAAAAAAAAAAAAAAAAAAAAAAAAAAAAAAAAAAAAAAAAAAAAAAAAAAAAAAAAAAAFAAAADwAAAAAAAAAAAAAADJVkQAUAAAAAQAAABQAAAAUAAAAFAAAAAEAAAAAAAAAZAAAAGQAAAAAAAAAZAAAAGQAAAAVAAAAYAAAAAAAAAAAAAAADwAAACADAAAAAAAAAAAAAAEAAACgMgAAVgcAAKr4//8BAAAAf39/AAEAAABkAAAAAAAAABQAAABAHwAAAAAAACYAAAAAAAAAwOD//wAAAAAmAAAAZAAAABYAAABMAAAAAAAAAAAAAAAEAAAAAAAAAAEAAADn5uYKAAAAACgAAAAoAAAAZAAAAGQAAAAAAAAAzMzMAAAAAABQAAAAUAAAAGQAAABkAAAAAAAAABcAAAAUAAAAAAAAAAAAAAD/fwAA/38AAAAAAAAJAAAABAAAAAAAAAAeAAAAaAAAAAAAAAAAAAAAAAAAAAAAAAAAAAAAECcAABAnAAAAAAAAAAAAAAAAAAAAAAAAAAAAAAAAAAAAAAAAAAAAABQAAAAAAAAAwMD/AAAAAABkAAAAMgAAAAAAAABkAAAAAAAAAH9/fwAKAAAAIgAAABgAAAAAAAAAAAAAAAAAAAAAAAAAAAAAAAAAAAAkAAAAJAAAAAAAAAAHAAAAAAAAAAAAAAAAAAAAAAAAAAAAAAAAAAAAf39/ACUAAABYAAAAAAAAAAAAAAAAAAAAAAAAAAAAAAAAAAAAAAAAAAAAAAAAAAAAAAAAAAAAAAA/AAAAAAAAAKCGAQAAAAAAAAAAAAAAAAAMAAAAAQAAAAAAAAAAAAAAAAAAAB8AAABUAAAAAAAAAv///wEAAAAAAAAAAAAAAAAAAAAAAAAAAAAAAAAAAAAAAAAAADJVkQB/f38A5+bmA8zMzADAwP8Af39/AAAAAAAAAAAAAAAAAAAAAAAAAAAAIQAAABgAAAAUAAAAeiIAAPEIAADsIgAAYgkAAAAAAAAmAAAACAAAAP//////////MAAAABQAAAAAAAAA/Er//wS1AAD8Sv//BLUAAA=="/>
                 </a:ext>
               </a:extLst>
             </p:cNvSpPr>
@@ -9758,7 +9739,7 @@
             <p:cNvSpPr>
               <a:extLst>
                 <a:ext uri="smNativeData">
-                  <pr:smNativeData xmlns:pr="smNativeData" xmlns="smNativeData" val="SMDATA_16_gfoFYRMAAAAlAAAACgAAAA0AAAAAkAAAAEgAAACQAAAASAAAAAAAAAAAAAAAAAAAAAEAAABQAAAAAAAAAAAA4D8AAAAAAADgPwAAAAAAAOA/AAAAAAAA4D8AAAAAAADgPwAAAAAAAOA/AAAAAAAA4D8AAAAAAADgPwAAAAAAAOA/AAAAAAAA4D8CAAAAjAAAAAAAAAAAAAAA////AP///wgAAAAAAAAAAAAAAAAAAAAAAAAAAAAAAAAAAAAAeAAAAAEAAABAAAAAAAAAAAAAAABaAAAAAAAAAAAAAAAAAAAAAAAAAAAAAAAAAAAAAAAAAAAAAAAAAAAAAAAAAAAAAAAAAAAAAAAAAAAAAAAAAAAAAAAAAAAAAAAAAAAAFAAAADwAAAABAAAABAAAAAAAAAkKAAAAAQAAABQAAAAUAAAAFAAAAAEAAAAAAAAAZAAAAGQAAAAAAAAAZAAAAGQAAAAVAAAAYAAAAAAAAAAAAAAADwAAACADAAAAAAAAAAAAAAEAAACgMgAAVgcAAKr4//8BAAAAf39/AAEAAABkAAAAAAAAABQAAABAHwAAAAAAACYAAAAAAAAAwOD//wAAAAAmAAAAZAAAABYAAABMAAAAAAAAAAAAAAAEAAAAAAAAAAEAAADn5uYKAAAAACgAAAAoAAAAZAAAAGQAAAAAAAAAzMzMAAAAAABQAAAAUAAAAGQAAABkAAAAAAAAABcAAAAUAAAAAAAAAAAAAAD/fwAA/38AAAAAAAAJAAAABAAAAAAAAAAeAAAAaAAAAAAAAAAAAAAAAAAAAAAAAAAAAAAAECcAABAnAAAAAAAAAAAAAAAAAAAAAAAAAAAAAAAAAAAAAAAAAAAAABQAAAAAAAAAwMD/AAAAAABkAAAAMgAAAAAAAABkAAAAAAAAAH9/fwAKAAAAIgAAABgAAAAAAAAAAAAAAAAAAAAAAAAAAAAAAAAAAAAkAAAAJAAAAAAAAAAHAAAAAAAAAAAAAAAAAAAAAAAAAAAAAAAAAAAAf39/ACUAAABYAAAAAAAAAAAAAAAAAAAAAAAAAAAAAAAAAAAAAAAAAAAAAAAAAAAAAAAAAAAAAAA/AAAAAAAAAKCGAQAAAAAAAAAAAAAAAAAMAAAAAQAAAAAAAAAAAAAAAAAAAB8AAABUAAAA////AP///wEAAAAAAAAAAAAAAAAAAAAAAAAAAAAAAAAAAAAAAAAAAAAAAAJ/f38A5+bmA8zMzADAwP8Af39/AAAAAAAAAAAAAAAAAAAAAAAAAAAAIQAAABgAAAAUAAAAoSAAAFIJAACLIgAAMwsAAAAAAAAmAAAACAAAAP//////////MAAAABQAAAAAAAAAAAD//wAAAQAAAP//AAABAA=="/>
+                  <pr:smNativeData xmlns:pr="smNativeData" xmlns="smNativeData" val="SMDATA_16_FAWHYRMAAAAlAAAACgAAAA0AAAAAkAAAAEgAAACQAAAASAAAAAAAAAAAAAAAAAAAAAEAAABQAAAAAAAAAAAA4D8AAAAAAADgPwAAAAAAAOA/AAAAAAAA4D8AAAAAAADgPwAAAAAAAOA/AAAAAAAA4D8AAAAAAADgPwAAAAAAAOA/AAAAAAAA4D8CAAAAjAAAAAAAAAAAAAAA////AP///wgAAAAAAAAAAAAAAAAAAAAAAAAAAAAAAAAAAAAAeAAAAAEAAABAAAAAAAAAAAAAAABaAAAAAAAAAAAAAAAAAAAAAAAAAAAAAAAAAAAAAAAAAAAAAAAAAAAAAAAAAAAAAAAAAAAAAAAAAAAAAAAAAAAAAAAAAAAAAAAAAAAAFAAAADwAAAABAAAABAAAAAAAAAkKAAAAAQAAABQAAAAUAAAAFAAAAAEAAAAAAAAAZAAAAGQAAAAAAAAAZAAAAGQAAAAVAAAAYAAAAAAAAAAAAAAADwAAACADAAAAAAAAAAAAAAEAAACgMgAAVgcAAKr4//8BAAAAf39/AAEAAABkAAAAAAAAABQAAABAHwAAAAAAACYAAAAAAAAAwOD//wAAAAAmAAAAZAAAABYAAABMAAAAAAAAAAAAAAAEAAAAAAAAAAEAAADn5uYKAAAAACgAAAAoAAAAZAAAAGQAAAAAAAAAzMzMAAAAAABQAAAAUAAAAGQAAABkAAAAAAAAABcAAAAUAAAAAAAAAAAAAAD/fwAA/38AAAAAAAAJAAAABAAAAAAAAAAeAAAAaAAAAAAAAAAAAAAAAAAAAAAAAAAAAAAAECcAABAnAAAAAAAAAAAAAAAAAAAAAAAAAAAAAAAAAAAAAAAAAAAAABQAAAAAAAAAwMD/AAAAAABkAAAAMgAAAAAAAABkAAAAAAAAAH9/fwAKAAAAIgAAABgAAAAAAAAAAAAAAAAAAAAAAAAAAAAAAAAAAAAkAAAAJAAAAAAAAAAHAAAAAAAAAAAAAAAAAAAAAAAAAAAAAAAAAAAAf39/ACUAAABYAAAAAAAAAAAAAAAAAAAAAAAAAAAAAAAAAAAAAAAAAAAAAAAAAAAAAAAAAAAAAAA/AAAAAAAAAKCGAQAAAAAAAAAAAAAAAAAMAAAAAQAAAAAAAAAAAAAAAAAAAB8AAABUAAAA////AP///wEAAAAAAAAAAAAAAAAAAAAAAAAAAAAAAAAAAAAAAAAAAAAAAAJ/f38A5+bmA8zMzADAwP8Af39/AAAAAAAAAAAAAAAAAAAAAAAAAAAAIQAAABgAAAAUAAAAoSAAAFIJAACLIgAAMwsAAAAAAAAmAAAACAAAAP//////////MAAAABQAAAAAAAAAAAD//wAAAQAAAP//AAABAA=="/>
                 </a:ext>
               </a:extLst>
             </p:cNvSpPr>
@@ -9790,7 +9771,7 @@
             <p:cNvSpPr>
               <a:extLst>
                 <a:ext uri="smNativeData">
-                  <pr:smNativeData xmlns:pr="smNativeData" xmlns="smNativeData" val="SMDATA_16_gfoFYRMAAAAlAAAAZAAAAE0AAAAAkAAAAEgAAACQAAAASAAAAAAAAAAAAAAAAAAAAAEAAABQAAAAAAAAAAAA4D8AAAAAAADgPwAAAAAAAOA/AAAAAAAA4D8AAAAAAADgPwAAAAAAAOA/AAAAAAAA4D8AAAAAAADgPwAAAAAAAOA/AAAAAAAA4D8CAAAAjAAAAAAAAAAAAAAARHLEDP///wgAAAAAAAAAAAAAAAAAAAAAAAAAAAAAAAAAAAAAZAAAAAEAAABAAAAAAAAAAAAAAAAAAAAAAAAAAAAAAAAAAAAAAAAAAAAAAAAAAAAAAAAAAAAAAAAAAAAAAAAAAAAAAAAAAAAAAAAAAAAAAAAAAAAAAAAAAAAAAAAAAAAAFAAAADwAAAAAAAAAAAAAAAAAAAAPAAAAAQAAACMAAAAjAAAAIwAAAB4AAAAAAAAAZAAAAGQAAAAAAAAAZAAAAGQAAAAVAAAAYAAAAAAAAAAAAAAADwAAACADAAAAAAAAAAAAAAEAAACgMgAAVgcAAKr4//8BAAAAf39/AAEAAABkAAAAAAAAABQAAABAHwAAAAAAACYAAAAAAAAAwOD//wAAAAAmAAAAZAAAABYAAABMAAAAAAAAAAAAAAAEAAAAAAAAAAEAAADn5uYKAAAAACgAAAAoAAAAZAAAAGQAAAAAAAAAzMzMAAAAAABQAAAAUAAAAGQAAABkAAAAAAAAABcAAAAUAAAAAAAAAAAAAAD/fwAA/38AAAAAAAAJAAAABAAAAAAAAAAeAAAAaAAAAAAAAAAAAAAAAAAAAAAAAAAAAAAAECcAABAnAAAAAAAAAAAAAAAAAAAAAAAAAAAAAAAAAAAAAAAAAAAAABQAAAAAAAAAwMD/AAAAAABkAAAAMgAAAAAAAABkAAAAAAAAAH9/fwAKAAAAIgAAABgAAAAAAAAAAAAAAAAAAAAAAAAAAAAAAAAAAAAkAAAAJAAAAAAAAAAHAAAAAAAAAAAAAAAAAAAAAAAAAAAAAAAAAAAAf39/ACUAAABYAAAAAAAAAAAAAAAAAAAAAAAAAAAAAAAAAAAAAAAAAAAAAAAAAAAAAAAAAAAAAAA/AAAAAAAAAKCGAQAAAAAAAAAAAAAAAAAMAAAAAQAAAAAAAAAAAAAAAAAAAB8AAABUAAAARHLEBf///wEAAAAAAAAAAAAAAAAAAAAAAAAAAAAAAAAAAAAAAAAAAAAAAAB/f38A5+bmA8zMzADAwP8Af39/AAAAAAAAAAAAAAAAAAAAAAAAAAAAIQAAABgAAAAUAAAAWSEAAGwHAAD/JQAAIAkAAAAgAAAmAAAACAAAAP//////////MAAAABQAAAAAAAAAAAD//wAAAQAAAP//AAABAA=="/>
+                  <pr:smNativeData xmlns:pr="smNativeData" xmlns="smNativeData" val="SMDATA_16_FAWHYRMAAAAlAAAAZAAAAE0AAAAAkAAAAEgAAACQAAAASAAAAAAAAAAAAAAAAAAAAAEAAABQAAAAAAAAAAAA4D8AAAAAAADgPwAAAAAAAOA/AAAAAAAA4D8AAAAAAADgPwAAAAAAAOA/AAAAAAAA4D8AAAAAAADgPwAAAAAAAOA/AAAAAAAA4D8CAAAAjAAAAAAAAAAAAAAARHLEDP///wgAAAAAAAAAAAAAAAAAAAAAAAAAAAAAAAAAAAAAZAAAAAEAAABAAAAAAAAAAAAAAAAAAAAAAAAAAAAAAAAAAAAAAAAAAAAAAAAAAAAAAAAAAAAAAAAAAAAAAAAAAAAAAAAAAAAAAAAAAAAAAAAAAAAAAAAAAAAAAAAAAAAAFAAAADwAAAAAAAAAAAAAAAAAAAAPAAAAAQAAACMAAAAjAAAAIwAAAB4AAAAAAAAAZAAAAGQAAAAAAAAAZAAAAGQAAAAVAAAAYAAAAAAAAAAAAAAADwAAACADAAAAAAAAAAAAAAEAAACgMgAAVgcAAKr4//8BAAAAf39/AAEAAABkAAAAAAAAABQAAABAHwAAAAAAACYAAAAAAAAAwOD//wAAAAAmAAAAZAAAABYAAABMAAAAAAAAAAAAAAAEAAAAAAAAAAEAAADn5uYKAAAAACgAAAAoAAAAZAAAAGQAAAAAAAAAzMzMAAAAAABQAAAAUAAAAGQAAABkAAAAAAAAABcAAAAUAAAAAAAAAAAAAAD/fwAA/38AAAAAAAAJAAAABAAAAAAAAAAeAAAAaAAAAAAAAAAAAAAAAAAAAAAAAAAAAAAAECcAABAnAAAAAAAAAAAAAAAAAAAAAAAAAAAAAAAAAAAAAAAAAAAAABQAAAAAAAAAwMD/AAAAAABkAAAAMgAAAAAAAABkAAAAAAAAAH9/fwAKAAAAIgAAABgAAAAAAAAAAAAAAAAAAAAAAAAAAAAAAAAAAAAkAAAAJAAAAAAAAAAHAAAAAAAAAAAAAAAAAAAAAAAAAAAAAAAAAAAAf39/ACUAAABYAAAAAAAAAAAAAAAAAAAAAAAAAAAAAAAAAAAAAAAAAAAAAAAAAAAAAAAAAAAAAAA/AAAAAAAAAKCGAQAAAAAAAAAAAAAAAAAMAAAAAQAAAAAAAAAAAAAAAAAAAB8AAABUAAAARHLEBf///wEAAAAAAAAAAAAAAAAAAAAAAAAAAAAAAAAAAAAAAAAAAAAAAAB/f38A5+bmA8zMzADAwP8Af39/AAAAAAAAAAAAAAAAAAAAAAAAAAAAIQAAABgAAAAUAAAAWSEAAGwHAAD/JQAAIAkAAAAgAAAmAAAACAAAAP//////////MAAAABQAAAAAAAAAAAD//wAAAQAAAP//AAABAA=="/>
                 </a:ext>
               </a:extLst>
             </p:cNvSpPr>
@@ -9831,7 +9812,7 @@
             <p:cNvSpPr>
               <a:extLst>
                 <a:ext uri="smNativeData">
-                  <pr:smNativeData xmlns:pr="smNativeData" xmlns="smNativeData" val="SMDATA_16_gfoFYRMAAAAlAAAAZgAAAA0AAAAAkAAAAEgAAACQAAAASAAAAAAAAAABAAAAAAAAAAEAAABQAAAAAAAAAAAA8D8AAAAAAADwPwAAAAAAAOA/AAAAAAAA4D8AAAAAAADgPwAAAAAAAOA/AAAAAAAA4D8AAAAAAADgPwAAAAAAAOA/AAAAAAAA4D8CAAAAjAAAAAAAAAAAAAAARHLEDP///wgAAAAAAAAAAAAAAAAAAAAAAAAAAAAAAAAAAAAAZAAAAAEAAABAAAAAAAAAAAAAAAAAAAAAAAAAAAAAAAAAAAAAAAAAAAAAAAAAAAAAAAAAAAAAAAAAAAAAAAAAAAAAAAAAAAAAAAAAAAAAAAAAAAAAAAAAAAAAAAAAAAAAFAAAADwAAAABAAAAAAAAAAAAAAkUAAAAAQAAABQAAAAUAAAAFAAAAAEAAAAAAAAAZAAAAGQAAAAAAAAAZAAAAGQAAAAVAAAAYAAAAAAAAAAAAAAADwAAACADAAAAAAAAAAAAAAEAAACgMgAAVgcAAKr4//8BAAAAf39/AAEAAABkAAAAAAAAABQAAABAHwAAAAAAACYAAAAAAAAAwOD//wAAAAAmAAAAZAAAABYAAABMAAAAAAAAAAAAAAAEAAAAAAAAAAEAAADn5uYKAAAAACgAAAAoAAAAZAAAAGQAAAAAAAAAzMzMAAAAAABQAAAAUAAAAGQAAABkAAAAAAAAABcAAAAUAAAAAAAAAAAAAAD/fwAA/38AAAAAAAAJAAAABAAAAAAAAAAeAAAAaAAAAAAAAAAAAAAAAAAAAAAAAAAAAAAAECcAABAnAAAAAAAAAAAAAAAAAAAAAAAAAAAAAAAAAAAAAAAAAAAAABQAAAAAAAAAwMD/AAAAAABkAAAAMgAAAAAAAABkAAAAAAAAAH9/fwAKAAAAIgAAABgAAAAAAAAAAAAAAAAAAAAAAAAAAAAAAAAAAAAkAAAAJAAAAAAAAAAHAAAAAAAAAAAAAAAAAAAAAAAAAAAAAAAAAAAAf39/ACUAAABYAAAAAAAAAAAAAAAAAAAAAAAAAAAAAAAAAAAAAAAAAAAAAAAAAAAAAAAAAAAAAAA/AAAAAAAAAKCGAQAAAAAAAAAAAAAAAAAMAAAAAQAAAAAAAAAAAAAAAAAAAB8AAABUAAAARHLEBf///wEAAAAAAAAAAAAAAAAAAAAAAAAAAAAAAAAAAAAAAAAAAAAAAAJ/f38A5+bmA8zMzADAwP8Af39/AAAAAAAAAAAAAAAAAAAAAAAAAAAAIQAAABgAAAAUAAAAQCAAACILAACxIAAAlAsAAAAAAAAmAAAACAAAAP//////////MAAAABQAAAAAAAAA/Er//wS1AAD8Sv//BLUAAA=="/>
+                  <pr:smNativeData xmlns:pr="smNativeData" xmlns="smNativeData" val="SMDATA_16_FAWHYRMAAAAlAAAAZgAAAA0AAAAAkAAAAEgAAACQAAAASAAAAAAAAAABAAAAAAAAAAEAAABQAAAAAAAAAAAA8D8AAAAAAADwPwAAAAAAAOA/AAAAAAAA4D8AAAAAAADgPwAAAAAAAOA/AAAAAAAA4D8AAAAAAADgPwAAAAAAAOA/AAAAAAAA4D8CAAAAjAAAAAAAAAAAAAAARHLEDP///wgAAAAAAAAAAAAAAAAAAAAAAAAAAAAAAAAAAAAAZAAAAAEAAABAAAAAAAAAAAAAAAAAAAAAAAAAAAAAAAAAAAAAAAAAAAAAAAAAAAAAAAAAAAAAAAAAAAAAAAAAAAAAAAAAAAAAAAAAAAAAAAAAAAAAAAAAAAAAAAAAAAAAFAAAADwAAAABAAAAAAAAAAAAAAkUAAAAAQAAABQAAAAUAAAAFAAAAAEAAAAAAAAAZAAAAGQAAAAAAAAAZAAAAGQAAAAVAAAAYAAAAAAAAAAAAAAADwAAACADAAAAAAAAAAAAAAEAAACgMgAAVgcAAKr4//8BAAAAf39/AAEAAABkAAAAAAAAABQAAABAHwAAAAAAACYAAAAAAAAAwOD//wAAAAAmAAAAZAAAABYAAABMAAAAAAAAAAAAAAAEAAAAAAAAAAEAAADn5uYKAAAAACgAAAAoAAAAZAAAAGQAAAAAAAAAzMzMAAAAAABQAAAAUAAAAGQAAABkAAAAAAAAABcAAAAUAAAAAAAAAAAAAAD/fwAA/38AAAAAAAAJAAAABAAAAAAAAAAeAAAAaAAAAAAAAAAAAAAAAAAAAAAAAAAAAAAAECcAABAnAAAAAAAAAAAAAAAAAAAAAAAAAAAAAAAAAAAAAAAAAAAAABQAAAAAAAAAwMD/AAAAAABkAAAAMgAAAAAAAABkAAAAAAAAAH9/fwAKAAAAIgAAABgAAAAAAAAAAAAAAAAAAAAAAAAAAAAAAAAAAAAkAAAAJAAAAAAAAAAHAAAAAAAAAAAAAAAAAAAAAAAAAAAAAAAAAAAAf39/ACUAAABYAAAAAAAAAAAAAAAAAAAAAAAAAAAAAAAAAAAAAAAAAAAAAAAAAAAAAAAAAAAAAAA/AAAAAAAAAKCGAQAAAAAAAAAAAAAAAAAMAAAAAQAAAAAAAAAAAAAAAAAAAB8AAABUAAAARHLEBf///wEAAAAAAAAAAAAAAAAAAAAAAAAAAAAAAAAAAAAAAAAAAAAAAAJ/f38A5+bmA8zMzADAwP8Af39/AAAAAAAAAAAAAAAAAAAAAAAAAAAAIQAAABgAAAAUAAAAQCAAACILAACxIAAAlAsAAAAAAAAmAAAACAAAAP//////////MAAAABQAAAAAAAAA/Er//wS1AAD8Sv//BLUAAA=="/>
                 </a:ext>
               </a:extLst>
             </p:cNvSpPr>
@@ -9877,7 +9858,7 @@
             <p:cNvSpPr>
               <a:extLst>
                 <a:ext uri="smNativeData">
-                  <pr:smNativeData xmlns:pr="smNativeData" xmlns="smNativeData" val="SMDATA_16_gfoFYRMAAAAlAAAACgAAAA0AAAAAkAAAAEgAAACQAAAASAAAAAAAAAAAAAAAAAAAAAEAAABQAAAAAAAAAAAA4D8AAAAAAADgPwAAAAAAAOA/AAAAAAAA4D8AAAAAAADgPwAAAAAAAOA/AAAAAAAA4D8AAAAAAADgPwAAAAAAAOA/AAAAAAAA4D8CAAAAjAAAAAAAAAAAAAAA////AP///wgAAAAAAAAAAAAAAAAAAAAAAAAAAAAAAAAAAAAAeAAAAAEAAABAAAAAAAAAAAAAAABaAAAAAAAAAAAAAAAAAAAAAAAAAAAAAAAAAAAAAAAAAAAAAAAAAAAAAAAAAAAAAAAAAAAAAAAAAAAAAAAAAAAAAAAAAAAAAAAAAAAAFAAAADwAAAABAAAAAAAAAAAAAAkKAAAAAQAAABQAAAAUAAAAFAAAAAEAAAACAAAAZAAAAGQAAAACAAAAZAAAAGQAAAAVAAAAYAAAAAAAAAAAAAAADwAAACADAAAAAAAAAAAAAAEAAACgMgAAVgcAAKr4//8BAAAAf39/AAEAAABkAAAAAAAAABQAAABAHwAAAAAAACYAAAAAAAAAwOD//wAAAAAmAAAAZAAAABYAAABMAAAAAAAAAAAAAAAEAAAAAAAAAAEAAADn5uYKAAAAACgAAAAoAAAAZAAAAGQAAAAAAAAAzMzMAAAAAABQAAAAUAAAAGQAAABkAAAAAAAAABcAAAAUAAAAAAAAAAAAAAD/fwAA/38AAAAAAAAJAAAABAAAAAAAAAAeAAAAaAAAAAAAAAAAAAAAAAAAAAAAAAAAAAAAECcAABAnAAAAAAAAAAAAAAAAAAAAAAAAAAAAAAAAAAAAAAAAAAAAABQAAAAAAAAAwMD/AAAAAABkAAAAMgAAAAAAAABkAAAAAAAAAH9/fwAKAAAAIgAAABgAAAAAAAAAAAAAAAAAAAAAAAAAAAAAAAAAAAAkAAAAJAAAAAAAAAAHAAAAAAAAAAAAAAAAAAAAAAAAAAAAAAAAAAAAf39/ACUAAABYAAAAAAAAAAAAAAAAAAAAAAAAAAAAAAAAAAAAAAAAAAAAAAAAAAAAAAAAAAAAAAA/AAAAAAAAAKCGAQAAAAAAAAAAAAAAAAAMAAAAAQAAAAAAAAAAAAAAAAAAAB8AAABUAAAA////AP///wEAAAAAAAAAAAAAAAAAAAAAAAAAAAAAAAAAAAAAAAAAAAAAAAJ/f38A5+bmA8zMzADAwP8Af39/AAAAAAAAAAAAAAAAAAAAAAAAAAAAIQAAABgAAAAUAAAA4BkAAFELAAATJwAAZQsAAAAAAAAmAAAACAAAAP//////////MAAAABQAAAAAAAAAAAD//wAAAQAAAP//AAABAA=="/>
+                  <pr:smNativeData xmlns:pr="smNativeData" xmlns="smNativeData" val="SMDATA_16_FAWHYRMAAAAlAAAACgAAAA0AAAAAkAAAAEgAAACQAAAASAAAAAAAAAAAAAAAAAAAAAEAAABQAAAAAAAAAAAA4D8AAAAAAADgPwAAAAAAAOA/AAAAAAAA4D8AAAAAAADgPwAAAAAAAOA/AAAAAAAA4D8AAAAAAADgPwAAAAAAAOA/AAAAAAAA4D8CAAAAjAAAAAAAAAAAAAAA////AP///wgAAAAAAAAAAAAAAAAAAAAAAAAAAAAAAAAAAAAAeAAAAAEAAABAAAAAAAAAAAAAAABaAAAAAAAAAAAAAAAAAAAAAAAAAAAAAAAAAAAAAAAAAAAAAAAAAAAAAAAAAAAAAAAAAAAAAAAAAAAAAAAAAAAAAAAAAAAAAAAAAAAAFAAAADwAAAABAAAAAAAAAAAAAAkKAAAAAQAAABQAAAAUAAAAFAAAAAEAAAACAAAAZAAAAGQAAAACAAAAZAAAAGQAAAAVAAAAYAAAAAAAAAAAAAAADwAAACADAAAAAAAAAAAAAAEAAACgMgAAVgcAAKr4//8BAAAAf39/AAEAAABkAAAAAAAAABQAAABAHwAAAAAAACYAAAAAAAAAwOD//wAAAAAmAAAAZAAAABYAAABMAAAAAAAAAAAAAAAEAAAAAAAAAAEAAADn5uYKAAAAACgAAAAoAAAAZAAAAGQAAAAAAAAAzMzMAAAAAABQAAAAUAAAAGQAAABkAAAAAAAAABcAAAAUAAAAAAAAAAAAAAD/fwAA/38AAAAAAAAJAAAABAAAAAAAAAAeAAAAaAAAAAAAAAAAAAAAAAAAAAAAAAAAAAAAECcAABAnAAAAAAAAAAAAAAAAAAAAAAAAAAAAAAAAAAAAAAAAAAAAABQAAAAAAAAAwMD/AAAAAABkAAAAMgAAAAAAAABkAAAAAAAAAH9/fwAKAAAAIgAAABgAAAAAAAAAAAAAAAAAAAAAAAAAAAAAAAAAAAAkAAAAJAAAAAAAAAAHAAAAAAAAAAAAAAAAAAAAAAAAAAAAAAAAAAAAf39/ACUAAABYAAAAAAAAAAAAAAAAAAAAAAAAAAAAAAAAAAAAAAAAAAAAAAAAAAAAAAAAAAAAAAA/AAAAAAAAAKCGAQAAAAAAAAAAAAAAAAAMAAAAAQAAAAAAAAAAAAAAAAAAAB8AAABUAAAA////AP///wEAAAAAAAAAAAAAAAAAAAAAAAAAAAAAAAAAAAAAAAAAAAAAAAJ/f38A5+bmA8zMzADAwP8Af39/AAAAAAAAAAAAAAAAAAAAAAAAAAAAIQAAABgAAAAUAAAA4BkAAFELAAATJwAAZQsAAAAAAAAmAAAACAAAAP//////////MAAAABQAAAAAAAAAAAD//wAAAQAAAP//AAABAA=="/>
                 </a:ext>
               </a:extLst>
             </p:cNvSpPr>
@@ -9909,7 +9890,7 @@
             <p:cNvSpPr>
               <a:extLst>
                 <a:ext uri="smNativeData">
-                  <pr:smNativeData xmlns:pr="smNativeData" xmlns="smNativeData" val="SMDATA_16_gfoFYRMAAAAlAAAACgAAAA0AAAAAkAAAAEgAAACQAAAASAAAAAAAAAAAAAAAAAAAAAEAAABQAAAAAAAAAAAA4D8AAAAAAADgPwAAAAAAAOA/AAAAAAAA4D8AAAAAAADgPwAAAAAAAOA/AAAAAAAA4D8AAAAAAADgPwAAAAAAAOA/AAAAAAAA4D8CAAAAjAAAAAAAAAAAAAAA////AP///wgAAAAAAAAAAAAAAAAAAAAAAAAAAAAAAAAAAAAAeAAAAAEAAABAAAAAAAAAAAAAAABaAAAAAAAAAAAAAAAAAAAAAAAAAAAAAAAAAAAAAAAAAAAAAAAAAAAAAAAAAAAAAAAAAAAAAAAAAAAAAAAAAAAAAAAAAAAAAAAAAAAAFAAAADwAAAABAAAAAAAAAAAAAAkKAAAAAQAAABQAAAAUAAAAFAAAAAEAAAACAAAAZAAAAGQAAAACAAAAZAAAAGQAAAAVAAAAYAAAAAAAAAAAAAAADwAAACADAAAAAAAAAAAAAAEAAACgMgAAVgcAAKr4//8BAAAAf39/AAEAAABkAAAAAAAAABQAAABAHwAAAAAAACYAAAAAAAAAwOD//wAAAAAmAAAAZAAAABYAAABMAAAAAAAAAAAAAAAEAAAAAAAAAAEAAADn5uYKAAAAACgAAAAoAAAAZAAAAGQAAAAAAAAAzMzMAAAAAABQAAAAUAAAAGQAAABkAAAAAAAAABcAAAAUAAAAAAAAAAAAAAD/fwAA/38AAAAAAAAJAAAABAAAAAAAAAAeAAAAaAAAAAAAAAAAAAAAAAAAAAAAAAAAAAAAECcAABAnAAAAAAAAAAAAAAAAAAAAAAAAAAAAAAAAAAAAAAAAAAAAABQAAAAAAAAAwMD/AAAAAABkAAAAMgAAAAAAAABkAAAAAAAAAH9/fwAKAAAAIgAAABgAAAAAAAAAAAAAAAAAAAAAAAAAAAAAAAAAAAAkAAAAJAAAAAAAAAAHAAAAAAAAAAAAAAAAAAAAAAAAAAAAAAAAAAAAf39/ACUAAABYAAAAAAAAAAAAAAAAAAAAAAAAAAAAAAAAAAAAAAAAAAAAAAAAAAAAAAAAAAAAAAA/AAAAAAAAAKCGAQAAAAAAAAAAAAAAAAAMAAAAAQAAAAAAAAAAAAAAAAAAAB8AAABUAAAA////AP///wEAAAAAAAAAAAAAAAAAAAAAAAAAAAAAAAAAAAAAAAAAAAAAAAJ/f38A5+bmA8zMzADAwP8Af39/AAAAAAAAAAAAAAAAAAAAAAAAAAAAIQAAABgAAAAUAAAAeSAAAO4EAAB5IAAAyBEAAAAAAAAmAAAACAAAAP//////////MAAAABQAAAAAAAAAAAD//wAAAQAAAP//AAABAA=="/>
+                  <pr:smNativeData xmlns:pr="smNativeData" xmlns="smNativeData" val="SMDATA_16_FAWHYRMAAAAlAAAACgAAAA0AAAAAkAAAAEgAAACQAAAASAAAAAAAAAAAAAAAAAAAAAEAAABQAAAAAAAAAAAA4D8AAAAAAADgPwAAAAAAAOA/AAAAAAAA4D8AAAAAAADgPwAAAAAAAOA/AAAAAAAA4D8AAAAAAADgPwAAAAAAAOA/AAAAAAAA4D8CAAAAjAAAAAAAAAAAAAAA////AP///wgAAAAAAAAAAAAAAAAAAAAAAAAAAAAAAAAAAAAAeAAAAAEAAABAAAAAAAAAAAAAAABaAAAAAAAAAAAAAAAAAAAAAAAAAAAAAAAAAAAAAAAAAAAAAAAAAAAAAAAAAAAAAAAAAAAAAAAAAAAAAAAAAAAAAAAAAAAAAAAAAAAAFAAAADwAAAABAAAAAAAAAAAAAAkKAAAAAQAAABQAAAAUAAAAFAAAAAEAAAACAAAAZAAAAGQAAAACAAAAZAAAAGQAAAAVAAAAYAAAAAAAAAAAAAAADwAAACADAAAAAAAAAAAAAAEAAACgMgAAVgcAAKr4//8BAAAAf39/AAEAAABkAAAAAAAAABQAAABAHwAAAAAAACYAAAAAAAAAwOD//wAAAAAmAAAAZAAAABYAAABMAAAAAAAAAAAAAAAEAAAAAAAAAAEAAADn5uYKAAAAACgAAAAoAAAAZAAAAGQAAAAAAAAAzMzMAAAAAABQAAAAUAAAAGQAAABkAAAAAAAAABcAAAAUAAAAAAAAAAAAAAD/fwAA/38AAAAAAAAJAAAABAAAAAAAAAAeAAAAaAAAAAAAAAAAAAAAAAAAAAAAAAAAAAAAECcAABAnAAAAAAAAAAAAAAAAAAAAAAAAAAAAAAAAAAAAAAAAAAAAABQAAAAAAAAAwMD/AAAAAABkAAAAMgAAAAAAAABkAAAAAAAAAH9/fwAKAAAAIgAAABgAAAAAAAAAAAAAAAAAAAAAAAAAAAAAAAAAAAAkAAAAJAAAAAAAAAAHAAAAAAAAAAAAAAAAAAAAAAAAAAAAAAAAAAAAf39/ACUAAABYAAAAAAAAAAAAAAAAAAAAAAAAAAAAAAAAAAAAAAAAAAAAAAAAAAAAAAAAAAAAAAA/AAAAAAAAAKCGAQAAAAAAAAAAAAAAAAAMAAAAAQAAAAAAAAAAAAAAAAAAAB8AAABUAAAA////AP///wEAAAAAAAAAAAAAAAAAAAAAAAAAAAAAAAAAAAAAAAAAAAAAAAJ/f38A5+bmA8zMzADAwP8Af39/AAAAAAAAAAAAAAAAAAAAAAAAAAAAIQAAABgAAAAUAAAAeSAAAO4EAAB5IAAAyBEAAAAAAAAmAAAACAAAAP//////////MAAAABQAAAAAAAAAAAD//wAAAQAAAP//AAABAA=="/>
                 </a:ext>
               </a:extLst>
             </p:cNvSpPr>
@@ -9941,7 +9922,7 @@
             <p:cNvSpPr>
               <a:extLst>
                 <a:ext uri="smNativeData">
-                  <pr:smNativeData xmlns:pr="smNativeData" xmlns="smNativeData" val="SMDATA_16_gfoFYRMAAAAlAAAA1AAAAA0AAAAAkAAAAEgAAACQAAAASAAAAAAAAAABAAAAAAAAAAEAAABQAAAAmpmZmZmZuT8AAAAAAADoP5qZmZmZmdk/AAAAAAAA4D8AAAAAAADgPwAAAAAAAOA/AAAAAAAA4D8AAAAAAADgPwAAAAAAAOA/AAAAAAAA4D8CAAAAjAAAAAEAAAAAAAAAAAAACf///wgAAAAAAAAAAAAAAAAAAAAAAAAAAAAAAAAAAAAAZAAAAAEAAABAAAAAAAAAAAAAAAAAAAAAAAAAAAAAAAAAAAAAAAAAAAAAAAAAAAAAAAAAAAAAAAAAAAAAAAAAAAAAAAAAAAAAAAAAAAAAAAAAAAAAAAAAAAAAAAAAAAAAFAAAADwAAAAAAAAAAAAAADJVkQAUAAAAAQAAABQAAAAUAAAAFAAAAAEAAAAAAAAAZAAAAGQAAAAAAAAAZAAAAGQAAAAVAAAAYAAAAAAAAAAAAAAADwAAACADAAAAAAAAAAAAAAEAAACgMgAAVgcAAKr4//8BAAAAf39/AAEAAABkAAAAAAAAABQAAABAHwAAAAAAACYAAAAAAAAAwOD//wAAAAAmAAAAZAAAABYAAABMAAAAAAAAAAAAAAAEAAAAAAAAAAEAAADn5uYKAAAAACgAAAAoAAAAZAAAAGQAAAAAAAAAzMzMAAAAAABQAAAAUAAAAGQAAABkAAAAAAAAABcAAAAUAAAAAAAAAAAAAAD/fwAA/38AAAAAAAAJAAAABAAAAAAAAAAeAAAAaAAAAAAAAAAAAAAAAAAAAAAAAAAAAAAAECcAABAnAAAAAAAAAAAAAAAAAAAAAAAAAAAAAAAAAAAAAAAAAAAAABQAAAAAAAAAwMD/AAAAAABkAAAAMgAAAAAAAABkAAAAAAAAAH9/fwAKAAAAIgAAABgAAAAAAAAAAAAAAAAAAAAAAAAAAAAAAAAAAAAkAAAAJAAAAAAAAAAHAAAAAAAAAAAAAAAAAAAAAAAAAAAAAAAAAAAAf39/ACUAAABYAAAAAAAAAAAAAAAAAAAAAAAAAAAAAAAAAAAAAAAAAAAAAAAAAAAAAAAAAAAAAAA/AAAAAAAAAKCGAQAAAAAAAAAAAAAAAAAMAAAAAQAAAAAAAAAAAAAAAAAAAB8AAABUAAAAAAAAAv///wEAAAAAAAAAAAAAAAAAAAAAAAAAAAAAAAAAAAAAAAAAADJVkQB/f38A5+bmA8zMzADAwP8Af39/AAAAAAAAAAAAAAAAAAAAAAAAAAAAIQAAABgAAAAUAAAACR8AAFYKAADsHwAAjQwAAAAAAAAmAAAACAAAAP//////////MAAAABQAAAAAAAAA/Er//wS1AAA7aP//xZcAAA=="/>
+                  <pr:smNativeData xmlns:pr="smNativeData" xmlns="smNativeData" val="SMDATA_16_FAWHYRMAAAAlAAAA1AAAAA0AAAAAkAAAAEgAAACQAAAASAAAAAAAAAABAAAAAAAAAAEAAABQAAAAmpmZmZmZuT8AAAAAAADoP5qZmZmZmdk/AAAAAAAA4D8AAAAAAADgPwAAAAAAAOA/AAAAAAAA4D8AAAAAAADgPwAAAAAAAOA/AAAAAAAA4D8CAAAAjAAAAAEAAAAAAAAAAAAACf///wgAAAAAAAAAAAAAAAAAAAAAAAAAAAAAAAAAAAAAZAAAAAEAAABAAAAAAAAAAAAAAAAAAAAAAAAAAAAAAAAAAAAAAAAAAAAAAAAAAAAAAAAAAAAAAAAAAAAAAAAAAAAAAAAAAAAAAAAAAAAAAAAAAAAAAAAAAAAAAAAAAAAAFAAAADwAAAAAAAAAAAAAADJVkQAUAAAAAQAAABQAAAAUAAAAFAAAAAEAAAAAAAAAZAAAAGQAAAAAAAAAZAAAAGQAAAAVAAAAYAAAAAAAAAAAAAAADwAAACADAAAAAAAAAAAAAAEAAACgMgAAVgcAAKr4//8BAAAAf39/AAEAAABkAAAAAAAAABQAAABAHwAAAAAAACYAAAAAAAAAwOD//wAAAAAmAAAAZAAAABYAAABMAAAAAAAAAAAAAAAEAAAAAAAAAAEAAADn5uYKAAAAACgAAAAoAAAAZAAAAGQAAAAAAAAAzMzMAAAAAABQAAAAUAAAAGQAAABkAAAAAAAAABcAAAAUAAAAAAAAAAAAAAD/fwAA/38AAAAAAAAJAAAABAAAAAAAAAAeAAAAaAAAAAAAAAAAAAAAAAAAAAAAAAAAAAAAECcAABAnAAAAAAAAAAAAAAAAAAAAAAAAAAAAAAAAAAAAAAAAAAAAABQAAAAAAAAAwMD/AAAAAABkAAAAMgAAAAAAAABkAAAAAAAAAH9/fwAKAAAAIgAAABgAAAAAAAAAAAAAAAAAAAAAAAAAAAAAAAAAAAAkAAAAJAAAAAAAAAAHAAAAAAAAAAAAAAAAAAAAAAAAAAAAAAAAAAAAf39/ACUAAABYAAAAAAAAAAAAAAAAAAAAAAAAAAAAAAAAAAAAAAAAAAAAAAAAAAAAAAAAAAAAAAA/AAAAAAAAAKCGAQAAAAAAAAAAAAAAAAAMAAAAAQAAAAAAAAAAAAAAAAAAAB8AAABUAAAAAAAAAv///wEAAAAAAAAAAAAAAAAAAAAAAAAAAAAAAAAAAAAAAAAAADJVkQB/f38A5+bmA8zMzADAwP8Af39/AAAAAAAAAAAAAAAAAAAAAAAAAAAAIQAAABgAAAAUAAAACR8AAFYKAADsHwAAjQwAAAAAAAAmAAAACAAAAP//////////MAAAABQAAAAAAAAA/Er//wS1AAA7aP//xZcAAA=="/>
                 </a:ext>
               </a:extLst>
             </p:cNvSpPr>
@@ -9992,7 +9973,7 @@
             <p:cNvSpPr>
               <a:extLst>
                 <a:ext uri="smNativeData">
-                  <pr:smNativeData xmlns:pr="smNativeData" xmlns="smNativeData" val="SMDATA_16_gfoFYRMAAAAlAAAA1QAAAA0AAAAAkAAAAEgAAACQAAAASAAAAAAAAAABAAAAAAAAAAEAAABQAAAAkt4dqTFAuT8AAAAAAADoP8qsvAU9QNk/AAAAAAAA4D8AAAAAAADgPwAAAAAAAOA/AAAAAAAA4D8AAAAAAADgPwAAAAAAAOA/AAAAAAAA4D8CAAAAjAAAAAEAAAAAAAAAAAAACf///wgAAAAAAAAAAAAAAAAAAAAAAAAAAAAAAAAAAAAAZAAAAAEAAABAAAAAAAAAAAAAAAAAAAAAAAAAAAAAAAAAAAAAAAAAAAAAAAAAAAAAAAAAAAAAAAAAAAAAAAAAAAAAAAAAAAAAAAAAAAAAAAAAAAAAAAAAAAAAAAAAAAAAFAAAADwAAAAAAAAAAAAAADJVkQAUAAAAAQAAABQAAAAUAAAAFAAAAAEAAAAAAAAAZAAAAGQAAAAAAAAAZAAAAGQAAAAVAAAAYAAAAAAAAAAAAAAADwAAACADAAAAAAAAAAAAAAEAAACgMgAAVgcAAKr4//8BAAAAf39/AAEAAABkAAAAAAAAABQAAABAHwAAAAAAACYAAAAAAAAAwOD//wAAAAAmAAAAZAAAABYAAABMAAAAAAAAAAAAAAAEAAAAAAAAAAEAAADn5uYKAAAAACgAAAAoAAAAZAAAAGQAAAAAAAAAzMzMAAAAAABQAAAAUAAAAGQAAABkAAAAAAAAABcAAAAUAAAAAAAAAAAAAAD/fwAA/38AAAAAAAAJAAAABAAAAAAAAAAeAAAAaAAAAAAAAAAAAAAAAAAAAAAAAAAAAAAAECcAABAnAAAAAAAAAAAAAAAAAAAAAAAAAAAAAAAAAAAAAAAAAAAAABQAAAAAAAAAwMD/AAAAAABkAAAAMgAAAAAAAABkAAAAAAAAAH9/fwAKAAAAIgAAABgAAAAAAAAAAAAAAAAAAAAAAAAAAAAAAAAAAAAkAAAAJAAAAAAAAAAHAAAAAAAAAAAAAAAAAAAAAAAAAAAAAAAAAAAAf39/ACUAAABYAAAAAAAAAAAAAAAAAAAAAAAAAAAAAAAAAAAAAAAAAAAAAAAAAAAAAAAAAAAAAAA/AAAAAAAAAKCGAQAAAAAAAAAAAAAAAAAMAAAAAQAAAAAAAAAAAAAAAAAAAB8AAABUAAAAAAAAAv///wEAAAAAAAAAAAAAAAAAAAAAAAAAAAAAAAAAAAAAAAAAADJVkQB/f38A5+bmA8zMzADAwP8Af39/AAAAAAAAAAAAAAAAAAAAAAAAAAAAIQAAABgAAAAUAAAABiEAAFYKAADlIQAAjQwAAAAAAAAmAAAACAAAAP//////////MAAAABQAAAAAAAAA/Er//wS1AAB8aP//hJcAAA=="/>
+                  <pr:smNativeData xmlns:pr="smNativeData" xmlns="smNativeData" val="SMDATA_16_FAWHYRMAAAAlAAAA1QAAAA0AAAAAkAAAAEgAAACQAAAASAAAAAAAAAABAAAAAAAAAAEAAABQAAAAkt4dqTFAuT8AAAAAAADoP8qsvAU9QNk/AAAAAAAA4D8AAAAAAADgPwAAAAAAAOA/AAAAAAAA4D8AAAAAAADgPwAAAAAAAOA/AAAAAAAA4D8CAAAAjAAAAAEAAAAAAAAAAAAACf///wgAAAAAAAAAAAAAAAAAAAAAAAAAAAAAAAAAAAAAZAAAAAEAAABAAAAAAAAAAAAAAAAAAAAAAAAAAAAAAAAAAAAAAAAAAAAAAAAAAAAAAAAAAAAAAAAAAAAAAAAAAAAAAAAAAAAAAAAAAAAAAAAAAAAAAAAAAAAAAAAAAAAAFAAAADwAAAAAAAAAAAAAADJVkQAUAAAAAQAAABQAAAAUAAAAFAAAAAEAAAAAAAAAZAAAAGQAAAAAAAAAZAAAAGQAAAAVAAAAYAAAAAAAAAAAAAAADwAAACADAAAAAAAAAAAAAAEAAACgMgAAVgcAAKr4//8BAAAAf39/AAEAAABkAAAAAAAAABQAAABAHwAAAAAAACYAAAAAAAAAwOD//wAAAAAmAAAAZAAAABYAAABMAAAAAAAAAAAAAAAEAAAAAAAAAAEAAADn5uYKAAAAACgAAAAoAAAAZAAAAGQAAAAAAAAAzMzMAAAAAABQAAAAUAAAAGQAAABkAAAAAAAAABcAAAAUAAAAAAAAAAAAAAD/fwAA/38AAAAAAAAJAAAABAAAAAAAAAAeAAAAaAAAAAAAAAAAAAAAAAAAAAAAAAAAAAAAECcAABAnAAAAAAAAAAAAAAAAAAAAAAAAAAAAAAAAAAAAAAAAAAAAABQAAAAAAAAAwMD/AAAAAABkAAAAMgAAAAAAAABkAAAAAAAAAH9/fwAKAAAAIgAAABgAAAAAAAAAAAAAAAAAAAAAAAAAAAAAAAAAAAAkAAAAJAAAAAAAAAAHAAAAAAAAAAAAAAAAAAAAAAAAAAAAAAAAAAAAf39/ACUAAABYAAAAAAAAAAAAAAAAAAAAAAAAAAAAAAAAAAAAAAAAAAAAAAAAAAAAAAAAAAAAAAA/AAAAAAAAAKCGAQAAAAAAAAAAAAAAAAAMAAAAAQAAAAAAAAAAAAAAAAAAAB8AAABUAAAAAAAAAv///wEAAAAAAAAAAAAAAAAAAAAAAAAAAAAAAAAAAAAAAAAAADJVkQB/f38A5+bmA8zMzADAwP8Af39/AAAAAAAAAAAAAAAAAAAAAAAAAAAAIQAAABgAAAAUAAAABiEAAFYKAADlIQAAjQwAAAAAAAAmAAAACAAAAP//////////MAAAABQAAAAAAAAA/Er//wS1AAB8aP//hJcAAA=="/>
                 </a:ext>
               </a:extLst>
             </p:cNvSpPr>
@@ -10043,7 +10024,7 @@
             <p:cNvSpPr>
               <a:extLst>
                 <a:ext uri="smNativeData">
-                  <pr:smNativeData xmlns:pr="smNativeData" xmlns="smNativeData" val="SMDATA_16_gfoFYRMAAAAlAAAAZAAAAE0AAAAAkAAAAEgAAACQAAAASAAAAAAAAAAAAAAAAAAAAAEAAABQAAAAAAAAAAAA4D8AAAAAAADgPwAAAAAAAOA/AAAAAAAA4D8AAAAAAADgPwAAAAAAAOA/AAAAAAAA4D8AAAAAAADgPwAAAAAAAOA/AAAAAAAA4D8CAAAAjAAAAAAAAAAAAAAARHLEDP///wgAAAAAAAAAAAAAAAAAAAAAAAAAAAAAAAAAAAAAZAAAAAEAAABAAAAAAAAAAAAAAAAAAAAAAAAAAAAAAAAAAAAAAAAAAAAAAAAAAAAAAAAAAAAAAAAAAAAAAAAAAAAAAAAAAAAAAAAAAAAAAAAAAAAAAAAAAAAAAAAAAAAAFAAAADwAAAAAAAAAAAAAAAAAAAAPAAAAAQAAACMAAAAjAAAAIwAAAB4AAAAAAAAAZAAAAGQAAAAAAAAAZAAAAGQAAAAVAAAAYAAAAAAAAAAAAAAADwAAACADAAAAAAAAAAAAAAEAAACgMgAAVgcAAKr4//8BAAAAf39/AAEAAABkAAAAAAAAABQAAABAHwAAAAAAACYAAAAAAAAAwOD//wAAAAAmAAAAZAAAABYAAABMAAAAAAAAAAAAAAAEAAAAAAAAAAEAAADn5uYKAAAAACgAAAAoAAAAZAAAAGQAAAAAAAAAzMzMAAAAAABQAAAAUAAAAGQAAABkAAAAAAAAABcAAAAUAAAAAAAAAAAAAAD/fwAA/38AAAAAAAAJAAAABAAAAAAAAAAeAAAAaAAAAAAAAAAAAAAAAAAAAAAAAAAAAAAAECcAABAnAAAAAAAAAAAAAAAAAAAAAAAAAAAAAAAAAAAAAAAAAAAAABQAAAAAAAAAwMD/AAAAAABkAAAAMgAAAAAAAABkAAAAAAAAAH9/fwAKAAAAIgAAABgAAAAAAAAAAAAAAAAAAAAAAAAAAAAAAAAAAAAkAAAAJAAAAAAAAAAHAAAAAAAAAAAAAAAAAAAAAAAAAAAAAAAAAAAAf39/ACUAAABYAAAAAAAAAAAAAAAAAAAAAAAAAAAAAAAAAAAAAAAAAAAAAAAAAAAAAAAAAAAAAAA/AAAAAAAAAKCGAQAAAAAAAAAAAAAAAAAMAAAAAQAAAAAAAAAAAAAAAAAAAB8AAABUAAAARHLEBf///wEAAAAAAAAAAAAAAAAAAAAAAAAAAAAAAAAAAAAAAAAAAAAAAAB/f38A5+bmA8zMzADAwP8Af39/AAAAAAAAAAAAAAAAAAAAAAAAAAAAIQAAABgAAAAUAAAAgCEAADgKAAC7IwAAvAsAAAAgAAAmAAAACAAAAP//////////MAAAABQAAAAAAAAAAAD//wAAAQAAAP//AAABAA=="/>
+                  <pr:smNativeData xmlns:pr="smNativeData" xmlns="smNativeData" val="SMDATA_16_FAWHYRMAAAAlAAAAZAAAAE0AAAAAkAAAAEgAAACQAAAASAAAAAAAAAAAAAAAAAAAAAEAAABQAAAAAAAAAAAA4D8AAAAAAADgPwAAAAAAAOA/AAAAAAAA4D8AAAAAAADgPwAAAAAAAOA/AAAAAAAA4D8AAAAAAADgPwAAAAAAAOA/AAAAAAAA4D8CAAAAjAAAAAAAAAAAAAAARHLEDP///wgAAAAAAAAAAAAAAAAAAAAAAAAAAAAAAAAAAAAAZAAAAAEAAABAAAAAAAAAAAAAAAAAAAAAAAAAAAAAAAAAAAAAAAAAAAAAAAAAAAAAAAAAAAAAAAAAAAAAAAAAAAAAAAAAAAAAAAAAAAAAAAAAAAAAAAAAAAAAAAAAAAAAFAAAADwAAAAAAAAAAAAAAAAAAAAPAAAAAQAAACMAAAAjAAAAIwAAAB4AAAAAAAAAZAAAAGQAAAAAAAAAZAAAAGQAAAAVAAAAYAAAAAAAAAAAAAAADwAAACADAAAAAAAAAAAAAAEAAACgMgAAVgcAAKr4//8BAAAAf39/AAEAAABkAAAAAAAAABQAAABAHwAAAAAAACYAAAAAAAAAwOD//wAAAAAmAAAAZAAAABYAAABMAAAAAAAAAAAAAAAEAAAAAAAAAAEAAADn5uYKAAAAACgAAAAoAAAAZAAAAGQAAAAAAAAAzMzMAAAAAABQAAAAUAAAAGQAAABkAAAAAAAAABcAAAAUAAAAAAAAAAAAAAD/fwAA/38AAAAAAAAJAAAABAAAAAAAAAAeAAAAaAAAAAAAAAAAAAAAAAAAAAAAAAAAAAAAECcAABAnAAAAAAAAAAAAAAAAAAAAAAAAAAAAAAAAAAAAAAAAAAAAABQAAAAAAAAAwMD/AAAAAABkAAAAMgAAAAAAAABkAAAAAAAAAH9/fwAKAAAAIgAAABgAAAAAAAAAAAAAAAAAAAAAAAAAAAAAAAAAAAAkAAAAJAAAAAAAAAAHAAAAAAAAAAAAAAAAAAAAAAAAAAAAAAAAAAAAf39/ACUAAABYAAAAAAAAAAAAAAAAAAAAAAAAAAAAAAAAAAAAAAAAAAAAAAAAAAAAAAAAAAAAAAA/AAAAAAAAAKCGAQAAAAAAAAAAAAAAAAAMAAAAAQAAAAAAAAAAAAAAAAAAAB8AAABUAAAARHLEBf///wEAAAAAAAAAAAAAAAAAAAAAAAAAAAAAAAAAAAAAAAAAAAAAAAB/f38A5+bmA8zMzADAwP8Af39/AAAAAAAAAAAAAAAAAAAAAAAAAAAAIQAAABgAAAAUAAAAgCEAADgKAAC7IwAAvAsAAAAgAAAmAAAACAAAAP//////////MAAAABQAAAAAAAAAAAD//wAAAQAAAP//AAABAA=="/>
                 </a:ext>
               </a:extLst>
             </p:cNvSpPr>
@@ -10084,7 +10065,7 @@
             <p:cNvSpPr>
               <a:extLst>
                 <a:ext uri="smNativeData">
-                  <pr:smNativeData xmlns:pr="smNativeData" xmlns="smNativeData" val="SMDATA_16_gfoFYRMAAAAlAAAAZAAAAE0AAAAAkAAAAEgAAACQAAAASAAAAAAAAAAAAAAAAAAAAAEAAABQAAAAAAAAAAAA4D8AAAAAAADgPwAAAAAAAOA/AAAAAAAA4D8AAAAAAADgPwAAAAAAAOA/AAAAAAAA4D8AAAAAAADgPwAAAAAAAOA/AAAAAAAA4D8CAAAAjAAAAAAAAAAAAAAARHLEDP///wgAAAAAAAAAAAAAAAAAAAAAAAAAAAAAAAAAAAAAZAAAAAEAAABAAAAAAAAAAAAAAAAAAAAAAAAAAAAAAAAAAAAAAAAAAAAAAAAAAAAAAAAAAAAAAAAAAAAAAAAAAAAAAAAAAAAAAAAAAAAAAAAAAAAAAAAAAAAAAAAAAAAAFAAAADwAAAAAAAAAAAAAAAAAAAAPAAAAAQAAACMAAAAjAAAAIwAAAB4AAAAAAAAAZAAAAGQAAAAAAAAAZAAAAGQAAAAVAAAAYAAAAAAAAAAAAAAADwAAACADAAAAAAAAAAAAAAEAAACgMgAAVgcAAKr4//8BAAAAf39/AAEAAABkAAAAAAAAABQAAABAHwAAAAAAACYAAAAAAAAAwOD//wAAAAAmAAAAZAAAABYAAABMAAAAAAAAAAAAAAAEAAAAAAAAAAEAAADn5uYKAAAAACgAAAAoAAAAZAAAAGQAAAAAAAAAzMzMAAAAAABQAAAAUAAAAGQAAABkAAAAAAAAABcAAAAUAAAAAAAAAAAAAAD/fwAA/38AAAAAAAAJAAAABAAAAAAAAAAeAAAAaAAAAAAAAAAAAAAAAAAAAAAAAAAAAAAAECcAABAnAAAAAAAAAAAAAAAAAAAAAAAAAAAAAAAAAAAAAAAAAAAAABQAAAAAAAAAwMD/AAAAAABkAAAAMgAAAAAAAABkAAAAAAAAAH9/fwAKAAAAIgAAABgAAAAAAAAAAAAAAAAAAAAAAAAAAAAAAAAAAAAkAAAAJAAAAAAAAAAHAAAAAAAAAAAAAAAAAAAAAAAAAAAAAAAAAAAAf39/ACUAAABYAAAAAAAAAAAAAAAAAAAAAAAAAAAAAAAAAAAAAAAAAAAAAAAAAAAAAAAAAAAAAAA/AAAAAAAAAKCGAQAAAAAAAAAAAAAAAAAMAAAAAQAAAAAAAAAAAAAAAAAAAB8AAABUAAAARHLEBf///wEAAAAAAAAAAAAAAAAAAAAAAAAAAAAAAAAAAAAAAAAAAAAAAAB/f38A5+bmA8zMzADAwP8Af39/AAAAAAAAAAAAAAAAAAAAAAAAAAAAIQAAABgAAAAUAAAAZh0AADgKAAB5HwAAvAsAAAAgAAAmAAAACAAAAP//////////MAAAABQAAAAAAAAAAAD//wAAAQAAAP//AAABAA=="/>
+                  <pr:smNativeData xmlns:pr="smNativeData" xmlns="smNativeData" val="SMDATA_16_FAWHYRMAAAAlAAAAZAAAAE0AAAAAkAAAAEgAAACQAAAASAAAAAAAAAAAAAAAAAAAAAEAAABQAAAAAAAAAAAA4D8AAAAAAADgPwAAAAAAAOA/AAAAAAAA4D8AAAAAAADgPwAAAAAAAOA/AAAAAAAA4D8AAAAAAADgPwAAAAAAAOA/AAAAAAAA4D8CAAAAjAAAAAAAAAAAAAAARHLEDP///wgAAAAAAAAAAAAAAAAAAAAAAAAAAAAAAAAAAAAAZAAAAAEAAABAAAAAAAAAAAAAAAAAAAAAAAAAAAAAAAAAAAAAAAAAAAAAAAAAAAAAAAAAAAAAAAAAAAAAAAAAAAAAAAAAAAAAAAAAAAAAAAAAAAAAAAAAAAAAAAAAAAAAFAAAADwAAAAAAAAAAAAAAAAAAAAPAAAAAQAAACMAAAAjAAAAIwAAAB4AAAAAAAAAZAAAAGQAAAAAAAAAZAAAAGQAAAAVAAAAYAAAAAAAAAAAAAAADwAAACADAAAAAAAAAAAAAAEAAACgMgAAVgcAAKr4//8BAAAAf39/AAEAAABkAAAAAAAAABQAAABAHwAAAAAAACYAAAAAAAAAwOD//wAAAAAmAAAAZAAAABYAAABMAAAAAAAAAAAAAAAEAAAAAAAAAAEAAADn5uYKAAAAACgAAAAoAAAAZAAAAGQAAAAAAAAAzMzMAAAAAABQAAAAUAAAAGQAAABkAAAAAAAAABcAAAAUAAAAAAAAAAAAAAD/fwAA/38AAAAAAAAJAAAABAAAAAAAAAAeAAAAaAAAAAAAAAAAAAAAAAAAAAAAAAAAAAAAECcAABAnAAAAAAAAAAAAAAAAAAAAAAAAAAAAAAAAAAAAAAAAAAAAABQAAAAAAAAAwMD/AAAAAABkAAAAMgAAAAAAAABkAAAAAAAAAH9/fwAKAAAAIgAAABgAAAAAAAAAAAAAAAAAAAAAAAAAAAAAAAAAAAAkAAAAJAAAAAAAAAAHAAAAAAAAAAAAAAAAAAAAAAAAAAAAAAAAAAAAf39/ACUAAABYAAAAAAAAAAAAAAAAAAAAAAAAAAAAAAAAAAAAAAAAAAAAAAAAAAAAAAAAAAAAAAA/AAAAAAAAAKCGAQAAAAAAAAAAAAAAAAAMAAAAAQAAAAAAAAAAAAAAAAAAAB8AAABUAAAARHLEBf///wEAAAAAAAAAAAAAAAAAAAAAAAAAAAAAAAAAAAAAAAAAAAAAAAB/f38A5+bmA8zMzADAwP8Af39/AAAAAAAAAAAAAAAAAAAAAAAAAAAAIQAAABgAAAAUAAAAZh0AADgKAAB5HwAAvAsAAAAgAAAmAAAACAAAAP//////////MAAAABQAAAAAAAAAAAD//wAAAQAAAP//AAABAA=="/>
                 </a:ext>
               </a:extLst>
             </p:cNvSpPr>
@@ -10125,7 +10106,7 @@
             <p:cNvSpPr>
               <a:extLst>
                 <a:ext uri="smNativeData">
-                  <pr:smNativeData xmlns:pr="smNativeData" xmlns="smNativeData" val="SMDATA_16_gfoFYRMAAAAlAAAAZgAAAA0AAAAAkAAAAEgAAACQAAAASAAAAAAAAAABAAAAAAAAAAEAAABQAAAAAAAAAAAA8D8AAAAAAADwPwAAAAAAAOA/AAAAAAAA4D8AAAAAAADgPwAAAAAAAOA/AAAAAAAA4D8AAAAAAADgPwAAAAAAAOA/AAAAAAAA4D8CAAAAjAAAAAEAAAAAAAAAAAAACf///wgyAAAAAAAAAAAAAAAAAAAAAAAAAAAAAAAAAAAAZAAAAAEAAABAAAAAAAAAAAAAAAAAAAAAAAAAAAAAAAAAAAAAAAAAAAAAAAAAAAAAAAAAAAAAAAAAAAAAAAAAAAAAAAAAAAAAAAAAAAAAAAAAAAAAAAAAAAAAAAAAAAAAFAAAADwAAAAAAAAAAAAAADJVkQAUAAAAAQAAABQAAAAUAAAAFAAAAAEAAAAAAAAAZAAAAGQAAAAAAAAAZAAAAGQAAAAVAAAAYAAAAAAAAAAAAAAADwAAACADAAAAAAAAAAAAAAEAAACgMgAAVgcAAKr4//8BAAAAf39/AAEAAABkAAAAAAAAABQAAABAHwAAAAAAACYAAAAAAAAAwOD//wAAAAAmAAAAZAAAABYAAABMAAAAAAAAAAAAAAAEAAAAAAAAAAEAAADn5uYKAAAAACgAAAAoAAAAZAAAAGQAAAAAAAAAzMzMAAAAAABQAAAAUAAAAGQAAABkAAAAAAAAABcAAAAUAAAAAAAAAAAAAAD/fwAA/38AAAAAAAAJAAAABAAAAAAAAAAeAAAAaAAAAAAAAAAAAAAAAAAAAAAAAAAAAAAAECcAABAnAAAAAAAAAAAAAAAAAAAAAAAAAAAAAAAAAAAAAAAAAAAAABQAAAAAAAAAwMD/AAAAAABkAAAAMgAAAAAAAABkAAAAAAAAAH9/fwAKAAAAIgAAABgAAAAAAAAAAAAAAAAAAAAAAAAAAAAAAAAAAAAkAAAAJAAAAAAAAAAHAAAAAAAAAAAAAAAAAAAAAAAAAAAAAAAAAAAAf39/ACUAAABYAAAAAAAAAAAAAAAAAAAAAAAAAAAAAAAAAAAAAAAAAAAAAAAAAAAAAAAAAAAAAAA/AAAAAAAAAKCGAQAAAAAAAAAAAAAAAAAMAAAAAQAAAAAAAAAAAAAAAAAAAB8AAABUAAAAAAAAAv///wEAAAAAAAAAAAAAAAAAAAAAAAAAAAAAAAAAAAAAAAAAADJVkQB/f38A5+bmA8zMzADAwP8Af39/AAAAAAAAAAAAAAAAAAAAAAAAAAAAIQAAABgAAAAUAAAAeiIAAFgNAADsIgAAyQ0AAAAAAAAmAAAACAAAAP//////////MAAAABQAAAAAAAAA/Er//wS1AAD8Sv//BLUAAA=="/>
+                  <pr:smNativeData xmlns:pr="smNativeData" xmlns="smNativeData" val="SMDATA_16_FAWHYRMAAAAlAAAAZgAAAA0AAAAAkAAAAEgAAACQAAAASAAAAAAAAAABAAAAAAAAAAEAAABQAAAAAAAAAAAA8D8AAAAAAADwPwAAAAAAAOA/AAAAAAAA4D8AAAAAAADgPwAAAAAAAOA/AAAAAAAA4D8AAAAAAADgPwAAAAAAAOA/AAAAAAAA4D8CAAAAjAAAAAEAAAAAAAAAAAAACf///wgyAAAAAAAAAAAAAAAAAAAAAAAAAAAAAAAAAAAAZAAAAAEAAABAAAAAAAAAAAAAAAAAAAAAAAAAAAAAAAAAAAAAAAAAAAAAAAAAAAAAAAAAAAAAAAAAAAAAAAAAAAAAAAAAAAAAAAAAAAAAAAAAAAAAAAAAAAAAAAAAAAAAFAAAADwAAAAAAAAAAAAAADJVkQAUAAAAAQAAABQAAAAUAAAAFAAAAAEAAAAAAAAAZAAAAGQAAAAAAAAAZAAAAGQAAAAVAAAAYAAAAAAAAAAAAAAADwAAACADAAAAAAAAAAAAAAEAAACgMgAAVgcAAKr4//8BAAAAf39/AAEAAABkAAAAAAAAABQAAABAHwAAAAAAACYAAAAAAAAAwOD//wAAAAAmAAAAZAAAABYAAABMAAAAAAAAAAAAAAAEAAAAAAAAAAEAAADn5uYKAAAAACgAAAAoAAAAZAAAAGQAAAAAAAAAzMzMAAAAAABQAAAAUAAAAGQAAABkAAAAAAAAABcAAAAUAAAAAAAAAAAAAAD/fwAA/38AAAAAAAAJAAAABAAAAAAAAAAeAAAAaAAAAAAAAAAAAAAAAAAAAAAAAAAAAAAAECcAABAnAAAAAAAAAAAAAAAAAAAAAAAAAAAAAAAAAAAAAAAAAAAAABQAAAAAAAAAwMD/AAAAAABkAAAAMgAAAAAAAABkAAAAAAAAAH9/fwAKAAAAIgAAABgAAAAAAAAAAAAAAAAAAAAAAAAAAAAAAAAAAAAkAAAAJAAAAAAAAAAHAAAAAAAAAAAAAAAAAAAAAAAAAAAAAAAAAAAAf39/ACUAAABYAAAAAAAAAAAAAAAAAAAAAAAAAAAAAAAAAAAAAAAAAAAAAAAAAAAAAAAAAAAAAAA/AAAAAAAAAKCGAQAAAAAAAAAAAAAAAAAMAAAAAQAAAAAAAAAAAAAAAAAAAB8AAABUAAAAAAAAAv///wEAAAAAAAAAAAAAAAAAAAAAAAAAAAAAAAAAAAAAAAAAADJVkQB/f38A5+bmA8zMzADAwP8Af39/AAAAAAAAAAAAAAAAAAAAAAAAAAAAIQAAABgAAAAUAAAAeiIAAFgNAADsIgAAyQ0AAAAAAAAmAAAACAAAAP//////////MAAAABQAAAAAAAAA/Er//wS1AAD8Sv//BLUAAA=="/>
                 </a:ext>
               </a:extLst>
             </p:cNvSpPr>
@@ -10170,7 +10151,7 @@
             <p:cNvSpPr>
               <a:extLst>
                 <a:ext uri="smNativeData">
-                  <pr:smNativeData xmlns:pr="smNativeData" xmlns="smNativeData" val="SMDATA_16_gfoFYRMAAAAlAAAACgAAAA0AAAAAkAAAAEgAAACQAAAASAAAAAAAAAAAAAAAAgAAAAEAAABQAAAAAAAAAAAA4D8AAAAAAADgPwAAAAAAAOA/AAAAAAAA4D8AAAAAAADgPwAAAAAAAOA/AAAAAAAA4D8AAAAAAADgPwAAAAAAAOA/AAAAAAAA4D8CAAAAjAAAAAAAAAAAAAAA////AP///wgAAAAAAAAAAAAAAAAAAAAAAAAAAAAAAAAAAAAAeAAAAAEAAABAAAAAAAAAAAAAAABaAAAAAAAAAAAAAAAAAAAAAAAAAAAAAAAAAAAAAAAAAAAAAAAAAAAAAAAAAAAAAAAAAAAAAAAAAAAAAAAAAAAAAAAAAAAAAAAAAAAAFAAAADwAAAABAAAABAAAAAAAAAkKAAAAAQAAABQAAAAUAAAAFAAAAAEAAAAAAAAAZAAAAGQAAAAAAAAAZAAAAGQAAAAVAAAAYAAAAAAAAAAAAAAADwAAACADAAAAAAAAAAAAAAEAAACgMgAAVgcAAKr4//8BAAAAf39/AAEAAABkAAAAAAAAABQAAABAHwAAAAAAACYAAAAAAAAAwOD//wAAAAAmAAAAZAAAABYAAABMAAAAAAAAAAAAAAAEAAAAAAAAAAEAAADn5uYKAAAAACgAAAAoAAAAZAAAAGQAAAAAAAAAzMzMAAAAAABQAAAAUAAAAGQAAABkAAAAAAAAABcAAAAUAAAAAAAAAAAAAAD/fwAA/38AAAAAAAAJAAAABAAAAAAAAAAeAAAAaAAAAAAAAAAAAAAAAAAAAAAAAAAAAAAAECcAABAnAAAAAAAAAAAAAAAAAAAAAAAAAAAAAAAAAAAyAAAAAAAAABQAAAAAAAAAwMD/AAAAAABkAAAAMgAAAAAAAABkAAAAAAAAAH9/fwAKAAAAIgAAABgAAAAAAAAAAAAAAAAAAAAAAAAAAAAAAAAAAAAkAAAAJAAAAAAAAAAHAAAAAAAAAAAAAAAAAAAAAAAAAAAAAAAAAAAAf39/ACUAAABYAAAAAAAAAAAAAAAAAAAAAAAAAAAAAAAAAAAAAAAAAAAAAAAAAAAAAAAAAAAAAAA/AAAAAAAAAKCGAQAAAAAAAAAAAAAAAAAMAAAAAQAAAAAAAAAAAAAAAAAAAB8AAABUAAAA////AP///wEAAAAAAAAAAAAAAAAAAAAAAAAAAAAAAAAAAAAAAAAAAAAAAAJ/f38A5+bmA8zMzADAwP8Af39/AAAAAAAAAAAAAAAAAAAAAAAAAAAAIQAAABgAAAAUAAAAoSAAAIMLAACLIgAAaQ0AAAAAAAAmAAAACAAAAP//////////MAAAABQAAAAAAAAAAAD//wAAAQAAAP//AAABAA=="/>
+                  <pr:smNativeData xmlns:pr="smNativeData" xmlns="smNativeData" val="SMDATA_16_FAWHYRMAAAAlAAAACgAAAA0AAAAAkAAAAEgAAACQAAAASAAAAAAAAAAAAAAAAgAAAAEAAABQAAAAAAAAAAAA4D8AAAAAAADgPwAAAAAAAOA/AAAAAAAA4D8AAAAAAADgPwAAAAAAAOA/AAAAAAAA4D8AAAAAAADgPwAAAAAAAOA/AAAAAAAA4D8CAAAAjAAAAAAAAAAAAAAA////AP///wgAAAAAAAAAAAAAAAAAAAAAAAAAAAAAAAAAAAAAeAAAAAEAAABAAAAAAAAAAAAAAABaAAAAAAAAAAAAAAAAAAAAAAAAAAAAAAAAAAAAAAAAAAAAAAAAAAAAAAAAAAAAAAAAAAAAAAAAAAAAAAAAAAAAAAAAAAAAAAAAAAAAFAAAADwAAAABAAAABAAAAAAAAAkKAAAAAQAAABQAAAAUAAAAFAAAAAEAAAAAAAAAZAAAAGQAAAAAAAAAZAAAAGQAAAAVAAAAYAAAAAAAAAAAAAAADwAAACADAAAAAAAAAAAAAAEAAACgMgAAVgcAAKr4//8BAAAAf39/AAEAAABkAAAAAAAAABQAAABAHwAAAAAAACYAAAAAAAAAwOD//wAAAAAmAAAAZAAAABYAAABMAAAAAAAAAAAAAAAEAAAAAAAAAAEAAADn5uYKAAAAACgAAAAoAAAAZAAAAGQAAAAAAAAAzMzMAAAAAABQAAAAUAAAAGQAAABkAAAAAAAAABcAAAAUAAAAAAAAAAAAAAD/fwAA/38AAAAAAAAJAAAABAAAAAAAAAAeAAAAaAAAAAAAAAAAAAAAAAAAAAAAAAAAAAAAECcAABAnAAAAAAAAAAAAAAAAAAAAAAAAAAAAAAAAAAAyAAAAAAAAABQAAAAAAAAAwMD/AAAAAABkAAAAMgAAAAAAAABkAAAAAAAAAH9/fwAKAAAAIgAAABgAAAAAAAAAAAAAAAAAAAAAAAAAAAAAAAAAAAAkAAAAJAAAAAAAAAAHAAAAAAAAAAAAAAAAAAAAAAAAAAAAAAAAAAAAf39/ACUAAABYAAAAAAAAAAAAAAAAAAAAAAAAAAAAAAAAAAAAAAAAAAAAAAAAAAAAAAAAAAAAAAA/AAAAAAAAAKCGAQAAAAAAAAAAAAAAAAAMAAAAAQAAAAAAAAAAAAAAAAAAAB8AAABUAAAA////AP///wEAAAAAAAAAAAAAAAAAAAAAAAAAAAAAAAAAAAAAAAAAAAAAAAJ/f38A5+bmA8zMzADAwP8Af39/AAAAAAAAAAAAAAAAAAAAAAAAAAAAIQAAABgAAAAUAAAAoSAAAIMLAACLIgAAaQ0AAAAAAAAmAAAACAAAAP//////////MAAAABQAAAAAAAAAAAD//wAAAQAAAP//AAABAA=="/>
                 </a:ext>
               </a:extLst>
             </p:cNvSpPr>
@@ -10204,7 +10185,7 @@
             <p:cNvSpPr>
               <a:extLst>
                 <a:ext uri="smNativeData">
-                  <pr:smNativeData xmlns:pr="smNativeData" xmlns="smNativeData" val="SMDATA_16_gfoFYRMAAAAlAAAAZAAAAE0AAAAAkAAAAEgAAACQAAAASAAAAAAAAAAAAAAAAAAAAAEAAABQAAAAAAAAAAAA4D8AAAAAAADgPwAAAAAAAOA/AAAAAAAA4D8AAAAAAADgPwAAAAAAAOA/AAAAAAAA4D8AAAAAAADgPwAAAAAAAOA/AAAAAAAA4D8CAAAAjAAAAAAAAAAAAAAARHLEDP///wgAAAAAAAAAAAAAAAAAAAAAAAAAAAAAAAAAAAAAZAAAAAEAAABAAAAAAAAAAAAAAAAAAAAAAAAAAAAAAAAAAAAAAAAAAAAAAAAAAAAAAAAAAAAAAAAAAAAAAAAAAAAAAAAAAAAAAAAAAAAAAAAAAAAAAAAAAAAAAAAAAAAAFAAAADwAAAAAAAAAAAAAAAAAAAAPAAAAAQAAACMAAAAjAAAAIwAAAB4AAAAAAAAAZAAAAGQAAAAAAAAAZAAAAGQAAAAVAAAAYAAAAAAAAAAAAAAADwAAACADAAAAAAAAAAAAAAEAAACgMgAAVgcAAKr4//8BAAAAf39/AAEAAABkAAAAAAAAABQAAABAHwAAAAAAACYAAAAAAAAAwOD//wAAAAAmAAAAZAAAABYAAABMAAAAAAAAAAAAAAAEAAAAAAAAAAEAAADn5uYKAAAAACgAAAAoAAAAZAAAAGQAAAAAAAAAzMzMAAAAAABQAAAAUAAAAGQAAABkAAAAAAAAABcAAAAUAAAAAAAAAAAAAAD/fwAA/38AAAAAAAAJAAAABAAAAAAAAAAeAAAAaAAAAAAAAAAAAAAAAAAAAAAAAAAAAAAAECcAABAnAAAAAAAAAAAAAAAAAAAAAAAAAAAAAAAAAAAAAAAAAAAAABQAAAAAAAAAwMD/AAAAAABkAAAAMgAAAAAAAABkAAAAAAAAAH9/fwAKAAAAIgAAABgAAAAAAAAAAAAAAAAAAAAAAAAAAAAAAAAAAAAkAAAAJAAAAAAAAAAHAAAAAAAAAAAAAAAAAAAAAAAAAAAAAAAAAAAAf39/ACUAAABYAAAAAAAAAAAAAAAAAAAAAAAAAAAAAAAAAAAAAAAAAAAAAAAAAAAAAAAAAAAAAAA/AAAAAAAAAKCGAQAAAAAAAAAAAAAAAAAMAAAAAQAAAAAAAAAAAAAAAAAAAB8AAABUAAAARHLEBf///wEAAAAAAAAAAAAAAAAAAAAAAAAAAAAAAAAAAAAAAAAAAAAAAAB/f38A5+bmA8zMzADAwP8Af39/AAAAAAAAAAAAAAAAAAAAAAAAAAAAIQAAABgAAAAUAAAAdSEAAJANAADwJgAARQ8AAAAgAAAmAAAACAAAAP//////////MAAAABQAAAAAAAAAAAD//wAAAQAAAP//AAABAA=="/>
+                  <pr:smNativeData xmlns:pr="smNativeData" xmlns="smNativeData" val="SMDATA_16_FAWHYRMAAAAlAAAAZAAAAE0AAAAAkAAAAEgAAACQAAAASAAAAAAAAAAAAAAAAAAAAAEAAABQAAAAAAAAAAAA4D8AAAAAAADgPwAAAAAAAOA/AAAAAAAA4D8AAAAAAADgPwAAAAAAAOA/AAAAAAAA4D8AAAAAAADgPwAAAAAAAOA/AAAAAAAA4D8CAAAAjAAAAAAAAAAAAAAARHLEDP///wgAAAAAAAAAAAAAAAAAAAAAAAAAAAAAAAAAAAAAZAAAAAEAAABAAAAAAAAAAAAAAAAAAAAAAAAAAAAAAAAAAAAAAAAAAAAAAAAAAAAAAAAAAAAAAAAAAAAAAAAAAAAAAAAAAAAAAAAAAAAAAAAAAAAAAAAAAAAAAAAAAAAAFAAAADwAAAAAAAAAAAAAAAAAAAAPAAAAAQAAACMAAAAjAAAAIwAAAB4AAAAAAAAAZAAAAGQAAAAAAAAAZAAAAGQAAAAVAAAAYAAAAAAAAAAAAAAADwAAACADAAAAAAAAAAAAAAEAAACgMgAAVgcAAKr4//8BAAAAf39/AAEAAABkAAAAAAAAABQAAABAHwAAAAAAACYAAAAAAAAAwOD//wAAAAAmAAAAZAAAABYAAABMAAAAAAAAAAAAAAAEAAAAAAAAAAEAAADn5uYKAAAAACgAAAAoAAAAZAAAAGQAAAAAAAAAzMzMAAAAAABQAAAAUAAAAGQAAABkAAAAAAAAABcAAAAUAAAAAAAAAAAAAAD/fwAA/38AAAAAAAAJAAAABAAAAAAAAAAeAAAAaAAAAAAAAAAAAAAAAAAAAAAAAAAAAAAAECcAABAnAAAAAAAAAAAAAAAAAAAAAAAAAAAAAAAAAAAAAAAAAAAAABQAAAAAAAAAwMD/AAAAAABkAAAAMgAAAAAAAABkAAAAAAAAAH9/fwAKAAAAIgAAABgAAAAAAAAAAAAAAAAAAAAAAAAAAAAAAAAAAAAkAAAAJAAAAAAAAAAHAAAAAAAAAAAAAAAAAAAAAAAAAAAAAAAAAAAAf39/ACUAAABYAAAAAAAAAAAAAAAAAAAAAAAAAAAAAAAAAAAAAAAAAAAAAAAAAAAAAAAAAAAAAAA/AAAAAAAAAKCGAQAAAAAAAAAAAAAAAAAMAAAAAQAAAAAAAAAAAAAAAAAAAB8AAABUAAAARHLEBf///wEAAAAAAAAAAAAAAAAAAAAAAAAAAAAAAAAAAAAAAAAAAAAAAAB/f38A5+bmA8zMzADAwP8Af39/AAAAAAAAAAAAAAAAAAAAAAAAAAAAIQAAABgAAAAUAAAAdSEAAJANAADwJgAARQ8AAAAgAAAmAAAACAAAAP//////////MAAAABQAAAAAAAAAAAD//wAAAQAAAP//AAABAA=="/>
                 </a:ext>
               </a:extLst>
             </p:cNvSpPr>
@@ -10245,7 +10226,7 @@
             <p:cNvSpPr>
               <a:extLst>
                 <a:ext uri="smNativeData">
-                  <pr:smNativeData xmlns:pr="smNativeData" xmlns="smNativeData" val="SMDATA_16_gfoFYRMAAAAlAAAAZAAAAE0AAAAAkAAAAEgAAACQAAAASAAAAAAAAAAAAAAAAAAAAAEAAABQAAAAAAAAAAAA4D8AAAAAAADgPwAAAAAAAOA/AAAAAAAA4D8AAAAAAADgPwAAAAAAAOA/AAAAAAAA4D8AAAAAAADgPwAAAAAAAOA/AAAAAAAA4D8CAAAAjAAAAAAAAAAAAAAARHLEDP///wgAAAAAAAAAAAAAAAAAAAAAAAAAAAAAAAAAAAAAZAAAAAEAAABAAAAAAAAAAAAAAAAAAAAAAAAAAAAAAAAAAAAAAAAAAAAAAAAAAAAAAAAAAAAAAAAAAAAAAAAAAAAAAAAAAAAAAAAAAAAAAAAAAAAAAAAAAAAAAAAAAAAAFAAAADwAAAAAAAAAAAAAAAAAAAAPAAAAAQAAACMAAAAjAAAAIwAAAB4AAAAAAAAAZAAAAGQAAAAAAAAAZAAAAGQAAAAVAAAAYAAAAAAAAAAAAAAADwAAACADAAAAAAAAAAAAAAEAAACgMgAAVgcAAKr4//8BAAAAf39/AAEAAABkAAAAAAAAABQAAABAHwAAAAAAACYAAAAAAAAAwOD//wAAAAAmAAAAZAAAABYAAABMAAAAAAAAAAAAAAAEAAAAAAAAAAEAAADn5uYKAAAAACgAAAAoAAAAZAAAAGQAAAAAAAAAzMzMAAAAAABQAAAAUAAAAGQAAABkAAAAAAAAABcAAAAUAAAAAAAAAAAAAAD/fwAA/38AAAAAAAAJAAAABAAAAAAAAAAeAAAAaAAAAAAAAAAAAAAAAAAAAAAAAAAAAAAAECcAABAnAAAAAAAAAAAAAAAAAAAAAAAAAAAAAAAAAAAAAAAAAAAAABQAAAAAAAAAwMD/AAAAAABkAAAAMgAAAAAAAABkAAAAAAAAAH9/fwAKAAAAIgAAABgAAAAAAAAAAAAAAAAAAAAAAAAAAAAAAAAAAAAkAAAAJAAAAAAAAAAHAAAAAAAAAAAAAAAAAAAAAAAAAAAAAAAAAAAAf39/ACUAAABYAAAAAAAAAAAAAAAAAAAAAAAAAAAAAAAAAAAAAAAAAAAAAAAAAAAAAAAAAAAAAAA/AAAAAAAAAKCGAQAAAAAAAAAAAAAAAAAMAAAAAQAAAAAAAAAAAAAAAAAAAB8AAABUAAAARHLEBf///wEAAAAAAAAAAAAAAAAAAAAAAAAAAAAAAAAAAAAAAAAAAAAAAAB/f38A5+bmA8zMzADAwP8Af39/AAAAAAAAAAAAAAAAAAAAAAAAAAAAIQAAABgAAAAUAAAASSQAAJUFAABcJgAAGAcAAAAgAAAmAAAACAAAAP//////////MAAAABQAAAAAAAAAAAD//wAAAQAAAP//AAABAA=="/>
+                  <pr:smNativeData xmlns:pr="smNativeData" xmlns="smNativeData" val="SMDATA_16_FAWHYRMAAAAlAAAAZAAAAE0AAAAAkAAAAEgAAACQAAAASAAAAAAAAAAAAAAAAAAAAAEAAABQAAAAAAAAAAAA4D8AAAAAAADgPwAAAAAAAOA/AAAAAAAA4D8AAAAAAADgPwAAAAAAAOA/AAAAAAAA4D8AAAAAAADgPwAAAAAAAOA/AAAAAAAA4D8CAAAAjAAAAAAAAAAAAAAARHLEDP///wgAAAAAAAAAAAAAAAAAAAAAAAAAAAAAAAAAAAAAZAAAAAEAAABAAAAAAAAAAAAAAAAAAAAAAAAAAAAAAAAAAAAAAAAAAAAAAAAAAAAAAAAAAAAAAAAAAAAAAAAAAAAAAAAAAAAAAAAAAAAAAAAAAAAAAAAAAAAAAAAAAAAAFAAAADwAAAAAAAAAAAAAAAAAAAAPAAAAAQAAACMAAAAjAAAAIwAAAB4AAAAAAAAAZAAAAGQAAAAAAAAAZAAAAGQAAAAVAAAAYAAAAAAAAAAAAAAADwAAACADAAAAAAAAAAAAAAEAAACgMgAAVgcAAKr4//8BAAAAf39/AAEAAABkAAAAAAAAABQAAABAHwAAAAAAACYAAAAAAAAAwOD//wAAAAAmAAAAZAAAABYAAABMAAAAAAAAAAAAAAAEAAAAAAAAAAEAAADn5uYKAAAAACgAAAAoAAAAZAAAAGQAAAAAAAAAzMzMAAAAAABQAAAAUAAAAGQAAABkAAAAAAAAABcAAAAUAAAAAAAAAAAAAAD/fwAA/38AAAAAAAAJAAAABAAAAAAAAAAeAAAAaAAAAAAAAAAAAAAAAAAAAAAAAAAAAAAAECcAABAnAAAAAAAAAAAAAAAAAAAAAAAAAAAAAAAAAAAAAAAAAAAAABQAAAAAAAAAwMD/AAAAAABkAAAAMgAAAAAAAABkAAAAAAAAAH9/fwAKAAAAIgAAABgAAAAAAAAAAAAAAAAAAAAAAAAAAAAAAAAAAAAkAAAAJAAAAAAAAAAHAAAAAAAAAAAAAAAAAAAAAAAAAAAAAAAAAAAAf39/ACUAAABYAAAAAAAAAAAAAAAAAAAAAAAAAAAAAAAAAAAAAAAAAAAAAAAAAAAAAAAAAAAAAAA/AAAAAAAAAKCGAQAAAAAAAAAAAAAAAAAMAAAAAQAAAAAAAAAAAAAAAAAAAB8AAABUAAAARHLEBf///wEAAAAAAAAAAAAAAAAAAAAAAAAAAAAAAAAAAAAAAAAAAAAAAAB/f38A5+bmA8zMzADAwP8Af39/AAAAAAAAAAAAAAAAAAAAAAAAAAAAIQAAABgAAAAUAAAASSQAAJUFAABcJgAAGAcAAAAgAAAmAAAACAAAAP//////////MAAAABQAAAAAAAAAAAD//wAAAQAAAP//AAABAA=="/>
                 </a:ext>
               </a:extLst>
             </p:cNvSpPr>
@@ -10286,7 +10267,7 @@
             <p:cNvSpPr>
               <a:extLst>
                 <a:ext uri="smNativeData">
-                  <pr:smNativeData xmlns:pr="smNativeData" xmlns="smNativeData" val="SMDATA_16_gfoFYRMAAAAlAAAAZAAAAE0AAAAAkAAAAEgAAACQAAAASAAAAAAAAAAAAAAAAAAAAAEAAABQAAAAAAAAAAAA4D8AAAAAAADgPwAAAAAAAOA/AAAAAAAA4D8AAAAAAADgPwAAAAAAAOA/AAAAAAAA4D8AAAAAAADgPwAAAAAAAOA/AAAAAAAA4D8CAAAAjAAAAAAAAAAAAAAARHLEDP///wgAAAAAAAAAAAAAAAAAAAAAAAAAAAAAAAAAAAAAZAAAAAEAAABAAAAAAAAAAAAAAAAAAAAAAAAAAAAAAAAAAAAAAAAAAAAAAAAAAAAAAAAAAAAAAAAAAAAAAAAAAAAAAAAAAAAAAAAAAAAAAAAAAAAAAAAAAAAAAAAAAAAAFAAAADwAAAAAAAAAAAAAAAAAAAAPAAAAAQAAACMAAAAjAAAAIwAAAB4AAAAAAAAAZAAAAGQAAAAAAAAAZAAAAGQAAAAVAAAAYAAAAAAAAAAAAAAADwAAACADAAAAAAAAAAAAAAEAAACgMgAAVgcAAKr4//8BAAAAf39/AAEAAABkAAAAAAAAABQAAABAHwAAAAAAACYAAAAAAAAAwOD//wAAAAAmAAAAZAAAABYAAABMAAAAAAAAAAAAAAAEAAAAAAAAAAEAAADn5uYKAAAAACgAAAAoAAAAZAAAAGQAAAAAAAAAzMzMAAAAAABQAAAAUAAAAGQAAABkAAAAAAAAABcAAAAUAAAAAAAAAAAAAAD/fwAA/38AAAAAAAAJAAAABAAAAAAAAAAeAAAAaAAAAAAAAAAAAAAAAAAAAAAAAAAAAAAAECcAABAnAAAAAAAAAAAAAAAAAAAAAAAAAAAAAAAAAAAAAAAAAAAAABQAAAAAAAAAwMD/AAAAAABkAAAAMgAAAAAAAABkAAAAAAAAAH9/fwAKAAAAIgAAABgAAAAAAAAAAAAAAAAAAAAAAAAAAAAAAAAAAAAkAAAAJAAAAAAAAAAHAAAAAAAAAAAAAAAAAAAAAAAAAAAAAAAAAAAAf39/ACUAAABYAAAAAAAAAAAAAAAAAAAAAAAAAAAAAAAAAAAAAAAAAAAAAAAAAAAAAAAAAAAAAAA/AAAAAAAAAKCGAQAAAAAAAAAAAAAAAAAMAAAAAQAAAAAAAAAAAAAAAAAAAB8AAABUAAAARHLEBf///wEAAAAAAAAAAAAAAAAAAAAAAAAAAAAAAAAAAAAAAAAAAAAAAAB/f38A5+bmA8zMzADAwP8Af39/AAAAAAAAAAAAAAAAAAAAAAAAAAAAIQAAABgAAAAUAAAASSQAAI8PAABcJgAAExEAAAAgAAAmAAAACAAAAP//////////MAAAABQAAAAAAAAAAAD//wAAAQAAAP//AAABAA=="/>
+                  <pr:smNativeData xmlns:pr="smNativeData" xmlns="smNativeData" val="SMDATA_16_FAWHYRMAAAAlAAAAZAAAAE0AAAAAkAAAAEgAAACQAAAASAAAAAAAAAAAAAAAAAAAAAEAAABQAAAAAAAAAAAA4D8AAAAAAADgPwAAAAAAAOA/AAAAAAAA4D8AAAAAAADgPwAAAAAAAOA/AAAAAAAA4D8AAAAAAADgPwAAAAAAAOA/AAAAAAAA4D8CAAAAjAAAAAAAAAAAAAAARHLEDP///wgAAAAAAAAAAAAAAAAAAAAAAAAAAAAAAAAAAAAAZAAAAAEAAABAAAAAAAAAAAAAAAAAAAAAAAAAAAAAAAAAAAAAAAAAAAAAAAAAAAAAAAAAAAAAAAAAAAAAAAAAAAAAAAAAAAAAAAAAAAAAAAAAAAAAAAAAAAAAAAAAAAAAFAAAADwAAAAAAAAAAAAAAAAAAAAPAAAAAQAAACMAAAAjAAAAIwAAAB4AAAAAAAAAZAAAAGQAAAAAAAAAZAAAAGQAAAAVAAAAYAAAAAAAAAAAAAAADwAAACADAAAAAAAAAAAAAAEAAACgMgAAVgcAAKr4//8BAAAAf39/AAEAAABkAAAAAAAAABQAAABAHwAAAAAAACYAAAAAAAAAwOD//wAAAAAmAAAAZAAAABYAAABMAAAAAAAAAAAAAAAEAAAAAAAAAAEAAADn5uYKAAAAACgAAAAoAAAAZAAAAGQAAAAAAAAAzMzMAAAAAABQAAAAUAAAAGQAAABkAAAAAAAAABcAAAAUAAAAAAAAAAAAAAD/fwAA/38AAAAAAAAJAAAABAAAAAAAAAAeAAAAaAAAAAAAAAAAAAAAAAAAAAAAAAAAAAAAECcAABAnAAAAAAAAAAAAAAAAAAAAAAAAAAAAAAAAAAAAAAAAAAAAABQAAAAAAAAAwMD/AAAAAABkAAAAMgAAAAAAAABkAAAAAAAAAH9/fwAKAAAAIgAAABgAAAAAAAAAAAAAAAAAAAAAAAAAAAAAAAAAAAAkAAAAJAAAAAAAAAAHAAAAAAAAAAAAAAAAAAAAAAAAAAAAAAAAAAAAf39/ACUAAABYAAAAAAAAAAAAAAAAAAAAAAAAAAAAAAAAAAAAAAAAAAAAAAAAAAAAAAAAAAAAAAA/AAAAAAAAAKCGAQAAAAAAAAAAAAAAAAAMAAAAAQAAAAAAAAAAAAAAAAAAAB8AAABUAAAARHLEBf///wEAAAAAAAAAAAAAAAAAAAAAAAAAAAAAAAAAAAAAAAAAAAAAAAB/f38A5+bmA8zMzADAwP8Af39/AAAAAAAAAAAAAAAAAAAAAAAAAAAAIQAAABgAAAAUAAAASSQAAI8PAABcJgAAExEAAAAgAAAmAAAACAAAAP//////////MAAAABQAAAAAAAAAAAD//wAAAQAAAP//AAABAA=="/>
                 </a:ext>
               </a:extLst>
             </p:cNvSpPr>
@@ -10327,7 +10308,7 @@
             <p:cNvSpPr>
               <a:extLst>
                 <a:ext uri="smNativeData">
-                  <pr:smNativeData xmlns:pr="smNativeData" xmlns="smNativeData" val="SMDATA_16_gfoFYRMAAAAlAAAAZAAAAE0AAAAAkAAAAEgAAACQAAAASAAAAAAAAAAAAAAAAAAAAAEAAABQAAAAAAAAAAAA4D8AAAAAAADgPwAAAAAAAOA/AAAAAAAA4D8AAAAAAADgPwAAAAAAAOA/AAAAAAAA4D8AAAAAAADgPwAAAAAAAOA/AAAAAAAA4D8CAAAAjAAAAAAAAAAAAAAARHLEDP///wgAAAAAAAAAAAAAAAAAAAAAAAAAAAAAAAAAAAAAZAAAAAEAAABAAAAAAAAAAAAAAAAAAAAAAAAAAAAAAAAAAAAAAAAAAAAAAAAAAAAAAAAAAAAAAAAAAAAAAAAAAAAAAAAAAAAAAAAAAAAAAAAAAAAAAAAAAAAAAAAAAAAAFAAAADwAAAAAAAAAAAAAAAAAAAAPAAAAAQAAACMAAAAjAAAAIwAAAB4AAAAAAAAAZAAAAGQAAAAAAAAAZAAAAGQAAAAVAAAAYAAAAAAAAAAAAAAADwAAACADAAAAAAAAAAAAAAEAAACgMgAAVgcAAKr4//8BAAAAf39/AAEAAABkAAAAAAAAABQAAABAHwAAAAAAACYAAAAAAAAAwOD//wAAAAAmAAAAZAAAABYAAABMAAAAAAAAAAAAAAAEAAAAAAAAAAEAAADn5uYKAAAAACgAAAAoAAAAZAAAAGQAAAAAAAAAzMzMAAAAAABQAAAAUAAAAGQAAABkAAAAAAAAABcAAAAUAAAAAAAAAAAAAAD/fwAA/38AAAAAAAAJAAAABAAAAAAAAAAeAAAAaAAAAAAAAAAAAAAAAAAAAAAAAAAAAAAAECcAABAnAAAAAAAAAAAAAAAAAAAAAAAAAAAAAAAAAAAAAAAAAAAAABQAAAAAAAAAwMD/AAAAAABkAAAAMgAAAAAAAABkAAAAAAAAAH9/fwAKAAAAIgAAABgAAAAAAAAAAAAAAAAAAAAAAAAAAAAAAAAAAAAkAAAAJAAAAAAAAAAHAAAAAAAAAAAAAAAAAAAAAAAAAAAAAAAAAAAAf39/ACUAAABYAAAAAAAAAAAAAAAAAAAAAAAAAAAAAAAAAAAAAAAAAAAAAAAAAAAAAAAAAAAAAAA/AAAAAAAAAKCGAQAAAAAAAAAAAAAAAAAMAAAAAQAAAAAAAAAAAAAAAAAAAB8AAABUAAAARHLEBf///wEAAAAAAAAAAAAAAAAAAAAAAAAAAAAAAAAAAAAAAAAAAAAAAAB/f38A5+bmA8zMzADAwP8Af39/AAAAAAAAAAAAAAAAAAAAAAAAAAAAIQAAABgAAAAUAAAAwhoAAIIPAADUHAAABhEAAAAgAAAmAAAACAAAAP//////////MAAAABQAAAAAAAAAAAD//wAAAQAAAP//AAABAA=="/>
+                  <pr:smNativeData xmlns:pr="smNativeData" xmlns="smNativeData" val="SMDATA_16_FAWHYRMAAAAlAAAAZAAAAE0AAAAAkAAAAEgAAACQAAAASAAAAAAAAAAAAAAAAAAAAAEAAABQAAAAAAAAAAAA4D8AAAAAAADgPwAAAAAAAOA/AAAAAAAA4D8AAAAAAADgPwAAAAAAAOA/AAAAAAAA4D8AAAAAAADgPwAAAAAAAOA/AAAAAAAA4D8CAAAAjAAAAAAAAAAAAAAARHLEDP///wgAAAAAAAAAAAAAAAAAAAAAAAAAAAAAAAAAAAAAZAAAAAEAAABAAAAAAAAAAAAAAAAAAAAAAAAAAAAAAAAAAAAAAAAAAAAAAAAAAAAAAAAAAAAAAAAAAAAAAAAAAAAAAAAAAAAAAAAAAAAAAAAAAAAAAAAAAAAAAAAAAAAAFAAAADwAAAAAAAAAAAAAAAAAAAAPAAAAAQAAACMAAAAjAAAAIwAAAB4AAAAAAAAAZAAAAGQAAAAAAAAAZAAAAGQAAAAVAAAAYAAAAAAAAAAAAAAADwAAACADAAAAAAAAAAAAAAEAAACgMgAAVgcAAKr4//8BAAAAf39/AAEAAABkAAAAAAAAABQAAABAHwAAAAAAACYAAAAAAAAAwOD//wAAAAAmAAAAZAAAABYAAABMAAAAAAAAAAAAAAAEAAAAAAAAAAEAAADn5uYKAAAAACgAAAAoAAAAZAAAAGQAAAAAAAAAzMzMAAAAAABQAAAAUAAAAGQAAABkAAAAAAAAABcAAAAUAAAAAAAAAAAAAAD/fwAA/38AAAAAAAAJAAAABAAAAAAAAAAeAAAAaAAAAAAAAAAAAAAAAAAAAAAAAAAAAAAAECcAABAnAAAAAAAAAAAAAAAAAAAAAAAAAAAAAAAAAAAAAAAAAAAAABQAAAAAAAAAwMD/AAAAAABkAAAAMgAAAAAAAABkAAAAAAAAAH9/fwAKAAAAIgAAABgAAAAAAAAAAAAAAAAAAAAAAAAAAAAAAAAAAAAkAAAAJAAAAAAAAAAHAAAAAAAAAAAAAAAAAAAAAAAAAAAAAAAAAAAAf39/ACUAAABYAAAAAAAAAAAAAAAAAAAAAAAAAAAAAAAAAAAAAAAAAAAAAAAAAAAAAAAAAAAAAAA/AAAAAAAAAKCGAQAAAAAAAAAAAAAAAAAMAAAAAQAAAAAAAAAAAAAAAAAAAB8AAABUAAAARHLEBf///wEAAAAAAAAAAAAAAAAAAAAAAAAAAAAAAAAAAAAAAAAAAAAAAAB/f38A5+bmA8zMzADAwP8Af39/AAAAAAAAAAAAAAAAAAAAAAAAAAAAIQAAABgAAAAUAAAAwhoAAIIPAADUHAAABhEAAAAgAAAmAAAACAAAAP//////////MAAAABQAAAAAAAAAAAD//wAAAQAAAP//AAABAA=="/>
                 </a:ext>
               </a:extLst>
             </p:cNvSpPr>
@@ -10368,7 +10349,7 @@
             <p:cNvSpPr>
               <a:extLst>
                 <a:ext uri="smNativeData">
-                  <pr:smNativeData xmlns:pr="smNativeData" xmlns="smNativeData" val="SMDATA_16_gfoFYRMAAAAlAAAAZAAAAE0AAAAAkAAAAEgAAACQAAAASAAAAAAAAAAAAAAAAAAAAAEAAABQAAAAAAAAAAAA4D8AAAAAAADgPwAAAAAAAOA/AAAAAAAA4D8AAAAAAADgPwAAAAAAAOA/AAAAAAAA4D8AAAAAAADgPwAAAAAAAOA/AAAAAAAA4D8CAAAAjAAAAAAAAAAAAAAARHLEDP///wgAAAAAAAAAAAAAAAAAAAAAAAAAAAAAAAAAAAAAZAAAAAEAAABAAAAAAAAAAAAAAAAAAAAAAAAAAAAAAAAAAAAAAAAAAAAAAAAAAAAAAAAAAAAAAAAAAAAAAAAAAAAAAAAAAAAAAAAAAAAAAAAAAAAAAAAAAAAAAAAAAAAAFAAAADwAAAAAAAAAAAAAAAAAAAAPAAAAAQAAACMAAAAjAAAAIwAAAB4AAAAAAAAAZAAAAGQAAAAAAAAAZAAAAGQAAAAVAAAAYAAAAAAAAAAAAAAADwAAACADAAAAAAAAAAAAAAEAAACgMgAAVgcAAKr4//8BAAAAf39/AAEAAABkAAAAAAAAABQAAABAHwAAAAAAACYAAAAAAAAAwOD//wAAAAAmAAAAZAAAABYAAABMAAAAAAAAAAAAAAAEAAAAAAAAAAEAAADn5uYKAAAAACgAAAAoAAAAZAAAAGQAAAAAAAAAzMzMAAAAAABQAAAAUAAAAGQAAABkAAAAAAAAABcAAAAUAAAAAAAAAAAAAAD/fwAA/38AAAAAAAAJAAAABAAAAAAAAAAeAAAAaAAAAAAAAAAAAAAAAAAAAAAAAAAAAAAAECcAABAnAAAAAAAAAAAAAAAAAAAAAAAAAAAAAAAAAAAAAAAAAAAAABQAAAAAAAAAwMD/AAAAAABkAAAAMgAAAAAAAABkAAAAAAAAAH9/fwAKAAAAIgAAABgAAAAAAAAAAAAAAAAAAAAAAAAAAAAAAAAAAAAkAAAAJAAAAAAAAAAHAAAAAAAAAAAAAAAAAAAAAAAAAAAAAAAAAAAAf39/ACUAAABYAAAAAAAAAAAAAAAAAAAAAAAAAAAAAAAAAAAAAAAAAAAAAAAAAAAAAAAAAAAAAAA/AAAAAAAAAKCGAQAAAAAAAAAAAAAAAAAMAAAAAQAAAAAAAAAAAAAAAAAAAB8AAABUAAAARHLEBf///wEAAAAAAAAAAAAAAAAAAAAAAAAAAAAAAAAAAAAAAAAAAAAAAAB/f38A5+bmA8zMzADAwP8Af39/AAAAAAAAAAAAAAAAAAAAAAAAAAAAIQAAABgAAAAUAAAArxoAAJQFAADCHAAAGAcAAAAgAAAmAAAACAAAAP//////////MAAAABQAAAAAAAAAAAD//wAAAQAAAP//AAABAA=="/>
+                  <pr:smNativeData xmlns:pr="smNativeData" xmlns="smNativeData" val="SMDATA_16_FAWHYRMAAAAlAAAAZAAAAE0AAAAAkAAAAEgAAACQAAAASAAAAAAAAAAAAAAAAAAAAAEAAABQAAAAAAAAAAAA4D8AAAAAAADgPwAAAAAAAOA/AAAAAAAA4D8AAAAAAADgPwAAAAAAAOA/AAAAAAAA4D8AAAAAAADgPwAAAAAAAOA/AAAAAAAA4D8CAAAAjAAAAAAAAAAAAAAARHLEDP///wgAAAAAAAAAAAAAAAAAAAAAAAAAAAAAAAAAAAAAZAAAAAEAAABAAAAAAAAAAAAAAAAAAAAAAAAAAAAAAAAAAAAAAAAAAAAAAAAAAAAAAAAAAAAAAAAAAAAAAAAAAAAAAAAAAAAAAAAAAAAAAAAAAAAAAAAAAAAAAAAAAAAAFAAAADwAAAAAAAAAAAAAAAAAAAAPAAAAAQAAACMAAAAjAAAAIwAAAB4AAAAAAAAAZAAAAGQAAAAAAAAAZAAAAGQAAAAVAAAAYAAAAAAAAAAAAAAADwAAACADAAAAAAAAAAAAAAEAAACgMgAAVgcAAKr4//8BAAAAf39/AAEAAABkAAAAAAAAABQAAABAHwAAAAAAACYAAAAAAAAAwOD//wAAAAAmAAAAZAAAABYAAABMAAAAAAAAAAAAAAAEAAAAAAAAAAEAAADn5uYKAAAAACgAAAAoAAAAZAAAAGQAAAAAAAAAzMzMAAAAAABQAAAAUAAAAGQAAABkAAAAAAAAABcAAAAUAAAAAAAAAAAAAAD/fwAA/38AAAAAAAAJAAAABAAAAAAAAAAeAAAAaAAAAAAAAAAAAAAAAAAAAAAAAAAAAAAAECcAABAnAAAAAAAAAAAAAAAAAAAAAAAAAAAAAAAAAAAAAAAAAAAAABQAAAAAAAAAwMD/AAAAAABkAAAAMgAAAAAAAABkAAAAAAAAAH9/fwAKAAAAIgAAABgAAAAAAAAAAAAAAAAAAAAAAAAAAAAAAAAAAAAkAAAAJAAAAAAAAAAHAAAAAAAAAAAAAAAAAAAAAAAAAAAAAAAAAAAAf39/ACUAAABYAAAAAAAAAAAAAAAAAAAAAAAAAAAAAAAAAAAAAAAAAAAAAAAAAAAAAAAAAAAAAAA/AAAAAAAAAKCGAQAAAAAAAAAAAAAAAAAMAAAAAQAAAAAAAAAAAAAAAAAAAB8AAABUAAAARHLEBf///wEAAAAAAAAAAAAAAAAAAAAAAAAAAAAAAAAAAAAAAAAAAAAAAAB/f38A5+bmA8zMzADAwP8Af39/AAAAAAAAAAAAAAAAAAAAAAAAAAAAIQAAABgAAAAUAAAArxoAAJQFAADCHAAAGAcAAAAgAAAmAAAACAAAAP//////////MAAAABQAAAAAAAAAAAD//wAAAQAAAP//AAABAA=="/>
                 </a:ext>
               </a:extLst>
             </p:cNvSpPr>
@@ -10410,7 +10391,7 @@
           <p:cNvGrpSpPr>
             <a:extLst>
               <a:ext uri="smNativeData">
-                <pr:smNativeData xmlns:pr="smNativeData" xmlns="smNativeData" val="SMDATA_6_gfoFYRMAAAAlAAAAAQAAAA8BAAAAkAAAAEgAAACQAAAASAAAAAAAAAAAAAAAAAAAABcAAAAUAAAAAAAAAAAAAAD/fwAA/38AAAAAAAAJAAAABAAAAAAAAAAfAAAAVAAAAAAAAAAAAAAAAAAAAAAAAAAAAAAAAAAAAAAAAAAAAAAAAAAAAAAAAAAAAAAAAAAAAAAAAAAAAAAAAAAAAAAAAAAAAAAAAAAAAAAAAAAAAAAAAAAAACEAAAAYAAAAFAAAAFMCAAAZAQAAahIAAK0RAAAQAAAAJgAAAAgAAAD/////AAAAAA=="/>
+                <pr:smNativeData xmlns:pr="smNativeData" xmlns="smNativeData" val="SMDATA_6_FAWHYRMAAAAlAAAAAQAAAA8BAAAAkAAAAEgAAACQAAAASAAAAAAAAAAAAAAAAAAAABcAAAAUAAAAAAAAAAAAAAD/fwAA/38AAAAAAAAJAAAABAAAAAAAABQfAAAAVAAAAAAAAAAAAAAAAAAAAAAAAAAAAAAAAAAAAAAAAAAAAAAAAAAAAAAAAAAAAAAAAAAAAAAAAAAAAAAAAAAAAAAAAAAAAAAAAAAAAAAAAAAAAAAAAAAAACEAAAAYAAAAFAAAAFMCAAAZAQAAahIAAK0RAAAQAAAAJgAAAAgAAAD/////AAAAAA=="/>
               </a:ext>
             </a:extLst>
           </p:cNvGrpSpPr>
@@ -10430,7 +10411,7 @@
             <p:cNvSpPr>
               <a:extLst>
                 <a:ext uri="smNativeData">
-                  <pr:smNativeData xmlns:pr="smNativeData" xmlns="smNativeData" val="SMDATA_16_gfoFYRMAAAAlAAAAZAAAAE0AAAAAkAAAAEgAAACQAAAASAAAAAAAAAAAAAAAAAAAAAEAAABQAAAAAAAAAAAA4D8AAAAAAADgPwAAAAAAAOA/AAAAAAAA4D8AAAAAAADgPwAAAAAAAOA/AAAAAAAA4D8AAAAAAADgPwAAAAAAAOA/AAAAAAAA4D8CAAAAjAAAAAAAAAAAAAAARHLEDP///wgAAAAAAAAAAAAAAAAAAAAAAAAAAAAAAAAAAAAAZAAAAAEAAABAAAAAAAAAAAAAAAAAAAAAAAAAAAAAAAAAAAAAAAAAAAAAAAAAAAAAAAAAAAAAAAAAAAAAAAAAAAAAAAAAAAAAAAAAAAAAAAAAAAAAAAAAAAAAAAAAAAAAFAAAADwAAAAAAAAAAAAAAAAAAAAPAAAAAQAAACMAAAAjAAAAIwAAAB4AAAAAAAAAZAAAAGQAAAAAAAAAZAAAAGQAAAAVAAAAYAAAAAAAAAAAAAAADwAAACADAAAAAAAAAAAAAAEAAACgMgAAVgcAAKr4//8BAAAAf39/AAEAAABkAAAAAAAAABQAAABAHwAAAAAAACYAAAAAAAAAwOD//wAAAAAmAAAAZAAAABYAAABMAAAAAAAAAAAAAAAEAAAAAAAAAAEAAADn5uYKAAAAACgAAAAoAAAAZAAAAGQAAAAAAAAAzMzMAAAAAABQAAAAUAAAAGQAAABkAAAAAAAAABcAAAAUAAAAAAAAAAAAAAD/fwAA/38AAAAAAAAJAAAABAAAAAAAAAAeAAAAaAAAAAAAAAAAAAAAAAAAAAAAAAAAAAAAECcAABAnAAAAAAAAAAAAAAAAAAAAAAAAAAAAAAAAAAAAAAAAAAAAABQAAAAAAAAAwMD/AAAAAABkAAAAMgAAAAAAAABkAAAAAAAAAH9/fwAKAAAAIgAAABgAAAAAAAAAAAAAAAAAAAAAAAAAAAAAAAAAAAAkAAAAJAAAAAAAAAAHAAAAAAAAAAAAAAAAAAAAAAAAAAAAAAAAAAAAf39/ACUAAABYAAAAAAAAAAAAAAAAAAAAAAAAAAAAAAAAAAAAAAAAAAAAAAAAAAAAAAAAAAAAAAA/AAAAAAAAAKCGAQAAAAAAAAAAAAAAAAAMAAAAAQAAAAAAAAAAAAAAAAAAAB8AAABUAAAARHLEBf///wEAAAAAAAAAAAAAAAAAAAAAAAAAAAAAAAAAAAAAAAAAAAAAAAB/f38A5+bmA8zMzADAwP8Af39/AAAAAAAAAAAAAAAAAAAAAAAAAAAAIQAAABgAAAAUAAAAyRAAAKQJAABqEgAAWAsAAAAgAAAmAAAACAAAAP//////////MAAAABQAAAAAAAAAAAD//wAAAQAAAP//AAABAA=="/>
+                  <pr:smNativeData xmlns:pr="smNativeData" xmlns="smNativeData" val="SMDATA_16_FAWHYRMAAAAlAAAAZAAAAE0AAAAAkAAAAEgAAACQAAAASAAAAAAAAAAAAAAAAAAAAAEAAABQAAAAAAAAAAAA4D8AAAAAAADgPwAAAAAAAOA/AAAAAAAA4D8AAAAAAADgPwAAAAAAAOA/AAAAAAAA4D8AAAAAAADgPwAAAAAAAOA/AAAAAAAA4D8CAAAAjAAAAAAAAAAAAAAARHLEDP///wgAAAAAAAAAAAAAAAAAAAAAAAAAAAAAAAAAAAAAZAAAAAEAAABAAAAAAAAAAAAAAAAAAAAAAAAAAAAAAAAAAAAAAAAAAAAAAAAAAAAAAAAAAAAAAAAAAAAAAAAAAAAAAAAAAAAAAAAAAAAAAAAAAAAAAAAAAAAAAAAAAAAAFAAAADwAAAAAAAAAAAAAAAAAAAAPAAAAAQAAACMAAAAjAAAAIwAAAB4AAAAAAAAAZAAAAGQAAAAAAAAAZAAAAGQAAAAVAAAAYAAAAAAAAAAAAAAADwAAACADAAAAAAAAAAAAAAEAAACgMgAAVgcAAKr4//8BAAAAf39/AAEAAABkAAAAAAAAABQAAABAHwAAAAAAACYAAAAAAAAAwOD//wAAAAAmAAAAZAAAABYAAABMAAAAAAAAAAAAAAAEAAAAAAAAAAEAAADn5uYKAAAAACgAAAAoAAAAZAAAAGQAAAAAAAAAzMzMAAAAAABQAAAAUAAAAGQAAABkAAAAAAAAABcAAAAUAAAAAAAAAAAAAAD/fwAA/38AAAAAAAAJAAAABAAAAAAAAAAeAAAAaAAAAAAAAAAAAAAAAAAAAAAAAAAAAAAAECcAABAnAAAAAAAAAAAAAAAAAAAAAAAAAAAAAAAAAAAAAAAAAAAAABQAAAAAAAAAwMD/AAAAAABkAAAAMgAAAAAAAABkAAAAAAAAAH9/fwAKAAAAIgAAABgAAAAAAAAAAAAAAAAAAAAAAAAAAAAAAAAAAAAkAAAAJAAAAAAAAAAHAAAAAAAAAAAAAAAAAAAAAAAAAAAAAAAAAAAAf39/ACUAAABYAAAAAAAAAAAAAAAAAAAAAAAAAAAAAAAAAAAAAAAAAAAAAAAAAAAAAAAAAAAAAAA/AAAAAAAAAKCGAQAAAAAAAAAAAAAAAAAMAAAAAQAAAAAAAAAAAAAAAAAAAB8AAABUAAAARHLEBf///wEAAAAAAAAAAAAAAAAAAAAAAAAAAAAAAAAAAAAAAAAAAAAAAAB/f38A5+bmA8zMzADAwP8Af39/AAAAAAAAAAAAAAAAAAAAAAAAAAAAIQAAABgAAAAUAAAAyRAAAKQJAABqEgAAWAsAAAAgAAAmAAAACAAAAP//////////MAAAABQAAAAAAAAAAAD//wAAAQAAAP//AAABAA=="/>
                 </a:ext>
               </a:extLst>
             </p:cNvSpPr>
@@ -10471,7 +10452,7 @@
             <p:cNvSpPr>
               <a:extLst>
                 <a:ext uri="smNativeData">
-                  <pr:smNativeData xmlns:pr="smNativeData" xmlns="smNativeData" val="SMDATA_16_gfoFYRMAAAAlAAAAZAAAAE0AAAAAkAAAAEgAAACQAAAASAAAAAAAAAAAAAAAAAAAAAEAAABQAAAAAAAAAAAA4D8AAAAAAADgPwAAAAAAAOA/AAAAAAAA4D8AAAAAAADgPwAAAAAAAOA/AAAAAAAA4D8AAAAAAADgPwAAAAAAAOA/AAAAAAAA4D8CAAAAjAAAAAAAAAAAAAAARHLEDP///wgAAAAAAAAAAAAAAAAAAAAAAAAAAAAAAAAAAAAAZAAAAAEAAABAAAAAAAAAAAAAAAAAAAAAAAAAAAAAAAAAAAAAAAAAAAAAAAAAAAAAAAAAAAAAAAAAAAAAAAAAAAAAAAAAAAAAAAAAAAAAAAAAAAAAAAAAAAAAAAAAAAAAFAAAADwAAAAAAAAAAAAAAAAAAAAPAAAAAQAAACMAAAAjAAAAIwAAAB4AAAAAAAAAZAAAAGQAAAAAAAAAZAAAAGQAAAAVAAAAYAAAAAAAAAAAAAAADwAAACADAAAAAAAAAAAAAAEAAACgMgAAVgcAAKr4//8BAAAAf39/AAEAAABkAAAAAAAAABQAAABAHwAAAAAAACYAAAAAAAAAwOD//wAAAAAmAAAAZAAAABYAAABMAAAAAAAAAAAAAAAEAAAAAAAAAAEAAADn5uYKAAAAACgAAAAoAAAAZAAAAGQAAAAAAAAAzMzMAAAAAABQAAAAUAAAAGQAAABkAAAAAAAAABcAAAAUAAAAAAAAAAAAAAD/fwAA/38AAAAAAAAJAAAABAAAAAAAAAAeAAAAaAAAAAAAAAAAAAAAAAAAAAAAAAAAAAAAECcAABAnAAAAAAAAAAAAAAAAAAAAAAAAAAAAAAAAAAAAAAAAAAAAABQAAAAAAAAAwMD/AAAAAABkAAAAMgAAAAAAAABkAAAAAAAAAH9/fwAKAAAAIgAAABgAAAAAAAAAAAAAAAAAAAAAAAAAAAAAAAAAAAAkAAAAJAAAAAAAAAAHAAAAAAAAAAAAAAAAAAAAAAAAAAAAAAAAAAAAf39/ACUAAABYAAAAAAAAAAAAAAAAAAAAAAAAAAAAAAAAAAAAAAAAAAAAAAAAAAAAAAAAAAAAAAA/AAAAAAAAAKCGAQAAAAAAAAAAAAAAAAAMAAAAAQAAAAAAAAAAAAAAAAAAAB8AAABUAAAARHLEBf///wEAAAAAAAAAAAAAAAAAAAAAAAAAAAAAAAAAAAAAAAAAAAAAAAB/f38A5+bmA8zMzADAwP8Af39/AAAAAAAAAAAAAAAAAAAAAAAAAAAAIQAAABgAAAAUAAAACgsAAC0EAACkDAAA4QUAAAAgAAAmAAAACAAAAP//////////MAAAABQAAAAAAAAAAAD//wAAAQAAAP//AAABAA=="/>
+                  <pr:smNativeData xmlns:pr="smNativeData" xmlns="smNativeData" val="SMDATA_16_FAWHYRMAAAAlAAAAZAAAAE0AAAAAkAAAAEgAAACQAAAASAAAAAAAAAAAAAAAAAAAAAEAAABQAAAAAAAAAAAA4D8AAAAAAADgPwAAAAAAAOA/AAAAAAAA4D8AAAAAAADgPwAAAAAAAOA/AAAAAAAA4D8AAAAAAADgPwAAAAAAAOA/AAAAAAAA4D8CAAAAjAAAAAAAAAAAAAAARHLEDP///wgAAAAAAAAAAAAAAAAAAAAAAAAAAAAAAAAAAAAAZAAAAAEAAABAAAAAAAAAAAAAAAAAAAAAAAAAAAAAAAAAAAAAAAAAAAAAAAAAAAAAAAAAAAAAAAAAAAAAAAAAAAAAAAAAAAAAAAAAAAAAAAAAAAAAAAAAAAAAAAAAAAAAFAAAADwAAAAAAAAAAAAAAAAAAAAPAAAAAQAAACMAAAAjAAAAIwAAAB4AAAAAAAAAZAAAAGQAAAAAAAAAZAAAAGQAAAAVAAAAYAAAAAAAAAAAAAAADwAAACADAAAAAAAAAAAAAAEAAACgMgAAVgcAAKr4//8BAAAAf39/AAEAAABkAAAAAAAAABQAAABAHwAAAAAAACYAAAAAAAAAwOD//wAAAAAmAAAAZAAAABYAAABMAAAAAAAAAAAAAAAEAAAAAAAAAAEAAADn5uYKAAAAACgAAAAoAAAAZAAAAGQAAAAAAAAAzMzMAAAAAABQAAAAUAAAAGQAAABkAAAAAAAAABcAAAAUAAAAAAAAAAAAAAD/fwAA/38AAAAAAAAJAAAABAAAAAAAAAAeAAAAaAAAAAAAAAAAAAAAAAAAAAAAAAAAAAAAECcAABAnAAAAAAAAAAAAAAAAAAAAAAAAAAAAAAAAAAAAAAAAAAAAABQAAAAAAAAAwMD/AAAAAABkAAAAMgAAAAAAAABkAAAAAAAAAH9/fwAKAAAAIgAAABgAAAAAAAAAAAAAAAAAAAAAAAAAAAAAAAAAAAAkAAAAJAAAAAAAAAAHAAAAAAAAAAAAAAAAAAAAAAAAAAAAAAAAAAAAf39/ACUAAABYAAAAAAAAAAAAAAAAAAAAAAAAAAAAAAAAAAAAAAAAAAAAAAAAAAAAAAAAAAAAAAA/AAAAAAAAAKCGAQAAAAAAAAAAAAAAAAAMAAAAAQAAAAAAAAAAAAAAAAAAAB8AAABUAAAARHLEBf///wEAAAAAAAAAAAAAAAAAAAAAAAAAAAAAAAAAAAAAAAAAAAAAAAB/f38A5+bmA8zMzADAwP8Af39/AAAAAAAAAAAAAAAAAAAAAAAAAAAAIQAAABgAAAAUAAAACgsAAC0EAACkDAAA4QUAAAAgAAAmAAAACAAAAP//////////MAAAABQAAAAAAAAAAAD//wAAAQAAAP//AAABAA=="/>
                 </a:ext>
               </a:extLst>
             </p:cNvSpPr>
@@ -10512,7 +10493,7 @@
             <p:cNvSpPr>
               <a:extLst>
                 <a:ext uri="smNativeData">
-                  <pr:smNativeData xmlns:pr="smNativeData" xmlns="smNativeData" val="SMDATA_16_gfoFYRMAAAAlAAAAZgAAAA0AAAAAkAAAAEgAAACQAAAASAAAAAAAAAABAAAAAAAAAAEAAABQAAAAAAAAAAAA8D8AAAAAAADwPwAAAAAAAOA/AAAAAAAA4D8AAAAAAADgPwAAAAAAAOA/AAAAAAAA4D8AAAAAAADgPwAAAAAAAOA/AAAAAAAA4D8CAAAAjAAAAAEAAAAAAAAAAAAACf///wgAAAAAAAAAAAAAAAAAAAAAAAAAAAAAAAAAAAAAZAAAAAEAAABAAAAAAAAAAAAAAAAAAAAAAAAAAAAAAAAAAAAAAAAAAAAAAAAAAAAAAAAAAAAAAAAAAAAAAAAAAAAAAAAAAAAAAAAAAAAAAAAAAAAAAAAAAAAAAAAAAAAAFAAAADwAAAAAAAAAAAAAADJVkQAUAAAAAQAAABQAAAAUAAAAFAAAAAEAAAAAAAAAZAAAAGQAAAAAAAAAZAAAAGQAAAAVAAAAYAAAAAAAAAAAAAAADwAAACADAAAAAAAAAAAAAAEAAACgMgAAVgcAAKr4//8BAAAAf39/AAEAAABkAAAAAAAAABQAAABAHwAAAAAAACYAAAAAAAAAwOD//wAAAAAmAAAAZAAAABYAAABMAAAAAAAAAAAAAAAEAAAAAAAAAAEAAADn5uYKAAAAACgAAAAoAAAAZAAAAGQAAAAAAAAAzMzMAAAAAABQAAAAUAAAAGQAAABkAAAAAAAAABcAAAAUAAAAAAAAAAAAAAD/fwAA/38AAAAAAAAJAAAABAAAAAAAAAAeAAAAaAAAAAAAAAAAAAAAAAAAAAAAAAAAAAAAECcAABAnAAAAAAAAAAAAAAAAAAAAAAAAAAAAAAAAAAAAAAAAAAAAABQAAAAAAAAAwMD/AAAAAABkAAAAMgAAAAAAAABkAAAAAAAAAH9/fwAKAAAAIgAAABgAAAAAAAAAAAAAAAAAAAAAAAAAAAAAAAAAAAAkAAAAJAAAAAAAAAAHAAAAAAAAAAAAAAAAAAAAAAAAAAAAAAAAAAAAf39/ACUAAABYAAAAAAAAAAAAAAAAAAAAAAAAAAAAAAAAAAAAAAAAAAAAAAAAAAAAAAAAAAAAAAA/AAAAAAAAAKCGAQAAAAAAAAAAAAAAAAAMAAAAAQAAAAAAAAAAAAAAAAAAAB8AAABUAAAAAAAAAv///wEAAAAAAAAAAAAAAAAAAAAAAAAAAAAAAAAAAAAAAAAAADJVkQB/f38A5+bmA8zMzADAwP8Af39/AAAAAAAAAAAAAAAAAAAAAAAAAAAAIQAAABgAAAAUAAAARA0AANYIAAC2DQAASAkAAAAAAAAmAAAACAAAAP//////////MAAAABQAAAAAAAAA/Er//wS1AAD8Sv//BLUAAA=="/>
+                  <pr:smNativeData xmlns:pr="smNativeData" xmlns="smNativeData" val="SMDATA_16_FAWHYRMAAAAlAAAAZgAAAA0AAAAAkAAAAEgAAACQAAAASAAAAAAAAAABAAAAAAAAAAEAAABQAAAAAAAAAAAA8D8AAAAAAADwPwAAAAAAAOA/AAAAAAAA4D8AAAAAAADgPwAAAAAAAOA/AAAAAAAA4D8AAAAAAADgPwAAAAAAAOA/AAAAAAAA4D8CAAAAjAAAAAEAAAAAAAAAAAAACf///wgAAAAAAAAAAAAAAAAAAAAAAAAAAAAAAAAAAAAAZAAAAAEAAABAAAAAAAAAAAAAAAAAAAAAAAAAAAAAAAAAAAAAAAAAAAAAAAAAAAAAAAAAAAAAAAAAAAAAAAAAAAAAAAAAAAAAAAAAAAAAAAAAAAAAAAAAAAAAAAAAAAAAFAAAADwAAAAAAAAAAAAAADJVkQAUAAAAAQAAABQAAAAUAAAAFAAAAAEAAAAAAAAAZAAAAGQAAAAAAAAAZAAAAGQAAAAVAAAAYAAAAAAAAAAAAAAADwAAACADAAAAAAAAAAAAAAEAAACgMgAAVgcAAKr4//8BAAAAf39/AAEAAABkAAAAAAAAABQAAABAHwAAAAAAACYAAAAAAAAAwOD//wAAAAAmAAAAZAAAABYAAABMAAAAAAAAAAAAAAAEAAAAAAAAAAEAAADn5uYKAAAAACgAAAAoAAAAZAAAAGQAAAAAAAAAzMzMAAAAAABQAAAAUAAAAGQAAABkAAAAAAAAABcAAAAUAAAAAAAAAAAAAAD/fwAA/38AAAAAAAAJAAAABAAAAAAAAAAeAAAAaAAAAAAAAAAAAAAAAAAAAAAAAAAAAAAAECcAABAnAAAAAAAAAAAAAAAAAAAAAAAAAAAAAAAAAAAAAAAAAAAAABQAAAAAAAAAwMD/AAAAAABkAAAAMgAAAAAAAABkAAAAAAAAAH9/fwAKAAAAIgAAABgAAAAAAAAAAAAAAAAAAAAAAAAAAAAAAAAAAAAkAAAAJAAAAAAAAAAHAAAAAAAAAAAAAAAAAAAAAAAAAAAAAAAAAAAAf39/ACUAAABYAAAAAAAAAAAAAAAAAAAAAAAAAAAAAAAAAAAAAAAAAAAAAAAAAAAAAAAAAAAAAAA/AAAAAAAAAKCGAQAAAAAAAAAAAAAAAAAMAAAAAQAAAAAAAAAAAAAAAAAAAB8AAABUAAAAAAAAAv///wEAAAAAAAAAAAAAAAAAAAAAAAAAAAAAAAAAAAAAAAAAADJVkQB/f38A5+bmA8zMzADAwP8Af39/AAAAAAAAAAAAAAAAAAAAAAAAAAAAIQAAABgAAAAUAAAARA0AANYIAAC2DQAASAkAAAAAAAAmAAAACAAAAP//////////MAAAABQAAAAAAAAA/Er//wS1AAD8Sv//BLUAAA=="/>
                 </a:ext>
               </a:extLst>
             </p:cNvSpPr>
@@ -10555,7 +10536,7 @@
             <p:cNvSpPr>
               <a:extLst>
                 <a:ext uri="smNativeData">
-                  <pr:smNativeData xmlns:pr="smNativeData" xmlns="smNativeData" val="SMDATA_16_gfoFYRMAAAAlAAAACgAAAA0AAAAAkAAAAEgAAACQAAAASAAAAAAAAAAAAAAAAAAAAAEAAABQAAAAAAAAAAAA4D8AAAAAAADgPwAAAAAAAOA/AAAAAAAA4D8AAAAAAADgPwAAAAAAAOA/AAAAAAAA4D8AAAAAAADgPwAAAAAAAOA/AAAAAAAA4D8CAAAAjAAAAAAAAAAAAAAA////AP///wgAAAAAAAAAAAAAAAAAAAAAAAAAAAAAAAAAAAAAeAAAAAEAAABAAAAAAAAAAAAAAABaAAAAAAAAAAAAAAAAAAAAAAAAAAAAAAAAAAAAAAAAAAAAAAAAAAAAAAAAAAAAAAAAAAAAAAAAAAAAAAAAAAAAAAAAAAAAAAAAAAAAFAAAADwAAAABAAAABAAAAERyxAwKAAAAAQAAABQAAAAUAAAAFAAAAAEAAAAAAAAAZAAAAGQAAAAAAAAAZAAAAGQAAAAVAAAAYAAAAAAAAAAAAAAADwAAACADAAAAAAAAAAAAAAEAAACgMgAAVgcAAKr4//8BAAAAf39/AAEAAABkAAAAAAAAABQAAABAHwAAAAAAACYAAAAAAAAAwOD//wAAAAAmAAAAZAAAABYAAABMAAAAAAAAAAAAAAAEAAAAAAAAAAEAAADn5uYKAAAAACgAAAAoAAAAZAAAAGQAAAAAAAAAzMzMAAAAAABQAAAAUAAAAGQAAABkAAAAAAAAABcAAAAUAAAAAAAAAAAAAAD/fwAA/38AAAAAAAAJAAAABAAAAAAAAAAeAAAAaAAAAAAAAAAAAAAAAAAAAAAAAAAAAAAAECcAABAnAAAAAAAAAAAAAAAAAAAAAAAAAAAAAAAAAAAAAAAAAAAAABQAAAAAAAAAwMD/AAAAAABkAAAAMgAAAAAAAABkAAAAAAAAAH9/fwAKAAAAIgAAABgAAAAAAAAAAAAAAAAAAAAAAAAAAAAAAAAAAAAkAAAAJAAAAAAAAAAHAAAAAAAAAAAAAAAAAAAAAAAAAAAAAAAAAAAAf39/ACUAAABYAAAAAAAAAAAAAAAAAAAAAAAAAAAAAAAAAAAAAAAAAAAAAAAAAAAAAAAAAAAAAAA/AAAAAAAAAKCGAQAAAAAAAAAAAAAAAAAMAAAAAQAAAAAAAAAAAAAAAAAAAB8AAABUAAAA////AP///wEAAAAAAAAAAAAAAAAAAAAAAAAAAAAAAAAAAAAAAAAAAERyxAV/f38A5+bmA8zMzADAwP8Af39/AAAAAAAAAAAAAAAAAAAAAAAAAAAAIQAAABgAAAAUAAAAfQ0AAEgJAAB9DQAAWAsAAAAAAAAmAAAACAAAAP//////////MAAAABQAAAAAAAAAAAD//wAAAQAAAP//AAABAA=="/>
+                  <pr:smNativeData xmlns:pr="smNativeData" xmlns="smNativeData" val="SMDATA_16_FAWHYRMAAAAlAAAACgAAAA0AAAAAkAAAAEgAAACQAAAASAAAAAAAAAAAAAAAAAAAAAEAAABQAAAAAAAAAAAA4D8AAAAAAADgPwAAAAAAAOA/AAAAAAAA4D8AAAAAAADgPwAAAAAAAOA/AAAAAAAA4D8AAAAAAADgPwAAAAAAAOA/AAAAAAAA4D8CAAAAjAAAAAAAAAAAAAAA////AP///wgAAAAAAAAAAAAAAAAAAAAAAAAAAAAAAAAAAAAAeAAAAAEAAABAAAAAAAAAAAAAAABaAAAAAAAAAAAAAAAAAAAAAAAAAAAAAAAAAAAAAAAAAAAAAAAAAAAAAAAAAAAAAAAAAAAAAAAAAAAAAAAAAAAAAAAAAAAAAAAAAAAAFAAAADwAAAABAAAABAAAAERyxAwKAAAAAQAAABQAAAAUAAAAFAAAAAEAAAAAAAAAZAAAAGQAAAAAAAAAZAAAAGQAAAAVAAAAYAAAAAAAAAAAAAAADwAAACADAAAAAAAAAAAAAAEAAACgMgAAVgcAAKr4//8BAAAAf39/AAEAAABkAAAAAAAAABQAAABAHwAAAAAAACYAAAAAAAAAwOD//wAAAAAmAAAAZAAAABYAAABMAAAAAAAAAAAAAAAEAAAAAAAAAAEAAADn5uYKAAAAACgAAAAoAAAAZAAAAGQAAAAAAAAAzMzMAAAAAABQAAAAUAAAAGQAAABkAAAAAAAAABcAAAAUAAAAAAAAAAAAAAD/fwAA/38AAAAAAAAJAAAABAAAAAAAAAAeAAAAaAAAAAAAAAAAAAAAAAAAAAAAAAAAAAAAECcAABAnAAAAAAAAAAAAAAAAAAAAAAAAAAAAAAAAAAAAAAAAAAAAABQAAAAAAAAAwMD/AAAAAABkAAAAMgAAAAAAAABkAAAAAAAAAH9/fwAKAAAAIgAAABgAAAAAAAAAAAAAAAAAAAAAAAAAAAAAAAAAAAAkAAAAJAAAAAAAAAAHAAAAAAAAAAAAAAAAAAAAAAAAAAAAAAAAAAAAf39/ACUAAABYAAAAAAAAAAAAAAAAAAAAAAAAAAAAAAAAAAAAAAAAAAAAAAAAAAAAAAAAAAAAAAA/AAAAAAAAAKCGAQAAAAAAAAAAAAAAAAAMAAAAAQAAAAAAAAAAAAAAAAAAAB8AAABUAAAA////AP///wEAAAAAAAAAAAAAAAAAAAAAAAAAAAAAAAAAAAAAAAAAAERyxAV/f38A5+bmA8zMzADAwP8Af39/AAAAAAAAAAAAAAAAAAAAAAAAAAAAIQAAABgAAAAUAAAAfQ0AAEgJAAB9DQAAWAsAAAAAAAAmAAAACAAAAP//////////MAAAABQAAAAAAAAAAAD//wAAAQAAAP//AAABAA=="/>
                 </a:ext>
               </a:extLst>
             </p:cNvSpPr>
@@ -10587,7 +10568,7 @@
             <p:cNvSpPr>
               <a:extLst>
                 <a:ext uri="smNativeData">
-                  <pr:smNativeData xmlns:pr="smNativeData" xmlns="smNativeData" val="SMDATA_16_gfoFYRMAAAAlAAAACgAAAA0AAAAAkAAAAEgAAACQAAAASAAAAAAAAAAAAAAAAAAAAAEAAABQAAAAAAAAAAAA4D8AAAAAAADgPwAAAAAAAOA/AAAAAAAA4D8AAAAAAADgPwAAAAAAAOA/AAAAAAAA4D8AAAAAAADgPwAAAAAAAOA/AAAAAAAA4D8CAAAAjAAAAAAAAAAAAAAA////AP///wgAAAAAAAAAAAAAAAAAAAAAAAAAAAAAAAAAAAAAeAAAAAEAAABAAAAAAAAAAAAAAABaAAAAAAAAAAAAAAAAAAAAAAAAAAAAAAAAAAAAAAAAAAAAAAAAAAAAAAAAAAAAAAAAAAAAAAAAAAAAAAAAAAAAAAAAAAAAAAAAAAAAFAAAADwAAAABAAAABAAAAERyxAwKAAAAAQAAABQAAAAUAAAAFAAAAAEAAAAAAAAAZAAAAGQAAAAAAAAAZAAAAGQAAAAVAAAAYAAAAAAAAAAAAAAADwAAACADAAAAAAAAAAAAAAEAAACgMgAAVgcAAKr4//8BAAAAf39/AAEAAABkAAAAAAAAABQAAABAHwAAAAAAACYAAAAAAAAAwOD//wAAAAAmAAAAZAAAABYAAABMAAAAAAAAAAAAAAAEAAAAAAAAAAEAAADn5uYKAAAAACgAAAAoAAAAZAAAAGQAAAAAAAAAzMzMAAAAAABQAAAAUAAAAGQAAABkAAAAAAAAABcAAAAUAAAAAAAAAAAAAAD/fwAA/38AAAAAAAAJAAAABAAAAAAAAAAeAAAAaAAAAAAAAAAAAAAAAAAAAAAAAAAAAAAAECcAABAnAAAAAAAAAAAAAAAAAAAAAAAAAAAAAAAAAAAAAAAAAAAAABQAAAAAAAAAwMD/AAAAAABkAAAAMgAAAAAAAABkAAAAAAAAAH9/fwAKAAAAIgAAABgAAAAAAAAAAAAAAAAAAAAAAAAAAAAAAAAAAAAkAAAAJAAAAAAAAAAHAAAAAAAAAAAAAAAAAAAAAAAAAAAAAAAAAAAAf39/ACUAAABYAAAAAAAAAAAAAAAAAAAAAAAAAAAAAAAAAAAAAAAAAAAAAAAAAAAAAAAAAAAAAAA/AAAAAAAAAKCGAQAAAAAAAAAAAAAAAAAMAAAAAQAAAAAAAAAAAAAAAAAAAB8AAABUAAAA////AP///wEAAAAAAAAAAAAAAAAAAAAAAAAAAAAAAAAAAAAAAAAAAERyxAV/f38A5+bmA8zMzADAwP8Af39/AAAAAAAAAAAAAAAAAAAAAAAAAAAAIQAAABgAAAAUAAAAQwsAAA8JAABEDQAADwkAAAAAAAAmAAAACAAAAP//////////MAAAABQAAAAAAAAAAAD//wAAAQAAAP//AAABAA=="/>
+                  <pr:smNativeData xmlns:pr="smNativeData" xmlns="smNativeData" val="SMDATA_16_FAWHYRMAAAAlAAAACgAAAA0AAAAAkAAAAEgAAACQAAAASAAAAAAAAAAAAAAAAAAAAAEAAABQAAAAAAAAAAAA4D8AAAAAAADgPwAAAAAAAOA/AAAAAAAA4D8AAAAAAADgPwAAAAAAAOA/AAAAAAAA4D8AAAAAAADgPwAAAAAAAOA/AAAAAAAA4D8CAAAAjAAAAAAAAAAAAAAA////AP///wgAAAAAAAAAAAAAAAAAAAAAAAAAAAAAAAAAAAAAeAAAAAEAAABAAAAAAAAAAAAAAABaAAAAAAAAAAAAAAAAAAAAAAAAAAAAAAAAAAAAAAAAAAAAAAAAAAAAAAAAAAAAAAAAAAAAAAAAAAAAAAAAAAAAAAAAAAAAAAAAAAAAFAAAADwAAAABAAAABAAAAERyxAwKAAAAAQAAABQAAAAUAAAAFAAAAAEAAAAAAAAAZAAAAGQAAAAAAAAAZAAAAGQAAAAVAAAAYAAAAAAAAAAAAAAADwAAACADAAAAAAAAAAAAAAEAAACgMgAAVgcAAKr4//8BAAAAf39/AAEAAABkAAAAAAAAABQAAABAHwAAAAAAACYAAAAAAAAAwOD//wAAAAAmAAAAZAAAABYAAABMAAAAAAAAAAAAAAAEAAAAAAAAAAEAAADn5uYKAAAAACgAAAAoAAAAZAAAAGQAAAAAAAAAzMzMAAAAAABQAAAAUAAAAGQAAABkAAAAAAAAABcAAAAUAAAAAAAAAAAAAAD/fwAA/38AAAAAAAAJAAAABAAAAAAAAAAeAAAAaAAAAAAAAAAAAAAAAAAAAAAAAAAAAAAAECcAABAnAAAAAAAAAAAAAAAAAAAAAAAAAAAAAAAAAAAAAAAAAAAAABQAAAAAAAAAwMD/AAAAAABkAAAAMgAAAAAAAABkAAAAAAAAAH9/fwAKAAAAIgAAABgAAAAAAAAAAAAAAAAAAAAAAAAAAAAAAAAAAAAkAAAAJAAAAAAAAAAHAAAAAAAAAAAAAAAAAAAAAAAAAAAAAAAAAAAAf39/ACUAAABYAAAAAAAAAAAAAAAAAAAAAAAAAAAAAAAAAAAAAAAAAAAAAAAAAAAAAAAAAAAAAAA/AAAAAAAAAKCGAQAAAAAAAAAAAAAAAAAMAAAAAQAAAAAAAAAAAAAAAAAAAB8AAABUAAAA////AP///wEAAAAAAAAAAAAAAAAAAAAAAAAAAAAAAAAAAAAAAAAAAERyxAV/f38A5+bmA8zMzADAwP8Af39/AAAAAAAAAAAAAAAAAAAAAAAAAAAAIQAAABgAAAAUAAAAQwsAAA8JAABEDQAADwkAAAAAAAAmAAAACAAAAP//////////MAAAABQAAAAAAAAAAAD//wAAAQAAAP//AAABAA=="/>
                 </a:ext>
               </a:extLst>
             </p:cNvSpPr>
@@ -10619,7 +10600,7 @@
             <p:cNvSpPr>
               <a:extLst>
                 <a:ext uri="smNativeData">
-                  <pr:smNativeData xmlns:pr="smNativeData" xmlns="smNativeData" val="SMDATA_16_gfoFYRMAAAAlAAAAZAAAAE0AAAAAkAAAAEgAAACQAAAASAAAAAAAAAAAAAAAAAAAAAEAAABQAAAAAAAAAAAA4D8AAAAAAADgPwAAAAAAAOA/AAAAAAAA4D8AAAAAAADgPwAAAAAAAOA/AAAAAAAA4D8AAAAAAADgPwAAAAAAAOA/AAAAAAAA4D8CAAAAjAAAAAAAAAAAAAAARHLEDP///wgAAAAAAAAAAAAAAAAAAAAAAAAAAAAAAAAAAAAAZAAAAAEAAABAAAAAAAAAAAAAAAAAAAAAAAAAAAAAAAAAAAAAAAAAAAAAAAAAAAAAAAAAAAAAAAAAAAAAAAAAAAAAAAAAAAAAAAAAAAAAAAAAAAAAAAAAAAAAAAAAAAAAFAAAADwAAAAAAAAAAAAAAAAAAAAPAAAAAQAAACMAAAAjAAAAIwAAAB4AAAAAAAAAZAAAAGQAAAAAAAAAZAAAAGQAAAAVAAAAYAAAAAAAAAAAAAAADwAAACADAAAAAAAAAAAAAAEAAACgMgAAVgcAAKr4//8BAAAAf39/AAEAAABkAAAAAAAAABQAAABAHwAAAAAAACYAAAAAAAAAwOD//wAAAAAmAAAAZAAAABYAAABMAAAAAAAAAAAAAAAEAAAAAAAAAAEAAADn5uYKAAAAACgAAAAoAAAAZAAAAGQAAAAAAAAAzMzMAAAAAABQAAAAUAAAAGQAAABkAAAAAAAAABcAAAAUAAAAAAAAAAAAAAD/fwAA/38AAAAAAAAJAAAABAAAAAAAAAAeAAAAaAAAAAAAAAAAAAAAAAAAAAAAAAAAAAAAECcAABAnAAAAAAAAAAAAAAAAAAAAAAAAAAAAAAAAAAAAAAAAAAAAABQAAAAAAAAAwMD/AAAAAABkAAAAMgAAAAAAAABkAAAAAAAAAH9/fwAKAAAAIgAAABgAAAAAAAAAAAAAAAAAAAAAAAAAAAAAAAAAAAAkAAAAJAAAAAAAAAAHAAAAAAAAAAAAAAAAAAAAAAAAAAAAAAAAAAAAf39/ACUAAABYAAAAAAAAAAAAAAAAAAAAAAAAAAAAAAAAAAAAAAAAAAAAAAAAAAAAAAAAAAAAAAA/AAAAAAAAAKCGAQAAAAAAAAAAAAAAAAAMAAAAAQAAAAAAAAAAAAAAAAAAAB8AAABUAAAARHLEBf///wEAAAAAAAAAAAAAAAAAAAAAAAAAAAAAAAAAAAAAAAAAAAAAAAB/f38A5+bmA8zMzADAwP8Af39/AAAAAAAAAAAAAAAAAAAAAAAAAAAAIQAAABgAAAAUAAAAJAwAAFIHAAAfDwAABgkAAAAgAAAmAAAACAAAAP//////////MAAAABQAAAAAAAAAAAD//wAAAQAAAP//AAABAA=="/>
+                  <pr:smNativeData xmlns:pr="smNativeData" xmlns="smNativeData" val="SMDATA_16_FAWHYRMAAAAlAAAAZAAAAE0AAAAAkAAAAEgAAACQAAAASAAAAAAAAAAAAAAAAAAAAAEAAABQAAAAAAAAAAAA4D8AAAAAAADgPwAAAAAAAOA/AAAAAAAA4D8AAAAAAADgPwAAAAAAAOA/AAAAAAAA4D8AAAAAAADgPwAAAAAAAOA/AAAAAAAA4D8CAAAAjAAAAAAAAAAAAAAARHLEDP///wgAAAAAAAAAAAAAAAAAAAAAAAAAAAAAAAAAAAAAZAAAAAEAAABAAAAAAAAAAAAAAAAAAAAAAAAAAAAAAAAAAAAAAAAAAAAAAAAAAAAAAAAAAAAAAAAAAAAAAAAAAAAAAAAAAAAAAAAAAAAAAAAAAAAAAAAAAAAAAAAAAAAAFAAAADwAAAAAAAAAAAAAAAAAAAAPAAAAAQAAACMAAAAjAAAAIwAAAB4AAAAAAAAAZAAAAGQAAAAAAAAAZAAAAGQAAAAVAAAAYAAAAAAAAAAAAAAADwAAACADAAAAAAAAAAAAAAEAAACgMgAAVgcAAKr4//8BAAAAf39/AAEAAABkAAAAAAAAABQAAABAHwAAAAAAACYAAAAAAAAAwOD//wAAAAAmAAAAZAAAABYAAABMAAAAAAAAAAAAAAAEAAAAAAAAAAEAAADn5uYKAAAAACgAAAAoAAAAZAAAAGQAAAAAAAAAzMzMAAAAAABQAAAAUAAAAGQAAABkAAAAAAAAABcAAAAUAAAAAAAAAAAAAAD/fwAA/38AAAAAAAAJAAAABAAAAAAAAAAeAAAAaAAAAAAAAAAAAAAAAAAAAAAAAAAAAAAAECcAABAnAAAAAAAAAAAAAAAAAAAAAAAAAAAAAAAAAAAAAAAAAAAAABQAAAAAAAAAwMD/AAAAAABkAAAAMgAAAAAAAABkAAAAAAAAAH9/fwAKAAAAIgAAABgAAAAAAAAAAAAAAAAAAAAAAAAAAAAAAAAAAAAkAAAAJAAAAAAAAAAHAAAAAAAAAAAAAAAAAAAAAAAAAAAAAAAAAAAAf39/ACUAAABYAAAAAAAAAAAAAAAAAAAAAAAAAAAAAAAAAAAAAAAAAAAAAAAAAAAAAAAAAAAAAAA/AAAAAAAAAKCGAQAAAAAAAAAAAAAAAAAMAAAAAQAAAAAAAAAAAAAAAAAAAB8AAABUAAAARHLEBf///wEAAAAAAAAAAAAAAAAAAAAAAAAAAAAAAAAAAAAAAAAAAAAAAAB/f38A5+bmA8zMzADAwP8Af39/AAAAAAAAAAAAAAAAAAAAAAAAAAAAIQAAABgAAAAUAAAAJAwAAFIHAAAfDwAABgkAAAAgAAAmAAAACAAAAP//////////MAAAABQAAAAAAAAAAAD//wAAAQAAAP//AAABAA=="/>
                 </a:ext>
               </a:extLst>
             </p:cNvSpPr>
@@ -10660,7 +10641,7 @@
             <p:cNvSpPr>
               <a:extLst>
                 <a:ext uri="smNativeData">
-                  <pr:smNativeData xmlns:pr="smNativeData" xmlns="smNativeData" val="SMDATA_16_gfoFYRMAAAAlAAAAZgAAAA0AAAAAkAAAAEgAAACQAAAASAAAAAAAAAABAAAAAAAAAAEAAABQAAAAAAAAAAAA8D8AAAAAAADwPwAAAAAAAOA/AAAAAAAA4D8AAAAAAADgPwAAAAAAAOA/AAAAAAAA4D8AAAAAAADgPwAAAAAAAOA/AAAAAAAA4D8CAAAAjAAAAAAAAAAAAAAARHLEDP///wgAAAAAAAAAAAAAAAAAAAAAAAAAAAAAAAAAAAAAZAAAAAEAAABAAAAAAAAAAAAAAAAAAAAAAAAAAAAAAAAAAAAAAAAAAAAAAAAAAAAAAAAAAAAAAAAAAAAAAAAAAAAAAAAAAAAAAAAAAAAAAAAAAAAAAAAAAAAAAAAAAAAAFAAAADwAAAABAAAAAAAAAAAAAAkUAAAAAQAAABQAAAAUAAAAFAAAAAEAAAAAAAAAZAAAAGQAAAAAAAAAZAAAAGQAAAAVAAAAYAAAAAAAAAAAAAAADwAAACADAAAAAAAAAAAAAAEAAACgMgAAVgcAAKr4//8BAAAAf39/AAEAAABkAAAAAAAAABQAAABAHwAAAAAAACYAAAAAAAAAwOD//wAAAAAmAAAAZAAAABYAAABMAAAAAAAAAAAAAAAEAAAAAAAAAAEAAADn5uYKAAAAACgAAAAoAAAAZAAAAGQAAAAAAAAAzMzMAAAAAABQAAAAUAAAAGQAAABkAAAAAAAAABcAAAAUAAAAAAAAAAAAAAD/fwAA/38AAAAAAAAJAAAABAAAAAAAAAAeAAAAaAAAAAAAAAAAAAAAAAAAAAAAAAAAAAAAECcAABAnAAAAAAAAAAAAAAAAAAAAAAAAAAAAAAAAAAAAAAAAAAAAABQAAAAAAAAAwMD/AAAAAABkAAAAMgAAAAAAAABkAAAAAAAAAH9/fwAKAAAAIgAAABgAAAAAAAAAAAAAAAAAAAAAAAAAAAAAAAAAAAAkAAAAJAAAAAAAAAAHAAAAAAAAAAAAAAAAAAAAAAAAAAAAAAAAAAAAf39/ACUAAABYAAAAAAAAAAAAAAAAAAAAAAAAAAAAAAAAAAAAAAAAAAAAAAAAAAAAAAAAAAAAAAA/AAAAAAAAAKCGAQAAAAAAAAAAAAAAAAAMAAAAAQAAAAAAAAAAAAAAAAAAAB8AAABUAAAARHLEBf///wEAAAAAAAAAAAAAAAAAAAAAAAAAAAAAAAAAAAAAAAAAAAAAAAJ/f38A5+bmA8zMzADAwP8Af39/AAAAAAAAAAAAAAAAAAAAAAAAAAAAIQAAABgAAAAUAAAACgsAAAgLAAB8CwAAeQsAAAAAAAAmAAAACAAAAP//////////MAAAABQAAAAAAAAA/Er//wS1AAD8Sv//BLUAAA=="/>
+                  <pr:smNativeData xmlns:pr="smNativeData" xmlns="smNativeData" val="SMDATA_16_FAWHYRMAAAAlAAAAZgAAAA0AAAAAkAAAAEgAAACQAAAASAAAAAAAAAABAAAAAAAAAAEAAABQAAAAAAAAAAAA8D8AAAAAAADwPwAAAAAAAOA/AAAAAAAA4D8AAAAAAADgPwAAAAAAAOA/AAAAAAAA4D8AAAAAAADgPwAAAAAAAOA/AAAAAAAA4D8CAAAAjAAAAAAAAAAAAAAARHLEDP///wgAAAAAAAAAAAAAAAAAAAAAAAAAAAAAAAAAAAAAZAAAAAEAAABAAAAAAAAAAAAAAAAAAAAAAAAAAAAAAAAAAAAAAAAAAAAAAAAAAAAAAAAAAAAAAAAAAAAAAAAAAAAAAAAAAAAAAAAAAAAAAAAAAAAAAAAAAAAAAAAAAAAAFAAAADwAAAABAAAAAAAAAAAAAAkUAAAAAQAAABQAAAAUAAAAFAAAAAEAAAAAAAAAZAAAAGQAAAAAAAAAZAAAAGQAAAAVAAAAYAAAAAAAAAAAAAAADwAAACADAAAAAAAAAAAAAAEAAACgMgAAVgcAAKr4//8BAAAAf39/AAEAAABkAAAAAAAAABQAAABAHwAAAAAAACYAAAAAAAAAwOD//wAAAAAmAAAAZAAAABYAAABMAAAAAAAAAAAAAAAEAAAAAAAAAAEAAADn5uYKAAAAACgAAAAoAAAAZAAAAGQAAAAAAAAAzMzMAAAAAABQAAAAUAAAAGQAAABkAAAAAAAAABcAAAAUAAAAAAAAAAAAAAD/fwAA/38AAAAAAAAJAAAABAAAAAAAAAAeAAAAaAAAAAAAAAAAAAAAAAAAAAAAAAAAAAAAECcAABAnAAAAAAAAAAAAAAAAAAAAAAAAAAAAAAAAAAAAAAAAAAAAABQAAAAAAAAAwMD/AAAAAABkAAAAMgAAAAAAAABkAAAAAAAAAH9/fwAKAAAAIgAAABgAAAAAAAAAAAAAAAAAAAAAAAAAAAAAAAAAAAAkAAAAJAAAAAAAAAAHAAAAAAAAAAAAAAAAAAAAAAAAAAAAAAAAAAAAf39/ACUAAABYAAAAAAAAAAAAAAAAAAAAAAAAAAAAAAAAAAAAAAAAAAAAAAAAAAAAAAAAAAAAAAA/AAAAAAAAAKCGAQAAAAAAAAAAAAAAAAAMAAAAAQAAAAAAAAAAAAAAAAAAAB8AAABUAAAARHLEBf///wEAAAAAAAAAAAAAAAAAAAAAAAAAAAAAAAAAAAAAAAAAAAAAAAJ/f38A5+bmA8zMzADAwP8Af39/AAAAAAAAAAAAAAAAAAAAAAAAAAAAIQAAABgAAAAUAAAACgsAAAgLAAB8CwAAeQsAAAAAAAAmAAAACAAAAP//////////MAAAABQAAAAAAAAA/Er//wS1AAD8Sv//BLUAAA=="/>
                 </a:ext>
               </a:extLst>
             </p:cNvSpPr>
@@ -10706,7 +10687,7 @@
             <p:cNvSpPr>
               <a:extLst>
                 <a:ext uri="smNativeData">
-                  <pr:smNativeData xmlns:pr="smNativeData" xmlns="smNativeData" val="SMDATA_16_gfoFYRMAAAAlAAAACgAAAA0AAAAAkAAAAEgAAACQAAAASAAAAAAAAAAAAAAAAAAAAAEAAABQAAAAAAAAAAAA4D8AAAAAAADgPwAAAAAAAOA/AAAAAAAA4D8AAAAAAADgPwAAAAAAAOA/AAAAAAAA4D8AAAAAAADgPwAAAAAAAOA/AAAAAAAA4D8CAAAAjAAAAAAAAAAAAAAA////AP///wgAAAAAAAAAAAAAAAAAAAAAAAAAAAAAAAAAAAAAeAAAAAEAAABAAAAAAAAAAAAAAABaAAAAAAAAAAAAAAAAAAAAAAAAAAAAAAAAAAAAAAAAAAAAAAAAAAAAAAAAAAAAAAAAAAAAAAAAAAAAAAAAAAAAAAAAAAAAAAAAAAAAFAAAADwAAAABAAAAAAAAAAAAAAkKAAAAAQAAABQAAAAUAAAAFAAAAAEAAAACAAAAZAAAAGQAAAACAAAAZAAAAGQAAAAVAAAAYAAAAAAAAAAAAAAADwAAACADAAAAAAAAAAAAAAEAAACgMgAAVgcAAKr4//8BAAAAf39/AAEAAABkAAAAAAAAABQAAABAHwAAAAAAACYAAAAAAAAAwOD//wAAAAAmAAAAZAAAABYAAABMAAAAAAAAAAAAAAAEAAAAAAAAAAEAAADn5uYKAAAAACgAAAAoAAAAZAAAAGQAAAAAAAAAzMzMAAAAAABQAAAAUAAAAGQAAABkAAAAAAAAABcAAAAUAAAAAAAAAAAAAAD/fwAA/38AAAAAAAAJAAAABAAAAAAAAAAeAAAAaAAAAAAAAAAAAAAAAAAAAAAAAAAAAAAAECcAABAnAAAAAAAAAAAAAAAAAAAAAAAAAAAAAAAAAAAAAAAAAAAAABQAAAAAAAAAwMD/AAAAAABkAAAAMgAAAAAAAABkAAAAAAAAAH9/fwAKAAAAIgAAABgAAAAAAAAAAAAAAAAAAAAAAAAAAAAAAAAAAAAkAAAAJAAAAAAAAAAHAAAAAAAAAAAAAAAAAAAAAAAAAAAAAAAAAAAAf39/ACUAAABYAAAAAAAAAAAAAAAAAAAAAAAAAAAAAAAAAAAAAAAAAAAAAAAAAAAAAAAAAAAAAAA/AAAAAAAAAKCGAQAAAAAAAAAAAAAAAAAMAAAAAQAAAAAAAAAAAAAAAAAAAB8AAABUAAAA////AP///wEAAAAAAAAAAAAAAAAAAAAAAAAAAAAAAAAAAAAAAAAAAAAAAAJ/f38A5+bmA8zMzADAwP8Af39/AAAAAAAAAAAAAAAAAAAAAAAAAAAAIQAAABgAAAAUAAAAqwQAADcLAADdEQAASgsAAAAAAAAmAAAACAAAAP//////////MAAAABQAAAAAAAAAAAD//wAAAQAAAP//AAABAA=="/>
+                  <pr:smNativeData xmlns:pr="smNativeData" xmlns="smNativeData" val="SMDATA_16_FAWHYRMAAAAlAAAACgAAAA0AAAAAkAAAAEgAAACQAAAASAAAAAAAAAAAAAAAAAAAAAEAAABQAAAAAAAAAAAA4D8AAAAAAADgPwAAAAAAAOA/AAAAAAAA4D8AAAAAAADgPwAAAAAAAOA/AAAAAAAA4D8AAAAAAADgPwAAAAAAAOA/AAAAAAAA4D8CAAAAjAAAAAAAAAAAAAAA////AP///wgAAAAAAAAAAAAAAAAAAAAAAAAAAAAAAAAAAAAAeAAAAAEAAABAAAAAAAAAAAAAAABaAAAAAAAAAAAAAAAAAAAAAAAAAAAAAAAAAAAAAAAAAAAAAAAAAAAAAAAAAAAAAAAAAAAAAAAAAAAAAAAAAAAAAAAAAAAAAAAAAAAAFAAAADwAAAABAAAAAAAAAAAAAAkKAAAAAQAAABQAAAAUAAAAFAAAAAEAAAACAAAAZAAAAGQAAAACAAAAZAAAAGQAAAAVAAAAYAAAAAAAAAAAAAAADwAAACADAAAAAAAAAAAAAAEAAACgMgAAVgcAAKr4//8BAAAAf39/AAEAAABkAAAAAAAAABQAAABAHwAAAAAAACYAAAAAAAAAwOD//wAAAAAmAAAAZAAAABYAAABMAAAAAAAAAAAAAAAEAAAAAAAAAAEAAADn5uYKAAAAACgAAAAoAAAAZAAAAGQAAAAAAAAAzMzMAAAAAABQAAAAUAAAAGQAAABkAAAAAAAAABcAAAAUAAAAAAAAAAAAAAD/fwAA/38AAAAAAAAJAAAABAAAAAAAAAAeAAAAaAAAAAAAAAAAAAAAAAAAAAAAAAAAAAAAECcAABAnAAAAAAAAAAAAAAAAAAAAAAAAAAAAAAAAAAAAAAAAAAAAABQAAAAAAAAAwMD/AAAAAABkAAAAMgAAAAAAAABkAAAAAAAAAH9/fwAKAAAAIgAAABgAAAAAAAAAAAAAAAAAAAAAAAAAAAAAAAAAAAAkAAAAJAAAAAAAAAAHAAAAAAAAAAAAAAAAAAAAAAAAAAAAAAAAAAAAf39/ACUAAABYAAAAAAAAAAAAAAAAAAAAAAAAAAAAAAAAAAAAAAAAAAAAAAAAAAAAAAAAAAAAAAA/AAAAAAAAAKCGAQAAAAAAAAAAAAAAAAAMAAAAAQAAAAAAAAAAAAAAAAAAAB8AAABUAAAA////AP///wEAAAAAAAAAAAAAAAAAAAAAAAAAAAAAAAAAAAAAAAAAAAAAAAJ/f38A5+bmA8zMzADAwP8Af39/AAAAAAAAAAAAAAAAAAAAAAAAAAAAIQAAABgAAAAUAAAAqwQAADcLAADdEQAASgsAAAAAAAAmAAAACAAAAP//////////MAAAABQAAAAAAAAAAAD//wAAAQAAAP//AAABAA=="/>
                 </a:ext>
               </a:extLst>
             </p:cNvSpPr>
@@ -10738,7 +10719,7 @@
             <p:cNvSpPr>
               <a:extLst>
                 <a:ext uri="smNativeData">
-                  <pr:smNativeData xmlns:pr="smNativeData" xmlns="smNativeData" val="SMDATA_16_gfoFYRMAAAAlAAAACgAAAA0AAAAAkAAAAEgAAACQAAAASAAAAAAAAAAAAAAAAAAAAAEAAABQAAAAAAAAAAAA4D8AAAAAAADgPwAAAAAAAOA/AAAAAAAA4D8AAAAAAADgPwAAAAAAAOA/AAAAAAAA4D8AAAAAAADgPwAAAAAAAOA/AAAAAAAA4D8CAAAAjAAAAAAAAAAAAAAA////AP///wgAAAAAAAAAAAAAAAAAAAAAAAAAAAAAAAAAAAAAeAAAAAEAAABAAAAAAAAAAAAAAABaAAAAAAAAAAAAAAAAAAAAAAAAAAAAAAAAAAAAAAAAAAAAAAAAAAAAAAAAAAAAAAAAAAAAAAAAAAAAAAAAAAAAAAAAAAAAAAAAAAAAFAAAADwAAAABAAAAAAAAAAAAAAkKAAAAAQAAABQAAAAUAAAAFAAAAAEAAAACAAAAZAAAAGQAAAACAAAAZAAAAGQAAAAVAAAAYAAAAAAAAAAAAAAADwAAACADAAAAAAAAAAAAAAEAAACgMgAAVgcAAKr4//8BAAAAf39/AAEAAABkAAAAAAAAABQAAABAHwAAAAAAACYAAAAAAAAAwOD//wAAAAAmAAAAZAAAABYAAABMAAAAAAAAAAAAAAAEAAAAAAAAAAEAAADn5uYKAAAAACgAAAAoAAAAZAAAAGQAAAAAAAAAzMzMAAAAAABQAAAAUAAAAGQAAABkAAAAAAAAABcAAAAUAAAAAAAAAAAAAAD/fwAA/38AAAAAAAAJAAAABAAAAAAAAAAeAAAAaAAAAAAAAAAAAAAAAAAAAAAAAAAAAAAAECcAABAnAAAAAAAAAAAAAAAAAAAAAAAAAAAAAAAAAAAAAAAAAAAAABQAAAAAAAAAwMD/AAAAAABkAAAAMgAAAAAAAABkAAAAAAAAAH9/fwAKAAAAIgAAABgAAAAAAAAAAAAAAAAAAAAAAAAAAAAAAAAAAAAkAAAAJAAAAAAAAAAHAAAAAAAAAAAAAAAAAAAAAAAAAAAAAAAAAAAAf39/ACUAAABYAAAAAAAAAAAAAAAAAAAAAAAAAAAAAAAAAAAAAAAAAAAAAAAAAAAAAAAAAAAAAAA/AAAAAAAAAKCGAQAAAAAAAAAAAAAAAAAMAAAAAQAAAAAAAAAAAAAAAAAAAB8AAABUAAAA////AP///wEAAAAAAAAAAAAAAAAAAAAAAAAAAAAAAAAAAAAAAAAAAAAAAAJ/f38A5+bmA8zMzADAwP8Af39/AAAAAAAAAAAAAAAAAAAAAAAAAAAAIQAAABgAAAAUAAAARAsAANQEAABECwAArREAAAAAAAAmAAAACAAAAP//////////MAAAABQAAAAAAAAAAAD//wAAAQAAAP//AAABAA=="/>
+                  <pr:smNativeData xmlns:pr="smNativeData" xmlns="smNativeData" val="SMDATA_16_FAWHYRMAAAAlAAAACgAAAA0AAAAAkAAAAEgAAACQAAAASAAAAAAAAAAAAAAAAAAAAAEAAABQAAAAAAAAAAAA4D8AAAAAAADgPwAAAAAAAOA/AAAAAAAA4D8AAAAAAADgPwAAAAAAAOA/AAAAAAAA4D8AAAAAAADgPwAAAAAAAOA/AAAAAAAA4D8CAAAAjAAAAAAAAAAAAAAA////AP///wgAAAAAAAAAAAAAAAAAAAAAAAAAAAAAAAAAAAAAeAAAAAEAAABAAAAAAAAAAAAAAABaAAAAAAAAAAAAAAAAAAAAAAAAAAAAAAAAAAAAAAAAAAAAAAAAAAAAAAAAAAAAAAAAAAAAAAAAAAAAAAAAAAAAAAAAAAAAAAAAAAAAFAAAADwAAAABAAAAAAAAAAAAAAkKAAAAAQAAABQAAAAUAAAAFAAAAAEAAAACAAAAZAAAAGQAAAACAAAAZAAAAGQAAAAVAAAAYAAAAAAAAAAAAAAADwAAACADAAAAAAAAAAAAAAEAAACgMgAAVgcAAKr4//8BAAAAf39/AAEAAABkAAAAAAAAABQAAABAHwAAAAAAACYAAAAAAAAAwOD//wAAAAAmAAAAZAAAABYAAABMAAAAAAAAAAAAAAAEAAAAAAAAAAEAAADn5uYKAAAAACgAAAAoAAAAZAAAAGQAAAAAAAAAzMzMAAAAAABQAAAAUAAAAGQAAABkAAAAAAAAABcAAAAUAAAAAAAAAAAAAAD/fwAA/38AAAAAAAAJAAAABAAAAAAAAAAeAAAAaAAAAAAAAAAAAAAAAAAAAAAAAAAAAAAAECcAABAnAAAAAAAAAAAAAAAAAAAAAAAAAAAAAAAAAAAAAAAAAAAAABQAAAAAAAAAwMD/AAAAAABkAAAAMgAAAAAAAABkAAAAAAAAAH9/fwAKAAAAIgAAABgAAAAAAAAAAAAAAAAAAAAAAAAAAAAAAAAAAAAkAAAAJAAAAAAAAAAHAAAAAAAAAAAAAAAAAAAAAAAAAAAAAAAAAAAAf39/ACUAAABYAAAAAAAAAAAAAAAAAAAAAAAAAAAAAAAAAAAAAAAAAAAAAAAAAAAAAAAAAAAAAAA/AAAAAAAAAKCGAQAAAAAAAAAAAAAAAAAMAAAAAQAAAAAAAAAAAAAAAAAAAB8AAABUAAAA////AP///wEAAAAAAAAAAAAAAAAAAAAAAAAAAAAAAAAAAAAAAAAAAAAAAAJ/f38A5+bmA8zMzADAwP8Af39/AAAAAAAAAAAAAAAAAAAAAAAAAAAAIQAAABgAAAAUAAAARAsAANQEAABECwAArREAAAAAAAAmAAAACAAAAP//////////MAAAABQAAAAAAAAAAAD//wAAAQAAAP//AAABAA=="/>
                 </a:ext>
               </a:extLst>
             </p:cNvSpPr>
@@ -10770,7 +10751,7 @@
             <p:cNvSpPr>
               <a:extLst>
                 <a:ext uri="smNativeData">
-                  <pr:smNativeData xmlns:pr="smNativeData" xmlns="smNativeData" val="SMDATA_16_gfoFYRMAAAAlAAAAZgAAAA0AAAAAkAAAAEgAAACQAAAASAAAAAAAAAABAAAAAAAAAAEAAABQAAAAAAAAAAAA8D8AAAAAAADwPwAAAAAAAOA/AAAAAAAA4D8AAAAAAADgPwAAAAAAAOA/AAAAAAAA4D8AAAAAAADgPwAAAAAAAOA/AAAAAAAA4D8CAAAAjAAAAAAAAAAAAAAARHLEDP///wgAAAAAAAAAAAAAAAAAAAAAAAAAAAAAAAAAAAAAZAAAAAEAAABAAAAAAAAAAAAAAAAAAAAAAAAAAAAAAAAAAAAAAAAAAAAAAAAAAAAAAAAAAAAAAAAAAAAAAAAAAAAAAAAAAAAAAAAAAAAAAAAAAAAAAAAAAAAAAAAAAAAAFAAAADwAAAABAAAAAAAAADJVkQAUAAAAAQAAABQAAAAUAAAAFAAAAAEAAAAAAAAAZAAAAGQAAAAAAAAAZAAAAGQAAAAVAAAAYAAAAAAAAAAAAAAADwAAACADAAAAAAAAAAAAAAEAAACgMgAAVgcAAKr4//8BAAAAf39/AAEAAABkAAAAAAAAABQAAABAHwAAAAAAACYAAAAAAAAAwOD//wAAAAAmAAAAZAAAABYAAABMAAAAAAAAAAAAAAAEAAAAAAAAAAEAAADn5uYKAAAAACgAAAAoAAAAZAAAAGQAAAAAAAAAzMzMAAAAAABQAAAAUAAAAGQAAABkAAAAAAAAABcAAAAUAAAAAAAAAAAAAAD/fwAA/38AAAAAAAAJAAAABAAAAAAAAAAeAAAAaAAAAAAAAAAAAAAAAAAAAAAAAAAAAAAAECcAABAnAAAAAAAAAAAAAAAAAAAAAAAAAAAAAAAAAAAAAAAAAAAAABQAAAAAAAAAwMD/AAAAAABkAAAAMgAAAAAAAABkAAAAAAAAAH9/fwAKAAAAIgAAABgAAAAAAAAAAAAAAAAAAAAAAAAAAAAAAAAAAAAkAAAAJAAAAAAAAAAHAAAAAAAAAAAAAAAAAAAAAAAAAAAAAAAAAAAAf39/ACUAAABYAAAAAAAAAAAAAAAAAAAAAAAAAAAAAAAAAAAAAAAAAAAAAAAAAAAAAAAAAAAAAAA/AAAAAAAAAKCGAQAAAAAAAAAAAAAAAAAMAAAAAQAAAAAAAAAAAAAAAAAAAB8AAABUAAAARHLEBf///wEAAAAAAAAAAAAAAAAAAAAAAAAAAAAAAAAAAAAAAAAAADJVkQB/f38A5+bmA8zMzADAwP8Af39/AAAAAAAAAAAAAAAAAAAAAAAAAAAAIQAAABgAAAAUAAAA1gYAANMGAACxDwAArg8AAAAAAAAmAAAACAAAAP//////////MAAAABQAAAAAAAAA/Er//wS1AAD8Sv//BLUAAA=="/>
+                  <pr:smNativeData xmlns:pr="smNativeData" xmlns="smNativeData" val="SMDATA_16_FAWHYRMAAAAlAAAAZgAAAA0AAAAAkAAAAEgAAACQAAAASAAAAAAAAAABAAAAAAAAAAEAAABQAAAAAAAAAAAA8D8AAAAAAADwPwAAAAAAAOA/AAAAAAAA4D8AAAAAAADgPwAAAAAAAOA/AAAAAAAA4D8AAAAAAADgPwAAAAAAAOA/AAAAAAAA4D8CAAAAjAAAAAAAAAAAAAAARHLEDP///wgAAAAAAAAAAAAAAAAAAAAAAAAAAAAAAAAAAAAAZAAAAAEAAABAAAAAAAAAAAAAAAAAAAAAAAAAAAAAAAAAAAAAAAAAAAAAAAAAAAAAAAAAAAAAAAAAAAAAAAAAAAAAAAAAAAAAAAAAAAAAAAAAAAAAAAAAAAAAAAAAAAAAFAAAADwAAAABAAAAAAAAADJVkQAUAAAAAQAAABQAAAAUAAAAFAAAAAEAAAAAAAAAZAAAAGQAAAAAAAAAZAAAAGQAAAAVAAAAYAAAAAAAAAAAAAAADwAAACADAAAAAAAAAAAAAAEAAACgMgAAVgcAAKr4//8BAAAAf39/AAEAAABkAAAAAAAAABQAAABAHwAAAAAAACYAAAAAAAAAwOD//wAAAAAmAAAAZAAAABYAAABMAAAAAAAAAAAAAAAEAAAAAAAAAAEAAADn5uYKAAAAACgAAAAoAAAAZAAAAGQAAAAAAAAAzMzMAAAAAABQAAAAUAAAAGQAAABkAAAAAAAAABcAAAAUAAAAAAAAAAAAAAD/fwAA/38AAAAAAAAJAAAABAAAAAAAAAAeAAAAaAAAAAAAAAAAAAAAAAAAAAAAAAAAAAAAECcAABAnAAAAAAAAAAAAAAAAAAAAAAAAAAAAAAAAAAAAAAAAAAAAABQAAAAAAAAAwMD/AAAAAABkAAAAMgAAAAAAAABkAAAAAAAAAH9/fwAKAAAAIgAAABgAAAAAAAAAAAAAAAAAAAAAAAAAAAAAAAAAAAAkAAAAJAAAAAAAAAAHAAAAAAAAAAAAAAAAAAAAAAAAAAAAAAAAAAAAf39/ACUAAABYAAAAAAAAAAAAAAAAAAAAAAAAAAAAAAAAAAAAAAAAAAAAAAAAAAAAAAAAAAAAAAA/AAAAAAAAAKCGAQAAAAAAAAAAAAAAAAAMAAAAAQAAAAAAAAAAAAAAAAAAAB8AAABUAAAARHLEBf///wEAAAAAAAAAAAAAAAAAAAAAAAAAAAAAAAAAAAAAAAAAADJVkQB/f38A5+bmA8zMzADAwP8Af39/AAAAAAAAAAAAAAAAAAAAAAAAAAAAIQAAABgAAAAUAAAA1gYAANMGAACxDwAArg8AAAAAAAAmAAAACAAAAP//////////MAAAABQAAAAAAAAA/Er//wS1AAD8Sv//BLUAAA=="/>
                 </a:ext>
               </a:extLst>
             </p:cNvSpPr>
@@ -10816,7 +10797,7 @@
             <p:cNvCxnSpPr>
               <a:extLst>
                 <a:ext uri="smNativeData">
-                  <pr:smNativeData xmlns:pr="smNativeData" xmlns="smNativeData" val="SMDATA_16_gfoFYRMAAAAlAAAADQAAAA0AAAAAkAAAAEgAAACQAAAASAAAAAAAAAAAAAAAAAAAAAEAAABQAAAAAAAAAAAA8L8AAAAAAAAAAAAAAAAAAPA/AAAAAAAA4D8AAAAAAADgPwAAAAAAAOA/AAAAAAAA4D8AAAAAAADgPwAAAAAAAOA/AAAAAAAA4D8CAAAAjAAAAAAAAAAAAAAA////AP///wgAAAAAAAAAAAAAAAAAAAAAAAAAAAAAAAAAAAAAeAAAAAEAAABAAAAAAAAAAAAAAABaAAAAAAAAAAAAAAAAAAAAAAAAAAAAAAAAAAAAAAAAAAAAAAAAAAAAAAAAAAAAAAAAAAAAAAAAAAAAAAAAAAAAAAAAAAAAAAAAAAAAFAAAADwAAAABAAAAAAAAAMAAAAAjAAAAAQAAABQAAAAUAAAAFAAAAAEAAAAAAAAAZAAAAGQAAAADAAAAZAAAAGQAAAAVAAAAYAAAAAAAAAAAAAAADwAAACADAAAAAAAAAAAAAAEAAACgMgAAVgcAAKr4//8BAAAAf39/AAEAAABkAAAAAAAAABQAAABAHwAAAAAAACYAAAAAAAAAwOD//wAAAAAmAAAAZAAAABYAAABMAAAAAAAAAAAAAAAEAAAAAAAAAAEAAADn5uYKAAAAACgAAAAoAAAAZAAAAGQAAAAAAAAAzMzMAAAAAABQAAAAUAAAAGQAAABkAAAAAAAAABcAAAAUAAAAAAAAAAAAAAD/fwAA/38AAAAAAAAJAAAABAAAAAABAAEeAAAAaAAAAAAAAAAAAAAAAAAAAAAAAAAAAAAAECcAABAnAAAAAAAAAAAAAAAAAAAAAAAAAAAAAAAAAAAAAAAAAAAAABQAAAAAAAAAwMD/AAAAAABkAAAAMgAAAAAAAABkAAAAAAAAAH9/fwAKAAAAIgAAABgAAAAAAAAAAAAAAAAAAAAAAAAAAAAAAAAAAAAkAAAAJAAAAAAAAAAHAAAAAAAAAAAAAAAAAAAAAAAAAAAAAAAAAAAAf39/ACUAAABYAAAAAAAAAAAAAAAAAAAAAAAAAAAAAAAAAAAAAAAAAAAAAAAAAAAAAAAAAAAAAAA/AAAAAAAAAKCGAQAAAAAAAAAAAAAAAAAMAAAAAQAAAAAAAAAAAAAAAAAAAB8AAABUAAAA////AP///wEAAAAAAAAAAAAAAAAAAAAAAAAAAAAAAAAAAAAAAAAAAMAAAAB/f38A5+bmA8zMzADAwP8Af39/AAAAAAAAAAAAAAAAAAAAAAAAAAAAIQAAABgAAAAUAAAAIQQAAOwCAACkDAAA/gIAAAAAAAAmAAAACAAAAP//////////MAAAABQAAAAAAAAAAAD//wAAAQAAAP//AAABAA=="/>
+                  <pr:smNativeData xmlns:pr="smNativeData" xmlns="smNativeData" val="SMDATA_16_FAWHYRMAAAAlAAAADQAAAA0AAAAAkAAAAEgAAACQAAAASAAAAAAAAAAAAAAAAAAAAAEAAABQAAAAAAAAAAAA8L8AAAAAAAAAAAAAAAAAAPA/AAAAAAAA4D8AAAAAAADgPwAAAAAAAOA/AAAAAAAA4D8AAAAAAADgPwAAAAAAAOA/AAAAAAAA4D8CAAAAjAAAAAAAAAAAAAAA////AP///wgAAAAAAAAAAAAAAAAAAAAAAAAAAAAAAAAAAAAAeAAAAAEAAABAAAAAAAAAAAAAAABaAAAAAAAAAAAAAAAAAAAAAAAAAAAAAAAAAAAAAAAAAAAAAAAAAAAAAAAAAAAAAAAAAAAAAAAAAAAAAAAAAAAAAAAAAAAAAAAAAAAAFAAAADwAAAABAAAAAAAAAMAAAAAjAAAAAQAAABQAAAAUAAAAFAAAAAEAAAAAAAAAZAAAAGQAAAADAAAAZAAAAGQAAAAVAAAAYAAAAAAAAAAAAAAADwAAACADAAAAAAAAAAAAAAEAAACgMgAAVgcAAKr4//8BAAAAf39/AAEAAABkAAAAAAAAABQAAABAHwAAAAAAACYAAAAAAAAAwOD//wAAAAAmAAAAZAAAABYAAABMAAAAAAAAAAAAAAAEAAAAAAAAAAEAAADn5uYKAAAAACgAAAAoAAAAZAAAAGQAAAAAAAAAzMzMAAAAAABQAAAAUAAAAGQAAABkAAAAAAAAABcAAAAUAAAAAAAAAAAAAAD/fwAA/38AAAAAAAAJAAAABAAAAAABAAEeAAAAaAAAAAAAAAAAAAAAAAAAAAAAAAAAAAAAECcAABAnAAAAAAAAAAAAAAAAAAAAAAAAAAAAAAAAAAAAAAAAAAAAABQAAAAAAAAAwMD/AAAAAABkAAAAMgAAAAAAAABkAAAAAAAAAH9/fwAKAAAAIgAAABgAAAAAAAAAAAAAAAAAAAAAAAAAAAAAAAAAAAAkAAAAJAAAAAAAAAAHAAAAAAAAAAAAAAAAAAAAAAAAAAAAAAAAAAAAf39/ACUAAABYAAAAAAAAAAAAAAAAAAAAAAAAAAAAAAAAAAAAAAAAAAAAAAAAAAAAAAAAAAAAAAA/AAAAAAAAAKCGAQAAAAAAAAAAAAAAAAAMAAAAAQAAAAAAAAAAAAAAAAAAAB8AAABUAAAA////AP///wEAAAAAAAAAAAAAAAAAAAAAAAAAAAAAAAAAAAAAAAAAAMAAAAB/f38A5+bmA8zMzADAwP8Af39/AAAAAAAAAAAAAAAAAAAAAAAAAAAAIQAAABgAAAAUAAAAIQQAAOwCAACkDAAA/gIAAAAAAAAmAAAACAAAAP//////////MAAAABQAAAAAAAAAAAD//wAAAQAAAP//AAABAA=="/>
                 </a:ext>
               </a:extLst>
             </p:cNvCxnSpPr>
@@ -10848,7 +10829,7 @@
             <p:cNvCxnSpPr>
               <a:extLst>
                 <a:ext uri="smNativeData">
-                  <pr:smNativeData xmlns:pr="smNativeData" xmlns="smNativeData" val="SMDATA_16_gfoFYRMAAAAlAAAADQAAAA0AAAAAkAAAAEgAAACQAAAASAAAAAAAAAAAAAAAAAAAAAEAAABQAAAAAAAAAAAA8L8AAAAAAAAAAAAAAAAAAPA/AAAAAAAA4D8AAAAAAADgPwAAAAAAAOA/AAAAAAAA4D8AAAAAAADgPwAAAAAAAOA/AAAAAAAA4D8CAAAAjAAAAAAAAAAAAAAA////AP///wgAAAAAAAAAAAAAAAAAAAAAAAAAAAAAAAAAAAAAeAAAAAEAAABAAAAAAAAAAAAAAABaAAAAAAAAAAAAAAAAAAAAAAAAAAAAAAAAAAAAAAAAAAAAAAAAAAAAAAAAAAAAAAAAAAAAAAAAAAAAAAAAAAAAAAAAAAAAAAAAAAAAFAAAADwAAAABAAAAAAAAAMAAAAAjAAAAAQAAABQAAAAUAAAAFAAAAAEAAAAAAAAAZAAAAGQAAAADAAAAZAAAAGQAAAAVAAAAYAAAAAAAAAAAAAAADwAAACADAAAAAAAAAAAAAAEAAACgMgAAVgcAAKr4//8BAAAAf39/AAEAAABkAAAAAAAAABQAAABAHwAAAAAAACYAAAAAAAAAwOD//wAAAAAmAAAAZAAAABYAAABMAAAAAAAAAAAAAAAEAAAAAAAAAAEAAADn5uYKAAAAACgAAAAoAAAAZAAAAGQAAAAAAAAAzMzMAAAAAABQAAAAUAAAAGQAAABkAAAAAAAAABcAAAAUAAAAAAAAAAAAAAD/fwAA/38AAAAAAAAJAAAABAAAAAAAAAAeAAAAaAAAAAAAAAAAAAAAAAAAAAAAAAAAAAAAECcAABAnAAAAAAAAAAAAAAAAAAAAAAAAAAAAAAAAAAAAAAAAAAAAABQAAAAAAAAAwMD/AAAAAABkAAAAMgAAAAAAAABkAAAAAAAAAH9/fwAKAAAAIgAAABgAAAAAAAAAAAAAAAAAAAAAAAAAAAAAAAAAAAAkAAAAJAAAAAAAAAAHAAAAAAAAAAAAAAAAAAAAAAAAAAAAAAAAAAAAf39/ACUAAABYAAAAAAAAAAAAAAAAAAAAAAAAAAAAAAAAAAAAAAAAAAAAAAAAAAAAAAAAAAAAAAA/AAAAAAAAAKCGAQAAAAAAAAAAAAAAAAAMAAAAAQAAAAAAAAAAAAAAAAAAAB8AAABUAAAA////AP///wEAAAAAAAAAAAAAAAAAAAAAAAAAAAAAAAAAAAAAAAAAAMAAAAB/f38A5+bmA8zMzADAwP8Af39/AAAAAAAAAAAAAAAAAAAAAAAAAAAAIQAAABgAAAAUAAAAIQQAAOwCAAAhBAAACAsAAAAAAAAmAAAACAAAAP//////////MAAAABQAAAAAAAAAAAD//wAAAQAAAP//AAABAA=="/>
+                  <pr:smNativeData xmlns:pr="smNativeData" xmlns="smNativeData" val="SMDATA_16_FAWHYRMAAAAlAAAADQAAAA0AAAAAkAAAAEgAAACQAAAASAAAAAAAAAAAAAAAAAAAAAEAAABQAAAAAAAAAAAA8L8AAAAAAAAAAAAAAAAAAPA/AAAAAAAA4D8AAAAAAADgPwAAAAAAAOA/AAAAAAAA4D8AAAAAAADgPwAAAAAAAOA/AAAAAAAA4D8CAAAAjAAAAAAAAAAAAAAA////AP///wgAAAAAAAAAAAAAAAAAAAAAAAAAAAAAAAAAAAAAeAAAAAEAAABAAAAAAAAAAAAAAABaAAAAAAAAAAAAAAAAAAAAAAAAAAAAAAAAAAAAAAAAAAAAAAAAAAAAAAAAAAAAAAAAAAAAAAAAAAAAAAAAAAAAAAAAAAAAAAAAAAAAFAAAADwAAAABAAAAAAAAAMAAAAAjAAAAAQAAABQAAAAUAAAAFAAAAAEAAAAAAAAAZAAAAGQAAAADAAAAZAAAAGQAAAAVAAAAYAAAAAAAAAAAAAAADwAAACADAAAAAAAAAAAAAAEAAACgMgAAVgcAAKr4//8BAAAAf39/AAEAAABkAAAAAAAAABQAAABAHwAAAAAAACYAAAAAAAAAwOD//wAAAAAmAAAAZAAAABYAAABMAAAAAAAAAAAAAAAEAAAAAAAAAAEAAADn5uYKAAAAACgAAAAoAAAAZAAAAGQAAAAAAAAAzMzMAAAAAABQAAAAUAAAAGQAAABkAAAAAAAAABcAAAAUAAAAAAAAAAAAAAD/fwAA/38AAAAAAAAJAAAABAAAAAAAAAAeAAAAaAAAAAAAAAAAAAAAAAAAAAAAAAAAAAAAECcAABAnAAAAAAAAAAAAAAAAAAAAAAAAAAAAAAAAAAAAAAAAAAAAABQAAAAAAAAAwMD/AAAAAABkAAAAMgAAAAAAAABkAAAAAAAAAH9/fwAKAAAAIgAAABgAAAAAAAAAAAAAAAAAAAAAAAAAAAAAAAAAAAAkAAAAJAAAAAAAAAAHAAAAAAAAAAAAAAAAAAAAAAAAAAAAAAAAAAAAf39/ACUAAABYAAAAAAAAAAAAAAAAAAAAAAAAAAAAAAAAAAAAAAAAAAAAAAAAAAAAAAAAAAAAAAA/AAAAAAAAAKCGAQAAAAAAAAAAAAAAAAAMAAAAAQAAAAAAAAAAAAAAAAAAAB8AAABUAAAA////AP///wEAAAAAAAAAAAAAAAAAAAAAAAAAAAAAAAAAAAAAAAAAAMAAAAB/f38A5+bmA8zMzADAwP8Af39/AAAAAAAAAAAAAAAAAAAAAAAAAAAAIQAAABgAAAAUAAAAIQQAAOwCAAAhBAAACAsAAAAAAAAmAAAACAAAAP//////////MAAAABQAAAAAAAAAAAD//wAAAQAAAP//AAABAA=="/>
                 </a:ext>
               </a:extLst>
             </p:cNvCxnSpPr>
@@ -10880,7 +10861,7 @@
             <p:cNvSpPr>
               <a:extLst>
                 <a:ext uri="smNativeData">
-                  <pr:smNativeData xmlns:pr="smNativeData" xmlns="smNativeData" val="SMDATA_16_gfoFYRMAAAAlAAAAZgAAAA0AAAAAkAAAAEgAAACQAAAASAAAAAAAAAABAAAAAAAAAAEAAABQAAAAAAAAAAAA8D8AAAAAAADwPwAAAAAAAOA/AAAAAAAA4D8AAAAAAADgPwAAAAAAAOA/AAAAAAAA4D8AAAAAAADgPwAAAAAAAOA/AAAAAAAA4D8CAAAAjAAAAAAAAAAAAAAARHLEDP///wgAAAAAAAAAAAAAAAAAAAAAAAAAAAAAAAAAAAAAZAAAAAEAAABAAAAAAAAAAAAAAAAAAAAAAAAAAAAAAAAAAAAAAAAAAAAAAAAAAAAAAAAAAAAAAAAAAAAAAAAAAAAAAAAAAAAAAAAAAAAAAAAAAAAAAAAAAAAAAAAAAAAAFAAAADwAAAABAAAAAAAAAMAAAAAoAAAAAQAAABQAAAAUAAAAFAAAAAEAAAAAAAAAZAAAAGQAAAAAAAAAZAAAAGQAAAAVAAAAYAAAAAAAAAAAAAAADwAAACADAAAAAAAAAAAAAAEAAACgMgAAVgcAAKr4//8BAAAAf39/AAEAAABkAAAAAAAAABQAAABAHwAAAAAAACYAAAAAAAAAwOD//wAAAAAmAAAAZAAAABYAAABMAAAAAAAAAAAAAAAEAAAAAAAAAAEAAADn5uYKAAAAACgAAAAoAAAAZAAAAGQAAAAAAAAAzMzMAAAAAABQAAAAUAAAAGQAAABkAAAAAAAAABcAAAAUAAAAAAAAAAAAAAD/fwAA/38AAAAAAAAJAAAABAAAAAAAAAAeAAAAaAAAAAAAAAAAAAAAAAAAAAAAAAAAAAAAECcAABAnAAAAAAAAAAAAAAAAAAAAAAAAAAAAAAAAAAAAAAAAAAAAABQAAAAAAAAAwMD/AAAAAABkAAAAMgAAAAAAAABkAAAAAAAAAH9/fwAKAAAAIgAAABgAAAAAAAAAAAAAAAAAAAAAAAAAAAAAAAAAAAAkAAAAJAAAAAAAAAAHAAAAAAAAAAAAAAAAAAAAAAAAAAAAAAAAAAAAf39/ACUAAABYAAAAAAAAAAAAAAAAAAAAAAAAAAAAAAAAAAAAAAAAAAAAAAAAAAAAAAAAAAAAAAA/AAAAAAAAAKCGAQAAAAAAAAAAAAAAAAAMAAAAAQAAAAAAAAAAAAAAAAAAAB8AAABUAAAARHLEBf///wEAAAAAAAAAAAAAAAAAAAAAAAAAAAAAAAAAAAAAAAAAAMAAAAB/f38A5+bmA8zMzADAwP8Af39/AAAAAAAAAAAAAAAAAAAAAAAAAAAAIQAAABgAAAAUAAAAlgMAAGMCAACyBAAAfgMAAAAAAAAmAAAACAAAAP//////////MAAAABQAAAAAAAAA/Er//wS1AAD8Sv//BLUAAA=="/>
+                  <pr:smNativeData xmlns:pr="smNativeData" xmlns="smNativeData" val="SMDATA_16_FAWHYRMAAAAlAAAAZgAAAA0AAAAAkAAAAEgAAACQAAAASAAAAAAAAAABAAAAAAAAAAEAAABQAAAAAAAAAAAA8D8AAAAAAADwPwAAAAAAAOA/AAAAAAAA4D8AAAAAAADgPwAAAAAAAOA/AAAAAAAA4D8AAAAAAADgPwAAAAAAAOA/AAAAAAAA4D8CAAAAjAAAAAAAAAAAAAAARHLEDP///wgAAAAAAAAAAAAAAAAAAAAAAAAAAAAAAAAAAAAAZAAAAAEAAABAAAAAAAAAAAAAAAAAAAAAAAAAAAAAAAAAAAAAAAAAAAAAAAAAAAAAAAAAAAAAAAAAAAAAAAAAAAAAAAAAAAAAAAAAAAAAAAAAAAAAAAAAAAAAAAAAAAAAFAAAADwAAAABAAAAAAAAAMAAAAAoAAAAAQAAABQAAAAUAAAAFAAAAAEAAAAAAAAAZAAAAGQAAAAAAAAAZAAAAGQAAAAVAAAAYAAAAAAAAAAAAAAADwAAACADAAAAAAAAAAAAAAEAAACgMgAAVgcAAKr4//8BAAAAf39/AAEAAABkAAAAAAAAABQAAABAHwAAAAAAACYAAAAAAAAAwOD//wAAAAAmAAAAZAAAABYAAABMAAAAAAAAAAAAAAAEAAAAAAAAAAEAAADn5uYKAAAAACgAAAAoAAAAZAAAAGQAAAAAAAAAzMzMAAAAAABQAAAAUAAAAGQAAABkAAAAAAAAABcAAAAUAAAAAAAAAAAAAAD/fwAA/38AAAAAAAAJAAAABAAAAAAAAAAeAAAAaAAAAAAAAAAAAAAAAAAAAAAAAAAAAAAAECcAABAnAAAAAAAAAAAAAAAAAAAAAAAAAAAAAAAAAAAAAAAAAAAAABQAAAAAAAAAwMD/AAAAAABkAAAAMgAAAAAAAABkAAAAAAAAAH9/fwAKAAAAIgAAABgAAAAAAAAAAAAAAAAAAAAAAAAAAAAAAAAAAAAkAAAAJAAAAAAAAAAHAAAAAAAAAAAAAAAAAAAAAAAAAAAAAAAAAAAAf39/ACUAAABYAAAAAAAAAAAAAAAAAAAAAAAAAAAAAAAAAAAAAAAAAAAAAAAAAAAAAAAAAAAAAAA/AAAAAAAAAKCGAQAAAAAAAAAAAAAAAAAMAAAAAQAAAAAAAAAAAAAAAAAAAB8AAABUAAAARHLEBf///wEAAAAAAAAAAAAAAAAAAAAAAAAAAAAAAAAAAAAAAAAAAMAAAAB/f38A5+bmA8zMzADAwP8Af39/AAAAAAAAAAAAAAAAAAAAAAAAAAAAIQAAABgAAAAUAAAAlgMAAGMCAACyBAAAfgMAAAAAAAAmAAAACAAAAP//////////MAAAABQAAAAAAAAA/Er//wS1AAD8Sv//BLUAAA=="/>
                 </a:ext>
               </a:extLst>
             </p:cNvSpPr>
@@ -10926,7 +10907,7 @@
             <p:cNvSpPr>
               <a:extLst>
                 <a:ext uri="smNativeData">
-                  <pr:smNativeData xmlns:pr="smNativeData" xmlns="smNativeData" val="SMDATA_16_gfoFYRMAAAAlAAAAZAAAAE0AAAAAkAAAAEgAAACQAAAASAAAAAAAAAAAAAAAAAAAAAEAAABQAAAAAAAAAAAA4D8AAAAAAADgPwAAAAAAAOA/AAAAAAAA4D8AAAAAAADgPwAAAAAAAOA/AAAAAAAA4D8AAAAAAADgPwAAAAAAAOA/AAAAAAAA4D8CAAAAjAAAAAAAAAAAAAAARHLEDP///wgAAAAAAAAAAAAAAAAAAAAAAAAAAAAAAAAAAAAAZAAAAAEAAABAAAAAAAAAAAAAAAAAAAAAAAAAAAAAAAAAAAAAAAAAAAAAAAAAAAAAAAAAAAAAAAAAAAAAAAAAAAAAAAAAAAAAAAAAAAAAAAAAAAAAAAAAAAAAAAAAAAAAFAAAADwAAAAAAAAAAAAAAAAAAAAPAAAAAQAAACMAAAAjAAAAIwAAAB4AAAAAAAAAZAAAAGQAAAAAAAAAZAAAAGQAAAAVAAAAYAAAAAAAAAAAAAAADwAAACADAAAAAAAAAAAAAAEAAACgMgAAVgcAAKr4//8BAAAAf39/AAEAAABkAAAAAAAAABQAAABAHwAAAAAAACYAAAAAAAAAwOD//wAAAAAmAAAAZAAAABYAAABMAAAAAAAAAAAAAAAEAAAAAAAAAAEAAADn5uYKAAAAACgAAAAoAAAAZAAAAGQAAAAAAAAAzMzMAAAAAABQAAAAUAAAAGQAAABkAAAAAAAAABcAAAAUAAAAAAAAAAAAAAD/fwAA/38AAAAAAAAJAAAABAAAAAAAAAAeAAAAaAAAAAAAAAAAAAAAAAAAAAAAAAAAAAAAECcAABAnAAAAAAAAAAAAAAAAAAAAAAAAAAAAAAAAAAAAAAAAAAAAABQAAAAAAAAAwMD/AAAAAABkAAAAMgAAAAAAAABkAAAAAAAAAH9/fwAKAAAAIgAAABgAAAAAAAAAAAAAAAAAAAAAAAAAAAAAAAAAAAAkAAAAJAAAAAAAAAAHAAAAAAAAAAAAAAAAAAAAAAAAAAAAAAAAAAAAf39/ACUAAABYAAAAAAAAAAAAAAAAAAAAAAAAAAAAAAAAAAAAAAAAAAAAAAAAAAAAAAAAAAAAAAA/AAAAAAAAAKCGAQAAAAAAAAAAAAAAAAAMAAAAAQAAAAAAAAAAAAAAAAAAAB8AAABUAAAARHLEBf///wEAAAAAAAAAAAAAAAAAAAAAAAAAAAAAAAAAAAAAAAAAAAAAAAB/f38A5+bmA8zMzADAwP8Af39/AAAAAAAAAAAAAAAAAAAAAAAAAAAAIQAAABgAAAAUAAAA/AUAABkBAAAVCwAA/gIAAAAgAAAmAAAACAAAAP//////////MAAAABQAAAAAAAAAAAD//wAAAQAAAP//AAABAA=="/>
+                  <pr:smNativeData xmlns:pr="smNativeData" xmlns="smNativeData" val="SMDATA_16_FAWHYRMAAAAlAAAAZAAAAE0AAAAAkAAAAEgAAACQAAAASAAAAAAAAAAAAAAAAAAAAAEAAABQAAAAAAAAAAAA4D8AAAAAAADgPwAAAAAAAOA/AAAAAAAA4D8AAAAAAADgPwAAAAAAAOA/AAAAAAAA4D8AAAAAAADgPwAAAAAAAOA/AAAAAAAA4D8CAAAAjAAAAAAAAAAAAAAARHLEDP///wgAAAAAAAAAAAAAAAAAAAAAAAAAAAAAAAAAAAAAZAAAAAEAAABAAAAAAAAAAAAAAAAAAAAAAAAAAAAAAAAAAAAAAAAAAAAAAAAAAAAAAAAAAAAAAAAAAAAAAAAAAAAAAAAAAAAAAAAAAAAAAAAAAAAAAAAAAAAAAAAAAAAAFAAAADwAAAAAAAAAAAAAAAAAAAAPAAAAAQAAACMAAAAjAAAAIwAAAB4AAAAAAAAAZAAAAGQAAAAAAAAAZAAAAGQAAAAVAAAAYAAAAAAAAAAAAAAADwAAACADAAAAAAAAAAAAAAEAAACgMgAAVgcAAKr4//8BAAAAf39/AAEAAABkAAAAAAAAABQAAABAHwAAAAAAACYAAAAAAAAAwOD//wAAAAAmAAAAZAAAABYAAABMAAAAAAAAAAAAAAAEAAAAAAAAAAEAAADn5uYKAAAAACgAAAAoAAAAZAAAAGQAAAAAAAAAzMzMAAAAAABQAAAAUAAAAGQAAABkAAAAAAAAABcAAAAUAAAAAAAAAAAAAAD/fwAA/38AAAAAAAAJAAAABAAAAAAAAAAeAAAAaAAAAAAAAAAAAAAAAAAAAAAAAAAAAAAAECcAABAnAAAAAAAAAAAAAAAAAAAAAAAAAAAAAAAAAAAAAAAAAAAAABQAAAAAAAAAwMD/AAAAAABkAAAAMgAAAAAAAABkAAAAAAAAAH9/fwAKAAAAIgAAABgAAAAAAAAAAAAAAAAAAAAAAAAAAAAAAAAAAAAkAAAAJAAAAAAAAAAHAAAAAAAAAAAAAAAAAAAAAAAAAAAAAAAAAAAAf39/ACUAAABYAAAAAAAAAAAAAAAAAAAAAAAAAAAAAAAAAAAAAAAAAAAAAAAAAAAAAAAAAAAAAAA/AAAAAAAAAKCGAQAAAAAAAAAAAAAAAAAMAAAAAQAAAAAAAAAAAAAAAAAAAB8AAABUAAAARHLEBf///wEAAAAAAAAAAAAAAAAAAAAAAAAAAAAAAAAAAAAAAAAAAAAAAAB/f38A5+bmA8zMzADAwP8Af39/AAAAAAAAAAAAAAAAAAAAAAAAAAAAIQAAABgAAAAUAAAA/AUAABkBAAAVCwAA/gIAAAAgAAAmAAAACAAAAP//////////MAAAABQAAAAAAAAAAAD//wAAAQAAAP//AAABAA=="/>
                 </a:ext>
               </a:extLst>
             </p:cNvSpPr>
@@ -10975,7 +10956,7 @@
             <p:cNvSpPr>
               <a:extLst>
                 <a:ext uri="smNativeData">
-                  <pr:smNativeData xmlns:pr="smNativeData" xmlns="smNativeData" val="SMDATA_16_gfoFYRMAAAAlAAAAZAAAAE0AAAAAkAAAAEgAAACQAAAASAAAAAAAAAAAAAAAAAAAAAEAAABQAAAAAAAAAAAA4D8AAAAAAADgPwAAAAAAAOA/AAAAAAAA4D8AAAAAAADgPwAAAAAAAOA/AAAAAAAA4D8AAAAAAADgPwAAAAAAAOA/AAAAAAAA4D8CAAAAjAAAAAAAAAAAAAAARHLEDP///wgAAAAAAAAAAAAAAAAAAAAAAAAAAAAAAAAAAAAAZAAAAAEAAABAAAAAAAAAAAAAAAAAAAAAAAAAAAAAAAAAAAAAAAAAAAAAAAAAAAAAAAAAAAAAAAAAAAAAAAAAAAAAAAAAAAAAAAAAAAAAAAAAAAAAAAAAAAAAAAAAAAAAFAAAADwAAAAAAAAAAAAAAAAAAAAPAAAAAQAAACMAAAAjAAAAIwAAAB4AAAAAAAAAZAAAAGQAAAAAAAAAZAAAAGQAAAAVAAAAYAAAAAAAAAAAAAAADwAAACADAAAAAAAAAAAAAAEAAACgMgAAVgcAAKr4//8BAAAAf39/AAEAAABkAAAAAAAAABQAAABAHwAAAAAAACYAAAAAAAAAwOD//wAAAAAmAAAAZAAAABYAAABMAAAAAAAAAAAAAAAEAAAAAAAAAAEAAADn5uYKAAAAACgAAAAoAAAAZAAAAGQAAAAAAAAAzMzMAAAAAABQAAAAUAAAAGQAAABkAAAAAAAAABcAAAAUAAAAAAAAAAAAAAD/fwAA/38AAAAAAAAJAAAABAAAAAAAAAAeAAAAaAAAAAAAAAAAAAAAAAAAAAAAAAAAAAAAECcAABAnAAAAAAAAAAAAAAAAAAAAAAAAAAAAAAAAAAAAAAAAAAAAABQAAAAAAAAAwMD/AAAAAABkAAAAMgAAAAAAAABkAAAAAAAAAH9/fwAKAAAAIgAAABgAAAAAAAAAAAAAAAAAAAAAAAAAAAAAAAAAAAAkAAAAJAAAAAAAAAAHAAAAAAAAAAAAAAAAAAAAAAAAAAAAAAAAAAAAf39/ACUAAABYAAAAAAAAAAAAAAAAAAAAAAAAAAAAAAAAAAAAAAAAAAAAAAAAAAAAAAAAAAAAAAA/AAAAAAAAAKCGAQAAAAAAAAAAAAAAAAAMAAAAAQAAAAAAAAAAAAAAAAAAAB8AAABUAAAARHLEBf///wEAAAAAAAAAAAAAAAAAAAAAAAAAAAAAAAAAAAAAAAAAAAAAAAB/f38A5+bmA8zMzADAwP8Af39/AAAAAAAAAAAAAAAAAAAAAAAAAAAAIQAAABgAAAAUAAAAUwIAAA8EAAA4BAAAIAkAAAAgAAAmAAAACAAAAP//////////MAAAABQAAAAAAAAAAAD//wAAAQAAAP//AAABAA=="/>
+                  <pr:smNativeData xmlns:pr="smNativeData" xmlns="smNativeData" val="SMDATA_16_FAWHYRMAAAAlAAAAZAAAAE0AAAAAkAAAAEgAAACQAAAASAAAAAAAAAAAAAAAAAAAAAEAAABQAAAAAAAAAAAA4D8AAAAAAADgPwAAAAAAAOA/AAAAAAAA4D8AAAAAAADgPwAAAAAAAOA/AAAAAAAA4D8AAAAAAADgPwAAAAAAAOA/AAAAAAAA4D8CAAAAjAAAAAAAAAAAAAAARHLEDP///wgAAAAAAAAAAAAAAAAAAAAAAAAAAAAAAAAAAAAAZAAAAAEAAABAAAAAAAAAAAAAAAAAAAAAAAAAAAAAAAAAAAAAAAAAAAAAAAAAAAAAAAAAAAAAAAAAAAAAAAAAAAAAAAAAAAAAAAAAAAAAAAAAAAAAAAAAAAAAAAAAAAAAFAAAADwAAAAAAAAAAAAAAAAAAAAPAAAAAQAAACMAAAAjAAAAIwAAAB4AAAAAAAAAZAAAAGQAAAAAAAAAZAAAAGQAAAAVAAAAYAAAAAAAAAAAAAAADwAAACADAAAAAAAAAAAAAAEAAACgMgAAVgcAAKr4//8BAAAAf39/AAEAAABkAAAAAAAAABQAAABAHwAAAAAAACYAAAAAAAAAwOD//wAAAAAmAAAAZAAAABYAAABMAAAAAAAAAAAAAAAEAAAAAAAAAAEAAADn5uYKAAAAACgAAAAoAAAAZAAAAGQAAAAAAAAAzMzMAAAAAABQAAAAUAAAAGQAAABkAAAAAAAAABcAAAAUAAAAAAAAAAAAAAD/fwAA/38AAAAAAAAJAAAABAAAAAAAAAAeAAAAaAAAAAAAAAAAAAAAAAAAAAAAAAAAAAAAECcAABAnAAAAAAAAAAAAAAAAAAAAAAAAAAAAAAAAAAAAAAAAAAAAABQAAAAAAAAAwMD/AAAAAABkAAAAMgAAAAAAAABkAAAAAAAAAH9/fwAKAAAAIgAAABgAAAAAAAAAAAAAAAAAAAAAAAAAAAAAAAAAAAAkAAAAJAAAAAAAAAAHAAAAAAAAAAAAAAAAAAAAAAAAAAAAAAAAAAAAf39/ACUAAABYAAAAAAAAAAAAAAAAAAAAAAAAAAAAAAAAAAAAAAAAAAAAAAAAAAAAAAAAAAAAAAA/AAAAAAAAAKCGAQAAAAAAAAAAAAAAAAAMAAAAAQAAAAAAAAAAAAAAAAAAAB8AAABUAAAARHLEBf///wEAAAAAAAAAAAAAAAAAAAAAAAAAAAAAAAAAAAAAAAAAAAAAAAB/f38A5+bmA8zMzADAwP8Af39/AAAAAAAAAAAAAAAAAAAAAAAAAAAAIQAAABgAAAAUAAAAUwIAAA8EAAA4BAAAIAkAAAAgAAAmAAAACAAAAP//////////MAAAABQAAAAAAAAAAAD//wAAAQAAAP//AAABAA=="/>
                 </a:ext>
               </a:extLst>
             </p:cNvSpPr>
@@ -11025,7 +11006,7 @@
           <p:cNvSpPr>
             <a:extLst>
               <a:ext uri="smNativeData">
-                <pr:smNativeData xmlns:pr="smNativeData" xmlns="smNativeData" val="SMDATA_16_gfoFYRMAAAAlAAAAZAAAAE0AAAAAkAAAAEgAAACQAAAASAAAAAAAAAAAAAAAAAAAAAEAAABQAAAAAAAAAAAA4D8AAAAAAADgPwAAAAAAAOA/AAAAAAAA4D8AAAAAAADgPwAAAAAAAOA/AAAAAAAA4D8AAAAAAADgPwAAAAAAAOA/AAAAAAAA4D8CAAAAjAAAAAAAAAAAAAAARHLEDP///wgAAAAAAAAAAAAAAAAAAAAAAAAAAAAAAAAAAAAAZAAAAAEAAABAAAAAAAAAAAAAAAAAAAAAAAAAAAAAAAAAAAAAAAAAAAAAAAAAAAAAAAAAAAAAAAAAAAAAAAAAAAAAAAAAAAAAAAAAAAAAAAAAAAAAAAAAAAAAAAAAAAAAFAAAADwAAAAAAAAAAAAAAAAAAAAPAAAAAQAAACMAAAAjAAAAIwAAAB4AAAAAAAAAZAAAAGQAAAAAAAAAZAAAAGQAAAAVAAAAYAAAAAAAAAAAAAAADwAAACADAAAAAAAAAAAAAAEAAACgMgAAVgcAAKr4//8BAAAAf39/AAEAAABkAAAAAAAAABQAAABAHwAAAAAAACYAAAAAAAAAwOD//wAAAAAmAAAAZAAAABYAAABMAAAAAAAAAAAAAAAEAAAAAAAAAAEAAADn5uYKAAAAACgAAAAoAAAAZAAAAGQAAAAAAAAAzMzMAAAAAABQAAAAUAAAAGQAAABkAAAAAAAAABcAAAAUAAAAAAAAAAAAAAD/fwAA/38AAAAAAAAJAAAABAAAAAAAAAAeAAAAaAAAAAAAAAAAAAAAAAAAAAAAAAAAAAAAECcAABAnAAAAAAAAAAAAAAAAAAAAAAAAAAAAAAAAAAAAAAAAAAAAABQAAAAAAAAAwMD/AAAAAABkAAAAMgAAAAAAAABkAAAAAAAAAH9/fwAKAAAAIgAAABgAAAAAAAAAAAAAAAAAAAAAAAAAAAAAAAAAAAAkAAAAJAAAAAAAAAAHAAAAAAAAAAAAAAAAAAAAAAAAAAAAAAAAAAAAf39/ACUAAABYAAAAAAAAAAAAAAAAAAAAAAAAAAAAAAAAAAAAAAAAAAAAAAAAAAAAAAAAAAAAAAA/AAAAAAAAAKCGAQAAAAAAAAAAAAAAAAAMAAAAAQAAAAAAAAAAAAAAAAAAAB8AAABUAAAARHLEBf///wEAAAAAAAAAAAAAAAAAAAAAAAAAAAAAAAAAAAAAAAAAAAAAAAB/f38A5+bmA8zMzADAwP8Af39/AAAAAAAAAAAAAAAAAAAAAAAAAAAAIQAAABgAAAAUAAAAkCAAALMIAAAVIgAAlwoAABAgAAAmAAAACAAAAP//////////MAAAABQAAAAAAAAAAAD//wAAAQAAAP//AAABAA=="/>
+                <pr:smNativeData xmlns:pr="smNativeData" xmlns="smNativeData" val="SMDATA_16_FAWHYRMAAAAlAAAAZAAAAE0AAAAAkAAAAEgAAACQAAAASAAAAAAAAAAAAAAAAAAAAAEAAABQAAAAAAAAAAAA4D8AAAAAAADgPwAAAAAAAOA/AAAAAAAA4D8AAAAAAADgPwAAAAAAAOA/AAAAAAAA4D8AAAAAAADgPwAAAAAAAOA/AAAAAAAA4D8CAAAAjAAAAAAAAAAAAAAARHLEDP///wgAAAAAAAAAAAAAAAAAAAAAAAAAAAAAAAAAAAAAZAAAAAEAAABAAAAAAAAAAAAAAAAAAAAAAAAAAAAAAAAAAAAAAAAAAAAAAAAAAAAAAAAAAAAAAAAAAAAAAAAAAAAAAAAAAAAAAAAAAAAAAAAAAAAAAAAAAAAAAAAAAAAAFAAAADwAAAAAAAAAAAAAAAAAAAAPAAAAAQAAACMAAAAjAAAAIwAAAB4AAAAAAAAAZAAAAGQAAAAAAAAAZAAAAGQAAAAVAAAAYAAAAAAAAAAAAAAADwAAACADAAAAAAAAAAAAAAEAAACgMgAAVgcAAKr4//8BAAAAf39/AAEAAABkAAAAAAAAABQAAABAHwAAAAAAACYAAAAAAAAAwOD//wAAAAAmAAAAZAAAABYAAABMAAAAAAAAAAAAAAAEAAAAAAAAAAEAAADn5uYKAAAAACgAAAAoAAAAZAAAAGQAAAAAAAAAzMzMAAAAAABQAAAAUAAAAGQAAABkAAAAAAAAABcAAAAUAAAAAAAAAAAAAAD/fwAA/38AAAAAAAAJAAAABAAAAAAAAAAeAAAAaAAAAAAAAAAAAAAAAAAAAAAAAAAAAAAAECcAABAnAAAAAAAAAAAAAAAAAAAAAAAAAAAAAAAAAAAAAAAAAAAAABQAAAAAAAAAwMD/AAAAAABkAAAAMgAAAAAAAABkAAAAAAAAAH9/fwAKAAAAIgAAABgAAAAAAAAAAAAAAAAAAAAAAAAAAAAAAAAAAAAkAAAAJAAAAAAAAAAHAAAAAAAAAAAAAAAAAAAAAAAAAAAAAAAAAAAAf39/ACUAAABYAAAAAAAAAAAAAAAAAAAAAAAAAAAAAAAAAAAAAAAAAAAAAAAAAAAAAAAAAAAAAAA/AAAAAAAAAKCGAQAAAAAAAAAAAAAAAAAMAAAAAQAAAAAAAAAAAAAAAAAAAB8AAABUAAAARHLEBf///wEAAAAAAAAAAAAAAAAAAAAAAAAAAAAAAAAAAAAAAAAAAAAAAAB/f38A5+bmA8zMzADAwP8Af39/AAAAAAAAAAAAAAAAAAAAAAAAAAAAIQAAABgAAAAUAAAAkCAAALMIAAAVIgAAlwoAABAgAAAmAAAACAAAAP//////////MAAAABQAAAAAAAAAAAD//wAAAQAAAP//AAABAA=="/>
               </a:ext>
             </a:extLst>
           </p:cNvSpPr>
@@ -11074,7 +11055,7 @@
           <p:cNvSpPr>
             <a:extLst>
               <a:ext uri="smNativeData">
-                <pr:smNativeData xmlns:pr="smNativeData" xmlns="smNativeData" val="SMDATA_16_gfoFYRMAAAAlAAAAjgAAAA0AAAAAkAAAAEgAAACQAAAASAAAAAAAAAABAAAAAAAAAAEAAABQAAAAU4wa/jZF7z/5Tsx6MTTmPwAAAAAAAOA/AAAAAAAA4D8AAAAAAADgPwAAAAAAAOA/AAAAAAAA4D8AAAAAAADgPwAAAAAAAOA/AAAAAAAA4D8CAAAAjAAAAAAAAAAAAAAARHLEDP///wgAAAAAAAAAAAAAAAAAAAAAAAAAAAAAAAAAAAAAZAAAAAEAAABAAAAAAAAAAAAAAAAAAAAAAAAAAAAAAAAAAAAAAAAAAAAAAAAAAAAAAAAAAAAAAAAAAAAAAAAAAAAAAAAAAAAAAAAAAAAAAAAAAAAAAAAAAAAAAAAAAAAAFAAAADwAAAABAAAABAAAAMAAAAAKAAAAAQAAABQAAAAUAAAAFAAAAAEAAAAAAAAAZAAAAGQAAAAAAAAAZAAAAGQAAAAVAAAAYAAAAAAAAAAAAAAADwAAACADAAAAAAAAAAAAAAEAAACgMgAAVgcAAKr4//8BAAAAf39/AAEAAABkAAAAAAAAABQAAABAHwAAAAAAACYAAAAAAAAAwOD//wAAAAAmAAAAZAAAABYAAABMAAAAAAAAAAAAAAAEAAAAAAAAAAEAAADn5uYKAAAAACgAAAAoAAAAZAAAAGQAAAAAAAAAzMzMAAAAAABQAAAAUAAAAGQAAABkAAAAAAAAABcAAAAUAAAAAAAAAAAAAAD/fwAA/38AAAAAAAAJAAAABAAAAAAAAAAeAAAAaAAAAAAAAAAAAAAAAAAAAAAAAAAAAAAAECcAABAnAAAAAAAAAAAAAAAAAAAAAAAAAAAAAAAAAAAAAAAAAAAAABQAAAAAAAAAwMD/AAAAAABkAAAAMgAAAAAAAABkAAAAAAAAAH9/fwAKAAAAIgAAABgAAAAAAAAAAAAAAAAAAAAAAAAAAAAAAAAAAAAkAAAAJAAAAAAAAAAHAAAAAAAAAAAAAAAAAAAAAAAAAAAAAAAAAAAAf39/ACUAAABYAAAAAAAAAAAAAAAAAAAAAAAAAAAAAAAAAAAAAAAAAAAAAAAAAAAAAAAAAAAAAAA/AAAAAAAAAKCGAQAAAAAAAAAAAAAAAAAMAAAAAQAAAAAAAAAAAAAAAAAAAB8AAABUAAAARHLEBf///wEAAAAAAAAAAAAAAAAAAAAAAAAAAAAAAAAAAAAAAAAAAMAAAAB/f38A5+bmA8zMzADAwP8Af39/AAAAAAAAAAAAAAAAAAAAAAAAAAAAIQAAABgAAAAUAAAAsCEAACgJAACAIwAAAw0AABAAAAAmAAAACAAAAP//////////MAAAABQAAAAAAAAA/Er//wS1AAD8Sv//BLUAAA=="/>
+                <pr:smNativeData xmlns:pr="smNativeData" xmlns="smNativeData" val="SMDATA_16_FAWHYRMAAAAlAAAAjgAAAA0AAAAAkAAAAEgAAACQAAAASAAAAAAAAAABAAAAAAAAAAEAAABQAAAAU4wa/jZF7z/5Tsx6MTTmPwAAAAAAAOA/AAAAAAAA4D8AAAAAAADgPwAAAAAAAOA/AAAAAAAA4D8AAAAAAADgPwAAAAAAAOA/AAAAAAAA4D8CAAAAjAAAAAAAAAAAAAAARHLEDP///wgAAAAAAAAAAAAAAAAAAAAAAAAAAAAAAAAAAAAAZAAAAAEAAABAAAAAAAAAAAAAAAAAAAAAAAAAAAAAAAAAAAAAAAAAAAAAAAAAAAAAAAAAAAAAAAAAAAAAAAAAAAAAAAAAAAAAAAAAAAAAAAAAAAAAAAAAAAAAAAAAAAAAFAAAADwAAAABAAAABAAAAMAAAAAKAAAAAQAAABQAAAAUAAAAFAAAAAEAAAAAAAAAZAAAAGQAAAAAAAAAZAAAAGQAAAAVAAAAYAAAAAAAAAAAAAAADwAAACADAAAAAAAAAAAAAAEAAACgMgAAVgcAAKr4//8BAAAAf39/AAEAAABkAAAAAAAAABQAAABAHwAAAAAAACYAAAAAAAAAwOD//wAAAAAmAAAAZAAAABYAAABMAAAAAAAAAAAAAAAEAAAAAAAAAAEAAADn5uYKAAAAACgAAAAoAAAAZAAAAGQAAAAAAAAAzMzMAAAAAABQAAAAUAAAAGQAAABkAAAAAAAAABcAAAAUAAAAAAAAAAAAAAD/fwAA/38AAAAAAAAJAAAABAAAAAAAAAAeAAAAaAAAAAAAAAAAAAAAAAAAAAAAAAAAAAAAECcAABAnAAAAAAAAAAAAAAAAAAAAAAAAAAAAAAAAAAAAAAAAAAAAABQAAAAAAAAAwMD/AAAAAABkAAAAMgAAAAAAAABkAAAAAAAAAH9/fwAKAAAAIgAAABgAAAAAAAAAAAAAAAAAAAAAAAAAAAAAAAAAAAAkAAAAJAAAAAAAAAAHAAAAAAAAAAAAAAAAAAAAAAAAAAAAAAAAAAAAf39/ACUAAABYAAAAAAAAAAAAAAAAAAAAAAAAAAAAAAAAAAAAAAAAAAAAAAAAAAAAAAAAAAAAAAA/AAAAAAAAAKCGAQAAAAAAAAAAAAAAAAAMAAAAAQAAAAAAAAAAAAAAAAAAAB8AAABUAAAARHLEBf///wEAAAAAAAAAAAAAAAAAAAAAAAAAAAAAAAAAAAAAAAAAAMAAAAB/f38A5+bmA8zMzADAwP8Af39/AAAAAAAAAAAAAAAAAAAAAAAAAAAAIQAAABgAAAAUAAAAsCEAACgJAACAIwAAAw0AABAAAAAmAAAACAAAAP//////////MAAAABQAAAAAAAAA/Er//wS1AAD8Sv//BLUAAA=="/>
               </a:ext>
             </a:extLst>
           </p:cNvSpPr>
@@ -11119,7 +11100,7 @@
           <p:cNvSpPr>
             <a:extLst>
               <a:ext uri="smNativeData">
-                <pr:smNativeData xmlns:pr="smNativeData" xmlns="smNativeData" val="SMDATA_16_gfoFYRMAAAAlAAAAZAAAAE0AAAAAkAAAAEgAAACQAAAASAAAAAAAAAAAAAAAAAAAAAEAAABQAAAAAAAAAAAA4D8AAAAAAADgPwAAAAAAAOA/AAAAAAAA4D8AAAAAAADgPwAAAAAAAOA/AAAAAAAA4D8AAAAAAADgPwAAAAAAAOA/AAAAAAAA4D8CAAAAjAAAAAAAAAAAAAAARHLEDP///wgAAAAAAAAAAAAAAAAAAAAAAAAAAAAAAAAAAAAAZAAAAAEAAABAAAAAAAAAAAAAAAAAAAAAAAAAAAAAAAAAAAAAAAAAAAAAAAAAAAAAAAAAAAAAAAAAAAAAAAAAAAAAAAAAAAAAAAAAAAAAAAAAAAAAAAAAAAAAAAAAAAAAFAAAADwAAAAAAAAAAAAAAAAAAAAPAAAAAQAAACMAAAAjAAAAIwAAAB4AAAAAAAAAZAAAAGQAAAAAAAAAZAAAAGQAAAAVAAAAYAAAAAAAAAAAAAAADwAAACADAAAAAAAAAAAAAAEAAACgMgAAVgcAAKr4//8BAAAAf39/AAEAAABkAAAAAAAAABQAAABAHwAAAAAAACYAAAAAAAAAwOD//wAAAAAmAAAAZAAAABYAAABMAAAAAAAAAAAAAAAEAAAAAAAAAAEAAADn5uYKAAAAACgAAAAoAAAAZAAAAGQAAAAAAAAAzMzMAAAAAABQAAAAUAAAAGQAAABkAAAAAAAAABcAAAAUAAAAAAAAAAAAAAD/fwAA/38AAAAAAAAJAAAABAAAAAAAAAAeAAAAaAAAAAAAAAAAAAAAAAAAAAAAAAAAAAAAECcAABAnAAAAAAAAAAAAAAAAAAAAAAAAAAAAAAAAAAAAAAAAAAAAABQAAAAAAAAAwMD/AAAAAABkAAAAMgAAAAAAAABkAAAAAAAAAH9/fwAKAAAAIgAAABgAAAAAAAAAAAAAAAAAAAAAAAAAAAAAAAAAAAAkAAAAJAAAAAAAAAAHAAAAAAAAAAAAAAAAAAAAAAAAAAAAAAAAAAAAf39/ACUAAABYAAAAAAAAAAAAAAAAAAAAAAAAAAAAAAAAAAAAAAAAAAAAAAAAAAAAAAAAAAAAAAA/AAAAAAAAAKCGAQAAAAAAAAAAAAAAAAAMAAAAAQAAAAAAAAAAAAAAAAAAAB8AAABUAAAARHLEBf///wEAAAAAAAAAAAAAAAAAAAAAAAAAAAAAAAAAAAAAAAAAAAAAAAB/f38A5+bmA8zMzADAwP8Af39/AAAAAAAAAAAAAAAAAAAAAAAAAAAAIQAAABgAAAAUAAAAFiMAADYJAADTJAAAGwsAABAgAAAmAAAACAAAAP//////////MAAAABQAAAAAAAAAAAD//wAAAQAAAP//AAABAA=="/>
+                <pr:smNativeData xmlns:pr="smNativeData" xmlns="smNativeData" val="SMDATA_16_FAWHYRMAAAAlAAAAZAAAAE0AAAAAkAAAAEgAAACQAAAASAAAAAAAAAAAAAAAAAAAAAEAAABQAAAAAAAAAAAA4D8AAAAAAADgPwAAAAAAAOA/AAAAAAAA4D8AAAAAAADgPwAAAAAAAOA/AAAAAAAA4D8AAAAAAADgPwAAAAAAAOA/AAAAAAAA4D8CAAAAjAAAAAAAAAAAAAAARHLEDP///wgAAAAAAAAAAAAAAAAAAAAAAAAAAAAAAAAAAAAAZAAAAAEAAABAAAAAAAAAAAAAAAAAAAAAAAAAAAAAAAAAAAAAAAAAAAAAAAAAAAAAAAAAAAAAAAAAAAAAAAAAAAAAAAAAAAAAAAAAAAAAAAAAAAAAAAAAAAAAAAAAAAAAFAAAADwAAAAAAAAAAAAAAAAAAAAPAAAAAQAAACMAAAAjAAAAIwAAAB4AAAAAAAAAZAAAAGQAAAAAAAAAZAAAAGQAAAAVAAAAYAAAAAAAAAAAAAAADwAAACADAAAAAAAAAAAAAAEAAACgMgAAVgcAAKr4//8BAAAAf39/AAEAAABkAAAAAAAAABQAAABAHwAAAAAAACYAAAAAAAAAwOD//wAAAAAmAAAAZAAAABYAAABMAAAAAAAAAAAAAAAEAAAAAAAAAAEAAADn5uYKAAAAACgAAAAoAAAAZAAAAGQAAAAAAAAAzMzMAAAAAABQAAAAUAAAAGQAAABkAAAAAAAAABcAAAAUAAAAAAAAAAAAAAD/fwAA/38AAAAAAAAJAAAABAAAAAAAAAAeAAAAaAAAAAAAAAAAAAAAAAAAAAAAAAAAAAAAECcAABAnAAAAAAAAAAAAAAAAAAAAAAAAAAAAAAAAAAAAAAAAAAAAABQAAAAAAAAAwMD/AAAAAABkAAAAMgAAAAAAAABkAAAAAAAAAH9/fwAKAAAAIgAAABgAAAAAAAAAAAAAAAAAAAAAAAAAAAAAAAAAAAAkAAAAJAAAAAAAAAAHAAAAAAAAAAAAAAAAAAAAAAAAAAAAAAAAAAAAf39/ACUAAABYAAAAAAAAAAAAAAAAAAAAAAAAAAAAAAAAAAAAAAAAAAAAAAAAAAAAAAAAAAAAAAA/AAAAAAAAAKCGAQAAAAAAAAAAAAAAAAAMAAAAAQAAAAAAAAAAAAAAAAAAAB8AAABUAAAARHLEBf///wEAAAAAAAAAAAAAAAAAAAAAAAAAAAAAAAAAAAAAAAAAAAAAAAB/f38A5+bmA8zMzADAwP8Af39/AAAAAAAAAAAAAAAAAAAAAAAAAAAAIQAAABgAAAAUAAAAFiMAADYJAADTJAAAGwsAABAgAAAmAAAACAAAAP//////////MAAAABQAAAAAAAAAAAD//wAAAQAAAP//AAABAA=="/>
               </a:ext>
             </a:extLst>
           </p:cNvSpPr>
@@ -11164,11 +11145,11 @@
       </p:sp>
       <p:sp>
         <p:nvSpPr>
-          <p:cNvPr id="45" name="TextBox 4"/>
+          <p:cNvPr id="45" name="Oval 45"/>
           <p:cNvSpPr>
             <a:extLst>
               <a:ext uri="smNativeData">
-                <pr:smNativeData xmlns:pr="smNativeData" xmlns="smNativeData" val="SMDATA_16_gfoFYRMAAAAlAAAAZAAAAE0AAAAAkAAAAEgAAACQAAAASAAAAAAAAAAAAAAAAAAAAAEAAABQAAAAAAAAAAAA4D8AAAAAAADgPwAAAAAAAOA/AAAAAAAA4D8AAAAAAADgPwAAAAAAAOA/AAAAAAAA4D8AAAAAAADgPwAAAAAAAOA/AAAAAAAA4D8CAAAAjAAAAAAAAAAAAAAARHLEDP///wgAAAAAAAAAAAAAAAAAAAAAAAAAAAAAAAAAAAAAZAAAAAEAAABAAAAAAAAAAAAAAAAAAAAAAAAAAAAAAAAAAAAAAAAAAAAAAAAAAAAAAAAAAAAAAAAAAAAAAAAAAAAAAAAAAAAAAAAAAAAAAAAAAAAAAAAAAAAAAAAAAAAAFAAAADwAAAAAAAAAAAAAAAAAAAAPAAAAAQAAACMAAAAjAAAAIwAAAB4AAAAAAAAAZAAAAGQAAAAAAAAAZAAAAGQAAAAVAAAAYAAAAAAAAAAAAAAADwAAACADAAAAAAAAAAAAAAEAAACgMgAAVgcAAKr4//8BAAAAf39/AAEAAABkAAAAAAAAABQAAABAHwAAAAAAACYAAAAAAAAAwOD//wAAAAAmAAAAZAAAABYAAABMAAAAAAAAAAAAAAAEAAAAAAAAAAEAAADn5uYKAAAAACgAAAAoAAAAZAAAAGQAAAAAAAAAzMzMAAAAAABQAAAAUAAAAGQAAABkAAAAAAAAABcAAAAUAAAAAAAAAAAAAAD/fwAA/38AAAAAAAAJAAAABAAAAAAAAAAeAAAAaAAAAAAAAAAAAAAAAAAAAAAAAAAAAAAAECcAABAnAAAAAAAAAAAAAAAAAAAAAAAAAAAAAAAAAAAAAAAAAAAAABQAAAAAAAAAwMD/AAAAAABkAAAAMgAAAAAAAABkAAAAAAAAAH9/fwAKAAAAIgAAABgAAAAAAAAAAAAAAAAAAAAAAAAAAAAAAAAAAAAkAAAAJAAAAAAAAAAHAAAAAAAAAAAAAAAAAAAAAAAAAAAAAAAAAAAAf39/ACUAAABYAAAAAAAAAAAAAAAAAAAAAAAAAAAAAAAAAAAAAAAAAAAAAAAAAAAAAAAAAAAAAAA/AAAAAAAAAKCGAQAAAAAAAAAAAAAAAAAMAAAAAQAAAAAAAAAAAAAAAAAAAB8AAABUAAAARHLEBf///wEAAAAAAAAAAAAAAAAAAAAAAAAAAAAAAAAAAAAAAAAAAAAAAAB/f38A5+bmA8zMzADAwP8Af39/AAAAAAAAAAAAAAAAAAAAAAAAAAAAIQAAABgAAAAUAAAACgsAANwVAACyFgAAIhgAABAgAAAmAAAACAAAAP//////////MAAAABQAAAAAAAAAAAD//wAAAQAAAP//AAABAA=="/>
+                <pr:smNativeData xmlns:pr="smNativeData" xmlns="smNativeData" val="SMDATA_16_FAWHYRMAAAAlAAAAZgAAAA0AAAAAkAAAAEgAAACQAAAASAAAAAAAAAABAAAAAAAAAAEAAABQAAAAAAAAAAAA8D8AAAAAAADwPwAAAAAAAOA/AAAAAAAA4D8AAAAAAADgPwAAAAAAAOA/AAAAAAAA4D8AAAAAAADgPwAAAAAAAOA/AAAAAAAA4D8CAAAAjAAAAAAAAAAAAAAARHLEDP///wgAAAAAAAAAAAAAAAAAAAAAAAAAAAAAAAAAAAAAZAAAAAEAAABAAAAAAAAAAAAAAAAAAAAAAAAAAAAAAAAAAAAAAAAAAAAAAAAAAAAAAAAAAAAAAAAAAAAAAAAAAAAAAAAAAAAAAAAAAAAAAAAAAAAAAAAAAAAAAAAAAAAAFAAAADwAAAABAAAAAAAAAAAAAAl4AAAAAQAAABQAAAAUAAAAFAAAAAEAAAAAAAAAZAAAAGQAAAAAAAAAZAAAAGQAAAAVAAAAYAAAAAAAAAAAAAAADwAAACADAAAAAAAAAAAAAAEAAACgMgAAVgcAAKr4//8BAAAAf39/AAEAAABkAAAAAAAAABQAAABAHwAAAAAAACYAAAAAAAAAwOD//wAAAAAmAAAAZAAAABYAAABMAAAAAAAAAAAAAAAEAAAAAAAAAAEAAADn5uYKAAAAACgAAAAoAAAAZAAAAGQAAAAAAAAAzMzMAAAAAABQAAAAUAAAAGQAAABkAAAAAAAAABcAAAAUAAAAAAAAAAAAAAD/fwAA/38AAAAAAAAJAAAABAAAAAAAAAAeAAAAaAAAAAAAAAAAAAAAAAAAAAAAAAAAAAAAECcAABAnAAAAAAAAAAAAAAAAAAAAAAAAAAAAAAAAAAAAAAAAAAAAABQAAAAAAAAAwMD/AAAAAABkAAAAMgAAAAAAAABkAAAAAAAAAH9/fwAKAAAAIgAAABgAAAAAAAAAAAAAAAAAAAAAAAAAAAAAAAAAAAAkAAAAJAAAAAAAAAAHAAAAAAAAAAAAAAAAAAAAAAAAAAAAAAAAAAAAf39/ACUAAABYAAAAAAAAAAAAAAAAAAAAAAAAAAAAAAAAAAAAAAAAAAAAAAAAAAAAAAAAAAAAAAA/AAAAAAAAAKCGAQAAAAAAAAAAAAAAAAAMAAAAAQAAAAAAAAAAAAAAAAAAAB8AAABUAAAARHLEBf///wEAAAAAAAAAAAAAAAAAAAAAAAAAAAAAAAAAAAAAAAAAAAAAAAJ/f38A5+bmA8zMzADAwP8Af39/AAAAAAAAAAAAAAAAAAAAAAAAAAAAIQAAABgAAAAUAAAAwg8AALAeAAAwFAAAHiMAAAAAAAAmAAAACAAAAP//////////MAAAABQAAAAAAAAA/Er//wS1AAD8Sv//BLUAAA=="/>
               </a:ext>
             </a:extLst>
           </p:cNvSpPr>
@@ -11176,48 +11157,7 @@
         </p:nvSpPr>
         <p:spPr>
           <a:xfrm>
-            <a:off x="1794510" y="3553460"/>
-            <a:ext cx="1894840" cy="369570"/>
-          </a:xfrm>
-          <a:prstGeom prst="rect">
-            <a:avLst/>
-          </a:prstGeom>
-          <a:noFill/>
-          <a:ln>
-            <a:noFill/>
-          </a:ln>
-          <a:effectLst/>
-        </p:spPr>
-        <p:txBody>
-          <a:bodyPr vert="horz" wrap="none" lIns="91440" tIns="45720" rIns="91440" bIns="45720" numCol="1" spcCol="215900" anchor="t"/>
-          <a:lstStyle/>
-          <a:p>
-            <a:pPr>
-              <a:defRPr lang="en-us"/>
-            </a:pPr>
-            <a:r>
-              <a:rPr lang="en-au" cap="none"/>
-              <a:t>Joystick Controller</a:t>
-            </a:r>
-            <a:endParaRPr lang="en-au" cap="none"/>
-          </a:p>
-        </p:txBody>
-      </p:sp>
-      <p:sp>
-        <p:nvSpPr>
-          <p:cNvPr id="46" name="Oval 45"/>
-          <p:cNvSpPr>
-            <a:extLst>
-              <a:ext uri="smNativeData">
-                <pr:smNativeData xmlns:pr="smNativeData" xmlns="smNativeData" val="SMDATA_16_gfoFYRMAAAAlAAAAZgAAAA0AAAAAkAAAAEgAAACQAAAASAAAAAAAAAABAAAAAAAAAAEAAABQAAAAAAAAAAAA8D8AAAAAAADwPwAAAAAAAOA/AAAAAAAA4D8AAAAAAADgPwAAAAAAAOA/AAAAAAAA4D8AAAAAAADgPwAAAAAAAOA/AAAAAAAA4D8CAAAAjAAAAAAAAAAAAAAARHLEDP///wgAAAAAAAAAAAAAAAAAAAAAAAAAAAAAAAAAAAAAZAAAAAEAAABAAAAAAAAAAAAAAAAAAAAAAAAAAAAAAAAAAAAAAAAAAAAAAAAAAAAAAAAAAAAAAAAAAAAAAAAAAAAAAAAAAAAAAAAAAAAAAAAAAAAAAAAAAAAAAAAAAAAAFAAAADwAAAABAAAAAAAAAAAAAAl4AAAAAQAAABQAAAAUAAAAFAAAAAEAAAAAAAAAZAAAAGQAAAAAAAAAZAAAAGQAAAAVAAAAYAAAAAAAAAAAAAAADwAAACADAAAAAAAAAAAAAAEAAACgMgAAVgcAAKr4//8BAAAAf39/AAEAAABkAAAAAAAAABQAAABAHwAAAAAAACYAAAAAAAAAwOD//wAAAAAmAAAAZAAAABYAAABMAAAAAAAAAAAAAAAEAAAAAAAAAAEAAADn5uYKAAAAACgAAAAoAAAAZAAAAGQAAAAAAAAAzMzMAAAAAABQAAAAUAAAAGQAAABkAAAAAAAAABcAAAAUAAAAAAAAAAAAAAD/fwAA/38AAAAAAAAJAAAABAAAAAAAAAAeAAAAaAAAAAAAAAAAAAAAAAAAAAAAAAAAAAAAECcAABAnAAAAAAAAAAAAAAAAAAAAAAAAAAAAAAAAAAAAAAAAAAAAABQAAAAAAAAAwMD/AAAAAABkAAAAMgAAAAAAAABkAAAAAAAAAH9/fwAKAAAAIgAAABgAAAAAAAAAAAAAAAAAAAAAAAAAAAAAAAAAAAAkAAAAJAAAAAAAAAAHAAAAAAAAAAAAAAAAAAAAAAAAAAAAAAAAAAAAf39/ACUAAABYAAAAAAAAAAAAAAAAAAAAAAAAAAAAAAAAAAAAAAAAAAAAAAAAAAAAAAAAAAAAAAA/AAAAAAAAAKCGAQAAAAAAAAAAAAAAAAAMAAAAAQAAAAAAAAAAAAAAAAAAAB8AAABUAAAARHLEBf///wEAAAAAAAAAAAAAAAAAAAAAAAAAAAAAAAAAAAAAAAAAAAAAAAJ/f38A5+bmA8zMzADAwP8Af39/AAAAAAAAAAAAAAAAAAAAAAAAAAAAIQAAABgAAAAUAAAA5gkAALAeAABUDgAAHiMAABAAAAAmAAAACAAAAP//////////MAAAABQAAAAAAAAA/Er//wS1AAD8Sv//BLUAAA=="/>
-              </a:ext>
-            </a:extLst>
-          </p:cNvSpPr>
-          <p:nvPr/>
-        </p:nvSpPr>
-        <p:spPr>
-          <a:xfrm>
-            <a:off x="1609090" y="4988560"/>
+            <a:off x="2561590" y="4988560"/>
             <a:ext cx="720090" cy="720090"/>
           </a:xfrm>
           <a:prstGeom prst="ellipse">
@@ -11251,11 +11191,11 @@
       </p:sp>
       <p:sp>
         <p:nvSpPr>
-          <p:cNvPr id="47" name="Oval 46"/>
+          <p:cNvPr id="46" name="Oval 46"/>
           <p:cNvSpPr>
             <a:extLst>
               <a:ext uri="smNativeData">
-                <pr:smNativeData xmlns:pr="smNativeData" xmlns="smNativeData" val="SMDATA_16_gfoFYRMAAAAlAAAAZgAAAA0AAAAAkAAAAEgAAACQAAAASAAAAAAAAAABAAAAAAAAAAEAAABQAAAAAAAAAAAA8D8AAAAAAADwPwAAAAAAAOA/AAAAAAAA4D8AAAAAAADgPwAAAAAAAOA/AAAAAAAA4D8AAAAAAADgPwAAAAAAAOA/AAAAAAAA4D8CAAAAjAAAAAAAAAAAAAAARHLEDP///wgAAAAAAAAAAAAAAAAAAAAAAAAAAAAAAAAAAAAAZAAAAAEAAABAAAAAAAAAAAAAAAAAAAAAAAAAAAAAAAAAAAAAAAAAAAAAAAAAAAAAAAAAAAAAAAAAAAAAAAAAAAAAAAAAAAAAAAAAAAAAAAAAAAAAAAAAAAAAAAAAAAAAFAAAADwAAAABAAAAAAAAAAAAAAl4AAAAAQAAABQAAAAUAAAAFAAAAAEAAAAAAAAAZAAAAGQAAAAAAAAAZAAAAGQAAAAVAAAAYAAAAAAAAAAAAAAADwAAACADAAAAAAAAAAAAAAEAAACgMgAAVgcAAKr4//8BAAAAf39/AAEAAABkAAAAAAAAABQAAABAHwAAAAAAACYAAAAAAAAAwOD//wAAAAAmAAAAZAAAABYAAABMAAAAAAAAAAAAAAAEAAAAAAAAAAEAAADn5uYKAAAAACgAAAAoAAAAZAAAAGQAAAAAAAAAzMzMAAAAAABQAAAAUAAAAGQAAABkAAAAAAAAABcAAAAUAAAAAAAAAAAAAAD/fwAA/38AAAAAAAAJAAAABAAAAAAAAAAeAAAAaAAAAAAAAAAAAAAAAAAAAAAAAAAAAAAAECcAABAnAAAAAAAAAAAAAAAAAAAAAAAAAAAAAAAAAAAAAAAAAAAAABQAAAAAAAAAwMD/AAAAAABkAAAAMgAAAAAAAABkAAAAAAAAAH9/fwAKAAAAIgAAABgAAAAAAAAAAAAAAAAAAAAAAAAAAAAAAAAAAAAkAAAAJAAAAAAAAAAHAAAAAAAAAAAAAAAAAAAAAAAAAAAAAAAAAAAAf39/ACUAAABYAAAAAAAAAAAAAAAAAAAAAAAAAAAAAAAAAAAAAAAAAAAAAAAAAAAAAAAAAAAAAAA/AAAAAAAAAKCGAQAAAAAAAAAAAAAAAAAMAAAAAQAAAAAAAAAAAAAAAAAAAB8AAABUAAAARHLEBf///wEAAAAAAAAAAAAAAAAAAAAAAAAAAAAAAAAAAAAAAAAAAAAAAAJ/f38A5+bmA8zMzADAwP8Af39/AAAAAAAAAAAAAAAAAAAAAAAAAAAAIQAAABgAAAAUAAAAWxAAALAeAADJFAAAHiMAABAAAAAmAAAACAAAAP//////////MAAAABQAAAAAAAAA/Er//wS1AAD8Sv//BLUAAA=="/>
+                <pr:smNativeData xmlns:pr="smNativeData" xmlns="smNativeData" val="SMDATA_16_FAWHYRMAAAAlAAAAZgAAAA0AAAAAkAAAAEgAAACQAAAASAAAAAAAAAABAAAAAAAAAAEAAABQAAAAAAAAAAAA8D8AAAAAAADwPwAAAAAAAOA/AAAAAAAA4D8AAAAAAADgPwAAAAAAAOA/AAAAAAAA4D8AAAAAAADgPwAAAAAAAOA/AAAAAAAA4D8CAAAAjAAAAAAAAAAAAAAARHLEDP///wgAAAAAAAAAAAAAAAAAAAAAAAAAAAAAAAAAAAAAZAAAAAEAAABAAAAAAAAAAAAAAAAAAAAAAAAAAAAAAAAAAAAAAAAAAAAAAAAAAAAAAAAAAAAAAAAAAAAAAAAAAAAAAAAAAAAAAAAAAAAAAAAAAAAAAAAAAAAAAAAAAAAAFAAAADwAAAABAAAAAAAAAAAAAAl4AAAAAQAAABQAAAAUAAAAFAAAAAEAAAAAAAAAZAAAAGQAAAAAAAAAZAAAAGQAAAAVAAAAYAAAAAAAAAAAAAAADwAAACADAAAAAAAAAAAAAAEAAACgMgAAVgcAAKr4//8BAAAAf39/AAEAAABkAAAAAAAAABQAAABAHwAAAAAAACYAAAAAAAAAwOD//wAAAAAmAAAAZAAAABYAAABMAAAAAAAAAAAAAAAEAAAAAAAAAAEAAADn5uYKAAAAACgAAAAoAAAAZAAAAGQAAAAAAAAAzMzMAAAAAABQAAAAUAAAAGQAAABkAAAAAAAAABcAAAAUAAAAAAAAAAAAAAD/fwAA/38AAAAAAAAJAAAABAAAAAAAAAAeAAAAaAAAAAAAAAAAAAAAAAAAAAAAAAAAAAAAECcAABAnAAAAAAAAAAAAAAAAAAAAAAAAAAAAAAAAAAAAAAAAAAAAABQAAAAAAAAAwMD/AAAAAABkAAAAMgAAAAAAAABkAAAAAAAAAH9/fwAKAAAAIgAAABgAAAAAAAAAAAAAAAAAAAAAAAAAAAAAAAAAAAAkAAAAJAAAAAAAAAAHAAAAAAAAAAAAAAAAAAAAAAAAAAAAAAAAAAAAf39/ACUAAABYAAAAAAAAAAAAAAAAAAAAAAAAAAAAAAAAAAAAAAAAAAAAAAAAAAAAAAAAAAAAAAA/AAAAAAAAAKCGAQAAAAAAAAAAAAAAAAAMAAAAAQAAAAAAAAAAAAAAAAAAAB8AAABUAAAARHLEBf///wEAAAAAAAAAAAAAAAAAAAAAAAAAAAAAAAAAAAAAAAAAAAAAAAJ/f38A5+bmA8zMzADAwP8Af39/AAAAAAAAAAAAAAAAAAAAAAAAAAAAIQAAABgAAAAUAAAANxYAALAeAAClGgAAHiMAAAAAAAAmAAAACAAAAP//////////MAAAABQAAAAAAAAA/Er//wS1AAD8Sv//BLUAAA=="/>
               </a:ext>
             </a:extLst>
           </p:cNvSpPr>
@@ -11263,7 +11203,7 @@
         </p:nvSpPr>
         <p:spPr>
           <a:xfrm>
-            <a:off x="2658745" y="4988560"/>
+            <a:off x="3611245" y="4988560"/>
             <a:ext cx="720090" cy="720090"/>
           </a:xfrm>
           <a:prstGeom prst="ellipse">
@@ -11297,11 +11237,11 @@
       </p:sp>
       <p:sp>
         <p:nvSpPr>
-          <p:cNvPr id="48" name="Isosceles Triangle 47"/>
+          <p:cNvPr id="47" name="Isosceles Triangle 47"/>
           <p:cNvSpPr>
             <a:extLst>
               <a:ext uri="smNativeData">
-                <pr:smNativeData xmlns:pr="smNativeData" xmlns="smNativeData" val="SMDATA_16_gfoFYRMAAAAlAAAAagAAAA0AAAAAkAAAAEgAAACQAAAASAAAAAAAAAABAAAAAAAAAAEAAABQAAAAAAAAAAAA4D8AAAAAAADgPwAAAAAAAOA/AAAAAAAA4D8AAAAAAADgPwAAAAAAAOA/AAAAAAAA4D8AAAAAAADgPwAAAAAAAOA/AAAAAAAA4D8CAAAAjAAAAAEAAAAAAAAAAAAACf///wgAAAAAAAAAAAAAAAAAAAAAAAAAAAAAAAAAAAAAZAAAAAEAAABAAAAAAAAAAAAAAAAAAAAAAAAAAAAAAAAAAAAAAAAAAAAAAAAAAAAAAAAAAAAAAAAAAAAAAAAAAAAAAAAAAAAAAAAAAAAAAAAAAAAAAAAAAAAAAAAAAAAAFAAAADwAAAABAAAAAAAAAAAAAAkUAAAAAQAAABQAAAAUAAAAFAAAAAEAAAAAAAAAZAAAAGQAAAAAAAAAZAAAAGQAAAAVAAAAYAAAAAAAAAAAAAAADwAAACADAAAAAAAAAAAAAAEAAACgMgAAVgcAAKr4//8BAAAAf39/AAEAAABkAAAAAAAAABQAAABAHwAAAAAAACYAAAAAAAAAwOD//wAAAAAmAAAAZAAAABYAAABMAAAAAAAAAAAAAAAEAAAAAAAAAAEAAADn5uYKAAAAACgAAAAoAAAAZAAAAGQAAAAAAAAAzMzMAAAAAABQAAAAUAAAAGQAAABkAAAAAAAAABcAAAAUAAAAAAAAAAAAAAD/fwAA/38AAAAAAAAJAAAABAAAAAAAAAAeAAAAaAAAAAAAAAAAAAAAAAAAAAAAAAAAAAAAECcAABAnAAAAAAAAAAAAAAAAAAAAAAAAAAAAAAAAAAAAAAAAAAAAABQAAAAAAAAAwMD/AAAAAABkAAAAMgAAAAAAAABkAAAAAAAAAH9/fwAKAAAAIgAAABgAAAAAAAAAAAAAAAAAAAAAAAAAAAAAAAAAAAAkAAAAJAAAAAAAAAAHAAAAAAAAAAAAAAAAAAAAAAAAAAAAAAAAAAAAf39/ACUAAABYAAAAAAAAAAAAAAAAAAAAAAAAAAAAAAAAAAAAAAAAAAAAAAAAAAAAAAAAAAAAAAA/AAAAAAAAAKCGAQAAAAAAAAAAAAAAAAAMAAAAAQAAAAAAAAAAAAAAAAAAAB8AAABUAAAAAAAAAv///wEAAAAAAAAAAAAAAAAAAAAAAAAAAAAAAAAAAAAAAAAAAAAAAAJ/f38A5+bmA8zMzADAwP8Af39/AAAAAAAAAAAAAAAAAAAAAAAAAAAAIQAAABgAAAAUAAAARgsAAJgfAAB/DQAANiIAABAAAAAmAAAACAAAAP//////////MAAAABQAAAAAAAAAAID//wCAAAAAAAAAM7MAAA=="/>
+                <pr:smNativeData xmlns:pr="smNativeData" xmlns="smNativeData" val="SMDATA_16_FAWHYRMAAAAlAAAAagAAAA0AAAAAkAAAAEgAAACQAAAASAAAAAAAAAABAAAAAAAAAAEAAABQAAAAAAAAAAAA4D8AAAAAAADgPwAAAAAAAOA/AAAAAAAA4D8AAAAAAADgPwAAAAAAAOA/AAAAAAAA4D8AAAAAAADgPwAAAAAAAOA/AAAAAAAA4D8CAAAAjAAAAAEAAAAAAAAAAAAACf///wgAAAAAAAAAAAAAAAAAAAAAAAAAAAAAAAAAAAAAZAAAAAEAAABAAAAAAAAAAAAAAAAAAAAAAAAAAAAAAAAAAAAAAAAAAAAAAAAAAAAAAAAAAAAAAAAAAAAAAAAAAAAAAAAAAAAAAAAAAAAAAAAAAAAAAAAAAAAAAAAAAAAAFAAAADwAAAABAAAAAAAAAAAAAAkUAAAAAQAAABQAAAAUAAAAFAAAAAEAAAAAAAAAZAAAAGQAAAAAAAAAZAAAAGQAAAAVAAAAYAAAAAAAAAAAAAAADwAAACADAAAAAAAAAAAAAAEAAACgMgAAVgcAAKr4//8BAAAAf39/AAEAAABkAAAAAAAAABQAAABAHwAAAAAAACYAAAAAAAAAwOD//wAAAAAmAAAAZAAAABYAAABMAAAAAAAAAAAAAAAEAAAAAAAAAAEAAADn5uYKAAAAACgAAAAoAAAAZAAAAGQAAAAAAAAAzMzMAAAAAABQAAAAUAAAAGQAAABkAAAAAAAAABcAAAAUAAAAAAAAAAAAAAD/fwAA/38AAAAAAAAJAAAABAAAAAAAAAAeAAAAaAAAAAAAAAAAAAAAAAAAAAAAAAAAAAAAECcAABAnAAAAAAAAAAAAAAAAAAAAAAAAAAAAAAAAAAAAAAAAAAAAABQAAAAAAAAAwMD/AAAAAABkAAAAMgAAAAAAAABkAAAAAAAAAH9/fwAKAAAAIgAAABgAAAAAAAAAAAAAAAAAAAAAAAAAAAAAAAAAAAAkAAAAJAAAAAAAAAAHAAAAAAAAAAAAAAAAAAAAAAAAAAAAAAAAAAAAf39/ACUAAABYAAAAAAAAAAAAAAAAAAAAAAAAAAAAAAAAAAAAAAAAAAAAAAAAAAAAAAAAAAAAAAA/AAAAAAAAAKCGAQAAAAAAAAAAAAAAAAAMAAAAAQAAAAAAAAAAAAAAAAAAAB8AAABUAAAAAAAAAv///wEAAAAAAAAAAAAAAAAAAAAAAAAAAAAAAAAAAAAAAAAAAAAAAAJ/f38A5+bmA8zMzADAwP8Af39/AAAAAAAAAAAAAAAAAAAAAAAAAAAAIQAAABgAAAAUAAAAIhEAAJgfAABbEwAANiIAAAAAAAAmAAAACAAAAP//////////MAAAABQAAAAAAAAAAID//wCAAAAAAAAAM7MAAA=="/>
               </a:ext>
             </a:extLst>
           </p:cNvSpPr>
@@ -11309,7 +11249,7 @@
         </p:nvSpPr>
         <p:spPr>
           <a:xfrm rot="5400000">
-            <a:off x="1800860" y="5167630"/>
+            <a:off x="2753360" y="5167630"/>
             <a:ext cx="425450" cy="361315"/>
           </a:xfrm>
           <a:prstGeom prst="triangle">
@@ -11347,11 +11287,11 @@
       </p:sp>
       <p:sp>
         <p:nvSpPr>
-          <p:cNvPr id="49" name="Rectangle 48"/>
+          <p:cNvPr id="48" name="Rectangle 48"/>
           <p:cNvSpPr>
             <a:extLst>
               <a:ext uri="smNativeData">
-                <pr:smNativeData xmlns:pr="smNativeData" xmlns="smNativeData" val="SMDATA_16_gfoFYRMAAAAlAAAAZAAAAA0AAAAAkAAAAEgAAACQAAAASAAAAAAAAAABAAAAAAAAAAEAAABQAAAAAAAAAAAA4D8AAAAAAADgPwAAAAAAAOA/AAAAAAAA4D8AAAAAAADgPwAAAAAAAOA/AAAAAAAA4D8AAAAAAADgPwAAAAAAAOA/AAAAAAAA4D8CAAAAjAAAAAEAAAAAAAAAAAAACf///wgAAAAAAAAAAAAAAAAAAAAAAAAAAAAAAAAAAAAAZAAAAAEAAABAAAAAAAAAAAAAAAAAAAAAAAAAAAAAAAAAAAAAAAAAAAAAAAAAAAAAAAAAAAAAAAAAAAAAAAAAAAAAAAAAAAAAAAAAAAAAAAAAAAAAAAAAAAAAAAAAAAAAFAAAADwAAAABAAAAAAAAAAAAAAkUAAAAAQAAABQAAAAUAAAAFAAAAAEAAAAAAAAAZAAAAGQAAAAAAAAAZAAAAGQAAAAVAAAAYAAAAAAAAAAAAAAADwAAACADAAAAAAAAAAAAAAEAAACgMgAAVgcAAKr4//8BAAAAf39/AAEAAABkAAAAAAAAABQAAABAHwAAAAAAACYAAAAAAAAAwOD//wAAAAAmAAAAZAAAABYAAABMAAAAAAAAAAAAAAAEAAAAAAAAAAEAAADn5uYKAAAAACgAAAAoAAAAZAAAAGQAAAAAAAAAzMzMAAAAAABQAAAAUAAAAGQAAABkAAAAAAAAABcAAAAUAAAAAAAAAAAAAAD/fwAA/38AAAAAAAAJAAAABAAAAAAAAAAeAAAAaAAAAAAAAAAAAAAAAAAAAAAAAAAAAAAAECcAABAnAAAAAAAAAAAAAAAAAAAAAAAAAAAAAAAAAAAAAAAAAAAAABQAAAAAAAAAwMD/AAAAAABkAAAAMgAAAAAAAABkAAAAAAAAAH9/fwAKAAAAIgAAABgAAAAAAAAAAAAAAAAAAAAAAAAAAAAAAAAAAAAkAAAAJAAAAAAAAAAHAAAAAAAAAAAAAAAAAAAAAAAAAAAAAAAAAAAAf39/ACUAAABYAAAAAAAAAAAAAAAAAAAAAAAAAAAAAAAAAAAAAAAAAAAAAAAAAAAAAAAAAAAAAAA/AAAAAAAAAKCGAQAAAAAAAAAAAAAAAAAMAAAAAQAAAAAAAAAAAAAAAAAAAB8AAABUAAAAAAAAAv///wEAAAAAAAAAAAAAAAAAAAAAAAAAAAAAAAAAAAAAAAAAAAAAAAJ/f38A5+bmA8zMzADAwP8Af39/AAAAAAAAAAAAAAAAAAAAAAAAAAAAIQAAABgAAAAUAAAAdhEAAMwfAACtEwAAAyIAABAAAAAmAAAACAAAAP//////////MAAAABQAAAAAAAAAAAD//wAAAQAAAP//AAABAA=="/>
+                <pr:smNativeData xmlns:pr="smNativeData" xmlns="smNativeData" val="SMDATA_16_FAWHYRMAAAAlAAAAZAAAAA0AAAAAkAAAAEgAAACQAAAASAAAAAAAAAABAAAAAAAAAAEAAABQAAAAAAAAAAAA4D8AAAAAAADgPwAAAAAAAOA/AAAAAAAA4D8AAAAAAADgPwAAAAAAAOA/AAAAAAAA4D8AAAAAAADgPwAAAAAAAOA/AAAAAAAA4D8CAAAAjAAAAAEAAAAAAAAAAAAACf///wgAAAAAAAAAAAAAAAAAAAAAAAAAAAAAAAAAAAAAZAAAAAEAAABAAAAAAAAAAAAAAAAAAAAAAAAAAAAAAAAAAAAAAAAAAAAAAAAAAAAAAAAAAAAAAAAAAAAAAAAAAAAAAAAAAAAAAAAAAAAAAAAAAAAAAAAAAAAAAAAAAAAAFAAAADwAAAABAAAAAAAAAAAAAAkUAAAAAQAAABQAAAAUAAAAFAAAAAEAAAAAAAAAZAAAAGQAAAAAAAAAZAAAAGQAAAAVAAAAYAAAAAAAAAAAAAAADwAAACADAAAAAAAAAAAAAAEAAACgMgAAVgcAAKr4//8BAAAAf39/AAEAAABkAAAAAAAAABQAAABAHwAAAAAAACYAAAAAAAAAwOD//wAAAAAmAAAAZAAAABYAAABMAAAAAAAAAAAAAAAEAAAAAAAAAAEAAADn5uYKAAAAACgAAAAoAAAAZAAAAGQAAAAAAAAAzMzMAAAAAABQAAAAUAAAAGQAAABkAAAAAAAAABcAAAAUAAAAAAAAAAAAAAD/fwAA/38AAAAAAAAJAAAABAAAAAAAAAAeAAAAaAAAAAAAAAAAAAAAAAAAAAAAAAAAAAAAECcAABAnAAAAAAAAAAAAAAAAAAAAAAAAAAAAAAAAAAAAAAAAAAAAABQAAAAAAAAAwMD/AAAAAABkAAAAMgAAAAAAAABkAAAAAAAAAH9/fwAKAAAAIgAAABgAAAAAAAAAAAAAAAAAAAAAAAAAAAAAAAAAAAAkAAAAJAAAAAAAAAAHAAAAAAAAAAAAAAAAAAAAAAAAAAAAAAAAAAAAf39/ACUAAABYAAAAAAAAAAAAAAAAAAAAAAAAAAAAAAAAAAAAAAAAAAAAAAAAAAAAAAAAAAAAAAA/AAAAAAAAAKCGAQAAAAAAAAAAAAAAAAAMAAAAAQAAAAAAAAAAAAAAAAAAAB8AAABUAAAAAAAAAv///wEAAAAAAAAAAAAAAAAAAAAAAAAAAAAAAAAAAAAAAAAAAAAAAAJ/f38A5+bmA8zMzADAwP8Af39/AAAAAAAAAAAAAAAAAAAAAAAAAAAAIQAAABgAAAAUAAAAUhcAAMwfAACJGQAAAyIAAAAAAAAmAAAACAAAAP//////////MAAAABQAAAAAAAAAAAD//wAAAQAAAP//AAABAA=="/>
               </a:ext>
             </a:extLst>
           </p:cNvSpPr>
@@ -11359,7 +11299,7 @@
         </p:nvSpPr>
         <p:spPr>
           <a:xfrm>
-            <a:off x="2838450" y="5168900"/>
+            <a:off x="3790950" y="5168900"/>
             <a:ext cx="360045" cy="360045"/>
           </a:xfrm>
           <a:prstGeom prst="rect">
@@ -11395,11 +11335,11 @@
       </p:sp>
       <p:sp>
         <p:nvSpPr>
-          <p:cNvPr id="50" name="Rectangle 49"/>
+          <p:cNvPr id="49" name="Rectangle 49"/>
           <p:cNvSpPr>
             <a:extLst>
               <a:ext uri="smNativeData">
-                <pr:smNativeData xmlns:pr="smNativeData" xmlns="smNativeData" val="SMDATA_16_gfoFYRMAAAAlAAAAZAAAAA0AAAAAkAAAAEgAAACQAAAASAAAAAAAAAABAAAAAAAAAAEAAABQAAAAAAAAAAAA4D8AAAAAAADgPwAAAAAAAOA/AAAAAAAA4D8AAAAAAADgPwAAAAAAAOA/AAAAAAAA4D8AAAAAAADgPwAAAAAAAOA/AAAAAAAA4D8CAAAAjAAAAAAAAAAAAAAARHLEDP///wgAAAAAAAAAAAAAAAAAAAAAAAAAAAAAAAAAAAAAZAAAAAEAAABAAAAAAAAAAAAAAAAAAAAAAAAAAAAAAAAAAAAAAAAAAAAAAAAAAAAAAAAAAAAAAAAAAAAAAAAAAAAAAAAAAAAAAAAAAAAAAAAAAAAAAAAAAAAAAAAAAAAAFAAAADwAAAABAAAAAAAAADJVkQAAAAAAAQAAABQAAAAUAAAAFAAAAAEAAAAAAAAAZAAAAGQAAAAAAAAAZAAAAGQAAAAVAAAAYAAAAAAAAAAAAAAADwAAACADAAAAAAAAAAAAAAEAAACgMgAAVgcAAKr4//8BAAAAf39/AAEAAABkAAAAAAAAABQAAABAHwAAAAAAACYAAAAAAAAAwOD//wAAAAAmAAAAZAAAABYAAABMAAAAAAAAAAAAAAAEAAAAAAAAAAEAAADn5uYKAAAAACgAAAAoAAAAZAAAAGQAAAAAAAAAzMzMAAAAAABQAAAAUAAAAGQAAABkAAAAAAAAABcAAAAUAAAAAAAAAAAAAAD/fwAA/38AAAAAAAAJAAAABAAAAAAAAAAeAAAAaAAAAAAAAAAAAAAAAAAAAAAAAAAAAAAAECcAABAnAAAAAAAAAAAAAAAAAAAAAAAAAAAAAAAAAAAAAAAAAAAAABQAAAAAAAAAwMD/AAAAAABkAAAAMgAAAAAAAABkAAAAAAAAAH9/fwAKAAAAIgAAABgAAAAAAAAAAAAAAAAAAAAAAAAAAAAAAAAAAAAkAAAAJAAAAAAAAAAHAAAAAAAAAAAAAAAAAAAAAAAAAAAAAAAAAAAAf39/ACUAAABYAAAAAAAAAAAAAAAAAAAAAAAAAAAAAAAAAAAAAAAAAAAAAAAAAAAAAAAAAAAAAAA/AAAAAAAAAKCGAQAAAAAAAAAAAAAAAAAMAAAAAQAAAAAAAAAAAAAAAAAAAB8AAABUAAAARHLEBf///wEAAAAAAAAAAAAAAAAAAAAAAAAAAAAAAAAAAAAAAAAAADJVkQB/f38A5+bmA8zMzADAwP8Af39/AAAAAAAAAAAAAAAAAAAAAAAAAAAAIQAAABgAAAAUAAAAoQkAAHAeAACZDgAAXyMAABAAAAAmAAAACAAAAP//////////MAAAABQAAAAAAAAAAAD//wAAAQAAAP//AAABAA=="/>
+                <pr:smNativeData xmlns:pr="smNativeData" xmlns="smNativeData" val="SMDATA_16_FAWHYRMAAAAlAAAAZAAAAA0AAAAAkAAAAEgAAACQAAAASAAAAAAAAAABAAAAAAAAAAEAAABQAAAAAAAAAAAA4D8AAAAAAADgPwAAAAAAAOA/AAAAAAAA4D8AAAAAAADgPwAAAAAAAOA/AAAAAAAA4D8AAAAAAADgPwAAAAAAAOA/AAAAAAAA4D8CAAAAjAAAAAAAAAAAAAAARHLEDP///wgAAAAAAAAAAAAAAAAAAAAAAAAAAAAAAAAAAAAAZAAAAAEAAABAAAAAAAAAAAAAAAAAAAAAAAAAAAAAAAAAAAAAAAAAAAAAAAAAAAAAAAAAAAAAAAAAAAAAAAAAAAAAAAAAAAAAAAAAAAAAAAAAAAAAAAAAAAAAAAAAAAAAFAAAADwAAAABAAAAAAAAADJVkQAAAAAAAQAAABQAAAAUAAAAFAAAAAEAAAAAAAAAZAAAAGQAAAAAAAAAZAAAAGQAAAAVAAAAYAAAAAAAAAAAAAAADwAAACADAAAAAAAAAAAAAAEAAACgMgAAVgcAAKr4//8BAAAAf39/AAEAAABkAAAAAAAAABQAAABAHwAAAAAAACYAAAAAAAAAwOD//wAAAAAmAAAAZAAAABYAAABMAAAAAAAAAAAAAAAEAAAAAAAAAAEAAADn5uYKAAAAACgAAAAoAAAAZAAAAGQAAAAAAAAAzMzMAAAAAABQAAAAUAAAAGQAAABkAAAAAAAAABcAAAAUAAAAAAAAAAAAAAD/fwAA/38AAAAAAAAJAAAABAAAAAAAAAAeAAAAaAAAAAAAAAAAAAAAAAAAAAAAAAAAAAAAECcAABAnAAAAAAAAAAAAAAAAAAAAAAAAAAAAAAAAAAAAAAAAAAAAABQAAAAAAAAAwMD/AAAAAABkAAAAMgAAAAAAAABkAAAAAAAAAH9/fwAKAAAAIgAAABgAAAAAAAAAAAAAAAAAAAAAAAAAAAAAAAAAAAAkAAAAJAAAAAAAAAAHAAAAAAAAAAAAAAAAAAAAAAAAAAAAAAAAAAAAf39/ACUAAABYAAAAAAAAAAAAAAAAAAAAAAAAAAAAAAAAAAAAAAAAAAAAAAAAAAAAAAAAAAAAAAA/AAAAAAAAAKCGAQAAAAAAAAAAAAAAAAAMAAAAAQAAAAAAAAAAAAAAAAAAAB8AAABUAAAARHLEBf///wEAAAAAAAAAAAAAAAAAAAAAAAAAAAAAAAAAAAAAAAAAADJVkQB/f38A5+bmA8zMzADAwP8Af39/AAAAAAAAAAAAAAAAAAAAAAAAAAAAIQAAABgAAAAUAAAAfQ8AAHAeAAB1FAAAXyMAAAAAAAAmAAAACAAAAP//////////MAAAABQAAAAAAAAAAAD//wAAAQAAAP//AAABAA=="/>
               </a:ext>
             </a:extLst>
           </p:cNvSpPr>
@@ -11407,7 +11347,7 @@
         </p:nvSpPr>
         <p:spPr>
           <a:xfrm>
-            <a:off x="1565275" y="4947920"/>
+            <a:off x="2517775" y="4947920"/>
             <a:ext cx="807720" cy="802005"/>
           </a:xfrm>
           <a:prstGeom prst="rect">
@@ -11441,11 +11381,11 @@
       </p:sp>
       <p:sp>
         <p:nvSpPr>
-          <p:cNvPr id="51" name="Rectangle 50"/>
+          <p:cNvPr id="50" name="Rectangle 50"/>
           <p:cNvSpPr>
             <a:extLst>
               <a:ext uri="smNativeData">
-                <pr:smNativeData xmlns:pr="smNativeData" xmlns="smNativeData" val="SMDATA_16_gfoFYRMAAAAlAAAAZAAAAA0AAAAAkAAAAEgAAACQAAAASAAAAAAAAAABAAAAAAAAAAEAAABQAAAAAAAAAAAA4D8AAAAAAADgPwAAAAAAAOA/AAAAAAAA4D8AAAAAAADgPwAAAAAAAOA/AAAAAAAA4D8AAAAAAADgPwAAAAAAAOA/AAAAAAAA4D8CAAAAjAAAAAAAAAAAAAAARHLEDP///wgAAAAAAAAAAAAAAAAAAAAAAAAAAAAAAAAAAAAAZAAAAAEAAABAAAAAAAAAAAAAAAAAAAAAAAAAAAAAAAAAAAAAAAAAAAAAAAAAAAAAAAAAAAAAAAAAAAAAAAAAAAAAAAAAAAAAAAAAAAAAAAAAAAAAAAAAAAAAAAAAAAAAFAAAADwAAAABAAAAAAAAADJVkQAAAAAAAQAAABQAAAAUAAAAFAAAAAEAAAAAAAAAZAAAAGQAAAAAAAAAZAAAAGQAAAAVAAAAYAAAAAAAAAAAAAAADwAAACADAAAAAAAAAAAAAAEAAACgMgAAVgcAAKr4//8BAAAAf39/AAEAAABkAAAAAAAAABQAAABAHwAAAAAAACYAAAAAAAAAwOD//wAAAAAmAAAAZAAAABYAAABMAAAAAAAAAAAAAAAEAAAAAAAAAAEAAADn5uYKAAAAACgAAAAoAAAAZAAAAGQAAAAAAAAAzMzMAAAAAABQAAAAUAAAAGQAAABkAAAAAAAAABcAAAAUAAAAAAAAAAAAAAD/fwAA/38AAAAAAAAJAAAABAAAAAAAAAAeAAAAaAAAAAAAAAAAAAAAAAAAAAAAAAAAAAAAECcAABAnAAAAAAAAAAAAAAAAAAAAAAAAAAAAAAAAAAAAAAAAAAAAABQAAAAAAAAAwMD/AAAAAABkAAAAMgAAAAAAAABkAAAAAAAAAH9/fwAKAAAAIgAAABgAAAAAAAAAAAAAAAAAAAAAAAAAAAAAAAAAAAAkAAAAJAAAAAAAAAAHAAAAAAAAAAAAAAAAAAAAAAAAAAAAAAAAAAAAf39/ACUAAABYAAAAAAAAAAAAAAAAAAAAAAAAAAAAAAAAAAAAAAAAAAAAAAAAAAAAAAAAAAAAAAA/AAAAAAAAAKCGAQAAAAAAAAAAAAAAAAAMAAAAAQAAAAAAAAAAAAAAAAAAAB8AAABUAAAARHLEBf///wEAAAAAAAAAAAAAAAAAAAAAAAAAAAAAAAAAAAAAAAAAADJVkQB/f38A5+bmA8zMzADAwP8Af39/AAAAAAAAAAAAAAAAAAAAAAAAAAAAIQAAABgAAAAUAAAAGxAAAHEeAAATFQAAYSMAABAAAAAmAAAACAAAAP//////////MAAAABQAAAAAAAAAAAD//wAAAQAAAP//AAABAA=="/>
+                <pr:smNativeData xmlns:pr="smNativeData" xmlns="smNativeData" val="SMDATA_16_FAWHYRMAAAAlAAAAZAAAAA0AAAAAkAAAAEgAAACQAAAASAAAAAAAAAABAAAAAAAAAAEAAABQAAAAAAAAAAAA4D8AAAAAAADgPwAAAAAAAOA/AAAAAAAA4D8AAAAAAADgPwAAAAAAAOA/AAAAAAAA4D8AAAAAAADgPwAAAAAAAOA/AAAAAAAA4D8CAAAAjAAAAAAAAAAAAAAARHLEDP///wgAAAAAAAAAAAAAAAAAAAAAAAAAAAAAAAAAAAAAZAAAAAEAAABAAAAAAAAAAAAAAAAAAAAAAAAAAAAAAAAAAAAAAAAAAAAAAAAAAAAAAAAAAAAAAAAAAAAAAAAAAAAAAAAAAAAAAAAAAAAAAAAAAAAAAAAAAAAAAAAAAAAAFAAAADwAAAABAAAAAAAAADJVkQAAAAAAAQAAABQAAAAUAAAAFAAAAAEAAAAAAAAAZAAAAGQAAAAAAAAAZAAAAGQAAAAVAAAAYAAAAAAAAAAAAAAADwAAACADAAAAAAAAAAAAAAEAAACgMgAAVgcAAKr4//8BAAAAf39/AAEAAABkAAAAAAAAABQAAABAHwAAAAAAACYAAAAAAAAAwOD//wAAAAAmAAAAZAAAABYAAABMAAAAAAAAAAAAAAAEAAAAAAAAAAEAAADn5uYKAAAAACgAAAAoAAAAZAAAAGQAAAAAAAAAzMzMAAAAAABQAAAAUAAAAGQAAABkAAAAAAAAABcAAAAUAAAAAAAAAAAAAAD/fwAA/38AAAAAAAAJAAAABAAAAAAAAAAeAAAAaAAAAAAAAAAAAAAAAAAAAAAAAAAAAAAAECcAABAnAAAAAAAAAAAAAAAAAAAAAAAAAAAAAAAAAAAAAAAAAAAAABQAAAAAAAAAwMD/AAAAAABkAAAAMgAAAAAAAABkAAAAAAAAAH9/fwAKAAAAIgAAABgAAAAAAAAAAAAAAAAAAAAAAAAAAAAAAAAAAAAkAAAAJAAAAAAAAAAHAAAAAAAAAAAAAAAAAAAAAAAAAAAAAAAAAAAAf39/ACUAAABYAAAAAAAAAAAAAAAAAAAAAAAAAAAAAAAAAAAAAAAAAAAAAAAAAAAAAAAAAAAAAAA/AAAAAAAAAKCGAQAAAAAAAAAAAAAAAAAMAAAAAQAAAAAAAAAAAAAAAAAAAB8AAABUAAAARHLEBf///wEAAAAAAAAAAAAAAAAAAAAAAAAAAAAAAAAAAAAAAAAAADJVkQB/f38A5+bmA8zMzADAwP8Af39/AAAAAAAAAAAAAAAAAAAAAAAAAAAAIQAAABgAAAAUAAAA9xUAAHEeAADvGgAAYSMAAAAAAAAmAAAACAAAAP//////////MAAAABQAAAAAAAAAAAD//wAAAQAAAP//AAABAA=="/>
               </a:ext>
             </a:extLst>
           </p:cNvSpPr>
@@ -11453,7 +11393,7 @@
         </p:nvSpPr>
         <p:spPr>
           <a:xfrm>
-            <a:off x="2618105" y="4948555"/>
+            <a:off x="3570605" y="4948555"/>
             <a:ext cx="807720" cy="802640"/>
           </a:xfrm>
           <a:prstGeom prst="rect">
@@ -11487,11 +11427,11 @@
       </p:sp>
       <p:sp>
         <p:nvSpPr>
-          <p:cNvPr id="52" name="Rectangle 51"/>
+          <p:cNvPr id="51" name="Rectangle 56"/>
           <p:cNvSpPr>
             <a:extLst>
               <a:ext uri="smNativeData">
-                <pr:smNativeData xmlns:pr="smNativeData" xmlns="smNativeData" val="SMDATA_16_gfoFYRMAAAAlAAAAZAAAAA0AAAAAkAAAAEgAAACQAAAASAAAAAAAAAABAAAAAAAAAAEAAABQAAAAAAAAAAAA4D8AAAAAAADgPwAAAAAAAOA/AAAAAAAA4D8AAAAAAADgPwAAAAAAAOA/AAAAAAAA4D8AAAAAAADgPwAAAAAAAOA/AAAAAAAA4D8CAAAAjAAAAAAAAAAAAAAARHLEDP///wgAAAAAAAAAAAAAAAAAAAAAAAAAAAAAAAAAAAAAZAAAAAEAAABAAAAAAAAAAAAAAAAAAAAAAAAAAAAAAAAAAAAAAAAAAAAAAAAAAAAAAAAAAAAAAAAAAAAAAAAAAAAAAAAAAAAAAAAAAAAAAAAAAAAAAAAAAAAAAAAAAAAAFAAAADwAAAABAAAAAAAAADJVkQAAAAAAAQAAABQAAAAUAAAAFAAAAAEAAAAAAAAAZAAAAGQAAAAAAAAAZAAAAGQAAAAVAAAAYAAAAAAAAAAAAAAADwAAACADAAAAAAAAAAAAAAEAAACgMgAAVgcAAKr4//8BAAAAf39/AAEAAABkAAAAAAAAABQAAABAHwAAAAAAACYAAAAAAAAAwOD//wAAAAAmAAAAZAAAABYAAABMAAAAAAAAAAAAAAAEAAAAAAAAAAEAAADn5uYKAAAAACgAAAAoAAAAZAAAAGQAAAAAAAAAzMzMAAAAAABQAAAAUAAAAGQAAABkAAAAAAAAABcAAAAUAAAAAAAAAAAAAAD/fwAA/38AAAAAAAAJAAAABAAAAAAAAAAeAAAAaAAAAAAAAAAAAAAAAAAAAAAAAAAAAAAAECcAABAnAAAAAAAAAAAAAAAAAAAAAAAAAAAAAAAAAAAAAAAAAAAAABQAAAAAAAAAwMD/AAAAAABkAAAAMgAAAAAAAABkAAAAAAAAAH9/fwAKAAAAIgAAABgAAAAAAAAAAAAAAAAAAAAAAAAAAAAAAAAAAAAkAAAAJAAAAAAAAAAHAAAAAAAAAAAAAAAAAAAAAAAAAAAAAAAAAAAAf39/ACUAAABYAAAAAAAAAAAAAAAAAAAAAAAAAAAAAAAAAAAAAAAAAAAAAAAAAAAAAAAAAAAAAAA/AAAAAAAAAKCGAQAAAAAAAAAAAAAAAAAMAAAAAQAAAAAAAAAAAAAAAAAAAB8AAABUAAAARHLEBf///wEAAAAAAAAAAAAAAAAAAAAAAAAAAAAAAAAAAAAAAAAAADJVkQB/f38A5+bmA8zMzADAwP8Af39/AAAAAAAAAAAAAAAAAAAAAAAAAAAAIQAAABgAAAAUAAAA5BUAAHMeAADcGgAAYiMAABAAAAAmAAAACAAAAP//////////MAAAABQAAAAAAAAAAAD//wAAAQAAAP//AAABAA=="/>
+                <pr:smNativeData xmlns:pr="smNativeData" xmlns="smNativeData" val="SMDATA_16_FAWHYRMAAAAlAAAAZAAAAA0AAAAAkAAAAEgAAACQAAAASAAAAAAAAAABAAAAAAAAAAEAAABQAAAAAAAAAAAA4D8AAAAAAADgPwAAAAAAAOA/AAAAAAAA4D8AAAAAAADgPwAAAAAAAOA/AAAAAAAA4D8AAAAAAADgPwAAAAAAAOA/AAAAAAAA4D8CAAAAjAAAAAAAAAAAAAAARHLEDP///wgAAAAAAAAAAAAAAAAAAAAAAAAAAAAAAAAAAAAAZAAAAAEAAABAAAAAAAAAAAAAAAAAAAAAAAAAAAAAAAAAAAAAAAAAAAAAAAAAAAAAAAAAAAAAAAAAAAAAAAAAAAAAAAAAAAAAAAAAAAAAAAAAAAAAAAAAAAAAAAAAAAAAFAAAADwAAAABAAAAAAAAADJVkQAAAAAAAQAAABQAAAAUAAAAFAAAAAEAAAAAAAAAZAAAAGQAAAAAAAAAZAAAAGQAAAAVAAAAYAAAAAAAAAAAAAAADwAAACADAAAAAAAAAAAAAAEAAACgMgAAVgcAAKr4//8BAAAAf39/AAEAAABkAAAAAAAAABQAAABAHwAAAAAAACYAAAAAAAAAwOD//wAAAAAmAAAAZAAAABYAAABMAAAAAAAAAAAAAAAEAAAAAAAAAAEAAADn5uYKAAAAACgAAAAoAAAAZAAAAGQAAAAAAAAAzMzMAAAAAABQAAAAUAAAAGQAAABkAAAAAAAAABcAAAAUAAAAAAAAAAAAAAD/fwAA/38AAAAAAAAJAAAABAAAAAAAAAAeAAAAaAAAAAAAAAAAAAAAAAAAAAAAAAAAAAAAECcAABAnAAAAAAAAAAAAAAAAAAAAAAAAAAAAAAAAAAAAAAAAAAAAABQAAAAAAAAAwMD/AAAAAABkAAAAMgAAAAAAAABkAAAAAAAAAH9/fwAKAAAAIgAAABgAAAAAAAAAAAAAAAAAAAAAAAAAAAAAAAAAAAAkAAAAJAAAAAAAAAAHAAAAAAAAAAAAAAAAAAAAAAAAAAAAAAAAAAAAf39/ACUAAABYAAAAAAAAAAAAAAAAAAAAAAAAAAAAAAAAAAAAAAAAAAAAAAAAAAAAAAAAAAAAAAA/AAAAAAAAAKCGAQAAAAAAAAAAAAAAAAAMAAAAAQAAAAAAAAAAAAAAAAAAAB8AAABUAAAARHLEBf///wEAAAAAAAAAAAAAAAAAAAAAAAAAAAAAAAAAAAAAAAAAADJVkQB/f38A5+bmA8zMzADAwP8Af39/AAAAAAAAAAAAAAAAAAAAAAAAAAAAIQAAABgAAAAUAAAA5BUAAEskAADcGgAAOikAABAAAAAmAAAACAAAAP//////////MAAAABQAAAAAAAAAAAD//wAAAQAAAP//AAABAA=="/>
               </a:ext>
             </a:extLst>
           </p:cNvSpPr>
@@ -11499,7 +11439,7 @@
         </p:nvSpPr>
         <p:spPr>
           <a:xfrm>
-            <a:off x="3558540" y="4949825"/>
+            <a:off x="3558540" y="5899785"/>
             <a:ext cx="807720" cy="802005"/>
           </a:xfrm>
           <a:prstGeom prst="rect">
@@ -11531,249 +11471,13 @@
           </a:p>
         </p:txBody>
       </p:sp>
-      <p:sp>
-        <p:nvSpPr>
-          <p:cNvPr id="53" name="Rectangle 52"/>
-          <p:cNvSpPr>
-            <a:extLst>
-              <a:ext uri="smNativeData">
-                <pr:smNativeData xmlns:pr="smNativeData" xmlns="smNativeData" val="SMDATA_16_gfoFYRMAAAAlAAAAZAAAAA0AAAAAkAAAAEgAAACQAAAASAAAAAAAAAABAAAAAAAAAAEAAABQAAAAAAAAAAAA4D8AAAAAAADgPwAAAAAAAOA/AAAAAAAA4D8AAAAAAADgPwAAAAAAAOA/AAAAAAAA4D8AAAAAAADgPwAAAAAAAOA/AAAAAAAA4D8CAAAAjAAAAAAAAAAAAAAARHLEDP///wgAAAAAAAAAAAAAAAAAAAAAAAAAAAAAAAAAAAAAZAAAAAEAAABAAAAAAAAAAAAAAAAAAAAAAAAAAAAAAAAAAAAAAAAAAAAAAAAAAAAAAAAAAAAAAAAAAAAAAAAAAAAAAAAAAAAAAAAAAAAAAAAAAAAAAAAAAAAAAAAAAAAAFAAAADwAAAABAAAAAAAAADJVkQAAAAAAAQAAABQAAAAUAAAAFAAAAAEAAAAAAAAAZAAAAGQAAAAAAAAAZAAAAGQAAAAVAAAAYAAAAAAAAAAAAAAADwAAACADAAAAAAAAAAAAAAEAAACgMgAAVgcAAKr4//8BAAAAf39/AAEAAABkAAAAAAAAABQAAABAHwAAAAAAACYAAAAAAAAAwOD//wAAAAAmAAAAZAAAABYAAABMAAAAAAAAAAAAAAAEAAAAAAAAAAEAAADn5uYKAAAAACgAAAAoAAAAZAAAAGQAAAAAAAAAzMzMAAAAAABQAAAAUAAAAGQAAABkAAAAAAAAABcAAAAUAAAAAAAAAAAAAAD/fwAA/38AAAAAAAAJAAAABAAAAAAAAAAeAAAAaAAAAAAAAAAAAAAAAAAAAAAAAAAAAAAAECcAABAnAAAAAAAAAAAAAAAAAAAAAAAAAAAAAAAAAAAAAAAAAAAAABQAAAAAAAAAwMD/AAAAAABkAAAAMgAAAAAAAABkAAAAAAAAAH9/fwAKAAAAIgAAABgAAAAAAAAAAAAAAAAAAAAAAAAAAAAAAAAAAAAkAAAAJAAAAAAAAAAHAAAAAAAAAAAAAAAAAAAAAAAAAAAAAAAAAAAAf39/ACUAAABYAAAAAAAAAAAAAAAAAAAAAAAAAAAAAAAAAAAAAAAAAAAAAAAAAAAAAAAAAAAAAAA/AAAAAAAAAKCGAQAAAAAAAAAAAAAAAAAMAAAAAQAAAAAAAAAAAAAAAAAAAB8AAABUAAAARHLEBf///wEAAAAAAAAAAAAAAAAAAAAAAAAAAAAAAAAAAAAAAAAAADJVkQB/f38A5+bmA8zMzADAwP8Af39/AAAAAAAAAAAAAAAAAAAAAAAAAAAAIQAAABgAAAAUAAAAoRsAAHQeAACZIAAAZCMAABAAAAAmAAAACAAAAP//////////MAAAABQAAAAAAAAAAAD//wAAAQAAAP//AAABAA=="/>
-              </a:ext>
-            </a:extLst>
-          </p:cNvSpPr>
-          <p:nvPr/>
-        </p:nvSpPr>
-        <p:spPr>
-          <a:xfrm>
-            <a:off x="4491355" y="4950460"/>
-            <a:ext cx="807720" cy="802640"/>
-          </a:xfrm>
-          <a:prstGeom prst="rect">
-            <a:avLst/>
-          </a:prstGeom>
-          <a:noFill/>
-          <a:ln w="0" cap="flat" cmpd="sng" algn="ctr">
-            <a:solidFill>
-              <a:srgbClr val="325591"/>
-            </a:solidFill>
-            <a:prstDash val="solid"/>
-            <a:headEnd type="none"/>
-            <a:tailEnd type="none"/>
-          </a:ln>
-          <a:effectLst/>
-        </p:spPr>
-        <p:txBody>
-          <a:bodyPr vert="horz" wrap="square" lIns="91440" tIns="45720" rIns="91440" bIns="45720" numCol="1" spcCol="215900" anchor="ctr"/>
-          <a:lstStyle/>
-          <a:p>
-            <a:pPr algn="ctr">
-              <a:defRPr lang="en-us" cap="none">
-                <a:solidFill>
-                  <a:srgbClr val="FFFFFF"/>
-                </a:solidFill>
-              </a:defRPr>
-            </a:pPr>
-            <a:endParaRPr lang="en-au" cap="none"/>
-          </a:p>
-        </p:txBody>
-      </p:sp>
-      <p:sp>
-        <p:nvSpPr>
-          <p:cNvPr id="54" name="Sun 53"/>
-          <p:cNvSpPr>
-            <a:extLst>
-              <a:ext uri="smNativeData">
-                <pr:smNativeData xmlns:pr="smNativeData" xmlns="smNativeData" val="SMDATA_16_gfoFYRMAAAAlAAAAegAAAA0AAAAAkAAAAEgAAACQAAAASAAAAAAAAAABAAAAAAAAAAEAAABQAAAAXXTRRRdd5D9VVVVVVVXVPwAAAAAAAOA/AAAAAAAA4D8AAAAAAADgPwAAAAAAAOA/AAAAAAAA4D8AAAAAAADgPwAAAAAAAOA/AAAAAAAA4D8CAAAAjAAAAAAAAAAAAAAARHLEDP///wgAAAAAAAAAAAAAAAAAAAAAAAAAAAAAAAAAAAAAZAAAAAEAAABAAAAAAAAAAAAAAAAAAAAAAAAAAAAAAAAAAAAAAAAAAAAAAAAAAAAAAAAAAAAAAAAAAAAAAAAAAAAAAAAAAAAAAAAAAAAAAAAAAAAAAAAAAAAAAAAAAAAAFAAAADwAAAABAAAAAAAAAAAAAAk8AAAAAQAAABQAAAAUAAAAFAAAAAEAAAAAAAAAZAAAAGQAAAAAAAAAZAAAAGQAAAAVAAAAYAAAAAAAAAAAAAAADwAAACADAAAAAAAAAAAAAAEAAACgMgAAVgcAAKr4//8BAAAAf39/AAEAAABkAAAAAAAAABQAAABAHwAAAAAAACYAAAAAAAAAwOD//wAAAAAmAAAAZAAAABYAAABMAAAAAAAAAAAAAAAEAAAAAAAAAAEAAADn5uYKAAAAACgAAAAoAAAAZAAAAGQAAAAAAAAAzMzMAAAAAABQAAAAUAAAAGQAAABkAAAAAAAAABcAAAAUAAAAAAAAAAAAAAD/fwAA/38AAAAAAAAJAAAABAAAAAAAAAAeAAAAaAAAAAAAAAAAAAAAAAAAAAAAAAAAAAAAECcAABAnAAAAAAAAAAAAAAAAAAAAAAAAAAAAAAAAAAAAAAAAAAAAABQAAAAAAAAAwMD/AAAAAABkAAAAMgAAAAAAAABkAAAAAAAAAH9/fwAKAAAAIgAAABgAAAAAAAAAAAAAAAAAAAAAAAAAAAAAAAAAAAAkAAAAJAAAAAAAAAAHAAAAAAAAAAAAAAAAAAAAAAAAAAAAAAAAAAAAf39/ACUAAABYAAAAAAAAAAAAAAAAAAAAAAAAAAAAAAAAAAAAAAAAAAAAAAAAAAAAAAAAAAAAAAA/AAAAAAAAAKCGAQAAAAAAAAAAAAAAAAAMAAAAAQAAAAAAAAAAAAAAAAAAAB8AAABUAAAARHLEBf///wEAAAAAAAAAAAAAAAAAAAAAAAAAAAAAAAAAAAAAAAAAAAAAAAJ/f38A5+bmA8zMzADAwP8Af39/AAAAAAAAAAAAAAAAAAAAAAAAAAAAIQAAABgAAAAUAAAAThwAAAYfAADtHwAAoSIAABAAAAAmAAAACAAAAP//////////MAAAABQAAAAAAAAAJ6b//9lZAAAnpv//2VkAAA=="/>
-              </a:ext>
-            </a:extLst>
-          </p:cNvSpPr>
-          <p:nvPr/>
-        </p:nvSpPr>
-        <p:spPr>
-          <a:xfrm>
-            <a:off x="4601210" y="5043170"/>
-            <a:ext cx="588645" cy="586105"/>
-          </a:xfrm>
-          <a:prstGeom prst="sun">
-            <a:avLst>
-              <a:gd name="adj" fmla="val 25000"/>
-            </a:avLst>
-          </a:prstGeom>
-          <a:noFill/>
-          <a:ln w="38100" cap="flat" cmpd="sng" algn="ctr">
-            <a:solidFill>
-              <a:schemeClr val="tx1"/>
-            </a:solidFill>
-            <a:prstDash val="solid"/>
-            <a:headEnd type="none"/>
-            <a:tailEnd type="none"/>
-          </a:ln>
-          <a:effectLst/>
-        </p:spPr>
-        <p:txBody>
-          <a:bodyPr vert="horz" wrap="square" lIns="91440" tIns="45720" rIns="91440" bIns="45720" numCol="1" spcCol="215900" anchor="ctr"/>
-          <a:lstStyle/>
-          <a:p>
-            <a:pPr algn="ctr">
-              <a:defRPr lang="en-us" cap="none">
-                <a:solidFill>
-                  <a:srgbClr val="FFFFFF"/>
-                </a:solidFill>
-              </a:defRPr>
-            </a:pPr>
-            <a:endParaRPr lang="en-au" cap="none"/>
-          </a:p>
-        </p:txBody>
-      </p:sp>
-      <p:sp>
-        <p:nvSpPr>
-          <p:cNvPr id="55" name="Rectangle 54"/>
-          <p:cNvSpPr>
-            <a:extLst>
-              <a:ext uri="smNativeData">
-                <pr:smNativeData xmlns:pr="smNativeData" xmlns="smNativeData" val="SMDATA_16_gfoFYRMAAAAlAAAAZAAAAA0AAAAAkAAAAEgAAACQAAAASAAAAAAAAAABAAAAAAAAAAEAAABQAAAAAAAAAAAA4D8AAAAAAADgPwAAAAAAAOA/AAAAAAAA4D8AAAAAAADgPwAAAAAAAOA/AAAAAAAA4D8AAAAAAADgPwAAAAAAAOA/AAAAAAAA4D8CAAAAjAAAAAAAAAAAAAAARHLEDP///wgAAAAAAAAAAAAAAAAAAAAAAAAAAAAAAAAAAAAAZAAAAAEAAABAAAAAAAAAAAAAAAAAAAAAAAAAAAAAAAAAAAAAAAAAAAAAAAAAAAAAAAAAAAAAAAAAAAAAAAAAAAAAAAAAAAAAAAAAAAAAAAAAAAAAAAAAAAAAAAAAAAAAFAAAADwAAAABAAAAAAAAADJVkQAAAAAAAQAAABQAAAAUAAAAFAAAAAEAAAAAAAAAZAAAAGQAAAAAAAAAZAAAAGQAAAAVAAAAYAAAAAAAAAAAAAAADwAAACADAAAAAAAAAAAAAAEAAACgMgAAVgcAAKr4//8BAAAAf39/AAEAAABkAAAAAAAAABQAAABAHwAAAAAAACYAAAAAAAAAwOD//wAAAAAmAAAAZAAAABYAAABMAAAAAAAAAAAAAAAEAAAAAAAAAAEAAADn5uYKAAAAACgAAAAoAAAAZAAAAGQAAAAAAAAAzMzMAAAAAABQAAAAUAAAAGQAAABkAAAAAAAAABcAAAAUAAAAAAAAAAAAAAD/fwAA/38AAAAAAAAJAAAABAAAAAAAAAAeAAAAaAAAAAAAAAAAAAAAAAAAAAAAAAAAAAAAECcAABAnAAAAAAAAAAAAAAAAAAAAAAAAAAAAAAAAAAAAAAAAAAAAABQAAAAAAAAAwMD/AAAAAABkAAAAMgAAAAAAAABkAAAAAAAAAH9/fwAKAAAAIgAAABgAAAAAAAAAAAAAAAAAAAAAAAAAAAAAAAAAAAAkAAAAJAAAAAAAAAAHAAAAAAAAAAAAAAAAAAAAAAAAAAAAAAAAAAAAf39/ACUAAABYAAAAAAAAAAAAAAAAAAAAAAAAAAAAAAAAAAAAAAAAAAAAAAAAAAAAAAAAAAAAAAA/AAAAAAAAAKCGAQAAAAAAAAAAAAAAAAAMAAAAAQAAAAAAAAAAAAAAAAAAAB8AAABUAAAARHLEBf///wEAAAAAAAAAAAAAAAAAAAAAAAAAAAAAAAAAAAAAAAAAADJVkQB/f38A5+bmA8zMzADAwP8Af39/AAAAAAAAAAAAAAAAAAAAAAAAAAAAIQAAABgAAAAUAAAAoRsAAEskAACZIAAAOikAABAAAAAmAAAACAAAAP//////////MAAAABQAAAAAAAAAAAD//wAAAQAAAP//AAABAA=="/>
-              </a:ext>
-            </a:extLst>
-          </p:cNvSpPr>
-          <p:nvPr/>
-        </p:nvSpPr>
-        <p:spPr>
-          <a:xfrm>
-            <a:off x="4491355" y="5899785"/>
-            <a:ext cx="807720" cy="802005"/>
-          </a:xfrm>
-          <a:prstGeom prst="rect">
-            <a:avLst/>
-          </a:prstGeom>
-          <a:noFill/>
-          <a:ln w="0" cap="flat" cmpd="sng" algn="ctr">
-            <a:solidFill>
-              <a:srgbClr val="325591"/>
-            </a:solidFill>
-            <a:prstDash val="solid"/>
-            <a:headEnd type="none"/>
-            <a:tailEnd type="none"/>
-          </a:ln>
-          <a:effectLst/>
-        </p:spPr>
-        <p:txBody>
-          <a:bodyPr vert="horz" wrap="square" lIns="91440" tIns="45720" rIns="91440" bIns="45720" numCol="1" spcCol="215900" anchor="ctr"/>
-          <a:lstStyle/>
-          <a:p>
-            <a:pPr algn="ctr">
-              <a:defRPr lang="en-us" cap="none">
-                <a:solidFill>
-                  <a:srgbClr val="FFFFFF"/>
-                </a:solidFill>
-              </a:defRPr>
-            </a:pPr>
-            <a:endParaRPr lang="en-au" cap="none"/>
-          </a:p>
-        </p:txBody>
-      </p:sp>
-      <p:sp>
-        <p:nvSpPr>
-          <p:cNvPr id="56" name="Sun 55"/>
-          <p:cNvSpPr>
-            <a:extLst>
-              <a:ext uri="smNativeData">
-                <pr:smNativeData xmlns:pr="smNativeData" xmlns="smNativeData" val="SMDATA_16_gfoFYRMAAAAlAAAAegAAAA0AAAAAkAAAAEgAAACQAAAASAAAAAAAAAABAAAAAAAAAAEAAABQAAAAXXTRRRdd5D9VVVVVVVXVPwAAAAAAAOA/AAAAAAAA4D8AAAAAAADgPwAAAAAAAOA/AAAAAAAA4D8AAAAAAADgPwAAAAAAAOA/AAAAAAAA4D8CAAAAjAAAAAEAAAAAAAAAAAAACf///wgAAAAAAAAAAAAAAAAAAAAAAAAAAAAAAAAAAAAAZAAAAAEAAABAAAAAAAAAAAAAAAAAAAAAAAAAAAAAAAAAAAAAAAAAAAAAAAAAAAAAAAAAAAAAAAAAAAAAAAAAAAAAAAAAAAAAAAAAAAAAAAAAAAAAAAAAAAAAAAAAAAAAFAAAADwAAAABAAAAAAAAAAAAAAk8AAAAAQAAABQAAAAUAAAAFAAAAAEAAAAAAAAAZAAAAGQAAAAAAAAAZAAAAGQAAAAVAAAAYAAAAAAAAAAAAAAADwAAACADAAAAAAAAAAAAAAEAAACgMgAAVgcAAKr4//8BAAAAf39/AAEAAABkAAAAAAAAABQAAABAHwAAAAAAACYAAAAAAAAAwOD//wAAAAAmAAAAZAAAABYAAABMAAAAAAAAAAAAAAAEAAAAAAAAAAEAAADn5uYKAAAAACgAAAAoAAAAZAAAAGQAAAAAAAAAzMzMAAAAAABQAAAAUAAAAGQAAABkAAAAAAAAABcAAAAUAAAAAAAAAAAAAAD/fwAA/38AAAAAAAAJAAAABAAAAAAAAAAeAAAAaAAAAAAAAAAAAAAAAAAAAAAAAAAAAAAAECcAABAnAAAAAAAAAAAAAAAAAAAAAAAAAAAAAAAAAAAAAAAAAAAAABQAAAAAAAAAwMD/AAAAAABkAAAAMgAAAAAAAABkAAAAAAAAAH9/fwAKAAAAIgAAABgAAAAAAAAAAAAAAAAAAAAAAAAAAAAAAAAAAAAkAAAAJAAAAAAAAAAHAAAAAAAAAAAAAAAAAAAAAAAAAAAAAAAAAAAAf39/ACUAAABYAAAAAAAAAAAAAAAAAAAAAAAAAAAAAAAAAAAAAAAAAAAAAAAAAAAAAAAAAAAAAAA/AAAAAAAAAKCGAQAAAAAAAAAAAAAAAAAMAAAAAQAAAAAAAAAAAAAAAAAAAB8AAABUAAAAAAAAAv///wEAAAAAAAAAAAAAAAAAAAAAAAAAAAAAAAAAAAAAAAAAAAAAAAJ/f38A5+bmA8zMzADAwP8Af39/AAAAAAAAAAAAAAAAAAAAAAAAAAAAIQAAABgAAAAUAAAAThwAAN0kAADtHwAAeCgAABAAAAAmAAAACAAAAP//////////MAAAABQAAAAAAAAAJ6b//9lZAAAnpv//2VkAAA=="/>
-              </a:ext>
-            </a:extLst>
-          </p:cNvSpPr>
-          <p:nvPr/>
-        </p:nvSpPr>
-        <p:spPr>
-          <a:xfrm>
-            <a:off x="4601210" y="5992495"/>
-            <a:ext cx="588645" cy="586105"/>
-          </a:xfrm>
-          <a:prstGeom prst="sun">
-            <a:avLst>
-              <a:gd name="adj" fmla="val 25000"/>
-            </a:avLst>
-          </a:prstGeom>
-          <a:solidFill>
-            <a:schemeClr val="tx1"/>
-          </a:solidFill>
-          <a:ln w="38100" cap="flat" cmpd="sng" algn="ctr">
-            <a:solidFill>
-              <a:schemeClr val="tx1"/>
-            </a:solidFill>
-            <a:prstDash val="solid"/>
-            <a:headEnd type="none"/>
-            <a:tailEnd type="none"/>
-          </a:ln>
-          <a:effectLst/>
-        </p:spPr>
-        <p:txBody>
-          <a:bodyPr vert="horz" wrap="square" lIns="91440" tIns="45720" rIns="91440" bIns="45720" numCol="1" spcCol="215900" anchor="ctr"/>
-          <a:lstStyle/>
-          <a:p>
-            <a:pPr algn="ctr">
-              <a:defRPr lang="en-us" cap="none">
-                <a:solidFill>
-                  <a:srgbClr val="FFFFFF"/>
-                </a:solidFill>
-              </a:defRPr>
-            </a:pPr>
-            <a:endParaRPr lang="en-au" cap="none"/>
-          </a:p>
-        </p:txBody>
-      </p:sp>
-      <p:sp>
-        <p:nvSpPr>
-          <p:cNvPr id="57" name="Rectangle 56"/>
-          <p:cNvSpPr>
-            <a:extLst>
-              <a:ext uri="smNativeData">
-                <pr:smNativeData xmlns:pr="smNativeData" xmlns="smNativeData" val="SMDATA_16_gfoFYRMAAAAlAAAAZAAAAA0AAAAAkAAAAEgAAACQAAAASAAAAAAAAAABAAAAAAAAAAEAAABQAAAAAAAAAAAA4D8AAAAAAADgPwAAAAAAAOA/AAAAAAAA4D8AAAAAAADgPwAAAAAAAOA/AAAAAAAA4D8AAAAAAADgPwAAAAAAAOA/AAAAAAAA4D8CAAAAjAAAAAAAAAAAAAAARHLEDP///wgAAAAAAAAAAAAAAAAAAAAAAAAAAAAAAAAAAAAAZAAAAAEAAABAAAAAAAAAAAAAAAAAAAAAAAAAAAAAAAAAAAAAAAAAAAAAAAAAAAAAAAAAAAAAAAAAAAAAAAAAAAAAAAAAAAAAAAAAAAAAAAAAAAAAAAAAAAAAAAAAAAAAFAAAADwAAAABAAAAAAAAADJVkQAAAAAAAQAAABQAAAAUAAAAFAAAAAEAAAAAAAAAZAAAAGQAAAAAAAAAZAAAAGQAAAAVAAAAYAAAAAAAAAAAAAAADwAAACADAAAAAAAAAAAAAAEAAACgMgAAVgcAAKr4//8BAAAAf39/AAEAAABkAAAAAAAAABQAAABAHwAAAAAAACYAAAAAAAAAwOD//wAAAAAmAAAAZAAAABYAAABMAAAAAAAAAAAAAAAEAAAAAAAAAAEAAADn5uYKAAAAACgAAAAoAAAAZAAAAGQAAAAAAAAAzMzMAAAAAABQAAAAUAAAAGQAAABkAAAAAAAAABcAAAAUAAAAAAAAAAAAAAD/fwAA/38AAAAAAAAJAAAABAAAAAAAAAAeAAAAaAAAAAAAAAAAAAAAAAAAAAAAAAAAAAAAECcAABAnAAAAAAAAAAAAAAAAAAAAAAAAAAAAAAAAAAAAAAAAAAAAABQAAAAAAAAAwMD/AAAAAABkAAAAMgAAAAAAAABkAAAAAAAAAH9/fwAKAAAAIgAAABgAAAAAAAAAAAAAAAAAAAAAAAAAAAAAAAAAAAAkAAAAJAAAAAAAAAAHAAAAAAAAAAAAAAAAAAAAAAAAAAAAAAAAAAAAf39/ACUAAABYAAAAAAAAAAAAAAAAAAAAAAAAAAAAAAAAAAAAAAAAAAAAAAAAAAAAAAAAAAAAAAA/AAAAAAAAAKCGAQAAAAAAAAAAAAAAAAAMAAAAAQAAAAAAAAAAAAAAAAAAAB8AAABUAAAARHLEBf///wEAAAAAAAAAAAAAAAAAAAAAAAAAAAAAAAAAAAAAAAAAADJVkQB/f38A5+bmA8zMzADAwP8Af39/AAAAAAAAAAAAAAAAAAAAAAAAAAAAIQAAABgAAAAUAAAA5BUAAEskAADcGgAAOikAABAAAAAmAAAACAAAAP//////////MAAAABQAAAAAAAAAAAD//wAAAQAAAP//AAABAA=="/>
-              </a:ext>
-            </a:extLst>
-          </p:cNvSpPr>
-          <p:nvPr/>
-        </p:nvSpPr>
-        <p:spPr>
-          <a:xfrm>
-            <a:off x="3558540" y="5899785"/>
-            <a:ext cx="807720" cy="802005"/>
-          </a:xfrm>
-          <a:prstGeom prst="rect">
-            <a:avLst/>
-          </a:prstGeom>
-          <a:noFill/>
-          <a:ln w="0" cap="flat" cmpd="sng" algn="ctr">
-            <a:solidFill>
-              <a:srgbClr val="325591"/>
-            </a:solidFill>
-            <a:prstDash val="solid"/>
-            <a:headEnd type="none"/>
-            <a:tailEnd type="none"/>
-          </a:ln>
-          <a:effectLst/>
-        </p:spPr>
-        <p:txBody>
-          <a:bodyPr vert="horz" wrap="square" lIns="91440" tIns="45720" rIns="91440" bIns="45720" numCol="1" spcCol="215900" anchor="ctr"/>
-          <a:lstStyle/>
-          <a:p>
-            <a:pPr algn="ctr">
-              <a:defRPr lang="en-us" cap="none">
-                <a:solidFill>
-                  <a:srgbClr val="FFFFFF"/>
-                </a:solidFill>
-              </a:defRPr>
-            </a:pPr>
-            <a:endParaRPr lang="en-au" cap="none"/>
-          </a:p>
-        </p:txBody>
-      </p:sp>
       <p:grpSp>
         <p:nvGrpSpPr>
-          <p:cNvPr id="58" name="Group 57"/>
+          <p:cNvPr id="52" name="Group 57"/>
           <p:cNvGrpSpPr>
             <a:extLst>
               <a:ext uri="smNativeData">
-                <pr:smNativeData xmlns:pr="smNativeData" xmlns="smNativeData" val="SMDATA_6_gfoFYRMAAAAlAAAAAQAAAA8BAAAAkAAAAEgAAACQAAAASAAAAAAAAAAAAAAAAAAAABcAAAAUAAAAAAAAAAAAAAD/fwAA/38AAAAAAAAJAAAABAAAAAAAAAAfAAAAVAAAAAAAAAAAAAAAAAAAAAAAAAAAAAAAAAAAAAAAAAAAAAAAAAAAAAAAAAAAAAAAAAAAAAAAAAAAAAAAAAAAAAAAAAAAAAAAAAAAAAAAAAAAAAAAAAAAACEAAAAYAAAAFAAAAKwWAACyJAAAPBoAAMkoAAAQAAAAJgAAAAgAAAD/////AAAAAA=="/>
+                <pr:smNativeData xmlns:pr="smNativeData" xmlns="smNativeData" val="SMDATA_6_FAWHYRMAAAAlAAAAAQAAAA8BAAAAkAAAAEgAAACQAAAASAAAAAAAAAAAAAAAAAAAABcAAAAUAAAAAAAAAAAAAAD/fwAA/38AAAAAAAAJAAAABAAAAABStjofAAAAVAAAAAAAAAAAAAAAAAAAAAAAAAAAAAAAAAAAAAAAAAAAAAAAAAAAAAAAAAAAAAAAAAAAAAAAAAAAAAAAAAAAAAAAAAAAAAAAAAAAAAAAAAAAAAAAAAAAACEAAAAYAAAAFAAAAKwWAACyJAAAPBoAAMkoAAAQAAAAJgAAAAgAAAD/////AAAAAA=="/>
               </a:ext>
             </a:extLst>
           </p:cNvGrpSpPr>
@@ -11789,11 +11493,11 @@
         </p:grpSpPr>
         <p:sp>
           <p:nvSpPr>
-            <p:cNvPr id="61" name="Straight Connector 58"/>
+            <p:cNvPr id="55" name="Straight Connector 58"/>
             <p:cNvSpPr>
               <a:extLst>
                 <a:ext uri="smNativeData">
-                  <pr:smNativeData xmlns:pr="smNativeData" xmlns="smNativeData" val="SMDATA_16_gfoFYRMAAAAlAAAACgAAAA0AAAAAkAAAAEgAAACQAAAASAAAAAAAAAAAAAAAAAAAAAEAAABQAAAAAAAAAAAA4D8AAAAAAADgPwAAAAAAAOA/AAAAAAAA4D8AAAAAAADgPwAAAAAAAOA/AAAAAAAA4D8AAAAAAADgPwAAAAAAAOA/AAAAAAAA4D8CAAAAjAAAAAAAAAAAAAAA////AP///wgAAAAAAAAAAAAAAAAAAAAAAAAAAAAAAAAAAAAAeAAAAAEAAABAAAAAAAAAAAAAAABaAAAAAAAAAAAAAAAAAAAAAAAAAAAAAAAAAAAAAAAAAAAAAAAAAAAAAAAAAAAAAAAAAAAAAAAAAAAAAAAAAAAAAAAAAAAAAAAAAAAAFAAAADwAAAABAAAAAAAAAAAAAAl4AAAAAQAAABQAAAAUAAAAFAAAAAEAAAAAAAAAZAAAAGQAAAAAAAAAZAAAAGQAAAAVAAAAYAAAAAAAAAAAAAAADwAAACADAAAAAAAAAAAAAAEAAACgMgAAVgcAAKr4//8BAAAAf39/AAEAAABkAAAAAAAAABQAAABAHwAAAAAAACYAAAAAAAAAwOD//wAAAAAmAAAAZAAAABYAAABMAAAAAAAAAAAAAAAEAAAAAAAAAAEAAADn5uYKAAAAACgAAAAoAAAAZAAAAGQAAAAAAAAAzMzMAAAAAABQAAAAUAAAAGQAAABkAAAAAAAAABcAAAAUAAAAAAAAAAAAAAD/fwAA/38AAAAAAAAJAAAABAAAAAAAAAAeAAAAaAAAAAAAAAAAAAAAAAAAAAAAAAAAAAAAECcAABAnAAAAAAAAAAAAAAAAAAAAAAAAAAAAAAAAAAAAAAAAAAAAABQAAAAAAAAAwMD/AAAAAABkAAAAMgAAAAAAAABkAAAAAAAAAH9/fwAKAAAAIgAAABgAAAAAAAAAAAAAAAAAAAAAAAAAAAAAAAAAAAAkAAAAJAAAAAAAAAAHAAAAAAAAAAAAAAAAAAAAAAAAAAAAAAAAAAAAf39/ACUAAABYAAAAAAAAAAAAAAAAAAAAAAAAAAAAAAAAAAAAAAAAAAAAAAAAAAAAAAAAAAAAAAA/AAAAAAAAAKCGAQAAAAAAAAAAAAAAAAAMAAAAAQAAAAAAAAAAAAAAAAAAAB8AAABUAAAA////AP///wEAAAAAAAAAAAAAAAAAAAAAAAAAAAAAAAAAAAAAAAAAAAAAAAJ/f38A5+bmA8zMzADAwP8Af39/AAAAAAAAAAAAAAAAAAAAAAAAAAAAIQAAABgAAAAUAAAAARoAALIkAAABGgAAySgAAAAAAAAmAAAACAAAAP//////////MAAAABQAAAAAAAAAAAD//wAAAQAAAP//AAABAA=="/>
+                  <pr:smNativeData xmlns:pr="smNativeData" xmlns="smNativeData" val="SMDATA_16_FAWHYRMAAAAlAAAACgAAAA0AAAAAkAAAAEgAAACQAAAASAAAAAAAAAAAAAAAAAAAAAEAAABQAAAAAAAAAAAA4D8AAAAAAADgPwAAAAAAAOA/AAAAAAAA4D8AAAAAAADgPwAAAAAAAOA/AAAAAAAA4D8AAAAAAADgPwAAAAAAAOA/AAAAAAAA4D8CAAAAjAAAAAAAAAAAAAAA////AP///wgAAAAAAAAAAAAAAAAAAAAAAAAAAAAAAAAAAAAAeAAAAAEAAABAAAAAAAAAAAAAAABaAAAAAAAAAAAAAAAAAAAAAAAAAAAAAAAAAAAAAAAAAAAAAAAAAAAAAAAAAAAAAAAAAAAAAAAAAAAAAAAAAAAAAAAAAAAAAAAAAAAAFAAAADwAAAABAAAAAAAAAAAAAAl4AAAAAQAAABQAAAAUAAAAFAAAAAEAAAAAAAAAZAAAAGQAAAAAAAAAZAAAAGQAAAAVAAAAYAAAAAAAAAAAAAAADwAAACADAAAAAAAAAAAAAAEAAACgMgAAVgcAAKr4//8BAAAAf39/AAEAAABkAAAAAAAAABQAAABAHwAAAAAAACYAAAAAAAAAwOD//wAAAAAmAAAAZAAAABYAAABMAAAAAAAAAAAAAAAEAAAAAAAAAAEAAADn5uYKAAAAACgAAAAoAAAAZAAAAGQAAAAAAAAAzMzMAAAAAABQAAAAUAAAAGQAAABkAAAAAAAAABcAAAAUAAAAAAAAAAAAAAD/fwAA/38AAAAAAAAJAAAABAAAAAAAAAAeAAAAaAAAAAAAAAAAAAAAAAAAAAAAAAAAAAAAECcAABAnAAAAAAAAAAAAAAAAAAAAAAAAAAAAAAAAAAAAAAAAAAAAABQAAAAAAAAAwMD/AAAAAABkAAAAMgAAAAAAAABkAAAAAAAAAH9/fwAKAAAAIgAAABgAAAAAAAAAAAAAAAAAAAAAAAAAAAAAAAAAAAAkAAAAJAAAAAAAAAAHAAAAAAAAAAAAAAAAAAAAAAAAAAAAAAAAAAAAf39/ACUAAABYAAAAAAAAAAAAAAAAAAAAAAAAAAAAAAAAAAAAAAAAAAAAAAAAAAAAAAAAAAAAAAA/AAAAAAAAAKCGAQAAAAAAAAAAAAAAAAAMAAAAAQAAAAAAAAAAAAAAAAAAAB8AAABUAAAA////AP///wEAAAAAAAAAAAAAAAAAAAAAAAAAAAAAAAAAAAAAAAAAAAAAAAJ/f38A5+bmA8zMzADAwP8Af39/AAAAAAAAAAAAAAAAAAAAAAAAAAAAIQAAABgAAAAUAAAAARoAALIkAAABGgAAySgAAAAAAAAmAAAACAAAAP//////////MAAAABQAAAAAAAAAAAD//wAAAQAAAP//AAABAA=="/>
                 </a:ext>
               </a:extLst>
             </p:cNvSpPr>
@@ -11821,11 +11525,11 @@
         </p:sp>
         <p:sp>
           <p:nvSpPr>
-            <p:cNvPr id="60" name="Straight Connector 59"/>
+            <p:cNvPr id="54" name="Straight Connector 59"/>
             <p:cNvSpPr>
               <a:extLst>
                 <a:ext uri="smNativeData">
-                  <pr:smNativeData xmlns:pr="smNativeData" xmlns="smNativeData" val="SMDATA_16_gfoFYRMAAAAlAAAACgAAAA0AAAAAkAAAAEgAAACQAAAASAAAAAAAAAAAAAAAAAAAAAEAAABQAAAAAAAAAAAA4D8AAAAAAADgPwAAAAAAAOA/AAAAAAAA4D8AAAAAAADgPwAAAAAAAOA/AAAAAAAA4D8AAAAAAADgPwAAAAAAAOA/AAAAAAAA4D8CAAAAjAAAAAAAAAAAAAAA////AP///wgAAAAAAAAAAAAAAAAAAAAAAAAAAAAAAAAAAAAAeAAAAAEAAABAAAAAAAAAAAAAAABaAAAAAAAAAAAAAAAAAAAAAAAAAAAAAAAAAAAAAAAAAAAAAAAAAAAAAAAAAAAAAAAAAAAAAAAAAAAAAAAAAAAAAAAAAAAAAAAAAAAAFAAAADwAAAABAAAAAAAAAAAAAAl4AAAAAQAAABQAAAAUAAAAFAAAAAEAAAAAAAAAZAAAAGQAAAAAAAAAZAAAAGQAAAAVAAAAYAAAAAAAAAAAAAAADwAAACADAAAAAAAAAAAAAAEAAACgMgAAVgcAAKr4//8BAAAAf39/AAEAAABkAAAAAAAAABQAAABAHwAAAAAAACYAAAAAAAAAwOD//wAAAAAmAAAAZAAAABYAAABMAAAAAAAAAAAAAAAEAAAAAAAAAAEAAADn5uYKAAAAACgAAAAoAAAAZAAAAGQAAAAAAAAAzMzMAAAAAABQAAAAUAAAAGQAAABkAAAAAAAAABcAAAAUAAAAAAAAAAAAAAD/fwAA/38AAAAAAAAJAAAABAAAAAAAAAAeAAAAaAAAAAAAAAAAAAAAAAAAAAAAAAAAAAAAECcAABAnAAAAAAAAAAAAAAAAAAAAAAAAAAAAAAAAAAAAAAAAAAAAABQAAAAAAAAAwMD/AAAAAABkAAAAMgAAAAAAAABkAAAAAAAAAH9/fwAKAAAAIgAAABgAAAAAAAAAAAAAAAAAAAAAAAAAAAAAAAAAAAAkAAAAJAAAAAAAAAAHAAAAAAAAAAAAAAAAAAAAAAAAAAAAAAAAAAAAf39/ACUAAABYAAAAAAAAAAAAAAAAAAAAAAAAAAAAAAAAAAAAAAAAAAAAAAAAAAAAAAAAAAAAAAA/AAAAAAAAAKCGAQAAAAAAAAAAAAAAAAAMAAAAAQAAAAAAAAAAAAAAAAAAAB8AAABUAAAA////AP///wEAAAAAAAAAAAAAAAAAAAAAAAAAAAAAAAAAAAAAAAAAAAAAAAJ/f38A5+bmA8zMzADAwP8Af39/AAAAAAAAAAAAAAAAAAAAAAAAAAAAIQAAABgAAAAUAAAArBYAAN0kAAA8GgAA3SQAAAAAAAAmAAAACAAAAP//////////MAAAABQAAAAAAAAAAAD//wAAAQAAAP//AAABAA=="/>
+                  <pr:smNativeData xmlns:pr="smNativeData" xmlns="smNativeData" val="SMDATA_16_FAWHYRMAAAAlAAAACgAAAA0AAAAAkAAAAEgAAACQAAAASAAAAAAAAAAAAAAAAAAAAAEAAABQAAAAAAAAAAAA4D8AAAAAAADgPwAAAAAAAOA/AAAAAAAA4D8AAAAAAADgPwAAAAAAAOA/AAAAAAAA4D8AAAAAAADgPwAAAAAAAOA/AAAAAAAA4D8CAAAAjAAAAAAAAAAAAAAA////AP///wgAAAAAAAAAAAAAAAAAAAAAAAAAAAAAAAAAAAAAeAAAAAEAAABAAAAAAAAAAAAAAABaAAAAAAAAAAAAAAAAAAAAAAAAAAAAAAAAAAAAAAAAAAAAAAAAAAAAAAAAAAAAAAAAAAAAAAAAAAAAAAAAAAAAAAAAAAAAAAAAAAAAFAAAADwAAAABAAAAAAAAAAAAAAl4AAAAAQAAABQAAAAUAAAAFAAAAAEAAAAAAAAAZAAAAGQAAAAAAAAAZAAAAGQAAAAVAAAAYAAAAAAAAAAAAAAADwAAACADAAAAAAAAAAAAAAEAAACgMgAAVgcAAKr4//8BAAAAf39/AAEAAABkAAAAAAAAABQAAABAHwAAAAAAACYAAAAAAAAAwOD//wAAAAAmAAAAZAAAABYAAABMAAAAAAAAAAAAAAAEAAAAAAAAAAEAAADn5uYKAAAAACgAAAAoAAAAZAAAAGQAAAAAAAAAzMzMAAAAAABQAAAAUAAAAGQAAABkAAAAAAAAABcAAAAUAAAAAAAAAAAAAAD/fwAA/38AAAAAAAAJAAAABAAAAAAAAAAeAAAAaAAAAAAAAAAAAAAAAAAAAAAAAAAAAAAAECcAABAnAAAAAAAAAAAAAAAAAAAAAAAAAAAAAAAAAAAAAAAAAAAAABQAAAAAAAAAwMD/AAAAAABkAAAAMgAAAAAAAABkAAAAAAAAAH9/fwAKAAAAIgAAABgAAAAAAAAAAAAAAAAAAAAAAAAAAAAAAAAAAAAkAAAAJAAAAAAAAAAHAAAAAAAAAAAAAAAAAAAAAAAAAAAAAAAAAAAAf39/ACUAAABYAAAAAAAAAAAAAAAAAAAAAAAAAAAAAAAAAAAAAAAAAAAAAAAAAAAAAAAAAAAAAAA/AAAAAAAAAKCGAQAAAAAAAAAAAAAAAAAMAAAAAQAAAAAAAAAAAAAAAAAAAB8AAABUAAAA////AP///wEAAAAAAAAAAAAAAAAAAAAAAAAAAAAAAAAAAAAAAAAAAAAAAAJ/f38A5+bmA8zMzADAwP8Af39/AAAAAAAAAAAAAAAAAAAAAAAAAAAAIQAAABgAAAAUAAAArBYAAN0kAAA8GgAA3SQAAAAAAAAmAAAACAAAAP//////////MAAAABQAAAAAAAAAAAD//wAAAQAAAP//AAABAA=="/>
                 </a:ext>
               </a:extLst>
             </p:cNvSpPr>
@@ -11853,11 +11557,11 @@
         </p:sp>
         <p:sp>
           <p:nvSpPr>
-            <p:cNvPr id="59" name="Arrow: Bent 60"/>
+            <p:cNvPr id="53" name="Arrow: Bent 60"/>
             <p:cNvSpPr>
               <a:extLst>
                 <a:ext uri="smNativeData">
-                  <pr:smNativeData xmlns:pr="smNativeData" xmlns="smNativeData" val="SMDATA_16_gfoFYRMAAAAlAAAA6wAAAA0AAAAAkAAAAEgAAACQAAAASAAAAAAAAAABAAAAAAAAAAEAAABQAAAAAAAAAAAA0D8AAAAAAADQPwAAAAAAANA/AAAAAAAA3D8AAAAAAADgPwAAAAAAAOA/AAAAAAAA4D8AAAAAAADgPwAAAAAAAOA/AAAAAAAA4D8CAAAAjAAAAAAAAAAAAAAARHLEDP///wgAAAAAAAAAAAAAAAAAAAAAAAAAAAAAAAAAAAAAZAAAAAEAAABAAAAAAAAAAAAAAAAAAAAAAAAAAAAAAAAAAAAAAAAAAAAAAAAAAAAAAAAAAAAAAAAAAAAAAAAAAAAAAAAAAAAAAAAAAAAAAAAAAAAAAAAAAAAAAAAAAAAAFAAAADwAAAABAAAAAAAAAAAAAAk8AAAAAQAAABQAAAAUAAAAFAAAAAEAAAAAAAAAZAAAAGQAAAAAAAAAZAAAAGQAAAAVAAAAYAAAAAAAAAAAAAAADwAAACADAAAAAAAAAAAAAAEAAACgMgAAVgcAAKr4//8BAAAAf39/AAEAAABkAAAAAAAAABQAAABAHwAAAAAAACYAAAAAAAAAwOD//wAAAAAmAAAAZAAAABYAAABMAAAAAAAAAAAAAAAEAAAAAAAAAAEAAADn5uYKAAAAACgAAAAoAAAAZAAAAGQAAAAAAAAAzMzMAAAAAABQAAAAUAAAAGQAAABkAAAAAAAAABcAAAAUAAAAAAAAAAAAAAD/fwAA/38AAAAAAAAJAAAABAAAAAAAAAAeAAAAaAAAAAAAAAAAAAAAAAAAAAAAAAAAAAAAECcAABAnAAAAAAAAAAAAAAAAAAAAAAAAAAAAAAAAAAAAAAAAAAAAABQAAAAAAAAAwMD/AAAAAABkAAAAMgAAAAAAAABkAAAAAAAAAH9/fwAKAAAAIgAAABgAAAAAAAAAAAAAAAAAAAAAAAAAAAAAAAAAAAAkAAAAJAAAAAAAAAAHAAAAAAAAAAAAAAAAAAAAAAAAAAAAAAAAAAAAf39/ACUAAABYAAAAAAAAAAAAAAAAAAAAAAAAAAAAAAAAAAAAAAAAAAAAAAAAAAAAAAAAAAAAAAA/AAAAAAAAAKCGAQAAAAAAAAAAAAAAAAAMAAAAAQAAAAAAAAAAAAAAAAAAAB8AAABUAAAARHLEBf///wEAAAAAAAAAAAAAAAAAAAAAAAAAAAAAAAAAAAAAAAAAAAAAAAJ/f38A5+bmA8zMzADAwP8Af39/AAAAAAAAAAAAAAAAAAAAAAAAAAAAIQAAABgAAAAUAAAAyxYAAJklAABVGQAAbigAAAAAAAAmAAAACAAAAP//////////MAAAABQAAAAAAAAAAAD//wAAAQAAAP//AAABAA=="/>
+                  <pr:smNativeData xmlns:pr="smNativeData" xmlns="smNativeData" val="SMDATA_16_FAWHYRMAAAAlAAAA6wAAAA0AAAAAkAAAAEgAAACQAAAASAAAAAAAAAABAAAAAAAAAAEAAABQAAAAAAAAAAAA0D8AAAAAAADQPwAAAAAAANA/AAAAAAAA3D8AAAAAAADgPwAAAAAAAOA/AAAAAAAA4D8AAAAAAADgPwAAAAAAAOA/AAAAAAAA4D8CAAAAjAAAAAAAAAAAAAAARHLEDP///wgAAAAAAAAAAAAAAAAAAAAAAAAAAAAAAAAAAAAAZAAAAAEAAABAAAAAAAAAAAAAAAAAAAAAAAAAAAAAAAAAAAAAAAAAAAAAAAAAAAAAAAAAAAAAAAAAAAAAAAAAAAAAAAAAAAAAAAAAAAAAAAAAAAAAAAAAAAAAAAAAAAAAFAAAADwAAAABAAAAAAAAAAAAAAk8AAAAAQAAABQAAAAUAAAAFAAAAAEAAAAAAAAAZAAAAGQAAAAAAAAAZAAAAGQAAAAVAAAAYAAAAAAAAAAAAAAADwAAACADAAAAAAAAAAAAAAEAAACgMgAAVgcAAKr4//8BAAAAf39/AAEAAABkAAAAAAAAABQAAABAHwAAAAAAACYAAAAAAAAAwOD//wAAAAAmAAAAZAAAABYAAABMAAAAAAAAAAAAAAAEAAAAAAAAAAEAAADn5uYKAAAAACgAAAAoAAAAZAAAAGQAAAAAAAAAzMzMAAAAAABQAAAAUAAAAGQAAABkAAAAAAAAABcAAAAUAAAAAAAAAAAAAAD/fwAA/38AAAAAAAAJAAAABAAAAAAAAAAeAAAAaAAAAAAAAAAAAAAAAAAAAAAAAAAAAAAAECcAABAnAAAAAAAAAAAAAAAAAAAAAAAAAAAAAAAAAAAAAAAAAAAAABQAAAAAAAAAwMD/AAAAAABkAAAAMgAAAAAAAABkAAAAAAAAAH9/fwAKAAAAIgAAABgAAAAAAAAAAAAAAAAAAAAAAAAAAAAAAAAAAAAkAAAAJAAAAAAAAAAHAAAAAAAAAAAAAAAAAAAAAAAAAAAAAAAAAAAAf39/ACUAAABYAAAAAAAAAAAAAAAAAAAAAAAAAAAAAAAAAAAAAAAAAAAAAAAAAAAAAAAAAAAAAAA/AAAAAAAAAKCGAQAAAAAAAAAAAAAAAAAMAAAAAQAAAAAAAAAAAAAAAAAAAB8AAABUAAAARHLEBf///wEAAAAAAAAAAAAAAAAAAAAAAAAAAAAAAAAAAAAAAAAAAAAAAAJ/f38A5+bmA8zMzADAwP8Af39/AAAAAAAAAAAAAAAAAAAAAAAAAAAAIQAAABgAAAAUAAAAyxYAAJklAABVGQAAbigAAAAAAAAmAAAACAAAAP//////////MAAAABQAAAAAAAAAAAD//wAAAQAAAP//AAABAA=="/>
                 </a:ext>
               </a:extLst>
             </p:cNvSpPr>
@@ -11907,122 +11611,13 @@
           </p:txBody>
         </p:sp>
       </p:grpSp>
-      <p:grpSp>
-        <p:nvGrpSpPr>
-          <p:cNvPr id="62" name="Group 61"/>
-          <p:cNvGrpSpPr>
-            <a:extLst>
-              <a:ext uri="smNativeData">
-                <pr:smNativeData xmlns:pr="smNativeData" xmlns="smNativeData" val="SMDATA_6_gfoFYRMAAAAlAAAAAQAAAA8BAAAAkAAAAEgAAACQAAAASAAAAAAAAAAAAAAAAAAAABcAAAAUAAAAAAAAAAAAAAD/fwAA/38AAAAAAAAJAAAABAAAAAAAAAAfAAAAVAAAAAAAAAAAAAAAAAAAAAAAAAAAAAAAAAAAAAAAAAAAAAAAAAAAAAAAAAAAAAAAAAAAAAAAAAAAAAAAAAAAAAAAAAAAAAAAAAAAAAAAAAAAAAAAAAAAACEAAAAYAAAAFAAAAIkWAADaHgAAARoAAPEiAAAQAAAAJgAAAAgAAAD/////AAAAAA=="/>
-              </a:ext>
-            </a:extLst>
-          </p:cNvGrpSpPr>
-          <p:nvPr/>
-        </p:nvGrpSpPr>
-        <p:grpSpPr>
-          <a:xfrm>
-            <a:off x="3663315" y="5015230"/>
-            <a:ext cx="563880" cy="664845"/>
-            <a:chOff x="3663315" y="5015230"/>
-            <a:chExt cx="563880" cy="664845"/>
-          </a:xfrm>
-        </p:grpSpPr>
-        <p:sp>
-          <p:nvSpPr>
-            <p:cNvPr id="64" name="Straight Connector 62"/>
-            <p:cNvSpPr>
-              <a:extLst>
-                <a:ext uri="smNativeData">
-                  <pr:smNativeData xmlns:pr="smNativeData" xmlns="smNativeData" val="SMDATA_16_gfoFYRMAAAAlAAAACgAAAA0AAAAAkAAAAEgAAACQAAAASAAAAAAAAAAAAAAAAAAAAAEAAABQAAAAAAAAAAAA4D8AAAAAAADgPwAAAAAAAOA/AAAAAAAA4D8AAAAAAADgPwAAAAAAAOA/AAAAAAAA4D8AAAAAAADgPwAAAAAAAOA/AAAAAAAA4D8CAAAAjAAAAAAAAAAAAAAA////AP///wgAAAAAAAAAAAAAAAAAAAAAAAAAAAAAAAAAAAAAeAAAAAEAAABAAAAAAAAAAAAAAABaAAAAAAAAAAAAAAAAAAAAAAAAAAAAAAAAAAAAAAAAAAAAAAAAAAAAAAAAAAAAAAAAAAAAAAAAAAAAAAAAAAAAAAAAAAAAAAAAAAAAFAAAADwAAAABAAAAAAAAAAAAAAl4AAAAAQAAABQAAAAUAAAAFAAAAAEAAAAAAAAAZAAAAGQAAAAAAAAAZAAAAGQAAAAVAAAAYAAAAAAAAAAAAAAADwAAACADAAAAAAAAAAAAAAEAAACgMgAAVgcAAKr4//8BAAAAf39/AAEAAABkAAAAAAAAABQAAABAHwAAAAAAACYAAAAAAAAAwOD//wAAAAAmAAAAZAAAABYAAABMAAAAAAAAAAAAAAAEAAAAAAAAAAEAAADn5uYKAAAAACgAAAAoAAAAZAAAAGQAAAAAAAAAzMzMAAAAAABQAAAAUAAAAGQAAABkAAAAAAAAABcAAAAUAAAAAAAAAAAAAAD/fwAA/38AAAAAAAAJAAAABAAAAAAAAAAeAAAAaAAAAAAAAAAAAAAAAAAAAAAAAAAAAAAAECcAABAnAAAAAAAAAAAAAAAAAAAAAAAAAAAAAAAAAAAAAAAAAAAAABQAAAAAAAAAwMD/AAAAAABkAAAAMgAAAAAAAABkAAAAAAAAAH9/fwAKAAAAIgAAABgAAAAAAAAAAAAAAAAAAAAAAAAAAAAAAAAAAAAkAAAAJAAAAAAAAAAHAAAAAAAAAAAAAAAAAAAAAAAAAAAAAAAAAAAAf39/ACUAAABYAAAAAAAAAAAAAAAAAAAAAAAAAAAAAAAAAAAAAAAAAAAAAAAAAAAAAAAAAAAAAAA/AAAAAAAAAKCGAQAAAAAAAAAAAAAAAAAMAAAAAQAAAAAAAAAAAAAAAAAAAB8AAABUAAAA////AP///wEAAAAAAAAAAAAAAAAAAAAAAAAAAAAAAAAAAAAAAAAAAAAAAAJ/f38A5+bmA8zMzADAwP8Af39/AAAAAAAAAAAAAAAAAAAAAAAAAAAAIQAAABgAAAAUAAAAARoAANoeAAABGgAA8SIAAAAAAAAmAAAACAAAAP//////////MAAAABQAAAAAAAAAAAD//wAAAQAAAP//AAABAA=="/>
-                </a:ext>
-              </a:extLst>
-            </p:cNvSpPr>
-            <p:nvPr/>
-          </p:nvSpPr>
-          <p:spPr>
-            <a:xfrm>
-              <a:off x="4227195" y="5015230"/>
-              <a:ext cx="0" cy="664845"/>
-            </a:xfrm>
-            <a:prstGeom prst="line">
-              <a:avLst/>
-            </a:prstGeom>
-            <a:noFill/>
-            <a:ln w="76200" cap="flat" cmpd="sng" algn="ctr">
-              <a:solidFill>
-                <a:schemeClr val="tx1"/>
-              </a:solidFill>
-              <a:prstDash val="solid"/>
-              <a:headEnd type="none"/>
-              <a:tailEnd type="none"/>
-            </a:ln>
-            <a:effectLst/>
-          </p:spPr>
-        </p:sp>
-        <p:sp>
-          <p:nvSpPr>
-            <p:cNvPr id="63" name="Arrow: U-Turn 63"/>
-            <p:cNvSpPr>
-              <a:extLst>
-                <a:ext uri="smNativeData">
-                  <pr:smNativeData xmlns:pr="smNativeData" xmlns="smNativeData" val="SMDATA_16_gfoFYRMAAAAlAAAA7AAAAA0AAAAAkAAAAEgAAACQAAAASAAAAAAAAAABAAAAAAAAAAEAAABQAAAAAAAAAAAA0D8AAAAAAADQPwAAAAAAANA/AAAAAAAA3D8AAAAAAADoPwAAAAAAAOA/AAAAAAAA4D8AAAAAAADgPwAAAAAAAOA/AAAAAAAA4D8CAAAAjAAAAAAAAAAAAAAARHLEDP///wgAAAAAAAAAAAAAAAAAAAAAAAAAAAAAAAAAAAAAZAAAAAEAAABAAAAAAAAAAAAAAAAAAAAAAAAAAAAAAAAAAAAAAAAAAAAAAAAAAAAAAAAAAAAAAAAAAAAAAAAAAAAAAAAAAAAAAAAAAAAAAAAAAAAAAAAAAAAAAAAAAAAAFAAAADwAAAABAAAAAAAAAAAAAAk8AAAAAQAAABQAAAAUAAAAFAAAAAEAAAAAAAAAZAAAAGQAAAAAAAAAZAAAAGQAAAAVAAAAYAAAAAAAAAAAAAAADwAAACADAAAAAAAAAAAAAAEAAACgMgAAVgcAAKr4//8BAAAAf39/AAEAAABkAAAAAAAAABQAAABAHwAAAAAAACYAAAAAAAAAwOD//wAAAAAmAAAAZAAAABYAAABMAAAAAAAAAAAAAAAEAAAAAAAAAAEAAADn5uYKAAAAACgAAAAoAAAAZAAAAGQAAAAAAAAAzMzMAAAAAABQAAAAUAAAAGQAAABkAAAAAAAAABcAAAAUAAAAAAAAAAAAAAD/fwAA/38AAAAAAAAJAAAABAAAAAAAAAAeAAAAaAAAAAAAAAAAAAAAAAAAAAAAAAAAAAAAECcAABAnAAAAAAAAAAAAAAAAAAAAAAAAAAAAAAAAAAAAAAAAAAAAABQAAAAAAAAAwMD/AAAAAABkAAAAMgAAAAAAAABkAAAAAAAAAH9/fwAKAAAAIgAAABgAAAAAAAAAAAAAAAAAAAAAAAAAAAAAAAAAAAAkAAAAJAAAAAAAAAAHAAAAAAAAAAAAAAAAAAAAAAAAAAAAAAAAAAAAf39/ACUAAABYAAAAAAAAAAAAAAAAAAAAAAAAAAAAAAAAAAAAAAAAAAAAAAAAAAAAAAAAAAAAAAA/AAAAAAAAAKCGAQAAAAAAAAAAAAAAAAAMAAAAAQAAAAAAAAAAAAAAAAAAAB8AAABUAAAARHLEBf///wEAAAAAAAAAAAAAAAAAAAAAAAAAAAAAAAAAAAAAAAAAAAAAAAJ/f38A5+bmA8zMzADAwP8Af39/AAAAAAAAAAAAAAAAAAAAAAAAAAAAIQAAABgAAAAUAAAAiRYAAMwfAAByGQAAJiIAAAAAAAAmAAAACAAAAP//////////MAAAABQAAAAAAAAAAAD//wAAAQAAAP//AAABAA=="/>
-                </a:ext>
-              </a:extLst>
-            </p:cNvSpPr>
-            <p:nvPr/>
-          </p:nvSpPr>
-          <p:spPr>
-            <a:xfrm rot="5400000">
-              <a:off x="3708400" y="5123815"/>
-              <a:ext cx="382270" cy="473075"/>
-            </a:xfrm>
-            <a:prstGeom prst="uturnArrow">
-              <a:avLst>
-                <a:gd name="adj1" fmla="val 25000"/>
-                <a:gd name="adj2" fmla="val 25000"/>
-                <a:gd name="adj3" fmla="val 25000"/>
-                <a:gd name="adj4" fmla="val 43750"/>
-                <a:gd name="adj5" fmla="val 75000"/>
-              </a:avLst>
-            </a:prstGeom>
-            <a:noFill/>
-            <a:ln w="38100" cap="flat" cmpd="sng" algn="ctr">
-              <a:solidFill>
-                <a:schemeClr val="tx1"/>
-              </a:solidFill>
-              <a:prstDash val="solid"/>
-              <a:headEnd type="none"/>
-              <a:tailEnd type="none"/>
-            </a:ln>
-            <a:effectLst/>
-          </p:spPr>
-          <p:txBody>
-            <a:bodyPr vert="horz" wrap="square" lIns="91440" tIns="45720" rIns="91440" bIns="45720" numCol="1" spcCol="215900" anchor="ctr"/>
-            <a:lstStyle/>
-            <a:p>
-              <a:pPr algn="ctr">
-                <a:defRPr lang="en-us" cap="none">
-                  <a:solidFill>
-                    <a:srgbClr val="FFFFFF"/>
-                  </a:solidFill>
-                </a:defRPr>
-              </a:pPr>
-              <a:endParaRPr lang="en-au" cap="none">
-                <a:solidFill>
-                  <a:schemeClr val="tx1"/>
-                </a:solidFill>
-              </a:endParaRPr>
-            </a:p>
-          </p:txBody>
-        </p:sp>
-      </p:grpSp>
-      <p:sp>
-        <p:nvSpPr>
-          <p:cNvPr id="65" name="Rectangle 64"/>
+      <p:sp>
+        <p:nvSpPr>
+          <p:cNvPr id="56" name="Rectangle 64"/>
           <p:cNvSpPr>
             <a:extLst>
               <a:ext uri="smNativeData">
-                <pr:smNativeData xmlns:pr="smNativeData" xmlns="smNativeData" val="SMDATA_16_gfoFYRMAAAAlAAAAZAAAAA0AAAAAkAAAAEgAAACQAAAASAAAAAAAAAABAAAAAAAAAAEAAABQAAAAAAAAAAAA4D8AAAAAAADgPwAAAAAAAOA/AAAAAAAA4D8AAAAAAADgPwAAAAAAAOA/AAAAAAAA4D8AAAAAAADgPwAAAAAAAOA/AAAAAAAA4D8CAAAAjAAAAAAAAAAAAAAARHLEDP///wgAAAAAAAAAAAAAAAAAAAAAAAAAAAAAAAAAAAAAZAAAAAEAAABAAAAAAAAAAAAAAAAAAAAAAAAAAAAAAAAAAAAAAAAAAAAAAAAAAAAAAAAAAAAAAAAAAAAAAAAAAAAAAAAAAAAAAAAAAAAAAAAAAAAAAAAAAAAAAAAAAAAAFAAAADwAAAABAAAAAAAAADJVkQAAAAAAAQAAABQAAAAUAAAAFAAAAAEAAAAAAAAAZAAAAGQAAAAAAAAAZAAAAGQAAAAVAAAAYAAAAAAAAAAAAAAADwAAACADAAAAAAAAAAAAAAEAAACgMgAAVgcAAKr4//8BAAAAf39/AAEAAABkAAAAAAAAABQAAABAHwAAAAAAACYAAAAAAAAAwOD//wAAAAAmAAAAZAAAABYAAABMAAAAAAAAAAAAAAAEAAAAAAAAAAEAAADn5uYKAAAAACgAAAAoAAAAZAAAAGQAAAAAAAAAzMzMAAAAAABQAAAAUAAAAGQAAABkAAAAAAAAABcAAAAUAAAAAAAAAAAAAAD/fwAA/38AAAAAAAAJAAAABAAAAAAAAAAeAAAAaAAAAAAAAAAAAAAAAAAAAAAAAAAAAAAAECcAABAnAAAAAAAAAAAAAAAAAAAAAAAAAAAAAAAAAAAAAAAAAAAAABQAAAAAAAAAwMD/AAAAAABkAAAAMgAAAAAAAABkAAAAAAAAAH9/fwAKAAAAIgAAABgAAAAAAAAAAAAAAAAAAAAAAAAAAAAAAAAAAAAkAAAAJAAAAAAAAAAHAAAAAAAAAAAAAAAAAAAAAAAAAAAAAAAAAAAAf39/ACUAAABYAAAAAAAAAAAAAAAAAAAAAAAAAAAAAAAAAAAAAAAAAAAAAAAAAAAAAAAAAAAAAAA/AAAAAAAAAKCGAQAAAAAAAAAAAAAAAAAMAAAAAQAAAAAAAAAAAAAAAAAAAB8AAABUAAAARHLEBf///wEAAAAAAAAAAAAAAAAAAAAAAAAAAAAAAAAAAAAAAAAAADJVkQB/f38A5+bmA8zMzADAwP8Af39/AAAAAAAAAAAAAAAAAAAAAAAAAAAAIQAAABgAAAAUAAAAJxAAAFIkAAAfFQAAQSkAABAAAAAmAAAACAAAAP//////////MAAAABQAAAAAAAAAAAD//wAAAQAAAP//AAABAA=="/>
+                <pr:smNativeData xmlns:pr="smNativeData" xmlns="smNativeData" val="SMDATA_16_FAWHYRMAAAAlAAAAZAAAAA0AAAAAkAAAAEgAAACQAAAASAAAAAAAAAABAAAAAAAAAAEAAABQAAAAAAAAAAAA4D8AAAAAAADgPwAAAAAAAOA/AAAAAAAA4D8AAAAAAADgPwAAAAAAAOA/AAAAAAAA4D8AAAAAAADgPwAAAAAAAOA/AAAAAAAA4D8CAAAAjAAAAAAAAAAAAAAARHLEDP///wgAAAAAAAAAAAAAAAAAAAAAAAAAAAAAAAAAAAAAZAAAAAEAAABAAAAAAAAAAAAAAAAAAAAAAAAAAAAAAAAAAAAAAAAAAAAAAAAAAAAAAAAAAAAAAAAAAAAAAAAAAAAAAAAAAAAAAAAAAAAAAAAAAAAAAAAAAAAAAAAAAAAAFAAAADwAAAABAAAAAAAAADJVkQAAAAAAAQAAABQAAAAUAAAAFAAAAAEAAAAAAAAAZAAAAGQAAAAAAAAAZAAAAGQAAAAVAAAAYAAAAAAAAAAAAAAADwAAACADAAAAAAAAAAAAAAEAAACgMgAAVgcAAKr4//8BAAAAf39/AAEAAABkAAAAAAAAABQAAABAHwAAAAAAACYAAAAAAAAAwOD//wAAAAAmAAAAZAAAABYAAABMAAAAAAAAAAAAAAAEAAAAAAAAAAEAAADn5uYKAAAAACgAAAAoAAAAZAAAAGQAAAAAAAAAzMzMAAAAAABQAAAAUAAAAGQAAABkAAAAAAAAABcAAAAUAAAAAAAAAAAAAAD/fwAA/38AAAAAAAAJAAAABAAAAAAAAAAeAAAAaAAAAAAAAAAAAAAAAAAAAAAAAAAAAAAAECcAABAnAAAAAAAAAAAAAAAAAAAAAAAAAAAAAAAAAAAAAAAAAAAAABQAAAAAAAAAwMD/AAAAAABkAAAAMgAAAAAAAABkAAAAAAAAAH9/fwAKAAAAIgAAABgAAAAAAAAAAAAAAAAAAAAAAAAAAAAAAAAAAAAkAAAAJAAAAAAAAAAHAAAAAAAAAAAAAAAAAAAAAAAAAAAAAAAAAAAAf39/ACUAAABYAAAAAAAAAAAAAAAAAAAAAAAAAAAAAAAAAAAAAAAAAAAAAAAAAAAAAAAAAAAAAAA/AAAAAAAAAKCGAQAAAAAAAAAAAAAAAAAMAAAAAQAAAAAAAAAAAAAAAAAAAB8AAABUAAAARHLEBf///wEAAAAAAAAAAAAAAAAAAAAAAAAAAAAAAAAAAAAAAAAAADJVkQB/f38A5+bmA8zMzADAwP8Af39/AAAAAAAAAAAAAAAAAAAAAAAAAAAAIQAAABgAAAAUAAAAJxAAAFIkAAAfFQAAQSkAABAAAAAmAAAACAAAAP//////////MAAAABQAAAAAAAAAAAD//wAAAQAAAP//AAABAA=="/>
               </a:ext>
             </a:extLst>
           </p:cNvSpPr>
@@ -12064,11 +11659,11 @@
       </p:sp>
       <p:sp>
         <p:nvSpPr>
-          <p:cNvPr id="66" name="Arrow: Quad 66"/>
+          <p:cNvPr id="57" name="Arrow: Quad 66"/>
           <p:cNvSpPr>
             <a:extLst>
               <a:ext uri="smNativeData">
-                <pr:smNativeData xmlns:pr="smNativeData" xmlns="smNativeData" val="SMDATA_16_gfoFYRMAAAAlAAAA6QAAAA0AAAAAkAAAAEgAAACQAAAASAAAAAAAAAABAAAAAAAAAAEAAABQAAAAgT6RJ0nXwD826iEa3UHEP83MzMzMzMw/AAAAAAAA4D8AAAAAAADgPwAAAAAAAOA/AAAAAAAA4D8AAAAAAADgPwAAAAAAAOA/AAAAAAAA4D8CAAAAjAAAAAAAAAAAAAAARHLEDP///wgAAAAAAAAAAAAAAAAAAAAAAAAAAAAAAAAAAAAAZAAAAAEAAABAAAAAAAAAAAAAAAAAAAAAAAAAAAAAAAAAAAAAAAAAAAAAAAAAAAAAAAAAAAAAAAAAAAAAAAAAAAAAAAAAAAAAAAAAAAAAAAAAAAAAAAAAAAAAAAAAAAAAFAAAADwAAAABAAAAAAAAAAAAAAk8AAAAAQAAABQAAAAUAAAAFAAAAAEAAAAAAAAAZAAAAGQAAAAAAAAAZAAAAGQAAAAVAAAAYAAAAAAAAAAAAAAADwAAACADAAAAAAAAAAAAAAEAAACgMgAAVgcAAKr4//8BAAAAf39/AAEAAABkAAAAAAAAABQAAABAHwAAAAAAACYAAAAAAAAAwOD//wAAAAAmAAAAZAAAABYAAABMAAAAAAAAAAAAAAAEAAAAAAAAAAEAAADn5uYKAAAAACgAAAAoAAAAZAAAAGQAAAAAAAAAzMzMAAAAAABQAAAAUAAAAGQAAABkAAAAAAAAABcAAAAUAAAAAAAAAAAAAAD/fwAA/38AAAAAAAAJAAAABAAAAAAAAAAeAAAAaAAAAAAAAAAAAAAAAAAAAAAAAAAAAAAAECcAABAnAAAAAAAAAAAAAAAAAAAAAAAAAAAAAAAAAAAAAAAAAAAAABQAAAAAAAAAwMD/AAAAAABkAAAAMgAAAAAAAABkAAAAAAAAAH9/fwAKAAAAIgAAABgAAAAAAAAAAAAAAAAAAAAAAAAAAAAAAAAAAAAkAAAAJAAAAAAAAAAHAAAAAAAAAAAAAAAAAAAAAAAAAAAAAAAAAAAAf39/ACUAAABYAAAAAAAAAAAAAAAAAAAAAAAAAAAAAAAAAAAAAAAAAAAAAAAAAAAAAAAAAAAAAAA/AAAAAAAAAKCGAQAAAAAAAAAAAAAAAAAMAAAAAQAAAAAAAAAAAAAAAAAAAB8AAABUAAAARHLEBf///wEAAAAAAAAAAAAAAAAAAAAAAAAAAAAAAAAAAAAAAAAAAAAAAAJ/f38A5+bmA8zMzADAwP8Af39/AAAAAAAAAAAAAAAAAAAAAAAAAAAAIQAAABgAAAAUAAAAwxAAAMckAACPFAAAsygAABAAAAAmAAAACAAAAP//////////MAAAABQAAAAAAAAA4y///x3QAABl3///myAAAA=="/>
+                <pr:smNativeData xmlns:pr="smNativeData" xmlns="smNativeData" val="SMDATA_16_FAWHYRMAAAAlAAAA6QAAAA0AAAAAkAAAAEgAAACQAAAASAAAAAAAAAABAAAAAAAAAAEAAABQAAAAgT6RJ0nXwD826iEa3UHEP83MzMzMzMw/AAAAAAAA4D8AAAAAAADgPwAAAAAAAOA/AAAAAAAA4D8AAAAAAADgPwAAAAAAAOA/AAAAAAAA4D8CAAAAjAAAAAAAAAAAAAAARHLEDP///wgAAAAAAAAAAAAAAAAAAAAAAAAAAAAAAAAAAAAAZAAAAAEAAABAAAAAAAAAAAAAAAAAAAAAAAAAAAAAAAAAAAAAAAAAAAAAAAAAAAAAAAAAAAAAAAAAAAAAAAAAAAAAAAAAAAAAAAAAAAAAAAAAAAAAAAAAAAAAAAAAAAAAFAAAADwAAAABAAAAAAAAAAAAAAk8AAAAAQAAABQAAAAUAAAAFAAAAAEAAAAAAAAAZAAAAGQAAAAAAAAAZAAAAGQAAAAVAAAAYAAAAAAAAAAAAAAADwAAACADAAAAAAAAAAAAAAEAAACgMgAAVgcAAKr4//8BAAAAf39/AAEAAABkAAAAAAAAABQAAABAHwAAAAAAACYAAAAAAAAAwOD//wAAAAAmAAAAZAAAABYAAABMAAAAAAAAAAAAAAAEAAAAAAAAAAEAAADn5uYKAAAAACgAAAAoAAAAZAAAAGQAAAAAAAAAzMzMAAAAAABQAAAAUAAAAGQAAABkAAAAAAAAABcAAAAUAAAAAAAAAAAAAAD/fwAA/38AAAAAAAAJAAAABAAAAAAAAAAeAAAAaAAAAAAAAAAAAAAAAAAAAAAAAAAAAAAAECcAABAnAAAAAAAAAAAAAAAAAAAAAAAAAAAAAAAAAAAAAAAAAAAAABQAAAAAAAAAwMD/AAAAAABkAAAAMgAAAAAAAABkAAAAAAAAAH9/fwAKAAAAIgAAABgAAAAAAAAAAAAAAAAAAAAAAAAAAAAAAAAAAAAkAAAAJAAAAAAAAAAHAAAAAAAAAAAAAAAAAAAAAAAAAAAAAAAAAAAAf39/ACUAAABYAAAAAAAAAAAAAAAAAAAAAAAAAAAAAAAAAAAAAAAAAAAAAAAAAAAAAAAAAAAAAAA/AAAAAAAAAKCGAQAAAAAAAAAAAAAAAAAMAAAAAQAAAAAAAAAAAAAAAAAAAB8AAABUAAAARHLEBf///wEAAAAAAAAAAAAAAAAAAAAAAAAAAAAAAAAAAAAAAAAAAAAAAAJ/f38A5+bmA8zMzADAwP8Af39/AAAAAAAAAAAAAAAAAAAAAAAAAAAAIQAAABgAAAAUAAAAwxAAAMckAACPFAAAsygAABAAAAAmAAAACAAAAP//////////MAAAABQAAAAAAAAA4y///x3QAABl3///myAAAA=="/>
               </a:ext>
             </a:extLst>
           </p:cNvSpPr>
@@ -12150,7 +11745,7 @@
           <p:cNvSpPr>
             <a:extLst>
               <a:ext uri="smNativeData">
-                <pr:smNativeData xmlns:pr="smNativeData" xmlns="smNativeData" val="SMDATA_16_gfoFYRMAAAAlAAAACgAAAA0AAAAAkAAAAEgAAACQAAAASAAAAAAAAAAAAAAAAAAAAAEAAABQAAAAAAAAAAAA4D8AAAAAAADgPwAAAAAAAOA/AAAAAAAA4D8AAAAAAADgPwAAAAAAAOA/AAAAAAAA4D8AAAAAAADgPwAAAAAAAOA/AAAAAAAA4D8CAAAAjAAAAAAAAAAAAAAA////AP///wgAAAAAAAAAAAAAAAAAAAAAAAAAAAAAAAAAAAAAeAAAAAEAAABAAAAAAAAAAAAAAABaAAAAAAAAAAAAAAAAAAAAAAAAAAAAAAAAAAAAAAAAAAAAAAAAAAAAAAAAAAAAAAAAAAAAAAAAAAAAAAAAAAAAAAAAAAAAAAAAAAAAFAAAADwAAAABAAAAAAAAAP8AAAAeAAAAAQAAABQAAAAUAAAAFAAAAAEAAAAAAAAAZAAAAGQAAAAAAAAAZAAAAGQAAAAVAAAAYAAAAAAAAAAAAAAADwAAACADAAAAAAAAAAAAAAEAAACgMgAAVgcAAKr4//8BAAAAAAAACQEAAABkAAAAAAAAABQAAABAHwAAAAAAACYAAAAAAAAAwOD//wAAAAAmAAAAZAAAABYAAABMAAAAAAAAAAAAAAAEAAAAAAAAAAEAAAAAAAAJAAAAACgAAAAoAAAAZAAAAGQAAAAAAAAAzMzMAAAAAABQAAAAUAAAAGQAAABkAAAAAAAAABcAAAAUAAAAAAAAAAAAAAD/fwAA/38AAAAAAAAJAAAABAAAAAAAAAAeAAAAaAAAAAAAAAAAAAAAAAAAAAAAAAAAAAAAECcAABAnAAAAAAAAAAAAAAAAAAAAAAAAAAAAAAAAAAAAAAAAAAAAABQAAAAAAAAAwMD/AAAAAABkAAAAMgAAAAAAAABkAAAAAAAAAH9/fwAKAAAAIgAAABgAAAAAAAAAAAAAAAAAAAAAAAAAAAAAAAAAAAAkAAAAJAAAAAAAAAAHAAAAAAAAAAAAAAAAAAAAAAAAAAAAAAAAAAAAf39/ACUAAABYAAAAAAAAAAAAAAAAAAAAAAAAAAAAAAAAAAAAAAAAAAAAAAAAAAAAAAAAAAAAAAA/AAAAAAAAAKCGAQAAAAAAAAAAAAAAAAAMAAAAAQAAAAAAAAAAAAAAAAAAAB8AAABUAAAA////AP///wEAAAAAAAAAAAAAAAAAAAAAAAAAAAAAAAAAAAAAAAAAAP8AAAAAAAACAAAAAszMzADAwP8Af39/AAAAAAAAAAAAAAAAAAAAAAAAAAAAIQAAABgAAAAUAAAA3BgAAMsDAADcGAAA4wUAABAAAAAmAAAACAAAAP//////////MAAAABQAAAAAAAAAAAD//wAAAQAAAP//AAABAA=="/>
+                <pr:smNativeData xmlns:pr="smNativeData" xmlns="smNativeData" val="SMDATA_16_FAWHYRMAAAAlAAAACgAAAA0AAAAAkAAAAEgAAACQAAAASAAAAAAAAAAAAAAAAAAAAAEAAABQAAAAAAAAAAAA4D8AAAAAAADgPwAAAAAAAOA/AAAAAAAA4D8AAAAAAADgPwAAAAAAAOA/AAAAAAAA4D8AAAAAAADgPwAAAAAAAOA/AAAAAAAA4D8CAAAAjAAAAAAAAAAAAAAA////AP///wgAAAAAAAAAAAAAAAAAAAAAAAAAAAAAAAAAAAAAeAAAAAEAAABAAAAAAAAAAAAAAABaAAAAAAAAAAAAAAAAAAAAAAAAAAAAAAAAAAAAAAAAAAAAAAAAAAAAAAAAAAAAAAAAAAAAAAAAAAAAAAAAAAAAAAAAAAAAAAAAAAAAFAAAADwAAAABAAAAAAAAAP8AAAAeAAAAAQAAABQAAAAUAAAAFAAAAAEAAAAAAAAAZAAAAGQAAAAAAAAAZAAAAGQAAAAVAAAAYAAAAAAAAAAAAAAADwAAACADAAAAAAAAAAAAAAEAAACgMgAAVgcAAKr4//8BAAAAAAAACQEAAABkAAAAAAAAABQAAABAHwAAAAAAACYAAAAAAAAAwOD//wAAAAAmAAAAZAAAABYAAABMAAAAAAAAAAAAAAAEAAAAAAAAAAEAAAAAAAAJAAAAACgAAAAoAAAAZAAAAGQAAAAAAAAAzMzMAAAAAABQAAAAUAAAAGQAAABkAAAAAAAAABcAAAAUAAAAAAAAAAAAAAD/fwAA/38AAAAAAAAJAAAABAAAAAAAAAAeAAAAaAAAAAAAAAAAAAAAAAAAAAAAAAAAAAAAECcAABAnAAAAAAAAAAAAAAAAAAAAAAAAAAAAAAAAAAAAAAAAAAAAABQAAAAAAAAAwMD/AAAAAABkAAAAMgAAAAAAAABkAAAAAAAAAH9/fwAKAAAAIgAAABgAAAAAAAAAAAAAAAAAAAAAAAAAAAAAAAAAAAAkAAAAJAAAAAAAAAAHAAAAAAAAAAAAAAAAAAAAAAAAAAAAAAAAAAAAf39/ACUAAABYAAAAAAAAAAAAAAAAAAAAAAAAAAAAAAAAAAAAAAAAAAAAAAAAAAAAAAAAAAAAAAA/AAAAAAAAAKCGAQAAAAAAAAAAAAAAAAAMAAAAAQAAAAAAAAAAAAAAAAAAAB8AAABUAAAA////AP///wEAAAAAAAAAAAAAAAAAAAAAAAAAAAAAAAAAAAAAAAAAAP8AAAAAAAACAAAAAszMzADAwP8Af39/AAAAAAAAAAAAAAAAAAAAAAAAAAAAIQAAABgAAAAUAAAA3BgAAMsDAADcGAAA4wUAABAAAAAmAAAACAAAAP//////////MAAAABQAAAAAAAAAAAD//wAAAQAAAP//AAABAA=="/>
               </a:ext>
             </a:extLst>
           </p:cNvSpPr>
@@ -12182,7 +11777,7 @@
           <p:cNvSpPr>
             <a:extLst>
               <a:ext uri="smNativeData">
-                <pr:smNativeData xmlns:pr="smNativeData" xmlns="smNativeData" val="SMDATA_16_gfoFYRMAAAAlAAAACgAAAA0AAAAAkAAAAEgAAACQAAAASAAAAAAAAAAAAAAAAAAAAAEAAABQAAAAAAAAAAAA4D8AAAAAAADgPwAAAAAAAOA/AAAAAAAA4D8AAAAAAADgPwAAAAAAAOA/AAAAAAAA4D8AAAAAAADgPwAAAAAAAOA/AAAAAAAA4D8CAAAAjAAAAAAAAAAAAAAA////AP///wgAAAAAAAAAAAAAAAAAAAAAAAAAAAAAAAAAAAAAeAAAAAEAAABAAAAAAAAAAAAAAABaAAAAAAAAAAAAAAAAAAAAAAAAAAAAAAAAAAAAAAAAAAAAAAAAAAAAAAAAAAAAAAAAAAAAAAAAAAAAAAAAAAAAAAAAAAAAAAAAAAAAFAAAADwAAAABAAAAAAAAAP8AAAAeAAAAAQAAABQAAAAUAAAAFAAAAAEAAAAAAAAAZAAAAGQAAAAAAAAAZAAAAGQAAAAVAAAAYAAAAAAAAAAAAAAADwAAACADAAAAAAAAAAAAAAEAAACgMgAAVgcAAKr4//8BAAAAAAAACQEAAABkAAAAAAAAABQAAABAHwAAAAAAACYAAAAAAAAAwOD//wAAAAAmAAAAZAAAABYAAABMAAAAAAAAAAAAAAAEAAAAAAAAAAEAAAAAAAAJAAAAACgAAAAoAAAAZAAAAGQAAAAAAAAAzMzMAAAAAABQAAAAUAAAAGQAAABkAAAAAAAAABcAAAAUAAAAAAAAAAAAAAD/fwAA/38AAAAAAAAJAAAABAAAAAAAAAAeAAAAaAAAAAAAAAAAAAAAAAAAAAAAAAAAAAAAECcAABAnAAAAAAAAAAAAAAAAAAAAAAAAAAAAAAAAAAAAAAAAAAAAABQAAAAAAAAAwMD/AAAAAABkAAAAMgAAAAAAAABkAAAAAAAAAH9/fwAKAAAAIgAAABgAAAAAAAAAAAAAAAAAAAAAAAAAAAAAAAAAAAAkAAAAJAAAAAAAAAAHAAAAAAAAAAAAAAAAAAAAAAAAAAAAAAAAAAAAf39/ACUAAABYAAAAAAAAAAAAAAAAAAAAAAAAAAAAAAAAAAAAAAAAAAAAAAAAAAAAAAAAAAAAAAA/AAAAAAAAAKCGAQAAAAAAAAAAAAAAAAAMAAAAAQAAAAAAAAAAAAAAAAAAAB8AAABUAAAA////AP///wEAAAAAAAAAAAAAAAAAAAAAAAAAAAAAAAAAAAAAAAAAAP8AAAAAAAACAAAAAszMzADAwP8Af39/AAAAAAAAAAAAAAAAAAAAAAAAAAAAIQAAABgAAAAUAAAAvQ8AAL8DAAC/DwAAEgoAABAAAAAmAAAACAAAAP//////////MAAAABQAAAAAAAAAAAD//wAAAQAAAP//AAABAA=="/>
+                <pr:smNativeData xmlns:pr="smNativeData" xmlns="smNativeData" val="SMDATA_16_FAWHYRMAAAAlAAAACgAAAA0AAAAAkAAAAEgAAACQAAAASAAAAAAAAAAAAAAAAAAAAAEAAABQAAAAAAAAAAAA4D8AAAAAAADgPwAAAAAAAOA/AAAAAAAA4D8AAAAAAADgPwAAAAAAAOA/AAAAAAAA4D8AAAAAAADgPwAAAAAAAOA/AAAAAAAA4D8CAAAAjAAAAAAAAAAAAAAA////AP///wgAAAAAAAAAAAAAAAAAAAAAAAAAAAAAAAAAAAAAeAAAAAEAAABAAAAAAAAAAAAAAABaAAAAAAAAAAAAAAAAAAAAAAAAAAAAAAAAAAAAAAAAAAAAAAAAAAAAAAAAAAAAAAAAAAAAAAAAAAAAAAAAAAAAAAAAAAAAAAAAAAAAFAAAADwAAAABAAAAAAAAAP8AAAAeAAAAAQAAABQAAAAUAAAAFAAAAAEAAAAAAAAAZAAAAGQAAAAAAAAAZAAAAGQAAAAVAAAAYAAAAAAAAAAAAAAADwAAACADAAAAAAAAAAAAAAEAAACgMgAAVgcAAKr4//8BAAAAAAAACQEAAABkAAAAAAAAABQAAABAHwAAAAAAACYAAAAAAAAAwOD//wAAAAAmAAAAZAAAABYAAABMAAAAAAAAAAAAAAAEAAAAAAAAAAEAAAAAAAAJAAAAACgAAAAoAAAAZAAAAGQAAAAAAAAAzMzMAAAAAABQAAAAUAAAAGQAAABkAAAAAAAAABcAAAAUAAAAAAAAAAAAAAD/fwAA/38AAAAAAAAJAAAABAAAAAAAAAAeAAAAaAAAAAAAAAAAAAAAAAAAAAAAAAAAAAAAECcAABAnAAAAAAAAAAAAAAAAAAAAAAAAAAAAAAAAAAAAAAAAAAAAABQAAAAAAAAAwMD/AAAAAABkAAAAMgAAAAAAAABkAAAAAAAAAH9/fwAKAAAAIgAAABgAAAAAAAAAAAAAAAAAAAAAAAAAAAAAAAAAAAAkAAAAJAAAAAAAAAAHAAAAAAAAAAAAAAAAAAAAAAAAAAAAAAAAAAAAf39/ACUAAABYAAAAAAAAAAAAAAAAAAAAAAAAAAAAAAAAAAAAAAAAAAAAAAAAAAAAAAAAAAAAAAA/AAAAAAAAAKCGAQAAAAAAAAAAAAAAAAAMAAAAAQAAAAAAAAAAAAAAAAAAAB8AAABUAAAA////AP///wEAAAAAAAAAAAAAAAAAAAAAAAAAAAAAAAAAAAAAAAAAAP8AAAAAAAACAAAAAszMzADAwP8Af39/AAAAAAAAAAAAAAAAAAAAAAAAAAAAIQAAABgAAAAUAAAAvQ8AAL8DAAC/DwAAEgoAABAAAAAmAAAACAAAAP//////////MAAAABQAAAAAAAAAAAD//wAAAQAAAP//AAABAA=="/>
               </a:ext>
             </a:extLst>
           </p:cNvSpPr>
@@ -12214,7 +11809,7 @@
           <p:cNvSpPr>
             <a:extLst>
               <a:ext uri="smNativeData">
-                <pr:smNativeData xmlns:pr="smNativeData" xmlns="smNativeData" val="SMDATA_16_gfoFYRMAAAAlAAAACgAAAA0AAAAAkAAAAEgAAACQAAAASAAAAAAAAAAAAAAAAAAAAAEAAABQAAAAAAAAAAAA4D8AAAAAAADgPwAAAAAAAOA/AAAAAAAA4D8AAAAAAADgPwAAAAAAAOA/AAAAAAAA4D8AAAAAAADgPwAAAAAAAOA/AAAAAAAA4D8CAAAAjAAAAAAAAAAAAAAA////AP///wgAAAAAAAAAAAAAAAAAAAAAAAAAAAAAAAAAAAAAeAAAAAEAAABAAAAAAAAAAAAAAABaAAAAAAAAAAAAAAAAAAAAAAAAAAAAAAAAAAAAAAAAAAAAAAAAAAAAAAAAAAAAAAAAAAAAAAAAAAAAAAAAAAAAAAAAAAAAAAAAAAAAFAAAADwAAAABAAAAAAAAAAAAAAAeAAAAAQAAABQAAAAUAAAAFAAAAAEAAAAAAAAAZAAAAGQAAAAAAAAAZAAAAGQAAAAVAAAAYAAAAAAAAAAAAAAADwAAACADAAAAAAAAAAAAAAEAAACgMgAAVgcAAKr4//8BAAAAAAAACQEAAABkAAAAAAAAABQAAABAHwAAAAAAACYAAAAAAAAAwOD//wAAAAAmAAAAZAAAABYAAABMAAAAAAAAAAAAAAAEAAAAAAAAAAEAAAAAAAAJAAAAACgAAAAoAAAAZAAAAGQAAAAAAAAAzMzMAAAAAABQAAAAUAAAAGQAAABkAAAAAAAAABcAAAAUAAAAAAAAAAAAAAD/fwAA/38AAAAAAAAJAAAABAAAAHkBhB4eAAAAaAAAAAAAAAAAAAAAAAAAAAAAAAAAAAAAECcAABAnAAAAAAAAAAAAAAAAAAAAAAAAAAAAAAAAAAAAAAAAAAAAABQAAAAAAAAAwMD/AAAAAABkAAAAMgAAAAAAAABkAAAAAAAAAH9/fwAKAAAAIgAAABgAAAAAAAAAAAAAAAAAAAAAAAAAAAAAAAAAAAAkAAAAJAAAAAAAAAAHAAAAAAAAAAAAAAAAAAAAAAAAAAAAAAAAAAAAf39/ACUAAABYAAAAAAAAAAAAAAAAAAAAAAAAAAAAAAAAAAAAAAAAAAAAAAAAAAAAAAAAAAAAAAA/AAAAAAAAAKCGAQAAAAAAAAAAAAAAAAAMAAAAAQAAAAAAAAAAAAAAAAAAAB8AAABUAAAA////AP///wEAAAAAAAAAAAAAAAAAAAAAAAAAAAAAAAAAAAAAAAAAAAAAAAAAAAACAAAAAszMzADAwP8Af39/AAAAAAAAAAAAAAAAAAAAAAAAAAAAIQAAABgAAAAUAAAAwxkAAJsEAADDGQAA5AUAABAAAAAmAAAACAAAAP//////////MAAAABQAAAAAAAAAAAD//wAAAQAAAP//AAABAA=="/>
+                <pr:smNativeData xmlns:pr="smNativeData" xmlns="smNativeData" val="SMDATA_16_FAWHYRMAAAAlAAAACgAAAA0AAAAAkAAAAEgAAACQAAAASAAAAAAAAAAAAAAAAAAAAAEAAABQAAAAAAAAAAAA4D8AAAAAAADgPwAAAAAAAOA/AAAAAAAA4D8AAAAAAADgPwAAAAAAAOA/AAAAAAAA4D8AAAAAAADgPwAAAAAAAOA/AAAAAAAA4D8CAAAAjAAAAAAAAAAAAAAA////AP///wgAAAAAAAAAAAAAAAAAAAAAAAAAAAAAAAAAAAAAeAAAAAEAAABAAAAAAAAAAAAAAABaAAAAAAAAAAAAAAAAAAAAAAAAAAAAAAAAAAAAAAAAAAAAAAAAAAAAAAAAAAAAAAAAAAAAAAAAAAAAAAAAAAAAAAAAAAAAAAAAAAAAFAAAADwAAAABAAAAAAAAAAAAAAAeAAAAAQAAABQAAAAUAAAAFAAAAAEAAAAAAAAAZAAAAGQAAAAAAAAAZAAAAGQAAAAVAAAAYAAAAAAAAAAAAAAADwAAACADAAAAAAAAAAAAAAEAAACgMgAAVgcAAKr4//8BAAAAAAAACQEAAABkAAAAAAAAABQAAABAHwAAAAAAACYAAAAAAAAAwOD//wAAAAAmAAAAZAAAABYAAABMAAAAAAAAAAAAAAAEAAAAAAAAAAEAAAAAAAAJAAAAACgAAAAoAAAAZAAAAGQAAAAAAAAAzMzMAAAAAABQAAAAUAAAAGQAAABkAAAAAAAAABcAAAAUAAAAAAAAAAAAAAD/fwAA/38AAAAAAAAJAAAABAAAAHkBhB4eAAAAaAAAAAAAAAAAAAAAAAAAAAAAAAAAAAAAECcAABAnAAAAAAAAAAAAAAAAAAAAAAAAAAAAAAAAAAAAAAAAAAAAABQAAAAAAAAAwMD/AAAAAABkAAAAMgAAAAAAAABkAAAAAAAAAH9/fwAKAAAAIgAAABgAAAAAAAAAAAAAAAAAAAAAAAAAAAAAAAAAAAAkAAAAJAAAAAAAAAAHAAAAAAAAAAAAAAAAAAAAAAAAAAAAAAAAAAAAf39/ACUAAABYAAAAAAAAAAAAAAAAAAAAAAAAAAAAAAAAAAAAAAAAAAAAAAAAAAAAAAAAAAAAAAA/AAAAAAAAAKCGAQAAAAAAAAAAAAAAAAAMAAAAAQAAAAAAAAAAAAAAAAAAAB8AAABUAAAA////AP///wEAAAAAAAAAAAAAAAAAAAAAAAAAAAAAAAAAAAAAAAAAAAAAAAAAAAACAAAAAszMzADAwP8Af39/AAAAAAAAAAAAAAAAAAAAAAAAAAAAIQAAABgAAAAUAAAAwxkAAJsEAADDGQAA5AUAABAAAAAmAAAACAAAAP//////////MAAAABQAAAAAAAAAAAD//wAAAQAAAP//AAABAA=="/>
               </a:ext>
             </a:extLst>
           </p:cNvSpPr>
@@ -12246,7 +11841,7 @@
           <p:cNvSpPr>
             <a:extLst>
               <a:ext uri="smNativeData">
-                <pr:smNativeData xmlns:pr="smNativeData" xmlns="smNativeData" val="SMDATA_16_gfoFYRMAAAAlAAAACgAAAA0AAAAAkAAAAEgAAACQAAAASAAAAAAAAAAAAAAAAAAAAAEAAABQAAAAAAAAAAAA4D8AAAAAAADgPwAAAAAAAOA/AAAAAAAA4D8AAAAAAADgPwAAAAAAAOA/AAAAAAAA4D8AAAAAAADgPwAAAAAAAOA/AAAAAAAA4D8CAAAAjAAAAAAAAAAAAAAA////AP///wgAAAAAAAAAAAAAAAAAAAAAAAAAAAAAAAAAAAAAeAAAAAEAAABAAAAAAAAAAAAAAABaAAAAAAAAAAAAAAAAAAAAAAAAAAAAAAAAAAAAAAAAAAAAAAAAAAAAAAAAAAAAAAAAAAAAAAAAAAAAAAAAAAAAAAAAAAAAAAAAAAAAFAAAADwAAAABAAAAAAAAAAAAAAAeAAAAAQAAABQAAAAUAAAAFAAAAAEAAAAAAAAAZAAAAGQAAAAAAAAAZAAAAGQAAAAVAAAAYAAAAAAAAAAAAAAADwAAACADAAAAAAAAAAAAAAEAAACgMgAAVgcAAKr4//8BAAAAAAAACQEAAABkAAAAAAAAABQAAABAHwAAAAAAACYAAAAAAAAAwOD//wAAAAAmAAAAZAAAABYAAABMAAAAAAAAAAAAAAAEAAAAAAAAAAEAAAAAAAAJAAAAACgAAAAoAAAAZAAAAGQAAAAAAAAAzMzMAAAAAABQAAAAUAAAAGQAAABkAAAAAAAAABcAAAAUAAAAAAAAAAAAAAD/fwAA/38AAAAAAAAJAAAABAAAAFoAZAAeAAAAaAAAAAAAAAAAAAAAAAAAAAAAAAAAAAAAECcAABAnAAAAAAAAAAAAAAAAAAAAAAAAAAAAAAAAAAAAAAAAAAAAABQAAAAAAAAAwMD/AAAAAABkAAAAMgAAAAAAAABkAAAAAAAAAH9/fwAKAAAAIgAAABgAAAAAAAAAAAAAAAAAAAAAAAAAAAAAAAAAAAAkAAAAJAAAAAAAAAAHAAAAAAAAAAAAAAAAAAAAAAAAAAAAAAAAAAAAf39/ACUAAABYAAAAAAAAAAAAAAAAAAAAAAAAAAAAAAAAAAAAAAAAAAAAAAAAAAAAAAAAAAAAAAA/AAAAAAAAAKCGAQAAAAAAAAAAAAAAAAAMAAAAAQAAAAAAAAAAAAAAAAAAAB8AAABUAAAA////AP///wEAAAAAAAAAAAAAAAAAAAAAAAAAAAAAAAAAAAAAAAAAAAAAAAAAAAACAAAAAszMzADAwP8Af39/AAAAAAAAAAAAAAAAAAAAAAAAAAAAIQAAABgAAAAUAAAARhAAAJkEAABIEAAAugoAABAAAAAmAAAACAAAAP//////////MAAAABQAAAAAAAAAAAD//wAAAQAAAP//AAABAA=="/>
+                <pr:smNativeData xmlns:pr="smNativeData" xmlns="smNativeData" val="SMDATA_16_FAWHYRMAAAAlAAAACgAAAA0AAAAAkAAAAEgAAACQAAAASAAAAAAAAAAAAAAAAAAAAAEAAABQAAAAAAAAAAAA4D8AAAAAAADgPwAAAAAAAOA/AAAAAAAA4D8AAAAAAADgPwAAAAAAAOA/AAAAAAAA4D8AAAAAAADgPwAAAAAAAOA/AAAAAAAA4D8CAAAAjAAAAAAAAAAAAAAA////AP///wgAAAAAAAAAAAAAAAAAAAAAAAAAAAAAAAAAAAAAeAAAAAEAAABAAAAAAAAAAAAAAABaAAAAAAAAAAAAAAAAAAAAAAAAAAAAAAAAAAAAAAAAAAAAAAAAAAAAAAAAAAAAAAAAAAAAAAAAAAAAAAAAAAAAAAAAAAAAAAAAAAAAFAAAADwAAAABAAAAAAAAAAAAAAAeAAAAAQAAABQAAAAUAAAAFAAAAAEAAAAAAAAAZAAAAGQAAAAAAAAAZAAAAGQAAAAVAAAAYAAAAAAAAAAAAAAADwAAACADAAAAAAAAAAAAAAEAAACgMgAAVgcAAKr4//8BAAAAAAAACQEAAABkAAAAAAAAABQAAABAHwAAAAAAACYAAAAAAAAAwOD//wAAAAAmAAAAZAAAABYAAABMAAAAAAAAAAAAAAAEAAAAAAAAAAEAAAAAAAAJAAAAACgAAAAoAAAAZAAAAGQAAAAAAAAAzMzMAAAAAABQAAAAUAAAAGQAAABkAAAAAAAAABcAAAAUAAAAAAAAAAAAAAD/fwAA/38AAAAAAAAJAAAABAAAAFoAZAAeAAAAaAAAAAAAAAAAAAAAAAAAAAAAAAAAAAAAECcAABAnAAAAAAAAAAAAAAAAAAAAAAAAAAAAAAAAAAAAAAAAAAAAABQAAAAAAAAAwMD/AAAAAABkAAAAMgAAAAAAAABkAAAAAAAAAH9/fwAKAAAAIgAAABgAAAAAAAAAAAAAAAAAAAAAAAAAAAAAAAAAAAAkAAAAJAAAAAAAAAAHAAAAAAAAAAAAAAAAAAAAAAAAAAAAAAAAAAAAf39/ACUAAABYAAAAAAAAAAAAAAAAAAAAAAAAAAAAAAAAAAAAAAAAAAAAAAAAAAAAAAAAAAAAAAA/AAAAAAAAAKCGAQAAAAAAAAAAAAAAAAAMAAAAAQAAAAAAAAAAAAAAAAAAAB8AAABUAAAA////AP///wEAAAAAAAAAAAAAAAAAAAAAAAAAAAAAAAAAAAAAAAAAAAAAAAAAAAACAAAAAszMzADAwP8Af39/AAAAAAAAAAAAAAAAAAAAAAAAAAAAIQAAABgAAAAUAAAARhAAAJkEAABIEAAAugoAABAAAAAmAAAACAAAAP//////////MAAAABQAAAAAAAAAAAD//wAAAQAAAP//AAABAA=="/>
               </a:ext>
             </a:extLst>
           </p:cNvSpPr>
@@ -12278,7 +11873,7 @@
           <p:cNvSpPr>
             <a:extLst>
               <a:ext uri="smNativeData">
-                <pr:smNativeData xmlns:pr="smNativeData" xmlns="smNativeData" val="SMDATA_16_gfoFYRMAAAAlAAAACgAAAA0AAAAAkAAAAEgAAACQAAAASAAAAAAAAAAAAAAAAAAAAAEAAABQAAAAAAAAAAAA4D8AAAAAAADgPwAAAAAAAOA/AAAAAAAA4D8AAAAAAADgPwAAAAAAAOA/AAAAAAAA4D8AAAAAAADgPwAAAAAAAOA/AAAAAAAA4D8CAAAAjAAAAAAAAAAAAAAA////AP///wgAAAAAAAAAAAAAAAAAAAAAAAAAAAAAAAAAAAAAeAAAAAEAAABAAAAAAAAAAAAAAABaAAAAAAAAAAAAAAAAAAAAAAAAAAAAAAAAAAAAAAAAAAAAAAAAAAAAAAAAAAAAAAAAAAAAAAAAAAAAAAAAAAAAAAAAAAAAAAAAAAAAFAAAADwAAAABAAAAAAAAAAAAAAAeAAAAAQAAABQAAAAUAAAAFAAAAAEAAAAAAAAAZAAAAGQAAAAAAAAAZAAAAGQAAAAVAAAAYAAAAAAAAAAAAAAADwAAACADAAAAAAAAAAAAAAEAAACgMgAAVgcAAKr4//8BAAAAAAAACQEAAABkAAAAAAAAABQAAABAHwAAAAAAACYAAAAAAAAAwOD//wAAAAAmAAAAZAAAABYAAABMAAAAAAAAAAAAAAAEAAAAAAAAAAEAAAAAAAAJAAAAACgAAAAoAAAAZAAAAGQAAAAAAAAAzMzMAAAAAABQAAAAUAAAAGQAAABkAAAAAAAAABcAAAAUAAAAAAAAAAAAAAD/fwAA/38AAAAAAAAJAAAABAAAAHgBxAAeAAAAaAAAAAAAAAAAAAAAAAAAAAAAAAAAAAAAECcAABAnAAAAAAAAAAAAAAAAAAAAAAAAAAAAAAAAAAAAAAAAAAAAABQAAAAAAAAAwMD/AAAAAABkAAAAMgAAAAAAAABkAAAAAAAAAH9/fwAKAAAAIgAAABgAAAAAAAAAAAAAAAAAAAAAAAAAAAAAAAAAAAAkAAAAJAAAAAAAAAAHAAAAAAAAAAAAAAAAAAAAAAAAAAAAAAAAAAAAf39/ACUAAABYAAAAAAAAAAAAAAAAAAAAAAAAAAAAAAAAAAAAAAAAAAAAAAAAAAAAAAAAAAAAAAA/AAAAAAAAAKCGAQAAAAAAAAAAAAAAAAAMAAAAAQAAAAAAAAAAAAAAAAAAAB8AAABUAAAA////AP///wEAAAAAAAAAAAAAAAAAAAAAAAAAAAAAAAAAAAAAAAAAAAAAAAAAAAACAAAAAszMzADAwP8Af39/AAAAAAAAAAAAAAAAAAAAAAAAAAAAIQAAABgAAAAUAAAADg4AALoKAAAODgAAQwwAABAAAAAmAAAACAAAAP//////////MAAAABQAAAAAAAAAAAD//wAAAQAAAP//AAABAA=="/>
+                <pr:smNativeData xmlns:pr="smNativeData" xmlns="smNativeData" val="SMDATA_16_FAWHYRMAAAAlAAAACgAAAA0AAAAAkAAAAEgAAACQAAAASAAAAAAAAAAAAAAAAAAAAAEAAABQAAAAAAAAAAAA4D8AAAAAAADgPwAAAAAAAOA/AAAAAAAA4D8AAAAAAADgPwAAAAAAAOA/AAAAAAAA4D8AAAAAAADgPwAAAAAAAOA/AAAAAAAA4D8CAAAAjAAAAAAAAAAAAAAA////AP///wgAAAAAAAAAAAAAAAAAAAAAAAAAAAAAAAAAAAAAeAAAAAEAAABAAAAAAAAAAAAAAABaAAAAAAAAAAAAAAAAAAAAAAAAAAAAAAAAAAAAAAAAAAAAAAAAAAAAAAAAAAAAAAAAAAAAAAAAAAAAAAAAAAAAAAAAAAAAAAAAAAAAFAAAADwAAAABAAAAAAAAAAAAAAAeAAAAAQAAABQAAAAUAAAAFAAAAAEAAAAAAAAAZAAAAGQAAAAAAAAAZAAAAGQAAAAVAAAAYAAAAAAAAAAAAAAADwAAACADAAAAAAAAAAAAAAEAAACgMgAAVgcAAKr4//8BAAAAAAAACQEAAABkAAAAAAAAABQAAABAHwAAAAAAACYAAAAAAAAAwOD//wAAAAAmAAAAZAAAABYAAABMAAAAAAAAAAAAAAAEAAAAAAAAAAEAAAAAAAAJAAAAACgAAAAoAAAAZAAAAGQAAAAAAAAAzMzMAAAAAABQAAAAUAAAAGQAAABkAAAAAAAAABcAAAAUAAAAAAAAAAAAAAD/fwAA/38AAAAAAAAJAAAABAAAAHgBxAAeAAAAaAAAAAAAAAAAAAAAAAAAAAAAAAAAAAAAECcAABAnAAAAAAAAAAAAAAAAAAAAAAAAAAAAAAAAAAAAAAAAAAAAABQAAAAAAAAAwMD/AAAAAABkAAAAMgAAAAAAAABkAAAAAAAAAH9/fwAKAAAAIgAAABgAAAAAAAAAAAAAAAAAAAAAAAAAAAAAAAAAAAAkAAAAJAAAAAAAAAAHAAAAAAAAAAAAAAAAAAAAAAAAAAAAAAAAAAAAf39/ACUAAABYAAAAAAAAAAAAAAAAAAAAAAAAAAAAAAAAAAAAAAAAAAAAAAAAAAAAAAAAAAAAAAA/AAAAAAAAAKCGAQAAAAAAAAAAAAAAAAAMAAAAAQAAAAAAAAAAAAAAAAAAAB8AAABUAAAA////AP///wEAAAAAAAAAAAAAAAAAAAAAAAAAAAAAAAAAAAAAAAAAAAAAAAAAAAACAAAAAszMzADAwP8Af39/AAAAAAAAAAAAAAAAAAAAAAAAAAAAIQAAABgAAAAUAAAADg4AALoKAAAODgAAQwwAABAAAAAmAAAACAAAAP//////////MAAAABQAAAAAAAAAAAD//wAAAQAAAP//AAABAA=="/>
               </a:ext>
             </a:extLst>
           </p:cNvSpPr>
@@ -12310,7 +11905,7 @@
           <p:cNvSpPr>
             <a:extLst>
               <a:ext uri="smNativeData">
-                <pr:smNativeData xmlns:pr="smNativeData" xmlns="smNativeData" val="SMDATA_16_gfoFYRMAAAAlAAAACgAAAA0AAAAAkAAAAEgAAACQAAAASAAAAAAAAAAAAAAAAAAAAAEAAABQAAAAAAAAAAAA4D8AAAAAAADgPwAAAAAAAOA/AAAAAAAA4D8AAAAAAADgPwAAAAAAAOA/AAAAAAAA4D8AAAAAAADgPwAAAAAAAOA/AAAAAAAA4D8CAAAAjAAAAAAAAAAAAAAA////AP///wgAAAAAAAAAAAAAAAAAAAAAAAAAAAAAAAAAAAAAeAAAAAEAAABAAAAAAAAAAAAAAABaAAAAAAAAAAAAAAAAAAAAAAAAAAAAAAAAAAAAAAAAAAAAAAAAAAAAAAAAAAAAAAAAAAAAAAAAAAAAAAAAAAAAAAAAAAAAAAAAAAAAFAAAADwAAAABAAAAAAAAAAAAAAAeAAAAAQAAABQAAAAUAAAAFAAAAAEAAAAAAAAAZAAAAGQAAAAAAAAAZAAAAGQAAAAVAAAAYAAAAAAAAAAAAAAADwAAACADAAAAAAAAAAAAAAEAAACgMgAAVgcAAKr4//8BAAAAAAAACQEAAABkAAAAAAAAABQAAABAHwAAAAAAACYAAAAAAAAAwOD//wAAAAAmAAAAZAAAABYAAABMAAAAAAAAAAAAAAAEAAAAAAAAAAEAAAAAAAAJAAAAACgAAAAoAAAAZAAAAGQAAAAAAAAAzMzMAAAAAABQAAAAUAAAAGQAAABkAAAAAAAAABcAAAAUAAAAAAAAAAAAAAD/fwAA/38AAAAAAAAJAAAABAAAAH0BDAEeAAAAaAAAAAAAAAAAAAAAAAAAAAAAAAAAAAAAECcAABAnAAAAAAAAAAAAAAAAAAAAAAAAAAAAAAAAAAAAAAAAAAAAABQAAAAAAAAAwMD/AAAAAABkAAAAMgAAAAAAAABkAAAAAAAAAH9/fwAKAAAAIgAAABgAAAAAAAAAAAAAAAAAAAAAAAAAAAAAAAAAAAAkAAAAJAAAAAAAAAAHAAAAAAAAAAAAAAAAAAAAAAAAAAAAAAAAAAAAf39/ACUAAABYAAAAAAAAAAAAAAAAAAAAAAAAAAAAAAAAAAAAAAAAAAAAAAAAAAAAAAAAAAAAAAA/AAAAAAAAAKCGAQAAAAAAAAAAAAAAAAAMAAAAAQAAAAAAAAAAAAAAAAAAAB8AAABUAAAA////AP///wEAAAAAAAAAAAAAAAAAAAAAAAAAAAAAAAAAAAAAAAAAAAAAAAAAAAACAAAAAszMzADAwP8Af39/AAAAAAAAAAAAAAAAAAAAAAAAAAAAIQAAABgAAAAUAAAADBMAAKkKAAAMEwAANgwAABAAAAAmAAAACAAAAP//////////MAAAABQAAAAAAAAAAAD//wAAAQAAAP//AAABAA=="/>
+                <pr:smNativeData xmlns:pr="smNativeData" xmlns="smNativeData" val="SMDATA_16_FAWHYRMAAAAlAAAACgAAAA0AAAAAkAAAAEgAAACQAAAASAAAAAAAAAAAAAAAAAAAAAEAAABQAAAAAAAAAAAA4D8AAAAAAADgPwAAAAAAAOA/AAAAAAAA4D8AAAAAAADgPwAAAAAAAOA/AAAAAAAA4D8AAAAAAADgPwAAAAAAAOA/AAAAAAAA4D8CAAAAjAAAAAAAAAAAAAAA////AP///wgAAAAAAAAAAAAAAAAAAAAAAAAAAAAAAAAAAAAAeAAAAAEAAABAAAAAAAAAAAAAAABaAAAAAAAAAAAAAAAAAAAAAAAAAAAAAAAAAAAAAAAAAAAAAAAAAAAAAAAAAAAAAAAAAAAAAAAAAAAAAAAAAAAAAAAAAAAAAAAAAAAAFAAAADwAAAABAAAAAAAAAAAAAAAeAAAAAQAAABQAAAAUAAAAFAAAAAEAAAAAAAAAZAAAAGQAAAAAAAAAZAAAAGQAAAAVAAAAYAAAAAAAAAAAAAAADwAAACADAAAAAAAAAAAAAAEAAACgMgAAVgcAAKr4//8BAAAAAAAACQEAAABkAAAAAAAAABQAAABAHwAAAAAAACYAAAAAAAAAwOD//wAAAAAmAAAAZAAAABYAAABMAAAAAAAAAAAAAAAEAAAAAAAAAAEAAAAAAAAJAAAAACgAAAAoAAAAZAAAAGQAAAAAAAAAzMzMAAAAAABQAAAAUAAAAGQAAABkAAAAAAAAABcAAAAUAAAAAAAAAAAAAAD/fwAA/38AAAAAAAAJAAAABAAAAH0BDAEeAAAAaAAAAAAAAAAAAAAAAAAAAAAAAAAAAAAAECcAABAnAAAAAAAAAAAAAAAAAAAAAAAAAAAAAAAAAAAAAAAAAAAAABQAAAAAAAAAwMD/AAAAAABkAAAAMgAAAAAAAABkAAAAAAAAAH9/fwAKAAAAIgAAABgAAAAAAAAAAAAAAAAAAAAAAAAAAAAAAAAAAAAkAAAAJAAAAAAAAAAHAAAAAAAAAAAAAAAAAAAAAAAAAAAAAAAAAAAAf39/ACUAAABYAAAAAAAAAAAAAAAAAAAAAAAAAAAAAAAAAAAAAAAAAAAAAAAAAAAAAAAAAAAAAAA/AAAAAAAAAKCGAQAAAAAAAAAAAAAAAAAMAAAAAQAAAAAAAAAAAAAAAAAAAB8AAABUAAAA////AP///wEAAAAAAAAAAAAAAAAAAAAAAAAAAAAAAAAAAAAAAAAAAAAAAAAAAAACAAAAAszMzADAwP8Af39/AAAAAAAAAAAAAAAAAAAAAAAAAAAAIQAAABgAAAAUAAAADBMAAKkKAAAMEwAANgwAABAAAAAmAAAACAAAAP//////////MAAAABQAAAAAAAAAAAD//wAAAQAAAP//AAABAA=="/>
               </a:ext>
             </a:extLst>
           </p:cNvSpPr>
@@ -12342,7 +11937,7 @@
           <p:cNvSpPr>
             <a:extLst>
               <a:ext uri="smNativeData">
-                <pr:smNativeData xmlns:pr="smNativeData" xmlns="smNativeData" val="SMDATA_16_gfoFYRMAAAAlAAAACgAAAA0AAAAAkAAAAEgAAACQAAAASAAAAAAAAAAAAAAAAAAAAAEAAABQAAAAAAAAAAAA4D8AAAAAAADgPwAAAAAAAOA/AAAAAAAA4D8AAAAAAADgPwAAAAAAAOA/AAAAAAAA4D8AAAAAAADgPwAAAAAAAOA/AAAAAAAA4D8CAAAAjAAAAAAAAAAAAAAA////AP///wgAAAAAAAAAAAAAAAAAAAAAAAAAAAAAAAAAAAAAeAAAAAEAAABAAAAAAAAAAAAAAABaAAAAAAAAAAAAAAAAAAAAAAAAAAAAAAAAAAAAAAAAAAAAAAAAAAAAAAAAAAAAAAAAAAAAAAAAAAAAAAAAAAAAAAAAAAAAAAAAAAAAFAAAADwAAAABAAAAAAAAAP8AAAAeAAAAAQAAABQAAAAUAAAAFAAAAAEAAAAAAAAAZAAAAGQAAAAAAAAAZAAAAGQAAAAVAAAAYAAAAAAAAAAAAAAADwAAACADAAAAAAAAAAAAAAEAAACgMgAAVgcAAKr4//8BAAAAAAAACQEAAABkAAAAAAAAABQAAABAHwAAAAAAACYAAAAAAAAAwOD//wAAAAAmAAAAZAAAABYAAABMAAAAAAAAAAAAAAAEAAAAAAAAAAEAAAAAAAAJAAAAACgAAAAoAAAAZAAAAGQAAAAAAAAAzMzMAAAAAABQAAAAUAAAAGQAAABkAAAAAAAAABcAAAAUAAAAAAAAAAAAAAD/fwAA/38AAAAAAAAJAAAABAAAAIQeYQEeAAAAaAAAAAAAAAAAAAAAAAAAAAAAAAAAAAAAECcAABAnAAAAAAAAAAAAAAAAAAAAAAAAAAAAAAAAAAAAAAAAAAAAABQAAAAAAAAAwMD/AAAAAABkAAAAMgAAAAAAAABkAAAAAAAAAH9/fwAKAAAAIgAAABgAAAAAAAAAAAAAAAAAAAAAAAAAAAAAAAAAAAAkAAAAJAAAAAAAAAAHAAAAAAAAAAAAAAAAAAAAAAAAAAAAAAAAAAAAf39/ACUAAABYAAAAAAAAAAAAAAAAAAAAAAAAAAAAAAAAAAAAAAAAAAAAAAAAAAAAAAAAAAAAAAA/AAAAAAAAAKCGAQAAAAAAAAAAAAAAAAAMAAAAAQAAAAAAAAAAAAAAAAAAAB8AAABUAAAA////AP///wEAAAAAAAAAAAAAAAAAAAAAAAAAAAAAAAAAAAAAAAAAAP8AAAAAAAACAAAAAszMzADAwP8Af39/AAAAAAAAAAAAAAAAAAAAAAAAAAAAIQAAABgAAAAUAAAAYBgAAL0IAABgGAAAQwwAABAAAAAmAAAACAAAAP//////////MAAAABQAAAAAAAAAAAD//wAAAQAAAP//AAABAA=="/>
+                <pr:smNativeData xmlns:pr="smNativeData" xmlns="smNativeData" val="SMDATA_16_FAWHYRMAAAAlAAAACgAAAA0AAAAAkAAAAEgAAACQAAAASAAAAAAAAAAAAAAAAAAAAAEAAABQAAAAAAAAAAAA4D8AAAAAAADgPwAAAAAAAOA/AAAAAAAA4D8AAAAAAADgPwAAAAAAAOA/AAAAAAAA4D8AAAAAAADgPwAAAAAAAOA/AAAAAAAA4D8CAAAAjAAAAAAAAAAAAAAA////AP///wgAAAAAAAAAAAAAAAAAAAAAAAAAAAAAAAAAAAAAeAAAAAEAAABAAAAAAAAAAAAAAABaAAAAAAAAAAAAAAAAAAAAAAAAAAAAAAAAAAAAAAAAAAAAAAAAAAAAAAAAAAAAAAAAAAAAAAAAAAAAAAAAAAAAAAAAAAAAAAAAAAAAFAAAADwAAAABAAAAAAAAAP8AAAAeAAAAAQAAABQAAAAUAAAAFAAAAAEAAAAAAAAAZAAAAGQAAAAAAAAAZAAAAGQAAAAVAAAAYAAAAAAAAAAAAAAADwAAACADAAAAAAAAAAAAAAEAAACgMgAAVgcAAKr4//8BAAAAAAAACQEAAABkAAAAAAAAABQAAABAHwAAAAAAACYAAAAAAAAAwOD//wAAAAAmAAAAZAAAABYAAABMAAAAAAAAAAAAAAAEAAAAAAAAAAEAAAAAAAAJAAAAACgAAAAoAAAAZAAAAGQAAAAAAAAAzMzMAAAAAABQAAAAUAAAAGQAAABkAAAAAAAAABcAAAAUAAAAAAAAAAAAAAD/fwAA/38AAAAAAAAJAAAABAAAAIQeYQEeAAAAaAAAAAAAAAAAAAAAAAAAAAAAAAAAAAAAECcAABAnAAAAAAAAAAAAAAAAAAAAAAAAAAAAAAAAAAAAAAAAAAAAABQAAAAAAAAAwMD/AAAAAABkAAAAMgAAAAAAAABkAAAAAAAAAH9/fwAKAAAAIgAAABgAAAAAAAAAAAAAAAAAAAAAAAAAAAAAAAAAAAAkAAAAJAAAAAAAAAAHAAAAAAAAAAAAAAAAAAAAAAAAAAAAAAAAAAAAf39/ACUAAABYAAAAAAAAAAAAAAAAAAAAAAAAAAAAAAAAAAAAAAAAAAAAAAAAAAAAAAAAAAAAAAA/AAAAAAAAAKCGAQAAAAAAAAAAAAAAAAAMAAAAAQAAAAAAAAAAAAAAAAAAAB8AAABUAAAA////AP///wEAAAAAAAAAAAAAAAAAAAAAAAAAAAAAAAAAAAAAAAAAAP8AAAAAAAACAAAAAszMzADAwP8Af39/AAAAAAAAAAAAAAAAAAAAAAAAAAAAIQAAABgAAAAUAAAAYBgAAL0IAABgGAAAQwwAABAAAAAmAAAACAAAAP//////////MAAAABQAAAAAAAAAAAD//wAAAQAAAP//AAABAA=="/>
               </a:ext>
             </a:extLst>
           </p:cNvSpPr>
@@ -12374,7 +11969,7 @@
           <p:cNvSpPr>
             <a:extLst>
               <a:ext uri="smNativeData">
-                <pr:smNativeData xmlns:pr="smNativeData" xmlns="smNativeData" val="SMDATA_16_gfoFYRMAAAAlAAAACgAAAA0AAAAAkAAAAEgAAACQAAAASAAAAAAAAAAAAAAAAAAAAAEAAABQAAAAAAAAAAAA4D8AAAAAAADgPwAAAAAAAOA/AAAAAAAA4D8AAAAAAADgPwAAAAAAAOA/AAAAAAAA4D8AAAAAAADgPwAAAAAAAOA/AAAAAAAA4D8CAAAAjAAAAAAAAAAAAAAA////AP///wgAAAAAAAAAAAAAAAAAAAAAAAAAAAAAAAAAAAAAeAAAAAEAAABAAAAAAAAAAAAAAABaAAAAAAAAAAAAAAAAAAAAAAAAAAAAAAAAAAAAAAAAAAAAAAAAAAAAAAAAAAAAAAAAAAAAAAAAAAAAAAAAAAAAAAAAAAAAAAAAAAAAFAAAADwAAAABAAAAAAAAAP8AAAAeAAAAAQAAABQAAAAUAAAAFAAAAAEAAAAAAAAAZAAAAGQAAAAAAAAAZAAAAGQAAAAVAAAAYAAAAAAAAAAAAAAADwAAACADAAAAAAAAAAAAAAEAAACgMgAAVgcAAKr4//8BAAAAAAAACQEAAABkAAAAAAAAABQAAABAHwAAAAAAACYAAAAAAAAAwOD//wAAAAAmAAAAZAAAABYAAABMAAAAAAAAAAAAAAAEAAAAAAAAAAEAAAAAAAAJAAAAACgAAAAoAAAAZAAAAGQAAAAAAAAAzMzMAAAAAABQAAAAUAAAAGQAAABkAAAAAAAAABcAAAAUAAAAAAAAAAAAAAD/fwAA/38AAAAAAAAJAAAABAAAAHgB/QAeAAAAaAAAAAAAAAAAAAAAAAAAAAAAAAAAAAAAECcAABAnAAAAAAAAAAAAAAAAAAAAAAAAAAAAAAAAAAAAAAAAAAAAABQAAAAAAAAAwMD/AAAAAABkAAAAMgAAAAAAAABkAAAAAAAAAH9/fwAKAAAAIgAAABgAAAAAAAAAAAAAAAAAAAAAAAAAAAAAAAAAAAAkAAAAJAAAAAAAAAAHAAAAAAAAAAAAAAAAAAAAAAAAAAAAAAAAAAAAf39/ACUAAABYAAAAAAAAAAAAAAAAAAAAAAAAAAAAAAAAAAAAAAAAAAAAAAAAAAAAAAAAAAAAAAA/AAAAAAAAAKCGAQAAAAAAAAAAAAAAAAAMAAAAAQAAAAAAAAAAAAAAAAAAAB8AAABUAAAA////AP///wEAAAAAAAAAAAAAAAAAAAAAAAAAAAAAAAAAAAAAAAAAAP8AAAAAAAACAAAAAszMzADAwP8Af39/AAAAAAAAAAAAAAAAAAAAAAAAAAAAIQAAABgAAAAUAAAA2RkAAL0IAADZGQAAdAsAABAAAAAmAAAACAAAAP//////////MAAAABQAAAAAAAAAAAD//wAAAQAAAP//AAABAA=="/>
+                <pr:smNativeData xmlns:pr="smNativeData" xmlns="smNativeData" val="SMDATA_16_FAWHYRMAAAAlAAAACgAAAA0AAAAAkAAAAEgAAACQAAAASAAAAAAAAAAAAAAAAAAAAAEAAABQAAAAAAAAAAAA4D8AAAAAAADgPwAAAAAAAOA/AAAAAAAA4D8AAAAAAADgPwAAAAAAAOA/AAAAAAAA4D8AAAAAAADgPwAAAAAAAOA/AAAAAAAA4D8CAAAAjAAAAAAAAAAAAAAA////AP///wgAAAAAAAAAAAAAAAAAAAAAAAAAAAAAAAAAAAAAeAAAAAEAAABAAAAAAAAAAAAAAABaAAAAAAAAAAAAAAAAAAAAAAAAAAAAAAAAAAAAAAAAAAAAAAAAAAAAAAAAAAAAAAAAAAAAAAAAAAAAAAAAAAAAAAAAAAAAAAAAAAAAFAAAADwAAAABAAAAAAAAAP8AAAAeAAAAAQAAABQAAAAUAAAAFAAAAAEAAAAAAAAAZAAAAGQAAAAAAAAAZAAAAGQAAAAVAAAAYAAAAAAAAAAAAAAADwAAACADAAAAAAAAAAAAAAEAAACgMgAAVgcAAKr4//8BAAAAAAAACQEAAABkAAAAAAAAABQAAABAHwAAAAAAACYAAAAAAAAAwOD//wAAAAAmAAAAZAAAABYAAABMAAAAAAAAAAAAAAAEAAAAAAAAAAEAAAAAAAAJAAAAACgAAAAoAAAAZAAAAGQAAAAAAAAAzMzMAAAAAABQAAAAUAAAAGQAAABkAAAAAAAAABcAAAAUAAAAAAAAAAAAAAD/fwAA/38AAAAAAAAJAAAABAAAAHgB/QAeAAAAaAAAAAAAAAAAAAAAAAAAAAAAAAAAAAAAECcAABAnAAAAAAAAAAAAAAAAAAAAAAAAAAAAAAAAAAAAAAAAAAAAABQAAAAAAAAAwMD/AAAAAABkAAAAMgAAAAAAAABkAAAAAAAAAH9/fwAKAAAAIgAAABgAAAAAAAAAAAAAAAAAAAAAAAAAAAAAAAAAAAAkAAAAJAAAAAAAAAAHAAAAAAAAAAAAAAAAAAAAAAAAAAAAAAAAAAAAf39/ACUAAABYAAAAAAAAAAAAAAAAAAAAAAAAAAAAAAAAAAAAAAAAAAAAAAAAAAAAAAAAAAAAAAA/AAAAAAAAAKCGAQAAAAAAAAAAAAAAAAAMAAAAAQAAAAAAAAAAAAAAAAAAAB8AAABUAAAA////AP///wEAAAAAAAAAAAAAAAAAAAAAAAAAAAAAAAAAAAAAAAAAAP8AAAAAAAACAAAAAszMzADAwP8Af39/AAAAAAAAAAAAAAAAAAAAAAAAAAAAIQAAABgAAAAUAAAA2RkAAL0IAADZGQAAdAsAABAAAAAmAAAACAAAAP//////////MAAAABQAAAAAAAAAAAD//wAAAQAAAP//AAABAA=="/>
               </a:ext>
             </a:extLst>
           </p:cNvSpPr>
@@ -12406,7 +12001,7 @@
           <p:cNvSpPr>
             <a:extLst>
               <a:ext uri="smNativeData">
-                <pr:smNativeData xmlns:pr="smNativeData" xmlns="smNativeData" val="SMDATA_16_gfoFYRMAAAAlAAAACgAAAA0AAAAAkAAAAEgAAACQAAAASAAAAAAAAAAAAAAAAAAAAAEAAABQAAAAAAAAAAAA4D8AAAAAAADgPwAAAAAAAOA/AAAAAAAA4D8AAAAAAADgPwAAAAAAAOA/AAAAAAAA4D8AAAAAAADgPwAAAAAAAOA/AAAAAAAA4D8CAAAAjAAAAAAAAAAAAAAA////AP///wgAAAAAAAAAAAAAAAAAAAAAAAAAAAAAAAAAAAAAeAAAAAEAAABAAAAAAAAAAAAAAABaAAAAAAAAAAAAAAAAAAAAAAAAAAAAAAAAAAAAAAAAAAAAAAAAAAAAAAAAAAAAAAAAAAAAAAAAAAAAAAAAAAAAAAAAAAAAAAAAAAAAFAAAADwAAAABAAAAAAAAAAAAAAAeAAAAAQAAABQAAAAUAAAAFAAAAAEAAAAAAAAAZAAAAGQAAAAAAAAAZAAAAGQAAAAVAAAAYAAAAAAAAAAAAAAADwAAACADAAAAAAAAAAAAAAEAAACgMgAAVgcAAKr4//8BAAAAAAAACQEAAABkAAAAAAAAABQAAABAHwAAAAAAACYAAAAAAAAAwOD//wAAAAAmAAAAZAAAABYAAABMAAAAAAAAAAAAAAAEAAAAAAAAAAEAAAAAAAAJAAAAACgAAAAoAAAAZAAAAGQAAAAAAAAAzMzMAAAAAABQAAAAUAAAAGQAAABkAAAAAAAAABcAAAAUAAAAAAAAAAAAAAD/fwAA/38AAAAAAAAJAAAABAAAAFgATwEeAAAAaAAAAAAAAAAAAAAAAAAAAAAAAAAAAAAAECcAABAnAAAAAAAAAAAAAAAAAAAAAAAAAAAAAAAAAAAAAAAAAAAAABQAAAAAAAAAwMD/AAAAAABkAAAAMgAAAAAAAABkAAAAAAAAAH9/fwAKAAAAIgAAABgAAAAAAAAAAAAAAAAAAAAAAAAAAAAAAAAAAAAkAAAAJAAAAAAAAAAHAAAAAAAAAAAAAAAAAAAAAAAAAAAAAAAAAAAAf39/ACUAAABYAAAAAAAAAAAAAAAAAAAAAAAAAAAAAAAAAAAAAAAAAAAAAAAAAAAAAAAAAAAAAAA/AAAAAAAAAKCGAQAAAAAAAAAAAAAAAAAMAAAAAQAAAAAAAAAAAAAAAAAAAB8AAABUAAAA////AP///wEAAAAAAAAAAAAAAAAAAAAAAAAAAAAAAAAAAAAAAAAAAAAAAAAAAAACAAAAAszMzADAwP8Af39/AAAAAAAAAAAAAAAAAAAAAAAAAAAAIQAAABgAAAAUAAAAnx0AAAoNAACkHgAACg0AABAAAAAmAAAACAAAAP//////////MAAAABQAAAAAAAAAAAD//wAAAQAAAP//AAABAA=="/>
+                <pr:smNativeData xmlns:pr="smNativeData" xmlns="smNativeData" val="SMDATA_16_FAWHYRMAAAAlAAAACgAAAA0AAAAAkAAAAEgAAACQAAAASAAAAAAAAAAAAAAAAAAAAAEAAABQAAAAAAAAAAAA4D8AAAAAAADgPwAAAAAAAOA/AAAAAAAA4D8AAAAAAADgPwAAAAAAAOA/AAAAAAAA4D8AAAAAAADgPwAAAAAAAOA/AAAAAAAA4D8CAAAAjAAAAAAAAAAAAAAA////AP///wgAAAAAAAAAAAAAAAAAAAAAAAAAAAAAAAAAAAAAeAAAAAEAAABAAAAAAAAAAAAAAABaAAAAAAAAAAAAAAAAAAAAAAAAAAAAAAAAAAAAAAAAAAAAAAAAAAAAAAAAAAAAAAAAAAAAAAAAAAAAAAAAAAAAAAAAAAAAAAAAAAAAFAAAADwAAAABAAAAAAAAAAAAAAAeAAAAAQAAABQAAAAUAAAAFAAAAAEAAAAAAAAAZAAAAGQAAAAAAAAAZAAAAGQAAAAVAAAAYAAAAAAAAAAAAAAADwAAACADAAAAAAAAAAAAAAEAAACgMgAAVgcAAKr4//8BAAAAAAAACQEAAABkAAAAAAAAABQAAABAHwAAAAAAACYAAAAAAAAAwOD//wAAAAAmAAAAZAAAABYAAABMAAAAAAAAAAAAAAAEAAAAAAAAAAEAAAAAAAAJAAAAACgAAAAoAAAAZAAAAGQAAAAAAAAAzMzMAAAAAABQAAAAUAAAAGQAAABkAAAAAAAAABcAAAAUAAAAAAAAAAAAAAD/fwAA/38AAAAAAAAJAAAABAAAAFgATwEeAAAAaAAAAAAAAAAAAAAAAAAAAAAAAAAAAAAAECcAABAnAAAAAAAAAAAAAAAAAAAAAAAAAAAAAAAAAAAAAAAAAAAAABQAAAAAAAAAwMD/AAAAAABkAAAAMgAAAAAAAABkAAAAAAAAAH9/fwAKAAAAIgAAABgAAAAAAAAAAAAAAAAAAAAAAAAAAAAAAAAAAAAkAAAAJAAAAAAAAAAHAAAAAAAAAAAAAAAAAAAAAAAAAAAAAAAAAAAAf39/ACUAAABYAAAAAAAAAAAAAAAAAAAAAAAAAAAAAAAAAAAAAAAAAAAAAAAAAAAAAAAAAAAAAAA/AAAAAAAAAKCGAQAAAAAAAAAAAAAAAAAMAAAAAQAAAAAAAAAAAAAAAAAAAB8AAABUAAAA////AP///wEAAAAAAAAAAAAAAAAAAAAAAAAAAAAAAAAAAAAAAAAAAAAAAAAAAAACAAAAAszMzADAwP8Af39/AAAAAAAAAAAAAAAAAAAAAAAAAAAAIQAAABgAAAAUAAAAnx0AAAoNAACkHgAACg0AABAAAAAmAAAACAAAAP//////////MAAAABQAAAAAAAAAAAD//wAAAQAAAP//AAABAA=="/>
               </a:ext>
             </a:extLst>
           </p:cNvSpPr>
@@ -12438,7 +12033,7 @@
           <p:cNvSpPr>
             <a:extLst>
               <a:ext uri="smNativeData">
-                <pr:smNativeData xmlns:pr="smNativeData" xmlns="smNativeData" val="SMDATA_16_gfoFYRMAAAAlAAAACgAAAA0AAAAAkAAAAEgAAACQAAAASAAAAAAAAAAAAAAAAAAAAAEAAABQAAAAAAAAAAAA4D8AAAAAAADgPwAAAAAAAOA/AAAAAAAA4D8AAAAAAADgPwAAAAAAAOA/AAAAAAAA4D8AAAAAAADgPwAAAAAAAOA/AAAAAAAA4D8CAAAAjAAAAAAAAAAAAAAA////AP///wgAAAAAAAAAAAAAAAAAAAAAAAAAAAAAAAAAAAAAeAAAAAEAAABAAAAAAAAAAAAAAABaAAAAAAAAAAAAAAAAAAAAAAAAAAAAAAAAAAAAAAAAAAAAAAAAAAAAAAAAAAAAAAAAAAAAAAAAAAAAAAAAAAAAAAAAAAAAAAAAAAAAFAAAADwAAAABAAAAAAAAAAAAAAAeAAAAAQAAABQAAAAUAAAAFAAAAAEAAAAAAAAAZAAAAGQAAAAAAAAAZAAAAGQAAAAVAAAAYAAAAAAAAAAAAAAADwAAACADAAAAAAAAAAAAAAEAAACgMgAAVgcAAKr4//8BAAAAAAAACQEAAABkAAAAAAAAABQAAABAHwAAAAAAACYAAAAAAAAAwOD//wAAAAAmAAAAZAAAABYAAABMAAAAAAAAAAAAAAAEAAAAAAAAAAEAAAAAAAAJAAAAACgAAAAoAAAAZAAAAGQAAAAAAAAAzMzMAAAAAABQAAAAUAAAAGQAAABkAAAAAAAAABcAAAAUAAAAAAAAAAAAAAD/fwAA/38AAAAAAAAJAAAABAAAAIIe8QAeAAAAaAAAAAAAAAAAAAAAAAAAAAAAAAAAAAAAECcAABAnAAAAAAAAAAAAAAAAAAAAAAAAAAAAAAAAAAAAAAAAAAAAABQAAAAAAAAAwMD/AAAAAABkAAAAMgAAAAAAAABkAAAAAAAAAH9/fwAKAAAAIgAAABgAAAAAAAAAAAAAAAAAAAAAAAAAAAAAAAAAAAAkAAAAJAAAAAAAAAAHAAAAAAAAAAAAAAAAAAAAAAAAAAAAAAAAAAAAf39/ACUAAABYAAAAAAAAAAAAAAAAAAAAAAAAAAAAAAAAAAAAAAAAAAAAAAAAAAAAAAAAAAAAAAA/AAAAAAAAAKCGAQAAAAAAAAAAAAAAAAAMAAAAAQAAAAAAAAAAAAAAAAAAAB8AAABUAAAA////AP///wEAAAAAAAAAAAAAAAAAAAAAAAAAAAAAAAAAAAAAAAAAAAAAAAAAAAACAAAAAszMzADAwP8Af39/AAAAAAAAAAAAAAAAAAAAAAAAAAAAIQAAABgAAAAUAAAA1hgAAL0IAADWGAAAQwwAABAAAAAmAAAACAAAAP//////////MAAAABQAAAAAAAAAAAD//wAAAQAAAP//AAABAA=="/>
+                <pr:smNativeData xmlns:pr="smNativeData" xmlns="smNativeData" val="SMDATA_16_FAWHYRMAAAAlAAAACgAAAA0AAAAAkAAAAEgAAACQAAAASAAAAAAAAAAAAAAAAAAAAAEAAABQAAAAAAAAAAAA4D8AAAAAAADgPwAAAAAAAOA/AAAAAAAA4D8AAAAAAADgPwAAAAAAAOA/AAAAAAAA4D8AAAAAAADgPwAAAAAAAOA/AAAAAAAA4D8CAAAAjAAAAAAAAAAAAAAA////AP///wgAAAAAAAAAAAAAAAAAAAAAAAAAAAAAAAAAAAAAeAAAAAEAAABAAAAAAAAAAAAAAABaAAAAAAAAAAAAAAAAAAAAAAAAAAAAAAAAAAAAAAAAAAAAAAAAAAAAAAAAAAAAAAAAAAAAAAAAAAAAAAAAAAAAAAAAAAAAAAAAAAAAFAAAADwAAAABAAAAAAAAAAAAAAAeAAAAAQAAABQAAAAUAAAAFAAAAAEAAAAAAAAAZAAAAGQAAAAAAAAAZAAAAGQAAAAVAAAAYAAAAAAAAAAAAAAADwAAACADAAAAAAAAAAAAAAEAAACgMgAAVgcAAKr4//8BAAAAAAAACQEAAABkAAAAAAAAABQAAABAHwAAAAAAACYAAAAAAAAAwOD//wAAAAAmAAAAZAAAABYAAABMAAAAAAAAAAAAAAAEAAAAAAAAAAEAAAAAAAAJAAAAACgAAAAoAAAAZAAAAGQAAAAAAAAAzMzMAAAAAABQAAAAUAAAAGQAAABkAAAAAAAAABcAAAAUAAAAAAAAAAAAAAD/fwAA/38AAAAAAAAJAAAABAAAAIIe8QAeAAAAaAAAAAAAAAAAAAAAAAAAAAAAAAAAAAAAECcAABAnAAAAAAAAAAAAAAAAAAAAAAAAAAAAAAAAAAAAAAAAAAAAABQAAAAAAAAAwMD/AAAAAABkAAAAMgAAAAAAAABkAAAAAAAAAH9/fwAKAAAAIgAAABgAAAAAAAAAAAAAAAAAAAAAAAAAAAAAAAAAAAAkAAAAJAAAAAAAAAAHAAAAAAAAAAAAAAAAAAAAAAAAAAAAAAAAAAAAf39/ACUAAABYAAAAAAAAAAAAAAAAAAAAAAAAAAAAAAAAAAAAAAAAAAAAAAAAAAAAAAAAAAAAAAA/AAAAAAAAAKCGAQAAAAAAAAAAAAAAAAAMAAAAAQAAAAAAAAAAAAAAAAAAAB8AAABUAAAA////AP///wEAAAAAAAAAAAAAAAAAAAAAAAAAAAAAAAAAAAAAAAAAAAAAAAAAAAACAAAAAszMzADAwP8Af39/AAAAAAAAAAAAAAAAAAAAAAAAAAAAIQAAABgAAAAUAAAA1hgAAL0IAADWGAAAQwwAABAAAAAmAAAACAAAAP//////////MAAAABQAAAAAAAAAAAD//wAAAQAAAP//AAABAA=="/>
               </a:ext>
             </a:extLst>
           </p:cNvSpPr>
@@ -12470,7 +12065,7 @@
           <p:cNvSpPr>
             <a:extLst>
               <a:ext uri="smNativeData">
-                <pr:smNativeData xmlns:pr="smNativeData" xmlns="smNativeData" val="SMDATA_16_gfoFYRMAAAAlAAAACgAAAA0AAAAAkAAAAEgAAACQAAAASAAAAAAAAAAAAAAAAAAAAAEAAABQAAAAAAAAAAAA4D8AAAAAAADgPwAAAAAAAOA/AAAAAAAA4D8AAAAAAADgPwAAAAAAAOA/AAAAAAAA4D8AAAAAAADgPwAAAAAAAOA/AAAAAAAA4D8CAAAAjAAAAAAAAAAAAAAA////AP///wgAAAAAAAAAAAAAAAAAAAAAAAAAAAAAAAAAAAAAeAAAAAEAAABAAAAAAAAAAAAAAABaAAAAAAAAAAAAAAAAAAAAAAAAAAAAAAAAAAAAAAAAAAAAAAAAAAAAAAAAAAAAAAAAAAAAAAAAAAAAAAAAAAAAAAAAAAAAAAAAAAAAFAAAADwAAAABAAAAAAAAAAAAAAAeAAAAAQAAABQAAAAUAAAAFAAAAAEAAAAAAAAAZAAAAGQAAAAAAAAAZAAAAGQAAAAVAAAAYAAAAAAAAAAAAAAADwAAACADAAAAAAAAAAAAAAEAAACgMgAAVgcAAKr4//8BAAAAAAAACQEAAABkAAAAAAAAABQAAABAHwAAAAAAACYAAAAAAAAAwOD//wAAAAAmAAAAZAAAABYAAABMAAAAAAAAAAAAAAAEAAAAAAAAAAEAAAAAAAAJAAAAACgAAAAoAAAAZAAAAGQAAAAAAAAAzMzMAAAAAABQAAAAUAAAAGQAAABkAAAAAAAAABcAAAAUAAAAAAAAAAAAAAD/fwAA/38AAAAAAAAJAAAABAAAAHQBtR4eAAAAaAAAAAAAAAAAAAAAAAAAAAAAAAAAAAAAECcAABAnAAAAAAAAAAAAAAAAAAAAAAAAAAAAAAAAAAAAAAAAAAAAABQAAAAAAAAAwMD/AAAAAABkAAAAMgAAAAAAAABkAAAAAAAAAH9/fwAKAAAAIgAAABgAAAAAAAAAAAAAAAAAAAAAAAAAAAAAAAAAAAAkAAAAJAAAAAAAAAAHAAAAAAAAAAAAAAAAAAAAAAAAAAAAAAAAAAAAf39/ACUAAABYAAAAAAAAAAAAAAAAAAAAAAAAAAAAAAAAAAAAAAAAAAAAAAAAAAAAAAAAAAAAAAA/AAAAAAAAAKCGAQAAAAAAAAAAAAAAAAAMAAAAAQAAAAAAAAAAAAAAAAAAAB8AAABUAAAA////AP///wEAAAAAAAAAAAAAAAAAAAAAAAAAAAAAAAAAAAAAAAAAAAAAAAAAAAACAAAAAszMzADAwP8Af39/AAAAAAAAAAAAAAAAAAAAAAAAAAAAIQAAABgAAAAUAAAAkx0AALIJAACkHgAAsgkAABAAAAAmAAAACAAAAP//////////MAAAABQAAAAAAAAAAAD//wAAAQAAAP//AAABAA=="/>
+                <pr:smNativeData xmlns:pr="smNativeData" xmlns="smNativeData" val="SMDATA_16_FAWHYRMAAAAlAAAACgAAAA0AAAAAkAAAAEgAAACQAAAASAAAAAAAAAAAAAAAAAAAAAEAAABQAAAAAAAAAAAA4D8AAAAAAADgPwAAAAAAAOA/AAAAAAAA4D8AAAAAAADgPwAAAAAAAOA/AAAAAAAA4D8AAAAAAADgPwAAAAAAAOA/AAAAAAAA4D8CAAAAjAAAAAAAAAAAAAAA////AP///wgAAAAAAAAAAAAAAAAAAAAAAAAAAAAAAAAAAAAAeAAAAAEAAABAAAAAAAAAAAAAAABaAAAAAAAAAAAAAAAAAAAAAAAAAAAAAAAAAAAAAAAAAAAAAAAAAAAAAAAAAAAAAAAAAAAAAAAAAAAAAAAAAAAAAAAAAAAAAAAAAAAAFAAAADwAAAABAAAAAAAAAAAAAAAeAAAAAQAAABQAAAAUAAAAFAAAAAEAAAAAAAAAZAAAAGQAAAAAAAAAZAAAAGQAAAAVAAAAYAAAAAAAAAAAAAAADwAAACADAAAAAAAAAAAAAAEAAACgMgAAVgcAAKr4//8BAAAAAAAACQEAAABkAAAAAAAAABQAAABAHwAAAAAAACYAAAAAAAAAwOD//wAAAAAmAAAAZAAAABYAAABMAAAAAAAAAAAAAAAEAAAAAAAAAAEAAAAAAAAJAAAAACgAAAAoAAAAZAAAAGQAAAAAAAAAzMzMAAAAAABQAAAAUAAAAGQAAABkAAAAAAAAABcAAAAUAAAAAAAAAAAAAAD/fwAA/38AAAAAAAAJAAAABAAAAHQBtR4eAAAAaAAAAAAAAAAAAAAAAAAAAAAAAAAAAAAAECcAABAnAAAAAAAAAAAAAAAAAAAAAAAAAAAAAAAAAAAAAAAAAAAAABQAAAAAAAAAwMD/AAAAAABkAAAAMgAAAAAAAABkAAAAAAAAAH9/fwAKAAAAIgAAABgAAAAAAAAAAAAAAAAAAAAAAAAAAAAAAAAAAAAkAAAAJAAAAAAAAAAHAAAAAAAAAAAAAAAAAAAAAAAAAAAAAAAAAAAAf39/ACUAAABYAAAAAAAAAAAAAAAAAAAAAAAAAAAAAAAAAAAAAAAAAAAAAAAAAAAAAAAAAAAAAAA/AAAAAAAAAKCGAQAAAAAAAAAAAAAAAAAMAAAAAQAAAAAAAAAAAAAAAAAAAB8AAABUAAAA////AP///wEAAAAAAAAAAAAAAAAAAAAAAAAAAAAAAAAAAAAAAAAAAAAAAAAAAAACAAAAAszMzADAwP8Af39/AAAAAAAAAAAAAAAAAAAAAAAAAAAAIQAAABgAAAAUAAAAkx0AALIJAACkHgAAsgkAABAAAAAmAAAACAAAAP//////////MAAAABQAAAAAAAAAAAD//wAAAQAAAP//AAABAA=="/>
               </a:ext>
             </a:extLst>
           </p:cNvSpPr>
@@ -12502,7 +12097,7 @@
           <p:cNvSpPr>
             <a:extLst>
               <a:ext uri="smNativeData">
-                <pr:smNativeData xmlns:pr="smNativeData" xmlns="smNativeData" val="SMDATA_16_gfoFYRMAAAAlAAAACgAAAA0AAAAAkAAAAEgAAACQAAAASAAAAAAAAAAAAAAAAAAAAAEAAABQAAAAAAAAAAAA4D8AAAAAAADgPwAAAAAAAOA/AAAAAAAA4D8AAAAAAADgPwAAAAAAAOA/AAAAAAAA4D8AAAAAAADgPwAAAAAAAOA/AAAAAAAA4D8CAAAAjAAAAAAAAAAAAAAA////AP///wgAAAAAAAAAAAAAAAAAAAAAAAAAAAAAAAAAAAAAeAAAAAEAAABAAAAAAAAAAAAAAABaAAAAAAAAAAAAAAAAAAAAAAAAAAAAAAAAAAAAAAAAAAAAAAAAAAAAAAAAAAAAAAAAAAAAAAAAAAAAAAAAAAAAAAAAAAAAAAAAAAAAFAAAADwAAAABAAAAAAAAAAAAAAAeAAAAAQAAABQAAAAUAAAAFAAAAAEAAAAAAAAAZAAAAGQAAAAAAAAAZAAAAGQAAAAVAAAAYAAAAAAAAAAAAAAADwAAACADAAAAAAAAAAAAAAEAAACgMgAAVgcAAKr4//8BAAAAAAAACQEAAABkAAAAAAAAABQAAABAHwAAAAAAACYAAAAAAAAAwOD//wAAAAAmAAAAZAAAABYAAABMAAAAAAAAAAAAAAAEAAAAAAAAAAEAAAAAAAAJAAAAACgAAAAoAAAAZAAAAGQAAAAAAAAAzMzMAAAAAABQAAAAUAAAAGQAAABkAAAAAAAAABcAAAAUAAAAAAAAAAAAAAD/fwAA/38AAAAAAAAJAAAABAAAAOMAdwAeAAAAaAAAAAAAAAAAAAAAAAAAAAAAAAAAAAAAECcAABAnAAAAAAAAAAAAAAAAAAAAAAAAAAAAAAAAAAAAAAAAAAAAABQAAAAAAAAAwMD/AAAAAABkAAAAMgAAAAAAAABkAAAAAAAAAH9/fwAKAAAAIgAAABgAAAAAAAAAAAAAAAAAAAAAAAAAAAAAAAAAAAAkAAAAJAAAAAAAAAAHAAAAAAAAAAAAAAAAAAAAAAAAAAAAAAAAAAAAf39/ACUAAABYAAAAAAAAAAAAAAAAAAAAAAAAAAAAAAAAAAAAAAAAAAAAAAAAAAAAAAAAAAAAAAA/AAAAAAAAAKCGAQAAAAAAAAAAAAAAAAAMAAAAAQAAAAAAAAAAAAAAAAAAAB8AAABUAAAA////AP///wEAAAAAAAAAAAAAAAAAAAAAAAAAAAAAAAAAAAAAAAAAAAAAAAAAAAACAAAAAszMzADAwP8Af39/AAAAAAAAAAAAAAAAAAAAAAAAAAAAIQAAABgAAAAUAAAA9hoAAFEHAACbHQAAUQcAABAAAAAmAAAACAAAAP//////////MAAAABQAAAAAAAAAAAD//wAAAQAAAP//AAABAA=="/>
+                <pr:smNativeData xmlns:pr="smNativeData" xmlns="smNativeData" val="SMDATA_16_FAWHYRMAAAAlAAAACgAAAA0AAAAAkAAAAEgAAACQAAAASAAAAAAAAAAAAAAAAAAAAAEAAABQAAAAAAAAAAAA4D8AAAAAAADgPwAAAAAAAOA/AAAAAAAA4D8AAAAAAADgPwAAAAAAAOA/AAAAAAAA4D8AAAAAAADgPwAAAAAAAOA/AAAAAAAA4D8CAAAAjAAAAAAAAAAAAAAA////AP///wgAAAAAAAAAAAAAAAAAAAAAAAAAAAAAAAAAAAAAeAAAAAEAAABAAAAAAAAAAAAAAABaAAAAAAAAAAAAAAAAAAAAAAAAAAAAAAAAAAAAAAAAAAAAAAAAAAAAAAAAAAAAAAAAAAAAAAAAAAAAAAAAAAAAAAAAAAAAAAAAAAAAFAAAADwAAAABAAAAAAAAAAAAAAAeAAAAAQAAABQAAAAUAAAAFAAAAAEAAAAAAAAAZAAAAGQAAAAAAAAAZAAAAGQAAAAVAAAAYAAAAAAAAAAAAAAADwAAACADAAAAAAAAAAAAAAEAAACgMgAAVgcAAKr4//8BAAAAAAAACQEAAABkAAAAAAAAABQAAABAHwAAAAAAACYAAAAAAAAAwOD//wAAAAAmAAAAZAAAABYAAABMAAAAAAAAAAAAAAAEAAAAAAAAAAEAAAAAAAAJAAAAACgAAAAoAAAAZAAAAGQAAAAAAAAAzMzMAAAAAABQAAAAUAAAAGQAAABkAAAAAAAAABcAAAAUAAAAAAAAAAAAAAD/fwAA/38AAAAAAAAJAAAABAAAAOMAdwAeAAAAaAAAAAAAAAAAAAAAAAAAAAAAAAAAAAAAECcAABAnAAAAAAAAAAAAAAAAAAAAAAAAAAAAAAAAAAAAAAAAAAAAABQAAAAAAAAAwMD/AAAAAABkAAAAMgAAAAAAAABkAAAAAAAAAH9/fwAKAAAAIgAAABgAAAAAAAAAAAAAAAAAAAAAAAAAAAAAAAAAAAAkAAAAJAAAAAAAAAAHAAAAAAAAAAAAAAAAAAAAAAAAAAAAAAAAAAAAf39/ACUAAABYAAAAAAAAAAAAAAAAAAAAAAAAAAAAAAAAAAAAAAAAAAAAAAAAAAAAAAAAAAAAAAA/AAAAAAAAAKCGAQAAAAAAAAAAAAAAAAAMAAAAAQAAAAAAAAAAAAAAAAAAAB8AAABUAAAA////AP///wEAAAAAAAAAAAAAAAAAAAAAAAAAAAAAAAAAAAAAAAAAAAAAAAAAAAACAAAAAszMzADAwP8Af39/AAAAAAAAAAAAAAAAAAAAAAAAAAAAIQAAABgAAAAUAAAA9hoAAFEHAACbHQAAUQcAABAAAAAmAAAACAAAAP//////////MAAAABQAAAAAAAAAAAD//wAAAQAAAP//AAABAA=="/>
               </a:ext>
             </a:extLst>
           </p:cNvSpPr>
@@ -12534,7 +12129,7 @@
           <p:cNvSpPr>
             <a:extLst>
               <a:ext uri="smNativeData">
-                <pr:smNativeData xmlns:pr="smNativeData" xmlns="smNativeData" val="SMDATA_16_gfoFYRMAAAAlAAAACgAAAA0AAAAAkAAAAEgAAACQAAAASAAAAAAAAAAAAAAAAAAAAAEAAABQAAAAAAAAAAAA4D8AAAAAAADgPwAAAAAAAOA/AAAAAAAA4D8AAAAAAADgPwAAAAAAAOA/AAAAAAAA4D8AAAAAAADgPwAAAAAAAOA/AAAAAAAA4D8CAAAAjAAAAAAAAAAAAAAA////AP///wgAAAAAAAAAAAAAAAAAAAAAAAAAAAAAAAAAAAAAeAAAAAEAAABAAAAAAAAAAAAAAABaAAAAAAAAAAAAAAAAAAAAAAAAAAAAAAAAAAAAAAAAAAAAAAAAAAAAAAAAAAAAAAAAAAAAAAAAAAAAAAAAAAAAAAAAAAAAAAAAAAAAFAAAADwAAAABAAAAAAAAAAAAAAAeAAAAAQAAABQAAAAUAAAAFAAAAAEAAAAAAAAAZAAAAGQAAAAAAAAAZAAAAGQAAAAVAAAAYAAAAAAAAAAAAAAADwAAACADAAAAAAAAAAAAAAEAAACgMgAAVgcAAKr4//8BAAAAAAAACQEAAABkAAAAAAAAABQAAABAHwAAAAAAACYAAAAAAAAAwOD//wAAAAAmAAAAZAAAABYAAABMAAAAAAAAAAAAAAAEAAAAAAAAAAEAAAAAAAAJAAAAACgAAAAoAAAAZAAAAGQAAAAAAAAAzMzMAAAAAABQAAAAUAAAAGQAAABkAAAAAAAAABcAAAAUAAAAAAAAAAAAAAD/fwAA/38AAAAAAAAJAAAABAAAAH0BoQEeAAAAaAAAAAAAAAAAAAAAAAAAAAAAAAAAAAAAECcAABAnAAAAAAAAAAAAAAAAAAAAAAAAAAAAAAAAAAAAAAAAAAAAABQAAAAAAAAAwMD/AAAAAABkAAAAMgAAAAAAAABkAAAAAAAAAH9/fwAKAAAAIgAAABgAAAAAAAAAAAAAAAAAAAAAAAAAAAAAAAAAAAAkAAAAJAAAAAAAAAAHAAAAAAAAAAAAAAAAAAAAAAAAAAAAAAAAAAAAf39/ACUAAABYAAAAAAAAAAAAAAAAAAAAAAAAAAAAAAAAAAAAAAAAAAAAAAAAAAAAAAAAAAAAAAA/AAAAAAAAAKCGAQAAAAAAAAAAAAAAAAAMAAAAAQAAAAAAAAAAAAAAAAAAAB8AAABUAAAA////AP///wEAAAAAAAAAAAAAAAAAAAAAAAAAAAAAAAAAAAAAAAAAAAAAAAAAAAACAAAAAszMzADAwP8Af39/AAAAAAAAAAAAAAAAAAAAAAAAAAAAIQAAABgAAAAUAAAA9hoAAF8GAACkHgAAXwYAABAAAAAmAAAACAAAAP//////////MAAAABQAAAAAAAAAAAD//wAAAQAAAP//AAABAA=="/>
+                <pr:smNativeData xmlns:pr="smNativeData" xmlns="smNativeData" val="SMDATA_16_FAWHYRMAAAAlAAAACgAAAA0AAAAAkAAAAEgAAACQAAAASAAAAAAAAAAAAAAAAAAAAAEAAABQAAAAAAAAAAAA4D8AAAAAAADgPwAAAAAAAOA/AAAAAAAA4D8AAAAAAADgPwAAAAAAAOA/AAAAAAAA4D8AAAAAAADgPwAAAAAAAOA/AAAAAAAA4D8CAAAAjAAAAAAAAAAAAAAA////AP///wgAAAAAAAAAAAAAAAAAAAAAAAAAAAAAAAAAAAAAeAAAAAEAAABAAAAAAAAAAAAAAABaAAAAAAAAAAAAAAAAAAAAAAAAAAAAAAAAAAAAAAAAAAAAAAAAAAAAAAAAAAAAAAAAAAAAAAAAAAAAAAAAAAAAAAAAAAAAAAAAAAAAFAAAADwAAAABAAAAAAAAAAAAAAAeAAAAAQAAABQAAAAUAAAAFAAAAAEAAAAAAAAAZAAAAGQAAAAAAAAAZAAAAGQAAAAVAAAAYAAAAAAAAAAAAAAADwAAACADAAAAAAAAAAAAAAEAAACgMgAAVgcAAKr4//8BAAAAAAAACQEAAABkAAAAAAAAABQAAABAHwAAAAAAACYAAAAAAAAAwOD//wAAAAAmAAAAZAAAABYAAABMAAAAAAAAAAAAAAAEAAAAAAAAAAEAAAAAAAAJAAAAACgAAAAoAAAAZAAAAGQAAAAAAAAAzMzMAAAAAABQAAAAUAAAAGQAAABkAAAAAAAAABcAAAAUAAAAAAAAAAAAAAD/fwAA/38AAAAAAAAJAAAABAAAAH0BoQEeAAAAaAAAAAAAAAAAAAAAAAAAAAAAAAAAAAAAECcAABAnAAAAAAAAAAAAAAAAAAAAAAAAAAAAAAAAAAAAAAAAAAAAABQAAAAAAAAAwMD/AAAAAABkAAAAMgAAAAAAAABkAAAAAAAAAH9/fwAKAAAAIgAAABgAAAAAAAAAAAAAAAAAAAAAAAAAAAAAAAAAAAAkAAAAJAAAAAAAAAAHAAAAAAAAAAAAAAAAAAAAAAAAAAAAAAAAAAAAf39/ACUAAABYAAAAAAAAAAAAAAAAAAAAAAAAAAAAAAAAAAAAAAAAAAAAAAAAAAAAAAAAAAAAAAA/AAAAAAAAAKCGAQAAAAAAAAAAAAAAAAAMAAAAAQAAAAAAAAAAAAAAAAAAAB8AAABUAAAA////AP///wEAAAAAAAAAAAAAAAAAAAAAAAAAAAAAAAAAAAAAAAAAAAAAAAAAAAACAAAAAszMzADAwP8Af39/AAAAAAAAAAAAAAAAAAAAAAAAAAAAIQAAABgAAAAUAAAA9hoAAF8GAACkHgAAXwYAABAAAAAmAAAACAAAAP//////////MAAAABQAAAAAAAAAAAD//wAAAQAAAP//AAABAA=="/>
               </a:ext>
             </a:extLst>
           </p:cNvSpPr>
@@ -12566,7 +12161,7 @@
           <p:cNvSpPr>
             <a:extLst>
               <a:ext uri="smNativeData">
-                <pr:smNativeData xmlns:pr="smNativeData" xmlns="smNativeData" val="SMDATA_16_gfoFYRMAAAAlAAAACgAAAA0AAAAAkAAAAEgAAACQAAAASAAAAAAAAAAAAAAAAAAAAAEAAABQAAAAAAAAAAAA4D8AAAAAAADgPwAAAAAAAOA/AAAAAAAA4D8AAAAAAADgPwAAAAAAAOA/AAAAAAAA4D8AAAAAAADgPwAAAAAAAOA/AAAAAAAA4D8CAAAAjAAAAAAAAAAAAAAA////AP///wgAAAAAAAAAAAAAAAAAAAAAAAAAAAAAAAAAAAAAeAAAAAEAAABAAAAAAAAAAAAAAABaAAAAAAAAAAAAAAAAAAAAAAAAAAAAAAAAAAAAAAAAAAAAAAAAAAAAAAAAAAAAAAAAAAAAAAAAAAAAAAAAAAAAAAAAAAAAAAAAAAAAFAAAADwAAAABAAAAAAAAAP8AAAAeAAAAAQAAABQAAAAUAAAAFAAAAAEAAAAAAAAAZAAAAGQAAAAAAAAAZAAAAGQAAAAVAAAAYAAAAAAAAAAAAAAADwAAACADAAAAAAAAAAAAAAEAAACgMgAAVgcAAKr4//8BAAAAAAAACQEAAABkAAAAAAAAABQAAABAHwAAAAAAACYAAAAAAAAAwOD//wAAAAAmAAAAZAAAABYAAABMAAAAAAAAAAAAAAAEAAAAAAAAAAEAAAAAAAAJAAAAACgAAAAoAAAAZAAAAGQAAAAAAAAAzMzMAAAAAABQAAAAUAAAAGQAAABkAAAAAAAAABcAAAAUAAAAAAAAAAAAAAD/fwAA/38AAAAAAAAJAAAABAAAAIAeth4eAAAAaAAAAAAAAAAAAAAAAAAAAAAAAAAAAAAAECcAABAnAAAAAAAAAAAAAAAAAAAAAAAAAAAAAAAAAAAAAAAAAAAAABQAAAAAAAAAwMD/AAAAAABkAAAAMgAAAAAAAABkAAAAAAAAAH9/fwAKAAAAIgAAABgAAAAAAAAAAAAAAAAAAAAAAAAAAAAAAAAAAAAkAAAAJAAAAAAAAAAHAAAAAAAAAAAAAAAAAAAAAAAAAAAAAAAAAAAAf39/ACUAAABYAAAAAAAAAAAAAAAAAAAAAAAAAAAAAAAAAAAAAAAAAAAAAAAAAAAAAAAAAAAAAAA/AAAAAAAAAKCGAQAAAAAAAAAAAAAAAAAMAAAAAQAAAAAAAAAAAAAAAAAAAB8AAABUAAAA////AP///wEAAAAAAAAAAAAAAAAAAAAAAAAAAAAAAAAAAAAAAAAAAP8AAAAAAAACAAAAAszMzADAwP8Af39/AAAAAAAAAAAAAAAAAAAAAAAAAAAAIQAAABgAAAAUAAAA9hoAALIGAACkHgAAsgYAABAAAAAmAAAACAAAAP//////////MAAAABQAAAAAAAAAAAD//wAAAQAAAP//AAABAA=="/>
+                <pr:smNativeData xmlns:pr="smNativeData" xmlns="smNativeData" val="SMDATA_16_FAWHYRMAAAAlAAAACgAAAA0AAAAAkAAAAEgAAACQAAAASAAAAAAAAAAAAAAAAAAAAAEAAABQAAAAAAAAAAAA4D8AAAAAAADgPwAAAAAAAOA/AAAAAAAA4D8AAAAAAADgPwAAAAAAAOA/AAAAAAAA4D8AAAAAAADgPwAAAAAAAOA/AAAAAAAA4D8CAAAAjAAAAAAAAAAAAAAA////AP///wgAAAAAAAAAAAAAAAAAAAAAAAAAAAAAAAAAAAAAeAAAAAEAAABAAAAAAAAAAAAAAABaAAAAAAAAAAAAAAAAAAAAAAAAAAAAAAAAAAAAAAAAAAAAAAAAAAAAAAAAAAAAAAAAAAAAAAAAAAAAAAAAAAAAAAAAAAAAAAAAAAAAFAAAADwAAAABAAAAAAAAAP8AAAAeAAAAAQAAABQAAAAUAAAAFAAAAAEAAAAAAAAAZAAAAGQAAAAAAAAAZAAAAGQAAAAVAAAAYAAAAAAAAAAAAAAADwAAACADAAAAAAAAAAAAAAEAAACgMgAAVgcAAKr4//8BAAAAAAAACQEAAABkAAAAAAAAABQAAABAHwAAAAAAACYAAAAAAAAAwOD//wAAAAAmAAAAZAAAABYAAABMAAAAAAAAAAAAAAAEAAAAAAAAAAEAAAAAAAAJAAAAACgAAAAoAAAAZAAAAGQAAAAAAAAAzMzMAAAAAABQAAAAUAAAAGQAAABkAAAAAAAAABcAAAAUAAAAAAAAAAAAAAD/fwAA/38AAAAAAAAJAAAABAAAAIAeth4eAAAAaAAAAAAAAAAAAAAAAAAAAAAAAAAAAAAAECcAABAnAAAAAAAAAAAAAAAAAAAAAAAAAAAAAAAAAAAAAAAAAAAAABQAAAAAAAAAwMD/AAAAAABkAAAAMgAAAAAAAABkAAAAAAAAAH9/fwAKAAAAIgAAABgAAAAAAAAAAAAAAAAAAAAAAAAAAAAAAAAAAAAkAAAAJAAAAAAAAAAHAAAAAAAAAAAAAAAAAAAAAAAAAAAAAAAAAAAAf39/ACUAAABYAAAAAAAAAAAAAAAAAAAAAAAAAAAAAAAAAAAAAAAAAAAAAAAAAAAAAAAAAAAAAAA/AAAAAAAAAKCGAQAAAAAAAAAAAAAAAAAMAAAAAQAAAAAAAAAAAAAAAAAAAB8AAABUAAAA////AP///wEAAAAAAAAAAAAAAAAAAAAAAAAAAAAAAAAAAAAAAAAAAP8AAAAAAAACAAAAAszMzADAwP8Af39/AAAAAAAAAAAAAAAAAAAAAAAAAAAAIQAAABgAAAAUAAAA9hoAALIGAACkHgAAsgYAABAAAAAmAAAACAAAAP//////////MAAAABQAAAAAAAAAAAD//wAAAQAAAP//AAABAA=="/>
               </a:ext>
             </a:extLst>
           </p:cNvSpPr>
@@ -12598,7 +12193,7 @@
           <p:cNvSpPr>
             <a:extLst>
               <a:ext uri="smNativeData">
-                <pr:smNativeData xmlns:pr="smNativeData" xmlns="smNativeData" val="SMDATA_16_gfoFYRMAAAAlAAAAZAAAAA0AAAAAkAAAAEgAAACQAAAASAAAAAAAAAABAAAAAAAAAAEAAABQAAAAAAAAAAAA4D8AAAAAAADgPwAAAAAAAOA/AAAAAAAA4D8AAAAAAADgPwAAAAAAAOA/AAAAAAAA4D8AAAAAAADgPwAAAAAAAOA/AAAAAAAA4D8CAAAAjAAAAAEAAAAAAAAAjancAP///wgAAAAAAAAAAAAAAAAAAAAAAAAAAAAAAAAAAAAAZAAAAAEAAABAAAAAAAAAAAAAAAAAAAAAAAAAAAAAAAAAAAAAAAAAAAAAAAAAAAAAAAAAAAAAAAAAAAAAAAAAAAAAAAAAAAAAAAAAAAAAAAAAAAAAAAAAAAAAAAAAAAAAFAAAADwAAAABAAAAAAAAAAAAAAkUAAAAAQAAABQAAAAUAAAAFAAAAAEAAAAAAAAAZAAAAGQAAAAAAAAAZAAAAGQAAAAVAAAAYAAAAAAAAAAAAAAADwAAACADAAAAAAAAAAAAAAEAAACgMgAAVgcAAKr4//8BAAAAf39/AAEAAABkAAAAAAAAABQAAABAHwAAAAAAACYAAAAAAAAAwOD//wAAAAAmAAAAZAAAABYAAABMAAAAAAAAAAAAAAAEAAAAAAAAAAEAAADn5uYKAAAAACgAAAAoAAAAZAAAAGQAAAAAAAAAzMzMAAAAAABQAAAAUAAAAGQAAABkAAAAAAAAABcAAAAUAAAAAAAAAAAAAAD/fwAA/38AAAAAAAAJAAAABAAAAHsBqR4eAAAAaAAAAAAAAAAAAAAAAAAAAAAAAAAAAAAAECcAABAnAAAAAAAAAAAAAAAAAAAAAAAAAAAAAAAAAAAAAAAAAAAAABQAAAAAAAAAwMD/AAAAAABkAAAAMgAAAAAAAABkAAAAAAAAAH9/fwAKAAAAIgAAABgAAAAAAAAAAAAAAAAAAAAAAAAAAAAAAAAAAAAkAAAAJAAAAAAAAAAHAAAAAAAAAAAAAAAAAAAAAAAAAAAAAAAAAAAAf39/ACUAAABYAAAAAAAAAAAAAAAAAAAAAAAAAAAAAAAAAAAAAAAAAAAAAAAAAAAAAAAAAAAAAAA/AAAAAAAAAKCGAQAAAAAAAAAAAAAAAAAMAAAAAQAAAAAAAAAAAAAAAAAAAB8AAABUAAAAjancAP///wEAAAAAAAAAAAAAAAAAAAAAAAAAAAAAAAAAAAAAAAAAAAAAAAJ/f38A5+bmA8zMzADAwP8Af39/AAAAAAAAAAAAAAAAAAAAAAAAAAAAIQAAABgAAAAUAAAA6wMAAOkFAAAcCgAAUwoAABAAAAAmAAAACAAAAP//////////MAAAABQAAAAAAAAAAAD//wAAAQAAAP//AAABAA=="/>
+                <pr:smNativeData xmlns:pr="smNativeData" xmlns="smNativeData" val="SMDATA_16_FAWHYRMAAAAlAAAAZAAAAA0AAAAAkAAAAEgAAACQAAAASAAAAAAAAAABAAAAAAAAAAEAAABQAAAAAAAAAAAA4D8AAAAAAADgPwAAAAAAAOA/AAAAAAAA4D8AAAAAAADgPwAAAAAAAOA/AAAAAAAA4D8AAAAAAADgPwAAAAAAAOA/AAAAAAAA4D8CAAAAjAAAAAEAAAAAAAAAjancAP///wgAAAAAAAAAAAAAAAAAAAAAAAAAAAAAAAAAAAAAZAAAAAEAAABAAAAAAAAAAAAAAAAAAAAAAAAAAAAAAAAAAAAAAAAAAAAAAAAAAAAAAAAAAAAAAAAAAAAAAAAAAAAAAAAAAAAAAAAAAAAAAAAAAAAAAAAAAAAAAAAAAAAAFAAAADwAAAABAAAAAAAAAAAAAAkUAAAAAQAAABQAAAAUAAAAFAAAAAEAAAAAAAAAZAAAAGQAAAAAAAAAZAAAAGQAAAAVAAAAYAAAAAAAAAAAAAAADwAAACADAAAAAAAAAAAAAAEAAACgMgAAVgcAAKr4//8BAAAAf39/AAEAAABkAAAAAAAAABQAAABAHwAAAAAAACYAAAAAAAAAwOD//wAAAAAmAAAAZAAAABYAAABMAAAAAAAAAAAAAAAEAAAAAAAAAAEAAADn5uYKAAAAACgAAAAoAAAAZAAAAGQAAAAAAAAAzMzMAAAAAABQAAAAUAAAAGQAAABkAAAAAAAAABcAAAAUAAAAAAAAAAAAAAD/fwAA/38AAAAAAAAJAAAABAAAAHsBqR4eAAAAaAAAAAAAAAAAAAAAAAAAAAAAAAAAAAAAECcAABAnAAAAAAAAAAAAAAAAAAAAAAAAAAAAAAAAAAAAAAAAAAAAABQAAAAAAAAAwMD/AAAAAABkAAAAMgAAAAAAAABkAAAAAAAAAH9/fwAKAAAAIgAAABgAAAAAAAAAAAAAAAAAAAAAAAAAAAAAAAAAAAAkAAAAJAAAAAAAAAAHAAAAAAAAAAAAAAAAAAAAAAAAAAAAAAAAAAAAf39/ACUAAABYAAAAAAAAAAAAAAAAAAAAAAAAAAAAAAAAAAAAAAAAAAAAAAAAAAAAAAAAAAAAAAA/AAAAAAAAAKCGAQAAAAAAAAAAAAAAAAAMAAAAAQAAAAAAAAAAAAAAAAAAAB8AAABUAAAAjancAP///wEAAAAAAAAAAAAAAAAAAAAAAAAAAAAAAAAAAAAAAAAAAAAAAAJ/f38A5+bmA8zMzADAwP8Af39/AAAAAAAAAAAAAAAAAAAAAAAAAAAAIQAAABgAAAAUAAAA6wMAAOkFAAAcCgAAUwoAABAAAAAmAAAACAAAAP//////////MAAAABQAAAAAAAAAAAD//wAAAQAAAP//AAABAA=="/>
               </a:ext>
             </a:extLst>
           </p:cNvSpPr>
@@ -12658,7 +12253,7 @@
           <p:cNvSpPr>
             <a:extLst>
               <a:ext uri="smNativeData">
-                <pr:smNativeData xmlns:pr="smNativeData" xmlns="smNativeData" val="SMDATA_16_gfoFYRMAAAAlAAAAZAAAAA0AAAAAkAAAAEgAAACQAAAASAAAAAAAAAABAAAAAAAAAAEAAABQAAAAAAAAAAAA4D8AAAAAAADgPwAAAAAAAOA/AAAAAAAA4D8AAAAAAADgPwAAAAAAAOA/AAAAAAAA4D8AAAAAAADgPwAAAAAAAOA/AAAAAAAA4D8CAAAAjAAAAAEAAAAAAAAA+MutAP///wgAAAAAAAAAAAAAAAAAAAAAAAAAAAAAAAAAAAAAZAAAAAEAAABAAAAAAAAAAAAAAAAAAAAAAAAAAAAAAAAAAAAAAAAAAAAAAAAAAAAAAAAAAAAAAAAAAAAAAAAAAAAAAAAAAAAAAAAAAAAAAAAAAAAAAAAAAAAAAAAAAAAAFAAAADwAAAABAAAAAAAAAO19MQ0UAAAAAQAAABQAAAAUAAAAFAAAAAEAAAAAAAAAZAAAAGQAAAAAAAAAZAAAAGQAAAAVAAAAYAAAAAAAAAAAAAAADwAAACADAAAAAAAAAAAAAAEAAACgMgAAVgcAAKr4//8BAAAAf39/AAEAAABkAAAAAAAAABQAAABAHwAAAAAAACYAAAAAAAAAwOD//wAAAAAmAAAAZAAAABYAAABMAAAAAAAAAAAAAAAEAAAAAAAAAAEAAADn5uYKAAAAACgAAAAoAAAAZAAAAGQAAAAAAAAAzMzMAAAAAABQAAAAUAAAAGQAAABkAAAAAAAAABcAAAAUAAAAAAAAAAAAAAD/fwAA/38AAAAAAAAJAAAABAAAAFkA3x4eAAAAaAAAAAAAAAAAAAAAAAAAAAAAAAAAAAAAECcAABAnAAAAAAAAAAAAAAAAAAAAAAAAAAAAAAAAAAAAAAAAAAAAABQAAAAAAAAAwMD/AAAAAABkAAAAMgAAAAAAAABkAAAAAAAAAH9/fwAKAAAAIgAAABgAAAAAAAAAAAAAAAAAAAAAAAAAAAAAAAAAAAAkAAAAJAAAAAAAAAAHAAAAAAAAAAAAAAAAAAAAAAAAAAAAAAAAAAAAf39/ACUAAABYAAAAAAAAAAAAAAAAAAAAAAAAAAAAAAAAAAAAAAAAAAAAAAAAAAAAAAAAAAAAAAA/AAAAAAAAAKCGAQAAAAAAAAAAAAAAAAAMAAAAAQAAAAAAAAAAAAAAAAAAAB8AAABUAAAA+MutAP///wEAAAAAAAAAAAAAAAAAAAAAAAAAAAAAAAAAAAAAAAAAAO19MQZ/f38A5+bmA8zMzADAwP8Af39/AAAAAAAAAAAAAAAAAAAAAAAAAAAAIQAAABgAAAAUAAAA5hcAAOQFAAD2GgAAvQgAABAAAAAmAAAACAAAAP//////////MAAAABQAAAAAAAAAAAD//wAAAQAAAP//AAABAA=="/>
+                <pr:smNativeData xmlns:pr="smNativeData" xmlns="smNativeData" val="SMDATA_16_FAWHYRMAAAAlAAAAZAAAAA0AAAAAkAAAAEgAAACQAAAASAAAAAAAAAABAAAAAAAAAAEAAABQAAAAAAAAAAAA4D8AAAAAAADgPwAAAAAAAOA/AAAAAAAA4D8AAAAAAADgPwAAAAAAAOA/AAAAAAAA4D8AAAAAAADgPwAAAAAAAOA/AAAAAAAA4D8CAAAAjAAAAAEAAAAAAAAA+MutAP///wgAAAAAAAAAAAAAAAAAAAAAAAAAAAAAAAAAAAAAZAAAAAEAAABAAAAAAAAAAAAAAAAAAAAAAAAAAAAAAAAAAAAAAAAAAAAAAAAAAAAAAAAAAAAAAAAAAAAAAAAAAAAAAAAAAAAAAAAAAAAAAAAAAAAAAAAAAAAAAAAAAAAAFAAAADwAAAABAAAAAAAAAO19MQ0UAAAAAQAAABQAAAAUAAAAFAAAAAEAAAAAAAAAZAAAAGQAAAAAAAAAZAAAAGQAAAAVAAAAYAAAAAAAAAAAAAAADwAAACADAAAAAAAAAAAAAAEAAACgMgAAVgcAAKr4//8BAAAAf39/AAEAAABkAAAAAAAAABQAAABAHwAAAAAAACYAAAAAAAAAwOD//wAAAAAmAAAAZAAAABYAAABMAAAAAAAAAAAAAAAEAAAAAAAAAAEAAADn5uYKAAAAACgAAAAoAAAAZAAAAGQAAAAAAAAAzMzMAAAAAABQAAAAUAAAAGQAAABkAAAAAAAAABcAAAAUAAAAAAAAAAAAAAD/fwAA/38AAAAAAAAJAAAABAAAAFkA3x4eAAAAaAAAAAAAAAAAAAAAAAAAAAAAAAAAAAAAECcAABAnAAAAAAAAAAAAAAAAAAAAAAAAAAAAAAAAAAAAAAAAAAAAABQAAAAAAAAAwMD/AAAAAABkAAAAMgAAAAAAAABkAAAAAAAAAH9/fwAKAAAAIgAAABgAAAAAAAAAAAAAAAAAAAAAAAAAAAAAAAAAAAAkAAAAJAAAAAAAAAAHAAAAAAAAAAAAAAAAAAAAAAAAAAAAAAAAAAAAf39/ACUAAABYAAAAAAAAAAAAAAAAAAAAAAAAAAAAAAAAAAAAAAAAAAAAAAAAAAAAAAAAAAAAAAA/AAAAAAAAAKCGAQAAAAAAAAAAAAAAAAAMAAAAAQAAAAAAAAAAAAAAAAAAAB8AAABUAAAA+MutAP///wEAAAAAAAAAAAAAAAAAAAAAAAAAAAAAAAAAAAAAAAAAAO19MQZ/f38A5+bmA8zMzADAwP8Af39/AAAAAAAAAAAAAAAAAAAAAAAAAAAAIQAAABgAAAAUAAAA5hcAAOQFAAD2GgAAvQgAABAAAAAmAAAACAAAAP//////////MAAAABQAAAAAAAAAAAD//wAAAQAAAP//AAABAA=="/>
               </a:ext>
             </a:extLst>
           </p:cNvSpPr>
@@ -12718,7 +12313,7 @@
           <p:cNvSpPr>
             <a:extLst>
               <a:ext uri="smNativeData">
-                <pr:smNativeData xmlns:pr="smNativeData" xmlns="smNativeData" val="SMDATA_16_gfoFYRMAAAAlAAAAZAAAAA0AAAAAkAAAAEgAAACQAAAASAAAAAAAAAABAAAAAAAAAAEAAABQAAAAAAAAAAAA4D8AAAAAAADgPwAAAAAAAOA/AAAAAAAA4D8AAAAAAADgPwAAAAAAAOA/AAAAAAAA4D8AAAAAAADgPwAAAAAAAOA/AAAAAAAA4D8CAAAAjAAAAAEAAAAAAAAAxt+1AP///wgAAAAAAAAAAAAAAAAAAAAAAAAAAAAAAAAAAAAAZAAAAAEAAABAAAAAAAAAAAAAAAAAAAAAAAAAAAAAAAAAAAAAAAAAAAAAAAAAAAAAAAAAAAAAAAAAAAAAAAAAAAAAAAAAAAAAAAAAAAAAAAAAAAAAAAAAAAAAAAAAAAAAFAAAADwAAAABAAAAAAAAAHCtRwAUAAAAAQAAABQAAAAUAAAAFAAAAAEAAAAAAAAAZAAAAGQAAAAAAAAAZAAAAGQAAAAVAAAAYAAAAAAAAAAAAAAADwAAACADAAAAAAAAAAAAAAEAAACgMgAAVgcAAKr4//8BAAAAf39/AAEAAABkAAAAAAAAABQAAABAHwAAAAAAACYAAAAAAAAAwOD//wAAAAAmAAAAZAAAABYAAABMAAAAAAAAAAAAAAAEAAAAAAAAAAEAAADn5uYKAAAAACgAAAAoAAAAZAAAAGQAAAAAAAAAzMzMAAAAAABQAAAAUAAAAGQAAABkAAAAAAAAABcAAAAUAAAAAAAAAAAAAAD/fwAA/38AAAAAAAAJAAAABAAAAPIe+QAeAAAAaAAAAAAAAAAAAAAAAAAAAAAAAAAAAAAAECcAABAnAAAAAAAAAAAAAAAAAAAAAAAAAAAAAAAAAAAAAAAAAAAAABQAAAAAAAAAwMD/AAAAAABkAAAAMgAAAAAAAABkAAAAAAAAAH9/fwAKAAAAIgAAABgAAAAAAAAAAAAAAAAAAAAAAAAAAAAAAAAAAAAkAAAAJAAAAAAAAAAHAAAAAAAAAAAAAAAAAAAAAAAAAAAAAAAAAAAAf39/ACUAAABYAAAAAAAAAAAAAAAAAAAAAAAAAAAAAAAAAAAAAAAAAAAAAAAAAAAAAAAAAAAAAAA/AAAAAAAAAKCGAQAAAAAAAAAAAAAAAAAMAAAAAQAAAAAAAAAAAAAAAAAAAB8AAABUAAAAxt+1AP///wEAAAAAAAAAAAAAAAAAAAAAAAAAAAAAAAAAAAAAAAAAAHCtRwB/f38A5+bmA8zMzADAwP8Af39/AAAAAAAAAAAAAAAAAAAAAAAAAAAAIQAAABgAAAAUAAAAiQsAADsMAAAqDwAAFA8AABAAAAAmAAAACAAAAP//////////MAAAABQAAAAAAAAAAAD//wAAAQAAAP//AAABAA=="/>
+                <pr:smNativeData xmlns:pr="smNativeData" xmlns="smNativeData" val="SMDATA_16_FAWHYRMAAAAlAAAAZAAAAA0AAAAAkAAAAEgAAACQAAAASAAAAAAAAAABAAAAAAAAAAEAAABQAAAAAAAAAAAA4D8AAAAAAADgPwAAAAAAAOA/AAAAAAAA4D8AAAAAAADgPwAAAAAAAOA/AAAAAAAA4D8AAAAAAADgPwAAAAAAAOA/AAAAAAAA4D8CAAAAjAAAAAEAAAAAAAAAxt+1AP///wgAAAAAAAAAAAAAAAAAAAAAAAAAAAAAAAAAAAAAZAAAAAEAAABAAAAAAAAAAAAAAAAAAAAAAAAAAAAAAAAAAAAAAAAAAAAAAAAAAAAAAAAAAAAAAAAAAAAAAAAAAAAAAAAAAAAAAAAAAAAAAAAAAAAAAAAAAAAAAAAAAAAAFAAAADwAAAABAAAAAAAAAHCtRwAUAAAAAQAAABQAAAAUAAAAFAAAAAEAAAAAAAAAZAAAAGQAAAAAAAAAZAAAAGQAAAAVAAAAYAAAAAAAAAAAAAAADwAAACADAAAAAAAAAAAAAAEAAACgMgAAVgcAAKr4//8BAAAAf39/AAEAAABkAAAAAAAAABQAAABAHwAAAAAAACYAAAAAAAAAwOD//wAAAAAmAAAAZAAAABYAAABMAAAAAAAAAAAAAAAEAAAAAAAAAAEAAADn5uYKAAAAACgAAAAoAAAAZAAAAGQAAAAAAAAAzMzMAAAAAABQAAAAUAAAAGQAAABkAAAAAAAAABcAAAAUAAAAAAAAAAAAAAD/fwAA/38AAAAAAAAJAAAABAAAAPIe+QAeAAAAaAAAAAAAAAAAAAAAAAAAAAAAAAAAAAAAECcAABAnAAAAAAAAAAAAAAAAAAAAAAAAAAAAAAAAAAAAAAAAAAAAABQAAAAAAAAAwMD/AAAAAABkAAAAMgAAAAAAAABkAAAAAAAAAH9/fwAKAAAAIgAAABgAAAAAAAAAAAAAAAAAAAAAAAAAAAAAAAAAAAAkAAAAJAAAAAAAAAAHAAAAAAAAAAAAAAAAAAAAAAAAAAAAAAAAAAAAf39/ACUAAABYAAAAAAAAAAAAAAAAAAAAAAAAAAAAAAAAAAAAAAAAAAAAAAAAAAAAAAAAAAAAAAA/AAAAAAAAAKCGAQAAAAAAAAAAAAAAAAAMAAAAAQAAAAAAAAAAAAAAAAAAAB8AAABUAAAAxt+1AP///wEAAAAAAAAAAAAAAAAAAAAAAAAAAAAAAAAAAAAAAAAAAHCtRwB/f38A5+bmA8zMzADAwP8Af39/AAAAAAAAAAAAAAAAAAAAAAAAAAAAIQAAABgAAAAUAAAAiQsAADsMAAAqDwAAFA8AABAAAAAmAAAACAAAAP//////////MAAAABQAAAAAAAAAAAD//wAAAQAAAP//AAABAA=="/>
               </a:ext>
             </a:extLst>
           </p:cNvSpPr>
@@ -12786,7 +12381,7 @@
           <p:cNvSpPr>
             <a:extLst>
               <a:ext uri="smNativeData">
-                <pr:smNativeData xmlns:pr="smNativeData" xmlns="smNativeData" val="SMDATA_16_gfoFYRMAAAAlAAAAZAAAAA0AAAAAkAAAAEgAAACQAAAASAAAAAAAAAABAAAAAAAAAAEAAABQAAAAAAAAAAAA4D8AAAAAAADgPwAAAAAAAOA/AAAAAAAA4D8AAAAAAADgPwAAAAAAAOA/AAAAAAAA4D8AAAAAAADgPwAAAAAAAOA/AAAAAAAA4D8CAAAAjAAAAAEAAAAAAAAAxt+1AP///wgAAAAAAAAAAAAAAAAAAAAAAAAAAAAAAAAAAAAAZAAAAAEAAABAAAAAAAAAAAAAAAAAAAAAAAAAAAAAAAAAAAAAAAAAAAAAAAAAAAAAAAAAAAAAAAAAAAAAAAAAAAAAAAAAAAAAAAAAAAAAAAAAAAAAAAAAAAAAAAAAAAAAFAAAADwAAAABAAAAAAAAAHCtRwAUAAAAAQAAABQAAAAUAAAAFAAAAAEAAAAAAAAAZAAAAGQAAAAAAAAAZAAAAGQAAAAVAAAAYAAAAAAAAAAAAAAADwAAACADAAAAAAAAAAAAAAEAAACgMgAAVgcAAKr4//8BAAAAf39/AAEAAABkAAAAAAAAABQAAABAHwAAAAAAACYAAAAAAAAAwOD//wAAAAAmAAAAZAAAABYAAABMAAAAAAAAAAAAAAAEAAAAAAAAAAEAAADn5uYKAAAAACgAAAAoAAAAZAAAAGQAAAAAAAAAzMzMAAAAAABQAAAAUAAAAGQAAABkAAAAAAAAABcAAAAUAAAAAAAAAAAAAAD/fwAA/38AAAAAAAAJAAAABAAAAFUAQQAeAAAAaAAAAAAAAAAAAAAAAAAAAAAAAAAAAAAAECcAABAnAAAAAAAAAAAAAAAAAAAAAAAAAAAAAAAAAAAAAAAAAAAAABQAAAAAAAAAwMD/AAAAAABkAAAAMgAAAAAAAABkAAAAAAAAAH9/fwAKAAAAIgAAABgAAAAAAAAAAAAAAAAAAAAAAAAAAAAAAAAAAAAkAAAAJAAAAAAAAAAHAAAAAAAAAAAAAAAAAAAAAAAAAAAAAAAAAAAAf39/ACUAAABYAAAAAAAAAAAAAAAAAAAAAAAAAAAAAAAAAAAAAAAAAAAAAAAAAAAAAAAAAAAAAAA/AAAAAAAAAKCGAQAAAAAAAAAAAAAAAAAMAAAAAQAAAAAAAAAAAAAAAAAAAB8AAABUAAAAxt+1AP///wEAAAAAAAAAAAAAAAAAAAAAAAAAAAAAAAAAAAAAAAAAAHCtRwB/f38A5+bmA8zMzADAwP8Af39/AAAAAAAAAAAAAAAAAAAAAAAAAAAAIQAAABgAAAAUAAAAsxAAADYMAABUFAAADw8AABAAAAAmAAAACAAAAP//////////MAAAABQAAAAAAAAAAAD//wAAAQAAAP//AAABAA=="/>
+                <pr:smNativeData xmlns:pr="smNativeData" xmlns="smNativeData" val="SMDATA_16_FAWHYRMAAAAlAAAAZAAAAA0AAAAAkAAAAEgAAACQAAAASAAAAAAAAAABAAAAAAAAAAEAAABQAAAAAAAAAAAA4D8AAAAAAADgPwAAAAAAAOA/AAAAAAAA4D8AAAAAAADgPwAAAAAAAOA/AAAAAAAA4D8AAAAAAADgPwAAAAAAAOA/AAAAAAAA4D8CAAAAjAAAAAEAAAAAAAAAxt+1AP///wgAAAAAAAAAAAAAAAAAAAAAAAAAAAAAAAAAAAAAZAAAAAEAAABAAAAAAAAAAAAAAAAAAAAAAAAAAAAAAAAAAAAAAAAAAAAAAAAAAAAAAAAAAAAAAAAAAAAAAAAAAAAAAAAAAAAAAAAAAAAAAAAAAAAAAAAAAAAAAAAAAAAAFAAAADwAAAABAAAAAAAAAHCtRwAUAAAAAQAAABQAAAAUAAAAFAAAAAEAAAAAAAAAZAAAAGQAAAAAAAAAZAAAAGQAAAAVAAAAYAAAAAAAAAAAAAAADwAAACADAAAAAAAAAAAAAAEAAACgMgAAVgcAAKr4//8BAAAAf39/AAEAAABkAAAAAAAAABQAAABAHwAAAAAAACYAAAAAAAAAwOD//wAAAAAmAAAAZAAAABYAAABMAAAAAAAAAAAAAAAEAAAAAAAAAAEAAADn5uYKAAAAACgAAAAoAAAAZAAAAGQAAAAAAAAAzMzMAAAAAABQAAAAUAAAAGQAAABkAAAAAAAAABcAAAAUAAAAAAAAAAAAAAD/fwAA/38AAAAAAAAJAAAABAAAAFUAQQAeAAAAaAAAAAAAAAAAAAAAAAAAAAAAAAAAAAAAECcAABAnAAAAAAAAAAAAAAAAAAAAAAAAAAAAAAAAAAAAAAAAAAAAABQAAAAAAAAAwMD/AAAAAABkAAAAMgAAAAAAAABkAAAAAAAAAH9/fwAKAAAAIgAAABgAAAAAAAAAAAAAAAAAAAAAAAAAAAAAAAAAAAAkAAAAJAAAAAAAAAAHAAAAAAAAAAAAAAAAAAAAAAAAAAAAAAAAAAAAf39/ACUAAABYAAAAAAAAAAAAAAAAAAAAAAAAAAAAAAAAAAAAAAAAAAAAAAAAAAAAAAAAAAAAAAA/AAAAAAAAAKCGAQAAAAAAAAAAAAAAAAAMAAAAAQAAAAAAAAAAAAAAAAAAAB8AAABUAAAAxt+1AP///wEAAAAAAAAAAAAAAAAAAAAAAAAAAAAAAAAAAAAAAAAAAHCtRwB/f38A5+bmA8zMzADAwP8Af39/AAAAAAAAAAAAAAAAAAAAAAAAAAAAIQAAABgAAAAUAAAAsxAAADYMAABUFAAADw8AABAAAAAmAAAACAAAAP//////////MAAAABQAAAAAAAAAAAD//wAAAQAAAP//AAABAA=="/>
               </a:ext>
             </a:extLst>
           </p:cNvSpPr>
@@ -12854,7 +12449,7 @@
           <p:cNvSpPr>
             <a:extLst>
               <a:ext uri="smNativeData">
-                <pr:smNativeData xmlns:pr="smNativeData" xmlns="smNativeData" val="SMDATA_16_gfoFYRMAAAAlAAAAZAAAAA0AAAAAkAAAAEgAAACQAAAASAAAAAAAAAABAAAAAAAAAAEAAABQAAAAAAAAAAAA4D8AAAAAAADgPwAAAAAAAOA/AAAAAAAA4D8AAAAAAADgPwAAAAAAAOA/AAAAAAAA4D8AAAAAAADgPwAAAAAAAOA/AAAAAAAA4D8CAAAAjAAAAAEAAAAAAAAAxt+1AP///wgAAAAAAAAAAAAAAAAAAAAAAAAAAAAAAAAAAAAAZAAAAAEAAABAAAAAAAAAAAAAAAAAAAAAAAAAAAAAAAAAAAAAAAAAAAAAAAAAAAAAAAAAAAAAAAAAAAAAAAAAAAAAAAAAAAAAAAAAAAAAAAAAAAAAAAAAAAAAAAAAAAAAFAAAADwAAAABAAAAAAAAAHCtRwAUAAAAAQAAABQAAAAUAAAAFAAAAAEAAAAAAAAAZAAAAGQAAAAAAAAAZAAAAGQAAAAVAAAAYAAAAAAAAAAAAAAADwAAACADAAAAAAAAAAAAAAEAAACgMgAAVgcAAKr4//8BAAAAf39/AAEAAABkAAAAAAAAABQAAABAHwAAAAAAACYAAAAAAAAAwOD//wAAAAAmAAAAZAAAABYAAABMAAAAAAAAAAAAAAAEAAAAAAAAAAEAAADn5uYKAAAAACgAAAAoAAAAZAAAAGQAAAAAAAAAzMzMAAAAAABQAAAAUAAAAGQAAABkAAAAAAAAABcAAAAUAAAAAAAAAAAAAAD/fwAA/38AAAAAAAAJAAAABAAAAAUBZgAeAAAAaAAAAAAAAAAAAAAAAAAAAAAAAAAAAAAAECcAABAnAAAAAAAAAAAAAAAAAAAAAAAAAAAAAAAAAAAAAAAAAAAAABQAAAAAAAAAwMD/AAAAAABkAAAAMgAAAAAAAABkAAAAAAAAAH9/fwAKAAAAIgAAABgAAAAAAAAAAAAAAAAAAAAAAAAAAAAAAAAAAAAkAAAAJAAAAAAAAAAHAAAAAAAAAAAAAAAAAAAAAAAAAAAAAAAAAAAAf39/ACUAAABYAAAAAAAAAAAAAAAAAAAAAAAAAAAAAAAAAAAAAAAAAAAAAAAAAAAAAAAAAAAAAAA/AAAAAAAAAKCGAQAAAAAAAAAAAAAAAAAMAAAAAQAAAAAAAAAAAAAAAAAAAB8AAABUAAAAxt+1AP///wEAAAAAAAAAAAAAAAAAAAAAAAAAAAAAAAAAAAAAAAAAAHCtRwB/f38A5+bmA8zMzADAwP8Af39/AAAAAAAAAAAAAAAAAAAAAAAAAAAAIQAAABgAAAAUAAAA5hcAAEMMAABUHAAAHA8AABAAAAAmAAAACAAAAP//////////MAAAABQAAAAAAAAAAAD//wAAAQAAAP//AAABAA=="/>
+                <pr:smNativeData xmlns:pr="smNativeData" xmlns="smNativeData" val="SMDATA_16_FAWHYRMAAAAlAAAAZAAAAA0AAAAAkAAAAEgAAACQAAAASAAAAAAAAAABAAAAAAAAAAEAAABQAAAAAAAAAAAA4D8AAAAAAADgPwAAAAAAAOA/AAAAAAAA4D8AAAAAAADgPwAAAAAAAOA/AAAAAAAA4D8AAAAAAADgPwAAAAAAAOA/AAAAAAAA4D8CAAAAjAAAAAEAAAAAAAAAxt+1AP///wgAAAAAAAAAAAAAAAAAAAAAAAAAAAAAAAAAAAAAZAAAAAEAAABAAAAAAAAAAAAAAAAAAAAAAAAAAAAAAAAAAAAAAAAAAAAAAAAAAAAAAAAAAAAAAAAAAAAAAAAAAAAAAAAAAAAAAAAAAAAAAAAAAAAAAAAAAAAAAAAAAAAAFAAAADwAAAABAAAAAAAAAHCtRwAUAAAAAQAAABQAAAAUAAAAFAAAAAEAAAAAAAAAZAAAAGQAAAAAAAAAZAAAAGQAAAAVAAAAYAAAAAAAAAAAAAAADwAAACADAAAAAAAAAAAAAAEAAACgMgAAVgcAAKr4//8BAAAAf39/AAEAAABkAAAAAAAAABQAAABAHwAAAAAAACYAAAAAAAAAwOD//wAAAAAmAAAAZAAAABYAAABMAAAAAAAAAAAAAAAEAAAAAAAAAAEAAADn5uYKAAAAACgAAAAoAAAAZAAAAGQAAAAAAAAAzMzMAAAAAABQAAAAUAAAAGQAAABkAAAAAAAAABcAAAAUAAAAAAAAAAAAAAD/fwAA/38AAAAAAAAJAAAABAAAAAUBZgAeAAAAaAAAAAAAAAAAAAAAAAAAAAAAAAAAAAAAECcAABAnAAAAAAAAAAAAAAAAAAAAAAAAAAAAAAAAAAAAAAAAAAAAABQAAAAAAAAAwMD/AAAAAABkAAAAMgAAAAAAAABkAAAAAAAAAH9/fwAKAAAAIgAAABgAAAAAAAAAAAAAAAAAAAAAAAAAAAAAAAAAAAAkAAAAJAAAAAAAAAAHAAAAAAAAAAAAAAAAAAAAAAAAAAAAAAAAAAAAf39/ACUAAABYAAAAAAAAAAAAAAAAAAAAAAAAAAAAAAAAAAAAAAAAAAAAAAAAAAAAAAAAAAAAAAA/AAAAAAAAAKCGAQAAAAAAAAAAAAAAAAAMAAAAAQAAAAAAAAAAAAAAAAAAAB8AAABUAAAAxt+1AP///wEAAAAAAAAAAAAAAAAAAAAAAAAAAAAAAAAAAAAAAAAAAHCtRwB/f38A5+bmA8zMzADAwP8Af39/AAAAAAAAAAAAAAAAAAAAAAAAAAAAIQAAABgAAAAUAAAA5hcAAEMMAABUHAAAHA8AABAAAAAmAAAACAAAAP//////////MAAAABQAAAAAAAAAAAD//wAAAQAAAP//AAABAA=="/>
               </a:ext>
             </a:extLst>
           </p:cNvSpPr>
@@ -12922,7 +12517,7 @@
           <p:cNvSpPr>
             <a:extLst>
               <a:ext uri="smNativeData">
-                <pr:smNativeData xmlns:pr="smNativeData" xmlns="smNativeData" val="SMDATA_16_gfoFYRMAAAAlAAAAZAAAAA0AAAAAkAAAAEgAAACQAAAASAAAAAAAAAABAAAAAAAAAAEAAABQAAAAAAAAAAAA4D8AAAAAAADgPwAAAAAAAOA/AAAAAAAA4D8AAAAAAADgPwAAAAAAAOA/AAAAAAAA4D8AAAAAAADgPwAAAAAAAOA/AAAAAAAA4D8CAAAAjAAAAAEAAAAAAAAAxt+1AP///wgAAAAAAAAAAAAAAAAAAAAAAAAAAAAAAAAAAAAAZAAAAAEAAABAAAAAAAAAAAAAAAAAAAAAAAAAAAAAAAAAAAAAAAAAAAAAAAAAAAAAAAAAAAAAAAAAAAAAAAAAAAAAAAAAAAAAAAAAAAAAAAAAAAAAAAAAAAAAAAAAAAAAFAAAADwAAAABAAAAAAAAAHCtRwAUAAAAAQAAABQAAAAUAAAAFAAAAAEAAAAAAAAAZAAAAGQAAAAAAAAAZAAAAGQAAAAVAAAAYAAAAAAAAAAAAAAADwAAACADAAAAAAAAAAAAAAEAAACgMgAAVgcAAKr4//8BAAAAf39/AAEAAABkAAAAAAAAABQAAABAHwAAAAAAACYAAAAAAAAAwOD//wAAAAAmAAAAZAAAABYAAABMAAAAAAAAAAAAAAAEAAAAAAAAAAEAAADn5uYKAAAAACgAAAAoAAAAZAAAAGQAAAAAAAAAzMzMAAAAAABQAAAAUAAAAGQAAABkAAAAAAAAABcAAAAUAAAAAAAAAAAAAAD/fwAA/38AAAAAAAAJAAAABAAAAHQB0wAeAAAAaAAAAAAAAAAAAAAAAAAAAAAAAAAAAAAAECcAABAnAAAAAAAAAAAAAAAAAAAAAAAAAAAAAAAAAAAAAAAAAAAAABQAAAAAAAAAwMD/AAAAAABkAAAAMgAAAAAAAABkAAAAAAAAAH9/fwAKAAAAIgAAABgAAAAAAAAAAAAAAAAAAAAAAAAAAAAAAAAAAAAkAAAAJAAAAAAAAAAHAAAAAAAAAAAAAAAAAAAAAAAAAAAAAAAAAAAAf39/ACUAAABYAAAAAAAAAAAAAAAAAAAAAAAAAAAAAAAAAAAAAAAAAAAAAAAAAAAAAAAAAAAAAAA/AAAAAAAAAKCGAQAAAAAAAAAAAAAAAAAMAAAAAQAAAAAAAAAAAAAAAAAAAB8AAABUAAAAxt+1AP///wEAAAAAAAAAAAAAAAAAAAAAAAAAAAAAAAAAAAAAAAAAAHCtRwB/f38A5+bmA8zMzADAwP8Af39/AAAAAAAAAAAAAAAAAAAAAAAAAAAAIQAAABgAAAAUAAAAph4AADYMAAAUIwAADw8AABAAAAAmAAAACAAAAP//////////MAAAABQAAAAAAAAAAAD//wAAAQAAAP//AAABAA=="/>
+                <pr:smNativeData xmlns:pr="smNativeData" xmlns="smNativeData" val="SMDATA_16_FAWHYRMAAAAlAAAAZAAAAA0AAAAAkAAAAEgAAACQAAAASAAAAAAAAAABAAAAAAAAAAEAAABQAAAAAAAAAAAA4D8AAAAAAADgPwAAAAAAAOA/AAAAAAAA4D8AAAAAAADgPwAAAAAAAOA/AAAAAAAA4D8AAAAAAADgPwAAAAAAAOA/AAAAAAAA4D8CAAAAjAAAAAEAAAAAAAAAxt+1AP///wgAAAAAAAAAAAAAAAAAAAAAAAAAAAAAAAAAAAAAZAAAAAEAAABAAAAAAAAAAAAAAAAAAAAAAAAAAAAAAAAAAAAAAAAAAAAAAAAAAAAAAAAAAAAAAAAAAAAAAAAAAAAAAAAAAAAAAAAAAAAAAAAAAAAAAAAAAAAAAAAAAAAAFAAAADwAAAABAAAAAAAAAHCtRwAUAAAAAQAAABQAAAAUAAAAFAAAAAEAAAAAAAAAZAAAAGQAAAAAAAAAZAAAAGQAAAAVAAAAYAAAAAAAAAAAAAAADwAAACADAAAAAAAAAAAAAAEAAACgMgAAVgcAAKr4//8BAAAAf39/AAEAAABkAAAAAAAAABQAAABAHwAAAAAAACYAAAAAAAAAwOD//wAAAAAmAAAAZAAAABYAAABMAAAAAAAAAAAAAAAEAAAAAAAAAAEAAADn5uYKAAAAACgAAAAoAAAAZAAAAGQAAAAAAAAAzMzMAAAAAABQAAAAUAAAAGQAAABkAAAAAAAAABcAAAAUAAAAAAAAAAAAAAD/fwAA/38AAAAAAAAJAAAABAAAAHQB0wAeAAAAaAAAAAAAAAAAAAAAAAAAAAAAAAAAAAAAECcAABAnAAAAAAAAAAAAAAAAAAAAAAAAAAAAAAAAAAAAAAAAAAAAABQAAAAAAAAAwMD/AAAAAABkAAAAMgAAAAAAAABkAAAAAAAAAH9/fwAKAAAAIgAAABgAAAAAAAAAAAAAAAAAAAAAAAAAAAAAAAAAAAAkAAAAJAAAAAAAAAAHAAAAAAAAAAAAAAAAAAAAAAAAAAAAAAAAAAAAf39/ACUAAABYAAAAAAAAAAAAAAAAAAAAAAAAAAAAAAAAAAAAAAAAAAAAAAAAAAAAAAAAAAAAAAA/AAAAAAAAAKCGAQAAAAAAAAAAAAAAAAAMAAAAAQAAAAAAAAAAAAAAAAAAAB8AAABUAAAAxt+1AP///wEAAAAAAAAAAAAAAAAAAAAAAAAAAAAAAAAAAAAAAAAAAHCtRwB/f38A5+bmA8zMzADAwP8Af39/AAAAAAAAAAAAAAAAAAAAAAAAAAAAIQAAABgAAAAUAAAAph4AADYMAAAUIwAADw8AABAAAAAmAAAACAAAAP//////////MAAAABQAAAAAAAAAAAD//wAAAQAAAP//AAABAA=="/>
               </a:ext>
             </a:extLst>
           </p:cNvSpPr>
@@ -12982,7 +12577,7 @@
           <p:cNvSpPr>
             <a:extLst>
               <a:ext uri="smNativeData">
-                <pr:smNativeData xmlns:pr="smNativeData" xmlns="smNativeData" val="SMDATA_16_gfoFYRMAAAAlAAAAZAAAAA0AAAAAkAAAAEgAAACQAAAASAAAAAAAAAABAAAAAAAAAAEAAABQAAAAAAAAAAAA4D8AAAAAAADgPwAAAAAAAOA/AAAAAAAA4D8AAAAAAADgPwAAAAAAAOA/AAAAAAAA4D8AAAAAAADgPwAAAAAAAOA/AAAAAAAA4D8CAAAAjAAAAAEAAAAAAAAAxt+1AP///wgAAAAAAAAAAAAAAAAAAAAAAAAAAAAAAAAAAAAAZAAAAAEAAABAAAAAAAAAAAAAAAAAAAAAAAAAAAAAAAAAAAAAAAAAAAAAAAAAAAAAAAAAAAAAAAAAAAAAAAAAAAAAAAAAAAAAAAAAAAAAAAAAAAAAAAAAAAAAAAAAAAAAFAAAADwAAAABAAAAAAAAAHCtRwAUAAAAAQAAABQAAAAUAAAAFAAAAAEAAAAAAAAAZAAAAGQAAAAAAAAAZAAAAGQAAAAVAAAAYAAAAAAAAAAAAAAADwAAACADAAAAAAAAAAAAAAEAAACgMgAAVgcAAKr4//8BAAAAf39/AAEAAABkAAAAAAAAABQAAABAHwAAAAAAACYAAAAAAAAAwOD//wAAAAAmAAAAZAAAABYAAABMAAAAAAAAAAAAAAAEAAAAAAAAAAEAAADn5uYKAAAAACgAAAAoAAAAZAAAAGQAAAAAAAAAzMzMAAAAAABQAAAAUAAAAGQAAABkAAAAAAAAABcAAAAUAAAAAAAAAAAAAAD/fwAA/38AAAAAAAAJAAAABAAAAIAewgAeAAAAaAAAAAAAAAAAAAAAAAAAAAAAAAAAAAAAECcAABAnAAAAAAAAAAAAAAAAAAAAAAAAAAAAAAAAAAAAAAAAAAAAABQAAAAAAAAAwMD/AAAAAABkAAAAMgAAAAAAAABkAAAAAAAAAH9/fwAKAAAAIgAAABgAAAAAAAAAAAAAAAAAAAAAAAAAAAAAAAAAAAAkAAAAJAAAAAAAAAAHAAAAAAAAAAAAAAAAAAAAAAAAAAAAAAAAAAAAf39/ACUAAABYAAAAAAAAAAAAAAAAAAAAAAAAAAAAAAAAAAAAAAAAAAAAAAAAAAAAAAAAAAAAAAA/AAAAAAAAAKCGAQAAAAAAAAAAAAAAAAAMAAAAAQAAAAAAAAAAAAAAAAAAAB8AAABUAAAAxt+1AP///wEAAAAAAAAAAAAAAAAAAAAAAAAAAAAAAAAAAAAAAAAAAHCtRwB/f38A5+bmA8zMzADAwP8Af39/AAAAAAAAAAAAAAAAAAAAAAAAAAAAIQAAABgAAAAUAAAAph4AAOIIAAAUIwAAuwsAABAAAAAmAAAACAAAAP//////////MAAAABQAAAAAAAAAAAD//wAAAQAAAP//AAABAA=="/>
+                <pr:smNativeData xmlns:pr="smNativeData" xmlns="smNativeData" val="SMDATA_16_FAWHYRMAAAAlAAAAZAAAAA0AAAAAkAAAAEgAAACQAAAASAAAAAAAAAABAAAAAAAAAAEAAABQAAAAAAAAAAAA4D8AAAAAAADgPwAAAAAAAOA/AAAAAAAA4D8AAAAAAADgPwAAAAAAAOA/AAAAAAAA4D8AAAAAAADgPwAAAAAAAOA/AAAAAAAA4D8CAAAAjAAAAAEAAAAAAAAAxt+1AP///wgAAAAAAAAAAAAAAAAAAAAAAAAAAAAAAAAAAAAAZAAAAAEAAABAAAAAAAAAAAAAAAAAAAAAAAAAAAAAAAAAAAAAAAAAAAAAAAAAAAAAAAAAAAAAAAAAAAAAAAAAAAAAAAAAAAAAAAAAAAAAAAAAAAAAAAAAAAAAAAAAAAAAFAAAADwAAAABAAAAAAAAAHCtRwAUAAAAAQAAABQAAAAUAAAAFAAAAAEAAAAAAAAAZAAAAGQAAAAAAAAAZAAAAGQAAAAVAAAAYAAAAAAAAAAAAAAADwAAACADAAAAAAAAAAAAAAEAAACgMgAAVgcAAKr4//8BAAAAf39/AAEAAABkAAAAAAAAABQAAABAHwAAAAAAACYAAAAAAAAAwOD//wAAAAAmAAAAZAAAABYAAABMAAAAAAAAAAAAAAAEAAAAAAAAAAEAAADn5uYKAAAAACgAAAAoAAAAZAAAAGQAAAAAAAAAzMzMAAAAAABQAAAAUAAAAGQAAABkAAAAAAAAABcAAAAUAAAAAAAAAAAAAAD/fwAA/38AAAAAAAAJAAAABAAAAIAewgAeAAAAaAAAAAAAAAAAAAAAAAAAAAAAAAAAAAAAECcAABAnAAAAAAAAAAAAAAAAAAAAAAAAAAAAAAAAAAAAAAAAAAAAABQAAAAAAAAAwMD/AAAAAABkAAAAMgAAAAAAAABkAAAAAAAAAH9/fwAKAAAAIgAAABgAAAAAAAAAAAAAAAAAAAAAAAAAAAAAAAAAAAAkAAAAJAAAAAAAAAAHAAAAAAAAAAAAAAAAAAAAAAAAAAAAAAAAAAAAf39/ACUAAABYAAAAAAAAAAAAAAAAAAAAAAAAAAAAAAAAAAAAAAAAAAAAAAAAAAAAAAAAAAAAAAA/AAAAAAAAAKCGAQAAAAAAAAAAAAAAAAAMAAAAAQAAAAAAAAAAAAAAAAAAAB8AAABUAAAAxt+1AP///wEAAAAAAAAAAAAAAAAAAAAAAAAAAAAAAAAAAAAAAAAAAHCtRwB/f38A5+bmA8zMzADAwP8Af39/AAAAAAAAAAAAAAAAAAAAAAAAAAAAIQAAABgAAAAUAAAAph4AAOIIAAAUIwAAuwsAABAAAAAmAAAACAAAAP//////////MAAAABQAAAAAAAAAAAD//wAAAQAAAP//AAABAA=="/>
               </a:ext>
             </a:extLst>
           </p:cNvSpPr>
@@ -13042,7 +12637,7 @@
           <p:cNvSpPr>
             <a:extLst>
               <a:ext uri="smNativeData">
-                <pr:smNativeData xmlns:pr="smNativeData" xmlns="smNativeData" val="SMDATA_16_gfoFYRMAAAAlAAAAZAAAAA0AAAAAkAAAAEgAAACQAAAASAAAAAAAAAABAAAAAAAAAAEAAABQAAAAAAAAAAAA4D8AAAAAAADgPwAAAAAAAOA/AAAAAAAA4D8AAAAAAADgPwAAAAAAAOA/AAAAAAAA4D8AAAAAAADgPwAAAAAAAOA/AAAAAAAA4D8CAAAAjAAAAAEAAAAAAAAAxt+1AP///wgAAAAAAAAAAAAAAAAAAAAAAAAAAAAAAAAAAAAAZAAAAAEAAABAAAAAAAAAAAAAAAAAAAAAAAAAAAAAAAAAAAAAAAAAAAAAAAAAAAAAAAAAAAAAAAAAAAAAAAAAAAAAAAAAAAAAAAAAAAAAAAAAAAAAAAAAAAAAAAAAAAAAFAAAADwAAAABAAAAAAAAAHCtRwAUAAAAAQAAABQAAAAUAAAAFAAAAAEAAAAAAAAAZAAAAGQAAAAAAAAAZAAAAGQAAAAVAAAAYAAAAAAAAAAAAAAADwAAACADAAAAAAAAAAAAAAEAAACgMgAAVgcAAKr4//8BAAAAf39/AAEAAABkAAAAAAAAABQAAABAHwAAAAAAACYAAAAAAAAAwOD//wAAAAAmAAAAZAAAABYAAABMAAAAAAAAAAAAAAAEAAAAAAAAAAEAAADn5uYKAAAAACgAAAAoAAAAZAAAAGQAAAAAAAAAzMzMAAAAAABQAAAAUAAAAGQAAABkAAAAAAAAABcAAAAUAAAAAAAAAAAAAAD/fwAA/38AAAAAAAAJAAAABAAAAN0AGAIeAAAAaAAAAAAAAAAAAAAAAAAAAAAAAAAAAAAAECcAABAnAAAAAAAAAAAAAAAAAAAAAAAAAAAAAAAAAAAAAAAAAAAAABQAAAAAAAAAwMD/AAAAAABkAAAAMgAAAAAAAABkAAAAAAAAAH9/fwAKAAAAIgAAABgAAAAAAAAAAAAAAAAAAAAAAAAAAAAAAAAAAAAkAAAAJAAAAAAAAAAHAAAAAAAAAAAAAAAAAAAAAAAAAAAAAAAAAAAAf39/ACUAAABYAAAAAAAAAAAAAAAAAAAAAAAAAAAAAAAAAAAAAAAAAAAAAAAAAAAAAAAAAAAAAAA/AAAAAAAAAKCGAQAAAAAAAAAAAAAAAAAMAAAAAQAAAAAAAAAAAAAAAAAAAB8AAABUAAAAxt+1AP///wEAAAAAAAAAAAAAAAAAAAAAAAAAAAAAAAAAAAAAAAAAAHCtRwB/f38A5+bmA8zMzADAwP8Af39/AAAAAAAAAAAAAAAAAAAAAAAAAAAAIQAAABgAAAAUAAAApB4AAI4FAAASIwAAZwgAABAAAAAmAAAACAAAAP//////////MAAAABQAAAAAAAAAAAD//wAAAQAAAP//AAABAA=="/>
+                <pr:smNativeData xmlns:pr="smNativeData" xmlns="smNativeData" val="SMDATA_16_FAWHYRMAAAAlAAAAZAAAAA0AAAAAkAAAAEgAAACQAAAASAAAAAAAAAABAAAAAAAAAAEAAABQAAAAAAAAAAAA4D8AAAAAAADgPwAAAAAAAOA/AAAAAAAA4D8AAAAAAADgPwAAAAAAAOA/AAAAAAAA4D8AAAAAAADgPwAAAAAAAOA/AAAAAAAA4D8CAAAAjAAAAAEAAAAAAAAAxt+1AP///wgAAAAAAAAAAAAAAAAAAAAAAAAAAAAAAAAAAAAAZAAAAAEAAABAAAAAAAAAAAAAAAAAAAAAAAAAAAAAAAAAAAAAAAAAAAAAAAAAAAAAAAAAAAAAAAAAAAAAAAAAAAAAAAAAAAAAAAAAAAAAAAAAAAAAAAAAAAAAAAAAAAAAFAAAADwAAAABAAAAAAAAAHCtRwAUAAAAAQAAABQAAAAUAAAAFAAAAAEAAAAAAAAAZAAAAGQAAAAAAAAAZAAAAGQAAAAVAAAAYAAAAAAAAAAAAAAADwAAACADAAAAAAAAAAAAAAEAAACgMgAAVgcAAKr4//8BAAAAf39/AAEAAABkAAAAAAAAABQAAABAHwAAAAAAACYAAAAAAAAAwOD//wAAAAAmAAAAZAAAABYAAABMAAAAAAAAAAAAAAAEAAAAAAAAAAEAAADn5uYKAAAAACgAAAAoAAAAZAAAAGQAAAAAAAAAzMzMAAAAAABQAAAAUAAAAGQAAABkAAAAAAAAABcAAAAUAAAAAAAAAAAAAAD/fwAA/38AAAAAAAAJAAAABAAAAN0AGAIeAAAAaAAAAAAAAAAAAAAAAAAAAAAAAAAAAAAAECcAABAnAAAAAAAAAAAAAAAAAAAAAAAAAAAAAAAAAAAAAAAAAAAAABQAAAAAAAAAwMD/AAAAAABkAAAAMgAAAAAAAABkAAAAAAAAAH9/fwAKAAAAIgAAABgAAAAAAAAAAAAAAAAAAAAAAAAAAAAAAAAAAAAkAAAAJAAAAAAAAAAHAAAAAAAAAAAAAAAAAAAAAAAAAAAAAAAAAAAAf39/ACUAAABYAAAAAAAAAAAAAAAAAAAAAAAAAAAAAAAAAAAAAAAAAAAAAAAAAAAAAAAAAAAAAAA/AAAAAAAAAKCGAQAAAAAAAAAAAAAAAAAMAAAAAQAAAAAAAAAAAAAAAAAAAB8AAABUAAAAxt+1AP///wEAAAAAAAAAAAAAAAAAAAAAAAAAAAAAAAAAAAAAAAAAAHCtRwB/f38A5+bmA8zMzADAwP8Af39/AAAAAAAAAAAAAAAAAAAAAAAAAAAAIQAAABgAAAAUAAAApB4AAI4FAAASIwAAZwgAABAAAAAmAAAACAAAAP//////////MAAAABQAAAAAAAAAAAD//wAAAQAAAP//AAABAA=="/>
               </a:ext>
             </a:extLst>
           </p:cNvSpPr>
@@ -13102,7 +12697,7 @@
           <p:cNvSpPr>
             <a:extLst>
               <a:ext uri="smNativeData">
-                <pr:smNativeData xmlns:pr="smNativeData" xmlns="smNativeData" val="SMDATA_16_gfoFYRMAAAAlAAAACgAAAA0AAAAAkAAAAEgAAACQAAAASAAAAAAAAAAAAAAAAAAAAAEAAABQAAAAAAAAAAAA4D8AAAAAAADgPwAAAAAAAOA/AAAAAAAA4D8AAAAAAADgPwAAAAAAAOA/AAAAAAAA4D8AAAAAAADgPwAAAAAAAOA/AAAAAAAA4D8CAAAAjAAAAAAAAAAAAAAA////AP///wgAAAAAAAAAAAAAAAAAAAAAAAAAAAAAAAAAAAAAeAAAAAEAAABAAAAAAAAAAAAAAABaAAAAAAAAAAAAAAAAAAAAAAAAAAAAAAAAAAAAAAAAAAAAAAAAAAAAAAAAAAAAAAAAAAAAAAAAAAAAAAAAAAAAAAAAAAAAAAAAAAAAFAAAADwAAAABAAAAAAAAAAAAAAAeAAAAAQAAABQAAAAUAAAAFAAAAAEAAAAAAAAAZAAAAGQAAAAAAAAAZAAAAGQAAAAVAAAAYAAAAAAAAAAAAAAADwAAACADAAAAAAAAAAAAAAEAAACgMgAAVgcAAKr4//8BAAAAAAAACQEAAABkAAAAAAAAABQAAABAHwAAAAAAACYAAAAAAAAAwOD//wAAAAAmAAAAZAAAABYAAABMAAAAAAAAAAAAAAAEAAAAAAAAAAEAAAAAAAAJAAAAACgAAAAoAAAAZAAAAGQAAAAAAAAAzMzMAAAAAABQAAAAUAAAAGQAAABkAAAAAAAAABcAAAAUAAAAAAAAAAAAAAD/fwAA/38AAAAAAAAJAAAABAAAABoCIwEeAAAAaAAAAAAAAAAAAAAAAAAAAAAAAAAAAAAAECcAABAnAAAAAAAAAAAAAAAAAAAAAAAAAAAAAAAAAAAAAAAAAAAAABQAAAAAAAAAwMD/AAAAAABkAAAAMgAAAAAAAABkAAAAAAAAAH9/fwAKAAAAIgAAABgAAAAAAAAAAAAAAAAAAAAAAAAAAAAAAAAAAAAkAAAAJAAAAAAAAAAHAAAAAAAAAAAAAAAAAAAAAAAAAAAAAAAAAAAAf39/ACUAAABYAAAAAAAAAAAAAAAAAAAAAAAAAAAAAAAAAAAAAAAAAAAAAAAAAAAAAAAAAAAAAAA/AAAAAAAAAKCGAQAAAAAAAAAAAAAAAAAMAAAAAQAAAAAAAAAAAAAAAAAAAB8AAABUAAAA////AP///wEAAAAAAAAAAAAAAAAAAAAAAAAAAAAAAAAAAAAAAAAAAAAAAAAAAAACAAAAAszMzADAwP8Af39/AAAAAAAAAAAAAAAAAAAAAAAAAAAAIQAAABgAAAAUAAAAzwcAAJsEAADDGQAAmwQAABAAAAAmAAAACAAAAP//////////MAAAABQAAAAAAAAAAAD//wAAAQAAAP//AAABAA=="/>
+                <pr:smNativeData xmlns:pr="smNativeData" xmlns="smNativeData" val="SMDATA_16_FAWHYRMAAAAlAAAACgAAAA0AAAAAkAAAAEgAAACQAAAASAAAAAAAAAAAAAAAAAAAAAEAAABQAAAAAAAAAAAA4D8AAAAAAADgPwAAAAAAAOA/AAAAAAAA4D8AAAAAAADgPwAAAAAAAOA/AAAAAAAA4D8AAAAAAADgPwAAAAAAAOA/AAAAAAAA4D8CAAAAjAAAAAAAAAAAAAAA////AP///wgAAAAAAAAAAAAAAAAAAAAAAAAAAAAAAAAAAAAAeAAAAAEAAABAAAAAAAAAAAAAAABaAAAAAAAAAAAAAAAAAAAAAAAAAAAAAAAAAAAAAAAAAAAAAAAAAAAAAAAAAAAAAAAAAAAAAAAAAAAAAAAAAAAAAAAAAAAAAAAAAAAAFAAAADwAAAABAAAAAAAAAAAAAAAeAAAAAQAAABQAAAAUAAAAFAAAAAEAAAAAAAAAZAAAAGQAAAAAAAAAZAAAAGQAAAAVAAAAYAAAAAAAAAAAAAAADwAAACADAAAAAAAAAAAAAAEAAACgMgAAVgcAAKr4//8BAAAAAAAACQEAAABkAAAAAAAAABQAAABAHwAAAAAAACYAAAAAAAAAwOD//wAAAAAmAAAAZAAAABYAAABMAAAAAAAAAAAAAAAEAAAAAAAAAAEAAAAAAAAJAAAAACgAAAAoAAAAZAAAAGQAAAAAAAAAzMzMAAAAAABQAAAAUAAAAGQAAABkAAAAAAAAABcAAAAUAAAAAAAAAAAAAAD/fwAA/38AAAAAAAAJAAAABAAAABoCIwEeAAAAaAAAAAAAAAAAAAAAAAAAAAAAAAAAAAAAECcAABAnAAAAAAAAAAAAAAAAAAAAAAAAAAAAAAAAAAAAAAAAAAAAABQAAAAAAAAAwMD/AAAAAABkAAAAMgAAAAAAAABkAAAAAAAAAH9/fwAKAAAAIgAAABgAAAAAAAAAAAAAAAAAAAAAAAAAAAAAAAAAAAAkAAAAJAAAAAAAAAAHAAAAAAAAAAAAAAAAAAAAAAAAAAAAAAAAAAAAf39/ACUAAABYAAAAAAAAAAAAAAAAAAAAAAAAAAAAAAAAAAAAAAAAAAAAAAAAAAAAAAAAAAAAAAA/AAAAAAAAAKCGAQAAAAAAAAAAAAAAAAAMAAAAAQAAAAAAAAAAAAAAAAAAAB8AAABUAAAA////AP///wEAAAAAAAAAAAAAAAAAAAAAAAAAAAAAAAAAAAAAAAAAAAAAAAAAAAACAAAAAszMzADAwP8Af39/AAAAAAAAAAAAAAAAAAAAAAAAAAAAIQAAABgAAAAUAAAAzwcAAJsEAADDGQAAmwQAABAAAAAmAAAACAAAAP//////////MAAAABQAAAAAAAAAAAD//wAAAQAAAP//AAABAA=="/>
               </a:ext>
             </a:extLst>
           </p:cNvSpPr>
@@ -13134,7 +12729,7 @@
           <p:cNvSpPr>
             <a:extLst>
               <a:ext uri="smNativeData">
-                <pr:smNativeData xmlns:pr="smNativeData" xmlns="smNativeData" val="SMDATA_16_gfoFYRMAAAAlAAAACgAAAA0AAAAAkAAAAEgAAACQAAAASAAAAAAAAAAAAAAAAAAAAAEAAABQAAAAAAAAAAAA4D8AAAAAAADgPwAAAAAAAOA/AAAAAAAA4D8AAAAAAADgPwAAAAAAAOA/AAAAAAAA4D8AAAAAAADgPwAAAAAAAOA/AAAAAAAA4D8CAAAAjAAAAAAAAAAAAAAA////AP///wgAAAAAAAAAAAAAAAAAAAAAAAAAAAAAAAAAAAAAeAAAAAEAAABAAAAAAAAAAAAAAABaAAAAAAAAAAAAAAAAAAAAAAAAAAAAAAAAAAAAAAAAAAAAAAAAAAAAAAAAAAAAAAAAAAAAAAAAAAAAAAAAAAAAAAAAAAAAAAAAAAAAFAAAADwAAAABAAAAAAAAAAAAAAAeAAAAAQAAABQAAAAUAAAAFAAAAAEAAAAAAAAAZAAAAGQAAAAAAAAAZAAAAGQAAAAVAAAAYAAAAAAAAAAAAAAADwAAACADAAAAAAAAAAAAAAEAAACgMgAAVgcAAKr4//8BAAAAAAAACQEAAABkAAAAAAAAABQAAABAHwAAAAAAACYAAAAAAAAAwOD//wAAAAAmAAAAZAAAABYAAABMAAAAAAAAAAAAAAAEAAAAAAAAAAEAAAAAAAAJAAAAACgAAAAoAAAAZAAAAGQAAAAAAAAAzMzMAAAAAABQAAAAUAAAAGQAAABkAAAAAAAAABcAAAAUAAAAAAAAAAAAAAD/fwAA/38AAAAAAAAJAAAABAAAAN0A3B4eAAAAaAAAAAAAAAAAAAAAAAAAAAAAAAAAAAAAECcAABAnAAAAAAAAAAAAAAAAAAAAAAAAAAAAAAAAAAAAAAAAAAAAABQAAAAAAAAAwMD/AAAAAABkAAAAMgAAAAAAAABkAAAAAAAAAH9/fwAKAAAAIgAAABgAAAAAAAAAAAAAAAAAAAAAAAAAAAAAAAAAAAAkAAAAJAAAAAAAAAAHAAAAAAAAAAAAAAAAAAAAAAAAAAAAAAAAAAAAf39/ACUAAABYAAAAAAAAAAAAAAAAAAAAAAAAAAAAAAAAAAAAAAAAAAAAAAAAAAAAAAAAAAAAAAA/AAAAAAAAAKCGAQAAAAAAAAAAAAAAAAAMAAAAAQAAAAAAAAAAAAAAAAAAAB8AAABUAAAA////AP///wEAAAAAAAAAAAAAAAAAAAAAAAAAAAAAAAAAAAAAAAAAAAAAAAAAAAACAAAAAszMzADAwP8Af39/AAAAAAAAAAAAAAAAAAAAAAAAAAAAIQAAABgAAAAUAAAAzwcAAJsEAADPBwAA5AUAABAAAAAmAAAACAAAAP//////////MAAAABQAAAAAAAAAAAD//wAAAQAAAP//AAABAA=="/>
+                <pr:smNativeData xmlns:pr="smNativeData" xmlns="smNativeData" val="SMDATA_16_FAWHYRMAAAAlAAAACgAAAA0AAAAAkAAAAEgAAACQAAAASAAAAAAAAAAAAAAAAAAAAAEAAABQAAAAAAAAAAAA4D8AAAAAAADgPwAAAAAAAOA/AAAAAAAA4D8AAAAAAADgPwAAAAAAAOA/AAAAAAAA4D8AAAAAAADgPwAAAAAAAOA/AAAAAAAA4D8CAAAAjAAAAAAAAAAAAAAA////AP///wgAAAAAAAAAAAAAAAAAAAAAAAAAAAAAAAAAAAAAeAAAAAEAAABAAAAAAAAAAAAAAABaAAAAAAAAAAAAAAAAAAAAAAAAAAAAAAAAAAAAAAAAAAAAAAAAAAAAAAAAAAAAAAAAAAAAAAAAAAAAAAAAAAAAAAAAAAAAAAAAAAAAFAAAADwAAAABAAAAAAAAAAAAAAAeAAAAAQAAABQAAAAUAAAAFAAAAAEAAAAAAAAAZAAAAGQAAAAAAAAAZAAAAGQAAAAVAAAAYAAAAAAAAAAAAAAADwAAACADAAAAAAAAAAAAAAEAAACgMgAAVgcAAKr4//8BAAAAAAAACQEAAABkAAAAAAAAABQAAABAHwAAAAAAACYAAAAAAAAAwOD//wAAAAAmAAAAZAAAABYAAABMAAAAAAAAAAAAAAAEAAAAAAAAAAEAAAAAAAAJAAAAACgAAAAoAAAAZAAAAGQAAAAAAAAAzMzMAAAAAABQAAAAUAAAAGQAAABkAAAAAAAAABcAAAAUAAAAAAAAAAAAAAD/fwAA/38AAAAAAAAJAAAABAAAAN0A3B4eAAAAaAAAAAAAAAAAAAAAAAAAAAAAAAAAAAAAECcAABAnAAAAAAAAAAAAAAAAAAAAAAAAAAAAAAAAAAAAAAAAAAAAABQAAAAAAAAAwMD/AAAAAABkAAAAMgAAAAAAAABkAAAAAAAAAH9/fwAKAAAAIgAAABgAAAAAAAAAAAAAAAAAAAAAAAAAAAAAAAAAAAAkAAAAJAAAAAAAAAAHAAAAAAAAAAAAAAAAAAAAAAAAAAAAAAAAAAAAf39/ACUAAABYAAAAAAAAAAAAAAAAAAAAAAAAAAAAAAAAAAAAAAAAAAAAAAAAAAAAAAAAAAAAAAA/AAAAAAAAAKCGAQAAAAAAAAAAAAAAAAAMAAAAAQAAAAAAAAAAAAAAAAAAAB8AAABUAAAA////AP///wEAAAAAAAAAAAAAAAAAAAAAAAAAAAAAAAAAAAAAAAAAAAAAAAAAAAACAAAAAszMzADAwP8Af39/AAAAAAAAAAAAAAAAAAAAAAAAAAAAIQAAABgAAAAUAAAAzwcAAJsEAADPBwAA5AUAABAAAAAmAAAACAAAAP//////////MAAAABQAAAAAAAAAAAD//wAAAQAAAP//AAABAA=="/>
               </a:ext>
             </a:extLst>
           </p:cNvSpPr>
@@ -13166,7 +12761,7 @@
           <p:cNvSpPr>
             <a:extLst>
               <a:ext uri="smNativeData">
-                <pr:smNativeData xmlns:pr="smNativeData" xmlns="smNativeData" val="SMDATA_16_gfoFYRMAAAAlAAAACgAAAA0AAAAAkAAAAEgAAACQAAAASAAAAAAAAAAAAAAAAAAAAAEAAABQAAAAAAAAAAAA4D8AAAAAAADgPwAAAAAAAOA/AAAAAAAA4D8AAAAAAADgPwAAAAAAAOA/AAAAAAAA4D8AAAAAAADgPwAAAAAAAOA/AAAAAAAA4D8CAAAAjAAAAAAAAAAAAAAA////AP///wgAAAAAAAAAAAAAAAAAAAAAAAAAAAAAAAAAAAAAeAAAAAEAAABAAAAAAAAAAAAAAABaAAAAAAAAAAAAAAAAAAAAAAAAAAAAAAAAAAAAAAAAAAAAAAAAAAAAAAAAAAAAAAAAAAAAAAAAAAAAAAAAAAAAAAAAAAAAAAAAAAAAFAAAADwAAAABAAAAAAAAAAAAAAAeAAAAAQAAABQAAAAUAAAAFAAAAAEAAAAAAAAAZAAAAGQAAAAAAAAAZAAAAGQAAAAVAAAAYAAAAAAAAAAAAAAADwAAACADAAAAAAAAAAAAAAEAAACgMgAAVgcAAKr4//8BAAAAAAAACQEAAABkAAAAAAAAABQAAABAHwAAAAAAACYAAAAAAAAAwOD//wAAAAAmAAAAZAAAABYAAABMAAAAAAAAAAAAAAAEAAAAAAAAAAEAAAAAAAAJAAAAACgAAAAoAAAAZAAAAGQAAAAAAAAAzMzMAAAAAABQAAAAUAAAAGQAAABkAAAAAAAAABcAAAAUAAAAAAAAAAAAAAD/fwAA/38AAAAAAAAJAAAABAAAAGMAox4eAAAAaAAAAAAAAAAAAAAAAAAAAAAAAAAAAAAAECcAABAnAAAAAAAAAAAAAAAAAAAAAAAAAAAAAAAAAAAAAAAAAAAAABQAAAAAAAAAwMD/AAAAAABkAAAAMgAAAAAAAABkAAAAAAAAAH9/fwAKAAAAIgAAABgAAAAAAAAAAAAAAAAAAAAAAAAAAAAAAAAAAAAkAAAAJAAAAAAAAAAHAAAAAAAAAAAAAAAAAAAAAAAAAAAAAAAAAAAAf39/ACUAAABYAAAAAAAAAAAAAAAAAAAAAAAAAAAAAAAAAAAAAAAAAAAAAAAAAAAAAAAAAAAAAAA/AAAAAAAAAKCGAQAAAAAAAAAAAAAAAAAMAAAAAQAAAAAAAAAAAAAAAAAAAB8AAABUAAAA////AP///wEAAAAAAAAAAAAAAAAAAAAAAAAAAAAAAAAAAAAAAAAAAAAAAAAAAAACAAAAAszMzADAwP8Af39/AAAAAAAAAAAAAAAAAAAAAAAAAAAAIQAAABgAAAAUAAAAkx0AAFEHAACTHQAAsgkAABAAAAAmAAAACAAAAP//////////MAAAABQAAAAAAAAAAAD//wAAAQAAAP//AAABAA=="/>
+                <pr:smNativeData xmlns:pr="smNativeData" xmlns="smNativeData" val="SMDATA_16_FAWHYRMAAAAlAAAACgAAAA0AAAAAkAAAAEgAAACQAAAASAAAAAAAAAAAAAAAAAAAAAEAAABQAAAAAAAAAAAA4D8AAAAAAADgPwAAAAAAAOA/AAAAAAAA4D8AAAAAAADgPwAAAAAAAOA/AAAAAAAA4D8AAAAAAADgPwAAAAAAAOA/AAAAAAAA4D8CAAAAjAAAAAAAAAAAAAAA////AP///wgAAAAAAAAAAAAAAAAAAAAAAAAAAAAAAAAAAAAAeAAAAAEAAABAAAAAAAAAAAAAAABaAAAAAAAAAAAAAAAAAAAAAAAAAAAAAAAAAAAAAAAAAAAAAAAAAAAAAAAAAAAAAAAAAAAAAAAAAAAAAAAAAAAAAAAAAAAAAAAAAAAAFAAAADwAAAABAAAAAAAAAAAAAAAeAAAAAQAAABQAAAAUAAAAFAAAAAEAAAAAAAAAZAAAAGQAAAAAAAAAZAAAAGQAAAAVAAAAYAAAAAAAAAAAAAAADwAAACADAAAAAAAAAAAAAAEAAACgMgAAVgcAAKr4//8BAAAAAAAACQEAAABkAAAAAAAAABQAAABAHwAAAAAAACYAAAAAAAAAwOD//wAAAAAmAAAAZAAAABYAAABMAAAAAAAAAAAAAAAEAAAAAAAAAAEAAAAAAAAJAAAAACgAAAAoAAAAZAAAAGQAAAAAAAAAzMzMAAAAAABQAAAAUAAAAGQAAABkAAAAAAAAABcAAAAUAAAAAAAAAAAAAAD/fwAA/38AAAAAAAAJAAAABAAAAGMAox4eAAAAaAAAAAAAAAAAAAAAAAAAAAAAAAAAAAAAECcAABAnAAAAAAAAAAAAAAAAAAAAAAAAAAAAAAAAAAAAAAAAAAAAABQAAAAAAAAAwMD/AAAAAABkAAAAMgAAAAAAAABkAAAAAAAAAH9/fwAKAAAAIgAAABgAAAAAAAAAAAAAAAAAAAAAAAAAAAAAAAAAAAAkAAAAJAAAAAAAAAAHAAAAAAAAAAAAAAAAAAAAAAAAAAAAAAAAAAAAf39/ACUAAABYAAAAAAAAAAAAAAAAAAAAAAAAAAAAAAAAAAAAAAAAAAAAAAAAAAAAAAAAAAAAAAA/AAAAAAAAAKCGAQAAAAAAAAAAAAAAAAAMAAAAAQAAAAAAAAAAAAAAAAAAAB8AAABUAAAA////AP///wEAAAAAAAAAAAAAAAAAAAAAAAAAAAAAAAAAAAAAAAAAAAAAAAAAAAACAAAAAszMzADAwP8Af39/AAAAAAAAAAAAAAAAAAAAAAAAAAAAIQAAABgAAAAUAAAAkx0AAFEHAACTHQAAsgkAABAAAAAmAAAACAAAAP//////////MAAAABQAAAAAAAAAAAD//wAAAQAAAP//AAABAA=="/>
               </a:ext>
             </a:extLst>
           </p:cNvSpPr>
@@ -13198,7 +12793,7 @@
           <p:cNvSpPr>
             <a:extLst>
               <a:ext uri="smNativeData">
-                <pr:smNativeData xmlns:pr="smNativeData" xmlns="smNativeData" val="SMDATA_16_gfoFYRMAAAAlAAAACgAAAA0AAAAAkAAAAEgAAACQAAAASAAAAAAAAAAAAAAAAAAAAAEAAABQAAAAAAAAAAAA4D8AAAAAAADgPwAAAAAAAOA/AAAAAAAA4D8AAAAAAADgPwAAAAAAAOA/AAAAAAAA4D8AAAAAAADgPwAAAAAAAOA/AAAAAAAA4D8CAAAAjAAAAAAAAAAAAAAA////AP///wgAAAAAAAAAAAAAAAAAAAAAAAAAAAAAAAAAAAAAeAAAAAEAAABAAAAAAAAAAAAAAABaAAAAAAAAAAAAAAAAAAAAAAAAAAAAAAAAAAAAAAAAAAAAAAAAAAAAAAAAAAAAAAAAAAAAAAAAAAAAAAAAAAAAAAAAAAAAAAAAAAAAFAAAADwAAAABAAAAAAAAAP8AAAAeAAAAAQAAABQAAAAUAAAAFAAAAAEAAAAAAAAAZAAAAGQAAAAAAAAAZAAAAGQAAAAVAAAAYAAAAAAAAAAAAAAADwAAACADAAAAAAAAAAAAAAEAAACgMgAAVgcAAKr4//8BAAAAAAAACQEAAABkAAAAAAAAABQAAABAHwAAAAAAACYAAAAAAAAAwOD//wAAAAAmAAAAZAAAABYAAABMAAAAAAAAAAAAAAAEAAAAAAAAAAEAAAAAAAAJAAAAACgAAAAoAAAAZAAAAGQAAAAAAAAAzMzMAAAAAABQAAAAUAAAAGQAAABkAAAAAAAAABcAAAAUAAAAAAAAAAAAAAD/fwAA/38AAAAAAAAJAAAABAAAAHYBbQAeAAAAaAAAAAAAAAAAAAAAAAAAAAAAAAAAAAAAECcAABAnAAAAAAAAAAAAAAAAAAAAAAAAAAAAAAAAAAAAAAAAAAAAABQAAAAAAAAAwMD/AAAAAABkAAAAMgAAAAAAAABkAAAAAAAAAH9/fwAKAAAAIgAAABgAAAAAAAAAAAAAAAAAAAAAAAAAAAAAAAAAAAAkAAAAJAAAAAAAAAAHAAAAAAAAAAAAAAAAAAAAAAAAAAAAAAAAAAAAf39/ACUAAABYAAAAAAAAAAAAAAAAAAAAAAAAAAAAAAAAAAAAAAAAAAAAAAAAAAAAAAAAAAAAAAA/AAAAAAAAAKCGAQAAAAAAAAAAAAAAAAAMAAAAAQAAAAAAAAAAAAAAAAAAAB8AAABUAAAA////AP///wEAAAAAAAAAAAAAAAAAAAAAAAAAAAAAAAAAAAAAAAAAAP8AAAAAAAACAAAAAszMzADAwP8Af39/AAAAAAAAAAAAAAAAAAAAAAAAAAAAIQAAABgAAAAUAAAAARsAALUHAAApHQAAtQcAABAAAAAmAAAACAAAAP//////////MAAAABQAAAAAAAAAAAD//wAAAQAAAP//AAABAA=="/>
+                <pr:smNativeData xmlns:pr="smNativeData" xmlns="smNativeData" val="SMDATA_16_FAWHYRMAAAAlAAAACgAAAA0AAAAAkAAAAEgAAACQAAAASAAAAAAAAAAAAAAAAAAAAAEAAABQAAAAAAAAAAAA4D8AAAAAAADgPwAAAAAAAOA/AAAAAAAA4D8AAAAAAADgPwAAAAAAAOA/AAAAAAAA4D8AAAAAAADgPwAAAAAAAOA/AAAAAAAA4D8CAAAAjAAAAAAAAAAAAAAA////AP///wgAAAAAAAAAAAAAAAAAAAAAAAAAAAAAAAAAAAAAeAAAAAEAAABAAAAAAAAAAAAAAABaAAAAAAAAAAAAAAAAAAAAAAAAAAAAAAAAAAAAAAAAAAAAAAAAAAAAAAAAAAAAAAAAAAAAAAAAAAAAAAAAAAAAAAAAAAAAAAAAAAAAFAAAADwAAAABAAAAAAAAAP8AAAAeAAAAAQAAABQAAAAUAAAAFAAAAAEAAAAAAAAAZAAAAGQAAAAAAAAAZAAAAGQAAAAVAAAAYAAAAAAAAAAAAAAADwAAACADAAAAAAAAAAAAAAEAAACgMgAAVgcAAKr4//8BAAAAAAAACQEAAABkAAAAAAAAABQAAABAHwAAAAAAACYAAAAAAAAAwOD//wAAAAAmAAAAZAAAABYAAABMAAAAAAAAAAAAAAAEAAAAAAAAAAEAAAAAAAAJAAAAACgAAAAoAAAAZAAAAGQAAAAAAAAAzMzMAAAAAABQAAAAUAAAAGQAAABkAAAAAAAAABcAAAAUAAAAAAAAAAAAAAD/fwAA/38AAAAAAAAJAAAABAAAAHYBbQAeAAAAaAAAAAAAAAAAAAAAAAAAAAAAAAAAAAAAECcAABAnAAAAAAAAAAAAAAAAAAAAAAAAAAAAAAAAAAAAAAAAAAAAABQAAAAAAAAAwMD/AAAAAABkAAAAMgAAAAAAAABkAAAAAAAAAH9/fwAKAAAAIgAAABgAAAAAAAAAAAAAAAAAAAAAAAAAAAAAAAAAAAAkAAAAJAAAAAAAAAAHAAAAAAAAAAAAAAAAAAAAAAAAAAAAAAAAAAAAf39/ACUAAABYAAAAAAAAAAAAAAAAAAAAAAAAAAAAAAAAAAAAAAAAAAAAAAAAAAAAAAAAAAAAAAA/AAAAAAAAAKCGAQAAAAAAAAAAAAAAAAAMAAAAAQAAAAAAAAAAAAAAAAAAAB8AAABUAAAA////AP///wEAAAAAAAAAAAAAAAAAAAAAAAAAAAAAAAAAAAAAAAAAAP8AAAAAAAACAAAAAszMzADAwP8Af39/AAAAAAAAAAAAAAAAAAAAAAAAAAAAIQAAABgAAAAUAAAAARsAALUHAAApHQAAtQcAABAAAAAmAAAACAAAAP//////////MAAAABQAAAAAAAAAAAD//wAAAQAAAP//AAABAA=="/>
               </a:ext>
             </a:extLst>
           </p:cNvSpPr>
@@ -13230,7 +12825,7 @@
           <p:cNvSpPr>
             <a:extLst>
               <a:ext uri="smNativeData">
-                <pr:smNativeData xmlns:pr="smNativeData" xmlns="smNativeData" val="SMDATA_16_gfoFYRMAAAAlAAAACgAAAA0AAAAAkAAAAEgAAACQAAAASAAAAAAAAAAAAAAAAAAAAAEAAABQAAAAAAAAAAAA4D8AAAAAAADgPwAAAAAAAOA/AAAAAAAA4D8AAAAAAADgPwAAAAAAAOA/AAAAAAAA4D8AAAAAAADgPwAAAAAAAOA/AAAAAAAA4D8CAAAAjAAAAAAAAAAAAAAA////AP///wgAAAAAAAAAAAAAAAAAAAAAAAAAAAAAAAAAAAAAeAAAAAEAAABAAAAAAAAAAAAAAABaAAAAAAAAAAAAAAAAAAAAAAAAAAAAAAAAAAAAAAAAAAAAAAAAAAAAAAAAAAAAAAAAAAAAAAAAAAAAAAAAAAAAAAAAAAAAAAAAAAAAFAAAADwAAAABAAAAAAAAAP8AAAAeAAAAAQAAABQAAAAUAAAAFAAAAAEAAAAAAAAAZAAAAGQAAAAAAAAAZAAAAGQAAAAVAAAAYAAAAAAAAAAAAAAADwAAACADAAAAAAAAAAAAAAEAAACgMgAAVgcAAKr4//8BAAAAAAAACQEAAABkAAAAAAAAABQAAABAHwAAAAAAACYAAAAAAAAAwOD//wAAAAAmAAAAZAAAABYAAABMAAAAAAAAAAAAAAAEAAAAAAAAAAEAAAAAAAAJAAAAACgAAAAoAAAAZAAAAGQAAAAAAAAAzMzMAAAAAABQAAAAUAAAAGQAAABkAAAAAAAAABcAAAAUAAAAAAAAAAAAAAD/fwAA/38AAAAAAAAJAAAABAAAAA0Bpx4eAAAAaAAAAAAAAAAAAAAAAAAAAAAAAAAAAAAAECcAABAnAAAAAAAAAAAAAAAAAAAAAAAAAAAAAAAAAAAAAAAAAAAAABQAAAAAAAAAwMD/AAAAAABkAAAAMgAAAAAAAABkAAAAAAAAAH9/fwAKAAAAIgAAABgAAAAAAAAAAAAAAAAAAAAAAAAAAAAAAAAAAAAkAAAAJAAAAAAAAAAHAAAAAAAAAAAAAAAAAAAAAAAAAAAAAAAAAAAAf39/ACUAAABYAAAAAAAAAAAAAAAAAAAAAAAAAAAAAAAAAAAAAAAAAAAAAAAAAAAAAAAAAAAAAAA/AAAAAAAAAKCGAQAAAAAAAAAAAAAAAAAMAAAAAQAAAAAAAAAAAAAAAAAAAB8AAABUAAAA////AP///wEAAAAAAAAAAAAAAAAAAAAAAAAAAAAAAAAAAAAAAAAAAP8AAAAAAAACAAAAAszMzADAwP8Af39/AAAAAAAAAAAAAAAAAAAAAAAAAAAAIQAAABgAAAAUAAAAKR0AALEHAAApHQAAEgoAABAAAAAmAAAACAAAAP//////////MAAAABQAAAAAAAAAAAD//wAAAQAAAP//AAABAA=="/>
+                <pr:smNativeData xmlns:pr="smNativeData" xmlns="smNativeData" val="SMDATA_16_FAWHYRMAAAAlAAAACgAAAA0AAAAAkAAAAEgAAACQAAAASAAAAAAAAAAAAAAAAAAAAAEAAABQAAAAAAAAAAAA4D8AAAAAAADgPwAAAAAAAOA/AAAAAAAA4D8AAAAAAADgPwAAAAAAAOA/AAAAAAAA4D8AAAAAAADgPwAAAAAAAOA/AAAAAAAA4D8CAAAAjAAAAAAAAAAAAAAA////AP///wgAAAAAAAAAAAAAAAAAAAAAAAAAAAAAAAAAAAAAeAAAAAEAAABAAAAAAAAAAAAAAABaAAAAAAAAAAAAAAAAAAAAAAAAAAAAAAAAAAAAAAAAAAAAAAAAAAAAAAAAAAAAAAAAAAAAAAAAAAAAAAAAAAAAAAAAAAAAAAAAAAAAFAAAADwAAAABAAAAAAAAAP8AAAAeAAAAAQAAABQAAAAUAAAAFAAAAAEAAAAAAAAAZAAAAGQAAAAAAAAAZAAAAGQAAAAVAAAAYAAAAAAAAAAAAAAADwAAACADAAAAAAAAAAAAAAEAAACgMgAAVgcAAKr4//8BAAAAAAAACQEAAABkAAAAAAAAABQAAABAHwAAAAAAACYAAAAAAAAAwOD//wAAAAAmAAAAZAAAABYAAABMAAAAAAAAAAAAAAAEAAAAAAAAAAEAAAAAAAAJAAAAACgAAAAoAAAAZAAAAGQAAAAAAAAAzMzMAAAAAABQAAAAUAAAAGQAAABkAAAAAAAAABcAAAAUAAAAAAAAAAAAAAD/fwAA/38AAAAAAAAJAAAABAAAAA0Bpx4eAAAAaAAAAAAAAAAAAAAAAAAAAAAAAAAAAAAAECcAABAnAAAAAAAAAAAAAAAAAAAAAAAAAAAAAAAAAAAAAAAAAAAAABQAAAAAAAAAwMD/AAAAAABkAAAAMgAAAAAAAABkAAAAAAAAAH9/fwAKAAAAIgAAABgAAAAAAAAAAAAAAAAAAAAAAAAAAAAAAAAAAAAkAAAAJAAAAAAAAAAHAAAAAAAAAAAAAAAAAAAAAAAAAAAAAAAAAAAAf39/ACUAAABYAAAAAAAAAAAAAAAAAAAAAAAAAAAAAAAAAAAAAAAAAAAAAAAAAAAAAAAAAAAAAAA/AAAAAAAAAKCGAQAAAAAAAAAAAAAAAAAMAAAAAQAAAAAAAAAAAAAAAAAAAB8AAABUAAAA////AP///wEAAAAAAAAAAAAAAAAAAAAAAAAAAAAAAAAAAAAAAAAAAP8AAAAAAAACAAAAAszMzADAwP8Af39/AAAAAAAAAAAAAAAAAAAAAAAAAAAAIQAAABgAAAAUAAAAKR0AALEHAAApHQAAEgoAABAAAAAmAAAACAAAAP//////////MAAAABQAAAAAAAAAAAD//wAAAQAAAP//AAABAA=="/>
               </a:ext>
             </a:extLst>
           </p:cNvSpPr>
@@ -13262,7 +12857,7 @@
           <p:cNvSpPr>
             <a:extLst>
               <a:ext uri="smNativeData">
-                <pr:smNativeData xmlns:pr="smNativeData" xmlns="smNativeData" val="SMDATA_16_gfoFYRMAAAAlAAAACgAAAA0AAAAAkAAAAEgAAACQAAAASAAAAAAAAAAAAAAAAAAAAAEAAABQAAAAAAAAAAAA4D8AAAAAAADgPwAAAAAAAOA/AAAAAAAA4D8AAAAAAADgPwAAAAAAAOA/AAAAAAAA4D8AAAAAAADgPwAAAAAAAOA/AAAAAAAA4D8CAAAAjAAAAAAAAAAAAAAA////AP///wgAAAAAAAAAAAAAAAAAAAAAAAAAAAAAAAAAAAAAeAAAAAEAAABAAAAAAAAAAAAAAABaAAAAAAAAAAAAAAAAAAAAAAAAAAAAAAAAAAAAAAAAAAAAAAAAAAAAAAAAAAAAAAAAAAAAAAAAAAAAAAAAAAAAAAAAAAAAAAAAAAAAFAAAADwAAAABAAAAAAAAAP8AAAAeAAAAAQAAABQAAAAUAAAAFAAAAAEAAAAAAAAAZAAAAGQAAAAAAAAAZAAAAGQAAAAVAAAAYAAAAAAAAAAAAAAADwAAACADAAAAAAAAAAAAAAEAAACgMgAAVgcAAKr4//8BAAAAAAAACQEAAABkAAAAAAAAABQAAABAHwAAAAAAACYAAAAAAAAAwOD//wAAAAAmAAAAZAAAABYAAABMAAAAAAAAAAAAAAAEAAAAAAAAAAEAAAAAAAAJAAAAACgAAAAoAAAAZAAAAGQAAAAAAAAAzMzMAAAAAABQAAAAUAAAAGQAAABkAAAAAAAAABcAAAAUAAAAAAAAAAAAAAD/fwAA/38AAAAAAAAJAAAABAAAAFYA/wAeAAAAaAAAAAAAAAAAAAAAAAAAAAAAAAAAAAAAECcAABAnAAAAAAAAAAAAAAAAAAAAAAAAAAAAAAAAAAAAAAAAAAAAABQAAAAAAAAAwMD/AAAAAABkAAAAMgAAAAAAAABkAAAAAAAAAH9/fwAKAAAAIgAAABgAAAAAAAAAAAAAAAAAAAAAAAAAAAAAAAAAAAAkAAAAJAAAAAAAAAAHAAAAAAAAAAAAAAAAAAAAAAAAAAAAAAAAAAAAf39/ACUAAABYAAAAAAAAAAAAAAAAAAAAAAAAAAAAAAAAAAAAAAAAAAAAAAAAAAAAAAAAAAAAAAA/AAAAAAAAAKCGAQAAAAAAAAAAAAAAAAAMAAAAAQAAAAAAAAAAAAAAAAAAAB8AAABUAAAA////AP///wEAAAAAAAAAAAAAAAAAAAAAAAAAAAAAAAAAAAAAAAAAAP8AAAAAAAACAAAAAszMzADAwP8Af39/AAAAAAAAAAAAAAAAAAAAAAAAAAAAIQAAABgAAAAUAAAAKR0AABIKAACfHgAAEgoAABAAAAAmAAAACAAAAP//////////MAAAABQAAAAAAAAAAAD//wAAAQAAAP//AAABAA=="/>
+                <pr:smNativeData xmlns:pr="smNativeData" xmlns="smNativeData" val="SMDATA_16_FAWHYRMAAAAlAAAACgAAAA0AAAAAkAAAAEgAAACQAAAASAAAAAAAAAAAAAAAAAAAAAEAAABQAAAAAAAAAAAA4D8AAAAAAADgPwAAAAAAAOA/AAAAAAAA4D8AAAAAAADgPwAAAAAAAOA/AAAAAAAA4D8AAAAAAADgPwAAAAAAAOA/AAAAAAAA4D8CAAAAjAAAAAAAAAAAAAAA////AP///wgAAAAAAAAAAAAAAAAAAAAAAAAAAAAAAAAAAAAAeAAAAAEAAABAAAAAAAAAAAAAAABaAAAAAAAAAAAAAAAAAAAAAAAAAAAAAAAAAAAAAAAAAAAAAAAAAAAAAAAAAAAAAAAAAAAAAAAAAAAAAAAAAAAAAAAAAAAAAAAAAAAAFAAAADwAAAABAAAAAAAAAP8AAAAeAAAAAQAAABQAAAAUAAAAFAAAAAEAAAAAAAAAZAAAAGQAAAAAAAAAZAAAAGQAAAAVAAAAYAAAAAAAAAAAAAAADwAAACADAAAAAAAAAAAAAAEAAACgMgAAVgcAAKr4//8BAAAAAAAACQEAAABkAAAAAAAAABQAAABAHwAAAAAAACYAAAAAAAAAwOD//wAAAAAmAAAAZAAAABYAAABMAAAAAAAAAAAAAAAEAAAAAAAAAAEAAAAAAAAJAAAAACgAAAAoAAAAZAAAAGQAAAAAAAAAzMzMAAAAAABQAAAAUAAAAGQAAABkAAAAAAAAABcAAAAUAAAAAAAAAAAAAAD/fwAA/38AAAAAAAAJAAAABAAAAFYA/wAeAAAAaAAAAAAAAAAAAAAAAAAAAAAAAAAAAAAAECcAABAnAAAAAAAAAAAAAAAAAAAAAAAAAAAAAAAAAAAAAAAAAAAAABQAAAAAAAAAwMD/AAAAAABkAAAAMgAAAAAAAABkAAAAAAAAAH9/fwAKAAAAIgAAABgAAAAAAAAAAAAAAAAAAAAAAAAAAAAAAAAAAAAkAAAAJAAAAAAAAAAHAAAAAAAAAAAAAAAAAAAAAAAAAAAAAAAAAAAAf39/ACUAAABYAAAAAAAAAAAAAAAAAAAAAAAAAAAAAAAAAAAAAAAAAAAAAAAAAAAAAAAAAAAAAAA/AAAAAAAAAKCGAQAAAAAAAAAAAAAAAAAMAAAAAQAAAAAAAAAAAAAAAAAAAB8AAABUAAAA////AP///wEAAAAAAAAAAAAAAAAAAAAAAAAAAAAAAAAAAAAAAAAAAP8AAAAAAAACAAAAAszMzADAwP8Af39/AAAAAAAAAAAAAAAAAAAAAAAAAAAAIQAAABgAAAAUAAAAKR0AABIKAACfHgAAEgoAABAAAAAmAAAACAAAAP//////////MAAAABQAAAAAAAAAAAD//wAAAQAAAP//AAABAA=="/>
               </a:ext>
             </a:extLst>
           </p:cNvSpPr>
@@ -13294,7 +12889,7 @@
           <p:cNvSpPr>
             <a:extLst>
               <a:ext uri="smNativeData">
-                <pr:smNativeData xmlns:pr="smNativeData" xmlns="smNativeData" val="SMDATA_16_gfoFYRMAAAAlAAAACgAAAA0AAAAAkAAAAEgAAACQAAAASAAAAAAAAAAAAAAAAAAAAAEAAABQAAAAAAAAAAAA4D8AAAAAAADgPwAAAAAAAOA/AAAAAAAA4D8AAAAAAADgPwAAAAAAAOA/AAAAAAAA4D8AAAAAAADgPwAAAAAAAOA/AAAAAAAA4D8CAAAAjAAAAAAAAAAAAAAA////AP///wgAAAAAAAAAAAAAAAAAAAAAAAAAAAAAAAAAAAAAeAAAAAEAAABAAAAAAAAAAAAAAABaAAAAAAAAAAAAAAAAAAAAAAAAAAAAAAAAAAAAAAAAAAAAAAAAAAAAAAAAAAAAAAAAAAAAAAAAAAAAAAAAAAAAAAAAAAAAAAAAAAAAFAAAADwAAAABAAAAAAAAAAAAAAAeAAAAAQAAABQAAAAUAAAAFAAAAAEAAAAAAAAAZAAAAGQAAAAAAAAAZAAAAGQAAAAVAAAAYAAAAAAAAAAAAAAADwAAACADAAAAAAAAAAAAAAEAAACgMgAAVgcAAKr4//8BAAAAAAAACQEAAABkAAAAAAAAABQAAABAHwAAAAAAACYAAAAAAAAAwOD//wAAAAAmAAAAZAAAABYAAABMAAAAAAAAAAAAAAAEAAAAAAAAAAEAAAAAAAAJAAAAACgAAAAoAAAAZAAAAGQAAAAAAAAAzMzMAAAAAABQAAAAUAAAAGQAAABkAAAAAAAAABcAAAAUAAAAAAAAAAAAAAD/fwAA/38AAAAAAAAJAAAABAAAAFcA6gAeAAAAaAAAAAAAAAAAAAAAAAAAAAAAAAAAAAAAECcAABAnAAAAAAAAAAAAAAAAAAAAAAAAAAAAAAAAAAAAAAAAAAAAABQAAAAAAAAAwMD/AAAAAABkAAAAMgAAAAAAAABkAAAAAAAAAH9/fwAKAAAAIgAAABgAAAAAAAAAAAAAAAAAAAAAAAAAAAAAAAAAAAAkAAAAJAAAAAAAAAAHAAAAAAAAAAAAAAAAAAAAAAAAAAAAAAAAAAAAf39/ACUAAABYAAAAAAAAAAAAAAAAAAAAAAAAAAAAAAAAAAAAAAAAAAAAAAAAAAAAAAAAAAAAAAA/AAAAAAAAAKCGAQAAAAAAAAAAAAAAAAAMAAAAAQAAAAAAAAAAAAAAAAAAAB8AAABUAAAA////AP///wEAAAAAAAAAAAAAAAAAAAAAAAAAAAAAAAAAAAAAAAAAAAAAAAAAAAACAAAAAszMzADAwP8Af39/AAAAAAAAAAAAAAAAAAAAAAAAAAAAIQAAABgAAAAUAAAAnx0AAP8KAACfHQAACg0AABAAAAAmAAAACAAAAP//////////MAAAABQAAAAAAAAAAAD//wAAAQAAAP//AAABAA=="/>
+                <pr:smNativeData xmlns:pr="smNativeData" xmlns="smNativeData" val="SMDATA_16_FAWHYRMAAAAlAAAACgAAAA0AAAAAkAAAAEgAAACQAAAASAAAAAAAAAAAAAAAAAAAAAEAAABQAAAAAAAAAAAA4D8AAAAAAADgPwAAAAAAAOA/AAAAAAAA4D8AAAAAAADgPwAAAAAAAOA/AAAAAAAA4D8AAAAAAADgPwAAAAAAAOA/AAAAAAAA4D8CAAAAjAAAAAAAAAAAAAAA////AP///wgAAAAAAAAAAAAAAAAAAAAAAAAAAAAAAAAAAAAAeAAAAAEAAABAAAAAAAAAAAAAAABaAAAAAAAAAAAAAAAAAAAAAAAAAAAAAAAAAAAAAAAAAAAAAAAAAAAAAAAAAAAAAAAAAAAAAAAAAAAAAAAAAAAAAAAAAAAAAAAAAAAAFAAAADwAAAABAAAAAAAAAAAAAAAeAAAAAQAAABQAAAAUAAAAFAAAAAEAAAAAAAAAZAAAAGQAAAAAAAAAZAAAAGQAAAAVAAAAYAAAAAAAAAAAAAAADwAAACADAAAAAAAAAAAAAAEAAACgMgAAVgcAAKr4//8BAAAAAAAACQEAAABkAAAAAAAAABQAAABAHwAAAAAAACYAAAAAAAAAwOD//wAAAAAmAAAAZAAAABYAAABMAAAAAAAAAAAAAAAEAAAAAAAAAAEAAAAAAAAJAAAAACgAAAAoAAAAZAAAAGQAAAAAAAAAzMzMAAAAAABQAAAAUAAAAGQAAABkAAAAAAAAABcAAAAUAAAAAAAAAAAAAAD/fwAA/38AAAAAAAAJAAAABAAAAFcA6gAeAAAAaAAAAAAAAAAAAAAAAAAAAAAAAAAAAAAAECcAABAnAAAAAAAAAAAAAAAAAAAAAAAAAAAAAAAAAAAAAAAAAAAAABQAAAAAAAAAwMD/AAAAAABkAAAAMgAAAAAAAABkAAAAAAAAAH9/fwAKAAAAIgAAABgAAAAAAAAAAAAAAAAAAAAAAAAAAAAAAAAAAAAkAAAAJAAAAAAAAAAHAAAAAAAAAAAAAAAAAAAAAAAAAAAAAAAAAAAAf39/ACUAAABYAAAAAAAAAAAAAAAAAAAAAAAAAAAAAAAAAAAAAAAAAAAAAAAAAAAAAAAAAAAAAAA/AAAAAAAAAKCGAQAAAAAAAAAAAAAAAAAMAAAAAQAAAAAAAAAAAAAAAAAAAB8AAABUAAAA////AP///wEAAAAAAAAAAAAAAAAAAAAAAAAAAAAAAAAAAAAAAAAAAAAAAAAAAAACAAAAAszMzADAwP8Af39/AAAAAAAAAAAAAAAAAAAAAAAAAAAAIQAAABgAAAAUAAAAnx0AAP8KAACfHQAACg0AABAAAAAmAAAACAAAAP//////////MAAAABQAAAAAAAAAAAD//wAAAQAAAP//AAABAA=="/>
               </a:ext>
             </a:extLst>
           </p:cNvSpPr>
@@ -13326,7 +12921,7 @@
           <p:cNvSpPr>
             <a:extLst>
               <a:ext uri="smNativeData">
-                <pr:smNativeData xmlns:pr="smNativeData" xmlns="smNativeData" val="SMDATA_16_gfoFYRMAAAAlAAAACgAAAA0AAAAAkAAAAEgAAACQAAAASAAAAAAAAAAAAAAAAAAAAAEAAABQAAAAAAAAAAAA4D8AAAAAAADgPwAAAAAAAOA/AAAAAAAA4D8AAAAAAADgPwAAAAAAAOA/AAAAAAAA4D8AAAAAAADgPwAAAAAAAOA/AAAAAAAA4D8CAAAAjAAAAAAAAAAAAAAA////AP///wgAAAAAAAAAAAAAAAAAAAAAAAAAAAAAAAAAAAAAeAAAAAEAAABAAAAAAAAAAAAAAABaAAAAAAAAAAAAAAAAAAAAAAAAAAAAAAAAAAAAAAAAAAAAAAAAAAAAAAAAAAAAAAAAAAAAAAAAAAAAAAAAAAAAAAAAAAAAAAAAAAAAFAAAADwAAAABAAAAAAAAAAAAAAAeAAAAAQAAABQAAAAUAAAAFAAAAAEAAAAAAAAAZAAAAGQAAAAAAAAAZAAAAGQAAAAVAAAAYAAAAAAAAAAAAAAADwAAACADAAAAAAAAAAAAAAEAAACgMgAAVgcAAKr4//8BAAAAAAAACQEAAABkAAAAAAAAABQAAABAHwAAAAAAACYAAAAAAAAAwOD//wAAAAAmAAAAZAAAABYAAABMAAAAAAAAAAAAAAAEAAAAAAAAAAEAAAAAAAAJAAAAACgAAAAoAAAAZAAAAGQAAAAAAAAAzMzMAAAAAABQAAAAUAAAAGQAAABkAAAAAAAAABcAAAAUAAAAAAAAAAAAAAD/fwAA/38AAAAAAAAJAAAABAAAANwAAAEeAAAAaAAAAAAAAAAAAAAAAAAAAAAAAAAAAAAAECcAABAnAAAAAAAAAAAAAAAAAAAAAAAAAAAAAAAAAAAAAAAAAAAAABQAAAAAAAAAwMD/AAAAAABkAAAAMgAAAAAAAABkAAAAAAAAAH9/fwAKAAAAIgAAABgAAAAAAAAAAAAAAAAAAAAAAAAAAAAAAAAAAAAkAAAAJAAAAAAAAAAHAAAAAAAAAAAAAAAAAAAAAAAAAAAAAAAAAAAAf39/ACUAAABYAAAAAAAAAAAAAAAAAAAAAAAAAAAAAAAAAAAAAAAAAAAAAAAAAAAAAAAAAAAAAAA/AAAAAAAAAKCGAQAAAAAAAAAAAAAAAAAMAAAAAQAAAAAAAAAAAAAAAAAAAB8AAABUAAAA////AP///wEAAAAAAAAAAAAAAAAAAAAAAAAAAAAAAAAAAAAAAAAAAAAAAAAAAAACAAAAAszMzADAwP8Af39/AAAAAAAAAAAAAAAAAAAAAAAAAAAAIQAAABgAAAAUAAAAUhoAAP8KAACfHQAA/woAABAAAAAmAAAACAAAAP//////////MAAAABQAAAAAAAAAAAD//wAAAQAAAP//AAABAA=="/>
+                <pr:smNativeData xmlns:pr="smNativeData" xmlns="smNativeData" val="SMDATA_16_FAWHYRMAAAAlAAAACgAAAA0AAAAAkAAAAEgAAACQAAAASAAAAAAAAAAAAAAAAAAAAAEAAABQAAAAAAAAAAAA4D8AAAAAAADgPwAAAAAAAOA/AAAAAAAA4D8AAAAAAADgPwAAAAAAAOA/AAAAAAAA4D8AAAAAAADgPwAAAAAAAOA/AAAAAAAA4D8CAAAAjAAAAAAAAAAAAAAA////AP///wgAAAAAAAAAAAAAAAAAAAAAAAAAAAAAAAAAAAAAeAAAAAEAAABAAAAAAAAAAAAAAABaAAAAAAAAAAAAAAAAAAAAAAAAAAAAAAAAAAAAAAAAAAAAAAAAAAAAAAAAAAAAAAAAAAAAAAAAAAAAAAAAAAAAAAAAAAAAAAAAAAAAFAAAADwAAAABAAAAAAAAAAAAAAAeAAAAAQAAABQAAAAUAAAAFAAAAAEAAAAAAAAAZAAAAGQAAAAAAAAAZAAAAGQAAAAVAAAAYAAAAAAAAAAAAAAADwAAACADAAAAAAAAAAAAAAEAAACgMgAAVgcAAKr4//8BAAAAAAAACQEAAABkAAAAAAAAABQAAABAHwAAAAAAACYAAAAAAAAAwOD//wAAAAAmAAAAZAAAABYAAABMAAAAAAAAAAAAAAAEAAAAAAAAAAEAAAAAAAAJAAAAACgAAAAoAAAAZAAAAGQAAAAAAAAAzMzMAAAAAABQAAAAUAAAAGQAAABkAAAAAAAAABcAAAAUAAAAAAAAAAAAAAD/fwAA/38AAAAAAAAJAAAABAAAANwAAAEeAAAAaAAAAAAAAAAAAAAAAAAAAAAAAAAAAAAAECcAABAnAAAAAAAAAAAAAAAAAAAAAAAAAAAAAAAAAAAAAAAAAAAAABQAAAAAAAAAwMD/AAAAAABkAAAAMgAAAAAAAABkAAAAAAAAAH9/fwAKAAAAIgAAABgAAAAAAAAAAAAAAAAAAAAAAAAAAAAAAAAAAAAkAAAAJAAAAAAAAAAHAAAAAAAAAAAAAAAAAAAAAAAAAAAAAAAAAAAAf39/ACUAAABYAAAAAAAAAAAAAAAAAAAAAAAAAAAAAAAAAAAAAAAAAAAAAAAAAAAAAAAAAAAAAAA/AAAAAAAAAKCGAQAAAAAAAAAAAAAAAAAMAAAAAQAAAAAAAAAAAAAAAAAAAB8AAABUAAAA////AP///wEAAAAAAAAAAAAAAAAAAAAAAAAAAAAAAAAAAAAAAAAAAAAAAAAAAAACAAAAAszMzADAwP8Af39/AAAAAAAAAAAAAAAAAAAAAAAAAAAAIQAAABgAAAAUAAAAUhoAAP8KAACfHQAA/woAABAAAAAmAAAACAAAAP//////////MAAAABQAAAAAAAAAAAD//wAAAQAAAP//AAABAA=="/>
               </a:ext>
             </a:extLst>
           </p:cNvSpPr>
@@ -13358,7 +12953,7 @@
           <p:cNvSpPr>
             <a:extLst>
               <a:ext uri="smNativeData">
-                <pr:smNativeData xmlns:pr="smNativeData" xmlns="smNativeData" val="SMDATA_16_gfoFYRMAAAAlAAAACgAAAA0AAAAAkAAAAEgAAACQAAAASAAAAAAAAAAAAAAAAAAAAAEAAABQAAAAAAAAAAAA4D8AAAAAAADgPwAAAAAAAOA/AAAAAAAA4D8AAAAAAADgPwAAAAAAAOA/AAAAAAAA4D8AAAAAAADgPwAAAAAAAOA/AAAAAAAA4D8CAAAAjAAAAAAAAAAAAAAA////AP///wgAAAAAAAAAAAAAAAAAAAAAAAAAAAAAAAAAAAAAeAAAAAEAAABAAAAAAAAAAAAAAABaAAAAAAAAAAAAAAAAAAAAAAAAAAAAAAAAAAAAAAAAAAAAAAAAAAAAAAAAAAAAAAAAAAAAAAAAAAAAAAAAAAAAAAAAAAAAAAAAAAAAFAAAADwAAAABAAAAAAAAAAAAAAAeAAAAAQAAABQAAAAUAAAAFAAAAAEAAAAAAAAAZAAAAGQAAAAAAAAAZAAAAGQAAAAVAAAAYAAAAAAAAAAAAAAADwAAACADAAAAAAAAAAAAAAEAAACgMgAAVgcAAKr4//8BAAAAAAAACQEAAABkAAAAAAAAABQAAABAHwAAAAAAACYAAAAAAAAAwOD//wAAAAAmAAAAZAAAABYAAABMAAAAAAAAAAAAAAAEAAAAAAAAAAEAAAAAAAAJAAAAACgAAAAoAAAAZAAAAGQAAAAAAAAAzMzMAAAAAABQAAAAUAAAAGQAAABkAAAAAAAAABcAAAAUAAAAAAAAAAAAAAD/fwAA/38AAAAAAAAJAAAABAAAAGUA/QAeAAAAaAAAAAAAAAAAAAAAAAAAAAAAAAAAAAAAECcAABAnAAAAAAAAAAAAAAAAAAAAAAAAAAAAAAAAAAAAAAAAAAAAABQAAAAAAAAAwMD/AAAAAABkAAAAMgAAAAAAAABkAAAAAAAAAH9/fwAKAAAAIgAAABgAAAAAAAAAAAAAAAAAAAAAAAAAAAAAAAAAAAAkAAAAJAAAAAAAAAAHAAAAAAAAAAAAAAAAAAAAAAAAAAAAAAAAAAAAf39/ACUAAABYAAAAAAAAAAAAAAAAAAAAAAAAAAAAAAAAAAAAAAAAAAAAAAAAAAAAAAAAAAAAAAA/AAAAAAAAAKCGAQAAAAAAAAAAAAAAAAAMAAAAAQAAAAAAAAAAAAAAAAAAAB8AAABUAAAA////AP///wEAAAAAAAAAAAAAAAAAAAAAAAAAAAAAAAAAAAAAAAAAAAAAAAAAAAACAAAAAszMzADAwP8Af39/AAAAAAAAAAAAAAAAAAAAAAAAAAAAIQAAABgAAAAUAAAAUhoAAL0IAABSGgAA/woAABAAAAAmAAAACAAAAP//////////MAAAABQAAAAAAAAAAAD//wAAAQAAAP//AAABAA=="/>
+                <pr:smNativeData xmlns:pr="smNativeData" xmlns="smNativeData" val="SMDATA_16_FAWHYRMAAAAlAAAACgAAAA0AAAAAkAAAAEgAAACQAAAASAAAAAAAAAAAAAAAAAAAAAEAAABQAAAAAAAAAAAA4D8AAAAAAADgPwAAAAAAAOA/AAAAAAAA4D8AAAAAAADgPwAAAAAAAOA/AAAAAAAA4D8AAAAAAADgPwAAAAAAAOA/AAAAAAAA4D8CAAAAjAAAAAAAAAAAAAAA////AP///wgAAAAAAAAAAAAAAAAAAAAAAAAAAAAAAAAAAAAAeAAAAAEAAABAAAAAAAAAAAAAAABaAAAAAAAAAAAAAAAAAAAAAAAAAAAAAAAAAAAAAAAAAAAAAAAAAAAAAAAAAAAAAAAAAAAAAAAAAAAAAAAAAAAAAAAAAAAAAAAAAAAAFAAAADwAAAABAAAAAAAAAAAAAAAeAAAAAQAAABQAAAAUAAAAFAAAAAEAAAAAAAAAZAAAAGQAAAAAAAAAZAAAAGQAAAAVAAAAYAAAAAAAAAAAAAAADwAAACADAAAAAAAAAAAAAAEAAACgMgAAVgcAAKr4//8BAAAAAAAACQEAAABkAAAAAAAAABQAAABAHwAAAAAAACYAAAAAAAAAwOD//wAAAAAmAAAAZAAAABYAAABMAAAAAAAAAAAAAAAEAAAAAAAAAAEAAAAAAAAJAAAAACgAAAAoAAAAZAAAAGQAAAAAAAAAzMzMAAAAAABQAAAAUAAAAGQAAABkAAAAAAAAABcAAAAUAAAAAAAAAAAAAAD/fwAA/38AAAAAAAAJAAAABAAAAGUA/QAeAAAAaAAAAAAAAAAAAAAAAAAAAAAAAAAAAAAAECcAABAnAAAAAAAAAAAAAAAAAAAAAAAAAAAAAAAAAAAAAAAAAAAAABQAAAAAAAAAwMD/AAAAAABkAAAAMgAAAAAAAABkAAAAAAAAAH9/fwAKAAAAIgAAABgAAAAAAAAAAAAAAAAAAAAAAAAAAAAAAAAAAAAkAAAAJAAAAAAAAAAHAAAAAAAAAAAAAAAAAAAAAAAAAAAAAAAAAAAAf39/ACUAAABYAAAAAAAAAAAAAAAAAAAAAAAAAAAAAAAAAAAAAAAAAAAAAAAAAAAAAAAAAAAAAAA/AAAAAAAAAKCGAQAAAAAAAAAAAAAAAAAMAAAAAQAAAAAAAAAAAAAAAAAAAB8AAABUAAAA////AP///wEAAAAAAAAAAAAAAAAAAAAAAAAAAAAAAAAAAAAAAAAAAAAAAAAAAAACAAAAAszMzADAwP8Af39/AAAAAAAAAAAAAAAAAAAAAAAAAAAAIQAAABgAAAAUAAAAUhoAAL0IAABSGgAA/woAABAAAAAmAAAACAAAAP//////////MAAAABQAAAAAAAAAAAD//wAAAQAAAP//AAABAA=="/>
               </a:ext>
             </a:extLst>
           </p:cNvSpPr>
@@ -13390,7 +12985,7 @@
           <p:cNvSpPr>
             <a:extLst>
               <a:ext uri="smNativeData">
-                <pr:smNativeData xmlns:pr="smNativeData" xmlns="smNativeData" val="SMDATA_16_gfoFYRMAAAAlAAAACgAAAA0AAAAAkAAAAEgAAACQAAAASAAAAAAAAAAAAAAAAAAAAAEAAABQAAAAAAAAAAAA4D8AAAAAAADgPwAAAAAAAOA/AAAAAAAA4D8AAAAAAADgPwAAAAAAAOA/AAAAAAAA4D8AAAAAAADgPwAAAAAAAOA/AAAAAAAA4D8CAAAAjAAAAAAAAAAAAAAA////AP///wgAAAAAAAAAAAAAAAAAAAAAAAAAAAAAAAAAAAAAeAAAAAEAAABAAAAAAAAAAAAAAABaAAAAAAAAAAAAAAAAAAAAAAAAAAAAAAAAAAAAAAAAAAAAAAAAAAAAAAAAAAAAAAAAAAAAAAAAAAAAAAAAAAAAAAAAAAAAAAAAAAAAFAAAADwAAAABAAAAAAAAAP8AAAAeAAAAAQAAABQAAAAUAAAAFAAAAAEAAAAAAAAAZAAAAGQAAAAAAAAAZAAAAGQAAAAVAAAAYAAAAAAAAAAAAAAADwAAACADAAAAAAAAAAAAAAEAAACgMgAAVgcAAKr4//8BAAAAAAAACQEAAABkAAAAAAAAABQAAABAHwAAAAAAACYAAAAAAAAAwOD//wAAAAAmAAAAZAAAABYAAABMAAAAAAAAAAAAAAAEAAAAAAAAAAEAAAAAAAAJAAAAACgAAAAoAAAAZAAAAGQAAAAAAAAAzMzMAAAAAABQAAAAUAAAAGQAAABkAAAAAAAAABcAAAAUAAAAAAAAAAAAAAD/fwAA/38AAAAAAAAJAAAABAAAAHIBSgAeAAAAaAAAAAAAAAAAAAAAAAAAAAAAAAAAAAAAECcAABAnAAAAAAAAAAAAAAAAAAAAAAAAAAAAAAAAAAAAAAAAAAAAABQAAAAAAAAAwMD/AAAAAABkAAAAMgAAAAAAAABkAAAAAAAAAH9/fwAKAAAAIgAAABgAAAAAAAAAAAAAAAAAAAAAAAAAAAAAAAAAAAAkAAAAJAAAAAAAAAAHAAAAAAAAAAAAAAAAAAAAAAAAAAAAAAAAAAAAf39/ACUAAABYAAAAAAAAAAAAAAAAAAAAAAAAAAAAAAAAAAAAAAAAAAAAAAAAAAAAAAAAAAAAAAA/AAAAAAAAAKCGAQAAAAAAAAAAAAAAAAAMAAAAAQAAAAAAAAAAAAAAAAAAAB8AAABUAAAA////AP///wEAAAAAAAAAAAAAAAAAAAAAAAAAAAAAAAAAAAAAAAAAAP8AAAAAAAACAAAAAszMzADAwP8Af39/AAAAAAAAAAAAAAAAAAAAAAAAAAAAIQAAABgAAAAUAAAAKR0AAJkNAACeHgAAmQ0AABAAAAAmAAAACAAAAP//////////MAAAABQAAAAAAAAAAAD//wAAAQAAAP//AAABAA=="/>
+                <pr:smNativeData xmlns:pr="smNativeData" xmlns="smNativeData" val="SMDATA_16_FAWHYRMAAAAlAAAACgAAAA0AAAAAkAAAAEgAAACQAAAASAAAAAAAAAAAAAAAAAAAAAEAAABQAAAAAAAAAAAA4D8AAAAAAADgPwAAAAAAAOA/AAAAAAAA4D8AAAAAAADgPwAAAAAAAOA/AAAAAAAA4D8AAAAAAADgPwAAAAAAAOA/AAAAAAAA4D8CAAAAjAAAAAAAAAAAAAAA////AP///wgAAAAAAAAAAAAAAAAAAAAAAAAAAAAAAAAAAAAAeAAAAAEAAABAAAAAAAAAAAAAAABaAAAAAAAAAAAAAAAAAAAAAAAAAAAAAAAAAAAAAAAAAAAAAAAAAAAAAAAAAAAAAAAAAAAAAAAAAAAAAAAAAAAAAAAAAAAAAAAAAAAAFAAAADwAAAABAAAAAAAAAP8AAAAeAAAAAQAAABQAAAAUAAAAFAAAAAEAAAAAAAAAZAAAAGQAAAAAAAAAZAAAAGQAAAAVAAAAYAAAAAAAAAAAAAAADwAAACADAAAAAAAAAAAAAAEAAACgMgAAVgcAAKr4//8BAAAAAAAACQEAAABkAAAAAAAAABQAAABAHwAAAAAAACYAAAAAAAAAwOD//wAAAAAmAAAAZAAAABYAAABMAAAAAAAAAAAAAAAEAAAAAAAAAAEAAAAAAAAJAAAAACgAAAAoAAAAZAAAAGQAAAAAAAAAzMzMAAAAAABQAAAAUAAAAGQAAABkAAAAAAAAABcAAAAUAAAAAAAAAAAAAAD/fwAA/38AAAAAAAAJAAAABAAAAHIBSgAeAAAAaAAAAAAAAAAAAAAAAAAAAAAAAAAAAAAAECcAABAnAAAAAAAAAAAAAAAAAAAAAAAAAAAAAAAAAAAAAAAAAAAAABQAAAAAAAAAwMD/AAAAAABkAAAAMgAAAAAAAABkAAAAAAAAAH9/fwAKAAAAIgAAABgAAAAAAAAAAAAAAAAAAAAAAAAAAAAAAAAAAAAkAAAAJAAAAAAAAAAHAAAAAAAAAAAAAAAAAAAAAAAAAAAAAAAAAAAAf39/ACUAAABYAAAAAAAAAAAAAAAAAAAAAAAAAAAAAAAAAAAAAAAAAAAAAAAAAAAAAAAAAAAAAAA/AAAAAAAAAKCGAQAAAAAAAAAAAAAAAAAMAAAAAQAAAAAAAAAAAAAAAAAAAB8AAABUAAAA////AP///wEAAAAAAAAAAAAAAAAAAAAAAAAAAAAAAAAAAAAAAAAAAP8AAAAAAAACAAAAAszMzADAwP8Af39/AAAAAAAAAAAAAAAAAAAAAAAAAAAAIQAAABgAAAAUAAAAKR0AAJkNAACeHgAAmQ0AABAAAAAmAAAACAAAAP//////////MAAAABQAAAAAAAAAAAD//wAAAQAAAP//AAABAA=="/>
               </a:ext>
             </a:extLst>
           </p:cNvSpPr>
@@ -13422,7 +13017,7 @@
           <p:cNvSpPr>
             <a:extLst>
               <a:ext uri="smNativeData">
-                <pr:smNativeData xmlns:pr="smNativeData" xmlns="smNativeData" val="SMDATA_16_gfoFYRMAAAAlAAAACgAAAA0AAAAAkAAAAEgAAACQAAAASAAAAAAAAAAAAAAAAAAAAAEAAABQAAAAAAAAAAAA4D8AAAAAAADgPwAAAAAAAOA/AAAAAAAA4D8AAAAAAADgPwAAAAAAAOA/AAAAAAAA4D8AAAAAAADgPwAAAAAAAOA/AAAAAAAA4D8CAAAAjAAAAAAAAAAAAAAA////AP///wgAAAAAAAAAAAAAAAAAAAAAAAAAAAAAAAAAAAAAeAAAAAEAAABAAAAAAAAAAAAAAABaAAAAAAAAAAAAAAAAAAAAAAAAAAAAAAAAAAAAAAAAAAAAAAAAAAAAAAAAAAAAAAAAAAAAAAAAAAAAAAAAAAAAAAAAAAAAAAAAAAAAFAAAADwAAAABAAAAAAAAAP8AAAAeAAAAAQAAABQAAAAUAAAAFAAAAAEAAAAAAAAAZAAAAGQAAAAAAAAAZAAAAGQAAAAVAAAAYAAAAAAAAAAAAAAADwAAACADAAAAAAAAAAAAAAEAAACgMgAAVgcAAKr4//8BAAAAAAAACQEAAABkAAAAAAAAABQAAABAHwAAAAAAACYAAAAAAAAAwOD//wAAAAAmAAAAZAAAABYAAABMAAAAAAAAAAAAAAAEAAAAAAAAAAEAAAAAAAAJAAAAACgAAAAoAAAAZAAAAGQAAAAAAAAAzMzMAAAAAABQAAAAUAAAAGQAAABkAAAAAAAAABcAAAAUAAAAAAAAAAAAAAD/fwAA/38AAAAAAAAJAAAABAAAAOsAhR4eAAAAaAAAAAAAAAAAAAAAAAAAAAAAAAAAAAAAECcAABAnAAAAAAAAAAAAAAAAAAAAAAAAAAAAAAAAAAAAAAAAAAAAABQAAAAAAAAAwMD/AAAAAABkAAAAMgAAAAAAAABkAAAAAAAAAH9/fwAKAAAAIgAAABgAAAAAAAAAAAAAAAAAAAAAAAAAAAAAAAAAAAAkAAAAJAAAAAAAAAAHAAAAAAAAAAAAAAAAAAAAAAAAAAAAAAAAAAAAf39/ACUAAABYAAAAAAAAAAAAAAAAAAAAAAAAAAAAAAAAAAAAAAAAAAAAAAAAAAAAAAAAAAAAAAA/AAAAAAAAAKCGAQAAAAAAAAAAAAAAAAAMAAAAAQAAAAAAAAAAAAAAAAAAAB8AAABUAAAA////AP///wEAAAAAAAAAAAAAAAAAAAAAAAAAAAAAAAAAAAAAAAAAAP8AAAAAAAACAAAAAszMzADAwP8Af39/AAAAAAAAAAAAAAAAAAAAAAAAAAAAIQAAABgAAAAUAAAALh0AAHQLAAAuHQAAmQ0AABAAAAAmAAAACAAAAP//////////MAAAABQAAAAAAAAAAAD//wAAAQAAAP//AAABAA=="/>
+                <pr:smNativeData xmlns:pr="smNativeData" xmlns="smNativeData" val="SMDATA_16_FAWHYRMAAAAlAAAACgAAAA0AAAAAkAAAAEgAAACQAAAASAAAAAAAAAAAAAAAAAAAAAEAAABQAAAAAAAAAAAA4D8AAAAAAADgPwAAAAAAAOA/AAAAAAAA4D8AAAAAAADgPwAAAAAAAOA/AAAAAAAA4D8AAAAAAADgPwAAAAAAAOA/AAAAAAAA4D8CAAAAjAAAAAAAAAAAAAAA////AP///wgAAAAAAAAAAAAAAAAAAAAAAAAAAAAAAAAAAAAAeAAAAAEAAABAAAAAAAAAAAAAAABaAAAAAAAAAAAAAAAAAAAAAAAAAAAAAAAAAAAAAAAAAAAAAAAAAAAAAAAAAAAAAAAAAAAAAAAAAAAAAAAAAAAAAAAAAAAAAAAAAAAAFAAAADwAAAABAAAAAAAAAP8AAAAeAAAAAQAAABQAAAAUAAAAFAAAAAEAAAAAAAAAZAAAAGQAAAAAAAAAZAAAAGQAAAAVAAAAYAAAAAAAAAAAAAAADwAAACADAAAAAAAAAAAAAAEAAACgMgAAVgcAAKr4//8BAAAAAAAACQEAAABkAAAAAAAAABQAAABAHwAAAAAAACYAAAAAAAAAwOD//wAAAAAmAAAAZAAAABYAAABMAAAAAAAAAAAAAAAEAAAAAAAAAAEAAAAAAAAJAAAAACgAAAAoAAAAZAAAAGQAAAAAAAAAzMzMAAAAAABQAAAAUAAAAGQAAABkAAAAAAAAABcAAAAUAAAAAAAAAAAAAAD/fwAA/38AAAAAAAAJAAAABAAAAOsAhR4eAAAAaAAAAAAAAAAAAAAAAAAAAAAAAAAAAAAAECcAABAnAAAAAAAAAAAAAAAAAAAAAAAAAAAAAAAAAAAAAAAAAAAAABQAAAAAAAAAwMD/AAAAAABkAAAAMgAAAAAAAABkAAAAAAAAAH9/fwAKAAAAIgAAABgAAAAAAAAAAAAAAAAAAAAAAAAAAAAAAAAAAAAkAAAAJAAAAAAAAAAHAAAAAAAAAAAAAAAAAAAAAAAAAAAAAAAAAAAAf39/ACUAAABYAAAAAAAAAAAAAAAAAAAAAAAAAAAAAAAAAAAAAAAAAAAAAAAAAAAAAAAAAAAAAAA/AAAAAAAAAKCGAQAAAAAAAAAAAAAAAAAMAAAAAQAAAAAAAAAAAAAAAAAAAB8AAABUAAAA////AP///wEAAAAAAAAAAAAAAAAAAAAAAAAAAAAAAAAAAAAAAAAAAP8AAAAAAAACAAAAAszMzADAwP8Af39/AAAAAAAAAAAAAAAAAAAAAAAAAAAAIQAAABgAAAAUAAAALh0AAHQLAAAuHQAAmQ0AABAAAAAmAAAACAAAAP//////////MAAAABQAAAAAAAAAAAD//wAAAQAAAP//AAABAA=="/>
               </a:ext>
             </a:extLst>
           </p:cNvSpPr>
@@ -13454,7 +13049,7 @@
           <p:cNvSpPr>
             <a:extLst>
               <a:ext uri="smNativeData">
-                <pr:smNativeData xmlns:pr="smNativeData" xmlns="smNativeData" val="SMDATA_16_gfoFYRMAAAAlAAAACgAAAA0AAAAAkAAAAEgAAACQAAAASAAAAAAAAAAAAAAAAAAAAAEAAABQAAAAAAAAAAAA4D8AAAAAAADgPwAAAAAAAOA/AAAAAAAA4D8AAAAAAADgPwAAAAAAAOA/AAAAAAAA4D8AAAAAAADgPwAAAAAAAOA/AAAAAAAA4D8CAAAAjAAAAAAAAAAAAAAA////AP///wgAAAAAAAAAAAAAAAAAAAAAAAAAAAAAAAAAAAAAeAAAAAEAAABAAAAAAAAAAAAAAABaAAAAAAAAAAAAAAAAAAAAAAAAAAAAAAAAAAAAAAAAAAAAAAAAAAAAAAAAAAAAAAAAAAAAAAAAAAAAAAAAAAAAAAAAAAAAAAAAAAAAFAAAADwAAAABAAAAAAAAAP8AAAAeAAAAAQAAABQAAAAUAAAAFAAAAAEAAAAAAAAAZAAAAGQAAAAAAAAAZAAAAGQAAAAVAAAAYAAAAAAAAAAAAAAADwAAACADAAAAAAAAAAAAAAEAAACgMgAAVgcAAKr4//8BAAAAAAAACQEAAABkAAAAAAAAABQAAABAHwAAAAAAACYAAAAAAAAAwOD//wAAAAAmAAAAZAAAABYAAABMAAAAAAAAAAAAAAAEAAAAAAAAAAEAAAAAAAAJAAAAACgAAAAoAAAAZAAAAGQAAAAAAAAAzMzMAAAAAABQAAAAUAAAAGQAAABkAAAAAAAAABcAAAAUAAAAAAAAAAAAAAD/fwAA/38AAAAAAAAJAAAABAAAAG8A9R4eAAAAaAAAAAAAAAAAAAAAAAAAAAAAAAAAAAAAECcAABAnAAAAAAAAAAAAAAAAAAAAAAAAAAAAAAAAAAAAAAAAAAAAABQAAAAAAAAAwMD/AAAAAABkAAAAMgAAAAAAAABkAAAAAAAAAH9/fwAKAAAAIgAAABgAAAAAAAAAAAAAAAAAAAAAAAAAAAAAAAAAAAAkAAAAJAAAAAAAAAAHAAAAAAAAAAAAAAAAAAAAAAAAAAAAAAAAAAAAf39/ACUAAABYAAAAAAAAAAAAAAAAAAAAAAAAAAAAAAAAAAAAAAAAAAAAAAAAAAAAAAAAAAAAAAA/AAAAAAAAAKCGAQAAAAAAAAAAAAAAAAAMAAAAAQAAAAAAAAAAAAAAAAAAAB8AAABUAAAA////AP///wEAAAAAAAAAAAAAAAAAAAAAAAAAAAAAAAAAAAAAAAAAAP8AAAAAAAACAAAAAszMzADAwP8Af39/AAAAAAAAAAAAAAAAAAAAAAAAAAAAIQAAABgAAAAUAAAA2RkAAHQLAAApHQAAdAsAABAAAAAmAAAACAAAAP//////////MAAAABQAAAAAAAAAAAD//wAAAQAAAP//AAABAA=="/>
+                <pr:smNativeData xmlns:pr="smNativeData" xmlns="smNativeData" val="SMDATA_16_FAWHYRMAAAAlAAAACgAAAA0AAAAAkAAAAEgAAACQAAAASAAAAAAAAAAAAAAAAAAAAAEAAABQAAAAAAAAAAAA4D8AAAAAAADgPwAAAAAAAOA/AAAAAAAA4D8AAAAAAADgPwAAAAAAAOA/AAAAAAAA4D8AAAAAAADgPwAAAAAAAOA/AAAAAAAA4D8CAAAAjAAAAAAAAAAAAAAA////AP///wgAAAAAAAAAAAAAAAAAAAAAAAAAAAAAAAAAAAAAeAAAAAEAAABAAAAAAAAAAAAAAABaAAAAAAAAAAAAAAAAAAAAAAAAAAAAAAAAAAAAAAAAAAAAAAAAAAAAAAAAAAAAAAAAAAAAAAAAAAAAAAAAAAAAAAAAAAAAAAAAAAAAFAAAADwAAAABAAAAAAAAAP8AAAAeAAAAAQAAABQAAAAUAAAAFAAAAAEAAAAAAAAAZAAAAGQAAAAAAAAAZAAAAGQAAAAVAAAAYAAAAAAAAAAAAAAADwAAACADAAAAAAAAAAAAAAEAAACgMgAAVgcAAKr4//8BAAAAAAAACQEAAABkAAAAAAAAABQAAABAHwAAAAAAACYAAAAAAAAAwOD//wAAAAAmAAAAZAAAABYAAABMAAAAAAAAAAAAAAAEAAAAAAAAAAEAAAAAAAAJAAAAACgAAAAoAAAAZAAAAGQAAAAAAAAAzMzMAAAAAABQAAAAUAAAAGQAAABkAAAAAAAAABcAAAAUAAAAAAAAAAAAAAD/fwAA/38AAAAAAAAJAAAABAAAAG8A9R4eAAAAaAAAAAAAAAAAAAAAAAAAAAAAAAAAAAAAECcAABAnAAAAAAAAAAAAAAAAAAAAAAAAAAAAAAAAAAAAAAAAAAAAABQAAAAAAAAAwMD/AAAAAABkAAAAMgAAAAAAAABkAAAAAAAAAH9/fwAKAAAAIgAAABgAAAAAAAAAAAAAAAAAAAAAAAAAAAAAAAAAAAAkAAAAJAAAAAAAAAAHAAAAAAAAAAAAAAAAAAAAAAAAAAAAAAAAAAAAf39/ACUAAABYAAAAAAAAAAAAAAAAAAAAAAAAAAAAAAAAAAAAAAAAAAAAAAAAAAAAAAAAAAAAAAA/AAAAAAAAAKCGAQAAAAAAAAAAAAAAAAAMAAAAAQAAAAAAAAAAAAAAAAAAAB8AAABUAAAA////AP///wEAAAAAAAAAAAAAAAAAAAAAAAAAAAAAAAAAAAAAAAAAAP8AAAAAAAACAAAAAszMzADAwP8Af39/AAAAAAAAAAAAAAAAAAAAAAAAAAAAIQAAABgAAAAUAAAA2RkAAHQLAAApHQAAdAsAABAAAAAmAAAACAAAAP//////////MAAAABQAAAAAAAAAAAD//wAAAQAAAP//AAABAA=="/>
               </a:ext>
             </a:extLst>
           </p:cNvSpPr>
@@ -13486,7 +13081,7 @@
           <p:cNvSpPr>
             <a:extLst>
               <a:ext uri="smNativeData">
-                <pr:smNativeData xmlns:pr="smNativeData" xmlns="smNativeData" val="SMDATA_16_gfoFYRMAAAAlAAAACgAAAA0AAAAAkAAAAEgAAACQAAAASAAAAAAAAAAAAAAAAgAAAAEAAABQAAAAAAAAAAAA4D8AAAAAAADgPwAAAAAAAOA/AAAAAAAA4D8AAAAAAADgPwAAAAAAAOA/AAAAAAAA4D8AAAAAAADgPwAAAAAAAOA/AAAAAAAA4D8CAAAAjAAAAAAAAAAAAAAA////AP///wgAAAAAAAAAAAAAAAAAAAAAAAAAAAAAAAAAAAAAeAAAAAEAAABAAAAAAAAAAAAAAABaAAAAAAAAAAAAAAAAAAAAAAAAAAAAAAAAAAAAAAAAAAAAAAAAAAAAAAAAAAAAAAAAAAAAAAAAAAAAAAAAAAAAAAAAAAAAAAAAAAAAFAAAADwAAAABAAAAAAAAAAAAAAAeAAAAAQAAABQAAAAUAAAAFAAAAAEAAAAAAAAAZAAAAGQAAAAAAAAAZAAAAGQAAAAVAAAAYAAAAAAAAAAAAAAADwAAACADAAAAAAAAAAAAAAEAAACgMgAAVgcAAKr4//8BAAAAAAAACQEAAABkAAAAAAAAABQAAABAHwAAAAAAACYAAAAAAAAAwOD//wAAAAAmAAAAZAAAABYAAABMAAAAAAAAAAAAAAAEAAAAAAAAAAEAAAAAAAAJAAAAACgAAAAoAAAAZAAAAGQAAAAAAAAAzMzMAAAAAABQAAAAUAAAAGQAAABkAAAAAAAAABcAAAAUAAAAAAAAAAAAAAD/fwAA/38AAAAAAAAJAAAABAAAAFEBgx4eAAAAaAAAAAAAAAAAAAAAAAAAAAAAAAAAAAAAECcAABAnAAAAAAAAAAAAAAAAAAAAAAAAAAAAAAAAAAAAAAAAAAAAABQAAAAAAAAAwMD/AAAAAABkAAAAMgAAAAAAAABkAAAAAAAAAH9/fwAKAAAAIgAAABgAAAAAAAAAAAAAAAAAAAAAAAAAAAAAAAAAAAAkAAAAJAAAAAAAAAAHAAAAAAAAAAAAAAAAAAAAAAAAAAAAAAAAAAAAf39/ACUAAABYAAAAAAAAAAAAAAAAAAAAAAAAAAAAAAAAAAAAAAAAAAAAAAAAAAAAAAAAAAAAAAA/AAAAAAAAAKCGAQAAAAAAAAAAAAAAAAAMAAAAAQAAAAAAAAAAAAAAAAAAAB8AAABUAAAA////AP///wEAAAAAAAAAAAAAAAAAAAAAAAAAAAAAAAAAAAAAAAAAAAAAAAAAAAACAAAAAszMzADAwP8Af39/AAAAAAAAAAAAAAAAAAAAAAAAAAAAIQAAABgAAAAUAAAACQ4AAKkKAAAQEwAAugoAABAAAAAmAAAACAAAAP//////////MAAAABQAAAAAAAAAAAD//wAAAQAAAP//AAABAA=="/>
+                <pr:smNativeData xmlns:pr="smNativeData" xmlns="smNativeData" val="SMDATA_16_FAWHYRMAAAAlAAAACgAAAA0AAAAAkAAAAEgAAACQAAAASAAAAAAAAAAAAAAAAgAAAAEAAABQAAAAAAAAAAAA4D8AAAAAAADgPwAAAAAAAOA/AAAAAAAA4D8AAAAAAADgPwAAAAAAAOA/AAAAAAAA4D8AAAAAAADgPwAAAAAAAOA/AAAAAAAA4D8CAAAAjAAAAAAAAAAAAAAA////AP///wgAAAAAAAAAAAAAAAAAAAAAAAAAAAAAAAAAAAAAeAAAAAEAAABAAAAAAAAAAAAAAABaAAAAAAAAAAAAAAAAAAAAAAAAAAAAAAAAAAAAAAAAAAAAAAAAAAAAAAAAAAAAAAAAAAAAAAAAAAAAAAAAAAAAAAAAAAAAAAAAAAAAFAAAADwAAAABAAAAAAAAAAAAAAAeAAAAAQAAABQAAAAUAAAAFAAAAAEAAAAAAAAAZAAAAGQAAAAAAAAAZAAAAGQAAAAVAAAAYAAAAAAAAAAAAAAADwAAACADAAAAAAAAAAAAAAEAAACgMgAAVgcAAKr4//8BAAAAAAAACQEAAABkAAAAAAAAABQAAABAHwAAAAAAACYAAAAAAAAAwOD//wAAAAAmAAAAZAAAABYAAABMAAAAAAAAAAAAAAAEAAAAAAAAAAEAAAAAAAAJAAAAACgAAAAoAAAAZAAAAGQAAAAAAAAAzMzMAAAAAABQAAAAUAAAAGQAAABkAAAAAAAAABcAAAAUAAAAAAAAAAAAAAD/fwAA/38AAAAAAAAJAAAABAAAAFEBgx4eAAAAaAAAAAAAAAAAAAAAAAAAAAAAAAAAAAAAECcAABAnAAAAAAAAAAAAAAAAAAAAAAAAAAAAAAAAAAAAAAAAAAAAABQAAAAAAAAAwMD/AAAAAABkAAAAMgAAAAAAAABkAAAAAAAAAH9/fwAKAAAAIgAAABgAAAAAAAAAAAAAAAAAAAAAAAAAAAAAAAAAAAAkAAAAJAAAAAAAAAAHAAAAAAAAAAAAAAAAAAAAAAAAAAAAAAAAAAAAf39/ACUAAABYAAAAAAAAAAAAAAAAAAAAAAAAAAAAAAAAAAAAAAAAAAAAAAAAAAAAAAAAAAAAAAA/AAAAAAAAAKCGAQAAAAAAAAAAAAAAAAAMAAAAAQAAAAAAAAAAAAAAAAAAAB8AAABUAAAA////AP///wEAAAAAAAAAAAAAAAAAAAAAAAAAAAAAAAAAAAAAAAAAAAAAAAAAAAACAAAAAszMzADAwP8Af39/AAAAAAAAAAAAAAAAAAAAAAAAAAAAIQAAABgAAAAUAAAACQ4AAKkKAAAQEwAAugoAABAAAAAmAAAACAAAAP//////////MAAAABQAAAAAAAAAAAD//wAAAQAAAP//AAABAA=="/>
               </a:ext>
             </a:extLst>
           </p:cNvSpPr>
@@ -13518,7 +13113,7 @@
           <p:cNvSpPr>
             <a:extLst>
               <a:ext uri="smNativeData">
-                <pr:smNativeData xmlns:pr="smNativeData" xmlns="smNativeData" val="SMDATA_16_gfoFYRMAAAAlAAAACgAAAA0AAAAAkAAAAEgAAACQAAAASAAAAAAAAAAAAAAAAgAAAAEAAABQAAAAAAAAAAAA4D8AAAAAAADgPwAAAAAAAOA/AAAAAAAA4D8AAAAAAADgPwAAAAAAAOA/AAAAAAAA4D8AAAAAAADgPwAAAAAAAOA/AAAAAAAA4D8CAAAAjAAAAAAAAAAAAAAA////AP///wgAAAAAAAAAAAAAAAAAAAAAAAAAAAAAAAAAAAAAeAAAAAEAAABAAAAAAAAAAAAAAABaAAAAAAAAAAAAAAAAAAAAAAAAAAAAAAAAAAAAAAAAAAAAAAAAAAAAAAAAAAAAAAAAAAAAAAAAAAAAAAAAAAAAAAAAAAAAAAAAAAAAFAAAADwAAAABAAAAAAAAAP8AAAAeAAAAAQAAABQAAAAUAAAAFAAAAAEAAAAAAAAAZAAAAGQAAAAAAAAAZAAAAGQAAAAVAAAAYAAAAAAAAAAAAAAADwAAACADAAAAAAAAAAAAAAEAAACgMgAAVgcAAKr4//8BAAAAAAAACQEAAABkAAAAAAAAABQAAABAHwAAAAAAACYAAAAAAAAAwOD//wAAAAAmAAAAZAAAABYAAABMAAAAAAAAAAAAAAAEAAAAAAAAAAEAAAAAAAAJAAAAACgAAAAoAAAAZAAAAGQAAAAAAAAAzMzMAAAAAABQAAAAUAAAAGQAAABkAAAAAAAAABcAAAAUAAAAAAAAAAAAAAD/fwAA/38AAAAAAAAJAAAABAAAAGYA5gAeAAAAaAAAAAAAAAAAAAAAAAAAAAAAAAAAAAAAECcAABAnAAAAAAAAAAAAAAAAAAAAAAAAAAAAAAAAAAAAAAAAAAAAABQAAAAAAAAAwMD/AAAAAABkAAAAMgAAAAAAAABkAAAAAAAAAH9/fwAKAAAAIgAAABgAAAAAAAAAAAAAAAAAAAAAAAAAAAAAAAAAAAAkAAAAJAAAAAAAAAAHAAAAAAAAAAAAAAAAAAAAAAAAAAAAAAAAAAAAf39/ACUAAABYAAAAAAAAAAAAAAAAAAAAAAAAAAAAAAAAAAAAAAAAAAAAAAAAAAAAAAAAAAAAAAA/AAAAAAAAAKCGAQAAAAAAAAAAAAAAAAAMAAAAAQAAAAAAAAAAAAAAAAAAAB8AAABUAAAA////AP///wEAAAAAAAAAAAAAAAAAAAAAAAAAAAAAAAAAAAAAAAAAAP8AAAAAAAACAAAAAszMzADAwP8Af39/AAAAAAAAAAAAAAAAAAAAAAAAAAAAIQAAABgAAAAUAAAAWQ0AAAcKAABcEgAAEAoAABAAAAAmAAAACAAAAP//////////MAAAABQAAAAAAAAAAAD//wAAAQAAAP//AAABAA=="/>
+                <pr:smNativeData xmlns:pr="smNativeData" xmlns="smNativeData" val="SMDATA_16_FAWHYRMAAAAlAAAACgAAAA0AAAAAkAAAAEgAAACQAAAASAAAAAAAAAAAAAAAAgAAAAEAAABQAAAAAAAAAAAA4D8AAAAAAADgPwAAAAAAAOA/AAAAAAAA4D8AAAAAAADgPwAAAAAAAOA/AAAAAAAA4D8AAAAAAADgPwAAAAAAAOA/AAAAAAAA4D8CAAAAjAAAAAAAAAAAAAAA////AP///wgAAAAAAAAAAAAAAAAAAAAAAAAAAAAAAAAAAAAAeAAAAAEAAABAAAAAAAAAAAAAAABaAAAAAAAAAAAAAAAAAAAAAAAAAAAAAAAAAAAAAAAAAAAAAAAAAAAAAAAAAAAAAAAAAAAAAAAAAAAAAAAAAAAAAAAAAAAAAAAAAAAAFAAAADwAAAABAAAAAAAAAP8AAAAeAAAAAQAAABQAAAAUAAAAFAAAAAEAAAAAAAAAZAAAAGQAAAAAAAAAZAAAAGQAAAAVAAAAYAAAAAAAAAAAAAAADwAAACADAAAAAAAAAAAAAAEAAACgMgAAVgcAAKr4//8BAAAAAAAACQEAAABkAAAAAAAAABQAAABAHwAAAAAAACYAAAAAAAAAwOD//wAAAAAmAAAAZAAAABYAAABMAAAAAAAAAAAAAAAEAAAAAAAAAAEAAAAAAAAJAAAAACgAAAAoAAAAZAAAAGQAAAAAAAAAzMzMAAAAAABQAAAAUAAAAGQAAABkAAAAAAAAABcAAAAUAAAAAAAAAAAAAAD/fwAA/38AAAAAAAAJAAAABAAAAGYA5gAeAAAAaAAAAAAAAAAAAAAAAAAAAAAAAAAAAAAAECcAABAnAAAAAAAAAAAAAAAAAAAAAAAAAAAAAAAAAAAAAAAAAAAAABQAAAAAAAAAwMD/AAAAAABkAAAAMgAAAAAAAABkAAAAAAAAAH9/fwAKAAAAIgAAABgAAAAAAAAAAAAAAAAAAAAAAAAAAAAAAAAAAAAkAAAAJAAAAAAAAAAHAAAAAAAAAAAAAAAAAAAAAAAAAAAAAAAAAAAAf39/ACUAAABYAAAAAAAAAAAAAAAAAAAAAAAAAAAAAAAAAAAAAAAAAAAAAAAAAAAAAAAAAAAAAAA/AAAAAAAAAKCGAQAAAAAAAAAAAAAAAAAMAAAAAQAAAAAAAAAAAAAAAAAAAB8AAABUAAAA////AP///wEAAAAAAAAAAAAAAAAAAAAAAAAAAAAAAAAAAAAAAAAAAP8AAAAAAAACAAAAAszMzADAwP8Af39/AAAAAAAAAAAAAAAAAAAAAAAAAAAAIQAAABgAAAAUAAAAWQ0AAAcKAABcEgAAEAoAABAAAAAmAAAACAAAAP//////////MAAAABQAAAAAAAAAAAD//wAAAQAAAP//AAABAA=="/>
               </a:ext>
             </a:extLst>
           </p:cNvSpPr>
@@ -13550,7 +13145,7 @@
           <p:cNvSpPr>
             <a:extLst>
               <a:ext uri="smNativeData">
-                <pr:smNativeData xmlns:pr="smNativeData" xmlns="smNativeData" val="SMDATA_16_gfoFYRMAAAAlAAAACgAAAA0AAAAAkAAAAEgAAACQAAAASAAAAAAAAAAAAAAAAAAAAAEAAABQAAAAAAAAAAAA4D8AAAAAAADgPwAAAAAAAOA/AAAAAAAA4D8AAAAAAADgPwAAAAAAAOA/AAAAAAAA4D8AAAAAAADgPwAAAAAAAOA/AAAAAAAA4D8CAAAAjAAAAAAAAAAAAAAA////AP///wgAAAAAAAAAAAAAAAAAAAAAAAAAAAAAAAAAAAAAeAAAAAEAAABAAAAAAAAAAAAAAABaAAAAAAAAAAAAAAAAAAAAAAAAAAAAAAAAAAAAAAAAAAAAAAAAAAAAAAAAAAAAAAAAAAAAAAAAAAAAAAAAAAAAAAAAAAAAAAAAAAAAFAAAADwAAAABAAAAAAAAAP8AAAAeAAAAAQAAABQAAAAUAAAAFAAAAAEAAAAAAAAAZAAAAGQAAAAAAAAAZAAAAGQAAAAVAAAAYAAAAAAAAAAAAAAADwAAACADAAAAAAAAAAAAAAEAAACgMgAAVgcAAKr4//8BAAAAAAAACQEAAABkAAAAAAAAABQAAABAHwAAAAAAACYAAAAAAAAAwOD//wAAAAAmAAAAZAAAABYAAABMAAAAAAAAAAAAAAAEAAAAAAAAAAEAAAAAAAAJAAAAACgAAAAoAAAAZAAAAGQAAAAAAAAAzMzMAAAAAABQAAAAUAAAAGQAAABkAAAAAAAAABcAAAAUAAAAAAAAAAAAAAD/fwAA/38AAAAAAAAJAAAABAAAADgBFwEeAAAAaAAAAAAAAAAAAAAAAAAAAAAAAAAAAAAAECcAABAnAAAAAAAAAAAAAAAAAAAAAAAAAAAAAAAAAAAAAAAAAAAAABQAAAAAAAAAwMD/AAAAAABkAAAAMgAAAAAAAABkAAAAAAAAAH9/fwAKAAAAIgAAABgAAAAAAAAAAAAAAAAAAAAAAAAAAAAAAAAAAAAkAAAAJAAAAAAAAAAHAAAAAAAAAAAAAAAAAAAAAAAAAAAAAAAAAAAAf39/ACUAAABYAAAAAAAAAAAAAAAAAAAAAAAAAAAAAAAAAAAAAAAAAAAAAAAAAAAAAAAAAAAAAAA/AAAAAAAAAKCGAQAAAAAAAAAAAAAAAAAMAAAAAQAAAAAAAAAAAAAAAAAAAB8AAABUAAAA////AP///wEAAAAAAAAAAAAAAAAAAAAAAAAAAAAAAAAAAAAAAAAAAP8AAAAAAAACAAAAAszMzADAwP8Af39/AAAAAAAAAAAAAAAAAAAAAAAAAAAAIQAAABgAAAAUAAAAaQ0AABAKAABpDQAAMwwAABAAAAAmAAAACAAAAP//////////MAAAABQAAAAAAAAAAAD//wAAAQAAAP//AAABAA=="/>
+                <pr:smNativeData xmlns:pr="smNativeData" xmlns="smNativeData" val="SMDATA_16_FAWHYRMAAAAlAAAACgAAAA0AAAAAkAAAAEgAAACQAAAASAAAAAAAAAAAAAAAAAAAAAEAAABQAAAAAAAAAAAA4D8AAAAAAADgPwAAAAAAAOA/AAAAAAAA4D8AAAAAAADgPwAAAAAAAOA/AAAAAAAA4D8AAAAAAADgPwAAAAAAAOA/AAAAAAAA4D8CAAAAjAAAAAAAAAAAAAAA////AP///wgAAAAAAAAAAAAAAAAAAAAAAAAAAAAAAAAAAAAAeAAAAAEAAABAAAAAAAAAAAAAAABaAAAAAAAAAAAAAAAAAAAAAAAAAAAAAAAAAAAAAAAAAAAAAAAAAAAAAAAAAAAAAAAAAAAAAAAAAAAAAAAAAAAAAAAAAAAAAAAAAAAAFAAAADwAAAABAAAAAAAAAP8AAAAeAAAAAQAAABQAAAAUAAAAFAAAAAEAAAAAAAAAZAAAAGQAAAAAAAAAZAAAAGQAAAAVAAAAYAAAAAAAAAAAAAAADwAAACADAAAAAAAAAAAAAAEAAACgMgAAVgcAAKr4//8BAAAAAAAACQEAAABkAAAAAAAAABQAAABAHwAAAAAAACYAAAAAAAAAwOD//wAAAAAmAAAAZAAAABYAAABMAAAAAAAAAAAAAAAEAAAAAAAAAAEAAAAAAAAJAAAAACgAAAAoAAAAZAAAAGQAAAAAAAAAzMzMAAAAAABQAAAAUAAAAGQAAABkAAAAAAAAABcAAAAUAAAAAAAAAAAAAAD/fwAA/38AAAAAAAAJAAAABAAAADgBFwEeAAAAaAAAAAAAAAAAAAAAAAAAAAAAAAAAAAAAECcAABAnAAAAAAAAAAAAAAAAAAAAAAAAAAAAAAAAAAAAAAAAAAAAABQAAAAAAAAAwMD/AAAAAABkAAAAMgAAAAAAAABkAAAAAAAAAH9/fwAKAAAAIgAAABgAAAAAAAAAAAAAAAAAAAAAAAAAAAAAAAAAAAAkAAAAJAAAAAAAAAAHAAAAAAAAAAAAAAAAAAAAAAAAAAAAAAAAAAAAf39/ACUAAABYAAAAAAAAAAAAAAAAAAAAAAAAAAAAAAAAAAAAAAAAAAAAAAAAAAAAAAAAAAAAAAA/AAAAAAAAAKCGAQAAAAAAAAAAAAAAAAAMAAAAAQAAAAAAAAAAAAAAAAAAAB8AAABUAAAA////AP///wEAAAAAAAAAAAAAAAAAAAAAAAAAAAAAAAAAAAAAAAAAAP8AAAAAAAACAAAAAszMzADAwP8Af39/AAAAAAAAAAAAAAAAAAAAAAAAAAAAIQAAABgAAAAUAAAAaQ0AABAKAABpDQAAMwwAABAAAAAmAAAACAAAAP//////////MAAAABQAAAAAAAAAAAD//wAAAQAAAP//AAABAA=="/>
               </a:ext>
             </a:extLst>
           </p:cNvSpPr>
@@ -13582,7 +13177,7 @@
           <p:cNvSpPr>
             <a:extLst>
               <a:ext uri="smNativeData">
-                <pr:smNativeData xmlns:pr="smNativeData" xmlns="smNativeData" val="SMDATA_16_gfoFYRMAAAAlAAAACgAAAA0AAAAAkAAAAEgAAACQAAAASAAAAAAAAAAAAAAAAAAAAAEAAABQAAAAAAAAAAAA4D8AAAAAAADgPwAAAAAAAOA/AAAAAAAA4D8AAAAAAADgPwAAAAAAAOA/AAAAAAAA4D8AAAAAAADgPwAAAAAAAOA/AAAAAAAA4D8CAAAAjAAAAAAAAAAAAAAA////AP///wgAAAAAAAAAAAAAAAAAAAAAAAAAAAAAAAAAAAAAeAAAAAEAAABAAAAAAAAAAAAAAABaAAAAAAAAAAAAAAAAAAAAAAAAAAAAAAAAAAAAAAAAAAAAAAAAAAAAAAAAAAAAAAAAAAAAAAAAAAAAAAAAAAAAAAAAAAAAAAAAAAAAFAAAADwAAAABAAAAAAAAAP8AAAAeAAAAAQAAABQAAAAUAAAAFAAAAAEAAAAAAAAAZAAAAGQAAAAAAAAAZAAAAGQAAAAVAAAAYAAAAAAAAAAAAAAADwAAACADAAAAAAAAAAAAAAEAAACgMgAAVgcAAKr4//8BAAAAAAAACQEAAABkAAAAAAAAABQAAABAHwAAAAAAACYAAAAAAAAAwOD//wAAAAAmAAAAZAAAABYAAABMAAAAAAAAAAAAAAAEAAAAAAAAAAEAAAAAAAAJAAAAACgAAAAoAAAAZAAAAGQAAAAAAAAAzMzMAAAAAABQAAAAUAAAAGQAAABkAAAAAAAAABcAAAAUAAAAAAAAAAAAAAD/fwAA/38AAAAAAAAJAAAABAAAAGcAtx4eAAAAaAAAAAAAAAAAAAAAAAAAAAAAAAAAAAAAECcAABAnAAAAAAAAAAAAAAAAAAAAAAAAAAAAAAAAAAAAAAAAAAAAABQAAAAAAAAAwMD/AAAAAABkAAAAMgAAAAAAAABkAAAAAAAAAH9/fwAKAAAAIgAAABgAAAAAAAAAAAAAAAAAAAAAAAAAAAAAAAAAAAAkAAAAJAAAAAAAAAAHAAAAAAAAAAAAAAAAAAAAAAAAAAAAAAAAAAAAf39/ACUAAABYAAAAAAAAAAAAAAAAAAAAAAAAAAAAAAAAAAAAAAAAAAAAAAAAAAAAAAAAAAAAAAA/AAAAAAAAAKCGAQAAAAAAAAAAAAAAAAAMAAAAAQAAAAAAAAAAAAAAAAAAAB8AAABUAAAA////AP///wEAAAAAAAAAAAAAAAAAAAAAAAAAAAAAAAAAAAAAAAAAAP8AAAAAAAACAAAAAszMzADAwP8Af39/AAAAAAAAAAAAAAAAAAAAAAAAAAAAIQAAABgAAAAUAAAAVRIAAP8JAABVEgAAMwwAABAAAAAmAAAACAAAAP//////////MAAAABQAAAAAAAAAAAD//wAAAQAAAP//AAABAA=="/>
+                <pr:smNativeData xmlns:pr="smNativeData" xmlns="smNativeData" val="SMDATA_16_FAWHYRMAAAAlAAAACgAAAA0AAAAAkAAAAEgAAACQAAAASAAAAAAAAAAAAAAAAAAAAAEAAABQAAAAAAAAAAAA4D8AAAAAAADgPwAAAAAAAOA/AAAAAAAA4D8AAAAAAADgPwAAAAAAAOA/AAAAAAAA4D8AAAAAAADgPwAAAAAAAOA/AAAAAAAA4D8CAAAAjAAAAAAAAAAAAAAA////AP///wgAAAAAAAAAAAAAAAAAAAAAAAAAAAAAAAAAAAAAeAAAAAEAAABAAAAAAAAAAAAAAABaAAAAAAAAAAAAAAAAAAAAAAAAAAAAAAAAAAAAAAAAAAAAAAAAAAAAAAAAAAAAAAAAAAAAAAAAAAAAAAAAAAAAAAAAAAAAAAAAAAAAFAAAADwAAAABAAAAAAAAAP8AAAAeAAAAAQAAABQAAAAUAAAAFAAAAAEAAAAAAAAAZAAAAGQAAAAAAAAAZAAAAGQAAAAVAAAAYAAAAAAAAAAAAAAADwAAACADAAAAAAAAAAAAAAEAAACgMgAAVgcAAKr4//8BAAAAAAAACQEAAABkAAAAAAAAABQAAABAHwAAAAAAACYAAAAAAAAAwOD//wAAAAAmAAAAZAAAABYAAABMAAAAAAAAAAAAAAAEAAAAAAAAAAEAAAAAAAAJAAAAACgAAAAoAAAAZAAAAGQAAAAAAAAAzMzMAAAAAABQAAAAUAAAAGQAAABkAAAAAAAAABcAAAAUAAAAAAAAAAAAAAD/fwAA/38AAAAAAAAJAAAABAAAAGcAtx4eAAAAaAAAAAAAAAAAAAAAAAAAAAAAAAAAAAAAECcAABAnAAAAAAAAAAAAAAAAAAAAAAAAAAAAAAAAAAAAAAAAAAAAABQAAAAAAAAAwMD/AAAAAABkAAAAMgAAAAAAAABkAAAAAAAAAH9/fwAKAAAAIgAAABgAAAAAAAAAAAAAAAAAAAAAAAAAAAAAAAAAAAAkAAAAJAAAAAAAAAAHAAAAAAAAAAAAAAAAAAAAAAAAAAAAAAAAAAAAf39/ACUAAABYAAAAAAAAAAAAAAAAAAAAAAAAAAAAAAAAAAAAAAAAAAAAAAAAAAAAAAAAAAAAAAA/AAAAAAAAAKCGAQAAAAAAAAAAAAAAAAAMAAAAAQAAAAAAAAAAAAAAAAAAAB8AAABUAAAA////AP///wEAAAAAAAAAAAAAAAAAAAAAAAAAAAAAAAAAAAAAAAAAAP8AAAAAAAACAAAAAszMzADAwP8Af39/AAAAAAAAAAAAAAAAAAAAAAAAAAAAIQAAABgAAAAUAAAAVRIAAP8JAABVEgAAMwwAABAAAAAmAAAACAAAAP//////////MAAAABQAAAAAAAAAAAD//wAAAQAAAP//AAABAA=="/>
               </a:ext>
             </a:extLst>
           </p:cNvSpPr>
@@ -13614,7 +13209,7 @@
           <p:cNvSpPr>
             <a:extLst>
               <a:ext uri="smNativeData">
-                <pr:smNativeData xmlns:pr="smNativeData" xmlns="smNativeData" val="SMDATA_16_gfoFYRMAAAAlAAAACgAAAA0AAAAAkAAAAEgAAACQAAAASAAAAAAAAAAAAAAAAAAAAAEAAABQAAAAAAAAAAAA4D8AAAAAAADgPwAAAAAAAOA/AAAAAAAA4D8AAAAAAADgPwAAAAAAAOA/AAAAAAAA4D8AAAAAAADgPwAAAAAAAOA/AAAAAAAA4D8CAAAAjAAAAAAAAAAAAAAA////AP///wgAAAAAAAAAAAAAAAAAAAAAAAAAAAAAAAAAAAAAeAAAAAEAAABAAAAAAAAAAAAAAABaAAAAAAAAAAAAAAAAAAAAAAAAAAAAAAAAAAAAAAAAAAAAAAAAAAAAAAAAAAAAAAAAAAAAAAAAAAAAAAAAAAAAAAAAAAAAAAAAAAAAFAAAADwAAAABAAAAAAAAAP8AAAAeAAAAAQAAABQAAAAUAAAAFAAAAAEAAAAAAAAAZAAAAGQAAAAAAAAAZAAAAGQAAAAVAAAAYAAAAAAAAAAAAAAADwAAACADAAAAAAAAAAAAAAEAAACgMgAAVgcAAKr4//8BAAAAAAAACQEAAABkAAAAAAAAABQAAABAHwAAAAAAACYAAAAAAAAAwOD//wAAAAAmAAAAZAAAABYAAABMAAAAAAAAAAAAAAAEAAAAAAAAAAEAAAAAAAAJAAAAACgAAAAoAAAAZAAAAGQAAAAAAAAAzMzMAAAAAABQAAAAUAAAAGQAAABkAAAAAAAAABcAAAAUAAAAAAAAAAAAAAD/fwAA/38AAAAAAAAJAAAABAAAAAD7IwEeAAAAaAAAAAAAAAAAAAAAAAAAAAAAAAAAAAAAECcAABAnAAAAAAAAAAAAAAAAAAAAAAAAAAAAAAAAAAAAAAAAAAAAABQAAAAAAAAAwMD/AAAAAABkAAAAMgAAAAAAAABkAAAAAAAAAH9/fwAKAAAAIgAAABgAAAAAAAAAAAAAAAAAAAAAAAAAAAAAAAAAAAAkAAAAJAAAAAAAAAAHAAAAAAAAAAAAAAAAAAAAAAAAAAAAAAAAAAAAf39/ACUAAABYAAAAAAAAAAAAAAAAAAAAAAAAAAAAAAAAAAAAAAAAAAAAAAAAAAAAAAAAAAAAAAA/AAAAAAAAAKCGAQAAAAAAAAAAAAAAAAAMAAAAAQAAAAAAAAAAAAAAAAAAAB8AAABUAAAA////AP///wEAAAAAAAAAAAAAAAAAAAAAAAAAAAAAAAAAAAAAAAAAAP8AAAAAAAACAAAAAszMzADAwP8Af39/AAAAAAAAAAAAAAAAAAAAAAAAAAAAIQAAABgAAAAUAAAAAwcAAMkDAAADBwAA4QUAABAAAAAmAAAACAAAAP//////////MAAAABQAAAAAAAAAAAD//wAAAQAAAP//AAABAA=="/>
+                <pr:smNativeData xmlns:pr="smNativeData" xmlns="smNativeData" val="SMDATA_16_FAWHYRMAAAAlAAAACgAAAA0AAAAAkAAAAEgAAACQAAAASAAAAAAAAAAAAAAAAAAAAAEAAABQAAAAAAAAAAAA4D8AAAAAAADgPwAAAAAAAOA/AAAAAAAA4D8AAAAAAADgPwAAAAAAAOA/AAAAAAAA4D8AAAAAAADgPwAAAAAAAOA/AAAAAAAA4D8CAAAAjAAAAAAAAAAAAAAA////AP///wgAAAAAAAAAAAAAAAAAAAAAAAAAAAAAAAAAAAAAeAAAAAEAAABAAAAAAAAAAAAAAABaAAAAAAAAAAAAAAAAAAAAAAAAAAAAAAAAAAAAAAAAAAAAAAAAAAAAAAAAAAAAAAAAAAAAAAAAAAAAAAAAAAAAAAAAAAAAAAAAAAAAFAAAADwAAAABAAAAAAAAAP8AAAAeAAAAAQAAABQAAAAUAAAAFAAAAAEAAAAAAAAAZAAAAGQAAAAAAAAAZAAAAGQAAAAVAAAAYAAAAAAAAAAAAAAADwAAACADAAAAAAAAAAAAAAEAAACgMgAAVgcAAKr4//8BAAAAAAAACQEAAABkAAAAAAAAABQAAABAHwAAAAAAACYAAAAAAAAAwOD//wAAAAAmAAAAZAAAABYAAABMAAAAAAAAAAAAAAAEAAAAAAAAAAEAAAAAAAAJAAAAACgAAAAoAAAAZAAAAGQAAAAAAAAAzMzMAAAAAABQAAAAUAAAAGQAAABkAAAAAAAAABcAAAAUAAAAAAAAAAAAAAD/fwAA/38AAAAAAAAJAAAABAAAAAD7IwEeAAAAaAAAAAAAAAAAAAAAAAAAAAAAAAAAAAAAECcAABAnAAAAAAAAAAAAAAAAAAAAAAAAAAAAAAAAAAAAAAAAAAAAABQAAAAAAAAAwMD/AAAAAABkAAAAMgAAAAAAAABkAAAAAAAAAH9/fwAKAAAAIgAAABgAAAAAAAAAAAAAAAAAAAAAAAAAAAAAAAAAAAAkAAAAJAAAAAAAAAAHAAAAAAAAAAAAAAAAAAAAAAAAAAAAAAAAAAAAf39/ACUAAABYAAAAAAAAAAAAAAAAAAAAAAAAAAAAAAAAAAAAAAAAAAAAAAAAAAAAAAAAAAAAAAA/AAAAAAAAAKCGAQAAAAAAAAAAAAAAAAAMAAAAAQAAAAAAAAAAAAAAAAAAAB8AAABUAAAA////AP///wEAAAAAAAAAAAAAAAAAAAAAAAAAAAAAAAAAAAAAAAAAAP8AAAAAAAACAAAAAszMzADAwP8Af39/AAAAAAAAAAAAAAAAAAAAAAAAAAAAIQAAABgAAAAUAAAAAwcAAMkDAAADBwAA4QUAABAAAAAmAAAACAAAAP//////////MAAAABQAAAAAAAAAAAD//wAAAQAAAP//AAABAA=="/>
               </a:ext>
             </a:extLst>
           </p:cNvSpPr>
@@ -13646,7 +13241,7 @@
           <p:cNvSpPr>
             <a:extLst>
               <a:ext uri="smNativeData">
-                <pr:smNativeData xmlns:pr="smNativeData" xmlns="smNativeData" val="SMDATA_16_gfoFYRMAAAAlAAAACgAAAA0AAAAAkAAAAEgAAACQAAAASAAAAAAAAAAAAAAAAAAAAAEAAABQAAAAAAAAAAAA4D8AAAAAAADgPwAAAAAAAOA/AAAAAAAA4D8AAAAAAADgPwAAAAAAAOA/AAAAAAAA4D8AAAAAAADgPwAAAAAAAOA/AAAAAAAA4D8CAAAAjAAAAAAAAAAAAAAA////AP///wgAAAAAAAAAAAAAAAAAAAAAAAAAAAAAAAAAAAAAeAAAAAEAAABAAAAAAAAAAAAAAABaAAAAAAAAAAAAAAAAAAAAAAAAAAAAAAAAAAAAAAAAAAAAAAAAAAAAAAAAAAAAAAAAAAAAAAAAAAAAAAAAAAAAAAAAAAAAAAAAAAAAFAAAADwAAAABAAAAAAAAAP8AAAAeAAAAAQAAABQAAAAUAAAAFAAAAAEAAAAAAAAAZAAAAGQAAAAAAAAAZAAAAGQAAAAVAAAAYAAAAAAAAAAAAAAADwAAACADAAAAAAAAAAAAAAEAAACgMgAAVgcAAKr4//8BAAAAAAAACQEAAABkAAAAAAAAABQAAABAHwAAAAAAACYAAAAAAAAAwOD//wAAAAAmAAAAZAAAABYAAABMAAAAAAAAAAAAAAAEAAAAAAAAAAEAAAAAAAAJAAAAACgAAAAoAAAAZAAAAGQAAAAAAAAAzMzMAAAAAABQAAAAUAAAAGQAAABkAAAAAAAAABcAAAAUAAAAAAAAAAAAAAD/fwAA/38AAAAAAAAJAAAABAAAAHgAux4eAAAAaAAAAAAAAAAAAAAAAAAAAAAAAAAAAAAAECcAABAnAAAAAAAAAAAAAAAAAAAAAAAAAAAAAAAAAAAAAAAAAAAAABQAAAAAAAAAwMD/AAAAAABkAAAAMgAAAAAAAABkAAAAAAAAAH9/fwAKAAAAIgAAABgAAAAAAAAAAAAAAAAAAAAAAAAAAAAAAAAAAAAkAAAAJAAAAAAAAAAHAAAAAAAAAAAAAAAAAAAAAAAAAAAAAAAAAAAAf39/ACUAAABYAAAAAAAAAAAAAAAAAAAAAAAAAAAAAAAAAAAAAAAAAAAAAAAAAAAAAAAAAAAAAAA/AAAAAAAAAKCGAQAAAAAAAAAAAAAAAAAMAAAAAQAAAAAAAAAAAAAAAAAAAB8AAABUAAAA////AP///wEAAAAAAAAAAAAAAAAAAAAAAAAAAAAAAAAAAAAAAAAAAP8AAAAAAAACAAAAAszMzADAwP8Af39/AAAAAAAAAAAAAAAAAAAAAAAAAAAAIQAAABgAAAAUAAAA0QoAAMUDAADiGAAAyAMAABAAAAAmAAAACAAAAP//////////MAAAABQAAAAAAAAAAAD//wAAAQAAAP//AAABAA=="/>
+                <pr:smNativeData xmlns:pr="smNativeData" xmlns="smNativeData" val="SMDATA_16_FAWHYRMAAAAlAAAACgAAAA0AAAAAkAAAAEgAAACQAAAASAAAAAAAAAAAAAAAAAAAAAEAAABQAAAAAAAAAAAA4D8AAAAAAADgPwAAAAAAAOA/AAAAAAAA4D8AAAAAAADgPwAAAAAAAOA/AAAAAAAA4D8AAAAAAADgPwAAAAAAAOA/AAAAAAAA4D8CAAAAjAAAAAAAAAAAAAAA////AP///wgAAAAAAAAAAAAAAAAAAAAAAAAAAAAAAAAAAAAAeAAAAAEAAABAAAAAAAAAAAAAAABaAAAAAAAAAAAAAAAAAAAAAAAAAAAAAAAAAAAAAAAAAAAAAAAAAAAAAAAAAAAAAAAAAAAAAAAAAAAAAAAAAAAAAAAAAAAAAAAAAAAAFAAAADwAAAABAAAAAAAAAP8AAAAeAAAAAQAAABQAAAAUAAAAFAAAAAEAAAAAAAAAZAAAAGQAAAAAAAAAZAAAAGQAAAAVAAAAYAAAAAAAAAAAAAAADwAAACADAAAAAAAAAAAAAAEAAACgMgAAVgcAAKr4//8BAAAAAAAACQEAAABkAAAAAAAAABQAAABAHwAAAAAAACYAAAAAAAAAwOD//wAAAAAmAAAAZAAAABYAAABMAAAAAAAAAAAAAAAEAAAAAAAAAAEAAAAAAAAJAAAAACgAAAAoAAAAZAAAAGQAAAAAAAAAzMzMAAAAAABQAAAAUAAAAGQAAABkAAAAAAAAABcAAAAUAAAAAAAAAAAAAAD/fwAA/38AAAAAAAAJAAAABAAAAHgAux4eAAAAaAAAAAAAAAAAAAAAAAAAAAAAAAAAAAAAECcAABAnAAAAAAAAAAAAAAAAAAAAAAAAAAAAAAAAAAAAAAAAAAAAABQAAAAAAAAAwMD/AAAAAABkAAAAMgAAAAAAAABkAAAAAAAAAH9/fwAKAAAAIgAAABgAAAAAAAAAAAAAAAAAAAAAAAAAAAAAAAAAAAAkAAAAJAAAAAAAAAAHAAAAAAAAAAAAAAAAAAAAAAAAAAAAAAAAAAAAf39/ACUAAABYAAAAAAAAAAAAAAAAAAAAAAAAAAAAAAAAAAAAAAAAAAAAAAAAAAAAAAAAAAAAAAA/AAAAAAAAAKCGAQAAAAAAAAAAAAAAAAAMAAAAAQAAAAAAAAAAAAAAAAAAAB8AAABUAAAA////AP///wEAAAAAAAAAAAAAAAAAAAAAAAAAAAAAAAAAAAAAAAAAAP8AAAAAAAACAAAAAszMzADAwP8Af39/AAAAAAAAAAAAAAAAAAAAAAAAAAAAIQAAABgAAAAUAAAA0QoAAMUDAADiGAAAyAMAABAAAAAmAAAACAAAAP//////////MAAAABQAAAAAAAAAAAD//wAAAQAAAP//AAABAA=="/>
               </a:ext>
             </a:extLst>
           </p:cNvSpPr>
@@ -13678,7 +13273,7 @@
           <p:cNvSpPr>
             <a:extLst>
               <a:ext uri="smNativeData">
-                <pr:smNativeData xmlns:pr="smNativeData" xmlns="smNativeData" val="SMDATA_16_gfoFYRMAAAAlAAAACgAAAA0AAAAAkAAAAEgAAACQAAAASAAAAAAAAAAAAAAAAgAAAAEAAABQAAAAAAAAAAAA4D8AAAAAAADgPwAAAAAAAOA/AAAAAAAA4D8AAAAAAADgPwAAAAAAAOA/AAAAAAAA4D8AAAAAAADgPwAAAAAAAOA/AAAAAAAA4D8CAAAAjAAAAAAAAAAAAAAA////AP///wgAAAAAAAAAAAAAAAAAAAAAAAAAAAAAAAAAAAAAeAAAAAEAAABAAAAAAAAAAAAAAABaAAAAAAAAAAAAAAAAAAAAAAAAAAAAAAAAAAAAAAAAAAAAAAAAAAAAAAAAAAAAAAAAAAAAAAAAAAAAAAAAAAAAAAAAAAAAAAAAAAAAFAAAADwAAAABAAAAAAAAAP8AAAAeAAAAAQAAABQAAAAUAAAAFAAAAAEAAAAAAAAAZAAAAGQAAAAAAAAAZAAAAGQAAAAVAAAAYAAAAAAAAAAAAAAADwAAACADAAAAAAAAAAAAAAEAAACgMgAAVgcAAKr4//8BAAAAAAAACQEAAABkAAAAAAAAABQAAABAHwAAAAAAACYAAAAAAAAAwOD//wAAAAAmAAAAZAAAABYAAABMAAAAAAAAAAAAAAAEAAAAAAAAAAEAAAAAAAAJAAAAACgAAAAoAAAAZAAAAGQAAAAAAAAAzMzMAAAAAABQAAAAUAAAAGQAAABkAAAAAAAAABcAAAAUAAAAAAAAAAAAAAD/fwAA/38AAAAAAAAJAAAABAAAAEgBAPseAAAAaAAAAAAAAAAAAAAAAAAAAAAAAAAAAAAAECcAABAnAAAAAAAAAAAAAAAAAAAAAAAAAAAAAAAAAAAAAAAAAAAAABQAAAAAAAAAwMD/AAAAAABkAAAAMgAAAAAAAABkAAAAAAAAAH9/fwAKAAAAIgAAABgAAAAAAAAAAAAAAAAAAAAAAAAAAAAAAAAAAAAkAAAAJAAAAAAAAAAHAAAAAAAAAAAAAAAAAAAAAAAAAAAAAAAAAAAAf39/ACUAAABYAAAAAAAAAAAAAAAAAAAAAAAAAAAAAAAAAAAAAAAAAAAAAAAAAAAAAAAAAAAAAAA/AAAAAAAAAKCGAQAAAAAAAAAAAAAAAAAMAAAAAQAAAAAAAAAAAAAAAAAAAB8AAABUAAAA////AP///wEAAAAAAAAAAAAAAAAAAAAAAAAAAAAAAAAAAAAAAAAAAP8AAAAAAAACAAAAAszMzADAwP8Af39/AAAAAAAAAAAAAAAAAAAAAAAAAAAAIQAAABgAAAAUAAAA/gYAAMwDAADbCQAAzAMAABAAAAAmAAAACAAAAP//////////MAAAABQAAAAAAAAAAAD//wAAAQAAAP//AAABAA=="/>
+                <pr:smNativeData xmlns:pr="smNativeData" xmlns="smNativeData" val="SMDATA_16_FAWHYRMAAAAlAAAACgAAAA0AAAAAkAAAAEgAAACQAAAASAAAAAAAAAAAAAAAAgAAAAEAAABQAAAAAAAAAAAA4D8AAAAAAADgPwAAAAAAAOA/AAAAAAAA4D8AAAAAAADgPwAAAAAAAOA/AAAAAAAA4D8AAAAAAADgPwAAAAAAAOA/AAAAAAAA4D8CAAAAjAAAAAAAAAAAAAAA////AP///wgAAAAAAAAAAAAAAAAAAAAAAAAAAAAAAAAAAAAAeAAAAAEAAABAAAAAAAAAAAAAAABaAAAAAAAAAAAAAAAAAAAAAAAAAAAAAAAAAAAAAAAAAAAAAAAAAAAAAAAAAAAAAAAAAAAAAAAAAAAAAAAAAAAAAAAAAAAAAAAAAAAAFAAAADwAAAABAAAAAAAAAP8AAAAeAAAAAQAAABQAAAAUAAAAFAAAAAEAAAAAAAAAZAAAAGQAAAAAAAAAZAAAAGQAAAAVAAAAYAAAAAAAAAAAAAAADwAAACADAAAAAAAAAAAAAAEAAACgMgAAVgcAAKr4//8BAAAAAAAACQEAAABkAAAAAAAAABQAAABAHwAAAAAAACYAAAAAAAAAwOD//wAAAAAmAAAAZAAAABYAAABMAAAAAAAAAAAAAAAEAAAAAAAAAAEAAAAAAAAJAAAAACgAAAAoAAAAZAAAAGQAAAAAAAAAzMzMAAAAAABQAAAAUAAAAGQAAABkAAAAAAAAABcAAAAUAAAAAAAAAAAAAAD/fwAA/38AAAAAAAAJAAAABAAAAEgBAPseAAAAaAAAAAAAAAAAAAAAAAAAAAAAAAAAAAAAECcAABAnAAAAAAAAAAAAAAAAAAAAAAAAAAAAAAAAAAAAAAAAAAAAABQAAAAAAAAAwMD/AAAAAABkAAAAMgAAAAAAAABkAAAAAAAAAH9/fwAKAAAAIgAAABgAAAAAAAAAAAAAAAAAAAAAAAAAAAAAAAAAAAAkAAAAJAAAAAAAAAAHAAAAAAAAAAAAAAAAAAAAAAAAAAAAAAAAAAAAf39/ACUAAABYAAAAAAAAAAAAAAAAAAAAAAAAAAAAAAAAAAAAAAAAAAAAAAAAAAAAAAAAAAAAAAA/AAAAAAAAAKCGAQAAAAAAAAAAAAAAAAAMAAAAAQAAAAAAAAAAAAAAAAAAAB8AAABUAAAA////AP///wEAAAAAAAAAAAAAAAAAAAAAAAAAAAAAAAAAAAAAAAAAAP8AAAAAAAACAAAAAszMzADAwP8Af39/AAAAAAAAAAAAAAAAAAAAAAAAAAAAIQAAABgAAAAUAAAA/gYAAMwDAADbCQAAzAMAABAAAAAmAAAACAAAAP//////////MAAAABQAAAAAAAAAAAD//wAAAQAAAP//AAABAA=="/>
               </a:ext>
             </a:extLst>
           </p:cNvSpPr>
@@ -13710,7 +13305,7 @@
           <p:cNvSpPr>
             <a:extLst>
               <a:ext uri="smNativeData">
-                <pr:smNativeData xmlns:pr="smNativeData" xmlns="smNativeData" val="SMDATA_16_gfoFYRMAAAAlAAAACgAAAA0AAAAAkAAAAEgAAACQAAAASAAAAAAAAAAAAAAAAgAAAAEAAABQAAAAAAAAAAAA4D8AAAAAAADgPwAAAAAAAOA/AAAAAAAA4D8AAAAAAADgPwAAAAAAAOA/AAAAAAAA4D8AAAAAAADgPwAAAAAAAOA/AAAAAAAA4D8CAAAAjAAAAAAAAAAAAAAA////AP///wgAAAAAAAAAAAAAAAAAAAAAAAAAAAAAAAAAAAAAeAAAAAEAAABAAAAAAAAAAAAAAABaAAAAAAAAAAAAAAAAAAAAAAAAAAAAAAAAAAAAAAAAAAAAAAAAAAAAAAAAAAAAAAAAAAAAAAAAAAAAAAAAAAAAAAAAAAAAAAAAAAAAFAAAADwAAAABAAAAAAAAAP8AAAAeAAAAAQAAABQAAAAUAAAAFAAAAAEAAAAAAAAAZAAAAGQAAAAAAAAAZAAAAGQAAAAVAAAAYAAAAAAAAAAAAAAADwAAACADAAAAAAAAAAAAAAEAAACgMgAAVgcAAKr4//8BAAAAAAAACQEAAABkAAAAAAAAABQAAABAHwAAAAAAACYAAAAAAAAAwOD//wAAAAAmAAAAZAAAABYAAABMAAAAAAAAAAAAAAAEAAAAAAAAAAEAAAAAAAAJAAAAACgAAAAoAAAAZAAAAGQAAAAAAAAAzMzMAAAAAABQAAAAUAAAAGQAAABkAAAAAAAAABcAAAAUAAAAAAAAAAAAAAD/fwAA/38AAAAAAAAJAAAABAAAAB8B9AAeAAAAaAAAAAAAAAAAAAAAAAAAAAAAAAAAAAAAECcAABAnAAAAAAAAAAAAAAAAAAAAAAAAAAAAAAAAAAAAAAAAAAAAABQAAAAAAAAAwMD/AAAAAABkAAAAMgAAAAAAAABkAAAAAAAAAH9/fwAKAAAAIgAAABgAAAAAAAAAAAAAAAAAAAAAAAAAAAAAAAAAAAAkAAAAJAAAAAAAAAAHAAAAAAAAAAAAAAAAAAAAAAAAAAAAAAAAAAAAf39/ACUAAABYAAAAAAAAAAAAAAAAAAAAAAAAAAAAAAAAAAAAAAAAAAAAAAAAAAAAAAAAAAAAAAA/AAAAAAAAAKCGAQAAAAAAAAAAAAAAAAAMAAAAAQAAAAAAAAAAAAAAAAAAAB8AAABUAAAA////AP///wEAAAAAAAAAAAAAAAAAAAAAAAAAAAAAAAAAAAAAAAAAAP8AAAAAAAACAAAAAszMzADAwP8Af39/AAAAAAAAAAAAAAAAAAAAAAAAAAAAIQAAABgAAAAUAAAA1QkAABYDAAC8CgAAywMAABAAAAAmAAAACAAAAP//////////MAAAABQAAAAAAAAAAAD//wAAAQAAAP//AAABAA=="/>
+                <pr:smNativeData xmlns:pr="smNativeData" xmlns="smNativeData" val="SMDATA_16_FAWHYRMAAAAlAAAACgAAAA0AAAAAkAAAAEgAAACQAAAASAAAAAAAAAAAAAAAAgAAAAEAAABQAAAAAAAAAAAA4D8AAAAAAADgPwAAAAAAAOA/AAAAAAAA4D8AAAAAAADgPwAAAAAAAOA/AAAAAAAA4D8AAAAAAADgPwAAAAAAAOA/AAAAAAAA4D8CAAAAjAAAAAAAAAAAAAAA////AP///wgAAAAAAAAAAAAAAAAAAAAAAAAAAAAAAAAAAAAAeAAAAAEAAABAAAAAAAAAAAAAAABaAAAAAAAAAAAAAAAAAAAAAAAAAAAAAAAAAAAAAAAAAAAAAAAAAAAAAAAAAAAAAAAAAAAAAAAAAAAAAAAAAAAAAAAAAAAAAAAAAAAAFAAAADwAAAABAAAAAAAAAP8AAAAeAAAAAQAAABQAAAAUAAAAFAAAAAEAAAAAAAAAZAAAAGQAAAAAAAAAZAAAAGQAAAAVAAAAYAAAAAAAAAAAAAAADwAAACADAAAAAAAAAAAAAAEAAACgMgAAVgcAAKr4//8BAAAAAAAACQEAAABkAAAAAAAAABQAAABAHwAAAAAAACYAAAAAAAAAwOD//wAAAAAmAAAAZAAAABYAAABMAAAAAAAAAAAAAAAEAAAAAAAAAAEAAAAAAAAJAAAAACgAAAAoAAAAZAAAAGQAAAAAAAAAzMzMAAAAAABQAAAAUAAAAGQAAABkAAAAAAAAABcAAAAUAAAAAAAAAAAAAAD/fwAA/38AAAAAAAAJAAAABAAAAB8B9AAeAAAAaAAAAAAAAAAAAAAAAAAAAAAAAAAAAAAAECcAABAnAAAAAAAAAAAAAAAAAAAAAAAAAAAAAAAAAAAAAAAAAAAAABQAAAAAAAAAwMD/AAAAAABkAAAAMgAAAAAAAABkAAAAAAAAAH9/fwAKAAAAIgAAABgAAAAAAAAAAAAAAAAAAAAAAAAAAAAAAAAAAAAkAAAAJAAAAAAAAAAHAAAAAAAAAAAAAAAAAAAAAAAAAAAAAAAAAAAAf39/ACUAAABYAAAAAAAAAAAAAAAAAAAAAAAAAAAAAAAAAAAAAAAAAAAAAAAAAAAAAAAAAAAAAAA/AAAAAAAAAKCGAQAAAAAAAAAAAAAAAAAMAAAAAQAAAAAAAAAAAAAAAAAAAB8AAABUAAAA////AP///wEAAAAAAAAAAAAAAAAAAAAAAAAAAAAAAAAAAAAAAAAAAP8AAAAAAAACAAAAAszMzADAwP8Af39/AAAAAAAAAAAAAAAAAAAAAAAAAAAAIQAAABgAAAAUAAAA1QkAABYDAAC8CgAAywMAABAAAAAmAAAACAAAAP//////////MAAAABQAAAAAAAAAAAD//wAAAQAAAP//AAABAA=="/>
               </a:ext>
             </a:extLst>
           </p:cNvSpPr>
@@ -13742,7 +13337,7 @@
           <p:cNvSpPr>
             <a:extLst>
               <a:ext uri="smNativeData">
-                <pr:smNativeData xmlns:pr="smNativeData" xmlns="smNativeData" val="SMDATA_16_gfoFYRMAAAAlAAAAZAAAAE0AAAAAkAAAAEgAAACQAAAASAAAAAAAAAAAAAAAAAAAAAEAAABQAAAAAAAAAAAA4D8AAAAAAADgPwAAAAAAAOA/AAAAAAAA4D8AAAAAAADgPwAAAAAAAOA/AAAAAAAA4D8AAAAAAADgPwAAAAAAAOA/AAAAAAAA4D8CAAAAjAAAAAAAAAAAAAAARHLEDP///wgAAAAAAAAAAAAAAAAAAAAAAAAAAAAAAAAAAAAAZAAAAAEAAABAAAAAAAAAAAAAAAAAAAAAAAAAAAAAAAAAAAAAAAAAAAAAAAAAAAAAAAAAAAAAAAAAAAAAAAAAAAAAAAAAAAAAAAAAAAAAAAAAAAAAAAAAAAAAAAAAAAAAFAAAADwAAAAAAAAAAAAAAAAAAAAPAAAAAQAAACMAAAAjAAAAIwAAAB4AAAAAAAAAZAAAAGQAAAAAAAAAZAAAAGQAAAAVAAAAYAAAAAAAAAAAAAAADwAAACADAAAAAAAAAAAAAAEAAACgMgAAVgcAAKr4//8BAAAAf39/AAEAAABkAAAAAAAAABQAAABAHwAAAAAAACYAAAAAAAAAwOD//wAAAAAmAAAAZAAAABYAAABMAAAAAAAAAAAAAAAEAAAAAAAAAAEAAADn5uYKAAAAACgAAAAoAAAAZAAAAGQAAAAAAAAAzMzMAAAAAABQAAAAUAAAAGQAAABkAAAAAAAAABcAAAAUAAAAAAAAAAAAAAD/fwAA/38AAAAAAAAJAAAABAAAAFkB/wAeAAAAaAAAAAAAAAAAAAAAAAAAAAAAAAAAAAAAECcAABAnAAAAAAAAAAAAAAAAAAAAAAAAAAAAAAAAAAAAAAAAAAAAABQAAAAAAAAAwMD/AAAAAABkAAAAMgAAAAAAAABkAAAAAAAAAH9/fwAKAAAAIgAAABgAAAAAAAAAAAAAAAAAAAAAAAAAAAAAAAAAAAAkAAAAJAAAAAAAAAAHAAAAAAAAAAAAAAAAAAAAAAAAAAAAAAAAAAAAf39/ACUAAABYAAAAAAAAAAAAAAAAAAAAAAAAAAAAAAAAAAAAAAAAAAAAAAAAAAAAAAAAAAAAAAA/AAAAAAAAAKCGAQAAAAAAAAAAAAAAAAAMAAAAAQAAAAAAAAAAAAAAAAAAAB8AAABUAAAARHLEBf///wEAAAAAAAAAAAAAAAAAAAAAAAAAAAAAAAAAAAAAAAAAAAAAAAB/f38A5+bmA8zMzADAwP8Af39/AAAAAAAAAAAAAAAAAAAAAAAAAAAAIQAAABgAAAAUAAAAewMAALILAACtCgAASw8AABAgAAAmAAAACAAAAP//////////MAAAABQAAAAAAAAAAAD//wAAAQAAAP//AAABAA=="/>
+                <pr:smNativeData xmlns:pr="smNativeData" xmlns="smNativeData" val="SMDATA_16_FAWHYRMAAAAlAAAAZAAAAE0AAAAAkAAAAEgAAACQAAAASAAAAAAAAAAAAAAAAAAAAAEAAABQAAAAAAAAAAAA4D8AAAAAAADgPwAAAAAAAOA/AAAAAAAA4D8AAAAAAADgPwAAAAAAAOA/AAAAAAAA4D8AAAAAAADgPwAAAAAAAOA/AAAAAAAA4D8CAAAAjAAAAAAAAAAAAAAARHLEDP///wgAAAAAAAAAAAAAAAAAAAAAAAAAAAAAAAAAAAAAZAAAAAEAAABAAAAAAAAAAAAAAAAAAAAAAAAAAAAAAAAAAAAAAAAAAAAAAAAAAAAAAAAAAAAAAAAAAAAAAAAAAAAAAAAAAAAAAAAAAAAAAAAAAAAAAAAAAAAAAAAAAAAAFAAAADwAAAAAAAAAAAAAAAAAAAAPAAAAAQAAACMAAAAjAAAAIwAAAB4AAAAAAAAAZAAAAGQAAAAAAAAAZAAAAGQAAAAVAAAAYAAAAAAAAAAAAAAADwAAACADAAAAAAAAAAAAAAEAAACgMgAAVgcAAKr4//8BAAAAf39/AAEAAABkAAAAAAAAABQAAABAHwAAAAAAACYAAAAAAAAAwOD//wAAAAAmAAAAZAAAABYAAABMAAAAAAAAAAAAAAAEAAAAAAAAAAEAAADn5uYKAAAAACgAAAAoAAAAZAAAAGQAAAAAAAAAzMzMAAAAAABQAAAAUAAAAGQAAABkAAAAAAAAABcAAAAUAAAAAAAAAAAAAAD/fwAA/38AAAAAAAAJAAAABAAAAFkB/wAeAAAAaAAAAAAAAAAAAAAAAAAAAAAAAAAAAAAAECcAABAnAAAAAAAAAAAAAAAAAAAAAAAAAAAAAAAAAAAAAAAAAAAAABQAAAAAAAAAwMD/AAAAAABkAAAAMgAAAAAAAABkAAAAAAAAAH9/fwAKAAAAIgAAABgAAAAAAAAAAAAAAAAAAAAAAAAAAAAAAAAAAAAkAAAAJAAAAAAAAAAHAAAAAAAAAAAAAAAAAAAAAAAAAAAAAAAAAAAAf39/ACUAAABYAAAAAAAAAAAAAAAAAAAAAAAAAAAAAAAAAAAAAAAAAAAAAAAAAAAAAAAAAAAAAAA/AAAAAAAAAKCGAQAAAAAAAAAAAAAAAAAMAAAAAQAAAAAAAAAAAAAAAAAAAB8AAABUAAAARHLEBf///wEAAAAAAAAAAAAAAAAAAAAAAAAAAAAAAAAAAAAAAAAAAAAAAAB/f38A5+bmA8zMzADAwP8Af39/AAAAAAAAAAAAAAAAAAAAAAAAAAAAIQAAABgAAAAUAAAAewMAALILAACtCgAASw8AABAgAAAmAAAACAAAAP//////////MAAAABQAAAAAAAAAAAD//wAAAQAAAP//AAABAA=="/>
               </a:ext>
             </a:extLst>
           </p:cNvSpPr>
@@ -13793,7 +13388,7 @@
           <p:cNvSpPr>
             <a:extLst>
               <a:ext uri="smNativeData">
-                <pr:smNativeData xmlns:pr="smNativeData" xmlns="smNativeData" val="SMDATA_16_gfoFYRMAAAAlAAAAZgAAAA0AAAAAkAAAAEgAAACQAAAASAAAAAAAAAABAAAAAAAAAAEAAABQAAAAAAAAAAAA8D8AAAAAAADwPwAAAAAAAOA/AAAAAAAA4D8AAAAAAADgPwAAAAAAAOA/AAAAAAAA4D8AAAAAAADgPwAAAAAAAOA/AAAAAAAA4D8CAAAAjAAAAAAAAAAAAAAARHLEDP///wgAAAAAAAAAAAAAAAAAAAAAAAAAAAAAAAAAAAAAZAAAAAEAAABAAAAAAAAAAAAAAAAAAAAAAAAAAAAAAAAAAAAAAAAAAAAAAAAAAAAAAAAAAAAAAAAAAAAAAAAAAAAAAAAAAAAAAAAAAAAAAAAAAAAAAAAAAAAAAAAAAAAAFAAAADwAAAABAAAAAAAAAAAAAAkoAAAAAQAAABQAAAAUAAAAFAAAAAEAAAAAAAAAZAAAAGQAAAAAAAAAZAAAAGQAAAAVAAAAYAAAAAAAAAAAAAAADwAAACADAAAAAAAAAAAAAAEAAACgMgAAVgcAAKr4//8BAAAAf39/AAEAAABkAAAAAAAAABQAAABAHwAAAAAAACYAAAAAAAAAwOD//wAAAAAmAAAAZAAAABYAAABMAAAAAAAAAAAAAAAEAAAAAAAAAAEAAADn5uYKAAAAACgAAAAoAAAAZAAAAGQAAAAAAAAAzMzMAAAAAABQAAAAUAAAAGQAAABkAAAAAAAAABcAAAAUAAAAAAAAAAAAAAD/fwAA/38AAAAAAAAJAAAABAAAAGsAvR4eAAAAaAAAAAAAAAAAAAAAAAAAAAAAAAAAAAAAECcAABAnAAAAAAAAAAAAAAAAAAAAAAAAAAAAAAAAAAAAAAAAAAAAABQAAAAAAAAAwMD/AAAAAABkAAAAMgAAAAAAAABkAAAAAAAAAH9/fwAKAAAAIgAAABgAAAAAAAAAAAAAAAAAAAAAAAAAAAAAAAAAAAAkAAAAJAAAAAAAAAAHAAAAAAAAAAAAAAAAAAAAAAAAAAAAAAAAAAAAf39/ACUAAABYAAAAAAAAAAAAAAAAAAAAAAAAAAAAAAAAAAAAAAAAAAAAAAAAAAAAAAAAAAAAAAA/AAAAAAAAAKCGAQAAAAAAAAAAAAAAAAAMAAAAAQAAAAAAAAAAAAAAAAAAAB8AAABUAAAARHLEBf///wEAAAAAAAAAAAAAAAAAAAAAAAAAAAAAAAAAAAAAAAAAAAAAAAJ/f38A5+bmA8zMzADAwP8Af39/AAAAAAAAAAAAAAAAAAAAAAAAAAAAIQAAABgAAAAUAAAAjjIAAPERAAA8PQAAoBwAABAAAAAmAAAACAAAAP//////////MAAAABQAAAAAAAAA/Er//wS1AAD8Sv//BLUAAA=="/>
+                <pr:smNativeData xmlns:pr="smNativeData" xmlns="smNativeData" val="SMDATA_16_FAWHYRMAAAAlAAAAZgAAAA0AAAAAkAAAAEgAAACQAAAASAAAAAAAAAABAAAAAAAAAAEAAABQAAAAAAAAAAAA8D8AAAAAAADwPwAAAAAAAOA/AAAAAAAA4D8AAAAAAADgPwAAAAAAAOA/AAAAAAAA4D8AAAAAAADgPwAAAAAAAOA/AAAAAAAA4D8CAAAAjAAAAAAAAAAAAAAARHLEDP///wgAAAAAAAAAAAAAAAAAAAAAAAAAAAAAAAAAAAAAZAAAAAEAAABAAAAAAAAAAAAAAAAAAAAAAAAAAAAAAAAAAAAAAAAAAAAAAAAAAAAAAAAAAAAAAAAAAAAAAAAAAAAAAAAAAAAAAAAAAAAAAAAAAAAAAAAAAAAAAAAAAAAAFAAAADwAAAABAAAAAAAAAAAAAAkoAAAAAQAAABQAAAAUAAAAFAAAAAEAAAAAAAAAZAAAAGQAAAAAAAAAZAAAAGQAAAAVAAAAYAAAAAAAAAAAAAAADwAAACADAAAAAAAAAAAAAAEAAACgMgAAVgcAAKr4//8BAAAAf39/AAEAAABkAAAAAAAAABQAAABAHwAAAAAAACYAAAAAAAAAwOD//wAAAAAmAAAAZAAAABYAAABMAAAAAAAAAAAAAAAEAAAAAAAAAAEAAADn5uYKAAAAACgAAAAoAAAAZAAAAGQAAAAAAAAAzMzMAAAAAABQAAAAUAAAAGQAAABkAAAAAAAAABcAAAAUAAAAAAAAAAAAAAD/fwAA/38AAAAAAAAJAAAABAAAAGsAvR4eAAAAaAAAAAAAAAAAAAAAAAAAAAAAAAAAAAAAECcAABAnAAAAAAAAAAAAAAAAAAAAAAAAAAAAAAAAAAAAAAAAAAAAABQAAAAAAAAAwMD/AAAAAABkAAAAMgAAAAAAAABkAAAAAAAAAH9/fwAKAAAAIgAAABgAAAAAAAAAAAAAAAAAAAAAAAAAAAAAAAAAAAAkAAAAJAAAAAAAAAAHAAAAAAAAAAAAAAAAAAAAAAAAAAAAAAAAAAAAf39/ACUAAABYAAAAAAAAAAAAAAAAAAAAAAAAAAAAAAAAAAAAAAAAAAAAAAAAAAAAAAAAAAAAAAA/AAAAAAAAAKCGAQAAAAAAAAAAAAAAAAAMAAAAAQAAAAAAAAAAAAAAAAAAAB8AAABUAAAARHLEBf///wEAAAAAAAAAAAAAAAAAAAAAAAAAAAAAAAAAAAAAAAAAAAAAAAJ/f38A5+bmA8zMzADAwP8Af39/AAAAAAAAAAAAAAAAAAAAAAAAAAAAIQAAABgAAAAUAAAAjjIAAPERAAA8PQAAoBwAABAAAAAmAAAACAAAAP//////////MAAAABQAAAAAAAAA/Er//wS1AAD8Sv//BLUAAA=="/>
               </a:ext>
             </a:extLst>
           </p:cNvSpPr>
@@ -13835,12 +13430,12 @@
       </p:sp>
       <p:pic>
         <p:nvPicPr>
-          <p:cNvPr id="46" name="Graphic 9" descr="Wireless with solid fill"/>
+          <p:cNvPr id="46" name="Graphic 15" descr="Caret Up with solid fill"/>
           <p:cNvPicPr>
             <a:picLocks noChangeAspect="1"/>
             <a:extLst>
               <a:ext uri="smNativeData">
-                <pr:smNativeData xmlns:pr="smNativeData" xmlns="smNativeData" val="SMDATA_18_gfoFYRMAAAAlAAAAEQAAAC0AAAAAkAAAAEgAAACQAAAASAAAAAAAAAAAAAAAAAAAAAEAAABQAAAAAAAAAAAA4D8AAAAAAADgPwAAAAAAAOA/AAAAAAAA4D8AAAAAAADgPwAAAAAAAOA/AAAAAAAA4D8AAAAAAADgPwAAAAAAAOA/AAAAAAAA4D8CAAAAjAAAAAAAAAAAAAAARHLEDP///wgAAAAAAAAAAAAAAAAAAAAAAAAAAAAAAAAAAAAAZAAAAAEAAABAAAAAAAAAAAAAAAAAAAAAAAAAAAAAAAAAAAAAAAAAAAAAAAAAAAAAAAAAAAAAAAAAAAAAAAAAAAAAAAAAAAAAAAAAAAAAAAAAAAAAAAAAAAAAAAAAAAAAFAAAADwAAAAAAAAAAAAAAAAAAAkUAAAAAQAAABQAAAAUAAAAFAAAAAEAAAAAAAAAZAAAAGQAAAAAAAAAZAAAAGQAAAAVAAAAYAAAAAAAAAAAAAAADwAAACADAAAAAAAAAAAAAAEAAACgMgAAVgcAAKr4//8BAAAAf39/AAEAAABkAAAAAAAAABQAAABAHwAAAAAAACYAAAAAAAAAwOD//wAAAAAmAAAAZAAAABYAAABMAAAAAAAAAAAAAAAEAAAAAAAAAAEAAADn5uYKAAAAACgAAAAoAAAAZAAAAGQAAAAAAAAAzMzMAAAAAABQAAAAUAAAAGQAAABkAAAAAAAAAAcAAAA4AAAAAAAAAAAAAAAAAAAA////AAAAAAAAAAAAAAAAAAAAAAAAAAAAAAAAAAAAAABkAAAAZAAAAAAAAAAjAAAABAAAAGQAAAAXAAAAFAAAAAAAAAAAAAAA/38AAP9/AAAAAAAACQAAAAQAAADAI1/GHgAAAGgAAAAAAAAAAAAAAAAAAAAAAAAAAAAAABAnAAAQJwAAAAAAAAAAAAAAAAAAAAAAAAAAAAAAAAAAAAAAAAAAAAAUAAAAAAAAAMDA/wAAAAAAZAAAADIAAAAAAAAAZAAAAAAAAAB/f38ACgAAACIAAAAYAAAAAAAAAAAAAAAAAAAAAAAAAAAAAAAAAAAAJAAAACQAAAAAAAAABwAAAAAAAAAAAAAAAAAAAAAAAAAAAAAAAAAAAH9/fwAlAAAAWAAAAAAAAAAAAAAAAAAAAAAAAAAAAAAAAAAAAAAAAAAAAAAAAAAAAAAAAAAAAAAAPwAAAAAAAACghgEAAAAAAAAAAAAAAAAADAAAAAEAAAAAAAAAAAAAAAAAAAAfAAAAVAAAAERyxAX///8BAAAAAAAAAAAAAAAAAAAAAAAAAAAAAAAAAAAAAAAAAAAAAAACf39/AOfm5gPMzMwAwMD/AH9/fwAAAAAAAAAAAAAAAAD///8AAAAAACEAAAAYAAAAFAAAAH0yAAAcEwAAHTgAALwYAAAQAAAAJgAAAAgAAAD//////////zAAAAAUAAAAAAAAAAAA//8AAAEAAAD//wAAAQA="/>
+                <pr:smNativeData xmlns:pr="smNativeData" xmlns="smNativeData" val="SMDATA_18_FAWHYRMAAAAlAAAAEQAAAC0AAAAAkAAAAEgAAACQAAAASAAAAAAAAAAAAAAAAAAAAAEAAABQAAAAAAAAAAAA4D8AAAAAAADgPwAAAAAAAOA/AAAAAAAA4D8AAAAAAADgPwAAAAAAAOA/AAAAAAAA4D8AAAAAAADgPwAAAAAAAOA/AAAAAAAA4D8CAAAAjAAAAAAAAAAAAAAARHLEDP///wgAAAAAAAAAAAAAAAAAAAAAAAAAAAAAAAAAAAAAZAAAAAEAAABAAAAAAAAAAAAAAAAAAAAAAAAAAAAAAAAAAAAAAAAAAAAAAAAAAAAAAAAAAAAAAAAAAAAAAAAAAAAAAAAAAAAAAAAAAAAAAAAAAAAAAAAAAAAAAAAAAAAAFAAAADwAAAAAAAAAAAAAAAAAAAkUAAAAAQAAABQAAAAUAAAAFAAAAAEAAAAAAAAAZAAAAGQAAAAAAAAAZAAAAGQAAAAVAAAAYAAAAAAAAAAAAAAADwAAACADAAAAAAAAAAAAAAEAAACgMgAAVgcAAKr4//8BAAAAf39/AAEAAABkAAAAAAAAABQAAABAHwAAAAAAACYAAAAAAAAAwOD//wAAAAAmAAAAZAAAABYAAABMAAAAAAAAAAAAAAAEAAAAAAAAAAEAAADn5uYKAAAAACgAAAAoAAAAZAAAAGQAAAAAAAAAzMzMAAAAAABQAAAAUAAAAGQAAABkAAAAAAAAAAcAAAA4AAAAAAAAAAAAAAAAAAAA////AAAAAAAAAAAAAAAAAAAAAAAAAAAAAAAAAAAAAABkAAAAZAAAAAAAAAAjAAAABAAAAGQAAAAXAAAAFAAAAAAAAAAAAAAA/38AAP9/AAAAAAAACQAAAAQAAAAAAAAAHgAAAGgAAAAAAAAAAAAAAAAAAAAAAAAAAAAAABAnAAAQJwAAAAAAAAAAAAAAAAAAAAAAAAAAAAAAAAAAAAAAAAAAAAAUAAAAAAAAAMDA/wAAAAAAZAAAADIAAAAAAAAAZAAAAAAAAAB/f38ACgAAACIAAAAYAAAAAAAAAAAAAAAAAAAAAAAAAAAAAAAAAAAAJAAAACQAAAAAAAAABwAAAAAAAAAAAAAAAAAAAAAAAAAAAAAAAAAAAH9/fwAlAAAAWAAAAAAAAAAAAAAAAAAAAAAAAAAAAAAAAAAAAAAAAAAAAAAAAAAAAAAAAAAAAAAAPwAAAAAAAACghgEAAAAAAAAAAAAAAAAADAAAAAEAAAAAAAAAAAAAAAAAAAAfAAAAVAAAAERyxAX///8BAAAAAAAAAAAAAAAAAAAAAAAAAAAAAAAAAAAAAAAAAAAAAAACf39/AOfm5gPMzMwAwMD/AH9/fwAAAAAAAAAAAAAAAAD///8AAAAAACEAAAAYAAAAFAAAAEUyAABGDwAA5TcAAOYUAAAQAAAAJgAAAAgAAAD//////////zAAAAAUAAAAAAAAAAAA//8AAAEAAAD//wAAAQA="/>
               </a:ext>
             </a:extLst>
           </p:cNvPicPr>
@@ -13859,8 +13454,8 @@
           </a:stretch>
         </p:blipFill>
         <p:spPr>
-          <a:xfrm rot="18913550">
-            <a:off x="8207375" y="3106420"/>
+          <a:xfrm>
+            <a:off x="8171815" y="2482850"/>
             <a:ext cx="914400" cy="914400"/>
           </a:xfrm>
           <a:prstGeom prst="rect">
@@ -13875,12 +13470,12 @@
       </p:pic>
       <p:pic>
         <p:nvPicPr>
-          <p:cNvPr id="47" name="Graphic 52" descr="Wireless with solid fill"/>
+          <p:cNvPr id="47" name="Graphic 56" descr="Caret Up with solid fill"/>
           <p:cNvPicPr>
             <a:picLocks noChangeAspect="1"/>
             <a:extLst>
               <a:ext uri="smNativeData">
-                <pr:smNativeData xmlns:pr="smNativeData" xmlns="smNativeData" val="SMDATA_18_gfoFYRMAAAAlAAAAEQAAAC0AAAAAkAAAAEgAAACQAAAASAAAAAAAAAAAAAAAAAAAAAEAAABQAAAAAAAAAAAA4D8AAAAAAADgPwAAAAAAAOA/AAAAAAAA4D8AAAAAAADgPwAAAAAAAOA/AAAAAAAA4D8AAAAAAADgPwAAAAAAAOA/AAAAAAAA4D8CAAAAjAAAAAAAAAAAAAAARHLEDP///wgAAAAAAAAAAAAAAAAAAAAAAAAAAAAAAAAAAAAAZAAAAAEAAABAAAAAAAAAAAAAAAAAAAAAAAAAAAAAAAAAAAAAAAAAAAAAAAAAAAAAAAAAAAAAAAAAAAAAAAAAAAAAAAAAAAAAAAAAAAAAAAAAAAAAAAAAAAAAAAAAAAAAFAAAADwAAAAAAAAAAAAAAAAAAAkUAAAAAQAAABQAAAAUAAAAFAAAAAEAAAAAAAAAZAAAAGQAAAAAAAAAZAAAAGQAAAAVAAAAYAAAAAAAAAAAAAAADwAAACADAAAAAAAAAAAAAAEAAACgMgAAVgcAAKr4//8BAAAAf39/AAEAAABkAAAAAAAAABQAAABAHwAAAAAAACYAAAAAAAAAwOD//wAAAAAmAAAAZAAAABYAAABMAAAAAAAAAAAAAAAEAAAAAAAAAAEAAADn5uYKAAAAACgAAAAoAAAAZAAAAGQAAAAAAAAAzMzMAAAAAABQAAAAUAAAAGQAAABkAAAAAAAAAAcAAAA4AAAAAAAAAAAAAAAAAAAA////AAAAAAAAAAAAAAAAAAAAAAAAAAAAAAAAAAAAAABkAAAAZAAAAAAAAAAjAAAABAAAAGQAAAAXAAAAFAAAAAAAAAAAAAAA/38AAP9/AAAAAAAACQAAAAQAAACwJqDGHgAAAGgAAAAAAAAAAAAAAAAAAAAAAAAAAAAAABAnAAAQJwAAAAAAAAAAAAAAAAAAAAAAAAAAAAAAAAAAAAAAAAAAAAAUAAAAAAAAAMDA/wAAAAAAZAAAADIAAAAAAAAAZAAAAAAAAAB/f38ACgAAACIAAAAYAAAAAAAAAAAAAAAAAAAAAAAAAAAAAAAAAAAAJAAAACQAAAAAAAAABwAAAAAAAAAAAAAAAAAAAAAAAAAAAAAAAAAAAH9/fwAlAAAAWAAAAAAAAAAAAAAAAAAAAAAAAAAAAAAAAAAAAAAAAAAAAAAAAAAAAAAAAAAAAAAAPwAAAAAAAACghgEAAAAAAAAAAAAAAAAADAAAAAEAAAAAAAAAAAAAAAAAAAAfAAAAVAAAAERyxAX///8BAAAAAAAAAAAAAAAAAAAAAAAAAAAAAAAAAAAAAAAAAAAAAAACf39/AOfm5gPMzMwAwMD/AH9/fwAAAAAAAAAAAAAAAAD///8AAAAAACEAAAAYAAAAFAAAABU1AACzEAAAtToAAFMWAAAQAAAAJgAAAAgAAAD//////////zAAAAAUAAAAAAAAAAAA//8AAAEAAAD//wAAAQA="/>
+                <pr:smNativeData xmlns:pr="smNativeData" xmlns="smNativeData" val="SMDATA_18_FAWHYRMAAAAlAAAAEQAAAC0AAAAAkAAAAEgAAACQAAAASAAAAAAAAAAAAAAAAAAAAAEAAABQAAAAAAAAAAAA4D8AAAAAAADgPwAAAAAAAOA/AAAAAAAA4D8AAAAAAADgPwAAAAAAAOA/AAAAAAAA4D8AAAAAAADgPwAAAAAAAOA/AAAAAAAA4D8CAAAAjAAAAAAAAAAAAAAARHLEDP///wgAAAAAAAAAAAAAAAAAAAAAAAAAAAAAAAAAAAAAZAAAAAEAAABAAAAAAAAAAAAAAAAAAAAAAAAAAAAAAAAAAAAAAAAAAAAAAAAAAAAAAAAAAAAAAAAAAAAAAAAAAAAAAAAAAAAAAAAAAAAAAAAAAAAAAAAAAAAAAAAAAAAAFAAAADwAAAAAAAAAAAAAAAAAAAkUAAAAAQAAABQAAAAUAAAAFAAAAAEAAAAAAAAAZAAAAGQAAAAAAAAAZAAAAGQAAAAVAAAAYAAAAAAAAAAAAAAADwAAACADAAAAAAAAAAAAAAEAAACgMgAAVgcAAKr4//8BAAAAf39/AAEAAABkAAAAAAAAABQAAABAHwAAAAAAACYAAAAAAAAAwOD//wAAAAAmAAAAZAAAABYAAABMAAAAAAAAAAAAAAAEAAAAAAAAAAEAAADn5uYKAAAAACgAAAAoAAAAZAAAAGQAAAAAAAAAzMzMAAAAAABQAAAAUAAAAGQAAABkAAAAAAAAAAcAAAA4AAAAAAAAAAAAAAAAAAAA////AAAAAAAAAAAAAAAAAAAAAAAAAAAAAAAAAAAAAABkAAAAZAAAAAAAAAAjAAAABAAAAGQAAAAXAAAAFAAAAAAAAAAAAAAA/38AAP9/AAAAAAAACQAAAAQAAAC8AAC8HgAAAGgAAAAAAAAAAAAAAAAAAAAAAAAAAAAAABAnAAAQJwAAAAAAAAAAAAAAAAAAAAAAAAAAAAAAAAAAAAAAAAAAAAAUAAAAAAAAAMDA/wAAAAAAZAAAADIAAAAAAAAAZAAAAAAAAAB/f38ACgAAACIAAAAYAAAAAAAAAAAAAAAAAAAAAAAAAAAAAAAAAAAAJAAAACQAAAAAAAAABwAAAAAAAAAAAAAAAAAAAAAAAAAAAAAAAAAAAH9/fwAlAAAAWAAAAAAAAAAAAAAAAAAAAAAAAAAAAAAAAAAAAAAAAAAAAAAAAAAAAAAAAAAAAAAAPwAAAAAAAACghgEAAAAAAAAAAAAAAAAADAAAAAEAAAAAAAAAAAAAAAAAAAAfAAAAVAAAAERyxAX///8BAAAAAAAAAAAAAAAAAAAAAAAAAAAAAAAAAAAAAAAAAAAAAAACf39/AOfm5gPMzMwAwMD/AH9/fwAAAAAAAAAAAAAAAAD///8AAAAAACEAAAAYAAAAFAAAAJs3AABQDwAAOz0AAPAUAAAQAAAAJgAAAAgAAAD//////////zAAAAAUAAAAAAAAAAAA//8AAAEAAAD//wAAAQA="/>
               </a:ext>
             </a:extLst>
           </p:cNvPicPr>
@@ -13899,8 +13494,8 @@
           </a:stretch>
         </p:blipFill>
         <p:spPr>
-          <a:xfrm rot="2772288">
-            <a:off x="8629015" y="2714625"/>
+          <a:xfrm>
+            <a:off x="9039225" y="2489200"/>
             <a:ext cx="914400" cy="914400"/>
           </a:xfrm>
           <a:prstGeom prst="rect">
@@ -13915,12 +13510,12 @@
       </p:pic>
       <p:pic>
         <p:nvPicPr>
-          <p:cNvPr id="48" name="Graphic 53" descr="Wireless with solid fill"/>
+          <p:cNvPr id="48" name="Graphic 59" descr="Caret Up with solid fill"/>
           <p:cNvPicPr>
             <a:picLocks noChangeAspect="1"/>
             <a:extLst>
               <a:ext uri="smNativeData">
-                <pr:smNativeData xmlns:pr="smNativeData" xmlns="smNativeData" val="SMDATA_18_gfoFYRMAAAAlAAAAEQAAAC0AAAAAkAAAAEgAAACQAAAASAAAAAAAAAAAAAAAAAAAAAEAAABQAAAAAAAAAAAA4D8AAAAAAADgPwAAAAAAAOA/AAAAAAAA4D8AAAAAAADgPwAAAAAAAOA/AAAAAAAA4D8AAAAAAADgPwAAAAAAAOA/AAAAAAAA4D8CAAAAjAAAAAAAAAAAAAAARHLEDP///wgAAAAAAAAAAAAAAAAAAAAAAAAAAAAAAAAAAAAAZAAAAAEAAABAAAAAAAAAAAAAAAAAAAAAAAAAAAAAAAAAAAAAAAAAAAAAAAAAAAAAAAAAAAAAAAAAAAAAAAAAAAAAAAAAAAAAAAAAAAAAAAAAAAAAAAAAAAAAAAAAAAAAFAAAADwAAAAAAAAAAAAAAAAAAAkUAAAAAQAAABQAAAAUAAAAFAAAAAEAAAAAAAAAZAAAAGQAAAAAAAAAZAAAAGQAAAAVAAAAYAAAAAAAAAAAAAAADwAAACADAAAAAAAAAAAAAAEAAACgMgAAVgcAAKr4//8BAAAAf39/AAEAAABkAAAAAAAAABQAAABAHwAAAAAAACYAAAAAAAAAwOD//wAAAAAmAAAAZAAAABYAAABMAAAAAAAAAAAAAAAEAAAAAAAAAAEAAADn5uYKAAAAACgAAAAoAAAAZAAAAGQAAAAAAAAAzMzMAAAAAABQAAAAUAAAAGQAAABkAAAAAAAAAAcAAAA4AAAAAAAAAAAAAAAAAAAA////AAAAAAAAAAAAAAAAAAAAAAAAAAAAAAAAAAAAAABkAAAAZAAAAAAAAAAjAAAABAAAAGQAAAAXAAAAFAAAAAAAAAAAAAAA/38AAP9/AAAAAAAACQAAAAQAAAAAAAAAHgAAAGgAAAAAAAAAAAAAAAAAAAAAAAAAAAAAABAnAAAQJwAAAAAAAAAAAAAAAAAAAAAAAAAAAAAAAAAAAAAAAAAAAAAUAAAAAAAAAMDA/wAAAAAAZAAAADIAAAAAAAAAZAAAAAAAAAB/f38ACgAAACIAAAAYAAAAAAAAAAAAAAAAAAAAAAAAAAAAAAAAAAAAJAAAACQAAAAAAAAABwAAAAAAAAAAAAAAAAAAAAAAAAAAAAAAAAAAAH9/fwAlAAAAWAAAAAAAAAAAAAAAAAAAAAAAAAAAAAAAAAAAAAAAAAAAAAAAAAAAAAAAAAAAAAAAPwAAAAAAAACghgEAAAAAAAAAAAAAAAAADAAAAAEAAAAAAAAAAAAAAAAAAAAfAAAAVAAAAERyxAX///8BAAAAAAAAAAAAAAAAAAAAAAAAAAAAAAAAAAAAAAAAAAAAAAACf39/AOfm5gPMzMwAwMD/AH9/fwAAAAAAAAAAAAAAAAD///8AAAAAACEAAAAYAAAAFAAAAHo3AAAcEwAAGj0AALwYAAAQAAAAJgAAAAgAAAD//////////zAAAAAUAAAAAAAAAAAA//8AAAEAAAD//wAAAQA="/>
+                <pr:smNativeData xmlns:pr="smNativeData" xmlns="smNativeData" val="SMDATA_18_FAWHYRMAAAAlAAAAEQAAAC0AAAAAkAAAAEgAAACQAAAASAAAAAAAAAAAAAAAAAAAAAEAAABQAAAAAAAAAAAA4D8AAAAAAADgPwAAAAAAAOA/AAAAAAAA4D8AAAAAAADgPwAAAAAAAOA/AAAAAAAA4D8AAAAAAADgPwAAAAAAAOA/AAAAAAAA4D8CAAAAjAAAAAAAAAAAAAAARHLEDP///wgAAAAAAAAAAAAAAAAAAAAAAAAAAAAAAAAAAAAAZAAAAAEAAABAAAAAAAAAAAAAAAAAAAAAAAAAAAAAAAAAAAAAAAAAAAAAAAAAAAAAAAAAAAAAAAAAAAAAAAAAAAAAAAAAAAAAAAAAAAAAAAAAAAAAAAAAAAAAAAAAAAAAFAAAADwAAAAAAAAAAAAAAAAAAAkUAAAAAQAAABQAAAAUAAAAFAAAAAEAAAAAAAAAZAAAAGQAAAAAAAAAZAAAAGQAAAAVAAAAYAAAAAAAAAAAAAAADwAAACADAAAAAAAAAAAAAAEAAACgMgAAVgcAAKr4//8BAAAAf39/AAEAAABkAAAAAAAAABQAAABAHwAAAAAAACYAAAAAAAAAwOD//wAAAAAmAAAAZAAAABYAAABMAAAAAAAAAAAAAAAEAAAAAAAAAAEAAADn5uYKAAAAACgAAAAoAAAAZAAAAGQAAAAAAAAAzMzMAAAAAABQAAAAUAAAAGQAAABkAAAAAAAAAAcAAAA4AAAAAAAAAAAAAAAAAAAA////AAAAAAAAAAAAAAAAAAAAAAAAAAAAAAAAAAAAAABkAAAAZAAAAAAAAAAjAAAABAAAAGQAAAAXAAAAFAAAAAAAAAAAAAAA/38AAP9/AAAAAAAACQAAAAQAAACL/h39HgAAAGgAAAAAAAAAAAAAAAAAAAAAAAAAAAAAABAnAAAQJwAAAAAAAAAAAAAAAAAAAAAAAAAAAAAAAAAAAAAAAAAAAAAUAAAAAAAAAMDA/wAAAAAAZAAAADIAAAAAAAAAZAAAAAAAAAB/f38ACgAAACIAAAAYAAAAAAAAAAAAAAAAAAAAAAAAAAAAAAAAAAAAJAAAACQAAAAAAAAABwAAAAAAAAAAAAAAAAAAAAAAAAAAAAAAAAAAAH9/fwAlAAAAWAAAAAAAAAAAAAAAAAAAAAAAAAAAAAAAAAAAAAAAAAAAAAAAAAAAAAAAAAAAAAAAPwAAAAAAAACghgEAAAAAAAAAAAAAAAAADAAAAAEAAAAAAAAAAAAAAAAAAAAfAAAAVAAAAERyxAX///8BAAAAAAAAAAAAAAAAAAAAAAAAAAAAAAAAAAAAAAAAAAAAAAACf39/AOfm5gPMzMwAwMD/AH9/fwAAAAAAAAAAAAAAAAD///8AAAAAACEAAAAYAAAAFAAAAKg/AABVFgAA7UIAAJoZAAAQAAAAJgAAAAgAAAD//////////zAAAAAUAAAAAAAAAAAA//8AAAEAAAD//wAAAQA="/>
               </a:ext>
             </a:extLst>
           </p:cNvPicPr>
@@ -13939,9 +13534,9 @@
           </a:stretch>
         </p:blipFill>
         <p:spPr>
-          <a:xfrm rot="8081089">
-            <a:off x="9018270" y="3106420"/>
-            <a:ext cx="914400" cy="914400"/>
+          <a:xfrm>
+            <a:off x="10347960" y="3630295"/>
+            <a:ext cx="531495" cy="531495"/>
           </a:xfrm>
           <a:prstGeom prst="rect">
             <a:avLst/>
@@ -13953,219 +13548,13 @@
           <a:effectLst/>
         </p:spPr>
       </p:pic>
-      <p:pic>
-        <p:nvPicPr>
-          <p:cNvPr id="49" name="Graphic 15" descr="Caret Up with solid fill"/>
-          <p:cNvPicPr>
-            <a:picLocks noChangeAspect="1"/>
-            <a:extLst>
-              <a:ext uri="smNativeData">
-                <pr:smNativeData xmlns:pr="smNativeData" xmlns="smNativeData" val="SMDATA_18_gfoFYRMAAAAlAAAAEQAAAC0AAAAAkAAAAEgAAACQAAAASAAAAAAAAAAAAAAAAAAAAAEAAABQAAAAAAAAAAAA4D8AAAAAAADgPwAAAAAAAOA/AAAAAAAA4D8AAAAAAADgPwAAAAAAAOA/AAAAAAAA4D8AAAAAAADgPwAAAAAAAOA/AAAAAAAA4D8CAAAAjAAAAAAAAAAAAAAARHLEDP///wgAAAAAAAAAAAAAAAAAAAAAAAAAAAAAAAAAAAAAZAAAAAEAAABAAAAAAAAAAAAAAAAAAAAAAAAAAAAAAAAAAAAAAAAAAAAAAAAAAAAAAAAAAAAAAAAAAAAAAAAAAAAAAAAAAAAAAAAAAAAAAAAAAAAAAAAAAAAAAAAAAAAAFAAAADwAAAAAAAAAAAAAAAAAAAkUAAAAAQAAABQAAAAUAAAAFAAAAAEAAAAAAAAAZAAAAGQAAAAAAAAAZAAAAGQAAAAVAAAAYAAAAAAAAAAAAAAADwAAACADAAAAAAAAAAAAAAEAAACgMgAAVgcAAKr4//8BAAAAf39/AAEAAABkAAAAAAAAABQAAABAHwAAAAAAACYAAAAAAAAAwOD//wAAAAAmAAAAZAAAABYAAABMAAAAAAAAAAAAAAAEAAAAAAAAAAEAAADn5uYKAAAAACgAAAAoAAAAZAAAAGQAAAAAAAAAzMzMAAAAAABQAAAAUAAAAGQAAABkAAAAAAAAAAcAAAA4AAAAAAAAAAAAAAAAAAAA////AAAAAAAAAAAAAAAAAAAAAAAAAAAAAAAAAAAAAABkAAAAZAAAAAAAAAAjAAAABAAAAGQAAAAXAAAAFAAAAAAAAAAAAAAA/38AAP9/AAAAAAAACQAAAAQAAAAAAAAAHgAAAGgAAAAAAAAAAAAAAAAAAAAAAAAAAAAAABAnAAAQJwAAAAAAAAAAAAAAAAAAAAAAAAAAAAAAAAAAAAAAAAAAAAAUAAAAAAAAAMDA/wAAAAAAZAAAADIAAAAAAAAAZAAAAAAAAAB/f38ACgAAACIAAAAYAAAAAAAAAAAAAAAAAAAAAAAAAAAAAAAAAAAAJAAAACQAAAAAAAAABwAAAAAAAAAAAAAAAAAAAAAAAAAAAAAAAAAAAH9/fwAlAAAAWAAAAAAAAAAAAAAAAAAAAAAAAAAAAAAAAAAAAAAAAAAAAAAAAAAAAAAAAAAAAAAAPwAAAAAAAACghgEAAAAAAAAAAAAAAAAADAAAAAEAAAAAAAAAAAAAAAAAAAAfAAAAVAAAAERyxAX///8BAAAAAAAAAAAAAAAAAAAAAAAAAAAAAAAAAAAAAAAAAAAAAAACf39/AOfm5gPMzMwAwMD/AH9/fwAAAAAAAAAAAAAAAAD///8AAAAAACEAAAAYAAAAFAAAAEUyAABGDwAA5TcAAOYUAAAQAAAAJgAAAAgAAAD//////////zAAAAAUAAAAAAAAAAAA//8AAAEAAAD//wAAAQA="/>
-              </a:ext>
-            </a:extLst>
-          </p:cNvPicPr>
-          <p:nvPr/>
-        </p:nvPicPr>
-        <p:blipFill>
-          <a:blip r:embed="rId4">
-            <a:extLst>
-              <a:ext uri="{96DAC541-7B7A-43D3-8B79-37D633B846F1}">
-                <asvg:svgBlip xmlns:asvg="http://schemas.microsoft.com/office/drawing/2016/SVG/main" r:embed="rId5"/>
-              </a:ext>
-            </a:extLst>
-          </a:blip>
-          <a:stretch>
-            <a:fillRect/>
-          </a:stretch>
-        </p:blipFill>
-        <p:spPr>
-          <a:xfrm>
-            <a:off x="8171815" y="2482850"/>
-            <a:ext cx="914400" cy="914400"/>
-          </a:xfrm>
-          <a:prstGeom prst="rect">
-            <a:avLst/>
-          </a:prstGeom>
-          <a:noFill/>
-          <a:ln>
-            <a:noFill/>
-          </a:ln>
-          <a:effectLst/>
-        </p:spPr>
-      </p:pic>
-      <p:pic>
-        <p:nvPicPr>
-          <p:cNvPr id="50" name="Graphic 56" descr="Caret Up with solid fill"/>
-          <p:cNvPicPr>
-            <a:picLocks noChangeAspect="1"/>
-            <a:extLst>
-              <a:ext uri="smNativeData">
-                <pr:smNativeData xmlns:pr="smNativeData" xmlns="smNativeData" val="SMDATA_18_gfoFYRMAAAAlAAAAEQAAAC0AAAAAkAAAAEgAAACQAAAASAAAAAAAAAAAAAAAAAAAAAEAAABQAAAAAAAAAAAA4D8AAAAAAADgPwAAAAAAAOA/AAAAAAAA4D8AAAAAAADgPwAAAAAAAOA/AAAAAAAA4D8AAAAAAADgPwAAAAAAAOA/AAAAAAAA4D8CAAAAjAAAAAAAAAAAAAAARHLEDP///wgAAAAAAAAAAAAAAAAAAAAAAAAAAAAAAAAAAAAAZAAAAAEAAABAAAAAAAAAAAAAAAAAAAAAAAAAAAAAAAAAAAAAAAAAAAAAAAAAAAAAAAAAAAAAAAAAAAAAAAAAAAAAAAAAAAAAAAAAAAAAAAAAAAAAAAAAAAAAAAAAAAAAFAAAADwAAAAAAAAAAAAAAAAAAAkUAAAAAQAAABQAAAAUAAAAFAAAAAEAAAAAAAAAZAAAAGQAAAAAAAAAZAAAAGQAAAAVAAAAYAAAAAAAAAAAAAAADwAAACADAAAAAAAAAAAAAAEAAACgMgAAVgcAAKr4//8BAAAAf39/AAEAAABkAAAAAAAAABQAAABAHwAAAAAAACYAAAAAAAAAwOD//wAAAAAmAAAAZAAAABYAAABMAAAAAAAAAAAAAAAEAAAAAAAAAAEAAADn5uYKAAAAACgAAAAoAAAAZAAAAGQAAAAAAAAAzMzMAAAAAABQAAAAUAAAAGQAAABkAAAAAAAAAAcAAAA4AAAAAAAAAAAAAAAAAAAA////AAAAAAAAAAAAAAAAAAAAAAAAAAAAAAAAAAAAAABkAAAAZAAAAAAAAAAjAAAABAAAAGQAAAAXAAAAFAAAAAAAAAAAAAAA/38AAP9/AAAAAAAACQAAAAQAAAC8AAC8HgAAAGgAAAAAAAAAAAAAAAAAAAAAAAAAAAAAABAnAAAQJwAAAAAAAAAAAAAAAAAAAAAAAAAAAAAAAAAAAAAAAAAAAAAUAAAAAAAAAMDA/wAAAAAAZAAAADIAAAAAAAAAZAAAAAAAAAB/f38ACgAAACIAAAAYAAAAAAAAAAAAAAAAAAAAAAAAAAAAAAAAAAAAJAAAACQAAAAAAAAABwAAAAAAAAAAAAAAAAAAAAAAAAAAAAAAAAAAAH9/fwAlAAAAWAAAAAAAAAAAAAAAAAAAAAAAAAAAAAAAAAAAAAAAAAAAAAAAAAAAAAAAAAAAAAAAPwAAAAAAAACghgEAAAAAAAAAAAAAAAAADAAAAAEAAAAAAAAAAAAAAAAAAAAfAAAAVAAAAERyxAX///8BAAAAAAAAAAAAAAAAAAAAAAAAAAAAAAAAAAAAAAAAAAAAAAACf39/AOfm5gPMzMwAwMD/AH9/fwAAAAAAAAAAAAAAAAD///8AAAAAACEAAAAYAAAAFAAAAIY3AABQDwAAJj0AAPAUAAAQAAAAJgAAAAgAAAD//////////zAAAAAUAAAAAAAAAAAA//8AAAEAAAD//wAAAQA="/>
-              </a:ext>
-            </a:extLst>
-          </p:cNvPicPr>
-          <p:nvPr/>
-        </p:nvPicPr>
-        <p:blipFill>
-          <a:blip r:embed="rId4">
-            <a:extLst>
-              <a:ext uri="{96DAC541-7B7A-43D3-8B79-37D633B846F1}">
-                <asvg:svgBlip xmlns:asvg="http://schemas.microsoft.com/office/drawing/2016/SVG/main" r:embed="rId5"/>
-              </a:ext>
-            </a:extLst>
-          </a:blip>
-          <a:stretch>
-            <a:fillRect/>
-          </a:stretch>
-        </p:blipFill>
-        <p:spPr>
-          <a:xfrm>
-            <a:off x="9025890" y="2489200"/>
-            <a:ext cx="914400" cy="914400"/>
-          </a:xfrm>
-          <a:prstGeom prst="rect">
-            <a:avLst/>
-          </a:prstGeom>
-          <a:noFill/>
-          <a:ln>
-            <a:noFill/>
-          </a:ln>
-          <a:effectLst/>
-        </p:spPr>
-      </p:pic>
-      <p:pic>
-        <p:nvPicPr>
-          <p:cNvPr id="51" name="Graphic 58" descr="Wireless with solid fill"/>
-          <p:cNvPicPr>
-            <a:picLocks noChangeAspect="1"/>
-            <a:extLst>
-              <a:ext uri="smNativeData">
-                <pr:smNativeData xmlns:pr="smNativeData" xmlns="smNativeData" val="SMDATA_18_gfoFYRMAAAAlAAAAEQAAAC0AAAAAkAAAAEgAAACQAAAASAAAAAAAAAAAAAAAAAAAAAEAAABQAAAAAAAAAAAA4D8AAAAAAADgPwAAAAAAAOA/AAAAAAAA4D8AAAAAAADgPwAAAAAAAOA/AAAAAAAA4D8AAAAAAADgPwAAAAAAAOA/AAAAAAAA4D8CAAAAjAAAAAAAAAAAAAAARHLEDP///wgAAAAAAAAAAAAAAAAAAAAAAAAAAAAAAAAAAAAAZAAAAAEAAABAAAAAAAAAAAAAAAAAAAAAAAAAAAAAAAAAAAAAAAAAAAAAAAAAAAAAAAAAAAAAAAAAAAAAAAAAAAAAAAAAAAAAAAAAAAAAAAAAAAAAAAAAAAAAAAAAAAAAFAAAADwAAAAAAAAAAAAAAAAAAAkUAAAAAQAAABQAAAAUAAAAFAAAAAEAAAAAAAAAZAAAAGQAAAAAAAAAZAAAAGQAAAAVAAAAYAAAAAAAAAAAAAAADwAAACADAAAAAAAAAAAAAAEAAACgMgAAVgcAAKr4//8BAAAAf39/AAEAAABkAAAAAAAAABQAAABAHwAAAAAAACYAAAAAAAAAwOD//wAAAAAmAAAAZAAAABYAAABMAAAAAAAAAAAAAAAEAAAAAAAAAAEAAADn5uYKAAAAACgAAAAoAAAAZAAAAGQAAAAAAAAAzMzMAAAAAABQAAAAUAAAAGQAAABkAAAAAAAAAAcAAAA4AAAAAAAAAAAAAAAAAAAA////AAAAAAAAAAAAAAAAAAAAAAAAAAAAAAAAAAAAAABkAAAAZAAAAAAAAAAjAAAABAAAAGQAAAAXAAAAFAAAAAAAAAAAAAAA/38AAP9/AAAAAAAACQAAAAQAAABNnoX1HgAAAGgAAAAAAAAAAAAAAAAAAAAAAAAAAAAAABAnAAAQJwAAAAAAAAAAAAAAAAAAAAAAAAAAAAAAAAAAAAAAAAAAAAAUAAAAAAAAAMDA/wAAAAAAZAAAADIAAAAAAAAAZAAAAAAAAAB/f38ACgAAACIAAAAYAAAAAAAAAAAAAAAAAAAAAAAAAAAAAAAAAAAAJAAAACQAAAAAAAAABwAAAAAAAAAAAAAAAAAAAAAAAAAAAAAAAAAAAH9/fwAlAAAAWAAAAAAAAAAAAAAAAAAAAAAAAAAAAAAAAAAAAAAAAAAAAAAAAAAAAAAAAAAAAAAAPwAAAAAAAACghgEAAAAAAAAAAAAAAAAADAAAAAEAAAAAAAAAAAAAAAAAAAAfAAAAVAAAAERyxAX///8BAAAAAAAAAAAAAAAAAAAAAAAAAAAAAAAAAAAAAAAAAAAAAAACf39/AOfm5gPMzMwAwMD/AH9/fwAAAAAAAAAAAAAAAAD///8AAAAAACEAAAAYAAAAFAAAACJAAACIFAAAc0IAANkWAAAQAAAAJgAAAAgAAAD//////////zAAAAAUAAAAAAAAAAAA//8AAAEAAAD//wAAAQA="/>
-              </a:ext>
-            </a:extLst>
-          </p:cNvPicPr>
-          <p:nvPr/>
-        </p:nvPicPr>
-        <p:blipFill>
-          <a:blip r:embed="rId2">
-            <a:extLst>
-              <a:ext uri="{96DAC541-7B7A-43D3-8B79-37D633B846F1}">
-                <asvg:svgBlip xmlns:asvg="http://schemas.microsoft.com/office/drawing/2016/SVG/main" r:embed="rId3"/>
-              </a:ext>
-            </a:extLst>
-          </a:blip>
-          <a:stretch>
-            <a:fillRect/>
-          </a:stretch>
-        </p:blipFill>
-        <p:spPr>
-          <a:xfrm rot="8081089">
-            <a:off x="10425430" y="3337560"/>
-            <a:ext cx="376555" cy="376555"/>
-          </a:xfrm>
-          <a:prstGeom prst="rect">
-            <a:avLst/>
-          </a:prstGeom>
-          <a:noFill/>
-          <a:ln>
-            <a:noFill/>
-          </a:ln>
-          <a:effectLst/>
-        </p:spPr>
-      </p:pic>
-      <p:pic>
-        <p:nvPicPr>
-          <p:cNvPr id="52" name="Graphic 59" descr="Caret Up with solid fill"/>
-          <p:cNvPicPr>
-            <a:picLocks noChangeAspect="1"/>
-            <a:extLst>
-              <a:ext uri="smNativeData">
-                <pr:smNativeData xmlns:pr="smNativeData" xmlns="smNativeData" val="SMDATA_18_gfoFYRMAAAAlAAAAEQAAAC0AAAAAkAAAAEgAAACQAAAASAAAAAAAAAAAAAAAAAAAAAEAAABQAAAAAAAAAAAA4D8AAAAAAADgPwAAAAAAAOA/AAAAAAAA4D8AAAAAAADgPwAAAAAAAOA/AAAAAAAA4D8AAAAAAADgPwAAAAAAAOA/AAAAAAAA4D8CAAAAjAAAAAAAAAAAAAAARHLEDP///wgAAAAAAAAAAAAAAAAAAAAAAAAAAAAAAAAAAAAAZAAAAAEAAABAAAAAAAAAAAAAAAAAAAAAAAAAAAAAAAAAAAAAAAAAAAAAAAAAAAAAAAAAAAAAAAAAAAAAAAAAAAAAAAAAAAAAAAAAAAAAAAAAAAAAAAAAAAAAAAAAAAAAFAAAADwAAAAAAAAAAAAAAAAAAAkUAAAAAQAAABQAAAAUAAAAFAAAAAEAAAAAAAAAZAAAAGQAAAAAAAAAZAAAAGQAAAAVAAAAYAAAAAAAAAAAAAAADwAAACADAAAAAAAAAAAAAAEAAACgMgAAVgcAAKr4//8BAAAAf39/AAEAAABkAAAAAAAAABQAAABAHwAAAAAAACYAAAAAAAAAwOD//wAAAAAmAAAAZAAAABYAAABMAAAAAAAAAAAAAAAEAAAAAAAAAAEAAADn5uYKAAAAACgAAAAoAAAAZAAAAGQAAAAAAAAAzMzMAAAAAABQAAAAUAAAAGQAAABkAAAAAAAAAAcAAAA4AAAAAAAAAAAAAAAAAAAA////AAAAAAAAAAAAAAAAAAAAAAAAAAAAAAAAAAAAAABkAAAAZAAAAAAAAAAjAAAABAAAAGQAAAAXAAAAFAAAAAAAAAAAAAAA/38AAP9/AAAAAAAACQAAAAQAAACL/h39HgAAAGgAAAAAAAAAAAAAAAAAAAAAAAAAAAAAABAnAAAQJwAAAAAAAAAAAAAAAAAAAAAAAAAAAAAAAAAAAAAAAAAAAAAUAAAAAAAAAMDA/wAAAAAAZAAAADIAAAAAAAAAZAAAAAAAAAB/f38ACgAAACIAAAAYAAAAAAAAAAAAAAAAAAAAAAAAAAAAAAAAAAAAJAAAACQAAAAAAAAABwAAAAAAAAAAAAAAAAAAAAAAAAAAAAAAAAAAAH9/fwAlAAAAWAAAAAAAAAAAAAAAAAAAAAAAAAAAAAAAAAAAAAAAAAAAAAAAAAAAAAAAAAAAAAAAPwAAAAAAAACghgEAAAAAAAAAAAAAAAAADAAAAAEAAAAAAAAAAAAAAAAAAAAfAAAAVAAAAERyxAX///8BAAAAAAAAAAAAAAAAAAAAAAAAAAAAAAAAAAAAAAAAAAAAAAACf39/AOfm5gPMzMwAwMD/AH9/fwAAAAAAAAAAAAAAAAD///8AAAAAACEAAAAYAAAAFAAAAKg/AABVFgAA7UIAAJoZAAAQAAAAJgAAAAgAAAD//////////zAAAAAUAAAAAAAAAAAA//8AAAEAAAD//wAAAQA="/>
-              </a:ext>
-            </a:extLst>
-          </p:cNvPicPr>
-          <p:nvPr/>
-        </p:nvPicPr>
-        <p:blipFill>
-          <a:blip r:embed="rId4">
-            <a:extLst>
-              <a:ext uri="{96DAC541-7B7A-43D3-8B79-37D633B846F1}">
-                <asvg:svgBlip xmlns:asvg="http://schemas.microsoft.com/office/drawing/2016/SVG/main" r:embed="rId5"/>
-              </a:ext>
-            </a:extLst>
-          </a:blip>
-          <a:stretch>
-            <a:fillRect/>
-          </a:stretch>
-        </p:blipFill>
-        <p:spPr>
-          <a:xfrm>
-            <a:off x="10347960" y="3630295"/>
-            <a:ext cx="531495" cy="531495"/>
-          </a:xfrm>
-          <a:prstGeom prst="rect">
-            <a:avLst/>
-          </a:prstGeom>
-          <a:noFill/>
-          <a:ln>
-            <a:noFill/>
-          </a:ln>
-          <a:effectLst/>
-        </p:spPr>
-      </p:pic>
-      <p:sp>
-        <p:nvSpPr>
-          <p:cNvPr id="53" name="Arrow: Down 20"/>
+      <p:sp>
+        <p:nvSpPr>
+          <p:cNvPr id="49" name="TextBox 23"/>
           <p:cNvSpPr>
             <a:extLst>
               <a:ext uri="smNativeData">
-                <pr:smNativeData xmlns:pr="smNativeData" xmlns="smNativeData" val="SMDATA_16_gfoFYRMAAAAlAAAAywAAAA0AAAAAkAAAAEgAAACQAAAASAAAAAAAAAABAAAAAAAAAAEAAABQAAAABErKqqDg4T8AAAAAAADgPwAAAAAAAOA/AAAAAAAA4D8AAAAAAADgPwAAAAAAAOA/AAAAAAAA4D8AAAAAAADgPwAAAAAAAOA/AAAAAAAA4D8CAAAAjAAAAAEAAAAAAAAA4fDZAP///wgAAAAAAAAAAAAAAAAAAAAAAAAAAAAAAAAAAAAAZAAAAAEAAABAAAAAAAAAAAAAAAAAAAAAAAAAAAAAAAAAAAAAAAAAAAAAAAAAAAAAAAAAAAAAAAAAAAAAAAAAAAAAAAAAAAAAAAAAAAAAAAAAAAAAAAAAAAAAAAAAAAAAFAAAADwAAAAAAAAAAAAAADJVkQAUAAAAAQAAABQAAAAUAAAAFAAAAAEAAAAAAAAAZAAAAGQAAAAAAAAAZAAAAGQAAAAVAAAAYAAAAAAAAAAAAAAADwAAACADAAAAAAAAAAAAAAEAAACgMgAAVgcAAKr4//8BAAAAf39/AAEAAABkAAAAAAAAABQAAABAHwAAAAAAACYAAAAAAAAAwOD//wAAAAAmAAAAZAAAABYAAABMAAAAAAAAAAAAAAAEAAAAAAAAAAEAAADn5uYKAAAAACgAAAAoAAAAZAAAAGQAAAAAAAAAzMzMAAAAAABQAAAAUAAAAGQAAABkAAAAAAAAABcAAAAUAAAAAAAAAAAAAAD/fwAA/38AAAAAAAAJAAAABAAAACMBAQEeAAAAaAAAAAAAAAAAAAAAAAAAAAAAAAAAAAAAECcAABAnAAAAAAAAAAAAAAAAAAAAAAAAAAAAAAAAAAAAAAAAAAAAABQAAAAAAAAAwMD/AAAAAABkAAAAMgAAAAAAAABkAAAAAAAAAH9/fwAKAAAAIgAAABgAAAAAAAAAAAAAAAAAAAAAAAAAAAAAAAAAAAAkAAAAJAAAAAAAAAAHAAAAAAAAAAAAAAAAAAAAAAAAAAAAAAAAAAAAf39/ACUAAABYAAAAAAAAAAAAAAAAAAAAAAAAAAAAAAAAAAAAAAAAAAAAAAAAAAAAAAAAAAAAAAA/AAAAAAAAAKCGAQAAAAAAAAAAAAAAAAAMAAAAAQAAAAAAAAAAAAAAAAAAAB8AAABUAAAA4fDZAP///wEAAAAAAAAAAAAAAAAAAAAAAAAAAAAAAAAAAAAAAAAAADJVkQB/f38A5+bmA8zMzADAwP8Af39/AAAAAAAAAAAAAAAAAAAAAAAAAAAAIQAAABgAAAAUAAAA1DYAACgWAAAmOQAAyRgAABAAAAAmAAAACAAAAP//////////MAAAABQAAAAAAAAAAID//wCAAAAAAP//BY8AAA=="/>
-              </a:ext>
-            </a:extLst>
-          </p:cNvSpPr>
-          <p:nvPr/>
-        </p:nvSpPr>
-        <p:spPr>
-          <a:xfrm rot="10800000">
-            <a:off x="8912860" y="3601720"/>
-            <a:ext cx="377190" cy="427355"/>
-          </a:xfrm>
-          <a:prstGeom prst="downArrow">
-            <a:avLst>
-              <a:gd name="adj1" fmla="val 50000"/>
-              <a:gd name="adj2" fmla="val 50003"/>
-            </a:avLst>
-          </a:prstGeom>
-          <a:solidFill>
-            <a:srgbClr val="E1F0D9"/>
-          </a:solidFill>
-          <a:ln>
-            <a:noFill/>
-          </a:ln>
-          <a:effectLst/>
-        </p:spPr>
-        <p:txBody>
-          <a:bodyPr vert="horz" wrap="square" lIns="91440" tIns="45720" rIns="91440" bIns="45720" numCol="1" spcCol="215900" anchor="ctr"/>
-          <a:lstStyle/>
-          <a:p>
-            <a:pPr algn="ctr">
-              <a:defRPr lang="en-us" cap="none">
-                <a:solidFill>
-                  <a:srgbClr val="FFFFFF"/>
-                </a:solidFill>
-              </a:defRPr>
-            </a:pPr>
-            <a:endParaRPr lang="en-au" cap="none"/>
-          </a:p>
-        </p:txBody>
-      </p:sp>
-      <p:sp>
-        <p:nvSpPr>
-          <p:cNvPr id="54" name="TextBox 23"/>
-          <p:cNvSpPr>
-            <a:extLst>
-              <a:ext uri="smNativeData">
-                <pr:smNativeData xmlns:pr="smNativeData" xmlns="smNativeData" val="SMDATA_16_gfoFYRMAAAAlAAAAZAAAAE0AAAAAkAAAAEgAAACQAAAASAAAAAAAAAAAAAAAAAAAAAEAAABQAAAAAAAAAAAA4D8AAAAAAADgPwAAAAAAAOA/AAAAAAAA4D8AAAAAAADgPwAAAAAAAOA/AAAAAAAA4D8AAAAAAADgPwAAAAAAAOA/AAAAAAAA4D8CAAAAjAAAAAAAAAAAAAAARHLEDP///wgAAAAAAAAAAAAAAAAAAAAAAAAAAAAAAAAAAAAAZAAAAAEAAABAAAAAAAAAAAAAAAAAAAAAAAAAAAAAAAAAAAAAAAAAAAAAAAAAAAAAAAAAAAAAAAAAAAAAAAAAAAAAAAAAAAAAAAAAAAAAAAAAAAAAAAAAAAAAAAAAAAAAFAAAADwAAAAAAAAAAAAAAAAAAAAPAAAAAQAAACMAAAAjAAAAIwAAAB4AAAAAAAAAZAAAAGQAAAAAAAAAZAAAAGQAAAAVAAAAYAAAAAAAAAAAAAAADwAAACADAAAAAAAAAAAAAAEAAACgMgAAVgcAAKr4//8BAAAAf39/AAEAAABkAAAAAAAAABQAAABAHwAAAAAAACYAAAAAAAAAwOD//wAAAAAmAAAAZAAAABYAAABMAAAAAAAAAAAAAAAEAAAAAAAAAAEAAADn5uYKAAAAACgAAAAoAAAAZAAAAGQAAAAAAAAAzMzMAAAAAABQAAAAUAAAAGQAAABkAAAAAAAAABcAAAAUAAAAAAAAAAAAAAD/fwAA/38AAAAAAAAJAAAABAAAAHUBCQEeAAAAaAAAAAAAAAAAAAAAAAAAAAAAAAAAAAAAECcAABAnAAAAAAAAAAAAAAAAAAAAAAAAAAAAAAAAAAAAAAAAAAAAABQAAAAAAAAAwMD/AAAAAABkAAAAMgAAAAAAAABkAAAAAAAAAH9/fwAKAAAAIgAAABgAAAAAAAAAAAAAAAAAAAAAAAAAAAAAAAAAAAAkAAAAJAAAAAAAAAAHAAAAAAAAAAAAAAAAAAAAAAAAAAAAAAAAAAAAf39/ACUAAABYAAAAAAAAAAAAAAAAAAAAAAAAAAAAAAAAAAAAAAAAAAAAAAAAAAAAAAAAAAAAAAA/AAAAAAAAAKCGAQAAAAAAAAAAAAAAAAAMAAAAAQAAAAAAAAAAAAAAAAAAAB8AAABUAAAARHLEBf///wEAAAAAAAAAAAAAAAAAAAAAAAAAAAAAAAAAAAAAAAAAAAAAAAB/f38A5+bmA8zMzADAwP8Af39/AAAAAAAAAAAAAAAAAAAAAAAAAAAAIQAAABgAAAAUAAAAM0IAALsUAADjRQAAmxYAABAgAAAmAAAACAAAAP//////////MAAAABQAAAAAAAAAAAD//wAAAQAAAP//AAABAA=="/>
+                <pr:smNativeData xmlns:pr="smNativeData" xmlns="smNativeData" val="SMDATA_16_FAWHYRMAAAAlAAAAZAAAAE0AAAAAkAAAAEgAAACQAAAASAAAAAAAAAAAAAAAAAAAAAEAAABQAAAAAAAAAAAA4D8AAAAAAADgPwAAAAAAAOA/AAAAAAAA4D8AAAAAAADgPwAAAAAAAOA/AAAAAAAA4D8AAAAAAADgPwAAAAAAAOA/AAAAAAAA4D8CAAAAjAAAAAAAAAAAAAAARHLEDP///wgAAAAAAAAAAAAAAAAAAAAAAAAAAAAAAAAAAAAAZAAAAAEAAABAAAAAAAAAAAAAAAAAAAAAAAAAAAAAAAAAAAAAAAAAAAAAAAAAAAAAAAAAAAAAAAAAAAAAAAAAAAAAAAAAAAAAAAAAAAAAAAAAAAAAAAAAAAAAAAAAAAAAFAAAADwAAAAAAAAAAAAAAAAAAAAPAAAAAQAAACMAAAAjAAAAIwAAAB4AAAAAAAAAZAAAAGQAAAAAAAAAZAAAAGQAAAAVAAAAYAAAAAAAAAAAAAAADwAAACADAAAAAAAAAAAAAAEAAACgMgAAVgcAAKr4//8BAAAAf39/AAEAAABkAAAAAAAAABQAAABAHwAAAAAAACYAAAAAAAAAwOD//wAAAAAmAAAAZAAAABYAAABMAAAAAAAAAAAAAAAEAAAAAAAAAAEAAADn5uYKAAAAACgAAAAoAAAAZAAAAGQAAAAAAAAAzMzMAAAAAABQAAAAUAAAAGQAAABkAAAAAAAAABcAAAAUAAAAAAAAAAAAAAD/fwAA/38AAAAAAAAJAAAABAAAAHUBCQEeAAAAaAAAAAAAAAAAAAAAAAAAAAAAAAAAAAAAECcAABAnAAAAAAAAAAAAAAAAAAAAAAAAAAAAAAAAAAAAAAAAAAAAABQAAAAAAAAAwMD/AAAAAABkAAAAMgAAAAAAAABkAAAAAAAAAH9/fwAKAAAAIgAAABgAAAAAAAAAAAAAAAAAAAAAAAAAAAAAAAAAAAAkAAAAJAAAAAAAAAAHAAAAAAAAAAAAAAAAAAAAAAAAAAAAAAAAAAAAf39/ACUAAABYAAAAAAAAAAAAAAAAAAAAAAAAAAAAAAAAAAAAAAAAAAAAAAAAAAAAAAAAAAAAAAA/AAAAAAAAAKCGAQAAAAAAAAAAAAAAAAAMAAAAAQAAAAAAAAAAAAAAAAAAAB8AAABUAAAARHLEBf///wEAAAAAAAAAAAAAAAAAAAAAAAAAAAAAAAAAAAAAAAAAAAAAAAB/f38A5+bmA8zMzADAwP8Af39/AAAAAAAAAAAAAAAAAAAAAAAAAAAAIQAAABgAAAAUAAAAM0IAALsUAADjRQAAmxYAABAgAAAmAAAACAAAAP//////////MAAAABQAAAAAAAAAAAD//wAAAQAAAP//AAABAA=="/>
               </a:ext>
             </a:extLst>
           </p:cNvSpPr>
@@ -14202,11 +13591,11 @@
       </p:sp>
       <p:sp>
         <p:nvSpPr>
-          <p:cNvPr id="55" name="TextBox 63"/>
+          <p:cNvPr id="50" name="TextBox 63"/>
           <p:cNvSpPr>
             <a:extLst>
               <a:ext uri="smNativeData">
-                <pr:smNativeData xmlns:pr="smNativeData" xmlns="smNativeData" val="SMDATA_16_gfoFYRMAAAAlAAAAZAAAAE0AAAAAkAAAAEgAAACQAAAASAAAAAAAAAAAAAAAAAAAAAEAAABQAAAAAAAAAAAA4D8AAAAAAADgPwAAAAAAAOA/AAAAAAAA4D8AAAAAAADgPwAAAAAAAOA/AAAAAAAA4D8AAAAAAADgPwAAAAAAAOA/AAAAAAAA4D8CAAAAjAAAAAAAAAAAAAAARHLEDP///wgAAAAAAAAAAAAAAAAAAAAAAAAAAAAAAAAAAAAAZAAAAAEAAABAAAAAAAAAAAAAAAAAAAAAAAAAAAAAAAAAAAAAAAAAAAAAAAAAAAAAAAAAAAAAAAAAAAAAAAAAAAAAAAAAAAAAAAAAAAAAAAAAAAAAAAAAAAAAAAAAAAAAFAAAADwAAAAAAAAAAAAAAAAAAAAPAAAAAQAAACMAAAAjAAAAIwAAAB4AAAAAAAAAZAAAAGQAAAAAAAAAZAAAAGQAAAAVAAAAYAAAAAAAAAAAAAAADwAAACADAAAAAAAAAAAAAAEAAACgMgAAVgcAAKr4//8BAAAAf39/AAEAAABkAAAAAAAAABQAAABAHwAAAAAAACYAAAAAAAAAwOD//wAAAAAmAAAAZAAAABYAAABMAAAAAAAAAAAAAAAEAAAAAAAAAAEAAADn5uYKAAAAACgAAAAoAAAAZAAAAGQAAAAAAAAAzMzMAAAAAABQAAAAUAAAAGQAAABkAAAAAAAAABcAAAAUAAAAAAAAAAAAAAD/fwAA/38AAAAAAAAJAAAABAAAACcBgx4eAAAAaAAAAAAAAAAAAAAAAAAAAAAAAAAAAAAAECcAABAnAAAAAAAAAAAAAAAAAAAAAAAAAAAAAAAAAAAAAAAAAAAAABQAAAAAAAAAwMD/AAAAAABkAAAAMgAAAAAAAABkAAAAAAAAAH9/fwAKAAAAIgAAABgAAAAAAAAAAAAAAAAAAAAAAAAAAAAAAAAAAAAkAAAAJAAAAAAAAAAHAAAAAAAAAAAAAAAAAAAAAAAAAAAAAAAAAAAAf39/ACUAAABYAAAAAAAAAAAAAAAAAAAAAAAAAAAAAAAAAAAAAAAAAAAAAAAAAAAAAAAAAAAAAAA/AAAAAAAAAKCGAQAAAAAAAAAAAAAAAAAMAAAAAQAAAAAAAAAAAAAAAAAAAB8AAABUAAAARHLEBf///wEAAAAAAAAAAAAAAAAAAAAAAAAAAAAAAAAAAAAAAAAAAAAAAAB/f38A5+bmA8zMzADAwP8Af39/AAAAAAAAAAAAAAAAAAAAAAAAAAAAIQAAABgAAAAUAAAAM0IAAAIXAADeRgAA4hgAABAgAAAmAAAACAAAAP//////////MAAAABQAAAAAAAAAAAD//wAAAQAAAP//AAABAA=="/>
+                <pr:smNativeData xmlns:pr="smNativeData" xmlns="smNativeData" val="SMDATA_16_FAWHYRMAAAAlAAAAZAAAAE0AAAAAkAAAAEgAAACQAAAASAAAAAAAAAAAAAAAAAAAAAEAAABQAAAAAAAAAAAA4D8AAAAAAADgPwAAAAAAAOA/AAAAAAAA4D8AAAAAAADgPwAAAAAAAOA/AAAAAAAA4D8AAAAAAADgPwAAAAAAAOA/AAAAAAAA4D8CAAAAjAAAAAAAAAAAAAAARHLEDP///wgAAAAAAAAAAAAAAAAAAAAAAAAAAAAAAAAAAAAAZAAAAAEAAABAAAAAAAAAAAAAAAAAAAAAAAAAAAAAAAAAAAAAAAAAAAAAAAAAAAAAAAAAAAAAAAAAAAAAAAAAAAAAAAAAAAAAAAAAAAAAAAAAAAAAAAAAAAAAAAAAAAAAFAAAADwAAAAAAAAAAAAAAAAAAAAPAAAAAQAAACMAAAAjAAAAIwAAAB4AAAAAAAAAZAAAAGQAAAAAAAAAZAAAAGQAAAAVAAAAYAAAAAAAAAAAAAAADwAAACADAAAAAAAAAAAAAAEAAACgMgAAVgcAAKr4//8BAAAAf39/AAEAAABkAAAAAAAAABQAAABAHwAAAAAAACYAAAAAAAAAwOD//wAAAAAmAAAAZAAAABYAAABMAAAAAAAAAAAAAAAEAAAAAAAAAAEAAADn5uYKAAAAACgAAAAoAAAAZAAAAGQAAAAAAAAAzMzMAAAAAABQAAAAUAAAAGQAAABkAAAAAAAAABcAAAAUAAAAAAAAAAAAAAD/fwAA/38AAAAAAAAJAAAABAAAACcBgx4eAAAAaAAAAAAAAAAAAAAAAAAAAAAAAAAAAAAAECcAABAnAAAAAAAAAAAAAAAAAAAAAAAAAAAAAAAAAAAAAAAAAAAAABQAAAAAAAAAwMD/AAAAAABkAAAAMgAAAAAAAABkAAAAAAAAAH9/fwAKAAAAIgAAABgAAAAAAAAAAAAAAAAAAAAAAAAAAAAAAAAAAAAkAAAAJAAAAAAAAAAHAAAAAAAAAAAAAAAAAAAAAAAAAAAAAAAAAAAAf39/ACUAAABYAAAAAAAAAAAAAAAAAAAAAAAAAAAAAAAAAAAAAAAAAAAAAAAAAAAAAAAAAAAAAAA/AAAAAAAAAKCGAQAAAAAAAAAAAAAAAAAMAAAAAQAAAAAAAAAAAAAAAAAAAB8AAABUAAAARHLEBf///wEAAAAAAAAAAAAAAAAAAAAAAAAAAAAAAAAAAAAAAAAAAAAAAAB/f38A5+bmA8zMzADAwP8Af39/AAAAAAAAAAAAAAAAAAAAAAAAAAAAIQAAABgAAAAUAAAAM0IAAAIXAADeRgAA4hgAABAgAAAmAAAACAAAAP//////////MAAAABQAAAAAAAAAAAD//wAAAQAAAP//AAABAA=="/>
               </a:ext>
             </a:extLst>
           </p:cNvSpPr>
@@ -14243,11 +13632,11 @@
       </p:sp>
       <p:sp>
         <p:nvSpPr>
-          <p:cNvPr id="56" name="Rectangle 27"/>
+          <p:cNvPr id="51" name="Rectangle 27"/>
           <p:cNvSpPr>
             <a:extLst>
               <a:ext uri="smNativeData">
-                <pr:smNativeData xmlns:pr="smNativeData" xmlns="smNativeData" val="SMDATA_16_gfoFYRMAAAAlAAAAZAAAAA0AAAAAkAAAAEgAAACQAAAASAAAAAAAAAABAAAAAAAAAAEAAABQAAAAAAAAAAAA4D8AAAAAAADgPwAAAAAAAOA/AAAAAAAA4D8AAAAAAADgPwAAAAAAAOA/AAAAAAAA4D8AAAAAAADgPwAAAAAAAOA/AAAAAAAA4D8CAAAAjAAAAAAAAAAAAAAARHLEDP///wgAAAAAAAAAAAAAAAAAAAAAAAAAAAAAAAAAAAAAZAAAAAEAAABAAAAAAAAAAAAAAAAAAAAAAAAAAAAAAAAAAAAAAAAAAAAAAAAAAAAAAAAAAAAAAAAAAAAAAAAAAAAAAAAAAAAAAAAAAAAAAAAAAAAAAAAAAAAAAAAAAAAAFAAAADwAAAABAAAAAAAAAAAAAAkoAAAAAQAAABQAAAAUAAAAFAAAAAEAAAAAAAAAZAAAAGQAAAAAAAAAZAAAAGQAAAAVAAAAYAAAAAAAAAAAAAAADwAAACADAAAAAAAAAAAAAAEAAACgMgAAVgcAAKr4//8BAAAAf39/AAEAAABkAAAAAAAAABQAAABAHwAAAAAAACYAAAAAAAAAwOD//wAAAAAmAAAAZAAAABYAAABMAAAAAAAAAAAAAAAEAAAAAAAAAAEAAADn5uYKAAAAACgAAAAoAAAAZAAAAGQAAAAAAAAAzMzMAAAAAABQAAAAUAAAAGQAAABkAAAAAAAAABcAAAAUAAAAAAAAAAAAAAD/fwAA/38AAAAAAAAJAAAABAAAAP4A8x4eAAAAaAAAAAAAAAAAAAAAAAAAAAAAAAAAAAAAECcAABAnAAAAAAAAAAAAAAAAAAAAAAAAAAAAAAAAAAAAAAAAAAAAABQAAAAAAAAAwMD/AAAAAABkAAAAMgAAAAAAAABkAAAAAAAAAH9/fwAKAAAAIgAAABgAAAAAAAAAAAAAAAAAAAAAAAAAAAAAAAAAAAAkAAAAJAAAAAAAAAAHAAAAAAAAAAAAAAAAAAAAAAAAAAAAAAAAAAAAf39/ACUAAABYAAAAAAAAAAAAAAAAAAAAAAAAAAAAAAAAAAAAAAAAAAAAAAAAAAAAAAAAAAAAAAA/AAAAAAAAAKCGAQAAAAAAAAAAAAAAAAAMAAAAAQAAAAAAAAAAAAAAAAAAAB8AAABUAAAARHLEBf///wEAAAAAAAAAAAAAAAAAAAAAAAAAAAAAAAAAAAAAAAAAAAAAAAJ/f38A5+bmA8zMzADAwP8Af39/AAAAAAAAAAAAAAAAAAAAAAAAAAAAIQAAABgAAAAUAAAAdj8AANoTAADTRgAAWhkAABAAAAAmAAAACAAAAP//////////MAAAABQAAAAAAAAAAAD//wAAAQAAAP//AAABAA=="/>
+                <pr:smNativeData xmlns:pr="smNativeData" xmlns="smNativeData" val="SMDATA_16_FAWHYRMAAAAlAAAAZAAAAA0AAAAAkAAAAEgAAACQAAAASAAAAAAAAAABAAAAAAAAAAEAAABQAAAAAAAAAAAA4D8AAAAAAADgPwAAAAAAAOA/AAAAAAAA4D8AAAAAAADgPwAAAAAAAOA/AAAAAAAA4D8AAAAAAADgPwAAAAAAAOA/AAAAAAAA4D8CAAAAjAAAAAAAAAAAAAAARHLEDP///wgAAAAAAAAAAAAAAAAAAAAAAAAAAAAAAAAAAAAAZAAAAAEAAABAAAAAAAAAAAAAAAAAAAAAAAAAAAAAAAAAAAAAAAAAAAAAAAAAAAAAAAAAAAAAAAAAAAAAAAAAAAAAAAAAAAAAAAAAAAAAAAAAAAAAAAAAAAAAAAAAAAAAFAAAADwAAAABAAAAAAAAAAAAAAkoAAAAAQAAABQAAAAUAAAAFAAAAAEAAAAAAAAAZAAAAGQAAAAAAAAAZAAAAGQAAAAVAAAAYAAAAAAAAAAAAAAADwAAACADAAAAAAAAAAAAAAEAAACgMgAAVgcAAKr4//8BAAAAf39/AAEAAABkAAAAAAAAABQAAABAHwAAAAAAACYAAAAAAAAAwOD//wAAAAAmAAAAZAAAABYAAABMAAAAAAAAAAAAAAAEAAAAAAAAAAEAAADn5uYKAAAAACgAAAAoAAAAZAAAAGQAAAAAAAAAzMzMAAAAAABQAAAAUAAAAGQAAABkAAAAAAAAABcAAAAUAAAAAAAAAAAAAAD/fwAA/38AAAAAAAAJAAAABAAAAP4A8x4eAAAAaAAAAAAAAAAAAAAAAAAAAAAAAAAAAAAAECcAABAnAAAAAAAAAAAAAAAAAAAAAAAAAAAAAAAAAAAAAAAAAAAAABQAAAAAAAAAwMD/AAAAAABkAAAAMgAAAAAAAABkAAAAAAAAAH9/fwAKAAAAIgAAABgAAAAAAAAAAAAAAAAAAAAAAAAAAAAAAAAAAAAkAAAAJAAAAAAAAAAHAAAAAAAAAAAAAAAAAAAAAAAAAAAAAAAAAAAAf39/ACUAAABYAAAAAAAAAAAAAAAAAAAAAAAAAAAAAAAAAAAAAAAAAAAAAAAAAAAAAAAAAAAAAAA/AAAAAAAAAKCGAQAAAAAAAAAAAAAAAAAMAAAAAQAAAAAAAAAAAAAAAAAAAB8AAABUAAAARHLEBf///wEAAAAAAAAAAAAAAAAAAAAAAAAAAAAAAAAAAAAAAAAAAAAAAAJ/f38A5+bmA8zMzADAwP8Af39/AAAAAAAAAAAAAAAAAAAAAAAAAAAAIQAAABgAAAAUAAAAdj8AANoTAADTRgAAWhkAAAAAAAAmAAAACAAAAP//////////MAAAABQAAAAAAAAAAAD//wAAAQAAAP//AAABAA=="/>
               </a:ext>
             </a:extLst>
           </p:cNvSpPr>
@@ -14283,17 +13672,21 @@
                 </a:solidFill>
               </a:defRPr>
             </a:pPr>
+            <a:r>
+              <a:rPr lang="en-au" cap="none"/>
+              <a:t>`</a:t>
+            </a:r>
             <a:endParaRPr lang="en-au" cap="none"/>
           </a:p>
         </p:txBody>
       </p:sp>
       <p:sp>
         <p:nvSpPr>
-          <p:cNvPr id="57" name="TextBox 29"/>
+          <p:cNvPr id="52" name="TextBox 29"/>
           <p:cNvSpPr>
             <a:extLst>
               <a:ext uri="smNativeData">
-                <pr:smNativeData xmlns:pr="smNativeData" xmlns="smNativeData" val="SMDATA_16_gfoFYRMAAAAlAAAAZAAAAE0AAAAAkAAAAEgAAACQAAAASAAAAAAAAAAAAAAAAAAAAAEAAABQAAAAAAAAAAAA4D8AAAAAAADgPwAAAAAAAOA/AAAAAAAA4D8AAAAAAADgPwAAAAAAAOA/AAAAAAAA4D8AAAAAAADgPwAAAAAAAOA/AAAAAAAA4D8CAAAAjAAAAAAAAAAAAAAARHLEDP///wgAAAAAAAAAAAAAAAAAAAAAAAAAAAAAAAAAAAAAZAAAAAEAAABAAAAAAAAAAAAAAAAAAAAAAAAAAAAAAAAAAAAAAAAAAAAAAAAAAAAAAAAAAAAAAAAAAAAAAAAAAAAAAAAAAAAAAAAAAAAAAAAAAAAAAAAAAAAAAAAAAAAAFAAAADwAAAAAAAAAAAAAAAAAAAAPAAAAAQAAACMAAAAjAAAAIwAAAB4AAAAAAAAAZAAAAGQAAAAAAAAAZAAAAGQAAAAVAAAAYAAAAAAAAAAAAAAADwAAACADAAAAAAAAAAAAAAEAAACgMgAAVgcAAKr4//8BAAAAf39/AAEAAABkAAAAAAAAABQAAABAHwAAAAAAACYAAAAAAAAAwOD//wAAAAAmAAAAZAAAABYAAABMAAAAAAAAAAAAAAAEAAAAAAAAAAEAAADn5uYKAAAAACgAAAAoAAAAZAAAAGQAAAAAAAAAzMzMAAAAAABQAAAAUAAAAGQAAABkAAAAAAAAABcAAAAUAAAAAAAAAAAAAAD/fwAA/38AAAAAAAAJAAAABAAAAFcB4x4eAAAAaAAAAAAAAAAAAAAAAAAAAAAAAAAAAAAAECcAABAnAAAAAAAAAAAAAAAAAAAAAAAAAAAAAAAAAAAAAAAAAAAAABQAAAAAAAAAwMD/AAAAAABkAAAAMgAAAAAAAABkAAAAAAAAAH9/fwAKAAAAIgAAABgAAAAAAAAAAAAAAAAAAAAAAAAAAAAAAAAAAAAkAAAAJAAAAAAAAAAHAAAAAAAAAAAAAAAAAAAAAAAAAAAAAAAAAAAAf39/ACUAAABYAAAAAAAAAAAAAAAAAAAAAAAAAAAAAAAAAAAAAAAAAAAAAAAAAAAAAAAAAAAAAAA/AAAAAAAAAKCGAQAAAAAAAAAAAAAAAAAMAAAAAQAAAAAAAAAAAAAAAAAAAB8AAABUAAAARHLEBf///wEAAAAAAAAAAAAAAAAAAAAAAAAAAAAAAAAAAAAAAAAAAAAAAAB/f38A5+bmA8zMzADAwP8Af39/AAAAAAAAAAAAAAAAAAAAAAAAAAAAIQAAABgAAAAUAAAA4j0AAMAOAAAaRwAABREAABAgAAAmAAAACAAAAP//////////MAAAABQAAAAAAAAAAAD//wAAAQAAAP//AAABAA=="/>
+                <pr:smNativeData xmlns:pr="smNativeData" xmlns="smNativeData" val="SMDATA_16_FAWHYRMAAAAlAAAAZAAAAE0AAAAAkAAAAEgAAACQAAAASAAAAAAAAAAAAAAAAAAAAAEAAABQAAAAAAAAAAAA4D8AAAAAAADgPwAAAAAAAOA/AAAAAAAA4D8AAAAAAADgPwAAAAAAAOA/AAAAAAAA4D8AAAAAAADgPwAAAAAAAOA/AAAAAAAA4D8CAAAAjAAAAAAAAAAAAAAARHLEDP///wgAAAAAAAAAAAAAAAAAAAAAAAAAAAAAAAAAAAAAZAAAAAEAAABAAAAAAAAAAAAAAAAAAAAAAAAAAAAAAAAAAAAAAAAAAAAAAAAAAAAAAAAAAAAAAAAAAAAAAAAAAAAAAAAAAAAAAAAAAAAAAAAAAAAAAAAAAAAAAAAAAAAAFAAAADwAAAAAAAAAAAAAAAAAAAAPAAAAAQAAACMAAAAjAAAAIwAAAB4AAAAAAAAAZAAAAGQAAAAAAAAAZAAAAGQAAAAVAAAAYAAAAAAAAAAAAAAADwAAACADAAAAAAAAAAAAAAEAAACgMgAAVgcAAKr4//8BAAAAf39/AAEAAABkAAAAAAAAABQAAABAHwAAAAAAACYAAAAAAAAAwOD//wAAAAAmAAAAZAAAABYAAABMAAAAAAAAAAAAAAAEAAAAAAAAAAEAAADn5uYKAAAAACgAAAAoAAAAZAAAAGQAAAAAAAAAzMzMAAAAAABQAAAAUAAAAGQAAABkAAAAAAAAABcAAAAUAAAAAAAAAAAAAAD/fwAA/38AAAAAAAAJAAAABAAAAFcB4x4eAAAAaAAAAAAAAAAAAAAAAAAAAAAAAAAAAAAAECcAABAnAAAAAAAAAAAAAAAAAAAAAAAAAAAAAAAAAAAAAAAAAAAAABQAAAAAAAAAwMD/AAAAAABkAAAAMgAAAAAAAABkAAAAAAAAAH9/fwAKAAAAIgAAABgAAAAAAAAAAAAAAAAAAAAAAAAAAAAAAAAAAAAkAAAAJAAAAAAAAAAHAAAAAAAAAAAAAAAAAAAAAAAAAAAAAAAAAAAAf39/ACUAAABYAAAAAAAAAAAAAAAAAAAAAAAAAAAAAAAAAAAAAAAAAAAAAAAAAAAAAAAAAAAAAAA/AAAAAAAAAKCGAQAAAAAAAAAAAAAAAAAMAAAAAQAAAAAAAAAAAAAAAAAAAB8AAABUAAAARHLEBf///wEAAAAAAAAAAAAAAAAAAAAAAAAAAAAAAAAAAAAAAAAAAAAAAAB/f38A5+bmA8zMzADAwP8Af39/AAAAAAAAAAAAAAAAAAAAAAAAAAAAIQAAABgAAAAUAAAADj8AABgRAABGSAAAXRMAABAgAAAmAAAACAAAAP//////////MAAAABQAAAAAAAAAAAD//wAAAQAAAP//AAABAA=="/>
               </a:ext>
             </a:extLst>
           </p:cNvSpPr>
@@ -14301,7 +13694,7 @@
         </p:nvSpPr>
         <p:spPr>
           <a:xfrm>
-            <a:off x="10059670" y="2397760"/>
+            <a:off x="10250170" y="2778760"/>
             <a:ext cx="1498600" cy="368935"/>
           </a:xfrm>
           <a:prstGeom prst="rect">
@@ -14318,34 +13711,32 @@
           <a:lstStyle/>
           <a:p>
             <a:pPr>
-              <a:defRPr lang="en-us"/>
+              <a:defRPr lang="en-au" sz="1600" cap="none"/>
             </a:pPr>
             <a:r>
-              <a:rPr lang="en-au" cap="none"/>
               <a:t>Sensor Layout</a:t>
             </a:r>
-            <a:endParaRPr lang="en-au" cap="none"/>
           </a:p>
         </p:txBody>
       </p:sp>
       <p:pic>
         <p:nvPicPr>
-          <p:cNvPr id="58" name="Picture1" descr="Caret Up with solid fill"/>
+          <p:cNvPr id="53" name="Picture1" descr="Caret Up with solid fill"/>
           <p:cNvPicPr>
             <a:picLocks noChangeAspect="1"/>
             <a:extLst>
               <a:ext uri="smNativeData">
-                <pr:smNativeData xmlns:pr="smNativeData" xmlns="smNativeData" val="SMDATA_18_gfoFYRMAAAAlAAAAEQAAAC0AAAAAkAAAAEgAAACQAAAASAAAAAAAAAAAAAAAAAAAAAEAAABQAAAAAAAAAAAA4D8AAAAAAADgPwAAAAAAAOA/AAAAAAAA4D8AAAAAAADgPwAAAAAAAOA/AAAAAAAA4D8AAAAAAADgPwAAAAAAAOA/AAAAAAAA4D8CAAAAjAAAAAAAAAAAAAAARHLEDP///wgAAAAAAAAAAAAAAAAAAAAAAAAAAAAAAAAAAAAAZAAAAAEAAABAAAAAAAAAAAAAAAAAAAAAAAAAAAAAAAAAAAAAAAAAAAAAAAAAAAAAAAAAAAAAAAAAAAAAAAAAAAAAAAAAAAAAAAAAAAAAAAAAAAAAAAAAAAAAAAAAAAAAFAAAADwAAAAAAAAAAAAAAAAAAAkUAAAAAQAAABQAAAAUAAAAFAAAAAEAAAAAAAAAZAAAAGQAAAAAAAAAZAAAAGQAAAAVAAAAYAAAAAAAAAAAAAAADwAAACADAAAAAAAAAAAAAAEAAACgMgAAVgcAAKr4//8BAAAAf39/AAEAAABkAAAAAAAAABQAAABAHwAAAAAAACYAAAAAAAAAwOD//wAAAAAmAAAAZAAAABYAAABMAAAAAAAAAAAAAAAEAAAAAAAAAAEAAADn5uYKAAAAACgAAAAoAAAAZAAAAGQAAAAAAAAAzMzMAAAAAABQAAAAUAAAAGQAAABkAAAAAAAAAAcAAAA4AAAAAAAAAAAAAAAAAAAA////AAAAAAAAAAAAAAAAAAAAAAAAAAAAAAAAAAAAAABkAAAAZAAAAAAAAAAjAAAABAAAAGQAAAAXAAAAFAAAAAAAAAAAAAAA/38AAP9/AAAAAAAACQAAAAQAAABeAAAAHgAAAGgAAAAAAAAAAAAAAAAAAAAAAAAAAAAAABAnAAAQJwAAAAAAAAAAAAAAAAAAAAAAAAAAAAAAAAAAAAAAAAAAAAAUAAAAAAAAAMDA/wAAAAAAZAAAADIAAAAAAAAAZAAAAAAAAAB/f38ACgAAACIAAAAYAAAAAAAAAAAAAAAAAAAAAAAAAAAAAAAAAAAAJAAAACQAAAAAAAAABwAAAAAAAAAAAAAAAAAAAAAAAAAAAAAAAAAAAH9/fwAlAAAAWAAAAAAAAAAAAAAAAAAAAAAAAAAAAAAAAAAAAAAAAAAAAAAAAAAAAAAAAAAAAAAAPwAAAAAAAACghgEAAAAAAAAAAAAAAAAADAAAAAEAAAAAAAAAAAAAAAAAAAAfAAAAVAAAAERyxAX///8BAAAAAAAAAAAAAAAAAAAAAAAAAAAAAAAAAAAAAAAAAAAAAAACf39/AOfm5gPMzMwAwMD/AH9/fwAAAAAAAAAAAAAAAAD///8AAAAAACEAAAAYAAAAFAAAAO00AABHDgAAjToAAOcTAAAQAAAAJgAAAAgAAAD//////////zAAAAAUAAAAAAAAAAAA//8AAAEAAAD//wAAAQA="/>
+                <pr:smNativeData xmlns:pr="smNativeData" xmlns="smNativeData" val="SMDATA_18_FAWHYRMAAAAlAAAAEQAAAC0AAAAAkAAAAEgAAACQAAAASAAAAAAAAAAAAAAAAAAAAAEAAABQAAAAAAAAAAAA4D8AAAAAAADgPwAAAAAAAOA/AAAAAAAA4D8AAAAAAADgPwAAAAAAAOA/AAAAAAAA4D8AAAAAAADgPwAAAAAAAOA/AAAAAAAA4D8CAAAAjAAAAAAAAAAAAAAARHLEDP///wgAAAAAAAAAAAAAAAAAAAAAAAAAAAAAAAAAAAAAZAAAAAEAAABAAAAAAAAAAAAAAAAAAAAAAAAAAAAAAAAAAAAAAAAAAAAAAAAAAAAAAAAAAAAAAAAAAAAAAAAAAAAAAAAAAAAAAAAAAAAAAAAAAAAAAAAAAAAAAAAAAAAAFAAAADwAAAAAAAAAAAAAAAAAAAkUAAAAAQAAABQAAAAUAAAAFAAAAAEAAAAAAAAAZAAAAGQAAAAAAAAAZAAAAGQAAAAVAAAAYAAAAAAAAAAAAAAADwAAACADAAAAAAAAAAAAAAEAAACgMgAAVgcAAKr4//8BAAAAf39/AAEAAABkAAAAAAAAABQAAABAHwAAAAAAACYAAAAAAAAAwOD//wAAAAAmAAAAZAAAABYAAABMAAAAAAAAAAAAAAAEAAAAAAAAAAEAAADn5uYKAAAAACgAAAAoAAAAZAAAAGQAAAAAAAAAzMzMAAAAAABQAAAAUAAAAGQAAABkAAAAAAAAAAcAAAA4AAAAAAAAAAAAAAAAAAAA////AAAAAAAAAAAAAAAAAAAAAAAAAAAAAAAAAAAAAABkAAAAZAAAAAAAAAAjAAAABAAAAGQAAAAXAAAAFAAAAAAAAAAAAAAA/38AAP9/AAAAAAAACQAAAAQAAABeAAAAHgAAAGgAAAAAAAAAAAAAAAAAAAAAAAAAAAAAABAnAAAQJwAAAAAAAAAAAAAAAAAAAAAAAAAAAAAAAAAAAAAAAAAAAAAUAAAAAAAAAMDA/wAAAAAAZAAAADIAAAAAAAAAZAAAAAAAAAB/f38ACgAAACIAAAAYAAAAAAAAAAAAAAAAAAAAAAAAAAAAAAAAAAAAJAAAACQAAAAAAAAABwAAAAAAAAAAAAAAAAAAAAAAAAAAAAAAAAAAAH9/fwAlAAAAWAAAAAAAAAAAAAAAAAAAAAAAAAAAAAAAAAAAAAAAAAAAAAAAAAAAAAAAAAAAAAAAPwAAAAAAAACghgEAAAAAAAAAAAAAAAAADAAAAAEAAAAAAAAAAAAAAAAAAAAfAAAAVAAAAERyxAX///8BAAAAAAAAAAAAAAAAAAAAAAAAAAAAAAAAAAAAAAAAAAAAAAACf39/AOfm5gPMzMwAwMD/AH9/fwAAAAAAAAAAAAAAAAD///8AAAAAACEAAAAYAAAAFAAAAO00AABHDgAAjToAAOcTAAAQAAAAJgAAAAgAAAD//////////zAAAAAUAAAAAAAAAAAA//8AAAEAAAD//wAAAQA="/>
               </a:ext>
             </a:extLst>
           </p:cNvPicPr>
           <p:nvPr/>
         </p:nvPicPr>
         <p:blipFill>
-          <a:blip r:embed="rId4">
+          <a:blip r:embed="rId2">
             <a:extLst>
               <a:ext uri="{96DAC541-7B7A-43D3-8B79-37D633B846F1}">
-                <asvg:svgBlip xmlns:asvg="http://schemas.microsoft.com/office/drawing/2016/SVG/main" r:embed="rId5"/>
+                <asvg:svgBlip xmlns:asvg="http://schemas.microsoft.com/office/drawing/2016/SVG/main" r:embed="rId3"/>
               </a:ext>
             </a:extLst>
           </a:blip>
@@ -14370,22 +13761,22 @@
       </p:pic>
       <p:pic>
         <p:nvPicPr>
-          <p:cNvPr id="59" name="Picture2" descr="Caret Up with solid fill"/>
+          <p:cNvPr id="54" name="Picture2" descr="Caret Up with solid fill"/>
           <p:cNvPicPr>
             <a:picLocks noChangeAspect="1"/>
             <a:extLst>
               <a:ext uri="smNativeData">
-                <pr:smNativeData xmlns:pr="smNativeData" xmlns="smNativeData" val="SMDATA_18_gfoFYRMAAAAlAAAAEQAAAC0AAAAAkAAAAEgAAACQAAAASAAAAAAAAAAAAAAAAAAAAAEAAABQAAAAAAAAAAAA4D8AAAAAAADgPwAAAAAAAOA/AAAAAAAA4D8AAAAAAADgPwAAAAAAAOA/AAAAAAAA4D8AAAAAAADgPwAAAAAAAOA/AAAAAAAA4D8CAAAAjAAAAAAAAAAAAAAARHLEDP///wgAAAAAAAAAAAAAAAAAAAAAAAAAAAAAAAAAAAAAZAAAAAEAAABAAAAAAAAAAAAAAAAAAAAAAAAAAAAAAAAAAAAAAAAAAAAAAAAAAAAAAAAAAAAAAAAAAAAAAAAAAAAAAAAAAAAAAAAAAAAAAAAAAAAAAAAAAAAAAAAAAAAAFAAAADwAAAAAAAAAAAAAAAAAAAkUAAAAAQAAABQAAAAUAAAAFAAAAAEAAAAAAAAAZAAAAGQAAAAAAAAAZAAAAGQAAAAVAAAAYAAAAAAAAAAAAAAADwAAACADAAAAAAAAAAAAAAEAAACgMgAAVgcAAKr4//8BAAAAf39/AAEAAABkAAAAAAAAABQAAABAHwAAAAAAACYAAAAAAAAAwOD//wAAAAAmAAAAZAAAABYAAABMAAAAAAAAAAAAAAAEAAAAAAAAAAEAAADn5uYKAAAAACgAAAAoAAAAZAAAAGQAAAAAAAAAzMzMAAAAAABQAAAAUAAAAGQAAABkAAAAAAAAAAcAAAA4AAAAAAAAAAAAAAAAAAAA////AAAAAAAAAAAAAAAAAAAAAAAAAAAAAAAAAAAAAABkAAAAZAAAAAAAAAAjAAAABAAAAGQAAAAXAAAAFAAAAAAAAAAAAAAA/38AAP9/AAAAAAAACQAAAAQAAADQAAAAHgAAAGgAAAAAAAAAAAAAAAAAAAAAAAAAAAAAABAnAAAQJwAAAAAAAAAAAAAAAAAAAAAAAAAAAAAAAAAAAAAAAAAAAAAUAAAAAAAAAMDA/wAAAAAAZAAAADIAAAAAAAAAZAAAAAAAAAB/f38ACgAAACIAAAAYAAAAAAAAAAAAAAAAAAAAAAAAAAAAAAAAAAAAJAAAACQAAAAAAAAABwAAAAAAAAAAAAAAAAAAAAAAAAAAAAAAAAAAAH9/fwAlAAAAWAAAAAAAAAAAAAAAAAAAAAAAAAAAAAAAAAAAAAAAAAAAAAAAAAAAAAAAAAAAAAAAPwAAAAAAAACghgEAAAAAAAAAAAAAAAAADAAAAAEAAAAAAAAAAAAAAAAAAAAfAAAAVAAAAERyxAX///8BAAAAAAAAAAAAAAAAAAAAAAAAAAAAAAAAAAAAAAAAAAAAAAACf39/AOfm5gPMzMwAwMD/AH9/fwAAAAAAAAAAAAAAAAD///8AAAAAACEAAAAYAAAAFAAAAAY6AABeEAAApj8AAP4VAAAQAAAAJgAAAAgAAAD//////////zAAAAAUAAAAAAAAAAAA//8AAAEAAAD//wAAAQA="/>
+                <pr:smNativeData xmlns:pr="smNativeData" xmlns="smNativeData" val="SMDATA_18_FAWHYRMAAAAlAAAAEQAAAC0AAAAAkAAAAEgAAACQAAAASAAAAAAAAAAAAAAAAAAAAAEAAABQAAAAAAAAAAAA4D8AAAAAAADgPwAAAAAAAOA/AAAAAAAA4D8AAAAAAADgPwAAAAAAAOA/AAAAAAAA4D8AAAAAAADgPwAAAAAAAOA/AAAAAAAA4D8CAAAAjAAAAAAAAAAAAAAARHLEDP///wgAAAAAAAAAAAAAAAAAAAAAAAAAAAAAAAAAAAAAZAAAAAEAAABAAAAAAAAAAAAAAAAAAAAAAAAAAAAAAAAAAAAAAAAAAAAAAAAAAAAAAAAAAAAAAAAAAAAAAAAAAAAAAAAAAAAAAAAAAAAAAAAAAAAAAAAAAAAAAAAAAAAAFAAAADwAAAAAAAAAAAAAAAAAAAkUAAAAAQAAABQAAAAUAAAAFAAAAAEAAAAAAAAAZAAAAGQAAAAAAAAAZAAAAGQAAAAVAAAAYAAAAAAAAAAAAAAADwAAACADAAAAAAAAAAAAAAEAAACgMgAAVgcAAKr4//8BAAAAf39/AAEAAABkAAAAAAAAABQAAABAHwAAAAAAACYAAAAAAAAAwOD//wAAAAAmAAAAZAAAABYAAABMAAAAAAAAAAAAAAAEAAAAAAAAAAEAAADn5uYKAAAAACgAAAAoAAAAZAAAAGQAAAAAAAAAzMzMAAAAAABQAAAAUAAAAGQAAABkAAAAAAAAAAcAAAA4AAAAAAAAAAAAAAAAAAAA////AAAAAAAAAAAAAAAAAAAAAAAAAAAAAAAAAAAAAABkAAAAZAAAAAAAAAAjAAAABAAAAGQAAAAXAAAAFAAAAAAAAAAAAAAA/38AAP9/AAAAAAAACQAAAAQAAADQAAAAHgAAAGgAAAAAAAAAAAAAAAAAAAAAAAAAAAAAABAnAAAQJwAAAAAAAAAAAAAAAAAAAAAAAAAAAAAAAAAAAAAAAAAAAAAUAAAAAAAAAMDA/wAAAAAAZAAAADIAAAAAAAAAZAAAAAAAAAB/f38ACgAAACIAAAAYAAAAAAAAAAAAAAAAAAAAAAAAAAAAAAAAAAAAJAAAACQAAAAAAAAABwAAAAAAAAAAAAAAAAAAAAAAAAAAAAAAAAAAAH9/fwAlAAAAWAAAAAAAAAAAAAAAAAAAAAAAAAAAAAAAAAAAAAAAAAAAAAAAAAAAAAAAAAAAAAAAPwAAAAAAAACghgEAAAAAAAAAAAAAAAAADAAAAAEAAAAAAAAAAAAAAAAAAAAfAAAAVAAAAERyxAX///8BAAAAAAAAAAAAAAAAAAAAAAAAAAAAAAAAAAAAAAAAAAAAAAACf39/AOfm5gPMzMwAwMD/AH9/fwAAAAAAAAAAAAAAAAD///8AAAAAACEAAAAYAAAAFAAAAAY6AABeEAAApj8AAP4VAAAQAAAAJgAAAAgAAAD//////////zAAAAAUAAAAAAAAAAAA//8AAAEAAAD//wAAAQA="/>
               </a:ext>
             </a:extLst>
           </p:cNvPicPr>
           <p:nvPr/>
         </p:nvPicPr>
         <p:blipFill>
-          <a:blip r:embed="rId4">
+          <a:blip r:embed="rId2">
             <a:extLst>
               <a:ext uri="{96DAC541-7B7A-43D3-8B79-37D633B846F1}">
-                <asvg:svgBlip xmlns:asvg="http://schemas.microsoft.com/office/drawing/2016/SVG/main" r:embed="rId5"/>
+                <asvg:svgBlip xmlns:asvg="http://schemas.microsoft.com/office/drawing/2016/SVG/main" r:embed="rId3"/>
               </a:ext>
             </a:extLst>
           </a:blip>
@@ -14410,22 +13801,22 @@
       </p:pic>
       <p:pic>
         <p:nvPicPr>
-          <p:cNvPr id="60" name="Picture3" descr="Caret Up with solid fill"/>
+          <p:cNvPr id="55" name="Picture3" descr="Caret Up with solid fill"/>
           <p:cNvPicPr>
             <a:picLocks noChangeAspect="1"/>
             <a:extLst>
               <a:ext uri="smNativeData">
-                <pr:smNativeData xmlns:pr="smNativeData" xmlns="smNativeData" val="SMDATA_18_gfoFYRMAAAAlAAAAEQAAAC0AAAAAkAAAAEgAAACQAAAASAAAAAAAAAAAAAAAAAAAAAEAAABQAAAAAAAAAAAA4D8AAAAAAADgPwAAAAAAAOA/AAAAAAAA4D8AAAAAAADgPwAAAAAAAOA/AAAAAAAA4D8AAAAAAADgPwAAAAAAAOA/AAAAAAAA4D8CAAAAjAAAAAAAAAAAAAAARHLEDP///wgAAAAAAAAAAAAAAAAAAAAAAAAAAAAAAAAAAAAAZAAAAAEAAABAAAAAAAAAAAAAAAAAAAAAAAAAAAAAAAAAAAAAAAAAAAAAAAAAAAAAAAAAAAAAAAAAAAAAAAAAAAAAAAAAAAAAAAAAAAAAAAAAAAAAAAAAAAAAAAAAAAAAFAAAADwAAAAAAAAAAAAAAAAAAAkUAAAAAQAAABQAAAAUAAAAFAAAAAEAAAAAAAAAZAAAAGQAAAAAAAAAZAAAAGQAAAAVAAAAYAAAAAAAAAAAAAAADwAAACADAAAAAAAAAAAAAAEAAACgMgAAVgcAAKr4//8BAAAAf39/AAEAAABkAAAAAAAAABQAAABAHwAAAAAAACYAAAAAAAAAwOD//wAAAAAmAAAAZAAAABYAAABMAAAAAAAAAAAAAAAEAAAAAAAAAAEAAADn5uYKAAAAACgAAAAoAAAAZAAAAGQAAAAAAAAAzMzMAAAAAABQAAAAUAAAAGQAAABkAAAAAAAAAAcAAAA4AAAAAAAAAAAAAAAAAAAA////AAAAAAAAAAAAAAAAAAAAAAAAAAAAAAAAAAAAAABkAAAAZAAAAAAAAAAjAAAABAAAAGQAAAAXAAAAFAAAAAAAAAAAAAAA/38AAP9/AAAAAAAACQAAAAQAAAAAAAAAHgAAAGgAAAAAAAAAAAAAAAAAAAAAAAAAAAAAABAnAAAQJwAAAAAAAAAAAAAAAAAAAAAAAAAAAAAAAAAAAAAAAAAAAAAUAAAAAAAAAMDA/wAAAAAAZAAAADIAAAAAAAAAZAAAAAAAAAB/f38ACgAAACIAAAAYAAAAAAAAAAAAAAAAAAAAAAAAAAAAAAAAAAAAJAAAACQAAAAAAAAABwAAAAAAAAAAAAAAAAAAAAAAAAAAAAAAAAAAAH9/fwAlAAAAWAAAAAAAAAAAAAAAAAAAAAAAAAAAAAAAAAAAAAAAAAAAAAAAAAAAAAAAAAAAAAAAPwAAAAAAAACghgEAAAAAAAAAAAAAAAAADAAAAAEAAAAAAAAAAAAAAAAAAAAfAAAAVAAAAERyxAX///8BAAAAAAAAAAAAAAAAAAAAAAAAAAAAAAAAAAAAAAAAAAAAAAACf39/AOfm5gPMzMwAwMD/AH9/fwAAAAAAAAAAAAAAAAD///8AAAAAACEAAAAYAAAAFAAAAM8vAABPEAAAbzUAAO8VAAAQAAAAJgAAAAgAAAD//////////zAAAAAUAAAAAAAAAAAA//8AAAEAAAD//wAAAQA="/>
+                <pr:smNativeData xmlns:pr="smNativeData" xmlns="smNativeData" val="SMDATA_18_FAWHYRMAAAAlAAAAEQAAAC0AAAAAkAAAAEgAAACQAAAASAAAAAAAAAAAAAAAAAAAAAEAAABQAAAAAAAAAAAA4D8AAAAAAADgPwAAAAAAAOA/AAAAAAAA4D8AAAAAAADgPwAAAAAAAOA/AAAAAAAA4D8AAAAAAADgPwAAAAAAAOA/AAAAAAAA4D8CAAAAjAAAAAAAAAAAAAAARHLEDP///wgAAAAAAAAAAAAAAAAAAAAAAAAAAAAAAAAAAAAAZAAAAAEAAABAAAAAAAAAAAAAAAAAAAAAAAAAAAAAAAAAAAAAAAAAAAAAAAAAAAAAAAAAAAAAAAAAAAAAAAAAAAAAAAAAAAAAAAAAAAAAAAAAAAAAAAAAAAAAAAAAAAAAFAAAADwAAAAAAAAAAAAAAAAAAAkUAAAAAQAAABQAAAAUAAAAFAAAAAEAAAAAAAAAZAAAAGQAAAAAAAAAZAAAAGQAAAAVAAAAYAAAAAAAAAAAAAAADwAAACADAAAAAAAAAAAAAAEAAACgMgAAVgcAAKr4//8BAAAAf39/AAEAAABkAAAAAAAAABQAAABAHwAAAAAAACYAAAAAAAAAwOD//wAAAAAmAAAAZAAAABYAAABMAAAAAAAAAAAAAAAEAAAAAAAAAAEAAADn5uYKAAAAACgAAAAoAAAAZAAAAGQAAAAAAAAAzMzMAAAAAABQAAAAUAAAAGQAAABkAAAAAAAAAAcAAAA4AAAAAAAAAAAAAAAAAAAA////AAAAAAAAAAAAAAAAAAAAAAAAAAAAAAAAAAAAAABkAAAAZAAAAAAAAAAjAAAABAAAAGQAAAAXAAAAFAAAAAAAAAAAAAAA/38AAP9/AAAAAAAACQAAAAQAAAAAAAAAHgAAAGgAAAAAAAAAAAAAAAAAAAAAAAAAAAAAABAnAAAQJwAAAAAAAAAAAAAAAAAAAAAAAAAAAAAAAAAAAAAAAAAAAAAUAAAAAAAAAMDA/wAAAAAAZAAAADIAAAAAAAAAZAAAAAAAAAB/f38ACgAAACIAAAAYAAAAAAAAAAAAAAAAAAAAAAAAAAAAAAAAAAAAJAAAACQAAAAAAAAABwAAAAAAAAAAAAAAAAAAAAAAAAAAAAAAAAAAAH9/fwAlAAAAWAAAAAAAAAAAAAAAAAAAAAAAAAAAAAAAAAAAAAAAAAAAAAAAAAAAAAAAAAAAAAAAPwAAAAAAAACghgEAAAAAAAAAAAAAAAAADAAAAAEAAAAAAAAAAAAAAAAAAAAfAAAAVAAAAERyxAX///8BAAAAAAAAAAAAAAAAAAAAAAAAAAAAAAAAAAAAAAAAAAAAAAACf39/AOfm5gPMzMwAwMD/AH9/fwAAAAAAAAAAAAAAAAD///8AAAAAACEAAAAYAAAAFAAAAM8vAABPEAAAbzUAAO8VAAAQAAAAJgAAAAgAAAD//////////zAAAAAUAAAAAAAAAAAA//8AAAEAAAD//wAAAQA="/>
               </a:ext>
             </a:extLst>
           </p:cNvPicPr>
           <p:nvPr/>
         </p:nvPicPr>
         <p:blipFill>
-          <a:blip r:embed="rId4">
+          <a:blip r:embed="rId2">
             <a:extLst>
               <a:ext uri="{96DAC541-7B7A-43D3-8B79-37D633B846F1}">
-                <asvg:svgBlip xmlns:asvg="http://schemas.microsoft.com/office/drawing/2016/SVG/main" r:embed="rId5"/>
+                <asvg:svgBlip xmlns:asvg="http://schemas.microsoft.com/office/drawing/2016/SVG/main" r:embed="rId3"/>
               </a:ext>
             </a:extLst>
           </a:blip>
@@ -14450,22 +13841,22 @@
       </p:pic>
       <p:pic>
         <p:nvPicPr>
-          <p:cNvPr id="61" name="Picture4" descr="Caret Up with solid fill"/>
+          <p:cNvPr id="56" name="Picture4" descr="Caret Up with solid fill"/>
           <p:cNvPicPr>
             <a:picLocks noChangeAspect="1"/>
             <a:extLst>
               <a:ext uri="smNativeData">
-                <pr:smNativeData xmlns:pr="smNativeData" xmlns="smNativeData" val="SMDATA_18_gfoFYRMAAAAlAAAAEQAAAC0AAAAAkAAAAEgAAACQAAAASAAAAAAAAAAAAAAAAAAAAAEAAABQAAAAAAAAAAAA4D8AAAAAAADgPwAAAAAAAOA/AAAAAAAA4D8AAAAAAADgPwAAAAAAAOA/AAAAAAAA4D8AAAAAAADgPwAAAAAAAOA/AAAAAAAA4D8CAAAAjAAAAAAAAAAAAAAARHLEDP///wgAAAAAAAAAAAAAAAAAAAAAAAAAAAAAAAAAAAAAZAAAAAEAAABAAAAAAAAAAAAAAAAAAAAAAAAAAAAAAAAAAAAAAAAAAAAAAAAAAAAAAAAAAAAAAAAAAAAAAAAAAAAAAAAAAAAAAAAAAAAAAAAAAAAAAAAAAAAAAAAAAAAAFAAAADwAAAAAAAAAAAAAAAAAAAkUAAAAAQAAABQAAAAUAAAAFAAAAAEAAAAAAAAAZAAAAGQAAAAAAAAAZAAAAGQAAAAVAAAAYAAAAAAAAAAAAAAADwAAACADAAAAAAAAAAAAAAEAAACgMgAAVgcAAKr4//8BAAAAf39/AAEAAABkAAAAAAAAABQAAABAHwAAAAAAACYAAAAAAAAAwOD//wAAAAAmAAAAZAAAABYAAABMAAAAAAAAAAAAAAAEAAAAAAAAAAEAAADn5uYKAAAAACgAAAAoAAAAZAAAAGQAAAAAAAAAzMzMAAAAAABQAAAAUAAAAGQAAABkAAAAAAAAAAcAAAA4AAAAAAAAAAAAAAAAAAAA////AAAAAAAAAAAAAAAAAAAAAAAAAAAAAAAAAAAAAABkAAAAZAAAAAAAAAAjAAAABAAAAGQAAAAXAAAAFAAAAAAAAAAAAAAA/38AAP9/AAAAAAAACQAAAAQAAAAAAAAAHgAAAGgAAAAAAAAAAAAAAAAAAAAAAAAAAAAAABAnAAAQJwAAAAAAAAAAAAAAAAAAAAAAAAAAAAAAAAAAAAAAAAAAAAAUAAAAAAAAAMDA/wAAAAAAZAAAADIAAAAAAAAAZAAAAAAAAAB/f38ACgAAACIAAAAYAAAAAAAAAAAAAAAAAAAAAAAAAAAAAAAAAAAAJAAAACQAAAAAAAAABwAAAAAAAAAAAAAAAAAAAAAAAAAAAAAAAAAAAH9/fwAlAAAAWAAAAAAAAAAAAAAAAAAAAAAAAAAAAAAAAAAAAAAAAAAAAAAAAAAAAAAAAAAAAAAAPwAAAAAAAACghgEAAAAAAAAAAAAAAAAADAAAAAEAAAAAAAAAAAAAAAAAAAAfAAAAVAAAAERyxAX///8BAAAAAAAAAAAAAAAAAAAAAAAAAAAAAAAAAAAAAAAAAAAAAAACf39/AOfm5gPMzMwAwMD/AH9/fwAAAAAAAAAAAAAAAAD///8AAAAAACEAAAAYAAAAFAAAABE3AAAWGgAAsTwAALYfAAAQAAAAJgAAAAgAAAD//////////zAAAAAUAAAAAAAAAAAA//8AAAEAAAD//wAAAQA="/>
+                <pr:smNativeData xmlns:pr="smNativeData" xmlns="smNativeData" val="SMDATA_18_FAWHYRMAAAAlAAAAEQAAAC0AAAAAkAAAAEgAAACQAAAASAAAAAAAAAAAAAAAAAAAAAEAAABQAAAAAAAAAAAA4D8AAAAAAADgPwAAAAAAAOA/AAAAAAAA4D8AAAAAAADgPwAAAAAAAOA/AAAAAAAA4D8AAAAAAADgPwAAAAAAAOA/AAAAAAAA4D8CAAAAjAAAAAAAAAAAAAAARHLEDP///wgAAAAAAAAAAAAAAAAAAAAAAAAAAAAAAAAAAAAAZAAAAAEAAABAAAAAAAAAAAAAAAAAAAAAAAAAAAAAAAAAAAAAAAAAAAAAAAAAAAAAAAAAAAAAAAAAAAAAAAAAAAAAAAAAAAAAAAAAAAAAAAAAAAAAAAAAAAAAAAAAAAAAFAAAADwAAAAAAAAAAAAAAAAAAAkUAAAAAQAAABQAAAAUAAAAFAAAAAEAAAAAAAAAZAAAAGQAAAAAAAAAZAAAAGQAAAAVAAAAYAAAAAAAAAAAAAAADwAAACADAAAAAAAAAAAAAAEAAACgMgAAVgcAAKr4//8BAAAAf39/AAEAAABkAAAAAAAAABQAAABAHwAAAAAAACYAAAAAAAAAwOD//wAAAAAmAAAAZAAAABYAAABMAAAAAAAAAAAAAAAEAAAAAAAAAAEAAADn5uYKAAAAACgAAAAoAAAAZAAAAGQAAAAAAAAAzMzMAAAAAABQAAAAUAAAAGQAAABkAAAAAAAAAAcAAAA4AAAAAAAAAAAAAAAAAAAA////AAAAAAAAAAAAAAAAAAAAAAAAAAAAAAAAAAAAAABkAAAAZAAAAAAAAAAjAAAABAAAAGQAAAAXAAAAFAAAAAAAAAAAAAAA/38AAP9/AAAAAAAACQAAAAQAAAAAAAAAHgAAAGgAAAAAAAAAAAAAAAAAAAAAAAAAAAAAABAnAAAQJwAAAAAAAAAAAAAAAAAAAAAAAAAAAAAAAAAAAAAAAAAAAAAUAAAAAAAAAMDA/wAAAAAAZAAAADIAAAAAAAAAZAAAAAAAAAB/f38ACgAAACIAAAAYAAAAAAAAAAAAAAAAAAAAAAAAAAAAAAAAAAAAJAAAACQAAAAAAAAABwAAAAAAAAAAAAAAAAAAAAAAAAAAAAAAAAAAAH9/fwAlAAAAWAAAAAAAAAAAAAAAAAAAAAAAAAAAAAAAAAAAAAAAAAAAAAAAAAAAAAAAAAAAAAAAPwAAAAAAAACghgEAAAAAAAAAAAAAAAAADAAAAAEAAAAAAAAAAAAAAAAAAAAfAAAAVAAAAERyxAX///8BAAAAAAAAAAAAAAAAAAAAAAAAAAAAAAAAAAAAAAAAAAAAAAACf39/AOfm5gPMzMwAwMD/AH9/fwAAAAAAAAAAAAAAAAD///8AAAAAACEAAAAYAAAAFAAAAAs4AACyGQAAqz0AAFIfAAAQAAAAJgAAAAgAAAD//////////zAAAAAUAAAAAAAAAAAA//8AAAEAAAD//wAAAQA="/>
               </a:ext>
             </a:extLst>
           </p:cNvPicPr>
           <p:nvPr/>
         </p:nvPicPr>
         <p:blipFill>
-          <a:blip r:embed="rId4">
+          <a:blip r:embed="rId2">
             <a:extLst>
               <a:ext uri="{96DAC541-7B7A-43D3-8B79-37D633B846F1}">
-                <asvg:svgBlip xmlns:asvg="http://schemas.microsoft.com/office/drawing/2016/SVG/main" r:embed="rId5"/>
+                <asvg:svgBlip xmlns:asvg="http://schemas.microsoft.com/office/drawing/2016/SVG/main" r:embed="rId3"/>
               </a:ext>
             </a:extLst>
           </a:blip>
@@ -14475,7 +13866,7 @@
         </p:blipFill>
         <p:spPr>
           <a:xfrm rot="10800000">
-            <a:off x="8951595" y="4240530"/>
+            <a:off x="9110345" y="4177030"/>
             <a:ext cx="914400" cy="914400"/>
           </a:xfrm>
           <a:prstGeom prst="rect">
@@ -14490,22 +13881,22 @@
       </p:pic>
       <p:pic>
         <p:nvPicPr>
-          <p:cNvPr id="62" name="Picture5" descr="Caret Up with solid fill"/>
+          <p:cNvPr id="57" name="Picture5" descr="Caret Up with solid fill"/>
           <p:cNvPicPr>
             <a:picLocks noChangeAspect="1"/>
             <a:extLst>
               <a:ext uri="smNativeData">
-                <pr:smNativeData xmlns:pr="smNativeData" xmlns="smNativeData" val="SMDATA_18_gfoFYRMAAAAlAAAAEQAAAC0AAAAAkAAAAEgAAACQAAAASAAAAAAAAAAAAAAAAAAAAAEAAABQAAAAAAAAAAAA4D8AAAAAAADgPwAAAAAAAOA/AAAAAAAA4D8AAAAAAADgPwAAAAAAAOA/AAAAAAAA4D8AAAAAAADgPwAAAAAAAOA/AAAAAAAA4D8CAAAAjAAAAAAAAAAAAAAARHLEDP///wgAAAAAAAAAAAAAAAAAAAAAAAAAAAAAAAAAAAAAZAAAAAEAAABAAAAAAAAAAAAAAAAAAAAAAAAAAAAAAAAAAAAAAAAAAAAAAAAAAAAAAAAAAAAAAAAAAAAAAAAAAAAAAAAAAAAAAAAAAAAAAAAAAAAAAAAAAAAAAAAAAAAAFAAAADwAAAAAAAAAAAAAAAAAAAkUAAAAAQAAABQAAAAUAAAAFAAAAAEAAAAAAAAAZAAAAGQAAAAAAAAAZAAAAGQAAAAVAAAAYAAAAAAAAAAAAAAADwAAACADAAAAAAAAAAAAAAEAAACgMgAAVgcAAKr4//8BAAAAf39/AAEAAABkAAAAAAAAABQAAABAHwAAAAAAACYAAAAAAAAAwOD//wAAAAAmAAAAZAAAABYAAABMAAAAAAAAAAAAAAAEAAAAAAAAAAEAAADn5uYKAAAAACgAAAAoAAAAZAAAAGQAAAAAAAAAzMzMAAAAAABQAAAAUAAAAGQAAABkAAAAAAAAAAcAAAA4AAAAAAAAAAAAAAAAAAAA////AAAAAAAAAAAAAAAAAAAAAAAAAAAAAAAAAAAAAABkAAAAZAAAAAAAAAAjAAAABAAAAGQAAAAXAAAAFAAAAAAAAAAAAAAA/38AAP9/AAAAAAAACQAAAAQAAADQAAAAHgAAAGgAAAAAAAAAAAAAAAAAAAAAAAAAAAAAABAnAAAQJwAAAAAAAAAAAAAAAAAAAAAAAAAAAAAAAAAAAAAAAAAAAAAUAAAAAAAAAMDA/wAAAAAAZAAAADIAAAAAAAAAZAAAAAAAAAB/f38ACgAAACIAAAAYAAAAAAAAAAAAAAAAAAAAAAAAAAAAAAAAAAAAJAAAACQAAAAAAAAABwAAAAAAAAAAAAAAAAAAAAAAAAAAAAAAAAAAAH9/fwAlAAAAWAAAAAAAAAAAAAAAAAAAAAAAAAAAAAAAAAAAAAAAAAAAAAAAAAAAAAAAAAAAAAAAPwAAAAAAAACghgEAAAAAAAAAAAAAAAAADAAAAAEAAAAAAAAAAAAAAAAAAAAfAAAAVAAAAERyxAX///8BAAAAAAAAAAAAAAAAAAAAAAAAAAAAAAAAAAAAAAAAAAAAAAACf39/AOfm5gPMzMwAwMD/AH9/fwAAAAAAAAAAAAAAAAD///8AAAAAACEAAAAYAAAAFAAAAHszAAAOGgAAGzkAAK4fAAAQAAAAJgAAAAgAAAD//////////zAAAAAUAAAAAAAAAAAA//8AAAEAAAD//wAAAQA="/>
+                <pr:smNativeData xmlns:pr="smNativeData" xmlns="smNativeData" val="SMDATA_18_FAWHYRMAAAAlAAAAEQAAAC0AAAAAkAAAAEgAAACQAAAASAAAAAAAAAAAAAAAAAAAAAEAAABQAAAAAAAAAAAA4D8AAAAAAADgPwAAAAAAAOA/AAAAAAAA4D8AAAAAAADgPwAAAAAAAOA/AAAAAAAA4D8AAAAAAADgPwAAAAAAAOA/AAAAAAAA4D8CAAAAjAAAAAAAAAAAAAAARHLEDP///wgAAAAAAAAAAAAAAAAAAAAAAAAAAAAAAAAAAAAAZAAAAAEAAABAAAAAAAAAAAAAAAAAAAAAAAAAAAAAAAAAAAAAAAAAAAAAAAAAAAAAAAAAAAAAAAAAAAAAAAAAAAAAAAAAAAAAAAAAAAAAAAAAAAAAAAAAAAAAAAAAAAAAFAAAADwAAAAAAAAAAAAAAAAAAAkUAAAAAQAAABQAAAAUAAAAFAAAAAEAAAAAAAAAZAAAAGQAAAAAAAAAZAAAAGQAAAAVAAAAYAAAAAAAAAAAAAAADwAAACADAAAAAAAAAAAAAAEAAACgMgAAVgcAAKr4//8BAAAAf39/AAEAAABkAAAAAAAAABQAAABAHwAAAAAAACYAAAAAAAAAwOD//wAAAAAmAAAAZAAAABYAAABMAAAAAAAAAAAAAAAEAAAAAAAAAAEAAADn5uYKAAAAACgAAAAoAAAAZAAAAGQAAAAAAAAAzMzMAAAAAABQAAAAUAAAAGQAAABkAAAAAAAAAAcAAAA4AAAAAAAAAAAAAAAAAAAA////AAAAAAAAAAAAAAAAAAAAAAAAAAAAAAAAAAAAAABkAAAAZAAAAAAAAAAjAAAABAAAAGQAAAAXAAAAFAAAAAAAAAAAAAAA/38AAP9/AAAAAAAACQAAAAQAAADQAAAAHgAAAGgAAAAAAAAAAAAAAAAAAAAAAAAAAAAAABAnAAAQJwAAAAAAAAAAAAAAAAAAAAAAAAAAAAAAAAAAAAAAAAAAAAAUAAAAAAAAAMDA/wAAAAAAZAAAADIAAAAAAAAAZAAAAAAAAAB/f38ACgAAACIAAAAYAAAAAAAAAAAAAAAAAAAAAAAAAAAAAAAAAAAAJAAAACQAAAAAAAAABwAAAAAAAAAAAAAAAAAAAAAAAAAAAAAAAAAAAH9/fwAlAAAAWAAAAAAAAAAAAAAAAAAAAAAAAAAAAAAAAAAAAAAAAAAAAAAAAAAAAAAAAAAAAAAAPwAAAAAAAACghgEAAAAAAAAAAAAAAAAADAAAAAEAAAAAAAAAAAAAAAAAAAAfAAAAVAAAAERyxAX///8BAAAAAAAAAAAAAAAAAAAAAAAAAAAAAAAAAAAAAAAAAAAAAAACf39/AOfm5gPMzMwAwMD/AH9/fwAAAAAAAAAAAAAAAAD///8AAAAAACEAAAAYAAAAFAAAAE8yAACqGQAA7zcAAEofAAAQAAAAJgAAAAgAAAD//////////zAAAAAUAAAAAAAAAAAA//8AAAEAAAD//wAAAQA="/>
               </a:ext>
             </a:extLst>
           </p:cNvPicPr>
           <p:nvPr/>
         </p:nvPicPr>
         <p:blipFill>
-          <a:blip r:embed="rId4">
+          <a:blip r:embed="rId2">
             <a:extLst>
               <a:ext uri="{96DAC541-7B7A-43D3-8B79-37D633B846F1}">
-                <asvg:svgBlip xmlns:asvg="http://schemas.microsoft.com/office/drawing/2016/SVG/main" r:embed="rId5"/>
+                <asvg:svgBlip xmlns:asvg="http://schemas.microsoft.com/office/drawing/2016/SVG/main" r:embed="rId3"/>
               </a:ext>
             </a:extLst>
           </a:blip>
@@ -14515,7 +13906,7 @@
         </p:blipFill>
         <p:spPr>
           <a:xfrm rot="10800000">
-            <a:off x="8368665" y="4235450"/>
+            <a:off x="8178165" y="4171950"/>
             <a:ext cx="914400" cy="914400"/>
           </a:xfrm>
           <a:prstGeom prst="rect">
@@ -14528,6 +13919,1092 @@
           <a:effectLst/>
         </p:spPr>
       </p:pic>
+      <p:pic>
+        <p:nvPicPr>
+          <p:cNvPr id="58" name="Picture6" descr="Caret Up with solid fill"/>
+          <p:cNvPicPr>
+            <a:picLocks noChangeAspect="1"/>
+            <a:extLst>
+              <a:ext uri="smNativeData">
+                <pr:smNativeData xmlns:pr="smNativeData" xmlns="smNativeData" val="SMDATA_18_FAWHYRMAAAAlAAAAEQAAAC0AAAAAkAAAAEgAAACQAAAASAAAAAAAAAAAAAAAAAAAAAEAAABQAAAAAAAAAAAA4D8AAAAAAADgPwAAAAAAAOA/AAAAAAAA4D8AAAAAAADgPwAAAAAAAOA/AAAAAAAA4D8AAAAAAADgPwAAAAAAAOA/AAAAAAAA4D8CAAAAjAAAAAAAAAAAAAAARHLEDP///wgAAAAAAAAAAAAAAAAAAAAAAAAAAAAAAAAAAAAAZAAAAAEAAABAAAAAAAAAAAAAAAAAAAAAAAAAAAAAAAAAAAAAAAAAAAAAAAAAAAAAAAAAAAAAAAAAAAAAAAAAAAAAAAAAAAAAAAAAAAAAAAAAAAAAAAAAAAAAAAAAAAAAFAAAADwAAAAAAAAAAAAAAAAAAAkUAAAAAQAAABQAAAAUAAAAFAAAAAEAAAAAAAAAZAAAAGQAAAAAAAAAZAAAAGQAAAAVAAAAYAAAAAAAAAAAAAAADwAAACADAAAAAAAAAAAAAAEAAACgMgAAVgcAAKr4//8BAAAAf39/AAEAAABkAAAAAAAAABQAAABAHwAAAAAAACYAAAAAAAAAwOD//wAAAAAmAAAAZAAAABYAAABMAAAAAAAAAAAAAAAEAAAAAAAAAAEAAADn5uYKAAAAACgAAAAoAAAAZAAAAGQAAAAAAAAAzMzMAAAAAABQAAAAUAAAAGQAAABkAAAAAAAAAAcAAAA4AAAAAAAAAAAAAAAAAAAA////AAAAAAAAAAAAAAAAAAAAAAAAAAAAAAAAAAAAAABkAAAAZAAAAAAAAAAjAAAABAAAAGQAAAAXAAAAFAAAAAAAAAAAAAAA/38AAP9/AAAAAAAACQAAAAQAAADEckQNHgAAAGgAAAAAAAAAAAAAAAAAAAAAAAAAAAAAABAnAAAQJwAAAAAAAAAAAAAAAAAAAAAAAAAAAAAAAAAAAAAAAAAAAAAUAAAAAAAAAMDA/wAAAAAAZAAAADIAAAAAAAAAZAAAAAAAAAB/f38ACgAAACIAAAAYAAAAAAAAAAAAAAAAAAAAAAAAAAAAAAAAAAAAJAAAACQAAAAAAAAABwAAAAAAAAAAAAAAAAAAAAAAAAAAAAAAAAAAAH9/fwAlAAAAWAAAAAAAAAAAAAAAAAAAAAAAAAAAAAAAAAAAAAAAAAAAAAAAAAAAAAAAAAAAAAAAPwAAAAAAAACghgEAAAAAAAAAAAAAAAAADAAAAAEAAAAAAAAAAAAAAAAAAAAfAAAAVAAAAERyxAX///8BAAAAAAAAAAAAAAAAAAAAAAAAAAAAAAAAAAAAAAAAAAAAAAACf39/AOfm5gPMzMwAwMD/AH9/fwAAAAAAAAAAAAAAAAD///8AAAAAACEAAAAYAAAAFAAAACk1AABtGgAAyToAAA0gAAAQAAAAJgAAAAgAAAD//////////zAAAAAUAAAAAAAAAAAA//8AAAEAAAD//wAAAQA="/>
+              </a:ext>
+            </a:extLst>
+          </p:cNvPicPr>
+          <p:nvPr/>
+        </p:nvPicPr>
+        <p:blipFill>
+          <a:blip r:embed="rId2">
+            <a:extLst>
+              <a:ext uri="{96DAC541-7B7A-43D3-8B79-37D633B846F1}">
+                <asvg:svgBlip xmlns:asvg="http://schemas.microsoft.com/office/drawing/2016/SVG/main" r:embed="rId3"/>
+              </a:ext>
+            </a:extLst>
+          </a:blip>
+          <a:stretch>
+            <a:fillRect/>
+          </a:stretch>
+        </p:blipFill>
+        <p:spPr>
+          <a:xfrm rot="10800000">
+            <a:off x="8641715" y="4295775"/>
+            <a:ext cx="914400" cy="914400"/>
+          </a:xfrm>
+          <a:prstGeom prst="rect">
+            <a:avLst/>
+          </a:prstGeom>
+          <a:noFill/>
+          <a:ln>
+            <a:noFill/>
+          </a:ln>
+          <a:effectLst/>
+        </p:spPr>
+      </p:pic>
+      <p:grpSp>
+        <p:nvGrpSpPr>
+          <p:cNvPr id="59" name="Group1"/>
+          <p:cNvGrpSpPr>
+            <a:extLst>
+              <a:ext uri="smNativeData">
+                <pr:smNativeData xmlns:pr="smNativeData" xmlns="smNativeData" val="SMDATA_6_FAWHYRMAAAAlAAAAAQAAAC8BAAAAkAAAAEgAAACQAAAASAAAAAAAAAAAAAAAAAAAABcAAAAUAAAAAAAAAAAAAAD/fwAA/38AAAAAAAAJAAAABAAAAK/cwf8fAAAAVAAAAAAAAAAAAAAAAAAAAAAAAAAAAAAAAAAAAAAAAAAAAAAAAAAAAAAAAAAAAAAAAAAAAAAAAAAAAAAAAAAAAAAAAAAAAAAAAAAAAAAAAAAAAAAAAAAAACEAAAAYAAAAFAAAAE80AAAmEwAAcDsAAIAaAAAAAAAAJgAAAAgAAAD/////AAAAAA=="/>
+              </a:ext>
+            </a:extLst>
+          </p:cNvGrpSpPr>
+          <p:nvPr/>
+        </p:nvGrpSpPr>
+        <p:grpSpPr>
+          <a:xfrm>
+            <a:off x="8503285" y="3112770"/>
+            <a:ext cx="1158875" cy="1195070"/>
+            <a:chOff x="8503285" y="3112770"/>
+            <a:chExt cx="1158875" cy="1195070"/>
+          </a:xfrm>
+        </p:grpSpPr>
+        <p:sp>
+          <p:nvSpPr>
+            <p:cNvPr id="66" name="Ellipse1"/>
+            <p:cNvSpPr>
+              <a:extLst>
+                <a:ext uri="smNativeData">
+                  <pr:smNativeData xmlns:pr="smNativeData" xmlns="smNativeData" val="SMDATA_16_FAWHYRMAAAAlAAAAZgAAAA8BAAAAkAAAAEgAAACQAAAASAAAAAAAAAAAAAAAAAAAAAEAAABQAAAAAAAAAAAA8D8AAAAAAADwPwAAAAAAAOA/AAAAAAAA4D8AAAAAAADgPwAAAAAAAOA/AAAAAAAA4D8AAAAAAADgPwAAAAAAAOA/AAAAAAAA4D8CAAAAjAAAAAEAAAAAAAAAcK1HAP///wgAAAAAAAAAAAAAAAAAAAAAAAAAAAAAAAAAAAAAZAAAAAEAAABAAAAAAAAAAAAAAAAAAAAAAAAAAAAAAAAAAAAAAAAAAAAAAAAAAAAAAAAAAAAAAAAAAAAAAAAAAAAAAAAAAAAAAAAAAAAAAAAAAAAAAAAAAAAAAAAAAAAAFAAAADwAAAABAAAAAAAAAHCtRwAUAAAAAQAAABQAAAAUAAAAFAAAAAEAAAAAAAAAZAAAAGQAAAAAAAAAZAAAAGQAAAAVAAAAYAAAAAAAAAAAAAAADwAAACADAAAAAAAAAAAAAAEAAACgMgAAAAAAAAAAAAABAAAAf39/AAEAAABkAAAAAAAAABQAAABAHwAAAAAAACYAAAAAAAAAwOD//wAAAAAmAAAAZAAAABYAAABMAAAAAAAAAAAAAAAEAAAAAAAAAAEAAADn5uYKAAAAACgAAAAoAAAAZAAAAGQAAAAAAAAAzMzMAAAAAABQAAAAUAAAAGQAAABkAAAAAAAAABcAAAAUAAAAAAAAAAAAAAD/fwAA/38AAAAAAAAJAAAABAAAAB0AAAAeAAAAaAAAAAAAAAAAAAAAAAAAAAAAAAAAAAAAECcAABAnAAAAAAAAAAAAAAAAAAAAAAAAAAAAAAAAAAAAAAAAAAAAABQAAAAAAAAAwMD/AAAAAABkAAAAMgAAAAAAAABkAAAAAAAAAH9/fwAKAAAAIgAAABgAAAAAAAAAAAAAAAAAAAAAAAAAAAAAAAAAAAAkAAAAJAAAAAAAAAAHAAAAAAAAAAAAAAAAAAAAAAAAAAAAAAAAAAAAf39/ACUAAABYAAAAAAAAAAAAAAAAAAAAAAAAAAAAAAAAAAAAAAAAAAAAAAAAAAAAAAAAAAAAAAA/AAAAAAAAAKCGAQAAAAAAAAAAAAAAAAAMAAAAAQAAAAAAAAAAAAAAAAAAAB8AAABUAAAAcK1HDP///wEAAAAAAAAAAAAAAAAAAAAAAAAAAAAAAAAAAAAAAAAAAHCtRwx/f38A5+bmA8zMzADAwP8Af39/AAAAAAAAAAAAAAAAAAAAAAAAAAAAIQAAABgAAAAUAAAAbzcAAGoWAABQOAAAPBcAAAAAAAAmAAAACAAAAP//////////MAAAABQAAAAAAAAAAAD//wAAAQAAAP//AAABAA=="/>
+                </a:ext>
+              </a:extLst>
+            </p:cNvSpPr>
+            <p:nvPr/>
+          </p:nvSpPr>
+          <p:spPr>
+            <a:xfrm>
+              <a:off x="9011285" y="3643630"/>
+              <a:ext cx="142875" cy="133350"/>
+            </a:xfrm>
+            <a:prstGeom prst="ellipse">
+              <a:avLst/>
+            </a:prstGeom>
+            <a:solidFill>
+              <a:schemeClr val="accent6"/>
+            </a:solidFill>
+            <a:ln w="12700" cap="flat" cmpd="sng" algn="ctr">
+              <a:solidFill>
+                <a:schemeClr val="accent6"/>
+              </a:solidFill>
+              <a:prstDash val="solid"/>
+              <a:headEnd type="none"/>
+              <a:tailEnd type="none"/>
+            </a:ln>
+            <a:effectLst/>
+          </p:spPr>
+        </p:sp>
+        <p:sp>
+          <p:nvSpPr>
+            <p:cNvPr id="65" name="AutoShape1"/>
+            <p:cNvSpPr>
+              <a:extLst>
+                <a:ext uri="smNativeData">
+                  <pr:smNativeData xmlns:pr="smNativeData" xmlns="smNativeData" val="SMDATA_16_FAWHYRMAAAAlAAAAjgAAAA8BAAAAkAAAAEgAAACQAAAASAAAAAAAAAAAAAAAAAAAAAEAAABQAAAAAAAAAAAA8D+w0uKyOuTfPwAAAAAAAOA/AAAAAAAA4D8AAAAAAADgPwAAAAAAAOA/AAAAAAAA4D8AAAAAAADgPwAAAAAAAOA/AAAAAAAA4D8CAAAAjAAAAAAAAAAAAAAARHLEDP///wgAAAAAAAAAAAAAAAAAAAAAAAAAAAAAAAAAAAAAZAAAAAEAAABAAAAAAAAAAAAAAAAAAAAAAAAAAAAAAAAAAAAAAAAAAAAAAAAAAAAAAAAAAAAAAAAAAAAAAAAAAAAAAAAAAAAAAAAAAAAAAAAAAAAAAAAAAAAAAAAAAAAAFAAAADwAAAABAAAAAAAAAHCtRwAeAAAAAQAAABQAAAAUAAAAFAAAAAEAAAAAAAAAZAAAAGQAAAAAAAAAZAAAAGQAAAAVAAAAYAAAAAAAAAAAAAAADwAAACADAAAAAAAAAAAAAAEAAACgMgAAAAAAAAAAAAABAAAAf39/AAEAAABkAAAAAAAAABQAAABAHwAAAAAAACYAAAAAAAAAwOD//wAAAAAmAAAAZAAAABYAAABMAAAAAAAAAAAAAAAEAAAAAAAAAAEAAADn5uYKAAAAACgAAAAoAAAAZAAAAGQAAAAAAAAAzMzMAAAAAABQAAAAUAAAAGQAAABkAAAAAAAAABcAAAAUAAAAAAAAAAAAAAD/fwAA/38AAAAAAAAJAAAABAAAAAEAAAAeAAAAaAAAAAAAAAAAAAAAAAAAAAAAAAAAAAAAECcAABAnAAAAAAAAAAAAAAAAAAAAAAAAAAAAAAAAAAAAAAAAAAAAABQAAAAAAAAAwMD/AAAAAABkAAAAMgAAAAAAAABkAAAAAAAAAH9/fwAKAAAAIgAAABgAAAAAAAAAAAAAAAAAAAAAAAAAAAAAAAAAAAAkAAAAJAAAAAAAAAAHAAAAAAAAAAAAAAAAAAAAAAAAAAAAAAAAAAAAf39/ACUAAABYAAAAAAAAAAAAAAAAAAAAAAAAAAAAAAAAAAAAAAAAAAAAAAAAAAAAAAAAAAAAAAA/AAAAAAAAAKCGAQAAAAAAAAAAAAAAAAAMAAAAAQAAAAAAAAAAAAAAAAAAAB8AAABUAAAARHLEBf///wEAAAAAAAAAAAAAAAAAAAAAAAAAAAAAAAAAAAAAAAAAAHCtRwx/f38A5+bmA8zMzADAwP8Af39/AAAAAAAAAAAAAAAAAAAAAAAAAAAAIQAAABgAAAAUAAAATzQAACYTAABwOwAAgBoAAAAAAAAmAAAACAAAAP//////////MAAAABQAAAAAAAAAAAD//wAAAQAAAP//AAABAA=="/>
+                </a:ext>
+              </a:extLst>
+            </p:cNvSpPr>
+            <p:nvPr/>
+          </p:nvSpPr>
+          <p:spPr>
+            <a:xfrm rot="16200000">
+              <a:off x="8485505" y="3130550"/>
+              <a:ext cx="1195070" cy="1158875"/>
+            </a:xfrm>
+            <a:prstGeom prst="arc">
+              <a:avLst>
+                <a:gd name="adj1" fmla="val 16200000"/>
+                <a:gd name="adj2" fmla="val 5436612"/>
+              </a:avLst>
+            </a:prstGeom>
+            <a:noFill/>
+            <a:ln w="19050" cap="flat" cmpd="sng" algn="ctr">
+              <a:solidFill>
+                <a:schemeClr val="accent6"/>
+              </a:solidFill>
+              <a:prstDash val="solid"/>
+              <a:headEnd type="none"/>
+              <a:tailEnd type="none"/>
+            </a:ln>
+            <a:effectLst/>
+          </p:spPr>
+        </p:sp>
+        <p:sp>
+          <p:nvSpPr>
+            <p:cNvPr id="64" name="Line1"/>
+            <p:cNvSpPr>
+              <a:extLst>
+                <a:ext uri="smNativeData">
+                  <pr:smNativeData xmlns:pr="smNativeData" xmlns="smNativeData" val="SMDATA_16_FAWHYRMAAAAlAAAACgAAAA8BAAAAkAAAAEgAAACQAAAASAAAAAAAAAAAAAAAAAAAAAEAAABQAAAAAAAAAAAA4D8AAAAAAADgPwAAAAAAAOA/AAAAAAAA4D8AAAAAAADgPwAAAAAAAOA/AAAAAAAA4D8AAAAAAADgPwAAAAAAAOA/AAAAAAAA4D8CAAAAjAAAAAAAAAAAAAAARHLEDP///wgAAAAAAAAAAAAAAAAAAAAAAAAAAAAAAAAAAAAAZAAAAAEAAABAAAAAAAAAAAAAAAAAAAAAAAAAAAAAAAAAAAAAAAAAAAAAAAAAAAAAAAAAAAAAAAAAAAAAAAAAAAAAAAAAAAAAAAAAAAAAAAAAAAAAAAAAAAAAAAAAAAAAFAAAADwAAAABAAAAAAAAAHCtRwAeAAAAAQAAABQAAAAUAAAAFAAAAAEAAAAAAAAAZAAAAGQAAAABAAAAlgAAAJYAAAAVAAAAYAAAAAAAAAAAAAAADwAAACADAAAAAAAAAAAAAAEAAACgMgAAAAAAAAAAAAABAAAAf39/AAEAAABkAAAAAAAAABQAAABAHwAAAAAAACYAAAAAAAAAwOD//wAAAAAmAAAAZAAAABYAAABMAAAAAAAAAAAAAAAEAAAAAAAAAAEAAADn5uYKAAAAACgAAAAoAAAAZAAAAGQAAAAAAAAAzMzMAAAAAABQAAAAUAAAAGQAAABkAAAAAAAAABcAAAAUAAAAAAAAAAAAAAD/fwAA/38AAAAAAAAJAAAABAAAAAAAAOoeAAAAaAAAAAAAAAAAAAAAAAAAAAAAAAAAAAAAECcAABAnAAAAAAAAAAAAAAAAAAAAAAAAAAAAAAAAAAAAAAAAAAAAABQAAAAAAAAAwMD/AAAAAABkAAAAMgAAAAAAAABkAAAAAAAAAH9/fwAKAAAAIgAAABgAAAAAAAAAAAAAAAAAAAAAAAAAAAAAAAAAAAAkAAAAJAAAAAAAAAAHAAAAAAAAAAAAAAAAAAAAAAAAAAAAAAAAAAAAf39/ACUAAABYAAAAAAAAAAAAAAAAAAAAAAAAAAAAAAAAAAAAAAAAAAAAAAAAAAAAAAAAAAAAAAA/AAAAAAAAAKCGAQAAAAAAAAAAAAAAAAAMAAAAAQAAAAAAAAAAAAAAAAAAAB8AAABUAAAARHLEBf///wEAAAAAAAAAAAAAAAAAAAAAAAAAAAAAAAAAAAAAAAAAAHCtRwx/f38A5+bmA8zMzADAwP8Af39/AAAAAAAAAAAAAAAAAAAAAAAAAAAAIQAAABgAAAAUAAAAdTQAANgWAADfNwAA2BYAAAAAAAAmAAAACAAAAP//////////MAAAABQAAAAAAAAAAAD//wAAAQAAAP//AAABAA=="/>
+                </a:ext>
+              </a:extLst>
+            </p:cNvSpPr>
+            <p:nvPr/>
+          </p:nvSpPr>
+          <p:spPr>
+            <a:xfrm flipH="1" flipV="1">
+              <a:off x="8527415" y="3713480"/>
+              <a:ext cx="554990" cy="0"/>
+            </a:xfrm>
+            <a:prstGeom prst="line">
+              <a:avLst/>
+            </a:prstGeom>
+            <a:noFill/>
+            <a:ln w="19050" cap="flat" cmpd="sng" algn="ctr">
+              <a:solidFill>
+                <a:schemeClr val="accent6"/>
+              </a:solidFill>
+              <a:prstDash val="solid"/>
+              <a:headEnd type="none"/>
+              <a:tailEnd type="stealth" w="lg" len="lg"/>
+            </a:ln>
+            <a:effectLst/>
+          </p:spPr>
+        </p:sp>
+        <p:sp>
+          <p:nvSpPr>
+            <p:cNvPr id="63" name="Line2"/>
+            <p:cNvSpPr>
+              <a:extLst>
+                <a:ext uri="smNativeData">
+                  <pr:smNativeData xmlns:pr="smNativeData" xmlns="smNativeData" val="SMDATA_16_FAWHYRMAAAAlAAAACgAAAA8BAAAAkAAAAEgAAACQAAAASAAAAAAAAAAAAAAAAAAAAAEAAABQAAAAAAAAAAAA4D8AAAAAAADgPwAAAAAAAOA/AAAAAAAA4D8AAAAAAADgPwAAAAAAAOA/AAAAAAAA4D8AAAAAAADgPwAAAAAAAOA/AAAAAAAA4D8CAAAAjAAAAAAAAAAAAAAARHLEDP///wgAAAAAAAAAAAAAAAAAAAAAAAAAAAAAAAAAAAAAZAAAAAEAAABAAAAAAAAAAAAAAAAAAAAAAAAAAAAAAAAAAAAAAAAAAAAAAAAAAAAAAAAAAAAAAAAAAAAAAAAAAAAAAAAAAAAAAAAAAAAAAAAAAAAAAAAAAAAAAAAAAAAAFAAAADwAAAABAAAAAAAAAHCtRwAeAAAAAQAAABQAAAAUAAAAFAAAAAEAAAAAAAAAZAAAAGQAAAABAAAAlgAAAJYAAAAVAAAAYAAAAAAAAAAAAAAADwAAACADAAAAAAAAAAAAAAEAAACgMgAAAAAAAAAAAAABAAAAf39/AAEAAABkAAAAAAAAABQAAABAHwAAAAAAACYAAAAAAAAAwOD//wAAAAAmAAAAZAAAABYAAABMAAAAAAAAAAAAAAAEAAAAAAAAAAEAAADn5uYKAAAAACgAAAAoAAAAZAAAAGQAAAAAAAAAzMzMAAAAAABQAAAAUAAAAGQAAABkAAAAAAAAABcAAAAUAAAAAAAAAAAAAAD/fwAA/38AAAAAAAAJAAAABAAAAAAAAOoeAAAAaAAAAAAAAAAAAAAAAAAAAAAAAAAAAAAAECcAABAnAAAAAAAAAAAAAAAAAAAAAAAAAAAAAAAAAAAAAAAAAAAAABQAAAAAAAAAwMD/AAAAAABkAAAAMgAAAAAAAABkAAAAAAAAAH9/fwAKAAAAIgAAABgAAAAAAAAAAAAAAAAAAAAAAAAAAAAAAAAAAAAkAAAAJAAAAAAAAAAHAAAAAAAAAAAAAAAAAAAAAAAAAAAAAAAAAAAAf39/ACUAAABYAAAAAAAAAAAAAAAAAAAAAAAAAAAAAAAAAAAAAAAAAAAAAAAAAAAAAAAAAAAAAAA/AAAAAAAAAKCGAQAAAAAAAAAAAAAAAAAMAAAAAQAAAAAAAAAAAAAAAAAAAB8AAABUAAAARHLEBf///wEAAAAAAAAAAAAAAAAAAAAAAAAAAAAAAAAAAAAAAAAAAHCtRwx/f38A5+bmA8zMzADAwP8Af39/AAAAAAAAAAAAAAAAAAAAAAAAAAAAIQAAABgAAAAUAAAA2TcAAFQTAADZNwAA1xYAAAAAAAAmAAAACAAAAP//////////MAAAABQAAAAAAAAAAAD//wAAAQAAAP//AAABAA=="/>
+                </a:ext>
+              </a:extLst>
+            </p:cNvSpPr>
+            <p:nvPr/>
+          </p:nvSpPr>
+          <p:spPr>
+            <a:xfrm flipH="1" flipV="1">
+              <a:off x="9078595" y="3141980"/>
+              <a:ext cx="0" cy="570865"/>
+            </a:xfrm>
+            <a:prstGeom prst="line">
+              <a:avLst/>
+            </a:prstGeom>
+            <a:noFill/>
+            <a:ln w="19050" cap="flat" cmpd="sng" algn="ctr">
+              <a:solidFill>
+                <a:schemeClr val="accent6"/>
+              </a:solidFill>
+              <a:prstDash val="solid"/>
+              <a:headEnd type="none"/>
+              <a:tailEnd type="stealth" w="lg" len="lg"/>
+            </a:ln>
+            <a:effectLst/>
+          </p:spPr>
+        </p:sp>
+        <p:sp>
+          <p:nvSpPr>
+            <p:cNvPr id="62" name="Line8"/>
+            <p:cNvSpPr>
+              <a:extLst>
+                <a:ext uri="smNativeData">
+                  <pr:smNativeData xmlns:pr="smNativeData" xmlns="smNativeData" val="SMDATA_16_FAWHYRMAAAAlAAAACgAAAA8BAAAAkAAAAEgAAACQAAAASAAAAAAAAAAAAAAAAAAAAAEAAABQAAAAAAAAAAAA4D8AAAAAAADgPwAAAAAAAOA/AAAAAAAA4D8AAAAAAADgPwAAAAAAAOA/AAAAAAAA4D8AAAAAAADgPwAAAAAAAOA/AAAAAAAA4D8CAAAAjAAAAAAAAAAAAAAARHLEDP///wgAAAAAAAAAAAAAAAAAAAAAAAAAAAAAAAAAAAAAZAAAAAEAAABAAAAAAAAAAAAAAAAAAAAAAAAAAAAAAAAAAAAAAAAAAAAAAAAAAAAAAAAAAAAAAAAAAAAAAAAAAAAAAAAAAAAAAAAAAAAAAAAAAAAAAAAAAAAAAAAAAAAAFAAAADwAAAABAAAAAAAAAHCtRwAeAAAAAQAAABQAAAAUAAAAFAAAAAEAAAAAAAAAZAAAAGQAAAABAAAAlgAAAJYAAAAVAAAAYAAAAAAAAAAAAAAADwAAACADAAAAAAAAAAAAAAEAAACgMgAAAAAAAAAAAAABAAAAf39/AAEAAABkAAAAAAAAABQAAABAHwAAAAAAACYAAAAAAAAAwOD//wAAAAAmAAAAZAAAABYAAABMAAAAAAAAAAAAAAAEAAAAAAAAAAEAAADn5uYKAAAAACgAAAAoAAAAZAAAAGQAAAAAAAAAzMzMAAAAAABQAAAAUAAAAGQAAABkAAAAAAAAABcAAAAUAAAAAAAAAAAAAAD/fwAA/38AAAAAAAAJAAAABAAAAJIAAAAeAAAAaAAAAAAAAAAAAAAAAAAAAAAAAAAAAAAAECcAABAnAAAAAAAAAAAAAAAAAAAAAAAAAAAAAAAAAAAAAAAAAAAAABQAAAAAAAAAwMD/AAAAAABkAAAAMgAAAAAAAABkAAAAAAAAAH9/fwAKAAAAIgAAABgAAAAAAAAAAAAAAAAAAAAAAAAAAAAAAAAAAAAkAAAAJAAAAAAAAAAHAAAAAAAAAAAAAAAAAAAAAAAAAAAAAAAAAAAAf39/ACUAAABYAAAAAAAAAAAAAAAAAAAAAAAAAAAAAAAAAAAAAAAAAAAAAAAAAAAAAAAAAAAAAAA/AAAAAAAAAKCGAQAAAAAAAAAAAAAAAAAMAAAAAQAAAAAAAAAAAAAAAAAAAB8AAABUAAAARHLEBf///wEAAAAAAAAAAAAAAAAAAAAAAAAAAAAAAAAAAAAAAAAAAHCtRwx/f38A5+bmA8zMzADAwP8Af39/AAAAAAAAAAAAAAAAAAAAAAAAAAAAIQAAABgAAAAUAAAAZzUAAIQUAADfNwAA2BYAAAAAAAAmAAAACAAAAP//////////MAAAABQAAAAAAAAAAAD//wAAAQAAAP//AAABAA=="/>
+                </a:ext>
+              </a:extLst>
+            </p:cNvSpPr>
+            <p:nvPr/>
+          </p:nvSpPr>
+          <p:spPr>
+            <a:xfrm flipH="1" flipV="1">
+              <a:off x="8681085" y="3335020"/>
+              <a:ext cx="401320" cy="378460"/>
+            </a:xfrm>
+            <a:prstGeom prst="line">
+              <a:avLst/>
+            </a:prstGeom>
+            <a:noFill/>
+            <a:ln w="19050" cap="flat" cmpd="sng" algn="ctr">
+              <a:solidFill>
+                <a:schemeClr val="accent6"/>
+              </a:solidFill>
+              <a:prstDash val="solid"/>
+              <a:headEnd type="none"/>
+              <a:tailEnd type="stealth" w="lg" len="lg"/>
+            </a:ln>
+            <a:effectLst/>
+          </p:spPr>
+        </p:sp>
+        <p:sp>
+          <p:nvSpPr>
+            <p:cNvPr id="61" name="Line9"/>
+            <p:cNvSpPr>
+              <a:extLst>
+                <a:ext uri="smNativeData">
+                  <pr:smNativeData xmlns:pr="smNativeData" xmlns="smNativeData" val="SMDATA_16_FAWHYRMAAAAlAAAACgAAAA8BAAAAkAAAAEgAAACQAAAASAAAAAAAAAAAAAAAAAAAAAEAAABQAAAAAAAAAAAA4D8AAAAAAADgPwAAAAAAAOA/AAAAAAAA4D8AAAAAAADgPwAAAAAAAOA/AAAAAAAA4D8AAAAAAADgPwAAAAAAAOA/AAAAAAAA4D8CAAAAjAAAAAAAAAAAAAAARHLEDP///wgAAAAAAAAAAAAAAAAAAAAAAAAAAAAAAAAAAAAAZAAAAAEAAABAAAAAAAAAAAAAAAAAAAAAAAAAAAAAAAAAAAAAAAAAAAAAAAAAAAAAAAAAAAAAAAAAAAAAAAAAAAAAAAAAAAAAAAAAAAAAAAAAAAAAAAAAAAAAAAAAAAAAFAAAADwAAAABAAAAAAAAAHCtRwAeAAAAAQAAABQAAAAUAAAAFAAAAAEAAAAAAAAAZAAAAGQAAAABAAAAlgAAAJYAAAAVAAAAYAAAAAAAAAAAAAAADwAAACADAAAAAAAAAAAAAAEAAACgMgAAAAAAAAAAAAABAAAAf39/AAEAAABkAAAAAAAAABQAAABAHwAAAAAAACYAAAAAAAAAwOD//wAAAAAmAAAAZAAAABYAAABMAAAAAAAAAAAAAAAEAAAAAAAAAAEAAADn5uYKAAAAACgAAAAoAAAAZAAAAGQAAAAAAAAAzMzMAAAAAABQAAAAUAAAAGQAAABkAAAAAAAAABcAAAAUAAAAAAAAAAAAAAD/fwAA/38AAAAAAAAJAAAABAAAADUAAAAeAAAAaAAAAAAAAAAAAAAAAAAAAAAAAAAAAAAAECcAABAnAAAAAAAAAAAAAAAAAAAAAAAAAAAAAAAAAAAAAAAAAAAAABQAAAAAAAAAwMD/AAAAAABkAAAAMgAAAAAAAABkAAAAAAAAAH9/fwAKAAAAIgAAABgAAAAAAAAAAAAAAAAAAAAAAAAAAAAAAAAAAAAkAAAAJAAAAAAAAAAHAAAAAAAAAAAAAAAAAAAAAAAAAAAAAAAAAAAAf39/ACUAAABYAAAAAAAAAAAAAAAAAAAAAAAAAAAAAAAAAAAAAAAAAAAAAAAAAAAAAAAAAAAAAAA/AAAAAAAAAKCGAQAAAAAAAAAAAAAAAAAMAAAAAQAAAAAAAAAAAAAAAAAAAB8AAABUAAAARHLEBf///wEAAAAAAAAAAAAAAAAAAAAAAAAAAAAAAAAAAAAAAAAAAHCtRwx/f38A5+bmA8zMzADAwP8Af39/AAAAAAAAAAAAAAAAAAAAAAAAAAAAIQAAABgAAAAUAAAA5zcAANoWAABDOwAA2hYAAAAAAAAmAAAACAAAAP//////////MAAAABQAAAAAAAAAAAD//wAAAQAAAP//AAABAA=="/>
+                </a:ext>
+              </a:extLst>
+            </p:cNvSpPr>
+            <p:nvPr/>
+          </p:nvSpPr>
+          <p:spPr>
+            <a:xfrm flipV="1">
+              <a:off x="9087485" y="3714750"/>
+              <a:ext cx="546100" cy="0"/>
+            </a:xfrm>
+            <a:prstGeom prst="line">
+              <a:avLst/>
+            </a:prstGeom>
+            <a:noFill/>
+            <a:ln w="19050" cap="flat" cmpd="sng" algn="ctr">
+              <a:solidFill>
+                <a:schemeClr val="accent6"/>
+              </a:solidFill>
+              <a:prstDash val="solid"/>
+              <a:headEnd type="none"/>
+              <a:tailEnd type="stealth" w="lg" len="lg"/>
+            </a:ln>
+            <a:effectLst/>
+          </p:spPr>
+        </p:sp>
+        <p:sp>
+          <p:nvSpPr>
+            <p:cNvPr id="60" name="Line5"/>
+            <p:cNvSpPr>
+              <a:extLst>
+                <a:ext uri="smNativeData">
+                  <pr:smNativeData xmlns:pr="smNativeData" xmlns="smNativeData" val="SMDATA_16_FAWHYRMAAAAlAAAACgAAAA8BAAAAkAAAAEgAAACQAAAASAAAAAAAAAAAAAAAAAAAAAEAAABQAAAAAAAAAAAA4D8AAAAAAADgPwAAAAAAAOA/AAAAAAAA4D8AAAAAAADgPwAAAAAAAOA/AAAAAAAA4D8AAAAAAADgPwAAAAAAAOA/AAAAAAAA4D8CAAAAjAAAAAAAAAAAAAAARHLEDP///wgAAAAAAAAAAAAAAAAAAAAAAAAAAAAAAAAAAAAAZAAAAAEAAABAAAAAAAAAAAAAAAAAAAAAAAAAAAAAAAAAAAAAAAAAAAAAAAAAAAAAAAAAAAAAAAAAAAAAAAAAAAAAAAAAAAAAAAAAAAAAAAAAAAAAAAAAAAAAAAAAAAAAFAAAADwAAAABAAAAAAAAAHCtRwAeAAAAAQAAABQAAAAUAAAAFAAAAAEAAAAAAAAAZAAAAGQAAAABAAAAlgAAAJYAAAAVAAAAYAAAAAAAAAAAAAAADwAAACADAAAAAAAAAAAAAAEAAACgMgAAAAAAAAAAAAABAAAAf39/AAEAAABkAAAAAAAAABQAAABAHwAAAAAAACYAAAAAAAAAwOD//wAAAAAmAAAAZAAAABYAAABMAAAAAAAAAAAAAAAEAAAAAAAAAAEAAADn5uYKAAAAACgAAAAoAAAAZAAAAGQAAAAAAAAAzMzMAAAAAABQAAAAUAAAAGQAAABkAAAAAAAAABcAAAAUAAAAAAAAAAAAAAD/fwAA/38AAAAAAAAJAAAABAAAADUAAAAeAAAAaAAAAAAAAAAAAAAAAAAAAAAAAAAAAAAAECcAABAnAAAAAAAAAAAAAAAAAAAAAAAAAAAAAAAAAAAAAAAAAAAAABQAAAAAAAAAwMD/AAAAAABkAAAAMgAAAAAAAABkAAAAAAAAAH9/fwAKAAAAIgAAABgAAAAAAAAAAAAAAAAAAAAAAAAAAAAAAAAAAAAkAAAAJAAAAAAAAAAHAAAAAAAAAAAAAAAAAAAAAAAAAAAAAAAAAAAAf39/ACUAAABYAAAAAAAAAAAAAAAAAAAAAAAAAAAAAAAAAAAAAAAAAAAAAAAAAAAAAAAAAAAAAAA/AAAAAAAAAKCGAQAAAAAAAAAAAAAAAAAMAAAAAQAAAAAAAAAAAAAAAAAAAB8AAABUAAAARHLEBf///wEAAAAAAAAAAAAAAAAAAAAAAAAAAAAAAAAAAAAAAAAAAHCtRwx/f38A5+bmA8zMzADAwP8Af39/AAAAAAAAAAAAAAAAAAAAAAAAAAAAIQAAABgAAAAUAAAA/DcAAJwUAAB1OgAAvhYAAAAAAAAmAAAACAAAAP//////////MAAAABQAAAAAAAAAAAD//wAAAQAAAP//AAABAA=="/>
+                </a:ext>
+              </a:extLst>
+            </p:cNvSpPr>
+            <p:nvPr/>
+          </p:nvSpPr>
+          <p:spPr>
+            <a:xfrm flipV="1">
+              <a:off x="9100820" y="3350260"/>
+              <a:ext cx="401955" cy="346710"/>
+            </a:xfrm>
+            <a:prstGeom prst="line">
+              <a:avLst/>
+            </a:prstGeom>
+            <a:noFill/>
+            <a:ln w="19050" cap="flat" cmpd="sng" algn="ctr">
+              <a:solidFill>
+                <a:schemeClr val="accent6"/>
+              </a:solidFill>
+              <a:prstDash val="solid"/>
+              <a:headEnd type="none"/>
+              <a:tailEnd type="stealth" w="lg" len="lg"/>
+            </a:ln>
+            <a:effectLst/>
+          </p:spPr>
+        </p:sp>
+      </p:grpSp>
+      <p:sp>
+        <p:nvSpPr>
+          <p:cNvPr id="67" name="Textbox1"/>
+          <p:cNvSpPr txBox="1">
+            <a:extLst>
+              <a:ext uri="smNativeData">
+                <pr:smNativeData xmlns:pr="smNativeData" xmlns="smNativeData" val="SMDATA_16_FAWHYRMAAAAlAAAAEgAAAA8BAAAAkAAAAEgAAACQAAAASAAAAAAAAAAAAAAAAAAAAAEAAABQAAAAAAAAAAAA4D8AAAAAAADgPwAAAAAAAOA/AAAAAAAA4D8AAAAAAADgPwAAAAAAAOA/AAAAAAAA4D8AAAAAAADgPwAAAAAAAOA/AAAAAAAA4D8CAAAAjAAAAAAAAAAAAAAARHLEDP///wgAAAAAAAAAAAAAAAAAAAAAAAAAAAAAAAAAAAAAZAAAAAEAAABAAAAAAAAAAAAAAAAAAAAAAAAAAAAAAAAAAAAAAAAAAAAAAAAAAAAAAAAAAAAAAAAAAAAAAAAAAAAAAAAAAAAAAAAAAAAAAAAAAAAAAAAAAAAAAAAAAAAAFAAAADwAAAAAAAAAAAAAAAAAAAkUAAAAAQAAABQAAAAUAAAAFAAAAAEAAAAAAAAAZAAAAGQAAAAAAAAAZAAAAGQAAAAVAAAAYAAAAAAAAAAAAAAADwAAACADAAAAAAAAAAAAAAEAAACgMgAAVgcAAKr4//8BAAAAf39/AAEAAABkAAAAAAAAABQAAABAHwAAAAAAACYAAAAAAAAAwOD//wAAAAAmAAAAZAAAABYAAABMAAAAAAAAAAAAAAAEAAAAAAAAAAEAAADn5uYKAAAAACgAAAAoAAAAZAAAAGQAAAAAAAAAzMzMAAAAAABQAAAAUAAAAGQAAABkAAAAAAAAABcAAAAUAAAAAAAAANwIAAD/fwAA/38AAAAAAAAJAAAABAAAADUAAAAeAAAAaAAAAAAAAAAAAAAAAAAAAAAAAAAAAAAAECcAABAnAAAAAAAAAAAAAAAAAAAAAAAAAAAAAAAAAAAAAAAAAAAAABQAAAAAAAAAwMD/AAAAAABkAAAAMgAAAAAAAABkAAAAAAAAAH9/fwAKAAAAIgAAABgAAAAAAAAAAAAAAAAAAAAAAAAAAAAAAAAAAAAkAAAAJAAAAAAAAAAHAAAAAAAAAAAAAAAAAAAAAAAAAAAAAAAAAAAAf39/ACUAAABYAAAAAAAAAAAAAAAAAAAAAAAAAAAAAAAAAAAAAAAAAAAAAAAAAAAAAAAAAAAAAAA/AAAAAAAAAKCGAQAAAAAAAAAAAAAAAAAMAAAAAQAAAAAAAAAAAAAAAAAAAB8AAABUAAAARHLEBf///wEAAAAAAAAAAAAAAAAAAAAAAAAAAAAAAAAAAAAAAAAAAAAAAAJ/f38A5+bmA8zMzADAwP8Af39/AAAAAAAAAAAAAAAAAAAAAAAAAAAAIQAAABgAAAAUAAAAPDEAAGYQAADGMwAAMBIAAAAAAAAmAAAACAAAAP//////////MAAAABQAAAAAAAAAAAD//wAAAQAAAP//AAABAA=="/>
+              </a:ext>
+            </a:extLst>
+          </p:cNvSpPr>
+          <p:nvPr/>
+        </p:nvSpPr>
+        <p:spPr>
+          <a:xfrm>
+            <a:off x="8003540" y="2665730"/>
+            <a:ext cx="412750" cy="290830"/>
+          </a:xfrm>
+          <a:prstGeom prst="rect">
+            <a:avLst/>
+          </a:prstGeom>
+          <a:noFill/>
+          <a:ln>
+            <a:noFill/>
+          </a:ln>
+          <a:effectLst/>
+        </p:spPr>
+        <p:txBody>
+          <a:bodyPr vert="horz" wrap="square" numCol="1" spcCol="215900" anchor="t"/>
+          <a:lstStyle/>
+          <a:p>
+            <a:pPr algn="ctr">
+              <a:defRPr lang="en-us" sz="1200" cap="none"/>
+            </a:pPr>
+            <a:r>
+              <a:t>FLL</a:t>
+            </a:r>
+          </a:p>
+        </p:txBody>
+      </p:sp>
+      <p:grpSp>
+        <p:nvGrpSpPr>
+          <p:cNvPr id="68" name="Group2"/>
+          <p:cNvGrpSpPr>
+            <a:extLst>
+              <a:ext uri="smNativeData">
+                <pr:smNativeData xmlns:pr="smNativeData" xmlns="smNativeData" val="SMDATA_6_FAWHYRMAAAAlAAAAAQAAAC8BAAAAkAAAAEgAAACQAAAASAAAAAAAAAAAAAAAAAAAABcAAAAUAAAAAAAAAAAAAAD/fwAA/38AAAAAAAAJAAAABAAAAPoHIwAfAAAAVAAAAAAAAAAAAAAAAAAAAAAAAAAAAAAAAAAAAAAAAAAAAAAAAAAAAAAAAAAAAAAAAAAAAAAAAAAAAAAAAAAAAAAAAAAAAAAAAAAAAAAAAAAAAAAAAAAAACEAAAAYAAAAFAAAAE9AAADwFAAANkIAAOYWAAAAAAAAJgAAAAgAAAD/////AAAAAA=="/>
+              </a:ext>
+            </a:extLst>
+          </p:cNvGrpSpPr>
+          <p:nvPr/>
+        </p:nvGrpSpPr>
+        <p:grpSpPr>
+          <a:xfrm>
+            <a:off x="10454005" y="3403600"/>
+            <a:ext cx="309245" cy="318770"/>
+            <a:chOff x="10454005" y="3403600"/>
+            <a:chExt cx="309245" cy="318770"/>
+          </a:xfrm>
+        </p:grpSpPr>
+        <p:sp>
+          <p:nvSpPr>
+            <p:cNvPr id="75" name="Ellipse2"/>
+            <p:cNvSpPr>
+              <a:extLst>
+                <a:ext uri="smNativeData">
+                  <pr:smNativeData xmlns:pr="smNativeData" xmlns="smNativeData" val="SMDATA_16_FAWHYRMAAAAlAAAAZgAAAA8BAAAAkAAAAEgAAACQAAAASAAAAAAAAAAAAAAAAAAAAAEAAABQAAAAAAAAAAAA8D8AAAAAAADwPwAAAAAAAOA/AAAAAAAA4D8AAAAAAADgPwAAAAAAAOA/AAAAAAAA4D8AAAAAAADgPwAAAAAAAOA/AAAAAAAA4D8CAAAAjAAAAAEAAAAAAAAAcK1HAP///wgAAAAAAAAAAAAAAAAAAAAAAAAAAAAAAAAAAAAAZAAAAAEAAABAAAAAAAAAAAAAAAAAAAAAAAAAAAAAAAAAAAAAAAAAAAAAAAAAAAAAAAAAAAAAAAAAAAAAAAAAAAAAAAAAAAAAAAAAAAAAAAAAAAAAAAAAAAAAAAAAAAAAFAAAADwAAAABAAAAAAAAAHCtRwAUAAAAAQAAABQAAAAUAAAAFAAAAAEAAAAAAAAAZAAAAGQAAAAAAAAAZAAAAGQAAAAVAAAAYAAAAAAAAAAAAAAADwAAACADAAAAAAAAAAAAAAEAAACgMgAAAAAAAAAAAAABAAAAf39/AAEAAABkAAAAAAAAABQAAABAHwAAAAAAACYAAAAAAAAAwOD//wAAAAAmAAAAZAAAABYAAABMAAAAAAAAAAAAAAAEAAAAAAAAAAEAAADn5uYKAAAAACgAAAAoAAAAZAAAAGQAAAAAAAAAzMzMAAAAAABQAAAAUAAAAGQAAABkAAAAAAAAABcAAAAUAAAAAAAAAAAAAAD/fwAA/38AAAAAAAAJAAAABAAAADUAAAAeAAAAaAAAAAAAAAAAAAAAAAAAAAAAAAAAAAAAECcAABAnAAAAAAAAAAAAAAAAAAAAAAAAAAAAAAAAAAAAAAAAAAAAABQAAAAAAAAAwMD/AAAAAABkAAAAMgAAAAAAAABkAAAAAAAAAH9/fwAKAAAAIgAAABgAAAAAAAAAAAAAAAAAAAAAAAAAAAAAAAAAAAAkAAAAJAAAAAAAAAAHAAAAAAAAAAAAAAAAAAAAAAAAAAAAAAAAAAAAf39/ACUAAABYAAAAAAAAAAAAAAAAAAAAAAAAAAAAAAAAAAAAAAAAAAAAAAAAAAAAAAAAAAAAAAA/AAAAAAAAAKCGAQAAAAAAAAAAAAAAAAAMAAAAAQAAAAAAAAAAAAAAAAAAAB8AAABUAAAAcK1HDP///wEAAAAAAAAAAAAAAAAAAAAAAAAAAAAAAAAAAAAAAAAAAHCtRwx/f38A5+bmA8zMzADAwP8Af39/AAAAAAAAAAAAAAAAAAAAAAAAAAAAIQAAABgAAAAUAAAAJEEAAM8VAABhQQAABxYAAAAAAAAmAAAACAAAAP//////////MAAAABQAAAAAAAAAAAD//wAAAQAAAP//AAABAA=="/>
+                </a:ext>
+              </a:extLst>
+            </p:cNvSpPr>
+            <p:nvPr/>
+          </p:nvSpPr>
+          <p:spPr>
+            <a:xfrm>
+              <a:off x="10589260" y="3545205"/>
+              <a:ext cx="38735" cy="35560"/>
+            </a:xfrm>
+            <a:prstGeom prst="ellipse">
+              <a:avLst/>
+            </a:prstGeom>
+            <a:solidFill>
+              <a:schemeClr val="accent6"/>
+            </a:solidFill>
+            <a:ln w="12700" cap="flat" cmpd="sng" algn="ctr">
+              <a:solidFill>
+                <a:schemeClr val="accent6"/>
+              </a:solidFill>
+              <a:prstDash val="solid"/>
+              <a:headEnd type="none"/>
+              <a:tailEnd type="none"/>
+            </a:ln>
+            <a:effectLst/>
+          </p:spPr>
+        </p:sp>
+        <p:sp>
+          <p:nvSpPr>
+            <p:cNvPr id="74" name="AutoShape2"/>
+            <p:cNvSpPr>
+              <a:extLst>
+                <a:ext uri="smNativeData">
+                  <pr:smNativeData xmlns:pr="smNativeData" xmlns="smNativeData" val="SMDATA_16_FAWHYRMAAAAlAAAAjgAAAA8BAAAAkAAAAEgAAACQAAAASAAAAAAAAAAAAAAAAAAAAAEAAABQAAAAAAAAAAAA8D+w0uKyOuTfPwAAAAAAAOA/AAAAAAAA4D8AAAAAAADgPwAAAAAAAOA/AAAAAAAA4D8AAAAAAADgPwAAAAAAAOA/AAAAAAAA4D8CAAAAjAAAAAAAAAAAAAAARHLEDP///wgAAAAAAAAAAAAAAAAAAAAAAAAAAAAAAAAAAAAAZAAAAAEAAABAAAAAAAAAAAAAAAAAAAAAAAAAAAAAAAAAAAAAAAAAAAAAAAAAAAAAAAAAAAAAAAAAAAAAAAAAAAAAAAAAAAAAAAAAAAAAAAAAAAAAAAAAAAAAAAAAAAAAFAAAADwAAAABAAAAAAAAAHCtRwAeAAAAAQAAABQAAAAUAAAAFAAAAAEAAAAAAAAAZAAAAGQAAAAAAAAAZAAAAGQAAAAVAAAAYAAAAAAAAAAAAAAADwAAACADAAAAAAAAAAAAAAEAAACgMgAAAAAAAAAAAAABAAAAf39/AAEAAABkAAAAAAAAABQAAABAHwAAAAAAACYAAAAAAAAAwOD//wAAAAAmAAAAZAAAABYAAABMAAAAAAAAAAAAAAAEAAAAAAAAAAEAAADn5uYKAAAAACgAAAAoAAAAZAAAAGQAAAAAAAAAzMzMAAAAAABQAAAAUAAAAGQAAABkAAAAAAAAABcAAAAUAAAAAAAAAAAAAAD/fwAA/38AAAAAAAAJAAAABAAAAD0AAAAeAAAAaAAAAAAAAAAAAAAAAAAAAAAAAAAAAAAAECcAABAnAAAAAAAAAAAAAAAAAAAAAAAAAAAAAAAAAAAAAAAAAAAAABQAAAAAAAAAwMD/AAAAAABkAAAAMgAAAAAAAABkAAAAAAAAAH9/fwAKAAAAIgAAABgAAAAAAAAAAAAAAAAAAAAAAAAAAAAAAAAAAAAkAAAAJAAAAAAAAAAHAAAAAAAAAAAAAAAAAAAAAAAAAAAAAAAAAAAAf39/ACUAAABYAAAAAAAAAAAAAAAAAAAAAAAAAAAAAAAAAAAAAAAAAAAAAAAAAAAAAAAAAAAAAAA/AAAAAAAAAKCGAQAAAAAAAAAAAAAAAAAMAAAAAQAAAAAAAAAAAAAAAAAAAB8AAABUAAAARHLEBf///wEAAAAAAAAAAAAAAAAAAAAAAAAAAAAAAAAAAAAAAAAAAHCtRwx/f38A5+bmA8zMzADAwP8Af39/AAAAAAAAAAAAAAAAAAAAAAAAAAAAIQAAABgAAAAUAAAAT0AAAPAUAAA2QgAA5hYAAAAAAAAmAAAACAAAAP//////////MAAAABQAAAAAAAAAAAD//wAAAQAAAP//AAABAA=="/>
+                </a:ext>
+              </a:extLst>
+            </p:cNvSpPr>
+            <p:nvPr/>
+          </p:nvSpPr>
+          <p:spPr>
+            <a:xfrm rot="16200000">
+              <a:off x="10449560" y="3408045"/>
+              <a:ext cx="318770" cy="309245"/>
+            </a:xfrm>
+            <a:prstGeom prst="arc">
+              <a:avLst>
+                <a:gd name="adj1" fmla="val 16200000"/>
+                <a:gd name="adj2" fmla="val 5436612"/>
+              </a:avLst>
+            </a:prstGeom>
+            <a:noFill/>
+            <a:ln w="19050" cap="flat" cmpd="sng" algn="ctr">
+              <a:solidFill>
+                <a:schemeClr val="accent6"/>
+              </a:solidFill>
+              <a:prstDash val="solid"/>
+              <a:headEnd type="none"/>
+              <a:tailEnd type="none"/>
+            </a:ln>
+            <a:effectLst/>
+          </p:spPr>
+        </p:sp>
+        <p:sp>
+          <p:nvSpPr>
+            <p:cNvPr id="73" name="Line6"/>
+            <p:cNvSpPr>
+              <a:extLst>
+                <a:ext uri="smNativeData">
+                  <pr:smNativeData xmlns:pr="smNativeData" xmlns="smNativeData" val="SMDATA_16_FAWHYRMAAAAlAAAACgAAAA8BAAAAkAAAAEgAAACQAAAASAAAAAAAAAAAAAAAAAAAAAEAAABQAAAAAAAAAAAA4D8AAAAAAADgPwAAAAAAAOA/AAAAAAAA4D8AAAAAAADgPwAAAAAAAOA/AAAAAAAA4D8AAAAAAADgPwAAAAAAAOA/AAAAAAAA4D8CAAAAjAAAAAAAAAAAAAAARHLEDP///wgAAAAAAAAAAAAAAAAAAAAAAAAAAAAAAAAAAAAAZAAAAAEAAABAAAAAAAAAAAAAAAAAAAAAAAAAAAAAAAAAAAAAAAAAAAAAAAAAAAAAAAAAAAAAAAAAAAAAAAAAAAAAAAAAAAAAAAAAAAAAAAAAAAAAAAAAAAAAAAAAAAAAFAAAADwAAAABAAAAAAAAAHCtRwAeAAAAAQAAABQAAAAUAAAAFAAAAAEAAAAAAAAAZAAAAGQAAAABAAAAlgAAAJYAAAAVAAAAYAAAAAAAAAAAAAAADwAAACADAAAAAAAAAAAAAAEAAACgMgAAAAAAAAAAAAABAAAAf39/AAEAAABkAAAAAAAAABQAAABAHwAAAAAAACYAAAAAAAAAwOD//wAAAAAmAAAAZAAAABYAAABMAAAAAAAAAAAAAAAEAAAAAAAAAAEAAADn5uYKAAAAACgAAAAoAAAAZAAAAGQAAAAAAAAAzMzMAAAAAABQAAAAUAAAAGQAAABkAAAAAAAAABcAAAAUAAAAAAAAAAAAAAD/fwAA/38AAAAAAAAJAAAABAAAAAwAAAAeAAAAaAAAAAAAAAAAAAAAAAAAAAAAAAAAAAAAECcAABAnAAAAAAAAAAAAAAAAAAAAAAAAAAAAAAAAAAAAAAAAAAAAABQAAAAAAAAAwMD/AAAAAABkAAAAMgAAAAAAAABkAAAAAAAAAH9/fwAKAAAAIgAAABgAAAAAAAAAAAAAAAAAAAAAAAAAAAAAAAAAAAAkAAAAJAAAAAAAAAAHAAAAAAAAAAAAAAAAAAAAAAAAAAAAAAAAAAAAf39/ACUAAABYAAAAAAAAAAAAAAAAAAAAAAAAAAAAAAAAAAAAAAAAAAAAAAAAAAAAAAAAAAAAAAA/AAAAAAAAAKCGAQAAAAAAAAAAAAAAAAAMAAAAAQAAAAAAAAAAAAAAAAAAAB8AAABUAAAARHLEBf///wEAAAAAAAAAAAAAAAAAAAAAAAAAAAAAAAAAAAAAAAAAAHCtRwx/f38A5+bmA8zMzADAwP8Af39/AAAAAAAAAAAAAAAAAAAAAAAAAAAAIQAAABgAAAAUAAAAWUAAAOwVAABCQQAA7BUAAAAAAAAmAAAACAAAAP//////////MAAAABQAAAAAAAAAAAD//wAAAQAAAP//AAABAA=="/>
+                </a:ext>
+              </a:extLst>
+            </p:cNvSpPr>
+            <p:nvPr/>
+          </p:nvSpPr>
+          <p:spPr>
+            <a:xfrm flipH="1" flipV="1">
+              <a:off x="10460355" y="3563620"/>
+              <a:ext cx="147955" cy="0"/>
+            </a:xfrm>
+            <a:prstGeom prst="line">
+              <a:avLst/>
+            </a:prstGeom>
+            <a:noFill/>
+            <a:ln w="19050" cap="flat" cmpd="sng" algn="ctr">
+              <a:solidFill>
+                <a:schemeClr val="accent6"/>
+              </a:solidFill>
+              <a:prstDash val="solid"/>
+              <a:headEnd type="none"/>
+              <a:tailEnd type="stealth" w="lg" len="lg"/>
+            </a:ln>
+            <a:effectLst/>
+          </p:spPr>
+        </p:sp>
+        <p:sp>
+          <p:nvSpPr>
+            <p:cNvPr id="72" name="Line7"/>
+            <p:cNvSpPr>
+              <a:extLst>
+                <a:ext uri="smNativeData">
+                  <pr:smNativeData xmlns:pr="smNativeData" xmlns="smNativeData" val="SMDATA_16_FAWHYRMAAAAlAAAACgAAAA8BAAAAkAAAAEgAAACQAAAASAAAAAAAAAAAAAAAAAAAAAEAAABQAAAAAAAAAAAA4D8AAAAAAADgPwAAAAAAAOA/AAAAAAAA4D8AAAAAAADgPwAAAAAAAOA/AAAAAAAA4D8AAAAAAADgPwAAAAAAAOA/AAAAAAAA4D8CAAAAjAAAAAAAAAAAAAAARHLEDP///wgAAAAAAAAAAAAAAAAAAAAAAAAAAAAAAAAAAAAAZAAAAAEAAABAAAAAAAAAAAAAAAAAAAAAAAAAAAAAAAAAAAAAAAAAAAAAAAAAAAAAAAAAAAAAAAAAAAAAAAAAAAAAAAAAAAAAAAAAAAAAAAAAAAAAAAAAAAAAAAAAAAAAFAAAADwAAAABAAAAAAAAAHCtRwAeAAAAAQAAABQAAAAUAAAAFAAAAAEAAAAAAAAAZAAAAGQAAAABAAAAlgAAAJYAAAAVAAAAYAAAAAAAAAAAAAAADwAAACADAAAAAAAAAAAAAAEAAACgMgAAAAAAAAAAAAABAAAAf39/AAEAAABkAAAAAAAAABQAAABAHwAAAAAAACYAAAAAAAAAwOD//wAAAAAmAAAAZAAAABYAAABMAAAAAAAAAAAAAAAEAAAAAAAAAAEAAADn5uYKAAAAACgAAAAoAAAAZAAAAGQAAAAAAAAAzMzMAAAAAABQAAAAUAAAAGQAAABkAAAAAAAAABcAAAAUAAAAAAAAAAAAAAD/fwAA/38AAAAAAAAJAAAABAAAAD0AAAAeAAAAaAAAAAAAAAAAAAAAAAAAAAAAAAAAAAAAECcAABAnAAAAAAAAAAAAAAAAAAAAAAAAAAAAAAAAAAAAAAAAAAAAABQAAAAAAAAAwMD/AAAAAABkAAAAMgAAAAAAAABkAAAAAAAAAH9/fwAKAAAAIgAAABgAAAAAAAAAAAAAAAAAAAAAAAAAAAAAAAAAAAAkAAAAJAAAAAAAAAAHAAAAAAAAAAAAAAAAAAAAAAAAAAAAAAAAAAAAf39/ACUAAABYAAAAAAAAAAAAAAAAAAAAAAAAAAAAAAAAAAAAAAAAAAAAAAAAAAAAAAAAAAAAAAA/AAAAAAAAAKCGAQAAAAAAAAAAAAAAAAAMAAAAAQAAAAAAAAAAAAAAAAAAAB8AAABUAAAARHLEBf///wEAAAAAAAAAAAAAAAAAAAAAAAAAAAAAAAAAAAAAAAAAAHCtRwx/f38A5+bmA8zMzADAwP8Af39/AAAAAAAAAAAAAAAAAAAAAAAAAAAAIQAAABgAAAAUAAAAQUEAAPwUAABBQQAA7BUAAAAAAAAmAAAACAAAAP//////////MAAAABQAAAAAAAAAAAD//wAAAQAAAP//AAABAA=="/>
+                </a:ext>
+              </a:extLst>
+            </p:cNvSpPr>
+            <p:nvPr/>
+          </p:nvSpPr>
+          <p:spPr>
+            <a:xfrm flipH="1" flipV="1">
+              <a:off x="10607675" y="3411220"/>
+              <a:ext cx="0" cy="152400"/>
+            </a:xfrm>
+            <a:prstGeom prst="line">
+              <a:avLst/>
+            </a:prstGeom>
+            <a:noFill/>
+            <a:ln w="19050" cap="flat" cmpd="sng" algn="ctr">
+              <a:solidFill>
+                <a:schemeClr val="accent6"/>
+              </a:solidFill>
+              <a:prstDash val="solid"/>
+              <a:headEnd type="none"/>
+              <a:tailEnd type="stealth" w="lg" len="lg"/>
+            </a:ln>
+            <a:effectLst/>
+          </p:spPr>
+        </p:sp>
+        <p:sp>
+          <p:nvSpPr>
+            <p:cNvPr id="71" name="Line3"/>
+            <p:cNvSpPr>
+              <a:extLst>
+                <a:ext uri="smNativeData">
+                  <pr:smNativeData xmlns:pr="smNativeData" xmlns="smNativeData" val="SMDATA_16_FAWHYRMAAAAlAAAACgAAAA8BAAAAkAAAAEgAAACQAAAASAAAAAAAAAAAAAAAAAAAAAEAAABQAAAAAAAAAAAA4D8AAAAAAADgPwAAAAAAAOA/AAAAAAAA4D8AAAAAAADgPwAAAAAAAOA/AAAAAAAA4D8AAAAAAADgPwAAAAAAAOA/AAAAAAAA4D8CAAAAjAAAAAAAAAAAAAAARHLEDP///wgAAAAAAAAAAAAAAAAAAAAAAAAAAAAAAAAAAAAAZAAAAAEAAABAAAAAAAAAAAAAAAAAAAAAAAAAAAAAAAAAAAAAAAAAAAAAAAAAAAAAAAAAAAAAAAAAAAAAAAAAAAAAAAAAAAAAAAAAAAAAAAAAAAAAAAAAAAAAAAAAAAAAFAAAADwAAAABAAAAAAAAAHCtRwAeAAAAAQAAABQAAAAUAAAAFAAAAAEAAAAAAAAAZAAAAGQAAAABAAAAlgAAAJYAAAAVAAAAYAAAAAAAAAAAAAAADwAAACADAAAAAAAAAAAAAAEAAACgMgAAAAAAAAAAAAABAAAAf39/AAEAAABkAAAAAAAAABQAAABAHwAAAAAAACYAAAAAAAAAwOD//wAAAAAmAAAAZAAAABYAAABMAAAAAAAAAAAAAAAEAAAAAAAAAAEAAADn5uYKAAAAACgAAAAoAAAAZAAAAGQAAAAAAAAAzMzMAAAAAABQAAAAUAAAAGQAAABkAAAAAAAAABcAAAAUAAAAAAAAAAAAAAD/fwAA/38AAAAAAAAJAAAABAAAAD0AAAAeAAAAaAAAAAAAAAAAAAAAAAAAAAAAAAAAAAAAECcAABAnAAAAAAAAAAAAAAAAAAAAAAAAAAAAAAAAAAAAAAAAAAAAABQAAAAAAAAAwMD/AAAAAABkAAAAMgAAAAAAAABkAAAAAAAAAH9/fwAKAAAAIgAAABgAAAAAAAAAAAAAAAAAAAAAAAAAAAAAAAAAAAAkAAAAJAAAAAAAAAAHAAAAAAAAAAAAAAAAAAAAAAAAAAAAAAAAAAAAf39/ACUAAABYAAAAAAAAAAAAAAAAAAAAAAAAAAAAAAAAAAAAAAAAAAAAAAAAAAAAAAAAAAAAAAA/AAAAAAAAAKCGAQAAAAAAAAAAAAAAAAAMAAAAAQAAAAAAAAAAAAAAAAAAAB8AAABUAAAARHLEBf///wEAAAAAAAAAAAAAAAAAAAAAAAAAAAAAAAAAAAAAAAAAAHCtRwx/f38A5+bmA8zMzADAwP8Af39/AAAAAAAAAAAAAAAAAAAAAAAAAAAAIQAAABgAAAAUAAAAmkAAAE0VAABCQQAA7BUAAAAAAAAmAAAACAAAAP//////////MAAAABQAAAAAAAAAAAD//wAAAQAAAP//AAABAA=="/>
+                </a:ext>
+              </a:extLst>
+            </p:cNvSpPr>
+            <p:nvPr/>
+          </p:nvSpPr>
+          <p:spPr>
+            <a:xfrm flipH="1" flipV="1">
+              <a:off x="10501630" y="3462655"/>
+              <a:ext cx="106680" cy="100965"/>
+            </a:xfrm>
+            <a:prstGeom prst="line">
+              <a:avLst/>
+            </a:prstGeom>
+            <a:noFill/>
+            <a:ln w="19050" cap="flat" cmpd="sng" algn="ctr">
+              <a:solidFill>
+                <a:schemeClr val="accent6"/>
+              </a:solidFill>
+              <a:prstDash val="solid"/>
+              <a:headEnd type="none"/>
+              <a:tailEnd type="stealth" w="lg" len="lg"/>
+            </a:ln>
+            <a:effectLst/>
+          </p:spPr>
+        </p:sp>
+        <p:sp>
+          <p:nvSpPr>
+            <p:cNvPr id="70" name="Line4"/>
+            <p:cNvSpPr>
+              <a:extLst>
+                <a:ext uri="smNativeData">
+                  <pr:smNativeData xmlns:pr="smNativeData" xmlns="smNativeData" val="SMDATA_16_FAWHYRMAAAAlAAAACgAAAA8BAAAAkAAAAEgAAACQAAAASAAAAAAAAAAAAAAAAAAAAAEAAABQAAAAAAAAAAAA4D8AAAAAAADgPwAAAAAAAOA/AAAAAAAA4D8AAAAAAADgPwAAAAAAAOA/AAAAAAAA4D8AAAAAAADgPwAAAAAAAOA/AAAAAAAA4D8CAAAAjAAAAAAAAAAAAAAARHLEDP///wgAAAAAAAAAAAAAAAAAAAAAAAAAAAAAAAAAAAAAZAAAAAEAAABAAAAAAAAAAAAAAAAAAAAAAAAAAAAAAAAAAAAAAAAAAAAAAAAAAAAAAAAAAAAAAAAAAAAAAAAAAAAAAAAAAAAAAAAAAAAAAAAAAAAAAAAAAAAAAAAAAAAAFAAAADwAAAABAAAAAAAAAHCtRwAeAAAAAQAAABQAAAAUAAAAFAAAAAEAAAAAAAAAZAAAAGQAAAABAAAAlgAAAJYAAAAVAAAAYAAAAAAAAAAAAAAADwAAACADAAAAAAAAAAAAAAEAAACgMgAAAAAAAAAAAAABAAAAf39/AAEAAABkAAAAAAAAABQAAABAHwAAAAAAACYAAAAAAAAAwOD//wAAAAAmAAAAZAAAABYAAABMAAAAAAAAAAAAAAAEAAAAAAAAAAEAAADn5uYKAAAAACgAAAAoAAAAZAAAAGQAAAAAAAAAzMzMAAAAAABQAAAAUAAAAGQAAABkAAAAAAAAABcAAAAUAAAAAAAAAAAAAAD/fwAA/38AAAAAAAAJAAAABAAAAAwAAAAeAAAAaAAAAAAAAAAAAAAAAAAAAAAAAAAAAAAAECcAABAnAAAAAAAAAAAAAAAAAAAAAAAAAAAAAAAAAAAAAAAAAAAAABQAAAAAAAAAwMD/AAAAAABkAAAAMgAAAAAAAABkAAAAAAAAAH9/fwAKAAAAIgAAABgAAAAAAAAAAAAAAAAAAAAAAAAAAAAAAAAAAAAkAAAAJAAAAAAAAAAHAAAAAAAAAAAAAAAAAAAAAAAAAAAAAAAAAAAAf39/ACUAAABYAAAAAAAAAAAAAAAAAAAAAAAAAAAAAAAAAAAAAAAAAAAAAAAAAAAAAAAAAAAAAAA/AAAAAAAAAKCGAQAAAAAAAAAAAAAAAAAMAAAAAQAAAAAAAAAAAAAAAAAAAB8AAABUAAAARHLEBf///wEAAAAAAAAAAAAAAAAAAAAAAAAAAAAAAAAAAAAAAAAAAHCtRwx/f38A5+bmA8zMzADAwP8Af39/AAAAAAAAAAAAAAAAAAAAAAAAAAAAIQAAABgAAAAUAAAARUEAAO0VAAAqQgAA7RUAAAAAAAAmAAAACAAAAP//////////MAAAABQAAAAAAAAAAAD//wAAAQAAAP//AAABAA=="/>
+                </a:ext>
+              </a:extLst>
+            </p:cNvSpPr>
+            <p:nvPr/>
+          </p:nvSpPr>
+          <p:spPr>
+            <a:xfrm flipV="1">
+              <a:off x="10610215" y="3564255"/>
+              <a:ext cx="145415" cy="0"/>
+            </a:xfrm>
+            <a:prstGeom prst="line">
+              <a:avLst/>
+            </a:prstGeom>
+            <a:noFill/>
+            <a:ln w="19050" cap="flat" cmpd="sng" algn="ctr">
+              <a:solidFill>
+                <a:schemeClr val="accent6"/>
+              </a:solidFill>
+              <a:prstDash val="solid"/>
+              <a:headEnd type="none"/>
+              <a:tailEnd type="stealth" w="lg" len="lg"/>
+            </a:ln>
+            <a:effectLst/>
+          </p:spPr>
+        </p:sp>
+        <p:sp>
+          <p:nvSpPr>
+            <p:cNvPr id="69" name="Line10"/>
+            <p:cNvSpPr>
+              <a:extLst>
+                <a:ext uri="smNativeData">
+                  <pr:smNativeData xmlns:pr="smNativeData" xmlns="smNativeData" val="SMDATA_16_FAWHYRMAAAAlAAAACgAAAA8BAAAAkAAAAEgAAACQAAAASAAAAAAAAAAAAAAAAAAAAAEAAABQAAAAAAAAAAAA4D8AAAAAAADgPwAAAAAAAOA/AAAAAAAA4D8AAAAAAADgPwAAAAAAAOA/AAAAAAAA4D8AAAAAAADgPwAAAAAAAOA/AAAAAAAA4D8CAAAAjAAAAAAAAAAAAAAARHLEDP///wgAAAAAAAAAAAAAAAAAAAAAAAAAAAAAAAAAAAAAZAAAAAEAAABAAAAAAAAAAAAAAAAAAAAAAAAAAAAAAAAAAAAAAAAAAAAAAAAAAAAAAAAAAAAAAAAAAAAAAAAAAAAAAAAAAAAAAAAAAAAAAAAAAAAAAAAAAAAAAAAAAAAAFAAAADwAAAABAAAAAAAAAHCtRwAeAAAAAQAAABQAAAAUAAAAFAAAAAEAAAAAAAAAZAAAAGQAAAABAAAAlgAAAJYAAAAVAAAAYAAAAAAAAAAAAAAADwAAACADAAAAAAAAAAAAAAEAAACgMgAAAAAAAAAAAAABAAAAf39/AAEAAABkAAAAAAAAABQAAABAHwAAAAAAACYAAAAAAAAAwOD//wAAAAAmAAAAZAAAABYAAABMAAAAAAAAAAAAAAAEAAAAAAAAAAEAAADn5uYKAAAAACgAAAAoAAAAZAAAAGQAAAAAAAAAzMzMAAAAAABQAAAAUAAAAGQAAABkAAAAAAAAABcAAAAUAAAAAAAAAAAAAAD/fwAA/38AAAAAAAAJAAAABAAAADMAAAAeAAAAaAAAAAAAAAAAAAAAAAAAAAAAAAAAAAAAECcAABAnAAAAAAAAAAAAAAAAAAAAAAAAAAAAAAAAAAAAAAAAAAAAABQAAAAAAAAAwMD/AAAAAABkAAAAMgAAAAAAAABkAAAAAAAAAH9/fwAKAAAAIgAAABgAAAAAAAAAAAAAAAAAAAAAAAAAAAAAAAAAAAAkAAAAJAAAAAAAAAAHAAAAAAAAAAAAAAAAAAAAAAAAAAAAAAAAAAAAf39/ACUAAABYAAAAAAAAAAAAAAAAAAAAAAAAAAAAAAAAAAAAAAAAAAAAAAAAAAAAAAAAAAAAAAA/AAAAAAAAAKCGAQAAAAAAAAAAAAAAAAAMAAAAAQAAAAAAAAAAAAAAAAAAAB8AAABUAAAARHLEBf///wEAAAAAAAAAAAAAAAAAAAAAAAAAAAAAAAAAAAAAAAAAAHCtRwx/f38A5+bmA8zMzADAwP8Af39/AAAAAAAAAAAAAAAAAAAAAAAAAAAAIQAAABgAAAAUAAAASkEAAFQVAADzQQAA5RUAAAAAAAAmAAAACAAAAP//////////MAAAABQAAAAAAAAAAAD//wAAAQAAAP//AAABAA=="/>
+                </a:ext>
+              </a:extLst>
+            </p:cNvSpPr>
+            <p:nvPr/>
+          </p:nvSpPr>
+          <p:spPr>
+            <a:xfrm flipV="1">
+              <a:off x="10613390" y="3467100"/>
+              <a:ext cx="107315" cy="92075"/>
+            </a:xfrm>
+            <a:prstGeom prst="line">
+              <a:avLst/>
+            </a:prstGeom>
+            <a:noFill/>
+            <a:ln w="19050" cap="flat" cmpd="sng" algn="ctr">
+              <a:solidFill>
+                <a:schemeClr val="accent6"/>
+              </a:solidFill>
+              <a:prstDash val="solid"/>
+              <a:headEnd type="none"/>
+              <a:tailEnd type="stealth" w="lg" len="lg"/>
+            </a:ln>
+            <a:effectLst/>
+          </p:spPr>
+        </p:sp>
+      </p:grpSp>
+      <p:sp>
+        <p:nvSpPr>
+          <p:cNvPr id="76" name="Textbox2"/>
+          <p:cNvSpPr txBox="1">
+            <a:extLst>
+              <a:ext uri="smNativeData">
+                <pr:smNativeData xmlns:pr="smNativeData" xmlns="smNativeData" val="SMDATA_16_FAWHYRMAAAAlAAAAEgAAAA8BAAAAkAAAAEgAAACQAAAASAAAAAAAAAAAAAAAAAAAAAEAAABQAAAAAAAAAAAA4D8AAAAAAADgPwAAAAAAAOA/AAAAAAAA4D8AAAAAAADgPwAAAAAAAOA/AAAAAAAA4D8AAAAAAADgPwAAAAAAAOA/AAAAAAAA4D8CAAAAjAAAAAAAAAAAAAAARHLEDP///wgAAAAAAAAAAAAAAAAAAAAAAAAAAAAAAAAAAAAAZAAAAAEAAABAAAAAAAAAAAAAAAAAAAAAAAAAAAAAAAAAAAAAAAAAAAAAAAAAAAAAAAAAAAAAAAAAAAAAAAAAAAAAAAAAAAAAAAAAAAAAAAAAAAAAAAAAAAAAAAAAAAAAFAAAADwAAAAAAAAAAAAAAAAAAAkUAAAAAQAAABQAAAAUAAAAFAAAAAEAAAAAAAAAZAAAAGQAAAAAAAAAZAAAAGQAAAAVAAAAYAAAAAAAAAAAAAAADwAAACADAAAAAAAAAAAAAAEAAACgMgAAVgcAAKr4//8BAAAAf39/AAEAAABkAAAAAAAAABQAAABAHwAAAAAAACYAAAAAAAAAwOD//wAAAAAmAAAAZAAAABYAAABMAAAAAAAAAAAAAAAEAAAAAAAAAAEAAADn5uYKAAAAACgAAAAoAAAAZAAAAGQAAAAAAAAAzMzMAAAAAABQAAAAUAAAAGQAAABkAAAAAAAAABcAAAAUAAAAAAAAANwIAAD/fwAA/38AAAAAAAAJAAAABAAAAAwAAAAeAAAAaAAAAAAAAAAAAAAAAAAAAAAAAAAAAAAAECcAABAnAAAAAAAAAAAAAAAAAAAAAAAAAAAAAAAAAAAAAAAAAAAAABQAAAAAAAAAwMD/AAAAAABkAAAAMgAAAAAAAABkAAAAAAAAAH9/fwAKAAAAIgAAABgAAAAAAAAAAAAAAAAAAAAAAAAAAAAAAAAAAAAkAAAAJAAAAAAAAAAHAAAAAAAAAAAAAAAAAAAAAAAAAAAAAAAAAAAAf39/ACUAAABYAAAAAAAAAAAAAAAAAAAAAAAAAAAAAAAAAAAAAAAAAAAAAAAAAAAAAAAAAAAAAAA/AAAAAAAAAKCGAQAAAAAAAAAAAAAAAAAMAAAAAQAAAAAAAAAAAAAAAAAAAB8AAABUAAAARHLEBf///wEAAAAAAAAAAAAAAAAAAAAAAAAAAAAAAAAAAAAAAAAAAAAAAAJ/f38A5+bmA8zMzADAwP8Af39/AAAAAAAAAAAAAAAAAAAAAAAAAAAAIQAAABgAAAAUAAAA3DMAAGAPAABmNgAAKhEAAAAAAAAmAAAACAAAAP//////////MAAAABQAAAAAAAAAAAD//wAAAQAAAP//AAABAA=="/>
+              </a:ext>
+            </a:extLst>
+          </p:cNvSpPr>
+          <p:nvPr/>
+        </p:nvSpPr>
+        <p:spPr>
+          <a:xfrm>
+            <a:off x="8430260" y="2499360"/>
+            <a:ext cx="412750" cy="290830"/>
+          </a:xfrm>
+          <a:prstGeom prst="rect">
+            <a:avLst/>
+          </a:prstGeom>
+          <a:noFill/>
+          <a:ln>
+            <a:noFill/>
+          </a:ln>
+          <a:effectLst/>
+        </p:spPr>
+        <p:txBody>
+          <a:bodyPr vert="horz" wrap="square" numCol="1" spcCol="215900" anchor="t"/>
+          <a:lstStyle/>
+          <a:p>
+            <a:pPr algn="ctr">
+              <a:defRPr lang="en-us" sz="1200" cap="none"/>
+            </a:pPr>
+            <a:r>
+              <a:t>FL</a:t>
+            </a:r>
+          </a:p>
+        </p:txBody>
+      </p:sp>
+      <p:sp>
+        <p:nvSpPr>
+          <p:cNvPr id="77" name="Textbox3"/>
+          <p:cNvSpPr txBox="1">
+            <a:extLst>
+              <a:ext uri="smNativeData">
+                <pr:smNativeData xmlns:pr="smNativeData" xmlns="smNativeData" val="SMDATA_16_FAWHYRMAAAAlAAAAEgAAAA8BAAAAkAAAAEgAAACQAAAASAAAAAAAAAAAAAAAAAAAAAEAAABQAAAAAAAAAAAA4D8AAAAAAADgPwAAAAAAAOA/AAAAAAAA4D8AAAAAAADgPwAAAAAAAOA/AAAAAAAA4D8AAAAAAADgPwAAAAAAAOA/AAAAAAAA4D8CAAAAjAAAAAAAAAAAAAAARHLEDP///wgAAAAAAAAAAAAAAAAAAAAAAAAAAAAAAAAAAAAAZAAAAAEAAABAAAAAAAAAAAAAAAAAAAAAAAAAAAAAAAAAAAAAAAAAAAAAAAAAAAAAAAAAAAAAAAAAAAAAAAAAAAAAAAAAAAAAAAAAAAAAAAAAAAAAAAAAAAAAAAAAAAAAFAAAADwAAAAAAAAAAAAAAAAAAAkUAAAAAQAAABQAAAAUAAAAFAAAAAEAAAAAAAAAZAAAAGQAAAAAAAAAZAAAAGQAAAAVAAAAYAAAAAAAAAAAAAAADwAAACADAAAAAAAAAAAAAAEAAACgMgAAVgcAAKr4//8BAAAAf39/AAEAAABkAAAAAAAAABQAAABAHwAAAAAAACYAAAAAAAAAwOD//wAAAAAmAAAAZAAAABYAAABMAAAAAAAAAAAAAAAEAAAAAAAAAAEAAADn5uYKAAAAACgAAAAoAAAAZAAAAGQAAAAAAAAAzMzMAAAAAABQAAAAUAAAAGQAAABkAAAAAAAAABcAAAAUAAAAAAAAANwIAAD/fwAA/38AAAAAAAAJAAAABAAAAD0AAAAeAAAAaAAAAAAAAAAAAAAAAAAAAAAAAAAAAAAAECcAABAnAAAAAAAAAAAAAAAAAAAAAAAAAAAAAAAAAAAAAAAAAAAAABQAAAAAAAAAwMD/AAAAAABkAAAAMgAAAAAAAABkAAAAAAAAAH9/fwAKAAAAIgAAABgAAAAAAAAAAAAAAAAAAAAAAAAAAAAAAAAAAAAkAAAAJAAAAAAAAAAHAAAAAAAAAAAAAAAAAAAAAAAAAAAAAAAAAAAAf39/ACUAAABYAAAAAAAAAAAAAAAAAAAAAAAAAAAAAAAAAAAAAAAAAAAAAAAAAAAAAAAAAAAAAAA/AAAAAAAAAKCGAQAAAAAAAAAAAAAAAAAMAAAAAQAAAAAAAAAAAAAAAAAAAB8AAABUAAAARHLEBf///wEAAAAAAAAAAAAAAAAAAAAAAAAAAAAAAAAAAAAAAAAAAAAAAAJ/f38A5+bmA8zMzADAwP8Af39/AAAAAAAAAAAAAAAAAAAAAAAAAAAAIQAAABgAAAAUAAAAfDYAAHwOAAAGOQAARhAAAAAAAAAmAAAACAAAAP//////////MAAAABQAAAAAAAAAAAD//wAAAQAAAP//AAABAA=="/>
+              </a:ext>
+            </a:extLst>
+          </p:cNvSpPr>
+          <p:nvPr/>
+        </p:nvSpPr>
+        <p:spPr>
+          <a:xfrm>
+            <a:off x="8856980" y="2354580"/>
+            <a:ext cx="412750" cy="290830"/>
+          </a:xfrm>
+          <a:prstGeom prst="rect">
+            <a:avLst/>
+          </a:prstGeom>
+          <a:noFill/>
+          <a:ln>
+            <a:noFill/>
+          </a:ln>
+          <a:effectLst/>
+        </p:spPr>
+        <p:txBody>
+          <a:bodyPr vert="horz" wrap="square" numCol="1" spcCol="215900" anchor="t"/>
+          <a:lstStyle/>
+          <a:p>
+            <a:pPr algn="ctr">
+              <a:defRPr lang="en-us" sz="1200" cap="none"/>
+            </a:pPr>
+            <a:r>
+              <a:t>FC</a:t>
+            </a:r>
+          </a:p>
+        </p:txBody>
+      </p:sp>
+      <p:sp>
+        <p:nvSpPr>
+          <p:cNvPr id="78" name="Textbox4"/>
+          <p:cNvSpPr txBox="1">
+            <a:extLst>
+              <a:ext uri="smNativeData">
+                <pr:smNativeData xmlns:pr="smNativeData" xmlns="smNativeData" val="SMDATA_16_FAWHYRMAAAAlAAAAEgAAAA8BAAAAkAAAAEgAAACQAAAASAAAAAAAAAAAAAAAAAAAAAEAAABQAAAAAAAAAAAA4D8AAAAAAADgPwAAAAAAAOA/AAAAAAAA4D8AAAAAAADgPwAAAAAAAOA/AAAAAAAA4D8AAAAAAADgPwAAAAAAAOA/AAAAAAAA4D8CAAAAjAAAAAAAAAAAAAAARHLEDP///wgAAAAAAAAAAAAAAAAAAAAAAAAAAAAAAAAAAAAAZAAAAAEAAABAAAAAAAAAAAAAAAAAAAAAAAAAAAAAAAAAAAAAAAAAAAAAAAAAAAAAAAAAAAAAAAAAAAAAAAAAAAAAAAAAAAAAAAAAAAAAAAAAAAAAAAAAAAAAAAAAAAAAFAAAADwAAAAAAAAAAAAAAAAAAAkUAAAAAQAAABQAAAAUAAAAFAAAAAEAAAAAAAAAZAAAAGQAAAAAAAAAZAAAAGQAAAAVAAAAYAAAAAAAAAAAAAAADwAAACADAAAAAAAAAAAAAAEAAACgMgAAVgcAAKr4//8BAAAAf39/AAEAAABkAAAAAAAAABQAAABAHwAAAAAAACYAAAAAAAAAwOD//wAAAAAmAAAAZAAAABYAAABMAAAAAAAAAAAAAAAEAAAAAAAAAAEAAADn5uYKAAAAACgAAAAoAAAAZAAAAGQAAAAAAAAAzMzMAAAAAABQAAAAUAAAAGQAAABkAAAAAAAAABcAAAAUAAAAAAAAANwIAAD/fwAA/38AAAAAAAAJAAAABAAAADMAAAAeAAAAaAAAAAAAAAAAAAAAAAAAAAAAAAAAAAAAECcAABAnAAAAAAAAAAAAAAAAAAAAAAAAAAAAAAAAAAAAAAAAAAAAABQAAAAAAAAAwMD/AAAAAABkAAAAMgAAAAAAAABkAAAAAAAAAH9/fwAKAAAAIgAAABgAAAAAAAAAAAAAAAAAAAAAAAAAAAAAAAAAAAAkAAAAJAAAAAAAAAAHAAAAAAAAAAAAAAAAAAAAAAAAAAAAAAAAAAAAf39/ACUAAABYAAAAAAAAAAAAAAAAAAAAAAAAAAAAAAAAAAAAAAAAAAAAAAAAAAAAAAAAAAAAAAA/AAAAAAAAAKCGAQAAAAAAAAAAAAAAAAAMAAAAAQAAAAAAAAAAAAAAAAAAAB8AAABUAAAARHLEBf///wEAAAAAAAAAAAAAAAAAAAAAAAAAAAAAAAAAAAAAAAAAAAAAAAJ/f38A5+bmA8zMzADAwP8Af39/AAAAAAAAAAAAAAAAAAAAAAAAAAAAIQAAABgAAAAUAAAA3DMAAGAPAABmNgAAKhEAAAAAAAAmAAAACAAAAP//////////MAAAABQAAAAAAAAAAAD//wAAAQAAAP//AAABAA=="/>
+              </a:ext>
+            </a:extLst>
+          </p:cNvSpPr>
+          <p:nvPr/>
+        </p:nvSpPr>
+        <p:spPr>
+          <a:xfrm>
+            <a:off x="8430260" y="2499360"/>
+            <a:ext cx="412750" cy="290830"/>
+          </a:xfrm>
+          <a:prstGeom prst="rect">
+            <a:avLst/>
+          </a:prstGeom>
+          <a:noFill/>
+          <a:ln>
+            <a:noFill/>
+          </a:ln>
+          <a:effectLst/>
+        </p:spPr>
+        <p:txBody>
+          <a:bodyPr vert="horz" wrap="square" numCol="1" spcCol="215900" anchor="t"/>
+          <a:lstStyle/>
+          <a:p>
+            <a:pPr algn="ctr">
+              <a:defRPr lang="en-us" sz="1200" cap="none"/>
+            </a:pPr>
+            <a:r>
+              <a:t>FL</a:t>
+            </a:r>
+          </a:p>
+        </p:txBody>
+      </p:sp>
+      <p:sp>
+        <p:nvSpPr>
+          <p:cNvPr id="79" name="Textbox5"/>
+          <p:cNvSpPr txBox="1">
+            <a:extLst>
+              <a:ext uri="smNativeData">
+                <pr:smNativeData xmlns:pr="smNativeData" xmlns="smNativeData" val="SMDATA_16_FAWHYRMAAAAlAAAAEgAAAA8BAAAAkAAAAEgAAACQAAAASAAAAAAAAAAAAAAAAAAAAAEAAABQAAAAAAAAAAAA4D8AAAAAAADgPwAAAAAAAOA/AAAAAAAA4D8AAAAAAADgPwAAAAAAAOA/AAAAAAAA4D8AAAAAAADgPwAAAAAAAOA/AAAAAAAA4D8CAAAAjAAAAAAAAAAAAAAARHLEDP///wgAAAAAAAAAAAAAAAAAAAAAAAAAAAAAAAAAAAAAZAAAAAEAAABAAAAAAAAAAAAAAAAAAAAAAAAAAAAAAAAAAAAAAAAAAAAAAAAAAAAAAAAAAAAAAAAAAAAAAAAAAAAAAAAAAAAAAAAAAAAAAAAAAAAAAAAAAAAAAAAAAAAAFAAAADwAAAAAAAAAAAAAAAAAAAkUAAAAAQAAABQAAAAUAAAAFAAAAAEAAAAAAAAAZAAAAGQAAAAAAAAAZAAAAGQAAAAVAAAAYAAAAAAAAAAAAAAADwAAACADAAAAAAAAAAAAAAEAAACgMgAAVgcAAKr4//8BAAAAf39/AAEAAABkAAAAAAAAABQAAABAHwAAAAAAACYAAAAAAAAAwOD//wAAAAAmAAAAZAAAABYAAABMAAAAAAAAAAAAAAAEAAAAAAAAAAEAAADn5uYKAAAAACgAAAAoAAAAZAAAAGQAAAAAAAAAzMzMAAAAAABQAAAAUAAAAGQAAABkAAAAAAAAABcAAAAUAAAAAAAAANwIAAD/fwAA/38AAAAAAAAJAAAABAAAABUAAAAeAAAAaAAAAAAAAAAAAAAAAAAAAAAAAAAAAAAAECcAABAnAAAAAAAAAAAAAAAAAAAAAAAAAAAAAAAAAAAAAAAAAAAAABQAAAAAAAAAwMD/AAAAAABkAAAAMgAAAAAAAABkAAAAAAAAAH9/fwAKAAAAIgAAABgAAAAAAAAAAAAAAAAAAAAAAAAAAAAAAAAAAAAkAAAAJAAAAAAAAAAHAAAAAAAAAAAAAAAAAAAAAAAAAAAAAAAAAAAAf39/ACUAAABYAAAAAAAAAAAAAAAAAAAAAAAAAAAAAAAAAAAAAAAAAAAAAAAAAAAAAAAAAAAAAAA/AAAAAAAAAKCGAQAAAAAAAAAAAAAAAAAMAAAAAQAAAAAAAAAAAAAAAAAAAB8AAABUAAAARHLEBf///wEAAAAAAAAAAAAAAAAAAAAAAAAAAAAAAAAAAAAAAAAAAAAAAAJ/f38A5+bmA8zMzADAwP8Af39/AAAAAAAAAAAAAAAAAAAAAAAAAAAAIQAAABgAAAAUAAAAODkAAGAPAADCOwAAKhEAAAAAAAAmAAAACAAAAP//////////MAAAABQAAAAAAAAAAAD//wAAAQAAAP//AAABAA=="/>
+              </a:ext>
+            </a:extLst>
+          </p:cNvSpPr>
+          <p:nvPr/>
+        </p:nvSpPr>
+        <p:spPr>
+          <a:xfrm>
+            <a:off x="9301480" y="2499360"/>
+            <a:ext cx="412750" cy="290830"/>
+          </a:xfrm>
+          <a:prstGeom prst="rect">
+            <a:avLst/>
+          </a:prstGeom>
+          <a:noFill/>
+          <a:ln>
+            <a:noFill/>
+          </a:ln>
+          <a:effectLst/>
+        </p:spPr>
+        <p:txBody>
+          <a:bodyPr vert="horz" wrap="square" numCol="1" spcCol="215900" anchor="t"/>
+          <a:lstStyle/>
+          <a:p>
+            <a:pPr algn="ctr">
+              <a:defRPr lang="en-us" sz="1200" cap="none"/>
+            </a:pPr>
+            <a:r>
+              <a:t>FR</a:t>
+            </a:r>
+          </a:p>
+        </p:txBody>
+      </p:sp>
+      <p:sp>
+        <p:nvSpPr>
+          <p:cNvPr id="80" name="Textbox6"/>
+          <p:cNvSpPr txBox="1">
+            <a:extLst>
+              <a:ext uri="smNativeData">
+                <pr:smNativeData xmlns:pr="smNativeData" xmlns="smNativeData" val="SMDATA_16_FAWHYRMAAAAlAAAAEgAAAA8BAAAAkAAAAEgAAACQAAAASAAAAAAAAAAAAAAAAAAAAAEAAABQAAAAAAAAAAAA4D8AAAAAAADgPwAAAAAAAOA/AAAAAAAA4D8AAAAAAADgPwAAAAAAAOA/AAAAAAAA4D8AAAAAAADgPwAAAAAAAOA/AAAAAAAA4D8CAAAAjAAAAAAAAAAAAAAARHLEDP///wgAAAAAAAAAAAAAAAAAAAAAAAAAAAAAAAAAAAAAZAAAAAEAAABAAAAAAAAAAAAAAAAAAAAAAAAAAAAAAAAAAAAAAAAAAAAAAAAAAAAAAAAAAAAAAAAAAAAAAAAAAAAAAAAAAAAAAAAAAAAAAAAAAAAAAAAAAAAAAAAAAAAAFAAAADwAAAAAAAAAAAAAAAAAAAkUAAAAAQAAABQAAAAUAAAAFAAAAAEAAAAAAAAAZAAAAGQAAAAAAAAAZAAAAGQAAAAVAAAAYAAAAAAAAAAAAAAADwAAACADAAAAAAAAAAAAAAEAAACgMgAAVgcAAKr4//8BAAAAf39/AAEAAABkAAAAAAAAABQAAABAHwAAAAAAACYAAAAAAAAAwOD//wAAAAAmAAAAZAAAABYAAABMAAAAAAAAAAAAAAAEAAAAAAAAAAEAAADn5uYKAAAAACgAAAAoAAAAZAAAAGQAAAAAAAAAzMzMAAAAAABQAAAAUAAAAGQAAABkAAAAAAAAABcAAAAUAAAAAAAAANwIAAD/fwAA/38AAAAAAAAJAAAABAAAAD0AAAAeAAAAaAAAAAAAAAAAAAAAAAAAAAAAAAAAAAAAECcAABAnAAAAAAAAAAAAAAAAAAAAAAAAAAAAAAAAAAAAAAAAAAAAABQAAAAAAAAAwMD/AAAAAABkAAAAMgAAAAAAAABkAAAAAAAAAH9/fwAKAAAAIgAAABgAAAAAAAAAAAAAAAAAAAAAAAAAAAAAAAAAAAAkAAAAJAAAAAAAAAAHAAAAAAAAAAAAAAAAAAAAAAAAAAAAAAAAAAAAf39/ACUAAABYAAAAAAAAAAAAAAAAAAAAAAAAAAAAAAAAAAAAAAAAAAAAAAAAAAAAAAAAAAAAAAA/AAAAAAAAAKCGAQAAAAAAAAAAAAAAAAAMAAAAAQAAAAAAAAAAAAAAAAAAAB8AAABUAAAARHLEBf///wEAAAAAAAAAAAAAAAAAAAAAAAAAAAAAAAAAAAAAAAAAAAAAAAJ/f38A5+bmA8zMzADAwP8Af39/AAAAAAAAAAAAAAAAAAAAAAAAAAAAIQAAABgAAAAUAAAAdDsAAFQQAAA/PgAAQhIAAAAAAAAmAAAACAAAAP//////////MAAAABQAAAAAAAAAAAD//wAAAQAAAP//AAABAA=="/>
+              </a:ext>
+            </a:extLst>
+          </p:cNvSpPr>
+          <p:nvPr/>
+        </p:nvSpPr>
+        <p:spPr>
+          <a:xfrm>
+            <a:off x="9664700" y="2654300"/>
+            <a:ext cx="454025" cy="313690"/>
+          </a:xfrm>
+          <a:prstGeom prst="rect">
+            <a:avLst/>
+          </a:prstGeom>
+          <a:noFill/>
+          <a:ln>
+            <a:noFill/>
+          </a:ln>
+          <a:effectLst/>
+        </p:spPr>
+        <p:txBody>
+          <a:bodyPr vert="horz" wrap="square" numCol="1" spcCol="215900" anchor="t"/>
+          <a:lstStyle/>
+          <a:p>
+            <a:pPr algn="ctr">
+              <a:defRPr lang="en-us" sz="1200" cap="none"/>
+            </a:pPr>
+            <a:r>
+              <a:t>FRR</a:t>
+            </a:r>
+          </a:p>
+        </p:txBody>
+      </p:sp>
+      <p:sp>
+        <p:nvSpPr>
+          <p:cNvPr id="81" name="Textbox7"/>
+          <p:cNvSpPr txBox="1">
+            <a:extLst>
+              <a:ext uri="smNativeData">
+                <pr:smNativeData xmlns:pr="smNativeData" xmlns="smNativeData" val="SMDATA_16_FAWHYRMAAAAlAAAAEgAAAA8BAAAAkAAAAEgAAACQAAAASAAAAAAAAAAAAAAAAAAAAAEAAABQAAAAAAAAAAAA4D8AAAAAAADgPwAAAAAAAOA/AAAAAAAA4D8AAAAAAADgPwAAAAAAAOA/AAAAAAAA4D8AAAAAAADgPwAAAAAAAOA/AAAAAAAA4D8CAAAAjAAAAAAAAAAAAAAARHLEDP///wgAAAAAAAAAAAAAAAAAAAAAAAAAAAAAAAAAAAAAZAAAAAEAAABAAAAAAAAAAAAAAAAAAAAAAAAAAAAAAAAAAAAAAAAAAAAAAAAAAAAAAAAAAAAAAAAAAAAAAAAAAAAAAAAAAAAAAAAAAAAAAAAAAAAAAAAAAAAAAAAAAAAAFAAAADwAAAAAAAAAAAAAAAAAAAkUAAAAAQAAABQAAAAUAAAAFAAAAAEAAAAAAAAAZAAAAGQAAAAAAAAAZAAAAGQAAAAVAAAAYAAAAAAAAAAAAAAADwAAACADAAAAAAAAAAAAAAEAAACgMgAAVgcAAKr4//8BAAAAf39/AAEAAABkAAAAAAAAABQAAABAHwAAAAAAACYAAAAAAAAAwOD//wAAAAAmAAAAZAAAABYAAABMAAAAAAAAAAAAAAAEAAAAAAAAAAEAAADn5uYKAAAAACgAAAAoAAAAZAAAAGQAAAAAAAAAzMzMAAAAAABQAAAAUAAAAGQAAABkAAAAAAAAABcAAAAUAAAAAAAAANwIAAD/fwAA/38AAAAAAAAJAAAABAAAAD0AAAAeAAAAaAAAAAAAAAAAAAAAAAAAAAAAAAAAAAAAECcAABAnAAAAAAAAAAAAAAAAAAAAAAAAAAAAAAAAAAAAAAAAAAAAABQAAAAAAAAAwMD/AAAAAABkAAAAMgAAAAAAAABkAAAAAAAAAH9/fwAKAAAAIgAAABgAAAAAAAAAAAAAAAAAAAAAAAAAAAAAAAAAAAAkAAAAJAAAAAAAAAAHAAAAAAAAAAAAAAAAAAAAAAAAAAAAAAAAAAAAf39/ACUAAABYAAAAAAAAAAAAAAAAAAAAAAAAAAAAAAAAAAAAAAAAAAAAAAAAAAAAAAAAAAAAAAA/AAAAAAAAAKCGAQAAAAAAAAAAAAAAAAAMAAAAAQAAAAAAAAAAAAAAAAAAAB8AAABUAAAARHLEBf///wEAAAAAAAAAAAAAAAAAAAAAAAAAAAAAAAAAAAAAAAAAAAAAAAJ/f38A5+bmA8zMzADAwP8Af39/AAAAAAAAAAAAAAAAAAAAAAAAAAAAIQAAABgAAAAUAAAAkjYAAGQeAAAcOQAALiAAAAAAAAAmAAAACAAAAP//////////MAAAABQAAAAAAAAAAAD//wAAAQAAAP//AAABAA=="/>
+              </a:ext>
+            </a:extLst>
+          </p:cNvSpPr>
+          <p:nvPr/>
+        </p:nvSpPr>
+        <p:spPr>
+          <a:xfrm>
+            <a:off x="8870950" y="4940300"/>
+            <a:ext cx="412750" cy="290830"/>
+          </a:xfrm>
+          <a:prstGeom prst="rect">
+            <a:avLst/>
+          </a:prstGeom>
+          <a:noFill/>
+          <a:ln>
+            <a:noFill/>
+          </a:ln>
+          <a:effectLst/>
+        </p:spPr>
+        <p:txBody>
+          <a:bodyPr vert="horz" wrap="square" numCol="1" spcCol="215900" anchor="t"/>
+          <a:lstStyle/>
+          <a:p>
+            <a:pPr algn="ctr">
+              <a:defRPr lang="en-us" sz="1200" cap="none"/>
+            </a:pPr>
+            <a:r>
+              <a:t>BC</a:t>
+            </a:r>
+          </a:p>
+        </p:txBody>
+      </p:sp>
+      <p:sp>
+        <p:nvSpPr>
+          <p:cNvPr id="82" name="Textbox8"/>
+          <p:cNvSpPr txBox="1">
+            <a:extLst>
+              <a:ext uri="smNativeData">
+                <pr:smNativeData xmlns:pr="smNativeData" xmlns="smNativeData" val="SMDATA_16_FAWHYRMAAAAlAAAAEgAAAA8BAAAAkAAAAEgAAACQAAAASAAAAAAAAAAAAAAAAAAAAAEAAABQAAAAAAAAAAAA4D8AAAAAAADgPwAAAAAAAOA/AAAAAAAA4D8AAAAAAADgPwAAAAAAAOA/AAAAAAAA4D8AAAAAAADgPwAAAAAAAOA/AAAAAAAA4D8CAAAAjAAAAAAAAAAAAAAARHLEDP///wgAAAAAAAAAAAAAAAAAAAAAAAAAAAAAAAAAAAAAZAAAAAEAAABAAAAAAAAAAAAAAAAAAAAAAAAAAAAAAAAAAAAAAAAAAAAAAAAAAAAAAAAAAAAAAAAAAAAAAAAAAAAAAAAAAAAAAAAAAAAAAAAAAAAAAAAAAAAAAAAAAAAAFAAAADwAAAAAAAAAAAAAAAAAAAkUAAAAAQAAABQAAAAUAAAAFAAAAAEAAAAAAAAAZAAAAGQAAAAAAAAAZAAAAGQAAAAVAAAAYAAAAAAAAAAAAAAADwAAACADAAAAAAAAAAAAAAEAAACgMgAAVgcAAKr4//8BAAAAf39/AAEAAABkAAAAAAAAABQAAABAHwAAAAAAACYAAAAAAAAAwOD//wAAAAAmAAAAZAAAABYAAABMAAAAAAAAAAAAAAAEAAAAAAAAAAEAAADn5uYKAAAAACgAAAAoAAAAZAAAAGQAAAAAAAAAzMzMAAAAAABQAAAAUAAAAGQAAABkAAAAAAAAABcAAAAUAAAAAAAAANwIAAD/fwAA/38AAAAAAAAJAAAABAAAABUAAAAeAAAAaAAAAAAAAAAAAAAAAAAAAAAAAAAAAAAAECcAABAnAAAAAAAAAAAAAAAAAAAAAAAAAAAAAAAAAAAAAAAAAAAAABQAAAAAAAAAwMD/AAAAAABkAAAAMgAAAAAAAABkAAAAAAAAAH9/fwAKAAAAIgAAABgAAAAAAAAAAAAAAAAAAAAAAAAAAAAAAAAAAAAkAAAAJAAAAAAAAAAHAAAAAAAAAAAAAAAAAAAAAAAAAAAAAAAAAAAAf39/ACUAAABYAAAAAAAAAAAAAAAAAAAAAAAAAAAAAAAAAAAAAAAAAAAAAAAAAAAAAAAAAAAAAAA/AAAAAAAAAKCGAQAAAAAAAAAAAAAAAAAMAAAAAQAAAAAAAAAAAAAAAAAAAB8AAABUAAAARHLEBf///wEAAAAAAAAAAAAAAAAAAAAAAAAAAAAAAAAAAAAAAAAAAAAAAAJ/f38A5+bmA8zMzADAwP8Af39/AAAAAAAAAAAAAAAAAAAAAAAAAAAAIQAAABgAAAAUAAAAwDMAAIYdAABKNgAAUB8AAAAAAAAmAAAACAAAAP//////////MAAAABQAAAAAAAAAAAD//wAAAQAAAP//AAABAA=="/>
+              </a:ext>
+            </a:extLst>
+          </p:cNvSpPr>
+          <p:nvPr/>
+        </p:nvSpPr>
+        <p:spPr>
+          <a:xfrm>
+            <a:off x="8412480" y="4799330"/>
+            <a:ext cx="412750" cy="290830"/>
+          </a:xfrm>
+          <a:prstGeom prst="rect">
+            <a:avLst/>
+          </a:prstGeom>
+          <a:noFill/>
+          <a:ln>
+            <a:noFill/>
+          </a:ln>
+          <a:effectLst/>
+        </p:spPr>
+        <p:txBody>
+          <a:bodyPr vert="horz" wrap="square" numCol="1" spcCol="215900" anchor="t"/>
+          <a:lstStyle/>
+          <a:p>
+            <a:pPr algn="ctr">
+              <a:defRPr lang="en-us" sz="1200" cap="none"/>
+            </a:pPr>
+            <a:r>
+              <a:t>BL</a:t>
+            </a:r>
+          </a:p>
+        </p:txBody>
+      </p:sp>
+      <p:sp>
+        <p:nvSpPr>
+          <p:cNvPr id="83" name="Textbox9"/>
+          <p:cNvSpPr txBox="1">
+            <a:extLst>
+              <a:ext uri="smNativeData">
+                <pr:smNativeData xmlns:pr="smNativeData" xmlns="smNativeData" val="SMDATA_16_FAWHYRMAAAAlAAAAEgAAAA8BAAAAkAAAAEgAAACQAAAASAAAAAAAAAAAAAAAAAAAAAEAAABQAAAAAAAAAAAA4D8AAAAAAADgPwAAAAAAAOA/AAAAAAAA4D8AAAAAAADgPwAAAAAAAOA/AAAAAAAA4D8AAAAAAADgPwAAAAAAAOA/AAAAAAAA4D8CAAAAjAAAAAAAAAAAAAAARHLEDP///wgAAAAAAAAAAAAAAAAAAAAAAAAAAAAAAAAAAAAAZAAAAAEAAABAAAAAAAAAAAAAAAAAAAAAAAAAAAAAAAAAAAAAAAAAAAAAAAAAAAAAAAAAAAAAAAAAAAAAAAAAAAAAAAAAAAAAAAAAAAAAAAAAAAAAAAAAAAAAAAAAAAAAFAAAADwAAAAAAAAAAAAAAAAAAAkUAAAAAQAAABQAAAAUAAAAFAAAAAEAAAAAAAAAZAAAAGQAAAAAAAAAZAAAAGQAAAAVAAAAYAAAAAAAAAAAAAAADwAAACADAAAAAAAAAAAAAAEAAACgMgAAVgcAAKr4//8BAAAAf39/AAEAAABkAAAAAAAAABQAAABAHwAAAAAAACYAAAAAAAAAwOD//wAAAAAmAAAAZAAAABYAAABMAAAAAAAAAAAAAAAEAAAAAAAAAAEAAADn5uYKAAAAACgAAAAoAAAAZAAAAGQAAAAAAAAAzMzMAAAAAABQAAAAUAAAAGQAAABkAAAAAAAAABcAAAAUAAAAAAAAANwIAAD/fwAA/38AAAAAAAAJAAAABAAAAD0AAAAeAAAAaAAAAAAAAAAAAAAAAAAAAAAAAAAAAAAAECcAABAnAAAAAAAAAAAAAAAAAAAAAAAAAAAAAAAAAAAAAAAAAAAAABQAAAAAAAAAwMD/AAAAAABkAAAAMgAAAAAAAABkAAAAAAAAAH9/fwAKAAAAIgAAABgAAAAAAAAAAAAAAAAAAAAAAAAAAAAAAAAAAAAkAAAAJAAAAAAAAAAHAAAAAAAAAAAAAAAAAAAAAAAAAAAAAAAAAAAAf39/ACUAAABYAAAAAAAAAAAAAAAAAAAAAAAAAAAAAAAAAAAAAAAAAAAAAAAAAAAAAAAAAAAAAAA/AAAAAAAAAKCGAQAAAAAAAAAAAAAAAAAMAAAAAQAAAAAAAAAAAAAAAAAAAB8AAABUAAAARHLEBf///wEAAAAAAAAAAAAAAAAAAAAAAAAAAAAAAAAAAAAAAAAAAAAAAAJ/f38A5+bmA8zMzADAwP8Af39/AAAAAAAAAAAAAAAAAAAAAAAAAAAAIQAAABgAAAAUAAAAgDkAAIYdAAAKPAAAUB8AAAAAAAAmAAAACAAAAP//////////MAAAABQAAAAAAAAAAAD//wAAAQAAAP//AAABAA=="/>
+              </a:ext>
+            </a:extLst>
+          </p:cNvSpPr>
+          <p:nvPr/>
+        </p:nvSpPr>
+        <p:spPr>
+          <a:xfrm>
+            <a:off x="9347200" y="4799330"/>
+            <a:ext cx="412750" cy="290830"/>
+          </a:xfrm>
+          <a:prstGeom prst="rect">
+            <a:avLst/>
+          </a:prstGeom>
+          <a:noFill/>
+          <a:ln>
+            <a:noFill/>
+          </a:ln>
+          <a:effectLst/>
+        </p:spPr>
+        <p:txBody>
+          <a:bodyPr vert="horz" wrap="square" numCol="1" spcCol="215900" anchor="t"/>
+          <a:lstStyle/>
+          <a:p>
+            <a:pPr algn="ctr">
+              <a:defRPr lang="en-us" sz="1200" cap="none"/>
+            </a:pPr>
+            <a:r>
+              <a:t>BR</a:t>
+            </a:r>
+          </a:p>
+        </p:txBody>
+      </p:sp>
+      <p:sp>
+        <p:nvSpPr>
+          <p:cNvPr id="84" name="Textbox10"/>
+          <p:cNvSpPr txBox="1">
+            <a:extLst>
+              <a:ext uri="smNativeData">
+                <pr:smNativeData xmlns:pr="smNativeData" xmlns="smNativeData" val="SMDATA_16_FAWHYRMAAAAlAAAAEgAAAA8BAAAAkAAAAEgAAACQAAAASAAAAAAAAAAAAAAAAAAAAAEAAABQAAAAAAAAAAAA4D8AAAAAAADgPwAAAAAAAOA/AAAAAAAA4D8AAAAAAADgPwAAAAAAAOA/AAAAAAAA4D8AAAAAAADgPwAAAAAAAOA/AAAAAAAA4D8CAAAAjAAAAAAAAAAAAAAARHLEDP///wgAAAAAAAAAAAAAAAAAAAAAAAAAAAAAAAAAAAAAZAAAAAEAAABAAAAAAAAAAAAAAAAAAAAAAAAAAAAAAAAAAAAAAAAAAAAAAAAAAAAAAAAAAAAAAAAAAAAAAAAAAAAAAAAAAAAAAAAAAAAAAAAAAAAAAAAAAAAAAAAAAAAAFAAAADwAAAAAAAAAAAAAAAAAAAkUAAAAAQAAABQAAAAUAAAAFAAAAAEAAAAAAAAAZAAAAGQAAAAAAAAAZAAAAGQAAAAVAAAAYAAAAAAAAAAAAAAADwAAACADAAAAAAAAAAAAAAEAAACgMgAAVgcAAKr4//8BAAAAf39/AAEAAABkAAAAAAAAABQAAABAHwAAAAAAACYAAAAAAAAAwOD//wAAAAAmAAAAZAAAABYAAABMAAAAAAAAAAAAAAAEAAAAAAAAAAEAAADn5uYKAAAAACgAAAAoAAAAZAAAAGQAAAAAAAAAzMzMAAAAAABQAAAAUAAAAGQAAABkAAAAAAAAABcAAAAUAAAAAAAAANwIAAD/fwAA/38AAAAAAAAJAAAABAAAABUAAAAeAAAAaAAAAAAAAAAAAAAAAAAAAAAAAAAAAAAAECcAABAnAAAAAAAAAAAAAAAAAAAAAAAAAAAAAAAAAAAAAAAAAAAAABQAAAAAAAAAwMD/AAAAAABkAAAAMgAAAAAAAABkAAAAAAAAAH9/fwAKAAAAIgAAABgAAAAAAAAAAAAAAAAAAAAAAAAAAAAAAAAAAAAkAAAAJAAAAAAAAAAHAAAAAAAAAAAAAAAAAAAAAAAAAAAAAAAAAAAAf39/ACUAAABYAAAAAAAAAAAAAAAAAAAAAAAAAAAAAAAAAAAAAAAAAAAAAAAAAAAAAAAAAAAAAAA/AAAAAAAAAKCGAQAAAAAAAAAAAAAAAAAMAAAAAQAAAAAAAAAAAAAAAAAAAB8AAABUAAAARHLEBf///wEAAAAAAAAAAAAAAAAAAAAAAAAAAAAAAAAAAAAAAAAAAAAAAAJ/f38A5+bmA8zMzADAwP8Af39/AAAAAAAAAAAAAAAAAAAAAAAAAAAAIQAAABgAAAAUAAAAxDQAAB8WAABlNgAAdxcAAAAAAAAmAAAACAAAAP//////////MAAAABQAAAAAAAAAAAD//wAAAQAAAP//AAABAA=="/>
+              </a:ext>
+            </a:extLst>
+          </p:cNvSpPr>
+          <p:nvPr/>
+        </p:nvSpPr>
+        <p:spPr>
+          <a:xfrm>
+            <a:off x="8577580" y="3596005"/>
+            <a:ext cx="264795" cy="218440"/>
+          </a:xfrm>
+          <a:prstGeom prst="rect">
+            <a:avLst/>
+          </a:prstGeom>
+          <a:noFill/>
+          <a:ln>
+            <a:noFill/>
+          </a:ln>
+          <a:effectLst/>
+        </p:spPr>
+        <p:txBody>
+          <a:bodyPr vert="horz" wrap="square" numCol="1" spcCol="215900" anchor="t"/>
+          <a:lstStyle/>
+          <a:p>
+            <a:pPr algn="ctr">
+              <a:defRPr lang="en-us" sz="900" cap="none"/>
+            </a:pPr>
+            <a:r>
+              <a:t>LL</a:t>
+            </a:r>
+          </a:p>
+        </p:txBody>
+      </p:sp>
+      <p:sp>
+        <p:nvSpPr>
+          <p:cNvPr id="85" name="Textbox11"/>
+          <p:cNvSpPr txBox="1">
+            <a:extLst>
+              <a:ext uri="smNativeData">
+                <pr:smNativeData xmlns:pr="smNativeData" xmlns="smNativeData" val="SMDATA_16_FAWHYRMAAAAlAAAAEgAAAE8BAAAAkAAAAEgAAACQAAAASAAAAAAAAAAAAAAAAAAAAAEAAABQAAAAAAAAAAAA4D8AAAAAAADgPwAAAAAAAOA/AAAAAAAA4D8AAAAAAADgPwAAAAAAAOA/AAAAAAAA4D8AAAAAAADgPwAAAAAAAOA/AAAAAAAA4D8CAAAAjAAAAAAAAAAAAAAARHLEDP///wgAAAAAAAAAAAAAAAAAAAAAAAAAAAAAAAAAAAAAZAAAAAEAAABAAAAAAAAAAAAAAAAAAAAAAAAAAAAAAAAAAAAAAAAAAAAAAAAAAAAAAAAAAAAAAAAAAAAAAAAAAAAAAAAAAAAAAAAAAAAAAAAAAAAAAAAAAAAAAAAAAAAAFAAAADwAAAAAAAAAAAAAAAAAAAkUAAAAAQAAABQAAAAUAAAAFAAAAAEAAAAAAAAAZAAAAGQAAAAAAAAAZAAAAGQAAAAVAAAAYAAAAAAAAAAAAAAADwAAACADAAAAAAAAAAAAAAEAAACgMgAAAAAAAAAAAAABAAAAf39/AAEAAABkAAAAAAAAABQAAABAHwAAAAAAACYAAAAAAAAAwOD//wAAAAAmAAAAZAAAABYAAABMAAAAAAAAAAAAAAAEAAAAAAAAAAEAAADn5uYKAAAAACgAAAAoAAAAZAAAAGQAAAAAAAAAzMzMAAAAAABQAAAAUAAAAGQAAABkAAAAAAAAABcAAAAUAAAAAAAAANwIAAD/fwAA/38AAAAAAAAJAAAABAAAABUAAAAeAAAAaAAAAAAAAAAAAAAAAAAAAAAAAAAAAAAAECcAABAnAAAAAAAAAAAAAAAAAAAAAAAAAAAAAAAAAAAAAAAAAAAAABQAAAAAAAAAwMD/AAAAAABkAAAAMgAAAAAAAABkAAAAAAAAAH9/fwAKAAAAIgAAABgAAAAAAAAAAAAAAAAAAAAAAAAAAAAAAAAAAAAkAAAAJAAAAAAAAAAHAAAAAAAAAAAAAAAAAAAAAAAAAAAAAAAAAAAAf39/ACUAAABYAAAAAAAAAAAAAAAAAAAAAAAAAAAAAAAAAAAAAAAAAAAAAAAAAAAAAAAAAAAAAAA/AAAAAAAAAKCGAQAAAAAAAAAAAAAAAAAMAAAAAQAAAAAAAAAAAAAAAAAAAB8AAABUAAAARHLEBf///wEAAAAAAAAAAAAAAAAAAAAAAAAAAAAAAAAAAAAAAAAAAAAAAAJ/f38A5+bmA8zMzADAwP8Af39/AAAAAAAAAAAAAAAAAAAAAAAAAAAAIQAAABgAAAAUAAAAITkAABMWAABHOwAAexcAAAAgAAAmAAAACAAAAP//////////MAAAABQAAAAAAAAAAAD//wAAAQAAAP//AAABAA=="/>
+              </a:ext>
+            </a:extLst>
+          </p:cNvSpPr>
+          <p:nvPr/>
+        </p:nvSpPr>
+        <p:spPr>
+          <a:xfrm>
+            <a:off x="9286875" y="3588385"/>
+            <a:ext cx="349250" cy="228600"/>
+          </a:xfrm>
+          <a:prstGeom prst="rect">
+            <a:avLst/>
+          </a:prstGeom>
+          <a:noFill/>
+          <a:ln>
+            <a:noFill/>
+          </a:ln>
+          <a:effectLst/>
+        </p:spPr>
+        <p:txBody>
+          <a:bodyPr vert="horz" wrap="square" numCol="1" spcCol="215900" anchor="t"/>
+          <a:lstStyle/>
+          <a:p>
+            <a:pPr algn="ctr">
+              <a:defRPr lang="en-us" sz="900" cap="none"/>
+            </a:pPr>
+            <a:r>
+              <a:t>RR</a:t>
+            </a:r>
+          </a:p>
+        </p:txBody>
+      </p:sp>
+      <p:sp>
+        <p:nvSpPr>
+          <p:cNvPr id="86" name="Textbox12"/>
+          <p:cNvSpPr txBox="1">
+            <a:extLst>
+              <a:ext uri="smNativeData">
+                <pr:smNativeData xmlns:pr="smNativeData" xmlns="smNativeData" val="SMDATA_16_FAWHYRMAAAAlAAAAEgAAAE8BAAAAkAAAAEgAAACQAAAASAAAAAAAAAAAAAAAAAAAAAEAAABQAAAAAAAAAAAA4D8AAAAAAADgPwAAAAAAAOA/AAAAAAAA4D8AAAAAAADgPwAAAAAAAOA/AAAAAAAA4D8AAAAAAADgPwAAAAAAAOA/AAAAAAAA4D8CAAAAjAAAAAAAAAAAAAAARHLEDP///wgAAAAAAAAAAAAAAAAAAAAAAAAAAAAAAAAAAAAAZAAAAAEAAABAAAAAAAAAAAAAAAAAAAAAAAAAAAAAAAAAAAAAAAAAAAAAAAAAAAAAAAAAAAAAAAAAAAAAAAAAAAAAAAAAAAAAAAAAAAAAAAAAAAAAAAAAAAAAAAAAAAAAFAAAADwAAAAAAAAAAAAAAAAAAAkUAAAAAQAAABQAAAAUAAAAFAAAAAEAAAAAAAAAZAAAAGQAAAAAAAAAZAAAAGQAAAAVAAAAYAAAAAAAAAAAAAAADwAAACADAAAAAAAAAAAAAAEAAACgMgAAAAAAAAAAAAABAAAAf39/AAEAAABkAAAAAAAAABQAAABAHwAAAAAAACYAAAAAAAAAwOD//wAAAAAmAAAAZAAAABYAAABMAAAAAAAAAAAAAAAEAAAAAAAAAAEAAADn5uYKAAAAACgAAAAoAAAAZAAAAGQAAAAAAAAAzMzMAAAAAABQAAAAUAAAAGQAAABkAAAAAAAAABcAAAAUAAAAAAAAANwIAAD/fwAA/38AAAAAAAAJAAAABAAAAD0AAAAeAAAAaAAAAAAAAAAAAAAAAAAAAAAAAAAAAAAAECcAABAnAAAAAAAAAAAAAAAAAAAAAAAAAAAAAAAAAAAAAAAAAAAAABQAAAAAAAAAwMD/AAAAAABkAAAAMgAAAAAAAABkAAAAAAAAAH9/fwAKAAAAIgAAABgAAAAAAAAAAAAAAAAAAAAAAAAAAAAAAAAAAAAkAAAAJAAAAAAAAAAHAAAAAAAAAAAAAAAAAAAAAAAAAAAAAAAAAAAAf39/ACUAAABYAAAAAAAAAAAAAAAAAAAAAAAAAAAAAAAAAAAAAAAAAAAAAAAAAAAAAAAAAAAAAAA/AAAAAAAAAKCGAQAAAAAAAAAAAAAAAAAMAAAAAQAAAAAAAAAAAAAAAAAAAB8AAABUAAAARHLEBf///wEAAAAAAAAAAAAAAAAAAAAAAAAAAAAAAAAAAAAAAAAAAAAAAAJ/f38A5+bmA8zMzADAwP8Af39/AAAAAAAAAAAAAAAAAAAAAAAAAAAAIQAAABgAAAAUAAAArTgAAH0UAADTOgAA5RUAAAAgAAAmAAAACAAAAP//////////MAAAABQAAAAAAAAAAAD//wAAAQAAAP//AAABAA=="/>
+              </a:ext>
+            </a:extLst>
+          </p:cNvSpPr>
+          <p:nvPr/>
+        </p:nvSpPr>
+        <p:spPr>
+          <a:xfrm>
+            <a:off x="9213215" y="3330575"/>
+            <a:ext cx="349250" cy="228600"/>
+          </a:xfrm>
+          <a:prstGeom prst="rect">
+            <a:avLst/>
+          </a:prstGeom>
+          <a:noFill/>
+          <a:ln>
+            <a:noFill/>
+          </a:ln>
+          <a:effectLst/>
+        </p:spPr>
+        <p:txBody>
+          <a:bodyPr vert="horz" wrap="square" numCol="1" spcCol="215900" anchor="t"/>
+          <a:lstStyle/>
+          <a:p>
+            <a:pPr algn="ctr">
+              <a:defRPr lang="en-us" sz="900" cap="none"/>
+            </a:pPr>
+            <a:r>
+              <a:t>R</a:t>
+            </a:r>
+          </a:p>
+        </p:txBody>
+      </p:sp>
+      <p:sp>
+        <p:nvSpPr>
+          <p:cNvPr id="87" name="Textbox13"/>
+          <p:cNvSpPr txBox="1">
+            <a:extLst>
+              <a:ext uri="smNativeData">
+                <pr:smNativeData xmlns:pr="smNativeData" xmlns="smNativeData" val="SMDATA_16_FAWHYRMAAAAlAAAAEgAAAE8BAAAAkAAAAEgAAACQAAAASAAAAAAAAAAAAAAAAAAAAAEAAABQAAAAAAAAAAAA4D8AAAAAAADgPwAAAAAAAOA/AAAAAAAA4D8AAAAAAADgPwAAAAAAAOA/AAAAAAAA4D8AAAAAAADgPwAAAAAAAOA/AAAAAAAA4D8CAAAAjAAAAAAAAAAAAAAARHLEDP///wgAAAAAAAAAAAAAAAAAAAAAAAAAAAAAAAAAAAAAZAAAAAEAAABAAAAAAAAAAAAAAAAAAAAAAAAAAAAAAAAAAAAAAAAAAAAAAAAAAAAAAAAAAAAAAAAAAAAAAAAAAAAAAAAAAAAAAAAAAAAAAAAAAAAAAAAAAAAAAAAAAAAAFAAAADwAAAAAAAAAAAAAAAAAAAkUAAAAAQAAABQAAAAUAAAAFAAAAAEAAAAAAAAAZAAAAGQAAAAAAAAAZAAAAGQAAAAVAAAAYAAAAAAAAAAAAAAADwAAACADAAAAAAAAAAAAAAEAAACgMgAAAAAAAAAAAAABAAAAf39/AAEAAABkAAAAAAAAABQAAABAHwAAAAAAACYAAAAAAAAAwOD//wAAAAAmAAAAZAAAABYAAABMAAAAAAAAAAAAAAAEAAAAAAAAAAEAAADn5uYKAAAAACgAAAAoAAAAZAAAAGQAAAAAAAAAzMzMAAAAAABQAAAAUAAAAGQAAABkAAAAAAAAABcAAAAUAAAAAAAAANwIAAD/fwAA/38AAAAAAAAJAAAABAAAAAwAAAAeAAAAaAAAAAAAAAAAAAAAAAAAAAAAAAAAAAAAECcAABAnAAAAAAAAAAAAAAAAAAAAAAAAAAAAAAAAAAAAAAAAAAAAABQAAAAAAAAAwMD/AAAAAABkAAAAMgAAAAAAAABkAAAAAAAAAH9/fwAKAAAAIgAAABgAAAAAAAAAAAAAAAAAAAAAAAAAAAAAAAAAAAAkAAAAJAAAAAAAAAAHAAAAAAAAAAAAAAAAAAAAAAAAAAAAAAAAAAAAf39/ACUAAABYAAAAAAAAAAAAAAAAAAAAAAAAAAAAAAAAAAAAAAAAAAAAAAAAAAAAAAAAAAAAAAA/AAAAAAAAAKCGAQAAAAAAAAAAAAAAAAAMAAAAAQAAAAAAAAAAAAAAAAAAAB8AAABUAAAARHLEBf///wEAAAAAAAAAAAAAAAAAAAAAAAAAAAAAAAAAAAAAAAAAAAAAAAJ/f38A5+bmA8zMzADAwP8Af39/AAAAAAAAAAAAAAAAAAAAAAAAAAAAIQAAABgAAAAUAAAAETUAAG4UAAA3NwAA1hUAAAAgAAAmAAAACAAAAP//////////MAAAABQAAAAAAAAAAAD//wAAAQAAAP//AAABAA=="/>
+              </a:ext>
+            </a:extLst>
+          </p:cNvSpPr>
+          <p:nvPr/>
+        </p:nvSpPr>
+        <p:spPr>
+          <a:xfrm>
+            <a:off x="8626475" y="3321050"/>
+            <a:ext cx="349250" cy="228600"/>
+          </a:xfrm>
+          <a:prstGeom prst="rect">
+            <a:avLst/>
+          </a:prstGeom>
+          <a:noFill/>
+          <a:ln>
+            <a:noFill/>
+          </a:ln>
+          <a:effectLst/>
+        </p:spPr>
+        <p:txBody>
+          <a:bodyPr vert="horz" wrap="square" numCol="1" spcCol="215900" anchor="t"/>
+          <a:lstStyle/>
+          <a:p>
+            <a:pPr algn="ctr">
+              <a:defRPr lang="en-us" sz="900" cap="none"/>
+            </a:pPr>
+            <a:r>
+              <a:t>L</a:t>
+            </a:r>
+          </a:p>
+        </p:txBody>
+      </p:sp>
+      <p:sp>
+        <p:nvSpPr>
+          <p:cNvPr id="88" name="Textbox14"/>
+          <p:cNvSpPr txBox="1">
+            <a:extLst>
+              <a:ext uri="smNativeData">
+                <pr:smNativeData xmlns:pr="smNativeData" xmlns="smNativeData" val="SMDATA_16_FAWHYRMAAAAlAAAAEgAAAE8BAAAAkAAAAEgAAACQAAAASAAAAAAAAAAAAAAAAAAAAAEAAABQAAAAAAAAAAAA4D8AAAAAAADgPwAAAAAAAOA/AAAAAAAA4D8AAAAAAADgPwAAAAAAAOA/AAAAAAAA4D8AAAAAAADgPwAAAAAAAOA/AAAAAAAA4D8CAAAAjAAAAAAAAAAAAAAARHLEDP///wgAAAAAAAAAAAAAAAAAAAAAAAAAAAAAAAAAAAAAZAAAAAEAAABAAAAAAAAAAAAAAAAAAAAAAAAAAAAAAAAAAAAAAAAAAAAAAAAAAAAAAAAAAAAAAAAAAAAAAAAAAAAAAAAAAAAAAAAAAAAAAAAAAAAAAAAAAAAAAAAAAAAAFAAAADwAAAAAAAAAAAAAAAAAAAkUAAAAAQAAABQAAAAUAAAAFAAAAAEAAAAAAAAAZAAAAGQAAAAAAAAAZAAAAGQAAAAVAAAAYAAAAAAAAAAAAAAADwAAACADAAAAAAAAAAAAAAEAAACgMgAAAAAAAAAAAAABAAAAf39/AAEAAABkAAAAAAAAABQAAABAHwAAAAAAACYAAAAAAAAAwOD//wAAAAAmAAAAZAAAABYAAABMAAAAAAAAAAAAAAAEAAAAAAAAAAEAAADn5uYKAAAAACgAAAAoAAAAZAAAAGQAAAAAAAAAzMzMAAAAAABQAAAAUAAAAGQAAABkAAAAAAAAABcAAAAUAAAAAAAAANwIAAD/fwAA/38AAAAAAAAJAAAABAAAAAwAAAAeAAAAaAAAAAAAAAAAAAAAAAAAAAAAAAAAAAAAECcAABAnAAAAAAAAAAAAAAAAAAAAAAAAAAAAAAAAAAAAAAAAAAAAABQAAAAAAAAAwMD/AAAAAABkAAAAMgAAAAAAAABkAAAAAAAAAH9/fwAKAAAAIgAAABgAAAAAAAAAAAAAAAAAAAAAAAAAAAAAAAAAAAAkAAAAJAAAAAAAAAAHAAAAAAAAAAAAAAAAAAAAAAAAAAAAAAAAAAAAf39/ACUAAABYAAAAAAAAAAAAAAAAAAAAAAAAAAAAAAAAAAAAAAAAAAAAAAAAAAAAAAAAAAAAAAA/AAAAAAAAAKCGAQAAAAAAAAAAAAAAAAAMAAAAAQAAAAAAAAAAAAAAAAAAAB8AAABUAAAARHLEBf///wEAAAAAAAAAAAAAAAAAAAAAAAAAAAAAAAAAAAAAAAAAAAAAAAJ/f38A5+bmA8zMzADAwP8Af39/AAAAAAAAAAAAAAAAAAAAAAAAAAAAIQAAABgAAAAUAAAAwDYAAJoTAADmOAAAAhUAAAAgAAAmAAAACAAAAP//////////MAAAABQAAAAAAAAAAAD//wAAAQAAAP//AAABAA=="/>
+              </a:ext>
+            </a:extLst>
+          </p:cNvSpPr>
+          <p:nvPr/>
+        </p:nvSpPr>
+        <p:spPr>
+          <a:xfrm>
+            <a:off x="8900160" y="3186430"/>
+            <a:ext cx="349250" cy="228600"/>
+          </a:xfrm>
+          <a:prstGeom prst="rect">
+            <a:avLst/>
+          </a:prstGeom>
+          <a:noFill/>
+          <a:ln>
+            <a:noFill/>
+          </a:ln>
+          <a:effectLst/>
+        </p:spPr>
+        <p:txBody>
+          <a:bodyPr vert="horz" wrap="square" numCol="1" spcCol="215900" anchor="t"/>
+          <a:lstStyle/>
+          <a:p>
+            <a:pPr algn="ctr">
+              <a:defRPr lang="en-us" sz="900" cap="none"/>
+            </a:pPr>
+            <a:r>
+              <a:t>C</a:t>
+            </a:r>
+          </a:p>
+        </p:txBody>
+      </p:sp>
     </p:spTree>
   </p:cSld>
   <p:clrMapOvr>
@@ -14876,6 +15353,47 @@
       </a:clrScheme>
       <a:clrMap bg1="lt1" tx1="dk1" bg2="lt2" tx2="dk2" accent1="accent1" accent2="accent2" accent3="accent3" accent4="accent4" accent5="accent5" accent6="accent6" hlink="hlink" folHlink="folHlink"/>
     </a:extraClrScheme>
+    <a:extraClrScheme>
+      <a:clrScheme name="Presentation 3">
+        <a:dk1>
+          <a:srgbClr val="000000"/>
+        </a:dk1>
+        <a:lt1>
+          <a:srgbClr val="FFFFFF"/>
+        </a:lt1>
+        <a:dk2>
+          <a:srgbClr val="44546A"/>
+        </a:dk2>
+        <a:lt2>
+          <a:srgbClr val="E7E6E6"/>
+        </a:lt2>
+        <a:accent1>
+          <a:srgbClr val="4472C4"/>
+        </a:accent1>
+        <a:accent2>
+          <a:srgbClr val="ED7D31"/>
+        </a:accent2>
+        <a:accent3>
+          <a:srgbClr val="A5A5A5"/>
+        </a:accent3>
+        <a:accent4>
+          <a:srgbClr val="FFC000"/>
+        </a:accent4>
+        <a:accent5>
+          <a:srgbClr val="5B9BD5"/>
+        </a:accent5>
+        <a:accent6>
+          <a:srgbClr val="70AD47"/>
+        </a:accent6>
+        <a:hlink>
+          <a:srgbClr val="0563C1"/>
+        </a:hlink>
+        <a:folHlink>
+          <a:srgbClr val="954F72"/>
+        </a:folHlink>
+      </a:clrScheme>
+      <a:clrMap bg1="lt1" tx1="dk1" bg2="lt2" tx2="dk2" accent1="accent1" accent2="accent2" accent3="accent3" accent4="accent4" accent5="accent5" accent6="accent6" hlink="hlink" folHlink="folHlink"/>
+    </a:extraClrScheme>
   </a:extraClrSchemeLst>
 </a:theme>
 </file>